--- a/ppt/tf.reduce_mean.pptx
+++ b/ppt/tf.reduce_mean.pptx
@@ -6,18 +6,19 @@
   </p:sldMasterIdLst>
   <p:sldIdLst>
     <p:sldId id="256" r:id="rId2"/>
-    <p:sldId id="257" r:id="rId3"/>
-    <p:sldId id="258" r:id="rId4"/>
-    <p:sldId id="259" r:id="rId5"/>
-    <p:sldId id="260" r:id="rId6"/>
-    <p:sldId id="261" r:id="rId7"/>
-    <p:sldId id="262" r:id="rId8"/>
-    <p:sldId id="263" r:id="rId9"/>
-    <p:sldId id="264" r:id="rId10"/>
-    <p:sldId id="265" r:id="rId11"/>
-    <p:sldId id="266" r:id="rId12"/>
-    <p:sldId id="267" r:id="rId13"/>
-    <p:sldId id="268" r:id="rId14"/>
+    <p:sldId id="269" r:id="rId3"/>
+    <p:sldId id="257" r:id="rId4"/>
+    <p:sldId id="258" r:id="rId5"/>
+    <p:sldId id="259" r:id="rId6"/>
+    <p:sldId id="260" r:id="rId7"/>
+    <p:sldId id="261" r:id="rId8"/>
+    <p:sldId id="262" r:id="rId9"/>
+    <p:sldId id="263" r:id="rId10"/>
+    <p:sldId id="264" r:id="rId11"/>
+    <p:sldId id="265" r:id="rId12"/>
+    <p:sldId id="266" r:id="rId13"/>
+    <p:sldId id="267" r:id="rId14"/>
+    <p:sldId id="268" r:id="rId15"/>
   </p:sldIdLst>
   <p:sldSz cx="9144000" cy="6858000" type="screen4x3"/>
   <p:notesSz cx="6858000" cy="9144000"/>
@@ -316,7 +317,7 @@
           <a:p>
             <a:fld id="{154D151C-2C25-4305-8E14-82B64FCC1564}" type="datetimeFigureOut">
               <a:rPr lang="zh-CN" altLang="en-US" smtClean="0"/>
-              <a:t>2020-04-04</a:t>
+              <a:t>2020-06-30</a:t>
             </a:fld>
             <a:endParaRPr lang="zh-CN" altLang="en-US"/>
           </a:p>
@@ -486,7 +487,7 @@
           <a:p>
             <a:fld id="{154D151C-2C25-4305-8E14-82B64FCC1564}" type="datetimeFigureOut">
               <a:rPr lang="zh-CN" altLang="en-US" smtClean="0"/>
-              <a:t>2020-04-04</a:t>
+              <a:t>2020-06-30</a:t>
             </a:fld>
             <a:endParaRPr lang="zh-CN" altLang="en-US"/>
           </a:p>
@@ -666,7 +667,7 @@
           <a:p>
             <a:fld id="{154D151C-2C25-4305-8E14-82B64FCC1564}" type="datetimeFigureOut">
               <a:rPr lang="zh-CN" altLang="en-US" smtClean="0"/>
-              <a:t>2020-04-04</a:t>
+              <a:t>2020-06-30</a:t>
             </a:fld>
             <a:endParaRPr lang="zh-CN" altLang="en-US"/>
           </a:p>
@@ -836,7 +837,7 @@
           <a:p>
             <a:fld id="{154D151C-2C25-4305-8E14-82B64FCC1564}" type="datetimeFigureOut">
               <a:rPr lang="zh-CN" altLang="en-US" smtClean="0"/>
-              <a:t>2020-04-04</a:t>
+              <a:t>2020-06-30</a:t>
             </a:fld>
             <a:endParaRPr lang="zh-CN" altLang="en-US"/>
           </a:p>
@@ -1082,7 +1083,7 @@
           <a:p>
             <a:fld id="{154D151C-2C25-4305-8E14-82B64FCC1564}" type="datetimeFigureOut">
               <a:rPr lang="zh-CN" altLang="en-US" smtClean="0"/>
-              <a:t>2020-04-04</a:t>
+              <a:t>2020-06-30</a:t>
             </a:fld>
             <a:endParaRPr lang="zh-CN" altLang="en-US"/>
           </a:p>
@@ -1370,7 +1371,7 @@
           <a:p>
             <a:fld id="{154D151C-2C25-4305-8E14-82B64FCC1564}" type="datetimeFigureOut">
               <a:rPr lang="zh-CN" altLang="en-US" smtClean="0"/>
-              <a:t>2020-04-04</a:t>
+              <a:t>2020-06-30</a:t>
             </a:fld>
             <a:endParaRPr lang="zh-CN" altLang="en-US"/>
           </a:p>
@@ -1792,7 +1793,7 @@
           <a:p>
             <a:fld id="{154D151C-2C25-4305-8E14-82B64FCC1564}" type="datetimeFigureOut">
               <a:rPr lang="zh-CN" altLang="en-US" smtClean="0"/>
-              <a:t>2020-04-04</a:t>
+              <a:t>2020-06-30</a:t>
             </a:fld>
             <a:endParaRPr lang="zh-CN" altLang="en-US"/>
           </a:p>
@@ -1910,7 +1911,7 @@
           <a:p>
             <a:fld id="{154D151C-2C25-4305-8E14-82B64FCC1564}" type="datetimeFigureOut">
               <a:rPr lang="zh-CN" altLang="en-US" smtClean="0"/>
-              <a:t>2020-04-04</a:t>
+              <a:t>2020-06-30</a:t>
             </a:fld>
             <a:endParaRPr lang="zh-CN" altLang="en-US"/>
           </a:p>
@@ -2005,7 +2006,7 @@
           <a:p>
             <a:fld id="{154D151C-2C25-4305-8E14-82B64FCC1564}" type="datetimeFigureOut">
               <a:rPr lang="zh-CN" altLang="en-US" smtClean="0"/>
-              <a:t>2020-04-04</a:t>
+              <a:t>2020-06-30</a:t>
             </a:fld>
             <a:endParaRPr lang="zh-CN" altLang="en-US"/>
           </a:p>
@@ -2282,7 +2283,7 @@
           <a:p>
             <a:fld id="{154D151C-2C25-4305-8E14-82B64FCC1564}" type="datetimeFigureOut">
               <a:rPr lang="zh-CN" altLang="en-US" smtClean="0"/>
-              <a:t>2020-04-04</a:t>
+              <a:t>2020-06-30</a:t>
             </a:fld>
             <a:endParaRPr lang="zh-CN" altLang="en-US"/>
           </a:p>
@@ -2535,7 +2536,7 @@
           <a:p>
             <a:fld id="{154D151C-2C25-4305-8E14-82B64FCC1564}" type="datetimeFigureOut">
               <a:rPr lang="zh-CN" altLang="en-US" smtClean="0"/>
-              <a:t>2020-04-04</a:t>
+              <a:t>2020-06-30</a:t>
             </a:fld>
             <a:endParaRPr lang="zh-CN" altLang="en-US"/>
           </a:p>
@@ -2748,7 +2749,7 @@
           <a:p>
             <a:fld id="{154D151C-2C25-4305-8E14-82B64FCC1564}" type="datetimeFigureOut">
               <a:rPr lang="zh-CN" altLang="en-US" smtClean="0"/>
-              <a:t>2020-04-04</a:t>
+              <a:t>2020-06-30</a:t>
             </a:fld>
             <a:endParaRPr lang="zh-CN" altLang="en-US"/>
           </a:p>
@@ -4050,6 +4051,180 @@
       </p:grpSpPr>
       <p:pic>
         <p:nvPicPr>
+          <p:cNvPr id="2" name="图片 1"/>
+          <p:cNvPicPr>
+            <a:picLocks noChangeAspect="1"/>
+          </p:cNvPicPr>
+          <p:nvPr/>
+        </p:nvPicPr>
+        <p:blipFill>
+          <a:blip r:embed="rId2"/>
+          <a:stretch>
+            <a:fillRect/>
+          </a:stretch>
+        </p:blipFill>
+        <p:spPr>
+          <a:xfrm>
+            <a:off x="467544" y="764704"/>
+            <a:ext cx="7913418" cy="5040560"/>
+          </a:xfrm>
+          <a:prstGeom prst="rect">
+            <a:avLst/>
+          </a:prstGeom>
+        </p:spPr>
+      </p:pic>
+      <p:sp>
+        <p:nvSpPr>
+          <p:cNvPr id="5" name="圆角矩形 4"/>
+          <p:cNvSpPr/>
+          <p:nvPr/>
+        </p:nvSpPr>
+        <p:spPr>
+          <a:xfrm>
+            <a:off x="1300480" y="1960880"/>
+            <a:ext cx="6431408" cy="1747520"/>
+          </a:xfrm>
+          <a:prstGeom prst="roundRect">
+            <a:avLst>
+              <a:gd name="adj" fmla="val 3173"/>
+            </a:avLst>
+          </a:prstGeom>
+          <a:noFill/>
+          <a:ln>
+            <a:solidFill>
+              <a:schemeClr val="accent6">
+                <a:lumMod val="75000"/>
+              </a:schemeClr>
+            </a:solidFill>
+          </a:ln>
+        </p:spPr>
+        <p:style>
+          <a:lnRef idx="2">
+            <a:schemeClr val="accent1">
+              <a:shade val="50000"/>
+            </a:schemeClr>
+          </a:lnRef>
+          <a:fillRef idx="1">
+            <a:schemeClr val="accent1"/>
+          </a:fillRef>
+          <a:effectRef idx="0">
+            <a:schemeClr val="accent1"/>
+          </a:effectRef>
+          <a:fontRef idx="minor">
+            <a:schemeClr val="lt1"/>
+          </a:fontRef>
+        </p:style>
+        <p:txBody>
+          <a:bodyPr rtlCol="0" anchor="ctr"/>
+          <a:lstStyle/>
+          <a:p>
+            <a:pPr algn="ctr"/>
+            <a:endParaRPr lang="zh-CN" altLang="en-US"/>
+          </a:p>
+        </p:txBody>
+      </p:sp>
+      <p:sp>
+        <p:nvSpPr>
+          <p:cNvPr id="6" name="文本框 5"/>
+          <p:cNvSpPr txBox="1"/>
+          <p:nvPr/>
+        </p:nvSpPr>
+        <p:spPr>
+          <a:xfrm>
+            <a:off x="5033640" y="2337832"/>
+            <a:ext cx="2698175" cy="369332"/>
+          </a:xfrm>
+          <a:prstGeom prst="rect">
+            <a:avLst/>
+          </a:prstGeom>
+          <a:noFill/>
+        </p:spPr>
+        <p:txBody>
+          <a:bodyPr wrap="none" rtlCol="0">
+            <a:spAutoFit/>
+          </a:bodyPr>
+          <a:lstStyle/>
+          <a:p>
+            <a:r>
+              <a:rPr lang="zh-CN" altLang="en-US" b="1" dirty="0" smtClean="0">
+                <a:solidFill>
+                  <a:schemeClr val="accent6">
+                    <a:lumMod val="75000"/>
+                  </a:schemeClr>
+                </a:solidFill>
+                <a:latin typeface="微软雅黑" panose="020B0503020204020204" pitchFamily="34" charset="-122"/>
+                <a:ea typeface="微软雅黑" panose="020B0503020204020204" pitchFamily="34" charset="-122"/>
+              </a:rPr>
+              <a:t>配套</a:t>
+            </a:r>
+            <a:r>
+              <a:rPr lang="en-US" altLang="zh-CN" b="1" dirty="0" smtClean="0">
+                <a:solidFill>
+                  <a:schemeClr val="accent6">
+                    <a:lumMod val="75000"/>
+                  </a:schemeClr>
+                </a:solidFill>
+                <a:latin typeface="微软雅黑" panose="020B0503020204020204" pitchFamily="34" charset="-122"/>
+                <a:ea typeface="微软雅黑" panose="020B0503020204020204" pitchFamily="34" charset="-122"/>
+              </a:rPr>
+              <a:t>DLL</a:t>
+            </a:r>
+            <a:r>
+              <a:rPr lang="zh-CN" altLang="en-US" b="1" dirty="0" smtClean="0">
+                <a:solidFill>
+                  <a:schemeClr val="accent6">
+                    <a:lumMod val="75000"/>
+                  </a:schemeClr>
+                </a:solidFill>
+                <a:latin typeface="微软雅黑" panose="020B0503020204020204" pitchFamily="34" charset="-122"/>
+                <a:ea typeface="微软雅黑" panose="020B0503020204020204" pitchFamily="34" charset="-122"/>
+              </a:rPr>
+              <a:t>文件的详细路径</a:t>
+            </a:r>
+            <a:endParaRPr lang="zh-CN" altLang="en-US" b="1" dirty="0">
+              <a:solidFill>
+                <a:schemeClr val="accent6">
+                  <a:lumMod val="75000"/>
+                </a:schemeClr>
+              </a:solidFill>
+              <a:latin typeface="微软雅黑" panose="020B0503020204020204" pitchFamily="34" charset="-122"/>
+              <a:ea typeface="微软雅黑" panose="020B0503020204020204" pitchFamily="34" charset="-122"/>
+            </a:endParaRPr>
+          </a:p>
+        </p:txBody>
+      </p:sp>
+    </p:spTree>
+    <p:extLst>
+      <p:ext uri="{BB962C8B-B14F-4D97-AF65-F5344CB8AC3E}">
+        <p14:creationId xmlns:p14="http://schemas.microsoft.com/office/powerpoint/2010/main" val="3366766885"/>
+      </p:ext>
+    </p:extLst>
+  </p:cSld>
+  <p:clrMapOvr>
+    <a:masterClrMapping/>
+  </p:clrMapOvr>
+</p:sld>
+</file>
+
+<file path=ppt/slides/slide11.xml><?xml version="1.0" encoding="utf-8"?>
+<p:sld xmlns:a="http://schemas.openxmlformats.org/drawingml/2006/main" xmlns:r="http://schemas.openxmlformats.org/officeDocument/2006/relationships" xmlns:p="http://schemas.openxmlformats.org/presentationml/2006/main">
+  <p:cSld>
+    <p:spTree>
+      <p:nvGrpSpPr>
+        <p:cNvPr id="1" name=""/>
+        <p:cNvGrpSpPr/>
+        <p:nvPr/>
+      </p:nvGrpSpPr>
+      <p:grpSpPr>
+        <a:xfrm>
+          <a:off x="0" y="0"/>
+          <a:ext cx="0" cy="0"/>
+          <a:chOff x="0" y="0"/>
+          <a:chExt cx="0" cy="0"/>
+        </a:xfrm>
+      </p:grpSpPr>
+      <p:pic>
+        <p:nvPicPr>
           <p:cNvPr id="4" name="图片 3"/>
           <p:cNvPicPr>
             <a:picLocks noChangeAspect="1"/>
@@ -4205,7 +4380,7 @@
 </p:sld>
 </file>
 
-<file path=ppt/slides/slide11.xml><?xml version="1.0" encoding="utf-8"?>
+<file path=ppt/slides/slide12.xml><?xml version="1.0" encoding="utf-8"?>
 <p:sld xmlns:a="http://schemas.openxmlformats.org/drawingml/2006/main" xmlns:r="http://schemas.openxmlformats.org/officeDocument/2006/relationships" xmlns:p="http://schemas.openxmlformats.org/presentationml/2006/main">
   <p:cSld>
     <p:spTree>
@@ -4235,7 +4410,7 @@
 </p:sld>
 </file>
 
-<file path=ppt/slides/slide12.xml><?xml version="1.0" encoding="utf-8"?>
+<file path=ppt/slides/slide13.xml><?xml version="1.0" encoding="utf-8"?>
 <p:sld xmlns:a="http://schemas.openxmlformats.org/drawingml/2006/main" xmlns:r="http://schemas.openxmlformats.org/officeDocument/2006/relationships" xmlns:p="http://schemas.openxmlformats.org/presentationml/2006/main">
   <p:cSld>
     <p:spTree>
@@ -4265,7 +4440,7 @@
 </p:sld>
 </file>
 
-<file path=ppt/slides/slide13.xml><?xml version="1.0" encoding="utf-8"?>
+<file path=ppt/slides/slide14.xml><?xml version="1.0" encoding="utf-8"?>
 <p:sld xmlns:a="http://schemas.openxmlformats.org/drawingml/2006/main" xmlns:r="http://schemas.openxmlformats.org/officeDocument/2006/relationships" xmlns:p="http://schemas.openxmlformats.org/presentationml/2006/main">
   <p:cSld>
     <p:spTree>
@@ -4314,30 +4489,1119 @@
       </p:grpSpPr>
       <p:sp>
         <p:nvSpPr>
-          <p:cNvPr id="6" name="圆角矩形 5"/>
-          <p:cNvSpPr/>
-          <p:nvPr/>
-        </p:nvSpPr>
-        <p:spPr>
-          <a:xfrm>
-            <a:off x="927055" y="3960835"/>
-            <a:ext cx="7258583" cy="501243"/>
-          </a:xfrm>
-          <a:prstGeom prst="roundRect">
-            <a:avLst/>
-          </a:prstGeom>
-          <a:solidFill>
-            <a:schemeClr val="accent4">
-              <a:lumMod val="20000"/>
-              <a:lumOff val="80000"/>
-            </a:schemeClr>
-          </a:solidFill>
+          <p:cNvPr id="4" name="Rectangle 1"/>
+          <p:cNvSpPr>
+            <a:spLocks noChangeArrowheads="1"/>
+          </p:cNvSpPr>
+          <p:nvPr/>
+        </p:nvSpPr>
+        <p:spPr bwMode="auto">
+          <a:xfrm>
+            <a:off x="107504" y="260648"/>
+            <a:ext cx="8568952" cy="461665"/>
+          </a:xfrm>
+          <a:prstGeom prst="rect">
+            <a:avLst/>
+          </a:prstGeom>
+          <a:noFill/>
+          <a:ln>
+            <a:noFill/>
+          </a:ln>
+          <a:effectLst/>
+          <a:extLst>
+            <a:ext uri="{909E8E84-426E-40DD-AFC4-6F175D3DCCD1}">
+              <a14:hiddenFill xmlns:a14="http://schemas.microsoft.com/office/drawing/2010/main">
+                <a:solidFill>
+                  <a:schemeClr val="accent1"/>
+                </a:solidFill>
+              </a14:hiddenFill>
+            </a:ext>
+            <a:ext uri="{91240B29-F687-4F45-9708-019B960494DF}">
+              <a14:hiddenLine xmlns:a14="http://schemas.microsoft.com/office/drawing/2010/main" w="9525">
+                <a:solidFill>
+                  <a:schemeClr val="tx1"/>
+                </a:solidFill>
+                <a:miter lim="800000"/>
+                <a:headEnd/>
+                <a:tailEnd/>
+              </a14:hiddenLine>
+            </a:ext>
+            <a:ext uri="{AF507438-7753-43E0-B8FC-AC1667EBCBE1}">
+              <a14:hiddenEffects xmlns:a14="http://schemas.microsoft.com/office/drawing/2010/main">
+                <a:effectLst>
+                  <a:outerShdw dist="35921" dir="2700000" algn="ctr" rotWithShape="0">
+                    <a:schemeClr val="bg2"/>
+                  </a:outerShdw>
+                </a:effectLst>
+              </a14:hiddenEffects>
+            </a:ext>
+          </a:extLst>
+        </p:spPr>
+        <p:txBody>
+          <a:bodyPr vert="horz" wrap="square" lIns="91440" tIns="45720" rIns="91440" bIns="45720" numCol="1" anchor="ctr" anchorCtr="0" compatLnSpc="1">
+            <a:prstTxWarp prst="textNoShape">
+              <a:avLst/>
+            </a:prstTxWarp>
+            <a:spAutoFit/>
+          </a:bodyPr>
+          <a:lstStyle>
+            <a:lvl1pPr eaLnBrk="0" fontAlgn="base" hangingPunct="0">
+              <a:spcBef>
+                <a:spcPct val="0"/>
+              </a:spcBef>
+              <a:spcAft>
+                <a:spcPct val="0"/>
+              </a:spcAft>
+              <a:defRPr>
+                <a:solidFill>
+                  <a:schemeClr val="tx1"/>
+                </a:solidFill>
+                <a:latin typeface="Arial" panose="020B0604020202020204" pitchFamily="34" charset="0"/>
+              </a:defRPr>
+            </a:lvl1pPr>
+            <a:lvl2pPr eaLnBrk="0" fontAlgn="base" hangingPunct="0">
+              <a:spcBef>
+                <a:spcPct val="0"/>
+              </a:spcBef>
+              <a:spcAft>
+                <a:spcPct val="0"/>
+              </a:spcAft>
+              <a:defRPr>
+                <a:solidFill>
+                  <a:schemeClr val="tx1"/>
+                </a:solidFill>
+                <a:latin typeface="Arial" panose="020B0604020202020204" pitchFamily="34" charset="0"/>
+              </a:defRPr>
+            </a:lvl2pPr>
+            <a:lvl3pPr eaLnBrk="0" fontAlgn="base" hangingPunct="0">
+              <a:spcBef>
+                <a:spcPct val="0"/>
+              </a:spcBef>
+              <a:spcAft>
+                <a:spcPct val="0"/>
+              </a:spcAft>
+              <a:defRPr>
+                <a:solidFill>
+                  <a:schemeClr val="tx1"/>
+                </a:solidFill>
+                <a:latin typeface="Arial" panose="020B0604020202020204" pitchFamily="34" charset="0"/>
+              </a:defRPr>
+            </a:lvl3pPr>
+            <a:lvl4pPr eaLnBrk="0" fontAlgn="base" hangingPunct="0">
+              <a:spcBef>
+                <a:spcPct val="0"/>
+              </a:spcBef>
+              <a:spcAft>
+                <a:spcPct val="0"/>
+              </a:spcAft>
+              <a:defRPr>
+                <a:solidFill>
+                  <a:schemeClr val="tx1"/>
+                </a:solidFill>
+                <a:latin typeface="Arial" panose="020B0604020202020204" pitchFamily="34" charset="0"/>
+              </a:defRPr>
+            </a:lvl4pPr>
+            <a:lvl5pPr eaLnBrk="0" fontAlgn="base" hangingPunct="0">
+              <a:spcBef>
+                <a:spcPct val="0"/>
+              </a:spcBef>
+              <a:spcAft>
+                <a:spcPct val="0"/>
+              </a:spcAft>
+              <a:defRPr>
+                <a:solidFill>
+                  <a:schemeClr val="tx1"/>
+                </a:solidFill>
+                <a:latin typeface="Arial" panose="020B0604020202020204" pitchFamily="34" charset="0"/>
+              </a:defRPr>
+            </a:lvl5pPr>
+            <a:lvl6pPr eaLnBrk="0" fontAlgn="base" hangingPunct="0">
+              <a:spcBef>
+                <a:spcPct val="0"/>
+              </a:spcBef>
+              <a:spcAft>
+                <a:spcPct val="0"/>
+              </a:spcAft>
+              <a:defRPr>
+                <a:solidFill>
+                  <a:schemeClr val="tx1"/>
+                </a:solidFill>
+                <a:latin typeface="Arial" panose="020B0604020202020204" pitchFamily="34" charset="0"/>
+              </a:defRPr>
+            </a:lvl6pPr>
+            <a:lvl7pPr eaLnBrk="0" fontAlgn="base" hangingPunct="0">
+              <a:spcBef>
+                <a:spcPct val="0"/>
+              </a:spcBef>
+              <a:spcAft>
+                <a:spcPct val="0"/>
+              </a:spcAft>
+              <a:defRPr>
+                <a:solidFill>
+                  <a:schemeClr val="tx1"/>
+                </a:solidFill>
+                <a:latin typeface="Arial" panose="020B0604020202020204" pitchFamily="34" charset="0"/>
+              </a:defRPr>
+            </a:lvl7pPr>
+            <a:lvl8pPr eaLnBrk="0" fontAlgn="base" hangingPunct="0">
+              <a:spcBef>
+                <a:spcPct val="0"/>
+              </a:spcBef>
+              <a:spcAft>
+                <a:spcPct val="0"/>
+              </a:spcAft>
+              <a:defRPr>
+                <a:solidFill>
+                  <a:schemeClr val="tx1"/>
+                </a:solidFill>
+                <a:latin typeface="Arial" panose="020B0604020202020204" pitchFamily="34" charset="0"/>
+              </a:defRPr>
+            </a:lvl8pPr>
+            <a:lvl9pPr eaLnBrk="0" fontAlgn="base" hangingPunct="0">
+              <a:spcBef>
+                <a:spcPct val="0"/>
+              </a:spcBef>
+              <a:spcAft>
+                <a:spcPct val="0"/>
+              </a:spcAft>
+              <a:defRPr>
+                <a:solidFill>
+                  <a:schemeClr val="tx1"/>
+                </a:solidFill>
+                <a:latin typeface="Arial" panose="020B0604020202020204" pitchFamily="34" charset="0"/>
+              </a:defRPr>
+            </a:lvl9pPr>
+          </a:lstStyle>
+          <a:p>
+            <a:pPr marL="0" marR="0" lvl="0" indent="0" algn="l" defTabSz="914400" rtl="0" eaLnBrk="0" fontAlgn="base" latinLnBrk="0" hangingPunct="0">
+              <a:lnSpc>
+                <a:spcPct val="100000"/>
+              </a:lnSpc>
+              <a:spcBef>
+                <a:spcPct val="0"/>
+              </a:spcBef>
+              <a:spcAft>
+                <a:spcPct val="0"/>
+              </a:spcAft>
+              <a:buClrTx/>
+              <a:buSzTx/>
+              <a:buFontTx/>
+              <a:buNone/>
+              <a:tabLst/>
+            </a:pPr>
+            <a:r>
+              <a:rPr kumimoji="0" lang="zh-CN" altLang="zh-CN" sz="1200" b="0" i="0" u="none" strike="noStrike" cap="none" normalizeH="0" baseline="0" dirty="0" smtClean="0">
+                <a:ln>
+                  <a:noFill/>
+                </a:ln>
+                <a:solidFill>
+                  <a:srgbClr val="333333"/>
+                </a:solidFill>
+                <a:effectLst/>
+                <a:latin typeface="Arial" panose="020B0604020202020204" pitchFamily="34" charset="0"/>
+                <a:ea typeface="Open Sans"/>
+              </a:rPr>
+              <a:t>tf.Tensor: shape=(2,2,1,4), dtype=int32, numpy=[[[[1, 11, 2, 22]], [[3, 33, 4, 44]]], [[[5, 55, 6, 66]], [[7, 77, 8, 88]]]] tf.Tensor: shape=(4,2,1,2), dtype=int32, numpy=[[[[1, 5]], [[3, 7]]], [[[11, 55]], [[33, 77]]], [[[2, 6]], [[4, 8]]], [[[22, 66]], [[44, 88]]]]</a:t>
+            </a:r>
+            <a:r>
+              <a:rPr kumimoji="0" lang="zh-CN" altLang="zh-CN" sz="1200" b="0" i="0" u="none" strike="noStrike" cap="none" normalizeH="0" baseline="0" dirty="0" smtClean="0">
+                <a:ln>
+                  <a:noFill/>
+                </a:ln>
+                <a:solidFill>
+                  <a:schemeClr val="tx1"/>
+                </a:solidFill>
+                <a:effectLst/>
+                <a:latin typeface="Arial" panose="020B0604020202020204" pitchFamily="34" charset="0"/>
+              </a:rPr>
+              <a:t> </a:t>
+            </a:r>
+          </a:p>
+        </p:txBody>
+      </p:sp>
+      <p:sp>
+        <p:nvSpPr>
+          <p:cNvPr id="5" name="文本框 4"/>
+          <p:cNvSpPr txBox="1"/>
+          <p:nvPr/>
+        </p:nvSpPr>
+        <p:spPr>
+          <a:xfrm>
+            <a:off x="323528" y="2564904"/>
+            <a:ext cx="2036135" cy="369332"/>
+          </a:xfrm>
+          <a:prstGeom prst="rect">
+            <a:avLst/>
+          </a:prstGeom>
+          <a:noFill/>
+        </p:spPr>
+        <p:txBody>
+          <a:bodyPr wrap="none" rtlCol="0">
+            <a:spAutoFit/>
+          </a:bodyPr>
+          <a:lstStyle/>
+          <a:p>
+            <a:r>
+              <a:rPr lang="en-US" altLang="zh-CN" dirty="0" err="1" smtClean="0"/>
+              <a:t>a.shape</a:t>
+            </a:r>
+            <a:r>
+              <a:rPr lang="zh-CN" altLang="en-US" dirty="0" smtClean="0"/>
+              <a:t>：</a:t>
+            </a:r>
+            <a:r>
+              <a:rPr lang="en-US" altLang="zh-CN" dirty="0"/>
+              <a:t>(2,2,1,4</a:t>
+            </a:r>
+            <a:r>
+              <a:rPr lang="en-US" altLang="zh-CN" dirty="0" smtClean="0"/>
+              <a:t>) </a:t>
+            </a:r>
+            <a:endParaRPr lang="zh-CN" altLang="en-US" dirty="0"/>
+          </a:p>
+        </p:txBody>
+      </p:sp>
+      <p:cxnSp>
+        <p:nvCxnSpPr>
+          <p:cNvPr id="9" name="直接箭头连接符 8"/>
+          <p:cNvCxnSpPr/>
+          <p:nvPr/>
+        </p:nvCxnSpPr>
+        <p:spPr>
+          <a:xfrm>
+            <a:off x="2267744" y="2754551"/>
+            <a:ext cx="1363479" cy="0"/>
+          </a:xfrm>
+          <a:prstGeom prst="straightConnector1">
+            <a:avLst/>
+          </a:prstGeom>
           <a:ln>
             <a:solidFill>
-              <a:schemeClr val="accent4">
-                <a:lumMod val="75000"/>
-              </a:schemeClr>
+              <a:schemeClr val="tx1"/>
             </a:solidFill>
+            <a:tailEnd type="triangle"/>
+          </a:ln>
+        </p:spPr>
+        <p:style>
+          <a:lnRef idx="1">
+            <a:schemeClr val="accent1"/>
+          </a:lnRef>
+          <a:fillRef idx="0">
+            <a:schemeClr val="accent1"/>
+          </a:fillRef>
+          <a:effectRef idx="0">
+            <a:schemeClr val="accent1"/>
+          </a:effectRef>
+          <a:fontRef idx="minor">
+            <a:schemeClr val="tx1"/>
+          </a:fontRef>
+        </p:style>
+      </p:cxnSp>
+      <p:sp>
+        <p:nvSpPr>
+          <p:cNvPr id="10" name="文本框 9"/>
+          <p:cNvSpPr txBox="1"/>
+          <p:nvPr/>
+        </p:nvSpPr>
+        <p:spPr>
+          <a:xfrm>
+            <a:off x="3655812" y="2564904"/>
+            <a:ext cx="2036135" cy="369332"/>
+          </a:xfrm>
+          <a:prstGeom prst="rect">
+            <a:avLst/>
+          </a:prstGeom>
+          <a:noFill/>
+        </p:spPr>
+        <p:txBody>
+          <a:bodyPr wrap="none" rtlCol="0">
+            <a:spAutoFit/>
+          </a:bodyPr>
+          <a:lstStyle/>
+          <a:p>
+            <a:r>
+              <a:rPr lang="en-US" altLang="zh-CN" dirty="0" err="1" smtClean="0"/>
+              <a:t>b.shape</a:t>
+            </a:r>
+            <a:r>
+              <a:rPr lang="zh-CN" altLang="en-US" dirty="0" smtClean="0"/>
+              <a:t>：</a:t>
+            </a:r>
+            <a:r>
+              <a:rPr lang="en-US" altLang="zh-CN" dirty="0" smtClean="0"/>
+              <a:t>(4,2,1,2) </a:t>
+            </a:r>
+            <a:endParaRPr lang="zh-CN" altLang="en-US" dirty="0"/>
+          </a:p>
+        </p:txBody>
+      </p:sp>
+      <p:sp>
+        <p:nvSpPr>
+          <p:cNvPr id="11" name="矩形 10"/>
+          <p:cNvSpPr/>
+          <p:nvPr/>
+        </p:nvSpPr>
+        <p:spPr>
+          <a:xfrm>
+            <a:off x="2354549" y="2357200"/>
+            <a:ext cx="1108060" cy="369332"/>
+          </a:xfrm>
+          <a:prstGeom prst="rect">
+            <a:avLst/>
+          </a:prstGeom>
+        </p:spPr>
+        <p:txBody>
+          <a:bodyPr wrap="none">
+            <a:spAutoFit/>
+          </a:bodyPr>
+          <a:lstStyle/>
+          <a:p>
+            <a:r>
+              <a:rPr lang="zh-CN" altLang="en-US" dirty="0"/>
+              <a:t>transpose</a:t>
+            </a:r>
+          </a:p>
+        </p:txBody>
+      </p:sp>
+      <p:sp>
+        <p:nvSpPr>
+          <p:cNvPr id="12" name="矩形 11"/>
+          <p:cNvSpPr/>
+          <p:nvPr/>
+        </p:nvSpPr>
+        <p:spPr>
+          <a:xfrm>
+            <a:off x="2304560" y="2805164"/>
+            <a:ext cx="1178528" cy="369332"/>
+          </a:xfrm>
+          <a:prstGeom prst="rect">
+            <a:avLst/>
+          </a:prstGeom>
+        </p:spPr>
+        <p:txBody>
+          <a:bodyPr wrap="none">
+            <a:spAutoFit/>
+          </a:bodyPr>
+          <a:lstStyle/>
+          <a:p>
+            <a:r>
+              <a:rPr lang="zh-CN" altLang="en-US" dirty="0"/>
+              <a:t> </a:t>
+            </a:r>
+            <a:r>
+              <a:rPr lang="en-US" altLang="zh-CN" dirty="0" smtClean="0"/>
+              <a:t>[</a:t>
+            </a:r>
+            <a:r>
+              <a:rPr lang="zh-CN" altLang="en-US" dirty="0" smtClean="0"/>
+              <a:t>3</a:t>
+            </a:r>
+            <a:r>
+              <a:rPr lang="zh-CN" altLang="en-US" dirty="0"/>
+              <a:t>, 1, 2, </a:t>
+            </a:r>
+            <a:r>
+              <a:rPr lang="zh-CN" altLang="en-US" dirty="0" smtClean="0"/>
+              <a:t>0</a:t>
+            </a:r>
+            <a:r>
+              <a:rPr lang="en-US" altLang="zh-CN" dirty="0" smtClean="0"/>
+              <a:t>]</a:t>
+            </a:r>
+            <a:endParaRPr lang="zh-CN" altLang="en-US" dirty="0"/>
+          </a:p>
+        </p:txBody>
+      </p:sp>
+      <p:cxnSp>
+        <p:nvCxnSpPr>
+          <p:cNvPr id="15" name="直接连接符 14"/>
+          <p:cNvCxnSpPr>
+            <a:endCxn id="16" idx="0"/>
+          </p:cNvCxnSpPr>
+          <p:nvPr/>
+        </p:nvCxnSpPr>
+        <p:spPr>
+          <a:xfrm flipH="1">
+            <a:off x="1191301" y="2934236"/>
+            <a:ext cx="284355" cy="230995"/>
+          </a:xfrm>
+          <a:prstGeom prst="line">
+            <a:avLst/>
+          </a:prstGeom>
+          <a:ln>
+            <a:solidFill>
+              <a:srgbClr val="0000FF"/>
+            </a:solidFill>
+          </a:ln>
+        </p:spPr>
+        <p:style>
+          <a:lnRef idx="1">
+            <a:schemeClr val="accent1"/>
+          </a:lnRef>
+          <a:fillRef idx="0">
+            <a:schemeClr val="accent1"/>
+          </a:fillRef>
+          <a:effectRef idx="0">
+            <a:schemeClr val="accent1"/>
+          </a:effectRef>
+          <a:fontRef idx="minor">
+            <a:schemeClr val="tx1"/>
+          </a:fontRef>
+        </p:style>
+      </p:cxnSp>
+      <p:sp>
+        <p:nvSpPr>
+          <p:cNvPr id="16" name="文本框 15"/>
+          <p:cNvSpPr txBox="1"/>
+          <p:nvPr/>
+        </p:nvSpPr>
+        <p:spPr>
+          <a:xfrm>
+            <a:off x="1040458" y="3165231"/>
+            <a:ext cx="301686" cy="369332"/>
+          </a:xfrm>
+          <a:prstGeom prst="rect">
+            <a:avLst/>
+          </a:prstGeom>
+          <a:noFill/>
+        </p:spPr>
+        <p:txBody>
+          <a:bodyPr wrap="none" rtlCol="0">
+            <a:spAutoFit/>
+          </a:bodyPr>
+          <a:lstStyle/>
+          <a:p>
+            <a:r>
+              <a:rPr lang="en-US" altLang="zh-CN" dirty="0" smtClean="0">
+                <a:solidFill>
+                  <a:srgbClr val="0000FF"/>
+                </a:solidFill>
+              </a:rPr>
+              <a:t>0</a:t>
+            </a:r>
+            <a:endParaRPr lang="zh-CN" altLang="en-US" dirty="0">
+              <a:solidFill>
+                <a:srgbClr val="0000FF"/>
+              </a:solidFill>
+            </a:endParaRPr>
+          </a:p>
+        </p:txBody>
+      </p:sp>
+      <p:cxnSp>
+        <p:nvCxnSpPr>
+          <p:cNvPr id="18" name="直接连接符 17"/>
+          <p:cNvCxnSpPr>
+            <a:endCxn id="20" idx="0"/>
+          </p:cNvCxnSpPr>
+          <p:nvPr/>
+        </p:nvCxnSpPr>
+        <p:spPr>
+          <a:xfrm flipH="1">
+            <a:off x="1516617" y="2934236"/>
+            <a:ext cx="139895" cy="230995"/>
+          </a:xfrm>
+          <a:prstGeom prst="line">
+            <a:avLst/>
+          </a:prstGeom>
+          <a:ln>
+            <a:solidFill>
+              <a:srgbClr val="0000FF"/>
+            </a:solidFill>
+          </a:ln>
+        </p:spPr>
+        <p:style>
+          <a:lnRef idx="1">
+            <a:schemeClr val="accent1"/>
+          </a:lnRef>
+          <a:fillRef idx="0">
+            <a:schemeClr val="accent1"/>
+          </a:fillRef>
+          <a:effectRef idx="0">
+            <a:schemeClr val="accent1"/>
+          </a:effectRef>
+          <a:fontRef idx="minor">
+            <a:schemeClr val="tx1"/>
+          </a:fontRef>
+        </p:style>
+      </p:cxnSp>
+      <p:sp>
+        <p:nvSpPr>
+          <p:cNvPr id="20" name="文本框 19"/>
+          <p:cNvSpPr txBox="1"/>
+          <p:nvPr/>
+        </p:nvSpPr>
+        <p:spPr>
+          <a:xfrm>
+            <a:off x="1365774" y="3165231"/>
+            <a:ext cx="301686" cy="369332"/>
+          </a:xfrm>
+          <a:prstGeom prst="rect">
+            <a:avLst/>
+          </a:prstGeom>
+          <a:noFill/>
+        </p:spPr>
+        <p:txBody>
+          <a:bodyPr wrap="none" rtlCol="0">
+            <a:spAutoFit/>
+          </a:bodyPr>
+          <a:lstStyle/>
+          <a:p>
+            <a:r>
+              <a:rPr lang="en-US" altLang="zh-CN" dirty="0" smtClean="0">
+                <a:solidFill>
+                  <a:srgbClr val="0000FF"/>
+                </a:solidFill>
+              </a:rPr>
+              <a:t>1</a:t>
+            </a:r>
+            <a:endParaRPr lang="zh-CN" altLang="en-US" dirty="0">
+              <a:solidFill>
+                <a:srgbClr val="0000FF"/>
+              </a:solidFill>
+            </a:endParaRPr>
+          </a:p>
+        </p:txBody>
+      </p:sp>
+      <p:sp>
+        <p:nvSpPr>
+          <p:cNvPr id="21" name="文本框 20"/>
+          <p:cNvSpPr txBox="1"/>
+          <p:nvPr/>
+        </p:nvSpPr>
+        <p:spPr>
+          <a:xfrm>
+            <a:off x="1708674" y="3165231"/>
+            <a:ext cx="301686" cy="369332"/>
+          </a:xfrm>
+          <a:prstGeom prst="rect">
+            <a:avLst/>
+          </a:prstGeom>
+          <a:noFill/>
+        </p:spPr>
+        <p:txBody>
+          <a:bodyPr wrap="none" rtlCol="0">
+            <a:spAutoFit/>
+          </a:bodyPr>
+          <a:lstStyle/>
+          <a:p>
+            <a:r>
+              <a:rPr lang="en-US" altLang="zh-CN" dirty="0" smtClean="0">
+                <a:solidFill>
+                  <a:srgbClr val="0000FF"/>
+                </a:solidFill>
+              </a:rPr>
+              <a:t>2</a:t>
+            </a:r>
+            <a:endParaRPr lang="zh-CN" altLang="en-US" dirty="0">
+              <a:solidFill>
+                <a:srgbClr val="0000FF"/>
+              </a:solidFill>
+            </a:endParaRPr>
+          </a:p>
+        </p:txBody>
+      </p:sp>
+      <p:sp>
+        <p:nvSpPr>
+          <p:cNvPr id="22" name="文本框 21"/>
+          <p:cNvSpPr txBox="1"/>
+          <p:nvPr/>
+        </p:nvSpPr>
+        <p:spPr>
+          <a:xfrm>
+            <a:off x="2033990" y="3165231"/>
+            <a:ext cx="301686" cy="369332"/>
+          </a:xfrm>
+          <a:prstGeom prst="rect">
+            <a:avLst/>
+          </a:prstGeom>
+          <a:noFill/>
+        </p:spPr>
+        <p:txBody>
+          <a:bodyPr wrap="none" rtlCol="0">
+            <a:spAutoFit/>
+          </a:bodyPr>
+          <a:lstStyle/>
+          <a:p>
+            <a:r>
+              <a:rPr lang="en-US" altLang="zh-CN" dirty="0" smtClean="0">
+                <a:solidFill>
+                  <a:srgbClr val="0000FF"/>
+                </a:solidFill>
+              </a:rPr>
+              <a:t>3</a:t>
+            </a:r>
+            <a:endParaRPr lang="zh-CN" altLang="en-US" dirty="0">
+              <a:solidFill>
+                <a:srgbClr val="0000FF"/>
+              </a:solidFill>
+            </a:endParaRPr>
+          </a:p>
+        </p:txBody>
+      </p:sp>
+      <p:cxnSp>
+        <p:nvCxnSpPr>
+          <p:cNvPr id="24" name="直接连接符 23"/>
+          <p:cNvCxnSpPr>
+            <a:endCxn id="21" idx="0"/>
+          </p:cNvCxnSpPr>
+          <p:nvPr/>
+        </p:nvCxnSpPr>
+        <p:spPr>
+          <a:xfrm>
+            <a:off x="1840641" y="2934236"/>
+            <a:ext cx="18876" cy="230995"/>
+          </a:xfrm>
+          <a:prstGeom prst="line">
+            <a:avLst/>
+          </a:prstGeom>
+          <a:ln>
+            <a:solidFill>
+              <a:srgbClr val="0000FF"/>
+            </a:solidFill>
+          </a:ln>
+        </p:spPr>
+        <p:style>
+          <a:lnRef idx="1">
+            <a:schemeClr val="accent1"/>
+          </a:lnRef>
+          <a:fillRef idx="0">
+            <a:schemeClr val="accent1"/>
+          </a:fillRef>
+          <a:effectRef idx="0">
+            <a:schemeClr val="accent1"/>
+          </a:effectRef>
+          <a:fontRef idx="minor">
+            <a:schemeClr val="tx1"/>
+          </a:fontRef>
+        </p:style>
+      </p:cxnSp>
+      <p:cxnSp>
+        <p:nvCxnSpPr>
+          <p:cNvPr id="26" name="直接连接符 25"/>
+          <p:cNvCxnSpPr>
+            <a:endCxn id="22" idx="0"/>
+          </p:cNvCxnSpPr>
+          <p:nvPr/>
+        </p:nvCxnSpPr>
+        <p:spPr>
+          <a:xfrm>
+            <a:off x="2048608" y="2963008"/>
+            <a:ext cx="136225" cy="202223"/>
+          </a:xfrm>
+          <a:prstGeom prst="line">
+            <a:avLst/>
+          </a:prstGeom>
+          <a:ln>
+            <a:solidFill>
+              <a:srgbClr val="0000FF"/>
+            </a:solidFill>
+          </a:ln>
+        </p:spPr>
+        <p:style>
+          <a:lnRef idx="1">
+            <a:schemeClr val="accent1"/>
+          </a:lnRef>
+          <a:fillRef idx="0">
+            <a:schemeClr val="accent1"/>
+          </a:fillRef>
+          <a:effectRef idx="0">
+            <a:schemeClr val="accent1"/>
+          </a:effectRef>
+          <a:fontRef idx="minor">
+            <a:schemeClr val="tx1"/>
+          </a:fontRef>
+        </p:style>
+      </p:cxnSp>
+      <p:sp>
+        <p:nvSpPr>
+          <p:cNvPr id="30" name="文本框 29"/>
+          <p:cNvSpPr txBox="1"/>
+          <p:nvPr/>
+        </p:nvSpPr>
+        <p:spPr>
+          <a:xfrm>
+            <a:off x="4460666" y="3165231"/>
+            <a:ext cx="301686" cy="369332"/>
+          </a:xfrm>
+          <a:prstGeom prst="rect">
+            <a:avLst/>
+          </a:prstGeom>
+          <a:noFill/>
+        </p:spPr>
+        <p:txBody>
+          <a:bodyPr wrap="none" rtlCol="0">
+            <a:spAutoFit/>
+          </a:bodyPr>
+          <a:lstStyle/>
+          <a:p>
+            <a:r>
+              <a:rPr lang="en-US" altLang="zh-CN" dirty="0" smtClean="0">
+                <a:solidFill>
+                  <a:srgbClr val="0000FF"/>
+                </a:solidFill>
+              </a:rPr>
+              <a:t>3</a:t>
+            </a:r>
+            <a:endParaRPr lang="zh-CN" altLang="en-US" dirty="0">
+              <a:solidFill>
+                <a:srgbClr val="0000FF"/>
+              </a:solidFill>
+            </a:endParaRPr>
+          </a:p>
+        </p:txBody>
+      </p:sp>
+      <p:sp>
+        <p:nvSpPr>
+          <p:cNvPr id="31" name="文本框 30"/>
+          <p:cNvSpPr txBox="1"/>
+          <p:nvPr/>
+        </p:nvSpPr>
+        <p:spPr>
+          <a:xfrm>
+            <a:off x="4847528" y="3165231"/>
+            <a:ext cx="301686" cy="369332"/>
+          </a:xfrm>
+          <a:prstGeom prst="rect">
+            <a:avLst/>
+          </a:prstGeom>
+          <a:noFill/>
+        </p:spPr>
+        <p:txBody>
+          <a:bodyPr wrap="none" rtlCol="0">
+            <a:spAutoFit/>
+          </a:bodyPr>
+          <a:lstStyle/>
+          <a:p>
+            <a:r>
+              <a:rPr lang="en-US" altLang="zh-CN" dirty="0" smtClean="0">
+                <a:solidFill>
+                  <a:srgbClr val="0000FF"/>
+                </a:solidFill>
+              </a:rPr>
+              <a:t>1</a:t>
+            </a:r>
+            <a:endParaRPr lang="zh-CN" altLang="en-US" dirty="0">
+              <a:solidFill>
+                <a:srgbClr val="0000FF"/>
+              </a:solidFill>
+            </a:endParaRPr>
+          </a:p>
+        </p:txBody>
+      </p:sp>
+      <p:sp>
+        <p:nvSpPr>
+          <p:cNvPr id="32" name="文本框 31"/>
+          <p:cNvSpPr txBox="1"/>
+          <p:nvPr/>
+        </p:nvSpPr>
+        <p:spPr>
+          <a:xfrm>
+            <a:off x="7942420" y="3165231"/>
+            <a:ext cx="301686" cy="369332"/>
+          </a:xfrm>
+          <a:prstGeom prst="rect">
+            <a:avLst/>
+          </a:prstGeom>
+          <a:noFill/>
+        </p:spPr>
+        <p:txBody>
+          <a:bodyPr wrap="none" rtlCol="0">
+            <a:spAutoFit/>
+          </a:bodyPr>
+          <a:lstStyle/>
+          <a:p>
+            <a:r>
+              <a:rPr lang="en-US" altLang="zh-CN" dirty="0" smtClean="0"/>
+              <a:t>3</a:t>
+            </a:r>
+            <a:endParaRPr lang="zh-CN" altLang="en-US" dirty="0"/>
+          </a:p>
+        </p:txBody>
+      </p:sp>
+      <p:sp>
+        <p:nvSpPr>
+          <p:cNvPr id="33" name="文本框 32"/>
+          <p:cNvSpPr txBox="1"/>
+          <p:nvPr/>
+        </p:nvSpPr>
+        <p:spPr>
+          <a:xfrm>
+            <a:off x="5234389" y="3165231"/>
+            <a:ext cx="301686" cy="369332"/>
+          </a:xfrm>
+          <a:prstGeom prst="rect">
+            <a:avLst/>
+          </a:prstGeom>
+          <a:noFill/>
+        </p:spPr>
+        <p:txBody>
+          <a:bodyPr wrap="none" rtlCol="0">
+            <a:spAutoFit/>
+          </a:bodyPr>
+          <a:lstStyle/>
+          <a:p>
+            <a:r>
+              <a:rPr lang="en-US" altLang="zh-CN" dirty="0" smtClean="0">
+                <a:solidFill>
+                  <a:srgbClr val="0000FF"/>
+                </a:solidFill>
+              </a:rPr>
+              <a:t>2</a:t>
+            </a:r>
+            <a:endParaRPr lang="zh-CN" altLang="en-US" dirty="0">
+              <a:solidFill>
+                <a:srgbClr val="0000FF"/>
+              </a:solidFill>
+            </a:endParaRPr>
+          </a:p>
+        </p:txBody>
+      </p:sp>
+      <p:sp>
+        <p:nvSpPr>
+          <p:cNvPr id="34" name="文本框 33"/>
+          <p:cNvSpPr txBox="1"/>
+          <p:nvPr/>
+        </p:nvSpPr>
+        <p:spPr>
+          <a:xfrm>
+            <a:off x="5577289" y="3165231"/>
+            <a:ext cx="301686" cy="369332"/>
+          </a:xfrm>
+          <a:prstGeom prst="rect">
+            <a:avLst/>
+          </a:prstGeom>
+          <a:noFill/>
+        </p:spPr>
+        <p:txBody>
+          <a:bodyPr wrap="none" rtlCol="0">
+            <a:spAutoFit/>
+          </a:bodyPr>
+          <a:lstStyle/>
+          <a:p>
+            <a:r>
+              <a:rPr lang="en-US" altLang="zh-CN" dirty="0" smtClean="0">
+                <a:solidFill>
+                  <a:srgbClr val="0000FF"/>
+                </a:solidFill>
+              </a:rPr>
+              <a:t>0</a:t>
+            </a:r>
+            <a:endParaRPr lang="zh-CN" altLang="en-US" dirty="0">
+              <a:solidFill>
+                <a:srgbClr val="0000FF"/>
+              </a:solidFill>
+            </a:endParaRPr>
+          </a:p>
+        </p:txBody>
+      </p:sp>
+      <p:cxnSp>
+        <p:nvCxnSpPr>
+          <p:cNvPr id="36" name="直接连接符 35"/>
+          <p:cNvCxnSpPr>
+            <a:stCxn id="30" idx="0"/>
+            <a:endCxn id="10" idx="2"/>
+          </p:cNvCxnSpPr>
+          <p:nvPr/>
+        </p:nvCxnSpPr>
+        <p:spPr>
+          <a:xfrm flipV="1">
+            <a:off x="4611509" y="2954215"/>
+            <a:ext cx="153922" cy="211016"/>
+          </a:xfrm>
+          <a:prstGeom prst="line">
+            <a:avLst/>
+          </a:prstGeom>
+          <a:ln>
+            <a:solidFill>
+              <a:srgbClr val="0000FF"/>
+            </a:solidFill>
+          </a:ln>
+        </p:spPr>
+        <p:style>
+          <a:lnRef idx="1">
+            <a:schemeClr val="accent1"/>
+          </a:lnRef>
+          <a:fillRef idx="0">
+            <a:schemeClr val="accent1"/>
+          </a:fillRef>
+          <a:effectRef idx="0">
+            <a:schemeClr val="accent1"/>
+          </a:effectRef>
+          <a:fontRef idx="minor">
+            <a:schemeClr val="tx1"/>
+          </a:fontRef>
+        </p:style>
+      </p:cxnSp>
+      <p:cxnSp>
+        <p:nvCxnSpPr>
+          <p:cNvPr id="38" name="直接连接符 37"/>
+          <p:cNvCxnSpPr>
+            <a:stCxn id="31" idx="0"/>
+          </p:cNvCxnSpPr>
+          <p:nvPr/>
+        </p:nvCxnSpPr>
+        <p:spPr>
+          <a:xfrm flipH="1" flipV="1">
+            <a:off x="4994031" y="2980592"/>
+            <a:ext cx="4340" cy="184639"/>
+          </a:xfrm>
+          <a:prstGeom prst="line">
+            <a:avLst/>
+          </a:prstGeom>
+          <a:ln>
+            <a:solidFill>
+              <a:srgbClr val="0000FF"/>
+            </a:solidFill>
+          </a:ln>
+        </p:spPr>
+        <p:style>
+          <a:lnRef idx="1">
+            <a:schemeClr val="accent1"/>
+          </a:lnRef>
+          <a:fillRef idx="0">
+            <a:schemeClr val="accent1"/>
+          </a:fillRef>
+          <a:effectRef idx="0">
+            <a:schemeClr val="accent1"/>
+          </a:effectRef>
+          <a:fontRef idx="minor">
+            <a:schemeClr val="tx1"/>
+          </a:fontRef>
+        </p:style>
+      </p:cxnSp>
+      <p:cxnSp>
+        <p:nvCxnSpPr>
+          <p:cNvPr id="40" name="直接连接符 39"/>
+          <p:cNvCxnSpPr>
+            <a:stCxn id="33" idx="0"/>
+          </p:cNvCxnSpPr>
+          <p:nvPr/>
+        </p:nvCxnSpPr>
+        <p:spPr>
+          <a:xfrm flipH="1" flipV="1">
+            <a:off x="5222631" y="2954215"/>
+            <a:ext cx="162601" cy="211016"/>
+          </a:xfrm>
+          <a:prstGeom prst="line">
+            <a:avLst/>
+          </a:prstGeom>
+          <a:ln>
+            <a:solidFill>
+              <a:srgbClr val="0000FF"/>
+            </a:solidFill>
+          </a:ln>
+        </p:spPr>
+        <p:style>
+          <a:lnRef idx="1">
+            <a:schemeClr val="accent1"/>
+          </a:lnRef>
+          <a:fillRef idx="0">
+            <a:schemeClr val="accent1"/>
+          </a:fillRef>
+          <a:effectRef idx="0">
+            <a:schemeClr val="accent1"/>
+          </a:effectRef>
+          <a:fontRef idx="minor">
+            <a:schemeClr val="tx1"/>
+          </a:fontRef>
+        </p:style>
+      </p:cxnSp>
+      <p:cxnSp>
+        <p:nvCxnSpPr>
+          <p:cNvPr id="42" name="直接连接符 41"/>
+          <p:cNvCxnSpPr>
+            <a:stCxn id="34" idx="0"/>
+          </p:cNvCxnSpPr>
+          <p:nvPr/>
+        </p:nvCxnSpPr>
+        <p:spPr>
+          <a:xfrm flipH="1" flipV="1">
+            <a:off x="5451231" y="2954215"/>
+            <a:ext cx="276901" cy="211016"/>
+          </a:xfrm>
+          <a:prstGeom prst="line">
+            <a:avLst/>
+          </a:prstGeom>
+          <a:ln>
+            <a:solidFill>
+              <a:srgbClr val="0000FF"/>
+            </a:solidFill>
+          </a:ln>
+        </p:spPr>
+        <p:style>
+          <a:lnRef idx="1">
+            <a:schemeClr val="accent1"/>
+          </a:lnRef>
+          <a:fillRef idx="0">
+            <a:schemeClr val="accent1"/>
+          </a:fillRef>
+          <a:effectRef idx="0">
+            <a:schemeClr val="accent1"/>
+          </a:effectRef>
+          <a:fontRef idx="minor">
+            <a:schemeClr val="tx1"/>
+          </a:fontRef>
+        </p:style>
+      </p:cxnSp>
+      <p:sp>
+        <p:nvSpPr>
+          <p:cNvPr id="43" name="任意多边形 42"/>
+          <p:cNvSpPr/>
+          <p:nvPr/>
+        </p:nvSpPr>
+        <p:spPr>
+          <a:xfrm>
+            <a:off x="1987062" y="1978135"/>
+            <a:ext cx="2804746" cy="624388"/>
+          </a:xfrm>
+          <a:custGeom>
+            <a:avLst/>
+            <a:gdLst>
+              <a:gd name="connsiteX0" fmla="*/ 0 w 2804746"/>
+              <a:gd name="connsiteY0" fmla="*/ 580427 h 624388"/>
+              <a:gd name="connsiteX1" fmla="*/ 1960684 w 2804746"/>
+              <a:gd name="connsiteY1" fmla="*/ 134 h 624388"/>
+              <a:gd name="connsiteX2" fmla="*/ 2804746 w 2804746"/>
+              <a:gd name="connsiteY2" fmla="*/ 624388 h 624388"/>
+            </a:gdLst>
+            <a:ahLst/>
+            <a:cxnLst>
+              <a:cxn ang="0">
+                <a:pos x="connsiteX0" y="connsiteY0"/>
+              </a:cxn>
+              <a:cxn ang="0">
+                <a:pos x="connsiteX1" y="connsiteY1"/>
+              </a:cxn>
+              <a:cxn ang="0">
+                <a:pos x="connsiteX2" y="connsiteY2"/>
+              </a:cxn>
+            </a:cxnLst>
+            <a:rect l="l" t="t" r="r" b="b"/>
+            <a:pathLst>
+              <a:path w="2804746" h="624388">
+                <a:moveTo>
+                  <a:pt x="0" y="580427"/>
+                </a:moveTo>
+                <a:cubicBezTo>
+                  <a:pt x="746613" y="286617"/>
+                  <a:pt x="1493226" y="-7193"/>
+                  <a:pt x="1960684" y="134"/>
+                </a:cubicBezTo>
+                <a:cubicBezTo>
+                  <a:pt x="2428142" y="7461"/>
+                  <a:pt x="2602523" y="429492"/>
+                  <a:pt x="2804746" y="624388"/>
+                </a:cubicBezTo>
+              </a:path>
+            </a:pathLst>
+          </a:custGeom>
+          <a:noFill/>
+          <a:ln w="12700">
+            <a:solidFill>
+              <a:srgbClr val="FF0000"/>
+            </a:solidFill>
+            <a:headEnd type="none" w="med" len="med"/>
+            <a:tailEnd type="triangle" w="med" len="med"/>
           </a:ln>
         </p:spPr>
         <p:style>
@@ -4361,48 +5625,80 @@
           <a:lstStyle/>
           <a:p>
             <a:pPr algn="ctr"/>
-            <a:r>
-              <a:rPr lang="en-US" altLang="zh-CN" sz="1400" b="1" dirty="0">
-                <a:solidFill>
-                  <a:srgbClr val="7030A0"/>
-                </a:solidFill>
-                <a:latin typeface="Arial Unicode MS" pitchFamily="34" charset="-122"/>
-                <a:ea typeface="Arial Unicode MS" pitchFamily="34" charset="-122"/>
-                <a:cs typeface="Arial Unicode MS" pitchFamily="34" charset="-122"/>
-              </a:rPr>
-              <a:t>Tensorflow.NET C# Binding</a:t>
-            </a:r>
-            <a:endParaRPr lang="zh-CN" altLang="en-US" sz="1400" b="1" dirty="0">
-              <a:solidFill>
-                <a:srgbClr val="7030A0"/>
-              </a:solidFill>
-              <a:latin typeface="Arial Unicode MS" pitchFamily="34" charset="-122"/>
-              <a:ea typeface="Arial Unicode MS" pitchFamily="34" charset="-122"/>
-              <a:cs typeface="Arial Unicode MS" pitchFamily="34" charset="-122"/>
-            </a:endParaRPr>
-          </a:p>
-        </p:txBody>
-      </p:sp>
-      <p:sp>
-        <p:nvSpPr>
-          <p:cNvPr id="10" name="圆角矩形 9"/>
+            <a:endParaRPr lang="zh-CN" altLang="en-US"/>
+          </a:p>
+        </p:txBody>
+      </p:sp>
+      <p:sp>
+        <p:nvSpPr>
+          <p:cNvPr id="45" name="任意多边形 44"/>
           <p:cNvSpPr/>
           <p:nvPr/>
         </p:nvSpPr>
         <p:spPr>
           <a:xfrm>
-            <a:off x="927055" y="4574849"/>
-            <a:ext cx="7258583" cy="501243"/>
-          </a:xfrm>
-          <a:prstGeom prst="roundRect">
-            <a:avLst/>
-          </a:prstGeom>
-          <a:solidFill>
-            <a:schemeClr val="accent1">
-              <a:lumMod val="20000"/>
-              <a:lumOff val="80000"/>
-            </a:schemeClr>
-          </a:solidFill>
+            <a:off x="1477108" y="1676226"/>
+            <a:ext cx="3877407" cy="935089"/>
+          </a:xfrm>
+          <a:custGeom>
+            <a:avLst/>
+            <a:gdLst>
+              <a:gd name="connsiteX0" fmla="*/ 0 w 3877407"/>
+              <a:gd name="connsiteY0" fmla="*/ 935089 h 935089"/>
+              <a:gd name="connsiteX1" fmla="*/ 1600200 w 3877407"/>
+              <a:gd name="connsiteY1" fmla="*/ 38274 h 935089"/>
+              <a:gd name="connsiteX2" fmla="*/ 3042138 w 3877407"/>
+              <a:gd name="connsiteY2" fmla="*/ 240497 h 935089"/>
+              <a:gd name="connsiteX3" fmla="*/ 3877407 w 3877407"/>
+              <a:gd name="connsiteY3" fmla="*/ 926297 h 935089"/>
+            </a:gdLst>
+            <a:ahLst/>
+            <a:cxnLst>
+              <a:cxn ang="0">
+                <a:pos x="connsiteX0" y="connsiteY0"/>
+              </a:cxn>
+              <a:cxn ang="0">
+                <a:pos x="connsiteX1" y="connsiteY1"/>
+              </a:cxn>
+              <a:cxn ang="0">
+                <a:pos x="connsiteX2" y="connsiteY2"/>
+              </a:cxn>
+              <a:cxn ang="0">
+                <a:pos x="connsiteX3" y="connsiteY3"/>
+              </a:cxn>
+            </a:cxnLst>
+            <a:rect l="l" t="t" r="r" b="b"/>
+            <a:pathLst>
+              <a:path w="3877407" h="935089">
+                <a:moveTo>
+                  <a:pt x="0" y="935089"/>
+                </a:moveTo>
+                <a:cubicBezTo>
+                  <a:pt x="546588" y="544564"/>
+                  <a:pt x="1093177" y="154039"/>
+                  <a:pt x="1600200" y="38274"/>
+                </a:cubicBezTo>
+                <a:cubicBezTo>
+                  <a:pt x="2107223" y="-77491"/>
+                  <a:pt x="2662604" y="92493"/>
+                  <a:pt x="3042138" y="240497"/>
+                </a:cubicBezTo>
+                <a:cubicBezTo>
+                  <a:pt x="3421672" y="388501"/>
+                  <a:pt x="3703026" y="809066"/>
+                  <a:pt x="3877407" y="926297"/>
+                </a:cubicBezTo>
+              </a:path>
+            </a:pathLst>
+          </a:custGeom>
+          <a:noFill/>
+          <a:ln w="12700">
+            <a:solidFill>
+              <a:srgbClr val="FF0000"/>
+            </a:solidFill>
+            <a:headEnd type="none" w="med" len="med"/>
+            <a:tailEnd type="triangle" w="med" len="med"/>
+          </a:ln>
         </p:spPr>
         <p:style>
           <a:lnRef idx="2">
@@ -4425,59 +5721,70 @@
           <a:lstStyle/>
           <a:p>
             <a:pPr algn="ctr"/>
-            <a:r>
-              <a:rPr lang="en-US" altLang="zh-CN" sz="1400" dirty="0" err="1">
-                <a:solidFill>
-                  <a:schemeClr val="tx1"/>
-                </a:solidFill>
-                <a:latin typeface="Arial Unicode MS" pitchFamily="34" charset="-122"/>
-                <a:ea typeface="Arial Unicode MS" pitchFamily="34" charset="-122"/>
-                <a:cs typeface="Arial Unicode MS" pitchFamily="34" charset="-122"/>
-              </a:rPr>
-              <a:t>Tensorflow</a:t>
-            </a:r>
-            <a:r>
-              <a:rPr lang="en-US" altLang="zh-CN" sz="1400" dirty="0">
-                <a:solidFill>
-                  <a:schemeClr val="tx1"/>
-                </a:solidFill>
-                <a:latin typeface="Arial Unicode MS" pitchFamily="34" charset="-122"/>
-                <a:ea typeface="Arial Unicode MS" pitchFamily="34" charset="-122"/>
-                <a:cs typeface="Arial Unicode MS" pitchFamily="34" charset="-122"/>
-              </a:rPr>
-              <a:t> C++ API</a:t>
-            </a:r>
-            <a:endParaRPr lang="zh-CN" altLang="en-US" sz="1400" dirty="0">
-              <a:solidFill>
-                <a:schemeClr val="tx1"/>
-              </a:solidFill>
-              <a:latin typeface="Arial Unicode MS" pitchFamily="34" charset="-122"/>
-              <a:ea typeface="Arial Unicode MS" pitchFamily="34" charset="-122"/>
-              <a:cs typeface="Arial Unicode MS" pitchFamily="34" charset="-122"/>
-            </a:endParaRPr>
-          </a:p>
-        </p:txBody>
-      </p:sp>
-      <p:sp>
-        <p:nvSpPr>
-          <p:cNvPr id="13" name="圆角矩形 12"/>
+            <a:endParaRPr lang="zh-CN" altLang="en-US"/>
+          </a:p>
+        </p:txBody>
+      </p:sp>
+      <p:sp>
+        <p:nvSpPr>
+          <p:cNvPr id="46" name="任意多边形 45"/>
           <p:cNvSpPr/>
           <p:nvPr/>
         </p:nvSpPr>
         <p:spPr>
           <a:xfrm>
-            <a:off x="927055" y="3346822"/>
-            <a:ext cx="7258583" cy="501243"/>
-          </a:xfrm>
-          <a:prstGeom prst="roundRect">
-            <a:avLst/>
-          </a:prstGeom>
-          <a:solidFill>
-            <a:schemeClr val="accent1">
-              <a:lumMod val="20000"/>
-              <a:lumOff val="80000"/>
-            </a:schemeClr>
-          </a:solidFill>
+            <a:off x="1503485" y="3490546"/>
+            <a:ext cx="3481753" cy="975953"/>
+          </a:xfrm>
+          <a:custGeom>
+            <a:avLst/>
+            <a:gdLst>
+              <a:gd name="connsiteX0" fmla="*/ 0 w 3481753"/>
+              <a:gd name="connsiteY0" fmla="*/ 0 h 975953"/>
+              <a:gd name="connsiteX1" fmla="*/ 2022230 w 3481753"/>
+              <a:gd name="connsiteY1" fmla="*/ 975946 h 975953"/>
+              <a:gd name="connsiteX2" fmla="*/ 3481753 w 3481753"/>
+              <a:gd name="connsiteY2" fmla="*/ 17585 h 975953"/>
+            </a:gdLst>
+            <a:ahLst/>
+            <a:cxnLst>
+              <a:cxn ang="0">
+                <a:pos x="connsiteX0" y="connsiteY0"/>
+              </a:cxn>
+              <a:cxn ang="0">
+                <a:pos x="connsiteX1" y="connsiteY1"/>
+              </a:cxn>
+              <a:cxn ang="0">
+                <a:pos x="connsiteX2" y="connsiteY2"/>
+              </a:cxn>
+            </a:cxnLst>
+            <a:rect l="l" t="t" r="r" b="b"/>
+            <a:pathLst>
+              <a:path w="3481753" h="975953">
+                <a:moveTo>
+                  <a:pt x="0" y="0"/>
+                </a:moveTo>
+                <a:cubicBezTo>
+                  <a:pt x="720969" y="486507"/>
+                  <a:pt x="1441938" y="973015"/>
+                  <a:pt x="2022230" y="975946"/>
+                </a:cubicBezTo>
+                <a:cubicBezTo>
+                  <a:pt x="2602522" y="978877"/>
+                  <a:pt x="3257549" y="127489"/>
+                  <a:pt x="3481753" y="17585"/>
+                </a:cubicBezTo>
+              </a:path>
+            </a:pathLst>
+          </a:custGeom>
+          <a:noFill/>
+          <a:ln w="12700">
+            <a:solidFill>
+              <a:srgbClr val="FF0000"/>
+            </a:solidFill>
+            <a:headEnd type="none" w="med" len="med"/>
+            <a:tailEnd type="triangle" w="med" len="med"/>
+          </a:ln>
         </p:spPr>
         <p:style>
           <a:lnRef idx="2">
@@ -4500,70 +5807,70 @@
           <a:lstStyle/>
           <a:p>
             <a:pPr algn="ctr"/>
-            <a:r>
-              <a:rPr lang="en-US" altLang="zh-CN" sz="1400" dirty="0">
-                <a:solidFill>
-                  <a:schemeClr val="tx1"/>
-                </a:solidFill>
-                <a:latin typeface="Arial Unicode MS" pitchFamily="34" charset="-122"/>
-                <a:ea typeface="Arial Unicode MS" pitchFamily="34" charset="-122"/>
-                <a:cs typeface="Arial Unicode MS" pitchFamily="34" charset="-122"/>
-              </a:rPr>
-              <a:t>ML.NET </a:t>
-            </a:r>
-            <a:r>
-              <a:rPr lang="en-US" altLang="zh-CN" sz="1400" dirty="0" err="1">
-                <a:solidFill>
-                  <a:schemeClr val="tx1"/>
-                </a:solidFill>
-                <a:latin typeface="Arial Unicode MS" pitchFamily="34" charset="-122"/>
-                <a:ea typeface="Arial Unicode MS" pitchFamily="34" charset="-122"/>
-                <a:cs typeface="Arial Unicode MS" pitchFamily="34" charset="-122"/>
-              </a:rPr>
-              <a:t>Tensorflow</a:t>
-            </a:r>
-            <a:r>
-              <a:rPr lang="en-US" altLang="zh-CN" sz="1400" dirty="0">
-                <a:solidFill>
-                  <a:schemeClr val="tx1"/>
-                </a:solidFill>
-                <a:latin typeface="Arial Unicode MS" pitchFamily="34" charset="-122"/>
-                <a:ea typeface="Arial Unicode MS" pitchFamily="34" charset="-122"/>
-                <a:cs typeface="Arial Unicode MS" pitchFamily="34" charset="-122"/>
-              </a:rPr>
-              <a:t> Transaction </a:t>
-            </a:r>
-            <a:endParaRPr lang="zh-CN" altLang="en-US" sz="1400" dirty="0">
-              <a:solidFill>
-                <a:schemeClr val="tx1"/>
-              </a:solidFill>
-              <a:latin typeface="Arial Unicode MS" pitchFamily="34" charset="-122"/>
-              <a:ea typeface="Arial Unicode MS" pitchFamily="34" charset="-122"/>
-              <a:cs typeface="Arial Unicode MS" pitchFamily="34" charset="-122"/>
-            </a:endParaRPr>
-          </a:p>
-        </p:txBody>
-      </p:sp>
-      <p:sp>
-        <p:nvSpPr>
-          <p:cNvPr id="14" name="圆角矩形 13"/>
+            <a:endParaRPr lang="zh-CN" altLang="en-US"/>
+          </a:p>
+        </p:txBody>
+      </p:sp>
+      <p:sp>
+        <p:nvSpPr>
+          <p:cNvPr id="47" name="任意多边形 46"/>
           <p:cNvSpPr/>
           <p:nvPr/>
         </p:nvSpPr>
         <p:spPr>
           <a:xfrm>
-            <a:off x="927056" y="2732809"/>
-            <a:ext cx="5904568" cy="501243"/>
-          </a:xfrm>
-          <a:prstGeom prst="roundRect">
-            <a:avLst/>
-          </a:prstGeom>
-          <a:solidFill>
-            <a:schemeClr val="accent1">
-              <a:lumMod val="20000"/>
-              <a:lumOff val="80000"/>
-            </a:schemeClr>
-          </a:solidFill>
+            <a:off x="1960685" y="3472962"/>
+            <a:ext cx="3437792" cy="712176"/>
+          </a:xfrm>
+          <a:custGeom>
+            <a:avLst/>
+            <a:gdLst>
+              <a:gd name="connsiteX0" fmla="*/ 0 w 3437792"/>
+              <a:gd name="connsiteY0" fmla="*/ 0 h 712176"/>
+              <a:gd name="connsiteX1" fmla="*/ 2628900 w 3437792"/>
+              <a:gd name="connsiteY1" fmla="*/ 712176 h 712176"/>
+              <a:gd name="connsiteX2" fmla="*/ 3437792 w 3437792"/>
+              <a:gd name="connsiteY2" fmla="*/ 0 h 712176"/>
+            </a:gdLst>
+            <a:ahLst/>
+            <a:cxnLst>
+              <a:cxn ang="0">
+                <a:pos x="connsiteX0" y="connsiteY0"/>
+              </a:cxn>
+              <a:cxn ang="0">
+                <a:pos x="connsiteX1" y="connsiteY1"/>
+              </a:cxn>
+              <a:cxn ang="0">
+                <a:pos x="connsiteX2" y="connsiteY2"/>
+              </a:cxn>
+            </a:cxnLst>
+            <a:rect l="l" t="t" r="r" b="b"/>
+            <a:pathLst>
+              <a:path w="3437792" h="712176">
+                <a:moveTo>
+                  <a:pt x="0" y="0"/>
+                </a:moveTo>
+                <a:cubicBezTo>
+                  <a:pt x="1027967" y="356088"/>
+                  <a:pt x="2055935" y="712176"/>
+                  <a:pt x="2628900" y="712176"/>
+                </a:cubicBezTo>
+                <a:cubicBezTo>
+                  <a:pt x="3201865" y="712176"/>
+                  <a:pt x="3267808" y="24912"/>
+                  <a:pt x="3437792" y="0"/>
+                </a:cubicBezTo>
+              </a:path>
+            </a:pathLst>
+          </a:custGeom>
+          <a:noFill/>
+          <a:ln w="12700">
+            <a:solidFill>
+              <a:srgbClr val="FF0000"/>
+            </a:solidFill>
+            <a:headEnd type="none" w="med" len="med"/>
+            <a:tailEnd type="triangle" w="med" len="med"/>
+          </a:ln>
         </p:spPr>
         <p:style>
           <a:lnRef idx="2">
@@ -4586,50 +5893,30 @@
           <a:lstStyle/>
           <a:p>
             <a:pPr algn="ctr"/>
-            <a:r>
-              <a:rPr lang="en-US" altLang="zh-CN" sz="1400" dirty="0">
-                <a:solidFill>
-                  <a:schemeClr val="tx1"/>
-                </a:solidFill>
-                <a:latin typeface="Arial Unicode MS" pitchFamily="34" charset="-122"/>
-                <a:ea typeface="Arial Unicode MS" pitchFamily="34" charset="-122"/>
-                <a:cs typeface="Arial Unicode MS" pitchFamily="34" charset="-122"/>
-              </a:rPr>
-              <a:t>Full model re-train and transfer learning</a:t>
-            </a:r>
-            <a:endParaRPr lang="zh-CN" altLang="en-US" sz="1400" dirty="0">
-              <a:solidFill>
-                <a:schemeClr val="tx1"/>
-              </a:solidFill>
-              <a:latin typeface="Arial Unicode MS" pitchFamily="34" charset="-122"/>
-              <a:ea typeface="Arial Unicode MS" pitchFamily="34" charset="-122"/>
-              <a:cs typeface="Arial Unicode MS" pitchFamily="34" charset="-122"/>
-            </a:endParaRPr>
-          </a:p>
-        </p:txBody>
-      </p:sp>
-      <p:sp>
-        <p:nvSpPr>
-          <p:cNvPr id="15" name="圆角矩形 14"/>
+            <a:endParaRPr lang="zh-CN" altLang="en-US"/>
+          </a:p>
+        </p:txBody>
+      </p:sp>
+      <p:sp>
+        <p:nvSpPr>
+          <p:cNvPr id="48" name="矩形 47"/>
           <p:cNvSpPr/>
           <p:nvPr/>
         </p:nvSpPr>
         <p:spPr>
           <a:xfrm>
-            <a:off x="927054" y="1281954"/>
-            <a:ext cx="1196673" cy="1338086"/>
-          </a:xfrm>
-          <a:prstGeom prst="roundRect">
-            <a:avLst>
-              <a:gd name="adj" fmla="val 8585"/>
-            </a:avLst>
-          </a:prstGeom>
-          <a:solidFill>
-            <a:schemeClr val="accent1">
-              <a:lumMod val="20000"/>
-              <a:lumOff val="80000"/>
-            </a:schemeClr>
-          </a:solidFill>
+            <a:off x="4422531" y="3226777"/>
+            <a:ext cx="1494692" cy="219808"/>
+          </a:xfrm>
+          <a:prstGeom prst="rect">
+            <a:avLst/>
+          </a:prstGeom>
+          <a:noFill/>
+          <a:ln w="12700">
+            <a:solidFill>
+              <a:srgbClr val="FF0000"/>
+            </a:solidFill>
+          </a:ln>
         </p:spPr>
         <p:style>
           <a:lnRef idx="2">
@@ -4652,768 +5939,14 @@
           <a:lstStyle/>
           <a:p>
             <a:pPr algn="ctr"/>
-            <a:r>
-              <a:rPr lang="en-US" altLang="zh-CN" sz="1400" dirty="0" err="1">
-                <a:solidFill>
-                  <a:schemeClr val="tx1"/>
-                </a:solidFill>
-                <a:latin typeface="Arial Unicode MS" pitchFamily="34" charset="-122"/>
-                <a:ea typeface="Arial Unicode MS" pitchFamily="34" charset="-122"/>
-                <a:cs typeface="Arial Unicode MS" pitchFamily="34" charset="-122"/>
-              </a:rPr>
-              <a:t>Tensorflow</a:t>
-            </a:r>
-            <a:endParaRPr lang="en-US" altLang="zh-CN" sz="1400" dirty="0">
-              <a:solidFill>
-                <a:schemeClr val="tx1"/>
-              </a:solidFill>
-              <a:latin typeface="Arial Unicode MS" pitchFamily="34" charset="-122"/>
-              <a:ea typeface="Arial Unicode MS" pitchFamily="34" charset="-122"/>
-              <a:cs typeface="Arial Unicode MS" pitchFamily="34" charset="-122"/>
-            </a:endParaRPr>
-          </a:p>
-          <a:p>
-            <a:pPr algn="ctr"/>
-            <a:r>
-              <a:rPr lang="en-US" altLang="zh-CN" sz="1400" dirty="0">
-                <a:solidFill>
-                  <a:schemeClr val="tx1"/>
-                </a:solidFill>
-                <a:latin typeface="Arial Unicode MS" pitchFamily="34" charset="-122"/>
-                <a:ea typeface="Arial Unicode MS" pitchFamily="34" charset="-122"/>
-                <a:cs typeface="Arial Unicode MS" pitchFamily="34" charset="-122"/>
-              </a:rPr>
-              <a:t>Model.</a:t>
-            </a:r>
-            <a:endParaRPr lang="zh-CN" altLang="en-US" sz="1400" dirty="0">
-              <a:solidFill>
-                <a:schemeClr val="tx1"/>
-              </a:solidFill>
-              <a:latin typeface="Arial Unicode MS" pitchFamily="34" charset="-122"/>
-              <a:ea typeface="Arial Unicode MS" pitchFamily="34" charset="-122"/>
-              <a:cs typeface="Arial Unicode MS" pitchFamily="34" charset="-122"/>
-            </a:endParaRPr>
-          </a:p>
-        </p:txBody>
-      </p:sp>
-      <p:sp>
-        <p:nvSpPr>
-          <p:cNvPr id="16" name="圆角矩形 15"/>
-          <p:cNvSpPr/>
-          <p:nvPr/>
-        </p:nvSpPr>
-        <p:spPr>
-          <a:xfrm>
-            <a:off x="2216287" y="1302731"/>
-            <a:ext cx="830195" cy="597787"/>
-          </a:xfrm>
-          <a:prstGeom prst="roundRect">
-            <a:avLst/>
-          </a:prstGeom>
-          <a:solidFill>
-            <a:schemeClr val="accent1">
-              <a:lumMod val="20000"/>
-              <a:lumOff val="80000"/>
-            </a:schemeClr>
-          </a:solidFill>
-        </p:spPr>
-        <p:style>
-          <a:lnRef idx="2">
-            <a:schemeClr val="accent1">
-              <a:shade val="50000"/>
-            </a:schemeClr>
-          </a:lnRef>
-          <a:fillRef idx="1">
-            <a:schemeClr val="accent1"/>
-          </a:fillRef>
-          <a:effectRef idx="0">
-            <a:schemeClr val="accent1"/>
-          </a:effectRef>
-          <a:fontRef idx="minor">
-            <a:schemeClr val="lt1"/>
-          </a:fontRef>
-        </p:style>
-        <p:txBody>
-          <a:bodyPr rtlCol="0" anchor="ctr"/>
-          <a:lstStyle/>
-          <a:p>
-            <a:pPr algn="ctr"/>
-            <a:r>
-              <a:rPr lang="en-US" altLang="zh-CN" sz="1400" dirty="0" err="1">
-                <a:solidFill>
-                  <a:schemeClr val="tx1"/>
-                </a:solidFill>
-                <a:latin typeface="Arial Unicode MS" pitchFamily="34" charset="-122"/>
-                <a:ea typeface="Arial Unicode MS" pitchFamily="34" charset="-122"/>
-                <a:cs typeface="Arial Unicode MS" pitchFamily="34" charset="-122"/>
-              </a:rPr>
-              <a:t>Resnet</a:t>
-            </a:r>
-            <a:endParaRPr lang="en-US" altLang="zh-CN" sz="1400" dirty="0">
-              <a:solidFill>
-                <a:schemeClr val="tx1"/>
-              </a:solidFill>
-              <a:latin typeface="Arial Unicode MS" pitchFamily="34" charset="-122"/>
-              <a:ea typeface="Arial Unicode MS" pitchFamily="34" charset="-122"/>
-              <a:cs typeface="Arial Unicode MS" pitchFamily="34" charset="-122"/>
-            </a:endParaRPr>
-          </a:p>
-          <a:p>
-            <a:pPr algn="ctr"/>
-            <a:r>
-              <a:rPr lang="en-US" altLang="zh-CN" sz="1400" dirty="0">
-                <a:solidFill>
-                  <a:schemeClr val="tx1"/>
-                </a:solidFill>
-                <a:latin typeface="Arial Unicode MS" pitchFamily="34" charset="-122"/>
-                <a:ea typeface="Arial Unicode MS" pitchFamily="34" charset="-122"/>
-                <a:cs typeface="Arial Unicode MS" pitchFamily="34" charset="-122"/>
-              </a:rPr>
-              <a:t>101</a:t>
-            </a:r>
-            <a:endParaRPr lang="zh-CN" altLang="en-US" sz="1400" dirty="0">
-              <a:solidFill>
-                <a:schemeClr val="tx1"/>
-              </a:solidFill>
-              <a:latin typeface="Arial Unicode MS" pitchFamily="34" charset="-122"/>
-              <a:ea typeface="Arial Unicode MS" pitchFamily="34" charset="-122"/>
-              <a:cs typeface="Arial Unicode MS" pitchFamily="34" charset="-122"/>
-            </a:endParaRPr>
-          </a:p>
-        </p:txBody>
-      </p:sp>
-      <p:sp>
-        <p:nvSpPr>
-          <p:cNvPr id="17" name="圆角矩形 16"/>
-          <p:cNvSpPr/>
-          <p:nvPr/>
-        </p:nvSpPr>
-        <p:spPr>
-          <a:xfrm>
-            <a:off x="6938525" y="2732809"/>
-            <a:ext cx="1247114" cy="501243"/>
-          </a:xfrm>
-          <a:prstGeom prst="roundRect">
-            <a:avLst/>
-          </a:prstGeom>
-          <a:solidFill>
-            <a:schemeClr val="accent1">
-              <a:lumMod val="20000"/>
-              <a:lumOff val="80000"/>
-            </a:schemeClr>
-          </a:solidFill>
-        </p:spPr>
-        <p:style>
-          <a:lnRef idx="2">
-            <a:schemeClr val="accent1">
-              <a:shade val="50000"/>
-            </a:schemeClr>
-          </a:lnRef>
-          <a:fillRef idx="1">
-            <a:schemeClr val="accent1"/>
-          </a:fillRef>
-          <a:effectRef idx="0">
-            <a:schemeClr val="accent1"/>
-          </a:effectRef>
-          <a:fontRef idx="minor">
-            <a:schemeClr val="lt1"/>
-          </a:fontRef>
-        </p:style>
-        <p:txBody>
-          <a:bodyPr rtlCol="0" anchor="ctr"/>
-          <a:lstStyle/>
-          <a:p>
-            <a:pPr algn="ctr"/>
-            <a:r>
-              <a:rPr lang="en-US" altLang="zh-CN" sz="1400" dirty="0">
-                <a:solidFill>
-                  <a:schemeClr val="tx1"/>
-                </a:solidFill>
-                <a:latin typeface="Arial Unicode MS" pitchFamily="34" charset="-122"/>
-                <a:ea typeface="Arial Unicode MS" pitchFamily="34" charset="-122"/>
-                <a:cs typeface="Arial Unicode MS" pitchFamily="34" charset="-122"/>
-              </a:rPr>
-              <a:t>Scoring</a:t>
-            </a:r>
-            <a:endParaRPr lang="zh-CN" altLang="en-US" sz="1400" dirty="0">
-              <a:solidFill>
-                <a:schemeClr val="tx1"/>
-              </a:solidFill>
-              <a:latin typeface="Arial Unicode MS" pitchFamily="34" charset="-122"/>
-              <a:ea typeface="Arial Unicode MS" pitchFamily="34" charset="-122"/>
-              <a:cs typeface="Arial Unicode MS" pitchFamily="34" charset="-122"/>
-            </a:endParaRPr>
-          </a:p>
-        </p:txBody>
-      </p:sp>
-      <p:sp>
-        <p:nvSpPr>
-          <p:cNvPr id="18" name="圆角矩形 17"/>
-          <p:cNvSpPr/>
-          <p:nvPr/>
-        </p:nvSpPr>
-        <p:spPr>
-          <a:xfrm>
-            <a:off x="2216287" y="2017058"/>
-            <a:ext cx="1871619" cy="602981"/>
-          </a:xfrm>
-          <a:prstGeom prst="roundRect">
-            <a:avLst/>
-          </a:prstGeom>
-          <a:solidFill>
-            <a:schemeClr val="accent1">
-              <a:lumMod val="20000"/>
-              <a:lumOff val="80000"/>
-            </a:schemeClr>
-          </a:solidFill>
-        </p:spPr>
-        <p:style>
-          <a:lnRef idx="2">
-            <a:schemeClr val="accent1">
-              <a:shade val="50000"/>
-            </a:schemeClr>
-          </a:lnRef>
-          <a:fillRef idx="1">
-            <a:schemeClr val="accent1"/>
-          </a:fillRef>
-          <a:effectRef idx="0">
-            <a:schemeClr val="accent1"/>
-          </a:effectRef>
-          <a:fontRef idx="minor">
-            <a:schemeClr val="lt1"/>
-          </a:fontRef>
-        </p:style>
-        <p:txBody>
-          <a:bodyPr rtlCol="0" anchor="ctr"/>
-          <a:lstStyle/>
-          <a:p>
-            <a:pPr algn="ctr"/>
-            <a:r>
-              <a:rPr lang="en-US" altLang="zh-CN" sz="1400" dirty="0">
-                <a:solidFill>
-                  <a:schemeClr val="tx1"/>
-                </a:solidFill>
-                <a:latin typeface="Arial Unicode MS" pitchFamily="34" charset="-122"/>
-                <a:ea typeface="Arial Unicode MS" pitchFamily="34" charset="-122"/>
-                <a:cs typeface="Arial Unicode MS" pitchFamily="34" charset="-122"/>
-              </a:rPr>
-              <a:t>Image Classification</a:t>
-            </a:r>
-            <a:endParaRPr lang="zh-CN" altLang="en-US" sz="1400" dirty="0">
-              <a:solidFill>
-                <a:schemeClr val="tx1"/>
-              </a:solidFill>
-              <a:latin typeface="Arial Unicode MS" pitchFamily="34" charset="-122"/>
-              <a:ea typeface="Arial Unicode MS" pitchFamily="34" charset="-122"/>
-              <a:cs typeface="Arial Unicode MS" pitchFamily="34" charset="-122"/>
-            </a:endParaRPr>
-          </a:p>
-        </p:txBody>
-      </p:sp>
-      <p:sp>
-        <p:nvSpPr>
-          <p:cNvPr id="19" name="圆角矩形 18"/>
-          <p:cNvSpPr/>
-          <p:nvPr/>
-        </p:nvSpPr>
-        <p:spPr>
-          <a:xfrm>
-            <a:off x="4180467" y="2017058"/>
-            <a:ext cx="1543662" cy="602981"/>
-          </a:xfrm>
-          <a:prstGeom prst="roundRect">
-            <a:avLst/>
-          </a:prstGeom>
-          <a:solidFill>
-            <a:schemeClr val="accent1">
-              <a:lumMod val="20000"/>
-              <a:lumOff val="80000"/>
-            </a:schemeClr>
-          </a:solidFill>
-        </p:spPr>
-        <p:style>
-          <a:lnRef idx="2">
-            <a:schemeClr val="accent1">
-              <a:shade val="50000"/>
-            </a:schemeClr>
-          </a:lnRef>
-          <a:fillRef idx="1">
-            <a:schemeClr val="accent1"/>
-          </a:fillRef>
-          <a:effectRef idx="0">
-            <a:schemeClr val="accent1"/>
-          </a:effectRef>
-          <a:fontRef idx="minor">
-            <a:schemeClr val="lt1"/>
-          </a:fontRef>
-        </p:style>
-        <p:txBody>
-          <a:bodyPr rtlCol="0" anchor="ctr"/>
-          <a:lstStyle/>
-          <a:p>
-            <a:pPr algn="ctr"/>
-            <a:r>
-              <a:rPr lang="en-US" altLang="zh-CN" sz="1400" dirty="0">
-                <a:solidFill>
-                  <a:schemeClr val="tx1"/>
-                </a:solidFill>
-                <a:latin typeface="Arial Unicode MS" pitchFamily="34" charset="-122"/>
-                <a:ea typeface="Arial Unicode MS" pitchFamily="34" charset="-122"/>
-                <a:cs typeface="Arial Unicode MS" pitchFamily="34" charset="-122"/>
-              </a:rPr>
-              <a:t>Text Classification</a:t>
-            </a:r>
-            <a:endParaRPr lang="zh-CN" altLang="en-US" sz="1400" dirty="0">
-              <a:solidFill>
-                <a:schemeClr val="tx1"/>
-              </a:solidFill>
-              <a:latin typeface="Arial Unicode MS" pitchFamily="34" charset="-122"/>
-              <a:ea typeface="Arial Unicode MS" pitchFamily="34" charset="-122"/>
-              <a:cs typeface="Arial Unicode MS" pitchFamily="34" charset="-122"/>
-            </a:endParaRPr>
-          </a:p>
-        </p:txBody>
-      </p:sp>
-      <p:sp>
-        <p:nvSpPr>
-          <p:cNvPr id="20" name="圆角矩形 19"/>
-          <p:cNvSpPr/>
-          <p:nvPr/>
-        </p:nvSpPr>
-        <p:spPr>
-          <a:xfrm>
-            <a:off x="5813339" y="2017058"/>
-            <a:ext cx="1018285" cy="602981"/>
-          </a:xfrm>
-          <a:prstGeom prst="roundRect">
-            <a:avLst/>
-          </a:prstGeom>
-          <a:solidFill>
-            <a:schemeClr val="accent1">
-              <a:lumMod val="20000"/>
-              <a:lumOff val="80000"/>
-            </a:schemeClr>
-          </a:solidFill>
-        </p:spPr>
-        <p:style>
-          <a:lnRef idx="2">
-            <a:schemeClr val="accent1">
-              <a:shade val="50000"/>
-            </a:schemeClr>
-          </a:lnRef>
-          <a:fillRef idx="1">
-            <a:schemeClr val="accent1"/>
-          </a:fillRef>
-          <a:effectRef idx="0">
-            <a:schemeClr val="accent1"/>
-          </a:effectRef>
-          <a:fontRef idx="minor">
-            <a:schemeClr val="lt1"/>
-          </a:fontRef>
-        </p:style>
-        <p:txBody>
-          <a:bodyPr rtlCol="0" anchor="ctr"/>
-          <a:lstStyle/>
-          <a:p>
-            <a:pPr algn="ctr"/>
-            <a:r>
-              <a:rPr lang="en-US" altLang="zh-CN" sz="1400" dirty="0">
-                <a:solidFill>
-                  <a:schemeClr val="tx1"/>
-                </a:solidFill>
-                <a:latin typeface="Arial Unicode MS" pitchFamily="34" charset="-122"/>
-                <a:ea typeface="Arial Unicode MS" pitchFamily="34" charset="-122"/>
-                <a:cs typeface="Arial Unicode MS" pitchFamily="34" charset="-122"/>
-              </a:rPr>
-              <a:t>Object</a:t>
-            </a:r>
-          </a:p>
-          <a:p>
-            <a:pPr algn="ctr"/>
-            <a:r>
-              <a:rPr lang="en-US" altLang="zh-CN" sz="1400" dirty="0">
-                <a:solidFill>
-                  <a:schemeClr val="tx1"/>
-                </a:solidFill>
-                <a:latin typeface="Arial Unicode MS" pitchFamily="34" charset="-122"/>
-                <a:ea typeface="Arial Unicode MS" pitchFamily="34" charset="-122"/>
-                <a:cs typeface="Arial Unicode MS" pitchFamily="34" charset="-122"/>
-              </a:rPr>
-              <a:t>detection</a:t>
-            </a:r>
-            <a:endParaRPr lang="zh-CN" altLang="en-US" sz="1400" dirty="0">
-              <a:solidFill>
-                <a:schemeClr val="tx1"/>
-              </a:solidFill>
-              <a:latin typeface="Arial Unicode MS" pitchFamily="34" charset="-122"/>
-              <a:ea typeface="Arial Unicode MS" pitchFamily="34" charset="-122"/>
-              <a:cs typeface="Arial Unicode MS" pitchFamily="34" charset="-122"/>
-            </a:endParaRPr>
-          </a:p>
-        </p:txBody>
-      </p:sp>
-      <p:sp>
-        <p:nvSpPr>
-          <p:cNvPr id="21" name="圆角矩形 20"/>
-          <p:cNvSpPr/>
-          <p:nvPr/>
-        </p:nvSpPr>
-        <p:spPr>
-          <a:xfrm>
-            <a:off x="6938525" y="1302732"/>
-            <a:ext cx="1225611" cy="1317308"/>
-          </a:xfrm>
-          <a:prstGeom prst="roundRect">
-            <a:avLst>
-              <a:gd name="adj" fmla="val 7341"/>
-            </a:avLst>
-          </a:prstGeom>
-          <a:solidFill>
-            <a:schemeClr val="accent1">
-              <a:lumMod val="20000"/>
-              <a:lumOff val="80000"/>
-            </a:schemeClr>
-          </a:solidFill>
-        </p:spPr>
-        <p:style>
-          <a:lnRef idx="2">
-            <a:schemeClr val="accent1">
-              <a:shade val="50000"/>
-            </a:schemeClr>
-          </a:lnRef>
-          <a:fillRef idx="1">
-            <a:schemeClr val="accent1"/>
-          </a:fillRef>
-          <a:effectRef idx="0">
-            <a:schemeClr val="accent1"/>
-          </a:effectRef>
-          <a:fontRef idx="minor">
-            <a:schemeClr val="lt1"/>
-          </a:fontRef>
-        </p:style>
-        <p:txBody>
-          <a:bodyPr rtlCol="0" anchor="ctr"/>
-          <a:lstStyle/>
-          <a:p>
-            <a:pPr algn="ctr"/>
-            <a:r>
-              <a:rPr lang="en-US" altLang="zh-CN" sz="1400" dirty="0" err="1" smtClean="0">
-                <a:solidFill>
-                  <a:schemeClr val="tx1"/>
-                </a:solidFill>
-                <a:latin typeface="Arial Unicode MS" pitchFamily="34" charset="-122"/>
-                <a:ea typeface="Arial Unicode MS" pitchFamily="34" charset="-122"/>
-                <a:cs typeface="Arial Unicode MS" pitchFamily="34" charset="-122"/>
-              </a:rPr>
-              <a:t>Tensorflow</a:t>
-            </a:r>
-            <a:endParaRPr lang="en-US" altLang="zh-CN" sz="1400" dirty="0">
-              <a:solidFill>
-                <a:schemeClr val="tx1"/>
-              </a:solidFill>
-              <a:latin typeface="Arial Unicode MS" pitchFamily="34" charset="-122"/>
-              <a:ea typeface="Arial Unicode MS" pitchFamily="34" charset="-122"/>
-              <a:cs typeface="Arial Unicode MS" pitchFamily="34" charset="-122"/>
-            </a:endParaRPr>
-          </a:p>
-          <a:p>
-            <a:pPr algn="ctr"/>
-            <a:r>
-              <a:rPr lang="en-US" altLang="zh-CN" sz="1400" dirty="0">
-                <a:solidFill>
-                  <a:schemeClr val="tx1"/>
-                </a:solidFill>
-                <a:latin typeface="Arial Unicode MS" pitchFamily="34" charset="-122"/>
-                <a:ea typeface="Arial Unicode MS" pitchFamily="34" charset="-122"/>
-                <a:cs typeface="Arial Unicode MS" pitchFamily="34" charset="-122"/>
-              </a:rPr>
-              <a:t>Model.</a:t>
-            </a:r>
-            <a:endParaRPr lang="zh-CN" altLang="en-US" sz="1400" dirty="0">
-              <a:solidFill>
-                <a:schemeClr val="tx1"/>
-              </a:solidFill>
-              <a:latin typeface="Arial Unicode MS" pitchFamily="34" charset="-122"/>
-              <a:ea typeface="Arial Unicode MS" pitchFamily="34" charset="-122"/>
-              <a:cs typeface="Arial Unicode MS" pitchFamily="34" charset="-122"/>
-            </a:endParaRPr>
-          </a:p>
-        </p:txBody>
-      </p:sp>
-      <p:sp>
-        <p:nvSpPr>
-          <p:cNvPr id="22" name="圆角矩形 21"/>
-          <p:cNvSpPr/>
-          <p:nvPr/>
-        </p:nvSpPr>
-        <p:spPr>
-          <a:xfrm>
-            <a:off x="3103962" y="1302731"/>
-            <a:ext cx="983944" cy="597787"/>
-          </a:xfrm>
-          <a:prstGeom prst="roundRect">
-            <a:avLst/>
-          </a:prstGeom>
-          <a:solidFill>
-            <a:schemeClr val="accent1">
-              <a:lumMod val="20000"/>
-              <a:lumOff val="80000"/>
-            </a:schemeClr>
-          </a:solidFill>
-        </p:spPr>
-        <p:style>
-          <a:lnRef idx="2">
-            <a:schemeClr val="accent1">
-              <a:shade val="50000"/>
-            </a:schemeClr>
-          </a:lnRef>
-          <a:fillRef idx="1">
-            <a:schemeClr val="accent1"/>
-          </a:fillRef>
-          <a:effectRef idx="0">
-            <a:schemeClr val="accent1"/>
-          </a:effectRef>
-          <a:fontRef idx="minor">
-            <a:schemeClr val="lt1"/>
-          </a:fontRef>
-        </p:style>
-        <p:txBody>
-          <a:bodyPr rtlCol="0" anchor="ctr"/>
-          <a:lstStyle/>
-          <a:p>
-            <a:pPr algn="ctr"/>
-            <a:r>
-              <a:rPr lang="en-US" altLang="zh-CN" sz="1400" dirty="0">
-                <a:solidFill>
-                  <a:schemeClr val="tx1"/>
-                </a:solidFill>
-                <a:latin typeface="Arial Unicode MS" pitchFamily="34" charset="-122"/>
-                <a:ea typeface="Arial Unicode MS" pitchFamily="34" charset="-122"/>
-                <a:cs typeface="Arial Unicode MS" pitchFamily="34" charset="-122"/>
-              </a:rPr>
-              <a:t>Inception</a:t>
-            </a:r>
-          </a:p>
-          <a:p>
-            <a:pPr algn="ctr"/>
-            <a:r>
-              <a:rPr lang="en-US" altLang="zh-CN" sz="1400" dirty="0">
-                <a:solidFill>
-                  <a:schemeClr val="tx1"/>
-                </a:solidFill>
-                <a:latin typeface="Arial Unicode MS" pitchFamily="34" charset="-122"/>
-                <a:ea typeface="Arial Unicode MS" pitchFamily="34" charset="-122"/>
-                <a:cs typeface="Arial Unicode MS" pitchFamily="34" charset="-122"/>
-              </a:rPr>
-              <a:t>V3</a:t>
-            </a:r>
-            <a:endParaRPr lang="zh-CN" altLang="en-US" sz="1400" dirty="0">
-              <a:solidFill>
-                <a:schemeClr val="tx1"/>
-              </a:solidFill>
-              <a:latin typeface="Arial Unicode MS" pitchFamily="34" charset="-122"/>
-              <a:ea typeface="Arial Unicode MS" pitchFamily="34" charset="-122"/>
-              <a:cs typeface="Arial Unicode MS" pitchFamily="34" charset="-122"/>
-            </a:endParaRPr>
-          </a:p>
-        </p:txBody>
-      </p:sp>
-      <p:sp>
-        <p:nvSpPr>
-          <p:cNvPr id="23" name="圆角矩形 22"/>
-          <p:cNvSpPr/>
-          <p:nvPr/>
-        </p:nvSpPr>
-        <p:spPr>
-          <a:xfrm>
-            <a:off x="4182676" y="1302731"/>
-            <a:ext cx="821061" cy="597787"/>
-          </a:xfrm>
-          <a:prstGeom prst="roundRect">
-            <a:avLst/>
-          </a:prstGeom>
-          <a:solidFill>
-            <a:schemeClr val="accent1">
-              <a:lumMod val="20000"/>
-              <a:lumOff val="80000"/>
-            </a:schemeClr>
-          </a:solidFill>
-        </p:spPr>
-        <p:style>
-          <a:lnRef idx="2">
-            <a:schemeClr val="accent1">
-              <a:shade val="50000"/>
-            </a:schemeClr>
-          </a:lnRef>
-          <a:fillRef idx="1">
-            <a:schemeClr val="accent1"/>
-          </a:fillRef>
-          <a:effectRef idx="0">
-            <a:schemeClr val="accent1"/>
-          </a:effectRef>
-          <a:fontRef idx="minor">
-            <a:schemeClr val="lt1"/>
-          </a:fontRef>
-        </p:style>
-        <p:txBody>
-          <a:bodyPr rtlCol="0" anchor="ctr"/>
-          <a:lstStyle/>
-          <a:p>
-            <a:pPr algn="ctr"/>
-            <a:r>
-              <a:rPr lang="en-US" altLang="zh-CN" sz="1400" dirty="0">
-                <a:solidFill>
-                  <a:schemeClr val="tx1"/>
-                </a:solidFill>
-                <a:latin typeface="Arial Unicode MS" pitchFamily="34" charset="-122"/>
-                <a:ea typeface="Arial Unicode MS" pitchFamily="34" charset="-122"/>
-                <a:cs typeface="Arial Unicode MS" pitchFamily="34" charset="-122"/>
-              </a:rPr>
-              <a:t>BERT</a:t>
-            </a:r>
-            <a:endParaRPr lang="zh-CN" altLang="en-US" sz="1400" dirty="0">
-              <a:solidFill>
-                <a:schemeClr val="tx1"/>
-              </a:solidFill>
-              <a:latin typeface="Arial Unicode MS" pitchFamily="34" charset="-122"/>
-              <a:ea typeface="Arial Unicode MS" pitchFamily="34" charset="-122"/>
-              <a:cs typeface="Arial Unicode MS" pitchFamily="34" charset="-122"/>
-            </a:endParaRPr>
-          </a:p>
-        </p:txBody>
-      </p:sp>
-      <p:sp>
-        <p:nvSpPr>
-          <p:cNvPr id="26" name="圆角矩形 25"/>
-          <p:cNvSpPr/>
-          <p:nvPr/>
-        </p:nvSpPr>
-        <p:spPr>
-          <a:xfrm>
-            <a:off x="5098508" y="1302731"/>
-            <a:ext cx="798594" cy="597787"/>
-          </a:xfrm>
-          <a:prstGeom prst="roundRect">
-            <a:avLst/>
-          </a:prstGeom>
-          <a:solidFill>
-            <a:schemeClr val="accent1">
-              <a:lumMod val="20000"/>
-              <a:lumOff val="80000"/>
-            </a:schemeClr>
-          </a:solidFill>
-        </p:spPr>
-        <p:style>
-          <a:lnRef idx="2">
-            <a:schemeClr val="accent1">
-              <a:shade val="50000"/>
-            </a:schemeClr>
-          </a:lnRef>
-          <a:fillRef idx="1">
-            <a:schemeClr val="accent1"/>
-          </a:fillRef>
-          <a:effectRef idx="0">
-            <a:schemeClr val="accent1"/>
-          </a:effectRef>
-          <a:fontRef idx="minor">
-            <a:schemeClr val="lt1"/>
-          </a:fontRef>
-        </p:style>
-        <p:txBody>
-          <a:bodyPr rtlCol="0" anchor="ctr"/>
-          <a:lstStyle/>
-          <a:p>
-            <a:pPr algn="ctr"/>
-            <a:r>
-              <a:rPr lang="en-US" altLang="zh-CN" sz="1400" dirty="0">
-                <a:solidFill>
-                  <a:schemeClr val="tx1"/>
-                </a:solidFill>
-                <a:latin typeface="Arial Unicode MS" pitchFamily="34" charset="-122"/>
-                <a:ea typeface="Arial Unicode MS" pitchFamily="34" charset="-122"/>
-                <a:cs typeface="Arial Unicode MS" pitchFamily="34" charset="-122"/>
-              </a:rPr>
-              <a:t>QRNN</a:t>
-            </a:r>
-            <a:endParaRPr lang="zh-CN" altLang="en-US" sz="1400" dirty="0">
-              <a:solidFill>
-                <a:schemeClr val="tx1"/>
-              </a:solidFill>
-              <a:latin typeface="Arial Unicode MS" pitchFamily="34" charset="-122"/>
-              <a:ea typeface="Arial Unicode MS" pitchFamily="34" charset="-122"/>
-              <a:cs typeface="Arial Unicode MS" pitchFamily="34" charset="-122"/>
-            </a:endParaRPr>
-          </a:p>
-        </p:txBody>
-      </p:sp>
-      <p:sp>
-        <p:nvSpPr>
-          <p:cNvPr id="27" name="圆角矩形 26"/>
-          <p:cNvSpPr/>
-          <p:nvPr/>
-        </p:nvSpPr>
-        <p:spPr>
-          <a:xfrm>
-            <a:off x="5991873" y="1302731"/>
-            <a:ext cx="821061" cy="597787"/>
-          </a:xfrm>
-          <a:prstGeom prst="roundRect">
-            <a:avLst/>
-          </a:prstGeom>
-          <a:solidFill>
-            <a:schemeClr val="accent1">
-              <a:lumMod val="20000"/>
-              <a:lumOff val="80000"/>
-            </a:schemeClr>
-          </a:solidFill>
-        </p:spPr>
-        <p:style>
-          <a:lnRef idx="2">
-            <a:schemeClr val="accent1">
-              <a:shade val="50000"/>
-            </a:schemeClr>
-          </a:lnRef>
-          <a:fillRef idx="1">
-            <a:schemeClr val="accent1"/>
-          </a:fillRef>
-          <a:effectRef idx="0">
-            <a:schemeClr val="accent1"/>
-          </a:effectRef>
-          <a:fontRef idx="minor">
-            <a:schemeClr val="lt1"/>
-          </a:fontRef>
-        </p:style>
-        <p:txBody>
-          <a:bodyPr rtlCol="0" anchor="ctr"/>
-          <a:lstStyle/>
-          <a:p>
-            <a:pPr algn="ctr"/>
-            <a:r>
-              <a:rPr lang="en-US" altLang="zh-CN" sz="1400" dirty="0">
-                <a:solidFill>
-                  <a:schemeClr val="tx1"/>
-                </a:solidFill>
-                <a:latin typeface="Arial Unicode MS" pitchFamily="34" charset="-122"/>
-                <a:ea typeface="Arial Unicode MS" pitchFamily="34" charset="-122"/>
-                <a:cs typeface="Arial Unicode MS" pitchFamily="34" charset="-122"/>
-              </a:rPr>
-              <a:t>YOLO</a:t>
-            </a:r>
-            <a:endParaRPr lang="zh-CN" altLang="en-US" sz="1400" dirty="0">
-              <a:solidFill>
-                <a:schemeClr val="tx1"/>
-              </a:solidFill>
-              <a:latin typeface="Arial Unicode MS" pitchFamily="34" charset="-122"/>
-              <a:ea typeface="Arial Unicode MS" pitchFamily="34" charset="-122"/>
-              <a:cs typeface="Arial Unicode MS" pitchFamily="34" charset="-122"/>
-            </a:endParaRPr>
+            <a:endParaRPr lang="zh-CN" altLang="en-US"/>
           </a:p>
         </p:txBody>
       </p:sp>
     </p:spTree>
     <p:extLst>
       <p:ext uri="{BB962C8B-B14F-4D97-AF65-F5344CB8AC3E}">
-        <p14:creationId xmlns:p14="http://schemas.microsoft.com/office/powerpoint/2010/main" val="2512707569"/>
+        <p14:creationId xmlns:p14="http://schemas.microsoft.com/office/powerpoint/2010/main" val="4078791800"/>
       </p:ext>
     </p:extLst>
   </p:cSld>
@@ -5449,14 +5982,14 @@
       </p:grpSpPr>
       <p:sp>
         <p:nvSpPr>
-          <p:cNvPr id="2" name="圆角矩形 1"/>
+          <p:cNvPr id="6" name="圆角矩形 5"/>
           <p:cNvSpPr/>
           <p:nvPr/>
         </p:nvSpPr>
         <p:spPr>
           <a:xfrm>
-            <a:off x="170917" y="1469877"/>
-            <a:ext cx="2820111" cy="512747"/>
+            <a:off x="927055" y="3960835"/>
+            <a:ext cx="7258583" cy="501243"/>
           </a:xfrm>
           <a:prstGeom prst="roundRect">
             <a:avLst/>
@@ -5497,7 +6030,7 @@
           <a:p>
             <a:pPr algn="ctr"/>
             <a:r>
-              <a:rPr lang="en-US" altLang="zh-CN" sz="1400" b="1" dirty="0" smtClean="0">
+              <a:rPr lang="en-US" altLang="zh-CN" sz="1400" b="1" dirty="0">
                 <a:solidFill>
                   <a:srgbClr val="7030A0"/>
                 </a:solidFill>
@@ -5505,7 +6038,7 @@
                 <a:ea typeface="Arial Unicode MS" pitchFamily="34" charset="-122"/>
                 <a:cs typeface="Arial Unicode MS" pitchFamily="34" charset="-122"/>
               </a:rPr>
-              <a:t>Visualization</a:t>
+              <a:t>Tensorflow.NET C# Binding</a:t>
             </a:r>
             <a:endParaRPr lang="zh-CN" altLang="en-US" sz="1400" b="1" dirty="0">
               <a:solidFill>
@@ -5520,31 +6053,24 @@
       </p:sp>
       <p:sp>
         <p:nvSpPr>
-          <p:cNvPr id="5" name="圆角矩形 4"/>
+          <p:cNvPr id="10" name="圆角矩形 9"/>
           <p:cNvSpPr/>
           <p:nvPr/>
         </p:nvSpPr>
         <p:spPr>
           <a:xfrm>
-            <a:off x="170917" y="2151832"/>
-            <a:ext cx="2820111" cy="512747"/>
+            <a:off x="927055" y="4574849"/>
+            <a:ext cx="7258583" cy="501243"/>
           </a:xfrm>
           <a:prstGeom prst="roundRect">
             <a:avLst/>
           </a:prstGeom>
           <a:solidFill>
-            <a:schemeClr val="accent4">
+            <a:schemeClr val="accent1">
               <a:lumMod val="20000"/>
               <a:lumOff val="80000"/>
             </a:schemeClr>
           </a:solidFill>
-          <a:ln>
-            <a:solidFill>
-              <a:schemeClr val="accent4">
-                <a:lumMod val="75000"/>
-              </a:schemeClr>
-            </a:solidFill>
-          </a:ln>
         </p:spPr>
         <p:style>
           <a:lnRef idx="2">
@@ -5568,373 +6094,26 @@
           <a:p>
             <a:pPr algn="ctr"/>
             <a:r>
-              <a:rPr lang="en-US" altLang="zh-CN" sz="1400" b="1" dirty="0" smtClean="0">
-                <a:solidFill>
-                  <a:srgbClr val="7030A0"/>
+              <a:rPr lang="en-US" altLang="zh-CN" sz="1400" dirty="0" err="1">
+                <a:solidFill>
+                  <a:schemeClr val="tx1"/>
                 </a:solidFill>
                 <a:latin typeface="Arial Unicode MS" pitchFamily="34" charset="-122"/>
                 <a:ea typeface="Arial Unicode MS" pitchFamily="34" charset="-122"/>
                 <a:cs typeface="Arial Unicode MS" pitchFamily="34" charset="-122"/>
               </a:rPr>
-              <a:t>NLP Support</a:t>
-            </a:r>
-            <a:endParaRPr lang="zh-CN" altLang="en-US" sz="1400" b="1" dirty="0">
-              <a:solidFill>
-                <a:srgbClr val="7030A0"/>
-              </a:solidFill>
-              <a:latin typeface="Arial Unicode MS" pitchFamily="34" charset="-122"/>
-              <a:ea typeface="Arial Unicode MS" pitchFamily="34" charset="-122"/>
-              <a:cs typeface="Arial Unicode MS" pitchFamily="34" charset="-122"/>
-            </a:endParaRPr>
-          </a:p>
-        </p:txBody>
-      </p:sp>
-      <p:sp>
-        <p:nvSpPr>
-          <p:cNvPr id="6" name="圆角矩形 5"/>
-          <p:cNvSpPr/>
-          <p:nvPr/>
-        </p:nvSpPr>
-        <p:spPr>
-          <a:xfrm>
-            <a:off x="170917" y="2833787"/>
-            <a:ext cx="2820111" cy="512747"/>
-          </a:xfrm>
-          <a:prstGeom prst="roundRect">
-            <a:avLst/>
-          </a:prstGeom>
-          <a:solidFill>
-            <a:schemeClr val="accent4">
-              <a:lumMod val="20000"/>
-              <a:lumOff val="80000"/>
-            </a:schemeClr>
-          </a:solidFill>
-          <a:ln>
-            <a:solidFill>
-              <a:schemeClr val="accent4">
-                <a:lumMod val="75000"/>
-              </a:schemeClr>
-            </a:solidFill>
-          </a:ln>
-        </p:spPr>
-        <p:style>
-          <a:lnRef idx="2">
-            <a:schemeClr val="accent1">
-              <a:shade val="50000"/>
-            </a:schemeClr>
-          </a:lnRef>
-          <a:fillRef idx="1">
-            <a:schemeClr val="accent1"/>
-          </a:fillRef>
-          <a:effectRef idx="0">
-            <a:schemeClr val="accent1"/>
-          </a:effectRef>
-          <a:fontRef idx="minor">
-            <a:schemeClr val="lt1"/>
-          </a:fontRef>
-        </p:style>
-        <p:txBody>
-          <a:bodyPr rtlCol="0" anchor="ctr"/>
-          <a:lstStyle/>
-          <a:p>
-            <a:pPr algn="ctr"/>
-            <a:r>
-              <a:rPr lang="en-US" altLang="zh-CN" sz="1400" b="1" dirty="0" smtClean="0">
-                <a:solidFill>
-                  <a:srgbClr val="7030A0"/>
+              <a:t>Tensorflow</a:t>
+            </a:r>
+            <a:r>
+              <a:rPr lang="en-US" altLang="zh-CN" sz="1400" dirty="0">
+                <a:solidFill>
+                  <a:schemeClr val="tx1"/>
                 </a:solidFill>
                 <a:latin typeface="Arial Unicode MS" pitchFamily="34" charset="-122"/>
                 <a:ea typeface="Arial Unicode MS" pitchFamily="34" charset="-122"/>
                 <a:cs typeface="Arial Unicode MS" pitchFamily="34" charset="-122"/>
               </a:rPr>
-              <a:t>High Level APIs</a:t>
-            </a:r>
-            <a:endParaRPr lang="zh-CN" altLang="en-US" sz="1400" b="1" dirty="0">
-              <a:solidFill>
-                <a:srgbClr val="7030A0"/>
-              </a:solidFill>
-              <a:latin typeface="Arial Unicode MS" pitchFamily="34" charset="-122"/>
-              <a:ea typeface="Arial Unicode MS" pitchFamily="34" charset="-122"/>
-              <a:cs typeface="Arial Unicode MS" pitchFamily="34" charset="-122"/>
-            </a:endParaRPr>
-          </a:p>
-        </p:txBody>
-      </p:sp>
-      <p:sp>
-        <p:nvSpPr>
-          <p:cNvPr id="7" name="圆角矩形 6"/>
-          <p:cNvSpPr/>
-          <p:nvPr/>
-        </p:nvSpPr>
-        <p:spPr>
-          <a:xfrm>
-            <a:off x="170917" y="3515742"/>
-            <a:ext cx="2820111" cy="512747"/>
-          </a:xfrm>
-          <a:prstGeom prst="roundRect">
-            <a:avLst/>
-          </a:prstGeom>
-          <a:solidFill>
-            <a:schemeClr val="accent4">
-              <a:lumMod val="20000"/>
-              <a:lumOff val="80000"/>
-            </a:schemeClr>
-          </a:solidFill>
-          <a:ln>
-            <a:solidFill>
-              <a:schemeClr val="accent4">
-                <a:lumMod val="75000"/>
-              </a:schemeClr>
-            </a:solidFill>
-          </a:ln>
-        </p:spPr>
-        <p:style>
-          <a:lnRef idx="2">
-            <a:schemeClr val="accent1">
-              <a:shade val="50000"/>
-            </a:schemeClr>
-          </a:lnRef>
-          <a:fillRef idx="1">
-            <a:schemeClr val="accent1"/>
-          </a:fillRef>
-          <a:effectRef idx="0">
-            <a:schemeClr val="accent1"/>
-          </a:effectRef>
-          <a:fontRef idx="minor">
-            <a:schemeClr val="lt1"/>
-          </a:fontRef>
-        </p:style>
-        <p:txBody>
-          <a:bodyPr rtlCol="0" anchor="ctr"/>
-          <a:lstStyle/>
-          <a:p>
-            <a:pPr algn="ctr"/>
-            <a:r>
-              <a:rPr lang="en-US" altLang="zh-CN" sz="1400" b="1" dirty="0" smtClean="0">
-                <a:solidFill>
-                  <a:srgbClr val="7030A0"/>
-                </a:solidFill>
-                <a:latin typeface="Arial Unicode MS" pitchFamily="34" charset="-122"/>
-                <a:ea typeface="Arial Unicode MS" pitchFamily="34" charset="-122"/>
-                <a:cs typeface="Arial Unicode MS" pitchFamily="34" charset="-122"/>
-              </a:rPr>
-              <a:t>.NET Based ML Framework</a:t>
-            </a:r>
-            <a:endParaRPr lang="zh-CN" altLang="en-US" sz="1400" b="1" dirty="0">
-              <a:solidFill>
-                <a:srgbClr val="7030A0"/>
-              </a:solidFill>
-              <a:latin typeface="Arial Unicode MS" pitchFamily="34" charset="-122"/>
-              <a:ea typeface="Arial Unicode MS" pitchFamily="34" charset="-122"/>
-              <a:cs typeface="Arial Unicode MS" pitchFamily="34" charset="-122"/>
-            </a:endParaRPr>
-          </a:p>
-        </p:txBody>
-      </p:sp>
-      <p:sp>
-        <p:nvSpPr>
-          <p:cNvPr id="8" name="圆角矩形 7"/>
-          <p:cNvSpPr/>
-          <p:nvPr/>
-        </p:nvSpPr>
-        <p:spPr>
-          <a:xfrm>
-            <a:off x="170917" y="4197697"/>
-            <a:ext cx="2820111" cy="512747"/>
-          </a:xfrm>
-          <a:prstGeom prst="roundRect">
-            <a:avLst/>
-          </a:prstGeom>
-          <a:solidFill>
-            <a:schemeClr val="accent4">
-              <a:lumMod val="20000"/>
-              <a:lumOff val="80000"/>
-            </a:schemeClr>
-          </a:solidFill>
-          <a:ln>
-            <a:solidFill>
-              <a:schemeClr val="accent4">
-                <a:lumMod val="75000"/>
-              </a:schemeClr>
-            </a:solidFill>
-          </a:ln>
-        </p:spPr>
-        <p:style>
-          <a:lnRef idx="2">
-            <a:schemeClr val="accent1">
-              <a:shade val="50000"/>
-            </a:schemeClr>
-          </a:lnRef>
-          <a:fillRef idx="1">
-            <a:schemeClr val="accent1"/>
-          </a:fillRef>
-          <a:effectRef idx="0">
-            <a:schemeClr val="accent1"/>
-          </a:effectRef>
-          <a:fontRef idx="minor">
-            <a:schemeClr val="lt1"/>
-          </a:fontRef>
-        </p:style>
-        <p:txBody>
-          <a:bodyPr rtlCol="0" anchor="ctr"/>
-          <a:lstStyle/>
-          <a:p>
-            <a:pPr algn="ctr"/>
-            <a:r>
-              <a:rPr lang="en-US" altLang="zh-CN" sz="1400" b="1" dirty="0" smtClean="0">
-                <a:solidFill>
-                  <a:srgbClr val="7030A0"/>
-                </a:solidFill>
-                <a:latin typeface="Arial Unicode MS" pitchFamily="34" charset="-122"/>
-                <a:ea typeface="Arial Unicode MS" pitchFamily="34" charset="-122"/>
-                <a:cs typeface="Arial Unicode MS" pitchFamily="34" charset="-122"/>
-              </a:rPr>
-              <a:t>Computation SDKs</a:t>
-            </a:r>
-            <a:endParaRPr lang="zh-CN" altLang="en-US" sz="1400" b="1" dirty="0">
-              <a:solidFill>
-                <a:srgbClr val="7030A0"/>
-              </a:solidFill>
-              <a:latin typeface="Arial Unicode MS" pitchFamily="34" charset="-122"/>
-              <a:ea typeface="Arial Unicode MS" pitchFamily="34" charset="-122"/>
-              <a:cs typeface="Arial Unicode MS" pitchFamily="34" charset="-122"/>
-            </a:endParaRPr>
-          </a:p>
-        </p:txBody>
-      </p:sp>
-      <p:sp>
-        <p:nvSpPr>
-          <p:cNvPr id="9" name="圆角矩形 8"/>
-          <p:cNvSpPr/>
-          <p:nvPr/>
-        </p:nvSpPr>
-        <p:spPr>
-          <a:xfrm>
-            <a:off x="170917" y="4879650"/>
-            <a:ext cx="2820111" cy="512747"/>
-          </a:xfrm>
-          <a:prstGeom prst="roundRect">
-            <a:avLst/>
-          </a:prstGeom>
-          <a:solidFill>
-            <a:schemeClr val="accent4">
-              <a:lumMod val="20000"/>
-              <a:lumOff val="80000"/>
-            </a:schemeClr>
-          </a:solidFill>
-          <a:ln>
-            <a:solidFill>
-              <a:schemeClr val="accent4">
-                <a:lumMod val="75000"/>
-              </a:schemeClr>
-            </a:solidFill>
-          </a:ln>
-        </p:spPr>
-        <p:style>
-          <a:lnRef idx="2">
-            <a:schemeClr val="accent1">
-              <a:shade val="50000"/>
-            </a:schemeClr>
-          </a:lnRef>
-          <a:fillRef idx="1">
-            <a:schemeClr val="accent1"/>
-          </a:fillRef>
-          <a:effectRef idx="0">
-            <a:schemeClr val="accent1"/>
-          </a:effectRef>
-          <a:fontRef idx="minor">
-            <a:schemeClr val="lt1"/>
-          </a:fontRef>
-        </p:style>
-        <p:txBody>
-          <a:bodyPr rtlCol="0" anchor="ctr"/>
-          <a:lstStyle/>
-          <a:p>
-            <a:pPr algn="ctr"/>
-            <a:r>
-              <a:rPr lang="en-US" altLang="zh-CN" sz="1400" b="1" dirty="0" smtClean="0">
-                <a:solidFill>
-                  <a:srgbClr val="7030A0"/>
-                </a:solidFill>
-                <a:latin typeface="Arial Unicode MS" pitchFamily="34" charset="-122"/>
-                <a:ea typeface="Arial Unicode MS" pitchFamily="34" charset="-122"/>
-                <a:cs typeface="Arial Unicode MS" pitchFamily="34" charset="-122"/>
-              </a:rPr>
-              <a:t>Supporting Tools</a:t>
-            </a:r>
-            <a:endParaRPr lang="zh-CN" altLang="en-US" sz="1400" b="1" dirty="0">
-              <a:solidFill>
-                <a:srgbClr val="7030A0"/>
-              </a:solidFill>
-              <a:latin typeface="Arial Unicode MS" pitchFamily="34" charset="-122"/>
-              <a:ea typeface="Arial Unicode MS" pitchFamily="34" charset="-122"/>
-              <a:cs typeface="Arial Unicode MS" pitchFamily="34" charset="-122"/>
-            </a:endParaRPr>
-          </a:p>
-        </p:txBody>
-      </p:sp>
-      <p:sp>
-        <p:nvSpPr>
-          <p:cNvPr id="10" name="圆角矩形 9"/>
-          <p:cNvSpPr/>
-          <p:nvPr/>
-        </p:nvSpPr>
-        <p:spPr>
-          <a:xfrm>
-            <a:off x="3203849" y="1469877"/>
-            <a:ext cx="1944216" cy="512747"/>
-          </a:xfrm>
-          <a:prstGeom prst="roundRect">
-            <a:avLst/>
-          </a:prstGeom>
-          <a:solidFill>
-            <a:schemeClr val="accent1">
-              <a:lumMod val="20000"/>
-              <a:lumOff val="80000"/>
-            </a:schemeClr>
-          </a:solidFill>
-        </p:spPr>
-        <p:style>
-          <a:lnRef idx="2">
-            <a:schemeClr val="accent1">
-              <a:shade val="50000"/>
-            </a:schemeClr>
-          </a:lnRef>
-          <a:fillRef idx="1">
-            <a:schemeClr val="accent1"/>
-          </a:fillRef>
-          <a:effectRef idx="0">
-            <a:schemeClr val="accent1"/>
-          </a:effectRef>
-          <a:fontRef idx="minor">
-            <a:schemeClr val="lt1"/>
-          </a:fontRef>
-        </p:style>
-        <p:txBody>
-          <a:bodyPr rtlCol="0" anchor="ctr"/>
-          <a:lstStyle/>
-          <a:p>
-            <a:r>
-              <a:rPr lang="en-US" altLang="zh-CN" sz="1400" dirty="0" err="1" smtClean="0">
-                <a:solidFill>
-                  <a:schemeClr val="tx1"/>
-                </a:solidFill>
-                <a:latin typeface="Arial Unicode MS" pitchFamily="34" charset="-122"/>
-                <a:ea typeface="Arial Unicode MS" pitchFamily="34" charset="-122"/>
-                <a:cs typeface="Arial Unicode MS" pitchFamily="34" charset="-122"/>
-              </a:rPr>
-              <a:t>Jupyter</a:t>
-            </a:r>
-            <a:r>
-              <a:rPr lang="en-US" altLang="zh-CN" sz="1400" dirty="0" smtClean="0">
-                <a:solidFill>
-                  <a:schemeClr val="tx1"/>
-                </a:solidFill>
-                <a:latin typeface="Arial Unicode MS" pitchFamily="34" charset="-122"/>
-                <a:ea typeface="Arial Unicode MS" pitchFamily="34" charset="-122"/>
-                <a:cs typeface="Arial Unicode MS" pitchFamily="34" charset="-122"/>
-              </a:rPr>
-              <a:t>-core</a:t>
+              <a:t> C++ API</a:t>
             </a:r>
             <a:endParaRPr lang="zh-CN" altLang="en-US" sz="1400" dirty="0">
               <a:solidFill>
@@ -5949,14 +6128,14 @@
       </p:sp>
       <p:sp>
         <p:nvSpPr>
-          <p:cNvPr id="11" name="圆角矩形 10"/>
+          <p:cNvPr id="13" name="圆角矩形 12"/>
           <p:cNvSpPr/>
           <p:nvPr/>
         </p:nvSpPr>
         <p:spPr>
           <a:xfrm>
-            <a:off x="3203849" y="2151832"/>
-            <a:ext cx="1944216" cy="512747"/>
+            <a:off x="927055" y="3346822"/>
+            <a:ext cx="7258583" cy="501243"/>
           </a:xfrm>
           <a:prstGeom prst="roundRect">
             <a:avLst/>
@@ -5988,8 +6167,9 @@
           <a:bodyPr rtlCol="0" anchor="ctr"/>
           <a:lstStyle/>
           <a:p>
-            <a:r>
-              <a:rPr lang="en-US" altLang="zh-CN" sz="1400" dirty="0" smtClean="0">
+            <a:pPr algn="ctr"/>
+            <a:r>
+              <a:rPr lang="en-US" altLang="zh-CN" sz="1400" dirty="0">
                 <a:solidFill>
                   <a:schemeClr val="tx1"/>
                 </a:solidFill>
@@ -5997,7 +6177,29 @@
                 <a:ea typeface="Arial Unicode MS" pitchFamily="34" charset="-122"/>
                 <a:cs typeface="Arial Unicode MS" pitchFamily="34" charset="-122"/>
               </a:rPr>
-              <a:t>BotSharp</a:t>
+              <a:t>ML.NET </a:t>
+            </a:r>
+            <a:r>
+              <a:rPr lang="en-US" altLang="zh-CN" sz="1400" dirty="0" err="1">
+                <a:solidFill>
+                  <a:schemeClr val="tx1"/>
+                </a:solidFill>
+                <a:latin typeface="Arial Unicode MS" pitchFamily="34" charset="-122"/>
+                <a:ea typeface="Arial Unicode MS" pitchFamily="34" charset="-122"/>
+                <a:cs typeface="Arial Unicode MS" pitchFamily="34" charset="-122"/>
+              </a:rPr>
+              <a:t>Tensorflow</a:t>
+            </a:r>
+            <a:r>
+              <a:rPr lang="en-US" altLang="zh-CN" sz="1400" dirty="0">
+                <a:solidFill>
+                  <a:schemeClr val="tx1"/>
+                </a:solidFill>
+                <a:latin typeface="Arial Unicode MS" pitchFamily="34" charset="-122"/>
+                <a:ea typeface="Arial Unicode MS" pitchFamily="34" charset="-122"/>
+                <a:cs typeface="Arial Unicode MS" pitchFamily="34" charset="-122"/>
+              </a:rPr>
+              <a:t> Transaction </a:t>
             </a:r>
             <a:endParaRPr lang="zh-CN" altLang="en-US" sz="1400" dirty="0">
               <a:solidFill>
@@ -6012,14 +6214,14 @@
       </p:sp>
       <p:sp>
         <p:nvSpPr>
-          <p:cNvPr id="12" name="圆角矩形 11"/>
+          <p:cNvPr id="14" name="圆角矩形 13"/>
           <p:cNvSpPr/>
           <p:nvPr/>
         </p:nvSpPr>
         <p:spPr>
           <a:xfrm>
-            <a:off x="3203849" y="2833787"/>
-            <a:ext cx="1944216" cy="512747"/>
+            <a:off x="927056" y="2732809"/>
+            <a:ext cx="5904568" cy="501243"/>
           </a:xfrm>
           <a:prstGeom prst="roundRect">
             <a:avLst/>
@@ -6051,8 +6253,9 @@
           <a:bodyPr rtlCol="0" anchor="ctr"/>
           <a:lstStyle/>
           <a:p>
-            <a:r>
-              <a:rPr lang="en-US" altLang="zh-CN" sz="1400" dirty="0" smtClean="0">
+            <a:pPr algn="ctr"/>
+            <a:r>
+              <a:rPr lang="en-US" altLang="zh-CN" sz="1400" dirty="0">
                 <a:solidFill>
                   <a:schemeClr val="tx1"/>
                 </a:solidFill>
@@ -6060,7 +6263,7 @@
                 <a:ea typeface="Arial Unicode MS" pitchFamily="34" charset="-122"/>
                 <a:cs typeface="Arial Unicode MS" pitchFamily="34" charset="-122"/>
               </a:rPr>
-              <a:t>Keras.NET</a:t>
+              <a:t>Full model re-train and transfer learning</a:t>
             </a:r>
             <a:endParaRPr lang="zh-CN" altLang="en-US" sz="1400" dirty="0">
               <a:solidFill>
@@ -6075,17 +6278,19 @@
       </p:sp>
       <p:sp>
         <p:nvSpPr>
-          <p:cNvPr id="13" name="圆角矩形 12"/>
+          <p:cNvPr id="15" name="圆角矩形 14"/>
           <p:cNvSpPr/>
           <p:nvPr/>
         </p:nvSpPr>
         <p:spPr>
           <a:xfrm>
-            <a:off x="3203849" y="3515742"/>
-            <a:ext cx="1944216" cy="512747"/>
+            <a:off x="927054" y="1281954"/>
+            <a:ext cx="1196673" cy="1338086"/>
           </a:xfrm>
           <a:prstGeom prst="roundRect">
-            <a:avLst/>
+            <a:avLst>
+              <a:gd name="adj" fmla="val 8585"/>
+            </a:avLst>
           </a:prstGeom>
           <a:solidFill>
             <a:schemeClr val="accent1">
@@ -6114,8 +6319,9 @@
           <a:bodyPr rtlCol="0" anchor="ctr"/>
           <a:lstStyle/>
           <a:p>
-            <a:r>
-              <a:rPr lang="en-US" altLang="zh-CN" sz="1400" dirty="0" smtClean="0">
+            <a:pPr algn="ctr"/>
+            <a:r>
+              <a:rPr lang="en-US" altLang="zh-CN" sz="1400" dirty="0" err="1">
                 <a:solidFill>
                   <a:schemeClr val="tx1"/>
                 </a:solidFill>
@@ -6123,7 +6329,29 @@
                 <a:ea typeface="Arial Unicode MS" pitchFamily="34" charset="-122"/>
                 <a:cs typeface="Arial Unicode MS" pitchFamily="34" charset="-122"/>
               </a:rPr>
-              <a:t>TensorFlow.NET</a:t>
+              <a:t>Tensorflow</a:t>
+            </a:r>
+            <a:endParaRPr lang="en-US" altLang="zh-CN" sz="1400" dirty="0">
+              <a:solidFill>
+                <a:schemeClr val="tx1"/>
+              </a:solidFill>
+              <a:latin typeface="Arial Unicode MS" pitchFamily="34" charset="-122"/>
+              <a:ea typeface="Arial Unicode MS" pitchFamily="34" charset="-122"/>
+              <a:cs typeface="Arial Unicode MS" pitchFamily="34" charset="-122"/>
+            </a:endParaRPr>
+          </a:p>
+          <a:p>
+            <a:pPr algn="ctr"/>
+            <a:r>
+              <a:rPr lang="en-US" altLang="zh-CN" sz="1400" dirty="0">
+                <a:solidFill>
+                  <a:schemeClr val="tx1"/>
+                </a:solidFill>
+                <a:latin typeface="Arial Unicode MS" pitchFamily="34" charset="-122"/>
+                <a:ea typeface="Arial Unicode MS" pitchFamily="34" charset="-122"/>
+                <a:cs typeface="Arial Unicode MS" pitchFamily="34" charset="-122"/>
+              </a:rPr>
+              <a:t>Model.</a:t>
             </a:r>
             <a:endParaRPr lang="zh-CN" altLang="en-US" sz="1400" dirty="0">
               <a:solidFill>
@@ -6138,14 +6366,14 @@
       </p:sp>
       <p:sp>
         <p:nvSpPr>
-          <p:cNvPr id="14" name="圆角矩形 13"/>
+          <p:cNvPr id="16" name="圆角矩形 15"/>
           <p:cNvSpPr/>
           <p:nvPr/>
         </p:nvSpPr>
         <p:spPr>
           <a:xfrm>
-            <a:off x="3203849" y="4197697"/>
-            <a:ext cx="1944216" cy="512747"/>
+            <a:off x="2216287" y="1302731"/>
+            <a:ext cx="830195" cy="597787"/>
           </a:xfrm>
           <a:prstGeom prst="roundRect">
             <a:avLst/>
@@ -6177,8 +6405,9 @@
           <a:bodyPr rtlCol="0" anchor="ctr"/>
           <a:lstStyle/>
           <a:p>
-            <a:r>
-              <a:rPr lang="en-US" altLang="zh-CN" sz="1400" dirty="0" err="1" smtClean="0">
+            <a:pPr algn="ctr"/>
+            <a:r>
+              <a:rPr lang="en-US" altLang="zh-CN" sz="1400" dirty="0" err="1">
                 <a:solidFill>
                   <a:schemeClr val="tx1"/>
                 </a:solidFill>
@@ -6186,7 +6415,29 @@
                 <a:ea typeface="Arial Unicode MS" pitchFamily="34" charset="-122"/>
                 <a:cs typeface="Arial Unicode MS" pitchFamily="34" charset="-122"/>
               </a:rPr>
-              <a:t>NumSharp</a:t>
+              <a:t>Resnet</a:t>
+            </a:r>
+            <a:endParaRPr lang="en-US" altLang="zh-CN" sz="1400" dirty="0">
+              <a:solidFill>
+                <a:schemeClr val="tx1"/>
+              </a:solidFill>
+              <a:latin typeface="Arial Unicode MS" pitchFamily="34" charset="-122"/>
+              <a:ea typeface="Arial Unicode MS" pitchFamily="34" charset="-122"/>
+              <a:cs typeface="Arial Unicode MS" pitchFamily="34" charset="-122"/>
+            </a:endParaRPr>
+          </a:p>
+          <a:p>
+            <a:pPr algn="ctr"/>
+            <a:r>
+              <a:rPr lang="en-US" altLang="zh-CN" sz="1400" dirty="0">
+                <a:solidFill>
+                  <a:schemeClr val="tx1"/>
+                </a:solidFill>
+                <a:latin typeface="Arial Unicode MS" pitchFamily="34" charset="-122"/>
+                <a:ea typeface="Arial Unicode MS" pitchFamily="34" charset="-122"/>
+                <a:cs typeface="Arial Unicode MS" pitchFamily="34" charset="-122"/>
+              </a:rPr>
+              <a:t>101</a:t>
             </a:r>
             <a:endParaRPr lang="zh-CN" altLang="en-US" sz="1400" dirty="0">
               <a:solidFill>
@@ -6201,14 +6452,14 @@
       </p:sp>
       <p:sp>
         <p:nvSpPr>
-          <p:cNvPr id="15" name="圆角矩形 14"/>
+          <p:cNvPr id="17" name="圆角矩形 16"/>
           <p:cNvSpPr/>
           <p:nvPr/>
         </p:nvSpPr>
         <p:spPr>
           <a:xfrm>
-            <a:off x="3203849" y="4879650"/>
-            <a:ext cx="1944216" cy="512747"/>
+            <a:off x="6938525" y="2732809"/>
+            <a:ext cx="1247114" cy="501243"/>
           </a:xfrm>
           <a:prstGeom prst="roundRect">
             <a:avLst/>
@@ -6240,8 +6491,9 @@
           <a:bodyPr rtlCol="0" anchor="ctr"/>
           <a:lstStyle/>
           <a:p>
-            <a:r>
-              <a:rPr lang="en-US" altLang="zh-CN" sz="1400" dirty="0" err="1" smtClean="0">
+            <a:pPr algn="ctr"/>
+            <a:r>
+              <a:rPr lang="en-US" altLang="zh-CN" sz="1400" dirty="0">
                 <a:solidFill>
                   <a:schemeClr val="tx1"/>
                 </a:solidFill>
@@ -6249,7 +6501,7 @@
                 <a:ea typeface="Arial Unicode MS" pitchFamily="34" charset="-122"/>
                 <a:cs typeface="Arial Unicode MS" pitchFamily="34" charset="-122"/>
               </a:rPr>
-              <a:t>CodeMinion</a:t>
+              <a:t>Scoring</a:t>
             </a:r>
             <a:endParaRPr lang="zh-CN" altLang="en-US" sz="1400" dirty="0">
               <a:solidFill>
@@ -6264,14 +6516,14 @@
       </p:sp>
       <p:sp>
         <p:nvSpPr>
-          <p:cNvPr id="16" name="圆角矩形 15"/>
+          <p:cNvPr id="18" name="圆角矩形 17"/>
           <p:cNvSpPr/>
           <p:nvPr/>
         </p:nvSpPr>
         <p:spPr>
           <a:xfrm>
-            <a:off x="5364088" y="1469877"/>
-            <a:ext cx="1584176" cy="512747"/>
+            <a:off x="2216287" y="2017058"/>
+            <a:ext cx="1871619" cy="602981"/>
           </a:xfrm>
           <a:prstGeom prst="roundRect">
             <a:avLst/>
@@ -6303,8 +6555,9 @@
           <a:bodyPr rtlCol="0" anchor="ctr"/>
           <a:lstStyle/>
           <a:p>
-            <a:r>
-              <a:rPr lang="en-US" altLang="zh-CN" sz="1400" dirty="0" err="1" smtClean="0">
+            <a:pPr algn="ctr"/>
+            <a:r>
+              <a:rPr lang="en-US" altLang="zh-CN" sz="1400" dirty="0">
                 <a:solidFill>
                   <a:schemeClr val="tx1"/>
                 </a:solidFill>
@@ -6312,7 +6565,7 @@
                 <a:ea typeface="Arial Unicode MS" pitchFamily="34" charset="-122"/>
                 <a:cs typeface="Arial Unicode MS" pitchFamily="34" charset="-122"/>
               </a:rPr>
-              <a:t>Matplotlib.Net</a:t>
+              <a:t>Image Classification</a:t>
             </a:r>
             <a:endParaRPr lang="zh-CN" altLang="en-US" sz="1400" dirty="0">
               <a:solidFill>
@@ -6327,14 +6580,14 @@
       </p:sp>
       <p:sp>
         <p:nvSpPr>
-          <p:cNvPr id="17" name="圆角矩形 16"/>
+          <p:cNvPr id="19" name="圆角矩形 18"/>
           <p:cNvSpPr/>
           <p:nvPr/>
         </p:nvSpPr>
         <p:spPr>
           <a:xfrm>
-            <a:off x="5364088" y="2151832"/>
-            <a:ext cx="1584176" cy="512747"/>
+            <a:off x="4180467" y="2017058"/>
+            <a:ext cx="1543662" cy="602981"/>
           </a:xfrm>
           <a:prstGeom prst="roundRect">
             <a:avLst/>
@@ -6366,8 +6619,9 @@
           <a:bodyPr rtlCol="0" anchor="ctr"/>
           <a:lstStyle/>
           <a:p>
-            <a:r>
-              <a:rPr lang="en-US" altLang="zh-CN" sz="1400" dirty="0" smtClean="0">
+            <a:pPr algn="ctr"/>
+            <a:r>
+              <a:rPr lang="en-US" altLang="zh-CN" sz="1400" dirty="0">
                 <a:solidFill>
                   <a:schemeClr val="tx1"/>
                 </a:solidFill>
@@ -6375,7 +6629,7 @@
                 <a:ea typeface="Arial Unicode MS" pitchFamily="34" charset="-122"/>
                 <a:cs typeface="Arial Unicode MS" pitchFamily="34" charset="-122"/>
               </a:rPr>
-              <a:t>SpaCy.NET</a:t>
+              <a:t>Text Classification</a:t>
             </a:r>
             <a:endParaRPr lang="zh-CN" altLang="en-US" sz="1400" dirty="0">
               <a:solidFill>
@@ -6390,14 +6644,14 @@
       </p:sp>
       <p:sp>
         <p:nvSpPr>
-          <p:cNvPr id="18" name="圆角矩形 17"/>
+          <p:cNvPr id="20" name="圆角矩形 19"/>
           <p:cNvSpPr/>
           <p:nvPr/>
         </p:nvSpPr>
         <p:spPr>
           <a:xfrm>
-            <a:off x="5364088" y="2833787"/>
-            <a:ext cx="1584176" cy="512747"/>
+            <a:off x="5813339" y="2017058"/>
+            <a:ext cx="1018285" cy="602981"/>
           </a:xfrm>
           <a:prstGeom prst="roundRect">
             <a:avLst/>
@@ -6429,8 +6683,9 @@
           <a:bodyPr rtlCol="0" anchor="ctr"/>
           <a:lstStyle/>
           <a:p>
-            <a:r>
-              <a:rPr lang="en-US" altLang="zh-CN" sz="1400" dirty="0" smtClean="0">
+            <a:pPr algn="ctr"/>
+            <a:r>
+              <a:rPr lang="en-US" altLang="zh-CN" sz="1400" dirty="0">
                 <a:solidFill>
                   <a:schemeClr val="tx1"/>
                 </a:solidFill>
@@ -6438,7 +6693,21 @@
                 <a:ea typeface="Arial Unicode MS" pitchFamily="34" charset="-122"/>
                 <a:cs typeface="Arial Unicode MS" pitchFamily="34" charset="-122"/>
               </a:rPr>
-              <a:t>Scikit-learn.net</a:t>
+              <a:t>Object</a:t>
+            </a:r>
+          </a:p>
+          <a:p>
+            <a:pPr algn="ctr"/>
+            <a:r>
+              <a:rPr lang="en-US" altLang="zh-CN" sz="1400" dirty="0">
+                <a:solidFill>
+                  <a:schemeClr val="tx1"/>
+                </a:solidFill>
+                <a:latin typeface="Arial Unicode MS" pitchFamily="34" charset="-122"/>
+                <a:ea typeface="Arial Unicode MS" pitchFamily="34" charset="-122"/>
+                <a:cs typeface="Arial Unicode MS" pitchFamily="34" charset="-122"/>
+              </a:rPr>
+              <a:t>detection</a:t>
             </a:r>
             <a:endParaRPr lang="zh-CN" altLang="en-US" sz="1400" dirty="0">
               <a:solidFill>
@@ -6453,17 +6722,19 @@
       </p:sp>
       <p:sp>
         <p:nvSpPr>
-          <p:cNvPr id="19" name="圆角矩形 18"/>
+          <p:cNvPr id="21" name="圆角矩形 20"/>
           <p:cNvSpPr/>
           <p:nvPr/>
         </p:nvSpPr>
         <p:spPr>
           <a:xfrm>
-            <a:off x="5364088" y="3515742"/>
-            <a:ext cx="1584176" cy="512747"/>
+            <a:off x="6938525" y="1302732"/>
+            <a:ext cx="1225611" cy="1317308"/>
           </a:xfrm>
           <a:prstGeom prst="roundRect">
-            <a:avLst/>
+            <a:avLst>
+              <a:gd name="adj" fmla="val 7341"/>
+            </a:avLst>
           </a:prstGeom>
           <a:solidFill>
             <a:schemeClr val="accent1">
@@ -6492,8 +6763,9 @@
           <a:bodyPr rtlCol="0" anchor="ctr"/>
           <a:lstStyle/>
           <a:p>
-            <a:r>
-              <a:rPr lang="en-US" altLang="zh-CN" sz="1400" dirty="0" smtClean="0">
+            <a:pPr algn="ctr"/>
+            <a:r>
+              <a:rPr lang="en-US" altLang="zh-CN" sz="1400" dirty="0" err="1" smtClean="0">
                 <a:solidFill>
                   <a:schemeClr val="tx1"/>
                 </a:solidFill>
@@ -6501,7 +6773,29 @@
                 <a:ea typeface="Arial Unicode MS" pitchFamily="34" charset="-122"/>
                 <a:cs typeface="Arial Unicode MS" pitchFamily="34" charset="-122"/>
               </a:rPr>
-              <a:t>Torch.NET</a:t>
+              <a:t>Tensorflow</a:t>
+            </a:r>
+            <a:endParaRPr lang="en-US" altLang="zh-CN" sz="1400" dirty="0">
+              <a:solidFill>
+                <a:schemeClr val="tx1"/>
+              </a:solidFill>
+              <a:latin typeface="Arial Unicode MS" pitchFamily="34" charset="-122"/>
+              <a:ea typeface="Arial Unicode MS" pitchFamily="34" charset="-122"/>
+              <a:cs typeface="Arial Unicode MS" pitchFamily="34" charset="-122"/>
+            </a:endParaRPr>
+          </a:p>
+          <a:p>
+            <a:pPr algn="ctr"/>
+            <a:r>
+              <a:rPr lang="en-US" altLang="zh-CN" sz="1400" dirty="0">
+                <a:solidFill>
+                  <a:schemeClr val="tx1"/>
+                </a:solidFill>
+                <a:latin typeface="Arial Unicode MS" pitchFamily="34" charset="-122"/>
+                <a:ea typeface="Arial Unicode MS" pitchFamily="34" charset="-122"/>
+                <a:cs typeface="Arial Unicode MS" pitchFamily="34" charset="-122"/>
+              </a:rPr>
+              <a:t>Model.</a:t>
             </a:r>
             <a:endParaRPr lang="zh-CN" altLang="en-US" sz="1400" dirty="0">
               <a:solidFill>
@@ -6516,14 +6810,14 @@
       </p:sp>
       <p:sp>
         <p:nvSpPr>
-          <p:cNvPr id="20" name="圆角矩形 19"/>
+          <p:cNvPr id="22" name="圆角矩形 21"/>
           <p:cNvSpPr/>
           <p:nvPr/>
         </p:nvSpPr>
         <p:spPr>
           <a:xfrm>
-            <a:off x="5364088" y="4197697"/>
-            <a:ext cx="1584176" cy="512747"/>
+            <a:off x="3103962" y="1302731"/>
+            <a:ext cx="983944" cy="597787"/>
           </a:xfrm>
           <a:prstGeom prst="roundRect">
             <a:avLst/>
@@ -6555,8 +6849,9 @@
           <a:bodyPr rtlCol="0" anchor="ctr"/>
           <a:lstStyle/>
           <a:p>
-            <a:r>
-              <a:rPr lang="en-US" altLang="zh-CN" sz="1400" dirty="0" smtClean="0">
+            <a:pPr algn="ctr"/>
+            <a:r>
+              <a:rPr lang="en-US" altLang="zh-CN" sz="1400" dirty="0">
                 <a:solidFill>
                   <a:schemeClr val="tx1"/>
                 </a:solidFill>
@@ -6564,7 +6859,21 @@
                 <a:ea typeface="Arial Unicode MS" pitchFamily="34" charset="-122"/>
                 <a:cs typeface="Arial Unicode MS" pitchFamily="34" charset="-122"/>
               </a:rPr>
-              <a:t>Pandas.NET</a:t>
+              <a:t>Inception</a:t>
+            </a:r>
+          </a:p>
+          <a:p>
+            <a:pPr algn="ctr"/>
+            <a:r>
+              <a:rPr lang="en-US" altLang="zh-CN" sz="1400" dirty="0">
+                <a:solidFill>
+                  <a:schemeClr val="tx1"/>
+                </a:solidFill>
+                <a:latin typeface="Arial Unicode MS" pitchFamily="34" charset="-122"/>
+                <a:ea typeface="Arial Unicode MS" pitchFamily="34" charset="-122"/>
+                <a:cs typeface="Arial Unicode MS" pitchFamily="34" charset="-122"/>
+              </a:rPr>
+              <a:t>V3</a:t>
             </a:r>
             <a:endParaRPr lang="zh-CN" altLang="en-US" sz="1400" dirty="0">
               <a:solidFill>
@@ -6579,14 +6888,14 @@
       </p:sp>
       <p:sp>
         <p:nvSpPr>
-          <p:cNvPr id="21" name="圆角矩形 20"/>
+          <p:cNvPr id="23" name="圆角矩形 22"/>
           <p:cNvSpPr/>
           <p:nvPr/>
         </p:nvSpPr>
         <p:spPr>
           <a:xfrm>
-            <a:off x="5364088" y="4879650"/>
-            <a:ext cx="1584176" cy="512747"/>
+            <a:off x="4182676" y="1302731"/>
+            <a:ext cx="821061" cy="597787"/>
           </a:xfrm>
           <a:prstGeom prst="roundRect">
             <a:avLst/>
@@ -6618,8 +6927,9 @@
           <a:bodyPr rtlCol="0" anchor="ctr"/>
           <a:lstStyle/>
           <a:p>
-            <a:r>
-              <a:rPr lang="en-US" altLang="zh-CN" sz="1400" dirty="0" err="1" smtClean="0">
+            <a:pPr algn="ctr"/>
+            <a:r>
+              <a:rPr lang="en-US" altLang="zh-CN" sz="1400" dirty="0">
                 <a:solidFill>
                   <a:schemeClr val="tx1"/>
                 </a:solidFill>
@@ -6627,7 +6937,7 @@
                 <a:ea typeface="Arial Unicode MS" pitchFamily="34" charset="-122"/>
                 <a:cs typeface="Arial Unicode MS" pitchFamily="34" charset="-122"/>
               </a:rPr>
-              <a:t>SciSharpCube</a:t>
+              <a:t>BERT</a:t>
             </a:r>
             <a:endParaRPr lang="zh-CN" altLang="en-US" sz="1400" dirty="0">
               <a:solidFill>
@@ -6642,14 +6952,14 @@
       </p:sp>
       <p:sp>
         <p:nvSpPr>
-          <p:cNvPr id="22" name="圆角矩形 21"/>
+          <p:cNvPr id="26" name="圆角矩形 25"/>
           <p:cNvSpPr/>
           <p:nvPr/>
         </p:nvSpPr>
         <p:spPr>
           <a:xfrm>
-            <a:off x="7164288" y="1469877"/>
-            <a:ext cx="1800200" cy="512747"/>
+            <a:off x="5098508" y="1302731"/>
+            <a:ext cx="798594" cy="597787"/>
           </a:xfrm>
           <a:prstGeom prst="roundRect">
             <a:avLst/>
@@ -6681,8 +6991,9 @@
           <a:bodyPr rtlCol="0" anchor="ctr"/>
           <a:lstStyle/>
           <a:p>
-            <a:r>
-              <a:rPr lang="en-US" altLang="zh-CN" sz="1400" dirty="0" smtClean="0">
+            <a:pPr algn="ctr"/>
+            <a:r>
+              <a:rPr lang="en-US" altLang="zh-CN" sz="1400" dirty="0">
                 <a:solidFill>
                   <a:schemeClr val="tx1"/>
                 </a:solidFill>
@@ -6690,7 +7001,7 @@
                 <a:ea typeface="Arial Unicode MS" pitchFamily="34" charset="-122"/>
                 <a:cs typeface="Arial Unicode MS" pitchFamily="34" charset="-122"/>
               </a:rPr>
-              <a:t>Plot.NET</a:t>
+              <a:t>QRNN</a:t>
             </a:r>
             <a:endParaRPr lang="zh-CN" altLang="en-US" sz="1400" dirty="0">
               <a:solidFill>
@@ -6705,14 +7016,14 @@
       </p:sp>
       <p:sp>
         <p:nvSpPr>
-          <p:cNvPr id="23" name="圆角矩形 22"/>
+          <p:cNvPr id="27" name="圆角矩形 26"/>
           <p:cNvSpPr/>
           <p:nvPr/>
         </p:nvSpPr>
         <p:spPr>
           <a:xfrm>
-            <a:off x="7164288" y="2151832"/>
-            <a:ext cx="1800200" cy="512747"/>
+            <a:off x="5991873" y="1302731"/>
+            <a:ext cx="821061" cy="597787"/>
           </a:xfrm>
           <a:prstGeom prst="roundRect">
             <a:avLst/>
@@ -6744,8 +7055,9 @@
           <a:bodyPr rtlCol="0" anchor="ctr"/>
           <a:lstStyle/>
           <a:p>
-            <a:r>
-              <a:rPr lang="en-US" altLang="zh-CN" sz="1400" dirty="0" err="1" smtClean="0">
+            <a:pPr algn="ctr"/>
+            <a:r>
+              <a:rPr lang="en-US" altLang="zh-CN" sz="1400" dirty="0">
                 <a:solidFill>
                   <a:schemeClr val="tx1"/>
                 </a:solidFill>
@@ -6753,7 +7065,7 @@
                 <a:ea typeface="Arial Unicode MS" pitchFamily="34" charset="-122"/>
                 <a:cs typeface="Arial Unicode MS" pitchFamily="34" charset="-122"/>
               </a:rPr>
-              <a:t>CherubNLP</a:t>
+              <a:t>YOLO</a:t>
             </a:r>
             <a:endParaRPr lang="zh-CN" altLang="en-US" sz="1400" dirty="0">
               <a:solidFill>
@@ -6766,262 +7078,10 @@
           </a:p>
         </p:txBody>
       </p:sp>
-      <p:sp>
-        <p:nvSpPr>
-          <p:cNvPr id="24" name="圆角矩形 23"/>
-          <p:cNvSpPr/>
-          <p:nvPr/>
-        </p:nvSpPr>
-        <p:spPr>
-          <a:xfrm>
-            <a:off x="7164288" y="2833787"/>
-            <a:ext cx="1800200" cy="512747"/>
-          </a:xfrm>
-          <a:prstGeom prst="roundRect">
-            <a:avLst/>
-          </a:prstGeom>
-          <a:solidFill>
-            <a:schemeClr val="accent1">
-              <a:lumMod val="20000"/>
-              <a:lumOff val="80000"/>
-            </a:schemeClr>
-          </a:solidFill>
-        </p:spPr>
-        <p:style>
-          <a:lnRef idx="2">
-            <a:schemeClr val="accent1">
-              <a:shade val="50000"/>
-            </a:schemeClr>
-          </a:lnRef>
-          <a:fillRef idx="1">
-            <a:schemeClr val="accent1"/>
-          </a:fillRef>
-          <a:effectRef idx="0">
-            <a:schemeClr val="accent1"/>
-          </a:effectRef>
-          <a:fontRef idx="minor">
-            <a:schemeClr val="lt1"/>
-          </a:fontRef>
-        </p:style>
-        <p:txBody>
-          <a:bodyPr rtlCol="0" anchor="ctr"/>
-          <a:lstStyle/>
-          <a:p>
-            <a:r>
-              <a:rPr lang="en-US" altLang="zh-CN" sz="1400" dirty="0" smtClean="0">
-                <a:solidFill>
-                  <a:schemeClr val="tx1"/>
-                </a:solidFill>
-                <a:latin typeface="Arial Unicode MS" pitchFamily="34" charset="-122"/>
-                <a:ea typeface="Arial Unicode MS" pitchFamily="34" charset="-122"/>
-                <a:cs typeface="Arial Unicode MS" pitchFamily="34" charset="-122"/>
-              </a:rPr>
-              <a:t>TFLearn.NET</a:t>
-            </a:r>
-            <a:endParaRPr lang="zh-CN" altLang="en-US" sz="1400" dirty="0">
-              <a:solidFill>
-                <a:schemeClr val="tx1"/>
-              </a:solidFill>
-              <a:latin typeface="Arial Unicode MS" pitchFamily="34" charset="-122"/>
-              <a:ea typeface="Arial Unicode MS" pitchFamily="34" charset="-122"/>
-              <a:cs typeface="Arial Unicode MS" pitchFamily="34" charset="-122"/>
-            </a:endParaRPr>
-          </a:p>
-        </p:txBody>
-      </p:sp>
-      <p:sp>
-        <p:nvSpPr>
-          <p:cNvPr id="25" name="圆角矩形 24"/>
-          <p:cNvSpPr/>
-          <p:nvPr/>
-        </p:nvSpPr>
-        <p:spPr>
-          <a:xfrm>
-            <a:off x="7164288" y="3515742"/>
-            <a:ext cx="1800200" cy="512747"/>
-          </a:xfrm>
-          <a:prstGeom prst="roundRect">
-            <a:avLst/>
-          </a:prstGeom>
-          <a:solidFill>
-            <a:schemeClr val="accent1">
-              <a:lumMod val="20000"/>
-              <a:lumOff val="80000"/>
-            </a:schemeClr>
-          </a:solidFill>
-        </p:spPr>
-        <p:style>
-          <a:lnRef idx="2">
-            <a:schemeClr val="accent1">
-              <a:shade val="50000"/>
-            </a:schemeClr>
-          </a:lnRef>
-          <a:fillRef idx="1">
-            <a:schemeClr val="accent1"/>
-          </a:fillRef>
-          <a:effectRef idx="0">
-            <a:schemeClr val="accent1"/>
-          </a:effectRef>
-          <a:fontRef idx="minor">
-            <a:schemeClr val="lt1"/>
-          </a:fontRef>
-        </p:style>
-        <p:txBody>
-          <a:bodyPr rtlCol="0" anchor="ctr"/>
-          <a:lstStyle/>
-          <a:p>
-            <a:r>
-              <a:rPr lang="en-US" altLang="zh-CN" sz="1400" dirty="0" err="1" smtClean="0">
-                <a:solidFill>
-                  <a:schemeClr val="tx1"/>
-                </a:solidFill>
-                <a:latin typeface="Arial Unicode MS" pitchFamily="34" charset="-122"/>
-                <a:ea typeface="Arial Unicode MS" pitchFamily="34" charset="-122"/>
-                <a:cs typeface="Arial Unicode MS" pitchFamily="34" charset="-122"/>
-              </a:rPr>
-              <a:t>Mxnetlib</a:t>
-            </a:r>
-            <a:endParaRPr lang="zh-CN" altLang="en-US" sz="1400" dirty="0">
-              <a:solidFill>
-                <a:schemeClr val="tx1"/>
-              </a:solidFill>
-              <a:latin typeface="Arial Unicode MS" pitchFamily="34" charset="-122"/>
-              <a:ea typeface="Arial Unicode MS" pitchFamily="34" charset="-122"/>
-              <a:cs typeface="Arial Unicode MS" pitchFamily="34" charset="-122"/>
-            </a:endParaRPr>
-          </a:p>
-        </p:txBody>
-      </p:sp>
-      <p:sp>
-        <p:nvSpPr>
-          <p:cNvPr id="26" name="圆角矩形 25"/>
-          <p:cNvSpPr/>
-          <p:nvPr/>
-        </p:nvSpPr>
-        <p:spPr>
-          <a:xfrm>
-            <a:off x="7164288" y="4197697"/>
-            <a:ext cx="1800200" cy="512747"/>
-          </a:xfrm>
-          <a:prstGeom prst="roundRect">
-            <a:avLst/>
-          </a:prstGeom>
-          <a:solidFill>
-            <a:schemeClr val="accent1">
-              <a:lumMod val="20000"/>
-              <a:lumOff val="80000"/>
-            </a:schemeClr>
-          </a:solidFill>
-        </p:spPr>
-        <p:style>
-          <a:lnRef idx="2">
-            <a:schemeClr val="accent1">
-              <a:shade val="50000"/>
-            </a:schemeClr>
-          </a:lnRef>
-          <a:fillRef idx="1">
-            <a:schemeClr val="accent1"/>
-          </a:fillRef>
-          <a:effectRef idx="0">
-            <a:schemeClr val="accent1"/>
-          </a:effectRef>
-          <a:fontRef idx="minor">
-            <a:schemeClr val="lt1"/>
-          </a:fontRef>
-        </p:style>
-        <p:txBody>
-          <a:bodyPr rtlCol="0" anchor="ctr"/>
-          <a:lstStyle/>
-          <a:p>
-            <a:r>
-              <a:rPr lang="en-US" altLang="zh-CN" sz="1400" dirty="0" err="1" smtClean="0">
-                <a:solidFill>
-                  <a:schemeClr val="tx1"/>
-                </a:solidFill>
-                <a:latin typeface="Arial Unicode MS" pitchFamily="34" charset="-122"/>
-                <a:ea typeface="Arial Unicode MS" pitchFamily="34" charset="-122"/>
-                <a:cs typeface="Arial Unicode MS" pitchFamily="34" charset="-122"/>
-              </a:rPr>
-              <a:t>Bigtree.Algorithm</a:t>
-            </a:r>
-            <a:endParaRPr lang="zh-CN" altLang="en-US" sz="1400" dirty="0">
-              <a:solidFill>
-                <a:schemeClr val="tx1"/>
-              </a:solidFill>
-              <a:latin typeface="Arial Unicode MS" pitchFamily="34" charset="-122"/>
-              <a:ea typeface="Arial Unicode MS" pitchFamily="34" charset="-122"/>
-              <a:cs typeface="Arial Unicode MS" pitchFamily="34" charset="-122"/>
-            </a:endParaRPr>
-          </a:p>
-        </p:txBody>
-      </p:sp>
-      <p:sp>
-        <p:nvSpPr>
-          <p:cNvPr id="27" name="圆角矩形 26"/>
-          <p:cNvSpPr/>
-          <p:nvPr/>
-        </p:nvSpPr>
-        <p:spPr>
-          <a:xfrm>
-            <a:off x="7164288" y="4879650"/>
-            <a:ext cx="1800200" cy="512747"/>
-          </a:xfrm>
-          <a:prstGeom prst="roundRect">
-            <a:avLst/>
-          </a:prstGeom>
-          <a:solidFill>
-            <a:schemeClr val="accent1">
-              <a:lumMod val="20000"/>
-              <a:lumOff val="80000"/>
-            </a:schemeClr>
-          </a:solidFill>
-        </p:spPr>
-        <p:style>
-          <a:lnRef idx="2">
-            <a:schemeClr val="accent1">
-              <a:shade val="50000"/>
-            </a:schemeClr>
-          </a:lnRef>
-          <a:fillRef idx="1">
-            <a:schemeClr val="accent1"/>
-          </a:fillRef>
-          <a:effectRef idx="0">
-            <a:schemeClr val="accent1"/>
-          </a:effectRef>
-          <a:fontRef idx="minor">
-            <a:schemeClr val="lt1"/>
-          </a:fontRef>
-        </p:style>
-        <p:txBody>
-          <a:bodyPr rtlCol="0" anchor="ctr"/>
-          <a:lstStyle/>
-          <a:p>
-            <a:r>
-              <a:rPr lang="en-US" altLang="zh-CN" sz="1400" dirty="0" err="1" smtClean="0">
-                <a:solidFill>
-                  <a:schemeClr val="tx1"/>
-                </a:solidFill>
-                <a:latin typeface="Arial Unicode MS" pitchFamily="34" charset="-122"/>
-                <a:ea typeface="Arial Unicode MS" pitchFamily="34" charset="-122"/>
-                <a:cs typeface="Arial Unicode MS" pitchFamily="34" charset="-122"/>
-              </a:rPr>
-              <a:t>SharpCV</a:t>
-            </a:r>
-            <a:endParaRPr lang="zh-CN" altLang="en-US" sz="1400" dirty="0">
-              <a:solidFill>
-                <a:schemeClr val="tx1"/>
-              </a:solidFill>
-              <a:latin typeface="Arial Unicode MS" pitchFamily="34" charset="-122"/>
-              <a:ea typeface="Arial Unicode MS" pitchFamily="34" charset="-122"/>
-              <a:cs typeface="Arial Unicode MS" pitchFamily="34" charset="-122"/>
-            </a:endParaRPr>
-          </a:p>
-        </p:txBody>
-      </p:sp>
     </p:spTree>
     <p:extLst>
       <p:ext uri="{BB962C8B-B14F-4D97-AF65-F5344CB8AC3E}">
-        <p14:creationId xmlns:p14="http://schemas.microsoft.com/office/powerpoint/2010/main" val="3554646342"/>
+        <p14:creationId xmlns:p14="http://schemas.microsoft.com/office/powerpoint/2010/main" val="2512707569"/>
       </p:ext>
     </p:extLst>
   </p:cSld>
@@ -7055,58 +7115,1581 @@
           <a:chExt cx="0" cy="0"/>
         </a:xfrm>
       </p:grpSpPr>
-      <p:pic>
-        <p:nvPicPr>
-          <p:cNvPr id="6" name="图片 5"/>
-          <p:cNvPicPr>
-            <a:picLocks noChangeAspect="1"/>
-          </p:cNvPicPr>
-          <p:nvPr/>
-        </p:nvPicPr>
-        <p:blipFill>
-          <a:blip r:embed="rId2"/>
-          <a:stretch>
-            <a:fillRect/>
-          </a:stretch>
-        </p:blipFill>
-        <p:spPr>
-          <a:xfrm>
-            <a:off x="539552" y="332656"/>
-            <a:ext cx="4069433" cy="2789162"/>
-          </a:xfrm>
-          <a:prstGeom prst="rect">
-            <a:avLst/>
-          </a:prstGeom>
-        </p:spPr>
-      </p:pic>
-      <p:pic>
-        <p:nvPicPr>
-          <p:cNvPr id="7" name="图片 6"/>
-          <p:cNvPicPr>
-            <a:picLocks noChangeAspect="1"/>
-          </p:cNvPicPr>
-          <p:nvPr/>
-        </p:nvPicPr>
-        <p:blipFill>
-          <a:blip r:embed="rId3"/>
-          <a:stretch>
-            <a:fillRect/>
-          </a:stretch>
-        </p:blipFill>
-        <p:spPr>
-          <a:xfrm>
-            <a:off x="539552" y="3284984"/>
-            <a:ext cx="7553325" cy="3124200"/>
-          </a:xfrm>
-          <a:prstGeom prst="rect">
-            <a:avLst/>
-          </a:prstGeom>
-        </p:spPr>
-      </p:pic>
+      <p:sp>
+        <p:nvSpPr>
+          <p:cNvPr id="2" name="圆角矩形 1"/>
+          <p:cNvSpPr/>
+          <p:nvPr/>
+        </p:nvSpPr>
+        <p:spPr>
+          <a:xfrm>
+            <a:off x="170917" y="1469877"/>
+            <a:ext cx="2820111" cy="512747"/>
+          </a:xfrm>
+          <a:prstGeom prst="roundRect">
+            <a:avLst/>
+          </a:prstGeom>
+          <a:solidFill>
+            <a:schemeClr val="accent4">
+              <a:lumMod val="20000"/>
+              <a:lumOff val="80000"/>
+            </a:schemeClr>
+          </a:solidFill>
+          <a:ln>
+            <a:solidFill>
+              <a:schemeClr val="accent4">
+                <a:lumMod val="75000"/>
+              </a:schemeClr>
+            </a:solidFill>
+          </a:ln>
+        </p:spPr>
+        <p:style>
+          <a:lnRef idx="2">
+            <a:schemeClr val="accent1">
+              <a:shade val="50000"/>
+            </a:schemeClr>
+          </a:lnRef>
+          <a:fillRef idx="1">
+            <a:schemeClr val="accent1"/>
+          </a:fillRef>
+          <a:effectRef idx="0">
+            <a:schemeClr val="accent1"/>
+          </a:effectRef>
+          <a:fontRef idx="minor">
+            <a:schemeClr val="lt1"/>
+          </a:fontRef>
+        </p:style>
+        <p:txBody>
+          <a:bodyPr rtlCol="0" anchor="ctr"/>
+          <a:lstStyle/>
+          <a:p>
+            <a:pPr algn="ctr"/>
+            <a:r>
+              <a:rPr lang="en-US" altLang="zh-CN" sz="1400" b="1" dirty="0" smtClean="0">
+                <a:solidFill>
+                  <a:srgbClr val="7030A0"/>
+                </a:solidFill>
+                <a:latin typeface="Arial Unicode MS" pitchFamily="34" charset="-122"/>
+                <a:ea typeface="Arial Unicode MS" pitchFamily="34" charset="-122"/>
+                <a:cs typeface="Arial Unicode MS" pitchFamily="34" charset="-122"/>
+              </a:rPr>
+              <a:t>Visualization</a:t>
+            </a:r>
+            <a:endParaRPr lang="zh-CN" altLang="en-US" sz="1400" b="1" dirty="0">
+              <a:solidFill>
+                <a:srgbClr val="7030A0"/>
+              </a:solidFill>
+              <a:latin typeface="Arial Unicode MS" pitchFamily="34" charset="-122"/>
+              <a:ea typeface="Arial Unicode MS" pitchFamily="34" charset="-122"/>
+              <a:cs typeface="Arial Unicode MS" pitchFamily="34" charset="-122"/>
+            </a:endParaRPr>
+          </a:p>
+        </p:txBody>
+      </p:sp>
+      <p:sp>
+        <p:nvSpPr>
+          <p:cNvPr id="5" name="圆角矩形 4"/>
+          <p:cNvSpPr/>
+          <p:nvPr/>
+        </p:nvSpPr>
+        <p:spPr>
+          <a:xfrm>
+            <a:off x="170917" y="2151832"/>
+            <a:ext cx="2820111" cy="512747"/>
+          </a:xfrm>
+          <a:prstGeom prst="roundRect">
+            <a:avLst/>
+          </a:prstGeom>
+          <a:solidFill>
+            <a:schemeClr val="accent4">
+              <a:lumMod val="20000"/>
+              <a:lumOff val="80000"/>
+            </a:schemeClr>
+          </a:solidFill>
+          <a:ln>
+            <a:solidFill>
+              <a:schemeClr val="accent4">
+                <a:lumMod val="75000"/>
+              </a:schemeClr>
+            </a:solidFill>
+          </a:ln>
+        </p:spPr>
+        <p:style>
+          <a:lnRef idx="2">
+            <a:schemeClr val="accent1">
+              <a:shade val="50000"/>
+            </a:schemeClr>
+          </a:lnRef>
+          <a:fillRef idx="1">
+            <a:schemeClr val="accent1"/>
+          </a:fillRef>
+          <a:effectRef idx="0">
+            <a:schemeClr val="accent1"/>
+          </a:effectRef>
+          <a:fontRef idx="minor">
+            <a:schemeClr val="lt1"/>
+          </a:fontRef>
+        </p:style>
+        <p:txBody>
+          <a:bodyPr rtlCol="0" anchor="ctr"/>
+          <a:lstStyle/>
+          <a:p>
+            <a:pPr algn="ctr"/>
+            <a:r>
+              <a:rPr lang="en-US" altLang="zh-CN" sz="1400" b="1" dirty="0" smtClean="0">
+                <a:solidFill>
+                  <a:srgbClr val="7030A0"/>
+                </a:solidFill>
+                <a:latin typeface="Arial Unicode MS" pitchFamily="34" charset="-122"/>
+                <a:ea typeface="Arial Unicode MS" pitchFamily="34" charset="-122"/>
+                <a:cs typeface="Arial Unicode MS" pitchFamily="34" charset="-122"/>
+              </a:rPr>
+              <a:t>NLP Support</a:t>
+            </a:r>
+            <a:endParaRPr lang="zh-CN" altLang="en-US" sz="1400" b="1" dirty="0">
+              <a:solidFill>
+                <a:srgbClr val="7030A0"/>
+              </a:solidFill>
+              <a:latin typeface="Arial Unicode MS" pitchFamily="34" charset="-122"/>
+              <a:ea typeface="Arial Unicode MS" pitchFamily="34" charset="-122"/>
+              <a:cs typeface="Arial Unicode MS" pitchFamily="34" charset="-122"/>
+            </a:endParaRPr>
+          </a:p>
+        </p:txBody>
+      </p:sp>
+      <p:sp>
+        <p:nvSpPr>
+          <p:cNvPr id="6" name="圆角矩形 5"/>
+          <p:cNvSpPr/>
+          <p:nvPr/>
+        </p:nvSpPr>
+        <p:spPr>
+          <a:xfrm>
+            <a:off x="170917" y="2833787"/>
+            <a:ext cx="2820111" cy="512747"/>
+          </a:xfrm>
+          <a:prstGeom prst="roundRect">
+            <a:avLst/>
+          </a:prstGeom>
+          <a:solidFill>
+            <a:schemeClr val="accent4">
+              <a:lumMod val="20000"/>
+              <a:lumOff val="80000"/>
+            </a:schemeClr>
+          </a:solidFill>
+          <a:ln>
+            <a:solidFill>
+              <a:schemeClr val="accent4">
+                <a:lumMod val="75000"/>
+              </a:schemeClr>
+            </a:solidFill>
+          </a:ln>
+        </p:spPr>
+        <p:style>
+          <a:lnRef idx="2">
+            <a:schemeClr val="accent1">
+              <a:shade val="50000"/>
+            </a:schemeClr>
+          </a:lnRef>
+          <a:fillRef idx="1">
+            <a:schemeClr val="accent1"/>
+          </a:fillRef>
+          <a:effectRef idx="0">
+            <a:schemeClr val="accent1"/>
+          </a:effectRef>
+          <a:fontRef idx="minor">
+            <a:schemeClr val="lt1"/>
+          </a:fontRef>
+        </p:style>
+        <p:txBody>
+          <a:bodyPr rtlCol="0" anchor="ctr"/>
+          <a:lstStyle/>
+          <a:p>
+            <a:pPr algn="ctr"/>
+            <a:r>
+              <a:rPr lang="en-US" altLang="zh-CN" sz="1400" b="1" dirty="0" smtClean="0">
+                <a:solidFill>
+                  <a:srgbClr val="7030A0"/>
+                </a:solidFill>
+                <a:latin typeface="Arial Unicode MS" pitchFamily="34" charset="-122"/>
+                <a:ea typeface="Arial Unicode MS" pitchFamily="34" charset="-122"/>
+                <a:cs typeface="Arial Unicode MS" pitchFamily="34" charset="-122"/>
+              </a:rPr>
+              <a:t>High Level APIs</a:t>
+            </a:r>
+            <a:endParaRPr lang="zh-CN" altLang="en-US" sz="1400" b="1" dirty="0">
+              <a:solidFill>
+                <a:srgbClr val="7030A0"/>
+              </a:solidFill>
+              <a:latin typeface="Arial Unicode MS" pitchFamily="34" charset="-122"/>
+              <a:ea typeface="Arial Unicode MS" pitchFamily="34" charset="-122"/>
+              <a:cs typeface="Arial Unicode MS" pitchFamily="34" charset="-122"/>
+            </a:endParaRPr>
+          </a:p>
+        </p:txBody>
+      </p:sp>
+      <p:sp>
+        <p:nvSpPr>
+          <p:cNvPr id="7" name="圆角矩形 6"/>
+          <p:cNvSpPr/>
+          <p:nvPr/>
+        </p:nvSpPr>
+        <p:spPr>
+          <a:xfrm>
+            <a:off x="170917" y="3515742"/>
+            <a:ext cx="2820111" cy="512747"/>
+          </a:xfrm>
+          <a:prstGeom prst="roundRect">
+            <a:avLst/>
+          </a:prstGeom>
+          <a:solidFill>
+            <a:schemeClr val="accent4">
+              <a:lumMod val="20000"/>
+              <a:lumOff val="80000"/>
+            </a:schemeClr>
+          </a:solidFill>
+          <a:ln>
+            <a:solidFill>
+              <a:schemeClr val="accent4">
+                <a:lumMod val="75000"/>
+              </a:schemeClr>
+            </a:solidFill>
+          </a:ln>
+        </p:spPr>
+        <p:style>
+          <a:lnRef idx="2">
+            <a:schemeClr val="accent1">
+              <a:shade val="50000"/>
+            </a:schemeClr>
+          </a:lnRef>
+          <a:fillRef idx="1">
+            <a:schemeClr val="accent1"/>
+          </a:fillRef>
+          <a:effectRef idx="0">
+            <a:schemeClr val="accent1"/>
+          </a:effectRef>
+          <a:fontRef idx="minor">
+            <a:schemeClr val="lt1"/>
+          </a:fontRef>
+        </p:style>
+        <p:txBody>
+          <a:bodyPr rtlCol="0" anchor="ctr"/>
+          <a:lstStyle/>
+          <a:p>
+            <a:pPr algn="ctr"/>
+            <a:r>
+              <a:rPr lang="en-US" altLang="zh-CN" sz="1400" b="1" dirty="0" smtClean="0">
+                <a:solidFill>
+                  <a:srgbClr val="7030A0"/>
+                </a:solidFill>
+                <a:latin typeface="Arial Unicode MS" pitchFamily="34" charset="-122"/>
+                <a:ea typeface="Arial Unicode MS" pitchFamily="34" charset="-122"/>
+                <a:cs typeface="Arial Unicode MS" pitchFamily="34" charset="-122"/>
+              </a:rPr>
+              <a:t>.NET Based ML Framework</a:t>
+            </a:r>
+            <a:endParaRPr lang="zh-CN" altLang="en-US" sz="1400" b="1" dirty="0">
+              <a:solidFill>
+                <a:srgbClr val="7030A0"/>
+              </a:solidFill>
+              <a:latin typeface="Arial Unicode MS" pitchFamily="34" charset="-122"/>
+              <a:ea typeface="Arial Unicode MS" pitchFamily="34" charset="-122"/>
+              <a:cs typeface="Arial Unicode MS" pitchFamily="34" charset="-122"/>
+            </a:endParaRPr>
+          </a:p>
+        </p:txBody>
+      </p:sp>
+      <p:sp>
+        <p:nvSpPr>
+          <p:cNvPr id="8" name="圆角矩形 7"/>
+          <p:cNvSpPr/>
+          <p:nvPr/>
+        </p:nvSpPr>
+        <p:spPr>
+          <a:xfrm>
+            <a:off x="170917" y="4197697"/>
+            <a:ext cx="2820111" cy="512747"/>
+          </a:xfrm>
+          <a:prstGeom prst="roundRect">
+            <a:avLst/>
+          </a:prstGeom>
+          <a:solidFill>
+            <a:schemeClr val="accent4">
+              <a:lumMod val="20000"/>
+              <a:lumOff val="80000"/>
+            </a:schemeClr>
+          </a:solidFill>
+          <a:ln>
+            <a:solidFill>
+              <a:schemeClr val="accent4">
+                <a:lumMod val="75000"/>
+              </a:schemeClr>
+            </a:solidFill>
+          </a:ln>
+        </p:spPr>
+        <p:style>
+          <a:lnRef idx="2">
+            <a:schemeClr val="accent1">
+              <a:shade val="50000"/>
+            </a:schemeClr>
+          </a:lnRef>
+          <a:fillRef idx="1">
+            <a:schemeClr val="accent1"/>
+          </a:fillRef>
+          <a:effectRef idx="0">
+            <a:schemeClr val="accent1"/>
+          </a:effectRef>
+          <a:fontRef idx="minor">
+            <a:schemeClr val="lt1"/>
+          </a:fontRef>
+        </p:style>
+        <p:txBody>
+          <a:bodyPr rtlCol="0" anchor="ctr"/>
+          <a:lstStyle/>
+          <a:p>
+            <a:pPr algn="ctr"/>
+            <a:r>
+              <a:rPr lang="en-US" altLang="zh-CN" sz="1400" b="1" dirty="0" smtClean="0">
+                <a:solidFill>
+                  <a:srgbClr val="7030A0"/>
+                </a:solidFill>
+                <a:latin typeface="Arial Unicode MS" pitchFamily="34" charset="-122"/>
+                <a:ea typeface="Arial Unicode MS" pitchFamily="34" charset="-122"/>
+                <a:cs typeface="Arial Unicode MS" pitchFamily="34" charset="-122"/>
+              </a:rPr>
+              <a:t>Computation SDKs</a:t>
+            </a:r>
+            <a:endParaRPr lang="zh-CN" altLang="en-US" sz="1400" b="1" dirty="0">
+              <a:solidFill>
+                <a:srgbClr val="7030A0"/>
+              </a:solidFill>
+              <a:latin typeface="Arial Unicode MS" pitchFamily="34" charset="-122"/>
+              <a:ea typeface="Arial Unicode MS" pitchFamily="34" charset="-122"/>
+              <a:cs typeface="Arial Unicode MS" pitchFamily="34" charset="-122"/>
+            </a:endParaRPr>
+          </a:p>
+        </p:txBody>
+      </p:sp>
+      <p:sp>
+        <p:nvSpPr>
+          <p:cNvPr id="9" name="圆角矩形 8"/>
+          <p:cNvSpPr/>
+          <p:nvPr/>
+        </p:nvSpPr>
+        <p:spPr>
+          <a:xfrm>
+            <a:off x="170917" y="4879650"/>
+            <a:ext cx="2820111" cy="512747"/>
+          </a:xfrm>
+          <a:prstGeom prst="roundRect">
+            <a:avLst/>
+          </a:prstGeom>
+          <a:solidFill>
+            <a:schemeClr val="accent4">
+              <a:lumMod val="20000"/>
+              <a:lumOff val="80000"/>
+            </a:schemeClr>
+          </a:solidFill>
+          <a:ln>
+            <a:solidFill>
+              <a:schemeClr val="accent4">
+                <a:lumMod val="75000"/>
+              </a:schemeClr>
+            </a:solidFill>
+          </a:ln>
+        </p:spPr>
+        <p:style>
+          <a:lnRef idx="2">
+            <a:schemeClr val="accent1">
+              <a:shade val="50000"/>
+            </a:schemeClr>
+          </a:lnRef>
+          <a:fillRef idx="1">
+            <a:schemeClr val="accent1"/>
+          </a:fillRef>
+          <a:effectRef idx="0">
+            <a:schemeClr val="accent1"/>
+          </a:effectRef>
+          <a:fontRef idx="minor">
+            <a:schemeClr val="lt1"/>
+          </a:fontRef>
+        </p:style>
+        <p:txBody>
+          <a:bodyPr rtlCol="0" anchor="ctr"/>
+          <a:lstStyle/>
+          <a:p>
+            <a:pPr algn="ctr"/>
+            <a:r>
+              <a:rPr lang="en-US" altLang="zh-CN" sz="1400" b="1" dirty="0" smtClean="0">
+                <a:solidFill>
+                  <a:srgbClr val="7030A0"/>
+                </a:solidFill>
+                <a:latin typeface="Arial Unicode MS" pitchFamily="34" charset="-122"/>
+                <a:ea typeface="Arial Unicode MS" pitchFamily="34" charset="-122"/>
+                <a:cs typeface="Arial Unicode MS" pitchFamily="34" charset="-122"/>
+              </a:rPr>
+              <a:t>Supporting Tools</a:t>
+            </a:r>
+            <a:endParaRPr lang="zh-CN" altLang="en-US" sz="1400" b="1" dirty="0">
+              <a:solidFill>
+                <a:srgbClr val="7030A0"/>
+              </a:solidFill>
+              <a:latin typeface="Arial Unicode MS" pitchFamily="34" charset="-122"/>
+              <a:ea typeface="Arial Unicode MS" pitchFamily="34" charset="-122"/>
+              <a:cs typeface="Arial Unicode MS" pitchFamily="34" charset="-122"/>
+            </a:endParaRPr>
+          </a:p>
+        </p:txBody>
+      </p:sp>
+      <p:sp>
+        <p:nvSpPr>
+          <p:cNvPr id="10" name="圆角矩形 9"/>
+          <p:cNvSpPr/>
+          <p:nvPr/>
+        </p:nvSpPr>
+        <p:spPr>
+          <a:xfrm>
+            <a:off x="3203849" y="1469877"/>
+            <a:ext cx="1944216" cy="512747"/>
+          </a:xfrm>
+          <a:prstGeom prst="roundRect">
+            <a:avLst/>
+          </a:prstGeom>
+          <a:solidFill>
+            <a:schemeClr val="accent1">
+              <a:lumMod val="20000"/>
+              <a:lumOff val="80000"/>
+            </a:schemeClr>
+          </a:solidFill>
+        </p:spPr>
+        <p:style>
+          <a:lnRef idx="2">
+            <a:schemeClr val="accent1">
+              <a:shade val="50000"/>
+            </a:schemeClr>
+          </a:lnRef>
+          <a:fillRef idx="1">
+            <a:schemeClr val="accent1"/>
+          </a:fillRef>
+          <a:effectRef idx="0">
+            <a:schemeClr val="accent1"/>
+          </a:effectRef>
+          <a:fontRef idx="minor">
+            <a:schemeClr val="lt1"/>
+          </a:fontRef>
+        </p:style>
+        <p:txBody>
+          <a:bodyPr rtlCol="0" anchor="ctr"/>
+          <a:lstStyle/>
+          <a:p>
+            <a:r>
+              <a:rPr lang="en-US" altLang="zh-CN" sz="1400" dirty="0" err="1" smtClean="0">
+                <a:solidFill>
+                  <a:schemeClr val="tx1"/>
+                </a:solidFill>
+                <a:latin typeface="Arial Unicode MS" pitchFamily="34" charset="-122"/>
+                <a:ea typeface="Arial Unicode MS" pitchFamily="34" charset="-122"/>
+                <a:cs typeface="Arial Unicode MS" pitchFamily="34" charset="-122"/>
+              </a:rPr>
+              <a:t>Jupyter</a:t>
+            </a:r>
+            <a:r>
+              <a:rPr lang="en-US" altLang="zh-CN" sz="1400" dirty="0" smtClean="0">
+                <a:solidFill>
+                  <a:schemeClr val="tx1"/>
+                </a:solidFill>
+                <a:latin typeface="Arial Unicode MS" pitchFamily="34" charset="-122"/>
+                <a:ea typeface="Arial Unicode MS" pitchFamily="34" charset="-122"/>
+                <a:cs typeface="Arial Unicode MS" pitchFamily="34" charset="-122"/>
+              </a:rPr>
+              <a:t>-core</a:t>
+            </a:r>
+            <a:endParaRPr lang="zh-CN" altLang="en-US" sz="1400" dirty="0">
+              <a:solidFill>
+                <a:schemeClr val="tx1"/>
+              </a:solidFill>
+              <a:latin typeface="Arial Unicode MS" pitchFamily="34" charset="-122"/>
+              <a:ea typeface="Arial Unicode MS" pitchFamily="34" charset="-122"/>
+              <a:cs typeface="Arial Unicode MS" pitchFamily="34" charset="-122"/>
+            </a:endParaRPr>
+          </a:p>
+        </p:txBody>
+      </p:sp>
+      <p:sp>
+        <p:nvSpPr>
+          <p:cNvPr id="11" name="圆角矩形 10"/>
+          <p:cNvSpPr/>
+          <p:nvPr/>
+        </p:nvSpPr>
+        <p:spPr>
+          <a:xfrm>
+            <a:off x="3203849" y="2151832"/>
+            <a:ext cx="1944216" cy="512747"/>
+          </a:xfrm>
+          <a:prstGeom prst="roundRect">
+            <a:avLst/>
+          </a:prstGeom>
+          <a:solidFill>
+            <a:schemeClr val="accent1">
+              <a:lumMod val="20000"/>
+              <a:lumOff val="80000"/>
+            </a:schemeClr>
+          </a:solidFill>
+        </p:spPr>
+        <p:style>
+          <a:lnRef idx="2">
+            <a:schemeClr val="accent1">
+              <a:shade val="50000"/>
+            </a:schemeClr>
+          </a:lnRef>
+          <a:fillRef idx="1">
+            <a:schemeClr val="accent1"/>
+          </a:fillRef>
+          <a:effectRef idx="0">
+            <a:schemeClr val="accent1"/>
+          </a:effectRef>
+          <a:fontRef idx="minor">
+            <a:schemeClr val="lt1"/>
+          </a:fontRef>
+        </p:style>
+        <p:txBody>
+          <a:bodyPr rtlCol="0" anchor="ctr"/>
+          <a:lstStyle/>
+          <a:p>
+            <a:r>
+              <a:rPr lang="en-US" altLang="zh-CN" sz="1400" dirty="0" smtClean="0">
+                <a:solidFill>
+                  <a:schemeClr val="tx1"/>
+                </a:solidFill>
+                <a:latin typeface="Arial Unicode MS" pitchFamily="34" charset="-122"/>
+                <a:ea typeface="Arial Unicode MS" pitchFamily="34" charset="-122"/>
+                <a:cs typeface="Arial Unicode MS" pitchFamily="34" charset="-122"/>
+              </a:rPr>
+              <a:t>BotSharp</a:t>
+            </a:r>
+            <a:endParaRPr lang="zh-CN" altLang="en-US" sz="1400" dirty="0">
+              <a:solidFill>
+                <a:schemeClr val="tx1"/>
+              </a:solidFill>
+              <a:latin typeface="Arial Unicode MS" pitchFamily="34" charset="-122"/>
+              <a:ea typeface="Arial Unicode MS" pitchFamily="34" charset="-122"/>
+              <a:cs typeface="Arial Unicode MS" pitchFamily="34" charset="-122"/>
+            </a:endParaRPr>
+          </a:p>
+        </p:txBody>
+      </p:sp>
+      <p:sp>
+        <p:nvSpPr>
+          <p:cNvPr id="12" name="圆角矩形 11"/>
+          <p:cNvSpPr/>
+          <p:nvPr/>
+        </p:nvSpPr>
+        <p:spPr>
+          <a:xfrm>
+            <a:off x="3203849" y="2833787"/>
+            <a:ext cx="1944216" cy="512747"/>
+          </a:xfrm>
+          <a:prstGeom prst="roundRect">
+            <a:avLst/>
+          </a:prstGeom>
+          <a:solidFill>
+            <a:schemeClr val="accent1">
+              <a:lumMod val="20000"/>
+              <a:lumOff val="80000"/>
+            </a:schemeClr>
+          </a:solidFill>
+        </p:spPr>
+        <p:style>
+          <a:lnRef idx="2">
+            <a:schemeClr val="accent1">
+              <a:shade val="50000"/>
+            </a:schemeClr>
+          </a:lnRef>
+          <a:fillRef idx="1">
+            <a:schemeClr val="accent1"/>
+          </a:fillRef>
+          <a:effectRef idx="0">
+            <a:schemeClr val="accent1"/>
+          </a:effectRef>
+          <a:fontRef idx="minor">
+            <a:schemeClr val="lt1"/>
+          </a:fontRef>
+        </p:style>
+        <p:txBody>
+          <a:bodyPr rtlCol="0" anchor="ctr"/>
+          <a:lstStyle/>
+          <a:p>
+            <a:r>
+              <a:rPr lang="en-US" altLang="zh-CN" sz="1400" dirty="0" smtClean="0">
+                <a:solidFill>
+                  <a:schemeClr val="tx1"/>
+                </a:solidFill>
+                <a:latin typeface="Arial Unicode MS" pitchFamily="34" charset="-122"/>
+                <a:ea typeface="Arial Unicode MS" pitchFamily="34" charset="-122"/>
+                <a:cs typeface="Arial Unicode MS" pitchFamily="34" charset="-122"/>
+              </a:rPr>
+              <a:t>Keras.NET</a:t>
+            </a:r>
+            <a:endParaRPr lang="zh-CN" altLang="en-US" sz="1400" dirty="0">
+              <a:solidFill>
+                <a:schemeClr val="tx1"/>
+              </a:solidFill>
+              <a:latin typeface="Arial Unicode MS" pitchFamily="34" charset="-122"/>
+              <a:ea typeface="Arial Unicode MS" pitchFamily="34" charset="-122"/>
+              <a:cs typeface="Arial Unicode MS" pitchFamily="34" charset="-122"/>
+            </a:endParaRPr>
+          </a:p>
+        </p:txBody>
+      </p:sp>
+      <p:sp>
+        <p:nvSpPr>
+          <p:cNvPr id="13" name="圆角矩形 12"/>
+          <p:cNvSpPr/>
+          <p:nvPr/>
+        </p:nvSpPr>
+        <p:spPr>
+          <a:xfrm>
+            <a:off x="3203849" y="3515742"/>
+            <a:ext cx="1944216" cy="512747"/>
+          </a:xfrm>
+          <a:prstGeom prst="roundRect">
+            <a:avLst/>
+          </a:prstGeom>
+          <a:solidFill>
+            <a:schemeClr val="accent1">
+              <a:lumMod val="20000"/>
+              <a:lumOff val="80000"/>
+            </a:schemeClr>
+          </a:solidFill>
+        </p:spPr>
+        <p:style>
+          <a:lnRef idx="2">
+            <a:schemeClr val="accent1">
+              <a:shade val="50000"/>
+            </a:schemeClr>
+          </a:lnRef>
+          <a:fillRef idx="1">
+            <a:schemeClr val="accent1"/>
+          </a:fillRef>
+          <a:effectRef idx="0">
+            <a:schemeClr val="accent1"/>
+          </a:effectRef>
+          <a:fontRef idx="minor">
+            <a:schemeClr val="lt1"/>
+          </a:fontRef>
+        </p:style>
+        <p:txBody>
+          <a:bodyPr rtlCol="0" anchor="ctr"/>
+          <a:lstStyle/>
+          <a:p>
+            <a:r>
+              <a:rPr lang="en-US" altLang="zh-CN" sz="1400" dirty="0" smtClean="0">
+                <a:solidFill>
+                  <a:schemeClr val="tx1"/>
+                </a:solidFill>
+                <a:latin typeface="Arial Unicode MS" pitchFamily="34" charset="-122"/>
+                <a:ea typeface="Arial Unicode MS" pitchFamily="34" charset="-122"/>
+                <a:cs typeface="Arial Unicode MS" pitchFamily="34" charset="-122"/>
+              </a:rPr>
+              <a:t>TensorFlow.NET</a:t>
+            </a:r>
+            <a:endParaRPr lang="zh-CN" altLang="en-US" sz="1400" dirty="0">
+              <a:solidFill>
+                <a:schemeClr val="tx1"/>
+              </a:solidFill>
+              <a:latin typeface="Arial Unicode MS" pitchFamily="34" charset="-122"/>
+              <a:ea typeface="Arial Unicode MS" pitchFamily="34" charset="-122"/>
+              <a:cs typeface="Arial Unicode MS" pitchFamily="34" charset="-122"/>
+            </a:endParaRPr>
+          </a:p>
+        </p:txBody>
+      </p:sp>
+      <p:sp>
+        <p:nvSpPr>
+          <p:cNvPr id="14" name="圆角矩形 13"/>
+          <p:cNvSpPr/>
+          <p:nvPr/>
+        </p:nvSpPr>
+        <p:spPr>
+          <a:xfrm>
+            <a:off x="3203849" y="4197697"/>
+            <a:ext cx="1944216" cy="512747"/>
+          </a:xfrm>
+          <a:prstGeom prst="roundRect">
+            <a:avLst/>
+          </a:prstGeom>
+          <a:solidFill>
+            <a:schemeClr val="accent1">
+              <a:lumMod val="20000"/>
+              <a:lumOff val="80000"/>
+            </a:schemeClr>
+          </a:solidFill>
+        </p:spPr>
+        <p:style>
+          <a:lnRef idx="2">
+            <a:schemeClr val="accent1">
+              <a:shade val="50000"/>
+            </a:schemeClr>
+          </a:lnRef>
+          <a:fillRef idx="1">
+            <a:schemeClr val="accent1"/>
+          </a:fillRef>
+          <a:effectRef idx="0">
+            <a:schemeClr val="accent1"/>
+          </a:effectRef>
+          <a:fontRef idx="minor">
+            <a:schemeClr val="lt1"/>
+          </a:fontRef>
+        </p:style>
+        <p:txBody>
+          <a:bodyPr rtlCol="0" anchor="ctr"/>
+          <a:lstStyle/>
+          <a:p>
+            <a:r>
+              <a:rPr lang="en-US" altLang="zh-CN" sz="1400" dirty="0" err="1" smtClean="0">
+                <a:solidFill>
+                  <a:schemeClr val="tx1"/>
+                </a:solidFill>
+                <a:latin typeface="Arial Unicode MS" pitchFamily="34" charset="-122"/>
+                <a:ea typeface="Arial Unicode MS" pitchFamily="34" charset="-122"/>
+                <a:cs typeface="Arial Unicode MS" pitchFamily="34" charset="-122"/>
+              </a:rPr>
+              <a:t>NumSharp</a:t>
+            </a:r>
+            <a:endParaRPr lang="zh-CN" altLang="en-US" sz="1400" dirty="0">
+              <a:solidFill>
+                <a:schemeClr val="tx1"/>
+              </a:solidFill>
+              <a:latin typeface="Arial Unicode MS" pitchFamily="34" charset="-122"/>
+              <a:ea typeface="Arial Unicode MS" pitchFamily="34" charset="-122"/>
+              <a:cs typeface="Arial Unicode MS" pitchFamily="34" charset="-122"/>
+            </a:endParaRPr>
+          </a:p>
+        </p:txBody>
+      </p:sp>
+      <p:sp>
+        <p:nvSpPr>
+          <p:cNvPr id="15" name="圆角矩形 14"/>
+          <p:cNvSpPr/>
+          <p:nvPr/>
+        </p:nvSpPr>
+        <p:spPr>
+          <a:xfrm>
+            <a:off x="3203849" y="4879650"/>
+            <a:ext cx="1944216" cy="512747"/>
+          </a:xfrm>
+          <a:prstGeom prst="roundRect">
+            <a:avLst/>
+          </a:prstGeom>
+          <a:solidFill>
+            <a:schemeClr val="accent1">
+              <a:lumMod val="20000"/>
+              <a:lumOff val="80000"/>
+            </a:schemeClr>
+          </a:solidFill>
+        </p:spPr>
+        <p:style>
+          <a:lnRef idx="2">
+            <a:schemeClr val="accent1">
+              <a:shade val="50000"/>
+            </a:schemeClr>
+          </a:lnRef>
+          <a:fillRef idx="1">
+            <a:schemeClr val="accent1"/>
+          </a:fillRef>
+          <a:effectRef idx="0">
+            <a:schemeClr val="accent1"/>
+          </a:effectRef>
+          <a:fontRef idx="minor">
+            <a:schemeClr val="lt1"/>
+          </a:fontRef>
+        </p:style>
+        <p:txBody>
+          <a:bodyPr rtlCol="0" anchor="ctr"/>
+          <a:lstStyle/>
+          <a:p>
+            <a:r>
+              <a:rPr lang="en-US" altLang="zh-CN" sz="1400" dirty="0" err="1" smtClean="0">
+                <a:solidFill>
+                  <a:schemeClr val="tx1"/>
+                </a:solidFill>
+                <a:latin typeface="Arial Unicode MS" pitchFamily="34" charset="-122"/>
+                <a:ea typeface="Arial Unicode MS" pitchFamily="34" charset="-122"/>
+                <a:cs typeface="Arial Unicode MS" pitchFamily="34" charset="-122"/>
+              </a:rPr>
+              <a:t>CodeMinion</a:t>
+            </a:r>
+            <a:endParaRPr lang="zh-CN" altLang="en-US" sz="1400" dirty="0">
+              <a:solidFill>
+                <a:schemeClr val="tx1"/>
+              </a:solidFill>
+              <a:latin typeface="Arial Unicode MS" pitchFamily="34" charset="-122"/>
+              <a:ea typeface="Arial Unicode MS" pitchFamily="34" charset="-122"/>
+              <a:cs typeface="Arial Unicode MS" pitchFamily="34" charset="-122"/>
+            </a:endParaRPr>
+          </a:p>
+        </p:txBody>
+      </p:sp>
+      <p:sp>
+        <p:nvSpPr>
+          <p:cNvPr id="16" name="圆角矩形 15"/>
+          <p:cNvSpPr/>
+          <p:nvPr/>
+        </p:nvSpPr>
+        <p:spPr>
+          <a:xfrm>
+            <a:off x="5364088" y="1469877"/>
+            <a:ext cx="1584176" cy="512747"/>
+          </a:xfrm>
+          <a:prstGeom prst="roundRect">
+            <a:avLst/>
+          </a:prstGeom>
+          <a:solidFill>
+            <a:schemeClr val="accent1">
+              <a:lumMod val="20000"/>
+              <a:lumOff val="80000"/>
+            </a:schemeClr>
+          </a:solidFill>
+        </p:spPr>
+        <p:style>
+          <a:lnRef idx="2">
+            <a:schemeClr val="accent1">
+              <a:shade val="50000"/>
+            </a:schemeClr>
+          </a:lnRef>
+          <a:fillRef idx="1">
+            <a:schemeClr val="accent1"/>
+          </a:fillRef>
+          <a:effectRef idx="0">
+            <a:schemeClr val="accent1"/>
+          </a:effectRef>
+          <a:fontRef idx="minor">
+            <a:schemeClr val="lt1"/>
+          </a:fontRef>
+        </p:style>
+        <p:txBody>
+          <a:bodyPr rtlCol="0" anchor="ctr"/>
+          <a:lstStyle/>
+          <a:p>
+            <a:r>
+              <a:rPr lang="en-US" altLang="zh-CN" sz="1400" dirty="0" err="1" smtClean="0">
+                <a:solidFill>
+                  <a:schemeClr val="tx1"/>
+                </a:solidFill>
+                <a:latin typeface="Arial Unicode MS" pitchFamily="34" charset="-122"/>
+                <a:ea typeface="Arial Unicode MS" pitchFamily="34" charset="-122"/>
+                <a:cs typeface="Arial Unicode MS" pitchFamily="34" charset="-122"/>
+              </a:rPr>
+              <a:t>Matplotlib.Net</a:t>
+            </a:r>
+            <a:endParaRPr lang="zh-CN" altLang="en-US" sz="1400" dirty="0">
+              <a:solidFill>
+                <a:schemeClr val="tx1"/>
+              </a:solidFill>
+              <a:latin typeface="Arial Unicode MS" pitchFamily="34" charset="-122"/>
+              <a:ea typeface="Arial Unicode MS" pitchFamily="34" charset="-122"/>
+              <a:cs typeface="Arial Unicode MS" pitchFamily="34" charset="-122"/>
+            </a:endParaRPr>
+          </a:p>
+        </p:txBody>
+      </p:sp>
+      <p:sp>
+        <p:nvSpPr>
+          <p:cNvPr id="17" name="圆角矩形 16"/>
+          <p:cNvSpPr/>
+          <p:nvPr/>
+        </p:nvSpPr>
+        <p:spPr>
+          <a:xfrm>
+            <a:off x="5364088" y="2151832"/>
+            <a:ext cx="1584176" cy="512747"/>
+          </a:xfrm>
+          <a:prstGeom prst="roundRect">
+            <a:avLst/>
+          </a:prstGeom>
+          <a:solidFill>
+            <a:schemeClr val="accent1">
+              <a:lumMod val="20000"/>
+              <a:lumOff val="80000"/>
+            </a:schemeClr>
+          </a:solidFill>
+        </p:spPr>
+        <p:style>
+          <a:lnRef idx="2">
+            <a:schemeClr val="accent1">
+              <a:shade val="50000"/>
+            </a:schemeClr>
+          </a:lnRef>
+          <a:fillRef idx="1">
+            <a:schemeClr val="accent1"/>
+          </a:fillRef>
+          <a:effectRef idx="0">
+            <a:schemeClr val="accent1"/>
+          </a:effectRef>
+          <a:fontRef idx="minor">
+            <a:schemeClr val="lt1"/>
+          </a:fontRef>
+        </p:style>
+        <p:txBody>
+          <a:bodyPr rtlCol="0" anchor="ctr"/>
+          <a:lstStyle/>
+          <a:p>
+            <a:r>
+              <a:rPr lang="en-US" altLang="zh-CN" sz="1400" dirty="0" smtClean="0">
+                <a:solidFill>
+                  <a:schemeClr val="tx1"/>
+                </a:solidFill>
+                <a:latin typeface="Arial Unicode MS" pitchFamily="34" charset="-122"/>
+                <a:ea typeface="Arial Unicode MS" pitchFamily="34" charset="-122"/>
+                <a:cs typeface="Arial Unicode MS" pitchFamily="34" charset="-122"/>
+              </a:rPr>
+              <a:t>SpaCy.NET</a:t>
+            </a:r>
+            <a:endParaRPr lang="zh-CN" altLang="en-US" sz="1400" dirty="0">
+              <a:solidFill>
+                <a:schemeClr val="tx1"/>
+              </a:solidFill>
+              <a:latin typeface="Arial Unicode MS" pitchFamily="34" charset="-122"/>
+              <a:ea typeface="Arial Unicode MS" pitchFamily="34" charset="-122"/>
+              <a:cs typeface="Arial Unicode MS" pitchFamily="34" charset="-122"/>
+            </a:endParaRPr>
+          </a:p>
+        </p:txBody>
+      </p:sp>
+      <p:sp>
+        <p:nvSpPr>
+          <p:cNvPr id="18" name="圆角矩形 17"/>
+          <p:cNvSpPr/>
+          <p:nvPr/>
+        </p:nvSpPr>
+        <p:spPr>
+          <a:xfrm>
+            <a:off x="5364088" y="2833787"/>
+            <a:ext cx="1584176" cy="512747"/>
+          </a:xfrm>
+          <a:prstGeom prst="roundRect">
+            <a:avLst/>
+          </a:prstGeom>
+          <a:solidFill>
+            <a:schemeClr val="accent1">
+              <a:lumMod val="20000"/>
+              <a:lumOff val="80000"/>
+            </a:schemeClr>
+          </a:solidFill>
+        </p:spPr>
+        <p:style>
+          <a:lnRef idx="2">
+            <a:schemeClr val="accent1">
+              <a:shade val="50000"/>
+            </a:schemeClr>
+          </a:lnRef>
+          <a:fillRef idx="1">
+            <a:schemeClr val="accent1"/>
+          </a:fillRef>
+          <a:effectRef idx="0">
+            <a:schemeClr val="accent1"/>
+          </a:effectRef>
+          <a:fontRef idx="minor">
+            <a:schemeClr val="lt1"/>
+          </a:fontRef>
+        </p:style>
+        <p:txBody>
+          <a:bodyPr rtlCol="0" anchor="ctr"/>
+          <a:lstStyle/>
+          <a:p>
+            <a:r>
+              <a:rPr lang="en-US" altLang="zh-CN" sz="1400" dirty="0" smtClean="0">
+                <a:solidFill>
+                  <a:schemeClr val="tx1"/>
+                </a:solidFill>
+                <a:latin typeface="Arial Unicode MS" pitchFamily="34" charset="-122"/>
+                <a:ea typeface="Arial Unicode MS" pitchFamily="34" charset="-122"/>
+                <a:cs typeface="Arial Unicode MS" pitchFamily="34" charset="-122"/>
+              </a:rPr>
+              <a:t>Scikit-learn.net</a:t>
+            </a:r>
+            <a:endParaRPr lang="zh-CN" altLang="en-US" sz="1400" dirty="0">
+              <a:solidFill>
+                <a:schemeClr val="tx1"/>
+              </a:solidFill>
+              <a:latin typeface="Arial Unicode MS" pitchFamily="34" charset="-122"/>
+              <a:ea typeface="Arial Unicode MS" pitchFamily="34" charset="-122"/>
+              <a:cs typeface="Arial Unicode MS" pitchFamily="34" charset="-122"/>
+            </a:endParaRPr>
+          </a:p>
+        </p:txBody>
+      </p:sp>
+      <p:sp>
+        <p:nvSpPr>
+          <p:cNvPr id="19" name="圆角矩形 18"/>
+          <p:cNvSpPr/>
+          <p:nvPr/>
+        </p:nvSpPr>
+        <p:spPr>
+          <a:xfrm>
+            <a:off x="5364088" y="3515742"/>
+            <a:ext cx="1584176" cy="512747"/>
+          </a:xfrm>
+          <a:prstGeom prst="roundRect">
+            <a:avLst/>
+          </a:prstGeom>
+          <a:solidFill>
+            <a:schemeClr val="accent1">
+              <a:lumMod val="20000"/>
+              <a:lumOff val="80000"/>
+            </a:schemeClr>
+          </a:solidFill>
+        </p:spPr>
+        <p:style>
+          <a:lnRef idx="2">
+            <a:schemeClr val="accent1">
+              <a:shade val="50000"/>
+            </a:schemeClr>
+          </a:lnRef>
+          <a:fillRef idx="1">
+            <a:schemeClr val="accent1"/>
+          </a:fillRef>
+          <a:effectRef idx="0">
+            <a:schemeClr val="accent1"/>
+          </a:effectRef>
+          <a:fontRef idx="minor">
+            <a:schemeClr val="lt1"/>
+          </a:fontRef>
+        </p:style>
+        <p:txBody>
+          <a:bodyPr rtlCol="0" anchor="ctr"/>
+          <a:lstStyle/>
+          <a:p>
+            <a:r>
+              <a:rPr lang="en-US" altLang="zh-CN" sz="1400" dirty="0" smtClean="0">
+                <a:solidFill>
+                  <a:schemeClr val="tx1"/>
+                </a:solidFill>
+                <a:latin typeface="Arial Unicode MS" pitchFamily="34" charset="-122"/>
+                <a:ea typeface="Arial Unicode MS" pitchFamily="34" charset="-122"/>
+                <a:cs typeface="Arial Unicode MS" pitchFamily="34" charset="-122"/>
+              </a:rPr>
+              <a:t>Torch.NET</a:t>
+            </a:r>
+            <a:endParaRPr lang="zh-CN" altLang="en-US" sz="1400" dirty="0">
+              <a:solidFill>
+                <a:schemeClr val="tx1"/>
+              </a:solidFill>
+              <a:latin typeface="Arial Unicode MS" pitchFamily="34" charset="-122"/>
+              <a:ea typeface="Arial Unicode MS" pitchFamily="34" charset="-122"/>
+              <a:cs typeface="Arial Unicode MS" pitchFamily="34" charset="-122"/>
+            </a:endParaRPr>
+          </a:p>
+        </p:txBody>
+      </p:sp>
+      <p:sp>
+        <p:nvSpPr>
+          <p:cNvPr id="20" name="圆角矩形 19"/>
+          <p:cNvSpPr/>
+          <p:nvPr/>
+        </p:nvSpPr>
+        <p:spPr>
+          <a:xfrm>
+            <a:off x="5364088" y="4197697"/>
+            <a:ext cx="1584176" cy="512747"/>
+          </a:xfrm>
+          <a:prstGeom prst="roundRect">
+            <a:avLst/>
+          </a:prstGeom>
+          <a:solidFill>
+            <a:schemeClr val="accent1">
+              <a:lumMod val="20000"/>
+              <a:lumOff val="80000"/>
+            </a:schemeClr>
+          </a:solidFill>
+        </p:spPr>
+        <p:style>
+          <a:lnRef idx="2">
+            <a:schemeClr val="accent1">
+              <a:shade val="50000"/>
+            </a:schemeClr>
+          </a:lnRef>
+          <a:fillRef idx="1">
+            <a:schemeClr val="accent1"/>
+          </a:fillRef>
+          <a:effectRef idx="0">
+            <a:schemeClr val="accent1"/>
+          </a:effectRef>
+          <a:fontRef idx="minor">
+            <a:schemeClr val="lt1"/>
+          </a:fontRef>
+        </p:style>
+        <p:txBody>
+          <a:bodyPr rtlCol="0" anchor="ctr"/>
+          <a:lstStyle/>
+          <a:p>
+            <a:r>
+              <a:rPr lang="en-US" altLang="zh-CN" sz="1400" dirty="0" smtClean="0">
+                <a:solidFill>
+                  <a:schemeClr val="tx1"/>
+                </a:solidFill>
+                <a:latin typeface="Arial Unicode MS" pitchFamily="34" charset="-122"/>
+                <a:ea typeface="Arial Unicode MS" pitchFamily="34" charset="-122"/>
+                <a:cs typeface="Arial Unicode MS" pitchFamily="34" charset="-122"/>
+              </a:rPr>
+              <a:t>Pandas.NET</a:t>
+            </a:r>
+            <a:endParaRPr lang="zh-CN" altLang="en-US" sz="1400" dirty="0">
+              <a:solidFill>
+                <a:schemeClr val="tx1"/>
+              </a:solidFill>
+              <a:latin typeface="Arial Unicode MS" pitchFamily="34" charset="-122"/>
+              <a:ea typeface="Arial Unicode MS" pitchFamily="34" charset="-122"/>
+              <a:cs typeface="Arial Unicode MS" pitchFamily="34" charset="-122"/>
+            </a:endParaRPr>
+          </a:p>
+        </p:txBody>
+      </p:sp>
+      <p:sp>
+        <p:nvSpPr>
+          <p:cNvPr id="21" name="圆角矩形 20"/>
+          <p:cNvSpPr/>
+          <p:nvPr/>
+        </p:nvSpPr>
+        <p:spPr>
+          <a:xfrm>
+            <a:off x="5364088" y="4879650"/>
+            <a:ext cx="1584176" cy="512747"/>
+          </a:xfrm>
+          <a:prstGeom prst="roundRect">
+            <a:avLst/>
+          </a:prstGeom>
+          <a:solidFill>
+            <a:schemeClr val="accent1">
+              <a:lumMod val="20000"/>
+              <a:lumOff val="80000"/>
+            </a:schemeClr>
+          </a:solidFill>
+        </p:spPr>
+        <p:style>
+          <a:lnRef idx="2">
+            <a:schemeClr val="accent1">
+              <a:shade val="50000"/>
+            </a:schemeClr>
+          </a:lnRef>
+          <a:fillRef idx="1">
+            <a:schemeClr val="accent1"/>
+          </a:fillRef>
+          <a:effectRef idx="0">
+            <a:schemeClr val="accent1"/>
+          </a:effectRef>
+          <a:fontRef idx="minor">
+            <a:schemeClr val="lt1"/>
+          </a:fontRef>
+        </p:style>
+        <p:txBody>
+          <a:bodyPr rtlCol="0" anchor="ctr"/>
+          <a:lstStyle/>
+          <a:p>
+            <a:r>
+              <a:rPr lang="en-US" altLang="zh-CN" sz="1400" dirty="0" err="1" smtClean="0">
+                <a:solidFill>
+                  <a:schemeClr val="tx1"/>
+                </a:solidFill>
+                <a:latin typeface="Arial Unicode MS" pitchFamily="34" charset="-122"/>
+                <a:ea typeface="Arial Unicode MS" pitchFamily="34" charset="-122"/>
+                <a:cs typeface="Arial Unicode MS" pitchFamily="34" charset="-122"/>
+              </a:rPr>
+              <a:t>SciSharpCube</a:t>
+            </a:r>
+            <a:endParaRPr lang="zh-CN" altLang="en-US" sz="1400" dirty="0">
+              <a:solidFill>
+                <a:schemeClr val="tx1"/>
+              </a:solidFill>
+              <a:latin typeface="Arial Unicode MS" pitchFamily="34" charset="-122"/>
+              <a:ea typeface="Arial Unicode MS" pitchFamily="34" charset="-122"/>
+              <a:cs typeface="Arial Unicode MS" pitchFamily="34" charset="-122"/>
+            </a:endParaRPr>
+          </a:p>
+        </p:txBody>
+      </p:sp>
+      <p:sp>
+        <p:nvSpPr>
+          <p:cNvPr id="22" name="圆角矩形 21"/>
+          <p:cNvSpPr/>
+          <p:nvPr/>
+        </p:nvSpPr>
+        <p:spPr>
+          <a:xfrm>
+            <a:off x="7164288" y="1469877"/>
+            <a:ext cx="1800200" cy="512747"/>
+          </a:xfrm>
+          <a:prstGeom prst="roundRect">
+            <a:avLst/>
+          </a:prstGeom>
+          <a:solidFill>
+            <a:schemeClr val="accent1">
+              <a:lumMod val="20000"/>
+              <a:lumOff val="80000"/>
+            </a:schemeClr>
+          </a:solidFill>
+        </p:spPr>
+        <p:style>
+          <a:lnRef idx="2">
+            <a:schemeClr val="accent1">
+              <a:shade val="50000"/>
+            </a:schemeClr>
+          </a:lnRef>
+          <a:fillRef idx="1">
+            <a:schemeClr val="accent1"/>
+          </a:fillRef>
+          <a:effectRef idx="0">
+            <a:schemeClr val="accent1"/>
+          </a:effectRef>
+          <a:fontRef idx="minor">
+            <a:schemeClr val="lt1"/>
+          </a:fontRef>
+        </p:style>
+        <p:txBody>
+          <a:bodyPr rtlCol="0" anchor="ctr"/>
+          <a:lstStyle/>
+          <a:p>
+            <a:r>
+              <a:rPr lang="en-US" altLang="zh-CN" sz="1400" dirty="0" smtClean="0">
+                <a:solidFill>
+                  <a:schemeClr val="tx1"/>
+                </a:solidFill>
+                <a:latin typeface="Arial Unicode MS" pitchFamily="34" charset="-122"/>
+                <a:ea typeface="Arial Unicode MS" pitchFamily="34" charset="-122"/>
+                <a:cs typeface="Arial Unicode MS" pitchFamily="34" charset="-122"/>
+              </a:rPr>
+              <a:t>Plot.NET</a:t>
+            </a:r>
+            <a:endParaRPr lang="zh-CN" altLang="en-US" sz="1400" dirty="0">
+              <a:solidFill>
+                <a:schemeClr val="tx1"/>
+              </a:solidFill>
+              <a:latin typeface="Arial Unicode MS" pitchFamily="34" charset="-122"/>
+              <a:ea typeface="Arial Unicode MS" pitchFamily="34" charset="-122"/>
+              <a:cs typeface="Arial Unicode MS" pitchFamily="34" charset="-122"/>
+            </a:endParaRPr>
+          </a:p>
+        </p:txBody>
+      </p:sp>
+      <p:sp>
+        <p:nvSpPr>
+          <p:cNvPr id="23" name="圆角矩形 22"/>
+          <p:cNvSpPr/>
+          <p:nvPr/>
+        </p:nvSpPr>
+        <p:spPr>
+          <a:xfrm>
+            <a:off x="7164288" y="2151832"/>
+            <a:ext cx="1800200" cy="512747"/>
+          </a:xfrm>
+          <a:prstGeom prst="roundRect">
+            <a:avLst/>
+          </a:prstGeom>
+          <a:solidFill>
+            <a:schemeClr val="accent1">
+              <a:lumMod val="20000"/>
+              <a:lumOff val="80000"/>
+            </a:schemeClr>
+          </a:solidFill>
+        </p:spPr>
+        <p:style>
+          <a:lnRef idx="2">
+            <a:schemeClr val="accent1">
+              <a:shade val="50000"/>
+            </a:schemeClr>
+          </a:lnRef>
+          <a:fillRef idx="1">
+            <a:schemeClr val="accent1"/>
+          </a:fillRef>
+          <a:effectRef idx="0">
+            <a:schemeClr val="accent1"/>
+          </a:effectRef>
+          <a:fontRef idx="minor">
+            <a:schemeClr val="lt1"/>
+          </a:fontRef>
+        </p:style>
+        <p:txBody>
+          <a:bodyPr rtlCol="0" anchor="ctr"/>
+          <a:lstStyle/>
+          <a:p>
+            <a:r>
+              <a:rPr lang="en-US" altLang="zh-CN" sz="1400" dirty="0" err="1" smtClean="0">
+                <a:solidFill>
+                  <a:schemeClr val="tx1"/>
+                </a:solidFill>
+                <a:latin typeface="Arial Unicode MS" pitchFamily="34" charset="-122"/>
+                <a:ea typeface="Arial Unicode MS" pitchFamily="34" charset="-122"/>
+                <a:cs typeface="Arial Unicode MS" pitchFamily="34" charset="-122"/>
+              </a:rPr>
+              <a:t>CherubNLP</a:t>
+            </a:r>
+            <a:endParaRPr lang="zh-CN" altLang="en-US" sz="1400" dirty="0">
+              <a:solidFill>
+                <a:schemeClr val="tx1"/>
+              </a:solidFill>
+              <a:latin typeface="Arial Unicode MS" pitchFamily="34" charset="-122"/>
+              <a:ea typeface="Arial Unicode MS" pitchFamily="34" charset="-122"/>
+              <a:cs typeface="Arial Unicode MS" pitchFamily="34" charset="-122"/>
+            </a:endParaRPr>
+          </a:p>
+        </p:txBody>
+      </p:sp>
+      <p:sp>
+        <p:nvSpPr>
+          <p:cNvPr id="24" name="圆角矩形 23"/>
+          <p:cNvSpPr/>
+          <p:nvPr/>
+        </p:nvSpPr>
+        <p:spPr>
+          <a:xfrm>
+            <a:off x="7164288" y="2833787"/>
+            <a:ext cx="1800200" cy="512747"/>
+          </a:xfrm>
+          <a:prstGeom prst="roundRect">
+            <a:avLst/>
+          </a:prstGeom>
+          <a:solidFill>
+            <a:schemeClr val="accent1">
+              <a:lumMod val="20000"/>
+              <a:lumOff val="80000"/>
+            </a:schemeClr>
+          </a:solidFill>
+        </p:spPr>
+        <p:style>
+          <a:lnRef idx="2">
+            <a:schemeClr val="accent1">
+              <a:shade val="50000"/>
+            </a:schemeClr>
+          </a:lnRef>
+          <a:fillRef idx="1">
+            <a:schemeClr val="accent1"/>
+          </a:fillRef>
+          <a:effectRef idx="0">
+            <a:schemeClr val="accent1"/>
+          </a:effectRef>
+          <a:fontRef idx="minor">
+            <a:schemeClr val="lt1"/>
+          </a:fontRef>
+        </p:style>
+        <p:txBody>
+          <a:bodyPr rtlCol="0" anchor="ctr"/>
+          <a:lstStyle/>
+          <a:p>
+            <a:r>
+              <a:rPr lang="en-US" altLang="zh-CN" sz="1400" dirty="0" smtClean="0">
+                <a:solidFill>
+                  <a:schemeClr val="tx1"/>
+                </a:solidFill>
+                <a:latin typeface="Arial Unicode MS" pitchFamily="34" charset="-122"/>
+                <a:ea typeface="Arial Unicode MS" pitchFamily="34" charset="-122"/>
+                <a:cs typeface="Arial Unicode MS" pitchFamily="34" charset="-122"/>
+              </a:rPr>
+              <a:t>TFLearn.NET</a:t>
+            </a:r>
+            <a:endParaRPr lang="zh-CN" altLang="en-US" sz="1400" dirty="0">
+              <a:solidFill>
+                <a:schemeClr val="tx1"/>
+              </a:solidFill>
+              <a:latin typeface="Arial Unicode MS" pitchFamily="34" charset="-122"/>
+              <a:ea typeface="Arial Unicode MS" pitchFamily="34" charset="-122"/>
+              <a:cs typeface="Arial Unicode MS" pitchFamily="34" charset="-122"/>
+            </a:endParaRPr>
+          </a:p>
+        </p:txBody>
+      </p:sp>
+      <p:sp>
+        <p:nvSpPr>
+          <p:cNvPr id="25" name="圆角矩形 24"/>
+          <p:cNvSpPr/>
+          <p:nvPr/>
+        </p:nvSpPr>
+        <p:spPr>
+          <a:xfrm>
+            <a:off x="7164288" y="3515742"/>
+            <a:ext cx="1800200" cy="512747"/>
+          </a:xfrm>
+          <a:prstGeom prst="roundRect">
+            <a:avLst/>
+          </a:prstGeom>
+          <a:solidFill>
+            <a:schemeClr val="accent1">
+              <a:lumMod val="20000"/>
+              <a:lumOff val="80000"/>
+            </a:schemeClr>
+          </a:solidFill>
+        </p:spPr>
+        <p:style>
+          <a:lnRef idx="2">
+            <a:schemeClr val="accent1">
+              <a:shade val="50000"/>
+            </a:schemeClr>
+          </a:lnRef>
+          <a:fillRef idx="1">
+            <a:schemeClr val="accent1"/>
+          </a:fillRef>
+          <a:effectRef idx="0">
+            <a:schemeClr val="accent1"/>
+          </a:effectRef>
+          <a:fontRef idx="minor">
+            <a:schemeClr val="lt1"/>
+          </a:fontRef>
+        </p:style>
+        <p:txBody>
+          <a:bodyPr rtlCol="0" anchor="ctr"/>
+          <a:lstStyle/>
+          <a:p>
+            <a:r>
+              <a:rPr lang="en-US" altLang="zh-CN" sz="1400" dirty="0" err="1" smtClean="0">
+                <a:solidFill>
+                  <a:schemeClr val="tx1"/>
+                </a:solidFill>
+                <a:latin typeface="Arial Unicode MS" pitchFamily="34" charset="-122"/>
+                <a:ea typeface="Arial Unicode MS" pitchFamily="34" charset="-122"/>
+                <a:cs typeface="Arial Unicode MS" pitchFamily="34" charset="-122"/>
+              </a:rPr>
+              <a:t>Mxnetlib</a:t>
+            </a:r>
+            <a:endParaRPr lang="zh-CN" altLang="en-US" sz="1400" dirty="0">
+              <a:solidFill>
+                <a:schemeClr val="tx1"/>
+              </a:solidFill>
+              <a:latin typeface="Arial Unicode MS" pitchFamily="34" charset="-122"/>
+              <a:ea typeface="Arial Unicode MS" pitchFamily="34" charset="-122"/>
+              <a:cs typeface="Arial Unicode MS" pitchFamily="34" charset="-122"/>
+            </a:endParaRPr>
+          </a:p>
+        </p:txBody>
+      </p:sp>
+      <p:sp>
+        <p:nvSpPr>
+          <p:cNvPr id="26" name="圆角矩形 25"/>
+          <p:cNvSpPr/>
+          <p:nvPr/>
+        </p:nvSpPr>
+        <p:spPr>
+          <a:xfrm>
+            <a:off x="7164288" y="4197697"/>
+            <a:ext cx="1800200" cy="512747"/>
+          </a:xfrm>
+          <a:prstGeom prst="roundRect">
+            <a:avLst/>
+          </a:prstGeom>
+          <a:solidFill>
+            <a:schemeClr val="accent1">
+              <a:lumMod val="20000"/>
+              <a:lumOff val="80000"/>
+            </a:schemeClr>
+          </a:solidFill>
+        </p:spPr>
+        <p:style>
+          <a:lnRef idx="2">
+            <a:schemeClr val="accent1">
+              <a:shade val="50000"/>
+            </a:schemeClr>
+          </a:lnRef>
+          <a:fillRef idx="1">
+            <a:schemeClr val="accent1"/>
+          </a:fillRef>
+          <a:effectRef idx="0">
+            <a:schemeClr val="accent1"/>
+          </a:effectRef>
+          <a:fontRef idx="minor">
+            <a:schemeClr val="lt1"/>
+          </a:fontRef>
+        </p:style>
+        <p:txBody>
+          <a:bodyPr rtlCol="0" anchor="ctr"/>
+          <a:lstStyle/>
+          <a:p>
+            <a:r>
+              <a:rPr lang="en-US" altLang="zh-CN" sz="1400" dirty="0" err="1" smtClean="0">
+                <a:solidFill>
+                  <a:schemeClr val="tx1"/>
+                </a:solidFill>
+                <a:latin typeface="Arial Unicode MS" pitchFamily="34" charset="-122"/>
+                <a:ea typeface="Arial Unicode MS" pitchFamily="34" charset="-122"/>
+                <a:cs typeface="Arial Unicode MS" pitchFamily="34" charset="-122"/>
+              </a:rPr>
+              <a:t>Bigtree.Algorithm</a:t>
+            </a:r>
+            <a:endParaRPr lang="zh-CN" altLang="en-US" sz="1400" dirty="0">
+              <a:solidFill>
+                <a:schemeClr val="tx1"/>
+              </a:solidFill>
+              <a:latin typeface="Arial Unicode MS" pitchFamily="34" charset="-122"/>
+              <a:ea typeface="Arial Unicode MS" pitchFamily="34" charset="-122"/>
+              <a:cs typeface="Arial Unicode MS" pitchFamily="34" charset="-122"/>
+            </a:endParaRPr>
+          </a:p>
+        </p:txBody>
+      </p:sp>
+      <p:sp>
+        <p:nvSpPr>
+          <p:cNvPr id="27" name="圆角矩形 26"/>
+          <p:cNvSpPr/>
+          <p:nvPr/>
+        </p:nvSpPr>
+        <p:spPr>
+          <a:xfrm>
+            <a:off x="7164288" y="4879650"/>
+            <a:ext cx="1800200" cy="512747"/>
+          </a:xfrm>
+          <a:prstGeom prst="roundRect">
+            <a:avLst/>
+          </a:prstGeom>
+          <a:solidFill>
+            <a:schemeClr val="accent1">
+              <a:lumMod val="20000"/>
+              <a:lumOff val="80000"/>
+            </a:schemeClr>
+          </a:solidFill>
+        </p:spPr>
+        <p:style>
+          <a:lnRef idx="2">
+            <a:schemeClr val="accent1">
+              <a:shade val="50000"/>
+            </a:schemeClr>
+          </a:lnRef>
+          <a:fillRef idx="1">
+            <a:schemeClr val="accent1"/>
+          </a:fillRef>
+          <a:effectRef idx="0">
+            <a:schemeClr val="accent1"/>
+          </a:effectRef>
+          <a:fontRef idx="minor">
+            <a:schemeClr val="lt1"/>
+          </a:fontRef>
+        </p:style>
+        <p:txBody>
+          <a:bodyPr rtlCol="0" anchor="ctr"/>
+          <a:lstStyle/>
+          <a:p>
+            <a:r>
+              <a:rPr lang="en-US" altLang="zh-CN" sz="1400" dirty="0" err="1" smtClean="0">
+                <a:solidFill>
+                  <a:schemeClr val="tx1"/>
+                </a:solidFill>
+                <a:latin typeface="Arial Unicode MS" pitchFamily="34" charset="-122"/>
+                <a:ea typeface="Arial Unicode MS" pitchFamily="34" charset="-122"/>
+                <a:cs typeface="Arial Unicode MS" pitchFamily="34" charset="-122"/>
+              </a:rPr>
+              <a:t>SharpCV</a:t>
+            </a:r>
+            <a:endParaRPr lang="zh-CN" altLang="en-US" sz="1400" dirty="0">
+              <a:solidFill>
+                <a:schemeClr val="tx1"/>
+              </a:solidFill>
+              <a:latin typeface="Arial Unicode MS" pitchFamily="34" charset="-122"/>
+              <a:ea typeface="Arial Unicode MS" pitchFamily="34" charset="-122"/>
+              <a:cs typeface="Arial Unicode MS" pitchFamily="34" charset="-122"/>
+            </a:endParaRPr>
+          </a:p>
+        </p:txBody>
+      </p:sp>
     </p:spTree>
     <p:extLst>
       <p:ext uri="{BB962C8B-B14F-4D97-AF65-F5344CB8AC3E}">
-        <p14:creationId xmlns:p14="http://schemas.microsoft.com/office/powerpoint/2010/main" val="1497496753"/>
+        <p14:creationId xmlns:p14="http://schemas.microsoft.com/office/powerpoint/2010/main" val="3554646342"/>
       </p:ext>
     </p:extLst>
   </p:cSld>
@@ -7142,21 +8725,46 @@
       </p:grpSpPr>
       <p:pic>
         <p:nvPicPr>
-          <p:cNvPr id="4" name="图片 3"/>
+          <p:cNvPr id="6" name="图片 5"/>
           <p:cNvPicPr>
             <a:picLocks noChangeAspect="1"/>
           </p:cNvPicPr>
           <p:nvPr/>
         </p:nvPicPr>
-        <p:blipFill rotWithShape="1">
+        <p:blipFill>
           <a:blip r:embed="rId2"/>
-          <a:srcRect l="9152" t="12387" r="52461" b="4131"/>
-          <a:stretch/>
+          <a:stretch>
+            <a:fillRect/>
+          </a:stretch>
         </p:blipFill>
         <p:spPr>
           <a:xfrm>
-            <a:off x="-4256" y="-1"/>
-            <a:ext cx="5872400" cy="6851133"/>
+            <a:off x="539552" y="332656"/>
+            <a:ext cx="4069433" cy="2789162"/>
+          </a:xfrm>
+          <a:prstGeom prst="rect">
+            <a:avLst/>
+          </a:prstGeom>
+        </p:spPr>
+      </p:pic>
+      <p:pic>
+        <p:nvPicPr>
+          <p:cNvPr id="7" name="图片 6"/>
+          <p:cNvPicPr>
+            <a:picLocks noChangeAspect="1"/>
+          </p:cNvPicPr>
+          <p:nvPr/>
+        </p:nvPicPr>
+        <p:blipFill>
+          <a:blip r:embed="rId3"/>
+          <a:stretch>
+            <a:fillRect/>
+          </a:stretch>
+        </p:blipFill>
+        <p:spPr>
+          <a:xfrm>
+            <a:off x="539552" y="3284984"/>
+            <a:ext cx="7553325" cy="3124200"/>
           </a:xfrm>
           <a:prstGeom prst="rect">
             <a:avLst/>
@@ -7166,13 +8774,20 @@
     </p:spTree>
     <p:extLst>
       <p:ext uri="{BB962C8B-B14F-4D97-AF65-F5344CB8AC3E}">
-        <p14:creationId xmlns:p14="http://schemas.microsoft.com/office/powerpoint/2010/main" val="2818938020"/>
+        <p14:creationId xmlns:p14="http://schemas.microsoft.com/office/powerpoint/2010/main" val="1497496753"/>
       </p:ext>
     </p:extLst>
   </p:cSld>
   <p:clrMapOvr>
     <a:masterClrMapping/>
   </p:clrMapOvr>
+  <p:timing>
+    <p:tnLst>
+      <p:par>
+        <p:cTn id="1" dur="indefinite" restart="never" nodeType="tmRoot"/>
+      </p:par>
+    </p:tnLst>
+  </p:timing>
 </p:sld>
 </file>
 
@@ -7203,36 +8818,13 @@
         </p:nvPicPr>
         <p:blipFill rotWithShape="1">
           <a:blip r:embed="rId2"/>
-          <a:srcRect l="9152" t="27492" r="57652" b="69153"/>
+          <a:srcRect l="9152" t="12387" r="52461" b="4131"/>
           <a:stretch/>
         </p:blipFill>
         <p:spPr>
           <a:xfrm>
-            <a:off x="-6560" y="908720"/>
-            <a:ext cx="9150560" cy="496101"/>
-          </a:xfrm>
-          <a:prstGeom prst="rect">
-            <a:avLst/>
-          </a:prstGeom>
-        </p:spPr>
-      </p:pic>
-      <p:pic>
-        <p:nvPicPr>
-          <p:cNvPr id="5" name="图片 4"/>
-          <p:cNvPicPr>
-            <a:picLocks noChangeAspect="1"/>
-          </p:cNvPicPr>
-          <p:nvPr/>
-        </p:nvPicPr>
-        <p:blipFill rotWithShape="1">
-          <a:blip r:embed="rId2"/>
-          <a:srcRect l="9152" t="84922" r="54304" b="6937"/>
-          <a:stretch/>
-        </p:blipFill>
-        <p:spPr>
-          <a:xfrm>
-            <a:off x="0" y="4653136"/>
-            <a:ext cx="10073640" cy="1203960"/>
+            <a:off x="-4256" y="-1"/>
+            <a:ext cx="5872400" cy="6851133"/>
           </a:xfrm>
           <a:prstGeom prst="rect">
             <a:avLst/>
@@ -7242,7 +8834,7 @@
     </p:spTree>
     <p:extLst>
       <p:ext uri="{BB962C8B-B14F-4D97-AF65-F5344CB8AC3E}">
-        <p14:creationId xmlns:p14="http://schemas.microsoft.com/office/powerpoint/2010/main" val="3724499844"/>
+        <p14:creationId xmlns:p14="http://schemas.microsoft.com/office/powerpoint/2010/main" val="2818938020"/>
       </p:ext>
     </p:extLst>
   </p:cSld>
@@ -7271,6 +8863,29 @@
       </p:grpSpPr>
       <p:pic>
         <p:nvPicPr>
+          <p:cNvPr id="4" name="图片 3"/>
+          <p:cNvPicPr>
+            <a:picLocks noChangeAspect="1"/>
+          </p:cNvPicPr>
+          <p:nvPr/>
+        </p:nvPicPr>
+        <p:blipFill rotWithShape="1">
+          <a:blip r:embed="rId2"/>
+          <a:srcRect l="9152" t="27492" r="57652" b="69153"/>
+          <a:stretch/>
+        </p:blipFill>
+        <p:spPr>
+          <a:xfrm>
+            <a:off x="-6560" y="908720"/>
+            <a:ext cx="9150560" cy="496101"/>
+          </a:xfrm>
+          <a:prstGeom prst="rect">
+            <a:avLst/>
+          </a:prstGeom>
+        </p:spPr>
+      </p:pic>
+      <p:pic>
+        <p:nvPicPr>
           <p:cNvPr id="5" name="图片 4"/>
           <p:cNvPicPr>
             <a:picLocks noChangeAspect="1"/>
@@ -7279,290 +8894,23 @@
         </p:nvPicPr>
         <p:blipFill rotWithShape="1">
           <a:blip r:embed="rId2"/>
-          <a:srcRect t="12523"/>
+          <a:srcRect l="9152" t="84922" r="54304" b="6937"/>
           <a:stretch/>
         </p:blipFill>
         <p:spPr>
           <a:xfrm>
-            <a:off x="28600" y="32022"/>
-            <a:ext cx="8553543" cy="2166125"/>
+            <a:off x="0" y="4653136"/>
+            <a:ext cx="10073640" cy="1203960"/>
           </a:xfrm>
           <a:prstGeom prst="rect">
             <a:avLst/>
           </a:prstGeom>
         </p:spPr>
       </p:pic>
-      <p:pic>
-        <p:nvPicPr>
-          <p:cNvPr id="6" name="图片 5"/>
-          <p:cNvPicPr>
-            <a:picLocks noChangeAspect="1"/>
-          </p:cNvPicPr>
-          <p:nvPr/>
-        </p:nvPicPr>
-        <p:blipFill rotWithShape="1">
-          <a:blip r:embed="rId3"/>
-          <a:srcRect b="73707"/>
-          <a:stretch/>
-        </p:blipFill>
-        <p:spPr>
-          <a:xfrm>
-            <a:off x="55304" y="2198148"/>
-            <a:ext cx="8496944" cy="1556972"/>
-          </a:xfrm>
-          <a:prstGeom prst="rect">
-            <a:avLst/>
-          </a:prstGeom>
-        </p:spPr>
-      </p:pic>
-      <p:pic>
-        <p:nvPicPr>
-          <p:cNvPr id="7" name="图片 6"/>
-          <p:cNvPicPr>
-            <a:picLocks noChangeAspect="1"/>
-          </p:cNvPicPr>
-          <p:nvPr/>
-        </p:nvPicPr>
-        <p:blipFill rotWithShape="1">
-          <a:blip r:embed="rId3"/>
-          <a:srcRect t="47414"/>
-          <a:stretch/>
-        </p:blipFill>
-        <p:spPr>
-          <a:xfrm>
-            <a:off x="64096" y="3744058"/>
-            <a:ext cx="8496944" cy="3113942"/>
-          </a:xfrm>
-          <a:prstGeom prst="rect">
-            <a:avLst/>
-          </a:prstGeom>
-        </p:spPr>
-      </p:pic>
-      <p:sp>
-        <p:nvSpPr>
-          <p:cNvPr id="8" name="圆角矩形 7"/>
-          <p:cNvSpPr/>
-          <p:nvPr/>
-        </p:nvSpPr>
-        <p:spPr>
-          <a:xfrm>
-            <a:off x="43280" y="37128"/>
-            <a:ext cx="8613040" cy="2157432"/>
-          </a:xfrm>
-          <a:prstGeom prst="roundRect">
-            <a:avLst>
-              <a:gd name="adj" fmla="val 5499"/>
-            </a:avLst>
-          </a:prstGeom>
-          <a:noFill/>
-          <a:ln>
-            <a:solidFill>
-              <a:schemeClr val="accent5">
-                <a:lumMod val="75000"/>
-              </a:schemeClr>
-            </a:solidFill>
-          </a:ln>
-        </p:spPr>
-        <p:style>
-          <a:lnRef idx="2">
-            <a:schemeClr val="accent1">
-              <a:shade val="50000"/>
-            </a:schemeClr>
-          </a:lnRef>
-          <a:fillRef idx="1">
-            <a:schemeClr val="accent1"/>
-          </a:fillRef>
-          <a:effectRef idx="0">
-            <a:schemeClr val="accent1"/>
-          </a:effectRef>
-          <a:fontRef idx="minor">
-            <a:schemeClr val="lt1"/>
-          </a:fontRef>
-        </p:style>
-        <p:txBody>
-          <a:bodyPr rtlCol="0" anchor="ctr"/>
-          <a:lstStyle/>
-          <a:p>
-            <a:pPr algn="ctr"/>
-            <a:endParaRPr lang="zh-CN" altLang="en-US"/>
-          </a:p>
-        </p:txBody>
-      </p:sp>
-      <p:sp>
-        <p:nvSpPr>
-          <p:cNvPr id="9" name="圆角矩形 8"/>
-          <p:cNvSpPr/>
-          <p:nvPr/>
-        </p:nvSpPr>
-        <p:spPr>
-          <a:xfrm>
-            <a:off x="43280" y="2214880"/>
-            <a:ext cx="8613040" cy="4572000"/>
-          </a:xfrm>
-          <a:prstGeom prst="roundRect">
-            <a:avLst>
-              <a:gd name="adj" fmla="val 1688"/>
-            </a:avLst>
-          </a:prstGeom>
-          <a:noFill/>
-          <a:ln>
-            <a:solidFill>
-              <a:schemeClr val="accent6">
-                <a:lumMod val="75000"/>
-              </a:schemeClr>
-            </a:solidFill>
-          </a:ln>
-        </p:spPr>
-        <p:style>
-          <a:lnRef idx="2">
-            <a:schemeClr val="accent1">
-              <a:shade val="50000"/>
-            </a:schemeClr>
-          </a:lnRef>
-          <a:fillRef idx="1">
-            <a:schemeClr val="accent1"/>
-          </a:fillRef>
-          <a:effectRef idx="0">
-            <a:schemeClr val="accent1"/>
-          </a:effectRef>
-          <a:fontRef idx="minor">
-            <a:schemeClr val="lt1"/>
-          </a:fontRef>
-        </p:style>
-        <p:txBody>
-          <a:bodyPr rtlCol="0" anchor="ctr"/>
-          <a:lstStyle/>
-          <a:p>
-            <a:pPr algn="ctr"/>
-            <a:endParaRPr lang="zh-CN" altLang="en-US"/>
-          </a:p>
-        </p:txBody>
-      </p:sp>
-      <p:sp>
-        <p:nvSpPr>
-          <p:cNvPr id="10" name="文本框 9"/>
-          <p:cNvSpPr txBox="1"/>
-          <p:nvPr/>
-        </p:nvSpPr>
-        <p:spPr>
-          <a:xfrm>
-            <a:off x="1619672" y="844706"/>
-            <a:ext cx="2377574" cy="369332"/>
-          </a:xfrm>
-          <a:prstGeom prst="rect">
-            <a:avLst/>
-          </a:prstGeom>
-          <a:noFill/>
-        </p:spPr>
-        <p:txBody>
-          <a:bodyPr wrap="none" rtlCol="0">
-            <a:spAutoFit/>
-          </a:bodyPr>
-          <a:lstStyle/>
-          <a:p>
-            <a:r>
-              <a:rPr lang="en-US" altLang="zh-CN" b="1" dirty="0" smtClean="0">
-                <a:solidFill>
-                  <a:schemeClr val="tx2">
-                    <a:lumMod val="60000"/>
-                    <a:lumOff val="40000"/>
-                  </a:schemeClr>
-                </a:solidFill>
-                <a:latin typeface="微软雅黑" panose="020B0503020204020204" pitchFamily="34" charset="-122"/>
-                <a:ea typeface="微软雅黑" panose="020B0503020204020204" pitchFamily="34" charset="-122"/>
-              </a:rPr>
-              <a:t>GPU </a:t>
-            </a:r>
-            <a:r>
-              <a:rPr lang="zh-CN" altLang="en-US" b="1" dirty="0" smtClean="0">
-                <a:solidFill>
-                  <a:schemeClr val="tx2">
-                    <a:lumMod val="60000"/>
-                    <a:lumOff val="40000"/>
-                  </a:schemeClr>
-                </a:solidFill>
-                <a:latin typeface="微软雅黑" panose="020B0503020204020204" pitchFamily="34" charset="-122"/>
-                <a:ea typeface="微软雅黑" panose="020B0503020204020204" pitchFamily="34" charset="-122"/>
-              </a:rPr>
-              <a:t>加速相关的类库</a:t>
-            </a:r>
-            <a:endParaRPr lang="zh-CN" altLang="en-US" b="1" dirty="0">
-              <a:solidFill>
-                <a:schemeClr val="tx2">
-                  <a:lumMod val="60000"/>
-                  <a:lumOff val="40000"/>
-                </a:schemeClr>
-              </a:solidFill>
-              <a:latin typeface="微软雅黑" panose="020B0503020204020204" pitchFamily="34" charset="-122"/>
-              <a:ea typeface="微软雅黑" panose="020B0503020204020204" pitchFamily="34" charset="-122"/>
-            </a:endParaRPr>
-          </a:p>
-        </p:txBody>
-      </p:sp>
-      <p:sp>
-        <p:nvSpPr>
-          <p:cNvPr id="11" name="文本框 10"/>
-          <p:cNvSpPr txBox="1"/>
-          <p:nvPr/>
-        </p:nvSpPr>
-        <p:spPr>
-          <a:xfrm>
-            <a:off x="1946663" y="3844245"/>
-            <a:ext cx="2028953" cy="646331"/>
-          </a:xfrm>
-          <a:prstGeom prst="rect">
-            <a:avLst/>
-          </a:prstGeom>
-          <a:noFill/>
-        </p:spPr>
-        <p:txBody>
-          <a:bodyPr wrap="none" rtlCol="0">
-            <a:spAutoFit/>
-          </a:bodyPr>
-          <a:lstStyle/>
-          <a:p>
-            <a:r>
-              <a:rPr lang="en-US" altLang="zh-CN" b="1" dirty="0" smtClean="0">
-                <a:solidFill>
-                  <a:schemeClr val="accent6">
-                    <a:lumMod val="75000"/>
-                  </a:schemeClr>
-                </a:solidFill>
-                <a:latin typeface="微软雅黑" panose="020B0503020204020204" pitchFamily="34" charset="-122"/>
-                <a:ea typeface="微软雅黑" panose="020B0503020204020204" pitchFamily="34" charset="-122"/>
-              </a:rPr>
-              <a:t>TensorFlow.NET</a:t>
-            </a:r>
-          </a:p>
-          <a:p>
-            <a:r>
-              <a:rPr lang="zh-CN" altLang="en-US" b="1" dirty="0" smtClean="0">
-                <a:solidFill>
-                  <a:schemeClr val="accent6">
-                    <a:lumMod val="75000"/>
-                  </a:schemeClr>
-                </a:solidFill>
-                <a:latin typeface="微软雅黑" panose="020B0503020204020204" pitchFamily="34" charset="-122"/>
-                <a:ea typeface="微软雅黑" panose="020B0503020204020204" pitchFamily="34" charset="-122"/>
-              </a:rPr>
-              <a:t>和系统相关的类库</a:t>
-            </a:r>
-            <a:endParaRPr lang="zh-CN" altLang="en-US" b="1" dirty="0">
-              <a:solidFill>
-                <a:schemeClr val="accent6">
-                  <a:lumMod val="75000"/>
-                </a:schemeClr>
-              </a:solidFill>
-              <a:latin typeface="微软雅黑" panose="020B0503020204020204" pitchFamily="34" charset="-122"/>
-              <a:ea typeface="微软雅黑" panose="020B0503020204020204" pitchFamily="34" charset="-122"/>
-            </a:endParaRPr>
-          </a:p>
-        </p:txBody>
-      </p:sp>
     </p:spTree>
     <p:extLst>
       <p:ext uri="{BB962C8B-B14F-4D97-AF65-F5344CB8AC3E}">
-        <p14:creationId xmlns:p14="http://schemas.microsoft.com/office/powerpoint/2010/main" val="2403442515"/>
+        <p14:creationId xmlns:p14="http://schemas.microsoft.com/office/powerpoint/2010/main" val="3724499844"/>
       </p:ext>
     </p:extLst>
   </p:cSld>
@@ -7591,42 +8939,137 @@
       </p:grpSpPr>
       <p:pic>
         <p:nvPicPr>
-          <p:cNvPr id="2" name="图片 1"/>
+          <p:cNvPr id="5" name="图片 4"/>
           <p:cNvPicPr>
             <a:picLocks noChangeAspect="1"/>
           </p:cNvPicPr>
           <p:nvPr/>
         </p:nvPicPr>
-        <p:blipFill>
+        <p:blipFill rotWithShape="1">
           <a:blip r:embed="rId2"/>
-          <a:stretch>
-            <a:fillRect/>
-          </a:stretch>
+          <a:srcRect t="12523"/>
+          <a:stretch/>
         </p:blipFill>
         <p:spPr>
           <a:xfrm>
-            <a:off x="1331640" y="27672"/>
-            <a:ext cx="5184576" cy="6543234"/>
+            <a:off x="28600" y="32022"/>
+            <a:ext cx="8553543" cy="2166125"/>
           </a:xfrm>
           <a:prstGeom prst="rect">
             <a:avLst/>
           </a:prstGeom>
         </p:spPr>
       </p:pic>
-      <p:sp>
-        <p:nvSpPr>
-          <p:cNvPr id="3" name="圆角矩形 2"/>
+      <p:pic>
+        <p:nvPicPr>
+          <p:cNvPr id="6" name="图片 5"/>
+          <p:cNvPicPr>
+            <a:picLocks noChangeAspect="1"/>
+          </p:cNvPicPr>
+          <p:nvPr/>
+        </p:nvPicPr>
+        <p:blipFill rotWithShape="1">
+          <a:blip r:embed="rId3"/>
+          <a:srcRect b="73707"/>
+          <a:stretch/>
+        </p:blipFill>
+        <p:spPr>
+          <a:xfrm>
+            <a:off x="55304" y="2198148"/>
+            <a:ext cx="8496944" cy="1556972"/>
+          </a:xfrm>
+          <a:prstGeom prst="rect">
+            <a:avLst/>
+          </a:prstGeom>
+        </p:spPr>
+      </p:pic>
+      <p:pic>
+        <p:nvPicPr>
+          <p:cNvPr id="7" name="图片 6"/>
+          <p:cNvPicPr>
+            <a:picLocks noChangeAspect="1"/>
+          </p:cNvPicPr>
+          <p:nvPr/>
+        </p:nvPicPr>
+        <p:blipFill rotWithShape="1">
+          <a:blip r:embed="rId3"/>
+          <a:srcRect t="47414"/>
+          <a:stretch/>
+        </p:blipFill>
+        <p:spPr>
+          <a:xfrm>
+            <a:off x="64096" y="3744058"/>
+            <a:ext cx="8496944" cy="3113942"/>
+          </a:xfrm>
+          <a:prstGeom prst="rect">
+            <a:avLst/>
+          </a:prstGeom>
+        </p:spPr>
+      </p:pic>
+      <p:sp>
+        <p:nvSpPr>
+          <p:cNvPr id="8" name="圆角矩形 7"/>
           <p:cNvSpPr/>
           <p:nvPr/>
         </p:nvSpPr>
         <p:spPr>
           <a:xfrm>
-            <a:off x="3213200" y="57448"/>
-            <a:ext cx="1287680" cy="308312"/>
+            <a:off x="43280" y="37128"/>
+            <a:ext cx="8613040" cy="2157432"/>
           </a:xfrm>
           <a:prstGeom prst="roundRect">
             <a:avLst>
               <a:gd name="adj" fmla="val 5499"/>
+            </a:avLst>
+          </a:prstGeom>
+          <a:noFill/>
+          <a:ln>
+            <a:solidFill>
+              <a:schemeClr val="accent5">
+                <a:lumMod val="75000"/>
+              </a:schemeClr>
+            </a:solidFill>
+          </a:ln>
+        </p:spPr>
+        <p:style>
+          <a:lnRef idx="2">
+            <a:schemeClr val="accent1">
+              <a:shade val="50000"/>
+            </a:schemeClr>
+          </a:lnRef>
+          <a:fillRef idx="1">
+            <a:schemeClr val="accent1"/>
+          </a:fillRef>
+          <a:effectRef idx="0">
+            <a:schemeClr val="accent1"/>
+          </a:effectRef>
+          <a:fontRef idx="minor">
+            <a:schemeClr val="lt1"/>
+          </a:fontRef>
+        </p:style>
+        <p:txBody>
+          <a:bodyPr rtlCol="0" anchor="ctr"/>
+          <a:lstStyle/>
+          <a:p>
+            <a:pPr algn="ctr"/>
+            <a:endParaRPr lang="zh-CN" altLang="en-US"/>
+          </a:p>
+        </p:txBody>
+      </p:sp>
+      <p:sp>
+        <p:nvSpPr>
+          <p:cNvPr id="9" name="圆角矩形 8"/>
+          <p:cNvSpPr/>
+          <p:nvPr/>
+        </p:nvSpPr>
+        <p:spPr>
+          <a:xfrm>
+            <a:off x="43280" y="2214880"/>
+            <a:ext cx="8613040" cy="4572000"/>
+          </a:xfrm>
+          <a:prstGeom prst="roundRect">
+            <a:avLst>
+              <a:gd name="adj" fmla="val 1688"/>
             </a:avLst>
           </a:prstGeom>
           <a:noFill/>
@@ -7665,65 +9108,14 @@
       </p:sp>
       <p:sp>
         <p:nvSpPr>
-          <p:cNvPr id="4" name="圆角矩形 3"/>
-          <p:cNvSpPr/>
-          <p:nvPr/>
-        </p:nvSpPr>
-        <p:spPr>
-          <a:xfrm>
-            <a:off x="2044800" y="1195368"/>
-            <a:ext cx="2019200" cy="1700232"/>
-          </a:xfrm>
-          <a:prstGeom prst="roundRect">
-            <a:avLst>
-              <a:gd name="adj" fmla="val 5499"/>
-            </a:avLst>
-          </a:prstGeom>
-          <a:noFill/>
-          <a:ln>
-            <a:solidFill>
-              <a:schemeClr val="accent1">
-                <a:lumMod val="60000"/>
-                <a:lumOff val="40000"/>
-              </a:schemeClr>
-            </a:solidFill>
-          </a:ln>
-        </p:spPr>
-        <p:style>
-          <a:lnRef idx="2">
-            <a:schemeClr val="accent1">
-              <a:shade val="50000"/>
-            </a:schemeClr>
-          </a:lnRef>
-          <a:fillRef idx="1">
-            <a:schemeClr val="accent1"/>
-          </a:fillRef>
-          <a:effectRef idx="0">
-            <a:schemeClr val="accent1"/>
-          </a:effectRef>
-          <a:fontRef idx="minor">
-            <a:schemeClr val="lt1"/>
-          </a:fontRef>
-        </p:style>
-        <p:txBody>
-          <a:bodyPr rtlCol="0" anchor="ctr"/>
-          <a:lstStyle/>
-          <a:p>
-            <a:pPr algn="ctr"/>
-            <a:endParaRPr lang="zh-CN" altLang="en-US"/>
-          </a:p>
-        </p:txBody>
-      </p:sp>
-      <p:sp>
-        <p:nvSpPr>
-          <p:cNvPr id="5" name="文本框 4"/>
+          <p:cNvPr id="10" name="文本框 9"/>
           <p:cNvSpPr txBox="1"/>
           <p:nvPr/>
         </p:nvSpPr>
         <p:spPr>
           <a:xfrm>
-            <a:off x="4114353" y="1860818"/>
-            <a:ext cx="1774845" cy="369332"/>
+            <a:off x="1619672" y="844706"/>
+            <a:ext cx="2377574" cy="369332"/>
           </a:xfrm>
           <a:prstGeom prst="rect">
             <a:avLst/>
@@ -7737,7 +9129,7 @@
           <a:lstStyle/>
           <a:p>
             <a:r>
-              <a:rPr lang="zh-CN" altLang="en-US" b="1" dirty="0" smtClean="0">
+              <a:rPr lang="en-US" altLang="zh-CN" b="1" dirty="0" smtClean="0">
                 <a:solidFill>
                   <a:schemeClr val="tx2">
                     <a:lumMod val="60000"/>
@@ -7747,10 +9139,10 @@
                 <a:latin typeface="微软雅黑" panose="020B0503020204020204" pitchFamily="34" charset="-122"/>
                 <a:ea typeface="微软雅黑" panose="020B0503020204020204" pitchFamily="34" charset="-122"/>
               </a:rPr>
-              <a:t>缺少的</a:t>
-            </a:r>
-            <a:r>
-              <a:rPr lang="en-US" altLang="zh-CN" b="1" dirty="0" smtClean="0">
+              <a:t>GPU </a:t>
+            </a:r>
+            <a:r>
+              <a:rPr lang="zh-CN" altLang="en-US" b="1" dirty="0" smtClean="0">
                 <a:solidFill>
                   <a:schemeClr val="tx2">
                     <a:lumMod val="60000"/>
@@ -7760,20 +9152,7 @@
                 <a:latin typeface="微软雅黑" panose="020B0503020204020204" pitchFamily="34" charset="-122"/>
                 <a:ea typeface="微软雅黑" panose="020B0503020204020204" pitchFamily="34" charset="-122"/>
               </a:rPr>
-              <a:t>DLL</a:t>
-            </a:r>
-            <a:r>
-              <a:rPr lang="zh-CN" altLang="en-US" b="1" dirty="0" smtClean="0">
-                <a:solidFill>
-                  <a:schemeClr val="tx2">
-                    <a:lumMod val="60000"/>
-                    <a:lumOff val="40000"/>
-                  </a:schemeClr>
-                </a:solidFill>
-                <a:latin typeface="微软雅黑" panose="020B0503020204020204" pitchFamily="34" charset="-122"/>
-                <a:ea typeface="微软雅黑" panose="020B0503020204020204" pitchFamily="34" charset="-122"/>
-              </a:rPr>
-              <a:t>文件</a:t>
+              <a:t>加速相关的类库</a:t>
             </a:r>
             <a:endParaRPr lang="zh-CN" altLang="en-US" b="1" dirty="0">
               <a:solidFill>
@@ -7790,14 +9169,14 @@
       </p:sp>
       <p:sp>
         <p:nvSpPr>
-          <p:cNvPr id="6" name="文本框 5"/>
+          <p:cNvPr id="11" name="文本框 10"/>
           <p:cNvSpPr txBox="1"/>
           <p:nvPr/>
         </p:nvSpPr>
         <p:spPr>
           <a:xfrm>
-            <a:off x="4500880" y="26938"/>
-            <a:ext cx="1774845" cy="369332"/>
+            <a:off x="1946663" y="3844245"/>
+            <a:ext cx="2028953" cy="646331"/>
           </a:xfrm>
           <a:prstGeom prst="rect">
             <a:avLst/>
@@ -7811,7 +9190,7 @@
           <a:lstStyle/>
           <a:p>
             <a:r>
-              <a:rPr lang="zh-CN" altLang="en-US" b="1" dirty="0" smtClean="0">
+              <a:rPr lang="en-US" altLang="zh-CN" b="1" dirty="0" smtClean="0">
                 <a:solidFill>
                   <a:schemeClr val="accent6">
                     <a:lumMod val="75000"/>
@@ -7820,10 +9199,12 @@
                 <a:latin typeface="微软雅黑" panose="020B0503020204020204" pitchFamily="34" charset="-122"/>
                 <a:ea typeface="微软雅黑" panose="020B0503020204020204" pitchFamily="34" charset="-122"/>
               </a:rPr>
-              <a:t>分析的</a:t>
-            </a:r>
-            <a:r>
-              <a:rPr lang="en-US" altLang="zh-CN" b="1" dirty="0" smtClean="0">
+              <a:t>TensorFlow.NET</a:t>
+            </a:r>
+          </a:p>
+          <a:p>
+            <a:r>
+              <a:rPr lang="zh-CN" altLang="en-US" b="1" dirty="0" smtClean="0">
                 <a:solidFill>
                   <a:schemeClr val="accent6">
                     <a:lumMod val="75000"/>
@@ -7832,19 +9213,7 @@
                 <a:latin typeface="微软雅黑" panose="020B0503020204020204" pitchFamily="34" charset="-122"/>
                 <a:ea typeface="微软雅黑" panose="020B0503020204020204" pitchFamily="34" charset="-122"/>
               </a:rPr>
-              <a:t>DLL</a:t>
-            </a:r>
-            <a:r>
-              <a:rPr lang="zh-CN" altLang="en-US" b="1" dirty="0" smtClean="0">
-                <a:solidFill>
-                  <a:schemeClr val="accent6">
-                    <a:lumMod val="75000"/>
-                  </a:schemeClr>
-                </a:solidFill>
-                <a:latin typeface="微软雅黑" panose="020B0503020204020204" pitchFamily="34" charset="-122"/>
-                <a:ea typeface="微软雅黑" panose="020B0503020204020204" pitchFamily="34" charset="-122"/>
-              </a:rPr>
-              <a:t>文件</a:t>
+              <a:t>和系统相关的类库</a:t>
             </a:r>
             <a:endParaRPr lang="zh-CN" altLang="en-US" b="1" dirty="0">
               <a:solidFill>
@@ -7861,7 +9230,7 @@
     </p:spTree>
     <p:extLst>
       <p:ext uri="{BB962C8B-B14F-4D97-AF65-F5344CB8AC3E}">
-        <p14:creationId xmlns:p14="http://schemas.microsoft.com/office/powerpoint/2010/main" val="2053646008"/>
+        <p14:creationId xmlns:p14="http://schemas.microsoft.com/office/powerpoint/2010/main" val="2403442515"/>
       </p:ext>
     </p:extLst>
   </p:cSld>
@@ -7904,8 +9273,8 @@
         </p:blipFill>
         <p:spPr>
           <a:xfrm>
-            <a:off x="467544" y="764704"/>
-            <a:ext cx="7913418" cy="5040560"/>
+            <a:off x="1331640" y="27672"/>
+            <a:ext cx="5184576" cy="6543234"/>
           </a:xfrm>
           <a:prstGeom prst="rect">
             <a:avLst/>
@@ -7914,18 +9283,18 @@
       </p:pic>
       <p:sp>
         <p:nvSpPr>
-          <p:cNvPr id="5" name="圆角矩形 4"/>
+          <p:cNvPr id="3" name="圆角矩形 2"/>
           <p:cNvSpPr/>
           <p:nvPr/>
         </p:nvSpPr>
         <p:spPr>
           <a:xfrm>
-            <a:off x="1300480" y="1960880"/>
-            <a:ext cx="6431408" cy="1747520"/>
+            <a:off x="3213200" y="57448"/>
+            <a:ext cx="1287680" cy="308312"/>
           </a:xfrm>
           <a:prstGeom prst="roundRect">
             <a:avLst>
-              <a:gd name="adj" fmla="val 3173"/>
+              <a:gd name="adj" fmla="val 5499"/>
             </a:avLst>
           </a:prstGeom>
           <a:noFill/>
@@ -7964,14 +9333,65 @@
       </p:sp>
       <p:sp>
         <p:nvSpPr>
-          <p:cNvPr id="6" name="文本框 5"/>
+          <p:cNvPr id="4" name="圆角矩形 3"/>
+          <p:cNvSpPr/>
+          <p:nvPr/>
+        </p:nvSpPr>
+        <p:spPr>
+          <a:xfrm>
+            <a:off x="2044800" y="1195368"/>
+            <a:ext cx="2019200" cy="1700232"/>
+          </a:xfrm>
+          <a:prstGeom prst="roundRect">
+            <a:avLst>
+              <a:gd name="adj" fmla="val 5499"/>
+            </a:avLst>
+          </a:prstGeom>
+          <a:noFill/>
+          <a:ln>
+            <a:solidFill>
+              <a:schemeClr val="accent1">
+                <a:lumMod val="60000"/>
+                <a:lumOff val="40000"/>
+              </a:schemeClr>
+            </a:solidFill>
+          </a:ln>
+        </p:spPr>
+        <p:style>
+          <a:lnRef idx="2">
+            <a:schemeClr val="accent1">
+              <a:shade val="50000"/>
+            </a:schemeClr>
+          </a:lnRef>
+          <a:fillRef idx="1">
+            <a:schemeClr val="accent1"/>
+          </a:fillRef>
+          <a:effectRef idx="0">
+            <a:schemeClr val="accent1"/>
+          </a:effectRef>
+          <a:fontRef idx="minor">
+            <a:schemeClr val="lt1"/>
+          </a:fontRef>
+        </p:style>
+        <p:txBody>
+          <a:bodyPr rtlCol="0" anchor="ctr"/>
+          <a:lstStyle/>
+          <a:p>
+            <a:pPr algn="ctr"/>
+            <a:endParaRPr lang="zh-CN" altLang="en-US"/>
+          </a:p>
+        </p:txBody>
+      </p:sp>
+      <p:sp>
+        <p:nvSpPr>
+          <p:cNvPr id="5" name="文本框 4"/>
           <p:cNvSpPr txBox="1"/>
           <p:nvPr/>
         </p:nvSpPr>
         <p:spPr>
           <a:xfrm>
-            <a:off x="5033640" y="2337832"/>
-            <a:ext cx="2698175" cy="369332"/>
+            <a:off x="4114353" y="1860818"/>
+            <a:ext cx="1774845" cy="369332"/>
           </a:xfrm>
           <a:prstGeom prst="rect">
             <a:avLst/>
@@ -7987,20 +9407,22 @@
             <a:r>
               <a:rPr lang="zh-CN" altLang="en-US" b="1" dirty="0" smtClean="0">
                 <a:solidFill>
-                  <a:schemeClr val="accent6">
-                    <a:lumMod val="75000"/>
+                  <a:schemeClr val="tx2">
+                    <a:lumMod val="60000"/>
+                    <a:lumOff val="40000"/>
                   </a:schemeClr>
                 </a:solidFill>
                 <a:latin typeface="微软雅黑" panose="020B0503020204020204" pitchFamily="34" charset="-122"/>
                 <a:ea typeface="微软雅黑" panose="020B0503020204020204" pitchFamily="34" charset="-122"/>
               </a:rPr>
-              <a:t>配套</a:t>
+              <a:t>缺少的</a:t>
             </a:r>
             <a:r>
               <a:rPr lang="en-US" altLang="zh-CN" b="1" dirty="0" smtClean="0">
                 <a:solidFill>
-                  <a:schemeClr val="accent6">
-                    <a:lumMod val="75000"/>
+                  <a:schemeClr val="tx2">
+                    <a:lumMod val="60000"/>
+                    <a:lumOff val="40000"/>
                   </a:schemeClr>
                 </a:solidFill>
                 <a:latin typeface="微软雅黑" panose="020B0503020204020204" pitchFamily="34" charset="-122"/>
@@ -8011,6 +9433,54 @@
             <a:r>
               <a:rPr lang="zh-CN" altLang="en-US" b="1" dirty="0" smtClean="0">
                 <a:solidFill>
+                  <a:schemeClr val="tx2">
+                    <a:lumMod val="60000"/>
+                    <a:lumOff val="40000"/>
+                  </a:schemeClr>
+                </a:solidFill>
+                <a:latin typeface="微软雅黑" panose="020B0503020204020204" pitchFamily="34" charset="-122"/>
+                <a:ea typeface="微软雅黑" panose="020B0503020204020204" pitchFamily="34" charset="-122"/>
+              </a:rPr>
+              <a:t>文件</a:t>
+            </a:r>
+            <a:endParaRPr lang="zh-CN" altLang="en-US" b="1" dirty="0">
+              <a:solidFill>
+                <a:schemeClr val="tx2">
+                  <a:lumMod val="60000"/>
+                  <a:lumOff val="40000"/>
+                </a:schemeClr>
+              </a:solidFill>
+              <a:latin typeface="微软雅黑" panose="020B0503020204020204" pitchFamily="34" charset="-122"/>
+              <a:ea typeface="微软雅黑" panose="020B0503020204020204" pitchFamily="34" charset="-122"/>
+            </a:endParaRPr>
+          </a:p>
+        </p:txBody>
+      </p:sp>
+      <p:sp>
+        <p:nvSpPr>
+          <p:cNvPr id="6" name="文本框 5"/>
+          <p:cNvSpPr txBox="1"/>
+          <p:nvPr/>
+        </p:nvSpPr>
+        <p:spPr>
+          <a:xfrm>
+            <a:off x="4500880" y="26938"/>
+            <a:ext cx="1774845" cy="369332"/>
+          </a:xfrm>
+          <a:prstGeom prst="rect">
+            <a:avLst/>
+          </a:prstGeom>
+          <a:noFill/>
+        </p:spPr>
+        <p:txBody>
+          <a:bodyPr wrap="none" rtlCol="0">
+            <a:spAutoFit/>
+          </a:bodyPr>
+          <a:lstStyle/>
+          <a:p>
+            <a:r>
+              <a:rPr lang="zh-CN" altLang="en-US" b="1" dirty="0" smtClean="0">
+                <a:solidFill>
                   <a:schemeClr val="accent6">
                     <a:lumMod val="75000"/>
                   </a:schemeClr>
@@ -8018,7 +9488,31 @@
                 <a:latin typeface="微软雅黑" panose="020B0503020204020204" pitchFamily="34" charset="-122"/>
                 <a:ea typeface="微软雅黑" panose="020B0503020204020204" pitchFamily="34" charset="-122"/>
               </a:rPr>
-              <a:t>文件的详细路径</a:t>
+              <a:t>分析的</a:t>
+            </a:r>
+            <a:r>
+              <a:rPr lang="en-US" altLang="zh-CN" b="1" dirty="0" smtClean="0">
+                <a:solidFill>
+                  <a:schemeClr val="accent6">
+                    <a:lumMod val="75000"/>
+                  </a:schemeClr>
+                </a:solidFill>
+                <a:latin typeface="微软雅黑" panose="020B0503020204020204" pitchFamily="34" charset="-122"/>
+                <a:ea typeface="微软雅黑" panose="020B0503020204020204" pitchFamily="34" charset="-122"/>
+              </a:rPr>
+              <a:t>DLL</a:t>
+            </a:r>
+            <a:r>
+              <a:rPr lang="zh-CN" altLang="en-US" b="1" dirty="0" smtClean="0">
+                <a:solidFill>
+                  <a:schemeClr val="accent6">
+                    <a:lumMod val="75000"/>
+                  </a:schemeClr>
+                </a:solidFill>
+                <a:latin typeface="微软雅黑" panose="020B0503020204020204" pitchFamily="34" charset="-122"/>
+                <a:ea typeface="微软雅黑" panose="020B0503020204020204" pitchFamily="34" charset="-122"/>
+              </a:rPr>
+              <a:t>文件</a:t>
             </a:r>
             <a:endParaRPr lang="zh-CN" altLang="en-US" b="1" dirty="0">
               <a:solidFill>
@@ -8035,7 +9529,7 @@
     </p:spTree>
     <p:extLst>
       <p:ext uri="{BB962C8B-B14F-4D97-AF65-F5344CB8AC3E}">
-        <p14:creationId xmlns:p14="http://schemas.microsoft.com/office/powerpoint/2010/main" val="3366766885"/>
+        <p14:creationId xmlns:p14="http://schemas.microsoft.com/office/powerpoint/2010/main" val="2053646008"/>
       </p:ext>
     </p:extLst>
   </p:cSld>

--- a/ppt/tf.reduce_mean.pptx
+++ b/ppt/tf.reduce_mean.pptx
@@ -6,19 +6,21 @@
   </p:sldMasterIdLst>
   <p:sldIdLst>
     <p:sldId id="256" r:id="rId2"/>
-    <p:sldId id="269" r:id="rId3"/>
-    <p:sldId id="257" r:id="rId4"/>
-    <p:sldId id="258" r:id="rId5"/>
-    <p:sldId id="259" r:id="rId6"/>
-    <p:sldId id="260" r:id="rId7"/>
-    <p:sldId id="261" r:id="rId8"/>
-    <p:sldId id="262" r:id="rId9"/>
-    <p:sldId id="263" r:id="rId10"/>
-    <p:sldId id="264" r:id="rId11"/>
-    <p:sldId id="265" r:id="rId12"/>
-    <p:sldId id="266" r:id="rId13"/>
-    <p:sldId id="267" r:id="rId14"/>
-    <p:sldId id="268" r:id="rId15"/>
+    <p:sldId id="270" r:id="rId3"/>
+    <p:sldId id="271" r:id="rId4"/>
+    <p:sldId id="269" r:id="rId5"/>
+    <p:sldId id="257" r:id="rId6"/>
+    <p:sldId id="258" r:id="rId7"/>
+    <p:sldId id="259" r:id="rId8"/>
+    <p:sldId id="260" r:id="rId9"/>
+    <p:sldId id="261" r:id="rId10"/>
+    <p:sldId id="262" r:id="rId11"/>
+    <p:sldId id="263" r:id="rId12"/>
+    <p:sldId id="264" r:id="rId13"/>
+    <p:sldId id="265" r:id="rId14"/>
+    <p:sldId id="266" r:id="rId15"/>
+    <p:sldId id="267" r:id="rId16"/>
+    <p:sldId id="268" r:id="rId17"/>
   </p:sldIdLst>
   <p:sldSz cx="9144000" cy="6858000" type="screen4x3"/>
   <p:notesSz cx="6858000" cy="9144000"/>
@@ -317,7 +319,7 @@
           <a:p>
             <a:fld id="{154D151C-2C25-4305-8E14-82B64FCC1564}" type="datetimeFigureOut">
               <a:rPr lang="zh-CN" altLang="en-US" smtClean="0"/>
-              <a:t>2020-06-30</a:t>
+              <a:t>2020-07-03</a:t>
             </a:fld>
             <a:endParaRPr lang="zh-CN" altLang="en-US"/>
           </a:p>
@@ -487,7 +489,7 @@
           <a:p>
             <a:fld id="{154D151C-2C25-4305-8E14-82B64FCC1564}" type="datetimeFigureOut">
               <a:rPr lang="zh-CN" altLang="en-US" smtClean="0"/>
-              <a:t>2020-06-30</a:t>
+              <a:t>2020-07-03</a:t>
             </a:fld>
             <a:endParaRPr lang="zh-CN" altLang="en-US"/>
           </a:p>
@@ -667,7 +669,7 @@
           <a:p>
             <a:fld id="{154D151C-2C25-4305-8E14-82B64FCC1564}" type="datetimeFigureOut">
               <a:rPr lang="zh-CN" altLang="en-US" smtClean="0"/>
-              <a:t>2020-06-30</a:t>
+              <a:t>2020-07-03</a:t>
             </a:fld>
             <a:endParaRPr lang="zh-CN" altLang="en-US"/>
           </a:p>
@@ -837,7 +839,7 @@
           <a:p>
             <a:fld id="{154D151C-2C25-4305-8E14-82B64FCC1564}" type="datetimeFigureOut">
               <a:rPr lang="zh-CN" altLang="en-US" smtClean="0"/>
-              <a:t>2020-06-30</a:t>
+              <a:t>2020-07-03</a:t>
             </a:fld>
             <a:endParaRPr lang="zh-CN" altLang="en-US"/>
           </a:p>
@@ -1083,7 +1085,7 @@
           <a:p>
             <a:fld id="{154D151C-2C25-4305-8E14-82B64FCC1564}" type="datetimeFigureOut">
               <a:rPr lang="zh-CN" altLang="en-US" smtClean="0"/>
-              <a:t>2020-06-30</a:t>
+              <a:t>2020-07-03</a:t>
             </a:fld>
             <a:endParaRPr lang="zh-CN" altLang="en-US"/>
           </a:p>
@@ -1371,7 +1373,7 @@
           <a:p>
             <a:fld id="{154D151C-2C25-4305-8E14-82B64FCC1564}" type="datetimeFigureOut">
               <a:rPr lang="zh-CN" altLang="en-US" smtClean="0"/>
-              <a:t>2020-06-30</a:t>
+              <a:t>2020-07-03</a:t>
             </a:fld>
             <a:endParaRPr lang="zh-CN" altLang="en-US"/>
           </a:p>
@@ -1793,7 +1795,7 @@
           <a:p>
             <a:fld id="{154D151C-2C25-4305-8E14-82B64FCC1564}" type="datetimeFigureOut">
               <a:rPr lang="zh-CN" altLang="en-US" smtClean="0"/>
-              <a:t>2020-06-30</a:t>
+              <a:t>2020-07-03</a:t>
             </a:fld>
             <a:endParaRPr lang="zh-CN" altLang="en-US"/>
           </a:p>
@@ -1911,7 +1913,7 @@
           <a:p>
             <a:fld id="{154D151C-2C25-4305-8E14-82B64FCC1564}" type="datetimeFigureOut">
               <a:rPr lang="zh-CN" altLang="en-US" smtClean="0"/>
-              <a:t>2020-06-30</a:t>
+              <a:t>2020-07-03</a:t>
             </a:fld>
             <a:endParaRPr lang="zh-CN" altLang="en-US"/>
           </a:p>
@@ -2006,7 +2008,7 @@
           <a:p>
             <a:fld id="{154D151C-2C25-4305-8E14-82B64FCC1564}" type="datetimeFigureOut">
               <a:rPr lang="zh-CN" altLang="en-US" smtClean="0"/>
-              <a:t>2020-06-30</a:t>
+              <a:t>2020-07-03</a:t>
             </a:fld>
             <a:endParaRPr lang="zh-CN" altLang="en-US"/>
           </a:p>
@@ -2283,7 +2285,7 @@
           <a:p>
             <a:fld id="{154D151C-2C25-4305-8E14-82B64FCC1564}" type="datetimeFigureOut">
               <a:rPr lang="zh-CN" altLang="en-US" smtClean="0"/>
-              <a:t>2020-06-30</a:t>
+              <a:t>2020-07-03</a:t>
             </a:fld>
             <a:endParaRPr lang="zh-CN" altLang="en-US"/>
           </a:p>
@@ -2536,7 +2538,7 @@
           <a:p>
             <a:fld id="{154D151C-2C25-4305-8E14-82B64FCC1564}" type="datetimeFigureOut">
               <a:rPr lang="zh-CN" altLang="en-US" smtClean="0"/>
-              <a:t>2020-06-30</a:t>
+              <a:t>2020-07-03</a:t>
             </a:fld>
             <a:endParaRPr lang="zh-CN" altLang="en-US"/>
           </a:p>
@@ -2749,7 +2751,7 @@
           <a:p>
             <a:fld id="{154D151C-2C25-4305-8E14-82B64FCC1564}" type="datetimeFigureOut">
               <a:rPr lang="zh-CN" altLang="en-US" smtClean="0"/>
-              <a:t>2020-06-30</a:t>
+              <a:t>2020-07-03</a:t>
             </a:fld>
             <a:endParaRPr lang="zh-CN" altLang="en-US"/>
           </a:p>
@@ -4051,6 +4053,625 @@
       </p:grpSpPr>
       <p:pic>
         <p:nvPicPr>
+          <p:cNvPr id="5" name="图片 4"/>
+          <p:cNvPicPr>
+            <a:picLocks noChangeAspect="1"/>
+          </p:cNvPicPr>
+          <p:nvPr/>
+        </p:nvPicPr>
+        <p:blipFill rotWithShape="1">
+          <a:blip r:embed="rId2"/>
+          <a:srcRect t="12523"/>
+          <a:stretch/>
+        </p:blipFill>
+        <p:spPr>
+          <a:xfrm>
+            <a:off x="28600" y="32022"/>
+            <a:ext cx="8553543" cy="2166125"/>
+          </a:xfrm>
+          <a:prstGeom prst="rect">
+            <a:avLst/>
+          </a:prstGeom>
+        </p:spPr>
+      </p:pic>
+      <p:pic>
+        <p:nvPicPr>
+          <p:cNvPr id="6" name="图片 5"/>
+          <p:cNvPicPr>
+            <a:picLocks noChangeAspect="1"/>
+          </p:cNvPicPr>
+          <p:nvPr/>
+        </p:nvPicPr>
+        <p:blipFill rotWithShape="1">
+          <a:blip r:embed="rId3"/>
+          <a:srcRect b="73707"/>
+          <a:stretch/>
+        </p:blipFill>
+        <p:spPr>
+          <a:xfrm>
+            <a:off x="55304" y="2198148"/>
+            <a:ext cx="8496944" cy="1556972"/>
+          </a:xfrm>
+          <a:prstGeom prst="rect">
+            <a:avLst/>
+          </a:prstGeom>
+        </p:spPr>
+      </p:pic>
+      <p:pic>
+        <p:nvPicPr>
+          <p:cNvPr id="7" name="图片 6"/>
+          <p:cNvPicPr>
+            <a:picLocks noChangeAspect="1"/>
+          </p:cNvPicPr>
+          <p:nvPr/>
+        </p:nvPicPr>
+        <p:blipFill rotWithShape="1">
+          <a:blip r:embed="rId3"/>
+          <a:srcRect t="47414"/>
+          <a:stretch/>
+        </p:blipFill>
+        <p:spPr>
+          <a:xfrm>
+            <a:off x="64096" y="3744058"/>
+            <a:ext cx="8496944" cy="3113942"/>
+          </a:xfrm>
+          <a:prstGeom prst="rect">
+            <a:avLst/>
+          </a:prstGeom>
+        </p:spPr>
+      </p:pic>
+      <p:sp>
+        <p:nvSpPr>
+          <p:cNvPr id="8" name="圆角矩形 7"/>
+          <p:cNvSpPr/>
+          <p:nvPr/>
+        </p:nvSpPr>
+        <p:spPr>
+          <a:xfrm>
+            <a:off x="43280" y="37128"/>
+            <a:ext cx="8613040" cy="2157432"/>
+          </a:xfrm>
+          <a:prstGeom prst="roundRect">
+            <a:avLst>
+              <a:gd name="adj" fmla="val 5499"/>
+            </a:avLst>
+          </a:prstGeom>
+          <a:noFill/>
+          <a:ln>
+            <a:solidFill>
+              <a:schemeClr val="accent5">
+                <a:lumMod val="75000"/>
+              </a:schemeClr>
+            </a:solidFill>
+          </a:ln>
+        </p:spPr>
+        <p:style>
+          <a:lnRef idx="2">
+            <a:schemeClr val="accent1">
+              <a:shade val="50000"/>
+            </a:schemeClr>
+          </a:lnRef>
+          <a:fillRef idx="1">
+            <a:schemeClr val="accent1"/>
+          </a:fillRef>
+          <a:effectRef idx="0">
+            <a:schemeClr val="accent1"/>
+          </a:effectRef>
+          <a:fontRef idx="minor">
+            <a:schemeClr val="lt1"/>
+          </a:fontRef>
+        </p:style>
+        <p:txBody>
+          <a:bodyPr rtlCol="0" anchor="ctr"/>
+          <a:lstStyle/>
+          <a:p>
+            <a:pPr algn="ctr"/>
+            <a:endParaRPr lang="zh-CN" altLang="en-US"/>
+          </a:p>
+        </p:txBody>
+      </p:sp>
+      <p:sp>
+        <p:nvSpPr>
+          <p:cNvPr id="9" name="圆角矩形 8"/>
+          <p:cNvSpPr/>
+          <p:nvPr/>
+        </p:nvSpPr>
+        <p:spPr>
+          <a:xfrm>
+            <a:off x="43280" y="2214880"/>
+            <a:ext cx="8613040" cy="4572000"/>
+          </a:xfrm>
+          <a:prstGeom prst="roundRect">
+            <a:avLst>
+              <a:gd name="adj" fmla="val 1688"/>
+            </a:avLst>
+          </a:prstGeom>
+          <a:noFill/>
+          <a:ln>
+            <a:solidFill>
+              <a:schemeClr val="accent6">
+                <a:lumMod val="75000"/>
+              </a:schemeClr>
+            </a:solidFill>
+          </a:ln>
+        </p:spPr>
+        <p:style>
+          <a:lnRef idx="2">
+            <a:schemeClr val="accent1">
+              <a:shade val="50000"/>
+            </a:schemeClr>
+          </a:lnRef>
+          <a:fillRef idx="1">
+            <a:schemeClr val="accent1"/>
+          </a:fillRef>
+          <a:effectRef idx="0">
+            <a:schemeClr val="accent1"/>
+          </a:effectRef>
+          <a:fontRef idx="minor">
+            <a:schemeClr val="lt1"/>
+          </a:fontRef>
+        </p:style>
+        <p:txBody>
+          <a:bodyPr rtlCol="0" anchor="ctr"/>
+          <a:lstStyle/>
+          <a:p>
+            <a:pPr algn="ctr"/>
+            <a:endParaRPr lang="zh-CN" altLang="en-US"/>
+          </a:p>
+        </p:txBody>
+      </p:sp>
+      <p:sp>
+        <p:nvSpPr>
+          <p:cNvPr id="10" name="文本框 9"/>
+          <p:cNvSpPr txBox="1"/>
+          <p:nvPr/>
+        </p:nvSpPr>
+        <p:spPr>
+          <a:xfrm>
+            <a:off x="1619672" y="844706"/>
+            <a:ext cx="2377574" cy="369332"/>
+          </a:xfrm>
+          <a:prstGeom prst="rect">
+            <a:avLst/>
+          </a:prstGeom>
+          <a:noFill/>
+        </p:spPr>
+        <p:txBody>
+          <a:bodyPr wrap="none" rtlCol="0">
+            <a:spAutoFit/>
+          </a:bodyPr>
+          <a:lstStyle/>
+          <a:p>
+            <a:r>
+              <a:rPr lang="en-US" altLang="zh-CN" b="1" dirty="0" smtClean="0">
+                <a:solidFill>
+                  <a:schemeClr val="tx2">
+                    <a:lumMod val="60000"/>
+                    <a:lumOff val="40000"/>
+                  </a:schemeClr>
+                </a:solidFill>
+                <a:latin typeface="微软雅黑" panose="020B0503020204020204" pitchFamily="34" charset="-122"/>
+                <a:ea typeface="微软雅黑" panose="020B0503020204020204" pitchFamily="34" charset="-122"/>
+              </a:rPr>
+              <a:t>GPU </a:t>
+            </a:r>
+            <a:r>
+              <a:rPr lang="zh-CN" altLang="en-US" b="1" dirty="0" smtClean="0">
+                <a:solidFill>
+                  <a:schemeClr val="tx2">
+                    <a:lumMod val="60000"/>
+                    <a:lumOff val="40000"/>
+                  </a:schemeClr>
+                </a:solidFill>
+                <a:latin typeface="微软雅黑" panose="020B0503020204020204" pitchFamily="34" charset="-122"/>
+                <a:ea typeface="微软雅黑" panose="020B0503020204020204" pitchFamily="34" charset="-122"/>
+              </a:rPr>
+              <a:t>加速相关的类库</a:t>
+            </a:r>
+            <a:endParaRPr lang="zh-CN" altLang="en-US" b="1" dirty="0">
+              <a:solidFill>
+                <a:schemeClr val="tx2">
+                  <a:lumMod val="60000"/>
+                  <a:lumOff val="40000"/>
+                </a:schemeClr>
+              </a:solidFill>
+              <a:latin typeface="微软雅黑" panose="020B0503020204020204" pitchFamily="34" charset="-122"/>
+              <a:ea typeface="微软雅黑" panose="020B0503020204020204" pitchFamily="34" charset="-122"/>
+            </a:endParaRPr>
+          </a:p>
+        </p:txBody>
+      </p:sp>
+      <p:sp>
+        <p:nvSpPr>
+          <p:cNvPr id="11" name="文本框 10"/>
+          <p:cNvSpPr txBox="1"/>
+          <p:nvPr/>
+        </p:nvSpPr>
+        <p:spPr>
+          <a:xfrm>
+            <a:off x="1946663" y="3844245"/>
+            <a:ext cx="2028953" cy="646331"/>
+          </a:xfrm>
+          <a:prstGeom prst="rect">
+            <a:avLst/>
+          </a:prstGeom>
+          <a:noFill/>
+        </p:spPr>
+        <p:txBody>
+          <a:bodyPr wrap="none" rtlCol="0">
+            <a:spAutoFit/>
+          </a:bodyPr>
+          <a:lstStyle/>
+          <a:p>
+            <a:r>
+              <a:rPr lang="en-US" altLang="zh-CN" b="1" dirty="0" smtClean="0">
+                <a:solidFill>
+                  <a:schemeClr val="accent6">
+                    <a:lumMod val="75000"/>
+                  </a:schemeClr>
+                </a:solidFill>
+                <a:latin typeface="微软雅黑" panose="020B0503020204020204" pitchFamily="34" charset="-122"/>
+                <a:ea typeface="微软雅黑" panose="020B0503020204020204" pitchFamily="34" charset="-122"/>
+              </a:rPr>
+              <a:t>TensorFlow.NET</a:t>
+            </a:r>
+          </a:p>
+          <a:p>
+            <a:r>
+              <a:rPr lang="zh-CN" altLang="en-US" b="1" dirty="0" smtClean="0">
+                <a:solidFill>
+                  <a:schemeClr val="accent6">
+                    <a:lumMod val="75000"/>
+                  </a:schemeClr>
+                </a:solidFill>
+                <a:latin typeface="微软雅黑" panose="020B0503020204020204" pitchFamily="34" charset="-122"/>
+                <a:ea typeface="微软雅黑" panose="020B0503020204020204" pitchFamily="34" charset="-122"/>
+              </a:rPr>
+              <a:t>和系统相关的类库</a:t>
+            </a:r>
+            <a:endParaRPr lang="zh-CN" altLang="en-US" b="1" dirty="0">
+              <a:solidFill>
+                <a:schemeClr val="accent6">
+                  <a:lumMod val="75000"/>
+                </a:schemeClr>
+              </a:solidFill>
+              <a:latin typeface="微软雅黑" panose="020B0503020204020204" pitchFamily="34" charset="-122"/>
+              <a:ea typeface="微软雅黑" panose="020B0503020204020204" pitchFamily="34" charset="-122"/>
+            </a:endParaRPr>
+          </a:p>
+        </p:txBody>
+      </p:sp>
+    </p:spTree>
+    <p:extLst>
+      <p:ext uri="{BB962C8B-B14F-4D97-AF65-F5344CB8AC3E}">
+        <p14:creationId xmlns:p14="http://schemas.microsoft.com/office/powerpoint/2010/main" val="2403442515"/>
+      </p:ext>
+    </p:extLst>
+  </p:cSld>
+  <p:clrMapOvr>
+    <a:masterClrMapping/>
+  </p:clrMapOvr>
+</p:sld>
+</file>
+
+<file path=ppt/slides/slide11.xml><?xml version="1.0" encoding="utf-8"?>
+<p:sld xmlns:a="http://schemas.openxmlformats.org/drawingml/2006/main" xmlns:r="http://schemas.openxmlformats.org/officeDocument/2006/relationships" xmlns:p="http://schemas.openxmlformats.org/presentationml/2006/main">
+  <p:cSld>
+    <p:spTree>
+      <p:nvGrpSpPr>
+        <p:cNvPr id="1" name=""/>
+        <p:cNvGrpSpPr/>
+        <p:nvPr/>
+      </p:nvGrpSpPr>
+      <p:grpSpPr>
+        <a:xfrm>
+          <a:off x="0" y="0"/>
+          <a:ext cx="0" cy="0"/>
+          <a:chOff x="0" y="0"/>
+          <a:chExt cx="0" cy="0"/>
+        </a:xfrm>
+      </p:grpSpPr>
+      <p:pic>
+        <p:nvPicPr>
+          <p:cNvPr id="2" name="图片 1"/>
+          <p:cNvPicPr>
+            <a:picLocks noChangeAspect="1"/>
+          </p:cNvPicPr>
+          <p:nvPr/>
+        </p:nvPicPr>
+        <p:blipFill>
+          <a:blip r:embed="rId2"/>
+          <a:stretch>
+            <a:fillRect/>
+          </a:stretch>
+        </p:blipFill>
+        <p:spPr>
+          <a:xfrm>
+            <a:off x="1331640" y="27672"/>
+            <a:ext cx="5184576" cy="6543234"/>
+          </a:xfrm>
+          <a:prstGeom prst="rect">
+            <a:avLst/>
+          </a:prstGeom>
+        </p:spPr>
+      </p:pic>
+      <p:sp>
+        <p:nvSpPr>
+          <p:cNvPr id="3" name="圆角矩形 2"/>
+          <p:cNvSpPr/>
+          <p:nvPr/>
+        </p:nvSpPr>
+        <p:spPr>
+          <a:xfrm>
+            <a:off x="3213200" y="57448"/>
+            <a:ext cx="1287680" cy="308312"/>
+          </a:xfrm>
+          <a:prstGeom prst="roundRect">
+            <a:avLst>
+              <a:gd name="adj" fmla="val 5499"/>
+            </a:avLst>
+          </a:prstGeom>
+          <a:noFill/>
+          <a:ln>
+            <a:solidFill>
+              <a:schemeClr val="accent6">
+                <a:lumMod val="75000"/>
+              </a:schemeClr>
+            </a:solidFill>
+          </a:ln>
+        </p:spPr>
+        <p:style>
+          <a:lnRef idx="2">
+            <a:schemeClr val="accent1">
+              <a:shade val="50000"/>
+            </a:schemeClr>
+          </a:lnRef>
+          <a:fillRef idx="1">
+            <a:schemeClr val="accent1"/>
+          </a:fillRef>
+          <a:effectRef idx="0">
+            <a:schemeClr val="accent1"/>
+          </a:effectRef>
+          <a:fontRef idx="minor">
+            <a:schemeClr val="lt1"/>
+          </a:fontRef>
+        </p:style>
+        <p:txBody>
+          <a:bodyPr rtlCol="0" anchor="ctr"/>
+          <a:lstStyle/>
+          <a:p>
+            <a:pPr algn="ctr"/>
+            <a:endParaRPr lang="zh-CN" altLang="en-US"/>
+          </a:p>
+        </p:txBody>
+      </p:sp>
+      <p:sp>
+        <p:nvSpPr>
+          <p:cNvPr id="4" name="圆角矩形 3"/>
+          <p:cNvSpPr/>
+          <p:nvPr/>
+        </p:nvSpPr>
+        <p:spPr>
+          <a:xfrm>
+            <a:off x="2044800" y="1195368"/>
+            <a:ext cx="2019200" cy="1700232"/>
+          </a:xfrm>
+          <a:prstGeom prst="roundRect">
+            <a:avLst>
+              <a:gd name="adj" fmla="val 5499"/>
+            </a:avLst>
+          </a:prstGeom>
+          <a:noFill/>
+          <a:ln>
+            <a:solidFill>
+              <a:schemeClr val="accent1">
+                <a:lumMod val="60000"/>
+                <a:lumOff val="40000"/>
+              </a:schemeClr>
+            </a:solidFill>
+          </a:ln>
+        </p:spPr>
+        <p:style>
+          <a:lnRef idx="2">
+            <a:schemeClr val="accent1">
+              <a:shade val="50000"/>
+            </a:schemeClr>
+          </a:lnRef>
+          <a:fillRef idx="1">
+            <a:schemeClr val="accent1"/>
+          </a:fillRef>
+          <a:effectRef idx="0">
+            <a:schemeClr val="accent1"/>
+          </a:effectRef>
+          <a:fontRef idx="minor">
+            <a:schemeClr val="lt1"/>
+          </a:fontRef>
+        </p:style>
+        <p:txBody>
+          <a:bodyPr rtlCol="0" anchor="ctr"/>
+          <a:lstStyle/>
+          <a:p>
+            <a:pPr algn="ctr"/>
+            <a:endParaRPr lang="zh-CN" altLang="en-US"/>
+          </a:p>
+        </p:txBody>
+      </p:sp>
+      <p:sp>
+        <p:nvSpPr>
+          <p:cNvPr id="5" name="文本框 4"/>
+          <p:cNvSpPr txBox="1"/>
+          <p:nvPr/>
+        </p:nvSpPr>
+        <p:spPr>
+          <a:xfrm>
+            <a:off x="4114353" y="1860818"/>
+            <a:ext cx="1774845" cy="369332"/>
+          </a:xfrm>
+          <a:prstGeom prst="rect">
+            <a:avLst/>
+          </a:prstGeom>
+          <a:noFill/>
+        </p:spPr>
+        <p:txBody>
+          <a:bodyPr wrap="none" rtlCol="0">
+            <a:spAutoFit/>
+          </a:bodyPr>
+          <a:lstStyle/>
+          <a:p>
+            <a:r>
+              <a:rPr lang="zh-CN" altLang="en-US" b="1" dirty="0" smtClean="0">
+                <a:solidFill>
+                  <a:schemeClr val="tx2">
+                    <a:lumMod val="60000"/>
+                    <a:lumOff val="40000"/>
+                  </a:schemeClr>
+                </a:solidFill>
+                <a:latin typeface="微软雅黑" panose="020B0503020204020204" pitchFamily="34" charset="-122"/>
+                <a:ea typeface="微软雅黑" panose="020B0503020204020204" pitchFamily="34" charset="-122"/>
+              </a:rPr>
+              <a:t>缺少的</a:t>
+            </a:r>
+            <a:r>
+              <a:rPr lang="en-US" altLang="zh-CN" b="1" dirty="0" smtClean="0">
+                <a:solidFill>
+                  <a:schemeClr val="tx2">
+                    <a:lumMod val="60000"/>
+                    <a:lumOff val="40000"/>
+                  </a:schemeClr>
+                </a:solidFill>
+                <a:latin typeface="微软雅黑" panose="020B0503020204020204" pitchFamily="34" charset="-122"/>
+                <a:ea typeface="微软雅黑" panose="020B0503020204020204" pitchFamily="34" charset="-122"/>
+              </a:rPr>
+              <a:t>DLL</a:t>
+            </a:r>
+            <a:r>
+              <a:rPr lang="zh-CN" altLang="en-US" b="1" dirty="0" smtClean="0">
+                <a:solidFill>
+                  <a:schemeClr val="tx2">
+                    <a:lumMod val="60000"/>
+                    <a:lumOff val="40000"/>
+                  </a:schemeClr>
+                </a:solidFill>
+                <a:latin typeface="微软雅黑" panose="020B0503020204020204" pitchFamily="34" charset="-122"/>
+                <a:ea typeface="微软雅黑" panose="020B0503020204020204" pitchFamily="34" charset="-122"/>
+              </a:rPr>
+              <a:t>文件</a:t>
+            </a:r>
+            <a:endParaRPr lang="zh-CN" altLang="en-US" b="1" dirty="0">
+              <a:solidFill>
+                <a:schemeClr val="tx2">
+                  <a:lumMod val="60000"/>
+                  <a:lumOff val="40000"/>
+                </a:schemeClr>
+              </a:solidFill>
+              <a:latin typeface="微软雅黑" panose="020B0503020204020204" pitchFamily="34" charset="-122"/>
+              <a:ea typeface="微软雅黑" panose="020B0503020204020204" pitchFamily="34" charset="-122"/>
+            </a:endParaRPr>
+          </a:p>
+        </p:txBody>
+      </p:sp>
+      <p:sp>
+        <p:nvSpPr>
+          <p:cNvPr id="6" name="文本框 5"/>
+          <p:cNvSpPr txBox="1"/>
+          <p:nvPr/>
+        </p:nvSpPr>
+        <p:spPr>
+          <a:xfrm>
+            <a:off x="4500880" y="26938"/>
+            <a:ext cx="1774845" cy="369332"/>
+          </a:xfrm>
+          <a:prstGeom prst="rect">
+            <a:avLst/>
+          </a:prstGeom>
+          <a:noFill/>
+        </p:spPr>
+        <p:txBody>
+          <a:bodyPr wrap="none" rtlCol="0">
+            <a:spAutoFit/>
+          </a:bodyPr>
+          <a:lstStyle/>
+          <a:p>
+            <a:r>
+              <a:rPr lang="zh-CN" altLang="en-US" b="1" dirty="0" smtClean="0">
+                <a:solidFill>
+                  <a:schemeClr val="accent6">
+                    <a:lumMod val="75000"/>
+                  </a:schemeClr>
+                </a:solidFill>
+                <a:latin typeface="微软雅黑" panose="020B0503020204020204" pitchFamily="34" charset="-122"/>
+                <a:ea typeface="微软雅黑" panose="020B0503020204020204" pitchFamily="34" charset="-122"/>
+              </a:rPr>
+              <a:t>分析的</a:t>
+            </a:r>
+            <a:r>
+              <a:rPr lang="en-US" altLang="zh-CN" b="1" dirty="0" smtClean="0">
+                <a:solidFill>
+                  <a:schemeClr val="accent6">
+                    <a:lumMod val="75000"/>
+                  </a:schemeClr>
+                </a:solidFill>
+                <a:latin typeface="微软雅黑" panose="020B0503020204020204" pitchFamily="34" charset="-122"/>
+                <a:ea typeface="微软雅黑" panose="020B0503020204020204" pitchFamily="34" charset="-122"/>
+              </a:rPr>
+              <a:t>DLL</a:t>
+            </a:r>
+            <a:r>
+              <a:rPr lang="zh-CN" altLang="en-US" b="1" dirty="0" smtClean="0">
+                <a:solidFill>
+                  <a:schemeClr val="accent6">
+                    <a:lumMod val="75000"/>
+                  </a:schemeClr>
+                </a:solidFill>
+                <a:latin typeface="微软雅黑" panose="020B0503020204020204" pitchFamily="34" charset="-122"/>
+                <a:ea typeface="微软雅黑" panose="020B0503020204020204" pitchFamily="34" charset="-122"/>
+              </a:rPr>
+              <a:t>文件</a:t>
+            </a:r>
+            <a:endParaRPr lang="zh-CN" altLang="en-US" b="1" dirty="0">
+              <a:solidFill>
+                <a:schemeClr val="accent6">
+                  <a:lumMod val="75000"/>
+                </a:schemeClr>
+              </a:solidFill>
+              <a:latin typeface="微软雅黑" panose="020B0503020204020204" pitchFamily="34" charset="-122"/>
+              <a:ea typeface="微软雅黑" panose="020B0503020204020204" pitchFamily="34" charset="-122"/>
+            </a:endParaRPr>
+          </a:p>
+        </p:txBody>
+      </p:sp>
+    </p:spTree>
+    <p:extLst>
+      <p:ext uri="{BB962C8B-B14F-4D97-AF65-F5344CB8AC3E}">
+        <p14:creationId xmlns:p14="http://schemas.microsoft.com/office/powerpoint/2010/main" val="2053646008"/>
+      </p:ext>
+    </p:extLst>
+  </p:cSld>
+  <p:clrMapOvr>
+    <a:masterClrMapping/>
+  </p:clrMapOvr>
+</p:sld>
+</file>
+
+<file path=ppt/slides/slide12.xml><?xml version="1.0" encoding="utf-8"?>
+<p:sld xmlns:a="http://schemas.openxmlformats.org/drawingml/2006/main" xmlns:r="http://schemas.openxmlformats.org/officeDocument/2006/relationships" xmlns:p="http://schemas.openxmlformats.org/presentationml/2006/main">
+  <p:cSld>
+    <p:spTree>
+      <p:nvGrpSpPr>
+        <p:cNvPr id="1" name=""/>
+        <p:cNvGrpSpPr/>
+        <p:nvPr/>
+      </p:nvGrpSpPr>
+      <p:grpSpPr>
+        <a:xfrm>
+          <a:off x="0" y="0"/>
+          <a:ext cx="0" cy="0"/>
+          <a:chOff x="0" y="0"/>
+          <a:chExt cx="0" cy="0"/>
+        </a:xfrm>
+      </p:grpSpPr>
+      <p:pic>
+        <p:nvPicPr>
           <p:cNvPr id="2" name="图片 1"/>
           <p:cNvPicPr>
             <a:picLocks noChangeAspect="1"/>
@@ -4206,7 +4827,7 @@
 </p:sld>
 </file>
 
-<file path=ppt/slides/slide11.xml><?xml version="1.0" encoding="utf-8"?>
+<file path=ppt/slides/slide13.xml><?xml version="1.0" encoding="utf-8"?>
 <p:sld xmlns:a="http://schemas.openxmlformats.org/drawingml/2006/main" xmlns:r="http://schemas.openxmlformats.org/officeDocument/2006/relationships" xmlns:p="http://schemas.openxmlformats.org/presentationml/2006/main">
   <p:cSld>
     <p:spTree>
@@ -4380,7 +5001,7 @@
 </p:sld>
 </file>
 
-<file path=ppt/slides/slide12.xml><?xml version="1.0" encoding="utf-8"?>
+<file path=ppt/slides/slide14.xml><?xml version="1.0" encoding="utf-8"?>
 <p:sld xmlns:a="http://schemas.openxmlformats.org/drawingml/2006/main" xmlns:r="http://schemas.openxmlformats.org/officeDocument/2006/relationships" xmlns:p="http://schemas.openxmlformats.org/presentationml/2006/main">
   <p:cSld>
     <p:spTree>
@@ -4410,7 +5031,7 @@
 </p:sld>
 </file>
 
-<file path=ppt/slides/slide13.xml><?xml version="1.0" encoding="utf-8"?>
+<file path=ppt/slides/slide15.xml><?xml version="1.0" encoding="utf-8"?>
 <p:sld xmlns:a="http://schemas.openxmlformats.org/drawingml/2006/main" xmlns:r="http://schemas.openxmlformats.org/officeDocument/2006/relationships" xmlns:p="http://schemas.openxmlformats.org/presentationml/2006/main">
   <p:cSld>
     <p:spTree>
@@ -4440,7 +5061,7 @@
 </p:sld>
 </file>
 
-<file path=ppt/slides/slide14.xml><?xml version="1.0" encoding="utf-8"?>
+<file path=ppt/slides/slide16.xml><?xml version="1.0" encoding="utf-8"?>
 <p:sld xmlns:a="http://schemas.openxmlformats.org/drawingml/2006/main" xmlns:r="http://schemas.openxmlformats.org/officeDocument/2006/relationships" xmlns:p="http://schemas.openxmlformats.org/presentationml/2006/main">
   <p:cSld>
     <p:spTree>
@@ -4471,6 +5092,7488 @@
 </file>
 
 <file path=ppt/slides/slide2.xml><?xml version="1.0" encoding="utf-8"?>
+<p:sld xmlns:a="http://schemas.openxmlformats.org/drawingml/2006/main" xmlns:r="http://schemas.openxmlformats.org/officeDocument/2006/relationships" xmlns:p="http://schemas.openxmlformats.org/presentationml/2006/main">
+  <p:cSld>
+    <p:spTree>
+      <p:nvGrpSpPr>
+        <p:cNvPr id="1" name=""/>
+        <p:cNvGrpSpPr/>
+        <p:nvPr/>
+      </p:nvGrpSpPr>
+      <p:grpSpPr>
+        <a:xfrm>
+          <a:off x="0" y="0"/>
+          <a:ext cx="0" cy="0"/>
+          <a:chOff x="0" y="0"/>
+          <a:chExt cx="0" cy="0"/>
+        </a:xfrm>
+      </p:grpSpPr>
+      <p:pic>
+        <p:nvPicPr>
+          <p:cNvPr id="4" name="图片 3"/>
+          <p:cNvPicPr>
+            <a:picLocks noChangeAspect="1"/>
+          </p:cNvPicPr>
+          <p:nvPr/>
+        </p:nvPicPr>
+        <p:blipFill>
+          <a:blip r:embed="rId2"/>
+          <a:stretch>
+            <a:fillRect/>
+          </a:stretch>
+        </p:blipFill>
+        <p:spPr>
+          <a:xfrm>
+            <a:off x="6300192" y="340750"/>
+            <a:ext cx="5959356" cy="1973751"/>
+          </a:xfrm>
+          <a:prstGeom prst="rect">
+            <a:avLst/>
+          </a:prstGeom>
+        </p:spPr>
+      </p:pic>
+      <p:graphicFrame>
+        <p:nvGraphicFramePr>
+          <p:cNvPr id="5" name="表格 4"/>
+          <p:cNvGraphicFramePr>
+            <a:graphicFrameLocks noGrp="1"/>
+          </p:cNvGraphicFramePr>
+          <p:nvPr>
+            <p:extLst>
+              <p:ext uri="{D42A27DB-BD31-4B8C-83A1-F6EECF244321}">
+                <p14:modId xmlns:p14="http://schemas.microsoft.com/office/powerpoint/2010/main" val="671705439"/>
+              </p:ext>
+            </p:extLst>
+          </p:nvPr>
+        </p:nvGraphicFramePr>
+        <p:xfrm>
+          <a:off x="467544" y="620688"/>
+          <a:ext cx="2932570" cy="1112520"/>
+        </p:xfrm>
+        <a:graphic>
+          <a:graphicData uri="http://schemas.openxmlformats.org/drawingml/2006/table">
+            <a:tbl>
+              <a:tblPr firstRow="1" bandRow="1">
+                <a:tableStyleId>{5C22544A-7EE6-4342-B048-85BDC9FD1C3A}</a:tableStyleId>
+              </a:tblPr>
+              <a:tblGrid>
+                <a:gridCol w="763270">
+                  <a:extLst>
+                    <a:ext uri="{9D8B030D-6E8A-4147-A177-3AD203B41FA5}">
+                      <a16:colId xmlns:a16="http://schemas.microsoft.com/office/drawing/2014/main" val="3326979791"/>
+                    </a:ext>
+                  </a:extLst>
+                </a:gridCol>
+                <a:gridCol w="542325">
+                  <a:extLst>
+                    <a:ext uri="{9D8B030D-6E8A-4147-A177-3AD203B41FA5}">
+                      <a16:colId xmlns:a16="http://schemas.microsoft.com/office/drawing/2014/main" val="637607070"/>
+                    </a:ext>
+                  </a:extLst>
+                </a:gridCol>
+                <a:gridCol w="542325">
+                  <a:extLst>
+                    <a:ext uri="{9D8B030D-6E8A-4147-A177-3AD203B41FA5}">
+                      <a16:colId xmlns:a16="http://schemas.microsoft.com/office/drawing/2014/main" val="1695508235"/>
+                    </a:ext>
+                  </a:extLst>
+                </a:gridCol>
+                <a:gridCol w="542325">
+                  <a:extLst>
+                    <a:ext uri="{9D8B030D-6E8A-4147-A177-3AD203B41FA5}">
+                      <a16:colId xmlns:a16="http://schemas.microsoft.com/office/drawing/2014/main" val="1870987448"/>
+                    </a:ext>
+                  </a:extLst>
+                </a:gridCol>
+                <a:gridCol w="542325">
+                  <a:extLst>
+                    <a:ext uri="{9D8B030D-6E8A-4147-A177-3AD203B41FA5}">
+                      <a16:colId xmlns:a16="http://schemas.microsoft.com/office/drawing/2014/main" val="324699617"/>
+                    </a:ext>
+                  </a:extLst>
+                </a:gridCol>
+              </a:tblGrid>
+              <a:tr h="370840">
+                <a:tc>
+                  <a:txBody>
+                    <a:bodyPr/>
+                    <a:lstStyle/>
+                    <a:p>
+                      <a:pPr algn="ctr"/>
+                      <a:r>
+                        <a:rPr lang="en-US" altLang="zh-CN" sz="1400" b="1" dirty="0" smtClean="0">
+                          <a:solidFill>
+                            <a:schemeClr val="tx1"/>
+                          </a:solidFill>
+                          <a:effectLst/>
+                          <a:latin typeface="Arial" panose="020B0604020202020204" pitchFamily="34" charset="0"/>
+                          <a:cs typeface="Arial" panose="020B0604020202020204" pitchFamily="34" charset="0"/>
+                        </a:rPr>
+                        <a:t>axis:</a:t>
+                      </a:r>
+                      <a:endParaRPr lang="zh-CN" altLang="en-US" sz="1400" b="1" dirty="0">
+                        <a:solidFill>
+                          <a:schemeClr val="tx1"/>
+                        </a:solidFill>
+                        <a:effectLst/>
+                        <a:latin typeface="Arial" panose="020B0604020202020204" pitchFamily="34" charset="0"/>
+                        <a:cs typeface="Arial" panose="020B0604020202020204" pitchFamily="34" charset="0"/>
+                      </a:endParaRPr>
+                    </a:p>
+                  </a:txBody>
+                  <a:tcPr anchor="ctr">
+                    <a:lnL w="12700" cap="flat" cmpd="sng" algn="ctr">
+                      <a:solidFill>
+                        <a:schemeClr val="tx1"/>
+                      </a:solidFill>
+                      <a:prstDash val="solid"/>
+                      <a:round/>
+                      <a:headEnd type="none" w="med" len="med"/>
+                      <a:tailEnd type="none" w="med" len="med"/>
+                    </a:lnL>
+                    <a:lnR w="12700" cap="flat" cmpd="sng" algn="ctr">
+                      <a:solidFill>
+                        <a:schemeClr val="tx1"/>
+                      </a:solidFill>
+                      <a:prstDash val="solid"/>
+                      <a:round/>
+                      <a:headEnd type="none" w="med" len="med"/>
+                      <a:tailEnd type="none" w="med" len="med"/>
+                    </a:lnR>
+                    <a:lnT w="12700" cap="flat" cmpd="sng" algn="ctr">
+                      <a:solidFill>
+                        <a:schemeClr val="tx1"/>
+                      </a:solidFill>
+                      <a:prstDash val="solid"/>
+                      <a:round/>
+                      <a:headEnd type="none" w="med" len="med"/>
+                      <a:tailEnd type="none" w="med" len="med"/>
+                    </a:lnT>
+                    <a:lnB w="12700" cap="flat" cmpd="sng" algn="ctr">
+                      <a:solidFill>
+                        <a:schemeClr val="tx1"/>
+                      </a:solidFill>
+                      <a:prstDash val="solid"/>
+                      <a:round/>
+                      <a:headEnd type="none" w="med" len="med"/>
+                      <a:tailEnd type="none" w="med" len="med"/>
+                    </a:lnB>
+                    <a:solidFill>
+                      <a:schemeClr val="accent6">
+                        <a:lumMod val="20000"/>
+                        <a:lumOff val="80000"/>
+                      </a:schemeClr>
+                    </a:solidFill>
+                  </a:tcPr>
+                </a:tc>
+                <a:tc>
+                  <a:txBody>
+                    <a:bodyPr/>
+                    <a:lstStyle/>
+                    <a:p>
+                      <a:pPr algn="ctr"/>
+                      <a:r>
+                        <a:rPr lang="en-US" altLang="zh-CN" sz="1400" b="1" dirty="0" smtClean="0">
+                          <a:solidFill>
+                            <a:schemeClr val="tx1"/>
+                          </a:solidFill>
+                          <a:effectLst/>
+                          <a:latin typeface="Arial" panose="020B0604020202020204" pitchFamily="34" charset="0"/>
+                          <a:cs typeface="Arial" panose="020B0604020202020204" pitchFamily="34" charset="0"/>
+                        </a:rPr>
+                        <a:t>0</a:t>
+                      </a:r>
+                      <a:endParaRPr lang="zh-CN" altLang="en-US" sz="1400" b="1" dirty="0">
+                        <a:solidFill>
+                          <a:schemeClr val="tx1"/>
+                        </a:solidFill>
+                        <a:effectLst/>
+                        <a:latin typeface="Arial" panose="020B0604020202020204" pitchFamily="34" charset="0"/>
+                        <a:cs typeface="Arial" panose="020B0604020202020204" pitchFamily="34" charset="0"/>
+                      </a:endParaRPr>
+                    </a:p>
+                  </a:txBody>
+                  <a:tcPr anchor="ctr">
+                    <a:lnL w="12700" cap="flat" cmpd="sng" algn="ctr">
+                      <a:solidFill>
+                        <a:schemeClr val="tx1"/>
+                      </a:solidFill>
+                      <a:prstDash val="solid"/>
+                      <a:round/>
+                      <a:headEnd type="none" w="med" len="med"/>
+                      <a:tailEnd type="none" w="med" len="med"/>
+                    </a:lnL>
+                    <a:lnR w="12700" cap="flat" cmpd="sng" algn="ctr">
+                      <a:solidFill>
+                        <a:schemeClr val="tx1"/>
+                      </a:solidFill>
+                      <a:prstDash val="solid"/>
+                      <a:round/>
+                      <a:headEnd type="none" w="med" len="med"/>
+                      <a:tailEnd type="none" w="med" len="med"/>
+                    </a:lnR>
+                    <a:lnT w="12700" cap="flat" cmpd="sng" algn="ctr">
+                      <a:solidFill>
+                        <a:schemeClr val="tx1"/>
+                      </a:solidFill>
+                      <a:prstDash val="solid"/>
+                      <a:round/>
+                      <a:headEnd type="none" w="med" len="med"/>
+                      <a:tailEnd type="none" w="med" len="med"/>
+                    </a:lnT>
+                    <a:lnB w="12700" cap="flat" cmpd="sng" algn="ctr">
+                      <a:solidFill>
+                        <a:schemeClr val="tx1"/>
+                      </a:solidFill>
+                      <a:prstDash val="solid"/>
+                      <a:round/>
+                      <a:headEnd type="none" w="med" len="med"/>
+                      <a:tailEnd type="none" w="med" len="med"/>
+                    </a:lnB>
+                    <a:solidFill>
+                      <a:schemeClr val="accent6">
+                        <a:lumMod val="20000"/>
+                        <a:lumOff val="80000"/>
+                      </a:schemeClr>
+                    </a:solidFill>
+                  </a:tcPr>
+                </a:tc>
+                <a:tc>
+                  <a:txBody>
+                    <a:bodyPr/>
+                    <a:lstStyle/>
+                    <a:p>
+                      <a:pPr algn="ctr"/>
+                      <a:r>
+                        <a:rPr lang="en-US" altLang="zh-CN" sz="1400" b="1" dirty="0" smtClean="0">
+                          <a:solidFill>
+                            <a:schemeClr val="tx1"/>
+                          </a:solidFill>
+                          <a:effectLst/>
+                          <a:latin typeface="Arial" panose="020B0604020202020204" pitchFamily="34" charset="0"/>
+                          <a:cs typeface="Arial" panose="020B0604020202020204" pitchFamily="34" charset="0"/>
+                        </a:rPr>
+                        <a:t>1</a:t>
+                      </a:r>
+                      <a:endParaRPr lang="zh-CN" altLang="en-US" sz="1400" b="1" dirty="0">
+                        <a:solidFill>
+                          <a:schemeClr val="tx1"/>
+                        </a:solidFill>
+                        <a:effectLst/>
+                        <a:latin typeface="Arial" panose="020B0604020202020204" pitchFamily="34" charset="0"/>
+                        <a:cs typeface="Arial" panose="020B0604020202020204" pitchFamily="34" charset="0"/>
+                      </a:endParaRPr>
+                    </a:p>
+                  </a:txBody>
+                  <a:tcPr anchor="ctr">
+                    <a:lnL w="12700" cap="flat" cmpd="sng" algn="ctr">
+                      <a:solidFill>
+                        <a:schemeClr val="tx1"/>
+                      </a:solidFill>
+                      <a:prstDash val="solid"/>
+                      <a:round/>
+                      <a:headEnd type="none" w="med" len="med"/>
+                      <a:tailEnd type="none" w="med" len="med"/>
+                    </a:lnL>
+                    <a:lnR w="12700" cap="flat" cmpd="sng" algn="ctr">
+                      <a:solidFill>
+                        <a:schemeClr val="tx1"/>
+                      </a:solidFill>
+                      <a:prstDash val="solid"/>
+                      <a:round/>
+                      <a:headEnd type="none" w="med" len="med"/>
+                      <a:tailEnd type="none" w="med" len="med"/>
+                    </a:lnR>
+                    <a:lnT w="12700" cap="flat" cmpd="sng" algn="ctr">
+                      <a:solidFill>
+                        <a:schemeClr val="tx1"/>
+                      </a:solidFill>
+                      <a:prstDash val="solid"/>
+                      <a:round/>
+                      <a:headEnd type="none" w="med" len="med"/>
+                      <a:tailEnd type="none" w="med" len="med"/>
+                    </a:lnT>
+                    <a:lnB w="12700" cap="flat" cmpd="sng" algn="ctr">
+                      <a:solidFill>
+                        <a:schemeClr val="tx1"/>
+                      </a:solidFill>
+                      <a:prstDash val="solid"/>
+                      <a:round/>
+                      <a:headEnd type="none" w="med" len="med"/>
+                      <a:tailEnd type="none" w="med" len="med"/>
+                    </a:lnB>
+                    <a:solidFill>
+                      <a:schemeClr val="accent6">
+                        <a:lumMod val="20000"/>
+                        <a:lumOff val="80000"/>
+                      </a:schemeClr>
+                    </a:solidFill>
+                  </a:tcPr>
+                </a:tc>
+                <a:tc>
+                  <a:txBody>
+                    <a:bodyPr/>
+                    <a:lstStyle/>
+                    <a:p>
+                      <a:pPr algn="ctr"/>
+                      <a:r>
+                        <a:rPr lang="en-US" altLang="zh-CN" sz="1400" b="1" dirty="0" smtClean="0">
+                          <a:solidFill>
+                            <a:schemeClr val="tx1"/>
+                          </a:solidFill>
+                          <a:effectLst/>
+                          <a:latin typeface="Arial" panose="020B0604020202020204" pitchFamily="34" charset="0"/>
+                          <a:cs typeface="Arial" panose="020B0604020202020204" pitchFamily="34" charset="0"/>
+                        </a:rPr>
+                        <a:t>2</a:t>
+                      </a:r>
+                      <a:endParaRPr lang="zh-CN" altLang="en-US" sz="1400" b="1" dirty="0">
+                        <a:solidFill>
+                          <a:schemeClr val="tx1"/>
+                        </a:solidFill>
+                        <a:effectLst/>
+                        <a:latin typeface="Arial" panose="020B0604020202020204" pitchFamily="34" charset="0"/>
+                        <a:cs typeface="Arial" panose="020B0604020202020204" pitchFamily="34" charset="0"/>
+                      </a:endParaRPr>
+                    </a:p>
+                  </a:txBody>
+                  <a:tcPr anchor="ctr">
+                    <a:lnL w="12700" cap="flat" cmpd="sng" algn="ctr">
+                      <a:solidFill>
+                        <a:schemeClr val="tx1"/>
+                      </a:solidFill>
+                      <a:prstDash val="solid"/>
+                      <a:round/>
+                      <a:headEnd type="none" w="med" len="med"/>
+                      <a:tailEnd type="none" w="med" len="med"/>
+                    </a:lnL>
+                    <a:lnR w="12700" cap="flat" cmpd="sng" algn="ctr">
+                      <a:solidFill>
+                        <a:schemeClr val="tx1"/>
+                      </a:solidFill>
+                      <a:prstDash val="solid"/>
+                      <a:round/>
+                      <a:headEnd type="none" w="med" len="med"/>
+                      <a:tailEnd type="none" w="med" len="med"/>
+                    </a:lnR>
+                    <a:lnT w="12700" cap="flat" cmpd="sng" algn="ctr">
+                      <a:solidFill>
+                        <a:schemeClr val="tx1"/>
+                      </a:solidFill>
+                      <a:prstDash val="solid"/>
+                      <a:round/>
+                      <a:headEnd type="none" w="med" len="med"/>
+                      <a:tailEnd type="none" w="med" len="med"/>
+                    </a:lnT>
+                    <a:lnB w="12700" cap="flat" cmpd="sng" algn="ctr">
+                      <a:solidFill>
+                        <a:schemeClr val="tx1"/>
+                      </a:solidFill>
+                      <a:prstDash val="solid"/>
+                      <a:round/>
+                      <a:headEnd type="none" w="med" len="med"/>
+                      <a:tailEnd type="none" w="med" len="med"/>
+                    </a:lnB>
+                    <a:solidFill>
+                      <a:schemeClr val="accent6">
+                        <a:lumMod val="20000"/>
+                        <a:lumOff val="80000"/>
+                      </a:schemeClr>
+                    </a:solidFill>
+                  </a:tcPr>
+                </a:tc>
+                <a:tc>
+                  <a:txBody>
+                    <a:bodyPr/>
+                    <a:lstStyle/>
+                    <a:p>
+                      <a:pPr algn="ctr"/>
+                      <a:r>
+                        <a:rPr lang="en-US" altLang="zh-CN" sz="1400" b="1" dirty="0" smtClean="0">
+                          <a:solidFill>
+                            <a:schemeClr val="tx1"/>
+                          </a:solidFill>
+                          <a:effectLst/>
+                          <a:latin typeface="Arial" panose="020B0604020202020204" pitchFamily="34" charset="0"/>
+                          <a:cs typeface="Arial" panose="020B0604020202020204" pitchFamily="34" charset="0"/>
+                        </a:rPr>
+                        <a:t>3</a:t>
+                      </a:r>
+                      <a:endParaRPr lang="zh-CN" altLang="en-US" sz="1400" b="1" dirty="0">
+                        <a:solidFill>
+                          <a:schemeClr val="tx1"/>
+                        </a:solidFill>
+                        <a:effectLst/>
+                        <a:latin typeface="Arial" panose="020B0604020202020204" pitchFamily="34" charset="0"/>
+                        <a:cs typeface="Arial" panose="020B0604020202020204" pitchFamily="34" charset="0"/>
+                      </a:endParaRPr>
+                    </a:p>
+                  </a:txBody>
+                  <a:tcPr anchor="ctr">
+                    <a:lnL w="12700" cap="flat" cmpd="sng" algn="ctr">
+                      <a:solidFill>
+                        <a:schemeClr val="tx1"/>
+                      </a:solidFill>
+                      <a:prstDash val="solid"/>
+                      <a:round/>
+                      <a:headEnd type="none" w="med" len="med"/>
+                      <a:tailEnd type="none" w="med" len="med"/>
+                    </a:lnL>
+                    <a:lnR w="12700" cap="flat" cmpd="sng" algn="ctr">
+                      <a:solidFill>
+                        <a:schemeClr val="tx1"/>
+                      </a:solidFill>
+                      <a:prstDash val="solid"/>
+                      <a:round/>
+                      <a:headEnd type="none" w="med" len="med"/>
+                      <a:tailEnd type="none" w="med" len="med"/>
+                    </a:lnR>
+                    <a:lnT w="12700" cap="flat" cmpd="sng" algn="ctr">
+                      <a:solidFill>
+                        <a:schemeClr val="tx1"/>
+                      </a:solidFill>
+                      <a:prstDash val="solid"/>
+                      <a:round/>
+                      <a:headEnd type="none" w="med" len="med"/>
+                      <a:tailEnd type="none" w="med" len="med"/>
+                    </a:lnT>
+                    <a:lnB w="12700" cap="flat" cmpd="sng" algn="ctr">
+                      <a:solidFill>
+                        <a:schemeClr val="tx1"/>
+                      </a:solidFill>
+                      <a:prstDash val="solid"/>
+                      <a:round/>
+                      <a:headEnd type="none" w="med" len="med"/>
+                      <a:tailEnd type="none" w="med" len="med"/>
+                    </a:lnB>
+                    <a:solidFill>
+                      <a:schemeClr val="accent6">
+                        <a:lumMod val="20000"/>
+                        <a:lumOff val="80000"/>
+                      </a:schemeClr>
+                    </a:solidFill>
+                  </a:tcPr>
+                </a:tc>
+                <a:extLst>
+                  <a:ext uri="{0D108BD9-81ED-4DB2-BD59-A6C34878D82A}">
+                    <a16:rowId xmlns:a16="http://schemas.microsoft.com/office/drawing/2014/main" val="798814532"/>
+                  </a:ext>
+                </a:extLst>
+              </a:tr>
+              <a:tr h="370840">
+                <a:tc>
+                  <a:txBody>
+                    <a:bodyPr/>
+                    <a:lstStyle/>
+                    <a:p>
+                      <a:pPr algn="ctr"/>
+                      <a:r>
+                        <a:rPr lang="en-US" altLang="zh-CN" sz="1400" b="1" dirty="0" smtClean="0">
+                          <a:solidFill>
+                            <a:schemeClr val="tx1"/>
+                          </a:solidFill>
+                          <a:effectLst/>
+                          <a:latin typeface="Arial" panose="020B0604020202020204" pitchFamily="34" charset="0"/>
+                          <a:cs typeface="Arial" panose="020B0604020202020204" pitchFamily="34" charset="0"/>
+                        </a:rPr>
+                        <a:t>A</a:t>
+                      </a:r>
+                      <a:endParaRPr lang="zh-CN" altLang="en-US" sz="1400" b="1" dirty="0">
+                        <a:solidFill>
+                          <a:schemeClr val="tx1"/>
+                        </a:solidFill>
+                        <a:effectLst/>
+                        <a:latin typeface="Arial" panose="020B0604020202020204" pitchFamily="34" charset="0"/>
+                        <a:cs typeface="Arial" panose="020B0604020202020204" pitchFamily="34" charset="0"/>
+                      </a:endParaRPr>
+                    </a:p>
+                  </a:txBody>
+                  <a:tcPr anchor="ctr">
+                    <a:lnL w="12700" cap="flat" cmpd="sng" algn="ctr">
+                      <a:solidFill>
+                        <a:schemeClr val="tx1"/>
+                      </a:solidFill>
+                      <a:prstDash val="solid"/>
+                      <a:round/>
+                      <a:headEnd type="none" w="med" len="med"/>
+                      <a:tailEnd type="none" w="med" len="med"/>
+                    </a:lnL>
+                    <a:lnR w="12700" cap="flat" cmpd="sng" algn="ctr">
+                      <a:solidFill>
+                        <a:schemeClr val="tx1"/>
+                      </a:solidFill>
+                      <a:prstDash val="solid"/>
+                      <a:round/>
+                      <a:headEnd type="none" w="med" len="med"/>
+                      <a:tailEnd type="none" w="med" len="med"/>
+                    </a:lnR>
+                    <a:lnT w="12700" cap="flat" cmpd="sng" algn="ctr">
+                      <a:solidFill>
+                        <a:schemeClr val="tx1"/>
+                      </a:solidFill>
+                      <a:prstDash val="solid"/>
+                      <a:round/>
+                      <a:headEnd type="none" w="med" len="med"/>
+                      <a:tailEnd type="none" w="med" len="med"/>
+                    </a:lnT>
+                    <a:lnB w="12700" cap="flat" cmpd="sng" algn="ctr">
+                      <a:solidFill>
+                        <a:schemeClr val="tx1"/>
+                      </a:solidFill>
+                      <a:prstDash val="solid"/>
+                      <a:round/>
+                      <a:headEnd type="none" w="med" len="med"/>
+                      <a:tailEnd type="none" w="med" len="med"/>
+                    </a:lnB>
+                    <a:solidFill>
+                      <a:schemeClr val="accent5">
+                        <a:lumMod val="20000"/>
+                        <a:lumOff val="80000"/>
+                      </a:schemeClr>
+                    </a:solidFill>
+                  </a:tcPr>
+                </a:tc>
+                <a:tc>
+                  <a:txBody>
+                    <a:bodyPr/>
+                    <a:lstStyle/>
+                    <a:p>
+                      <a:pPr algn="ctr"/>
+                      <a:r>
+                        <a:rPr lang="en-US" altLang="zh-CN" sz="1400" b="0" i="1" dirty="0" smtClean="0">
+                          <a:solidFill>
+                            <a:schemeClr val="tx1"/>
+                          </a:solidFill>
+                          <a:effectLst/>
+                          <a:latin typeface="Arial" panose="020B0604020202020204" pitchFamily="34" charset="0"/>
+                          <a:cs typeface="Arial" panose="020B0604020202020204" pitchFamily="34" charset="0"/>
+                        </a:rPr>
+                        <a:t>b</a:t>
+                      </a:r>
+                      <a:endParaRPr lang="zh-CN" altLang="en-US" sz="1400" b="0" i="1" dirty="0">
+                        <a:solidFill>
+                          <a:schemeClr val="tx1"/>
+                        </a:solidFill>
+                        <a:effectLst/>
+                        <a:latin typeface="Arial" panose="020B0604020202020204" pitchFamily="34" charset="0"/>
+                        <a:cs typeface="Arial" panose="020B0604020202020204" pitchFamily="34" charset="0"/>
+                      </a:endParaRPr>
+                    </a:p>
+                  </a:txBody>
+                  <a:tcPr anchor="ctr">
+                    <a:lnL w="12700" cap="flat" cmpd="sng" algn="ctr">
+                      <a:solidFill>
+                        <a:schemeClr val="tx1"/>
+                      </a:solidFill>
+                      <a:prstDash val="solid"/>
+                      <a:round/>
+                      <a:headEnd type="none" w="med" len="med"/>
+                      <a:tailEnd type="none" w="med" len="med"/>
+                    </a:lnL>
+                    <a:lnR w="12700" cap="flat" cmpd="sng" algn="ctr">
+                      <a:solidFill>
+                        <a:schemeClr val="tx1"/>
+                      </a:solidFill>
+                      <a:prstDash val="solid"/>
+                      <a:round/>
+                      <a:headEnd type="none" w="med" len="med"/>
+                      <a:tailEnd type="none" w="med" len="med"/>
+                    </a:lnR>
+                    <a:lnT w="12700" cap="flat" cmpd="sng" algn="ctr">
+                      <a:solidFill>
+                        <a:schemeClr val="tx1"/>
+                      </a:solidFill>
+                      <a:prstDash val="solid"/>
+                      <a:round/>
+                      <a:headEnd type="none" w="med" len="med"/>
+                      <a:tailEnd type="none" w="med" len="med"/>
+                    </a:lnT>
+                    <a:lnB w="12700" cap="flat" cmpd="sng" algn="ctr">
+                      <a:solidFill>
+                        <a:schemeClr val="tx1"/>
+                      </a:solidFill>
+                      <a:prstDash val="solid"/>
+                      <a:round/>
+                      <a:headEnd type="none" w="med" len="med"/>
+                      <a:tailEnd type="none" w="med" len="med"/>
+                    </a:lnB>
+                    <a:noFill/>
+                  </a:tcPr>
+                </a:tc>
+                <a:tc>
+                  <a:txBody>
+                    <a:bodyPr/>
+                    <a:lstStyle/>
+                    <a:p>
+                      <a:pPr algn="ctr"/>
+                      <a:r>
+                        <a:rPr lang="en-US" altLang="zh-CN" sz="1400" b="0" i="1" dirty="0" smtClean="0">
+                          <a:solidFill>
+                            <a:schemeClr val="tx1"/>
+                          </a:solidFill>
+                          <a:effectLst/>
+                          <a:latin typeface="Arial" panose="020B0604020202020204" pitchFamily="34" charset="0"/>
+                          <a:cs typeface="Arial" panose="020B0604020202020204" pitchFamily="34" charset="0"/>
+                        </a:rPr>
+                        <a:t>h</a:t>
+                      </a:r>
+                      <a:endParaRPr lang="zh-CN" altLang="en-US" sz="1400" b="0" i="1" dirty="0">
+                        <a:solidFill>
+                          <a:schemeClr val="tx1"/>
+                        </a:solidFill>
+                        <a:effectLst/>
+                        <a:latin typeface="Arial" panose="020B0604020202020204" pitchFamily="34" charset="0"/>
+                        <a:cs typeface="Arial" panose="020B0604020202020204" pitchFamily="34" charset="0"/>
+                      </a:endParaRPr>
+                    </a:p>
+                  </a:txBody>
+                  <a:tcPr anchor="ctr">
+                    <a:lnL w="12700" cap="flat" cmpd="sng" algn="ctr">
+                      <a:solidFill>
+                        <a:schemeClr val="tx1"/>
+                      </a:solidFill>
+                      <a:prstDash val="solid"/>
+                      <a:round/>
+                      <a:headEnd type="none" w="med" len="med"/>
+                      <a:tailEnd type="none" w="med" len="med"/>
+                    </a:lnL>
+                    <a:lnR w="12700" cap="flat" cmpd="sng" algn="ctr">
+                      <a:solidFill>
+                        <a:schemeClr val="tx1"/>
+                      </a:solidFill>
+                      <a:prstDash val="solid"/>
+                      <a:round/>
+                      <a:headEnd type="none" w="med" len="med"/>
+                      <a:tailEnd type="none" w="med" len="med"/>
+                    </a:lnR>
+                    <a:lnT w="12700" cap="flat" cmpd="sng" algn="ctr">
+                      <a:solidFill>
+                        <a:schemeClr val="tx1"/>
+                      </a:solidFill>
+                      <a:prstDash val="solid"/>
+                      <a:round/>
+                      <a:headEnd type="none" w="med" len="med"/>
+                      <a:tailEnd type="none" w="med" len="med"/>
+                    </a:lnT>
+                    <a:lnB w="12700" cap="flat" cmpd="sng" algn="ctr">
+                      <a:solidFill>
+                        <a:schemeClr val="tx1"/>
+                      </a:solidFill>
+                      <a:prstDash val="solid"/>
+                      <a:round/>
+                      <a:headEnd type="none" w="med" len="med"/>
+                      <a:tailEnd type="none" w="med" len="med"/>
+                    </a:lnB>
+                    <a:noFill/>
+                  </a:tcPr>
+                </a:tc>
+                <a:tc>
+                  <a:txBody>
+                    <a:bodyPr/>
+                    <a:lstStyle/>
+                    <a:p>
+                      <a:pPr algn="ctr"/>
+                      <a:r>
+                        <a:rPr lang="en-US" altLang="zh-CN" sz="1400" b="0" i="1" dirty="0" smtClean="0">
+                          <a:solidFill>
+                            <a:schemeClr val="tx1"/>
+                          </a:solidFill>
+                          <a:effectLst/>
+                          <a:latin typeface="Arial" panose="020B0604020202020204" pitchFamily="34" charset="0"/>
+                          <a:cs typeface="Arial" panose="020B0604020202020204" pitchFamily="34" charset="0"/>
+                        </a:rPr>
+                        <a:t>w</a:t>
+                      </a:r>
+                      <a:endParaRPr lang="zh-CN" altLang="en-US" sz="1400" b="0" i="1" dirty="0">
+                        <a:solidFill>
+                          <a:schemeClr val="tx1"/>
+                        </a:solidFill>
+                        <a:effectLst/>
+                        <a:latin typeface="Arial" panose="020B0604020202020204" pitchFamily="34" charset="0"/>
+                        <a:cs typeface="Arial" panose="020B0604020202020204" pitchFamily="34" charset="0"/>
+                      </a:endParaRPr>
+                    </a:p>
+                  </a:txBody>
+                  <a:tcPr anchor="ctr">
+                    <a:lnL w="12700" cap="flat" cmpd="sng" algn="ctr">
+                      <a:solidFill>
+                        <a:schemeClr val="tx1"/>
+                      </a:solidFill>
+                      <a:prstDash val="solid"/>
+                      <a:round/>
+                      <a:headEnd type="none" w="med" len="med"/>
+                      <a:tailEnd type="none" w="med" len="med"/>
+                    </a:lnL>
+                    <a:lnR w="12700" cap="flat" cmpd="sng" algn="ctr">
+                      <a:solidFill>
+                        <a:schemeClr val="tx1"/>
+                      </a:solidFill>
+                      <a:prstDash val="solid"/>
+                      <a:round/>
+                      <a:headEnd type="none" w="med" len="med"/>
+                      <a:tailEnd type="none" w="med" len="med"/>
+                    </a:lnR>
+                    <a:lnT w="12700" cap="flat" cmpd="sng" algn="ctr">
+                      <a:solidFill>
+                        <a:schemeClr val="tx1"/>
+                      </a:solidFill>
+                      <a:prstDash val="solid"/>
+                      <a:round/>
+                      <a:headEnd type="none" w="med" len="med"/>
+                      <a:tailEnd type="none" w="med" len="med"/>
+                    </a:lnT>
+                    <a:lnB w="12700" cap="flat" cmpd="sng" algn="ctr">
+                      <a:solidFill>
+                        <a:schemeClr val="tx1"/>
+                      </a:solidFill>
+                      <a:prstDash val="solid"/>
+                      <a:round/>
+                      <a:headEnd type="none" w="med" len="med"/>
+                      <a:tailEnd type="none" w="med" len="med"/>
+                    </a:lnB>
+                    <a:noFill/>
+                  </a:tcPr>
+                </a:tc>
+                <a:tc>
+                  <a:txBody>
+                    <a:bodyPr/>
+                    <a:lstStyle/>
+                    <a:p>
+                      <a:pPr algn="ctr"/>
+                      <a:r>
+                        <a:rPr lang="en-US" altLang="zh-CN" sz="1400" b="0" i="1" dirty="0" smtClean="0">
+                          <a:solidFill>
+                            <a:schemeClr val="tx1"/>
+                          </a:solidFill>
+                          <a:effectLst/>
+                          <a:latin typeface="Arial" panose="020B0604020202020204" pitchFamily="34" charset="0"/>
+                          <a:cs typeface="Arial" panose="020B0604020202020204" pitchFamily="34" charset="0"/>
+                        </a:rPr>
+                        <a:t>c</a:t>
+                      </a:r>
+                      <a:endParaRPr lang="zh-CN" altLang="en-US" sz="1400" b="0" i="1" dirty="0">
+                        <a:solidFill>
+                          <a:schemeClr val="tx1"/>
+                        </a:solidFill>
+                        <a:effectLst/>
+                        <a:latin typeface="Arial" panose="020B0604020202020204" pitchFamily="34" charset="0"/>
+                        <a:cs typeface="Arial" panose="020B0604020202020204" pitchFamily="34" charset="0"/>
+                      </a:endParaRPr>
+                    </a:p>
+                  </a:txBody>
+                  <a:tcPr anchor="ctr">
+                    <a:lnL w="12700" cap="flat" cmpd="sng" algn="ctr">
+                      <a:solidFill>
+                        <a:schemeClr val="tx1"/>
+                      </a:solidFill>
+                      <a:prstDash val="solid"/>
+                      <a:round/>
+                      <a:headEnd type="none" w="med" len="med"/>
+                      <a:tailEnd type="none" w="med" len="med"/>
+                    </a:lnL>
+                    <a:lnR w="12700" cap="flat" cmpd="sng" algn="ctr">
+                      <a:solidFill>
+                        <a:schemeClr val="tx1"/>
+                      </a:solidFill>
+                      <a:prstDash val="solid"/>
+                      <a:round/>
+                      <a:headEnd type="none" w="med" len="med"/>
+                      <a:tailEnd type="none" w="med" len="med"/>
+                    </a:lnR>
+                    <a:lnT w="12700" cap="flat" cmpd="sng" algn="ctr">
+                      <a:solidFill>
+                        <a:schemeClr val="tx1"/>
+                      </a:solidFill>
+                      <a:prstDash val="solid"/>
+                      <a:round/>
+                      <a:headEnd type="none" w="med" len="med"/>
+                      <a:tailEnd type="none" w="med" len="med"/>
+                    </a:lnT>
+                    <a:lnB w="12700" cap="flat" cmpd="sng" algn="ctr">
+                      <a:solidFill>
+                        <a:schemeClr val="tx1"/>
+                      </a:solidFill>
+                      <a:prstDash val="solid"/>
+                      <a:round/>
+                      <a:headEnd type="none" w="med" len="med"/>
+                      <a:tailEnd type="none" w="med" len="med"/>
+                    </a:lnB>
+                    <a:noFill/>
+                  </a:tcPr>
+                </a:tc>
+                <a:extLst>
+                  <a:ext uri="{0D108BD9-81ED-4DB2-BD59-A6C34878D82A}">
+                    <a16:rowId xmlns:a16="http://schemas.microsoft.com/office/drawing/2014/main" val="1491202224"/>
+                  </a:ext>
+                </a:extLst>
+              </a:tr>
+              <a:tr h="370840">
+                <a:tc>
+                  <a:txBody>
+                    <a:bodyPr/>
+                    <a:lstStyle/>
+                    <a:p>
+                      <a:pPr algn="ctr"/>
+                      <a:r>
+                        <a:rPr lang="en-US" altLang="zh-CN" sz="1400" b="1" dirty="0" smtClean="0">
+                          <a:solidFill>
+                            <a:schemeClr val="tx1"/>
+                          </a:solidFill>
+                          <a:effectLst/>
+                          <a:latin typeface="Arial" panose="020B0604020202020204" pitchFamily="34" charset="0"/>
+                          <a:cs typeface="Arial" panose="020B0604020202020204" pitchFamily="34" charset="0"/>
+                        </a:rPr>
+                        <a:t>B</a:t>
+                      </a:r>
+                      <a:endParaRPr lang="zh-CN" altLang="en-US" sz="1400" b="1" dirty="0">
+                        <a:solidFill>
+                          <a:schemeClr val="tx1"/>
+                        </a:solidFill>
+                        <a:effectLst/>
+                        <a:latin typeface="Arial" panose="020B0604020202020204" pitchFamily="34" charset="0"/>
+                        <a:cs typeface="Arial" panose="020B0604020202020204" pitchFamily="34" charset="0"/>
+                      </a:endParaRPr>
+                    </a:p>
+                  </a:txBody>
+                  <a:tcPr anchor="ctr">
+                    <a:lnL w="12700" cap="flat" cmpd="sng" algn="ctr">
+                      <a:solidFill>
+                        <a:schemeClr val="tx1"/>
+                      </a:solidFill>
+                      <a:prstDash val="solid"/>
+                      <a:round/>
+                      <a:headEnd type="none" w="med" len="med"/>
+                      <a:tailEnd type="none" w="med" len="med"/>
+                    </a:lnL>
+                    <a:lnR w="12700" cap="flat" cmpd="sng" algn="ctr">
+                      <a:solidFill>
+                        <a:schemeClr val="tx1"/>
+                      </a:solidFill>
+                      <a:prstDash val="solid"/>
+                      <a:round/>
+                      <a:headEnd type="none" w="med" len="med"/>
+                      <a:tailEnd type="none" w="med" len="med"/>
+                    </a:lnR>
+                    <a:lnT w="12700" cap="flat" cmpd="sng" algn="ctr">
+                      <a:solidFill>
+                        <a:schemeClr val="tx1"/>
+                      </a:solidFill>
+                      <a:prstDash val="solid"/>
+                      <a:round/>
+                      <a:headEnd type="none" w="med" len="med"/>
+                      <a:tailEnd type="none" w="med" len="med"/>
+                    </a:lnT>
+                    <a:lnB w="12700" cap="flat" cmpd="sng" algn="ctr">
+                      <a:solidFill>
+                        <a:schemeClr val="tx1"/>
+                      </a:solidFill>
+                      <a:prstDash val="solid"/>
+                      <a:round/>
+                      <a:headEnd type="none" w="med" len="med"/>
+                      <a:tailEnd type="none" w="med" len="med"/>
+                    </a:lnB>
+                    <a:solidFill>
+                      <a:schemeClr val="accent5">
+                        <a:lumMod val="20000"/>
+                        <a:lumOff val="80000"/>
+                      </a:schemeClr>
+                    </a:solidFill>
+                  </a:tcPr>
+                </a:tc>
+                <a:tc>
+                  <a:txBody>
+                    <a:bodyPr/>
+                    <a:lstStyle/>
+                    <a:p>
+                      <a:pPr algn="ctr"/>
+                      <a:endParaRPr lang="zh-CN" altLang="en-US" sz="1400" b="0" i="1">
+                        <a:solidFill>
+                          <a:schemeClr val="tx1"/>
+                        </a:solidFill>
+                        <a:effectLst/>
+                        <a:latin typeface="Arial" panose="020B0604020202020204" pitchFamily="34" charset="0"/>
+                        <a:cs typeface="Arial" panose="020B0604020202020204" pitchFamily="34" charset="0"/>
+                      </a:endParaRPr>
+                    </a:p>
+                  </a:txBody>
+                  <a:tcPr anchor="ctr">
+                    <a:lnL w="12700" cap="flat" cmpd="sng" algn="ctr">
+                      <a:solidFill>
+                        <a:schemeClr val="tx1"/>
+                      </a:solidFill>
+                      <a:prstDash val="solid"/>
+                      <a:round/>
+                      <a:headEnd type="none" w="med" len="med"/>
+                      <a:tailEnd type="none" w="med" len="med"/>
+                    </a:lnL>
+                    <a:lnR w="12700" cap="flat" cmpd="sng" algn="ctr">
+                      <a:solidFill>
+                        <a:schemeClr val="tx1"/>
+                      </a:solidFill>
+                      <a:prstDash val="solid"/>
+                      <a:round/>
+                      <a:headEnd type="none" w="med" len="med"/>
+                      <a:tailEnd type="none" w="med" len="med"/>
+                    </a:lnR>
+                    <a:lnT w="12700" cap="flat" cmpd="sng" algn="ctr">
+                      <a:solidFill>
+                        <a:schemeClr val="tx1"/>
+                      </a:solidFill>
+                      <a:prstDash val="solid"/>
+                      <a:round/>
+                      <a:headEnd type="none" w="med" len="med"/>
+                      <a:tailEnd type="none" w="med" len="med"/>
+                    </a:lnT>
+                    <a:lnB w="12700" cap="flat" cmpd="sng" algn="ctr">
+                      <a:solidFill>
+                        <a:schemeClr val="tx1"/>
+                      </a:solidFill>
+                      <a:prstDash val="solid"/>
+                      <a:round/>
+                      <a:headEnd type="none" w="med" len="med"/>
+                      <a:tailEnd type="none" w="med" len="med"/>
+                    </a:lnB>
+                    <a:noFill/>
+                  </a:tcPr>
+                </a:tc>
+                <a:tc>
+                  <a:txBody>
+                    <a:bodyPr/>
+                    <a:lstStyle/>
+                    <a:p>
+                      <a:pPr algn="ctr"/>
+                      <a:endParaRPr lang="zh-CN" altLang="en-US" sz="1400" b="0" i="1" dirty="0">
+                        <a:solidFill>
+                          <a:schemeClr val="tx1"/>
+                        </a:solidFill>
+                        <a:effectLst/>
+                        <a:latin typeface="Arial" panose="020B0604020202020204" pitchFamily="34" charset="0"/>
+                        <a:cs typeface="Arial" panose="020B0604020202020204" pitchFamily="34" charset="0"/>
+                      </a:endParaRPr>
+                    </a:p>
+                  </a:txBody>
+                  <a:tcPr anchor="ctr">
+                    <a:lnL w="12700" cap="flat" cmpd="sng" algn="ctr">
+                      <a:solidFill>
+                        <a:schemeClr val="tx1"/>
+                      </a:solidFill>
+                      <a:prstDash val="solid"/>
+                      <a:round/>
+                      <a:headEnd type="none" w="med" len="med"/>
+                      <a:tailEnd type="none" w="med" len="med"/>
+                    </a:lnL>
+                    <a:lnR w="12700" cap="flat" cmpd="sng" algn="ctr">
+                      <a:solidFill>
+                        <a:schemeClr val="tx1"/>
+                      </a:solidFill>
+                      <a:prstDash val="solid"/>
+                      <a:round/>
+                      <a:headEnd type="none" w="med" len="med"/>
+                      <a:tailEnd type="none" w="med" len="med"/>
+                    </a:lnR>
+                    <a:lnT w="12700" cap="flat" cmpd="sng" algn="ctr">
+                      <a:solidFill>
+                        <a:schemeClr val="tx1"/>
+                      </a:solidFill>
+                      <a:prstDash val="solid"/>
+                      <a:round/>
+                      <a:headEnd type="none" w="med" len="med"/>
+                      <a:tailEnd type="none" w="med" len="med"/>
+                    </a:lnT>
+                    <a:lnB w="12700" cap="flat" cmpd="sng" algn="ctr">
+                      <a:solidFill>
+                        <a:schemeClr val="tx1"/>
+                      </a:solidFill>
+                      <a:prstDash val="solid"/>
+                      <a:round/>
+                      <a:headEnd type="none" w="med" len="med"/>
+                      <a:tailEnd type="none" w="med" len="med"/>
+                    </a:lnB>
+                    <a:noFill/>
+                  </a:tcPr>
+                </a:tc>
+                <a:tc>
+                  <a:txBody>
+                    <a:bodyPr/>
+                    <a:lstStyle/>
+                    <a:p>
+                      <a:pPr algn="ctr"/>
+                      <a:r>
+                        <a:rPr lang="en-US" altLang="zh-CN" sz="1400" b="0" i="1" dirty="0" smtClean="0">
+                          <a:solidFill>
+                            <a:schemeClr val="tx1"/>
+                          </a:solidFill>
+                          <a:effectLst/>
+                          <a:latin typeface="Arial" panose="020B0604020202020204" pitchFamily="34" charset="0"/>
+                          <a:cs typeface="Arial" panose="020B0604020202020204" pitchFamily="34" charset="0"/>
+                        </a:rPr>
+                        <a:t>w</a:t>
+                      </a:r>
+                      <a:endParaRPr lang="zh-CN" altLang="en-US" sz="1400" b="0" i="1" dirty="0">
+                        <a:solidFill>
+                          <a:schemeClr val="tx1"/>
+                        </a:solidFill>
+                        <a:effectLst/>
+                        <a:latin typeface="Arial" panose="020B0604020202020204" pitchFamily="34" charset="0"/>
+                        <a:cs typeface="Arial" panose="020B0604020202020204" pitchFamily="34" charset="0"/>
+                      </a:endParaRPr>
+                    </a:p>
+                  </a:txBody>
+                  <a:tcPr anchor="ctr">
+                    <a:lnL w="12700" cap="flat" cmpd="sng" algn="ctr">
+                      <a:solidFill>
+                        <a:schemeClr val="tx1"/>
+                      </a:solidFill>
+                      <a:prstDash val="solid"/>
+                      <a:round/>
+                      <a:headEnd type="none" w="med" len="med"/>
+                      <a:tailEnd type="none" w="med" len="med"/>
+                    </a:lnL>
+                    <a:lnR w="12700" cap="flat" cmpd="sng" algn="ctr">
+                      <a:solidFill>
+                        <a:schemeClr val="tx1"/>
+                      </a:solidFill>
+                      <a:prstDash val="solid"/>
+                      <a:round/>
+                      <a:headEnd type="none" w="med" len="med"/>
+                      <a:tailEnd type="none" w="med" len="med"/>
+                    </a:lnR>
+                    <a:lnT w="12700" cap="flat" cmpd="sng" algn="ctr">
+                      <a:solidFill>
+                        <a:schemeClr val="tx1"/>
+                      </a:solidFill>
+                      <a:prstDash val="solid"/>
+                      <a:round/>
+                      <a:headEnd type="none" w="med" len="med"/>
+                      <a:tailEnd type="none" w="med" len="med"/>
+                    </a:lnT>
+                    <a:lnB w="12700" cap="flat" cmpd="sng" algn="ctr">
+                      <a:solidFill>
+                        <a:schemeClr val="tx1"/>
+                      </a:solidFill>
+                      <a:prstDash val="solid"/>
+                      <a:round/>
+                      <a:headEnd type="none" w="med" len="med"/>
+                      <a:tailEnd type="none" w="med" len="med"/>
+                    </a:lnB>
+                    <a:noFill/>
+                  </a:tcPr>
+                </a:tc>
+                <a:tc>
+                  <a:txBody>
+                    <a:bodyPr/>
+                    <a:lstStyle/>
+                    <a:p>
+                      <a:pPr algn="ctr"/>
+                      <a:r>
+                        <a:rPr lang="en-US" altLang="zh-CN" sz="1400" b="0" i="1" dirty="0" smtClean="0">
+                          <a:solidFill>
+                            <a:schemeClr val="tx1"/>
+                          </a:solidFill>
+                          <a:effectLst/>
+                          <a:latin typeface="Arial" panose="020B0604020202020204" pitchFamily="34" charset="0"/>
+                          <a:cs typeface="Arial" panose="020B0604020202020204" pitchFamily="34" charset="0"/>
+                        </a:rPr>
+                        <a:t>1</a:t>
+                      </a:r>
+                      <a:endParaRPr lang="zh-CN" altLang="en-US" sz="1400" b="0" i="1" dirty="0">
+                        <a:solidFill>
+                          <a:schemeClr val="tx1"/>
+                        </a:solidFill>
+                        <a:effectLst/>
+                        <a:latin typeface="Arial" panose="020B0604020202020204" pitchFamily="34" charset="0"/>
+                        <a:cs typeface="Arial" panose="020B0604020202020204" pitchFamily="34" charset="0"/>
+                      </a:endParaRPr>
+                    </a:p>
+                  </a:txBody>
+                  <a:tcPr anchor="ctr">
+                    <a:lnL w="12700" cap="flat" cmpd="sng" algn="ctr">
+                      <a:solidFill>
+                        <a:schemeClr val="tx1"/>
+                      </a:solidFill>
+                      <a:prstDash val="solid"/>
+                      <a:round/>
+                      <a:headEnd type="none" w="med" len="med"/>
+                      <a:tailEnd type="none" w="med" len="med"/>
+                    </a:lnL>
+                    <a:lnR w="12700" cap="flat" cmpd="sng" algn="ctr">
+                      <a:solidFill>
+                        <a:schemeClr val="tx1"/>
+                      </a:solidFill>
+                      <a:prstDash val="solid"/>
+                      <a:round/>
+                      <a:headEnd type="none" w="med" len="med"/>
+                      <a:tailEnd type="none" w="med" len="med"/>
+                    </a:lnR>
+                    <a:lnT w="12700" cap="flat" cmpd="sng" algn="ctr">
+                      <a:solidFill>
+                        <a:schemeClr val="tx1"/>
+                      </a:solidFill>
+                      <a:prstDash val="solid"/>
+                      <a:round/>
+                      <a:headEnd type="none" w="med" len="med"/>
+                      <a:tailEnd type="none" w="med" len="med"/>
+                    </a:lnT>
+                    <a:lnB w="12700" cap="flat" cmpd="sng" algn="ctr">
+                      <a:solidFill>
+                        <a:schemeClr val="tx1"/>
+                      </a:solidFill>
+                      <a:prstDash val="solid"/>
+                      <a:round/>
+                      <a:headEnd type="none" w="med" len="med"/>
+                      <a:tailEnd type="none" w="med" len="med"/>
+                    </a:lnB>
+                    <a:noFill/>
+                  </a:tcPr>
+                </a:tc>
+                <a:extLst>
+                  <a:ext uri="{0D108BD9-81ED-4DB2-BD59-A6C34878D82A}">
+                    <a16:rowId xmlns:a16="http://schemas.microsoft.com/office/drawing/2014/main" val="2457331936"/>
+                  </a:ext>
+                </a:extLst>
+              </a:tr>
+            </a:tbl>
+          </a:graphicData>
+        </a:graphic>
+      </p:graphicFrame>
+      <p:sp>
+        <p:nvSpPr>
+          <p:cNvPr id="6" name="文本框 5"/>
+          <p:cNvSpPr txBox="1"/>
+          <p:nvPr/>
+        </p:nvSpPr>
+        <p:spPr>
+          <a:xfrm>
+            <a:off x="3491880" y="736762"/>
+            <a:ext cx="1940403" cy="923330"/>
+          </a:xfrm>
+          <a:prstGeom prst="rect">
+            <a:avLst/>
+          </a:prstGeom>
+          <a:noFill/>
+        </p:spPr>
+        <p:txBody>
+          <a:bodyPr wrap="none" rtlCol="0">
+            <a:spAutoFit/>
+          </a:bodyPr>
+          <a:lstStyle/>
+          <a:p>
+            <a:pPr>
+              <a:lnSpc>
+                <a:spcPct val="150000"/>
+              </a:lnSpc>
+            </a:pPr>
+            <a:r>
+              <a:rPr lang="en-US" altLang="zh-CN" dirty="0" smtClean="0"/>
+              <a:t>Step 1 – Align :</a:t>
+            </a:r>
+          </a:p>
+          <a:p>
+            <a:pPr>
+              <a:lnSpc>
+                <a:spcPct val="150000"/>
+              </a:lnSpc>
+            </a:pPr>
+            <a:r>
+              <a:rPr lang="en-US" altLang="zh-CN" dirty="0"/>
+              <a:t>Align B to the right</a:t>
+            </a:r>
+            <a:endParaRPr lang="zh-CN" altLang="en-US" dirty="0"/>
+          </a:p>
+        </p:txBody>
+      </p:sp>
+      <p:sp>
+        <p:nvSpPr>
+          <p:cNvPr id="7" name="下箭头 6"/>
+          <p:cNvSpPr/>
+          <p:nvPr/>
+        </p:nvSpPr>
+        <p:spPr>
+          <a:xfrm>
+            <a:off x="2699792" y="1916832"/>
+            <a:ext cx="504056" cy="246991"/>
+          </a:xfrm>
+          <a:prstGeom prst="downArrow">
+            <a:avLst/>
+          </a:prstGeom>
+          <a:noFill/>
+          <a:ln w="19050">
+            <a:solidFill>
+              <a:schemeClr val="bg1">
+                <a:lumMod val="50000"/>
+              </a:schemeClr>
+            </a:solidFill>
+          </a:ln>
+        </p:spPr>
+        <p:style>
+          <a:lnRef idx="2">
+            <a:schemeClr val="accent1">
+              <a:shade val="50000"/>
+            </a:schemeClr>
+          </a:lnRef>
+          <a:fillRef idx="1">
+            <a:schemeClr val="accent1"/>
+          </a:fillRef>
+          <a:effectRef idx="0">
+            <a:schemeClr val="accent1"/>
+          </a:effectRef>
+          <a:fontRef idx="minor">
+            <a:schemeClr val="lt1"/>
+          </a:fontRef>
+        </p:style>
+        <p:txBody>
+          <a:bodyPr rtlCol="0" anchor="ctr"/>
+          <a:lstStyle/>
+          <a:p>
+            <a:pPr algn="ctr"/>
+            <a:endParaRPr lang="zh-CN" altLang="en-US"/>
+          </a:p>
+        </p:txBody>
+      </p:sp>
+      <p:graphicFrame>
+        <p:nvGraphicFramePr>
+          <p:cNvPr id="8" name="表格 7"/>
+          <p:cNvGraphicFramePr>
+            <a:graphicFrameLocks noGrp="1"/>
+          </p:cNvGraphicFramePr>
+          <p:nvPr>
+            <p:extLst>
+              <p:ext uri="{D42A27DB-BD31-4B8C-83A1-F6EECF244321}">
+                <p14:modId xmlns:p14="http://schemas.microsoft.com/office/powerpoint/2010/main" val="3376211690"/>
+              </p:ext>
+            </p:extLst>
+          </p:nvPr>
+        </p:nvGraphicFramePr>
+        <p:xfrm>
+          <a:off x="467544" y="2314501"/>
+          <a:ext cx="2932570" cy="1112520"/>
+        </p:xfrm>
+        <a:graphic>
+          <a:graphicData uri="http://schemas.openxmlformats.org/drawingml/2006/table">
+            <a:tbl>
+              <a:tblPr firstRow="1" bandRow="1">
+                <a:tableStyleId>{5C22544A-7EE6-4342-B048-85BDC9FD1C3A}</a:tableStyleId>
+              </a:tblPr>
+              <a:tblGrid>
+                <a:gridCol w="763270">
+                  <a:extLst>
+                    <a:ext uri="{9D8B030D-6E8A-4147-A177-3AD203B41FA5}">
+                      <a16:colId xmlns:a16="http://schemas.microsoft.com/office/drawing/2014/main" val="3326979791"/>
+                    </a:ext>
+                  </a:extLst>
+                </a:gridCol>
+                <a:gridCol w="542325">
+                  <a:extLst>
+                    <a:ext uri="{9D8B030D-6E8A-4147-A177-3AD203B41FA5}">
+                      <a16:colId xmlns:a16="http://schemas.microsoft.com/office/drawing/2014/main" val="637607070"/>
+                    </a:ext>
+                  </a:extLst>
+                </a:gridCol>
+                <a:gridCol w="542325">
+                  <a:extLst>
+                    <a:ext uri="{9D8B030D-6E8A-4147-A177-3AD203B41FA5}">
+                      <a16:colId xmlns:a16="http://schemas.microsoft.com/office/drawing/2014/main" val="1695508235"/>
+                    </a:ext>
+                  </a:extLst>
+                </a:gridCol>
+                <a:gridCol w="542325">
+                  <a:extLst>
+                    <a:ext uri="{9D8B030D-6E8A-4147-A177-3AD203B41FA5}">
+                      <a16:colId xmlns:a16="http://schemas.microsoft.com/office/drawing/2014/main" val="1870987448"/>
+                    </a:ext>
+                  </a:extLst>
+                </a:gridCol>
+                <a:gridCol w="542325">
+                  <a:extLst>
+                    <a:ext uri="{9D8B030D-6E8A-4147-A177-3AD203B41FA5}">
+                      <a16:colId xmlns:a16="http://schemas.microsoft.com/office/drawing/2014/main" val="324699617"/>
+                    </a:ext>
+                  </a:extLst>
+                </a:gridCol>
+              </a:tblGrid>
+              <a:tr h="370840">
+                <a:tc>
+                  <a:txBody>
+                    <a:bodyPr/>
+                    <a:lstStyle/>
+                    <a:p>
+                      <a:pPr algn="ctr"/>
+                      <a:r>
+                        <a:rPr lang="en-US" altLang="zh-CN" sz="1400" b="1" dirty="0" smtClean="0">
+                          <a:solidFill>
+                            <a:schemeClr val="tx1"/>
+                          </a:solidFill>
+                          <a:effectLst/>
+                          <a:latin typeface="Arial" panose="020B0604020202020204" pitchFamily="34" charset="0"/>
+                          <a:cs typeface="Arial" panose="020B0604020202020204" pitchFamily="34" charset="0"/>
+                        </a:rPr>
+                        <a:t>axis:</a:t>
+                      </a:r>
+                      <a:endParaRPr lang="zh-CN" altLang="en-US" sz="1400" b="1" dirty="0">
+                        <a:solidFill>
+                          <a:schemeClr val="tx1"/>
+                        </a:solidFill>
+                        <a:effectLst/>
+                        <a:latin typeface="Arial" panose="020B0604020202020204" pitchFamily="34" charset="0"/>
+                        <a:cs typeface="Arial" panose="020B0604020202020204" pitchFamily="34" charset="0"/>
+                      </a:endParaRPr>
+                    </a:p>
+                  </a:txBody>
+                  <a:tcPr anchor="ctr">
+                    <a:lnL w="12700" cap="flat" cmpd="sng" algn="ctr">
+                      <a:solidFill>
+                        <a:schemeClr val="tx1"/>
+                      </a:solidFill>
+                      <a:prstDash val="solid"/>
+                      <a:round/>
+                      <a:headEnd type="none" w="med" len="med"/>
+                      <a:tailEnd type="none" w="med" len="med"/>
+                    </a:lnL>
+                    <a:lnR w="12700" cap="flat" cmpd="sng" algn="ctr">
+                      <a:solidFill>
+                        <a:schemeClr val="tx1"/>
+                      </a:solidFill>
+                      <a:prstDash val="solid"/>
+                      <a:round/>
+                      <a:headEnd type="none" w="med" len="med"/>
+                      <a:tailEnd type="none" w="med" len="med"/>
+                    </a:lnR>
+                    <a:lnT w="12700" cap="flat" cmpd="sng" algn="ctr">
+                      <a:solidFill>
+                        <a:schemeClr val="tx1"/>
+                      </a:solidFill>
+                      <a:prstDash val="solid"/>
+                      <a:round/>
+                      <a:headEnd type="none" w="med" len="med"/>
+                      <a:tailEnd type="none" w="med" len="med"/>
+                    </a:lnT>
+                    <a:lnB w="12700" cap="flat" cmpd="sng" algn="ctr">
+                      <a:solidFill>
+                        <a:schemeClr val="tx1"/>
+                      </a:solidFill>
+                      <a:prstDash val="solid"/>
+                      <a:round/>
+                      <a:headEnd type="none" w="med" len="med"/>
+                      <a:tailEnd type="none" w="med" len="med"/>
+                    </a:lnB>
+                    <a:solidFill>
+                      <a:schemeClr val="accent6">
+                        <a:lumMod val="20000"/>
+                        <a:lumOff val="80000"/>
+                      </a:schemeClr>
+                    </a:solidFill>
+                  </a:tcPr>
+                </a:tc>
+                <a:tc>
+                  <a:txBody>
+                    <a:bodyPr/>
+                    <a:lstStyle/>
+                    <a:p>
+                      <a:pPr algn="ctr"/>
+                      <a:r>
+                        <a:rPr lang="en-US" altLang="zh-CN" sz="1400" b="1" dirty="0" smtClean="0">
+                          <a:solidFill>
+                            <a:schemeClr val="tx1"/>
+                          </a:solidFill>
+                          <a:effectLst/>
+                          <a:latin typeface="Arial" panose="020B0604020202020204" pitchFamily="34" charset="0"/>
+                          <a:cs typeface="Arial" panose="020B0604020202020204" pitchFamily="34" charset="0"/>
+                        </a:rPr>
+                        <a:t>0</a:t>
+                      </a:r>
+                      <a:endParaRPr lang="zh-CN" altLang="en-US" sz="1400" b="1" dirty="0">
+                        <a:solidFill>
+                          <a:schemeClr val="tx1"/>
+                        </a:solidFill>
+                        <a:effectLst/>
+                        <a:latin typeface="Arial" panose="020B0604020202020204" pitchFamily="34" charset="0"/>
+                        <a:cs typeface="Arial" panose="020B0604020202020204" pitchFamily="34" charset="0"/>
+                      </a:endParaRPr>
+                    </a:p>
+                  </a:txBody>
+                  <a:tcPr anchor="ctr">
+                    <a:lnL w="12700" cap="flat" cmpd="sng" algn="ctr">
+                      <a:solidFill>
+                        <a:schemeClr val="tx1"/>
+                      </a:solidFill>
+                      <a:prstDash val="solid"/>
+                      <a:round/>
+                      <a:headEnd type="none" w="med" len="med"/>
+                      <a:tailEnd type="none" w="med" len="med"/>
+                    </a:lnL>
+                    <a:lnR w="12700" cap="flat" cmpd="sng" algn="ctr">
+                      <a:solidFill>
+                        <a:schemeClr val="tx1"/>
+                      </a:solidFill>
+                      <a:prstDash val="solid"/>
+                      <a:round/>
+                      <a:headEnd type="none" w="med" len="med"/>
+                      <a:tailEnd type="none" w="med" len="med"/>
+                    </a:lnR>
+                    <a:lnT w="12700" cap="flat" cmpd="sng" algn="ctr">
+                      <a:solidFill>
+                        <a:schemeClr val="tx1"/>
+                      </a:solidFill>
+                      <a:prstDash val="solid"/>
+                      <a:round/>
+                      <a:headEnd type="none" w="med" len="med"/>
+                      <a:tailEnd type="none" w="med" len="med"/>
+                    </a:lnT>
+                    <a:lnB w="12700" cap="flat" cmpd="sng" algn="ctr">
+                      <a:solidFill>
+                        <a:schemeClr val="tx1"/>
+                      </a:solidFill>
+                      <a:prstDash val="solid"/>
+                      <a:round/>
+                      <a:headEnd type="none" w="med" len="med"/>
+                      <a:tailEnd type="none" w="med" len="med"/>
+                    </a:lnB>
+                    <a:solidFill>
+                      <a:schemeClr val="accent6">
+                        <a:lumMod val="20000"/>
+                        <a:lumOff val="80000"/>
+                      </a:schemeClr>
+                    </a:solidFill>
+                  </a:tcPr>
+                </a:tc>
+                <a:tc>
+                  <a:txBody>
+                    <a:bodyPr/>
+                    <a:lstStyle/>
+                    <a:p>
+                      <a:pPr algn="ctr"/>
+                      <a:r>
+                        <a:rPr lang="en-US" altLang="zh-CN" sz="1400" b="1" dirty="0" smtClean="0">
+                          <a:solidFill>
+                            <a:schemeClr val="tx1"/>
+                          </a:solidFill>
+                          <a:effectLst/>
+                          <a:latin typeface="Arial" panose="020B0604020202020204" pitchFamily="34" charset="0"/>
+                          <a:cs typeface="Arial" panose="020B0604020202020204" pitchFamily="34" charset="0"/>
+                        </a:rPr>
+                        <a:t>1</a:t>
+                      </a:r>
+                      <a:endParaRPr lang="zh-CN" altLang="en-US" sz="1400" b="1" dirty="0">
+                        <a:solidFill>
+                          <a:schemeClr val="tx1"/>
+                        </a:solidFill>
+                        <a:effectLst/>
+                        <a:latin typeface="Arial" panose="020B0604020202020204" pitchFamily="34" charset="0"/>
+                        <a:cs typeface="Arial" panose="020B0604020202020204" pitchFamily="34" charset="0"/>
+                      </a:endParaRPr>
+                    </a:p>
+                  </a:txBody>
+                  <a:tcPr anchor="ctr">
+                    <a:lnL w="12700" cap="flat" cmpd="sng" algn="ctr">
+                      <a:solidFill>
+                        <a:schemeClr val="tx1"/>
+                      </a:solidFill>
+                      <a:prstDash val="solid"/>
+                      <a:round/>
+                      <a:headEnd type="none" w="med" len="med"/>
+                      <a:tailEnd type="none" w="med" len="med"/>
+                    </a:lnL>
+                    <a:lnR w="12700" cap="flat" cmpd="sng" algn="ctr">
+                      <a:solidFill>
+                        <a:schemeClr val="tx1"/>
+                      </a:solidFill>
+                      <a:prstDash val="solid"/>
+                      <a:round/>
+                      <a:headEnd type="none" w="med" len="med"/>
+                      <a:tailEnd type="none" w="med" len="med"/>
+                    </a:lnR>
+                    <a:lnT w="12700" cap="flat" cmpd="sng" algn="ctr">
+                      <a:solidFill>
+                        <a:schemeClr val="tx1"/>
+                      </a:solidFill>
+                      <a:prstDash val="solid"/>
+                      <a:round/>
+                      <a:headEnd type="none" w="med" len="med"/>
+                      <a:tailEnd type="none" w="med" len="med"/>
+                    </a:lnT>
+                    <a:lnB w="12700" cap="flat" cmpd="sng" algn="ctr">
+                      <a:solidFill>
+                        <a:schemeClr val="tx1"/>
+                      </a:solidFill>
+                      <a:prstDash val="solid"/>
+                      <a:round/>
+                      <a:headEnd type="none" w="med" len="med"/>
+                      <a:tailEnd type="none" w="med" len="med"/>
+                    </a:lnB>
+                    <a:solidFill>
+                      <a:schemeClr val="accent6">
+                        <a:lumMod val="20000"/>
+                        <a:lumOff val="80000"/>
+                      </a:schemeClr>
+                    </a:solidFill>
+                  </a:tcPr>
+                </a:tc>
+                <a:tc>
+                  <a:txBody>
+                    <a:bodyPr/>
+                    <a:lstStyle/>
+                    <a:p>
+                      <a:pPr algn="ctr"/>
+                      <a:r>
+                        <a:rPr lang="en-US" altLang="zh-CN" sz="1400" b="1" dirty="0" smtClean="0">
+                          <a:solidFill>
+                            <a:schemeClr val="tx1"/>
+                          </a:solidFill>
+                          <a:effectLst/>
+                          <a:latin typeface="Arial" panose="020B0604020202020204" pitchFamily="34" charset="0"/>
+                          <a:cs typeface="Arial" panose="020B0604020202020204" pitchFamily="34" charset="0"/>
+                        </a:rPr>
+                        <a:t>2</a:t>
+                      </a:r>
+                      <a:endParaRPr lang="zh-CN" altLang="en-US" sz="1400" b="1" dirty="0">
+                        <a:solidFill>
+                          <a:schemeClr val="tx1"/>
+                        </a:solidFill>
+                        <a:effectLst/>
+                        <a:latin typeface="Arial" panose="020B0604020202020204" pitchFamily="34" charset="0"/>
+                        <a:cs typeface="Arial" panose="020B0604020202020204" pitchFamily="34" charset="0"/>
+                      </a:endParaRPr>
+                    </a:p>
+                  </a:txBody>
+                  <a:tcPr anchor="ctr">
+                    <a:lnL w="12700" cap="flat" cmpd="sng" algn="ctr">
+                      <a:solidFill>
+                        <a:schemeClr val="tx1"/>
+                      </a:solidFill>
+                      <a:prstDash val="solid"/>
+                      <a:round/>
+                      <a:headEnd type="none" w="med" len="med"/>
+                      <a:tailEnd type="none" w="med" len="med"/>
+                    </a:lnL>
+                    <a:lnR w="12700" cap="flat" cmpd="sng" algn="ctr">
+                      <a:solidFill>
+                        <a:schemeClr val="tx1"/>
+                      </a:solidFill>
+                      <a:prstDash val="solid"/>
+                      <a:round/>
+                      <a:headEnd type="none" w="med" len="med"/>
+                      <a:tailEnd type="none" w="med" len="med"/>
+                    </a:lnR>
+                    <a:lnT w="12700" cap="flat" cmpd="sng" algn="ctr">
+                      <a:solidFill>
+                        <a:schemeClr val="tx1"/>
+                      </a:solidFill>
+                      <a:prstDash val="solid"/>
+                      <a:round/>
+                      <a:headEnd type="none" w="med" len="med"/>
+                      <a:tailEnd type="none" w="med" len="med"/>
+                    </a:lnT>
+                    <a:lnB w="12700" cap="flat" cmpd="sng" algn="ctr">
+                      <a:solidFill>
+                        <a:schemeClr val="tx1"/>
+                      </a:solidFill>
+                      <a:prstDash val="solid"/>
+                      <a:round/>
+                      <a:headEnd type="none" w="med" len="med"/>
+                      <a:tailEnd type="none" w="med" len="med"/>
+                    </a:lnB>
+                    <a:solidFill>
+                      <a:schemeClr val="accent6">
+                        <a:lumMod val="20000"/>
+                        <a:lumOff val="80000"/>
+                      </a:schemeClr>
+                    </a:solidFill>
+                  </a:tcPr>
+                </a:tc>
+                <a:tc>
+                  <a:txBody>
+                    <a:bodyPr/>
+                    <a:lstStyle/>
+                    <a:p>
+                      <a:pPr algn="ctr"/>
+                      <a:r>
+                        <a:rPr lang="en-US" altLang="zh-CN" sz="1400" b="1" dirty="0" smtClean="0">
+                          <a:solidFill>
+                            <a:schemeClr val="tx1"/>
+                          </a:solidFill>
+                          <a:effectLst/>
+                          <a:latin typeface="Arial" panose="020B0604020202020204" pitchFamily="34" charset="0"/>
+                          <a:cs typeface="Arial" panose="020B0604020202020204" pitchFamily="34" charset="0"/>
+                        </a:rPr>
+                        <a:t>3</a:t>
+                      </a:r>
+                      <a:endParaRPr lang="zh-CN" altLang="en-US" sz="1400" b="1" dirty="0">
+                        <a:solidFill>
+                          <a:schemeClr val="tx1"/>
+                        </a:solidFill>
+                        <a:effectLst/>
+                        <a:latin typeface="Arial" panose="020B0604020202020204" pitchFamily="34" charset="0"/>
+                        <a:cs typeface="Arial" panose="020B0604020202020204" pitchFamily="34" charset="0"/>
+                      </a:endParaRPr>
+                    </a:p>
+                  </a:txBody>
+                  <a:tcPr anchor="ctr">
+                    <a:lnL w="12700" cap="flat" cmpd="sng" algn="ctr">
+                      <a:solidFill>
+                        <a:schemeClr val="tx1"/>
+                      </a:solidFill>
+                      <a:prstDash val="solid"/>
+                      <a:round/>
+                      <a:headEnd type="none" w="med" len="med"/>
+                      <a:tailEnd type="none" w="med" len="med"/>
+                    </a:lnL>
+                    <a:lnR w="12700" cap="flat" cmpd="sng" algn="ctr">
+                      <a:solidFill>
+                        <a:schemeClr val="tx1"/>
+                      </a:solidFill>
+                      <a:prstDash val="solid"/>
+                      <a:round/>
+                      <a:headEnd type="none" w="med" len="med"/>
+                      <a:tailEnd type="none" w="med" len="med"/>
+                    </a:lnR>
+                    <a:lnT w="12700" cap="flat" cmpd="sng" algn="ctr">
+                      <a:solidFill>
+                        <a:schemeClr val="tx1"/>
+                      </a:solidFill>
+                      <a:prstDash val="solid"/>
+                      <a:round/>
+                      <a:headEnd type="none" w="med" len="med"/>
+                      <a:tailEnd type="none" w="med" len="med"/>
+                    </a:lnT>
+                    <a:lnB w="12700" cap="flat" cmpd="sng" algn="ctr">
+                      <a:solidFill>
+                        <a:schemeClr val="tx1"/>
+                      </a:solidFill>
+                      <a:prstDash val="solid"/>
+                      <a:round/>
+                      <a:headEnd type="none" w="med" len="med"/>
+                      <a:tailEnd type="none" w="med" len="med"/>
+                    </a:lnB>
+                    <a:solidFill>
+                      <a:schemeClr val="accent6">
+                        <a:lumMod val="20000"/>
+                        <a:lumOff val="80000"/>
+                      </a:schemeClr>
+                    </a:solidFill>
+                  </a:tcPr>
+                </a:tc>
+                <a:extLst>
+                  <a:ext uri="{0D108BD9-81ED-4DB2-BD59-A6C34878D82A}">
+                    <a16:rowId xmlns:a16="http://schemas.microsoft.com/office/drawing/2014/main" val="798814532"/>
+                  </a:ext>
+                </a:extLst>
+              </a:tr>
+              <a:tr h="370840">
+                <a:tc>
+                  <a:txBody>
+                    <a:bodyPr/>
+                    <a:lstStyle/>
+                    <a:p>
+                      <a:pPr algn="ctr"/>
+                      <a:r>
+                        <a:rPr lang="en-US" altLang="zh-CN" sz="1400" b="1" dirty="0" smtClean="0">
+                          <a:solidFill>
+                            <a:schemeClr val="tx1"/>
+                          </a:solidFill>
+                          <a:effectLst/>
+                          <a:latin typeface="Arial" panose="020B0604020202020204" pitchFamily="34" charset="0"/>
+                          <a:cs typeface="Arial" panose="020B0604020202020204" pitchFamily="34" charset="0"/>
+                        </a:rPr>
+                        <a:t>A</a:t>
+                      </a:r>
+                      <a:endParaRPr lang="zh-CN" altLang="en-US" sz="1400" b="1" dirty="0">
+                        <a:solidFill>
+                          <a:schemeClr val="tx1"/>
+                        </a:solidFill>
+                        <a:effectLst/>
+                        <a:latin typeface="Arial" panose="020B0604020202020204" pitchFamily="34" charset="0"/>
+                        <a:cs typeface="Arial" panose="020B0604020202020204" pitchFamily="34" charset="0"/>
+                      </a:endParaRPr>
+                    </a:p>
+                  </a:txBody>
+                  <a:tcPr anchor="ctr">
+                    <a:lnL w="12700" cap="flat" cmpd="sng" algn="ctr">
+                      <a:solidFill>
+                        <a:schemeClr val="tx1"/>
+                      </a:solidFill>
+                      <a:prstDash val="solid"/>
+                      <a:round/>
+                      <a:headEnd type="none" w="med" len="med"/>
+                      <a:tailEnd type="none" w="med" len="med"/>
+                    </a:lnL>
+                    <a:lnR w="12700" cap="flat" cmpd="sng" algn="ctr">
+                      <a:solidFill>
+                        <a:schemeClr val="tx1"/>
+                      </a:solidFill>
+                      <a:prstDash val="solid"/>
+                      <a:round/>
+                      <a:headEnd type="none" w="med" len="med"/>
+                      <a:tailEnd type="none" w="med" len="med"/>
+                    </a:lnR>
+                    <a:lnT w="12700" cap="flat" cmpd="sng" algn="ctr">
+                      <a:solidFill>
+                        <a:schemeClr val="tx1"/>
+                      </a:solidFill>
+                      <a:prstDash val="solid"/>
+                      <a:round/>
+                      <a:headEnd type="none" w="med" len="med"/>
+                      <a:tailEnd type="none" w="med" len="med"/>
+                    </a:lnT>
+                    <a:lnB w="12700" cap="flat" cmpd="sng" algn="ctr">
+                      <a:solidFill>
+                        <a:schemeClr val="tx1"/>
+                      </a:solidFill>
+                      <a:prstDash val="solid"/>
+                      <a:round/>
+                      <a:headEnd type="none" w="med" len="med"/>
+                      <a:tailEnd type="none" w="med" len="med"/>
+                    </a:lnB>
+                    <a:solidFill>
+                      <a:schemeClr val="accent5">
+                        <a:lumMod val="20000"/>
+                        <a:lumOff val="80000"/>
+                      </a:schemeClr>
+                    </a:solidFill>
+                  </a:tcPr>
+                </a:tc>
+                <a:tc>
+                  <a:txBody>
+                    <a:bodyPr/>
+                    <a:lstStyle/>
+                    <a:p>
+                      <a:pPr algn="ctr"/>
+                      <a:r>
+                        <a:rPr lang="en-US" altLang="zh-CN" sz="1400" b="0" i="1" dirty="0" smtClean="0">
+                          <a:solidFill>
+                            <a:schemeClr val="tx1"/>
+                          </a:solidFill>
+                          <a:effectLst/>
+                          <a:latin typeface="Arial" panose="020B0604020202020204" pitchFamily="34" charset="0"/>
+                          <a:cs typeface="Arial" panose="020B0604020202020204" pitchFamily="34" charset="0"/>
+                        </a:rPr>
+                        <a:t>b</a:t>
+                      </a:r>
+                      <a:endParaRPr lang="zh-CN" altLang="en-US" sz="1400" b="0" i="1" dirty="0">
+                        <a:solidFill>
+                          <a:schemeClr val="tx1"/>
+                        </a:solidFill>
+                        <a:effectLst/>
+                        <a:latin typeface="Arial" panose="020B0604020202020204" pitchFamily="34" charset="0"/>
+                        <a:cs typeface="Arial" panose="020B0604020202020204" pitchFamily="34" charset="0"/>
+                      </a:endParaRPr>
+                    </a:p>
+                  </a:txBody>
+                  <a:tcPr anchor="ctr">
+                    <a:lnL w="12700" cap="flat" cmpd="sng" algn="ctr">
+                      <a:solidFill>
+                        <a:schemeClr val="tx1"/>
+                      </a:solidFill>
+                      <a:prstDash val="solid"/>
+                      <a:round/>
+                      <a:headEnd type="none" w="med" len="med"/>
+                      <a:tailEnd type="none" w="med" len="med"/>
+                    </a:lnL>
+                    <a:lnR w="12700" cap="flat" cmpd="sng" algn="ctr">
+                      <a:solidFill>
+                        <a:schemeClr val="tx1"/>
+                      </a:solidFill>
+                      <a:prstDash val="solid"/>
+                      <a:round/>
+                      <a:headEnd type="none" w="med" len="med"/>
+                      <a:tailEnd type="none" w="med" len="med"/>
+                    </a:lnR>
+                    <a:lnT w="12700" cap="flat" cmpd="sng" algn="ctr">
+                      <a:solidFill>
+                        <a:schemeClr val="tx1"/>
+                      </a:solidFill>
+                      <a:prstDash val="solid"/>
+                      <a:round/>
+                      <a:headEnd type="none" w="med" len="med"/>
+                      <a:tailEnd type="none" w="med" len="med"/>
+                    </a:lnT>
+                    <a:lnB w="12700" cap="flat" cmpd="sng" algn="ctr">
+                      <a:solidFill>
+                        <a:schemeClr val="tx1"/>
+                      </a:solidFill>
+                      <a:prstDash val="solid"/>
+                      <a:round/>
+                      <a:headEnd type="none" w="med" len="med"/>
+                      <a:tailEnd type="none" w="med" len="med"/>
+                    </a:lnB>
+                    <a:noFill/>
+                  </a:tcPr>
+                </a:tc>
+                <a:tc>
+                  <a:txBody>
+                    <a:bodyPr/>
+                    <a:lstStyle/>
+                    <a:p>
+                      <a:pPr algn="ctr"/>
+                      <a:r>
+                        <a:rPr lang="en-US" altLang="zh-CN" sz="1400" b="0" i="1" dirty="0" smtClean="0">
+                          <a:solidFill>
+                            <a:schemeClr val="tx1"/>
+                          </a:solidFill>
+                          <a:effectLst/>
+                          <a:latin typeface="Arial" panose="020B0604020202020204" pitchFamily="34" charset="0"/>
+                          <a:cs typeface="Arial" panose="020B0604020202020204" pitchFamily="34" charset="0"/>
+                        </a:rPr>
+                        <a:t>h</a:t>
+                      </a:r>
+                      <a:endParaRPr lang="zh-CN" altLang="en-US" sz="1400" b="0" i="1" dirty="0">
+                        <a:solidFill>
+                          <a:schemeClr val="tx1"/>
+                        </a:solidFill>
+                        <a:effectLst/>
+                        <a:latin typeface="Arial" panose="020B0604020202020204" pitchFamily="34" charset="0"/>
+                        <a:cs typeface="Arial" panose="020B0604020202020204" pitchFamily="34" charset="0"/>
+                      </a:endParaRPr>
+                    </a:p>
+                  </a:txBody>
+                  <a:tcPr anchor="ctr">
+                    <a:lnL w="12700" cap="flat" cmpd="sng" algn="ctr">
+                      <a:solidFill>
+                        <a:schemeClr val="tx1"/>
+                      </a:solidFill>
+                      <a:prstDash val="solid"/>
+                      <a:round/>
+                      <a:headEnd type="none" w="med" len="med"/>
+                      <a:tailEnd type="none" w="med" len="med"/>
+                    </a:lnL>
+                    <a:lnR w="12700" cap="flat" cmpd="sng" algn="ctr">
+                      <a:solidFill>
+                        <a:schemeClr val="tx1"/>
+                      </a:solidFill>
+                      <a:prstDash val="solid"/>
+                      <a:round/>
+                      <a:headEnd type="none" w="med" len="med"/>
+                      <a:tailEnd type="none" w="med" len="med"/>
+                    </a:lnR>
+                    <a:lnT w="12700" cap="flat" cmpd="sng" algn="ctr">
+                      <a:solidFill>
+                        <a:schemeClr val="tx1"/>
+                      </a:solidFill>
+                      <a:prstDash val="solid"/>
+                      <a:round/>
+                      <a:headEnd type="none" w="med" len="med"/>
+                      <a:tailEnd type="none" w="med" len="med"/>
+                    </a:lnT>
+                    <a:lnB w="12700" cap="flat" cmpd="sng" algn="ctr">
+                      <a:solidFill>
+                        <a:schemeClr val="tx1"/>
+                      </a:solidFill>
+                      <a:prstDash val="solid"/>
+                      <a:round/>
+                      <a:headEnd type="none" w="med" len="med"/>
+                      <a:tailEnd type="none" w="med" len="med"/>
+                    </a:lnB>
+                    <a:noFill/>
+                  </a:tcPr>
+                </a:tc>
+                <a:tc>
+                  <a:txBody>
+                    <a:bodyPr/>
+                    <a:lstStyle/>
+                    <a:p>
+                      <a:pPr algn="ctr"/>
+                      <a:r>
+                        <a:rPr lang="en-US" altLang="zh-CN" sz="1400" b="0" i="1" dirty="0" smtClean="0">
+                          <a:solidFill>
+                            <a:schemeClr val="tx1"/>
+                          </a:solidFill>
+                          <a:effectLst/>
+                          <a:latin typeface="Arial" panose="020B0604020202020204" pitchFamily="34" charset="0"/>
+                          <a:cs typeface="Arial" panose="020B0604020202020204" pitchFamily="34" charset="0"/>
+                        </a:rPr>
+                        <a:t>w</a:t>
+                      </a:r>
+                      <a:endParaRPr lang="zh-CN" altLang="en-US" sz="1400" b="0" i="1" dirty="0">
+                        <a:solidFill>
+                          <a:schemeClr val="tx1"/>
+                        </a:solidFill>
+                        <a:effectLst/>
+                        <a:latin typeface="Arial" panose="020B0604020202020204" pitchFamily="34" charset="0"/>
+                        <a:cs typeface="Arial" panose="020B0604020202020204" pitchFamily="34" charset="0"/>
+                      </a:endParaRPr>
+                    </a:p>
+                  </a:txBody>
+                  <a:tcPr anchor="ctr">
+                    <a:lnL w="12700" cap="flat" cmpd="sng" algn="ctr">
+                      <a:solidFill>
+                        <a:schemeClr val="tx1"/>
+                      </a:solidFill>
+                      <a:prstDash val="solid"/>
+                      <a:round/>
+                      <a:headEnd type="none" w="med" len="med"/>
+                      <a:tailEnd type="none" w="med" len="med"/>
+                    </a:lnL>
+                    <a:lnR w="12700" cap="flat" cmpd="sng" algn="ctr">
+                      <a:solidFill>
+                        <a:schemeClr val="tx1"/>
+                      </a:solidFill>
+                      <a:prstDash val="solid"/>
+                      <a:round/>
+                      <a:headEnd type="none" w="med" len="med"/>
+                      <a:tailEnd type="none" w="med" len="med"/>
+                    </a:lnR>
+                    <a:lnT w="12700" cap="flat" cmpd="sng" algn="ctr">
+                      <a:solidFill>
+                        <a:schemeClr val="tx1"/>
+                      </a:solidFill>
+                      <a:prstDash val="solid"/>
+                      <a:round/>
+                      <a:headEnd type="none" w="med" len="med"/>
+                      <a:tailEnd type="none" w="med" len="med"/>
+                    </a:lnT>
+                    <a:lnB w="12700" cap="flat" cmpd="sng" algn="ctr">
+                      <a:solidFill>
+                        <a:schemeClr val="tx1"/>
+                      </a:solidFill>
+                      <a:prstDash val="solid"/>
+                      <a:round/>
+                      <a:headEnd type="none" w="med" len="med"/>
+                      <a:tailEnd type="none" w="med" len="med"/>
+                    </a:lnB>
+                    <a:noFill/>
+                  </a:tcPr>
+                </a:tc>
+                <a:tc>
+                  <a:txBody>
+                    <a:bodyPr/>
+                    <a:lstStyle/>
+                    <a:p>
+                      <a:pPr algn="ctr"/>
+                      <a:r>
+                        <a:rPr lang="en-US" altLang="zh-CN" sz="1400" b="0" i="1" dirty="0" smtClean="0">
+                          <a:solidFill>
+                            <a:schemeClr val="tx1"/>
+                          </a:solidFill>
+                          <a:effectLst/>
+                          <a:latin typeface="Arial" panose="020B0604020202020204" pitchFamily="34" charset="0"/>
+                          <a:cs typeface="Arial" panose="020B0604020202020204" pitchFamily="34" charset="0"/>
+                        </a:rPr>
+                        <a:t>c</a:t>
+                      </a:r>
+                      <a:endParaRPr lang="zh-CN" altLang="en-US" sz="1400" b="0" i="1" dirty="0">
+                        <a:solidFill>
+                          <a:schemeClr val="tx1"/>
+                        </a:solidFill>
+                        <a:effectLst/>
+                        <a:latin typeface="Arial" panose="020B0604020202020204" pitchFamily="34" charset="0"/>
+                        <a:cs typeface="Arial" panose="020B0604020202020204" pitchFamily="34" charset="0"/>
+                      </a:endParaRPr>
+                    </a:p>
+                  </a:txBody>
+                  <a:tcPr anchor="ctr">
+                    <a:lnL w="12700" cap="flat" cmpd="sng" algn="ctr">
+                      <a:solidFill>
+                        <a:schemeClr val="tx1"/>
+                      </a:solidFill>
+                      <a:prstDash val="solid"/>
+                      <a:round/>
+                      <a:headEnd type="none" w="med" len="med"/>
+                      <a:tailEnd type="none" w="med" len="med"/>
+                    </a:lnL>
+                    <a:lnR w="12700" cap="flat" cmpd="sng" algn="ctr">
+                      <a:solidFill>
+                        <a:schemeClr val="tx1"/>
+                      </a:solidFill>
+                      <a:prstDash val="solid"/>
+                      <a:round/>
+                      <a:headEnd type="none" w="med" len="med"/>
+                      <a:tailEnd type="none" w="med" len="med"/>
+                    </a:lnR>
+                    <a:lnT w="12700" cap="flat" cmpd="sng" algn="ctr">
+                      <a:solidFill>
+                        <a:schemeClr val="tx1"/>
+                      </a:solidFill>
+                      <a:prstDash val="solid"/>
+                      <a:round/>
+                      <a:headEnd type="none" w="med" len="med"/>
+                      <a:tailEnd type="none" w="med" len="med"/>
+                    </a:lnT>
+                    <a:lnB w="12700" cap="flat" cmpd="sng" algn="ctr">
+                      <a:solidFill>
+                        <a:schemeClr val="tx1"/>
+                      </a:solidFill>
+                      <a:prstDash val="solid"/>
+                      <a:round/>
+                      <a:headEnd type="none" w="med" len="med"/>
+                      <a:tailEnd type="none" w="med" len="med"/>
+                    </a:lnB>
+                    <a:noFill/>
+                  </a:tcPr>
+                </a:tc>
+                <a:extLst>
+                  <a:ext uri="{0D108BD9-81ED-4DB2-BD59-A6C34878D82A}">
+                    <a16:rowId xmlns:a16="http://schemas.microsoft.com/office/drawing/2014/main" val="1491202224"/>
+                  </a:ext>
+                </a:extLst>
+              </a:tr>
+              <a:tr h="370840">
+                <a:tc>
+                  <a:txBody>
+                    <a:bodyPr/>
+                    <a:lstStyle/>
+                    <a:p>
+                      <a:pPr algn="ctr"/>
+                      <a:r>
+                        <a:rPr lang="en-US" altLang="zh-CN" sz="1400" b="1" dirty="0" smtClean="0">
+                          <a:solidFill>
+                            <a:schemeClr val="tx1"/>
+                          </a:solidFill>
+                          <a:effectLst/>
+                          <a:latin typeface="Arial" panose="020B0604020202020204" pitchFamily="34" charset="0"/>
+                          <a:cs typeface="Arial" panose="020B0604020202020204" pitchFamily="34" charset="0"/>
+                        </a:rPr>
+                        <a:t>B</a:t>
+                      </a:r>
+                      <a:endParaRPr lang="zh-CN" altLang="en-US" sz="1400" b="1" dirty="0">
+                        <a:solidFill>
+                          <a:schemeClr val="tx1"/>
+                        </a:solidFill>
+                        <a:effectLst/>
+                        <a:latin typeface="Arial" panose="020B0604020202020204" pitchFamily="34" charset="0"/>
+                        <a:cs typeface="Arial" panose="020B0604020202020204" pitchFamily="34" charset="0"/>
+                      </a:endParaRPr>
+                    </a:p>
+                  </a:txBody>
+                  <a:tcPr anchor="ctr">
+                    <a:lnL w="12700" cap="flat" cmpd="sng" algn="ctr">
+                      <a:solidFill>
+                        <a:schemeClr val="tx1"/>
+                      </a:solidFill>
+                      <a:prstDash val="solid"/>
+                      <a:round/>
+                      <a:headEnd type="none" w="med" len="med"/>
+                      <a:tailEnd type="none" w="med" len="med"/>
+                    </a:lnL>
+                    <a:lnR w="12700" cap="flat" cmpd="sng" algn="ctr">
+                      <a:solidFill>
+                        <a:schemeClr val="tx1"/>
+                      </a:solidFill>
+                      <a:prstDash val="solid"/>
+                      <a:round/>
+                      <a:headEnd type="none" w="med" len="med"/>
+                      <a:tailEnd type="none" w="med" len="med"/>
+                    </a:lnR>
+                    <a:lnT w="12700" cap="flat" cmpd="sng" algn="ctr">
+                      <a:solidFill>
+                        <a:schemeClr val="tx1"/>
+                      </a:solidFill>
+                      <a:prstDash val="solid"/>
+                      <a:round/>
+                      <a:headEnd type="none" w="med" len="med"/>
+                      <a:tailEnd type="none" w="med" len="med"/>
+                    </a:lnT>
+                    <a:lnB w="12700" cap="flat" cmpd="sng" algn="ctr">
+                      <a:solidFill>
+                        <a:schemeClr val="tx1"/>
+                      </a:solidFill>
+                      <a:prstDash val="solid"/>
+                      <a:round/>
+                      <a:headEnd type="none" w="med" len="med"/>
+                      <a:tailEnd type="none" w="med" len="med"/>
+                    </a:lnB>
+                    <a:solidFill>
+                      <a:schemeClr val="accent5">
+                        <a:lumMod val="20000"/>
+                        <a:lumOff val="80000"/>
+                      </a:schemeClr>
+                    </a:solidFill>
+                  </a:tcPr>
+                </a:tc>
+                <a:tc>
+                  <a:txBody>
+                    <a:bodyPr/>
+                    <a:lstStyle/>
+                    <a:p>
+                      <a:pPr algn="ctr"/>
+                      <a:r>
+                        <a:rPr lang="en-US" altLang="zh-CN" sz="1400" b="1" i="1" dirty="0" smtClean="0">
+                          <a:solidFill>
+                            <a:srgbClr val="0000FF"/>
+                          </a:solidFill>
+                          <a:effectLst/>
+                          <a:latin typeface="Arial" panose="020B0604020202020204" pitchFamily="34" charset="0"/>
+                          <a:cs typeface="Arial" panose="020B0604020202020204" pitchFamily="34" charset="0"/>
+                        </a:rPr>
+                        <a:t>1</a:t>
+                      </a:r>
+                      <a:endParaRPr lang="zh-CN" altLang="en-US" sz="1400" b="1" i="1" dirty="0">
+                        <a:solidFill>
+                          <a:srgbClr val="0000FF"/>
+                        </a:solidFill>
+                        <a:effectLst/>
+                        <a:latin typeface="Arial" panose="020B0604020202020204" pitchFamily="34" charset="0"/>
+                        <a:cs typeface="Arial" panose="020B0604020202020204" pitchFamily="34" charset="0"/>
+                      </a:endParaRPr>
+                    </a:p>
+                  </a:txBody>
+                  <a:tcPr anchor="ctr">
+                    <a:lnL w="12700" cap="flat" cmpd="sng" algn="ctr">
+                      <a:solidFill>
+                        <a:schemeClr val="tx1"/>
+                      </a:solidFill>
+                      <a:prstDash val="solid"/>
+                      <a:round/>
+                      <a:headEnd type="none" w="med" len="med"/>
+                      <a:tailEnd type="none" w="med" len="med"/>
+                    </a:lnL>
+                    <a:lnR w="12700" cap="flat" cmpd="sng" algn="ctr">
+                      <a:solidFill>
+                        <a:schemeClr val="tx1"/>
+                      </a:solidFill>
+                      <a:prstDash val="solid"/>
+                      <a:round/>
+                      <a:headEnd type="none" w="med" len="med"/>
+                      <a:tailEnd type="none" w="med" len="med"/>
+                    </a:lnR>
+                    <a:lnT w="12700" cap="flat" cmpd="sng" algn="ctr">
+                      <a:solidFill>
+                        <a:schemeClr val="tx1"/>
+                      </a:solidFill>
+                      <a:prstDash val="solid"/>
+                      <a:round/>
+                      <a:headEnd type="none" w="med" len="med"/>
+                      <a:tailEnd type="none" w="med" len="med"/>
+                    </a:lnT>
+                    <a:lnB w="12700" cap="flat" cmpd="sng" algn="ctr">
+                      <a:solidFill>
+                        <a:schemeClr val="tx1"/>
+                      </a:solidFill>
+                      <a:prstDash val="solid"/>
+                      <a:round/>
+                      <a:headEnd type="none" w="med" len="med"/>
+                      <a:tailEnd type="none" w="med" len="med"/>
+                    </a:lnB>
+                    <a:solidFill>
+                      <a:schemeClr val="bg1">
+                        <a:lumMod val="95000"/>
+                      </a:schemeClr>
+                    </a:solidFill>
+                  </a:tcPr>
+                </a:tc>
+                <a:tc>
+                  <a:txBody>
+                    <a:bodyPr/>
+                    <a:lstStyle/>
+                    <a:p>
+                      <a:pPr algn="ctr"/>
+                      <a:r>
+                        <a:rPr lang="en-US" altLang="zh-CN" sz="1400" b="1" i="1" dirty="0" smtClean="0">
+                          <a:solidFill>
+                            <a:srgbClr val="0000FF"/>
+                          </a:solidFill>
+                          <a:effectLst/>
+                          <a:latin typeface="Arial" panose="020B0604020202020204" pitchFamily="34" charset="0"/>
+                          <a:cs typeface="Arial" panose="020B0604020202020204" pitchFamily="34" charset="0"/>
+                        </a:rPr>
+                        <a:t>1</a:t>
+                      </a:r>
+                      <a:endParaRPr lang="zh-CN" altLang="en-US" sz="1400" b="1" i="1" dirty="0">
+                        <a:solidFill>
+                          <a:srgbClr val="0000FF"/>
+                        </a:solidFill>
+                        <a:effectLst/>
+                        <a:latin typeface="Arial" panose="020B0604020202020204" pitchFamily="34" charset="0"/>
+                        <a:cs typeface="Arial" panose="020B0604020202020204" pitchFamily="34" charset="0"/>
+                      </a:endParaRPr>
+                    </a:p>
+                  </a:txBody>
+                  <a:tcPr anchor="ctr">
+                    <a:lnL w="12700" cap="flat" cmpd="sng" algn="ctr">
+                      <a:solidFill>
+                        <a:schemeClr val="tx1"/>
+                      </a:solidFill>
+                      <a:prstDash val="solid"/>
+                      <a:round/>
+                      <a:headEnd type="none" w="med" len="med"/>
+                      <a:tailEnd type="none" w="med" len="med"/>
+                    </a:lnL>
+                    <a:lnR w="12700" cap="flat" cmpd="sng" algn="ctr">
+                      <a:solidFill>
+                        <a:schemeClr val="tx1"/>
+                      </a:solidFill>
+                      <a:prstDash val="solid"/>
+                      <a:round/>
+                      <a:headEnd type="none" w="med" len="med"/>
+                      <a:tailEnd type="none" w="med" len="med"/>
+                    </a:lnR>
+                    <a:lnT w="12700" cap="flat" cmpd="sng" algn="ctr">
+                      <a:solidFill>
+                        <a:schemeClr val="tx1"/>
+                      </a:solidFill>
+                      <a:prstDash val="solid"/>
+                      <a:round/>
+                      <a:headEnd type="none" w="med" len="med"/>
+                      <a:tailEnd type="none" w="med" len="med"/>
+                    </a:lnT>
+                    <a:lnB w="12700" cap="flat" cmpd="sng" algn="ctr">
+                      <a:solidFill>
+                        <a:schemeClr val="tx1"/>
+                      </a:solidFill>
+                      <a:prstDash val="solid"/>
+                      <a:round/>
+                      <a:headEnd type="none" w="med" len="med"/>
+                      <a:tailEnd type="none" w="med" len="med"/>
+                    </a:lnB>
+                    <a:solidFill>
+                      <a:schemeClr val="bg1">
+                        <a:lumMod val="95000"/>
+                      </a:schemeClr>
+                    </a:solidFill>
+                  </a:tcPr>
+                </a:tc>
+                <a:tc>
+                  <a:txBody>
+                    <a:bodyPr/>
+                    <a:lstStyle/>
+                    <a:p>
+                      <a:pPr algn="ctr"/>
+                      <a:r>
+                        <a:rPr lang="en-US" altLang="zh-CN" sz="1400" b="0" i="1" dirty="0" smtClean="0">
+                          <a:solidFill>
+                            <a:schemeClr val="tx1"/>
+                          </a:solidFill>
+                          <a:effectLst/>
+                          <a:latin typeface="Arial" panose="020B0604020202020204" pitchFamily="34" charset="0"/>
+                          <a:cs typeface="Arial" panose="020B0604020202020204" pitchFamily="34" charset="0"/>
+                        </a:rPr>
+                        <a:t>w</a:t>
+                      </a:r>
+                      <a:endParaRPr lang="zh-CN" altLang="en-US" sz="1400" b="0" i="1" dirty="0">
+                        <a:solidFill>
+                          <a:schemeClr val="tx1"/>
+                        </a:solidFill>
+                        <a:effectLst/>
+                        <a:latin typeface="Arial" panose="020B0604020202020204" pitchFamily="34" charset="0"/>
+                        <a:cs typeface="Arial" panose="020B0604020202020204" pitchFamily="34" charset="0"/>
+                      </a:endParaRPr>
+                    </a:p>
+                  </a:txBody>
+                  <a:tcPr anchor="ctr">
+                    <a:lnL w="12700" cap="flat" cmpd="sng" algn="ctr">
+                      <a:solidFill>
+                        <a:schemeClr val="tx1"/>
+                      </a:solidFill>
+                      <a:prstDash val="solid"/>
+                      <a:round/>
+                      <a:headEnd type="none" w="med" len="med"/>
+                      <a:tailEnd type="none" w="med" len="med"/>
+                    </a:lnL>
+                    <a:lnR w="12700" cap="flat" cmpd="sng" algn="ctr">
+                      <a:solidFill>
+                        <a:schemeClr val="tx1"/>
+                      </a:solidFill>
+                      <a:prstDash val="solid"/>
+                      <a:round/>
+                      <a:headEnd type="none" w="med" len="med"/>
+                      <a:tailEnd type="none" w="med" len="med"/>
+                    </a:lnR>
+                    <a:lnT w="12700" cap="flat" cmpd="sng" algn="ctr">
+                      <a:solidFill>
+                        <a:schemeClr val="tx1"/>
+                      </a:solidFill>
+                      <a:prstDash val="solid"/>
+                      <a:round/>
+                      <a:headEnd type="none" w="med" len="med"/>
+                      <a:tailEnd type="none" w="med" len="med"/>
+                    </a:lnT>
+                    <a:lnB w="12700" cap="flat" cmpd="sng" algn="ctr">
+                      <a:solidFill>
+                        <a:schemeClr val="tx1"/>
+                      </a:solidFill>
+                      <a:prstDash val="solid"/>
+                      <a:round/>
+                      <a:headEnd type="none" w="med" len="med"/>
+                      <a:tailEnd type="none" w="med" len="med"/>
+                    </a:lnB>
+                    <a:noFill/>
+                  </a:tcPr>
+                </a:tc>
+                <a:tc>
+                  <a:txBody>
+                    <a:bodyPr/>
+                    <a:lstStyle/>
+                    <a:p>
+                      <a:pPr algn="ctr"/>
+                      <a:r>
+                        <a:rPr lang="en-US" altLang="zh-CN" sz="1400" b="0" i="1" dirty="0" smtClean="0">
+                          <a:solidFill>
+                            <a:schemeClr val="tx1"/>
+                          </a:solidFill>
+                          <a:effectLst/>
+                          <a:latin typeface="Arial" panose="020B0604020202020204" pitchFamily="34" charset="0"/>
+                          <a:cs typeface="Arial" panose="020B0604020202020204" pitchFamily="34" charset="0"/>
+                        </a:rPr>
+                        <a:t>1</a:t>
+                      </a:r>
+                      <a:endParaRPr lang="zh-CN" altLang="en-US" sz="1400" b="0" i="1" dirty="0">
+                        <a:solidFill>
+                          <a:schemeClr val="tx1"/>
+                        </a:solidFill>
+                        <a:effectLst/>
+                        <a:latin typeface="Arial" panose="020B0604020202020204" pitchFamily="34" charset="0"/>
+                        <a:cs typeface="Arial" panose="020B0604020202020204" pitchFamily="34" charset="0"/>
+                      </a:endParaRPr>
+                    </a:p>
+                  </a:txBody>
+                  <a:tcPr anchor="ctr">
+                    <a:lnL w="12700" cap="flat" cmpd="sng" algn="ctr">
+                      <a:solidFill>
+                        <a:schemeClr val="tx1"/>
+                      </a:solidFill>
+                      <a:prstDash val="solid"/>
+                      <a:round/>
+                      <a:headEnd type="none" w="med" len="med"/>
+                      <a:tailEnd type="none" w="med" len="med"/>
+                    </a:lnL>
+                    <a:lnR w="12700" cap="flat" cmpd="sng" algn="ctr">
+                      <a:solidFill>
+                        <a:schemeClr val="tx1"/>
+                      </a:solidFill>
+                      <a:prstDash val="solid"/>
+                      <a:round/>
+                      <a:headEnd type="none" w="med" len="med"/>
+                      <a:tailEnd type="none" w="med" len="med"/>
+                    </a:lnR>
+                    <a:lnT w="12700" cap="flat" cmpd="sng" algn="ctr">
+                      <a:solidFill>
+                        <a:schemeClr val="tx1"/>
+                      </a:solidFill>
+                      <a:prstDash val="solid"/>
+                      <a:round/>
+                      <a:headEnd type="none" w="med" len="med"/>
+                      <a:tailEnd type="none" w="med" len="med"/>
+                    </a:lnT>
+                    <a:lnB w="12700" cap="flat" cmpd="sng" algn="ctr">
+                      <a:solidFill>
+                        <a:schemeClr val="tx1"/>
+                      </a:solidFill>
+                      <a:prstDash val="solid"/>
+                      <a:round/>
+                      <a:headEnd type="none" w="med" len="med"/>
+                      <a:tailEnd type="none" w="med" len="med"/>
+                    </a:lnB>
+                    <a:noFill/>
+                  </a:tcPr>
+                </a:tc>
+                <a:extLst>
+                  <a:ext uri="{0D108BD9-81ED-4DB2-BD59-A6C34878D82A}">
+                    <a16:rowId xmlns:a16="http://schemas.microsoft.com/office/drawing/2014/main" val="2457331936"/>
+                  </a:ext>
+                </a:extLst>
+              </a:tr>
+            </a:tbl>
+          </a:graphicData>
+        </a:graphic>
+      </p:graphicFrame>
+      <p:sp>
+        <p:nvSpPr>
+          <p:cNvPr id="9" name="文本框 8"/>
+          <p:cNvSpPr txBox="1"/>
+          <p:nvPr/>
+        </p:nvSpPr>
+        <p:spPr>
+          <a:xfrm>
+            <a:off x="3491880" y="2430575"/>
+            <a:ext cx="2286780" cy="923330"/>
+          </a:xfrm>
+          <a:prstGeom prst="rect">
+            <a:avLst/>
+          </a:prstGeom>
+          <a:noFill/>
+        </p:spPr>
+        <p:txBody>
+          <a:bodyPr wrap="none" rtlCol="0">
+            <a:spAutoFit/>
+          </a:bodyPr>
+          <a:lstStyle/>
+          <a:p>
+            <a:pPr>
+              <a:lnSpc>
+                <a:spcPct val="150000"/>
+              </a:lnSpc>
+            </a:pPr>
+            <a:r>
+              <a:rPr lang="en-US" altLang="zh-CN" dirty="0" smtClean="0"/>
+              <a:t>Step 2 – Complete :</a:t>
+            </a:r>
+          </a:p>
+          <a:p>
+            <a:pPr>
+              <a:lnSpc>
+                <a:spcPct val="150000"/>
+              </a:lnSpc>
+            </a:pPr>
+            <a:r>
+              <a:rPr lang="en-US" altLang="zh-CN" dirty="0"/>
+              <a:t>Complete the </a:t>
+            </a:r>
+            <a:r>
+              <a:rPr lang="en-US" altLang="zh-CN" dirty="0" smtClean="0"/>
+              <a:t>axis </a:t>
+            </a:r>
+            <a:r>
+              <a:rPr lang="en-US" altLang="zh-CN" dirty="0"/>
+              <a:t>of B</a:t>
+            </a:r>
+            <a:endParaRPr lang="zh-CN" altLang="en-US" dirty="0"/>
+          </a:p>
+        </p:txBody>
+      </p:sp>
+      <p:sp>
+        <p:nvSpPr>
+          <p:cNvPr id="10" name="下箭头 9"/>
+          <p:cNvSpPr/>
+          <p:nvPr/>
+        </p:nvSpPr>
+        <p:spPr>
+          <a:xfrm>
+            <a:off x="2699792" y="3553101"/>
+            <a:ext cx="504056" cy="246991"/>
+          </a:xfrm>
+          <a:prstGeom prst="downArrow">
+            <a:avLst/>
+          </a:prstGeom>
+          <a:noFill/>
+          <a:ln w="19050">
+            <a:solidFill>
+              <a:schemeClr val="bg1">
+                <a:lumMod val="50000"/>
+              </a:schemeClr>
+            </a:solidFill>
+          </a:ln>
+        </p:spPr>
+        <p:style>
+          <a:lnRef idx="2">
+            <a:schemeClr val="accent1">
+              <a:shade val="50000"/>
+            </a:schemeClr>
+          </a:lnRef>
+          <a:fillRef idx="1">
+            <a:schemeClr val="accent1"/>
+          </a:fillRef>
+          <a:effectRef idx="0">
+            <a:schemeClr val="accent1"/>
+          </a:effectRef>
+          <a:fontRef idx="minor">
+            <a:schemeClr val="lt1"/>
+          </a:fontRef>
+        </p:style>
+        <p:txBody>
+          <a:bodyPr rtlCol="0" anchor="ctr"/>
+          <a:lstStyle/>
+          <a:p>
+            <a:pPr algn="ctr"/>
+            <a:endParaRPr lang="zh-CN" altLang="en-US"/>
+          </a:p>
+        </p:txBody>
+      </p:sp>
+      <p:graphicFrame>
+        <p:nvGraphicFramePr>
+          <p:cNvPr id="11" name="表格 10"/>
+          <p:cNvGraphicFramePr>
+            <a:graphicFrameLocks noGrp="1"/>
+          </p:cNvGraphicFramePr>
+          <p:nvPr>
+            <p:extLst>
+              <p:ext uri="{D42A27DB-BD31-4B8C-83A1-F6EECF244321}">
+                <p14:modId xmlns:p14="http://schemas.microsoft.com/office/powerpoint/2010/main" val="1462763162"/>
+              </p:ext>
+            </p:extLst>
+          </p:nvPr>
+        </p:nvGraphicFramePr>
+        <p:xfrm>
+          <a:off x="467544" y="3977181"/>
+          <a:ext cx="2932570" cy="1112520"/>
+        </p:xfrm>
+        <a:graphic>
+          <a:graphicData uri="http://schemas.openxmlformats.org/drawingml/2006/table">
+            <a:tbl>
+              <a:tblPr firstRow="1" bandRow="1">
+                <a:tableStyleId>{5C22544A-7EE6-4342-B048-85BDC9FD1C3A}</a:tableStyleId>
+              </a:tblPr>
+              <a:tblGrid>
+                <a:gridCol w="763270">
+                  <a:extLst>
+                    <a:ext uri="{9D8B030D-6E8A-4147-A177-3AD203B41FA5}">
+                      <a16:colId xmlns:a16="http://schemas.microsoft.com/office/drawing/2014/main" val="3326979791"/>
+                    </a:ext>
+                  </a:extLst>
+                </a:gridCol>
+                <a:gridCol w="542325">
+                  <a:extLst>
+                    <a:ext uri="{9D8B030D-6E8A-4147-A177-3AD203B41FA5}">
+                      <a16:colId xmlns:a16="http://schemas.microsoft.com/office/drawing/2014/main" val="637607070"/>
+                    </a:ext>
+                  </a:extLst>
+                </a:gridCol>
+                <a:gridCol w="542325">
+                  <a:extLst>
+                    <a:ext uri="{9D8B030D-6E8A-4147-A177-3AD203B41FA5}">
+                      <a16:colId xmlns:a16="http://schemas.microsoft.com/office/drawing/2014/main" val="1695508235"/>
+                    </a:ext>
+                  </a:extLst>
+                </a:gridCol>
+                <a:gridCol w="542325">
+                  <a:extLst>
+                    <a:ext uri="{9D8B030D-6E8A-4147-A177-3AD203B41FA5}">
+                      <a16:colId xmlns:a16="http://schemas.microsoft.com/office/drawing/2014/main" val="1870987448"/>
+                    </a:ext>
+                  </a:extLst>
+                </a:gridCol>
+                <a:gridCol w="542325">
+                  <a:extLst>
+                    <a:ext uri="{9D8B030D-6E8A-4147-A177-3AD203B41FA5}">
+                      <a16:colId xmlns:a16="http://schemas.microsoft.com/office/drawing/2014/main" val="324699617"/>
+                    </a:ext>
+                  </a:extLst>
+                </a:gridCol>
+              </a:tblGrid>
+              <a:tr h="370840">
+                <a:tc>
+                  <a:txBody>
+                    <a:bodyPr/>
+                    <a:lstStyle/>
+                    <a:p>
+                      <a:pPr algn="ctr"/>
+                      <a:r>
+                        <a:rPr lang="en-US" altLang="zh-CN" sz="1400" b="1" dirty="0" smtClean="0">
+                          <a:solidFill>
+                            <a:schemeClr val="tx1"/>
+                          </a:solidFill>
+                          <a:effectLst/>
+                          <a:latin typeface="Arial" panose="020B0604020202020204" pitchFamily="34" charset="0"/>
+                          <a:cs typeface="Arial" panose="020B0604020202020204" pitchFamily="34" charset="0"/>
+                        </a:rPr>
+                        <a:t>axis:</a:t>
+                      </a:r>
+                      <a:endParaRPr lang="zh-CN" altLang="en-US" sz="1400" b="1" dirty="0">
+                        <a:solidFill>
+                          <a:schemeClr val="tx1"/>
+                        </a:solidFill>
+                        <a:effectLst/>
+                        <a:latin typeface="Arial" panose="020B0604020202020204" pitchFamily="34" charset="0"/>
+                        <a:cs typeface="Arial" panose="020B0604020202020204" pitchFamily="34" charset="0"/>
+                      </a:endParaRPr>
+                    </a:p>
+                  </a:txBody>
+                  <a:tcPr anchor="ctr">
+                    <a:lnL w="12700" cap="flat" cmpd="sng" algn="ctr">
+                      <a:solidFill>
+                        <a:schemeClr val="tx1"/>
+                      </a:solidFill>
+                      <a:prstDash val="solid"/>
+                      <a:round/>
+                      <a:headEnd type="none" w="med" len="med"/>
+                      <a:tailEnd type="none" w="med" len="med"/>
+                    </a:lnL>
+                    <a:lnR w="12700" cap="flat" cmpd="sng" algn="ctr">
+                      <a:solidFill>
+                        <a:schemeClr val="tx1"/>
+                      </a:solidFill>
+                      <a:prstDash val="solid"/>
+                      <a:round/>
+                      <a:headEnd type="none" w="med" len="med"/>
+                      <a:tailEnd type="none" w="med" len="med"/>
+                    </a:lnR>
+                    <a:lnT w="12700" cap="flat" cmpd="sng" algn="ctr">
+                      <a:solidFill>
+                        <a:schemeClr val="tx1"/>
+                      </a:solidFill>
+                      <a:prstDash val="solid"/>
+                      <a:round/>
+                      <a:headEnd type="none" w="med" len="med"/>
+                      <a:tailEnd type="none" w="med" len="med"/>
+                    </a:lnT>
+                    <a:lnB w="12700" cap="flat" cmpd="sng" algn="ctr">
+                      <a:solidFill>
+                        <a:schemeClr val="tx1"/>
+                      </a:solidFill>
+                      <a:prstDash val="solid"/>
+                      <a:round/>
+                      <a:headEnd type="none" w="med" len="med"/>
+                      <a:tailEnd type="none" w="med" len="med"/>
+                    </a:lnB>
+                    <a:solidFill>
+                      <a:schemeClr val="accent6">
+                        <a:lumMod val="20000"/>
+                        <a:lumOff val="80000"/>
+                      </a:schemeClr>
+                    </a:solidFill>
+                  </a:tcPr>
+                </a:tc>
+                <a:tc>
+                  <a:txBody>
+                    <a:bodyPr/>
+                    <a:lstStyle/>
+                    <a:p>
+                      <a:pPr algn="ctr"/>
+                      <a:r>
+                        <a:rPr lang="en-US" altLang="zh-CN" sz="1400" b="1" dirty="0" smtClean="0">
+                          <a:solidFill>
+                            <a:schemeClr val="tx1"/>
+                          </a:solidFill>
+                          <a:effectLst/>
+                          <a:latin typeface="Arial" panose="020B0604020202020204" pitchFamily="34" charset="0"/>
+                          <a:cs typeface="Arial" panose="020B0604020202020204" pitchFamily="34" charset="0"/>
+                        </a:rPr>
+                        <a:t>0</a:t>
+                      </a:r>
+                      <a:endParaRPr lang="zh-CN" altLang="en-US" sz="1400" b="1" dirty="0">
+                        <a:solidFill>
+                          <a:schemeClr val="tx1"/>
+                        </a:solidFill>
+                        <a:effectLst/>
+                        <a:latin typeface="Arial" panose="020B0604020202020204" pitchFamily="34" charset="0"/>
+                        <a:cs typeface="Arial" panose="020B0604020202020204" pitchFamily="34" charset="0"/>
+                      </a:endParaRPr>
+                    </a:p>
+                  </a:txBody>
+                  <a:tcPr anchor="ctr">
+                    <a:lnL w="12700" cap="flat" cmpd="sng" algn="ctr">
+                      <a:solidFill>
+                        <a:schemeClr val="tx1"/>
+                      </a:solidFill>
+                      <a:prstDash val="solid"/>
+                      <a:round/>
+                      <a:headEnd type="none" w="med" len="med"/>
+                      <a:tailEnd type="none" w="med" len="med"/>
+                    </a:lnL>
+                    <a:lnR w="12700" cap="flat" cmpd="sng" algn="ctr">
+                      <a:solidFill>
+                        <a:schemeClr val="tx1"/>
+                      </a:solidFill>
+                      <a:prstDash val="solid"/>
+                      <a:round/>
+                      <a:headEnd type="none" w="med" len="med"/>
+                      <a:tailEnd type="none" w="med" len="med"/>
+                    </a:lnR>
+                    <a:lnT w="12700" cap="flat" cmpd="sng" algn="ctr">
+                      <a:solidFill>
+                        <a:schemeClr val="tx1"/>
+                      </a:solidFill>
+                      <a:prstDash val="solid"/>
+                      <a:round/>
+                      <a:headEnd type="none" w="med" len="med"/>
+                      <a:tailEnd type="none" w="med" len="med"/>
+                    </a:lnT>
+                    <a:lnB w="12700" cap="flat" cmpd="sng" algn="ctr">
+                      <a:solidFill>
+                        <a:schemeClr val="tx1"/>
+                      </a:solidFill>
+                      <a:prstDash val="solid"/>
+                      <a:round/>
+                      <a:headEnd type="none" w="med" len="med"/>
+                      <a:tailEnd type="none" w="med" len="med"/>
+                    </a:lnB>
+                    <a:solidFill>
+                      <a:schemeClr val="accent6">
+                        <a:lumMod val="20000"/>
+                        <a:lumOff val="80000"/>
+                      </a:schemeClr>
+                    </a:solidFill>
+                  </a:tcPr>
+                </a:tc>
+                <a:tc>
+                  <a:txBody>
+                    <a:bodyPr/>
+                    <a:lstStyle/>
+                    <a:p>
+                      <a:pPr algn="ctr"/>
+                      <a:r>
+                        <a:rPr lang="en-US" altLang="zh-CN" sz="1400" b="1" dirty="0" smtClean="0">
+                          <a:solidFill>
+                            <a:schemeClr val="tx1"/>
+                          </a:solidFill>
+                          <a:effectLst/>
+                          <a:latin typeface="Arial" panose="020B0604020202020204" pitchFamily="34" charset="0"/>
+                          <a:cs typeface="Arial" panose="020B0604020202020204" pitchFamily="34" charset="0"/>
+                        </a:rPr>
+                        <a:t>1</a:t>
+                      </a:r>
+                      <a:endParaRPr lang="zh-CN" altLang="en-US" sz="1400" b="1" dirty="0">
+                        <a:solidFill>
+                          <a:schemeClr val="tx1"/>
+                        </a:solidFill>
+                        <a:effectLst/>
+                        <a:latin typeface="Arial" panose="020B0604020202020204" pitchFamily="34" charset="0"/>
+                        <a:cs typeface="Arial" panose="020B0604020202020204" pitchFamily="34" charset="0"/>
+                      </a:endParaRPr>
+                    </a:p>
+                  </a:txBody>
+                  <a:tcPr anchor="ctr">
+                    <a:lnL w="12700" cap="flat" cmpd="sng" algn="ctr">
+                      <a:solidFill>
+                        <a:schemeClr val="tx1"/>
+                      </a:solidFill>
+                      <a:prstDash val="solid"/>
+                      <a:round/>
+                      <a:headEnd type="none" w="med" len="med"/>
+                      <a:tailEnd type="none" w="med" len="med"/>
+                    </a:lnL>
+                    <a:lnR w="12700" cap="flat" cmpd="sng" algn="ctr">
+                      <a:solidFill>
+                        <a:schemeClr val="tx1"/>
+                      </a:solidFill>
+                      <a:prstDash val="solid"/>
+                      <a:round/>
+                      <a:headEnd type="none" w="med" len="med"/>
+                      <a:tailEnd type="none" w="med" len="med"/>
+                    </a:lnR>
+                    <a:lnT w="12700" cap="flat" cmpd="sng" algn="ctr">
+                      <a:solidFill>
+                        <a:schemeClr val="tx1"/>
+                      </a:solidFill>
+                      <a:prstDash val="solid"/>
+                      <a:round/>
+                      <a:headEnd type="none" w="med" len="med"/>
+                      <a:tailEnd type="none" w="med" len="med"/>
+                    </a:lnT>
+                    <a:lnB w="12700" cap="flat" cmpd="sng" algn="ctr">
+                      <a:solidFill>
+                        <a:schemeClr val="tx1"/>
+                      </a:solidFill>
+                      <a:prstDash val="solid"/>
+                      <a:round/>
+                      <a:headEnd type="none" w="med" len="med"/>
+                      <a:tailEnd type="none" w="med" len="med"/>
+                    </a:lnB>
+                    <a:solidFill>
+                      <a:schemeClr val="accent6">
+                        <a:lumMod val="20000"/>
+                        <a:lumOff val="80000"/>
+                      </a:schemeClr>
+                    </a:solidFill>
+                  </a:tcPr>
+                </a:tc>
+                <a:tc>
+                  <a:txBody>
+                    <a:bodyPr/>
+                    <a:lstStyle/>
+                    <a:p>
+                      <a:pPr algn="ctr"/>
+                      <a:r>
+                        <a:rPr lang="en-US" altLang="zh-CN" sz="1400" b="1" dirty="0" smtClean="0">
+                          <a:solidFill>
+                            <a:schemeClr val="tx1"/>
+                          </a:solidFill>
+                          <a:effectLst/>
+                          <a:latin typeface="Arial" panose="020B0604020202020204" pitchFamily="34" charset="0"/>
+                          <a:cs typeface="Arial" panose="020B0604020202020204" pitchFamily="34" charset="0"/>
+                        </a:rPr>
+                        <a:t>2</a:t>
+                      </a:r>
+                      <a:endParaRPr lang="zh-CN" altLang="en-US" sz="1400" b="1" dirty="0">
+                        <a:solidFill>
+                          <a:schemeClr val="tx1"/>
+                        </a:solidFill>
+                        <a:effectLst/>
+                        <a:latin typeface="Arial" panose="020B0604020202020204" pitchFamily="34" charset="0"/>
+                        <a:cs typeface="Arial" panose="020B0604020202020204" pitchFamily="34" charset="0"/>
+                      </a:endParaRPr>
+                    </a:p>
+                  </a:txBody>
+                  <a:tcPr anchor="ctr">
+                    <a:lnL w="12700" cap="flat" cmpd="sng" algn="ctr">
+                      <a:solidFill>
+                        <a:schemeClr val="tx1"/>
+                      </a:solidFill>
+                      <a:prstDash val="solid"/>
+                      <a:round/>
+                      <a:headEnd type="none" w="med" len="med"/>
+                      <a:tailEnd type="none" w="med" len="med"/>
+                    </a:lnL>
+                    <a:lnR w="12700" cap="flat" cmpd="sng" algn="ctr">
+                      <a:solidFill>
+                        <a:schemeClr val="tx1"/>
+                      </a:solidFill>
+                      <a:prstDash val="solid"/>
+                      <a:round/>
+                      <a:headEnd type="none" w="med" len="med"/>
+                      <a:tailEnd type="none" w="med" len="med"/>
+                    </a:lnR>
+                    <a:lnT w="12700" cap="flat" cmpd="sng" algn="ctr">
+                      <a:solidFill>
+                        <a:schemeClr val="tx1"/>
+                      </a:solidFill>
+                      <a:prstDash val="solid"/>
+                      <a:round/>
+                      <a:headEnd type="none" w="med" len="med"/>
+                      <a:tailEnd type="none" w="med" len="med"/>
+                    </a:lnT>
+                    <a:lnB w="12700" cap="flat" cmpd="sng" algn="ctr">
+                      <a:solidFill>
+                        <a:schemeClr val="tx1"/>
+                      </a:solidFill>
+                      <a:prstDash val="solid"/>
+                      <a:round/>
+                      <a:headEnd type="none" w="med" len="med"/>
+                      <a:tailEnd type="none" w="med" len="med"/>
+                    </a:lnB>
+                    <a:solidFill>
+                      <a:schemeClr val="accent6">
+                        <a:lumMod val="20000"/>
+                        <a:lumOff val="80000"/>
+                      </a:schemeClr>
+                    </a:solidFill>
+                  </a:tcPr>
+                </a:tc>
+                <a:tc>
+                  <a:txBody>
+                    <a:bodyPr/>
+                    <a:lstStyle/>
+                    <a:p>
+                      <a:pPr algn="ctr"/>
+                      <a:r>
+                        <a:rPr lang="en-US" altLang="zh-CN" sz="1400" b="1" dirty="0" smtClean="0">
+                          <a:solidFill>
+                            <a:schemeClr val="tx1"/>
+                          </a:solidFill>
+                          <a:effectLst/>
+                          <a:latin typeface="Arial" panose="020B0604020202020204" pitchFamily="34" charset="0"/>
+                          <a:cs typeface="Arial" panose="020B0604020202020204" pitchFamily="34" charset="0"/>
+                        </a:rPr>
+                        <a:t>3</a:t>
+                      </a:r>
+                      <a:endParaRPr lang="zh-CN" altLang="en-US" sz="1400" b="1" dirty="0">
+                        <a:solidFill>
+                          <a:schemeClr val="tx1"/>
+                        </a:solidFill>
+                        <a:effectLst/>
+                        <a:latin typeface="Arial" panose="020B0604020202020204" pitchFamily="34" charset="0"/>
+                        <a:cs typeface="Arial" panose="020B0604020202020204" pitchFamily="34" charset="0"/>
+                      </a:endParaRPr>
+                    </a:p>
+                  </a:txBody>
+                  <a:tcPr anchor="ctr">
+                    <a:lnL w="12700" cap="flat" cmpd="sng" algn="ctr">
+                      <a:solidFill>
+                        <a:schemeClr val="tx1"/>
+                      </a:solidFill>
+                      <a:prstDash val="solid"/>
+                      <a:round/>
+                      <a:headEnd type="none" w="med" len="med"/>
+                      <a:tailEnd type="none" w="med" len="med"/>
+                    </a:lnL>
+                    <a:lnR w="12700" cap="flat" cmpd="sng" algn="ctr">
+                      <a:solidFill>
+                        <a:schemeClr val="tx1"/>
+                      </a:solidFill>
+                      <a:prstDash val="solid"/>
+                      <a:round/>
+                      <a:headEnd type="none" w="med" len="med"/>
+                      <a:tailEnd type="none" w="med" len="med"/>
+                    </a:lnR>
+                    <a:lnT w="12700" cap="flat" cmpd="sng" algn="ctr">
+                      <a:solidFill>
+                        <a:schemeClr val="tx1"/>
+                      </a:solidFill>
+                      <a:prstDash val="solid"/>
+                      <a:round/>
+                      <a:headEnd type="none" w="med" len="med"/>
+                      <a:tailEnd type="none" w="med" len="med"/>
+                    </a:lnT>
+                    <a:lnB w="12700" cap="flat" cmpd="sng" algn="ctr">
+                      <a:solidFill>
+                        <a:schemeClr val="tx1"/>
+                      </a:solidFill>
+                      <a:prstDash val="solid"/>
+                      <a:round/>
+                      <a:headEnd type="none" w="med" len="med"/>
+                      <a:tailEnd type="none" w="med" len="med"/>
+                    </a:lnB>
+                    <a:solidFill>
+                      <a:schemeClr val="accent6">
+                        <a:lumMod val="20000"/>
+                        <a:lumOff val="80000"/>
+                      </a:schemeClr>
+                    </a:solidFill>
+                  </a:tcPr>
+                </a:tc>
+                <a:extLst>
+                  <a:ext uri="{0D108BD9-81ED-4DB2-BD59-A6C34878D82A}">
+                    <a16:rowId xmlns:a16="http://schemas.microsoft.com/office/drawing/2014/main" val="798814532"/>
+                  </a:ext>
+                </a:extLst>
+              </a:tr>
+              <a:tr h="370840">
+                <a:tc>
+                  <a:txBody>
+                    <a:bodyPr/>
+                    <a:lstStyle/>
+                    <a:p>
+                      <a:pPr algn="ctr"/>
+                      <a:r>
+                        <a:rPr lang="en-US" altLang="zh-CN" sz="1400" b="1" dirty="0" smtClean="0">
+                          <a:solidFill>
+                            <a:schemeClr val="tx1"/>
+                          </a:solidFill>
+                          <a:effectLst/>
+                          <a:latin typeface="Arial" panose="020B0604020202020204" pitchFamily="34" charset="0"/>
+                          <a:cs typeface="Arial" panose="020B0604020202020204" pitchFamily="34" charset="0"/>
+                        </a:rPr>
+                        <a:t>A</a:t>
+                      </a:r>
+                      <a:endParaRPr lang="zh-CN" altLang="en-US" sz="1400" b="1" dirty="0">
+                        <a:solidFill>
+                          <a:schemeClr val="tx1"/>
+                        </a:solidFill>
+                        <a:effectLst/>
+                        <a:latin typeface="Arial" panose="020B0604020202020204" pitchFamily="34" charset="0"/>
+                        <a:cs typeface="Arial" panose="020B0604020202020204" pitchFamily="34" charset="0"/>
+                      </a:endParaRPr>
+                    </a:p>
+                  </a:txBody>
+                  <a:tcPr anchor="ctr">
+                    <a:lnL w="12700" cap="flat" cmpd="sng" algn="ctr">
+                      <a:solidFill>
+                        <a:schemeClr val="tx1"/>
+                      </a:solidFill>
+                      <a:prstDash val="solid"/>
+                      <a:round/>
+                      <a:headEnd type="none" w="med" len="med"/>
+                      <a:tailEnd type="none" w="med" len="med"/>
+                    </a:lnL>
+                    <a:lnR w="12700" cap="flat" cmpd="sng" algn="ctr">
+                      <a:solidFill>
+                        <a:schemeClr val="tx1"/>
+                      </a:solidFill>
+                      <a:prstDash val="solid"/>
+                      <a:round/>
+                      <a:headEnd type="none" w="med" len="med"/>
+                      <a:tailEnd type="none" w="med" len="med"/>
+                    </a:lnR>
+                    <a:lnT w="12700" cap="flat" cmpd="sng" algn="ctr">
+                      <a:solidFill>
+                        <a:schemeClr val="tx1"/>
+                      </a:solidFill>
+                      <a:prstDash val="solid"/>
+                      <a:round/>
+                      <a:headEnd type="none" w="med" len="med"/>
+                      <a:tailEnd type="none" w="med" len="med"/>
+                    </a:lnT>
+                    <a:lnB w="12700" cap="flat" cmpd="sng" algn="ctr">
+                      <a:solidFill>
+                        <a:schemeClr val="tx1"/>
+                      </a:solidFill>
+                      <a:prstDash val="solid"/>
+                      <a:round/>
+                      <a:headEnd type="none" w="med" len="med"/>
+                      <a:tailEnd type="none" w="med" len="med"/>
+                    </a:lnB>
+                    <a:solidFill>
+                      <a:schemeClr val="accent5">
+                        <a:lumMod val="20000"/>
+                        <a:lumOff val="80000"/>
+                      </a:schemeClr>
+                    </a:solidFill>
+                  </a:tcPr>
+                </a:tc>
+                <a:tc>
+                  <a:txBody>
+                    <a:bodyPr/>
+                    <a:lstStyle/>
+                    <a:p>
+                      <a:pPr algn="ctr"/>
+                      <a:r>
+                        <a:rPr lang="en-US" altLang="zh-CN" sz="1400" b="0" i="1" dirty="0" smtClean="0">
+                          <a:solidFill>
+                            <a:schemeClr val="tx1"/>
+                          </a:solidFill>
+                          <a:effectLst/>
+                          <a:latin typeface="Arial" panose="020B0604020202020204" pitchFamily="34" charset="0"/>
+                          <a:cs typeface="Arial" panose="020B0604020202020204" pitchFamily="34" charset="0"/>
+                        </a:rPr>
+                        <a:t>b</a:t>
+                      </a:r>
+                      <a:endParaRPr lang="zh-CN" altLang="en-US" sz="1400" b="0" i="1" dirty="0">
+                        <a:solidFill>
+                          <a:schemeClr val="tx1"/>
+                        </a:solidFill>
+                        <a:effectLst/>
+                        <a:latin typeface="Arial" panose="020B0604020202020204" pitchFamily="34" charset="0"/>
+                        <a:cs typeface="Arial" panose="020B0604020202020204" pitchFamily="34" charset="0"/>
+                      </a:endParaRPr>
+                    </a:p>
+                  </a:txBody>
+                  <a:tcPr anchor="ctr">
+                    <a:lnL w="12700" cap="flat" cmpd="sng" algn="ctr">
+                      <a:solidFill>
+                        <a:schemeClr val="tx1"/>
+                      </a:solidFill>
+                      <a:prstDash val="solid"/>
+                      <a:round/>
+                      <a:headEnd type="none" w="med" len="med"/>
+                      <a:tailEnd type="none" w="med" len="med"/>
+                    </a:lnL>
+                    <a:lnR w="12700" cap="flat" cmpd="sng" algn="ctr">
+                      <a:solidFill>
+                        <a:schemeClr val="tx1"/>
+                      </a:solidFill>
+                      <a:prstDash val="solid"/>
+                      <a:round/>
+                      <a:headEnd type="none" w="med" len="med"/>
+                      <a:tailEnd type="none" w="med" len="med"/>
+                    </a:lnR>
+                    <a:lnT w="12700" cap="flat" cmpd="sng" algn="ctr">
+                      <a:solidFill>
+                        <a:schemeClr val="tx1"/>
+                      </a:solidFill>
+                      <a:prstDash val="solid"/>
+                      <a:round/>
+                      <a:headEnd type="none" w="med" len="med"/>
+                      <a:tailEnd type="none" w="med" len="med"/>
+                    </a:lnT>
+                    <a:lnB w="12700" cap="flat" cmpd="sng" algn="ctr">
+                      <a:solidFill>
+                        <a:schemeClr val="tx1"/>
+                      </a:solidFill>
+                      <a:prstDash val="solid"/>
+                      <a:round/>
+                      <a:headEnd type="none" w="med" len="med"/>
+                      <a:tailEnd type="none" w="med" len="med"/>
+                    </a:lnB>
+                    <a:noFill/>
+                  </a:tcPr>
+                </a:tc>
+                <a:tc>
+                  <a:txBody>
+                    <a:bodyPr/>
+                    <a:lstStyle/>
+                    <a:p>
+                      <a:pPr algn="ctr"/>
+                      <a:r>
+                        <a:rPr lang="en-US" altLang="zh-CN" sz="1400" b="0" i="1" dirty="0" smtClean="0">
+                          <a:solidFill>
+                            <a:schemeClr val="tx1"/>
+                          </a:solidFill>
+                          <a:effectLst/>
+                          <a:latin typeface="Arial" panose="020B0604020202020204" pitchFamily="34" charset="0"/>
+                          <a:cs typeface="Arial" panose="020B0604020202020204" pitchFamily="34" charset="0"/>
+                        </a:rPr>
+                        <a:t>h</a:t>
+                      </a:r>
+                      <a:endParaRPr lang="zh-CN" altLang="en-US" sz="1400" b="0" i="1" dirty="0">
+                        <a:solidFill>
+                          <a:schemeClr val="tx1"/>
+                        </a:solidFill>
+                        <a:effectLst/>
+                        <a:latin typeface="Arial" panose="020B0604020202020204" pitchFamily="34" charset="0"/>
+                        <a:cs typeface="Arial" panose="020B0604020202020204" pitchFamily="34" charset="0"/>
+                      </a:endParaRPr>
+                    </a:p>
+                  </a:txBody>
+                  <a:tcPr anchor="ctr">
+                    <a:lnL w="12700" cap="flat" cmpd="sng" algn="ctr">
+                      <a:solidFill>
+                        <a:schemeClr val="tx1"/>
+                      </a:solidFill>
+                      <a:prstDash val="solid"/>
+                      <a:round/>
+                      <a:headEnd type="none" w="med" len="med"/>
+                      <a:tailEnd type="none" w="med" len="med"/>
+                    </a:lnL>
+                    <a:lnR w="12700" cap="flat" cmpd="sng" algn="ctr">
+                      <a:solidFill>
+                        <a:schemeClr val="tx1"/>
+                      </a:solidFill>
+                      <a:prstDash val="solid"/>
+                      <a:round/>
+                      <a:headEnd type="none" w="med" len="med"/>
+                      <a:tailEnd type="none" w="med" len="med"/>
+                    </a:lnR>
+                    <a:lnT w="12700" cap="flat" cmpd="sng" algn="ctr">
+                      <a:solidFill>
+                        <a:schemeClr val="tx1"/>
+                      </a:solidFill>
+                      <a:prstDash val="solid"/>
+                      <a:round/>
+                      <a:headEnd type="none" w="med" len="med"/>
+                      <a:tailEnd type="none" w="med" len="med"/>
+                    </a:lnT>
+                    <a:lnB w="12700" cap="flat" cmpd="sng" algn="ctr">
+                      <a:solidFill>
+                        <a:schemeClr val="tx1"/>
+                      </a:solidFill>
+                      <a:prstDash val="solid"/>
+                      <a:round/>
+                      <a:headEnd type="none" w="med" len="med"/>
+                      <a:tailEnd type="none" w="med" len="med"/>
+                    </a:lnB>
+                    <a:noFill/>
+                  </a:tcPr>
+                </a:tc>
+                <a:tc>
+                  <a:txBody>
+                    <a:bodyPr/>
+                    <a:lstStyle/>
+                    <a:p>
+                      <a:pPr algn="ctr"/>
+                      <a:r>
+                        <a:rPr lang="en-US" altLang="zh-CN" sz="1400" b="0" i="1" dirty="0" smtClean="0">
+                          <a:solidFill>
+                            <a:schemeClr val="tx1"/>
+                          </a:solidFill>
+                          <a:effectLst/>
+                          <a:latin typeface="Arial" panose="020B0604020202020204" pitchFamily="34" charset="0"/>
+                          <a:cs typeface="Arial" panose="020B0604020202020204" pitchFamily="34" charset="0"/>
+                        </a:rPr>
+                        <a:t>w</a:t>
+                      </a:r>
+                      <a:endParaRPr lang="zh-CN" altLang="en-US" sz="1400" b="0" i="1" dirty="0">
+                        <a:solidFill>
+                          <a:schemeClr val="tx1"/>
+                        </a:solidFill>
+                        <a:effectLst/>
+                        <a:latin typeface="Arial" panose="020B0604020202020204" pitchFamily="34" charset="0"/>
+                        <a:cs typeface="Arial" panose="020B0604020202020204" pitchFamily="34" charset="0"/>
+                      </a:endParaRPr>
+                    </a:p>
+                  </a:txBody>
+                  <a:tcPr anchor="ctr">
+                    <a:lnL w="12700" cap="flat" cmpd="sng" algn="ctr">
+                      <a:solidFill>
+                        <a:schemeClr val="tx1"/>
+                      </a:solidFill>
+                      <a:prstDash val="solid"/>
+                      <a:round/>
+                      <a:headEnd type="none" w="med" len="med"/>
+                      <a:tailEnd type="none" w="med" len="med"/>
+                    </a:lnL>
+                    <a:lnR w="12700" cap="flat" cmpd="sng" algn="ctr">
+                      <a:solidFill>
+                        <a:schemeClr val="tx1"/>
+                      </a:solidFill>
+                      <a:prstDash val="solid"/>
+                      <a:round/>
+                      <a:headEnd type="none" w="med" len="med"/>
+                      <a:tailEnd type="none" w="med" len="med"/>
+                    </a:lnR>
+                    <a:lnT w="12700" cap="flat" cmpd="sng" algn="ctr">
+                      <a:solidFill>
+                        <a:schemeClr val="tx1"/>
+                      </a:solidFill>
+                      <a:prstDash val="solid"/>
+                      <a:round/>
+                      <a:headEnd type="none" w="med" len="med"/>
+                      <a:tailEnd type="none" w="med" len="med"/>
+                    </a:lnT>
+                    <a:lnB w="12700" cap="flat" cmpd="sng" algn="ctr">
+                      <a:solidFill>
+                        <a:schemeClr val="tx1"/>
+                      </a:solidFill>
+                      <a:prstDash val="solid"/>
+                      <a:round/>
+                      <a:headEnd type="none" w="med" len="med"/>
+                      <a:tailEnd type="none" w="med" len="med"/>
+                    </a:lnB>
+                    <a:noFill/>
+                  </a:tcPr>
+                </a:tc>
+                <a:tc>
+                  <a:txBody>
+                    <a:bodyPr/>
+                    <a:lstStyle/>
+                    <a:p>
+                      <a:pPr algn="ctr"/>
+                      <a:r>
+                        <a:rPr lang="en-US" altLang="zh-CN" sz="1400" b="0" i="1" dirty="0" smtClean="0">
+                          <a:solidFill>
+                            <a:schemeClr val="tx1"/>
+                          </a:solidFill>
+                          <a:effectLst/>
+                          <a:latin typeface="Arial" panose="020B0604020202020204" pitchFamily="34" charset="0"/>
+                          <a:cs typeface="Arial" panose="020B0604020202020204" pitchFamily="34" charset="0"/>
+                        </a:rPr>
+                        <a:t>c</a:t>
+                      </a:r>
+                      <a:endParaRPr lang="zh-CN" altLang="en-US" sz="1400" b="0" i="1" dirty="0">
+                        <a:solidFill>
+                          <a:schemeClr val="tx1"/>
+                        </a:solidFill>
+                        <a:effectLst/>
+                        <a:latin typeface="Arial" panose="020B0604020202020204" pitchFamily="34" charset="0"/>
+                        <a:cs typeface="Arial" panose="020B0604020202020204" pitchFamily="34" charset="0"/>
+                      </a:endParaRPr>
+                    </a:p>
+                  </a:txBody>
+                  <a:tcPr anchor="ctr">
+                    <a:lnL w="12700" cap="flat" cmpd="sng" algn="ctr">
+                      <a:solidFill>
+                        <a:schemeClr val="tx1"/>
+                      </a:solidFill>
+                      <a:prstDash val="solid"/>
+                      <a:round/>
+                      <a:headEnd type="none" w="med" len="med"/>
+                      <a:tailEnd type="none" w="med" len="med"/>
+                    </a:lnL>
+                    <a:lnR w="12700" cap="flat" cmpd="sng" algn="ctr">
+                      <a:solidFill>
+                        <a:schemeClr val="tx1"/>
+                      </a:solidFill>
+                      <a:prstDash val="solid"/>
+                      <a:round/>
+                      <a:headEnd type="none" w="med" len="med"/>
+                      <a:tailEnd type="none" w="med" len="med"/>
+                    </a:lnR>
+                    <a:lnT w="12700" cap="flat" cmpd="sng" algn="ctr">
+                      <a:solidFill>
+                        <a:schemeClr val="tx1"/>
+                      </a:solidFill>
+                      <a:prstDash val="solid"/>
+                      <a:round/>
+                      <a:headEnd type="none" w="med" len="med"/>
+                      <a:tailEnd type="none" w="med" len="med"/>
+                    </a:lnT>
+                    <a:lnB w="12700" cap="flat" cmpd="sng" algn="ctr">
+                      <a:solidFill>
+                        <a:schemeClr val="tx1"/>
+                      </a:solidFill>
+                      <a:prstDash val="solid"/>
+                      <a:round/>
+                      <a:headEnd type="none" w="med" len="med"/>
+                      <a:tailEnd type="none" w="med" len="med"/>
+                    </a:lnB>
+                    <a:noFill/>
+                  </a:tcPr>
+                </a:tc>
+                <a:extLst>
+                  <a:ext uri="{0D108BD9-81ED-4DB2-BD59-A6C34878D82A}">
+                    <a16:rowId xmlns:a16="http://schemas.microsoft.com/office/drawing/2014/main" val="1491202224"/>
+                  </a:ext>
+                </a:extLst>
+              </a:tr>
+              <a:tr h="370840">
+                <a:tc>
+                  <a:txBody>
+                    <a:bodyPr/>
+                    <a:lstStyle/>
+                    <a:p>
+                      <a:pPr algn="ctr"/>
+                      <a:r>
+                        <a:rPr lang="en-US" altLang="zh-CN" sz="1400" b="1" dirty="0" smtClean="0">
+                          <a:solidFill>
+                            <a:schemeClr val="tx1"/>
+                          </a:solidFill>
+                          <a:effectLst/>
+                          <a:latin typeface="Arial" panose="020B0604020202020204" pitchFamily="34" charset="0"/>
+                          <a:cs typeface="Arial" panose="020B0604020202020204" pitchFamily="34" charset="0"/>
+                        </a:rPr>
+                        <a:t>B</a:t>
+                      </a:r>
+                      <a:endParaRPr lang="zh-CN" altLang="en-US" sz="1400" b="1" dirty="0">
+                        <a:solidFill>
+                          <a:schemeClr val="tx1"/>
+                        </a:solidFill>
+                        <a:effectLst/>
+                        <a:latin typeface="Arial" panose="020B0604020202020204" pitchFamily="34" charset="0"/>
+                        <a:cs typeface="Arial" panose="020B0604020202020204" pitchFamily="34" charset="0"/>
+                      </a:endParaRPr>
+                    </a:p>
+                  </a:txBody>
+                  <a:tcPr anchor="ctr">
+                    <a:lnL w="12700" cap="flat" cmpd="sng" algn="ctr">
+                      <a:solidFill>
+                        <a:schemeClr val="tx1"/>
+                      </a:solidFill>
+                      <a:prstDash val="solid"/>
+                      <a:round/>
+                      <a:headEnd type="none" w="med" len="med"/>
+                      <a:tailEnd type="none" w="med" len="med"/>
+                    </a:lnL>
+                    <a:lnR w="12700" cap="flat" cmpd="sng" algn="ctr">
+                      <a:solidFill>
+                        <a:schemeClr val="tx1"/>
+                      </a:solidFill>
+                      <a:prstDash val="solid"/>
+                      <a:round/>
+                      <a:headEnd type="none" w="med" len="med"/>
+                      <a:tailEnd type="none" w="med" len="med"/>
+                    </a:lnR>
+                    <a:lnT w="12700" cap="flat" cmpd="sng" algn="ctr">
+                      <a:solidFill>
+                        <a:schemeClr val="tx1"/>
+                      </a:solidFill>
+                      <a:prstDash val="solid"/>
+                      <a:round/>
+                      <a:headEnd type="none" w="med" len="med"/>
+                      <a:tailEnd type="none" w="med" len="med"/>
+                    </a:lnT>
+                    <a:lnB w="12700" cap="flat" cmpd="sng" algn="ctr">
+                      <a:solidFill>
+                        <a:schemeClr val="tx1"/>
+                      </a:solidFill>
+                      <a:prstDash val="solid"/>
+                      <a:round/>
+                      <a:headEnd type="none" w="med" len="med"/>
+                      <a:tailEnd type="none" w="med" len="med"/>
+                    </a:lnB>
+                    <a:solidFill>
+                      <a:schemeClr val="accent5">
+                        <a:lumMod val="20000"/>
+                        <a:lumOff val="80000"/>
+                      </a:schemeClr>
+                    </a:solidFill>
+                  </a:tcPr>
+                </a:tc>
+                <a:tc>
+                  <a:txBody>
+                    <a:bodyPr/>
+                    <a:lstStyle/>
+                    <a:p>
+                      <a:pPr marL="0" algn="ctr" defTabSz="914400" rtl="0" eaLnBrk="1" latinLnBrk="0" hangingPunct="1"/>
+                      <a:r>
+                        <a:rPr lang="en-US" altLang="zh-CN" sz="1400" b="1" i="1" kern="1200" dirty="0" smtClean="0">
+                          <a:solidFill>
+                            <a:srgbClr val="0000FF"/>
+                          </a:solidFill>
+                          <a:effectLst/>
+                          <a:latin typeface="Arial" panose="020B0604020202020204" pitchFamily="34" charset="0"/>
+                          <a:ea typeface="+mn-ea"/>
+                          <a:cs typeface="Arial" panose="020B0604020202020204" pitchFamily="34" charset="0"/>
+                        </a:rPr>
+                        <a:t>b</a:t>
+                      </a:r>
+                      <a:endParaRPr lang="zh-CN" altLang="en-US" sz="1400" b="1" i="1" kern="1200" dirty="0">
+                        <a:solidFill>
+                          <a:srgbClr val="0000FF"/>
+                        </a:solidFill>
+                        <a:effectLst/>
+                        <a:latin typeface="Arial" panose="020B0604020202020204" pitchFamily="34" charset="0"/>
+                        <a:ea typeface="+mn-ea"/>
+                        <a:cs typeface="Arial" panose="020B0604020202020204" pitchFamily="34" charset="0"/>
+                      </a:endParaRPr>
+                    </a:p>
+                  </a:txBody>
+                  <a:tcPr anchor="ctr">
+                    <a:lnL w="12700" cap="flat" cmpd="sng" algn="ctr">
+                      <a:solidFill>
+                        <a:schemeClr val="tx1"/>
+                      </a:solidFill>
+                      <a:prstDash val="solid"/>
+                      <a:round/>
+                      <a:headEnd type="none" w="med" len="med"/>
+                      <a:tailEnd type="none" w="med" len="med"/>
+                    </a:lnL>
+                    <a:lnR w="12700" cap="flat" cmpd="sng" algn="ctr">
+                      <a:solidFill>
+                        <a:schemeClr val="tx1"/>
+                      </a:solidFill>
+                      <a:prstDash val="solid"/>
+                      <a:round/>
+                      <a:headEnd type="none" w="med" len="med"/>
+                      <a:tailEnd type="none" w="med" len="med"/>
+                    </a:lnR>
+                    <a:lnT w="12700" cap="flat" cmpd="sng" algn="ctr">
+                      <a:solidFill>
+                        <a:schemeClr val="tx1"/>
+                      </a:solidFill>
+                      <a:prstDash val="solid"/>
+                      <a:round/>
+                      <a:headEnd type="none" w="med" len="med"/>
+                      <a:tailEnd type="none" w="med" len="med"/>
+                    </a:lnT>
+                    <a:lnB w="12700" cap="flat" cmpd="sng" algn="ctr">
+                      <a:solidFill>
+                        <a:schemeClr val="tx1"/>
+                      </a:solidFill>
+                      <a:prstDash val="solid"/>
+                      <a:round/>
+                      <a:headEnd type="none" w="med" len="med"/>
+                      <a:tailEnd type="none" w="med" len="med"/>
+                    </a:lnB>
+                    <a:solidFill>
+                      <a:schemeClr val="bg1">
+                        <a:lumMod val="95000"/>
+                      </a:schemeClr>
+                    </a:solidFill>
+                  </a:tcPr>
+                </a:tc>
+                <a:tc>
+                  <a:txBody>
+                    <a:bodyPr/>
+                    <a:lstStyle/>
+                    <a:p>
+                      <a:pPr marL="0" algn="ctr" defTabSz="914400" rtl="0" eaLnBrk="1" latinLnBrk="0" hangingPunct="1"/>
+                      <a:r>
+                        <a:rPr lang="en-US" altLang="zh-CN" sz="1400" b="1" i="1" kern="1200" dirty="0" smtClean="0">
+                          <a:solidFill>
+                            <a:srgbClr val="0000FF"/>
+                          </a:solidFill>
+                          <a:effectLst/>
+                          <a:latin typeface="Arial" panose="020B0604020202020204" pitchFamily="34" charset="0"/>
+                          <a:ea typeface="+mn-ea"/>
+                          <a:cs typeface="Arial" panose="020B0604020202020204" pitchFamily="34" charset="0"/>
+                        </a:rPr>
+                        <a:t>h</a:t>
+                      </a:r>
+                      <a:endParaRPr lang="zh-CN" altLang="en-US" sz="1400" b="1" i="1" kern="1200" dirty="0">
+                        <a:solidFill>
+                          <a:srgbClr val="0000FF"/>
+                        </a:solidFill>
+                        <a:effectLst/>
+                        <a:latin typeface="Arial" panose="020B0604020202020204" pitchFamily="34" charset="0"/>
+                        <a:ea typeface="+mn-ea"/>
+                        <a:cs typeface="Arial" panose="020B0604020202020204" pitchFamily="34" charset="0"/>
+                      </a:endParaRPr>
+                    </a:p>
+                  </a:txBody>
+                  <a:tcPr anchor="ctr">
+                    <a:lnL w="12700" cap="flat" cmpd="sng" algn="ctr">
+                      <a:solidFill>
+                        <a:schemeClr val="tx1"/>
+                      </a:solidFill>
+                      <a:prstDash val="solid"/>
+                      <a:round/>
+                      <a:headEnd type="none" w="med" len="med"/>
+                      <a:tailEnd type="none" w="med" len="med"/>
+                    </a:lnL>
+                    <a:lnR w="12700" cap="flat" cmpd="sng" algn="ctr">
+                      <a:solidFill>
+                        <a:schemeClr val="tx1"/>
+                      </a:solidFill>
+                      <a:prstDash val="solid"/>
+                      <a:round/>
+                      <a:headEnd type="none" w="med" len="med"/>
+                      <a:tailEnd type="none" w="med" len="med"/>
+                    </a:lnR>
+                    <a:lnT w="12700" cap="flat" cmpd="sng" algn="ctr">
+                      <a:solidFill>
+                        <a:schemeClr val="tx1"/>
+                      </a:solidFill>
+                      <a:prstDash val="solid"/>
+                      <a:round/>
+                      <a:headEnd type="none" w="med" len="med"/>
+                      <a:tailEnd type="none" w="med" len="med"/>
+                    </a:lnT>
+                    <a:lnB w="12700" cap="flat" cmpd="sng" algn="ctr">
+                      <a:solidFill>
+                        <a:schemeClr val="tx1"/>
+                      </a:solidFill>
+                      <a:prstDash val="solid"/>
+                      <a:round/>
+                      <a:headEnd type="none" w="med" len="med"/>
+                      <a:tailEnd type="none" w="med" len="med"/>
+                    </a:lnB>
+                    <a:solidFill>
+                      <a:schemeClr val="bg1">
+                        <a:lumMod val="95000"/>
+                      </a:schemeClr>
+                    </a:solidFill>
+                  </a:tcPr>
+                </a:tc>
+                <a:tc>
+                  <a:txBody>
+                    <a:bodyPr/>
+                    <a:lstStyle/>
+                    <a:p>
+                      <a:pPr algn="ctr"/>
+                      <a:r>
+                        <a:rPr lang="en-US" altLang="zh-CN" sz="1400" b="0" i="1" dirty="0" smtClean="0">
+                          <a:solidFill>
+                            <a:schemeClr val="tx1"/>
+                          </a:solidFill>
+                          <a:effectLst/>
+                          <a:latin typeface="Arial" panose="020B0604020202020204" pitchFamily="34" charset="0"/>
+                          <a:cs typeface="Arial" panose="020B0604020202020204" pitchFamily="34" charset="0"/>
+                        </a:rPr>
+                        <a:t>w</a:t>
+                      </a:r>
+                      <a:endParaRPr lang="zh-CN" altLang="en-US" sz="1400" b="0" i="1" dirty="0">
+                        <a:solidFill>
+                          <a:schemeClr val="tx1"/>
+                        </a:solidFill>
+                        <a:effectLst/>
+                        <a:latin typeface="Arial" panose="020B0604020202020204" pitchFamily="34" charset="0"/>
+                        <a:cs typeface="Arial" panose="020B0604020202020204" pitchFamily="34" charset="0"/>
+                      </a:endParaRPr>
+                    </a:p>
+                  </a:txBody>
+                  <a:tcPr anchor="ctr">
+                    <a:lnL w="12700" cap="flat" cmpd="sng" algn="ctr">
+                      <a:solidFill>
+                        <a:schemeClr val="tx1"/>
+                      </a:solidFill>
+                      <a:prstDash val="solid"/>
+                      <a:round/>
+                      <a:headEnd type="none" w="med" len="med"/>
+                      <a:tailEnd type="none" w="med" len="med"/>
+                    </a:lnL>
+                    <a:lnR w="12700" cap="flat" cmpd="sng" algn="ctr">
+                      <a:solidFill>
+                        <a:schemeClr val="tx1"/>
+                      </a:solidFill>
+                      <a:prstDash val="solid"/>
+                      <a:round/>
+                      <a:headEnd type="none" w="med" len="med"/>
+                      <a:tailEnd type="none" w="med" len="med"/>
+                    </a:lnR>
+                    <a:lnT w="12700" cap="flat" cmpd="sng" algn="ctr">
+                      <a:solidFill>
+                        <a:schemeClr val="tx1"/>
+                      </a:solidFill>
+                      <a:prstDash val="solid"/>
+                      <a:round/>
+                      <a:headEnd type="none" w="med" len="med"/>
+                      <a:tailEnd type="none" w="med" len="med"/>
+                    </a:lnT>
+                    <a:lnB w="12700" cap="flat" cmpd="sng" algn="ctr">
+                      <a:solidFill>
+                        <a:schemeClr val="tx1"/>
+                      </a:solidFill>
+                      <a:prstDash val="solid"/>
+                      <a:round/>
+                      <a:headEnd type="none" w="med" len="med"/>
+                      <a:tailEnd type="none" w="med" len="med"/>
+                    </a:lnB>
+                    <a:noFill/>
+                  </a:tcPr>
+                </a:tc>
+                <a:tc>
+                  <a:txBody>
+                    <a:bodyPr/>
+                    <a:lstStyle/>
+                    <a:p>
+                      <a:pPr algn="ctr"/>
+                      <a:r>
+                        <a:rPr lang="en-US" altLang="zh-CN" sz="1400" b="1" i="1" dirty="0" smtClean="0">
+                          <a:solidFill>
+                            <a:srgbClr val="0000FF"/>
+                          </a:solidFill>
+                          <a:effectLst/>
+                          <a:latin typeface="Arial" panose="020B0604020202020204" pitchFamily="34" charset="0"/>
+                          <a:cs typeface="Arial" panose="020B0604020202020204" pitchFamily="34" charset="0"/>
+                        </a:rPr>
+                        <a:t>c</a:t>
+                      </a:r>
+                      <a:endParaRPr lang="zh-CN" altLang="en-US" sz="1400" b="1" i="1" dirty="0">
+                        <a:solidFill>
+                          <a:srgbClr val="0000FF"/>
+                        </a:solidFill>
+                        <a:effectLst/>
+                        <a:latin typeface="Arial" panose="020B0604020202020204" pitchFamily="34" charset="0"/>
+                        <a:cs typeface="Arial" panose="020B0604020202020204" pitchFamily="34" charset="0"/>
+                      </a:endParaRPr>
+                    </a:p>
+                  </a:txBody>
+                  <a:tcPr anchor="ctr">
+                    <a:lnL w="12700" cap="flat" cmpd="sng" algn="ctr">
+                      <a:solidFill>
+                        <a:schemeClr val="tx1"/>
+                      </a:solidFill>
+                      <a:prstDash val="solid"/>
+                      <a:round/>
+                      <a:headEnd type="none" w="med" len="med"/>
+                      <a:tailEnd type="none" w="med" len="med"/>
+                    </a:lnL>
+                    <a:lnR w="12700" cap="flat" cmpd="sng" algn="ctr">
+                      <a:solidFill>
+                        <a:schemeClr val="tx1"/>
+                      </a:solidFill>
+                      <a:prstDash val="solid"/>
+                      <a:round/>
+                      <a:headEnd type="none" w="med" len="med"/>
+                      <a:tailEnd type="none" w="med" len="med"/>
+                    </a:lnR>
+                    <a:lnT w="12700" cap="flat" cmpd="sng" algn="ctr">
+                      <a:solidFill>
+                        <a:schemeClr val="tx1"/>
+                      </a:solidFill>
+                      <a:prstDash val="solid"/>
+                      <a:round/>
+                      <a:headEnd type="none" w="med" len="med"/>
+                      <a:tailEnd type="none" w="med" len="med"/>
+                    </a:lnT>
+                    <a:lnB w="12700" cap="flat" cmpd="sng" algn="ctr">
+                      <a:solidFill>
+                        <a:schemeClr val="tx1"/>
+                      </a:solidFill>
+                      <a:prstDash val="solid"/>
+                      <a:round/>
+                      <a:headEnd type="none" w="med" len="med"/>
+                      <a:tailEnd type="none" w="med" len="med"/>
+                    </a:lnB>
+                    <a:solidFill>
+                      <a:schemeClr val="bg1">
+                        <a:lumMod val="95000"/>
+                      </a:schemeClr>
+                    </a:solidFill>
+                  </a:tcPr>
+                </a:tc>
+                <a:extLst>
+                  <a:ext uri="{0D108BD9-81ED-4DB2-BD59-A6C34878D82A}">
+                    <a16:rowId xmlns:a16="http://schemas.microsoft.com/office/drawing/2014/main" val="2457331936"/>
+                  </a:ext>
+                </a:extLst>
+              </a:tr>
+            </a:tbl>
+          </a:graphicData>
+        </a:graphic>
+      </p:graphicFrame>
+      <p:sp>
+        <p:nvSpPr>
+          <p:cNvPr id="12" name="文本框 11"/>
+          <p:cNvSpPr txBox="1"/>
+          <p:nvPr/>
+        </p:nvSpPr>
+        <p:spPr>
+          <a:xfrm>
+            <a:off x="3491880" y="4093255"/>
+            <a:ext cx="2066078" cy="923330"/>
+          </a:xfrm>
+          <a:prstGeom prst="rect">
+            <a:avLst/>
+          </a:prstGeom>
+          <a:noFill/>
+        </p:spPr>
+        <p:txBody>
+          <a:bodyPr wrap="none" rtlCol="0">
+            <a:spAutoFit/>
+          </a:bodyPr>
+          <a:lstStyle/>
+          <a:p>
+            <a:pPr>
+              <a:lnSpc>
+                <a:spcPct val="150000"/>
+              </a:lnSpc>
+            </a:pPr>
+            <a:r>
+              <a:rPr lang="en-US" altLang="zh-CN" dirty="0" smtClean="0"/>
+              <a:t>Step 3 – Expand :</a:t>
+            </a:r>
+          </a:p>
+          <a:p>
+            <a:pPr>
+              <a:lnSpc>
+                <a:spcPct val="150000"/>
+              </a:lnSpc>
+            </a:pPr>
+            <a:r>
+              <a:rPr lang="en-US" altLang="zh-CN" dirty="0"/>
+              <a:t>Expand the </a:t>
+            </a:r>
+            <a:r>
+              <a:rPr lang="en-US" altLang="zh-CN" dirty="0" smtClean="0"/>
+              <a:t>axis </a:t>
+            </a:r>
+            <a:r>
+              <a:rPr lang="en-US" altLang="zh-CN" dirty="0"/>
+              <a:t>of B</a:t>
+            </a:r>
+            <a:endParaRPr lang="zh-CN" altLang="en-US" dirty="0"/>
+          </a:p>
+        </p:txBody>
+      </p:sp>
+    </p:spTree>
+    <p:extLst>
+      <p:ext uri="{BB962C8B-B14F-4D97-AF65-F5344CB8AC3E}">
+        <p14:creationId xmlns:p14="http://schemas.microsoft.com/office/powerpoint/2010/main" val="1175479453"/>
+      </p:ext>
+    </p:extLst>
+  </p:cSld>
+  <p:clrMapOvr>
+    <a:masterClrMapping/>
+  </p:clrMapOvr>
+</p:sld>
+</file>
+
+<file path=ppt/slides/slide3.xml><?xml version="1.0" encoding="utf-8"?>
+<p:sld xmlns:a="http://schemas.openxmlformats.org/drawingml/2006/main" xmlns:r="http://schemas.openxmlformats.org/officeDocument/2006/relationships" xmlns:p="http://schemas.openxmlformats.org/presentationml/2006/main">
+  <p:cSld>
+    <p:spTree>
+      <p:nvGrpSpPr>
+        <p:cNvPr id="1" name=""/>
+        <p:cNvGrpSpPr/>
+        <p:nvPr/>
+      </p:nvGrpSpPr>
+      <p:grpSpPr>
+        <a:xfrm>
+          <a:off x="0" y="0"/>
+          <a:ext cx="0" cy="0"/>
+          <a:chOff x="0" y="0"/>
+          <a:chExt cx="0" cy="0"/>
+        </a:xfrm>
+      </p:grpSpPr>
+      <p:pic>
+        <p:nvPicPr>
+          <p:cNvPr id="4" name="图片 3"/>
+          <p:cNvPicPr>
+            <a:picLocks noChangeAspect="1"/>
+          </p:cNvPicPr>
+          <p:nvPr/>
+        </p:nvPicPr>
+        <p:blipFill>
+          <a:blip r:embed="rId2"/>
+          <a:stretch>
+            <a:fillRect/>
+          </a:stretch>
+        </p:blipFill>
+        <p:spPr>
+          <a:xfrm>
+            <a:off x="6300192" y="340750"/>
+            <a:ext cx="5959356" cy="1973751"/>
+          </a:xfrm>
+          <a:prstGeom prst="rect">
+            <a:avLst/>
+          </a:prstGeom>
+        </p:spPr>
+      </p:pic>
+      <p:graphicFrame>
+        <p:nvGraphicFramePr>
+          <p:cNvPr id="5" name="表格 4"/>
+          <p:cNvGraphicFramePr>
+            <a:graphicFrameLocks noGrp="1"/>
+          </p:cNvGraphicFramePr>
+          <p:nvPr>
+            <p:extLst>
+              <p:ext uri="{D42A27DB-BD31-4B8C-83A1-F6EECF244321}">
+                <p14:modId xmlns:p14="http://schemas.microsoft.com/office/powerpoint/2010/main" val="1684362270"/>
+              </p:ext>
+            </p:extLst>
+          </p:nvPr>
+        </p:nvGraphicFramePr>
+        <p:xfrm>
+          <a:off x="467544" y="620688"/>
+          <a:ext cx="2932570" cy="1112520"/>
+        </p:xfrm>
+        <a:graphic>
+          <a:graphicData uri="http://schemas.openxmlformats.org/drawingml/2006/table">
+            <a:tbl>
+              <a:tblPr firstRow="1" bandRow="1">
+                <a:tableStyleId>{5C22544A-7EE6-4342-B048-85BDC9FD1C3A}</a:tableStyleId>
+              </a:tblPr>
+              <a:tblGrid>
+                <a:gridCol w="763270">
+                  <a:extLst>
+                    <a:ext uri="{9D8B030D-6E8A-4147-A177-3AD203B41FA5}">
+                      <a16:colId xmlns:a16="http://schemas.microsoft.com/office/drawing/2014/main" val="3326979791"/>
+                    </a:ext>
+                  </a:extLst>
+                </a:gridCol>
+                <a:gridCol w="542325">
+                  <a:extLst>
+                    <a:ext uri="{9D8B030D-6E8A-4147-A177-3AD203B41FA5}">
+                      <a16:colId xmlns:a16="http://schemas.microsoft.com/office/drawing/2014/main" val="637607070"/>
+                    </a:ext>
+                  </a:extLst>
+                </a:gridCol>
+                <a:gridCol w="542325">
+                  <a:extLst>
+                    <a:ext uri="{9D8B030D-6E8A-4147-A177-3AD203B41FA5}">
+                      <a16:colId xmlns:a16="http://schemas.microsoft.com/office/drawing/2014/main" val="1695508235"/>
+                    </a:ext>
+                  </a:extLst>
+                </a:gridCol>
+                <a:gridCol w="542325">
+                  <a:extLst>
+                    <a:ext uri="{9D8B030D-6E8A-4147-A177-3AD203B41FA5}">
+                      <a16:colId xmlns:a16="http://schemas.microsoft.com/office/drawing/2014/main" val="1870987448"/>
+                    </a:ext>
+                  </a:extLst>
+                </a:gridCol>
+                <a:gridCol w="542325">
+                  <a:extLst>
+                    <a:ext uri="{9D8B030D-6E8A-4147-A177-3AD203B41FA5}">
+                      <a16:colId xmlns:a16="http://schemas.microsoft.com/office/drawing/2014/main" val="324699617"/>
+                    </a:ext>
+                  </a:extLst>
+                </a:gridCol>
+              </a:tblGrid>
+              <a:tr h="370840">
+                <a:tc>
+                  <a:txBody>
+                    <a:bodyPr/>
+                    <a:lstStyle/>
+                    <a:p>
+                      <a:pPr algn="ctr"/>
+                      <a:r>
+                        <a:rPr lang="en-US" altLang="zh-CN" sz="1400" b="1" dirty="0" smtClean="0">
+                          <a:solidFill>
+                            <a:schemeClr val="tx1"/>
+                          </a:solidFill>
+                          <a:effectLst/>
+                          <a:latin typeface="Arial" panose="020B0604020202020204" pitchFamily="34" charset="0"/>
+                          <a:cs typeface="Arial" panose="020B0604020202020204" pitchFamily="34" charset="0"/>
+                        </a:rPr>
+                        <a:t>axis:</a:t>
+                      </a:r>
+                      <a:endParaRPr lang="zh-CN" altLang="en-US" sz="1400" b="1" dirty="0">
+                        <a:solidFill>
+                          <a:schemeClr val="tx1"/>
+                        </a:solidFill>
+                        <a:effectLst/>
+                        <a:latin typeface="Arial" panose="020B0604020202020204" pitchFamily="34" charset="0"/>
+                        <a:cs typeface="Arial" panose="020B0604020202020204" pitchFamily="34" charset="0"/>
+                      </a:endParaRPr>
+                    </a:p>
+                  </a:txBody>
+                  <a:tcPr anchor="ctr">
+                    <a:lnL w="12700" cap="flat" cmpd="sng" algn="ctr">
+                      <a:solidFill>
+                        <a:schemeClr val="tx1"/>
+                      </a:solidFill>
+                      <a:prstDash val="solid"/>
+                      <a:round/>
+                      <a:headEnd type="none" w="med" len="med"/>
+                      <a:tailEnd type="none" w="med" len="med"/>
+                    </a:lnL>
+                    <a:lnR w="12700" cap="flat" cmpd="sng" algn="ctr">
+                      <a:solidFill>
+                        <a:schemeClr val="tx1"/>
+                      </a:solidFill>
+                      <a:prstDash val="solid"/>
+                      <a:round/>
+                      <a:headEnd type="none" w="med" len="med"/>
+                      <a:tailEnd type="none" w="med" len="med"/>
+                    </a:lnR>
+                    <a:lnT w="12700" cap="flat" cmpd="sng" algn="ctr">
+                      <a:solidFill>
+                        <a:schemeClr val="tx1"/>
+                      </a:solidFill>
+                      <a:prstDash val="solid"/>
+                      <a:round/>
+                      <a:headEnd type="none" w="med" len="med"/>
+                      <a:tailEnd type="none" w="med" len="med"/>
+                    </a:lnT>
+                    <a:lnB w="12700" cap="flat" cmpd="sng" algn="ctr">
+                      <a:solidFill>
+                        <a:schemeClr val="tx1"/>
+                      </a:solidFill>
+                      <a:prstDash val="solid"/>
+                      <a:round/>
+                      <a:headEnd type="none" w="med" len="med"/>
+                      <a:tailEnd type="none" w="med" len="med"/>
+                    </a:lnB>
+                    <a:solidFill>
+                      <a:schemeClr val="accent6">
+                        <a:lumMod val="20000"/>
+                        <a:lumOff val="80000"/>
+                      </a:schemeClr>
+                    </a:solidFill>
+                  </a:tcPr>
+                </a:tc>
+                <a:tc>
+                  <a:txBody>
+                    <a:bodyPr/>
+                    <a:lstStyle/>
+                    <a:p>
+                      <a:pPr algn="ctr"/>
+                      <a:r>
+                        <a:rPr lang="en-US" altLang="zh-CN" sz="1400" b="1" dirty="0" smtClean="0">
+                          <a:solidFill>
+                            <a:schemeClr val="tx1"/>
+                          </a:solidFill>
+                          <a:effectLst/>
+                          <a:latin typeface="Arial" panose="020B0604020202020204" pitchFamily="34" charset="0"/>
+                          <a:cs typeface="Arial" panose="020B0604020202020204" pitchFamily="34" charset="0"/>
+                        </a:rPr>
+                        <a:t>0</a:t>
+                      </a:r>
+                      <a:endParaRPr lang="zh-CN" altLang="en-US" sz="1400" b="1" dirty="0">
+                        <a:solidFill>
+                          <a:schemeClr val="tx1"/>
+                        </a:solidFill>
+                        <a:effectLst/>
+                        <a:latin typeface="Arial" panose="020B0604020202020204" pitchFamily="34" charset="0"/>
+                        <a:cs typeface="Arial" panose="020B0604020202020204" pitchFamily="34" charset="0"/>
+                      </a:endParaRPr>
+                    </a:p>
+                  </a:txBody>
+                  <a:tcPr anchor="ctr">
+                    <a:lnL w="12700" cap="flat" cmpd="sng" algn="ctr">
+                      <a:solidFill>
+                        <a:schemeClr val="tx1"/>
+                      </a:solidFill>
+                      <a:prstDash val="solid"/>
+                      <a:round/>
+                      <a:headEnd type="none" w="med" len="med"/>
+                      <a:tailEnd type="none" w="med" len="med"/>
+                    </a:lnL>
+                    <a:lnR w="12700" cap="flat" cmpd="sng" algn="ctr">
+                      <a:solidFill>
+                        <a:schemeClr val="tx1"/>
+                      </a:solidFill>
+                      <a:prstDash val="solid"/>
+                      <a:round/>
+                      <a:headEnd type="none" w="med" len="med"/>
+                      <a:tailEnd type="none" w="med" len="med"/>
+                    </a:lnR>
+                    <a:lnT w="12700" cap="flat" cmpd="sng" algn="ctr">
+                      <a:solidFill>
+                        <a:schemeClr val="tx1"/>
+                      </a:solidFill>
+                      <a:prstDash val="solid"/>
+                      <a:round/>
+                      <a:headEnd type="none" w="med" len="med"/>
+                      <a:tailEnd type="none" w="med" len="med"/>
+                    </a:lnT>
+                    <a:lnB w="12700" cap="flat" cmpd="sng" algn="ctr">
+                      <a:solidFill>
+                        <a:schemeClr val="tx1"/>
+                      </a:solidFill>
+                      <a:prstDash val="solid"/>
+                      <a:round/>
+                      <a:headEnd type="none" w="med" len="med"/>
+                      <a:tailEnd type="none" w="med" len="med"/>
+                    </a:lnB>
+                    <a:solidFill>
+                      <a:schemeClr val="accent6">
+                        <a:lumMod val="20000"/>
+                        <a:lumOff val="80000"/>
+                      </a:schemeClr>
+                    </a:solidFill>
+                  </a:tcPr>
+                </a:tc>
+                <a:tc>
+                  <a:txBody>
+                    <a:bodyPr/>
+                    <a:lstStyle/>
+                    <a:p>
+                      <a:pPr algn="ctr"/>
+                      <a:r>
+                        <a:rPr lang="en-US" altLang="zh-CN" sz="1400" b="1" dirty="0" smtClean="0">
+                          <a:solidFill>
+                            <a:schemeClr val="tx1"/>
+                          </a:solidFill>
+                          <a:effectLst/>
+                          <a:latin typeface="Arial" panose="020B0604020202020204" pitchFamily="34" charset="0"/>
+                          <a:cs typeface="Arial" panose="020B0604020202020204" pitchFamily="34" charset="0"/>
+                        </a:rPr>
+                        <a:t>1</a:t>
+                      </a:r>
+                      <a:endParaRPr lang="zh-CN" altLang="en-US" sz="1400" b="1" dirty="0">
+                        <a:solidFill>
+                          <a:schemeClr val="tx1"/>
+                        </a:solidFill>
+                        <a:effectLst/>
+                        <a:latin typeface="Arial" panose="020B0604020202020204" pitchFamily="34" charset="0"/>
+                        <a:cs typeface="Arial" panose="020B0604020202020204" pitchFamily="34" charset="0"/>
+                      </a:endParaRPr>
+                    </a:p>
+                  </a:txBody>
+                  <a:tcPr anchor="ctr">
+                    <a:lnL w="12700" cap="flat" cmpd="sng" algn="ctr">
+                      <a:solidFill>
+                        <a:schemeClr val="tx1"/>
+                      </a:solidFill>
+                      <a:prstDash val="solid"/>
+                      <a:round/>
+                      <a:headEnd type="none" w="med" len="med"/>
+                      <a:tailEnd type="none" w="med" len="med"/>
+                    </a:lnL>
+                    <a:lnR w="12700" cap="flat" cmpd="sng" algn="ctr">
+                      <a:solidFill>
+                        <a:schemeClr val="tx1"/>
+                      </a:solidFill>
+                      <a:prstDash val="solid"/>
+                      <a:round/>
+                      <a:headEnd type="none" w="med" len="med"/>
+                      <a:tailEnd type="none" w="med" len="med"/>
+                    </a:lnR>
+                    <a:lnT w="12700" cap="flat" cmpd="sng" algn="ctr">
+                      <a:solidFill>
+                        <a:schemeClr val="tx1"/>
+                      </a:solidFill>
+                      <a:prstDash val="solid"/>
+                      <a:round/>
+                      <a:headEnd type="none" w="med" len="med"/>
+                      <a:tailEnd type="none" w="med" len="med"/>
+                    </a:lnT>
+                    <a:lnB w="12700" cap="flat" cmpd="sng" algn="ctr">
+                      <a:solidFill>
+                        <a:schemeClr val="tx1"/>
+                      </a:solidFill>
+                      <a:prstDash val="solid"/>
+                      <a:round/>
+                      <a:headEnd type="none" w="med" len="med"/>
+                      <a:tailEnd type="none" w="med" len="med"/>
+                    </a:lnB>
+                    <a:solidFill>
+                      <a:schemeClr val="accent6">
+                        <a:lumMod val="20000"/>
+                        <a:lumOff val="80000"/>
+                      </a:schemeClr>
+                    </a:solidFill>
+                  </a:tcPr>
+                </a:tc>
+                <a:tc>
+                  <a:txBody>
+                    <a:bodyPr/>
+                    <a:lstStyle/>
+                    <a:p>
+                      <a:pPr algn="ctr"/>
+                      <a:r>
+                        <a:rPr lang="en-US" altLang="zh-CN" sz="1400" b="1" dirty="0" smtClean="0">
+                          <a:solidFill>
+                            <a:schemeClr val="tx1"/>
+                          </a:solidFill>
+                          <a:effectLst/>
+                          <a:latin typeface="Arial" panose="020B0604020202020204" pitchFamily="34" charset="0"/>
+                          <a:cs typeface="Arial" panose="020B0604020202020204" pitchFamily="34" charset="0"/>
+                        </a:rPr>
+                        <a:t>2</a:t>
+                      </a:r>
+                      <a:endParaRPr lang="zh-CN" altLang="en-US" sz="1400" b="1" dirty="0">
+                        <a:solidFill>
+                          <a:schemeClr val="tx1"/>
+                        </a:solidFill>
+                        <a:effectLst/>
+                        <a:latin typeface="Arial" panose="020B0604020202020204" pitchFamily="34" charset="0"/>
+                        <a:cs typeface="Arial" panose="020B0604020202020204" pitchFamily="34" charset="0"/>
+                      </a:endParaRPr>
+                    </a:p>
+                  </a:txBody>
+                  <a:tcPr anchor="ctr">
+                    <a:lnL w="12700" cap="flat" cmpd="sng" algn="ctr">
+                      <a:solidFill>
+                        <a:schemeClr val="tx1"/>
+                      </a:solidFill>
+                      <a:prstDash val="solid"/>
+                      <a:round/>
+                      <a:headEnd type="none" w="med" len="med"/>
+                      <a:tailEnd type="none" w="med" len="med"/>
+                    </a:lnL>
+                    <a:lnR w="12700" cap="flat" cmpd="sng" algn="ctr">
+                      <a:solidFill>
+                        <a:schemeClr val="tx1"/>
+                      </a:solidFill>
+                      <a:prstDash val="solid"/>
+                      <a:round/>
+                      <a:headEnd type="none" w="med" len="med"/>
+                      <a:tailEnd type="none" w="med" len="med"/>
+                    </a:lnR>
+                    <a:lnT w="12700" cap="flat" cmpd="sng" algn="ctr">
+                      <a:solidFill>
+                        <a:schemeClr val="tx1"/>
+                      </a:solidFill>
+                      <a:prstDash val="solid"/>
+                      <a:round/>
+                      <a:headEnd type="none" w="med" len="med"/>
+                      <a:tailEnd type="none" w="med" len="med"/>
+                    </a:lnT>
+                    <a:lnB w="12700" cap="flat" cmpd="sng" algn="ctr">
+                      <a:solidFill>
+                        <a:schemeClr val="tx1"/>
+                      </a:solidFill>
+                      <a:prstDash val="solid"/>
+                      <a:round/>
+                      <a:headEnd type="none" w="med" len="med"/>
+                      <a:tailEnd type="none" w="med" len="med"/>
+                    </a:lnB>
+                    <a:solidFill>
+                      <a:schemeClr val="accent6">
+                        <a:lumMod val="20000"/>
+                        <a:lumOff val="80000"/>
+                      </a:schemeClr>
+                    </a:solidFill>
+                  </a:tcPr>
+                </a:tc>
+                <a:tc>
+                  <a:txBody>
+                    <a:bodyPr/>
+                    <a:lstStyle/>
+                    <a:p>
+                      <a:pPr algn="ctr"/>
+                      <a:r>
+                        <a:rPr lang="en-US" altLang="zh-CN" sz="1400" b="1" dirty="0" smtClean="0">
+                          <a:solidFill>
+                            <a:schemeClr val="tx1"/>
+                          </a:solidFill>
+                          <a:effectLst/>
+                          <a:latin typeface="Arial" panose="020B0604020202020204" pitchFamily="34" charset="0"/>
+                          <a:cs typeface="Arial" panose="020B0604020202020204" pitchFamily="34" charset="0"/>
+                        </a:rPr>
+                        <a:t>3</a:t>
+                      </a:r>
+                      <a:endParaRPr lang="zh-CN" altLang="en-US" sz="1400" b="1" dirty="0">
+                        <a:solidFill>
+                          <a:schemeClr val="tx1"/>
+                        </a:solidFill>
+                        <a:effectLst/>
+                        <a:latin typeface="Arial" panose="020B0604020202020204" pitchFamily="34" charset="0"/>
+                        <a:cs typeface="Arial" panose="020B0604020202020204" pitchFamily="34" charset="0"/>
+                      </a:endParaRPr>
+                    </a:p>
+                  </a:txBody>
+                  <a:tcPr anchor="ctr">
+                    <a:lnL w="12700" cap="flat" cmpd="sng" algn="ctr">
+                      <a:solidFill>
+                        <a:schemeClr val="tx1"/>
+                      </a:solidFill>
+                      <a:prstDash val="solid"/>
+                      <a:round/>
+                      <a:headEnd type="none" w="med" len="med"/>
+                      <a:tailEnd type="none" w="med" len="med"/>
+                    </a:lnL>
+                    <a:lnR w="12700" cap="flat" cmpd="sng" algn="ctr">
+                      <a:solidFill>
+                        <a:schemeClr val="tx1"/>
+                      </a:solidFill>
+                      <a:prstDash val="solid"/>
+                      <a:round/>
+                      <a:headEnd type="none" w="med" len="med"/>
+                      <a:tailEnd type="none" w="med" len="med"/>
+                    </a:lnR>
+                    <a:lnT w="12700" cap="flat" cmpd="sng" algn="ctr">
+                      <a:solidFill>
+                        <a:schemeClr val="tx1"/>
+                      </a:solidFill>
+                      <a:prstDash val="solid"/>
+                      <a:round/>
+                      <a:headEnd type="none" w="med" len="med"/>
+                      <a:tailEnd type="none" w="med" len="med"/>
+                    </a:lnT>
+                    <a:lnB w="12700" cap="flat" cmpd="sng" algn="ctr">
+                      <a:solidFill>
+                        <a:schemeClr val="tx1"/>
+                      </a:solidFill>
+                      <a:prstDash val="solid"/>
+                      <a:round/>
+                      <a:headEnd type="none" w="med" len="med"/>
+                      <a:tailEnd type="none" w="med" len="med"/>
+                    </a:lnB>
+                    <a:solidFill>
+                      <a:schemeClr val="accent6">
+                        <a:lumMod val="20000"/>
+                        <a:lumOff val="80000"/>
+                      </a:schemeClr>
+                    </a:solidFill>
+                  </a:tcPr>
+                </a:tc>
+                <a:extLst>
+                  <a:ext uri="{0D108BD9-81ED-4DB2-BD59-A6C34878D82A}">
+                    <a16:rowId xmlns:a16="http://schemas.microsoft.com/office/drawing/2014/main" val="798814532"/>
+                  </a:ext>
+                </a:extLst>
+              </a:tr>
+              <a:tr h="370840">
+                <a:tc>
+                  <a:txBody>
+                    <a:bodyPr/>
+                    <a:lstStyle/>
+                    <a:p>
+                      <a:pPr algn="ctr"/>
+                      <a:r>
+                        <a:rPr lang="en-US" altLang="zh-CN" sz="1400" b="1" dirty="0" smtClean="0">
+                          <a:solidFill>
+                            <a:schemeClr val="tx1"/>
+                          </a:solidFill>
+                          <a:effectLst/>
+                          <a:latin typeface="Arial" panose="020B0604020202020204" pitchFamily="34" charset="0"/>
+                          <a:cs typeface="Arial" panose="020B0604020202020204" pitchFamily="34" charset="0"/>
+                        </a:rPr>
+                        <a:t>A</a:t>
+                      </a:r>
+                      <a:endParaRPr lang="zh-CN" altLang="en-US" sz="1400" b="1" dirty="0">
+                        <a:solidFill>
+                          <a:schemeClr val="tx1"/>
+                        </a:solidFill>
+                        <a:effectLst/>
+                        <a:latin typeface="Arial" panose="020B0604020202020204" pitchFamily="34" charset="0"/>
+                        <a:cs typeface="Arial" panose="020B0604020202020204" pitchFamily="34" charset="0"/>
+                      </a:endParaRPr>
+                    </a:p>
+                  </a:txBody>
+                  <a:tcPr anchor="ctr">
+                    <a:lnL w="12700" cap="flat" cmpd="sng" algn="ctr">
+                      <a:solidFill>
+                        <a:schemeClr val="tx1"/>
+                      </a:solidFill>
+                      <a:prstDash val="solid"/>
+                      <a:round/>
+                      <a:headEnd type="none" w="med" len="med"/>
+                      <a:tailEnd type="none" w="med" len="med"/>
+                    </a:lnL>
+                    <a:lnR w="12700" cap="flat" cmpd="sng" algn="ctr">
+                      <a:solidFill>
+                        <a:schemeClr val="tx1"/>
+                      </a:solidFill>
+                      <a:prstDash val="solid"/>
+                      <a:round/>
+                      <a:headEnd type="none" w="med" len="med"/>
+                      <a:tailEnd type="none" w="med" len="med"/>
+                    </a:lnR>
+                    <a:lnT w="12700" cap="flat" cmpd="sng" algn="ctr">
+                      <a:solidFill>
+                        <a:schemeClr val="tx1"/>
+                      </a:solidFill>
+                      <a:prstDash val="solid"/>
+                      <a:round/>
+                      <a:headEnd type="none" w="med" len="med"/>
+                      <a:tailEnd type="none" w="med" len="med"/>
+                    </a:lnT>
+                    <a:lnB w="12700" cap="flat" cmpd="sng" algn="ctr">
+                      <a:solidFill>
+                        <a:schemeClr val="tx1"/>
+                      </a:solidFill>
+                      <a:prstDash val="solid"/>
+                      <a:round/>
+                      <a:headEnd type="none" w="med" len="med"/>
+                      <a:tailEnd type="none" w="med" len="med"/>
+                    </a:lnB>
+                    <a:solidFill>
+                      <a:schemeClr val="accent5">
+                        <a:lumMod val="20000"/>
+                        <a:lumOff val="80000"/>
+                      </a:schemeClr>
+                    </a:solidFill>
+                  </a:tcPr>
+                </a:tc>
+                <a:tc>
+                  <a:txBody>
+                    <a:bodyPr/>
+                    <a:lstStyle/>
+                    <a:p>
+                      <a:pPr algn="ctr"/>
+                      <a:r>
+                        <a:rPr lang="en-US" altLang="zh-CN" sz="1400" b="0" i="1" dirty="0" smtClean="0">
+                          <a:solidFill>
+                            <a:schemeClr val="tx1"/>
+                          </a:solidFill>
+                          <a:effectLst/>
+                          <a:latin typeface="Arial" panose="020B0604020202020204" pitchFamily="34" charset="0"/>
+                          <a:cs typeface="Arial" panose="020B0604020202020204" pitchFamily="34" charset="0"/>
+                        </a:rPr>
+                        <a:t>b</a:t>
+                      </a:r>
+                      <a:endParaRPr lang="zh-CN" altLang="en-US" sz="1400" b="0" i="1" dirty="0">
+                        <a:solidFill>
+                          <a:schemeClr val="tx1"/>
+                        </a:solidFill>
+                        <a:effectLst/>
+                        <a:latin typeface="Arial" panose="020B0604020202020204" pitchFamily="34" charset="0"/>
+                        <a:cs typeface="Arial" panose="020B0604020202020204" pitchFamily="34" charset="0"/>
+                      </a:endParaRPr>
+                    </a:p>
+                  </a:txBody>
+                  <a:tcPr anchor="ctr">
+                    <a:lnL w="12700" cap="flat" cmpd="sng" algn="ctr">
+                      <a:solidFill>
+                        <a:schemeClr val="tx1"/>
+                      </a:solidFill>
+                      <a:prstDash val="solid"/>
+                      <a:round/>
+                      <a:headEnd type="none" w="med" len="med"/>
+                      <a:tailEnd type="none" w="med" len="med"/>
+                    </a:lnL>
+                    <a:lnR w="12700" cap="flat" cmpd="sng" algn="ctr">
+                      <a:solidFill>
+                        <a:schemeClr val="tx1"/>
+                      </a:solidFill>
+                      <a:prstDash val="solid"/>
+                      <a:round/>
+                      <a:headEnd type="none" w="med" len="med"/>
+                      <a:tailEnd type="none" w="med" len="med"/>
+                    </a:lnR>
+                    <a:lnT w="12700" cap="flat" cmpd="sng" algn="ctr">
+                      <a:solidFill>
+                        <a:schemeClr val="tx1"/>
+                      </a:solidFill>
+                      <a:prstDash val="solid"/>
+                      <a:round/>
+                      <a:headEnd type="none" w="med" len="med"/>
+                      <a:tailEnd type="none" w="med" len="med"/>
+                    </a:lnT>
+                    <a:lnB w="12700" cap="flat" cmpd="sng" algn="ctr">
+                      <a:solidFill>
+                        <a:schemeClr val="tx1"/>
+                      </a:solidFill>
+                      <a:prstDash val="solid"/>
+                      <a:round/>
+                      <a:headEnd type="none" w="med" len="med"/>
+                      <a:tailEnd type="none" w="med" len="med"/>
+                    </a:lnB>
+                    <a:noFill/>
+                  </a:tcPr>
+                </a:tc>
+                <a:tc>
+                  <a:txBody>
+                    <a:bodyPr/>
+                    <a:lstStyle/>
+                    <a:p>
+                      <a:pPr algn="ctr"/>
+                      <a:r>
+                        <a:rPr lang="en-US" altLang="zh-CN" sz="1400" b="0" i="1" dirty="0" smtClean="0">
+                          <a:solidFill>
+                            <a:schemeClr val="tx1"/>
+                          </a:solidFill>
+                          <a:effectLst/>
+                          <a:latin typeface="Arial" panose="020B0604020202020204" pitchFamily="34" charset="0"/>
+                          <a:cs typeface="Arial" panose="020B0604020202020204" pitchFamily="34" charset="0"/>
+                        </a:rPr>
+                        <a:t>h</a:t>
+                      </a:r>
+                      <a:endParaRPr lang="zh-CN" altLang="en-US" sz="1400" b="0" i="1" dirty="0">
+                        <a:solidFill>
+                          <a:schemeClr val="tx1"/>
+                        </a:solidFill>
+                        <a:effectLst/>
+                        <a:latin typeface="Arial" panose="020B0604020202020204" pitchFamily="34" charset="0"/>
+                        <a:cs typeface="Arial" panose="020B0604020202020204" pitchFamily="34" charset="0"/>
+                      </a:endParaRPr>
+                    </a:p>
+                  </a:txBody>
+                  <a:tcPr anchor="ctr">
+                    <a:lnL w="12700" cap="flat" cmpd="sng" algn="ctr">
+                      <a:solidFill>
+                        <a:schemeClr val="tx1"/>
+                      </a:solidFill>
+                      <a:prstDash val="solid"/>
+                      <a:round/>
+                      <a:headEnd type="none" w="med" len="med"/>
+                      <a:tailEnd type="none" w="med" len="med"/>
+                    </a:lnL>
+                    <a:lnR w="12700" cap="flat" cmpd="sng" algn="ctr">
+                      <a:solidFill>
+                        <a:schemeClr val="tx1"/>
+                      </a:solidFill>
+                      <a:prstDash val="solid"/>
+                      <a:round/>
+                      <a:headEnd type="none" w="med" len="med"/>
+                      <a:tailEnd type="none" w="med" len="med"/>
+                    </a:lnR>
+                    <a:lnT w="12700" cap="flat" cmpd="sng" algn="ctr">
+                      <a:solidFill>
+                        <a:schemeClr val="tx1"/>
+                      </a:solidFill>
+                      <a:prstDash val="solid"/>
+                      <a:round/>
+                      <a:headEnd type="none" w="med" len="med"/>
+                      <a:tailEnd type="none" w="med" len="med"/>
+                    </a:lnT>
+                    <a:lnB w="12700" cap="flat" cmpd="sng" algn="ctr">
+                      <a:solidFill>
+                        <a:schemeClr val="tx1"/>
+                      </a:solidFill>
+                      <a:prstDash val="solid"/>
+                      <a:round/>
+                      <a:headEnd type="none" w="med" len="med"/>
+                      <a:tailEnd type="none" w="med" len="med"/>
+                    </a:lnB>
+                    <a:noFill/>
+                  </a:tcPr>
+                </a:tc>
+                <a:tc>
+                  <a:txBody>
+                    <a:bodyPr/>
+                    <a:lstStyle/>
+                    <a:p>
+                      <a:pPr algn="ctr"/>
+                      <a:r>
+                        <a:rPr lang="en-US" altLang="zh-CN" sz="1400" b="0" i="1" dirty="0" smtClean="0">
+                          <a:solidFill>
+                            <a:schemeClr val="tx1"/>
+                          </a:solidFill>
+                          <a:effectLst/>
+                          <a:latin typeface="Arial" panose="020B0604020202020204" pitchFamily="34" charset="0"/>
+                          <a:cs typeface="Arial" panose="020B0604020202020204" pitchFamily="34" charset="0"/>
+                        </a:rPr>
+                        <a:t>w</a:t>
+                      </a:r>
+                      <a:endParaRPr lang="zh-CN" altLang="en-US" sz="1400" b="0" i="1" dirty="0">
+                        <a:solidFill>
+                          <a:schemeClr val="tx1"/>
+                        </a:solidFill>
+                        <a:effectLst/>
+                        <a:latin typeface="Arial" panose="020B0604020202020204" pitchFamily="34" charset="0"/>
+                        <a:cs typeface="Arial" panose="020B0604020202020204" pitchFamily="34" charset="0"/>
+                      </a:endParaRPr>
+                    </a:p>
+                  </a:txBody>
+                  <a:tcPr anchor="ctr">
+                    <a:lnL w="12700" cap="flat" cmpd="sng" algn="ctr">
+                      <a:solidFill>
+                        <a:schemeClr val="tx1"/>
+                      </a:solidFill>
+                      <a:prstDash val="solid"/>
+                      <a:round/>
+                      <a:headEnd type="none" w="med" len="med"/>
+                      <a:tailEnd type="none" w="med" len="med"/>
+                    </a:lnL>
+                    <a:lnR w="12700" cap="flat" cmpd="sng" algn="ctr">
+                      <a:solidFill>
+                        <a:schemeClr val="tx1"/>
+                      </a:solidFill>
+                      <a:prstDash val="solid"/>
+                      <a:round/>
+                      <a:headEnd type="none" w="med" len="med"/>
+                      <a:tailEnd type="none" w="med" len="med"/>
+                    </a:lnR>
+                    <a:lnT w="12700" cap="flat" cmpd="sng" algn="ctr">
+                      <a:solidFill>
+                        <a:schemeClr val="tx1"/>
+                      </a:solidFill>
+                      <a:prstDash val="solid"/>
+                      <a:round/>
+                      <a:headEnd type="none" w="med" len="med"/>
+                      <a:tailEnd type="none" w="med" len="med"/>
+                    </a:lnT>
+                    <a:lnB w="12700" cap="flat" cmpd="sng" algn="ctr">
+                      <a:solidFill>
+                        <a:schemeClr val="tx1"/>
+                      </a:solidFill>
+                      <a:prstDash val="solid"/>
+                      <a:round/>
+                      <a:headEnd type="none" w="med" len="med"/>
+                      <a:tailEnd type="none" w="med" len="med"/>
+                    </a:lnB>
+                    <a:noFill/>
+                  </a:tcPr>
+                </a:tc>
+                <a:tc>
+                  <a:txBody>
+                    <a:bodyPr/>
+                    <a:lstStyle/>
+                    <a:p>
+                      <a:pPr algn="ctr"/>
+                      <a:r>
+                        <a:rPr lang="en-US" altLang="zh-CN" sz="1400" b="0" i="1" dirty="0" smtClean="0">
+                          <a:solidFill>
+                            <a:schemeClr val="tx1"/>
+                          </a:solidFill>
+                          <a:effectLst/>
+                          <a:latin typeface="Arial" panose="020B0604020202020204" pitchFamily="34" charset="0"/>
+                          <a:cs typeface="Arial" panose="020B0604020202020204" pitchFamily="34" charset="0"/>
+                        </a:rPr>
+                        <a:t>c</a:t>
+                      </a:r>
+                      <a:endParaRPr lang="zh-CN" altLang="en-US" sz="1400" b="0" i="1" dirty="0">
+                        <a:solidFill>
+                          <a:schemeClr val="tx1"/>
+                        </a:solidFill>
+                        <a:effectLst/>
+                        <a:latin typeface="Arial" panose="020B0604020202020204" pitchFamily="34" charset="0"/>
+                        <a:cs typeface="Arial" panose="020B0604020202020204" pitchFamily="34" charset="0"/>
+                      </a:endParaRPr>
+                    </a:p>
+                  </a:txBody>
+                  <a:tcPr anchor="ctr">
+                    <a:lnL w="12700" cap="flat" cmpd="sng" algn="ctr">
+                      <a:solidFill>
+                        <a:schemeClr val="tx1"/>
+                      </a:solidFill>
+                      <a:prstDash val="solid"/>
+                      <a:round/>
+                      <a:headEnd type="none" w="med" len="med"/>
+                      <a:tailEnd type="none" w="med" len="med"/>
+                    </a:lnL>
+                    <a:lnR w="12700" cap="flat" cmpd="sng" algn="ctr">
+                      <a:solidFill>
+                        <a:schemeClr val="tx1"/>
+                      </a:solidFill>
+                      <a:prstDash val="solid"/>
+                      <a:round/>
+                      <a:headEnd type="none" w="med" len="med"/>
+                      <a:tailEnd type="none" w="med" len="med"/>
+                    </a:lnR>
+                    <a:lnT w="12700" cap="flat" cmpd="sng" algn="ctr">
+                      <a:solidFill>
+                        <a:schemeClr val="tx1"/>
+                      </a:solidFill>
+                      <a:prstDash val="solid"/>
+                      <a:round/>
+                      <a:headEnd type="none" w="med" len="med"/>
+                      <a:tailEnd type="none" w="med" len="med"/>
+                    </a:lnT>
+                    <a:lnB w="12700" cap="flat" cmpd="sng" algn="ctr">
+                      <a:solidFill>
+                        <a:schemeClr val="tx1"/>
+                      </a:solidFill>
+                      <a:prstDash val="solid"/>
+                      <a:round/>
+                      <a:headEnd type="none" w="med" len="med"/>
+                      <a:tailEnd type="none" w="med" len="med"/>
+                    </a:lnB>
+                    <a:noFill/>
+                  </a:tcPr>
+                </a:tc>
+                <a:extLst>
+                  <a:ext uri="{0D108BD9-81ED-4DB2-BD59-A6C34878D82A}">
+                    <a16:rowId xmlns:a16="http://schemas.microsoft.com/office/drawing/2014/main" val="1491202224"/>
+                  </a:ext>
+                </a:extLst>
+              </a:tr>
+              <a:tr h="370840">
+                <a:tc>
+                  <a:txBody>
+                    <a:bodyPr/>
+                    <a:lstStyle/>
+                    <a:p>
+                      <a:pPr algn="ctr"/>
+                      <a:r>
+                        <a:rPr lang="en-US" altLang="zh-CN" sz="1400" b="1" dirty="0" smtClean="0">
+                          <a:solidFill>
+                            <a:schemeClr val="tx1"/>
+                          </a:solidFill>
+                          <a:effectLst/>
+                          <a:latin typeface="Arial" panose="020B0604020202020204" pitchFamily="34" charset="0"/>
+                          <a:cs typeface="Arial" panose="020B0604020202020204" pitchFamily="34" charset="0"/>
+                        </a:rPr>
+                        <a:t>B</a:t>
+                      </a:r>
+                      <a:endParaRPr lang="zh-CN" altLang="en-US" sz="1400" b="1" dirty="0">
+                        <a:solidFill>
+                          <a:schemeClr val="tx1"/>
+                        </a:solidFill>
+                        <a:effectLst/>
+                        <a:latin typeface="Arial" panose="020B0604020202020204" pitchFamily="34" charset="0"/>
+                        <a:cs typeface="Arial" panose="020B0604020202020204" pitchFamily="34" charset="0"/>
+                      </a:endParaRPr>
+                    </a:p>
+                  </a:txBody>
+                  <a:tcPr anchor="ctr">
+                    <a:lnL w="12700" cap="flat" cmpd="sng" algn="ctr">
+                      <a:solidFill>
+                        <a:schemeClr val="tx1"/>
+                      </a:solidFill>
+                      <a:prstDash val="solid"/>
+                      <a:round/>
+                      <a:headEnd type="none" w="med" len="med"/>
+                      <a:tailEnd type="none" w="med" len="med"/>
+                    </a:lnL>
+                    <a:lnR w="12700" cap="flat" cmpd="sng" algn="ctr">
+                      <a:solidFill>
+                        <a:schemeClr val="tx1"/>
+                      </a:solidFill>
+                      <a:prstDash val="solid"/>
+                      <a:round/>
+                      <a:headEnd type="none" w="med" len="med"/>
+                      <a:tailEnd type="none" w="med" len="med"/>
+                    </a:lnR>
+                    <a:lnT w="12700" cap="flat" cmpd="sng" algn="ctr">
+                      <a:solidFill>
+                        <a:schemeClr val="tx1"/>
+                      </a:solidFill>
+                      <a:prstDash val="solid"/>
+                      <a:round/>
+                      <a:headEnd type="none" w="med" len="med"/>
+                      <a:tailEnd type="none" w="med" len="med"/>
+                    </a:lnT>
+                    <a:lnB w="12700" cap="flat" cmpd="sng" algn="ctr">
+                      <a:solidFill>
+                        <a:schemeClr val="tx1"/>
+                      </a:solidFill>
+                      <a:prstDash val="solid"/>
+                      <a:round/>
+                      <a:headEnd type="none" w="med" len="med"/>
+                      <a:tailEnd type="none" w="med" len="med"/>
+                    </a:lnB>
+                    <a:solidFill>
+                      <a:schemeClr val="accent5">
+                        <a:lumMod val="20000"/>
+                        <a:lumOff val="80000"/>
+                      </a:schemeClr>
+                    </a:solidFill>
+                  </a:tcPr>
+                </a:tc>
+                <a:tc>
+                  <a:txBody>
+                    <a:bodyPr/>
+                    <a:lstStyle/>
+                    <a:p>
+                      <a:pPr algn="ctr"/>
+                      <a:endParaRPr lang="zh-CN" altLang="en-US" sz="1400" b="0" i="1">
+                        <a:solidFill>
+                          <a:schemeClr val="tx1"/>
+                        </a:solidFill>
+                        <a:effectLst/>
+                        <a:latin typeface="Arial" panose="020B0604020202020204" pitchFamily="34" charset="0"/>
+                        <a:cs typeface="Arial" panose="020B0604020202020204" pitchFamily="34" charset="0"/>
+                      </a:endParaRPr>
+                    </a:p>
+                  </a:txBody>
+                  <a:tcPr anchor="ctr">
+                    <a:lnL w="12700" cap="flat" cmpd="sng" algn="ctr">
+                      <a:solidFill>
+                        <a:schemeClr val="tx1"/>
+                      </a:solidFill>
+                      <a:prstDash val="solid"/>
+                      <a:round/>
+                      <a:headEnd type="none" w="med" len="med"/>
+                      <a:tailEnd type="none" w="med" len="med"/>
+                    </a:lnL>
+                    <a:lnR w="12700" cap="flat" cmpd="sng" algn="ctr">
+                      <a:solidFill>
+                        <a:schemeClr val="tx1"/>
+                      </a:solidFill>
+                      <a:prstDash val="solid"/>
+                      <a:round/>
+                      <a:headEnd type="none" w="med" len="med"/>
+                      <a:tailEnd type="none" w="med" len="med"/>
+                    </a:lnR>
+                    <a:lnT w="12700" cap="flat" cmpd="sng" algn="ctr">
+                      <a:solidFill>
+                        <a:schemeClr val="tx1"/>
+                      </a:solidFill>
+                      <a:prstDash val="solid"/>
+                      <a:round/>
+                      <a:headEnd type="none" w="med" len="med"/>
+                      <a:tailEnd type="none" w="med" len="med"/>
+                    </a:lnT>
+                    <a:lnB w="12700" cap="flat" cmpd="sng" algn="ctr">
+                      <a:solidFill>
+                        <a:schemeClr val="tx1"/>
+                      </a:solidFill>
+                      <a:prstDash val="solid"/>
+                      <a:round/>
+                      <a:headEnd type="none" w="med" len="med"/>
+                      <a:tailEnd type="none" w="med" len="med"/>
+                    </a:lnB>
+                    <a:noFill/>
+                  </a:tcPr>
+                </a:tc>
+                <a:tc>
+                  <a:txBody>
+                    <a:bodyPr/>
+                    <a:lstStyle/>
+                    <a:p>
+                      <a:pPr algn="ctr"/>
+                      <a:endParaRPr lang="zh-CN" altLang="en-US" sz="1400" b="0" i="1" dirty="0">
+                        <a:solidFill>
+                          <a:schemeClr val="tx1"/>
+                        </a:solidFill>
+                        <a:effectLst/>
+                        <a:latin typeface="Arial" panose="020B0604020202020204" pitchFamily="34" charset="0"/>
+                        <a:cs typeface="Arial" panose="020B0604020202020204" pitchFamily="34" charset="0"/>
+                      </a:endParaRPr>
+                    </a:p>
+                  </a:txBody>
+                  <a:tcPr anchor="ctr">
+                    <a:lnL w="12700" cap="flat" cmpd="sng" algn="ctr">
+                      <a:solidFill>
+                        <a:schemeClr val="tx1"/>
+                      </a:solidFill>
+                      <a:prstDash val="solid"/>
+                      <a:round/>
+                      <a:headEnd type="none" w="med" len="med"/>
+                      <a:tailEnd type="none" w="med" len="med"/>
+                    </a:lnL>
+                    <a:lnR w="12700" cap="flat" cmpd="sng" algn="ctr">
+                      <a:solidFill>
+                        <a:schemeClr val="tx1"/>
+                      </a:solidFill>
+                      <a:prstDash val="solid"/>
+                      <a:round/>
+                      <a:headEnd type="none" w="med" len="med"/>
+                      <a:tailEnd type="none" w="med" len="med"/>
+                    </a:lnR>
+                    <a:lnT w="12700" cap="flat" cmpd="sng" algn="ctr">
+                      <a:solidFill>
+                        <a:schemeClr val="tx1"/>
+                      </a:solidFill>
+                      <a:prstDash val="solid"/>
+                      <a:round/>
+                      <a:headEnd type="none" w="med" len="med"/>
+                      <a:tailEnd type="none" w="med" len="med"/>
+                    </a:lnT>
+                    <a:lnB w="12700" cap="flat" cmpd="sng" algn="ctr">
+                      <a:solidFill>
+                        <a:schemeClr val="tx1"/>
+                      </a:solidFill>
+                      <a:prstDash val="solid"/>
+                      <a:round/>
+                      <a:headEnd type="none" w="med" len="med"/>
+                      <a:tailEnd type="none" w="med" len="med"/>
+                    </a:lnB>
+                    <a:noFill/>
+                  </a:tcPr>
+                </a:tc>
+                <a:tc>
+                  <a:txBody>
+                    <a:bodyPr/>
+                    <a:lstStyle/>
+                    <a:p>
+                      <a:pPr algn="ctr"/>
+                      <a:r>
+                        <a:rPr lang="en-US" altLang="zh-CN" sz="1400" b="0" i="1" dirty="0" smtClean="0">
+                          <a:solidFill>
+                            <a:schemeClr val="tx1"/>
+                          </a:solidFill>
+                          <a:effectLst/>
+                          <a:latin typeface="Arial" panose="020B0604020202020204" pitchFamily="34" charset="0"/>
+                          <a:cs typeface="Arial" panose="020B0604020202020204" pitchFamily="34" charset="0"/>
+                        </a:rPr>
+                        <a:t>w</a:t>
+                      </a:r>
+                      <a:endParaRPr lang="zh-CN" altLang="en-US" sz="1400" b="0" i="1" dirty="0">
+                        <a:solidFill>
+                          <a:schemeClr val="tx1"/>
+                        </a:solidFill>
+                        <a:effectLst/>
+                        <a:latin typeface="Arial" panose="020B0604020202020204" pitchFamily="34" charset="0"/>
+                        <a:cs typeface="Arial" panose="020B0604020202020204" pitchFamily="34" charset="0"/>
+                      </a:endParaRPr>
+                    </a:p>
+                  </a:txBody>
+                  <a:tcPr anchor="ctr">
+                    <a:lnL w="12700" cap="flat" cmpd="sng" algn="ctr">
+                      <a:solidFill>
+                        <a:schemeClr val="tx1"/>
+                      </a:solidFill>
+                      <a:prstDash val="solid"/>
+                      <a:round/>
+                      <a:headEnd type="none" w="med" len="med"/>
+                      <a:tailEnd type="none" w="med" len="med"/>
+                    </a:lnL>
+                    <a:lnR w="12700" cap="flat" cmpd="sng" algn="ctr">
+                      <a:solidFill>
+                        <a:schemeClr val="tx1"/>
+                      </a:solidFill>
+                      <a:prstDash val="solid"/>
+                      <a:round/>
+                      <a:headEnd type="none" w="med" len="med"/>
+                      <a:tailEnd type="none" w="med" len="med"/>
+                    </a:lnR>
+                    <a:lnT w="12700" cap="flat" cmpd="sng" algn="ctr">
+                      <a:solidFill>
+                        <a:schemeClr val="tx1"/>
+                      </a:solidFill>
+                      <a:prstDash val="solid"/>
+                      <a:round/>
+                      <a:headEnd type="none" w="med" len="med"/>
+                      <a:tailEnd type="none" w="med" len="med"/>
+                    </a:lnT>
+                    <a:lnB w="12700" cap="flat" cmpd="sng" algn="ctr">
+                      <a:solidFill>
+                        <a:schemeClr val="tx1"/>
+                      </a:solidFill>
+                      <a:prstDash val="solid"/>
+                      <a:round/>
+                      <a:headEnd type="none" w="med" len="med"/>
+                      <a:tailEnd type="none" w="med" len="med"/>
+                    </a:lnB>
+                    <a:noFill/>
+                  </a:tcPr>
+                </a:tc>
+                <a:tc>
+                  <a:txBody>
+                    <a:bodyPr/>
+                    <a:lstStyle/>
+                    <a:p>
+                      <a:pPr algn="ctr"/>
+                      <a:r>
+                        <a:rPr lang="en-US" altLang="zh-CN" sz="1400" b="0" i="1" dirty="0" smtClean="0">
+                          <a:solidFill>
+                            <a:schemeClr val="tx1"/>
+                          </a:solidFill>
+                          <a:effectLst/>
+                          <a:latin typeface="Arial" panose="020B0604020202020204" pitchFamily="34" charset="0"/>
+                          <a:cs typeface="Arial" panose="020B0604020202020204" pitchFamily="34" charset="0"/>
+                        </a:rPr>
+                        <a:t>2</a:t>
+                      </a:r>
+                      <a:endParaRPr lang="zh-CN" altLang="en-US" sz="1400" b="0" i="1" dirty="0">
+                        <a:solidFill>
+                          <a:schemeClr val="tx1"/>
+                        </a:solidFill>
+                        <a:effectLst/>
+                        <a:latin typeface="Arial" panose="020B0604020202020204" pitchFamily="34" charset="0"/>
+                        <a:cs typeface="Arial" panose="020B0604020202020204" pitchFamily="34" charset="0"/>
+                      </a:endParaRPr>
+                    </a:p>
+                  </a:txBody>
+                  <a:tcPr anchor="ctr">
+                    <a:lnL w="12700" cap="flat" cmpd="sng" algn="ctr">
+                      <a:solidFill>
+                        <a:schemeClr val="tx1"/>
+                      </a:solidFill>
+                      <a:prstDash val="solid"/>
+                      <a:round/>
+                      <a:headEnd type="none" w="med" len="med"/>
+                      <a:tailEnd type="none" w="med" len="med"/>
+                    </a:lnL>
+                    <a:lnR w="12700" cap="flat" cmpd="sng" algn="ctr">
+                      <a:solidFill>
+                        <a:schemeClr val="tx1"/>
+                      </a:solidFill>
+                      <a:prstDash val="solid"/>
+                      <a:round/>
+                      <a:headEnd type="none" w="med" len="med"/>
+                      <a:tailEnd type="none" w="med" len="med"/>
+                    </a:lnR>
+                    <a:lnT w="12700" cap="flat" cmpd="sng" algn="ctr">
+                      <a:solidFill>
+                        <a:schemeClr val="tx1"/>
+                      </a:solidFill>
+                      <a:prstDash val="solid"/>
+                      <a:round/>
+                      <a:headEnd type="none" w="med" len="med"/>
+                      <a:tailEnd type="none" w="med" len="med"/>
+                    </a:lnT>
+                    <a:lnB w="12700" cap="flat" cmpd="sng" algn="ctr">
+                      <a:solidFill>
+                        <a:schemeClr val="tx1"/>
+                      </a:solidFill>
+                      <a:prstDash val="solid"/>
+                      <a:round/>
+                      <a:headEnd type="none" w="med" len="med"/>
+                      <a:tailEnd type="none" w="med" len="med"/>
+                    </a:lnB>
+                    <a:noFill/>
+                  </a:tcPr>
+                </a:tc>
+                <a:extLst>
+                  <a:ext uri="{0D108BD9-81ED-4DB2-BD59-A6C34878D82A}">
+                    <a16:rowId xmlns:a16="http://schemas.microsoft.com/office/drawing/2014/main" val="2457331936"/>
+                  </a:ext>
+                </a:extLst>
+              </a:tr>
+            </a:tbl>
+          </a:graphicData>
+        </a:graphic>
+      </p:graphicFrame>
+      <p:sp>
+        <p:nvSpPr>
+          <p:cNvPr id="6" name="文本框 5"/>
+          <p:cNvSpPr txBox="1"/>
+          <p:nvPr/>
+        </p:nvSpPr>
+        <p:spPr>
+          <a:xfrm>
+            <a:off x="3491880" y="836712"/>
+            <a:ext cx="1940403" cy="923330"/>
+          </a:xfrm>
+          <a:prstGeom prst="rect">
+            <a:avLst/>
+          </a:prstGeom>
+          <a:noFill/>
+        </p:spPr>
+        <p:txBody>
+          <a:bodyPr wrap="none" rtlCol="0">
+            <a:spAutoFit/>
+          </a:bodyPr>
+          <a:lstStyle/>
+          <a:p>
+            <a:pPr>
+              <a:lnSpc>
+                <a:spcPct val="150000"/>
+              </a:lnSpc>
+            </a:pPr>
+            <a:r>
+              <a:rPr lang="en-US" altLang="zh-CN" dirty="0" smtClean="0"/>
+              <a:t>Step 1 – Align :</a:t>
+            </a:r>
+          </a:p>
+          <a:p>
+            <a:pPr>
+              <a:lnSpc>
+                <a:spcPct val="150000"/>
+              </a:lnSpc>
+            </a:pPr>
+            <a:r>
+              <a:rPr lang="en-US" altLang="zh-CN" dirty="0"/>
+              <a:t>Align B to the right</a:t>
+            </a:r>
+            <a:endParaRPr lang="zh-CN" altLang="en-US" dirty="0"/>
+          </a:p>
+        </p:txBody>
+      </p:sp>
+      <p:sp>
+        <p:nvSpPr>
+          <p:cNvPr id="7" name="下箭头 6"/>
+          <p:cNvSpPr/>
+          <p:nvPr/>
+        </p:nvSpPr>
+        <p:spPr>
+          <a:xfrm>
+            <a:off x="2699792" y="1916832"/>
+            <a:ext cx="504056" cy="246991"/>
+          </a:xfrm>
+          <a:prstGeom prst="downArrow">
+            <a:avLst/>
+          </a:prstGeom>
+          <a:noFill/>
+          <a:ln w="19050">
+            <a:solidFill>
+              <a:schemeClr val="bg1">
+                <a:lumMod val="50000"/>
+              </a:schemeClr>
+            </a:solidFill>
+          </a:ln>
+        </p:spPr>
+        <p:style>
+          <a:lnRef idx="2">
+            <a:schemeClr val="accent1">
+              <a:shade val="50000"/>
+            </a:schemeClr>
+          </a:lnRef>
+          <a:fillRef idx="1">
+            <a:schemeClr val="accent1"/>
+          </a:fillRef>
+          <a:effectRef idx="0">
+            <a:schemeClr val="accent1"/>
+          </a:effectRef>
+          <a:fontRef idx="minor">
+            <a:schemeClr val="lt1"/>
+          </a:fontRef>
+        </p:style>
+        <p:txBody>
+          <a:bodyPr rtlCol="0" anchor="ctr"/>
+          <a:lstStyle/>
+          <a:p>
+            <a:pPr algn="ctr"/>
+            <a:endParaRPr lang="zh-CN" altLang="en-US"/>
+          </a:p>
+        </p:txBody>
+      </p:sp>
+      <p:graphicFrame>
+        <p:nvGraphicFramePr>
+          <p:cNvPr id="8" name="表格 7"/>
+          <p:cNvGraphicFramePr>
+            <a:graphicFrameLocks noGrp="1"/>
+          </p:cNvGraphicFramePr>
+          <p:nvPr>
+            <p:extLst>
+              <p:ext uri="{D42A27DB-BD31-4B8C-83A1-F6EECF244321}">
+                <p14:modId xmlns:p14="http://schemas.microsoft.com/office/powerpoint/2010/main" val="3891731234"/>
+              </p:ext>
+            </p:extLst>
+          </p:nvPr>
+        </p:nvGraphicFramePr>
+        <p:xfrm>
+          <a:off x="467544" y="2314501"/>
+          <a:ext cx="2932570" cy="1112520"/>
+        </p:xfrm>
+        <a:graphic>
+          <a:graphicData uri="http://schemas.openxmlformats.org/drawingml/2006/table">
+            <a:tbl>
+              <a:tblPr firstRow="1" bandRow="1">
+                <a:tableStyleId>{5C22544A-7EE6-4342-B048-85BDC9FD1C3A}</a:tableStyleId>
+              </a:tblPr>
+              <a:tblGrid>
+                <a:gridCol w="763270">
+                  <a:extLst>
+                    <a:ext uri="{9D8B030D-6E8A-4147-A177-3AD203B41FA5}">
+                      <a16:colId xmlns:a16="http://schemas.microsoft.com/office/drawing/2014/main" val="3326979791"/>
+                    </a:ext>
+                  </a:extLst>
+                </a:gridCol>
+                <a:gridCol w="542325">
+                  <a:extLst>
+                    <a:ext uri="{9D8B030D-6E8A-4147-A177-3AD203B41FA5}">
+                      <a16:colId xmlns:a16="http://schemas.microsoft.com/office/drawing/2014/main" val="637607070"/>
+                    </a:ext>
+                  </a:extLst>
+                </a:gridCol>
+                <a:gridCol w="542325">
+                  <a:extLst>
+                    <a:ext uri="{9D8B030D-6E8A-4147-A177-3AD203B41FA5}">
+                      <a16:colId xmlns:a16="http://schemas.microsoft.com/office/drawing/2014/main" val="1695508235"/>
+                    </a:ext>
+                  </a:extLst>
+                </a:gridCol>
+                <a:gridCol w="542325">
+                  <a:extLst>
+                    <a:ext uri="{9D8B030D-6E8A-4147-A177-3AD203B41FA5}">
+                      <a16:colId xmlns:a16="http://schemas.microsoft.com/office/drawing/2014/main" val="1870987448"/>
+                    </a:ext>
+                  </a:extLst>
+                </a:gridCol>
+                <a:gridCol w="542325">
+                  <a:extLst>
+                    <a:ext uri="{9D8B030D-6E8A-4147-A177-3AD203B41FA5}">
+                      <a16:colId xmlns:a16="http://schemas.microsoft.com/office/drawing/2014/main" val="324699617"/>
+                    </a:ext>
+                  </a:extLst>
+                </a:gridCol>
+              </a:tblGrid>
+              <a:tr h="370840">
+                <a:tc>
+                  <a:txBody>
+                    <a:bodyPr/>
+                    <a:lstStyle/>
+                    <a:p>
+                      <a:pPr algn="ctr"/>
+                      <a:r>
+                        <a:rPr lang="en-US" altLang="zh-CN" sz="1400" b="1" dirty="0" smtClean="0">
+                          <a:solidFill>
+                            <a:schemeClr val="tx1"/>
+                          </a:solidFill>
+                          <a:effectLst/>
+                          <a:latin typeface="Arial" panose="020B0604020202020204" pitchFamily="34" charset="0"/>
+                          <a:cs typeface="Arial" panose="020B0604020202020204" pitchFamily="34" charset="0"/>
+                        </a:rPr>
+                        <a:t>axis:</a:t>
+                      </a:r>
+                      <a:endParaRPr lang="zh-CN" altLang="en-US" sz="1400" b="1" dirty="0">
+                        <a:solidFill>
+                          <a:schemeClr val="tx1"/>
+                        </a:solidFill>
+                        <a:effectLst/>
+                        <a:latin typeface="Arial" panose="020B0604020202020204" pitchFamily="34" charset="0"/>
+                        <a:cs typeface="Arial" panose="020B0604020202020204" pitchFamily="34" charset="0"/>
+                      </a:endParaRPr>
+                    </a:p>
+                  </a:txBody>
+                  <a:tcPr anchor="ctr">
+                    <a:lnL w="12700" cap="flat" cmpd="sng" algn="ctr">
+                      <a:solidFill>
+                        <a:schemeClr val="tx1"/>
+                      </a:solidFill>
+                      <a:prstDash val="solid"/>
+                      <a:round/>
+                      <a:headEnd type="none" w="med" len="med"/>
+                      <a:tailEnd type="none" w="med" len="med"/>
+                    </a:lnL>
+                    <a:lnR w="12700" cap="flat" cmpd="sng" algn="ctr">
+                      <a:solidFill>
+                        <a:schemeClr val="tx1"/>
+                      </a:solidFill>
+                      <a:prstDash val="solid"/>
+                      <a:round/>
+                      <a:headEnd type="none" w="med" len="med"/>
+                      <a:tailEnd type="none" w="med" len="med"/>
+                    </a:lnR>
+                    <a:lnT w="12700" cap="flat" cmpd="sng" algn="ctr">
+                      <a:solidFill>
+                        <a:schemeClr val="tx1"/>
+                      </a:solidFill>
+                      <a:prstDash val="solid"/>
+                      <a:round/>
+                      <a:headEnd type="none" w="med" len="med"/>
+                      <a:tailEnd type="none" w="med" len="med"/>
+                    </a:lnT>
+                    <a:lnB w="12700" cap="flat" cmpd="sng" algn="ctr">
+                      <a:solidFill>
+                        <a:schemeClr val="tx1"/>
+                      </a:solidFill>
+                      <a:prstDash val="solid"/>
+                      <a:round/>
+                      <a:headEnd type="none" w="med" len="med"/>
+                      <a:tailEnd type="none" w="med" len="med"/>
+                    </a:lnB>
+                    <a:solidFill>
+                      <a:schemeClr val="accent6">
+                        <a:lumMod val="20000"/>
+                        <a:lumOff val="80000"/>
+                      </a:schemeClr>
+                    </a:solidFill>
+                  </a:tcPr>
+                </a:tc>
+                <a:tc>
+                  <a:txBody>
+                    <a:bodyPr/>
+                    <a:lstStyle/>
+                    <a:p>
+                      <a:pPr algn="ctr"/>
+                      <a:r>
+                        <a:rPr lang="en-US" altLang="zh-CN" sz="1400" b="1" dirty="0" smtClean="0">
+                          <a:solidFill>
+                            <a:schemeClr val="tx1"/>
+                          </a:solidFill>
+                          <a:effectLst/>
+                          <a:latin typeface="Arial" panose="020B0604020202020204" pitchFamily="34" charset="0"/>
+                          <a:cs typeface="Arial" panose="020B0604020202020204" pitchFamily="34" charset="0"/>
+                        </a:rPr>
+                        <a:t>0</a:t>
+                      </a:r>
+                      <a:endParaRPr lang="zh-CN" altLang="en-US" sz="1400" b="1" dirty="0">
+                        <a:solidFill>
+                          <a:schemeClr val="tx1"/>
+                        </a:solidFill>
+                        <a:effectLst/>
+                        <a:latin typeface="Arial" panose="020B0604020202020204" pitchFamily="34" charset="0"/>
+                        <a:cs typeface="Arial" panose="020B0604020202020204" pitchFamily="34" charset="0"/>
+                      </a:endParaRPr>
+                    </a:p>
+                  </a:txBody>
+                  <a:tcPr anchor="ctr">
+                    <a:lnL w="12700" cap="flat" cmpd="sng" algn="ctr">
+                      <a:solidFill>
+                        <a:schemeClr val="tx1"/>
+                      </a:solidFill>
+                      <a:prstDash val="solid"/>
+                      <a:round/>
+                      <a:headEnd type="none" w="med" len="med"/>
+                      <a:tailEnd type="none" w="med" len="med"/>
+                    </a:lnL>
+                    <a:lnR w="12700" cap="flat" cmpd="sng" algn="ctr">
+                      <a:solidFill>
+                        <a:schemeClr val="tx1"/>
+                      </a:solidFill>
+                      <a:prstDash val="solid"/>
+                      <a:round/>
+                      <a:headEnd type="none" w="med" len="med"/>
+                      <a:tailEnd type="none" w="med" len="med"/>
+                    </a:lnR>
+                    <a:lnT w="12700" cap="flat" cmpd="sng" algn="ctr">
+                      <a:solidFill>
+                        <a:schemeClr val="tx1"/>
+                      </a:solidFill>
+                      <a:prstDash val="solid"/>
+                      <a:round/>
+                      <a:headEnd type="none" w="med" len="med"/>
+                      <a:tailEnd type="none" w="med" len="med"/>
+                    </a:lnT>
+                    <a:lnB w="12700" cap="flat" cmpd="sng" algn="ctr">
+                      <a:solidFill>
+                        <a:schemeClr val="tx1"/>
+                      </a:solidFill>
+                      <a:prstDash val="solid"/>
+                      <a:round/>
+                      <a:headEnd type="none" w="med" len="med"/>
+                      <a:tailEnd type="none" w="med" len="med"/>
+                    </a:lnB>
+                    <a:solidFill>
+                      <a:schemeClr val="accent6">
+                        <a:lumMod val="20000"/>
+                        <a:lumOff val="80000"/>
+                      </a:schemeClr>
+                    </a:solidFill>
+                  </a:tcPr>
+                </a:tc>
+                <a:tc>
+                  <a:txBody>
+                    <a:bodyPr/>
+                    <a:lstStyle/>
+                    <a:p>
+                      <a:pPr algn="ctr"/>
+                      <a:r>
+                        <a:rPr lang="en-US" altLang="zh-CN" sz="1400" b="1" dirty="0" smtClean="0">
+                          <a:solidFill>
+                            <a:schemeClr val="tx1"/>
+                          </a:solidFill>
+                          <a:effectLst/>
+                          <a:latin typeface="Arial" panose="020B0604020202020204" pitchFamily="34" charset="0"/>
+                          <a:cs typeface="Arial" panose="020B0604020202020204" pitchFamily="34" charset="0"/>
+                        </a:rPr>
+                        <a:t>1</a:t>
+                      </a:r>
+                      <a:endParaRPr lang="zh-CN" altLang="en-US" sz="1400" b="1" dirty="0">
+                        <a:solidFill>
+                          <a:schemeClr val="tx1"/>
+                        </a:solidFill>
+                        <a:effectLst/>
+                        <a:latin typeface="Arial" panose="020B0604020202020204" pitchFamily="34" charset="0"/>
+                        <a:cs typeface="Arial" panose="020B0604020202020204" pitchFamily="34" charset="0"/>
+                      </a:endParaRPr>
+                    </a:p>
+                  </a:txBody>
+                  <a:tcPr anchor="ctr">
+                    <a:lnL w="12700" cap="flat" cmpd="sng" algn="ctr">
+                      <a:solidFill>
+                        <a:schemeClr val="tx1"/>
+                      </a:solidFill>
+                      <a:prstDash val="solid"/>
+                      <a:round/>
+                      <a:headEnd type="none" w="med" len="med"/>
+                      <a:tailEnd type="none" w="med" len="med"/>
+                    </a:lnL>
+                    <a:lnR w="12700" cap="flat" cmpd="sng" algn="ctr">
+                      <a:solidFill>
+                        <a:schemeClr val="tx1"/>
+                      </a:solidFill>
+                      <a:prstDash val="solid"/>
+                      <a:round/>
+                      <a:headEnd type="none" w="med" len="med"/>
+                      <a:tailEnd type="none" w="med" len="med"/>
+                    </a:lnR>
+                    <a:lnT w="12700" cap="flat" cmpd="sng" algn="ctr">
+                      <a:solidFill>
+                        <a:schemeClr val="tx1"/>
+                      </a:solidFill>
+                      <a:prstDash val="solid"/>
+                      <a:round/>
+                      <a:headEnd type="none" w="med" len="med"/>
+                      <a:tailEnd type="none" w="med" len="med"/>
+                    </a:lnT>
+                    <a:lnB w="12700" cap="flat" cmpd="sng" algn="ctr">
+                      <a:solidFill>
+                        <a:schemeClr val="tx1"/>
+                      </a:solidFill>
+                      <a:prstDash val="solid"/>
+                      <a:round/>
+                      <a:headEnd type="none" w="med" len="med"/>
+                      <a:tailEnd type="none" w="med" len="med"/>
+                    </a:lnB>
+                    <a:solidFill>
+                      <a:schemeClr val="accent6">
+                        <a:lumMod val="20000"/>
+                        <a:lumOff val="80000"/>
+                      </a:schemeClr>
+                    </a:solidFill>
+                  </a:tcPr>
+                </a:tc>
+                <a:tc>
+                  <a:txBody>
+                    <a:bodyPr/>
+                    <a:lstStyle/>
+                    <a:p>
+                      <a:pPr algn="ctr"/>
+                      <a:r>
+                        <a:rPr lang="en-US" altLang="zh-CN" sz="1400" b="1" dirty="0" smtClean="0">
+                          <a:solidFill>
+                            <a:schemeClr val="tx1"/>
+                          </a:solidFill>
+                          <a:effectLst/>
+                          <a:latin typeface="Arial" panose="020B0604020202020204" pitchFamily="34" charset="0"/>
+                          <a:cs typeface="Arial" panose="020B0604020202020204" pitchFamily="34" charset="0"/>
+                        </a:rPr>
+                        <a:t>2</a:t>
+                      </a:r>
+                      <a:endParaRPr lang="zh-CN" altLang="en-US" sz="1400" b="1" dirty="0">
+                        <a:solidFill>
+                          <a:schemeClr val="tx1"/>
+                        </a:solidFill>
+                        <a:effectLst/>
+                        <a:latin typeface="Arial" panose="020B0604020202020204" pitchFamily="34" charset="0"/>
+                        <a:cs typeface="Arial" panose="020B0604020202020204" pitchFamily="34" charset="0"/>
+                      </a:endParaRPr>
+                    </a:p>
+                  </a:txBody>
+                  <a:tcPr anchor="ctr">
+                    <a:lnL w="12700" cap="flat" cmpd="sng" algn="ctr">
+                      <a:solidFill>
+                        <a:schemeClr val="tx1"/>
+                      </a:solidFill>
+                      <a:prstDash val="solid"/>
+                      <a:round/>
+                      <a:headEnd type="none" w="med" len="med"/>
+                      <a:tailEnd type="none" w="med" len="med"/>
+                    </a:lnL>
+                    <a:lnR w="12700" cap="flat" cmpd="sng" algn="ctr">
+                      <a:solidFill>
+                        <a:schemeClr val="tx1"/>
+                      </a:solidFill>
+                      <a:prstDash val="solid"/>
+                      <a:round/>
+                      <a:headEnd type="none" w="med" len="med"/>
+                      <a:tailEnd type="none" w="med" len="med"/>
+                    </a:lnR>
+                    <a:lnT w="12700" cap="flat" cmpd="sng" algn="ctr">
+                      <a:solidFill>
+                        <a:schemeClr val="tx1"/>
+                      </a:solidFill>
+                      <a:prstDash val="solid"/>
+                      <a:round/>
+                      <a:headEnd type="none" w="med" len="med"/>
+                      <a:tailEnd type="none" w="med" len="med"/>
+                    </a:lnT>
+                    <a:lnB w="12700" cap="flat" cmpd="sng" algn="ctr">
+                      <a:solidFill>
+                        <a:schemeClr val="tx1"/>
+                      </a:solidFill>
+                      <a:prstDash val="solid"/>
+                      <a:round/>
+                      <a:headEnd type="none" w="med" len="med"/>
+                      <a:tailEnd type="none" w="med" len="med"/>
+                    </a:lnB>
+                    <a:solidFill>
+                      <a:schemeClr val="accent6">
+                        <a:lumMod val="20000"/>
+                        <a:lumOff val="80000"/>
+                      </a:schemeClr>
+                    </a:solidFill>
+                  </a:tcPr>
+                </a:tc>
+                <a:tc>
+                  <a:txBody>
+                    <a:bodyPr/>
+                    <a:lstStyle/>
+                    <a:p>
+                      <a:pPr algn="ctr"/>
+                      <a:r>
+                        <a:rPr lang="en-US" altLang="zh-CN" sz="1400" b="1" dirty="0" smtClean="0">
+                          <a:solidFill>
+                            <a:schemeClr val="tx1"/>
+                          </a:solidFill>
+                          <a:effectLst/>
+                          <a:latin typeface="Arial" panose="020B0604020202020204" pitchFamily="34" charset="0"/>
+                          <a:cs typeface="Arial" panose="020B0604020202020204" pitchFamily="34" charset="0"/>
+                        </a:rPr>
+                        <a:t>3</a:t>
+                      </a:r>
+                      <a:endParaRPr lang="zh-CN" altLang="en-US" sz="1400" b="1" dirty="0">
+                        <a:solidFill>
+                          <a:schemeClr val="tx1"/>
+                        </a:solidFill>
+                        <a:effectLst/>
+                        <a:latin typeface="Arial" panose="020B0604020202020204" pitchFamily="34" charset="0"/>
+                        <a:cs typeface="Arial" panose="020B0604020202020204" pitchFamily="34" charset="0"/>
+                      </a:endParaRPr>
+                    </a:p>
+                  </a:txBody>
+                  <a:tcPr anchor="ctr">
+                    <a:lnL w="12700" cap="flat" cmpd="sng" algn="ctr">
+                      <a:solidFill>
+                        <a:schemeClr val="tx1"/>
+                      </a:solidFill>
+                      <a:prstDash val="solid"/>
+                      <a:round/>
+                      <a:headEnd type="none" w="med" len="med"/>
+                      <a:tailEnd type="none" w="med" len="med"/>
+                    </a:lnL>
+                    <a:lnR w="12700" cap="flat" cmpd="sng" algn="ctr">
+                      <a:solidFill>
+                        <a:schemeClr val="tx1"/>
+                      </a:solidFill>
+                      <a:prstDash val="solid"/>
+                      <a:round/>
+                      <a:headEnd type="none" w="med" len="med"/>
+                      <a:tailEnd type="none" w="med" len="med"/>
+                    </a:lnR>
+                    <a:lnT w="12700" cap="flat" cmpd="sng" algn="ctr">
+                      <a:solidFill>
+                        <a:schemeClr val="tx1"/>
+                      </a:solidFill>
+                      <a:prstDash val="solid"/>
+                      <a:round/>
+                      <a:headEnd type="none" w="med" len="med"/>
+                      <a:tailEnd type="none" w="med" len="med"/>
+                    </a:lnT>
+                    <a:lnB w="12700" cap="flat" cmpd="sng" algn="ctr">
+                      <a:solidFill>
+                        <a:schemeClr val="tx1"/>
+                      </a:solidFill>
+                      <a:prstDash val="solid"/>
+                      <a:round/>
+                      <a:headEnd type="none" w="med" len="med"/>
+                      <a:tailEnd type="none" w="med" len="med"/>
+                    </a:lnB>
+                    <a:solidFill>
+                      <a:schemeClr val="accent6">
+                        <a:lumMod val="20000"/>
+                        <a:lumOff val="80000"/>
+                      </a:schemeClr>
+                    </a:solidFill>
+                  </a:tcPr>
+                </a:tc>
+                <a:extLst>
+                  <a:ext uri="{0D108BD9-81ED-4DB2-BD59-A6C34878D82A}">
+                    <a16:rowId xmlns:a16="http://schemas.microsoft.com/office/drawing/2014/main" val="798814532"/>
+                  </a:ext>
+                </a:extLst>
+              </a:tr>
+              <a:tr h="370840">
+                <a:tc>
+                  <a:txBody>
+                    <a:bodyPr/>
+                    <a:lstStyle/>
+                    <a:p>
+                      <a:pPr algn="ctr"/>
+                      <a:r>
+                        <a:rPr lang="en-US" altLang="zh-CN" sz="1400" b="1" dirty="0" smtClean="0">
+                          <a:solidFill>
+                            <a:schemeClr val="tx1"/>
+                          </a:solidFill>
+                          <a:effectLst/>
+                          <a:latin typeface="Arial" panose="020B0604020202020204" pitchFamily="34" charset="0"/>
+                          <a:cs typeface="Arial" panose="020B0604020202020204" pitchFamily="34" charset="0"/>
+                        </a:rPr>
+                        <a:t>A</a:t>
+                      </a:r>
+                      <a:endParaRPr lang="zh-CN" altLang="en-US" sz="1400" b="1" dirty="0">
+                        <a:solidFill>
+                          <a:schemeClr val="tx1"/>
+                        </a:solidFill>
+                        <a:effectLst/>
+                        <a:latin typeface="Arial" panose="020B0604020202020204" pitchFamily="34" charset="0"/>
+                        <a:cs typeface="Arial" panose="020B0604020202020204" pitchFamily="34" charset="0"/>
+                      </a:endParaRPr>
+                    </a:p>
+                  </a:txBody>
+                  <a:tcPr anchor="ctr">
+                    <a:lnL w="12700" cap="flat" cmpd="sng" algn="ctr">
+                      <a:solidFill>
+                        <a:schemeClr val="tx1"/>
+                      </a:solidFill>
+                      <a:prstDash val="solid"/>
+                      <a:round/>
+                      <a:headEnd type="none" w="med" len="med"/>
+                      <a:tailEnd type="none" w="med" len="med"/>
+                    </a:lnL>
+                    <a:lnR w="12700" cap="flat" cmpd="sng" algn="ctr">
+                      <a:solidFill>
+                        <a:schemeClr val="tx1"/>
+                      </a:solidFill>
+                      <a:prstDash val="solid"/>
+                      <a:round/>
+                      <a:headEnd type="none" w="med" len="med"/>
+                      <a:tailEnd type="none" w="med" len="med"/>
+                    </a:lnR>
+                    <a:lnT w="12700" cap="flat" cmpd="sng" algn="ctr">
+                      <a:solidFill>
+                        <a:schemeClr val="tx1"/>
+                      </a:solidFill>
+                      <a:prstDash val="solid"/>
+                      <a:round/>
+                      <a:headEnd type="none" w="med" len="med"/>
+                      <a:tailEnd type="none" w="med" len="med"/>
+                    </a:lnT>
+                    <a:lnB w="12700" cap="flat" cmpd="sng" algn="ctr">
+                      <a:solidFill>
+                        <a:schemeClr val="tx1"/>
+                      </a:solidFill>
+                      <a:prstDash val="solid"/>
+                      <a:round/>
+                      <a:headEnd type="none" w="med" len="med"/>
+                      <a:tailEnd type="none" w="med" len="med"/>
+                    </a:lnB>
+                    <a:solidFill>
+                      <a:schemeClr val="accent5">
+                        <a:lumMod val="20000"/>
+                        <a:lumOff val="80000"/>
+                      </a:schemeClr>
+                    </a:solidFill>
+                  </a:tcPr>
+                </a:tc>
+                <a:tc>
+                  <a:txBody>
+                    <a:bodyPr/>
+                    <a:lstStyle/>
+                    <a:p>
+                      <a:pPr algn="ctr"/>
+                      <a:r>
+                        <a:rPr lang="en-US" altLang="zh-CN" sz="1400" b="0" i="1" dirty="0" smtClean="0">
+                          <a:solidFill>
+                            <a:schemeClr val="tx1"/>
+                          </a:solidFill>
+                          <a:effectLst/>
+                          <a:latin typeface="Arial" panose="020B0604020202020204" pitchFamily="34" charset="0"/>
+                          <a:cs typeface="Arial" panose="020B0604020202020204" pitchFamily="34" charset="0"/>
+                        </a:rPr>
+                        <a:t>b</a:t>
+                      </a:r>
+                      <a:endParaRPr lang="zh-CN" altLang="en-US" sz="1400" b="0" i="1" dirty="0">
+                        <a:solidFill>
+                          <a:schemeClr val="tx1"/>
+                        </a:solidFill>
+                        <a:effectLst/>
+                        <a:latin typeface="Arial" panose="020B0604020202020204" pitchFamily="34" charset="0"/>
+                        <a:cs typeface="Arial" panose="020B0604020202020204" pitchFamily="34" charset="0"/>
+                      </a:endParaRPr>
+                    </a:p>
+                  </a:txBody>
+                  <a:tcPr anchor="ctr">
+                    <a:lnL w="12700" cap="flat" cmpd="sng" algn="ctr">
+                      <a:solidFill>
+                        <a:schemeClr val="tx1"/>
+                      </a:solidFill>
+                      <a:prstDash val="solid"/>
+                      <a:round/>
+                      <a:headEnd type="none" w="med" len="med"/>
+                      <a:tailEnd type="none" w="med" len="med"/>
+                    </a:lnL>
+                    <a:lnR w="12700" cap="flat" cmpd="sng" algn="ctr">
+                      <a:solidFill>
+                        <a:schemeClr val="tx1"/>
+                      </a:solidFill>
+                      <a:prstDash val="solid"/>
+                      <a:round/>
+                      <a:headEnd type="none" w="med" len="med"/>
+                      <a:tailEnd type="none" w="med" len="med"/>
+                    </a:lnR>
+                    <a:lnT w="12700" cap="flat" cmpd="sng" algn="ctr">
+                      <a:solidFill>
+                        <a:schemeClr val="tx1"/>
+                      </a:solidFill>
+                      <a:prstDash val="solid"/>
+                      <a:round/>
+                      <a:headEnd type="none" w="med" len="med"/>
+                      <a:tailEnd type="none" w="med" len="med"/>
+                    </a:lnT>
+                    <a:lnB w="12700" cap="flat" cmpd="sng" algn="ctr">
+                      <a:solidFill>
+                        <a:schemeClr val="tx1"/>
+                      </a:solidFill>
+                      <a:prstDash val="solid"/>
+                      <a:round/>
+                      <a:headEnd type="none" w="med" len="med"/>
+                      <a:tailEnd type="none" w="med" len="med"/>
+                    </a:lnB>
+                    <a:noFill/>
+                  </a:tcPr>
+                </a:tc>
+                <a:tc>
+                  <a:txBody>
+                    <a:bodyPr/>
+                    <a:lstStyle/>
+                    <a:p>
+                      <a:pPr algn="ctr"/>
+                      <a:r>
+                        <a:rPr lang="en-US" altLang="zh-CN" sz="1400" b="0" i="1" dirty="0" smtClean="0">
+                          <a:solidFill>
+                            <a:schemeClr val="tx1"/>
+                          </a:solidFill>
+                          <a:effectLst/>
+                          <a:latin typeface="Arial" panose="020B0604020202020204" pitchFamily="34" charset="0"/>
+                          <a:cs typeface="Arial" panose="020B0604020202020204" pitchFamily="34" charset="0"/>
+                        </a:rPr>
+                        <a:t>h</a:t>
+                      </a:r>
+                      <a:endParaRPr lang="zh-CN" altLang="en-US" sz="1400" b="0" i="1" dirty="0">
+                        <a:solidFill>
+                          <a:schemeClr val="tx1"/>
+                        </a:solidFill>
+                        <a:effectLst/>
+                        <a:latin typeface="Arial" panose="020B0604020202020204" pitchFamily="34" charset="0"/>
+                        <a:cs typeface="Arial" panose="020B0604020202020204" pitchFamily="34" charset="0"/>
+                      </a:endParaRPr>
+                    </a:p>
+                  </a:txBody>
+                  <a:tcPr anchor="ctr">
+                    <a:lnL w="12700" cap="flat" cmpd="sng" algn="ctr">
+                      <a:solidFill>
+                        <a:schemeClr val="tx1"/>
+                      </a:solidFill>
+                      <a:prstDash val="solid"/>
+                      <a:round/>
+                      <a:headEnd type="none" w="med" len="med"/>
+                      <a:tailEnd type="none" w="med" len="med"/>
+                    </a:lnL>
+                    <a:lnR w="12700" cap="flat" cmpd="sng" algn="ctr">
+                      <a:solidFill>
+                        <a:schemeClr val="tx1"/>
+                      </a:solidFill>
+                      <a:prstDash val="solid"/>
+                      <a:round/>
+                      <a:headEnd type="none" w="med" len="med"/>
+                      <a:tailEnd type="none" w="med" len="med"/>
+                    </a:lnR>
+                    <a:lnT w="12700" cap="flat" cmpd="sng" algn="ctr">
+                      <a:solidFill>
+                        <a:schemeClr val="tx1"/>
+                      </a:solidFill>
+                      <a:prstDash val="solid"/>
+                      <a:round/>
+                      <a:headEnd type="none" w="med" len="med"/>
+                      <a:tailEnd type="none" w="med" len="med"/>
+                    </a:lnT>
+                    <a:lnB w="12700" cap="flat" cmpd="sng" algn="ctr">
+                      <a:solidFill>
+                        <a:schemeClr val="tx1"/>
+                      </a:solidFill>
+                      <a:prstDash val="solid"/>
+                      <a:round/>
+                      <a:headEnd type="none" w="med" len="med"/>
+                      <a:tailEnd type="none" w="med" len="med"/>
+                    </a:lnB>
+                    <a:noFill/>
+                  </a:tcPr>
+                </a:tc>
+                <a:tc>
+                  <a:txBody>
+                    <a:bodyPr/>
+                    <a:lstStyle/>
+                    <a:p>
+                      <a:pPr algn="ctr"/>
+                      <a:r>
+                        <a:rPr lang="en-US" altLang="zh-CN" sz="1400" b="0" i="1" dirty="0" smtClean="0">
+                          <a:solidFill>
+                            <a:schemeClr val="tx1"/>
+                          </a:solidFill>
+                          <a:effectLst/>
+                          <a:latin typeface="Arial" panose="020B0604020202020204" pitchFamily="34" charset="0"/>
+                          <a:cs typeface="Arial" panose="020B0604020202020204" pitchFamily="34" charset="0"/>
+                        </a:rPr>
+                        <a:t>w</a:t>
+                      </a:r>
+                      <a:endParaRPr lang="zh-CN" altLang="en-US" sz="1400" b="0" i="1" dirty="0">
+                        <a:solidFill>
+                          <a:schemeClr val="tx1"/>
+                        </a:solidFill>
+                        <a:effectLst/>
+                        <a:latin typeface="Arial" panose="020B0604020202020204" pitchFamily="34" charset="0"/>
+                        <a:cs typeface="Arial" panose="020B0604020202020204" pitchFamily="34" charset="0"/>
+                      </a:endParaRPr>
+                    </a:p>
+                  </a:txBody>
+                  <a:tcPr anchor="ctr">
+                    <a:lnL w="12700" cap="flat" cmpd="sng" algn="ctr">
+                      <a:solidFill>
+                        <a:schemeClr val="tx1"/>
+                      </a:solidFill>
+                      <a:prstDash val="solid"/>
+                      <a:round/>
+                      <a:headEnd type="none" w="med" len="med"/>
+                      <a:tailEnd type="none" w="med" len="med"/>
+                    </a:lnL>
+                    <a:lnR w="12700" cap="flat" cmpd="sng" algn="ctr">
+                      <a:solidFill>
+                        <a:schemeClr val="tx1"/>
+                      </a:solidFill>
+                      <a:prstDash val="solid"/>
+                      <a:round/>
+                      <a:headEnd type="none" w="med" len="med"/>
+                      <a:tailEnd type="none" w="med" len="med"/>
+                    </a:lnR>
+                    <a:lnT w="12700" cap="flat" cmpd="sng" algn="ctr">
+                      <a:solidFill>
+                        <a:schemeClr val="tx1"/>
+                      </a:solidFill>
+                      <a:prstDash val="solid"/>
+                      <a:round/>
+                      <a:headEnd type="none" w="med" len="med"/>
+                      <a:tailEnd type="none" w="med" len="med"/>
+                    </a:lnT>
+                    <a:lnB w="12700" cap="flat" cmpd="sng" algn="ctr">
+                      <a:solidFill>
+                        <a:schemeClr val="tx1"/>
+                      </a:solidFill>
+                      <a:prstDash val="solid"/>
+                      <a:round/>
+                      <a:headEnd type="none" w="med" len="med"/>
+                      <a:tailEnd type="none" w="med" len="med"/>
+                    </a:lnB>
+                    <a:noFill/>
+                  </a:tcPr>
+                </a:tc>
+                <a:tc>
+                  <a:txBody>
+                    <a:bodyPr/>
+                    <a:lstStyle/>
+                    <a:p>
+                      <a:pPr algn="ctr"/>
+                      <a:r>
+                        <a:rPr lang="en-US" altLang="zh-CN" sz="1400" b="0" i="1" dirty="0" smtClean="0">
+                          <a:solidFill>
+                            <a:schemeClr val="tx1"/>
+                          </a:solidFill>
+                          <a:effectLst/>
+                          <a:latin typeface="Arial" panose="020B0604020202020204" pitchFamily="34" charset="0"/>
+                          <a:cs typeface="Arial" panose="020B0604020202020204" pitchFamily="34" charset="0"/>
+                        </a:rPr>
+                        <a:t>c</a:t>
+                      </a:r>
+                      <a:endParaRPr lang="zh-CN" altLang="en-US" sz="1400" b="0" i="1" dirty="0">
+                        <a:solidFill>
+                          <a:schemeClr val="tx1"/>
+                        </a:solidFill>
+                        <a:effectLst/>
+                        <a:latin typeface="Arial" panose="020B0604020202020204" pitchFamily="34" charset="0"/>
+                        <a:cs typeface="Arial" panose="020B0604020202020204" pitchFamily="34" charset="0"/>
+                      </a:endParaRPr>
+                    </a:p>
+                  </a:txBody>
+                  <a:tcPr anchor="ctr">
+                    <a:lnL w="12700" cap="flat" cmpd="sng" algn="ctr">
+                      <a:solidFill>
+                        <a:schemeClr val="tx1"/>
+                      </a:solidFill>
+                      <a:prstDash val="solid"/>
+                      <a:round/>
+                      <a:headEnd type="none" w="med" len="med"/>
+                      <a:tailEnd type="none" w="med" len="med"/>
+                    </a:lnL>
+                    <a:lnR w="12700" cap="flat" cmpd="sng" algn="ctr">
+                      <a:solidFill>
+                        <a:schemeClr val="tx1"/>
+                      </a:solidFill>
+                      <a:prstDash val="solid"/>
+                      <a:round/>
+                      <a:headEnd type="none" w="med" len="med"/>
+                      <a:tailEnd type="none" w="med" len="med"/>
+                    </a:lnR>
+                    <a:lnT w="12700" cap="flat" cmpd="sng" algn="ctr">
+                      <a:solidFill>
+                        <a:schemeClr val="tx1"/>
+                      </a:solidFill>
+                      <a:prstDash val="solid"/>
+                      <a:round/>
+                      <a:headEnd type="none" w="med" len="med"/>
+                      <a:tailEnd type="none" w="med" len="med"/>
+                    </a:lnT>
+                    <a:lnB w="12700" cap="flat" cmpd="sng" algn="ctr">
+                      <a:solidFill>
+                        <a:schemeClr val="tx1"/>
+                      </a:solidFill>
+                      <a:prstDash val="solid"/>
+                      <a:round/>
+                      <a:headEnd type="none" w="med" len="med"/>
+                      <a:tailEnd type="none" w="med" len="med"/>
+                    </a:lnB>
+                    <a:noFill/>
+                  </a:tcPr>
+                </a:tc>
+                <a:extLst>
+                  <a:ext uri="{0D108BD9-81ED-4DB2-BD59-A6C34878D82A}">
+                    <a16:rowId xmlns:a16="http://schemas.microsoft.com/office/drawing/2014/main" val="1491202224"/>
+                  </a:ext>
+                </a:extLst>
+              </a:tr>
+              <a:tr h="370840">
+                <a:tc>
+                  <a:txBody>
+                    <a:bodyPr/>
+                    <a:lstStyle/>
+                    <a:p>
+                      <a:pPr algn="ctr"/>
+                      <a:r>
+                        <a:rPr lang="en-US" altLang="zh-CN" sz="1400" b="1" dirty="0" smtClean="0">
+                          <a:solidFill>
+                            <a:schemeClr val="tx1"/>
+                          </a:solidFill>
+                          <a:effectLst/>
+                          <a:latin typeface="Arial" panose="020B0604020202020204" pitchFamily="34" charset="0"/>
+                          <a:cs typeface="Arial" panose="020B0604020202020204" pitchFamily="34" charset="0"/>
+                        </a:rPr>
+                        <a:t>B</a:t>
+                      </a:r>
+                      <a:endParaRPr lang="zh-CN" altLang="en-US" sz="1400" b="1" dirty="0">
+                        <a:solidFill>
+                          <a:schemeClr val="tx1"/>
+                        </a:solidFill>
+                        <a:effectLst/>
+                        <a:latin typeface="Arial" panose="020B0604020202020204" pitchFamily="34" charset="0"/>
+                        <a:cs typeface="Arial" panose="020B0604020202020204" pitchFamily="34" charset="0"/>
+                      </a:endParaRPr>
+                    </a:p>
+                  </a:txBody>
+                  <a:tcPr anchor="ctr">
+                    <a:lnL w="12700" cap="flat" cmpd="sng" algn="ctr">
+                      <a:solidFill>
+                        <a:schemeClr val="tx1"/>
+                      </a:solidFill>
+                      <a:prstDash val="solid"/>
+                      <a:round/>
+                      <a:headEnd type="none" w="med" len="med"/>
+                      <a:tailEnd type="none" w="med" len="med"/>
+                    </a:lnL>
+                    <a:lnR w="12700" cap="flat" cmpd="sng" algn="ctr">
+                      <a:solidFill>
+                        <a:schemeClr val="tx1"/>
+                      </a:solidFill>
+                      <a:prstDash val="solid"/>
+                      <a:round/>
+                      <a:headEnd type="none" w="med" len="med"/>
+                      <a:tailEnd type="none" w="med" len="med"/>
+                    </a:lnR>
+                    <a:lnT w="12700" cap="flat" cmpd="sng" algn="ctr">
+                      <a:solidFill>
+                        <a:schemeClr val="tx1"/>
+                      </a:solidFill>
+                      <a:prstDash val="solid"/>
+                      <a:round/>
+                      <a:headEnd type="none" w="med" len="med"/>
+                      <a:tailEnd type="none" w="med" len="med"/>
+                    </a:lnT>
+                    <a:lnB w="12700" cap="flat" cmpd="sng" algn="ctr">
+                      <a:solidFill>
+                        <a:schemeClr val="tx1"/>
+                      </a:solidFill>
+                      <a:prstDash val="solid"/>
+                      <a:round/>
+                      <a:headEnd type="none" w="med" len="med"/>
+                      <a:tailEnd type="none" w="med" len="med"/>
+                    </a:lnB>
+                    <a:solidFill>
+                      <a:schemeClr val="accent5">
+                        <a:lumMod val="20000"/>
+                        <a:lumOff val="80000"/>
+                      </a:schemeClr>
+                    </a:solidFill>
+                  </a:tcPr>
+                </a:tc>
+                <a:tc>
+                  <a:txBody>
+                    <a:bodyPr/>
+                    <a:lstStyle/>
+                    <a:p>
+                      <a:pPr algn="ctr"/>
+                      <a:r>
+                        <a:rPr lang="en-US" altLang="zh-CN" sz="1400" b="1" i="1" dirty="0" smtClean="0">
+                          <a:solidFill>
+                            <a:srgbClr val="0000FF"/>
+                          </a:solidFill>
+                          <a:effectLst/>
+                          <a:latin typeface="Arial" panose="020B0604020202020204" pitchFamily="34" charset="0"/>
+                          <a:cs typeface="Arial" panose="020B0604020202020204" pitchFamily="34" charset="0"/>
+                        </a:rPr>
+                        <a:t>1</a:t>
+                      </a:r>
+                      <a:endParaRPr lang="zh-CN" altLang="en-US" sz="1400" b="1" i="1" dirty="0">
+                        <a:solidFill>
+                          <a:srgbClr val="0000FF"/>
+                        </a:solidFill>
+                        <a:effectLst/>
+                        <a:latin typeface="Arial" panose="020B0604020202020204" pitchFamily="34" charset="0"/>
+                        <a:cs typeface="Arial" panose="020B0604020202020204" pitchFamily="34" charset="0"/>
+                      </a:endParaRPr>
+                    </a:p>
+                  </a:txBody>
+                  <a:tcPr anchor="ctr">
+                    <a:lnL w="12700" cap="flat" cmpd="sng" algn="ctr">
+                      <a:solidFill>
+                        <a:schemeClr val="tx1"/>
+                      </a:solidFill>
+                      <a:prstDash val="solid"/>
+                      <a:round/>
+                      <a:headEnd type="none" w="med" len="med"/>
+                      <a:tailEnd type="none" w="med" len="med"/>
+                    </a:lnL>
+                    <a:lnR w="12700" cap="flat" cmpd="sng" algn="ctr">
+                      <a:solidFill>
+                        <a:schemeClr val="tx1"/>
+                      </a:solidFill>
+                      <a:prstDash val="solid"/>
+                      <a:round/>
+                      <a:headEnd type="none" w="med" len="med"/>
+                      <a:tailEnd type="none" w="med" len="med"/>
+                    </a:lnR>
+                    <a:lnT w="12700" cap="flat" cmpd="sng" algn="ctr">
+                      <a:solidFill>
+                        <a:schemeClr val="tx1"/>
+                      </a:solidFill>
+                      <a:prstDash val="solid"/>
+                      <a:round/>
+                      <a:headEnd type="none" w="med" len="med"/>
+                      <a:tailEnd type="none" w="med" len="med"/>
+                    </a:lnT>
+                    <a:lnB w="12700" cap="flat" cmpd="sng" algn="ctr">
+                      <a:solidFill>
+                        <a:schemeClr val="tx1"/>
+                      </a:solidFill>
+                      <a:prstDash val="solid"/>
+                      <a:round/>
+                      <a:headEnd type="none" w="med" len="med"/>
+                      <a:tailEnd type="none" w="med" len="med"/>
+                    </a:lnB>
+                    <a:solidFill>
+                      <a:schemeClr val="bg1">
+                        <a:lumMod val="95000"/>
+                      </a:schemeClr>
+                    </a:solidFill>
+                  </a:tcPr>
+                </a:tc>
+                <a:tc>
+                  <a:txBody>
+                    <a:bodyPr/>
+                    <a:lstStyle/>
+                    <a:p>
+                      <a:pPr algn="ctr"/>
+                      <a:r>
+                        <a:rPr lang="en-US" altLang="zh-CN" sz="1400" b="1" i="1" dirty="0" smtClean="0">
+                          <a:solidFill>
+                            <a:srgbClr val="0000FF"/>
+                          </a:solidFill>
+                          <a:effectLst/>
+                          <a:latin typeface="Arial" panose="020B0604020202020204" pitchFamily="34" charset="0"/>
+                          <a:cs typeface="Arial" panose="020B0604020202020204" pitchFamily="34" charset="0"/>
+                        </a:rPr>
+                        <a:t>1</a:t>
+                      </a:r>
+                      <a:endParaRPr lang="zh-CN" altLang="en-US" sz="1400" b="1" i="1" dirty="0">
+                        <a:solidFill>
+                          <a:srgbClr val="0000FF"/>
+                        </a:solidFill>
+                        <a:effectLst/>
+                        <a:latin typeface="Arial" panose="020B0604020202020204" pitchFamily="34" charset="0"/>
+                        <a:cs typeface="Arial" panose="020B0604020202020204" pitchFamily="34" charset="0"/>
+                      </a:endParaRPr>
+                    </a:p>
+                  </a:txBody>
+                  <a:tcPr anchor="ctr">
+                    <a:lnL w="12700" cap="flat" cmpd="sng" algn="ctr">
+                      <a:solidFill>
+                        <a:schemeClr val="tx1"/>
+                      </a:solidFill>
+                      <a:prstDash val="solid"/>
+                      <a:round/>
+                      <a:headEnd type="none" w="med" len="med"/>
+                      <a:tailEnd type="none" w="med" len="med"/>
+                    </a:lnL>
+                    <a:lnR w="12700" cap="flat" cmpd="sng" algn="ctr">
+                      <a:solidFill>
+                        <a:schemeClr val="tx1"/>
+                      </a:solidFill>
+                      <a:prstDash val="solid"/>
+                      <a:round/>
+                      <a:headEnd type="none" w="med" len="med"/>
+                      <a:tailEnd type="none" w="med" len="med"/>
+                    </a:lnR>
+                    <a:lnT w="12700" cap="flat" cmpd="sng" algn="ctr">
+                      <a:solidFill>
+                        <a:schemeClr val="tx1"/>
+                      </a:solidFill>
+                      <a:prstDash val="solid"/>
+                      <a:round/>
+                      <a:headEnd type="none" w="med" len="med"/>
+                      <a:tailEnd type="none" w="med" len="med"/>
+                    </a:lnT>
+                    <a:lnB w="12700" cap="flat" cmpd="sng" algn="ctr">
+                      <a:solidFill>
+                        <a:schemeClr val="tx1"/>
+                      </a:solidFill>
+                      <a:prstDash val="solid"/>
+                      <a:round/>
+                      <a:headEnd type="none" w="med" len="med"/>
+                      <a:tailEnd type="none" w="med" len="med"/>
+                    </a:lnB>
+                    <a:solidFill>
+                      <a:schemeClr val="bg1">
+                        <a:lumMod val="95000"/>
+                      </a:schemeClr>
+                    </a:solidFill>
+                  </a:tcPr>
+                </a:tc>
+                <a:tc>
+                  <a:txBody>
+                    <a:bodyPr/>
+                    <a:lstStyle/>
+                    <a:p>
+                      <a:pPr algn="ctr"/>
+                      <a:r>
+                        <a:rPr lang="en-US" altLang="zh-CN" sz="1400" b="0" i="1" dirty="0" smtClean="0">
+                          <a:solidFill>
+                            <a:schemeClr val="tx1"/>
+                          </a:solidFill>
+                          <a:effectLst/>
+                          <a:latin typeface="Arial" panose="020B0604020202020204" pitchFamily="34" charset="0"/>
+                          <a:cs typeface="Arial" panose="020B0604020202020204" pitchFamily="34" charset="0"/>
+                        </a:rPr>
+                        <a:t>w</a:t>
+                      </a:r>
+                      <a:endParaRPr lang="zh-CN" altLang="en-US" sz="1400" b="0" i="1" dirty="0">
+                        <a:solidFill>
+                          <a:schemeClr val="tx1"/>
+                        </a:solidFill>
+                        <a:effectLst/>
+                        <a:latin typeface="Arial" panose="020B0604020202020204" pitchFamily="34" charset="0"/>
+                        <a:cs typeface="Arial" panose="020B0604020202020204" pitchFamily="34" charset="0"/>
+                      </a:endParaRPr>
+                    </a:p>
+                  </a:txBody>
+                  <a:tcPr anchor="ctr">
+                    <a:lnL w="12700" cap="flat" cmpd="sng" algn="ctr">
+                      <a:solidFill>
+                        <a:schemeClr val="tx1"/>
+                      </a:solidFill>
+                      <a:prstDash val="solid"/>
+                      <a:round/>
+                      <a:headEnd type="none" w="med" len="med"/>
+                      <a:tailEnd type="none" w="med" len="med"/>
+                    </a:lnL>
+                    <a:lnR w="12700" cap="flat" cmpd="sng" algn="ctr">
+                      <a:solidFill>
+                        <a:schemeClr val="tx1"/>
+                      </a:solidFill>
+                      <a:prstDash val="solid"/>
+                      <a:round/>
+                      <a:headEnd type="none" w="med" len="med"/>
+                      <a:tailEnd type="none" w="med" len="med"/>
+                    </a:lnR>
+                    <a:lnT w="12700" cap="flat" cmpd="sng" algn="ctr">
+                      <a:solidFill>
+                        <a:schemeClr val="tx1"/>
+                      </a:solidFill>
+                      <a:prstDash val="solid"/>
+                      <a:round/>
+                      <a:headEnd type="none" w="med" len="med"/>
+                      <a:tailEnd type="none" w="med" len="med"/>
+                    </a:lnT>
+                    <a:lnB w="12700" cap="flat" cmpd="sng" algn="ctr">
+                      <a:solidFill>
+                        <a:schemeClr val="tx1"/>
+                      </a:solidFill>
+                      <a:prstDash val="solid"/>
+                      <a:round/>
+                      <a:headEnd type="none" w="med" len="med"/>
+                      <a:tailEnd type="none" w="med" len="med"/>
+                    </a:lnB>
+                    <a:noFill/>
+                  </a:tcPr>
+                </a:tc>
+                <a:tc>
+                  <a:txBody>
+                    <a:bodyPr/>
+                    <a:lstStyle/>
+                    <a:p>
+                      <a:pPr algn="ctr"/>
+                      <a:r>
+                        <a:rPr lang="en-US" altLang="zh-CN" sz="1400" b="0" i="1" dirty="0" smtClean="0">
+                          <a:solidFill>
+                            <a:schemeClr val="tx1"/>
+                          </a:solidFill>
+                          <a:effectLst/>
+                          <a:latin typeface="Arial" panose="020B0604020202020204" pitchFamily="34" charset="0"/>
+                          <a:cs typeface="Arial" panose="020B0604020202020204" pitchFamily="34" charset="0"/>
+                        </a:rPr>
+                        <a:t>2</a:t>
+                      </a:r>
+                      <a:endParaRPr lang="zh-CN" altLang="en-US" sz="1400" b="0" i="1" dirty="0">
+                        <a:solidFill>
+                          <a:schemeClr val="tx1"/>
+                        </a:solidFill>
+                        <a:effectLst/>
+                        <a:latin typeface="Arial" panose="020B0604020202020204" pitchFamily="34" charset="0"/>
+                        <a:cs typeface="Arial" panose="020B0604020202020204" pitchFamily="34" charset="0"/>
+                      </a:endParaRPr>
+                    </a:p>
+                  </a:txBody>
+                  <a:tcPr anchor="ctr">
+                    <a:lnL w="12700" cap="flat" cmpd="sng" algn="ctr">
+                      <a:solidFill>
+                        <a:schemeClr val="tx1"/>
+                      </a:solidFill>
+                      <a:prstDash val="solid"/>
+                      <a:round/>
+                      <a:headEnd type="none" w="med" len="med"/>
+                      <a:tailEnd type="none" w="med" len="med"/>
+                    </a:lnL>
+                    <a:lnR w="12700" cap="flat" cmpd="sng" algn="ctr">
+                      <a:solidFill>
+                        <a:schemeClr val="tx1"/>
+                      </a:solidFill>
+                      <a:prstDash val="solid"/>
+                      <a:round/>
+                      <a:headEnd type="none" w="med" len="med"/>
+                      <a:tailEnd type="none" w="med" len="med"/>
+                    </a:lnR>
+                    <a:lnT w="12700" cap="flat" cmpd="sng" algn="ctr">
+                      <a:solidFill>
+                        <a:schemeClr val="tx1"/>
+                      </a:solidFill>
+                      <a:prstDash val="solid"/>
+                      <a:round/>
+                      <a:headEnd type="none" w="med" len="med"/>
+                      <a:tailEnd type="none" w="med" len="med"/>
+                    </a:lnT>
+                    <a:lnB w="12700" cap="flat" cmpd="sng" algn="ctr">
+                      <a:solidFill>
+                        <a:schemeClr val="tx1"/>
+                      </a:solidFill>
+                      <a:prstDash val="solid"/>
+                      <a:round/>
+                      <a:headEnd type="none" w="med" len="med"/>
+                      <a:tailEnd type="none" w="med" len="med"/>
+                    </a:lnB>
+                    <a:noFill/>
+                  </a:tcPr>
+                </a:tc>
+                <a:extLst>
+                  <a:ext uri="{0D108BD9-81ED-4DB2-BD59-A6C34878D82A}">
+                    <a16:rowId xmlns:a16="http://schemas.microsoft.com/office/drawing/2014/main" val="2457331936"/>
+                  </a:ext>
+                </a:extLst>
+              </a:tr>
+            </a:tbl>
+          </a:graphicData>
+        </a:graphic>
+      </p:graphicFrame>
+      <p:sp>
+        <p:nvSpPr>
+          <p:cNvPr id="9" name="文本框 8"/>
+          <p:cNvSpPr txBox="1"/>
+          <p:nvPr/>
+        </p:nvSpPr>
+        <p:spPr>
+          <a:xfrm>
+            <a:off x="3491880" y="2499174"/>
+            <a:ext cx="2286780" cy="923330"/>
+          </a:xfrm>
+          <a:prstGeom prst="rect">
+            <a:avLst/>
+          </a:prstGeom>
+          <a:noFill/>
+        </p:spPr>
+        <p:txBody>
+          <a:bodyPr wrap="none" rtlCol="0">
+            <a:spAutoFit/>
+          </a:bodyPr>
+          <a:lstStyle/>
+          <a:p>
+            <a:pPr>
+              <a:lnSpc>
+                <a:spcPct val="150000"/>
+              </a:lnSpc>
+            </a:pPr>
+            <a:r>
+              <a:rPr lang="en-US" altLang="zh-CN" dirty="0" smtClean="0"/>
+              <a:t>Step 2 – Complete :</a:t>
+            </a:r>
+          </a:p>
+          <a:p>
+            <a:pPr>
+              <a:lnSpc>
+                <a:spcPct val="150000"/>
+              </a:lnSpc>
+            </a:pPr>
+            <a:r>
+              <a:rPr lang="en-US" altLang="zh-CN" dirty="0"/>
+              <a:t>Complete the </a:t>
+            </a:r>
+            <a:r>
+              <a:rPr lang="en-US" altLang="zh-CN" dirty="0" smtClean="0"/>
+              <a:t>axis </a:t>
+            </a:r>
+            <a:r>
+              <a:rPr lang="en-US" altLang="zh-CN" dirty="0"/>
+              <a:t>of B</a:t>
+            </a:r>
+            <a:endParaRPr lang="zh-CN" altLang="en-US" dirty="0"/>
+          </a:p>
+        </p:txBody>
+      </p:sp>
+      <p:sp>
+        <p:nvSpPr>
+          <p:cNvPr id="10" name="下箭头 9"/>
+          <p:cNvSpPr/>
+          <p:nvPr/>
+        </p:nvSpPr>
+        <p:spPr>
+          <a:xfrm>
+            <a:off x="2699792" y="3553101"/>
+            <a:ext cx="504056" cy="246991"/>
+          </a:xfrm>
+          <a:prstGeom prst="downArrow">
+            <a:avLst/>
+          </a:prstGeom>
+          <a:noFill/>
+          <a:ln w="19050">
+            <a:solidFill>
+              <a:schemeClr val="bg1">
+                <a:lumMod val="50000"/>
+              </a:schemeClr>
+            </a:solidFill>
+          </a:ln>
+        </p:spPr>
+        <p:style>
+          <a:lnRef idx="2">
+            <a:schemeClr val="accent1">
+              <a:shade val="50000"/>
+            </a:schemeClr>
+          </a:lnRef>
+          <a:fillRef idx="1">
+            <a:schemeClr val="accent1"/>
+          </a:fillRef>
+          <a:effectRef idx="0">
+            <a:schemeClr val="accent1"/>
+          </a:effectRef>
+          <a:fontRef idx="minor">
+            <a:schemeClr val="lt1"/>
+          </a:fontRef>
+        </p:style>
+        <p:txBody>
+          <a:bodyPr rtlCol="0" anchor="ctr"/>
+          <a:lstStyle/>
+          <a:p>
+            <a:pPr algn="ctr"/>
+            <a:endParaRPr lang="zh-CN" altLang="en-US"/>
+          </a:p>
+        </p:txBody>
+      </p:sp>
+      <p:graphicFrame>
+        <p:nvGraphicFramePr>
+          <p:cNvPr id="11" name="表格 10"/>
+          <p:cNvGraphicFramePr>
+            <a:graphicFrameLocks noGrp="1"/>
+          </p:cNvGraphicFramePr>
+          <p:nvPr>
+            <p:extLst>
+              <p:ext uri="{D42A27DB-BD31-4B8C-83A1-F6EECF244321}">
+                <p14:modId xmlns:p14="http://schemas.microsoft.com/office/powerpoint/2010/main" val="3379484016"/>
+              </p:ext>
+            </p:extLst>
+          </p:nvPr>
+        </p:nvGraphicFramePr>
+        <p:xfrm>
+          <a:off x="467544" y="3977181"/>
+          <a:ext cx="2932570" cy="1112520"/>
+        </p:xfrm>
+        <a:graphic>
+          <a:graphicData uri="http://schemas.openxmlformats.org/drawingml/2006/table">
+            <a:tbl>
+              <a:tblPr firstRow="1" bandRow="1">
+                <a:tableStyleId>{5C22544A-7EE6-4342-B048-85BDC9FD1C3A}</a:tableStyleId>
+              </a:tblPr>
+              <a:tblGrid>
+                <a:gridCol w="763270">
+                  <a:extLst>
+                    <a:ext uri="{9D8B030D-6E8A-4147-A177-3AD203B41FA5}">
+                      <a16:colId xmlns:a16="http://schemas.microsoft.com/office/drawing/2014/main" val="3326979791"/>
+                    </a:ext>
+                  </a:extLst>
+                </a:gridCol>
+                <a:gridCol w="542325">
+                  <a:extLst>
+                    <a:ext uri="{9D8B030D-6E8A-4147-A177-3AD203B41FA5}">
+                      <a16:colId xmlns:a16="http://schemas.microsoft.com/office/drawing/2014/main" val="637607070"/>
+                    </a:ext>
+                  </a:extLst>
+                </a:gridCol>
+                <a:gridCol w="542325">
+                  <a:extLst>
+                    <a:ext uri="{9D8B030D-6E8A-4147-A177-3AD203B41FA5}">
+                      <a16:colId xmlns:a16="http://schemas.microsoft.com/office/drawing/2014/main" val="1695508235"/>
+                    </a:ext>
+                  </a:extLst>
+                </a:gridCol>
+                <a:gridCol w="542325">
+                  <a:extLst>
+                    <a:ext uri="{9D8B030D-6E8A-4147-A177-3AD203B41FA5}">
+                      <a16:colId xmlns:a16="http://schemas.microsoft.com/office/drawing/2014/main" val="1870987448"/>
+                    </a:ext>
+                  </a:extLst>
+                </a:gridCol>
+                <a:gridCol w="542325">
+                  <a:extLst>
+                    <a:ext uri="{9D8B030D-6E8A-4147-A177-3AD203B41FA5}">
+                      <a16:colId xmlns:a16="http://schemas.microsoft.com/office/drawing/2014/main" val="324699617"/>
+                    </a:ext>
+                  </a:extLst>
+                </a:gridCol>
+              </a:tblGrid>
+              <a:tr h="370840">
+                <a:tc>
+                  <a:txBody>
+                    <a:bodyPr/>
+                    <a:lstStyle/>
+                    <a:p>
+                      <a:pPr algn="ctr"/>
+                      <a:r>
+                        <a:rPr lang="en-US" altLang="zh-CN" sz="1400" b="1" dirty="0" smtClean="0">
+                          <a:solidFill>
+                            <a:schemeClr val="tx1"/>
+                          </a:solidFill>
+                          <a:effectLst/>
+                          <a:latin typeface="Arial" panose="020B0604020202020204" pitchFamily="34" charset="0"/>
+                          <a:cs typeface="Arial" panose="020B0604020202020204" pitchFamily="34" charset="0"/>
+                        </a:rPr>
+                        <a:t>axis:</a:t>
+                      </a:r>
+                      <a:endParaRPr lang="zh-CN" altLang="en-US" sz="1400" b="1" dirty="0">
+                        <a:solidFill>
+                          <a:schemeClr val="tx1"/>
+                        </a:solidFill>
+                        <a:effectLst/>
+                        <a:latin typeface="Arial" panose="020B0604020202020204" pitchFamily="34" charset="0"/>
+                        <a:cs typeface="Arial" panose="020B0604020202020204" pitchFamily="34" charset="0"/>
+                      </a:endParaRPr>
+                    </a:p>
+                  </a:txBody>
+                  <a:tcPr anchor="ctr">
+                    <a:lnL w="12700" cap="flat" cmpd="sng" algn="ctr">
+                      <a:solidFill>
+                        <a:schemeClr val="tx1"/>
+                      </a:solidFill>
+                      <a:prstDash val="solid"/>
+                      <a:round/>
+                      <a:headEnd type="none" w="med" len="med"/>
+                      <a:tailEnd type="none" w="med" len="med"/>
+                    </a:lnL>
+                    <a:lnR w="12700" cap="flat" cmpd="sng" algn="ctr">
+                      <a:solidFill>
+                        <a:schemeClr val="tx1"/>
+                      </a:solidFill>
+                      <a:prstDash val="solid"/>
+                      <a:round/>
+                      <a:headEnd type="none" w="med" len="med"/>
+                      <a:tailEnd type="none" w="med" len="med"/>
+                    </a:lnR>
+                    <a:lnT w="12700" cap="flat" cmpd="sng" algn="ctr">
+                      <a:solidFill>
+                        <a:schemeClr val="tx1"/>
+                      </a:solidFill>
+                      <a:prstDash val="solid"/>
+                      <a:round/>
+                      <a:headEnd type="none" w="med" len="med"/>
+                      <a:tailEnd type="none" w="med" len="med"/>
+                    </a:lnT>
+                    <a:lnB w="12700" cap="flat" cmpd="sng" algn="ctr">
+                      <a:solidFill>
+                        <a:schemeClr val="tx1"/>
+                      </a:solidFill>
+                      <a:prstDash val="solid"/>
+                      <a:round/>
+                      <a:headEnd type="none" w="med" len="med"/>
+                      <a:tailEnd type="none" w="med" len="med"/>
+                    </a:lnB>
+                    <a:solidFill>
+                      <a:schemeClr val="accent6">
+                        <a:lumMod val="20000"/>
+                        <a:lumOff val="80000"/>
+                      </a:schemeClr>
+                    </a:solidFill>
+                  </a:tcPr>
+                </a:tc>
+                <a:tc>
+                  <a:txBody>
+                    <a:bodyPr/>
+                    <a:lstStyle/>
+                    <a:p>
+                      <a:pPr algn="ctr"/>
+                      <a:r>
+                        <a:rPr lang="en-US" altLang="zh-CN" sz="1400" b="1" dirty="0" smtClean="0">
+                          <a:solidFill>
+                            <a:schemeClr val="tx1"/>
+                          </a:solidFill>
+                          <a:effectLst/>
+                          <a:latin typeface="Arial" panose="020B0604020202020204" pitchFamily="34" charset="0"/>
+                          <a:cs typeface="Arial" panose="020B0604020202020204" pitchFamily="34" charset="0"/>
+                        </a:rPr>
+                        <a:t>0</a:t>
+                      </a:r>
+                      <a:endParaRPr lang="zh-CN" altLang="en-US" sz="1400" b="1" dirty="0">
+                        <a:solidFill>
+                          <a:schemeClr val="tx1"/>
+                        </a:solidFill>
+                        <a:effectLst/>
+                        <a:latin typeface="Arial" panose="020B0604020202020204" pitchFamily="34" charset="0"/>
+                        <a:cs typeface="Arial" panose="020B0604020202020204" pitchFamily="34" charset="0"/>
+                      </a:endParaRPr>
+                    </a:p>
+                  </a:txBody>
+                  <a:tcPr anchor="ctr">
+                    <a:lnL w="12700" cap="flat" cmpd="sng" algn="ctr">
+                      <a:solidFill>
+                        <a:schemeClr val="tx1"/>
+                      </a:solidFill>
+                      <a:prstDash val="solid"/>
+                      <a:round/>
+                      <a:headEnd type="none" w="med" len="med"/>
+                      <a:tailEnd type="none" w="med" len="med"/>
+                    </a:lnL>
+                    <a:lnR w="12700" cap="flat" cmpd="sng" algn="ctr">
+                      <a:solidFill>
+                        <a:schemeClr val="tx1"/>
+                      </a:solidFill>
+                      <a:prstDash val="solid"/>
+                      <a:round/>
+                      <a:headEnd type="none" w="med" len="med"/>
+                      <a:tailEnd type="none" w="med" len="med"/>
+                    </a:lnR>
+                    <a:lnT w="12700" cap="flat" cmpd="sng" algn="ctr">
+                      <a:solidFill>
+                        <a:schemeClr val="tx1"/>
+                      </a:solidFill>
+                      <a:prstDash val="solid"/>
+                      <a:round/>
+                      <a:headEnd type="none" w="med" len="med"/>
+                      <a:tailEnd type="none" w="med" len="med"/>
+                    </a:lnT>
+                    <a:lnB w="12700" cap="flat" cmpd="sng" algn="ctr">
+                      <a:solidFill>
+                        <a:schemeClr val="tx1"/>
+                      </a:solidFill>
+                      <a:prstDash val="solid"/>
+                      <a:round/>
+                      <a:headEnd type="none" w="med" len="med"/>
+                      <a:tailEnd type="none" w="med" len="med"/>
+                    </a:lnB>
+                    <a:solidFill>
+                      <a:schemeClr val="accent6">
+                        <a:lumMod val="20000"/>
+                        <a:lumOff val="80000"/>
+                      </a:schemeClr>
+                    </a:solidFill>
+                  </a:tcPr>
+                </a:tc>
+                <a:tc>
+                  <a:txBody>
+                    <a:bodyPr/>
+                    <a:lstStyle/>
+                    <a:p>
+                      <a:pPr algn="ctr"/>
+                      <a:r>
+                        <a:rPr lang="en-US" altLang="zh-CN" sz="1400" b="1" dirty="0" smtClean="0">
+                          <a:solidFill>
+                            <a:schemeClr val="tx1"/>
+                          </a:solidFill>
+                          <a:effectLst/>
+                          <a:latin typeface="Arial" panose="020B0604020202020204" pitchFamily="34" charset="0"/>
+                          <a:cs typeface="Arial" panose="020B0604020202020204" pitchFamily="34" charset="0"/>
+                        </a:rPr>
+                        <a:t>1</a:t>
+                      </a:r>
+                      <a:endParaRPr lang="zh-CN" altLang="en-US" sz="1400" b="1" dirty="0">
+                        <a:solidFill>
+                          <a:schemeClr val="tx1"/>
+                        </a:solidFill>
+                        <a:effectLst/>
+                        <a:latin typeface="Arial" panose="020B0604020202020204" pitchFamily="34" charset="0"/>
+                        <a:cs typeface="Arial" panose="020B0604020202020204" pitchFamily="34" charset="0"/>
+                      </a:endParaRPr>
+                    </a:p>
+                  </a:txBody>
+                  <a:tcPr anchor="ctr">
+                    <a:lnL w="12700" cap="flat" cmpd="sng" algn="ctr">
+                      <a:solidFill>
+                        <a:schemeClr val="tx1"/>
+                      </a:solidFill>
+                      <a:prstDash val="solid"/>
+                      <a:round/>
+                      <a:headEnd type="none" w="med" len="med"/>
+                      <a:tailEnd type="none" w="med" len="med"/>
+                    </a:lnL>
+                    <a:lnR w="12700" cap="flat" cmpd="sng" algn="ctr">
+                      <a:solidFill>
+                        <a:schemeClr val="tx1"/>
+                      </a:solidFill>
+                      <a:prstDash val="solid"/>
+                      <a:round/>
+                      <a:headEnd type="none" w="med" len="med"/>
+                      <a:tailEnd type="none" w="med" len="med"/>
+                    </a:lnR>
+                    <a:lnT w="12700" cap="flat" cmpd="sng" algn="ctr">
+                      <a:solidFill>
+                        <a:schemeClr val="tx1"/>
+                      </a:solidFill>
+                      <a:prstDash val="solid"/>
+                      <a:round/>
+                      <a:headEnd type="none" w="med" len="med"/>
+                      <a:tailEnd type="none" w="med" len="med"/>
+                    </a:lnT>
+                    <a:lnB w="12700" cap="flat" cmpd="sng" algn="ctr">
+                      <a:solidFill>
+                        <a:schemeClr val="tx1"/>
+                      </a:solidFill>
+                      <a:prstDash val="solid"/>
+                      <a:round/>
+                      <a:headEnd type="none" w="med" len="med"/>
+                      <a:tailEnd type="none" w="med" len="med"/>
+                    </a:lnB>
+                    <a:solidFill>
+                      <a:schemeClr val="accent6">
+                        <a:lumMod val="20000"/>
+                        <a:lumOff val="80000"/>
+                      </a:schemeClr>
+                    </a:solidFill>
+                  </a:tcPr>
+                </a:tc>
+                <a:tc>
+                  <a:txBody>
+                    <a:bodyPr/>
+                    <a:lstStyle/>
+                    <a:p>
+                      <a:pPr algn="ctr"/>
+                      <a:r>
+                        <a:rPr lang="en-US" altLang="zh-CN" sz="1400" b="1" dirty="0" smtClean="0">
+                          <a:solidFill>
+                            <a:schemeClr val="tx1"/>
+                          </a:solidFill>
+                          <a:effectLst/>
+                          <a:latin typeface="Arial" panose="020B0604020202020204" pitchFamily="34" charset="0"/>
+                          <a:cs typeface="Arial" panose="020B0604020202020204" pitchFamily="34" charset="0"/>
+                        </a:rPr>
+                        <a:t>2</a:t>
+                      </a:r>
+                      <a:endParaRPr lang="zh-CN" altLang="en-US" sz="1400" b="1" dirty="0">
+                        <a:solidFill>
+                          <a:schemeClr val="tx1"/>
+                        </a:solidFill>
+                        <a:effectLst/>
+                        <a:latin typeface="Arial" panose="020B0604020202020204" pitchFamily="34" charset="0"/>
+                        <a:cs typeface="Arial" panose="020B0604020202020204" pitchFamily="34" charset="0"/>
+                      </a:endParaRPr>
+                    </a:p>
+                  </a:txBody>
+                  <a:tcPr anchor="ctr">
+                    <a:lnL w="12700" cap="flat" cmpd="sng" algn="ctr">
+                      <a:solidFill>
+                        <a:schemeClr val="tx1"/>
+                      </a:solidFill>
+                      <a:prstDash val="solid"/>
+                      <a:round/>
+                      <a:headEnd type="none" w="med" len="med"/>
+                      <a:tailEnd type="none" w="med" len="med"/>
+                    </a:lnL>
+                    <a:lnR w="12700" cap="flat" cmpd="sng" algn="ctr">
+                      <a:solidFill>
+                        <a:schemeClr val="tx1"/>
+                      </a:solidFill>
+                      <a:prstDash val="solid"/>
+                      <a:round/>
+                      <a:headEnd type="none" w="med" len="med"/>
+                      <a:tailEnd type="none" w="med" len="med"/>
+                    </a:lnR>
+                    <a:lnT w="12700" cap="flat" cmpd="sng" algn="ctr">
+                      <a:solidFill>
+                        <a:schemeClr val="tx1"/>
+                      </a:solidFill>
+                      <a:prstDash val="solid"/>
+                      <a:round/>
+                      <a:headEnd type="none" w="med" len="med"/>
+                      <a:tailEnd type="none" w="med" len="med"/>
+                    </a:lnT>
+                    <a:lnB w="12700" cap="flat" cmpd="sng" algn="ctr">
+                      <a:solidFill>
+                        <a:schemeClr val="tx1"/>
+                      </a:solidFill>
+                      <a:prstDash val="solid"/>
+                      <a:round/>
+                      <a:headEnd type="none" w="med" len="med"/>
+                      <a:tailEnd type="none" w="med" len="med"/>
+                    </a:lnB>
+                    <a:solidFill>
+                      <a:schemeClr val="accent6">
+                        <a:lumMod val="20000"/>
+                        <a:lumOff val="80000"/>
+                      </a:schemeClr>
+                    </a:solidFill>
+                  </a:tcPr>
+                </a:tc>
+                <a:tc>
+                  <a:txBody>
+                    <a:bodyPr/>
+                    <a:lstStyle/>
+                    <a:p>
+                      <a:pPr algn="ctr"/>
+                      <a:r>
+                        <a:rPr lang="en-US" altLang="zh-CN" sz="1400" b="1" dirty="0" smtClean="0">
+                          <a:solidFill>
+                            <a:schemeClr val="tx1"/>
+                          </a:solidFill>
+                          <a:effectLst/>
+                          <a:latin typeface="Arial" panose="020B0604020202020204" pitchFamily="34" charset="0"/>
+                          <a:cs typeface="Arial" panose="020B0604020202020204" pitchFamily="34" charset="0"/>
+                        </a:rPr>
+                        <a:t>3</a:t>
+                      </a:r>
+                      <a:endParaRPr lang="zh-CN" altLang="en-US" sz="1400" b="1" dirty="0">
+                        <a:solidFill>
+                          <a:schemeClr val="tx1"/>
+                        </a:solidFill>
+                        <a:effectLst/>
+                        <a:latin typeface="Arial" panose="020B0604020202020204" pitchFamily="34" charset="0"/>
+                        <a:cs typeface="Arial" panose="020B0604020202020204" pitchFamily="34" charset="0"/>
+                      </a:endParaRPr>
+                    </a:p>
+                  </a:txBody>
+                  <a:tcPr anchor="ctr">
+                    <a:lnL w="12700" cap="flat" cmpd="sng" algn="ctr">
+                      <a:solidFill>
+                        <a:schemeClr val="tx1"/>
+                      </a:solidFill>
+                      <a:prstDash val="solid"/>
+                      <a:round/>
+                      <a:headEnd type="none" w="med" len="med"/>
+                      <a:tailEnd type="none" w="med" len="med"/>
+                    </a:lnL>
+                    <a:lnR w="12700" cap="flat" cmpd="sng" algn="ctr">
+                      <a:solidFill>
+                        <a:schemeClr val="tx1"/>
+                      </a:solidFill>
+                      <a:prstDash val="solid"/>
+                      <a:round/>
+                      <a:headEnd type="none" w="med" len="med"/>
+                      <a:tailEnd type="none" w="med" len="med"/>
+                    </a:lnR>
+                    <a:lnT w="12700" cap="flat" cmpd="sng" algn="ctr">
+                      <a:solidFill>
+                        <a:schemeClr val="tx1"/>
+                      </a:solidFill>
+                      <a:prstDash val="solid"/>
+                      <a:round/>
+                      <a:headEnd type="none" w="med" len="med"/>
+                      <a:tailEnd type="none" w="med" len="med"/>
+                    </a:lnT>
+                    <a:lnB w="12700" cap="flat" cmpd="sng" algn="ctr">
+                      <a:solidFill>
+                        <a:schemeClr val="tx1"/>
+                      </a:solidFill>
+                      <a:prstDash val="solid"/>
+                      <a:round/>
+                      <a:headEnd type="none" w="med" len="med"/>
+                      <a:tailEnd type="none" w="med" len="med"/>
+                    </a:lnB>
+                    <a:solidFill>
+                      <a:schemeClr val="accent6">
+                        <a:lumMod val="20000"/>
+                        <a:lumOff val="80000"/>
+                      </a:schemeClr>
+                    </a:solidFill>
+                  </a:tcPr>
+                </a:tc>
+                <a:extLst>
+                  <a:ext uri="{0D108BD9-81ED-4DB2-BD59-A6C34878D82A}">
+                    <a16:rowId xmlns:a16="http://schemas.microsoft.com/office/drawing/2014/main" val="798814532"/>
+                  </a:ext>
+                </a:extLst>
+              </a:tr>
+              <a:tr h="370840">
+                <a:tc>
+                  <a:txBody>
+                    <a:bodyPr/>
+                    <a:lstStyle/>
+                    <a:p>
+                      <a:pPr algn="ctr"/>
+                      <a:r>
+                        <a:rPr lang="en-US" altLang="zh-CN" sz="1400" b="1" dirty="0" smtClean="0">
+                          <a:solidFill>
+                            <a:schemeClr val="tx1"/>
+                          </a:solidFill>
+                          <a:effectLst/>
+                          <a:latin typeface="Arial" panose="020B0604020202020204" pitchFamily="34" charset="0"/>
+                          <a:cs typeface="Arial" panose="020B0604020202020204" pitchFamily="34" charset="0"/>
+                        </a:rPr>
+                        <a:t>A</a:t>
+                      </a:r>
+                      <a:endParaRPr lang="zh-CN" altLang="en-US" sz="1400" b="1" dirty="0">
+                        <a:solidFill>
+                          <a:schemeClr val="tx1"/>
+                        </a:solidFill>
+                        <a:effectLst/>
+                        <a:latin typeface="Arial" panose="020B0604020202020204" pitchFamily="34" charset="0"/>
+                        <a:cs typeface="Arial" panose="020B0604020202020204" pitchFamily="34" charset="0"/>
+                      </a:endParaRPr>
+                    </a:p>
+                  </a:txBody>
+                  <a:tcPr anchor="ctr">
+                    <a:lnL w="12700" cap="flat" cmpd="sng" algn="ctr">
+                      <a:solidFill>
+                        <a:schemeClr val="tx1"/>
+                      </a:solidFill>
+                      <a:prstDash val="solid"/>
+                      <a:round/>
+                      <a:headEnd type="none" w="med" len="med"/>
+                      <a:tailEnd type="none" w="med" len="med"/>
+                    </a:lnL>
+                    <a:lnR w="12700" cap="flat" cmpd="sng" algn="ctr">
+                      <a:solidFill>
+                        <a:schemeClr val="tx1"/>
+                      </a:solidFill>
+                      <a:prstDash val="solid"/>
+                      <a:round/>
+                      <a:headEnd type="none" w="med" len="med"/>
+                      <a:tailEnd type="none" w="med" len="med"/>
+                    </a:lnR>
+                    <a:lnT w="12700" cap="flat" cmpd="sng" algn="ctr">
+                      <a:solidFill>
+                        <a:schemeClr val="tx1"/>
+                      </a:solidFill>
+                      <a:prstDash val="solid"/>
+                      <a:round/>
+                      <a:headEnd type="none" w="med" len="med"/>
+                      <a:tailEnd type="none" w="med" len="med"/>
+                    </a:lnT>
+                    <a:lnB w="12700" cap="flat" cmpd="sng" algn="ctr">
+                      <a:solidFill>
+                        <a:schemeClr val="tx1"/>
+                      </a:solidFill>
+                      <a:prstDash val="solid"/>
+                      <a:round/>
+                      <a:headEnd type="none" w="med" len="med"/>
+                      <a:tailEnd type="none" w="med" len="med"/>
+                    </a:lnB>
+                    <a:solidFill>
+                      <a:schemeClr val="accent5">
+                        <a:lumMod val="20000"/>
+                        <a:lumOff val="80000"/>
+                      </a:schemeClr>
+                    </a:solidFill>
+                  </a:tcPr>
+                </a:tc>
+                <a:tc>
+                  <a:txBody>
+                    <a:bodyPr/>
+                    <a:lstStyle/>
+                    <a:p>
+                      <a:pPr algn="ctr"/>
+                      <a:r>
+                        <a:rPr lang="en-US" altLang="zh-CN" sz="1400" b="0" i="1" dirty="0" smtClean="0">
+                          <a:solidFill>
+                            <a:schemeClr val="tx1"/>
+                          </a:solidFill>
+                          <a:effectLst/>
+                          <a:latin typeface="Arial" panose="020B0604020202020204" pitchFamily="34" charset="0"/>
+                          <a:cs typeface="Arial" panose="020B0604020202020204" pitchFamily="34" charset="0"/>
+                        </a:rPr>
+                        <a:t>b</a:t>
+                      </a:r>
+                      <a:endParaRPr lang="zh-CN" altLang="en-US" sz="1400" b="0" i="1" dirty="0">
+                        <a:solidFill>
+                          <a:schemeClr val="tx1"/>
+                        </a:solidFill>
+                        <a:effectLst/>
+                        <a:latin typeface="Arial" panose="020B0604020202020204" pitchFamily="34" charset="0"/>
+                        <a:cs typeface="Arial" panose="020B0604020202020204" pitchFamily="34" charset="0"/>
+                      </a:endParaRPr>
+                    </a:p>
+                  </a:txBody>
+                  <a:tcPr anchor="ctr">
+                    <a:lnL w="12700" cap="flat" cmpd="sng" algn="ctr">
+                      <a:solidFill>
+                        <a:schemeClr val="tx1"/>
+                      </a:solidFill>
+                      <a:prstDash val="solid"/>
+                      <a:round/>
+                      <a:headEnd type="none" w="med" len="med"/>
+                      <a:tailEnd type="none" w="med" len="med"/>
+                    </a:lnL>
+                    <a:lnR w="12700" cap="flat" cmpd="sng" algn="ctr">
+                      <a:solidFill>
+                        <a:schemeClr val="tx1"/>
+                      </a:solidFill>
+                      <a:prstDash val="solid"/>
+                      <a:round/>
+                      <a:headEnd type="none" w="med" len="med"/>
+                      <a:tailEnd type="none" w="med" len="med"/>
+                    </a:lnR>
+                    <a:lnT w="12700" cap="flat" cmpd="sng" algn="ctr">
+                      <a:solidFill>
+                        <a:schemeClr val="tx1"/>
+                      </a:solidFill>
+                      <a:prstDash val="solid"/>
+                      <a:round/>
+                      <a:headEnd type="none" w="med" len="med"/>
+                      <a:tailEnd type="none" w="med" len="med"/>
+                    </a:lnT>
+                    <a:lnB w="12700" cap="flat" cmpd="sng" algn="ctr">
+                      <a:solidFill>
+                        <a:schemeClr val="tx1"/>
+                      </a:solidFill>
+                      <a:prstDash val="solid"/>
+                      <a:round/>
+                      <a:headEnd type="none" w="med" len="med"/>
+                      <a:tailEnd type="none" w="med" len="med"/>
+                    </a:lnB>
+                    <a:noFill/>
+                  </a:tcPr>
+                </a:tc>
+                <a:tc>
+                  <a:txBody>
+                    <a:bodyPr/>
+                    <a:lstStyle/>
+                    <a:p>
+                      <a:pPr algn="ctr"/>
+                      <a:r>
+                        <a:rPr lang="en-US" altLang="zh-CN" sz="1400" b="0" i="1" dirty="0" smtClean="0">
+                          <a:solidFill>
+                            <a:schemeClr val="tx1"/>
+                          </a:solidFill>
+                          <a:effectLst/>
+                          <a:latin typeface="Arial" panose="020B0604020202020204" pitchFamily="34" charset="0"/>
+                          <a:cs typeface="Arial" panose="020B0604020202020204" pitchFamily="34" charset="0"/>
+                        </a:rPr>
+                        <a:t>h</a:t>
+                      </a:r>
+                      <a:endParaRPr lang="zh-CN" altLang="en-US" sz="1400" b="0" i="1" dirty="0">
+                        <a:solidFill>
+                          <a:schemeClr val="tx1"/>
+                        </a:solidFill>
+                        <a:effectLst/>
+                        <a:latin typeface="Arial" panose="020B0604020202020204" pitchFamily="34" charset="0"/>
+                        <a:cs typeface="Arial" panose="020B0604020202020204" pitchFamily="34" charset="0"/>
+                      </a:endParaRPr>
+                    </a:p>
+                  </a:txBody>
+                  <a:tcPr anchor="ctr">
+                    <a:lnL w="12700" cap="flat" cmpd="sng" algn="ctr">
+                      <a:solidFill>
+                        <a:schemeClr val="tx1"/>
+                      </a:solidFill>
+                      <a:prstDash val="solid"/>
+                      <a:round/>
+                      <a:headEnd type="none" w="med" len="med"/>
+                      <a:tailEnd type="none" w="med" len="med"/>
+                    </a:lnL>
+                    <a:lnR w="12700" cap="flat" cmpd="sng" algn="ctr">
+                      <a:solidFill>
+                        <a:schemeClr val="tx1"/>
+                      </a:solidFill>
+                      <a:prstDash val="solid"/>
+                      <a:round/>
+                      <a:headEnd type="none" w="med" len="med"/>
+                      <a:tailEnd type="none" w="med" len="med"/>
+                    </a:lnR>
+                    <a:lnT w="12700" cap="flat" cmpd="sng" algn="ctr">
+                      <a:solidFill>
+                        <a:schemeClr val="tx1"/>
+                      </a:solidFill>
+                      <a:prstDash val="solid"/>
+                      <a:round/>
+                      <a:headEnd type="none" w="med" len="med"/>
+                      <a:tailEnd type="none" w="med" len="med"/>
+                    </a:lnT>
+                    <a:lnB w="12700" cap="flat" cmpd="sng" algn="ctr">
+                      <a:solidFill>
+                        <a:schemeClr val="tx1"/>
+                      </a:solidFill>
+                      <a:prstDash val="solid"/>
+                      <a:round/>
+                      <a:headEnd type="none" w="med" len="med"/>
+                      <a:tailEnd type="none" w="med" len="med"/>
+                    </a:lnB>
+                    <a:noFill/>
+                  </a:tcPr>
+                </a:tc>
+                <a:tc>
+                  <a:txBody>
+                    <a:bodyPr/>
+                    <a:lstStyle/>
+                    <a:p>
+                      <a:pPr algn="ctr"/>
+                      <a:r>
+                        <a:rPr lang="en-US" altLang="zh-CN" sz="1400" b="0" i="1" dirty="0" smtClean="0">
+                          <a:solidFill>
+                            <a:schemeClr val="tx1"/>
+                          </a:solidFill>
+                          <a:effectLst/>
+                          <a:latin typeface="Arial" panose="020B0604020202020204" pitchFamily="34" charset="0"/>
+                          <a:cs typeface="Arial" panose="020B0604020202020204" pitchFamily="34" charset="0"/>
+                        </a:rPr>
+                        <a:t>w</a:t>
+                      </a:r>
+                      <a:endParaRPr lang="zh-CN" altLang="en-US" sz="1400" b="0" i="1" dirty="0">
+                        <a:solidFill>
+                          <a:schemeClr val="tx1"/>
+                        </a:solidFill>
+                        <a:effectLst/>
+                        <a:latin typeface="Arial" panose="020B0604020202020204" pitchFamily="34" charset="0"/>
+                        <a:cs typeface="Arial" panose="020B0604020202020204" pitchFamily="34" charset="0"/>
+                      </a:endParaRPr>
+                    </a:p>
+                  </a:txBody>
+                  <a:tcPr anchor="ctr">
+                    <a:lnL w="12700" cap="flat" cmpd="sng" algn="ctr">
+                      <a:solidFill>
+                        <a:schemeClr val="tx1"/>
+                      </a:solidFill>
+                      <a:prstDash val="solid"/>
+                      <a:round/>
+                      <a:headEnd type="none" w="med" len="med"/>
+                      <a:tailEnd type="none" w="med" len="med"/>
+                    </a:lnL>
+                    <a:lnR w="12700" cap="flat" cmpd="sng" algn="ctr">
+                      <a:solidFill>
+                        <a:schemeClr val="tx1"/>
+                      </a:solidFill>
+                      <a:prstDash val="solid"/>
+                      <a:round/>
+                      <a:headEnd type="none" w="med" len="med"/>
+                      <a:tailEnd type="none" w="med" len="med"/>
+                    </a:lnR>
+                    <a:lnT w="12700" cap="flat" cmpd="sng" algn="ctr">
+                      <a:solidFill>
+                        <a:schemeClr val="tx1"/>
+                      </a:solidFill>
+                      <a:prstDash val="solid"/>
+                      <a:round/>
+                      <a:headEnd type="none" w="med" len="med"/>
+                      <a:tailEnd type="none" w="med" len="med"/>
+                    </a:lnT>
+                    <a:lnB w="12700" cap="flat" cmpd="sng" algn="ctr">
+                      <a:solidFill>
+                        <a:schemeClr val="tx1"/>
+                      </a:solidFill>
+                      <a:prstDash val="solid"/>
+                      <a:round/>
+                      <a:headEnd type="none" w="med" len="med"/>
+                      <a:tailEnd type="none" w="med" len="med"/>
+                    </a:lnB>
+                    <a:noFill/>
+                  </a:tcPr>
+                </a:tc>
+                <a:tc>
+                  <a:txBody>
+                    <a:bodyPr/>
+                    <a:lstStyle/>
+                    <a:p>
+                      <a:pPr algn="ctr"/>
+                      <a:r>
+                        <a:rPr lang="en-US" altLang="zh-CN" sz="1400" b="0" i="1" dirty="0" smtClean="0">
+                          <a:solidFill>
+                            <a:schemeClr val="tx1"/>
+                          </a:solidFill>
+                          <a:effectLst/>
+                          <a:latin typeface="Arial" panose="020B0604020202020204" pitchFamily="34" charset="0"/>
+                          <a:cs typeface="Arial" panose="020B0604020202020204" pitchFamily="34" charset="0"/>
+                        </a:rPr>
+                        <a:t>c</a:t>
+                      </a:r>
+                      <a:endParaRPr lang="zh-CN" altLang="en-US" sz="1400" b="0" i="1" dirty="0">
+                        <a:solidFill>
+                          <a:schemeClr val="tx1"/>
+                        </a:solidFill>
+                        <a:effectLst/>
+                        <a:latin typeface="Arial" panose="020B0604020202020204" pitchFamily="34" charset="0"/>
+                        <a:cs typeface="Arial" panose="020B0604020202020204" pitchFamily="34" charset="0"/>
+                      </a:endParaRPr>
+                    </a:p>
+                  </a:txBody>
+                  <a:tcPr anchor="ctr">
+                    <a:lnL w="12700" cap="flat" cmpd="sng" algn="ctr">
+                      <a:solidFill>
+                        <a:schemeClr val="tx1"/>
+                      </a:solidFill>
+                      <a:prstDash val="solid"/>
+                      <a:round/>
+                      <a:headEnd type="none" w="med" len="med"/>
+                      <a:tailEnd type="none" w="med" len="med"/>
+                    </a:lnL>
+                    <a:lnR w="12700" cap="flat" cmpd="sng" algn="ctr">
+                      <a:solidFill>
+                        <a:schemeClr val="tx1"/>
+                      </a:solidFill>
+                      <a:prstDash val="solid"/>
+                      <a:round/>
+                      <a:headEnd type="none" w="med" len="med"/>
+                      <a:tailEnd type="none" w="med" len="med"/>
+                    </a:lnR>
+                    <a:lnT w="12700" cap="flat" cmpd="sng" algn="ctr">
+                      <a:solidFill>
+                        <a:schemeClr val="tx1"/>
+                      </a:solidFill>
+                      <a:prstDash val="solid"/>
+                      <a:round/>
+                      <a:headEnd type="none" w="med" len="med"/>
+                      <a:tailEnd type="none" w="med" len="med"/>
+                    </a:lnT>
+                    <a:lnB w="12700" cap="flat" cmpd="sng" algn="ctr">
+                      <a:solidFill>
+                        <a:schemeClr val="tx1"/>
+                      </a:solidFill>
+                      <a:prstDash val="solid"/>
+                      <a:round/>
+                      <a:headEnd type="none" w="med" len="med"/>
+                      <a:tailEnd type="none" w="med" len="med"/>
+                    </a:lnB>
+                    <a:noFill/>
+                  </a:tcPr>
+                </a:tc>
+                <a:extLst>
+                  <a:ext uri="{0D108BD9-81ED-4DB2-BD59-A6C34878D82A}">
+                    <a16:rowId xmlns:a16="http://schemas.microsoft.com/office/drawing/2014/main" val="1491202224"/>
+                  </a:ext>
+                </a:extLst>
+              </a:tr>
+              <a:tr h="370840">
+                <a:tc>
+                  <a:txBody>
+                    <a:bodyPr/>
+                    <a:lstStyle/>
+                    <a:p>
+                      <a:pPr algn="ctr"/>
+                      <a:r>
+                        <a:rPr lang="en-US" altLang="zh-CN" sz="1400" b="1" dirty="0" smtClean="0">
+                          <a:solidFill>
+                            <a:schemeClr val="tx1"/>
+                          </a:solidFill>
+                          <a:effectLst/>
+                          <a:latin typeface="Arial" panose="020B0604020202020204" pitchFamily="34" charset="0"/>
+                          <a:cs typeface="Arial" panose="020B0604020202020204" pitchFamily="34" charset="0"/>
+                        </a:rPr>
+                        <a:t>B</a:t>
+                      </a:r>
+                      <a:endParaRPr lang="zh-CN" altLang="en-US" sz="1400" b="1" dirty="0">
+                        <a:solidFill>
+                          <a:schemeClr val="tx1"/>
+                        </a:solidFill>
+                        <a:effectLst/>
+                        <a:latin typeface="Arial" panose="020B0604020202020204" pitchFamily="34" charset="0"/>
+                        <a:cs typeface="Arial" panose="020B0604020202020204" pitchFamily="34" charset="0"/>
+                      </a:endParaRPr>
+                    </a:p>
+                  </a:txBody>
+                  <a:tcPr anchor="ctr">
+                    <a:lnL w="12700" cap="flat" cmpd="sng" algn="ctr">
+                      <a:solidFill>
+                        <a:schemeClr val="tx1"/>
+                      </a:solidFill>
+                      <a:prstDash val="solid"/>
+                      <a:round/>
+                      <a:headEnd type="none" w="med" len="med"/>
+                      <a:tailEnd type="none" w="med" len="med"/>
+                    </a:lnL>
+                    <a:lnR w="12700" cap="flat" cmpd="sng" algn="ctr">
+                      <a:solidFill>
+                        <a:schemeClr val="tx1"/>
+                      </a:solidFill>
+                      <a:prstDash val="solid"/>
+                      <a:round/>
+                      <a:headEnd type="none" w="med" len="med"/>
+                      <a:tailEnd type="none" w="med" len="med"/>
+                    </a:lnR>
+                    <a:lnT w="12700" cap="flat" cmpd="sng" algn="ctr">
+                      <a:solidFill>
+                        <a:schemeClr val="tx1"/>
+                      </a:solidFill>
+                      <a:prstDash val="solid"/>
+                      <a:round/>
+                      <a:headEnd type="none" w="med" len="med"/>
+                      <a:tailEnd type="none" w="med" len="med"/>
+                    </a:lnT>
+                    <a:lnB w="12700" cap="flat" cmpd="sng" algn="ctr">
+                      <a:solidFill>
+                        <a:schemeClr val="tx1"/>
+                      </a:solidFill>
+                      <a:prstDash val="solid"/>
+                      <a:round/>
+                      <a:headEnd type="none" w="med" len="med"/>
+                      <a:tailEnd type="none" w="med" len="med"/>
+                    </a:lnB>
+                    <a:solidFill>
+                      <a:schemeClr val="accent5">
+                        <a:lumMod val="20000"/>
+                        <a:lumOff val="80000"/>
+                      </a:schemeClr>
+                    </a:solidFill>
+                  </a:tcPr>
+                </a:tc>
+                <a:tc>
+                  <a:txBody>
+                    <a:bodyPr/>
+                    <a:lstStyle/>
+                    <a:p>
+                      <a:pPr marL="0" algn="ctr" defTabSz="914400" rtl="0" eaLnBrk="1" latinLnBrk="0" hangingPunct="1"/>
+                      <a:r>
+                        <a:rPr lang="en-US" altLang="zh-CN" sz="1400" b="1" i="1" kern="1200" dirty="0" smtClean="0">
+                          <a:solidFill>
+                            <a:srgbClr val="0000FF"/>
+                          </a:solidFill>
+                          <a:effectLst/>
+                          <a:latin typeface="Arial" panose="020B0604020202020204" pitchFamily="34" charset="0"/>
+                          <a:ea typeface="+mn-ea"/>
+                          <a:cs typeface="Arial" panose="020B0604020202020204" pitchFamily="34" charset="0"/>
+                        </a:rPr>
+                        <a:t>b</a:t>
+                      </a:r>
+                      <a:endParaRPr lang="zh-CN" altLang="en-US" sz="1400" b="1" i="1" kern="1200" dirty="0">
+                        <a:solidFill>
+                          <a:srgbClr val="0000FF"/>
+                        </a:solidFill>
+                        <a:effectLst/>
+                        <a:latin typeface="Arial" panose="020B0604020202020204" pitchFamily="34" charset="0"/>
+                        <a:ea typeface="+mn-ea"/>
+                        <a:cs typeface="Arial" panose="020B0604020202020204" pitchFamily="34" charset="0"/>
+                      </a:endParaRPr>
+                    </a:p>
+                  </a:txBody>
+                  <a:tcPr anchor="ctr">
+                    <a:lnL w="12700" cap="flat" cmpd="sng" algn="ctr">
+                      <a:solidFill>
+                        <a:schemeClr val="tx1"/>
+                      </a:solidFill>
+                      <a:prstDash val="solid"/>
+                      <a:round/>
+                      <a:headEnd type="none" w="med" len="med"/>
+                      <a:tailEnd type="none" w="med" len="med"/>
+                    </a:lnL>
+                    <a:lnR w="12700" cap="flat" cmpd="sng" algn="ctr">
+                      <a:solidFill>
+                        <a:schemeClr val="tx1"/>
+                      </a:solidFill>
+                      <a:prstDash val="solid"/>
+                      <a:round/>
+                      <a:headEnd type="none" w="med" len="med"/>
+                      <a:tailEnd type="none" w="med" len="med"/>
+                    </a:lnR>
+                    <a:lnT w="12700" cap="flat" cmpd="sng" algn="ctr">
+                      <a:solidFill>
+                        <a:schemeClr val="tx1"/>
+                      </a:solidFill>
+                      <a:prstDash val="solid"/>
+                      <a:round/>
+                      <a:headEnd type="none" w="med" len="med"/>
+                      <a:tailEnd type="none" w="med" len="med"/>
+                    </a:lnT>
+                    <a:lnB w="12700" cap="flat" cmpd="sng" algn="ctr">
+                      <a:solidFill>
+                        <a:schemeClr val="tx1"/>
+                      </a:solidFill>
+                      <a:prstDash val="solid"/>
+                      <a:round/>
+                      <a:headEnd type="none" w="med" len="med"/>
+                      <a:tailEnd type="none" w="med" len="med"/>
+                    </a:lnB>
+                    <a:solidFill>
+                      <a:schemeClr val="bg1">
+                        <a:lumMod val="95000"/>
+                      </a:schemeClr>
+                    </a:solidFill>
+                  </a:tcPr>
+                </a:tc>
+                <a:tc>
+                  <a:txBody>
+                    <a:bodyPr/>
+                    <a:lstStyle/>
+                    <a:p>
+                      <a:pPr marL="0" algn="ctr" defTabSz="914400" rtl="0" eaLnBrk="1" latinLnBrk="0" hangingPunct="1"/>
+                      <a:r>
+                        <a:rPr lang="en-US" altLang="zh-CN" sz="1400" b="1" i="1" kern="1200" dirty="0" smtClean="0">
+                          <a:solidFill>
+                            <a:srgbClr val="0000FF"/>
+                          </a:solidFill>
+                          <a:effectLst/>
+                          <a:latin typeface="Arial" panose="020B0604020202020204" pitchFamily="34" charset="0"/>
+                          <a:ea typeface="+mn-ea"/>
+                          <a:cs typeface="Arial" panose="020B0604020202020204" pitchFamily="34" charset="0"/>
+                        </a:rPr>
+                        <a:t>h</a:t>
+                      </a:r>
+                      <a:endParaRPr lang="zh-CN" altLang="en-US" sz="1400" b="1" i="1" kern="1200" dirty="0">
+                        <a:solidFill>
+                          <a:srgbClr val="0000FF"/>
+                        </a:solidFill>
+                        <a:effectLst/>
+                        <a:latin typeface="Arial" panose="020B0604020202020204" pitchFamily="34" charset="0"/>
+                        <a:ea typeface="+mn-ea"/>
+                        <a:cs typeface="Arial" panose="020B0604020202020204" pitchFamily="34" charset="0"/>
+                      </a:endParaRPr>
+                    </a:p>
+                  </a:txBody>
+                  <a:tcPr anchor="ctr">
+                    <a:lnL w="12700" cap="flat" cmpd="sng" algn="ctr">
+                      <a:solidFill>
+                        <a:schemeClr val="tx1"/>
+                      </a:solidFill>
+                      <a:prstDash val="solid"/>
+                      <a:round/>
+                      <a:headEnd type="none" w="med" len="med"/>
+                      <a:tailEnd type="none" w="med" len="med"/>
+                    </a:lnL>
+                    <a:lnR w="12700" cap="flat" cmpd="sng" algn="ctr">
+                      <a:solidFill>
+                        <a:schemeClr val="tx1"/>
+                      </a:solidFill>
+                      <a:prstDash val="solid"/>
+                      <a:round/>
+                      <a:headEnd type="none" w="med" len="med"/>
+                      <a:tailEnd type="none" w="med" len="med"/>
+                    </a:lnR>
+                    <a:lnT w="12700" cap="flat" cmpd="sng" algn="ctr">
+                      <a:solidFill>
+                        <a:schemeClr val="tx1"/>
+                      </a:solidFill>
+                      <a:prstDash val="solid"/>
+                      <a:round/>
+                      <a:headEnd type="none" w="med" len="med"/>
+                      <a:tailEnd type="none" w="med" len="med"/>
+                    </a:lnT>
+                    <a:lnB w="12700" cap="flat" cmpd="sng" algn="ctr">
+                      <a:solidFill>
+                        <a:schemeClr val="tx1"/>
+                      </a:solidFill>
+                      <a:prstDash val="solid"/>
+                      <a:round/>
+                      <a:headEnd type="none" w="med" len="med"/>
+                      <a:tailEnd type="none" w="med" len="med"/>
+                    </a:lnB>
+                    <a:solidFill>
+                      <a:schemeClr val="bg1">
+                        <a:lumMod val="95000"/>
+                      </a:schemeClr>
+                    </a:solidFill>
+                  </a:tcPr>
+                </a:tc>
+                <a:tc>
+                  <a:txBody>
+                    <a:bodyPr/>
+                    <a:lstStyle/>
+                    <a:p>
+                      <a:pPr algn="ctr"/>
+                      <a:r>
+                        <a:rPr lang="en-US" altLang="zh-CN" sz="1400" b="0" i="1" dirty="0" smtClean="0">
+                          <a:solidFill>
+                            <a:schemeClr val="tx1"/>
+                          </a:solidFill>
+                          <a:effectLst/>
+                          <a:latin typeface="Arial" panose="020B0604020202020204" pitchFamily="34" charset="0"/>
+                          <a:cs typeface="Arial" panose="020B0604020202020204" pitchFamily="34" charset="0"/>
+                        </a:rPr>
+                        <a:t>w</a:t>
+                      </a:r>
+                      <a:endParaRPr lang="zh-CN" altLang="en-US" sz="1400" b="0" i="1" dirty="0">
+                        <a:solidFill>
+                          <a:schemeClr val="tx1"/>
+                        </a:solidFill>
+                        <a:effectLst/>
+                        <a:latin typeface="Arial" panose="020B0604020202020204" pitchFamily="34" charset="0"/>
+                        <a:cs typeface="Arial" panose="020B0604020202020204" pitchFamily="34" charset="0"/>
+                      </a:endParaRPr>
+                    </a:p>
+                  </a:txBody>
+                  <a:tcPr anchor="ctr">
+                    <a:lnL w="12700" cap="flat" cmpd="sng" algn="ctr">
+                      <a:solidFill>
+                        <a:schemeClr val="tx1"/>
+                      </a:solidFill>
+                      <a:prstDash val="solid"/>
+                      <a:round/>
+                      <a:headEnd type="none" w="med" len="med"/>
+                      <a:tailEnd type="none" w="med" len="med"/>
+                    </a:lnL>
+                    <a:lnR w="12700" cap="flat" cmpd="sng" algn="ctr">
+                      <a:solidFill>
+                        <a:schemeClr val="tx1"/>
+                      </a:solidFill>
+                      <a:prstDash val="solid"/>
+                      <a:round/>
+                      <a:headEnd type="none" w="med" len="med"/>
+                      <a:tailEnd type="none" w="med" len="med"/>
+                    </a:lnR>
+                    <a:lnT w="12700" cap="flat" cmpd="sng" algn="ctr">
+                      <a:solidFill>
+                        <a:schemeClr val="tx1"/>
+                      </a:solidFill>
+                      <a:prstDash val="solid"/>
+                      <a:round/>
+                      <a:headEnd type="none" w="med" len="med"/>
+                      <a:tailEnd type="none" w="med" len="med"/>
+                    </a:lnT>
+                    <a:lnB w="12700" cap="flat" cmpd="sng" algn="ctr">
+                      <a:solidFill>
+                        <a:schemeClr val="tx1"/>
+                      </a:solidFill>
+                      <a:prstDash val="solid"/>
+                      <a:round/>
+                      <a:headEnd type="none" w="med" len="med"/>
+                      <a:tailEnd type="none" w="med" len="med"/>
+                    </a:lnB>
+                    <a:noFill/>
+                  </a:tcPr>
+                </a:tc>
+                <a:tc>
+                  <a:txBody>
+                    <a:bodyPr/>
+                    <a:lstStyle/>
+                    <a:p>
+                      <a:pPr algn="ctr"/>
+                      <a:r>
+                        <a:rPr lang="en-US" altLang="zh-CN" sz="1400" b="1" i="1" dirty="0" smtClean="0">
+                          <a:solidFill>
+                            <a:srgbClr val="0000FF"/>
+                          </a:solidFill>
+                          <a:effectLst/>
+                          <a:latin typeface="Arial" panose="020B0604020202020204" pitchFamily="34" charset="0"/>
+                          <a:cs typeface="Arial" panose="020B0604020202020204" pitchFamily="34" charset="0"/>
+                        </a:rPr>
+                        <a:t>2</a:t>
+                      </a:r>
+                      <a:endParaRPr lang="zh-CN" altLang="en-US" sz="1400" b="1" i="1" dirty="0">
+                        <a:solidFill>
+                          <a:srgbClr val="0000FF"/>
+                        </a:solidFill>
+                        <a:effectLst/>
+                        <a:latin typeface="Arial" panose="020B0604020202020204" pitchFamily="34" charset="0"/>
+                        <a:cs typeface="Arial" panose="020B0604020202020204" pitchFamily="34" charset="0"/>
+                      </a:endParaRPr>
+                    </a:p>
+                  </a:txBody>
+                  <a:tcPr anchor="ctr">
+                    <a:lnL w="12700" cap="flat" cmpd="sng" algn="ctr">
+                      <a:solidFill>
+                        <a:schemeClr val="tx1"/>
+                      </a:solidFill>
+                      <a:prstDash val="solid"/>
+                      <a:round/>
+                      <a:headEnd type="none" w="med" len="med"/>
+                      <a:tailEnd type="none" w="med" len="med"/>
+                    </a:lnL>
+                    <a:lnR w="12700" cap="flat" cmpd="sng" algn="ctr">
+                      <a:solidFill>
+                        <a:schemeClr val="tx1"/>
+                      </a:solidFill>
+                      <a:prstDash val="solid"/>
+                      <a:round/>
+                      <a:headEnd type="none" w="med" len="med"/>
+                      <a:tailEnd type="none" w="med" len="med"/>
+                    </a:lnR>
+                    <a:lnT w="12700" cap="flat" cmpd="sng" algn="ctr">
+                      <a:solidFill>
+                        <a:schemeClr val="tx1"/>
+                      </a:solidFill>
+                      <a:prstDash val="solid"/>
+                      <a:round/>
+                      <a:headEnd type="none" w="med" len="med"/>
+                      <a:tailEnd type="none" w="med" len="med"/>
+                    </a:lnT>
+                    <a:lnB w="12700" cap="flat" cmpd="sng" algn="ctr">
+                      <a:solidFill>
+                        <a:schemeClr val="tx1"/>
+                      </a:solidFill>
+                      <a:prstDash val="solid"/>
+                      <a:round/>
+                      <a:headEnd type="none" w="med" len="med"/>
+                      <a:tailEnd type="none" w="med" len="med"/>
+                    </a:lnB>
+                    <a:solidFill>
+                      <a:schemeClr val="accent6">
+                        <a:lumMod val="75000"/>
+                      </a:schemeClr>
+                    </a:solidFill>
+                  </a:tcPr>
+                </a:tc>
+                <a:extLst>
+                  <a:ext uri="{0D108BD9-81ED-4DB2-BD59-A6C34878D82A}">
+                    <a16:rowId xmlns:a16="http://schemas.microsoft.com/office/drawing/2014/main" val="2457331936"/>
+                  </a:ext>
+                </a:extLst>
+              </a:tr>
+            </a:tbl>
+          </a:graphicData>
+        </a:graphic>
+      </p:graphicFrame>
+      <p:sp>
+        <p:nvSpPr>
+          <p:cNvPr id="12" name="文本框 11"/>
+          <p:cNvSpPr txBox="1"/>
+          <p:nvPr/>
+        </p:nvSpPr>
+        <p:spPr>
+          <a:xfrm>
+            <a:off x="3491880" y="4161854"/>
+            <a:ext cx="2066078" cy="923330"/>
+          </a:xfrm>
+          <a:prstGeom prst="rect">
+            <a:avLst/>
+          </a:prstGeom>
+          <a:noFill/>
+        </p:spPr>
+        <p:txBody>
+          <a:bodyPr wrap="none" rtlCol="0">
+            <a:spAutoFit/>
+          </a:bodyPr>
+          <a:lstStyle/>
+          <a:p>
+            <a:pPr>
+              <a:lnSpc>
+                <a:spcPct val="150000"/>
+              </a:lnSpc>
+            </a:pPr>
+            <a:r>
+              <a:rPr lang="en-US" altLang="zh-CN" dirty="0" smtClean="0"/>
+              <a:t>Step 3 – Expand :</a:t>
+            </a:r>
+          </a:p>
+          <a:p>
+            <a:pPr>
+              <a:lnSpc>
+                <a:spcPct val="150000"/>
+              </a:lnSpc>
+            </a:pPr>
+            <a:r>
+              <a:rPr lang="en-US" altLang="zh-CN" dirty="0"/>
+              <a:t>Expand the </a:t>
+            </a:r>
+            <a:r>
+              <a:rPr lang="en-US" altLang="zh-CN" dirty="0" smtClean="0"/>
+              <a:t>axis </a:t>
+            </a:r>
+            <a:r>
+              <a:rPr lang="en-US" altLang="zh-CN" dirty="0"/>
+              <a:t>of B</a:t>
+            </a:r>
+            <a:endParaRPr lang="zh-CN" altLang="en-US" dirty="0"/>
+          </a:p>
+        </p:txBody>
+      </p:sp>
+      <p:sp>
+        <p:nvSpPr>
+          <p:cNvPr id="2" name="文本框 1"/>
+          <p:cNvSpPr txBox="1"/>
+          <p:nvPr/>
+        </p:nvSpPr>
+        <p:spPr>
+          <a:xfrm>
+            <a:off x="3626319" y="596056"/>
+            <a:ext cx="415498" cy="369332"/>
+          </a:xfrm>
+          <a:prstGeom prst="rect">
+            <a:avLst/>
+          </a:prstGeom>
+          <a:noFill/>
+        </p:spPr>
+        <p:txBody>
+          <a:bodyPr wrap="none" rtlCol="0">
+            <a:spAutoFit/>
+          </a:bodyPr>
+          <a:lstStyle/>
+          <a:p>
+            <a:r>
+              <a:rPr lang="zh-CN" altLang="en-US" b="1" dirty="0" smtClean="0">
+                <a:solidFill>
+                  <a:srgbClr val="00B050"/>
+                </a:solidFill>
+              </a:rPr>
+              <a:t>○</a:t>
+            </a:r>
+            <a:endParaRPr lang="zh-CN" altLang="en-US" b="1" dirty="0">
+              <a:solidFill>
+                <a:srgbClr val="00B050"/>
+              </a:solidFill>
+            </a:endParaRPr>
+          </a:p>
+        </p:txBody>
+      </p:sp>
+      <p:sp>
+        <p:nvSpPr>
+          <p:cNvPr id="13" name="文本框 12"/>
+          <p:cNvSpPr txBox="1"/>
+          <p:nvPr/>
+        </p:nvSpPr>
+        <p:spPr>
+          <a:xfrm>
+            <a:off x="3626319" y="2275388"/>
+            <a:ext cx="415498" cy="369332"/>
+          </a:xfrm>
+          <a:prstGeom prst="rect">
+            <a:avLst/>
+          </a:prstGeom>
+          <a:noFill/>
+        </p:spPr>
+        <p:txBody>
+          <a:bodyPr wrap="none" rtlCol="0">
+            <a:spAutoFit/>
+          </a:bodyPr>
+          <a:lstStyle/>
+          <a:p>
+            <a:r>
+              <a:rPr lang="zh-CN" altLang="en-US" b="1" dirty="0" smtClean="0">
+                <a:solidFill>
+                  <a:srgbClr val="00B050"/>
+                </a:solidFill>
+              </a:rPr>
+              <a:t>○</a:t>
+            </a:r>
+            <a:endParaRPr lang="zh-CN" altLang="en-US" b="1" dirty="0">
+              <a:solidFill>
+                <a:srgbClr val="00B050"/>
+              </a:solidFill>
+            </a:endParaRPr>
+          </a:p>
+        </p:txBody>
+      </p:sp>
+      <p:sp>
+        <p:nvSpPr>
+          <p:cNvPr id="14" name="文本框 13"/>
+          <p:cNvSpPr txBox="1"/>
+          <p:nvPr/>
+        </p:nvSpPr>
+        <p:spPr>
+          <a:xfrm>
+            <a:off x="3626319" y="3939722"/>
+            <a:ext cx="415498" cy="369332"/>
+          </a:xfrm>
+          <a:prstGeom prst="rect">
+            <a:avLst/>
+          </a:prstGeom>
+          <a:noFill/>
+        </p:spPr>
+        <p:txBody>
+          <a:bodyPr wrap="none" rtlCol="0">
+            <a:spAutoFit/>
+          </a:bodyPr>
+          <a:lstStyle/>
+          <a:p>
+            <a:r>
+              <a:rPr lang="en-US" altLang="zh-CN" b="1" dirty="0" smtClean="0">
+                <a:solidFill>
+                  <a:srgbClr val="FF0000"/>
+                </a:solidFill>
+              </a:rPr>
+              <a:t>×</a:t>
+            </a:r>
+            <a:endParaRPr lang="zh-CN" altLang="en-US" b="1" dirty="0">
+              <a:solidFill>
+                <a:srgbClr val="FF0000"/>
+              </a:solidFill>
+            </a:endParaRPr>
+          </a:p>
+        </p:txBody>
+      </p:sp>
+    </p:spTree>
+    <p:extLst>
+      <p:ext uri="{BB962C8B-B14F-4D97-AF65-F5344CB8AC3E}">
+        <p14:creationId xmlns:p14="http://schemas.microsoft.com/office/powerpoint/2010/main" val="1555944907"/>
+      </p:ext>
+    </p:extLst>
+  </p:cSld>
+  <p:clrMapOvr>
+    <a:masterClrMapping/>
+  </p:clrMapOvr>
+</p:sld>
+</file>
+
+<file path=ppt/slides/slide4.xml><?xml version="1.0" encoding="utf-8"?>
 <p:sld xmlns:a="http://schemas.openxmlformats.org/drawingml/2006/main" xmlns:r="http://schemas.openxmlformats.org/officeDocument/2006/relationships" xmlns:p="http://schemas.openxmlformats.org/presentationml/2006/main">
   <p:cSld>
     <p:spTree>
@@ -5963,7 +14066,7 @@
 </p:sld>
 </file>
 
-<file path=ppt/slides/slide3.xml><?xml version="1.0" encoding="utf-8"?>
+<file path=ppt/slides/slide5.xml><?xml version="1.0" encoding="utf-8"?>
 <p:sld xmlns:a="http://schemas.openxmlformats.org/drawingml/2006/main" xmlns:r="http://schemas.openxmlformats.org/officeDocument/2006/relationships" xmlns:p="http://schemas.openxmlformats.org/presentationml/2006/main">
   <p:cSld>
     <p:spTree>
@@ -7098,7 +15201,7 @@
 </p:sld>
 </file>
 
-<file path=ppt/slides/slide4.xml><?xml version="1.0" encoding="utf-8"?>
+<file path=ppt/slides/slide6.xml><?xml version="1.0" encoding="utf-8"?>
 <p:sld xmlns:a="http://schemas.openxmlformats.org/drawingml/2006/main" xmlns:r="http://schemas.openxmlformats.org/officeDocument/2006/relationships" xmlns:p="http://schemas.openxmlformats.org/presentationml/2006/main">
   <p:cSld>
     <p:spTree>
@@ -8706,7 +16809,7 @@
 </p:sld>
 </file>
 
-<file path=ppt/slides/slide5.xml><?xml version="1.0" encoding="utf-8"?>
+<file path=ppt/slides/slide7.xml><?xml version="1.0" encoding="utf-8"?>
 <p:sld xmlns:a="http://schemas.openxmlformats.org/drawingml/2006/main" xmlns:r="http://schemas.openxmlformats.org/officeDocument/2006/relationships" xmlns:p="http://schemas.openxmlformats.org/presentationml/2006/main">
   <p:cSld>
     <p:spTree>
@@ -8791,7 +16894,7 @@
 </p:sld>
 </file>
 
-<file path=ppt/slides/slide6.xml><?xml version="1.0" encoding="utf-8"?>
+<file path=ppt/slides/slide8.xml><?xml version="1.0" encoding="utf-8"?>
 <p:sld xmlns:a="http://schemas.openxmlformats.org/drawingml/2006/main" xmlns:r="http://schemas.openxmlformats.org/officeDocument/2006/relationships" xmlns:p="http://schemas.openxmlformats.org/presentationml/2006/main">
   <p:cSld>
     <p:spTree>
@@ -8844,7 +16947,7 @@
 </p:sld>
 </file>
 
-<file path=ppt/slides/slide7.xml><?xml version="1.0" encoding="utf-8"?>
+<file path=ppt/slides/slide9.xml><?xml version="1.0" encoding="utf-8"?>
 <p:sld xmlns:a="http://schemas.openxmlformats.org/drawingml/2006/main" xmlns:r="http://schemas.openxmlformats.org/officeDocument/2006/relationships" xmlns:p="http://schemas.openxmlformats.org/presentationml/2006/main">
   <p:cSld>
     <p:spTree>
@@ -8911,625 +17014,6 @@
     <p:extLst>
       <p:ext uri="{BB962C8B-B14F-4D97-AF65-F5344CB8AC3E}">
         <p14:creationId xmlns:p14="http://schemas.microsoft.com/office/powerpoint/2010/main" val="3724499844"/>
-      </p:ext>
-    </p:extLst>
-  </p:cSld>
-  <p:clrMapOvr>
-    <a:masterClrMapping/>
-  </p:clrMapOvr>
-</p:sld>
-</file>
-
-<file path=ppt/slides/slide8.xml><?xml version="1.0" encoding="utf-8"?>
-<p:sld xmlns:a="http://schemas.openxmlformats.org/drawingml/2006/main" xmlns:r="http://schemas.openxmlformats.org/officeDocument/2006/relationships" xmlns:p="http://schemas.openxmlformats.org/presentationml/2006/main">
-  <p:cSld>
-    <p:spTree>
-      <p:nvGrpSpPr>
-        <p:cNvPr id="1" name=""/>
-        <p:cNvGrpSpPr/>
-        <p:nvPr/>
-      </p:nvGrpSpPr>
-      <p:grpSpPr>
-        <a:xfrm>
-          <a:off x="0" y="0"/>
-          <a:ext cx="0" cy="0"/>
-          <a:chOff x="0" y="0"/>
-          <a:chExt cx="0" cy="0"/>
-        </a:xfrm>
-      </p:grpSpPr>
-      <p:pic>
-        <p:nvPicPr>
-          <p:cNvPr id="5" name="图片 4"/>
-          <p:cNvPicPr>
-            <a:picLocks noChangeAspect="1"/>
-          </p:cNvPicPr>
-          <p:nvPr/>
-        </p:nvPicPr>
-        <p:blipFill rotWithShape="1">
-          <a:blip r:embed="rId2"/>
-          <a:srcRect t="12523"/>
-          <a:stretch/>
-        </p:blipFill>
-        <p:spPr>
-          <a:xfrm>
-            <a:off x="28600" y="32022"/>
-            <a:ext cx="8553543" cy="2166125"/>
-          </a:xfrm>
-          <a:prstGeom prst="rect">
-            <a:avLst/>
-          </a:prstGeom>
-        </p:spPr>
-      </p:pic>
-      <p:pic>
-        <p:nvPicPr>
-          <p:cNvPr id="6" name="图片 5"/>
-          <p:cNvPicPr>
-            <a:picLocks noChangeAspect="1"/>
-          </p:cNvPicPr>
-          <p:nvPr/>
-        </p:nvPicPr>
-        <p:blipFill rotWithShape="1">
-          <a:blip r:embed="rId3"/>
-          <a:srcRect b="73707"/>
-          <a:stretch/>
-        </p:blipFill>
-        <p:spPr>
-          <a:xfrm>
-            <a:off x="55304" y="2198148"/>
-            <a:ext cx="8496944" cy="1556972"/>
-          </a:xfrm>
-          <a:prstGeom prst="rect">
-            <a:avLst/>
-          </a:prstGeom>
-        </p:spPr>
-      </p:pic>
-      <p:pic>
-        <p:nvPicPr>
-          <p:cNvPr id="7" name="图片 6"/>
-          <p:cNvPicPr>
-            <a:picLocks noChangeAspect="1"/>
-          </p:cNvPicPr>
-          <p:nvPr/>
-        </p:nvPicPr>
-        <p:blipFill rotWithShape="1">
-          <a:blip r:embed="rId3"/>
-          <a:srcRect t="47414"/>
-          <a:stretch/>
-        </p:blipFill>
-        <p:spPr>
-          <a:xfrm>
-            <a:off x="64096" y="3744058"/>
-            <a:ext cx="8496944" cy="3113942"/>
-          </a:xfrm>
-          <a:prstGeom prst="rect">
-            <a:avLst/>
-          </a:prstGeom>
-        </p:spPr>
-      </p:pic>
-      <p:sp>
-        <p:nvSpPr>
-          <p:cNvPr id="8" name="圆角矩形 7"/>
-          <p:cNvSpPr/>
-          <p:nvPr/>
-        </p:nvSpPr>
-        <p:spPr>
-          <a:xfrm>
-            <a:off x="43280" y="37128"/>
-            <a:ext cx="8613040" cy="2157432"/>
-          </a:xfrm>
-          <a:prstGeom prst="roundRect">
-            <a:avLst>
-              <a:gd name="adj" fmla="val 5499"/>
-            </a:avLst>
-          </a:prstGeom>
-          <a:noFill/>
-          <a:ln>
-            <a:solidFill>
-              <a:schemeClr val="accent5">
-                <a:lumMod val="75000"/>
-              </a:schemeClr>
-            </a:solidFill>
-          </a:ln>
-        </p:spPr>
-        <p:style>
-          <a:lnRef idx="2">
-            <a:schemeClr val="accent1">
-              <a:shade val="50000"/>
-            </a:schemeClr>
-          </a:lnRef>
-          <a:fillRef idx="1">
-            <a:schemeClr val="accent1"/>
-          </a:fillRef>
-          <a:effectRef idx="0">
-            <a:schemeClr val="accent1"/>
-          </a:effectRef>
-          <a:fontRef idx="minor">
-            <a:schemeClr val="lt1"/>
-          </a:fontRef>
-        </p:style>
-        <p:txBody>
-          <a:bodyPr rtlCol="0" anchor="ctr"/>
-          <a:lstStyle/>
-          <a:p>
-            <a:pPr algn="ctr"/>
-            <a:endParaRPr lang="zh-CN" altLang="en-US"/>
-          </a:p>
-        </p:txBody>
-      </p:sp>
-      <p:sp>
-        <p:nvSpPr>
-          <p:cNvPr id="9" name="圆角矩形 8"/>
-          <p:cNvSpPr/>
-          <p:nvPr/>
-        </p:nvSpPr>
-        <p:spPr>
-          <a:xfrm>
-            <a:off x="43280" y="2214880"/>
-            <a:ext cx="8613040" cy="4572000"/>
-          </a:xfrm>
-          <a:prstGeom prst="roundRect">
-            <a:avLst>
-              <a:gd name="adj" fmla="val 1688"/>
-            </a:avLst>
-          </a:prstGeom>
-          <a:noFill/>
-          <a:ln>
-            <a:solidFill>
-              <a:schemeClr val="accent6">
-                <a:lumMod val="75000"/>
-              </a:schemeClr>
-            </a:solidFill>
-          </a:ln>
-        </p:spPr>
-        <p:style>
-          <a:lnRef idx="2">
-            <a:schemeClr val="accent1">
-              <a:shade val="50000"/>
-            </a:schemeClr>
-          </a:lnRef>
-          <a:fillRef idx="1">
-            <a:schemeClr val="accent1"/>
-          </a:fillRef>
-          <a:effectRef idx="0">
-            <a:schemeClr val="accent1"/>
-          </a:effectRef>
-          <a:fontRef idx="minor">
-            <a:schemeClr val="lt1"/>
-          </a:fontRef>
-        </p:style>
-        <p:txBody>
-          <a:bodyPr rtlCol="0" anchor="ctr"/>
-          <a:lstStyle/>
-          <a:p>
-            <a:pPr algn="ctr"/>
-            <a:endParaRPr lang="zh-CN" altLang="en-US"/>
-          </a:p>
-        </p:txBody>
-      </p:sp>
-      <p:sp>
-        <p:nvSpPr>
-          <p:cNvPr id="10" name="文本框 9"/>
-          <p:cNvSpPr txBox="1"/>
-          <p:nvPr/>
-        </p:nvSpPr>
-        <p:spPr>
-          <a:xfrm>
-            <a:off x="1619672" y="844706"/>
-            <a:ext cx="2377574" cy="369332"/>
-          </a:xfrm>
-          <a:prstGeom prst="rect">
-            <a:avLst/>
-          </a:prstGeom>
-          <a:noFill/>
-        </p:spPr>
-        <p:txBody>
-          <a:bodyPr wrap="none" rtlCol="0">
-            <a:spAutoFit/>
-          </a:bodyPr>
-          <a:lstStyle/>
-          <a:p>
-            <a:r>
-              <a:rPr lang="en-US" altLang="zh-CN" b="1" dirty="0" smtClean="0">
-                <a:solidFill>
-                  <a:schemeClr val="tx2">
-                    <a:lumMod val="60000"/>
-                    <a:lumOff val="40000"/>
-                  </a:schemeClr>
-                </a:solidFill>
-                <a:latin typeface="微软雅黑" panose="020B0503020204020204" pitchFamily="34" charset="-122"/>
-                <a:ea typeface="微软雅黑" panose="020B0503020204020204" pitchFamily="34" charset="-122"/>
-              </a:rPr>
-              <a:t>GPU </a:t>
-            </a:r>
-            <a:r>
-              <a:rPr lang="zh-CN" altLang="en-US" b="1" dirty="0" smtClean="0">
-                <a:solidFill>
-                  <a:schemeClr val="tx2">
-                    <a:lumMod val="60000"/>
-                    <a:lumOff val="40000"/>
-                  </a:schemeClr>
-                </a:solidFill>
-                <a:latin typeface="微软雅黑" panose="020B0503020204020204" pitchFamily="34" charset="-122"/>
-                <a:ea typeface="微软雅黑" panose="020B0503020204020204" pitchFamily="34" charset="-122"/>
-              </a:rPr>
-              <a:t>加速相关的类库</a:t>
-            </a:r>
-            <a:endParaRPr lang="zh-CN" altLang="en-US" b="1" dirty="0">
-              <a:solidFill>
-                <a:schemeClr val="tx2">
-                  <a:lumMod val="60000"/>
-                  <a:lumOff val="40000"/>
-                </a:schemeClr>
-              </a:solidFill>
-              <a:latin typeface="微软雅黑" panose="020B0503020204020204" pitchFamily="34" charset="-122"/>
-              <a:ea typeface="微软雅黑" panose="020B0503020204020204" pitchFamily="34" charset="-122"/>
-            </a:endParaRPr>
-          </a:p>
-        </p:txBody>
-      </p:sp>
-      <p:sp>
-        <p:nvSpPr>
-          <p:cNvPr id="11" name="文本框 10"/>
-          <p:cNvSpPr txBox="1"/>
-          <p:nvPr/>
-        </p:nvSpPr>
-        <p:spPr>
-          <a:xfrm>
-            <a:off x="1946663" y="3844245"/>
-            <a:ext cx="2028953" cy="646331"/>
-          </a:xfrm>
-          <a:prstGeom prst="rect">
-            <a:avLst/>
-          </a:prstGeom>
-          <a:noFill/>
-        </p:spPr>
-        <p:txBody>
-          <a:bodyPr wrap="none" rtlCol="0">
-            <a:spAutoFit/>
-          </a:bodyPr>
-          <a:lstStyle/>
-          <a:p>
-            <a:r>
-              <a:rPr lang="en-US" altLang="zh-CN" b="1" dirty="0" smtClean="0">
-                <a:solidFill>
-                  <a:schemeClr val="accent6">
-                    <a:lumMod val="75000"/>
-                  </a:schemeClr>
-                </a:solidFill>
-                <a:latin typeface="微软雅黑" panose="020B0503020204020204" pitchFamily="34" charset="-122"/>
-                <a:ea typeface="微软雅黑" panose="020B0503020204020204" pitchFamily="34" charset="-122"/>
-              </a:rPr>
-              <a:t>TensorFlow.NET</a:t>
-            </a:r>
-          </a:p>
-          <a:p>
-            <a:r>
-              <a:rPr lang="zh-CN" altLang="en-US" b="1" dirty="0" smtClean="0">
-                <a:solidFill>
-                  <a:schemeClr val="accent6">
-                    <a:lumMod val="75000"/>
-                  </a:schemeClr>
-                </a:solidFill>
-                <a:latin typeface="微软雅黑" panose="020B0503020204020204" pitchFamily="34" charset="-122"/>
-                <a:ea typeface="微软雅黑" panose="020B0503020204020204" pitchFamily="34" charset="-122"/>
-              </a:rPr>
-              <a:t>和系统相关的类库</a:t>
-            </a:r>
-            <a:endParaRPr lang="zh-CN" altLang="en-US" b="1" dirty="0">
-              <a:solidFill>
-                <a:schemeClr val="accent6">
-                  <a:lumMod val="75000"/>
-                </a:schemeClr>
-              </a:solidFill>
-              <a:latin typeface="微软雅黑" panose="020B0503020204020204" pitchFamily="34" charset="-122"/>
-              <a:ea typeface="微软雅黑" panose="020B0503020204020204" pitchFamily="34" charset="-122"/>
-            </a:endParaRPr>
-          </a:p>
-        </p:txBody>
-      </p:sp>
-    </p:spTree>
-    <p:extLst>
-      <p:ext uri="{BB962C8B-B14F-4D97-AF65-F5344CB8AC3E}">
-        <p14:creationId xmlns:p14="http://schemas.microsoft.com/office/powerpoint/2010/main" val="2403442515"/>
-      </p:ext>
-    </p:extLst>
-  </p:cSld>
-  <p:clrMapOvr>
-    <a:masterClrMapping/>
-  </p:clrMapOvr>
-</p:sld>
-</file>
-
-<file path=ppt/slides/slide9.xml><?xml version="1.0" encoding="utf-8"?>
-<p:sld xmlns:a="http://schemas.openxmlformats.org/drawingml/2006/main" xmlns:r="http://schemas.openxmlformats.org/officeDocument/2006/relationships" xmlns:p="http://schemas.openxmlformats.org/presentationml/2006/main">
-  <p:cSld>
-    <p:spTree>
-      <p:nvGrpSpPr>
-        <p:cNvPr id="1" name=""/>
-        <p:cNvGrpSpPr/>
-        <p:nvPr/>
-      </p:nvGrpSpPr>
-      <p:grpSpPr>
-        <a:xfrm>
-          <a:off x="0" y="0"/>
-          <a:ext cx="0" cy="0"/>
-          <a:chOff x="0" y="0"/>
-          <a:chExt cx="0" cy="0"/>
-        </a:xfrm>
-      </p:grpSpPr>
-      <p:pic>
-        <p:nvPicPr>
-          <p:cNvPr id="2" name="图片 1"/>
-          <p:cNvPicPr>
-            <a:picLocks noChangeAspect="1"/>
-          </p:cNvPicPr>
-          <p:nvPr/>
-        </p:nvPicPr>
-        <p:blipFill>
-          <a:blip r:embed="rId2"/>
-          <a:stretch>
-            <a:fillRect/>
-          </a:stretch>
-        </p:blipFill>
-        <p:spPr>
-          <a:xfrm>
-            <a:off x="1331640" y="27672"/>
-            <a:ext cx="5184576" cy="6543234"/>
-          </a:xfrm>
-          <a:prstGeom prst="rect">
-            <a:avLst/>
-          </a:prstGeom>
-        </p:spPr>
-      </p:pic>
-      <p:sp>
-        <p:nvSpPr>
-          <p:cNvPr id="3" name="圆角矩形 2"/>
-          <p:cNvSpPr/>
-          <p:nvPr/>
-        </p:nvSpPr>
-        <p:spPr>
-          <a:xfrm>
-            <a:off x="3213200" y="57448"/>
-            <a:ext cx="1287680" cy="308312"/>
-          </a:xfrm>
-          <a:prstGeom prst="roundRect">
-            <a:avLst>
-              <a:gd name="adj" fmla="val 5499"/>
-            </a:avLst>
-          </a:prstGeom>
-          <a:noFill/>
-          <a:ln>
-            <a:solidFill>
-              <a:schemeClr val="accent6">
-                <a:lumMod val="75000"/>
-              </a:schemeClr>
-            </a:solidFill>
-          </a:ln>
-        </p:spPr>
-        <p:style>
-          <a:lnRef idx="2">
-            <a:schemeClr val="accent1">
-              <a:shade val="50000"/>
-            </a:schemeClr>
-          </a:lnRef>
-          <a:fillRef idx="1">
-            <a:schemeClr val="accent1"/>
-          </a:fillRef>
-          <a:effectRef idx="0">
-            <a:schemeClr val="accent1"/>
-          </a:effectRef>
-          <a:fontRef idx="minor">
-            <a:schemeClr val="lt1"/>
-          </a:fontRef>
-        </p:style>
-        <p:txBody>
-          <a:bodyPr rtlCol="0" anchor="ctr"/>
-          <a:lstStyle/>
-          <a:p>
-            <a:pPr algn="ctr"/>
-            <a:endParaRPr lang="zh-CN" altLang="en-US"/>
-          </a:p>
-        </p:txBody>
-      </p:sp>
-      <p:sp>
-        <p:nvSpPr>
-          <p:cNvPr id="4" name="圆角矩形 3"/>
-          <p:cNvSpPr/>
-          <p:nvPr/>
-        </p:nvSpPr>
-        <p:spPr>
-          <a:xfrm>
-            <a:off x="2044800" y="1195368"/>
-            <a:ext cx="2019200" cy="1700232"/>
-          </a:xfrm>
-          <a:prstGeom prst="roundRect">
-            <a:avLst>
-              <a:gd name="adj" fmla="val 5499"/>
-            </a:avLst>
-          </a:prstGeom>
-          <a:noFill/>
-          <a:ln>
-            <a:solidFill>
-              <a:schemeClr val="accent1">
-                <a:lumMod val="60000"/>
-                <a:lumOff val="40000"/>
-              </a:schemeClr>
-            </a:solidFill>
-          </a:ln>
-        </p:spPr>
-        <p:style>
-          <a:lnRef idx="2">
-            <a:schemeClr val="accent1">
-              <a:shade val="50000"/>
-            </a:schemeClr>
-          </a:lnRef>
-          <a:fillRef idx="1">
-            <a:schemeClr val="accent1"/>
-          </a:fillRef>
-          <a:effectRef idx="0">
-            <a:schemeClr val="accent1"/>
-          </a:effectRef>
-          <a:fontRef idx="minor">
-            <a:schemeClr val="lt1"/>
-          </a:fontRef>
-        </p:style>
-        <p:txBody>
-          <a:bodyPr rtlCol="0" anchor="ctr"/>
-          <a:lstStyle/>
-          <a:p>
-            <a:pPr algn="ctr"/>
-            <a:endParaRPr lang="zh-CN" altLang="en-US"/>
-          </a:p>
-        </p:txBody>
-      </p:sp>
-      <p:sp>
-        <p:nvSpPr>
-          <p:cNvPr id="5" name="文本框 4"/>
-          <p:cNvSpPr txBox="1"/>
-          <p:nvPr/>
-        </p:nvSpPr>
-        <p:spPr>
-          <a:xfrm>
-            <a:off x="4114353" y="1860818"/>
-            <a:ext cx="1774845" cy="369332"/>
-          </a:xfrm>
-          <a:prstGeom prst="rect">
-            <a:avLst/>
-          </a:prstGeom>
-          <a:noFill/>
-        </p:spPr>
-        <p:txBody>
-          <a:bodyPr wrap="none" rtlCol="0">
-            <a:spAutoFit/>
-          </a:bodyPr>
-          <a:lstStyle/>
-          <a:p>
-            <a:r>
-              <a:rPr lang="zh-CN" altLang="en-US" b="1" dirty="0" smtClean="0">
-                <a:solidFill>
-                  <a:schemeClr val="tx2">
-                    <a:lumMod val="60000"/>
-                    <a:lumOff val="40000"/>
-                  </a:schemeClr>
-                </a:solidFill>
-                <a:latin typeface="微软雅黑" panose="020B0503020204020204" pitchFamily="34" charset="-122"/>
-                <a:ea typeface="微软雅黑" panose="020B0503020204020204" pitchFamily="34" charset="-122"/>
-              </a:rPr>
-              <a:t>缺少的</a:t>
-            </a:r>
-            <a:r>
-              <a:rPr lang="en-US" altLang="zh-CN" b="1" dirty="0" smtClean="0">
-                <a:solidFill>
-                  <a:schemeClr val="tx2">
-                    <a:lumMod val="60000"/>
-                    <a:lumOff val="40000"/>
-                  </a:schemeClr>
-                </a:solidFill>
-                <a:latin typeface="微软雅黑" panose="020B0503020204020204" pitchFamily="34" charset="-122"/>
-                <a:ea typeface="微软雅黑" panose="020B0503020204020204" pitchFamily="34" charset="-122"/>
-              </a:rPr>
-              <a:t>DLL</a:t>
-            </a:r>
-            <a:r>
-              <a:rPr lang="zh-CN" altLang="en-US" b="1" dirty="0" smtClean="0">
-                <a:solidFill>
-                  <a:schemeClr val="tx2">
-                    <a:lumMod val="60000"/>
-                    <a:lumOff val="40000"/>
-                  </a:schemeClr>
-                </a:solidFill>
-                <a:latin typeface="微软雅黑" panose="020B0503020204020204" pitchFamily="34" charset="-122"/>
-                <a:ea typeface="微软雅黑" panose="020B0503020204020204" pitchFamily="34" charset="-122"/>
-              </a:rPr>
-              <a:t>文件</a:t>
-            </a:r>
-            <a:endParaRPr lang="zh-CN" altLang="en-US" b="1" dirty="0">
-              <a:solidFill>
-                <a:schemeClr val="tx2">
-                  <a:lumMod val="60000"/>
-                  <a:lumOff val="40000"/>
-                </a:schemeClr>
-              </a:solidFill>
-              <a:latin typeface="微软雅黑" panose="020B0503020204020204" pitchFamily="34" charset="-122"/>
-              <a:ea typeface="微软雅黑" panose="020B0503020204020204" pitchFamily="34" charset="-122"/>
-            </a:endParaRPr>
-          </a:p>
-        </p:txBody>
-      </p:sp>
-      <p:sp>
-        <p:nvSpPr>
-          <p:cNvPr id="6" name="文本框 5"/>
-          <p:cNvSpPr txBox="1"/>
-          <p:nvPr/>
-        </p:nvSpPr>
-        <p:spPr>
-          <a:xfrm>
-            <a:off x="4500880" y="26938"/>
-            <a:ext cx="1774845" cy="369332"/>
-          </a:xfrm>
-          <a:prstGeom prst="rect">
-            <a:avLst/>
-          </a:prstGeom>
-          <a:noFill/>
-        </p:spPr>
-        <p:txBody>
-          <a:bodyPr wrap="none" rtlCol="0">
-            <a:spAutoFit/>
-          </a:bodyPr>
-          <a:lstStyle/>
-          <a:p>
-            <a:r>
-              <a:rPr lang="zh-CN" altLang="en-US" b="1" dirty="0" smtClean="0">
-                <a:solidFill>
-                  <a:schemeClr val="accent6">
-                    <a:lumMod val="75000"/>
-                  </a:schemeClr>
-                </a:solidFill>
-                <a:latin typeface="微软雅黑" panose="020B0503020204020204" pitchFamily="34" charset="-122"/>
-                <a:ea typeface="微软雅黑" panose="020B0503020204020204" pitchFamily="34" charset="-122"/>
-              </a:rPr>
-              <a:t>分析的</a:t>
-            </a:r>
-            <a:r>
-              <a:rPr lang="en-US" altLang="zh-CN" b="1" dirty="0" smtClean="0">
-                <a:solidFill>
-                  <a:schemeClr val="accent6">
-                    <a:lumMod val="75000"/>
-                  </a:schemeClr>
-                </a:solidFill>
-                <a:latin typeface="微软雅黑" panose="020B0503020204020204" pitchFamily="34" charset="-122"/>
-                <a:ea typeface="微软雅黑" panose="020B0503020204020204" pitchFamily="34" charset="-122"/>
-              </a:rPr>
-              <a:t>DLL</a:t>
-            </a:r>
-            <a:r>
-              <a:rPr lang="zh-CN" altLang="en-US" b="1" dirty="0" smtClean="0">
-                <a:solidFill>
-                  <a:schemeClr val="accent6">
-                    <a:lumMod val="75000"/>
-                  </a:schemeClr>
-                </a:solidFill>
-                <a:latin typeface="微软雅黑" panose="020B0503020204020204" pitchFamily="34" charset="-122"/>
-                <a:ea typeface="微软雅黑" panose="020B0503020204020204" pitchFamily="34" charset="-122"/>
-              </a:rPr>
-              <a:t>文件</a:t>
-            </a:r>
-            <a:endParaRPr lang="zh-CN" altLang="en-US" b="1" dirty="0">
-              <a:solidFill>
-                <a:schemeClr val="accent6">
-                  <a:lumMod val="75000"/>
-                </a:schemeClr>
-              </a:solidFill>
-              <a:latin typeface="微软雅黑" panose="020B0503020204020204" pitchFamily="34" charset="-122"/>
-              <a:ea typeface="微软雅黑" panose="020B0503020204020204" pitchFamily="34" charset="-122"/>
-            </a:endParaRPr>
-          </a:p>
-        </p:txBody>
-      </p:sp>
-    </p:spTree>
-    <p:extLst>
-      <p:ext uri="{BB962C8B-B14F-4D97-AF65-F5344CB8AC3E}">
-        <p14:creationId xmlns:p14="http://schemas.microsoft.com/office/powerpoint/2010/main" val="2053646008"/>
       </p:ext>
     </p:extLst>
   </p:cSld>

--- a/ppt/tf.reduce_mean.pptx
+++ b/ppt/tf.reduce_mean.pptx
@@ -19,8 +19,16 @@
     <p:sldId id="264" r:id="rId13"/>
     <p:sldId id="265" r:id="rId14"/>
     <p:sldId id="266" r:id="rId15"/>
-    <p:sldId id="267" r:id="rId16"/>
-    <p:sldId id="268" r:id="rId17"/>
+    <p:sldId id="276" r:id="rId16"/>
+    <p:sldId id="277" r:id="rId17"/>
+    <p:sldId id="278" r:id="rId18"/>
+    <p:sldId id="279" r:id="rId19"/>
+    <p:sldId id="272" r:id="rId20"/>
+    <p:sldId id="273" r:id="rId21"/>
+    <p:sldId id="274" r:id="rId22"/>
+    <p:sldId id="275" r:id="rId23"/>
+    <p:sldId id="267" r:id="rId24"/>
+    <p:sldId id="268" r:id="rId25"/>
   </p:sldIdLst>
   <p:sldSz cx="9144000" cy="6858000" type="screen4x3"/>
   <p:notesSz cx="6858000" cy="9144000"/>
@@ -319,7 +327,7 @@
           <a:p>
             <a:fld id="{154D151C-2C25-4305-8E14-82B64FCC1564}" type="datetimeFigureOut">
               <a:rPr lang="zh-CN" altLang="en-US" smtClean="0"/>
-              <a:t>2020-07-03</a:t>
+              <a:t>2020-07-18</a:t>
             </a:fld>
             <a:endParaRPr lang="zh-CN" altLang="en-US"/>
           </a:p>
@@ -489,7 +497,7 @@
           <a:p>
             <a:fld id="{154D151C-2C25-4305-8E14-82B64FCC1564}" type="datetimeFigureOut">
               <a:rPr lang="zh-CN" altLang="en-US" smtClean="0"/>
-              <a:t>2020-07-03</a:t>
+              <a:t>2020-07-18</a:t>
             </a:fld>
             <a:endParaRPr lang="zh-CN" altLang="en-US"/>
           </a:p>
@@ -669,7 +677,7 @@
           <a:p>
             <a:fld id="{154D151C-2C25-4305-8E14-82B64FCC1564}" type="datetimeFigureOut">
               <a:rPr lang="zh-CN" altLang="en-US" smtClean="0"/>
-              <a:t>2020-07-03</a:t>
+              <a:t>2020-07-18</a:t>
             </a:fld>
             <a:endParaRPr lang="zh-CN" altLang="en-US"/>
           </a:p>
@@ -727,6 +735,266 @@
   <p:clrMapOvr>
     <a:masterClrMapping/>
   </p:clrMapOvr>
+</p:sldLayout>
+</file>
+
+<file path=ppt/slideLayouts/slideLayout12.xml><?xml version="1.0" encoding="utf-8"?>
+<p:sldLayout xmlns:a="http://schemas.openxmlformats.org/drawingml/2006/main" xmlns:r="http://schemas.openxmlformats.org/officeDocument/2006/relationships" xmlns:p="http://schemas.openxmlformats.org/presentationml/2006/main" userDrawn="1">
+  <p:cSld name="1_빈 화면">
+    <p:bg>
+      <p:bgPr>
+        <a:solidFill>
+          <a:schemeClr val="bg1"/>
+        </a:solidFill>
+        <a:effectLst/>
+      </p:bgPr>
+    </p:bg>
+    <p:spTree>
+      <p:nvGrpSpPr>
+        <p:cNvPr id="1" name=""/>
+        <p:cNvGrpSpPr/>
+        <p:nvPr/>
+      </p:nvGrpSpPr>
+      <p:grpSpPr>
+        <a:xfrm>
+          <a:off x="0" y="0"/>
+          <a:ext cx="0" cy="0"/>
+          <a:chOff x="0" y="0"/>
+          <a:chExt cx="0" cy="0"/>
+        </a:xfrm>
+      </p:grpSpPr>
+      <p:sp>
+        <p:nvSpPr>
+          <p:cNvPr id="2" name="Rectangle 7"/>
+          <p:cNvSpPr>
+            <a:spLocks noChangeArrowheads="1"/>
+          </p:cNvSpPr>
+          <p:nvPr userDrawn="1"/>
+        </p:nvSpPr>
+        <p:spPr bwMode="auto">
+          <a:xfrm rot="10800000">
+            <a:off x="0" y="615950"/>
+            <a:ext cx="9144000" cy="71438"/>
+          </a:xfrm>
+          <a:prstGeom prst="rect">
+            <a:avLst/>
+          </a:prstGeom>
+          <a:gradFill rotWithShape="0">
+            <a:gsLst>
+              <a:gs pos="0">
+                <a:srgbClr val="000066"/>
+              </a:gs>
+              <a:gs pos="100000">
+                <a:srgbClr val="EAEAEA"/>
+              </a:gs>
+            </a:gsLst>
+            <a:lin ang="0" scaled="1"/>
+          </a:gradFill>
+          <a:ln w="12700" algn="ctr">
+            <a:noFill/>
+            <a:miter lim="800000"/>
+            <a:headEnd/>
+            <a:tailEnd/>
+          </a:ln>
+          <a:effectLst/>
+        </p:spPr>
+        <p:txBody>
+          <a:bodyPr rot="10800000" wrap="none" anchor="ctr"/>
+          <a:lstStyle/>
+          <a:p>
+            <a:pPr algn="ctr" fontAlgn="auto">
+              <a:lnSpc>
+                <a:spcPct val="90000"/>
+              </a:lnSpc>
+              <a:spcBef>
+                <a:spcPct val="50000"/>
+              </a:spcBef>
+              <a:spcAft>
+                <a:spcPts val="0"/>
+              </a:spcAft>
+              <a:buClr>
+                <a:srgbClr val="808080"/>
+              </a:buClr>
+              <a:buFont typeface="Wingdings" pitchFamily="2" charset="2"/>
+              <a:buNone/>
+              <a:defRPr/>
+            </a:pPr>
+            <a:endParaRPr kumimoji="0" lang="ko-KR" altLang="en-US" b="1">
+              <a:solidFill>
+                <a:srgbClr val="FFFFFF"/>
+              </a:solidFill>
+              <a:effectLst>
+                <a:outerShdw blurRad="38100" dist="38100" dir="2700000" algn="tl">
+                  <a:srgbClr val="000000"/>
+                </a:outerShdw>
+              </a:effectLst>
+              <a:latin typeface="+mn-lt"/>
+              <a:ea typeface="+mn-ea"/>
+              <a:cs typeface="Arial" charset="0"/>
+            </a:endParaRPr>
+          </a:p>
+        </p:txBody>
+      </p:sp>
+      <p:grpSp>
+        <p:nvGrpSpPr>
+          <p:cNvPr id="3" name="그룹 21"/>
+          <p:cNvGrpSpPr>
+            <a:grpSpLocks/>
+          </p:cNvGrpSpPr>
+          <p:nvPr userDrawn="1"/>
+        </p:nvGrpSpPr>
+        <p:grpSpPr bwMode="auto">
+          <a:xfrm>
+            <a:off x="147172" y="6491123"/>
+            <a:ext cx="1760537" cy="322263"/>
+            <a:chOff x="6156176" y="5085184"/>
+            <a:chExt cx="1759498" cy="321782"/>
+          </a:xfrm>
+        </p:grpSpPr>
+        <p:pic>
+          <p:nvPicPr>
+            <p:cNvPr id="4" name="Picture 7"/>
+            <p:cNvPicPr>
+              <a:picLocks noChangeAspect="1" noChangeArrowheads="1"/>
+            </p:cNvPicPr>
+            <p:nvPr userDrawn="1"/>
+          </p:nvPicPr>
+          <p:blipFill>
+            <a:blip r:embed="rId2" cstate="screen">
+              <a:extLst>
+                <a:ext uri="{28A0092B-C50C-407E-A947-70E740481C1C}">
+                  <a14:useLocalDpi xmlns:a14="http://schemas.microsoft.com/office/drawing/2010/main"/>
+                </a:ext>
+              </a:extLst>
+            </a:blip>
+            <a:srcRect/>
+            <a:stretch>
+              <a:fillRect/>
+            </a:stretch>
+          </p:blipFill>
+          <p:spPr bwMode="auto">
+            <a:xfrm>
+              <a:off x="6156176" y="5085184"/>
+              <a:ext cx="1759498" cy="288032"/>
+            </a:xfrm>
+            <a:prstGeom prst="rect">
+              <a:avLst/>
+            </a:prstGeom>
+            <a:noFill/>
+            <a:ln w="9525">
+              <a:noFill/>
+              <a:miter lim="800000"/>
+              <a:headEnd/>
+              <a:tailEnd/>
+            </a:ln>
+          </p:spPr>
+        </p:pic>
+        <p:sp>
+          <p:nvSpPr>
+            <p:cNvPr id="5" name="직사각형 20"/>
+            <p:cNvSpPr/>
+            <p:nvPr userDrawn="1"/>
+          </p:nvSpPr>
+          <p:spPr>
+            <a:xfrm>
+              <a:off x="6579788" y="5327709"/>
+              <a:ext cx="788522" cy="79257"/>
+            </a:xfrm>
+            <a:prstGeom prst="rect">
+              <a:avLst/>
+            </a:prstGeom>
+            <a:solidFill>
+              <a:schemeClr val="bg1"/>
+            </a:solidFill>
+            <a:ln>
+              <a:noFill/>
+            </a:ln>
+          </p:spPr>
+          <p:style>
+            <a:lnRef idx="2">
+              <a:schemeClr val="accent1">
+                <a:shade val="50000"/>
+              </a:schemeClr>
+            </a:lnRef>
+            <a:fillRef idx="1">
+              <a:schemeClr val="accent1"/>
+            </a:fillRef>
+            <a:effectRef idx="0">
+              <a:schemeClr val="accent1"/>
+            </a:effectRef>
+            <a:fontRef idx="minor">
+              <a:schemeClr val="lt1"/>
+            </a:fontRef>
+          </p:style>
+          <p:txBody>
+            <a:bodyPr anchor="ctr"/>
+            <a:lstStyle/>
+            <a:p>
+              <a:pPr algn="ctr" fontAlgn="base">
+                <a:spcBef>
+                  <a:spcPct val="0"/>
+                </a:spcBef>
+                <a:spcAft>
+                  <a:spcPct val="0"/>
+                </a:spcAft>
+                <a:defRPr/>
+              </a:pPr>
+              <a:endParaRPr lang="ko-KR" altLang="en-US" dirty="0">
+                <a:solidFill>
+                  <a:prstClr val="white"/>
+                </a:solidFill>
+              </a:endParaRPr>
+            </a:p>
+          </p:txBody>
+        </p:sp>
+      </p:grpSp>
+      <p:cxnSp>
+        <p:nvCxnSpPr>
+          <p:cNvPr id="6" name="직선 연결선 14"/>
+          <p:cNvCxnSpPr/>
+          <p:nvPr userDrawn="1"/>
+        </p:nvCxnSpPr>
+        <p:spPr>
+          <a:xfrm>
+            <a:off x="0" y="6443663"/>
+            <a:ext cx="9142260" cy="0"/>
+          </a:xfrm>
+          <a:prstGeom prst="line">
+            <a:avLst/>
+          </a:prstGeom>
+        </p:spPr>
+        <p:style>
+          <a:lnRef idx="1">
+            <a:schemeClr val="accent1"/>
+          </a:lnRef>
+          <a:fillRef idx="0">
+            <a:schemeClr val="accent1"/>
+          </a:fillRef>
+          <a:effectRef idx="0">
+            <a:schemeClr val="accent1"/>
+          </a:effectRef>
+          <a:fontRef idx="minor">
+            <a:schemeClr val="tx1"/>
+          </a:fontRef>
+        </p:style>
+      </p:cxnSp>
+    </p:spTree>
+    <p:extLst>
+      <p:ext uri="{BB962C8B-B14F-4D97-AF65-F5344CB8AC3E}">
+        <p14:creationId xmlns:p14="http://schemas.microsoft.com/office/powerpoint/2010/main" val="1752864160"/>
+      </p:ext>
+    </p:extLst>
+  </p:cSld>
+  <p:clrMapOvr>
+    <a:overrideClrMapping bg1="lt1" tx1="dk1" bg2="lt2" tx2="dk2" accent1="accent1" accent2="accent2" accent3="accent3" accent4="accent4" accent5="accent5" accent6="accent6" hlink="hlink" folHlink="folHlink"/>
+  </p:clrMapOvr>
+  <p:timing>
+    <p:tnLst>
+      <p:par>
+        <p:cTn id="1" dur="indefinite" restart="never" nodeType="tmRoot"/>
+      </p:par>
+    </p:tnLst>
+  </p:timing>
 </p:sldLayout>
 </file>
 
@@ -839,7 +1107,7 @@
           <a:p>
             <a:fld id="{154D151C-2C25-4305-8E14-82B64FCC1564}" type="datetimeFigureOut">
               <a:rPr lang="zh-CN" altLang="en-US" smtClean="0"/>
-              <a:t>2020-07-03</a:t>
+              <a:t>2020-07-18</a:t>
             </a:fld>
             <a:endParaRPr lang="zh-CN" altLang="en-US"/>
           </a:p>
@@ -1085,7 +1353,7 @@
           <a:p>
             <a:fld id="{154D151C-2C25-4305-8E14-82B64FCC1564}" type="datetimeFigureOut">
               <a:rPr lang="zh-CN" altLang="en-US" smtClean="0"/>
-              <a:t>2020-07-03</a:t>
+              <a:t>2020-07-18</a:t>
             </a:fld>
             <a:endParaRPr lang="zh-CN" altLang="en-US"/>
           </a:p>
@@ -1373,7 +1641,7 @@
           <a:p>
             <a:fld id="{154D151C-2C25-4305-8E14-82B64FCC1564}" type="datetimeFigureOut">
               <a:rPr lang="zh-CN" altLang="en-US" smtClean="0"/>
-              <a:t>2020-07-03</a:t>
+              <a:t>2020-07-18</a:t>
             </a:fld>
             <a:endParaRPr lang="zh-CN" altLang="en-US"/>
           </a:p>
@@ -1795,7 +2063,7 @@
           <a:p>
             <a:fld id="{154D151C-2C25-4305-8E14-82B64FCC1564}" type="datetimeFigureOut">
               <a:rPr lang="zh-CN" altLang="en-US" smtClean="0"/>
-              <a:t>2020-07-03</a:t>
+              <a:t>2020-07-18</a:t>
             </a:fld>
             <a:endParaRPr lang="zh-CN" altLang="en-US"/>
           </a:p>
@@ -1913,7 +2181,7 @@
           <a:p>
             <a:fld id="{154D151C-2C25-4305-8E14-82B64FCC1564}" type="datetimeFigureOut">
               <a:rPr lang="zh-CN" altLang="en-US" smtClean="0"/>
-              <a:t>2020-07-03</a:t>
+              <a:t>2020-07-18</a:t>
             </a:fld>
             <a:endParaRPr lang="zh-CN" altLang="en-US"/>
           </a:p>
@@ -2008,7 +2276,7 @@
           <a:p>
             <a:fld id="{154D151C-2C25-4305-8E14-82B64FCC1564}" type="datetimeFigureOut">
               <a:rPr lang="zh-CN" altLang="en-US" smtClean="0"/>
-              <a:t>2020-07-03</a:t>
+              <a:t>2020-07-18</a:t>
             </a:fld>
             <a:endParaRPr lang="zh-CN" altLang="en-US"/>
           </a:p>
@@ -2285,7 +2553,7 @@
           <a:p>
             <a:fld id="{154D151C-2C25-4305-8E14-82B64FCC1564}" type="datetimeFigureOut">
               <a:rPr lang="zh-CN" altLang="en-US" smtClean="0"/>
-              <a:t>2020-07-03</a:t>
+              <a:t>2020-07-18</a:t>
             </a:fld>
             <a:endParaRPr lang="zh-CN" altLang="en-US"/>
           </a:p>
@@ -2538,7 +2806,7 @@
           <a:p>
             <a:fld id="{154D151C-2C25-4305-8E14-82B64FCC1564}" type="datetimeFigureOut">
               <a:rPr lang="zh-CN" altLang="en-US" smtClean="0"/>
-              <a:t>2020-07-03</a:t>
+              <a:t>2020-07-18</a:t>
             </a:fld>
             <a:endParaRPr lang="zh-CN" altLang="en-US"/>
           </a:p>
@@ -2751,7 +3019,7 @@
           <a:p>
             <a:fld id="{154D151C-2C25-4305-8E14-82B64FCC1564}" type="datetimeFigureOut">
               <a:rPr lang="zh-CN" altLang="en-US" smtClean="0"/>
-              <a:t>2020-07-03</a:t>
+              <a:t>2020-07-18</a:t>
             </a:fld>
             <a:endParaRPr lang="zh-CN" altLang="en-US"/>
           </a:p>
@@ -2855,6 +3123,7 @@
     <p:sldLayoutId id="2147483657" r:id="rId9"/>
     <p:sldLayoutId id="2147483658" r:id="rId10"/>
     <p:sldLayoutId id="2147483659" r:id="rId11"/>
+    <p:sldLayoutId id="2147483660" r:id="rId12"/>
   </p:sldLayoutIdLst>
   <p:txStyles>
     <p:titleStyle>
@@ -5018,6 +5287,102 @@
           <a:chExt cx="0" cy="0"/>
         </a:xfrm>
       </p:grpSpPr>
+      <p:pic>
+        <p:nvPicPr>
+          <p:cNvPr id="2" name="图片 1"/>
+          <p:cNvPicPr>
+            <a:picLocks noChangeAspect="1"/>
+          </p:cNvPicPr>
+          <p:nvPr/>
+        </p:nvPicPr>
+        <p:blipFill>
+          <a:blip r:embed="rId2"/>
+          <a:stretch>
+            <a:fillRect/>
+          </a:stretch>
+        </p:blipFill>
+        <p:spPr>
+          <a:xfrm>
+            <a:off x="179512" y="2276872"/>
+            <a:ext cx="3879227" cy="1512168"/>
+          </a:xfrm>
+          <a:prstGeom prst="rect">
+            <a:avLst/>
+          </a:prstGeom>
+        </p:spPr>
+      </p:pic>
+      <p:sp>
+        <p:nvSpPr>
+          <p:cNvPr id="3" name="加号 2"/>
+          <p:cNvSpPr/>
+          <p:nvPr/>
+        </p:nvSpPr>
+        <p:spPr>
+          <a:xfrm>
+            <a:off x="4355976" y="2780928"/>
+            <a:ext cx="720080" cy="720080"/>
+          </a:xfrm>
+          <a:prstGeom prst="mathPlus">
+            <a:avLst/>
+          </a:prstGeom>
+          <a:solidFill>
+            <a:schemeClr val="bg1">
+              <a:lumMod val="75000"/>
+            </a:schemeClr>
+          </a:solidFill>
+          <a:ln>
+            <a:noFill/>
+          </a:ln>
+        </p:spPr>
+        <p:style>
+          <a:lnRef idx="2">
+            <a:schemeClr val="accent1">
+              <a:shade val="50000"/>
+            </a:schemeClr>
+          </a:lnRef>
+          <a:fillRef idx="1">
+            <a:schemeClr val="accent1"/>
+          </a:fillRef>
+          <a:effectRef idx="0">
+            <a:schemeClr val="accent1"/>
+          </a:effectRef>
+          <a:fontRef idx="minor">
+            <a:schemeClr val="lt1"/>
+          </a:fontRef>
+        </p:style>
+        <p:txBody>
+          <a:bodyPr rtlCol="0" anchor="ctr"/>
+          <a:lstStyle/>
+          <a:p>
+            <a:pPr algn="ctr"/>
+            <a:endParaRPr lang="zh-CN" altLang="en-US"/>
+          </a:p>
+        </p:txBody>
+      </p:sp>
+      <p:pic>
+        <p:nvPicPr>
+          <p:cNvPr id="4" name="图片 3"/>
+          <p:cNvPicPr>
+            <a:picLocks noChangeAspect="1"/>
+          </p:cNvPicPr>
+          <p:nvPr/>
+        </p:nvPicPr>
+        <p:blipFill>
+          <a:blip r:embed="rId3"/>
+          <a:stretch>
+            <a:fillRect/>
+          </a:stretch>
+        </p:blipFill>
+        <p:spPr>
+          <a:xfrm>
+            <a:off x="5375516" y="2101737"/>
+            <a:ext cx="3246013" cy="1687303"/>
+          </a:xfrm>
+          <a:prstGeom prst="rect">
+            <a:avLst/>
+          </a:prstGeom>
+        </p:spPr>
+      </p:pic>
     </p:spTree>
     <p:extLst>
       <p:ext uri="{BB962C8B-B14F-4D97-AF65-F5344CB8AC3E}">
@@ -5028,6 +5393,13 @@
   <p:clrMapOvr>
     <a:masterClrMapping/>
   </p:clrMapOvr>
+  <p:timing>
+    <p:tnLst>
+      <p:par>
+        <p:cTn id="1" dur="indefinite" restart="never" nodeType="tmRoot"/>
+      </p:par>
+    </p:tnLst>
+  </p:timing>
 </p:sld>
 </file>
 
@@ -5048,16 +5420,2722 @@
           <a:chExt cx="0" cy="0"/>
         </a:xfrm>
       </p:grpSpPr>
+      <p:sp>
+        <p:nvSpPr>
+          <p:cNvPr id="3" name="圆角矩形 2"/>
+          <p:cNvSpPr/>
+          <p:nvPr/>
+        </p:nvSpPr>
+        <p:spPr>
+          <a:xfrm>
+            <a:off x="2628655" y="1556790"/>
+            <a:ext cx="995517" cy="247713"/>
+          </a:xfrm>
+          <a:prstGeom prst="roundRect">
+            <a:avLst/>
+          </a:prstGeom>
+          <a:noFill/>
+          <a:ln w="12700">
+            <a:solidFill>
+              <a:schemeClr val="bg1">
+                <a:lumMod val="85000"/>
+              </a:schemeClr>
+            </a:solidFill>
+          </a:ln>
+        </p:spPr>
+        <p:style>
+          <a:lnRef idx="2">
+            <a:schemeClr val="accent1">
+              <a:shade val="50000"/>
+            </a:schemeClr>
+          </a:lnRef>
+          <a:fillRef idx="1">
+            <a:schemeClr val="accent1"/>
+          </a:fillRef>
+          <a:effectRef idx="0">
+            <a:schemeClr val="accent1"/>
+          </a:effectRef>
+          <a:fontRef idx="minor">
+            <a:schemeClr val="lt1"/>
+          </a:fontRef>
+        </p:style>
+        <p:txBody>
+          <a:bodyPr rtlCol="0" anchor="ctr"/>
+          <a:lstStyle/>
+          <a:p>
+            <a:pPr algn="ctr"/>
+            <a:r>
+              <a:rPr lang="zh-CN" altLang="en-US" sz="1050" dirty="0" smtClean="0">
+                <a:solidFill>
+                  <a:schemeClr val="tx1"/>
+                </a:solidFill>
+                <a:latin typeface="微软雅黑" pitchFamily="34" charset="-122"/>
+                <a:ea typeface="微软雅黑" pitchFamily="34" charset="-122"/>
+              </a:rPr>
+              <a:t>图像输入</a:t>
+            </a:r>
+            <a:endParaRPr lang="zh-CN" altLang="en-US" sz="1050" dirty="0">
+              <a:solidFill>
+                <a:schemeClr val="tx1"/>
+              </a:solidFill>
+              <a:latin typeface="微软雅黑" pitchFamily="34" charset="-122"/>
+              <a:ea typeface="微软雅黑" pitchFamily="34" charset="-122"/>
+            </a:endParaRPr>
+          </a:p>
+        </p:txBody>
+      </p:sp>
+      <p:sp>
+        <p:nvSpPr>
+          <p:cNvPr id="4" name="下箭头 3"/>
+          <p:cNvSpPr/>
+          <p:nvPr/>
+        </p:nvSpPr>
+        <p:spPr>
+          <a:xfrm>
+            <a:off x="3013134" y="1889177"/>
+            <a:ext cx="137718" cy="144016"/>
+          </a:xfrm>
+          <a:prstGeom prst="downArrow">
+            <a:avLst/>
+          </a:prstGeom>
+          <a:noFill/>
+          <a:ln w="12700">
+            <a:solidFill>
+              <a:schemeClr val="bg1">
+                <a:lumMod val="50000"/>
+              </a:schemeClr>
+            </a:solidFill>
+          </a:ln>
+        </p:spPr>
+        <p:style>
+          <a:lnRef idx="2">
+            <a:schemeClr val="accent1">
+              <a:shade val="50000"/>
+            </a:schemeClr>
+          </a:lnRef>
+          <a:fillRef idx="1">
+            <a:schemeClr val="accent1"/>
+          </a:fillRef>
+          <a:effectRef idx="0">
+            <a:schemeClr val="accent1"/>
+          </a:effectRef>
+          <a:fontRef idx="minor">
+            <a:schemeClr val="lt1"/>
+          </a:fontRef>
+        </p:style>
+        <p:txBody>
+          <a:bodyPr rtlCol="0" anchor="ctr"/>
+          <a:lstStyle/>
+          <a:p>
+            <a:pPr algn="ctr"/>
+            <a:endParaRPr lang="zh-CN" altLang="en-US" sz="1050">
+              <a:latin typeface="微软雅黑" pitchFamily="34" charset="-122"/>
+              <a:ea typeface="微软雅黑" pitchFamily="34" charset="-122"/>
+            </a:endParaRPr>
+          </a:p>
+        </p:txBody>
+      </p:sp>
+      <p:sp>
+        <p:nvSpPr>
+          <p:cNvPr id="5" name="圆角矩形 4"/>
+          <p:cNvSpPr/>
+          <p:nvPr/>
+        </p:nvSpPr>
+        <p:spPr>
+          <a:xfrm>
+            <a:off x="2139591" y="2112696"/>
+            <a:ext cx="1884804" cy="864096"/>
+          </a:xfrm>
+          <a:prstGeom prst="roundRect">
+            <a:avLst>
+              <a:gd name="adj" fmla="val 2579"/>
+            </a:avLst>
+          </a:prstGeom>
+          <a:noFill/>
+          <a:ln w="12700">
+            <a:solidFill>
+              <a:schemeClr val="bg1">
+                <a:lumMod val="85000"/>
+              </a:schemeClr>
+            </a:solidFill>
+          </a:ln>
+        </p:spPr>
+        <p:style>
+          <a:lnRef idx="2">
+            <a:schemeClr val="accent1">
+              <a:shade val="50000"/>
+            </a:schemeClr>
+          </a:lnRef>
+          <a:fillRef idx="1">
+            <a:schemeClr val="accent1"/>
+          </a:fillRef>
+          <a:effectRef idx="0">
+            <a:schemeClr val="accent1"/>
+          </a:effectRef>
+          <a:fontRef idx="minor">
+            <a:schemeClr val="lt1"/>
+          </a:fontRef>
+        </p:style>
+        <p:txBody>
+          <a:bodyPr rtlCol="0" anchor="ctr"/>
+          <a:lstStyle/>
+          <a:p>
+            <a:pPr algn="ctr">
+              <a:lnSpc>
+                <a:spcPct val="150000"/>
+              </a:lnSpc>
+            </a:pPr>
+            <a:r>
+              <a:rPr lang="zh-CN" altLang="en-US" sz="1050" dirty="0" smtClean="0">
+                <a:solidFill>
+                  <a:schemeClr val="tx1"/>
+                </a:solidFill>
+                <a:latin typeface="微软雅黑" pitchFamily="34" charset="-122"/>
+                <a:ea typeface="微软雅黑" pitchFamily="34" charset="-122"/>
+              </a:rPr>
+              <a:t>图像处理</a:t>
+            </a:r>
+            <a:endParaRPr lang="en-US" altLang="zh-CN" sz="1050" dirty="0" smtClean="0">
+              <a:solidFill>
+                <a:schemeClr val="tx1"/>
+              </a:solidFill>
+              <a:latin typeface="微软雅黑" pitchFamily="34" charset="-122"/>
+              <a:ea typeface="微软雅黑" pitchFamily="34" charset="-122"/>
+            </a:endParaRPr>
+          </a:p>
+          <a:p>
+            <a:pPr algn="ctr">
+              <a:lnSpc>
+                <a:spcPct val="150000"/>
+              </a:lnSpc>
+            </a:pPr>
+            <a:r>
+              <a:rPr lang="en-US" altLang="zh-CN" sz="1050" dirty="0" smtClean="0">
+                <a:solidFill>
+                  <a:schemeClr val="tx1"/>
+                </a:solidFill>
+                <a:latin typeface="微软雅黑" pitchFamily="34" charset="-122"/>
+                <a:ea typeface="微软雅黑" pitchFamily="34" charset="-122"/>
+              </a:rPr>
+              <a:t>[ </a:t>
+            </a:r>
+            <a:r>
+              <a:rPr lang="en-US" altLang="zh-CN" sz="1050" dirty="0" err="1" smtClean="0">
+                <a:solidFill>
+                  <a:schemeClr val="tx1"/>
+                </a:solidFill>
+                <a:latin typeface="微软雅黑" pitchFamily="34" charset="-122"/>
+                <a:ea typeface="微软雅黑" pitchFamily="34" charset="-122"/>
+              </a:rPr>
+              <a:t>OpenCV</a:t>
+            </a:r>
+            <a:r>
+              <a:rPr lang="en-US" altLang="zh-CN" sz="1050" dirty="0" smtClean="0">
+                <a:solidFill>
+                  <a:schemeClr val="tx1"/>
+                </a:solidFill>
+                <a:latin typeface="微软雅黑" pitchFamily="34" charset="-122"/>
+                <a:ea typeface="微软雅黑" pitchFamily="34" charset="-122"/>
+              </a:rPr>
+              <a:t> or </a:t>
+            </a:r>
+            <a:r>
+              <a:rPr lang="en-US" altLang="zh-CN" sz="1050" dirty="0" err="1" smtClean="0">
+                <a:solidFill>
+                  <a:schemeClr val="tx1"/>
+                </a:solidFill>
+                <a:latin typeface="微软雅黑" pitchFamily="34" charset="-122"/>
+                <a:ea typeface="微软雅黑" pitchFamily="34" charset="-122"/>
+              </a:rPr>
+              <a:t>Halcon</a:t>
+            </a:r>
+            <a:r>
+              <a:rPr lang="en-US" altLang="zh-CN" sz="1050" dirty="0" smtClean="0">
+                <a:solidFill>
+                  <a:schemeClr val="tx1"/>
+                </a:solidFill>
+                <a:latin typeface="微软雅黑" pitchFamily="34" charset="-122"/>
+                <a:ea typeface="微软雅黑" pitchFamily="34" charset="-122"/>
+              </a:rPr>
+              <a:t> ]</a:t>
+            </a:r>
+            <a:endParaRPr lang="zh-CN" altLang="en-US" sz="1050" dirty="0">
+              <a:solidFill>
+                <a:schemeClr val="tx1"/>
+              </a:solidFill>
+              <a:latin typeface="微软雅黑" pitchFamily="34" charset="-122"/>
+              <a:ea typeface="微软雅黑" pitchFamily="34" charset="-122"/>
+            </a:endParaRPr>
+          </a:p>
+        </p:txBody>
+      </p:sp>
+      <p:sp>
+        <p:nvSpPr>
+          <p:cNvPr id="6" name="圆角矩形 5"/>
+          <p:cNvSpPr/>
+          <p:nvPr/>
+        </p:nvSpPr>
+        <p:spPr>
+          <a:xfrm>
+            <a:off x="2139592" y="3308991"/>
+            <a:ext cx="1884803" cy="247713"/>
+          </a:xfrm>
+          <a:prstGeom prst="roundRect">
+            <a:avLst>
+              <a:gd name="adj" fmla="val 4564"/>
+            </a:avLst>
+          </a:prstGeom>
+          <a:noFill/>
+          <a:ln w="12700">
+            <a:solidFill>
+              <a:schemeClr val="bg1">
+                <a:lumMod val="85000"/>
+              </a:schemeClr>
+            </a:solidFill>
+          </a:ln>
+        </p:spPr>
+        <p:style>
+          <a:lnRef idx="2">
+            <a:schemeClr val="accent1">
+              <a:shade val="50000"/>
+            </a:schemeClr>
+          </a:lnRef>
+          <a:fillRef idx="1">
+            <a:schemeClr val="accent1"/>
+          </a:fillRef>
+          <a:effectRef idx="0">
+            <a:schemeClr val="accent1"/>
+          </a:effectRef>
+          <a:fontRef idx="minor">
+            <a:schemeClr val="lt1"/>
+          </a:fontRef>
+        </p:style>
+        <p:txBody>
+          <a:bodyPr rtlCol="0" anchor="ctr"/>
+          <a:lstStyle/>
+          <a:p>
+            <a:pPr algn="ctr"/>
+            <a:r>
+              <a:rPr lang="zh-CN" altLang="en-US" sz="1050" dirty="0" smtClean="0">
+                <a:solidFill>
+                  <a:schemeClr val="tx1"/>
+                </a:solidFill>
+                <a:latin typeface="微软雅黑" pitchFamily="34" charset="-122"/>
+                <a:ea typeface="微软雅黑" pitchFamily="34" charset="-122"/>
+              </a:rPr>
+              <a:t>图像输出</a:t>
+            </a:r>
+            <a:endParaRPr lang="zh-CN" altLang="en-US" sz="1050" dirty="0">
+              <a:solidFill>
+                <a:schemeClr val="tx1"/>
+              </a:solidFill>
+              <a:latin typeface="微软雅黑" pitchFamily="34" charset="-122"/>
+              <a:ea typeface="微软雅黑" pitchFamily="34" charset="-122"/>
+            </a:endParaRPr>
+          </a:p>
+        </p:txBody>
+      </p:sp>
+      <p:sp>
+        <p:nvSpPr>
+          <p:cNvPr id="7" name="下箭头 6"/>
+          <p:cNvSpPr/>
+          <p:nvPr/>
+        </p:nvSpPr>
+        <p:spPr>
+          <a:xfrm>
+            <a:off x="3013134" y="3054207"/>
+            <a:ext cx="137718" cy="144016"/>
+          </a:xfrm>
+          <a:prstGeom prst="downArrow">
+            <a:avLst/>
+          </a:prstGeom>
+          <a:noFill/>
+          <a:ln w="12700">
+            <a:solidFill>
+              <a:schemeClr val="bg1">
+                <a:lumMod val="50000"/>
+              </a:schemeClr>
+            </a:solidFill>
+          </a:ln>
+        </p:spPr>
+        <p:style>
+          <a:lnRef idx="2">
+            <a:schemeClr val="accent1">
+              <a:shade val="50000"/>
+            </a:schemeClr>
+          </a:lnRef>
+          <a:fillRef idx="1">
+            <a:schemeClr val="accent1"/>
+          </a:fillRef>
+          <a:effectRef idx="0">
+            <a:schemeClr val="accent1"/>
+          </a:effectRef>
+          <a:fontRef idx="minor">
+            <a:schemeClr val="lt1"/>
+          </a:fontRef>
+        </p:style>
+        <p:txBody>
+          <a:bodyPr rtlCol="0" anchor="ctr"/>
+          <a:lstStyle/>
+          <a:p>
+            <a:pPr algn="ctr"/>
+            <a:endParaRPr lang="zh-CN" altLang="en-US" sz="1050">
+              <a:latin typeface="微软雅黑" pitchFamily="34" charset="-122"/>
+              <a:ea typeface="微软雅黑" pitchFamily="34" charset="-122"/>
+            </a:endParaRPr>
+          </a:p>
+        </p:txBody>
+      </p:sp>
+      <p:sp>
+        <p:nvSpPr>
+          <p:cNvPr id="8" name="下箭头 7"/>
+          <p:cNvSpPr/>
+          <p:nvPr/>
+        </p:nvSpPr>
+        <p:spPr>
+          <a:xfrm rot="2166857">
+            <a:off x="2196607" y="3696872"/>
+            <a:ext cx="137718" cy="144016"/>
+          </a:xfrm>
+          <a:prstGeom prst="downArrow">
+            <a:avLst/>
+          </a:prstGeom>
+          <a:noFill/>
+          <a:ln w="12700">
+            <a:solidFill>
+              <a:schemeClr val="bg1">
+                <a:lumMod val="50000"/>
+              </a:schemeClr>
+            </a:solidFill>
+          </a:ln>
+        </p:spPr>
+        <p:style>
+          <a:lnRef idx="2">
+            <a:schemeClr val="accent1">
+              <a:shade val="50000"/>
+            </a:schemeClr>
+          </a:lnRef>
+          <a:fillRef idx="1">
+            <a:schemeClr val="accent1"/>
+          </a:fillRef>
+          <a:effectRef idx="0">
+            <a:schemeClr val="accent1"/>
+          </a:effectRef>
+          <a:fontRef idx="minor">
+            <a:schemeClr val="lt1"/>
+          </a:fontRef>
+        </p:style>
+        <p:txBody>
+          <a:bodyPr rtlCol="0" anchor="ctr"/>
+          <a:lstStyle/>
+          <a:p>
+            <a:pPr algn="ctr"/>
+            <a:endParaRPr lang="zh-CN" altLang="en-US" sz="1050">
+              <a:latin typeface="微软雅黑" pitchFamily="34" charset="-122"/>
+              <a:ea typeface="微软雅黑" pitchFamily="34" charset="-122"/>
+            </a:endParaRPr>
+          </a:p>
+        </p:txBody>
+      </p:sp>
+      <p:sp>
+        <p:nvSpPr>
+          <p:cNvPr id="10" name="圆角矩形 9"/>
+          <p:cNvSpPr/>
+          <p:nvPr/>
+        </p:nvSpPr>
+        <p:spPr>
+          <a:xfrm>
+            <a:off x="1767707" y="3912896"/>
+            <a:ext cx="995517" cy="247713"/>
+          </a:xfrm>
+          <a:prstGeom prst="roundRect">
+            <a:avLst/>
+          </a:prstGeom>
+          <a:noFill/>
+          <a:ln w="12700">
+            <a:solidFill>
+              <a:schemeClr val="bg1">
+                <a:lumMod val="85000"/>
+              </a:schemeClr>
+            </a:solidFill>
+          </a:ln>
+        </p:spPr>
+        <p:style>
+          <a:lnRef idx="2">
+            <a:schemeClr val="accent1">
+              <a:shade val="50000"/>
+            </a:schemeClr>
+          </a:lnRef>
+          <a:fillRef idx="1">
+            <a:schemeClr val="accent1"/>
+          </a:fillRef>
+          <a:effectRef idx="0">
+            <a:schemeClr val="accent1"/>
+          </a:effectRef>
+          <a:fontRef idx="minor">
+            <a:schemeClr val="lt1"/>
+          </a:fontRef>
+        </p:style>
+        <p:txBody>
+          <a:bodyPr rtlCol="0" anchor="ctr"/>
+          <a:lstStyle/>
+          <a:p>
+            <a:pPr algn="ctr"/>
+            <a:r>
+              <a:rPr lang="zh-CN" altLang="en-US" sz="1050" dirty="0" smtClean="0">
+                <a:solidFill>
+                  <a:schemeClr val="tx1"/>
+                </a:solidFill>
+                <a:latin typeface="微软雅黑" pitchFamily="34" charset="-122"/>
+                <a:ea typeface="微软雅黑" pitchFamily="34" charset="-122"/>
+              </a:rPr>
+              <a:t>保存本地</a:t>
+            </a:r>
+            <a:endParaRPr lang="zh-CN" altLang="en-US" sz="1050" dirty="0">
+              <a:solidFill>
+                <a:schemeClr val="tx1"/>
+              </a:solidFill>
+              <a:latin typeface="微软雅黑" pitchFamily="34" charset="-122"/>
+              <a:ea typeface="微软雅黑" pitchFamily="34" charset="-122"/>
+            </a:endParaRPr>
+          </a:p>
+        </p:txBody>
+      </p:sp>
+      <p:sp>
+        <p:nvSpPr>
+          <p:cNvPr id="11" name="圆角矩形 10"/>
+          <p:cNvSpPr/>
+          <p:nvPr/>
+        </p:nvSpPr>
+        <p:spPr>
+          <a:xfrm>
+            <a:off x="1128330" y="4560968"/>
+            <a:ext cx="1884804" cy="864096"/>
+          </a:xfrm>
+          <a:prstGeom prst="roundRect">
+            <a:avLst>
+              <a:gd name="adj" fmla="val 2579"/>
+            </a:avLst>
+          </a:prstGeom>
+          <a:noFill/>
+          <a:ln w="12700">
+            <a:solidFill>
+              <a:schemeClr val="bg1">
+                <a:lumMod val="85000"/>
+              </a:schemeClr>
+            </a:solidFill>
+          </a:ln>
+        </p:spPr>
+        <p:style>
+          <a:lnRef idx="2">
+            <a:schemeClr val="accent1">
+              <a:shade val="50000"/>
+            </a:schemeClr>
+          </a:lnRef>
+          <a:fillRef idx="1">
+            <a:schemeClr val="accent1"/>
+          </a:fillRef>
+          <a:effectRef idx="0">
+            <a:schemeClr val="accent1"/>
+          </a:effectRef>
+          <a:fontRef idx="minor">
+            <a:schemeClr val="lt1"/>
+          </a:fontRef>
+        </p:style>
+        <p:txBody>
+          <a:bodyPr rtlCol="0" anchor="ctr"/>
+          <a:lstStyle/>
+          <a:p>
+            <a:pPr algn="ctr">
+              <a:lnSpc>
+                <a:spcPct val="150000"/>
+              </a:lnSpc>
+            </a:pPr>
+            <a:r>
+              <a:rPr lang="en-US" altLang="zh-CN" sz="1050" dirty="0" smtClean="0">
+                <a:solidFill>
+                  <a:schemeClr val="tx1"/>
+                </a:solidFill>
+                <a:latin typeface="微软雅黑" pitchFamily="34" charset="-122"/>
+                <a:ea typeface="微软雅黑" pitchFamily="34" charset="-122"/>
+              </a:rPr>
+              <a:t>GPU + </a:t>
+            </a:r>
+            <a:r>
+              <a:rPr lang="en-US" altLang="zh-CN" sz="1050" dirty="0" err="1" smtClean="0">
+                <a:solidFill>
+                  <a:schemeClr val="tx1"/>
+                </a:solidFill>
+                <a:latin typeface="微软雅黑" pitchFamily="34" charset="-122"/>
+                <a:ea typeface="微软雅黑" pitchFamily="34" charset="-122"/>
+              </a:rPr>
+              <a:t>TensorFlow</a:t>
+            </a:r>
+            <a:endParaRPr lang="en-US" altLang="zh-CN" sz="1050" dirty="0" smtClean="0">
+              <a:solidFill>
+                <a:schemeClr val="tx1"/>
+              </a:solidFill>
+              <a:latin typeface="微软雅黑" pitchFamily="34" charset="-122"/>
+              <a:ea typeface="微软雅黑" pitchFamily="34" charset="-122"/>
+            </a:endParaRPr>
+          </a:p>
+          <a:p>
+            <a:pPr algn="ctr">
+              <a:lnSpc>
+                <a:spcPct val="150000"/>
+              </a:lnSpc>
+            </a:pPr>
+            <a:r>
+              <a:rPr lang="en-US" altLang="zh-CN" sz="1050" dirty="0" smtClean="0">
+                <a:solidFill>
+                  <a:schemeClr val="tx1"/>
+                </a:solidFill>
+                <a:latin typeface="微软雅黑" pitchFamily="34" charset="-122"/>
+                <a:ea typeface="微软雅黑" pitchFamily="34" charset="-122"/>
+              </a:rPr>
+              <a:t>[ </a:t>
+            </a:r>
+            <a:r>
+              <a:rPr lang="zh-CN" altLang="en-US" sz="1050" dirty="0" smtClean="0">
+                <a:solidFill>
+                  <a:schemeClr val="tx1"/>
+                </a:solidFill>
+                <a:latin typeface="微软雅黑" pitchFamily="34" charset="-122"/>
+                <a:ea typeface="微软雅黑" pitchFamily="34" charset="-122"/>
+              </a:rPr>
+              <a:t>训练 </a:t>
+            </a:r>
+            <a:r>
+              <a:rPr lang="en-US" altLang="zh-CN" sz="1050" dirty="0" smtClean="0">
+                <a:solidFill>
+                  <a:schemeClr val="tx1"/>
+                </a:solidFill>
+                <a:latin typeface="微软雅黑" pitchFamily="34" charset="-122"/>
+                <a:ea typeface="微软雅黑" pitchFamily="34" charset="-122"/>
+              </a:rPr>
+              <a:t>]</a:t>
+            </a:r>
+            <a:endParaRPr lang="zh-CN" altLang="en-US" sz="1050" dirty="0">
+              <a:solidFill>
+                <a:schemeClr val="tx1"/>
+              </a:solidFill>
+              <a:latin typeface="微软雅黑" pitchFamily="34" charset="-122"/>
+              <a:ea typeface="微软雅黑" pitchFamily="34" charset="-122"/>
+            </a:endParaRPr>
+          </a:p>
+        </p:txBody>
+      </p:sp>
+      <p:sp>
+        <p:nvSpPr>
+          <p:cNvPr id="12" name="下箭头 11"/>
+          <p:cNvSpPr/>
+          <p:nvPr/>
+        </p:nvSpPr>
+        <p:spPr>
+          <a:xfrm>
+            <a:off x="2070733" y="4293096"/>
+            <a:ext cx="137718" cy="144016"/>
+          </a:xfrm>
+          <a:prstGeom prst="downArrow">
+            <a:avLst/>
+          </a:prstGeom>
+          <a:noFill/>
+          <a:ln w="12700">
+            <a:solidFill>
+              <a:schemeClr val="bg1">
+                <a:lumMod val="50000"/>
+              </a:schemeClr>
+            </a:solidFill>
+          </a:ln>
+        </p:spPr>
+        <p:style>
+          <a:lnRef idx="2">
+            <a:schemeClr val="accent1">
+              <a:shade val="50000"/>
+            </a:schemeClr>
+          </a:lnRef>
+          <a:fillRef idx="1">
+            <a:schemeClr val="accent1"/>
+          </a:fillRef>
+          <a:effectRef idx="0">
+            <a:schemeClr val="accent1"/>
+          </a:effectRef>
+          <a:fontRef idx="minor">
+            <a:schemeClr val="lt1"/>
+          </a:fontRef>
+        </p:style>
+        <p:txBody>
+          <a:bodyPr rtlCol="0" anchor="ctr"/>
+          <a:lstStyle/>
+          <a:p>
+            <a:pPr algn="ctr"/>
+            <a:endParaRPr lang="zh-CN" altLang="en-US" sz="1050">
+              <a:latin typeface="微软雅黑" pitchFamily="34" charset="-122"/>
+              <a:ea typeface="微软雅黑" pitchFamily="34" charset="-122"/>
+            </a:endParaRPr>
+          </a:p>
+        </p:txBody>
+      </p:sp>
+      <p:sp>
+        <p:nvSpPr>
+          <p:cNvPr id="13" name="下箭头 12"/>
+          <p:cNvSpPr/>
+          <p:nvPr/>
+        </p:nvSpPr>
+        <p:spPr>
+          <a:xfrm rot="19433143" flipH="1">
+            <a:off x="3857467" y="3696872"/>
+            <a:ext cx="137718" cy="144016"/>
+          </a:xfrm>
+          <a:prstGeom prst="downArrow">
+            <a:avLst/>
+          </a:prstGeom>
+          <a:noFill/>
+          <a:ln w="12700">
+            <a:solidFill>
+              <a:schemeClr val="bg1">
+                <a:lumMod val="50000"/>
+              </a:schemeClr>
+            </a:solidFill>
+          </a:ln>
+        </p:spPr>
+        <p:style>
+          <a:lnRef idx="2">
+            <a:schemeClr val="accent1">
+              <a:shade val="50000"/>
+            </a:schemeClr>
+          </a:lnRef>
+          <a:fillRef idx="1">
+            <a:schemeClr val="accent1"/>
+          </a:fillRef>
+          <a:effectRef idx="0">
+            <a:schemeClr val="accent1"/>
+          </a:effectRef>
+          <a:fontRef idx="minor">
+            <a:schemeClr val="lt1"/>
+          </a:fontRef>
+        </p:style>
+        <p:txBody>
+          <a:bodyPr rtlCol="0" anchor="ctr"/>
+          <a:lstStyle/>
+          <a:p>
+            <a:pPr algn="ctr"/>
+            <a:endParaRPr lang="zh-CN" altLang="en-US" sz="1050">
+              <a:latin typeface="微软雅黑" pitchFamily="34" charset="-122"/>
+              <a:ea typeface="微软雅黑" pitchFamily="34" charset="-122"/>
+            </a:endParaRPr>
+          </a:p>
+        </p:txBody>
+      </p:sp>
+      <p:sp>
+        <p:nvSpPr>
+          <p:cNvPr id="14" name="下箭头 13"/>
+          <p:cNvSpPr/>
+          <p:nvPr/>
+        </p:nvSpPr>
+        <p:spPr>
+          <a:xfrm>
+            <a:off x="1904555" y="5517232"/>
+            <a:ext cx="137718" cy="144016"/>
+          </a:xfrm>
+          <a:prstGeom prst="downArrow">
+            <a:avLst/>
+          </a:prstGeom>
+          <a:noFill/>
+          <a:ln w="12700">
+            <a:solidFill>
+              <a:schemeClr val="bg1">
+                <a:lumMod val="50000"/>
+              </a:schemeClr>
+            </a:solidFill>
+          </a:ln>
+        </p:spPr>
+        <p:style>
+          <a:lnRef idx="2">
+            <a:schemeClr val="accent1">
+              <a:shade val="50000"/>
+            </a:schemeClr>
+          </a:lnRef>
+          <a:fillRef idx="1">
+            <a:schemeClr val="accent1"/>
+          </a:fillRef>
+          <a:effectRef idx="0">
+            <a:schemeClr val="accent1"/>
+          </a:effectRef>
+          <a:fontRef idx="minor">
+            <a:schemeClr val="lt1"/>
+          </a:fontRef>
+        </p:style>
+        <p:txBody>
+          <a:bodyPr rtlCol="0" anchor="ctr"/>
+          <a:lstStyle/>
+          <a:p>
+            <a:pPr algn="ctr"/>
+            <a:endParaRPr lang="zh-CN" altLang="en-US" sz="1050">
+              <a:latin typeface="微软雅黑" pitchFamily="34" charset="-122"/>
+              <a:ea typeface="微软雅黑" pitchFamily="34" charset="-122"/>
+            </a:endParaRPr>
+          </a:p>
+        </p:txBody>
+      </p:sp>
+      <p:sp>
+        <p:nvSpPr>
+          <p:cNvPr id="15" name="圆角矩形 14"/>
+          <p:cNvSpPr/>
+          <p:nvPr/>
+        </p:nvSpPr>
+        <p:spPr>
+          <a:xfrm>
+            <a:off x="3624172" y="3912896"/>
+            <a:ext cx="995517" cy="247713"/>
+          </a:xfrm>
+          <a:prstGeom prst="roundRect">
+            <a:avLst/>
+          </a:prstGeom>
+          <a:noFill/>
+          <a:ln w="12700">
+            <a:solidFill>
+              <a:schemeClr val="bg1">
+                <a:lumMod val="85000"/>
+              </a:schemeClr>
+            </a:solidFill>
+          </a:ln>
+        </p:spPr>
+        <p:style>
+          <a:lnRef idx="2">
+            <a:schemeClr val="accent1">
+              <a:shade val="50000"/>
+            </a:schemeClr>
+          </a:lnRef>
+          <a:fillRef idx="1">
+            <a:schemeClr val="accent1"/>
+          </a:fillRef>
+          <a:effectRef idx="0">
+            <a:schemeClr val="accent1"/>
+          </a:effectRef>
+          <a:fontRef idx="minor">
+            <a:schemeClr val="lt1"/>
+          </a:fontRef>
+        </p:style>
+        <p:txBody>
+          <a:bodyPr rtlCol="0" anchor="ctr"/>
+          <a:lstStyle/>
+          <a:p>
+            <a:pPr algn="ctr"/>
+            <a:r>
+              <a:rPr lang="zh-CN" altLang="en-US" sz="1050" dirty="0" smtClean="0">
+                <a:solidFill>
+                  <a:schemeClr val="tx1"/>
+                </a:solidFill>
+                <a:latin typeface="微软雅黑" pitchFamily="34" charset="-122"/>
+                <a:ea typeface="微软雅黑" pitchFamily="34" charset="-122"/>
+              </a:rPr>
+              <a:t>保存至变量</a:t>
+            </a:r>
+            <a:endParaRPr lang="zh-CN" altLang="en-US" sz="1050" dirty="0">
+              <a:solidFill>
+                <a:schemeClr val="tx1"/>
+              </a:solidFill>
+              <a:latin typeface="微软雅黑" pitchFamily="34" charset="-122"/>
+              <a:ea typeface="微软雅黑" pitchFamily="34" charset="-122"/>
+            </a:endParaRPr>
+          </a:p>
+        </p:txBody>
+      </p:sp>
+      <p:sp>
+        <p:nvSpPr>
+          <p:cNvPr id="16" name="圆角矩形 15"/>
+          <p:cNvSpPr/>
+          <p:nvPr/>
+        </p:nvSpPr>
+        <p:spPr>
+          <a:xfrm>
+            <a:off x="3347864" y="4560968"/>
+            <a:ext cx="2016224" cy="864096"/>
+          </a:xfrm>
+          <a:prstGeom prst="roundRect">
+            <a:avLst>
+              <a:gd name="adj" fmla="val 2579"/>
+            </a:avLst>
+          </a:prstGeom>
+          <a:noFill/>
+          <a:ln w="12700">
+            <a:solidFill>
+              <a:schemeClr val="bg1">
+                <a:lumMod val="85000"/>
+              </a:schemeClr>
+            </a:solidFill>
+          </a:ln>
+        </p:spPr>
+        <p:style>
+          <a:lnRef idx="2">
+            <a:schemeClr val="accent1">
+              <a:shade val="50000"/>
+            </a:schemeClr>
+          </a:lnRef>
+          <a:fillRef idx="1">
+            <a:schemeClr val="accent1"/>
+          </a:fillRef>
+          <a:effectRef idx="0">
+            <a:schemeClr val="accent1"/>
+          </a:effectRef>
+          <a:fontRef idx="minor">
+            <a:schemeClr val="lt1"/>
+          </a:fontRef>
+        </p:style>
+        <p:txBody>
+          <a:bodyPr rtlCol="0" anchor="ctr"/>
+          <a:lstStyle/>
+          <a:p>
+            <a:pPr algn="ctr">
+              <a:lnSpc>
+                <a:spcPct val="150000"/>
+              </a:lnSpc>
+            </a:pPr>
+            <a:r>
+              <a:rPr lang="en-US" altLang="zh-CN" sz="1050" dirty="0" smtClean="0">
+                <a:solidFill>
+                  <a:schemeClr val="tx1"/>
+                </a:solidFill>
+                <a:latin typeface="微软雅黑" pitchFamily="34" charset="-122"/>
+                <a:ea typeface="微软雅黑" pitchFamily="34" charset="-122"/>
+              </a:rPr>
+              <a:t>CPU or GPU + </a:t>
+            </a:r>
+            <a:r>
+              <a:rPr lang="en-US" altLang="zh-CN" sz="1050" dirty="0" err="1" smtClean="0">
+                <a:solidFill>
+                  <a:schemeClr val="tx1"/>
+                </a:solidFill>
+                <a:latin typeface="微软雅黑" pitchFamily="34" charset="-122"/>
+                <a:ea typeface="微软雅黑" pitchFamily="34" charset="-122"/>
+              </a:rPr>
+              <a:t>TensorFlow</a:t>
+            </a:r>
+            <a:endParaRPr lang="en-US" altLang="zh-CN" sz="1050" dirty="0" smtClean="0">
+              <a:solidFill>
+                <a:schemeClr val="tx1"/>
+              </a:solidFill>
+              <a:latin typeface="微软雅黑" pitchFamily="34" charset="-122"/>
+              <a:ea typeface="微软雅黑" pitchFamily="34" charset="-122"/>
+            </a:endParaRPr>
+          </a:p>
+          <a:p>
+            <a:pPr algn="ctr">
+              <a:lnSpc>
+                <a:spcPct val="150000"/>
+              </a:lnSpc>
+            </a:pPr>
+            <a:r>
+              <a:rPr lang="en-US" altLang="zh-CN" sz="1050" dirty="0" smtClean="0">
+                <a:solidFill>
+                  <a:schemeClr val="tx1"/>
+                </a:solidFill>
+                <a:latin typeface="微软雅黑" pitchFamily="34" charset="-122"/>
+                <a:ea typeface="微软雅黑" pitchFamily="34" charset="-122"/>
+              </a:rPr>
+              <a:t>[ </a:t>
+            </a:r>
+            <a:r>
+              <a:rPr lang="zh-CN" altLang="en-US" sz="1050" dirty="0" smtClean="0">
+                <a:solidFill>
+                  <a:schemeClr val="tx1"/>
+                </a:solidFill>
+                <a:latin typeface="微软雅黑" pitchFamily="34" charset="-122"/>
+                <a:ea typeface="微软雅黑" pitchFamily="34" charset="-122"/>
+              </a:rPr>
+              <a:t>预测 </a:t>
+            </a:r>
+            <a:r>
+              <a:rPr lang="en-US" altLang="zh-CN" sz="1050" dirty="0" smtClean="0">
+                <a:solidFill>
+                  <a:schemeClr val="tx1"/>
+                </a:solidFill>
+                <a:latin typeface="微软雅黑" pitchFamily="34" charset="-122"/>
+                <a:ea typeface="微软雅黑" pitchFamily="34" charset="-122"/>
+              </a:rPr>
+              <a:t>]</a:t>
+            </a:r>
+            <a:endParaRPr lang="zh-CN" altLang="en-US" sz="1050" dirty="0">
+              <a:solidFill>
+                <a:schemeClr val="tx1"/>
+              </a:solidFill>
+              <a:latin typeface="微软雅黑" pitchFamily="34" charset="-122"/>
+              <a:ea typeface="微软雅黑" pitchFamily="34" charset="-122"/>
+            </a:endParaRPr>
+          </a:p>
+        </p:txBody>
+      </p:sp>
+      <p:sp>
+        <p:nvSpPr>
+          <p:cNvPr id="17" name="下箭头 16"/>
+          <p:cNvSpPr/>
+          <p:nvPr/>
+        </p:nvSpPr>
+        <p:spPr>
+          <a:xfrm>
+            <a:off x="4053071" y="4293096"/>
+            <a:ext cx="137718" cy="144016"/>
+          </a:xfrm>
+          <a:prstGeom prst="downArrow">
+            <a:avLst/>
+          </a:prstGeom>
+          <a:noFill/>
+          <a:ln w="12700">
+            <a:solidFill>
+              <a:schemeClr val="bg1">
+                <a:lumMod val="50000"/>
+              </a:schemeClr>
+            </a:solidFill>
+          </a:ln>
+        </p:spPr>
+        <p:style>
+          <a:lnRef idx="2">
+            <a:schemeClr val="accent1">
+              <a:shade val="50000"/>
+            </a:schemeClr>
+          </a:lnRef>
+          <a:fillRef idx="1">
+            <a:schemeClr val="accent1"/>
+          </a:fillRef>
+          <a:effectRef idx="0">
+            <a:schemeClr val="accent1"/>
+          </a:effectRef>
+          <a:fontRef idx="minor">
+            <a:schemeClr val="lt1"/>
+          </a:fontRef>
+        </p:style>
+        <p:txBody>
+          <a:bodyPr rtlCol="0" anchor="ctr"/>
+          <a:lstStyle/>
+          <a:p>
+            <a:pPr algn="ctr"/>
+            <a:endParaRPr lang="zh-CN" altLang="en-US" sz="1050">
+              <a:latin typeface="微软雅黑" pitchFamily="34" charset="-122"/>
+              <a:ea typeface="微软雅黑" pitchFamily="34" charset="-122"/>
+            </a:endParaRPr>
+          </a:p>
+        </p:txBody>
+      </p:sp>
+      <p:sp>
+        <p:nvSpPr>
+          <p:cNvPr id="18" name="下箭头 17"/>
+          <p:cNvSpPr/>
+          <p:nvPr/>
+        </p:nvSpPr>
+        <p:spPr>
+          <a:xfrm>
+            <a:off x="2694365" y="1340768"/>
+            <a:ext cx="137718" cy="144016"/>
+          </a:xfrm>
+          <a:prstGeom prst="downArrow">
+            <a:avLst/>
+          </a:prstGeom>
+          <a:noFill/>
+          <a:ln w="12700">
+            <a:solidFill>
+              <a:schemeClr val="bg1">
+                <a:lumMod val="50000"/>
+              </a:schemeClr>
+            </a:solidFill>
+          </a:ln>
+        </p:spPr>
+        <p:style>
+          <a:lnRef idx="2">
+            <a:schemeClr val="accent1">
+              <a:shade val="50000"/>
+            </a:schemeClr>
+          </a:lnRef>
+          <a:fillRef idx="1">
+            <a:schemeClr val="accent1"/>
+          </a:fillRef>
+          <a:effectRef idx="0">
+            <a:schemeClr val="accent1"/>
+          </a:effectRef>
+          <a:fontRef idx="minor">
+            <a:schemeClr val="lt1"/>
+          </a:fontRef>
+        </p:style>
+        <p:txBody>
+          <a:bodyPr rtlCol="0" anchor="ctr"/>
+          <a:lstStyle/>
+          <a:p>
+            <a:pPr algn="ctr"/>
+            <a:endParaRPr lang="zh-CN" altLang="en-US" sz="1050">
+              <a:latin typeface="微软雅黑" pitchFamily="34" charset="-122"/>
+              <a:ea typeface="微软雅黑" pitchFamily="34" charset="-122"/>
+            </a:endParaRPr>
+          </a:p>
+        </p:txBody>
+      </p:sp>
+      <p:sp>
+        <p:nvSpPr>
+          <p:cNvPr id="19" name="下箭头 18"/>
+          <p:cNvSpPr/>
+          <p:nvPr/>
+        </p:nvSpPr>
+        <p:spPr>
+          <a:xfrm>
+            <a:off x="3419872" y="1340768"/>
+            <a:ext cx="137718" cy="144016"/>
+          </a:xfrm>
+          <a:prstGeom prst="downArrow">
+            <a:avLst/>
+          </a:prstGeom>
+          <a:noFill/>
+          <a:ln w="12700">
+            <a:solidFill>
+              <a:schemeClr val="bg1">
+                <a:lumMod val="50000"/>
+              </a:schemeClr>
+            </a:solidFill>
+          </a:ln>
+        </p:spPr>
+        <p:style>
+          <a:lnRef idx="2">
+            <a:schemeClr val="accent1">
+              <a:shade val="50000"/>
+            </a:schemeClr>
+          </a:lnRef>
+          <a:fillRef idx="1">
+            <a:schemeClr val="accent1"/>
+          </a:fillRef>
+          <a:effectRef idx="0">
+            <a:schemeClr val="accent1"/>
+          </a:effectRef>
+          <a:fontRef idx="minor">
+            <a:schemeClr val="lt1"/>
+          </a:fontRef>
+        </p:style>
+        <p:txBody>
+          <a:bodyPr rtlCol="0" anchor="ctr"/>
+          <a:lstStyle/>
+          <a:p>
+            <a:pPr algn="ctr"/>
+            <a:endParaRPr lang="zh-CN" altLang="en-US" sz="1050">
+              <a:latin typeface="微软雅黑" pitchFamily="34" charset="-122"/>
+              <a:ea typeface="微软雅黑" pitchFamily="34" charset="-122"/>
+            </a:endParaRPr>
+          </a:p>
+        </p:txBody>
+      </p:sp>
+      <p:sp>
+        <p:nvSpPr>
+          <p:cNvPr id="20" name="TextBox 19"/>
+          <p:cNvSpPr txBox="1"/>
+          <p:nvPr/>
+        </p:nvSpPr>
+        <p:spPr>
+          <a:xfrm>
+            <a:off x="2388762" y="1039525"/>
+            <a:ext cx="646331" cy="230832"/>
+          </a:xfrm>
+          <a:prstGeom prst="rect">
+            <a:avLst/>
+          </a:prstGeom>
+          <a:noFill/>
+        </p:spPr>
+        <p:txBody>
+          <a:bodyPr wrap="none" rtlCol="0">
+            <a:spAutoFit/>
+          </a:bodyPr>
+          <a:lstStyle/>
+          <a:p>
+            <a:r>
+              <a:rPr lang="zh-CN" altLang="en-US" sz="900" dirty="0" smtClean="0">
+                <a:latin typeface="微软雅黑" pitchFamily="34" charset="-122"/>
+                <a:ea typeface="微软雅黑" pitchFamily="34" charset="-122"/>
+              </a:rPr>
+              <a:t>本地读取</a:t>
+            </a:r>
+            <a:endParaRPr lang="zh-CN" altLang="en-US" sz="900" dirty="0">
+              <a:latin typeface="微软雅黑" pitchFamily="34" charset="-122"/>
+              <a:ea typeface="微软雅黑" pitchFamily="34" charset="-122"/>
+            </a:endParaRPr>
+          </a:p>
+        </p:txBody>
+      </p:sp>
+      <p:sp>
+        <p:nvSpPr>
+          <p:cNvPr id="21" name="TextBox 20"/>
+          <p:cNvSpPr txBox="1"/>
+          <p:nvPr/>
+        </p:nvSpPr>
+        <p:spPr>
+          <a:xfrm>
+            <a:off x="3158347" y="1039525"/>
+            <a:ext cx="646331" cy="230832"/>
+          </a:xfrm>
+          <a:prstGeom prst="rect">
+            <a:avLst/>
+          </a:prstGeom>
+          <a:noFill/>
+        </p:spPr>
+        <p:txBody>
+          <a:bodyPr wrap="none" rtlCol="0">
+            <a:spAutoFit/>
+          </a:bodyPr>
+          <a:lstStyle/>
+          <a:p>
+            <a:r>
+              <a:rPr lang="zh-CN" altLang="en-US" sz="900" dirty="0" smtClean="0">
+                <a:latin typeface="微软雅黑" pitchFamily="34" charset="-122"/>
+                <a:ea typeface="微软雅黑" pitchFamily="34" charset="-122"/>
+              </a:rPr>
+              <a:t>变量传入</a:t>
+            </a:r>
+            <a:endParaRPr lang="zh-CN" altLang="en-US" sz="900" dirty="0">
+              <a:latin typeface="微软雅黑" pitchFamily="34" charset="-122"/>
+              <a:ea typeface="微软雅黑" pitchFamily="34" charset="-122"/>
+            </a:endParaRPr>
+          </a:p>
+        </p:txBody>
+      </p:sp>
+      <p:sp>
+        <p:nvSpPr>
+          <p:cNvPr id="23" name="TextBox 22"/>
+          <p:cNvSpPr txBox="1"/>
+          <p:nvPr/>
+        </p:nvSpPr>
+        <p:spPr>
+          <a:xfrm>
+            <a:off x="3595754" y="1572924"/>
+            <a:ext cx="543739" cy="200055"/>
+          </a:xfrm>
+          <a:prstGeom prst="rect">
+            <a:avLst/>
+          </a:prstGeom>
+          <a:noFill/>
+        </p:spPr>
+        <p:txBody>
+          <a:bodyPr wrap="none" rtlCol="0">
+            <a:spAutoFit/>
+          </a:bodyPr>
+          <a:lstStyle/>
+          <a:p>
+            <a:r>
+              <a:rPr lang="zh-CN" altLang="en-US" sz="700" dirty="0" smtClean="0">
+                <a:solidFill>
+                  <a:srgbClr val="0000FF"/>
+                </a:solidFill>
+                <a:latin typeface="微软雅黑" pitchFamily="34" charset="-122"/>
+                <a:ea typeface="微软雅黑" pitchFamily="34" charset="-122"/>
+              </a:rPr>
+              <a:t>原始图像</a:t>
+            </a:r>
+            <a:endParaRPr lang="zh-CN" altLang="en-US" sz="700" dirty="0">
+              <a:solidFill>
+                <a:srgbClr val="0000FF"/>
+              </a:solidFill>
+              <a:latin typeface="微软雅黑" pitchFamily="34" charset="-122"/>
+              <a:ea typeface="微软雅黑" pitchFamily="34" charset="-122"/>
+            </a:endParaRPr>
+          </a:p>
+        </p:txBody>
+      </p:sp>
+      <p:sp>
+        <p:nvSpPr>
+          <p:cNvPr id="24" name="TextBox 23"/>
+          <p:cNvSpPr txBox="1"/>
+          <p:nvPr/>
+        </p:nvSpPr>
+        <p:spPr>
+          <a:xfrm>
+            <a:off x="4024395" y="3325125"/>
+            <a:ext cx="838691" cy="200055"/>
+          </a:xfrm>
+          <a:prstGeom prst="rect">
+            <a:avLst/>
+          </a:prstGeom>
+          <a:noFill/>
+        </p:spPr>
+        <p:txBody>
+          <a:bodyPr wrap="none" rtlCol="0">
+            <a:spAutoFit/>
+          </a:bodyPr>
+          <a:lstStyle/>
+          <a:p>
+            <a:r>
+              <a:rPr lang="zh-CN" altLang="en-US" sz="700" dirty="0" smtClean="0">
+                <a:solidFill>
+                  <a:srgbClr val="0000FF"/>
+                </a:solidFill>
+                <a:latin typeface="微软雅黑" pitchFamily="34" charset="-122"/>
+                <a:ea typeface="微软雅黑" pitchFamily="34" charset="-122"/>
+              </a:rPr>
+              <a:t>待</a:t>
+            </a:r>
+            <a:r>
+              <a:rPr lang="en-US" altLang="zh-CN" sz="700" dirty="0" smtClean="0">
+                <a:solidFill>
+                  <a:srgbClr val="0000FF"/>
+                </a:solidFill>
+                <a:latin typeface="微软雅黑" pitchFamily="34" charset="-122"/>
+                <a:ea typeface="微软雅黑" pitchFamily="34" charset="-122"/>
+              </a:rPr>
+              <a:t>DL</a:t>
+            </a:r>
+            <a:r>
+              <a:rPr lang="zh-CN" altLang="en-US" sz="700" dirty="0" smtClean="0">
+                <a:solidFill>
+                  <a:srgbClr val="0000FF"/>
+                </a:solidFill>
+                <a:latin typeface="微软雅黑" pitchFamily="34" charset="-122"/>
+                <a:ea typeface="微软雅黑" pitchFamily="34" charset="-122"/>
+              </a:rPr>
+              <a:t>计算的图像</a:t>
+            </a:r>
+            <a:endParaRPr lang="zh-CN" altLang="en-US" sz="700" dirty="0">
+              <a:solidFill>
+                <a:srgbClr val="0000FF"/>
+              </a:solidFill>
+              <a:latin typeface="微软雅黑" pitchFamily="34" charset="-122"/>
+              <a:ea typeface="微软雅黑" pitchFamily="34" charset="-122"/>
+            </a:endParaRPr>
+          </a:p>
+        </p:txBody>
+      </p:sp>
+      <p:sp>
+        <p:nvSpPr>
+          <p:cNvPr id="25" name="TextBox 24"/>
+          <p:cNvSpPr txBox="1"/>
+          <p:nvPr/>
+        </p:nvSpPr>
+        <p:spPr>
+          <a:xfrm>
+            <a:off x="1601693" y="5731324"/>
+            <a:ext cx="663964" cy="200055"/>
+          </a:xfrm>
+          <a:prstGeom prst="rect">
+            <a:avLst/>
+          </a:prstGeom>
+          <a:noFill/>
+        </p:spPr>
+        <p:txBody>
+          <a:bodyPr wrap="none" rtlCol="0">
+            <a:spAutoFit/>
+          </a:bodyPr>
+          <a:lstStyle/>
+          <a:p>
+            <a:r>
+              <a:rPr lang="zh-CN" altLang="en-US" sz="700" b="1" dirty="0" smtClean="0">
+                <a:solidFill>
+                  <a:srgbClr val="0000FF"/>
+                </a:solidFill>
+                <a:latin typeface="微软雅黑" pitchFamily="34" charset="-122"/>
+                <a:ea typeface="微软雅黑" pitchFamily="34" charset="-122"/>
+              </a:rPr>
+              <a:t>生成</a:t>
+            </a:r>
+            <a:r>
+              <a:rPr lang="en-US" altLang="zh-CN" sz="700" b="1" dirty="0" smtClean="0">
+                <a:solidFill>
+                  <a:srgbClr val="0000FF"/>
+                </a:solidFill>
+                <a:latin typeface="微软雅黑" pitchFamily="34" charset="-122"/>
+                <a:ea typeface="微软雅黑" pitchFamily="34" charset="-122"/>
+              </a:rPr>
+              <a:t>DL</a:t>
+            </a:r>
+            <a:r>
+              <a:rPr lang="zh-CN" altLang="en-US" sz="700" b="1" dirty="0" smtClean="0">
+                <a:solidFill>
+                  <a:srgbClr val="0000FF"/>
+                </a:solidFill>
+                <a:latin typeface="微软雅黑" pitchFamily="34" charset="-122"/>
+                <a:ea typeface="微软雅黑" pitchFamily="34" charset="-122"/>
+              </a:rPr>
+              <a:t>模型</a:t>
+            </a:r>
+            <a:endParaRPr lang="zh-CN" altLang="en-US" sz="700" b="1" dirty="0">
+              <a:solidFill>
+                <a:srgbClr val="0000FF"/>
+              </a:solidFill>
+              <a:latin typeface="微软雅黑" pitchFamily="34" charset="-122"/>
+              <a:ea typeface="微软雅黑" pitchFamily="34" charset="-122"/>
+            </a:endParaRPr>
+          </a:p>
+        </p:txBody>
+      </p:sp>
+      <p:cxnSp>
+        <p:nvCxnSpPr>
+          <p:cNvPr id="27" name="肘形连接符 26"/>
+          <p:cNvCxnSpPr>
+            <a:stCxn id="25" idx="3"/>
+            <a:endCxn id="16" idx="1"/>
+          </p:cNvCxnSpPr>
+          <p:nvPr/>
+        </p:nvCxnSpPr>
+        <p:spPr>
+          <a:xfrm flipV="1">
+            <a:off x="2265657" y="4993016"/>
+            <a:ext cx="1082207" cy="838336"/>
+          </a:xfrm>
+          <a:prstGeom prst="bentConnector3">
+            <a:avLst>
+              <a:gd name="adj1" fmla="val 50000"/>
+            </a:avLst>
+          </a:prstGeom>
+          <a:ln>
+            <a:solidFill>
+              <a:srgbClr val="0000FF"/>
+            </a:solidFill>
+            <a:prstDash val="sysDash"/>
+            <a:tailEnd type="arrow"/>
+          </a:ln>
+        </p:spPr>
+        <p:style>
+          <a:lnRef idx="1">
+            <a:schemeClr val="accent1"/>
+          </a:lnRef>
+          <a:fillRef idx="0">
+            <a:schemeClr val="accent1"/>
+          </a:fillRef>
+          <a:effectRef idx="0">
+            <a:schemeClr val="accent1"/>
+          </a:effectRef>
+          <a:fontRef idx="minor">
+            <a:schemeClr val="tx1"/>
+          </a:fontRef>
+        </p:style>
+      </p:cxnSp>
+      <p:sp>
+        <p:nvSpPr>
+          <p:cNvPr id="29" name="下箭头 28"/>
+          <p:cNvSpPr/>
+          <p:nvPr/>
+        </p:nvSpPr>
+        <p:spPr>
+          <a:xfrm>
+            <a:off x="4079167" y="5517232"/>
+            <a:ext cx="137718" cy="144016"/>
+          </a:xfrm>
+          <a:prstGeom prst="downArrow">
+            <a:avLst/>
+          </a:prstGeom>
+          <a:noFill/>
+          <a:ln w="12700">
+            <a:solidFill>
+              <a:schemeClr val="bg1">
+                <a:lumMod val="50000"/>
+              </a:schemeClr>
+            </a:solidFill>
+          </a:ln>
+        </p:spPr>
+        <p:style>
+          <a:lnRef idx="2">
+            <a:schemeClr val="accent1">
+              <a:shade val="50000"/>
+            </a:schemeClr>
+          </a:lnRef>
+          <a:fillRef idx="1">
+            <a:schemeClr val="accent1"/>
+          </a:fillRef>
+          <a:effectRef idx="0">
+            <a:schemeClr val="accent1"/>
+          </a:effectRef>
+          <a:fontRef idx="minor">
+            <a:schemeClr val="lt1"/>
+          </a:fontRef>
+        </p:style>
+        <p:txBody>
+          <a:bodyPr rtlCol="0" anchor="ctr"/>
+          <a:lstStyle/>
+          <a:p>
+            <a:pPr algn="ctr"/>
+            <a:endParaRPr lang="zh-CN" altLang="en-US" sz="1050">
+              <a:latin typeface="微软雅黑" pitchFamily="34" charset="-122"/>
+              <a:ea typeface="微软雅黑" pitchFamily="34" charset="-122"/>
+            </a:endParaRPr>
+          </a:p>
+        </p:txBody>
+      </p:sp>
+      <p:sp>
+        <p:nvSpPr>
+          <p:cNvPr id="31" name="TextBox 30"/>
+          <p:cNvSpPr txBox="1"/>
+          <p:nvPr/>
+        </p:nvSpPr>
+        <p:spPr>
+          <a:xfrm>
+            <a:off x="3854322" y="5731324"/>
+            <a:ext cx="543739" cy="200055"/>
+          </a:xfrm>
+          <a:prstGeom prst="rect">
+            <a:avLst/>
+          </a:prstGeom>
+          <a:noFill/>
+        </p:spPr>
+        <p:txBody>
+          <a:bodyPr wrap="none" rtlCol="0">
+            <a:spAutoFit/>
+          </a:bodyPr>
+          <a:lstStyle/>
+          <a:p>
+            <a:r>
+              <a:rPr lang="zh-CN" altLang="en-US" sz="700" b="1" dirty="0" smtClean="0">
+                <a:solidFill>
+                  <a:srgbClr val="0000FF"/>
+                </a:solidFill>
+                <a:latin typeface="微软雅黑" pitchFamily="34" charset="-122"/>
+                <a:ea typeface="微软雅黑" pitchFamily="34" charset="-122"/>
+              </a:rPr>
+              <a:t>输出结果</a:t>
+            </a:r>
+            <a:endParaRPr lang="zh-CN" altLang="en-US" sz="700" b="1" dirty="0">
+              <a:solidFill>
+                <a:srgbClr val="0000FF"/>
+              </a:solidFill>
+              <a:latin typeface="微软雅黑" pitchFamily="34" charset="-122"/>
+              <a:ea typeface="微软雅黑" pitchFamily="34" charset="-122"/>
+            </a:endParaRPr>
+          </a:p>
+        </p:txBody>
+      </p:sp>
+      <p:sp>
+        <p:nvSpPr>
+          <p:cNvPr id="32" name="矩形 31"/>
+          <p:cNvSpPr/>
+          <p:nvPr/>
+        </p:nvSpPr>
+        <p:spPr>
+          <a:xfrm>
+            <a:off x="3218354" y="1903750"/>
+            <a:ext cx="619127" cy="142407"/>
+          </a:xfrm>
+          <a:prstGeom prst="rect">
+            <a:avLst/>
+          </a:prstGeom>
+          <a:solidFill>
+            <a:schemeClr val="accent5">
+              <a:lumMod val="40000"/>
+              <a:lumOff val="60000"/>
+            </a:schemeClr>
+          </a:solidFill>
+          <a:ln w="12700">
+            <a:solidFill>
+              <a:schemeClr val="accent5">
+                <a:lumMod val="75000"/>
+              </a:schemeClr>
+            </a:solidFill>
+          </a:ln>
+        </p:spPr>
+        <p:style>
+          <a:lnRef idx="2">
+            <a:schemeClr val="accent1">
+              <a:shade val="50000"/>
+            </a:schemeClr>
+          </a:lnRef>
+          <a:fillRef idx="1">
+            <a:schemeClr val="accent1"/>
+          </a:fillRef>
+          <a:effectRef idx="0">
+            <a:schemeClr val="accent1"/>
+          </a:effectRef>
+          <a:fontRef idx="minor">
+            <a:schemeClr val="lt1"/>
+          </a:fontRef>
+        </p:style>
+        <p:txBody>
+          <a:bodyPr rtlCol="0" anchor="ctr"/>
+          <a:lstStyle/>
+          <a:p>
+            <a:pPr algn="ctr"/>
+            <a:r>
+              <a:rPr lang="zh-CN" altLang="en-US" sz="700" dirty="0" smtClean="0">
+                <a:solidFill>
+                  <a:schemeClr val="tx1"/>
+                </a:solidFill>
+                <a:latin typeface="微软雅黑" pitchFamily="34" charset="-122"/>
+                <a:ea typeface="微软雅黑" pitchFamily="34" charset="-122"/>
+              </a:rPr>
+              <a:t>类型转换</a:t>
+            </a:r>
+            <a:endParaRPr lang="zh-CN" altLang="en-US" sz="700" dirty="0">
+              <a:solidFill>
+                <a:schemeClr val="tx1"/>
+              </a:solidFill>
+              <a:latin typeface="微软雅黑" pitchFamily="34" charset="-122"/>
+              <a:ea typeface="微软雅黑" pitchFamily="34" charset="-122"/>
+            </a:endParaRPr>
+          </a:p>
+        </p:txBody>
+      </p:sp>
+      <p:sp>
+        <p:nvSpPr>
+          <p:cNvPr id="33" name="矩形 32"/>
+          <p:cNvSpPr/>
+          <p:nvPr/>
+        </p:nvSpPr>
+        <p:spPr>
+          <a:xfrm>
+            <a:off x="3233345" y="3072983"/>
+            <a:ext cx="619127" cy="142407"/>
+          </a:xfrm>
+          <a:prstGeom prst="rect">
+            <a:avLst/>
+          </a:prstGeom>
+          <a:solidFill>
+            <a:schemeClr val="accent5">
+              <a:lumMod val="40000"/>
+              <a:lumOff val="60000"/>
+            </a:schemeClr>
+          </a:solidFill>
+          <a:ln w="12700">
+            <a:solidFill>
+              <a:schemeClr val="accent5">
+                <a:lumMod val="75000"/>
+              </a:schemeClr>
+            </a:solidFill>
+          </a:ln>
+        </p:spPr>
+        <p:style>
+          <a:lnRef idx="2">
+            <a:schemeClr val="accent1">
+              <a:shade val="50000"/>
+            </a:schemeClr>
+          </a:lnRef>
+          <a:fillRef idx="1">
+            <a:schemeClr val="accent1"/>
+          </a:fillRef>
+          <a:effectRef idx="0">
+            <a:schemeClr val="accent1"/>
+          </a:effectRef>
+          <a:fontRef idx="minor">
+            <a:schemeClr val="lt1"/>
+          </a:fontRef>
+        </p:style>
+        <p:txBody>
+          <a:bodyPr rtlCol="0" anchor="ctr"/>
+          <a:lstStyle/>
+          <a:p>
+            <a:pPr algn="ctr"/>
+            <a:r>
+              <a:rPr lang="zh-CN" altLang="en-US" sz="700" dirty="0" smtClean="0">
+                <a:solidFill>
+                  <a:schemeClr val="tx1"/>
+                </a:solidFill>
+                <a:latin typeface="微软雅黑" pitchFamily="34" charset="-122"/>
+                <a:ea typeface="微软雅黑" pitchFamily="34" charset="-122"/>
+              </a:rPr>
+              <a:t>类型转换</a:t>
+            </a:r>
+            <a:endParaRPr lang="zh-CN" altLang="en-US" sz="700" dirty="0">
+              <a:solidFill>
+                <a:schemeClr val="tx1"/>
+              </a:solidFill>
+              <a:latin typeface="微软雅黑" pitchFamily="34" charset="-122"/>
+              <a:ea typeface="微软雅黑" pitchFamily="34" charset="-122"/>
+            </a:endParaRPr>
+          </a:p>
+        </p:txBody>
+      </p:sp>
+      <p:sp>
+        <p:nvSpPr>
+          <p:cNvPr id="34" name="矩形 33"/>
+          <p:cNvSpPr/>
+          <p:nvPr/>
+        </p:nvSpPr>
+        <p:spPr>
+          <a:xfrm>
+            <a:off x="4312637" y="4294682"/>
+            <a:ext cx="619127" cy="142407"/>
+          </a:xfrm>
+          <a:prstGeom prst="rect">
+            <a:avLst/>
+          </a:prstGeom>
+          <a:solidFill>
+            <a:schemeClr val="accent5">
+              <a:lumMod val="40000"/>
+              <a:lumOff val="60000"/>
+            </a:schemeClr>
+          </a:solidFill>
+          <a:ln w="12700">
+            <a:solidFill>
+              <a:schemeClr val="accent5">
+                <a:lumMod val="75000"/>
+              </a:schemeClr>
+            </a:solidFill>
+          </a:ln>
+        </p:spPr>
+        <p:style>
+          <a:lnRef idx="2">
+            <a:schemeClr val="accent1">
+              <a:shade val="50000"/>
+            </a:schemeClr>
+          </a:lnRef>
+          <a:fillRef idx="1">
+            <a:schemeClr val="accent1"/>
+          </a:fillRef>
+          <a:effectRef idx="0">
+            <a:schemeClr val="accent1"/>
+          </a:effectRef>
+          <a:fontRef idx="minor">
+            <a:schemeClr val="lt1"/>
+          </a:fontRef>
+        </p:style>
+        <p:txBody>
+          <a:bodyPr rtlCol="0" anchor="ctr"/>
+          <a:lstStyle/>
+          <a:p>
+            <a:pPr algn="ctr"/>
+            <a:r>
+              <a:rPr lang="zh-CN" altLang="en-US" sz="700" dirty="0" smtClean="0">
+                <a:solidFill>
+                  <a:schemeClr val="tx1"/>
+                </a:solidFill>
+                <a:latin typeface="微软雅黑" pitchFamily="34" charset="-122"/>
+                <a:ea typeface="微软雅黑" pitchFamily="34" charset="-122"/>
+              </a:rPr>
+              <a:t>类型转换</a:t>
+            </a:r>
+            <a:endParaRPr lang="zh-CN" altLang="en-US" sz="700" dirty="0">
+              <a:solidFill>
+                <a:schemeClr val="tx1"/>
+              </a:solidFill>
+              <a:latin typeface="微软雅黑" pitchFamily="34" charset="-122"/>
+              <a:ea typeface="微软雅黑" pitchFamily="34" charset="-122"/>
+            </a:endParaRPr>
+          </a:p>
+        </p:txBody>
+      </p:sp>
+      <p:sp>
+        <p:nvSpPr>
+          <p:cNvPr id="36" name="矩形 35"/>
+          <p:cNvSpPr/>
+          <p:nvPr/>
+        </p:nvSpPr>
+        <p:spPr>
+          <a:xfrm>
+            <a:off x="2388762" y="5231567"/>
+            <a:ext cx="602328" cy="159424"/>
+          </a:xfrm>
+          <a:prstGeom prst="rect">
+            <a:avLst/>
+          </a:prstGeom>
+          <a:solidFill>
+            <a:schemeClr val="accent6">
+              <a:lumMod val="40000"/>
+              <a:lumOff val="60000"/>
+            </a:schemeClr>
+          </a:solidFill>
+          <a:ln w="12700">
+            <a:solidFill>
+              <a:schemeClr val="accent6">
+                <a:lumMod val="75000"/>
+              </a:schemeClr>
+            </a:solidFill>
+          </a:ln>
+        </p:spPr>
+        <p:style>
+          <a:lnRef idx="2">
+            <a:schemeClr val="accent1">
+              <a:shade val="50000"/>
+            </a:schemeClr>
+          </a:lnRef>
+          <a:fillRef idx="1">
+            <a:schemeClr val="accent1"/>
+          </a:fillRef>
+          <a:effectRef idx="0">
+            <a:schemeClr val="accent1"/>
+          </a:effectRef>
+          <a:fontRef idx="minor">
+            <a:schemeClr val="lt1"/>
+          </a:fontRef>
+        </p:style>
+        <p:txBody>
+          <a:bodyPr rtlCol="0" anchor="ctr"/>
+          <a:lstStyle/>
+          <a:p>
+            <a:pPr algn="ctr"/>
+            <a:r>
+              <a:rPr lang="zh-CN" altLang="en-US" sz="700" dirty="0" smtClean="0">
+                <a:solidFill>
+                  <a:schemeClr val="tx1"/>
+                </a:solidFill>
+                <a:latin typeface="微软雅黑" pitchFamily="34" charset="-122"/>
+                <a:ea typeface="微软雅黑" pitchFamily="34" charset="-122"/>
+              </a:rPr>
+              <a:t>类库封装</a:t>
+            </a:r>
+            <a:endParaRPr lang="zh-CN" altLang="en-US" sz="700" dirty="0">
+              <a:solidFill>
+                <a:schemeClr val="tx1"/>
+              </a:solidFill>
+              <a:latin typeface="微软雅黑" pitchFamily="34" charset="-122"/>
+              <a:ea typeface="微软雅黑" pitchFamily="34" charset="-122"/>
+            </a:endParaRPr>
+          </a:p>
+        </p:txBody>
+      </p:sp>
+      <p:sp>
+        <p:nvSpPr>
+          <p:cNvPr id="37" name="矩形 36"/>
+          <p:cNvSpPr/>
+          <p:nvPr/>
+        </p:nvSpPr>
+        <p:spPr>
+          <a:xfrm>
+            <a:off x="4719733" y="5231567"/>
+            <a:ext cx="602328" cy="159424"/>
+          </a:xfrm>
+          <a:prstGeom prst="rect">
+            <a:avLst/>
+          </a:prstGeom>
+          <a:solidFill>
+            <a:schemeClr val="accent6">
+              <a:lumMod val="40000"/>
+              <a:lumOff val="60000"/>
+            </a:schemeClr>
+          </a:solidFill>
+          <a:ln w="12700">
+            <a:solidFill>
+              <a:schemeClr val="accent6">
+                <a:lumMod val="75000"/>
+              </a:schemeClr>
+            </a:solidFill>
+          </a:ln>
+        </p:spPr>
+        <p:style>
+          <a:lnRef idx="2">
+            <a:schemeClr val="accent1">
+              <a:shade val="50000"/>
+            </a:schemeClr>
+          </a:lnRef>
+          <a:fillRef idx="1">
+            <a:schemeClr val="accent1"/>
+          </a:fillRef>
+          <a:effectRef idx="0">
+            <a:schemeClr val="accent1"/>
+          </a:effectRef>
+          <a:fontRef idx="minor">
+            <a:schemeClr val="lt1"/>
+          </a:fontRef>
+        </p:style>
+        <p:txBody>
+          <a:bodyPr rtlCol="0" anchor="ctr"/>
+          <a:lstStyle/>
+          <a:p>
+            <a:pPr algn="ctr"/>
+            <a:r>
+              <a:rPr lang="zh-CN" altLang="en-US" sz="700" dirty="0" smtClean="0">
+                <a:solidFill>
+                  <a:schemeClr val="tx1"/>
+                </a:solidFill>
+                <a:latin typeface="微软雅黑" pitchFamily="34" charset="-122"/>
+                <a:ea typeface="微软雅黑" pitchFamily="34" charset="-122"/>
+              </a:rPr>
+              <a:t>类库封装</a:t>
+            </a:r>
+            <a:endParaRPr lang="zh-CN" altLang="en-US" sz="700" dirty="0">
+              <a:solidFill>
+                <a:schemeClr val="tx1"/>
+              </a:solidFill>
+              <a:latin typeface="微软雅黑" pitchFamily="34" charset="-122"/>
+              <a:ea typeface="微软雅黑" pitchFamily="34" charset="-122"/>
+            </a:endParaRPr>
+          </a:p>
+        </p:txBody>
+      </p:sp>
+      <p:sp>
+        <p:nvSpPr>
+          <p:cNvPr id="38" name="矩形 37"/>
+          <p:cNvSpPr/>
+          <p:nvPr/>
+        </p:nvSpPr>
+        <p:spPr>
+          <a:xfrm>
+            <a:off x="3385608" y="2780674"/>
+            <a:ext cx="602328" cy="166919"/>
+          </a:xfrm>
+          <a:prstGeom prst="rect">
+            <a:avLst/>
+          </a:prstGeom>
+          <a:solidFill>
+            <a:schemeClr val="accent6">
+              <a:lumMod val="40000"/>
+              <a:lumOff val="60000"/>
+            </a:schemeClr>
+          </a:solidFill>
+          <a:ln w="12700">
+            <a:solidFill>
+              <a:schemeClr val="accent6">
+                <a:lumMod val="75000"/>
+              </a:schemeClr>
+            </a:solidFill>
+          </a:ln>
+        </p:spPr>
+        <p:style>
+          <a:lnRef idx="2">
+            <a:schemeClr val="accent1">
+              <a:shade val="50000"/>
+            </a:schemeClr>
+          </a:lnRef>
+          <a:fillRef idx="1">
+            <a:schemeClr val="accent1"/>
+          </a:fillRef>
+          <a:effectRef idx="0">
+            <a:schemeClr val="accent1"/>
+          </a:effectRef>
+          <a:fontRef idx="minor">
+            <a:schemeClr val="lt1"/>
+          </a:fontRef>
+        </p:style>
+        <p:txBody>
+          <a:bodyPr rtlCol="0" anchor="ctr"/>
+          <a:lstStyle/>
+          <a:p>
+            <a:pPr algn="ctr"/>
+            <a:r>
+              <a:rPr lang="zh-CN" altLang="en-US" sz="700" dirty="0" smtClean="0">
+                <a:solidFill>
+                  <a:schemeClr val="tx1"/>
+                </a:solidFill>
+                <a:latin typeface="微软雅黑" pitchFamily="34" charset="-122"/>
+                <a:ea typeface="微软雅黑" pitchFamily="34" charset="-122"/>
+              </a:rPr>
+              <a:t>类库封装</a:t>
+            </a:r>
+            <a:endParaRPr lang="zh-CN" altLang="en-US" sz="700" dirty="0">
+              <a:solidFill>
+                <a:schemeClr val="tx1"/>
+              </a:solidFill>
+              <a:latin typeface="微软雅黑" pitchFamily="34" charset="-122"/>
+              <a:ea typeface="微软雅黑" pitchFamily="34" charset="-122"/>
+            </a:endParaRPr>
+          </a:p>
+        </p:txBody>
+      </p:sp>
+      <p:sp>
+        <p:nvSpPr>
+          <p:cNvPr id="40" name="圆角矩形 39"/>
+          <p:cNvSpPr/>
+          <p:nvPr/>
+        </p:nvSpPr>
+        <p:spPr>
+          <a:xfrm>
+            <a:off x="1331640" y="980728"/>
+            <a:ext cx="3859792" cy="2632627"/>
+          </a:xfrm>
+          <a:prstGeom prst="roundRect">
+            <a:avLst>
+              <a:gd name="adj" fmla="val 2662"/>
+            </a:avLst>
+          </a:prstGeom>
+          <a:noFill/>
+          <a:ln w="12700">
+            <a:solidFill>
+              <a:schemeClr val="accent6">
+                <a:lumMod val="75000"/>
+              </a:schemeClr>
+            </a:solidFill>
+            <a:prstDash val="dash"/>
+          </a:ln>
+        </p:spPr>
+        <p:style>
+          <a:lnRef idx="2">
+            <a:schemeClr val="accent1">
+              <a:shade val="50000"/>
+            </a:schemeClr>
+          </a:lnRef>
+          <a:fillRef idx="1">
+            <a:schemeClr val="accent1"/>
+          </a:fillRef>
+          <a:effectRef idx="0">
+            <a:schemeClr val="accent1"/>
+          </a:effectRef>
+          <a:fontRef idx="minor">
+            <a:schemeClr val="lt1"/>
+          </a:fontRef>
+        </p:style>
+        <p:txBody>
+          <a:bodyPr rtlCol="0" anchor="ctr"/>
+          <a:lstStyle/>
+          <a:p>
+            <a:pPr algn="ctr"/>
+            <a:endParaRPr lang="zh-CN" altLang="en-US"/>
+          </a:p>
+        </p:txBody>
+      </p:sp>
+      <p:sp>
+        <p:nvSpPr>
+          <p:cNvPr id="41" name="TextBox 40"/>
+          <p:cNvSpPr txBox="1"/>
+          <p:nvPr/>
+        </p:nvSpPr>
+        <p:spPr>
+          <a:xfrm>
+            <a:off x="1285653" y="756197"/>
+            <a:ext cx="1467068" cy="246221"/>
+          </a:xfrm>
+          <a:prstGeom prst="rect">
+            <a:avLst/>
+          </a:prstGeom>
+          <a:noFill/>
+        </p:spPr>
+        <p:txBody>
+          <a:bodyPr wrap="none" rtlCol="0">
+            <a:spAutoFit/>
+          </a:bodyPr>
+          <a:lstStyle/>
+          <a:p>
+            <a:r>
+              <a:rPr lang="zh-CN" altLang="en-US" sz="1000" b="1" dirty="0" smtClean="0">
+                <a:solidFill>
+                  <a:schemeClr val="accent6">
+                    <a:lumMod val="75000"/>
+                  </a:schemeClr>
+                </a:solidFill>
+                <a:latin typeface="微软雅黑" pitchFamily="34" charset="-122"/>
+                <a:ea typeface="微软雅黑" pitchFamily="34" charset="-122"/>
+              </a:rPr>
+              <a:t>主线流程：图像预处理</a:t>
+            </a:r>
+            <a:endParaRPr lang="zh-CN" altLang="en-US" sz="1000" b="1" dirty="0">
+              <a:solidFill>
+                <a:schemeClr val="accent6">
+                  <a:lumMod val="75000"/>
+                </a:schemeClr>
+              </a:solidFill>
+              <a:latin typeface="微软雅黑" pitchFamily="34" charset="-122"/>
+              <a:ea typeface="微软雅黑" pitchFamily="34" charset="-122"/>
+            </a:endParaRPr>
+          </a:p>
+        </p:txBody>
+      </p:sp>
+      <p:sp>
+        <p:nvSpPr>
+          <p:cNvPr id="42" name="任意多边形 41"/>
+          <p:cNvSpPr/>
+          <p:nvPr/>
+        </p:nvSpPr>
+        <p:spPr>
+          <a:xfrm>
+            <a:off x="969024" y="3650226"/>
+            <a:ext cx="1139995" cy="1526458"/>
+          </a:xfrm>
+          <a:custGeom>
+            <a:avLst/>
+            <a:gdLst>
+              <a:gd name="connsiteX0" fmla="*/ 1139995 w 1139995"/>
+              <a:gd name="connsiteY0" fmla="*/ 0 h 1526458"/>
+              <a:gd name="connsiteX1" fmla="*/ 1058879 w 1139995"/>
+              <a:gd name="connsiteY1" fmla="*/ 147484 h 1526458"/>
+              <a:gd name="connsiteX2" fmla="*/ 682795 w 1139995"/>
+              <a:gd name="connsiteY2" fmla="*/ 250722 h 1526458"/>
+              <a:gd name="connsiteX3" fmla="*/ 424699 w 1139995"/>
+              <a:gd name="connsiteY3" fmla="*/ 730045 h 1526458"/>
+              <a:gd name="connsiteX4" fmla="*/ 63363 w 1139995"/>
+              <a:gd name="connsiteY4" fmla="*/ 811161 h 1526458"/>
+              <a:gd name="connsiteX5" fmla="*/ 11744 w 1139995"/>
+              <a:gd name="connsiteY5" fmla="*/ 1526458 h 1526458"/>
+            </a:gdLst>
+            <a:ahLst/>
+            <a:cxnLst>
+              <a:cxn ang="0">
+                <a:pos x="connsiteX0" y="connsiteY0"/>
+              </a:cxn>
+              <a:cxn ang="0">
+                <a:pos x="connsiteX1" y="connsiteY1"/>
+              </a:cxn>
+              <a:cxn ang="0">
+                <a:pos x="connsiteX2" y="connsiteY2"/>
+              </a:cxn>
+              <a:cxn ang="0">
+                <a:pos x="connsiteX3" y="connsiteY3"/>
+              </a:cxn>
+              <a:cxn ang="0">
+                <a:pos x="connsiteX4" y="connsiteY4"/>
+              </a:cxn>
+              <a:cxn ang="0">
+                <a:pos x="connsiteX5" y="connsiteY5"/>
+              </a:cxn>
+            </a:cxnLst>
+            <a:rect l="l" t="t" r="r" b="b"/>
+            <a:pathLst>
+              <a:path w="1139995" h="1526458">
+                <a:moveTo>
+                  <a:pt x="1139995" y="0"/>
+                </a:moveTo>
+                <a:cubicBezTo>
+                  <a:pt x="1137537" y="52848"/>
+                  <a:pt x="1135079" y="105697"/>
+                  <a:pt x="1058879" y="147484"/>
+                </a:cubicBezTo>
+                <a:cubicBezTo>
+                  <a:pt x="982679" y="189271"/>
+                  <a:pt x="788492" y="153629"/>
+                  <a:pt x="682795" y="250722"/>
+                </a:cubicBezTo>
+                <a:cubicBezTo>
+                  <a:pt x="577098" y="347815"/>
+                  <a:pt x="527938" y="636639"/>
+                  <a:pt x="424699" y="730045"/>
+                </a:cubicBezTo>
+                <a:cubicBezTo>
+                  <a:pt x="321460" y="823451"/>
+                  <a:pt x="132189" y="678426"/>
+                  <a:pt x="63363" y="811161"/>
+                </a:cubicBezTo>
+                <a:cubicBezTo>
+                  <a:pt x="-5463" y="943896"/>
+                  <a:pt x="-10379" y="1426906"/>
+                  <a:pt x="11744" y="1526458"/>
+                </a:cubicBezTo>
+              </a:path>
+            </a:pathLst>
+          </a:custGeom>
+          <a:noFill/>
+          <a:ln w="12700">
+            <a:solidFill>
+              <a:schemeClr val="accent6">
+                <a:lumMod val="75000"/>
+              </a:schemeClr>
+            </a:solidFill>
+            <a:prstDash val="sysDash"/>
+            <a:headEnd type="none" w="med" len="med"/>
+            <a:tailEnd type="arrow" w="med" len="med"/>
+          </a:ln>
+        </p:spPr>
+        <p:style>
+          <a:lnRef idx="2">
+            <a:schemeClr val="accent1">
+              <a:shade val="50000"/>
+            </a:schemeClr>
+          </a:lnRef>
+          <a:fillRef idx="1">
+            <a:schemeClr val="accent1"/>
+          </a:fillRef>
+          <a:effectRef idx="0">
+            <a:schemeClr val="accent1"/>
+          </a:effectRef>
+          <a:fontRef idx="minor">
+            <a:schemeClr val="lt1"/>
+          </a:fontRef>
+        </p:style>
+        <p:txBody>
+          <a:bodyPr rtlCol="0" anchor="ctr"/>
+          <a:lstStyle/>
+          <a:p>
+            <a:pPr algn="ctr"/>
+            <a:endParaRPr lang="zh-CN" altLang="en-US" sz="1600"/>
+          </a:p>
+        </p:txBody>
+      </p:sp>
+      <p:sp>
+        <p:nvSpPr>
+          <p:cNvPr id="43" name="TextBox 42"/>
+          <p:cNvSpPr txBox="1"/>
+          <p:nvPr/>
+        </p:nvSpPr>
+        <p:spPr>
+          <a:xfrm>
+            <a:off x="395536" y="4070350"/>
+            <a:ext cx="1082348" cy="246221"/>
+          </a:xfrm>
+          <a:prstGeom prst="rect">
+            <a:avLst/>
+          </a:prstGeom>
+          <a:noFill/>
+        </p:spPr>
+        <p:txBody>
+          <a:bodyPr wrap="none" rtlCol="0">
+            <a:spAutoFit/>
+          </a:bodyPr>
+          <a:lstStyle/>
+          <a:p>
+            <a:r>
+              <a:rPr lang="zh-CN" altLang="en-US" sz="1000" b="1" dirty="0" smtClean="0">
+                <a:solidFill>
+                  <a:schemeClr val="accent6">
+                    <a:lumMod val="75000"/>
+                  </a:schemeClr>
+                </a:solidFill>
+                <a:latin typeface="微软雅黑" pitchFamily="34" charset="-122"/>
+                <a:ea typeface="微软雅黑" pitchFamily="34" charset="-122"/>
+              </a:rPr>
+              <a:t>分支流程：训练</a:t>
+            </a:r>
+            <a:endParaRPr lang="zh-CN" altLang="en-US" sz="1000" b="1" dirty="0">
+              <a:solidFill>
+                <a:schemeClr val="accent6">
+                  <a:lumMod val="75000"/>
+                </a:schemeClr>
+              </a:solidFill>
+              <a:latin typeface="微软雅黑" pitchFamily="34" charset="-122"/>
+              <a:ea typeface="微软雅黑" pitchFamily="34" charset="-122"/>
+            </a:endParaRPr>
+          </a:p>
+        </p:txBody>
+      </p:sp>
+      <p:sp>
+        <p:nvSpPr>
+          <p:cNvPr id="44" name="任意多边形 43"/>
+          <p:cNvSpPr/>
+          <p:nvPr/>
+        </p:nvSpPr>
+        <p:spPr>
+          <a:xfrm flipH="1">
+            <a:off x="4330873" y="3650226"/>
+            <a:ext cx="1139995" cy="1526458"/>
+          </a:xfrm>
+          <a:custGeom>
+            <a:avLst/>
+            <a:gdLst>
+              <a:gd name="connsiteX0" fmla="*/ 1139995 w 1139995"/>
+              <a:gd name="connsiteY0" fmla="*/ 0 h 1526458"/>
+              <a:gd name="connsiteX1" fmla="*/ 1058879 w 1139995"/>
+              <a:gd name="connsiteY1" fmla="*/ 147484 h 1526458"/>
+              <a:gd name="connsiteX2" fmla="*/ 682795 w 1139995"/>
+              <a:gd name="connsiteY2" fmla="*/ 250722 h 1526458"/>
+              <a:gd name="connsiteX3" fmla="*/ 424699 w 1139995"/>
+              <a:gd name="connsiteY3" fmla="*/ 730045 h 1526458"/>
+              <a:gd name="connsiteX4" fmla="*/ 63363 w 1139995"/>
+              <a:gd name="connsiteY4" fmla="*/ 811161 h 1526458"/>
+              <a:gd name="connsiteX5" fmla="*/ 11744 w 1139995"/>
+              <a:gd name="connsiteY5" fmla="*/ 1526458 h 1526458"/>
+            </a:gdLst>
+            <a:ahLst/>
+            <a:cxnLst>
+              <a:cxn ang="0">
+                <a:pos x="connsiteX0" y="connsiteY0"/>
+              </a:cxn>
+              <a:cxn ang="0">
+                <a:pos x="connsiteX1" y="connsiteY1"/>
+              </a:cxn>
+              <a:cxn ang="0">
+                <a:pos x="connsiteX2" y="connsiteY2"/>
+              </a:cxn>
+              <a:cxn ang="0">
+                <a:pos x="connsiteX3" y="connsiteY3"/>
+              </a:cxn>
+              <a:cxn ang="0">
+                <a:pos x="connsiteX4" y="connsiteY4"/>
+              </a:cxn>
+              <a:cxn ang="0">
+                <a:pos x="connsiteX5" y="connsiteY5"/>
+              </a:cxn>
+            </a:cxnLst>
+            <a:rect l="l" t="t" r="r" b="b"/>
+            <a:pathLst>
+              <a:path w="1139995" h="1526458">
+                <a:moveTo>
+                  <a:pt x="1139995" y="0"/>
+                </a:moveTo>
+                <a:cubicBezTo>
+                  <a:pt x="1137537" y="52848"/>
+                  <a:pt x="1135079" y="105697"/>
+                  <a:pt x="1058879" y="147484"/>
+                </a:cubicBezTo>
+                <a:cubicBezTo>
+                  <a:pt x="982679" y="189271"/>
+                  <a:pt x="788492" y="153629"/>
+                  <a:pt x="682795" y="250722"/>
+                </a:cubicBezTo>
+                <a:cubicBezTo>
+                  <a:pt x="577098" y="347815"/>
+                  <a:pt x="527938" y="636639"/>
+                  <a:pt x="424699" y="730045"/>
+                </a:cubicBezTo>
+                <a:cubicBezTo>
+                  <a:pt x="321460" y="823451"/>
+                  <a:pt x="132189" y="678426"/>
+                  <a:pt x="63363" y="811161"/>
+                </a:cubicBezTo>
+                <a:cubicBezTo>
+                  <a:pt x="-5463" y="943896"/>
+                  <a:pt x="-10379" y="1426906"/>
+                  <a:pt x="11744" y="1526458"/>
+                </a:cubicBezTo>
+              </a:path>
+            </a:pathLst>
+          </a:custGeom>
+          <a:noFill/>
+          <a:ln w="12700">
+            <a:solidFill>
+              <a:schemeClr val="accent5">
+                <a:lumMod val="75000"/>
+              </a:schemeClr>
+            </a:solidFill>
+            <a:prstDash val="sysDash"/>
+            <a:headEnd type="none" w="med" len="med"/>
+            <a:tailEnd type="arrow" w="med" len="med"/>
+          </a:ln>
+        </p:spPr>
+        <p:style>
+          <a:lnRef idx="2">
+            <a:schemeClr val="accent1">
+              <a:shade val="50000"/>
+            </a:schemeClr>
+          </a:lnRef>
+          <a:fillRef idx="1">
+            <a:schemeClr val="accent1"/>
+          </a:fillRef>
+          <a:effectRef idx="0">
+            <a:schemeClr val="accent1"/>
+          </a:effectRef>
+          <a:fontRef idx="minor">
+            <a:schemeClr val="lt1"/>
+          </a:fontRef>
+        </p:style>
+        <p:txBody>
+          <a:bodyPr rtlCol="0" anchor="ctr"/>
+          <a:lstStyle/>
+          <a:p>
+            <a:pPr algn="ctr"/>
+            <a:endParaRPr lang="zh-CN" altLang="en-US" sz="1600"/>
+          </a:p>
+        </p:txBody>
+      </p:sp>
+      <p:sp>
+        <p:nvSpPr>
+          <p:cNvPr id="45" name="TextBox 44"/>
+          <p:cNvSpPr txBox="1"/>
+          <p:nvPr/>
+        </p:nvSpPr>
+        <p:spPr>
+          <a:xfrm>
+            <a:off x="4900870" y="4070350"/>
+            <a:ext cx="1082348" cy="246221"/>
+          </a:xfrm>
+          <a:prstGeom prst="rect">
+            <a:avLst/>
+          </a:prstGeom>
+          <a:noFill/>
+        </p:spPr>
+        <p:txBody>
+          <a:bodyPr wrap="none" rtlCol="0">
+            <a:spAutoFit/>
+          </a:bodyPr>
+          <a:lstStyle/>
+          <a:p>
+            <a:r>
+              <a:rPr lang="zh-CN" altLang="en-US" sz="1000" b="1" dirty="0" smtClean="0">
+                <a:solidFill>
+                  <a:schemeClr val="accent5">
+                    <a:lumMod val="75000"/>
+                  </a:schemeClr>
+                </a:solidFill>
+                <a:latin typeface="微软雅黑" pitchFamily="34" charset="-122"/>
+                <a:ea typeface="微软雅黑" pitchFamily="34" charset="-122"/>
+              </a:rPr>
+              <a:t>分支流程：预测</a:t>
+            </a:r>
+            <a:endParaRPr lang="zh-CN" altLang="en-US" sz="1000" b="1" dirty="0">
+              <a:solidFill>
+                <a:schemeClr val="accent5">
+                  <a:lumMod val="75000"/>
+                </a:schemeClr>
+              </a:solidFill>
+              <a:latin typeface="微软雅黑" pitchFamily="34" charset="-122"/>
+              <a:ea typeface="微软雅黑" pitchFamily="34" charset="-122"/>
+            </a:endParaRPr>
+          </a:p>
+        </p:txBody>
+      </p:sp>
+      <p:sp>
+        <p:nvSpPr>
+          <p:cNvPr id="39" name="圆角矩形 38"/>
+          <p:cNvSpPr/>
+          <p:nvPr/>
+        </p:nvSpPr>
+        <p:spPr>
+          <a:xfrm>
+            <a:off x="358247" y="3864038"/>
+            <a:ext cx="2709418" cy="2109060"/>
+          </a:xfrm>
+          <a:prstGeom prst="roundRect">
+            <a:avLst>
+              <a:gd name="adj" fmla="val 2662"/>
+            </a:avLst>
+          </a:prstGeom>
+          <a:noFill/>
+          <a:ln w="12700">
+            <a:solidFill>
+              <a:schemeClr val="accent5">
+                <a:lumMod val="75000"/>
+              </a:schemeClr>
+            </a:solidFill>
+            <a:prstDash val="dash"/>
+          </a:ln>
+        </p:spPr>
+        <p:style>
+          <a:lnRef idx="2">
+            <a:schemeClr val="accent1">
+              <a:shade val="50000"/>
+            </a:schemeClr>
+          </a:lnRef>
+          <a:fillRef idx="1">
+            <a:schemeClr val="accent1"/>
+          </a:fillRef>
+          <a:effectRef idx="0">
+            <a:schemeClr val="accent1"/>
+          </a:effectRef>
+          <a:fontRef idx="minor">
+            <a:schemeClr val="lt1"/>
+          </a:fontRef>
+        </p:style>
+        <p:txBody>
+          <a:bodyPr rtlCol="0" anchor="ctr"/>
+          <a:lstStyle/>
+          <a:p>
+            <a:pPr algn="ctr"/>
+            <a:endParaRPr lang="zh-CN" altLang="en-US"/>
+          </a:p>
+        </p:txBody>
+      </p:sp>
+      <p:sp>
+        <p:nvSpPr>
+          <p:cNvPr id="46" name="TextBox 45"/>
+          <p:cNvSpPr txBox="1"/>
+          <p:nvPr/>
+        </p:nvSpPr>
+        <p:spPr>
+          <a:xfrm>
+            <a:off x="4740666" y="748822"/>
+            <a:ext cx="484428" cy="246221"/>
+          </a:xfrm>
+          <a:prstGeom prst="rect">
+            <a:avLst/>
+          </a:prstGeom>
+          <a:noFill/>
+        </p:spPr>
+        <p:txBody>
+          <a:bodyPr wrap="none" rtlCol="0">
+            <a:spAutoFit/>
+          </a:bodyPr>
+          <a:lstStyle/>
+          <a:p>
+            <a:r>
+              <a:rPr lang="en-US" altLang="zh-CN" sz="1000" b="1" dirty="0" smtClean="0">
+                <a:solidFill>
+                  <a:schemeClr val="accent6">
+                    <a:lumMod val="75000"/>
+                  </a:schemeClr>
+                </a:solidFill>
+                <a:effectLst>
+                  <a:outerShdw blurRad="38100" dist="38100" dir="2700000" algn="tl">
+                    <a:srgbClr val="000000">
+                      <a:alpha val="43137"/>
+                    </a:srgbClr>
+                  </a:outerShdw>
+                </a:effectLst>
+                <a:latin typeface="微软雅黑" pitchFamily="34" charset="-122"/>
+                <a:ea typeface="微软雅黑" pitchFamily="34" charset="-122"/>
+              </a:rPr>
+              <a:t>.NET</a:t>
+            </a:r>
+            <a:endParaRPr lang="zh-CN" altLang="en-US" sz="1000" b="1" dirty="0">
+              <a:solidFill>
+                <a:schemeClr val="accent6">
+                  <a:lumMod val="75000"/>
+                </a:schemeClr>
+              </a:solidFill>
+              <a:effectLst>
+                <a:outerShdw blurRad="38100" dist="38100" dir="2700000" algn="tl">
+                  <a:srgbClr val="000000">
+                    <a:alpha val="43137"/>
+                  </a:srgbClr>
+                </a:outerShdw>
+              </a:effectLst>
+              <a:latin typeface="微软雅黑" pitchFamily="34" charset="-122"/>
+              <a:ea typeface="微软雅黑" pitchFamily="34" charset="-122"/>
+            </a:endParaRPr>
+          </a:p>
+        </p:txBody>
+      </p:sp>
+      <p:sp>
+        <p:nvSpPr>
+          <p:cNvPr id="47" name="TextBox 46"/>
+          <p:cNvSpPr txBox="1"/>
+          <p:nvPr/>
+        </p:nvSpPr>
+        <p:spPr>
+          <a:xfrm>
+            <a:off x="330898" y="3632131"/>
+            <a:ext cx="647934" cy="246221"/>
+          </a:xfrm>
+          <a:prstGeom prst="rect">
+            <a:avLst/>
+          </a:prstGeom>
+          <a:noFill/>
+        </p:spPr>
+        <p:txBody>
+          <a:bodyPr wrap="none" rtlCol="0">
+            <a:spAutoFit/>
+          </a:bodyPr>
+          <a:lstStyle/>
+          <a:p>
+            <a:r>
+              <a:rPr lang="en-US" altLang="zh-CN" sz="1000" b="1" dirty="0" smtClean="0">
+                <a:solidFill>
+                  <a:schemeClr val="accent6">
+                    <a:lumMod val="75000"/>
+                  </a:schemeClr>
+                </a:solidFill>
+                <a:effectLst>
+                  <a:outerShdw blurRad="38100" dist="38100" dir="2700000" algn="tl">
+                    <a:srgbClr val="000000">
+                      <a:alpha val="43137"/>
+                    </a:srgbClr>
+                  </a:outerShdw>
+                </a:effectLst>
+                <a:latin typeface="微软雅黑" pitchFamily="34" charset="-122"/>
+                <a:ea typeface="微软雅黑" pitchFamily="34" charset="-122"/>
+              </a:rPr>
+              <a:t>Python</a:t>
+            </a:r>
+            <a:endParaRPr lang="zh-CN" altLang="en-US" sz="1000" b="1" dirty="0">
+              <a:solidFill>
+                <a:schemeClr val="accent6">
+                  <a:lumMod val="75000"/>
+                </a:schemeClr>
+              </a:solidFill>
+              <a:effectLst>
+                <a:outerShdw blurRad="38100" dist="38100" dir="2700000" algn="tl">
+                  <a:srgbClr val="000000">
+                    <a:alpha val="43137"/>
+                  </a:srgbClr>
+                </a:outerShdw>
+              </a:effectLst>
+              <a:latin typeface="微软雅黑" pitchFamily="34" charset="-122"/>
+              <a:ea typeface="微软雅黑" pitchFamily="34" charset="-122"/>
+            </a:endParaRPr>
+          </a:p>
+        </p:txBody>
+      </p:sp>
+      <p:sp>
+        <p:nvSpPr>
+          <p:cNvPr id="48" name="圆角矩形 47"/>
+          <p:cNvSpPr/>
+          <p:nvPr/>
+        </p:nvSpPr>
+        <p:spPr>
+          <a:xfrm>
+            <a:off x="3242615" y="3864038"/>
+            <a:ext cx="2709418" cy="2109060"/>
+          </a:xfrm>
+          <a:prstGeom prst="roundRect">
+            <a:avLst>
+              <a:gd name="adj" fmla="val 2662"/>
+            </a:avLst>
+          </a:prstGeom>
+          <a:noFill/>
+          <a:ln w="12700">
+            <a:solidFill>
+              <a:schemeClr val="accent5">
+                <a:lumMod val="75000"/>
+              </a:schemeClr>
+            </a:solidFill>
+            <a:prstDash val="dash"/>
+          </a:ln>
+        </p:spPr>
+        <p:style>
+          <a:lnRef idx="2">
+            <a:schemeClr val="accent1">
+              <a:shade val="50000"/>
+            </a:schemeClr>
+          </a:lnRef>
+          <a:fillRef idx="1">
+            <a:schemeClr val="accent1"/>
+          </a:fillRef>
+          <a:effectRef idx="0">
+            <a:schemeClr val="accent1"/>
+          </a:effectRef>
+          <a:fontRef idx="minor">
+            <a:schemeClr val="lt1"/>
+          </a:fontRef>
+        </p:style>
+        <p:txBody>
+          <a:bodyPr rtlCol="0" anchor="ctr"/>
+          <a:lstStyle/>
+          <a:p>
+            <a:pPr algn="ctr"/>
+            <a:endParaRPr lang="zh-CN" altLang="en-US"/>
+          </a:p>
+        </p:txBody>
+      </p:sp>
+      <p:sp>
+        <p:nvSpPr>
+          <p:cNvPr id="49" name="TextBox 48"/>
+          <p:cNvSpPr txBox="1"/>
+          <p:nvPr/>
+        </p:nvSpPr>
+        <p:spPr>
+          <a:xfrm>
+            <a:off x="5346409" y="3632131"/>
+            <a:ext cx="647934" cy="246221"/>
+          </a:xfrm>
+          <a:prstGeom prst="rect">
+            <a:avLst/>
+          </a:prstGeom>
+          <a:noFill/>
+        </p:spPr>
+        <p:txBody>
+          <a:bodyPr wrap="none" rtlCol="0">
+            <a:spAutoFit/>
+          </a:bodyPr>
+          <a:lstStyle/>
+          <a:p>
+            <a:r>
+              <a:rPr lang="en-US" altLang="zh-CN" sz="1000" b="1" dirty="0" smtClean="0">
+                <a:solidFill>
+                  <a:schemeClr val="accent6">
+                    <a:lumMod val="75000"/>
+                  </a:schemeClr>
+                </a:solidFill>
+                <a:effectLst>
+                  <a:outerShdw blurRad="38100" dist="38100" dir="2700000" algn="tl">
+                    <a:srgbClr val="000000">
+                      <a:alpha val="43137"/>
+                    </a:srgbClr>
+                  </a:outerShdw>
+                </a:effectLst>
+                <a:latin typeface="微软雅黑" pitchFamily="34" charset="-122"/>
+                <a:ea typeface="微软雅黑" pitchFamily="34" charset="-122"/>
+              </a:rPr>
+              <a:t>Python</a:t>
+            </a:r>
+            <a:endParaRPr lang="zh-CN" altLang="en-US" sz="1000" b="1" dirty="0">
+              <a:solidFill>
+                <a:schemeClr val="accent6">
+                  <a:lumMod val="75000"/>
+                </a:schemeClr>
+              </a:solidFill>
+              <a:effectLst>
+                <a:outerShdw blurRad="38100" dist="38100" dir="2700000" algn="tl">
+                  <a:srgbClr val="000000">
+                    <a:alpha val="43137"/>
+                  </a:srgbClr>
+                </a:outerShdw>
+              </a:effectLst>
+              <a:latin typeface="微软雅黑" pitchFamily="34" charset="-122"/>
+              <a:ea typeface="微软雅黑" pitchFamily="34" charset="-122"/>
+            </a:endParaRPr>
+          </a:p>
+        </p:txBody>
+      </p:sp>
+      <p:sp>
+        <p:nvSpPr>
+          <p:cNvPr id="2" name="矩形 1"/>
+          <p:cNvSpPr/>
+          <p:nvPr/>
+        </p:nvSpPr>
+        <p:spPr>
+          <a:xfrm>
+            <a:off x="2979327" y="3655213"/>
+            <a:ext cx="824265" cy="184666"/>
+          </a:xfrm>
+          <a:prstGeom prst="rect">
+            <a:avLst/>
+          </a:prstGeom>
+        </p:spPr>
+        <p:txBody>
+          <a:bodyPr wrap="none">
+            <a:spAutoFit/>
+          </a:bodyPr>
+          <a:lstStyle/>
+          <a:p>
+            <a:r>
+              <a:rPr lang="en-US" altLang="zh-CN" sz="600" b="1" dirty="0" err="1" smtClean="0">
+                <a:latin typeface="微软雅黑" pitchFamily="34" charset="-122"/>
+                <a:ea typeface="微软雅黑" pitchFamily="34" charset="-122"/>
+              </a:rPr>
+              <a:t>Json</a:t>
+            </a:r>
+            <a:r>
+              <a:rPr lang="zh-CN" altLang="en-US" sz="600" b="1" dirty="0" smtClean="0">
+                <a:latin typeface="微软雅黑" pitchFamily="34" charset="-122"/>
+                <a:ea typeface="微软雅黑" pitchFamily="34" charset="-122"/>
+              </a:rPr>
+              <a:t>：</a:t>
+            </a:r>
+            <a:r>
+              <a:rPr lang="en-US" altLang="zh-CN" sz="600" b="1" dirty="0" smtClean="0">
+                <a:latin typeface="微软雅黑" pitchFamily="34" charset="-122"/>
+                <a:ea typeface="微软雅黑" pitchFamily="34" charset="-122"/>
+              </a:rPr>
+              <a:t>HTTP </a:t>
+            </a:r>
+            <a:r>
+              <a:rPr lang="zh-CN" altLang="en-US" sz="600" b="1" dirty="0">
+                <a:latin typeface="微软雅黑" pitchFamily="34" charset="-122"/>
+                <a:ea typeface="微软雅黑" pitchFamily="34" charset="-122"/>
+              </a:rPr>
+              <a:t>协议</a:t>
+            </a:r>
+          </a:p>
+        </p:txBody>
+      </p:sp>
+      <p:sp>
+        <p:nvSpPr>
+          <p:cNvPr id="50" name="矩形 49"/>
+          <p:cNvSpPr/>
+          <p:nvPr/>
+        </p:nvSpPr>
+        <p:spPr>
+          <a:xfrm>
+            <a:off x="4427459" y="5731324"/>
+            <a:ext cx="824265" cy="184666"/>
+          </a:xfrm>
+          <a:prstGeom prst="rect">
+            <a:avLst/>
+          </a:prstGeom>
+        </p:spPr>
+        <p:txBody>
+          <a:bodyPr wrap="none">
+            <a:spAutoFit/>
+          </a:bodyPr>
+          <a:lstStyle/>
+          <a:p>
+            <a:r>
+              <a:rPr lang="en-US" altLang="zh-CN" sz="600" b="1" dirty="0" err="1" smtClean="0">
+                <a:latin typeface="微软雅黑" pitchFamily="34" charset="-122"/>
+                <a:ea typeface="微软雅黑" pitchFamily="34" charset="-122"/>
+              </a:rPr>
+              <a:t>Json</a:t>
+            </a:r>
+            <a:r>
+              <a:rPr lang="zh-CN" altLang="en-US" sz="600" b="1" dirty="0" smtClean="0">
+                <a:latin typeface="微软雅黑" pitchFamily="34" charset="-122"/>
+                <a:ea typeface="微软雅黑" pitchFamily="34" charset="-122"/>
+              </a:rPr>
+              <a:t>：</a:t>
+            </a:r>
+            <a:r>
+              <a:rPr lang="en-US" altLang="zh-CN" sz="600" b="1" dirty="0" smtClean="0">
+                <a:latin typeface="微软雅黑" pitchFamily="34" charset="-122"/>
+                <a:ea typeface="微软雅黑" pitchFamily="34" charset="-122"/>
+              </a:rPr>
+              <a:t>HTTP </a:t>
+            </a:r>
+            <a:r>
+              <a:rPr lang="zh-CN" altLang="en-US" sz="600" b="1" dirty="0">
+                <a:latin typeface="微软雅黑" pitchFamily="34" charset="-122"/>
+                <a:ea typeface="微软雅黑" pitchFamily="34" charset="-122"/>
+              </a:rPr>
+              <a:t>协议</a:t>
+            </a:r>
+          </a:p>
+        </p:txBody>
+      </p:sp>
     </p:spTree>
     <p:extLst>
       <p:ext uri="{BB962C8B-B14F-4D97-AF65-F5344CB8AC3E}">
-        <p14:creationId xmlns:p14="http://schemas.microsoft.com/office/powerpoint/2010/main" val="1506444471"/>
+        <p14:creationId xmlns:p14="http://schemas.microsoft.com/office/powerpoint/2010/main" val="3561622972"/>
       </p:ext>
     </p:extLst>
   </p:cSld>
   <p:clrMapOvr>
     <a:masterClrMapping/>
   </p:clrMapOvr>
+  <p:timing>
+    <p:tnLst>
+      <p:par>
+        <p:cTn id="1" dur="indefinite" restart="never" nodeType="tmRoot"/>
+      </p:par>
+    </p:tnLst>
+  </p:timing>
 </p:sld>
 </file>
 
@@ -5078,16 +8156,6328 @@
           <a:chExt cx="0" cy="0"/>
         </a:xfrm>
       </p:grpSpPr>
+      <p:pic>
+        <p:nvPicPr>
+          <p:cNvPr id="2050" name="Picture 2"/>
+          <p:cNvPicPr>
+            <a:picLocks noChangeAspect="1" noChangeArrowheads="1"/>
+          </p:cNvPicPr>
+          <p:nvPr/>
+        </p:nvPicPr>
+        <p:blipFill>
+          <a:blip r:embed="rId2">
+            <a:extLst>
+              <a:ext uri="{28A0092B-C50C-407E-A947-70E740481C1C}">
+                <a14:useLocalDpi xmlns:a14="http://schemas.microsoft.com/office/drawing/2010/main" val="0"/>
+              </a:ext>
+            </a:extLst>
+          </a:blip>
+          <a:srcRect/>
+          <a:stretch>
+            <a:fillRect/>
+          </a:stretch>
+        </p:blipFill>
+        <p:spPr bwMode="auto">
+          <a:xfrm>
+            <a:off x="827584" y="2132856"/>
+            <a:ext cx="2160240" cy="1316642"/>
+          </a:xfrm>
+          <a:prstGeom prst="rect">
+            <a:avLst/>
+          </a:prstGeom>
+          <a:noFill/>
+          <a:ln>
+            <a:noFill/>
+          </a:ln>
+          <a:effectLst/>
+          <a:extLst>
+            <a:ext uri="{909E8E84-426E-40DD-AFC4-6F175D3DCCD1}">
+              <a14:hiddenFill xmlns:a14="http://schemas.microsoft.com/office/drawing/2010/main">
+                <a:solidFill>
+                  <a:schemeClr val="accent1"/>
+                </a:solidFill>
+              </a14:hiddenFill>
+            </a:ext>
+            <a:ext uri="{91240B29-F687-4F45-9708-019B960494DF}">
+              <a14:hiddenLine xmlns:a14="http://schemas.microsoft.com/office/drawing/2010/main" w="9525">
+                <a:solidFill>
+                  <a:schemeClr val="tx1"/>
+                </a:solidFill>
+                <a:miter lim="800000"/>
+                <a:headEnd/>
+                <a:tailEnd/>
+              </a14:hiddenLine>
+            </a:ext>
+            <a:ext uri="{AF507438-7753-43E0-B8FC-AC1667EBCBE1}">
+              <a14:hiddenEffects xmlns:a14="http://schemas.microsoft.com/office/drawing/2010/main">
+                <a:effectLst>
+                  <a:outerShdw dist="35921" dir="2700000" algn="ctr" rotWithShape="0">
+                    <a:schemeClr val="bg2"/>
+                  </a:outerShdw>
+                </a:effectLst>
+              </a14:hiddenEffects>
+            </a:ext>
+          </a:extLst>
+        </p:spPr>
+      </p:pic>
+      <p:pic>
+        <p:nvPicPr>
+          <p:cNvPr id="2054" name="Picture 6" descr="https://ss2.bdstatic.com/70cFvnSh_Q1YnxGkpoWK1HF6hhy/it/u=230337795,2485986047&amp;fm=26&amp;gp=0.jpg"/>
+          <p:cNvPicPr>
+            <a:picLocks noChangeAspect="1" noChangeArrowheads="1"/>
+          </p:cNvPicPr>
+          <p:nvPr/>
+        </p:nvPicPr>
+        <p:blipFill rotWithShape="1">
+          <a:blip r:embed="rId3" cstate="print">
+            <a:extLst>
+              <a:ext uri="{28A0092B-C50C-407E-A947-70E740481C1C}">
+                <a14:useLocalDpi xmlns:a14="http://schemas.microsoft.com/office/drawing/2010/main" val="0"/>
+              </a:ext>
+            </a:extLst>
+          </a:blip>
+          <a:srcRect l="21951" t="8659" r="23082" b="5920"/>
+          <a:stretch/>
+        </p:blipFill>
+        <p:spPr bwMode="auto">
+          <a:xfrm>
+            <a:off x="5747461" y="1867368"/>
+            <a:ext cx="876884" cy="1714246"/>
+          </a:xfrm>
+          <a:prstGeom prst="rect">
+            <a:avLst/>
+          </a:prstGeom>
+          <a:noFill/>
+          <a:extLst>
+            <a:ext uri="{909E8E84-426E-40DD-AFC4-6F175D3DCCD1}">
+              <a14:hiddenFill xmlns:a14="http://schemas.microsoft.com/office/drawing/2010/main">
+                <a:solidFill>
+                  <a:srgbClr val="FFFFFF"/>
+                </a:solidFill>
+              </a14:hiddenFill>
+            </a:ext>
+          </a:extLst>
+        </p:spPr>
+      </p:pic>
+      <p:sp>
+        <p:nvSpPr>
+          <p:cNvPr id="2" name="圆角矩形 1"/>
+          <p:cNvSpPr/>
+          <p:nvPr/>
+        </p:nvSpPr>
+        <p:spPr>
+          <a:xfrm>
+            <a:off x="611560" y="1700808"/>
+            <a:ext cx="2551969" cy="1875676"/>
+          </a:xfrm>
+          <a:prstGeom prst="roundRect">
+            <a:avLst>
+              <a:gd name="adj" fmla="val 3300"/>
+            </a:avLst>
+          </a:prstGeom>
+          <a:noFill/>
+          <a:ln w="12700">
+            <a:solidFill>
+              <a:schemeClr val="bg1">
+                <a:lumMod val="50000"/>
+              </a:schemeClr>
+            </a:solidFill>
+          </a:ln>
+        </p:spPr>
+        <p:style>
+          <a:lnRef idx="2">
+            <a:schemeClr val="accent1">
+              <a:shade val="50000"/>
+            </a:schemeClr>
+          </a:lnRef>
+          <a:fillRef idx="1">
+            <a:schemeClr val="accent1"/>
+          </a:fillRef>
+          <a:effectRef idx="0">
+            <a:schemeClr val="accent1"/>
+          </a:effectRef>
+          <a:fontRef idx="minor">
+            <a:schemeClr val="lt1"/>
+          </a:fontRef>
+        </p:style>
+        <p:txBody>
+          <a:bodyPr rtlCol="0" anchor="ctr"/>
+          <a:lstStyle/>
+          <a:p>
+            <a:pPr algn="ctr"/>
+            <a:endParaRPr lang="zh-CN" altLang="en-US"/>
+          </a:p>
+        </p:txBody>
+      </p:sp>
+      <p:sp>
+        <p:nvSpPr>
+          <p:cNvPr id="3" name="云形 2"/>
+          <p:cNvSpPr/>
+          <p:nvPr/>
+        </p:nvSpPr>
+        <p:spPr>
+          <a:xfrm rot="427122">
+            <a:off x="5324666" y="1661292"/>
+            <a:ext cx="3096344" cy="2160240"/>
+          </a:xfrm>
+          <a:prstGeom prst="cloud">
+            <a:avLst/>
+          </a:prstGeom>
+          <a:noFill/>
+          <a:ln w="12700">
+            <a:solidFill>
+              <a:schemeClr val="bg1">
+                <a:lumMod val="50000"/>
+              </a:schemeClr>
+            </a:solidFill>
+          </a:ln>
+        </p:spPr>
+        <p:style>
+          <a:lnRef idx="2">
+            <a:schemeClr val="accent1">
+              <a:shade val="50000"/>
+            </a:schemeClr>
+          </a:lnRef>
+          <a:fillRef idx="1">
+            <a:schemeClr val="accent1"/>
+          </a:fillRef>
+          <a:effectRef idx="0">
+            <a:schemeClr val="accent1"/>
+          </a:effectRef>
+          <a:fontRef idx="minor">
+            <a:schemeClr val="lt1"/>
+          </a:fontRef>
+        </p:style>
+        <p:txBody>
+          <a:bodyPr rtlCol="0" anchor="ctr"/>
+          <a:lstStyle/>
+          <a:p>
+            <a:pPr algn="ctr"/>
+            <a:endParaRPr lang="zh-CN" altLang="en-US"/>
+          </a:p>
+        </p:txBody>
+      </p:sp>
+      <p:sp>
+        <p:nvSpPr>
+          <p:cNvPr id="8" name="TextBox 7"/>
+          <p:cNvSpPr txBox="1"/>
+          <p:nvPr/>
+        </p:nvSpPr>
+        <p:spPr>
+          <a:xfrm>
+            <a:off x="611560" y="1452336"/>
+            <a:ext cx="1083951" cy="246221"/>
+          </a:xfrm>
+          <a:prstGeom prst="rect">
+            <a:avLst/>
+          </a:prstGeom>
+          <a:noFill/>
+        </p:spPr>
+        <p:txBody>
+          <a:bodyPr wrap="none" rtlCol="0">
+            <a:spAutoFit/>
+          </a:bodyPr>
+          <a:lstStyle/>
+          <a:p>
+            <a:r>
+              <a:rPr lang="zh-CN" altLang="en-US" sz="1000" b="1" dirty="0" smtClean="0">
+                <a:solidFill>
+                  <a:srgbClr val="0000FF"/>
+                </a:solidFill>
+                <a:latin typeface="微软雅黑" pitchFamily="34" charset="-122"/>
+                <a:ea typeface="微软雅黑" pitchFamily="34" charset="-122"/>
+              </a:rPr>
+              <a:t>客户端 </a:t>
+            </a:r>
+            <a:r>
+              <a:rPr lang="en-US" altLang="zh-CN" sz="1000" b="1" dirty="0" smtClean="0">
+                <a:solidFill>
+                  <a:srgbClr val="0000FF"/>
+                </a:solidFill>
+                <a:latin typeface="微软雅黑" pitchFamily="34" charset="-122"/>
+                <a:ea typeface="微软雅黑" pitchFamily="34" charset="-122"/>
+              </a:rPr>
+              <a:t>[ .NET ]</a:t>
+            </a:r>
+            <a:endParaRPr lang="zh-CN" altLang="en-US" sz="1000" b="1" dirty="0">
+              <a:solidFill>
+                <a:srgbClr val="0000FF"/>
+              </a:solidFill>
+              <a:latin typeface="微软雅黑" pitchFamily="34" charset="-122"/>
+              <a:ea typeface="微软雅黑" pitchFamily="34" charset="-122"/>
+            </a:endParaRPr>
+          </a:p>
+        </p:txBody>
+      </p:sp>
+      <p:sp>
+        <p:nvSpPr>
+          <p:cNvPr id="9" name="TextBox 8"/>
+          <p:cNvSpPr txBox="1"/>
+          <p:nvPr/>
+        </p:nvSpPr>
+        <p:spPr>
+          <a:xfrm>
+            <a:off x="5580710" y="1452336"/>
+            <a:ext cx="1247457" cy="246221"/>
+          </a:xfrm>
+          <a:prstGeom prst="rect">
+            <a:avLst/>
+          </a:prstGeom>
+          <a:noFill/>
+        </p:spPr>
+        <p:txBody>
+          <a:bodyPr wrap="none" rtlCol="0">
+            <a:spAutoFit/>
+          </a:bodyPr>
+          <a:lstStyle/>
+          <a:p>
+            <a:r>
+              <a:rPr lang="zh-CN" altLang="en-US" sz="1000" b="1" dirty="0" smtClean="0">
+                <a:solidFill>
+                  <a:schemeClr val="accent6">
+                    <a:lumMod val="75000"/>
+                  </a:schemeClr>
+                </a:solidFill>
+                <a:latin typeface="微软雅黑" pitchFamily="34" charset="-122"/>
+                <a:ea typeface="微软雅黑" pitchFamily="34" charset="-122"/>
+              </a:rPr>
+              <a:t>服务器 </a:t>
+            </a:r>
+            <a:r>
+              <a:rPr lang="en-US" altLang="zh-CN" sz="1000" b="1" dirty="0">
+                <a:solidFill>
+                  <a:schemeClr val="accent6">
+                    <a:lumMod val="75000"/>
+                  </a:schemeClr>
+                </a:solidFill>
+                <a:latin typeface="微软雅黑" pitchFamily="34" charset="-122"/>
+                <a:ea typeface="微软雅黑" pitchFamily="34" charset="-122"/>
+              </a:rPr>
+              <a:t>[ </a:t>
+            </a:r>
+            <a:r>
+              <a:rPr lang="en-US" altLang="zh-CN" sz="1000" b="1" dirty="0" smtClean="0">
+                <a:solidFill>
+                  <a:schemeClr val="accent6">
+                    <a:lumMod val="75000"/>
+                  </a:schemeClr>
+                </a:solidFill>
+                <a:latin typeface="微软雅黑" pitchFamily="34" charset="-122"/>
+                <a:ea typeface="微软雅黑" pitchFamily="34" charset="-122"/>
+              </a:rPr>
+              <a:t>Python ]</a:t>
+            </a:r>
+            <a:endParaRPr lang="zh-CN" altLang="en-US" sz="1000" b="1" dirty="0">
+              <a:solidFill>
+                <a:schemeClr val="accent6">
+                  <a:lumMod val="75000"/>
+                </a:schemeClr>
+              </a:solidFill>
+              <a:latin typeface="微软雅黑" pitchFamily="34" charset="-122"/>
+              <a:ea typeface="微软雅黑" pitchFamily="34" charset="-122"/>
+            </a:endParaRPr>
+          </a:p>
+        </p:txBody>
+      </p:sp>
+      <p:sp>
+        <p:nvSpPr>
+          <p:cNvPr id="10" name="TextBox 9"/>
+          <p:cNvSpPr txBox="1"/>
+          <p:nvPr/>
+        </p:nvSpPr>
+        <p:spPr>
+          <a:xfrm>
+            <a:off x="611560" y="3861048"/>
+            <a:ext cx="1511952" cy="1015663"/>
+          </a:xfrm>
+          <a:prstGeom prst="rect">
+            <a:avLst/>
+          </a:prstGeom>
+          <a:noFill/>
+        </p:spPr>
+        <p:txBody>
+          <a:bodyPr wrap="none" rtlCol="0">
+            <a:spAutoFit/>
+          </a:bodyPr>
+          <a:lstStyle/>
+          <a:p>
+            <a:pPr>
+              <a:lnSpc>
+                <a:spcPct val="150000"/>
+              </a:lnSpc>
+            </a:pPr>
+            <a:r>
+              <a:rPr lang="zh-CN" altLang="en-US" sz="1000" b="1" dirty="0" smtClean="0">
+                <a:latin typeface="微软雅黑" pitchFamily="34" charset="-122"/>
+                <a:ea typeface="微软雅黑" pitchFamily="34" charset="-122"/>
+              </a:rPr>
+              <a:t>功能模块：</a:t>
+            </a:r>
+            <a:endParaRPr lang="en-US" altLang="zh-CN" sz="1000" b="1" dirty="0" smtClean="0">
+              <a:latin typeface="微软雅黑" pitchFamily="34" charset="-122"/>
+              <a:ea typeface="微软雅黑" pitchFamily="34" charset="-122"/>
+            </a:endParaRPr>
+          </a:p>
+          <a:p>
+            <a:pPr marL="171450" indent="-171450">
+              <a:lnSpc>
+                <a:spcPct val="150000"/>
+              </a:lnSpc>
+              <a:buFont typeface="Wingdings" pitchFamily="2" charset="2"/>
+              <a:buChar char="n"/>
+            </a:pPr>
+            <a:r>
+              <a:rPr lang="zh-CN" altLang="en-US" sz="1000" b="1" dirty="0" smtClean="0">
+                <a:latin typeface="微软雅黑" pitchFamily="34" charset="-122"/>
+                <a:ea typeface="微软雅黑" pitchFamily="34" charset="-122"/>
+              </a:rPr>
+              <a:t>图像获取</a:t>
+            </a:r>
+            <a:endParaRPr lang="en-US" altLang="zh-CN" sz="1000" b="1" dirty="0" smtClean="0">
+              <a:latin typeface="微软雅黑" pitchFamily="34" charset="-122"/>
+              <a:ea typeface="微软雅黑" pitchFamily="34" charset="-122"/>
+            </a:endParaRPr>
+          </a:p>
+          <a:p>
+            <a:pPr marL="171450" indent="-171450">
+              <a:lnSpc>
+                <a:spcPct val="150000"/>
+              </a:lnSpc>
+              <a:buFont typeface="Wingdings" pitchFamily="2" charset="2"/>
+              <a:buChar char="n"/>
+            </a:pPr>
+            <a:r>
+              <a:rPr lang="zh-CN" altLang="en-US" sz="1000" b="1" dirty="0" smtClean="0">
+                <a:latin typeface="微软雅黑" pitchFamily="34" charset="-122"/>
+                <a:ea typeface="微软雅黑" pitchFamily="34" charset="-122"/>
+              </a:rPr>
+              <a:t>图像预处理</a:t>
+            </a:r>
+            <a:endParaRPr lang="en-US" altLang="zh-CN" sz="1000" b="1" dirty="0" smtClean="0">
+              <a:latin typeface="微软雅黑" pitchFamily="34" charset="-122"/>
+              <a:ea typeface="微软雅黑" pitchFamily="34" charset="-122"/>
+            </a:endParaRPr>
+          </a:p>
+          <a:p>
+            <a:pPr marL="171450" indent="-171450">
+              <a:lnSpc>
+                <a:spcPct val="150000"/>
+              </a:lnSpc>
+              <a:buFont typeface="Wingdings" pitchFamily="2" charset="2"/>
+              <a:buChar char="n"/>
+            </a:pPr>
+            <a:r>
+              <a:rPr lang="zh-CN" altLang="en-US" sz="1000" b="1" dirty="0" smtClean="0">
+                <a:latin typeface="微软雅黑" pitchFamily="34" charset="-122"/>
+                <a:ea typeface="微软雅黑" pitchFamily="34" charset="-122"/>
+              </a:rPr>
+              <a:t>结果反馈至生产环境</a:t>
+            </a:r>
+            <a:endParaRPr lang="zh-CN" altLang="en-US" sz="1000" b="1" dirty="0">
+              <a:latin typeface="微软雅黑" pitchFamily="34" charset="-122"/>
+              <a:ea typeface="微软雅黑" pitchFamily="34" charset="-122"/>
+            </a:endParaRPr>
+          </a:p>
+        </p:txBody>
+      </p:sp>
+      <p:sp>
+        <p:nvSpPr>
+          <p:cNvPr id="11" name="TextBox 10"/>
+          <p:cNvSpPr txBox="1"/>
+          <p:nvPr/>
+        </p:nvSpPr>
+        <p:spPr>
+          <a:xfrm>
+            <a:off x="5780084" y="3861048"/>
+            <a:ext cx="1521570" cy="1015663"/>
+          </a:xfrm>
+          <a:prstGeom prst="rect">
+            <a:avLst/>
+          </a:prstGeom>
+          <a:noFill/>
+        </p:spPr>
+        <p:txBody>
+          <a:bodyPr wrap="none" rtlCol="0">
+            <a:spAutoFit/>
+          </a:bodyPr>
+          <a:lstStyle/>
+          <a:p>
+            <a:pPr>
+              <a:lnSpc>
+                <a:spcPct val="150000"/>
+              </a:lnSpc>
+            </a:pPr>
+            <a:r>
+              <a:rPr lang="zh-CN" altLang="en-US" sz="1000" b="1" dirty="0" smtClean="0">
+                <a:latin typeface="微软雅黑" pitchFamily="34" charset="-122"/>
+                <a:ea typeface="微软雅黑" pitchFamily="34" charset="-122"/>
+              </a:rPr>
+              <a:t>功能模块：</a:t>
+            </a:r>
+            <a:endParaRPr lang="en-US" altLang="zh-CN" sz="1000" b="1" dirty="0" smtClean="0">
+              <a:latin typeface="微软雅黑" pitchFamily="34" charset="-122"/>
+              <a:ea typeface="微软雅黑" pitchFamily="34" charset="-122"/>
+            </a:endParaRPr>
+          </a:p>
+          <a:p>
+            <a:pPr marL="171450" indent="-171450">
+              <a:lnSpc>
+                <a:spcPct val="150000"/>
+              </a:lnSpc>
+              <a:buFont typeface="Wingdings" pitchFamily="2" charset="2"/>
+              <a:buChar char="n"/>
+            </a:pPr>
+            <a:r>
+              <a:rPr lang="en-US" altLang="zh-CN" sz="1000" b="1" dirty="0" smtClean="0">
+                <a:latin typeface="微软雅黑" pitchFamily="34" charset="-122"/>
+                <a:ea typeface="微软雅黑" pitchFamily="34" charset="-122"/>
+              </a:rPr>
+              <a:t>DL</a:t>
+            </a:r>
+            <a:r>
+              <a:rPr lang="zh-CN" altLang="en-US" sz="1000" b="1" dirty="0" smtClean="0">
+                <a:latin typeface="微软雅黑" pitchFamily="34" charset="-122"/>
+                <a:ea typeface="微软雅黑" pitchFamily="34" charset="-122"/>
+              </a:rPr>
+              <a:t>模型训练</a:t>
+            </a:r>
+            <a:endParaRPr lang="en-US" altLang="zh-CN" sz="1000" b="1" dirty="0" smtClean="0">
+              <a:latin typeface="微软雅黑" pitchFamily="34" charset="-122"/>
+              <a:ea typeface="微软雅黑" pitchFamily="34" charset="-122"/>
+            </a:endParaRPr>
+          </a:p>
+          <a:p>
+            <a:pPr marL="171450" indent="-171450">
+              <a:lnSpc>
+                <a:spcPct val="150000"/>
+              </a:lnSpc>
+              <a:buFont typeface="Wingdings" pitchFamily="2" charset="2"/>
+              <a:buChar char="n"/>
+            </a:pPr>
+            <a:r>
+              <a:rPr lang="en-US" altLang="zh-CN" sz="1000" b="1" dirty="0" smtClean="0">
+                <a:latin typeface="微软雅黑" pitchFamily="34" charset="-122"/>
+                <a:ea typeface="微软雅黑" pitchFamily="34" charset="-122"/>
+              </a:rPr>
+              <a:t>DL</a:t>
+            </a:r>
+            <a:r>
+              <a:rPr lang="zh-CN" altLang="en-US" sz="1000" b="1" dirty="0" smtClean="0">
+                <a:latin typeface="微软雅黑" pitchFamily="34" charset="-122"/>
+                <a:ea typeface="微软雅黑" pitchFamily="34" charset="-122"/>
+              </a:rPr>
+              <a:t>模型预测</a:t>
+            </a:r>
+            <a:endParaRPr lang="en-US" altLang="zh-CN" sz="1000" b="1" dirty="0" smtClean="0">
+              <a:latin typeface="微软雅黑" pitchFamily="34" charset="-122"/>
+              <a:ea typeface="微软雅黑" pitchFamily="34" charset="-122"/>
+            </a:endParaRPr>
+          </a:p>
+          <a:p>
+            <a:pPr marL="171450" indent="-171450">
+              <a:lnSpc>
+                <a:spcPct val="150000"/>
+              </a:lnSpc>
+              <a:buFont typeface="Wingdings" pitchFamily="2" charset="2"/>
+              <a:buChar char="n"/>
+            </a:pPr>
+            <a:r>
+              <a:rPr lang="zh-CN" altLang="en-US" sz="1000" b="1" dirty="0" smtClean="0">
+                <a:latin typeface="微软雅黑" pitchFamily="34" charset="-122"/>
+                <a:ea typeface="微软雅黑" pitchFamily="34" charset="-122"/>
+              </a:rPr>
+              <a:t>接收图像 </a:t>
+            </a:r>
+            <a:r>
+              <a:rPr lang="en-US" altLang="zh-CN" sz="1000" b="1" dirty="0" smtClean="0">
+                <a:latin typeface="微软雅黑" pitchFamily="34" charset="-122"/>
+                <a:ea typeface="微软雅黑" pitchFamily="34" charset="-122"/>
+              </a:rPr>
+              <a:t>/ </a:t>
+            </a:r>
+            <a:r>
+              <a:rPr lang="zh-CN" altLang="en-US" sz="1000" b="1" dirty="0" smtClean="0">
+                <a:latin typeface="微软雅黑" pitchFamily="34" charset="-122"/>
+                <a:ea typeface="微软雅黑" pitchFamily="34" charset="-122"/>
+              </a:rPr>
+              <a:t>反馈结果</a:t>
+            </a:r>
+            <a:endParaRPr lang="zh-CN" altLang="en-US" sz="1000" b="1" dirty="0">
+              <a:latin typeface="微软雅黑" pitchFamily="34" charset="-122"/>
+              <a:ea typeface="微软雅黑" pitchFamily="34" charset="-122"/>
+            </a:endParaRPr>
+          </a:p>
+        </p:txBody>
+      </p:sp>
+      <p:cxnSp>
+        <p:nvCxnSpPr>
+          <p:cNvPr id="5" name="直接箭头连接符 4"/>
+          <p:cNvCxnSpPr/>
+          <p:nvPr/>
+        </p:nvCxnSpPr>
+        <p:spPr>
+          <a:xfrm>
+            <a:off x="3347864" y="2420888"/>
+            <a:ext cx="1800200" cy="0"/>
+          </a:xfrm>
+          <a:prstGeom prst="straightConnector1">
+            <a:avLst/>
+          </a:prstGeom>
+          <a:ln w="19050">
+            <a:solidFill>
+              <a:schemeClr val="tx1"/>
+            </a:solidFill>
+            <a:headEnd type="none" w="med" len="med"/>
+            <a:tailEnd type="triangle" w="med" len="med"/>
+          </a:ln>
+        </p:spPr>
+        <p:style>
+          <a:lnRef idx="1">
+            <a:schemeClr val="accent1"/>
+          </a:lnRef>
+          <a:fillRef idx="0">
+            <a:schemeClr val="accent1"/>
+          </a:fillRef>
+          <a:effectRef idx="0">
+            <a:schemeClr val="accent1"/>
+          </a:effectRef>
+          <a:fontRef idx="minor">
+            <a:schemeClr val="tx1"/>
+          </a:fontRef>
+        </p:style>
+      </p:cxnSp>
+      <p:cxnSp>
+        <p:nvCxnSpPr>
+          <p:cNvPr id="14" name="直接箭头连接符 13"/>
+          <p:cNvCxnSpPr/>
+          <p:nvPr/>
+        </p:nvCxnSpPr>
+        <p:spPr>
+          <a:xfrm flipH="1">
+            <a:off x="3347864" y="2771207"/>
+            <a:ext cx="1800200" cy="0"/>
+          </a:xfrm>
+          <a:prstGeom prst="straightConnector1">
+            <a:avLst/>
+          </a:prstGeom>
+          <a:ln w="19050">
+            <a:solidFill>
+              <a:schemeClr val="tx1"/>
+            </a:solidFill>
+            <a:headEnd type="none" w="med" len="med"/>
+            <a:tailEnd type="triangle" w="med" len="med"/>
+          </a:ln>
+        </p:spPr>
+        <p:style>
+          <a:lnRef idx="1">
+            <a:schemeClr val="accent1"/>
+          </a:lnRef>
+          <a:fillRef idx="0">
+            <a:schemeClr val="accent1"/>
+          </a:fillRef>
+          <a:effectRef idx="0">
+            <a:schemeClr val="accent1"/>
+          </a:effectRef>
+          <a:fontRef idx="minor">
+            <a:schemeClr val="tx1"/>
+          </a:fontRef>
+        </p:style>
+      </p:cxnSp>
+      <p:sp>
+        <p:nvSpPr>
+          <p:cNvPr id="6" name="TextBox 5"/>
+          <p:cNvSpPr txBox="1"/>
+          <p:nvPr/>
+        </p:nvSpPr>
+        <p:spPr>
+          <a:xfrm>
+            <a:off x="3519643" y="1739739"/>
+            <a:ext cx="1397819" cy="646331"/>
+          </a:xfrm>
+          <a:prstGeom prst="rect">
+            <a:avLst/>
+          </a:prstGeom>
+          <a:noFill/>
+        </p:spPr>
+        <p:txBody>
+          <a:bodyPr wrap="none" rtlCol="0">
+            <a:spAutoFit/>
+          </a:bodyPr>
+          <a:lstStyle/>
+          <a:p>
+            <a:r>
+              <a:rPr lang="en-US" altLang="zh-CN" dirty="0" smtClean="0"/>
+              <a:t>Request</a:t>
+            </a:r>
+          </a:p>
+          <a:p>
+            <a:r>
+              <a:rPr lang="en-US" altLang="zh-CN" dirty="0" err="1" smtClean="0"/>
+              <a:t>Json</a:t>
+            </a:r>
+            <a:r>
+              <a:rPr lang="zh-CN" altLang="en-US" dirty="0" smtClean="0"/>
+              <a:t>：</a:t>
+            </a:r>
+            <a:r>
+              <a:rPr lang="en-US" altLang="zh-CN" dirty="0"/>
+              <a:t>Image</a:t>
+            </a:r>
+            <a:endParaRPr lang="zh-CN" altLang="en-US" dirty="0"/>
+          </a:p>
+        </p:txBody>
+      </p:sp>
+      <p:sp>
+        <p:nvSpPr>
+          <p:cNvPr id="16" name="TextBox 15"/>
+          <p:cNvSpPr txBox="1"/>
+          <p:nvPr/>
+        </p:nvSpPr>
+        <p:spPr>
+          <a:xfrm>
+            <a:off x="3519643" y="2770505"/>
+            <a:ext cx="1400512" cy="646331"/>
+          </a:xfrm>
+          <a:prstGeom prst="rect">
+            <a:avLst/>
+          </a:prstGeom>
+          <a:noFill/>
+        </p:spPr>
+        <p:txBody>
+          <a:bodyPr wrap="none" rtlCol="0">
+            <a:spAutoFit/>
+          </a:bodyPr>
+          <a:lstStyle/>
+          <a:p>
+            <a:r>
+              <a:rPr lang="en-US" altLang="zh-CN" dirty="0" err="1" smtClean="0"/>
+              <a:t>Json</a:t>
+            </a:r>
+            <a:r>
+              <a:rPr lang="zh-CN" altLang="en-US" dirty="0" smtClean="0"/>
+              <a:t>：</a:t>
+            </a:r>
+            <a:r>
+              <a:rPr lang="en-US" altLang="zh-CN" dirty="0" smtClean="0"/>
+              <a:t>Result</a:t>
+            </a:r>
+          </a:p>
+          <a:p>
+            <a:r>
+              <a:rPr lang="en-US" altLang="zh-CN" dirty="0"/>
+              <a:t>Response</a:t>
+            </a:r>
+            <a:endParaRPr lang="zh-CN" altLang="en-US" dirty="0"/>
+          </a:p>
+        </p:txBody>
+      </p:sp>
+      <p:sp>
+        <p:nvSpPr>
+          <p:cNvPr id="17" name="TextBox 16"/>
+          <p:cNvSpPr txBox="1"/>
+          <p:nvPr/>
+        </p:nvSpPr>
+        <p:spPr>
+          <a:xfrm>
+            <a:off x="3563889" y="2471894"/>
+            <a:ext cx="1369286" cy="261610"/>
+          </a:xfrm>
+          <a:prstGeom prst="rect">
+            <a:avLst/>
+          </a:prstGeom>
+          <a:noFill/>
+        </p:spPr>
+        <p:txBody>
+          <a:bodyPr wrap="none" rtlCol="0">
+            <a:spAutoFit/>
+          </a:bodyPr>
+          <a:lstStyle/>
+          <a:p>
+            <a:r>
+              <a:rPr lang="en-US" altLang="zh-CN" sz="1100" dirty="0" smtClean="0">
+                <a:solidFill>
+                  <a:srgbClr val="0000FF"/>
+                </a:solidFill>
+                <a:latin typeface="微软雅黑" pitchFamily="34" charset="-122"/>
+                <a:ea typeface="微软雅黑" pitchFamily="34" charset="-122"/>
+              </a:rPr>
+              <a:t>HTTP </a:t>
+            </a:r>
+            <a:r>
+              <a:rPr lang="zh-CN" altLang="en-US" sz="1100" dirty="0" smtClean="0">
+                <a:solidFill>
+                  <a:srgbClr val="0000FF"/>
+                </a:solidFill>
+                <a:latin typeface="微软雅黑" pitchFamily="34" charset="-122"/>
+                <a:ea typeface="微软雅黑" pitchFamily="34" charset="-122"/>
+              </a:rPr>
+              <a:t>协议：</a:t>
+            </a:r>
+            <a:r>
+              <a:rPr lang="en-US" altLang="zh-CN" sz="1100" dirty="0" smtClean="0">
+                <a:solidFill>
+                  <a:srgbClr val="0000FF"/>
+                </a:solidFill>
+                <a:latin typeface="微软雅黑" pitchFamily="34" charset="-122"/>
+                <a:ea typeface="微软雅黑" pitchFamily="34" charset="-122"/>
+              </a:rPr>
+              <a:t>POST</a:t>
+            </a:r>
+            <a:endParaRPr lang="zh-CN" altLang="en-US" sz="1100" dirty="0">
+              <a:solidFill>
+                <a:srgbClr val="0000FF"/>
+              </a:solidFill>
+              <a:latin typeface="微软雅黑" pitchFamily="34" charset="-122"/>
+              <a:ea typeface="微软雅黑" pitchFamily="34" charset="-122"/>
+            </a:endParaRPr>
+          </a:p>
+        </p:txBody>
+      </p:sp>
+      <p:sp>
+        <p:nvSpPr>
+          <p:cNvPr id="18" name="TextBox 17"/>
+          <p:cNvSpPr txBox="1"/>
+          <p:nvPr/>
+        </p:nvSpPr>
+        <p:spPr>
+          <a:xfrm>
+            <a:off x="6496625" y="2137940"/>
+            <a:ext cx="1936749" cy="246221"/>
+          </a:xfrm>
+          <a:prstGeom prst="rect">
+            <a:avLst/>
+          </a:prstGeom>
+          <a:noFill/>
+        </p:spPr>
+        <p:txBody>
+          <a:bodyPr wrap="none" rtlCol="0">
+            <a:spAutoFit/>
+          </a:bodyPr>
+          <a:lstStyle/>
+          <a:p>
+            <a:r>
+              <a:rPr lang="en-US" altLang="zh-CN" sz="1000" b="1" dirty="0" err="1" smtClean="0">
+                <a:solidFill>
+                  <a:schemeClr val="accent6">
+                    <a:lumMod val="75000"/>
+                  </a:schemeClr>
+                </a:solidFill>
+                <a:latin typeface="微软雅黑" pitchFamily="34" charset="-122"/>
+                <a:ea typeface="微软雅黑" pitchFamily="34" charset="-122"/>
+              </a:rPr>
+              <a:t>RESTful</a:t>
+            </a:r>
+            <a:r>
+              <a:rPr lang="en-US" altLang="zh-CN" sz="1000" b="1" dirty="0" smtClean="0">
+                <a:solidFill>
+                  <a:schemeClr val="accent6">
+                    <a:lumMod val="75000"/>
+                  </a:schemeClr>
+                </a:solidFill>
+                <a:latin typeface="微软雅黑" pitchFamily="34" charset="-122"/>
+                <a:ea typeface="微软雅黑" pitchFamily="34" charset="-122"/>
+              </a:rPr>
+              <a:t> </a:t>
+            </a:r>
+            <a:r>
+              <a:rPr lang="zh-CN" altLang="en-US" sz="1000" b="1" dirty="0" smtClean="0">
+                <a:solidFill>
+                  <a:schemeClr val="accent6">
+                    <a:lumMod val="75000"/>
+                  </a:schemeClr>
+                </a:solidFill>
+                <a:latin typeface="微软雅黑" pitchFamily="34" charset="-122"/>
+                <a:ea typeface="微软雅黑" pitchFamily="34" charset="-122"/>
+              </a:rPr>
+              <a:t>架构的 </a:t>
+            </a:r>
+            <a:r>
+              <a:rPr lang="en-US" altLang="zh-CN" sz="1000" b="1" dirty="0" smtClean="0">
+                <a:solidFill>
+                  <a:schemeClr val="accent6">
+                    <a:lumMod val="75000"/>
+                  </a:schemeClr>
+                </a:solidFill>
+                <a:latin typeface="微软雅黑" pitchFamily="34" charset="-122"/>
+                <a:ea typeface="微软雅黑" pitchFamily="34" charset="-122"/>
+              </a:rPr>
+              <a:t>Web</a:t>
+            </a:r>
+            <a:r>
+              <a:rPr lang="zh-CN" altLang="en-US" sz="1000" b="1" dirty="0" smtClean="0">
+                <a:solidFill>
+                  <a:schemeClr val="accent6">
+                    <a:lumMod val="75000"/>
+                  </a:schemeClr>
+                </a:solidFill>
+                <a:latin typeface="微软雅黑" pitchFamily="34" charset="-122"/>
+                <a:ea typeface="微软雅黑" pitchFamily="34" charset="-122"/>
+              </a:rPr>
+              <a:t> </a:t>
+            </a:r>
+            <a:r>
+              <a:rPr lang="en-US" altLang="zh-CN" sz="1000" b="1" dirty="0" smtClean="0">
+                <a:solidFill>
+                  <a:schemeClr val="accent6">
+                    <a:lumMod val="75000"/>
+                  </a:schemeClr>
+                </a:solidFill>
+                <a:latin typeface="微软雅黑" pitchFamily="34" charset="-122"/>
+                <a:ea typeface="微软雅黑" pitchFamily="34" charset="-122"/>
+              </a:rPr>
+              <a:t>Service</a:t>
+            </a:r>
+          </a:p>
+        </p:txBody>
+      </p:sp>
+      <p:sp>
+        <p:nvSpPr>
+          <p:cNvPr id="7" name="矩形 6"/>
+          <p:cNvSpPr/>
+          <p:nvPr/>
+        </p:nvSpPr>
+        <p:spPr>
+          <a:xfrm>
+            <a:off x="6540869" y="2449854"/>
+            <a:ext cx="1443344" cy="830997"/>
+          </a:xfrm>
+          <a:prstGeom prst="rect">
+            <a:avLst/>
+          </a:prstGeom>
+        </p:spPr>
+        <p:txBody>
+          <a:bodyPr wrap="none">
+            <a:spAutoFit/>
+          </a:bodyPr>
+          <a:lstStyle/>
+          <a:p>
+            <a:pPr algn="ctr" latinLnBrk="1">
+              <a:lnSpc>
+                <a:spcPct val="150000"/>
+              </a:lnSpc>
+            </a:pPr>
+            <a:r>
+              <a:rPr lang="en-US" altLang="zh-CN" sz="1600" b="1" dirty="0" smtClean="0"/>
+              <a:t>Apache + </a:t>
+            </a:r>
+            <a:r>
+              <a:rPr lang="en-US" altLang="zh-CN" sz="1600" b="1" dirty="0" err="1" smtClean="0"/>
+              <a:t>wsgi</a:t>
+            </a:r>
+            <a:r>
+              <a:rPr lang="en-US" altLang="zh-CN" sz="1600" b="1" dirty="0" smtClean="0"/>
+              <a:t> </a:t>
+            </a:r>
+          </a:p>
+          <a:p>
+            <a:pPr algn="ctr" latinLnBrk="1">
+              <a:lnSpc>
+                <a:spcPct val="150000"/>
+              </a:lnSpc>
+            </a:pPr>
+            <a:r>
+              <a:rPr lang="en-US" altLang="zh-CN" sz="1600" b="1" dirty="0" smtClean="0"/>
+              <a:t>+ Flask</a:t>
+            </a:r>
+            <a:endParaRPr lang="en-US" altLang="zh-CN" sz="1600" b="1" dirty="0"/>
+          </a:p>
+        </p:txBody>
+      </p:sp>
+      <p:sp>
+        <p:nvSpPr>
+          <p:cNvPr id="20" name="TextBox 19"/>
+          <p:cNvSpPr txBox="1"/>
+          <p:nvPr/>
+        </p:nvSpPr>
+        <p:spPr>
+          <a:xfrm>
+            <a:off x="6939518" y="1452336"/>
+            <a:ext cx="1605207" cy="338554"/>
+          </a:xfrm>
+          <a:prstGeom prst="rect">
+            <a:avLst/>
+          </a:prstGeom>
+          <a:noFill/>
+        </p:spPr>
+        <p:txBody>
+          <a:bodyPr wrap="square" rtlCol="0">
+            <a:spAutoFit/>
+          </a:bodyPr>
+          <a:lstStyle/>
+          <a:p>
+            <a:r>
+              <a:rPr lang="en-US" altLang="zh-CN" sz="800" dirty="0" smtClean="0">
+                <a:solidFill>
+                  <a:schemeClr val="accent6">
+                    <a:lumMod val="75000"/>
+                  </a:schemeClr>
+                </a:solidFill>
+                <a:latin typeface="微软雅黑" pitchFamily="34" charset="-122"/>
+                <a:ea typeface="微软雅黑" pitchFamily="34" charset="-122"/>
+              </a:rPr>
+              <a:t>* </a:t>
+            </a:r>
+            <a:r>
+              <a:rPr lang="zh-CN" altLang="en-US" sz="800" dirty="0" smtClean="0">
+                <a:solidFill>
+                  <a:schemeClr val="accent6">
+                    <a:lumMod val="75000"/>
+                  </a:schemeClr>
+                </a:solidFill>
+                <a:latin typeface="微软雅黑" pitchFamily="34" charset="-122"/>
+                <a:ea typeface="微软雅黑" pitchFamily="34" charset="-122"/>
+              </a:rPr>
+              <a:t>也可以直接同</a:t>
+            </a:r>
+            <a:r>
+              <a:rPr lang="en-US" altLang="zh-CN" sz="800" dirty="0" smtClean="0">
+                <a:solidFill>
+                  <a:schemeClr val="accent6">
+                    <a:lumMod val="75000"/>
+                  </a:schemeClr>
+                </a:solidFill>
+                <a:latin typeface="微软雅黑" pitchFamily="34" charset="-122"/>
+                <a:ea typeface="微软雅黑" pitchFamily="34" charset="-122"/>
+              </a:rPr>
+              <a:t>1</a:t>
+            </a:r>
+            <a:r>
+              <a:rPr lang="zh-CN" altLang="en-US" sz="800" dirty="0" smtClean="0">
+                <a:solidFill>
+                  <a:schemeClr val="accent6">
+                    <a:lumMod val="75000"/>
+                  </a:schemeClr>
+                </a:solidFill>
+                <a:latin typeface="微软雅黑" pitchFamily="34" charset="-122"/>
+                <a:ea typeface="微软雅黑" pitchFamily="34" charset="-122"/>
+              </a:rPr>
+              <a:t>台</a:t>
+            </a:r>
+            <a:r>
+              <a:rPr lang="en-US" altLang="zh-CN" sz="800" dirty="0" smtClean="0">
+                <a:solidFill>
+                  <a:schemeClr val="accent6">
+                    <a:lumMod val="75000"/>
+                  </a:schemeClr>
+                </a:solidFill>
+                <a:latin typeface="微软雅黑" pitchFamily="34" charset="-122"/>
+                <a:ea typeface="微软雅黑" pitchFamily="34" charset="-122"/>
+              </a:rPr>
+              <a:t>PC</a:t>
+            </a:r>
+            <a:r>
+              <a:rPr lang="zh-CN" altLang="en-US" sz="800" dirty="0" smtClean="0">
+                <a:solidFill>
+                  <a:schemeClr val="accent6">
+                    <a:lumMod val="75000"/>
+                  </a:schemeClr>
+                </a:solidFill>
+                <a:latin typeface="微软雅黑" pitchFamily="34" charset="-122"/>
+                <a:ea typeface="微软雅黑" pitchFamily="34" charset="-122"/>
+              </a:rPr>
+              <a:t>同时做服务器和客户端，</a:t>
+            </a:r>
+            <a:r>
+              <a:rPr lang="en-US" altLang="zh-CN" sz="800" dirty="0" smtClean="0">
+                <a:solidFill>
+                  <a:schemeClr val="accent6">
+                    <a:lumMod val="75000"/>
+                  </a:schemeClr>
+                </a:solidFill>
+                <a:latin typeface="微软雅黑" pitchFamily="34" charset="-122"/>
+                <a:ea typeface="微软雅黑" pitchFamily="34" charset="-122"/>
+              </a:rPr>
+              <a:t>127.0.0.1</a:t>
+            </a:r>
+            <a:r>
+              <a:rPr lang="zh-CN" altLang="en-US" sz="800" dirty="0" smtClean="0">
+                <a:solidFill>
+                  <a:schemeClr val="accent6">
+                    <a:lumMod val="75000"/>
+                  </a:schemeClr>
+                </a:solidFill>
+                <a:latin typeface="微软雅黑" pitchFamily="34" charset="-122"/>
+                <a:ea typeface="微软雅黑" pitchFamily="34" charset="-122"/>
+              </a:rPr>
+              <a:t>通讯</a:t>
+            </a:r>
+            <a:endParaRPr lang="zh-CN" altLang="en-US" sz="800" dirty="0">
+              <a:solidFill>
+                <a:schemeClr val="accent6">
+                  <a:lumMod val="75000"/>
+                </a:schemeClr>
+              </a:solidFill>
+              <a:latin typeface="微软雅黑" pitchFamily="34" charset="-122"/>
+              <a:ea typeface="微软雅黑" pitchFamily="34" charset="-122"/>
+            </a:endParaRPr>
+          </a:p>
+        </p:txBody>
+      </p:sp>
+      <p:sp>
+        <p:nvSpPr>
+          <p:cNvPr id="21" name="TextBox 20"/>
+          <p:cNvSpPr txBox="1"/>
+          <p:nvPr/>
+        </p:nvSpPr>
+        <p:spPr>
+          <a:xfrm>
+            <a:off x="2810990" y="6165304"/>
+            <a:ext cx="1723549" cy="323165"/>
+          </a:xfrm>
+          <a:prstGeom prst="rect">
+            <a:avLst/>
+          </a:prstGeom>
+          <a:noFill/>
+        </p:spPr>
+        <p:txBody>
+          <a:bodyPr wrap="none" rtlCol="0">
+            <a:spAutoFit/>
+          </a:bodyPr>
+          <a:lstStyle/>
+          <a:p>
+            <a:pPr>
+              <a:lnSpc>
+                <a:spcPct val="150000"/>
+              </a:lnSpc>
+            </a:pPr>
+            <a:r>
+              <a:rPr lang="zh-CN" altLang="en-US" sz="1000" b="1" dirty="0" smtClean="0">
+                <a:latin typeface="微软雅黑" pitchFamily="34" charset="-122"/>
+                <a:ea typeface="微软雅黑" pitchFamily="34" charset="-122"/>
+              </a:rPr>
+              <a:t>支持多客户端并发数据处理</a:t>
+            </a:r>
+            <a:endParaRPr lang="zh-CN" altLang="en-US" sz="1000" b="1" dirty="0">
+              <a:latin typeface="微软雅黑" pitchFamily="34" charset="-122"/>
+              <a:ea typeface="微软雅黑" pitchFamily="34" charset="-122"/>
+            </a:endParaRPr>
+          </a:p>
+        </p:txBody>
+      </p:sp>
     </p:spTree>
     <p:extLst>
       <p:ext uri="{BB962C8B-B14F-4D97-AF65-F5344CB8AC3E}">
-        <p14:creationId xmlns:p14="http://schemas.microsoft.com/office/powerpoint/2010/main" val="2929489343"/>
+        <p14:creationId xmlns:p14="http://schemas.microsoft.com/office/powerpoint/2010/main" val="3202063752"/>
       </p:ext>
     </p:extLst>
   </p:cSld>
   <p:clrMapOvr>
     <a:masterClrMapping/>
   </p:clrMapOvr>
+  <p:timing>
+    <p:tnLst>
+      <p:par>
+        <p:cTn id="1" dur="indefinite" restart="never" nodeType="tmRoot"/>
+      </p:par>
+    </p:tnLst>
+  </p:timing>
+</p:sld>
+</file>
+
+<file path=ppt/slides/slide17.xml><?xml version="1.0" encoding="utf-8"?>
+<p:sld xmlns:a="http://schemas.openxmlformats.org/drawingml/2006/main" xmlns:r="http://schemas.openxmlformats.org/officeDocument/2006/relationships" xmlns:p="http://schemas.openxmlformats.org/presentationml/2006/main">
+  <p:cSld>
+    <p:spTree>
+      <p:nvGrpSpPr>
+        <p:cNvPr id="1" name=""/>
+        <p:cNvGrpSpPr/>
+        <p:nvPr/>
+      </p:nvGrpSpPr>
+      <p:grpSpPr>
+        <a:xfrm>
+          <a:off x="0" y="0"/>
+          <a:ext cx="0" cy="0"/>
+          <a:chOff x="0" y="0"/>
+          <a:chExt cx="0" cy="0"/>
+        </a:xfrm>
+      </p:grpSpPr>
+      <p:sp>
+        <p:nvSpPr>
+          <p:cNvPr id="3" name="圆角矩形 2"/>
+          <p:cNvSpPr/>
+          <p:nvPr/>
+        </p:nvSpPr>
+        <p:spPr>
+          <a:xfrm>
+            <a:off x="2628655" y="1556790"/>
+            <a:ext cx="995517" cy="247713"/>
+          </a:xfrm>
+          <a:prstGeom prst="roundRect">
+            <a:avLst/>
+          </a:prstGeom>
+          <a:noFill/>
+          <a:ln w="12700">
+            <a:solidFill>
+              <a:schemeClr val="bg1">
+                <a:lumMod val="85000"/>
+              </a:schemeClr>
+            </a:solidFill>
+          </a:ln>
+        </p:spPr>
+        <p:style>
+          <a:lnRef idx="2">
+            <a:schemeClr val="accent1">
+              <a:shade val="50000"/>
+            </a:schemeClr>
+          </a:lnRef>
+          <a:fillRef idx="1">
+            <a:schemeClr val="accent1"/>
+          </a:fillRef>
+          <a:effectRef idx="0">
+            <a:schemeClr val="accent1"/>
+          </a:effectRef>
+          <a:fontRef idx="minor">
+            <a:schemeClr val="lt1"/>
+          </a:fontRef>
+        </p:style>
+        <p:txBody>
+          <a:bodyPr rtlCol="0" anchor="ctr"/>
+          <a:lstStyle/>
+          <a:p>
+            <a:pPr algn="ctr"/>
+            <a:r>
+              <a:rPr lang="zh-CN" altLang="en-US" sz="1050" dirty="0" smtClean="0">
+                <a:solidFill>
+                  <a:schemeClr val="tx1"/>
+                </a:solidFill>
+                <a:latin typeface="微软雅黑" pitchFamily="34" charset="-122"/>
+                <a:ea typeface="微软雅黑" pitchFamily="34" charset="-122"/>
+              </a:rPr>
+              <a:t>图像输入</a:t>
+            </a:r>
+            <a:endParaRPr lang="zh-CN" altLang="en-US" sz="1050" dirty="0">
+              <a:solidFill>
+                <a:schemeClr val="tx1"/>
+              </a:solidFill>
+              <a:latin typeface="微软雅黑" pitchFamily="34" charset="-122"/>
+              <a:ea typeface="微软雅黑" pitchFamily="34" charset="-122"/>
+            </a:endParaRPr>
+          </a:p>
+        </p:txBody>
+      </p:sp>
+      <p:sp>
+        <p:nvSpPr>
+          <p:cNvPr id="4" name="下箭头 3"/>
+          <p:cNvSpPr/>
+          <p:nvPr/>
+        </p:nvSpPr>
+        <p:spPr>
+          <a:xfrm>
+            <a:off x="3013134" y="1889177"/>
+            <a:ext cx="137718" cy="144016"/>
+          </a:xfrm>
+          <a:prstGeom prst="downArrow">
+            <a:avLst/>
+          </a:prstGeom>
+          <a:noFill/>
+          <a:ln w="12700">
+            <a:solidFill>
+              <a:schemeClr val="bg1">
+                <a:lumMod val="50000"/>
+              </a:schemeClr>
+            </a:solidFill>
+          </a:ln>
+        </p:spPr>
+        <p:style>
+          <a:lnRef idx="2">
+            <a:schemeClr val="accent1">
+              <a:shade val="50000"/>
+            </a:schemeClr>
+          </a:lnRef>
+          <a:fillRef idx="1">
+            <a:schemeClr val="accent1"/>
+          </a:fillRef>
+          <a:effectRef idx="0">
+            <a:schemeClr val="accent1"/>
+          </a:effectRef>
+          <a:fontRef idx="minor">
+            <a:schemeClr val="lt1"/>
+          </a:fontRef>
+        </p:style>
+        <p:txBody>
+          <a:bodyPr rtlCol="0" anchor="ctr"/>
+          <a:lstStyle/>
+          <a:p>
+            <a:pPr algn="ctr"/>
+            <a:endParaRPr lang="zh-CN" altLang="en-US" sz="1050">
+              <a:latin typeface="微软雅黑" pitchFamily="34" charset="-122"/>
+              <a:ea typeface="微软雅黑" pitchFamily="34" charset="-122"/>
+            </a:endParaRPr>
+          </a:p>
+        </p:txBody>
+      </p:sp>
+      <p:sp>
+        <p:nvSpPr>
+          <p:cNvPr id="5" name="圆角矩形 4"/>
+          <p:cNvSpPr/>
+          <p:nvPr/>
+        </p:nvSpPr>
+        <p:spPr>
+          <a:xfrm>
+            <a:off x="2139591" y="2112696"/>
+            <a:ext cx="1884804" cy="864096"/>
+          </a:xfrm>
+          <a:prstGeom prst="roundRect">
+            <a:avLst>
+              <a:gd name="adj" fmla="val 2579"/>
+            </a:avLst>
+          </a:prstGeom>
+          <a:noFill/>
+          <a:ln w="12700">
+            <a:solidFill>
+              <a:schemeClr val="bg1">
+                <a:lumMod val="85000"/>
+              </a:schemeClr>
+            </a:solidFill>
+          </a:ln>
+        </p:spPr>
+        <p:style>
+          <a:lnRef idx="2">
+            <a:schemeClr val="accent1">
+              <a:shade val="50000"/>
+            </a:schemeClr>
+          </a:lnRef>
+          <a:fillRef idx="1">
+            <a:schemeClr val="accent1"/>
+          </a:fillRef>
+          <a:effectRef idx="0">
+            <a:schemeClr val="accent1"/>
+          </a:effectRef>
+          <a:fontRef idx="minor">
+            <a:schemeClr val="lt1"/>
+          </a:fontRef>
+        </p:style>
+        <p:txBody>
+          <a:bodyPr rtlCol="0" anchor="ctr"/>
+          <a:lstStyle/>
+          <a:p>
+            <a:pPr algn="ctr">
+              <a:lnSpc>
+                <a:spcPct val="150000"/>
+              </a:lnSpc>
+            </a:pPr>
+            <a:r>
+              <a:rPr lang="zh-CN" altLang="en-US" sz="1050" dirty="0" smtClean="0">
+                <a:solidFill>
+                  <a:schemeClr val="tx1"/>
+                </a:solidFill>
+                <a:latin typeface="微软雅黑" pitchFamily="34" charset="-122"/>
+                <a:ea typeface="微软雅黑" pitchFamily="34" charset="-122"/>
+              </a:rPr>
+              <a:t>图像处理</a:t>
+            </a:r>
+            <a:endParaRPr lang="en-US" altLang="zh-CN" sz="1050" dirty="0" smtClean="0">
+              <a:solidFill>
+                <a:schemeClr val="tx1"/>
+              </a:solidFill>
+              <a:latin typeface="微软雅黑" pitchFamily="34" charset="-122"/>
+              <a:ea typeface="微软雅黑" pitchFamily="34" charset="-122"/>
+            </a:endParaRPr>
+          </a:p>
+          <a:p>
+            <a:pPr algn="ctr">
+              <a:lnSpc>
+                <a:spcPct val="150000"/>
+              </a:lnSpc>
+            </a:pPr>
+            <a:r>
+              <a:rPr lang="en-US" altLang="zh-CN" sz="1050" dirty="0" smtClean="0">
+                <a:solidFill>
+                  <a:schemeClr val="tx1"/>
+                </a:solidFill>
+                <a:latin typeface="微软雅黑" pitchFamily="34" charset="-122"/>
+                <a:ea typeface="微软雅黑" pitchFamily="34" charset="-122"/>
+              </a:rPr>
+              <a:t>[ </a:t>
+            </a:r>
+            <a:r>
+              <a:rPr lang="en-US" altLang="zh-CN" sz="1050" dirty="0" err="1" smtClean="0">
+                <a:solidFill>
+                  <a:schemeClr val="tx1"/>
+                </a:solidFill>
+                <a:latin typeface="微软雅黑" pitchFamily="34" charset="-122"/>
+                <a:ea typeface="微软雅黑" pitchFamily="34" charset="-122"/>
+              </a:rPr>
+              <a:t>OpenCV</a:t>
+            </a:r>
+            <a:r>
+              <a:rPr lang="en-US" altLang="zh-CN" sz="1050" dirty="0" smtClean="0">
+                <a:solidFill>
+                  <a:schemeClr val="tx1"/>
+                </a:solidFill>
+                <a:latin typeface="微软雅黑" pitchFamily="34" charset="-122"/>
+                <a:ea typeface="微软雅黑" pitchFamily="34" charset="-122"/>
+              </a:rPr>
+              <a:t> or </a:t>
+            </a:r>
+            <a:r>
+              <a:rPr lang="en-US" altLang="zh-CN" sz="1050" dirty="0" err="1" smtClean="0">
+                <a:solidFill>
+                  <a:schemeClr val="tx1"/>
+                </a:solidFill>
+                <a:latin typeface="微软雅黑" pitchFamily="34" charset="-122"/>
+                <a:ea typeface="微软雅黑" pitchFamily="34" charset="-122"/>
+              </a:rPr>
+              <a:t>Halcon</a:t>
+            </a:r>
+            <a:r>
+              <a:rPr lang="en-US" altLang="zh-CN" sz="1050" dirty="0" smtClean="0">
+                <a:solidFill>
+                  <a:schemeClr val="tx1"/>
+                </a:solidFill>
+                <a:latin typeface="微软雅黑" pitchFamily="34" charset="-122"/>
+                <a:ea typeface="微软雅黑" pitchFamily="34" charset="-122"/>
+              </a:rPr>
+              <a:t> ]</a:t>
+            </a:r>
+            <a:endParaRPr lang="zh-CN" altLang="en-US" sz="1050" dirty="0">
+              <a:solidFill>
+                <a:schemeClr val="tx1"/>
+              </a:solidFill>
+              <a:latin typeface="微软雅黑" pitchFamily="34" charset="-122"/>
+              <a:ea typeface="微软雅黑" pitchFamily="34" charset="-122"/>
+            </a:endParaRPr>
+          </a:p>
+        </p:txBody>
+      </p:sp>
+      <p:sp>
+        <p:nvSpPr>
+          <p:cNvPr id="6" name="圆角矩形 5"/>
+          <p:cNvSpPr/>
+          <p:nvPr/>
+        </p:nvSpPr>
+        <p:spPr>
+          <a:xfrm>
+            <a:off x="2139592" y="3308991"/>
+            <a:ext cx="1884803" cy="247713"/>
+          </a:xfrm>
+          <a:prstGeom prst="roundRect">
+            <a:avLst>
+              <a:gd name="adj" fmla="val 4564"/>
+            </a:avLst>
+          </a:prstGeom>
+          <a:noFill/>
+          <a:ln w="12700">
+            <a:solidFill>
+              <a:schemeClr val="bg1">
+                <a:lumMod val="85000"/>
+              </a:schemeClr>
+            </a:solidFill>
+          </a:ln>
+        </p:spPr>
+        <p:style>
+          <a:lnRef idx="2">
+            <a:schemeClr val="accent1">
+              <a:shade val="50000"/>
+            </a:schemeClr>
+          </a:lnRef>
+          <a:fillRef idx="1">
+            <a:schemeClr val="accent1"/>
+          </a:fillRef>
+          <a:effectRef idx="0">
+            <a:schemeClr val="accent1"/>
+          </a:effectRef>
+          <a:fontRef idx="minor">
+            <a:schemeClr val="lt1"/>
+          </a:fontRef>
+        </p:style>
+        <p:txBody>
+          <a:bodyPr rtlCol="0" anchor="ctr"/>
+          <a:lstStyle/>
+          <a:p>
+            <a:pPr algn="ctr"/>
+            <a:r>
+              <a:rPr lang="zh-CN" altLang="en-US" sz="1050" dirty="0" smtClean="0">
+                <a:solidFill>
+                  <a:schemeClr val="tx1"/>
+                </a:solidFill>
+                <a:latin typeface="微软雅黑" pitchFamily="34" charset="-122"/>
+                <a:ea typeface="微软雅黑" pitchFamily="34" charset="-122"/>
+              </a:rPr>
+              <a:t>图像输出</a:t>
+            </a:r>
+            <a:endParaRPr lang="zh-CN" altLang="en-US" sz="1050" dirty="0">
+              <a:solidFill>
+                <a:schemeClr val="tx1"/>
+              </a:solidFill>
+              <a:latin typeface="微软雅黑" pitchFamily="34" charset="-122"/>
+              <a:ea typeface="微软雅黑" pitchFamily="34" charset="-122"/>
+            </a:endParaRPr>
+          </a:p>
+        </p:txBody>
+      </p:sp>
+      <p:sp>
+        <p:nvSpPr>
+          <p:cNvPr id="7" name="下箭头 6"/>
+          <p:cNvSpPr/>
+          <p:nvPr/>
+        </p:nvSpPr>
+        <p:spPr>
+          <a:xfrm>
+            <a:off x="3013134" y="3054207"/>
+            <a:ext cx="137718" cy="144016"/>
+          </a:xfrm>
+          <a:prstGeom prst="downArrow">
+            <a:avLst/>
+          </a:prstGeom>
+          <a:noFill/>
+          <a:ln w="12700">
+            <a:solidFill>
+              <a:schemeClr val="bg1">
+                <a:lumMod val="50000"/>
+              </a:schemeClr>
+            </a:solidFill>
+          </a:ln>
+        </p:spPr>
+        <p:style>
+          <a:lnRef idx="2">
+            <a:schemeClr val="accent1">
+              <a:shade val="50000"/>
+            </a:schemeClr>
+          </a:lnRef>
+          <a:fillRef idx="1">
+            <a:schemeClr val="accent1"/>
+          </a:fillRef>
+          <a:effectRef idx="0">
+            <a:schemeClr val="accent1"/>
+          </a:effectRef>
+          <a:fontRef idx="minor">
+            <a:schemeClr val="lt1"/>
+          </a:fontRef>
+        </p:style>
+        <p:txBody>
+          <a:bodyPr rtlCol="0" anchor="ctr"/>
+          <a:lstStyle/>
+          <a:p>
+            <a:pPr algn="ctr"/>
+            <a:endParaRPr lang="zh-CN" altLang="en-US" sz="1050">
+              <a:latin typeface="微软雅黑" pitchFamily="34" charset="-122"/>
+              <a:ea typeface="微软雅黑" pitchFamily="34" charset="-122"/>
+            </a:endParaRPr>
+          </a:p>
+        </p:txBody>
+      </p:sp>
+      <p:sp>
+        <p:nvSpPr>
+          <p:cNvPr id="8" name="下箭头 7"/>
+          <p:cNvSpPr/>
+          <p:nvPr/>
+        </p:nvSpPr>
+        <p:spPr>
+          <a:xfrm rot="2166857">
+            <a:off x="2196607" y="3696872"/>
+            <a:ext cx="137718" cy="144016"/>
+          </a:xfrm>
+          <a:prstGeom prst="downArrow">
+            <a:avLst/>
+          </a:prstGeom>
+          <a:noFill/>
+          <a:ln w="12700">
+            <a:solidFill>
+              <a:schemeClr val="bg1">
+                <a:lumMod val="50000"/>
+              </a:schemeClr>
+            </a:solidFill>
+          </a:ln>
+        </p:spPr>
+        <p:style>
+          <a:lnRef idx="2">
+            <a:schemeClr val="accent1">
+              <a:shade val="50000"/>
+            </a:schemeClr>
+          </a:lnRef>
+          <a:fillRef idx="1">
+            <a:schemeClr val="accent1"/>
+          </a:fillRef>
+          <a:effectRef idx="0">
+            <a:schemeClr val="accent1"/>
+          </a:effectRef>
+          <a:fontRef idx="minor">
+            <a:schemeClr val="lt1"/>
+          </a:fontRef>
+        </p:style>
+        <p:txBody>
+          <a:bodyPr rtlCol="0" anchor="ctr"/>
+          <a:lstStyle/>
+          <a:p>
+            <a:pPr algn="ctr"/>
+            <a:endParaRPr lang="zh-CN" altLang="en-US" sz="1050">
+              <a:latin typeface="微软雅黑" pitchFamily="34" charset="-122"/>
+              <a:ea typeface="微软雅黑" pitchFamily="34" charset="-122"/>
+            </a:endParaRPr>
+          </a:p>
+        </p:txBody>
+      </p:sp>
+      <p:sp>
+        <p:nvSpPr>
+          <p:cNvPr id="10" name="圆角矩形 9"/>
+          <p:cNvSpPr/>
+          <p:nvPr/>
+        </p:nvSpPr>
+        <p:spPr>
+          <a:xfrm>
+            <a:off x="1767707" y="3912896"/>
+            <a:ext cx="995517" cy="247713"/>
+          </a:xfrm>
+          <a:prstGeom prst="roundRect">
+            <a:avLst/>
+          </a:prstGeom>
+          <a:noFill/>
+          <a:ln w="12700">
+            <a:solidFill>
+              <a:schemeClr val="bg1">
+                <a:lumMod val="85000"/>
+              </a:schemeClr>
+            </a:solidFill>
+          </a:ln>
+        </p:spPr>
+        <p:style>
+          <a:lnRef idx="2">
+            <a:schemeClr val="accent1">
+              <a:shade val="50000"/>
+            </a:schemeClr>
+          </a:lnRef>
+          <a:fillRef idx="1">
+            <a:schemeClr val="accent1"/>
+          </a:fillRef>
+          <a:effectRef idx="0">
+            <a:schemeClr val="accent1"/>
+          </a:effectRef>
+          <a:fontRef idx="minor">
+            <a:schemeClr val="lt1"/>
+          </a:fontRef>
+        </p:style>
+        <p:txBody>
+          <a:bodyPr rtlCol="0" anchor="ctr"/>
+          <a:lstStyle/>
+          <a:p>
+            <a:pPr algn="ctr"/>
+            <a:r>
+              <a:rPr lang="zh-CN" altLang="en-US" sz="1050" dirty="0" smtClean="0">
+                <a:solidFill>
+                  <a:schemeClr val="tx1"/>
+                </a:solidFill>
+                <a:latin typeface="微软雅黑" pitchFamily="34" charset="-122"/>
+                <a:ea typeface="微软雅黑" pitchFamily="34" charset="-122"/>
+              </a:rPr>
+              <a:t>保存本地</a:t>
+            </a:r>
+            <a:endParaRPr lang="zh-CN" altLang="en-US" sz="1050" dirty="0">
+              <a:solidFill>
+                <a:schemeClr val="tx1"/>
+              </a:solidFill>
+              <a:latin typeface="微软雅黑" pitchFamily="34" charset="-122"/>
+              <a:ea typeface="微软雅黑" pitchFamily="34" charset="-122"/>
+            </a:endParaRPr>
+          </a:p>
+        </p:txBody>
+      </p:sp>
+      <p:sp>
+        <p:nvSpPr>
+          <p:cNvPr id="11" name="圆角矩形 10"/>
+          <p:cNvSpPr/>
+          <p:nvPr/>
+        </p:nvSpPr>
+        <p:spPr>
+          <a:xfrm>
+            <a:off x="1128330" y="4560968"/>
+            <a:ext cx="1884804" cy="864096"/>
+          </a:xfrm>
+          <a:prstGeom prst="roundRect">
+            <a:avLst>
+              <a:gd name="adj" fmla="val 2579"/>
+            </a:avLst>
+          </a:prstGeom>
+          <a:noFill/>
+          <a:ln w="12700">
+            <a:solidFill>
+              <a:schemeClr val="bg1">
+                <a:lumMod val="85000"/>
+              </a:schemeClr>
+            </a:solidFill>
+          </a:ln>
+        </p:spPr>
+        <p:style>
+          <a:lnRef idx="2">
+            <a:schemeClr val="accent1">
+              <a:shade val="50000"/>
+            </a:schemeClr>
+          </a:lnRef>
+          <a:fillRef idx="1">
+            <a:schemeClr val="accent1"/>
+          </a:fillRef>
+          <a:effectRef idx="0">
+            <a:schemeClr val="accent1"/>
+          </a:effectRef>
+          <a:fontRef idx="minor">
+            <a:schemeClr val="lt1"/>
+          </a:fontRef>
+        </p:style>
+        <p:txBody>
+          <a:bodyPr rtlCol="0" anchor="ctr"/>
+          <a:lstStyle/>
+          <a:p>
+            <a:pPr algn="ctr">
+              <a:lnSpc>
+                <a:spcPct val="150000"/>
+              </a:lnSpc>
+            </a:pPr>
+            <a:r>
+              <a:rPr lang="en-US" altLang="zh-CN" sz="1050" dirty="0" smtClean="0">
+                <a:solidFill>
+                  <a:schemeClr val="tx1"/>
+                </a:solidFill>
+                <a:latin typeface="微软雅黑" pitchFamily="34" charset="-122"/>
+                <a:ea typeface="微软雅黑" pitchFamily="34" charset="-122"/>
+              </a:rPr>
+              <a:t>GPU + </a:t>
+            </a:r>
+            <a:r>
+              <a:rPr lang="en-US" altLang="zh-CN" sz="1050" dirty="0" err="1" smtClean="0">
+                <a:solidFill>
+                  <a:schemeClr val="tx1"/>
+                </a:solidFill>
+                <a:latin typeface="微软雅黑" pitchFamily="34" charset="-122"/>
+                <a:ea typeface="微软雅黑" pitchFamily="34" charset="-122"/>
+              </a:rPr>
+              <a:t>TensorFlow</a:t>
+            </a:r>
+            <a:endParaRPr lang="en-US" altLang="zh-CN" sz="1050" dirty="0" smtClean="0">
+              <a:solidFill>
+                <a:schemeClr val="tx1"/>
+              </a:solidFill>
+              <a:latin typeface="微软雅黑" pitchFamily="34" charset="-122"/>
+              <a:ea typeface="微软雅黑" pitchFamily="34" charset="-122"/>
+            </a:endParaRPr>
+          </a:p>
+          <a:p>
+            <a:pPr algn="ctr">
+              <a:lnSpc>
+                <a:spcPct val="150000"/>
+              </a:lnSpc>
+            </a:pPr>
+            <a:r>
+              <a:rPr lang="en-US" altLang="zh-CN" sz="1050" dirty="0" smtClean="0">
+                <a:solidFill>
+                  <a:schemeClr val="tx1"/>
+                </a:solidFill>
+                <a:latin typeface="微软雅黑" pitchFamily="34" charset="-122"/>
+                <a:ea typeface="微软雅黑" pitchFamily="34" charset="-122"/>
+              </a:rPr>
+              <a:t>[ </a:t>
+            </a:r>
+            <a:r>
+              <a:rPr lang="zh-CN" altLang="en-US" sz="1050" dirty="0" smtClean="0">
+                <a:solidFill>
+                  <a:schemeClr val="tx1"/>
+                </a:solidFill>
+                <a:latin typeface="微软雅黑" pitchFamily="34" charset="-122"/>
+                <a:ea typeface="微软雅黑" pitchFamily="34" charset="-122"/>
+              </a:rPr>
+              <a:t>训练 </a:t>
+            </a:r>
+            <a:r>
+              <a:rPr lang="en-US" altLang="zh-CN" sz="1050" dirty="0" smtClean="0">
+                <a:solidFill>
+                  <a:schemeClr val="tx1"/>
+                </a:solidFill>
+                <a:latin typeface="微软雅黑" pitchFamily="34" charset="-122"/>
+                <a:ea typeface="微软雅黑" pitchFamily="34" charset="-122"/>
+              </a:rPr>
+              <a:t>]</a:t>
+            </a:r>
+            <a:endParaRPr lang="zh-CN" altLang="en-US" sz="1050" dirty="0">
+              <a:solidFill>
+                <a:schemeClr val="tx1"/>
+              </a:solidFill>
+              <a:latin typeface="微软雅黑" pitchFamily="34" charset="-122"/>
+              <a:ea typeface="微软雅黑" pitchFamily="34" charset="-122"/>
+            </a:endParaRPr>
+          </a:p>
+        </p:txBody>
+      </p:sp>
+      <p:sp>
+        <p:nvSpPr>
+          <p:cNvPr id="12" name="下箭头 11"/>
+          <p:cNvSpPr/>
+          <p:nvPr/>
+        </p:nvSpPr>
+        <p:spPr>
+          <a:xfrm>
+            <a:off x="2070733" y="4293096"/>
+            <a:ext cx="137718" cy="144016"/>
+          </a:xfrm>
+          <a:prstGeom prst="downArrow">
+            <a:avLst/>
+          </a:prstGeom>
+          <a:noFill/>
+          <a:ln w="12700">
+            <a:solidFill>
+              <a:schemeClr val="bg1">
+                <a:lumMod val="50000"/>
+              </a:schemeClr>
+            </a:solidFill>
+          </a:ln>
+        </p:spPr>
+        <p:style>
+          <a:lnRef idx="2">
+            <a:schemeClr val="accent1">
+              <a:shade val="50000"/>
+            </a:schemeClr>
+          </a:lnRef>
+          <a:fillRef idx="1">
+            <a:schemeClr val="accent1"/>
+          </a:fillRef>
+          <a:effectRef idx="0">
+            <a:schemeClr val="accent1"/>
+          </a:effectRef>
+          <a:fontRef idx="minor">
+            <a:schemeClr val="lt1"/>
+          </a:fontRef>
+        </p:style>
+        <p:txBody>
+          <a:bodyPr rtlCol="0" anchor="ctr"/>
+          <a:lstStyle/>
+          <a:p>
+            <a:pPr algn="ctr"/>
+            <a:endParaRPr lang="zh-CN" altLang="en-US" sz="1050">
+              <a:latin typeface="微软雅黑" pitchFamily="34" charset="-122"/>
+              <a:ea typeface="微软雅黑" pitchFamily="34" charset="-122"/>
+            </a:endParaRPr>
+          </a:p>
+        </p:txBody>
+      </p:sp>
+      <p:sp>
+        <p:nvSpPr>
+          <p:cNvPr id="13" name="下箭头 12"/>
+          <p:cNvSpPr/>
+          <p:nvPr/>
+        </p:nvSpPr>
+        <p:spPr>
+          <a:xfrm rot="19433143" flipH="1">
+            <a:off x="3857467" y="3696872"/>
+            <a:ext cx="137718" cy="144016"/>
+          </a:xfrm>
+          <a:prstGeom prst="downArrow">
+            <a:avLst/>
+          </a:prstGeom>
+          <a:noFill/>
+          <a:ln w="12700">
+            <a:solidFill>
+              <a:schemeClr val="bg1">
+                <a:lumMod val="50000"/>
+              </a:schemeClr>
+            </a:solidFill>
+          </a:ln>
+        </p:spPr>
+        <p:style>
+          <a:lnRef idx="2">
+            <a:schemeClr val="accent1">
+              <a:shade val="50000"/>
+            </a:schemeClr>
+          </a:lnRef>
+          <a:fillRef idx="1">
+            <a:schemeClr val="accent1"/>
+          </a:fillRef>
+          <a:effectRef idx="0">
+            <a:schemeClr val="accent1"/>
+          </a:effectRef>
+          <a:fontRef idx="minor">
+            <a:schemeClr val="lt1"/>
+          </a:fontRef>
+        </p:style>
+        <p:txBody>
+          <a:bodyPr rtlCol="0" anchor="ctr"/>
+          <a:lstStyle/>
+          <a:p>
+            <a:pPr algn="ctr"/>
+            <a:endParaRPr lang="zh-CN" altLang="en-US" sz="1050">
+              <a:latin typeface="微软雅黑" pitchFamily="34" charset="-122"/>
+              <a:ea typeface="微软雅黑" pitchFamily="34" charset="-122"/>
+            </a:endParaRPr>
+          </a:p>
+        </p:txBody>
+      </p:sp>
+      <p:sp>
+        <p:nvSpPr>
+          <p:cNvPr id="14" name="下箭头 13"/>
+          <p:cNvSpPr/>
+          <p:nvPr/>
+        </p:nvSpPr>
+        <p:spPr>
+          <a:xfrm>
+            <a:off x="1904555" y="5517232"/>
+            <a:ext cx="137718" cy="144016"/>
+          </a:xfrm>
+          <a:prstGeom prst="downArrow">
+            <a:avLst/>
+          </a:prstGeom>
+          <a:noFill/>
+          <a:ln w="12700">
+            <a:solidFill>
+              <a:schemeClr val="bg1">
+                <a:lumMod val="50000"/>
+              </a:schemeClr>
+            </a:solidFill>
+          </a:ln>
+        </p:spPr>
+        <p:style>
+          <a:lnRef idx="2">
+            <a:schemeClr val="accent1">
+              <a:shade val="50000"/>
+            </a:schemeClr>
+          </a:lnRef>
+          <a:fillRef idx="1">
+            <a:schemeClr val="accent1"/>
+          </a:fillRef>
+          <a:effectRef idx="0">
+            <a:schemeClr val="accent1"/>
+          </a:effectRef>
+          <a:fontRef idx="minor">
+            <a:schemeClr val="lt1"/>
+          </a:fontRef>
+        </p:style>
+        <p:txBody>
+          <a:bodyPr rtlCol="0" anchor="ctr"/>
+          <a:lstStyle/>
+          <a:p>
+            <a:pPr algn="ctr"/>
+            <a:endParaRPr lang="zh-CN" altLang="en-US" sz="1050">
+              <a:latin typeface="微软雅黑" pitchFamily="34" charset="-122"/>
+              <a:ea typeface="微软雅黑" pitchFamily="34" charset="-122"/>
+            </a:endParaRPr>
+          </a:p>
+        </p:txBody>
+      </p:sp>
+      <p:sp>
+        <p:nvSpPr>
+          <p:cNvPr id="15" name="圆角矩形 14"/>
+          <p:cNvSpPr/>
+          <p:nvPr/>
+        </p:nvSpPr>
+        <p:spPr>
+          <a:xfrm>
+            <a:off x="3624172" y="3912896"/>
+            <a:ext cx="995517" cy="247713"/>
+          </a:xfrm>
+          <a:prstGeom prst="roundRect">
+            <a:avLst/>
+          </a:prstGeom>
+          <a:noFill/>
+          <a:ln w="12700">
+            <a:solidFill>
+              <a:schemeClr val="bg1">
+                <a:lumMod val="85000"/>
+              </a:schemeClr>
+            </a:solidFill>
+          </a:ln>
+        </p:spPr>
+        <p:style>
+          <a:lnRef idx="2">
+            <a:schemeClr val="accent1">
+              <a:shade val="50000"/>
+            </a:schemeClr>
+          </a:lnRef>
+          <a:fillRef idx="1">
+            <a:schemeClr val="accent1"/>
+          </a:fillRef>
+          <a:effectRef idx="0">
+            <a:schemeClr val="accent1"/>
+          </a:effectRef>
+          <a:fontRef idx="minor">
+            <a:schemeClr val="lt1"/>
+          </a:fontRef>
+        </p:style>
+        <p:txBody>
+          <a:bodyPr rtlCol="0" anchor="ctr"/>
+          <a:lstStyle/>
+          <a:p>
+            <a:pPr algn="ctr"/>
+            <a:r>
+              <a:rPr lang="zh-CN" altLang="en-US" sz="1050" dirty="0" smtClean="0">
+                <a:solidFill>
+                  <a:schemeClr val="tx1"/>
+                </a:solidFill>
+                <a:latin typeface="微软雅黑" pitchFamily="34" charset="-122"/>
+                <a:ea typeface="微软雅黑" pitchFamily="34" charset="-122"/>
+              </a:rPr>
+              <a:t>保存至变量</a:t>
+            </a:r>
+            <a:endParaRPr lang="zh-CN" altLang="en-US" sz="1050" dirty="0">
+              <a:solidFill>
+                <a:schemeClr val="tx1"/>
+              </a:solidFill>
+              <a:latin typeface="微软雅黑" pitchFamily="34" charset="-122"/>
+              <a:ea typeface="微软雅黑" pitchFamily="34" charset="-122"/>
+            </a:endParaRPr>
+          </a:p>
+        </p:txBody>
+      </p:sp>
+      <p:sp>
+        <p:nvSpPr>
+          <p:cNvPr id="16" name="圆角矩形 15"/>
+          <p:cNvSpPr/>
+          <p:nvPr/>
+        </p:nvSpPr>
+        <p:spPr>
+          <a:xfrm>
+            <a:off x="3347864" y="4560968"/>
+            <a:ext cx="2016224" cy="864096"/>
+          </a:xfrm>
+          <a:prstGeom prst="roundRect">
+            <a:avLst>
+              <a:gd name="adj" fmla="val 2579"/>
+            </a:avLst>
+          </a:prstGeom>
+          <a:noFill/>
+          <a:ln w="12700">
+            <a:solidFill>
+              <a:schemeClr val="bg1">
+                <a:lumMod val="85000"/>
+              </a:schemeClr>
+            </a:solidFill>
+          </a:ln>
+        </p:spPr>
+        <p:style>
+          <a:lnRef idx="2">
+            <a:schemeClr val="accent1">
+              <a:shade val="50000"/>
+            </a:schemeClr>
+          </a:lnRef>
+          <a:fillRef idx="1">
+            <a:schemeClr val="accent1"/>
+          </a:fillRef>
+          <a:effectRef idx="0">
+            <a:schemeClr val="accent1"/>
+          </a:effectRef>
+          <a:fontRef idx="minor">
+            <a:schemeClr val="lt1"/>
+          </a:fontRef>
+        </p:style>
+        <p:txBody>
+          <a:bodyPr rtlCol="0" anchor="ctr"/>
+          <a:lstStyle/>
+          <a:p>
+            <a:pPr algn="ctr">
+              <a:lnSpc>
+                <a:spcPct val="150000"/>
+              </a:lnSpc>
+            </a:pPr>
+            <a:r>
+              <a:rPr lang="en-US" altLang="zh-CN" sz="1050" dirty="0" smtClean="0">
+                <a:solidFill>
+                  <a:schemeClr val="tx1"/>
+                </a:solidFill>
+                <a:latin typeface="微软雅黑" pitchFamily="34" charset="-122"/>
+                <a:ea typeface="微软雅黑" pitchFamily="34" charset="-122"/>
+              </a:rPr>
+              <a:t>CPU </a:t>
+            </a:r>
+            <a:r>
+              <a:rPr lang="en-US" altLang="zh-CN" sz="1050" dirty="0" smtClean="0">
+                <a:solidFill>
+                  <a:schemeClr val="tx1"/>
+                </a:solidFill>
+                <a:latin typeface="微软雅黑" pitchFamily="34" charset="-122"/>
+                <a:ea typeface="微软雅黑" pitchFamily="34" charset="-122"/>
+              </a:rPr>
+              <a:t>+ </a:t>
+            </a:r>
+            <a:r>
+              <a:rPr lang="en-US" altLang="zh-CN" sz="1050" dirty="0" err="1" smtClean="0">
+                <a:solidFill>
+                  <a:schemeClr val="tx1"/>
+                </a:solidFill>
+                <a:latin typeface="微软雅黑" pitchFamily="34" charset="-122"/>
+                <a:ea typeface="微软雅黑" pitchFamily="34" charset="-122"/>
+              </a:rPr>
+              <a:t>TensorFlowSharp</a:t>
+            </a:r>
+            <a:endParaRPr lang="en-US" altLang="zh-CN" sz="1050" dirty="0" smtClean="0">
+              <a:solidFill>
+                <a:schemeClr val="tx1"/>
+              </a:solidFill>
+              <a:latin typeface="微软雅黑" pitchFamily="34" charset="-122"/>
+              <a:ea typeface="微软雅黑" pitchFamily="34" charset="-122"/>
+            </a:endParaRPr>
+          </a:p>
+          <a:p>
+            <a:pPr algn="ctr">
+              <a:lnSpc>
+                <a:spcPct val="150000"/>
+              </a:lnSpc>
+            </a:pPr>
+            <a:r>
+              <a:rPr lang="en-US" altLang="zh-CN" sz="1050" dirty="0" smtClean="0">
+                <a:solidFill>
+                  <a:schemeClr val="tx1"/>
+                </a:solidFill>
+                <a:latin typeface="微软雅黑" pitchFamily="34" charset="-122"/>
+                <a:ea typeface="微软雅黑" pitchFamily="34" charset="-122"/>
+              </a:rPr>
+              <a:t>[ </a:t>
+            </a:r>
+            <a:r>
+              <a:rPr lang="zh-CN" altLang="en-US" sz="1050" dirty="0" smtClean="0">
+                <a:solidFill>
+                  <a:schemeClr val="tx1"/>
+                </a:solidFill>
+                <a:latin typeface="微软雅黑" pitchFamily="34" charset="-122"/>
+                <a:ea typeface="微软雅黑" pitchFamily="34" charset="-122"/>
+              </a:rPr>
+              <a:t>预测 </a:t>
+            </a:r>
+            <a:r>
+              <a:rPr lang="en-US" altLang="zh-CN" sz="1050" dirty="0" smtClean="0">
+                <a:solidFill>
+                  <a:schemeClr val="tx1"/>
+                </a:solidFill>
+                <a:latin typeface="微软雅黑" pitchFamily="34" charset="-122"/>
+                <a:ea typeface="微软雅黑" pitchFamily="34" charset="-122"/>
+              </a:rPr>
+              <a:t>]</a:t>
+            </a:r>
+            <a:endParaRPr lang="zh-CN" altLang="en-US" sz="1050" dirty="0">
+              <a:solidFill>
+                <a:schemeClr val="tx1"/>
+              </a:solidFill>
+              <a:latin typeface="微软雅黑" pitchFamily="34" charset="-122"/>
+              <a:ea typeface="微软雅黑" pitchFamily="34" charset="-122"/>
+            </a:endParaRPr>
+          </a:p>
+        </p:txBody>
+      </p:sp>
+      <p:sp>
+        <p:nvSpPr>
+          <p:cNvPr id="17" name="下箭头 16"/>
+          <p:cNvSpPr/>
+          <p:nvPr/>
+        </p:nvSpPr>
+        <p:spPr>
+          <a:xfrm>
+            <a:off x="4053071" y="4293096"/>
+            <a:ext cx="137718" cy="144016"/>
+          </a:xfrm>
+          <a:prstGeom prst="downArrow">
+            <a:avLst/>
+          </a:prstGeom>
+          <a:noFill/>
+          <a:ln w="12700">
+            <a:solidFill>
+              <a:schemeClr val="bg1">
+                <a:lumMod val="50000"/>
+              </a:schemeClr>
+            </a:solidFill>
+          </a:ln>
+        </p:spPr>
+        <p:style>
+          <a:lnRef idx="2">
+            <a:schemeClr val="accent1">
+              <a:shade val="50000"/>
+            </a:schemeClr>
+          </a:lnRef>
+          <a:fillRef idx="1">
+            <a:schemeClr val="accent1"/>
+          </a:fillRef>
+          <a:effectRef idx="0">
+            <a:schemeClr val="accent1"/>
+          </a:effectRef>
+          <a:fontRef idx="minor">
+            <a:schemeClr val="lt1"/>
+          </a:fontRef>
+        </p:style>
+        <p:txBody>
+          <a:bodyPr rtlCol="0" anchor="ctr"/>
+          <a:lstStyle/>
+          <a:p>
+            <a:pPr algn="ctr"/>
+            <a:endParaRPr lang="zh-CN" altLang="en-US" sz="1050">
+              <a:latin typeface="微软雅黑" pitchFamily="34" charset="-122"/>
+              <a:ea typeface="微软雅黑" pitchFamily="34" charset="-122"/>
+            </a:endParaRPr>
+          </a:p>
+        </p:txBody>
+      </p:sp>
+      <p:sp>
+        <p:nvSpPr>
+          <p:cNvPr id="18" name="下箭头 17"/>
+          <p:cNvSpPr/>
+          <p:nvPr/>
+        </p:nvSpPr>
+        <p:spPr>
+          <a:xfrm>
+            <a:off x="2694365" y="1340768"/>
+            <a:ext cx="137718" cy="144016"/>
+          </a:xfrm>
+          <a:prstGeom prst="downArrow">
+            <a:avLst/>
+          </a:prstGeom>
+          <a:noFill/>
+          <a:ln w="12700">
+            <a:solidFill>
+              <a:schemeClr val="bg1">
+                <a:lumMod val="50000"/>
+              </a:schemeClr>
+            </a:solidFill>
+          </a:ln>
+        </p:spPr>
+        <p:style>
+          <a:lnRef idx="2">
+            <a:schemeClr val="accent1">
+              <a:shade val="50000"/>
+            </a:schemeClr>
+          </a:lnRef>
+          <a:fillRef idx="1">
+            <a:schemeClr val="accent1"/>
+          </a:fillRef>
+          <a:effectRef idx="0">
+            <a:schemeClr val="accent1"/>
+          </a:effectRef>
+          <a:fontRef idx="minor">
+            <a:schemeClr val="lt1"/>
+          </a:fontRef>
+        </p:style>
+        <p:txBody>
+          <a:bodyPr rtlCol="0" anchor="ctr"/>
+          <a:lstStyle/>
+          <a:p>
+            <a:pPr algn="ctr"/>
+            <a:endParaRPr lang="zh-CN" altLang="en-US" sz="1050">
+              <a:latin typeface="微软雅黑" pitchFamily="34" charset="-122"/>
+              <a:ea typeface="微软雅黑" pitchFamily="34" charset="-122"/>
+            </a:endParaRPr>
+          </a:p>
+        </p:txBody>
+      </p:sp>
+      <p:sp>
+        <p:nvSpPr>
+          <p:cNvPr id="19" name="下箭头 18"/>
+          <p:cNvSpPr/>
+          <p:nvPr/>
+        </p:nvSpPr>
+        <p:spPr>
+          <a:xfrm>
+            <a:off x="3419872" y="1340768"/>
+            <a:ext cx="137718" cy="144016"/>
+          </a:xfrm>
+          <a:prstGeom prst="downArrow">
+            <a:avLst/>
+          </a:prstGeom>
+          <a:noFill/>
+          <a:ln w="12700">
+            <a:solidFill>
+              <a:schemeClr val="bg1">
+                <a:lumMod val="50000"/>
+              </a:schemeClr>
+            </a:solidFill>
+          </a:ln>
+        </p:spPr>
+        <p:style>
+          <a:lnRef idx="2">
+            <a:schemeClr val="accent1">
+              <a:shade val="50000"/>
+            </a:schemeClr>
+          </a:lnRef>
+          <a:fillRef idx="1">
+            <a:schemeClr val="accent1"/>
+          </a:fillRef>
+          <a:effectRef idx="0">
+            <a:schemeClr val="accent1"/>
+          </a:effectRef>
+          <a:fontRef idx="minor">
+            <a:schemeClr val="lt1"/>
+          </a:fontRef>
+        </p:style>
+        <p:txBody>
+          <a:bodyPr rtlCol="0" anchor="ctr"/>
+          <a:lstStyle/>
+          <a:p>
+            <a:pPr algn="ctr"/>
+            <a:endParaRPr lang="zh-CN" altLang="en-US" sz="1050">
+              <a:latin typeface="微软雅黑" pitchFamily="34" charset="-122"/>
+              <a:ea typeface="微软雅黑" pitchFamily="34" charset="-122"/>
+            </a:endParaRPr>
+          </a:p>
+        </p:txBody>
+      </p:sp>
+      <p:sp>
+        <p:nvSpPr>
+          <p:cNvPr id="20" name="TextBox 19"/>
+          <p:cNvSpPr txBox="1"/>
+          <p:nvPr/>
+        </p:nvSpPr>
+        <p:spPr>
+          <a:xfrm>
+            <a:off x="2388762" y="1039525"/>
+            <a:ext cx="646331" cy="230832"/>
+          </a:xfrm>
+          <a:prstGeom prst="rect">
+            <a:avLst/>
+          </a:prstGeom>
+          <a:noFill/>
+        </p:spPr>
+        <p:txBody>
+          <a:bodyPr wrap="none" rtlCol="0">
+            <a:spAutoFit/>
+          </a:bodyPr>
+          <a:lstStyle/>
+          <a:p>
+            <a:r>
+              <a:rPr lang="zh-CN" altLang="en-US" sz="900" dirty="0" smtClean="0">
+                <a:latin typeface="微软雅黑" pitchFamily="34" charset="-122"/>
+                <a:ea typeface="微软雅黑" pitchFamily="34" charset="-122"/>
+              </a:rPr>
+              <a:t>本地读取</a:t>
+            </a:r>
+            <a:endParaRPr lang="zh-CN" altLang="en-US" sz="900" dirty="0">
+              <a:latin typeface="微软雅黑" pitchFamily="34" charset="-122"/>
+              <a:ea typeface="微软雅黑" pitchFamily="34" charset="-122"/>
+            </a:endParaRPr>
+          </a:p>
+        </p:txBody>
+      </p:sp>
+      <p:sp>
+        <p:nvSpPr>
+          <p:cNvPr id="21" name="TextBox 20"/>
+          <p:cNvSpPr txBox="1"/>
+          <p:nvPr/>
+        </p:nvSpPr>
+        <p:spPr>
+          <a:xfrm>
+            <a:off x="3158347" y="1039525"/>
+            <a:ext cx="646331" cy="230832"/>
+          </a:xfrm>
+          <a:prstGeom prst="rect">
+            <a:avLst/>
+          </a:prstGeom>
+          <a:noFill/>
+        </p:spPr>
+        <p:txBody>
+          <a:bodyPr wrap="none" rtlCol="0">
+            <a:spAutoFit/>
+          </a:bodyPr>
+          <a:lstStyle/>
+          <a:p>
+            <a:r>
+              <a:rPr lang="zh-CN" altLang="en-US" sz="900" dirty="0" smtClean="0">
+                <a:latin typeface="微软雅黑" pitchFamily="34" charset="-122"/>
+                <a:ea typeface="微软雅黑" pitchFamily="34" charset="-122"/>
+              </a:rPr>
+              <a:t>变量传入</a:t>
+            </a:r>
+            <a:endParaRPr lang="zh-CN" altLang="en-US" sz="900" dirty="0">
+              <a:latin typeface="微软雅黑" pitchFamily="34" charset="-122"/>
+              <a:ea typeface="微软雅黑" pitchFamily="34" charset="-122"/>
+            </a:endParaRPr>
+          </a:p>
+        </p:txBody>
+      </p:sp>
+      <p:sp>
+        <p:nvSpPr>
+          <p:cNvPr id="23" name="TextBox 22"/>
+          <p:cNvSpPr txBox="1"/>
+          <p:nvPr/>
+        </p:nvSpPr>
+        <p:spPr>
+          <a:xfrm>
+            <a:off x="3595754" y="1572924"/>
+            <a:ext cx="543739" cy="200055"/>
+          </a:xfrm>
+          <a:prstGeom prst="rect">
+            <a:avLst/>
+          </a:prstGeom>
+          <a:noFill/>
+        </p:spPr>
+        <p:txBody>
+          <a:bodyPr wrap="none" rtlCol="0">
+            <a:spAutoFit/>
+          </a:bodyPr>
+          <a:lstStyle/>
+          <a:p>
+            <a:r>
+              <a:rPr lang="zh-CN" altLang="en-US" sz="700" dirty="0" smtClean="0">
+                <a:solidFill>
+                  <a:srgbClr val="0000FF"/>
+                </a:solidFill>
+                <a:latin typeface="微软雅黑" pitchFamily="34" charset="-122"/>
+                <a:ea typeface="微软雅黑" pitchFamily="34" charset="-122"/>
+              </a:rPr>
+              <a:t>原始图像</a:t>
+            </a:r>
+            <a:endParaRPr lang="zh-CN" altLang="en-US" sz="700" dirty="0">
+              <a:solidFill>
+                <a:srgbClr val="0000FF"/>
+              </a:solidFill>
+              <a:latin typeface="微软雅黑" pitchFamily="34" charset="-122"/>
+              <a:ea typeface="微软雅黑" pitchFamily="34" charset="-122"/>
+            </a:endParaRPr>
+          </a:p>
+        </p:txBody>
+      </p:sp>
+      <p:sp>
+        <p:nvSpPr>
+          <p:cNvPr id="24" name="TextBox 23"/>
+          <p:cNvSpPr txBox="1"/>
+          <p:nvPr/>
+        </p:nvSpPr>
+        <p:spPr>
+          <a:xfrm>
+            <a:off x="4024395" y="3325125"/>
+            <a:ext cx="838691" cy="200055"/>
+          </a:xfrm>
+          <a:prstGeom prst="rect">
+            <a:avLst/>
+          </a:prstGeom>
+          <a:noFill/>
+        </p:spPr>
+        <p:txBody>
+          <a:bodyPr wrap="none" rtlCol="0">
+            <a:spAutoFit/>
+          </a:bodyPr>
+          <a:lstStyle/>
+          <a:p>
+            <a:r>
+              <a:rPr lang="zh-CN" altLang="en-US" sz="700" dirty="0" smtClean="0">
+                <a:solidFill>
+                  <a:srgbClr val="0000FF"/>
+                </a:solidFill>
+                <a:latin typeface="微软雅黑" pitchFamily="34" charset="-122"/>
+                <a:ea typeface="微软雅黑" pitchFamily="34" charset="-122"/>
+              </a:rPr>
+              <a:t>待</a:t>
+            </a:r>
+            <a:r>
+              <a:rPr lang="en-US" altLang="zh-CN" sz="700" dirty="0" smtClean="0">
+                <a:solidFill>
+                  <a:srgbClr val="0000FF"/>
+                </a:solidFill>
+                <a:latin typeface="微软雅黑" pitchFamily="34" charset="-122"/>
+                <a:ea typeface="微软雅黑" pitchFamily="34" charset="-122"/>
+              </a:rPr>
+              <a:t>DL</a:t>
+            </a:r>
+            <a:r>
+              <a:rPr lang="zh-CN" altLang="en-US" sz="700" dirty="0" smtClean="0">
+                <a:solidFill>
+                  <a:srgbClr val="0000FF"/>
+                </a:solidFill>
+                <a:latin typeface="微软雅黑" pitchFamily="34" charset="-122"/>
+                <a:ea typeface="微软雅黑" pitchFamily="34" charset="-122"/>
+              </a:rPr>
+              <a:t>计算的图像</a:t>
+            </a:r>
+            <a:endParaRPr lang="zh-CN" altLang="en-US" sz="700" dirty="0">
+              <a:solidFill>
+                <a:srgbClr val="0000FF"/>
+              </a:solidFill>
+              <a:latin typeface="微软雅黑" pitchFamily="34" charset="-122"/>
+              <a:ea typeface="微软雅黑" pitchFamily="34" charset="-122"/>
+            </a:endParaRPr>
+          </a:p>
+        </p:txBody>
+      </p:sp>
+      <p:sp>
+        <p:nvSpPr>
+          <p:cNvPr id="25" name="TextBox 24"/>
+          <p:cNvSpPr txBox="1"/>
+          <p:nvPr/>
+        </p:nvSpPr>
+        <p:spPr>
+          <a:xfrm>
+            <a:off x="1601693" y="5731324"/>
+            <a:ext cx="663964" cy="200055"/>
+          </a:xfrm>
+          <a:prstGeom prst="rect">
+            <a:avLst/>
+          </a:prstGeom>
+          <a:noFill/>
+        </p:spPr>
+        <p:txBody>
+          <a:bodyPr wrap="none" rtlCol="0">
+            <a:spAutoFit/>
+          </a:bodyPr>
+          <a:lstStyle/>
+          <a:p>
+            <a:r>
+              <a:rPr lang="zh-CN" altLang="en-US" sz="700" b="1" dirty="0" smtClean="0">
+                <a:solidFill>
+                  <a:srgbClr val="0000FF"/>
+                </a:solidFill>
+                <a:latin typeface="微软雅黑" pitchFamily="34" charset="-122"/>
+                <a:ea typeface="微软雅黑" pitchFamily="34" charset="-122"/>
+              </a:rPr>
+              <a:t>生成</a:t>
+            </a:r>
+            <a:r>
+              <a:rPr lang="en-US" altLang="zh-CN" sz="700" b="1" dirty="0" smtClean="0">
+                <a:solidFill>
+                  <a:srgbClr val="0000FF"/>
+                </a:solidFill>
+                <a:latin typeface="微软雅黑" pitchFamily="34" charset="-122"/>
+                <a:ea typeface="微软雅黑" pitchFamily="34" charset="-122"/>
+              </a:rPr>
+              <a:t>DL</a:t>
+            </a:r>
+            <a:r>
+              <a:rPr lang="zh-CN" altLang="en-US" sz="700" b="1" dirty="0" smtClean="0">
+                <a:solidFill>
+                  <a:srgbClr val="0000FF"/>
+                </a:solidFill>
+                <a:latin typeface="微软雅黑" pitchFamily="34" charset="-122"/>
+                <a:ea typeface="微软雅黑" pitchFamily="34" charset="-122"/>
+              </a:rPr>
+              <a:t>模型</a:t>
+            </a:r>
+            <a:endParaRPr lang="zh-CN" altLang="en-US" sz="700" b="1" dirty="0">
+              <a:solidFill>
+                <a:srgbClr val="0000FF"/>
+              </a:solidFill>
+              <a:latin typeface="微软雅黑" pitchFamily="34" charset="-122"/>
+              <a:ea typeface="微软雅黑" pitchFamily="34" charset="-122"/>
+            </a:endParaRPr>
+          </a:p>
+        </p:txBody>
+      </p:sp>
+      <p:cxnSp>
+        <p:nvCxnSpPr>
+          <p:cNvPr id="27" name="肘形连接符 26"/>
+          <p:cNvCxnSpPr>
+            <a:stCxn id="25" idx="3"/>
+            <a:endCxn id="16" idx="1"/>
+          </p:cNvCxnSpPr>
+          <p:nvPr/>
+        </p:nvCxnSpPr>
+        <p:spPr>
+          <a:xfrm flipV="1">
+            <a:off x="2265657" y="4993016"/>
+            <a:ext cx="1082207" cy="838336"/>
+          </a:xfrm>
+          <a:prstGeom prst="bentConnector3">
+            <a:avLst>
+              <a:gd name="adj1" fmla="val 50000"/>
+            </a:avLst>
+          </a:prstGeom>
+          <a:ln>
+            <a:solidFill>
+              <a:srgbClr val="0000FF"/>
+            </a:solidFill>
+            <a:prstDash val="sysDash"/>
+            <a:tailEnd type="arrow"/>
+          </a:ln>
+        </p:spPr>
+        <p:style>
+          <a:lnRef idx="1">
+            <a:schemeClr val="accent1"/>
+          </a:lnRef>
+          <a:fillRef idx="0">
+            <a:schemeClr val="accent1"/>
+          </a:fillRef>
+          <a:effectRef idx="0">
+            <a:schemeClr val="accent1"/>
+          </a:effectRef>
+          <a:fontRef idx="minor">
+            <a:schemeClr val="tx1"/>
+          </a:fontRef>
+        </p:style>
+      </p:cxnSp>
+      <p:sp>
+        <p:nvSpPr>
+          <p:cNvPr id="29" name="下箭头 28"/>
+          <p:cNvSpPr/>
+          <p:nvPr/>
+        </p:nvSpPr>
+        <p:spPr>
+          <a:xfrm>
+            <a:off x="4079167" y="5517232"/>
+            <a:ext cx="137718" cy="144016"/>
+          </a:xfrm>
+          <a:prstGeom prst="downArrow">
+            <a:avLst/>
+          </a:prstGeom>
+          <a:noFill/>
+          <a:ln w="12700">
+            <a:solidFill>
+              <a:schemeClr val="bg1">
+                <a:lumMod val="50000"/>
+              </a:schemeClr>
+            </a:solidFill>
+          </a:ln>
+        </p:spPr>
+        <p:style>
+          <a:lnRef idx="2">
+            <a:schemeClr val="accent1">
+              <a:shade val="50000"/>
+            </a:schemeClr>
+          </a:lnRef>
+          <a:fillRef idx="1">
+            <a:schemeClr val="accent1"/>
+          </a:fillRef>
+          <a:effectRef idx="0">
+            <a:schemeClr val="accent1"/>
+          </a:effectRef>
+          <a:fontRef idx="minor">
+            <a:schemeClr val="lt1"/>
+          </a:fontRef>
+        </p:style>
+        <p:txBody>
+          <a:bodyPr rtlCol="0" anchor="ctr"/>
+          <a:lstStyle/>
+          <a:p>
+            <a:pPr algn="ctr"/>
+            <a:endParaRPr lang="zh-CN" altLang="en-US" sz="1050">
+              <a:latin typeface="微软雅黑" pitchFamily="34" charset="-122"/>
+              <a:ea typeface="微软雅黑" pitchFamily="34" charset="-122"/>
+            </a:endParaRPr>
+          </a:p>
+        </p:txBody>
+      </p:sp>
+      <p:sp>
+        <p:nvSpPr>
+          <p:cNvPr id="31" name="TextBox 30"/>
+          <p:cNvSpPr txBox="1"/>
+          <p:nvPr/>
+        </p:nvSpPr>
+        <p:spPr>
+          <a:xfrm>
+            <a:off x="3854322" y="5731324"/>
+            <a:ext cx="543739" cy="200055"/>
+          </a:xfrm>
+          <a:prstGeom prst="rect">
+            <a:avLst/>
+          </a:prstGeom>
+          <a:noFill/>
+        </p:spPr>
+        <p:txBody>
+          <a:bodyPr wrap="none" rtlCol="0">
+            <a:spAutoFit/>
+          </a:bodyPr>
+          <a:lstStyle/>
+          <a:p>
+            <a:r>
+              <a:rPr lang="zh-CN" altLang="en-US" sz="700" b="1" dirty="0" smtClean="0">
+                <a:solidFill>
+                  <a:srgbClr val="0000FF"/>
+                </a:solidFill>
+                <a:latin typeface="微软雅黑" pitchFamily="34" charset="-122"/>
+                <a:ea typeface="微软雅黑" pitchFamily="34" charset="-122"/>
+              </a:rPr>
+              <a:t>输出结果</a:t>
+            </a:r>
+            <a:endParaRPr lang="zh-CN" altLang="en-US" sz="700" b="1" dirty="0">
+              <a:solidFill>
+                <a:srgbClr val="0000FF"/>
+              </a:solidFill>
+              <a:latin typeface="微软雅黑" pitchFamily="34" charset="-122"/>
+              <a:ea typeface="微软雅黑" pitchFamily="34" charset="-122"/>
+            </a:endParaRPr>
+          </a:p>
+        </p:txBody>
+      </p:sp>
+      <p:sp>
+        <p:nvSpPr>
+          <p:cNvPr id="32" name="矩形 31"/>
+          <p:cNvSpPr/>
+          <p:nvPr/>
+        </p:nvSpPr>
+        <p:spPr>
+          <a:xfrm>
+            <a:off x="3218354" y="1903750"/>
+            <a:ext cx="619127" cy="142407"/>
+          </a:xfrm>
+          <a:prstGeom prst="rect">
+            <a:avLst/>
+          </a:prstGeom>
+          <a:solidFill>
+            <a:schemeClr val="accent5">
+              <a:lumMod val="40000"/>
+              <a:lumOff val="60000"/>
+            </a:schemeClr>
+          </a:solidFill>
+          <a:ln w="12700">
+            <a:solidFill>
+              <a:schemeClr val="accent5">
+                <a:lumMod val="75000"/>
+              </a:schemeClr>
+            </a:solidFill>
+          </a:ln>
+        </p:spPr>
+        <p:style>
+          <a:lnRef idx="2">
+            <a:schemeClr val="accent1">
+              <a:shade val="50000"/>
+            </a:schemeClr>
+          </a:lnRef>
+          <a:fillRef idx="1">
+            <a:schemeClr val="accent1"/>
+          </a:fillRef>
+          <a:effectRef idx="0">
+            <a:schemeClr val="accent1"/>
+          </a:effectRef>
+          <a:fontRef idx="minor">
+            <a:schemeClr val="lt1"/>
+          </a:fontRef>
+        </p:style>
+        <p:txBody>
+          <a:bodyPr rtlCol="0" anchor="ctr"/>
+          <a:lstStyle/>
+          <a:p>
+            <a:pPr algn="ctr"/>
+            <a:r>
+              <a:rPr lang="zh-CN" altLang="en-US" sz="700" dirty="0" smtClean="0">
+                <a:solidFill>
+                  <a:schemeClr val="tx1"/>
+                </a:solidFill>
+                <a:latin typeface="微软雅黑" pitchFamily="34" charset="-122"/>
+                <a:ea typeface="微软雅黑" pitchFamily="34" charset="-122"/>
+              </a:rPr>
+              <a:t>类型转换</a:t>
+            </a:r>
+            <a:endParaRPr lang="zh-CN" altLang="en-US" sz="700" dirty="0">
+              <a:solidFill>
+                <a:schemeClr val="tx1"/>
+              </a:solidFill>
+              <a:latin typeface="微软雅黑" pitchFamily="34" charset="-122"/>
+              <a:ea typeface="微软雅黑" pitchFamily="34" charset="-122"/>
+            </a:endParaRPr>
+          </a:p>
+        </p:txBody>
+      </p:sp>
+      <p:sp>
+        <p:nvSpPr>
+          <p:cNvPr id="33" name="矩形 32"/>
+          <p:cNvSpPr/>
+          <p:nvPr/>
+        </p:nvSpPr>
+        <p:spPr>
+          <a:xfrm>
+            <a:off x="3233345" y="3072983"/>
+            <a:ext cx="619127" cy="142407"/>
+          </a:xfrm>
+          <a:prstGeom prst="rect">
+            <a:avLst/>
+          </a:prstGeom>
+          <a:solidFill>
+            <a:schemeClr val="accent5">
+              <a:lumMod val="40000"/>
+              <a:lumOff val="60000"/>
+            </a:schemeClr>
+          </a:solidFill>
+          <a:ln w="12700">
+            <a:solidFill>
+              <a:schemeClr val="accent5">
+                <a:lumMod val="75000"/>
+              </a:schemeClr>
+            </a:solidFill>
+          </a:ln>
+        </p:spPr>
+        <p:style>
+          <a:lnRef idx="2">
+            <a:schemeClr val="accent1">
+              <a:shade val="50000"/>
+            </a:schemeClr>
+          </a:lnRef>
+          <a:fillRef idx="1">
+            <a:schemeClr val="accent1"/>
+          </a:fillRef>
+          <a:effectRef idx="0">
+            <a:schemeClr val="accent1"/>
+          </a:effectRef>
+          <a:fontRef idx="minor">
+            <a:schemeClr val="lt1"/>
+          </a:fontRef>
+        </p:style>
+        <p:txBody>
+          <a:bodyPr rtlCol="0" anchor="ctr"/>
+          <a:lstStyle/>
+          <a:p>
+            <a:pPr algn="ctr"/>
+            <a:r>
+              <a:rPr lang="zh-CN" altLang="en-US" sz="700" dirty="0" smtClean="0">
+                <a:solidFill>
+                  <a:schemeClr val="tx1"/>
+                </a:solidFill>
+                <a:latin typeface="微软雅黑" pitchFamily="34" charset="-122"/>
+                <a:ea typeface="微软雅黑" pitchFamily="34" charset="-122"/>
+              </a:rPr>
+              <a:t>类型转换</a:t>
+            </a:r>
+            <a:endParaRPr lang="zh-CN" altLang="en-US" sz="700" dirty="0">
+              <a:solidFill>
+                <a:schemeClr val="tx1"/>
+              </a:solidFill>
+              <a:latin typeface="微软雅黑" pitchFamily="34" charset="-122"/>
+              <a:ea typeface="微软雅黑" pitchFamily="34" charset="-122"/>
+            </a:endParaRPr>
+          </a:p>
+        </p:txBody>
+      </p:sp>
+      <p:sp>
+        <p:nvSpPr>
+          <p:cNvPr id="34" name="矩形 33"/>
+          <p:cNvSpPr/>
+          <p:nvPr/>
+        </p:nvSpPr>
+        <p:spPr>
+          <a:xfrm>
+            <a:off x="4312637" y="4294682"/>
+            <a:ext cx="619127" cy="142407"/>
+          </a:xfrm>
+          <a:prstGeom prst="rect">
+            <a:avLst/>
+          </a:prstGeom>
+          <a:solidFill>
+            <a:schemeClr val="accent5">
+              <a:lumMod val="40000"/>
+              <a:lumOff val="60000"/>
+            </a:schemeClr>
+          </a:solidFill>
+          <a:ln w="12700">
+            <a:solidFill>
+              <a:schemeClr val="accent5">
+                <a:lumMod val="75000"/>
+              </a:schemeClr>
+            </a:solidFill>
+          </a:ln>
+        </p:spPr>
+        <p:style>
+          <a:lnRef idx="2">
+            <a:schemeClr val="accent1">
+              <a:shade val="50000"/>
+            </a:schemeClr>
+          </a:lnRef>
+          <a:fillRef idx="1">
+            <a:schemeClr val="accent1"/>
+          </a:fillRef>
+          <a:effectRef idx="0">
+            <a:schemeClr val="accent1"/>
+          </a:effectRef>
+          <a:fontRef idx="minor">
+            <a:schemeClr val="lt1"/>
+          </a:fontRef>
+        </p:style>
+        <p:txBody>
+          <a:bodyPr rtlCol="0" anchor="ctr"/>
+          <a:lstStyle/>
+          <a:p>
+            <a:pPr algn="ctr"/>
+            <a:r>
+              <a:rPr lang="zh-CN" altLang="en-US" sz="700" dirty="0" smtClean="0">
+                <a:solidFill>
+                  <a:schemeClr val="tx1"/>
+                </a:solidFill>
+                <a:latin typeface="微软雅黑" pitchFamily="34" charset="-122"/>
+                <a:ea typeface="微软雅黑" pitchFamily="34" charset="-122"/>
+              </a:rPr>
+              <a:t>类型转换</a:t>
+            </a:r>
+            <a:endParaRPr lang="zh-CN" altLang="en-US" sz="700" dirty="0">
+              <a:solidFill>
+                <a:schemeClr val="tx1"/>
+              </a:solidFill>
+              <a:latin typeface="微软雅黑" pitchFamily="34" charset="-122"/>
+              <a:ea typeface="微软雅黑" pitchFamily="34" charset="-122"/>
+            </a:endParaRPr>
+          </a:p>
+        </p:txBody>
+      </p:sp>
+      <p:sp>
+        <p:nvSpPr>
+          <p:cNvPr id="36" name="矩形 35"/>
+          <p:cNvSpPr/>
+          <p:nvPr/>
+        </p:nvSpPr>
+        <p:spPr>
+          <a:xfrm>
+            <a:off x="2388762" y="5231567"/>
+            <a:ext cx="602328" cy="159424"/>
+          </a:xfrm>
+          <a:prstGeom prst="rect">
+            <a:avLst/>
+          </a:prstGeom>
+          <a:solidFill>
+            <a:schemeClr val="accent6">
+              <a:lumMod val="40000"/>
+              <a:lumOff val="60000"/>
+            </a:schemeClr>
+          </a:solidFill>
+          <a:ln w="12700">
+            <a:solidFill>
+              <a:schemeClr val="accent6">
+                <a:lumMod val="75000"/>
+              </a:schemeClr>
+            </a:solidFill>
+          </a:ln>
+        </p:spPr>
+        <p:style>
+          <a:lnRef idx="2">
+            <a:schemeClr val="accent1">
+              <a:shade val="50000"/>
+            </a:schemeClr>
+          </a:lnRef>
+          <a:fillRef idx="1">
+            <a:schemeClr val="accent1"/>
+          </a:fillRef>
+          <a:effectRef idx="0">
+            <a:schemeClr val="accent1"/>
+          </a:effectRef>
+          <a:fontRef idx="minor">
+            <a:schemeClr val="lt1"/>
+          </a:fontRef>
+        </p:style>
+        <p:txBody>
+          <a:bodyPr rtlCol="0" anchor="ctr"/>
+          <a:lstStyle/>
+          <a:p>
+            <a:pPr algn="ctr"/>
+            <a:r>
+              <a:rPr lang="zh-CN" altLang="en-US" sz="700" dirty="0" smtClean="0">
+                <a:solidFill>
+                  <a:schemeClr val="tx1"/>
+                </a:solidFill>
+                <a:latin typeface="微软雅黑" pitchFamily="34" charset="-122"/>
+                <a:ea typeface="微软雅黑" pitchFamily="34" charset="-122"/>
+              </a:rPr>
+              <a:t>类库封装</a:t>
+            </a:r>
+            <a:endParaRPr lang="zh-CN" altLang="en-US" sz="700" dirty="0">
+              <a:solidFill>
+                <a:schemeClr val="tx1"/>
+              </a:solidFill>
+              <a:latin typeface="微软雅黑" pitchFamily="34" charset="-122"/>
+              <a:ea typeface="微软雅黑" pitchFamily="34" charset="-122"/>
+            </a:endParaRPr>
+          </a:p>
+        </p:txBody>
+      </p:sp>
+      <p:sp>
+        <p:nvSpPr>
+          <p:cNvPr id="37" name="矩形 36"/>
+          <p:cNvSpPr/>
+          <p:nvPr/>
+        </p:nvSpPr>
+        <p:spPr>
+          <a:xfrm>
+            <a:off x="4719733" y="5231567"/>
+            <a:ext cx="602328" cy="159424"/>
+          </a:xfrm>
+          <a:prstGeom prst="rect">
+            <a:avLst/>
+          </a:prstGeom>
+          <a:solidFill>
+            <a:schemeClr val="accent6">
+              <a:lumMod val="40000"/>
+              <a:lumOff val="60000"/>
+            </a:schemeClr>
+          </a:solidFill>
+          <a:ln w="12700">
+            <a:solidFill>
+              <a:schemeClr val="accent6">
+                <a:lumMod val="75000"/>
+              </a:schemeClr>
+            </a:solidFill>
+          </a:ln>
+        </p:spPr>
+        <p:style>
+          <a:lnRef idx="2">
+            <a:schemeClr val="accent1">
+              <a:shade val="50000"/>
+            </a:schemeClr>
+          </a:lnRef>
+          <a:fillRef idx="1">
+            <a:schemeClr val="accent1"/>
+          </a:fillRef>
+          <a:effectRef idx="0">
+            <a:schemeClr val="accent1"/>
+          </a:effectRef>
+          <a:fontRef idx="minor">
+            <a:schemeClr val="lt1"/>
+          </a:fontRef>
+        </p:style>
+        <p:txBody>
+          <a:bodyPr rtlCol="0" anchor="ctr"/>
+          <a:lstStyle/>
+          <a:p>
+            <a:pPr algn="ctr"/>
+            <a:r>
+              <a:rPr lang="zh-CN" altLang="en-US" sz="700" dirty="0" smtClean="0">
+                <a:solidFill>
+                  <a:schemeClr val="tx1"/>
+                </a:solidFill>
+                <a:latin typeface="微软雅黑" pitchFamily="34" charset="-122"/>
+                <a:ea typeface="微软雅黑" pitchFamily="34" charset="-122"/>
+              </a:rPr>
+              <a:t>类库封装</a:t>
+            </a:r>
+            <a:endParaRPr lang="zh-CN" altLang="en-US" sz="700" dirty="0">
+              <a:solidFill>
+                <a:schemeClr val="tx1"/>
+              </a:solidFill>
+              <a:latin typeface="微软雅黑" pitchFamily="34" charset="-122"/>
+              <a:ea typeface="微软雅黑" pitchFamily="34" charset="-122"/>
+            </a:endParaRPr>
+          </a:p>
+        </p:txBody>
+      </p:sp>
+      <p:sp>
+        <p:nvSpPr>
+          <p:cNvPr id="38" name="矩形 37"/>
+          <p:cNvSpPr/>
+          <p:nvPr/>
+        </p:nvSpPr>
+        <p:spPr>
+          <a:xfrm>
+            <a:off x="3385608" y="2780674"/>
+            <a:ext cx="602328" cy="166919"/>
+          </a:xfrm>
+          <a:prstGeom prst="rect">
+            <a:avLst/>
+          </a:prstGeom>
+          <a:solidFill>
+            <a:schemeClr val="accent6">
+              <a:lumMod val="40000"/>
+              <a:lumOff val="60000"/>
+            </a:schemeClr>
+          </a:solidFill>
+          <a:ln w="12700">
+            <a:solidFill>
+              <a:schemeClr val="accent6">
+                <a:lumMod val="75000"/>
+              </a:schemeClr>
+            </a:solidFill>
+          </a:ln>
+        </p:spPr>
+        <p:style>
+          <a:lnRef idx="2">
+            <a:schemeClr val="accent1">
+              <a:shade val="50000"/>
+            </a:schemeClr>
+          </a:lnRef>
+          <a:fillRef idx="1">
+            <a:schemeClr val="accent1"/>
+          </a:fillRef>
+          <a:effectRef idx="0">
+            <a:schemeClr val="accent1"/>
+          </a:effectRef>
+          <a:fontRef idx="minor">
+            <a:schemeClr val="lt1"/>
+          </a:fontRef>
+        </p:style>
+        <p:txBody>
+          <a:bodyPr rtlCol="0" anchor="ctr"/>
+          <a:lstStyle/>
+          <a:p>
+            <a:pPr algn="ctr"/>
+            <a:r>
+              <a:rPr lang="zh-CN" altLang="en-US" sz="700" dirty="0" smtClean="0">
+                <a:solidFill>
+                  <a:schemeClr val="tx1"/>
+                </a:solidFill>
+                <a:latin typeface="微软雅黑" pitchFamily="34" charset="-122"/>
+                <a:ea typeface="微软雅黑" pitchFamily="34" charset="-122"/>
+              </a:rPr>
+              <a:t>类库封装</a:t>
+            </a:r>
+            <a:endParaRPr lang="zh-CN" altLang="en-US" sz="700" dirty="0">
+              <a:solidFill>
+                <a:schemeClr val="tx1"/>
+              </a:solidFill>
+              <a:latin typeface="微软雅黑" pitchFamily="34" charset="-122"/>
+              <a:ea typeface="微软雅黑" pitchFamily="34" charset="-122"/>
+            </a:endParaRPr>
+          </a:p>
+        </p:txBody>
+      </p:sp>
+      <p:sp>
+        <p:nvSpPr>
+          <p:cNvPr id="40" name="圆角矩形 39"/>
+          <p:cNvSpPr/>
+          <p:nvPr/>
+        </p:nvSpPr>
+        <p:spPr>
+          <a:xfrm>
+            <a:off x="1331640" y="980728"/>
+            <a:ext cx="3859792" cy="2632627"/>
+          </a:xfrm>
+          <a:prstGeom prst="roundRect">
+            <a:avLst>
+              <a:gd name="adj" fmla="val 2662"/>
+            </a:avLst>
+          </a:prstGeom>
+          <a:noFill/>
+          <a:ln w="12700">
+            <a:solidFill>
+              <a:schemeClr val="accent6">
+                <a:lumMod val="75000"/>
+              </a:schemeClr>
+            </a:solidFill>
+            <a:prstDash val="dash"/>
+          </a:ln>
+        </p:spPr>
+        <p:style>
+          <a:lnRef idx="2">
+            <a:schemeClr val="accent1">
+              <a:shade val="50000"/>
+            </a:schemeClr>
+          </a:lnRef>
+          <a:fillRef idx="1">
+            <a:schemeClr val="accent1"/>
+          </a:fillRef>
+          <a:effectRef idx="0">
+            <a:schemeClr val="accent1"/>
+          </a:effectRef>
+          <a:fontRef idx="minor">
+            <a:schemeClr val="lt1"/>
+          </a:fontRef>
+        </p:style>
+        <p:txBody>
+          <a:bodyPr rtlCol="0" anchor="ctr"/>
+          <a:lstStyle/>
+          <a:p>
+            <a:pPr algn="ctr"/>
+            <a:endParaRPr lang="zh-CN" altLang="en-US"/>
+          </a:p>
+        </p:txBody>
+      </p:sp>
+      <p:sp>
+        <p:nvSpPr>
+          <p:cNvPr id="41" name="TextBox 40"/>
+          <p:cNvSpPr txBox="1"/>
+          <p:nvPr/>
+        </p:nvSpPr>
+        <p:spPr>
+          <a:xfrm>
+            <a:off x="1285653" y="756197"/>
+            <a:ext cx="1467068" cy="246221"/>
+          </a:xfrm>
+          <a:prstGeom prst="rect">
+            <a:avLst/>
+          </a:prstGeom>
+          <a:noFill/>
+        </p:spPr>
+        <p:txBody>
+          <a:bodyPr wrap="none" rtlCol="0">
+            <a:spAutoFit/>
+          </a:bodyPr>
+          <a:lstStyle/>
+          <a:p>
+            <a:r>
+              <a:rPr lang="zh-CN" altLang="en-US" sz="1000" b="1" dirty="0" smtClean="0">
+                <a:solidFill>
+                  <a:schemeClr val="accent6">
+                    <a:lumMod val="75000"/>
+                  </a:schemeClr>
+                </a:solidFill>
+                <a:latin typeface="微软雅黑" pitchFamily="34" charset="-122"/>
+                <a:ea typeface="微软雅黑" pitchFamily="34" charset="-122"/>
+              </a:rPr>
+              <a:t>主线流程：图像预处理</a:t>
+            </a:r>
+            <a:endParaRPr lang="zh-CN" altLang="en-US" sz="1000" b="1" dirty="0">
+              <a:solidFill>
+                <a:schemeClr val="accent6">
+                  <a:lumMod val="75000"/>
+                </a:schemeClr>
+              </a:solidFill>
+              <a:latin typeface="微软雅黑" pitchFamily="34" charset="-122"/>
+              <a:ea typeface="微软雅黑" pitchFamily="34" charset="-122"/>
+            </a:endParaRPr>
+          </a:p>
+        </p:txBody>
+      </p:sp>
+      <p:sp>
+        <p:nvSpPr>
+          <p:cNvPr id="42" name="任意多边形 41"/>
+          <p:cNvSpPr/>
+          <p:nvPr/>
+        </p:nvSpPr>
+        <p:spPr>
+          <a:xfrm>
+            <a:off x="969024" y="3650226"/>
+            <a:ext cx="1139995" cy="1526458"/>
+          </a:xfrm>
+          <a:custGeom>
+            <a:avLst/>
+            <a:gdLst>
+              <a:gd name="connsiteX0" fmla="*/ 1139995 w 1139995"/>
+              <a:gd name="connsiteY0" fmla="*/ 0 h 1526458"/>
+              <a:gd name="connsiteX1" fmla="*/ 1058879 w 1139995"/>
+              <a:gd name="connsiteY1" fmla="*/ 147484 h 1526458"/>
+              <a:gd name="connsiteX2" fmla="*/ 682795 w 1139995"/>
+              <a:gd name="connsiteY2" fmla="*/ 250722 h 1526458"/>
+              <a:gd name="connsiteX3" fmla="*/ 424699 w 1139995"/>
+              <a:gd name="connsiteY3" fmla="*/ 730045 h 1526458"/>
+              <a:gd name="connsiteX4" fmla="*/ 63363 w 1139995"/>
+              <a:gd name="connsiteY4" fmla="*/ 811161 h 1526458"/>
+              <a:gd name="connsiteX5" fmla="*/ 11744 w 1139995"/>
+              <a:gd name="connsiteY5" fmla="*/ 1526458 h 1526458"/>
+            </a:gdLst>
+            <a:ahLst/>
+            <a:cxnLst>
+              <a:cxn ang="0">
+                <a:pos x="connsiteX0" y="connsiteY0"/>
+              </a:cxn>
+              <a:cxn ang="0">
+                <a:pos x="connsiteX1" y="connsiteY1"/>
+              </a:cxn>
+              <a:cxn ang="0">
+                <a:pos x="connsiteX2" y="connsiteY2"/>
+              </a:cxn>
+              <a:cxn ang="0">
+                <a:pos x="connsiteX3" y="connsiteY3"/>
+              </a:cxn>
+              <a:cxn ang="0">
+                <a:pos x="connsiteX4" y="connsiteY4"/>
+              </a:cxn>
+              <a:cxn ang="0">
+                <a:pos x="connsiteX5" y="connsiteY5"/>
+              </a:cxn>
+            </a:cxnLst>
+            <a:rect l="l" t="t" r="r" b="b"/>
+            <a:pathLst>
+              <a:path w="1139995" h="1526458">
+                <a:moveTo>
+                  <a:pt x="1139995" y="0"/>
+                </a:moveTo>
+                <a:cubicBezTo>
+                  <a:pt x="1137537" y="52848"/>
+                  <a:pt x="1135079" y="105697"/>
+                  <a:pt x="1058879" y="147484"/>
+                </a:cubicBezTo>
+                <a:cubicBezTo>
+                  <a:pt x="982679" y="189271"/>
+                  <a:pt x="788492" y="153629"/>
+                  <a:pt x="682795" y="250722"/>
+                </a:cubicBezTo>
+                <a:cubicBezTo>
+                  <a:pt x="577098" y="347815"/>
+                  <a:pt x="527938" y="636639"/>
+                  <a:pt x="424699" y="730045"/>
+                </a:cubicBezTo>
+                <a:cubicBezTo>
+                  <a:pt x="321460" y="823451"/>
+                  <a:pt x="132189" y="678426"/>
+                  <a:pt x="63363" y="811161"/>
+                </a:cubicBezTo>
+                <a:cubicBezTo>
+                  <a:pt x="-5463" y="943896"/>
+                  <a:pt x="-10379" y="1426906"/>
+                  <a:pt x="11744" y="1526458"/>
+                </a:cubicBezTo>
+              </a:path>
+            </a:pathLst>
+          </a:custGeom>
+          <a:noFill/>
+          <a:ln w="12700">
+            <a:solidFill>
+              <a:schemeClr val="accent6">
+                <a:lumMod val="75000"/>
+              </a:schemeClr>
+            </a:solidFill>
+            <a:prstDash val="sysDash"/>
+            <a:headEnd type="none" w="med" len="med"/>
+            <a:tailEnd type="arrow" w="med" len="med"/>
+          </a:ln>
+        </p:spPr>
+        <p:style>
+          <a:lnRef idx="2">
+            <a:schemeClr val="accent1">
+              <a:shade val="50000"/>
+            </a:schemeClr>
+          </a:lnRef>
+          <a:fillRef idx="1">
+            <a:schemeClr val="accent1"/>
+          </a:fillRef>
+          <a:effectRef idx="0">
+            <a:schemeClr val="accent1"/>
+          </a:effectRef>
+          <a:fontRef idx="minor">
+            <a:schemeClr val="lt1"/>
+          </a:fontRef>
+        </p:style>
+        <p:txBody>
+          <a:bodyPr rtlCol="0" anchor="ctr"/>
+          <a:lstStyle/>
+          <a:p>
+            <a:pPr algn="ctr"/>
+            <a:endParaRPr lang="zh-CN" altLang="en-US" sz="1600"/>
+          </a:p>
+        </p:txBody>
+      </p:sp>
+      <p:sp>
+        <p:nvSpPr>
+          <p:cNvPr id="43" name="TextBox 42"/>
+          <p:cNvSpPr txBox="1"/>
+          <p:nvPr/>
+        </p:nvSpPr>
+        <p:spPr>
+          <a:xfrm>
+            <a:off x="395536" y="4070350"/>
+            <a:ext cx="1082348" cy="246221"/>
+          </a:xfrm>
+          <a:prstGeom prst="rect">
+            <a:avLst/>
+          </a:prstGeom>
+          <a:noFill/>
+        </p:spPr>
+        <p:txBody>
+          <a:bodyPr wrap="none" rtlCol="0">
+            <a:spAutoFit/>
+          </a:bodyPr>
+          <a:lstStyle/>
+          <a:p>
+            <a:r>
+              <a:rPr lang="zh-CN" altLang="en-US" sz="1000" b="1" dirty="0" smtClean="0">
+                <a:solidFill>
+                  <a:schemeClr val="accent6">
+                    <a:lumMod val="75000"/>
+                  </a:schemeClr>
+                </a:solidFill>
+                <a:latin typeface="微软雅黑" pitchFamily="34" charset="-122"/>
+                <a:ea typeface="微软雅黑" pitchFamily="34" charset="-122"/>
+              </a:rPr>
+              <a:t>分支流程：训练</a:t>
+            </a:r>
+            <a:endParaRPr lang="zh-CN" altLang="en-US" sz="1000" b="1" dirty="0">
+              <a:solidFill>
+                <a:schemeClr val="accent6">
+                  <a:lumMod val="75000"/>
+                </a:schemeClr>
+              </a:solidFill>
+              <a:latin typeface="微软雅黑" pitchFamily="34" charset="-122"/>
+              <a:ea typeface="微软雅黑" pitchFamily="34" charset="-122"/>
+            </a:endParaRPr>
+          </a:p>
+        </p:txBody>
+      </p:sp>
+      <p:sp>
+        <p:nvSpPr>
+          <p:cNvPr id="44" name="任意多边形 43"/>
+          <p:cNvSpPr/>
+          <p:nvPr/>
+        </p:nvSpPr>
+        <p:spPr>
+          <a:xfrm flipH="1">
+            <a:off x="4330873" y="3650226"/>
+            <a:ext cx="1139995" cy="1526458"/>
+          </a:xfrm>
+          <a:custGeom>
+            <a:avLst/>
+            <a:gdLst>
+              <a:gd name="connsiteX0" fmla="*/ 1139995 w 1139995"/>
+              <a:gd name="connsiteY0" fmla="*/ 0 h 1526458"/>
+              <a:gd name="connsiteX1" fmla="*/ 1058879 w 1139995"/>
+              <a:gd name="connsiteY1" fmla="*/ 147484 h 1526458"/>
+              <a:gd name="connsiteX2" fmla="*/ 682795 w 1139995"/>
+              <a:gd name="connsiteY2" fmla="*/ 250722 h 1526458"/>
+              <a:gd name="connsiteX3" fmla="*/ 424699 w 1139995"/>
+              <a:gd name="connsiteY3" fmla="*/ 730045 h 1526458"/>
+              <a:gd name="connsiteX4" fmla="*/ 63363 w 1139995"/>
+              <a:gd name="connsiteY4" fmla="*/ 811161 h 1526458"/>
+              <a:gd name="connsiteX5" fmla="*/ 11744 w 1139995"/>
+              <a:gd name="connsiteY5" fmla="*/ 1526458 h 1526458"/>
+            </a:gdLst>
+            <a:ahLst/>
+            <a:cxnLst>
+              <a:cxn ang="0">
+                <a:pos x="connsiteX0" y="connsiteY0"/>
+              </a:cxn>
+              <a:cxn ang="0">
+                <a:pos x="connsiteX1" y="connsiteY1"/>
+              </a:cxn>
+              <a:cxn ang="0">
+                <a:pos x="connsiteX2" y="connsiteY2"/>
+              </a:cxn>
+              <a:cxn ang="0">
+                <a:pos x="connsiteX3" y="connsiteY3"/>
+              </a:cxn>
+              <a:cxn ang="0">
+                <a:pos x="connsiteX4" y="connsiteY4"/>
+              </a:cxn>
+              <a:cxn ang="0">
+                <a:pos x="connsiteX5" y="connsiteY5"/>
+              </a:cxn>
+            </a:cxnLst>
+            <a:rect l="l" t="t" r="r" b="b"/>
+            <a:pathLst>
+              <a:path w="1139995" h="1526458">
+                <a:moveTo>
+                  <a:pt x="1139995" y="0"/>
+                </a:moveTo>
+                <a:cubicBezTo>
+                  <a:pt x="1137537" y="52848"/>
+                  <a:pt x="1135079" y="105697"/>
+                  <a:pt x="1058879" y="147484"/>
+                </a:cubicBezTo>
+                <a:cubicBezTo>
+                  <a:pt x="982679" y="189271"/>
+                  <a:pt x="788492" y="153629"/>
+                  <a:pt x="682795" y="250722"/>
+                </a:cubicBezTo>
+                <a:cubicBezTo>
+                  <a:pt x="577098" y="347815"/>
+                  <a:pt x="527938" y="636639"/>
+                  <a:pt x="424699" y="730045"/>
+                </a:cubicBezTo>
+                <a:cubicBezTo>
+                  <a:pt x="321460" y="823451"/>
+                  <a:pt x="132189" y="678426"/>
+                  <a:pt x="63363" y="811161"/>
+                </a:cubicBezTo>
+                <a:cubicBezTo>
+                  <a:pt x="-5463" y="943896"/>
+                  <a:pt x="-10379" y="1426906"/>
+                  <a:pt x="11744" y="1526458"/>
+                </a:cubicBezTo>
+              </a:path>
+            </a:pathLst>
+          </a:custGeom>
+          <a:noFill/>
+          <a:ln w="12700">
+            <a:solidFill>
+              <a:schemeClr val="accent5">
+                <a:lumMod val="75000"/>
+              </a:schemeClr>
+            </a:solidFill>
+            <a:prstDash val="sysDash"/>
+            <a:headEnd type="none" w="med" len="med"/>
+            <a:tailEnd type="arrow" w="med" len="med"/>
+          </a:ln>
+        </p:spPr>
+        <p:style>
+          <a:lnRef idx="2">
+            <a:schemeClr val="accent1">
+              <a:shade val="50000"/>
+            </a:schemeClr>
+          </a:lnRef>
+          <a:fillRef idx="1">
+            <a:schemeClr val="accent1"/>
+          </a:fillRef>
+          <a:effectRef idx="0">
+            <a:schemeClr val="accent1"/>
+          </a:effectRef>
+          <a:fontRef idx="minor">
+            <a:schemeClr val="lt1"/>
+          </a:fontRef>
+        </p:style>
+        <p:txBody>
+          <a:bodyPr rtlCol="0" anchor="ctr"/>
+          <a:lstStyle/>
+          <a:p>
+            <a:pPr algn="ctr"/>
+            <a:endParaRPr lang="zh-CN" altLang="en-US" sz="1600"/>
+          </a:p>
+        </p:txBody>
+      </p:sp>
+      <p:sp>
+        <p:nvSpPr>
+          <p:cNvPr id="45" name="TextBox 44"/>
+          <p:cNvSpPr txBox="1"/>
+          <p:nvPr/>
+        </p:nvSpPr>
+        <p:spPr>
+          <a:xfrm>
+            <a:off x="4900870" y="4070350"/>
+            <a:ext cx="1082348" cy="246221"/>
+          </a:xfrm>
+          <a:prstGeom prst="rect">
+            <a:avLst/>
+          </a:prstGeom>
+          <a:noFill/>
+        </p:spPr>
+        <p:txBody>
+          <a:bodyPr wrap="none" rtlCol="0">
+            <a:spAutoFit/>
+          </a:bodyPr>
+          <a:lstStyle/>
+          <a:p>
+            <a:r>
+              <a:rPr lang="zh-CN" altLang="en-US" sz="1000" b="1" dirty="0" smtClean="0">
+                <a:solidFill>
+                  <a:schemeClr val="accent5">
+                    <a:lumMod val="75000"/>
+                  </a:schemeClr>
+                </a:solidFill>
+                <a:latin typeface="微软雅黑" pitchFamily="34" charset="-122"/>
+                <a:ea typeface="微软雅黑" pitchFamily="34" charset="-122"/>
+              </a:rPr>
+              <a:t>分支流程：预测</a:t>
+            </a:r>
+            <a:endParaRPr lang="zh-CN" altLang="en-US" sz="1000" b="1" dirty="0">
+              <a:solidFill>
+                <a:schemeClr val="accent5">
+                  <a:lumMod val="75000"/>
+                </a:schemeClr>
+              </a:solidFill>
+              <a:latin typeface="微软雅黑" pitchFamily="34" charset="-122"/>
+              <a:ea typeface="微软雅黑" pitchFamily="34" charset="-122"/>
+            </a:endParaRPr>
+          </a:p>
+        </p:txBody>
+      </p:sp>
+      <p:sp>
+        <p:nvSpPr>
+          <p:cNvPr id="39" name="圆角矩形 38"/>
+          <p:cNvSpPr/>
+          <p:nvPr/>
+        </p:nvSpPr>
+        <p:spPr>
+          <a:xfrm>
+            <a:off x="358247" y="3864038"/>
+            <a:ext cx="2709418" cy="2109060"/>
+          </a:xfrm>
+          <a:prstGeom prst="roundRect">
+            <a:avLst>
+              <a:gd name="adj" fmla="val 2662"/>
+            </a:avLst>
+          </a:prstGeom>
+          <a:noFill/>
+          <a:ln w="12700">
+            <a:solidFill>
+              <a:schemeClr val="accent5">
+                <a:lumMod val="75000"/>
+              </a:schemeClr>
+            </a:solidFill>
+            <a:prstDash val="dash"/>
+          </a:ln>
+        </p:spPr>
+        <p:style>
+          <a:lnRef idx="2">
+            <a:schemeClr val="accent1">
+              <a:shade val="50000"/>
+            </a:schemeClr>
+          </a:lnRef>
+          <a:fillRef idx="1">
+            <a:schemeClr val="accent1"/>
+          </a:fillRef>
+          <a:effectRef idx="0">
+            <a:schemeClr val="accent1"/>
+          </a:effectRef>
+          <a:fontRef idx="minor">
+            <a:schemeClr val="lt1"/>
+          </a:fontRef>
+        </p:style>
+        <p:txBody>
+          <a:bodyPr rtlCol="0" anchor="ctr"/>
+          <a:lstStyle/>
+          <a:p>
+            <a:pPr algn="ctr"/>
+            <a:endParaRPr lang="zh-CN" altLang="en-US"/>
+          </a:p>
+        </p:txBody>
+      </p:sp>
+      <p:sp>
+        <p:nvSpPr>
+          <p:cNvPr id="46" name="TextBox 45"/>
+          <p:cNvSpPr txBox="1"/>
+          <p:nvPr/>
+        </p:nvSpPr>
+        <p:spPr>
+          <a:xfrm>
+            <a:off x="4740666" y="748822"/>
+            <a:ext cx="484428" cy="246221"/>
+          </a:xfrm>
+          <a:prstGeom prst="rect">
+            <a:avLst/>
+          </a:prstGeom>
+          <a:noFill/>
+        </p:spPr>
+        <p:txBody>
+          <a:bodyPr wrap="none" rtlCol="0">
+            <a:spAutoFit/>
+          </a:bodyPr>
+          <a:lstStyle/>
+          <a:p>
+            <a:r>
+              <a:rPr lang="en-US" altLang="zh-CN" sz="1000" b="1" dirty="0" smtClean="0">
+                <a:solidFill>
+                  <a:schemeClr val="accent6">
+                    <a:lumMod val="75000"/>
+                  </a:schemeClr>
+                </a:solidFill>
+                <a:effectLst>
+                  <a:outerShdw blurRad="38100" dist="38100" dir="2700000" algn="tl">
+                    <a:srgbClr val="000000">
+                      <a:alpha val="43137"/>
+                    </a:srgbClr>
+                  </a:outerShdw>
+                </a:effectLst>
+                <a:latin typeface="微软雅黑" pitchFamily="34" charset="-122"/>
+                <a:ea typeface="微软雅黑" pitchFamily="34" charset="-122"/>
+              </a:rPr>
+              <a:t>.NET</a:t>
+            </a:r>
+            <a:endParaRPr lang="zh-CN" altLang="en-US" sz="1000" b="1" dirty="0">
+              <a:solidFill>
+                <a:schemeClr val="accent6">
+                  <a:lumMod val="75000"/>
+                </a:schemeClr>
+              </a:solidFill>
+              <a:effectLst>
+                <a:outerShdw blurRad="38100" dist="38100" dir="2700000" algn="tl">
+                  <a:srgbClr val="000000">
+                    <a:alpha val="43137"/>
+                  </a:srgbClr>
+                </a:outerShdw>
+              </a:effectLst>
+              <a:latin typeface="微软雅黑" pitchFamily="34" charset="-122"/>
+              <a:ea typeface="微软雅黑" pitchFamily="34" charset="-122"/>
+            </a:endParaRPr>
+          </a:p>
+        </p:txBody>
+      </p:sp>
+      <p:sp>
+        <p:nvSpPr>
+          <p:cNvPr id="47" name="TextBox 46"/>
+          <p:cNvSpPr txBox="1"/>
+          <p:nvPr/>
+        </p:nvSpPr>
+        <p:spPr>
+          <a:xfrm>
+            <a:off x="330898" y="3632131"/>
+            <a:ext cx="647934" cy="246221"/>
+          </a:xfrm>
+          <a:prstGeom prst="rect">
+            <a:avLst/>
+          </a:prstGeom>
+          <a:noFill/>
+        </p:spPr>
+        <p:txBody>
+          <a:bodyPr wrap="none" rtlCol="0">
+            <a:spAutoFit/>
+          </a:bodyPr>
+          <a:lstStyle/>
+          <a:p>
+            <a:r>
+              <a:rPr lang="en-US" altLang="zh-CN" sz="1000" b="1" dirty="0" smtClean="0">
+                <a:solidFill>
+                  <a:schemeClr val="accent6">
+                    <a:lumMod val="75000"/>
+                  </a:schemeClr>
+                </a:solidFill>
+                <a:effectLst>
+                  <a:outerShdw blurRad="38100" dist="38100" dir="2700000" algn="tl">
+                    <a:srgbClr val="000000">
+                      <a:alpha val="43137"/>
+                    </a:srgbClr>
+                  </a:outerShdw>
+                </a:effectLst>
+                <a:latin typeface="微软雅黑" pitchFamily="34" charset="-122"/>
+                <a:ea typeface="微软雅黑" pitchFamily="34" charset="-122"/>
+              </a:rPr>
+              <a:t>Python</a:t>
+            </a:r>
+            <a:endParaRPr lang="zh-CN" altLang="en-US" sz="1000" b="1" dirty="0">
+              <a:solidFill>
+                <a:schemeClr val="accent6">
+                  <a:lumMod val="75000"/>
+                </a:schemeClr>
+              </a:solidFill>
+              <a:effectLst>
+                <a:outerShdw blurRad="38100" dist="38100" dir="2700000" algn="tl">
+                  <a:srgbClr val="000000">
+                    <a:alpha val="43137"/>
+                  </a:srgbClr>
+                </a:outerShdw>
+              </a:effectLst>
+              <a:latin typeface="微软雅黑" pitchFamily="34" charset="-122"/>
+              <a:ea typeface="微软雅黑" pitchFamily="34" charset="-122"/>
+            </a:endParaRPr>
+          </a:p>
+        </p:txBody>
+      </p:sp>
+      <p:sp>
+        <p:nvSpPr>
+          <p:cNvPr id="48" name="圆角矩形 47"/>
+          <p:cNvSpPr/>
+          <p:nvPr/>
+        </p:nvSpPr>
+        <p:spPr>
+          <a:xfrm>
+            <a:off x="3242615" y="3864038"/>
+            <a:ext cx="2709418" cy="2109060"/>
+          </a:xfrm>
+          <a:prstGeom prst="roundRect">
+            <a:avLst>
+              <a:gd name="adj" fmla="val 2662"/>
+            </a:avLst>
+          </a:prstGeom>
+          <a:noFill/>
+          <a:ln w="12700">
+            <a:solidFill>
+              <a:schemeClr val="accent5">
+                <a:lumMod val="75000"/>
+              </a:schemeClr>
+            </a:solidFill>
+            <a:prstDash val="dash"/>
+          </a:ln>
+        </p:spPr>
+        <p:style>
+          <a:lnRef idx="2">
+            <a:schemeClr val="accent1">
+              <a:shade val="50000"/>
+            </a:schemeClr>
+          </a:lnRef>
+          <a:fillRef idx="1">
+            <a:schemeClr val="accent1"/>
+          </a:fillRef>
+          <a:effectRef idx="0">
+            <a:schemeClr val="accent1"/>
+          </a:effectRef>
+          <a:fontRef idx="minor">
+            <a:schemeClr val="lt1"/>
+          </a:fontRef>
+        </p:style>
+        <p:txBody>
+          <a:bodyPr rtlCol="0" anchor="ctr"/>
+          <a:lstStyle/>
+          <a:p>
+            <a:pPr algn="ctr"/>
+            <a:endParaRPr lang="zh-CN" altLang="en-US"/>
+          </a:p>
+        </p:txBody>
+      </p:sp>
+      <p:sp>
+        <p:nvSpPr>
+          <p:cNvPr id="49" name="TextBox 48"/>
+          <p:cNvSpPr txBox="1"/>
+          <p:nvPr/>
+        </p:nvSpPr>
+        <p:spPr>
+          <a:xfrm>
+            <a:off x="5346409" y="3632131"/>
+            <a:ext cx="484428" cy="246221"/>
+          </a:xfrm>
+          <a:prstGeom prst="rect">
+            <a:avLst/>
+          </a:prstGeom>
+          <a:noFill/>
+        </p:spPr>
+        <p:txBody>
+          <a:bodyPr wrap="none" rtlCol="0">
+            <a:spAutoFit/>
+          </a:bodyPr>
+          <a:lstStyle/>
+          <a:p>
+            <a:r>
+              <a:rPr lang="en-US" altLang="zh-CN" sz="1000" b="1" dirty="0" smtClean="0">
+                <a:solidFill>
+                  <a:schemeClr val="accent6">
+                    <a:lumMod val="75000"/>
+                  </a:schemeClr>
+                </a:solidFill>
+                <a:effectLst>
+                  <a:outerShdw blurRad="38100" dist="38100" dir="2700000" algn="tl">
+                    <a:srgbClr val="000000">
+                      <a:alpha val="43137"/>
+                    </a:srgbClr>
+                  </a:outerShdw>
+                </a:effectLst>
+                <a:latin typeface="微软雅黑" pitchFamily="34" charset="-122"/>
+                <a:ea typeface="微软雅黑" pitchFamily="34" charset="-122"/>
+              </a:rPr>
+              <a:t>.NET</a:t>
+            </a:r>
+            <a:endParaRPr lang="zh-CN" altLang="en-US" sz="1000" b="1" dirty="0">
+              <a:solidFill>
+                <a:schemeClr val="accent6">
+                  <a:lumMod val="75000"/>
+                </a:schemeClr>
+              </a:solidFill>
+              <a:effectLst>
+                <a:outerShdw blurRad="38100" dist="38100" dir="2700000" algn="tl">
+                  <a:srgbClr val="000000">
+                    <a:alpha val="43137"/>
+                  </a:srgbClr>
+                </a:outerShdw>
+              </a:effectLst>
+              <a:latin typeface="微软雅黑" pitchFamily="34" charset="-122"/>
+              <a:ea typeface="微软雅黑" pitchFamily="34" charset="-122"/>
+            </a:endParaRPr>
+          </a:p>
+        </p:txBody>
+      </p:sp>
+    </p:spTree>
+    <p:extLst>
+      <p:ext uri="{BB962C8B-B14F-4D97-AF65-F5344CB8AC3E}">
+        <p14:creationId xmlns:p14="http://schemas.microsoft.com/office/powerpoint/2010/main" val="2342490941"/>
+      </p:ext>
+    </p:extLst>
+  </p:cSld>
+  <p:clrMapOvr>
+    <a:masterClrMapping/>
+  </p:clrMapOvr>
+  <p:timing>
+    <p:tnLst>
+      <p:par>
+        <p:cTn id="1" dur="indefinite" restart="never" nodeType="tmRoot"/>
+      </p:par>
+    </p:tnLst>
+  </p:timing>
+</p:sld>
+</file>
+
+<file path=ppt/slides/slide18.xml><?xml version="1.0" encoding="utf-8"?>
+<p:sld xmlns:a="http://schemas.openxmlformats.org/drawingml/2006/main" xmlns:r="http://schemas.openxmlformats.org/officeDocument/2006/relationships" xmlns:p="http://schemas.openxmlformats.org/presentationml/2006/main">
+  <p:cSld>
+    <p:spTree>
+      <p:nvGrpSpPr>
+        <p:cNvPr id="1" name=""/>
+        <p:cNvGrpSpPr/>
+        <p:nvPr/>
+      </p:nvGrpSpPr>
+      <p:grpSpPr>
+        <a:xfrm>
+          <a:off x="0" y="0"/>
+          <a:ext cx="0" cy="0"/>
+          <a:chOff x="0" y="0"/>
+          <a:chExt cx="0" cy="0"/>
+        </a:xfrm>
+      </p:grpSpPr>
+      <p:sp>
+        <p:nvSpPr>
+          <p:cNvPr id="3" name="圆角矩形 2"/>
+          <p:cNvSpPr/>
+          <p:nvPr/>
+        </p:nvSpPr>
+        <p:spPr>
+          <a:xfrm>
+            <a:off x="2628655" y="1556790"/>
+            <a:ext cx="995517" cy="247713"/>
+          </a:xfrm>
+          <a:prstGeom prst="roundRect">
+            <a:avLst/>
+          </a:prstGeom>
+          <a:noFill/>
+          <a:ln w="12700">
+            <a:solidFill>
+              <a:schemeClr val="bg1">
+                <a:lumMod val="85000"/>
+              </a:schemeClr>
+            </a:solidFill>
+          </a:ln>
+        </p:spPr>
+        <p:style>
+          <a:lnRef idx="2">
+            <a:schemeClr val="accent1">
+              <a:shade val="50000"/>
+            </a:schemeClr>
+          </a:lnRef>
+          <a:fillRef idx="1">
+            <a:schemeClr val="accent1"/>
+          </a:fillRef>
+          <a:effectRef idx="0">
+            <a:schemeClr val="accent1"/>
+          </a:effectRef>
+          <a:fontRef idx="minor">
+            <a:schemeClr val="lt1"/>
+          </a:fontRef>
+        </p:style>
+        <p:txBody>
+          <a:bodyPr rtlCol="0" anchor="ctr"/>
+          <a:lstStyle/>
+          <a:p>
+            <a:pPr algn="ctr"/>
+            <a:r>
+              <a:rPr lang="zh-CN" altLang="en-US" sz="1050" dirty="0" smtClean="0">
+                <a:solidFill>
+                  <a:schemeClr val="tx1"/>
+                </a:solidFill>
+                <a:latin typeface="微软雅黑" pitchFamily="34" charset="-122"/>
+                <a:ea typeface="微软雅黑" pitchFamily="34" charset="-122"/>
+              </a:rPr>
+              <a:t>图像输入</a:t>
+            </a:r>
+            <a:endParaRPr lang="zh-CN" altLang="en-US" sz="1050" dirty="0">
+              <a:solidFill>
+                <a:schemeClr val="tx1"/>
+              </a:solidFill>
+              <a:latin typeface="微软雅黑" pitchFamily="34" charset="-122"/>
+              <a:ea typeface="微软雅黑" pitchFamily="34" charset="-122"/>
+            </a:endParaRPr>
+          </a:p>
+        </p:txBody>
+      </p:sp>
+      <p:sp>
+        <p:nvSpPr>
+          <p:cNvPr id="4" name="下箭头 3"/>
+          <p:cNvSpPr/>
+          <p:nvPr/>
+        </p:nvSpPr>
+        <p:spPr>
+          <a:xfrm>
+            <a:off x="3013134" y="1889177"/>
+            <a:ext cx="137718" cy="144016"/>
+          </a:xfrm>
+          <a:prstGeom prst="downArrow">
+            <a:avLst/>
+          </a:prstGeom>
+          <a:noFill/>
+          <a:ln w="12700">
+            <a:solidFill>
+              <a:schemeClr val="bg1">
+                <a:lumMod val="50000"/>
+              </a:schemeClr>
+            </a:solidFill>
+          </a:ln>
+        </p:spPr>
+        <p:style>
+          <a:lnRef idx="2">
+            <a:schemeClr val="accent1">
+              <a:shade val="50000"/>
+            </a:schemeClr>
+          </a:lnRef>
+          <a:fillRef idx="1">
+            <a:schemeClr val="accent1"/>
+          </a:fillRef>
+          <a:effectRef idx="0">
+            <a:schemeClr val="accent1"/>
+          </a:effectRef>
+          <a:fontRef idx="minor">
+            <a:schemeClr val="lt1"/>
+          </a:fontRef>
+        </p:style>
+        <p:txBody>
+          <a:bodyPr rtlCol="0" anchor="ctr"/>
+          <a:lstStyle/>
+          <a:p>
+            <a:pPr algn="ctr"/>
+            <a:endParaRPr lang="zh-CN" altLang="en-US" sz="1050">
+              <a:latin typeface="微软雅黑" pitchFamily="34" charset="-122"/>
+              <a:ea typeface="微软雅黑" pitchFamily="34" charset="-122"/>
+            </a:endParaRPr>
+          </a:p>
+        </p:txBody>
+      </p:sp>
+      <p:sp>
+        <p:nvSpPr>
+          <p:cNvPr id="5" name="圆角矩形 4"/>
+          <p:cNvSpPr/>
+          <p:nvPr/>
+        </p:nvSpPr>
+        <p:spPr>
+          <a:xfrm>
+            <a:off x="2139591" y="2112696"/>
+            <a:ext cx="1884804" cy="864096"/>
+          </a:xfrm>
+          <a:prstGeom prst="roundRect">
+            <a:avLst>
+              <a:gd name="adj" fmla="val 2579"/>
+            </a:avLst>
+          </a:prstGeom>
+          <a:noFill/>
+          <a:ln w="12700">
+            <a:solidFill>
+              <a:schemeClr val="bg1">
+                <a:lumMod val="85000"/>
+              </a:schemeClr>
+            </a:solidFill>
+          </a:ln>
+        </p:spPr>
+        <p:style>
+          <a:lnRef idx="2">
+            <a:schemeClr val="accent1">
+              <a:shade val="50000"/>
+            </a:schemeClr>
+          </a:lnRef>
+          <a:fillRef idx="1">
+            <a:schemeClr val="accent1"/>
+          </a:fillRef>
+          <a:effectRef idx="0">
+            <a:schemeClr val="accent1"/>
+          </a:effectRef>
+          <a:fontRef idx="minor">
+            <a:schemeClr val="lt1"/>
+          </a:fontRef>
+        </p:style>
+        <p:txBody>
+          <a:bodyPr rtlCol="0" anchor="ctr"/>
+          <a:lstStyle/>
+          <a:p>
+            <a:pPr algn="ctr">
+              <a:lnSpc>
+                <a:spcPct val="150000"/>
+              </a:lnSpc>
+            </a:pPr>
+            <a:r>
+              <a:rPr lang="zh-CN" altLang="en-US" sz="1050" dirty="0" smtClean="0">
+                <a:solidFill>
+                  <a:schemeClr val="tx1"/>
+                </a:solidFill>
+                <a:latin typeface="微软雅黑" pitchFamily="34" charset="-122"/>
+                <a:ea typeface="微软雅黑" pitchFamily="34" charset="-122"/>
+              </a:rPr>
+              <a:t>图像处理</a:t>
+            </a:r>
+            <a:endParaRPr lang="en-US" altLang="zh-CN" sz="1050" dirty="0" smtClean="0">
+              <a:solidFill>
+                <a:schemeClr val="tx1"/>
+              </a:solidFill>
+              <a:latin typeface="微软雅黑" pitchFamily="34" charset="-122"/>
+              <a:ea typeface="微软雅黑" pitchFamily="34" charset="-122"/>
+            </a:endParaRPr>
+          </a:p>
+          <a:p>
+            <a:pPr algn="ctr">
+              <a:lnSpc>
+                <a:spcPct val="150000"/>
+              </a:lnSpc>
+            </a:pPr>
+            <a:r>
+              <a:rPr lang="en-US" altLang="zh-CN" sz="1050" dirty="0" smtClean="0">
+                <a:solidFill>
+                  <a:schemeClr val="tx1"/>
+                </a:solidFill>
+                <a:latin typeface="微软雅黑" pitchFamily="34" charset="-122"/>
+                <a:ea typeface="微软雅黑" pitchFamily="34" charset="-122"/>
+              </a:rPr>
+              <a:t>[ </a:t>
+            </a:r>
+            <a:r>
+              <a:rPr lang="en-US" altLang="zh-CN" sz="1050" dirty="0" err="1" smtClean="0">
+                <a:solidFill>
+                  <a:schemeClr val="tx1"/>
+                </a:solidFill>
+                <a:latin typeface="微软雅黑" pitchFamily="34" charset="-122"/>
+                <a:ea typeface="微软雅黑" pitchFamily="34" charset="-122"/>
+              </a:rPr>
+              <a:t>OpenCV</a:t>
+            </a:r>
+            <a:r>
+              <a:rPr lang="en-US" altLang="zh-CN" sz="1050" dirty="0" smtClean="0">
+                <a:solidFill>
+                  <a:schemeClr val="tx1"/>
+                </a:solidFill>
+                <a:latin typeface="微软雅黑" pitchFamily="34" charset="-122"/>
+                <a:ea typeface="微软雅黑" pitchFamily="34" charset="-122"/>
+              </a:rPr>
+              <a:t> or </a:t>
+            </a:r>
+            <a:r>
+              <a:rPr lang="en-US" altLang="zh-CN" sz="1050" dirty="0" err="1" smtClean="0">
+                <a:solidFill>
+                  <a:schemeClr val="tx1"/>
+                </a:solidFill>
+                <a:latin typeface="微软雅黑" pitchFamily="34" charset="-122"/>
+                <a:ea typeface="微软雅黑" pitchFamily="34" charset="-122"/>
+              </a:rPr>
+              <a:t>Halcon</a:t>
+            </a:r>
+            <a:r>
+              <a:rPr lang="en-US" altLang="zh-CN" sz="1050" dirty="0" smtClean="0">
+                <a:solidFill>
+                  <a:schemeClr val="tx1"/>
+                </a:solidFill>
+                <a:latin typeface="微软雅黑" pitchFamily="34" charset="-122"/>
+                <a:ea typeface="微软雅黑" pitchFamily="34" charset="-122"/>
+              </a:rPr>
+              <a:t> ]</a:t>
+            </a:r>
+            <a:endParaRPr lang="zh-CN" altLang="en-US" sz="1050" dirty="0">
+              <a:solidFill>
+                <a:schemeClr val="tx1"/>
+              </a:solidFill>
+              <a:latin typeface="微软雅黑" pitchFamily="34" charset="-122"/>
+              <a:ea typeface="微软雅黑" pitchFamily="34" charset="-122"/>
+            </a:endParaRPr>
+          </a:p>
+        </p:txBody>
+      </p:sp>
+      <p:sp>
+        <p:nvSpPr>
+          <p:cNvPr id="6" name="圆角矩形 5"/>
+          <p:cNvSpPr/>
+          <p:nvPr/>
+        </p:nvSpPr>
+        <p:spPr>
+          <a:xfrm>
+            <a:off x="2139592" y="3308991"/>
+            <a:ext cx="1884803" cy="247713"/>
+          </a:xfrm>
+          <a:prstGeom prst="roundRect">
+            <a:avLst>
+              <a:gd name="adj" fmla="val 4564"/>
+            </a:avLst>
+          </a:prstGeom>
+          <a:noFill/>
+          <a:ln w="12700">
+            <a:solidFill>
+              <a:schemeClr val="bg1">
+                <a:lumMod val="85000"/>
+              </a:schemeClr>
+            </a:solidFill>
+          </a:ln>
+        </p:spPr>
+        <p:style>
+          <a:lnRef idx="2">
+            <a:schemeClr val="accent1">
+              <a:shade val="50000"/>
+            </a:schemeClr>
+          </a:lnRef>
+          <a:fillRef idx="1">
+            <a:schemeClr val="accent1"/>
+          </a:fillRef>
+          <a:effectRef idx="0">
+            <a:schemeClr val="accent1"/>
+          </a:effectRef>
+          <a:fontRef idx="minor">
+            <a:schemeClr val="lt1"/>
+          </a:fontRef>
+        </p:style>
+        <p:txBody>
+          <a:bodyPr rtlCol="0" anchor="ctr"/>
+          <a:lstStyle/>
+          <a:p>
+            <a:pPr algn="ctr"/>
+            <a:r>
+              <a:rPr lang="zh-CN" altLang="en-US" sz="1050" dirty="0" smtClean="0">
+                <a:solidFill>
+                  <a:schemeClr val="tx1"/>
+                </a:solidFill>
+                <a:latin typeface="微软雅黑" pitchFamily="34" charset="-122"/>
+                <a:ea typeface="微软雅黑" pitchFamily="34" charset="-122"/>
+              </a:rPr>
+              <a:t>图像输出</a:t>
+            </a:r>
+            <a:endParaRPr lang="zh-CN" altLang="en-US" sz="1050" dirty="0">
+              <a:solidFill>
+                <a:schemeClr val="tx1"/>
+              </a:solidFill>
+              <a:latin typeface="微软雅黑" pitchFamily="34" charset="-122"/>
+              <a:ea typeface="微软雅黑" pitchFamily="34" charset="-122"/>
+            </a:endParaRPr>
+          </a:p>
+        </p:txBody>
+      </p:sp>
+      <p:sp>
+        <p:nvSpPr>
+          <p:cNvPr id="7" name="下箭头 6"/>
+          <p:cNvSpPr/>
+          <p:nvPr/>
+        </p:nvSpPr>
+        <p:spPr>
+          <a:xfrm>
+            <a:off x="3013134" y="3054207"/>
+            <a:ext cx="137718" cy="144016"/>
+          </a:xfrm>
+          <a:prstGeom prst="downArrow">
+            <a:avLst/>
+          </a:prstGeom>
+          <a:noFill/>
+          <a:ln w="12700">
+            <a:solidFill>
+              <a:schemeClr val="bg1">
+                <a:lumMod val="50000"/>
+              </a:schemeClr>
+            </a:solidFill>
+          </a:ln>
+        </p:spPr>
+        <p:style>
+          <a:lnRef idx="2">
+            <a:schemeClr val="accent1">
+              <a:shade val="50000"/>
+            </a:schemeClr>
+          </a:lnRef>
+          <a:fillRef idx="1">
+            <a:schemeClr val="accent1"/>
+          </a:fillRef>
+          <a:effectRef idx="0">
+            <a:schemeClr val="accent1"/>
+          </a:effectRef>
+          <a:fontRef idx="minor">
+            <a:schemeClr val="lt1"/>
+          </a:fontRef>
+        </p:style>
+        <p:txBody>
+          <a:bodyPr rtlCol="0" anchor="ctr"/>
+          <a:lstStyle/>
+          <a:p>
+            <a:pPr algn="ctr"/>
+            <a:endParaRPr lang="zh-CN" altLang="en-US" sz="1050">
+              <a:latin typeface="微软雅黑" pitchFamily="34" charset="-122"/>
+              <a:ea typeface="微软雅黑" pitchFamily="34" charset="-122"/>
+            </a:endParaRPr>
+          </a:p>
+        </p:txBody>
+      </p:sp>
+      <p:sp>
+        <p:nvSpPr>
+          <p:cNvPr id="8" name="下箭头 7"/>
+          <p:cNvSpPr/>
+          <p:nvPr/>
+        </p:nvSpPr>
+        <p:spPr>
+          <a:xfrm rot="2166857">
+            <a:off x="2196607" y="3696872"/>
+            <a:ext cx="137718" cy="144016"/>
+          </a:xfrm>
+          <a:prstGeom prst="downArrow">
+            <a:avLst/>
+          </a:prstGeom>
+          <a:noFill/>
+          <a:ln w="12700">
+            <a:solidFill>
+              <a:schemeClr val="bg1">
+                <a:lumMod val="50000"/>
+              </a:schemeClr>
+            </a:solidFill>
+          </a:ln>
+        </p:spPr>
+        <p:style>
+          <a:lnRef idx="2">
+            <a:schemeClr val="accent1">
+              <a:shade val="50000"/>
+            </a:schemeClr>
+          </a:lnRef>
+          <a:fillRef idx="1">
+            <a:schemeClr val="accent1"/>
+          </a:fillRef>
+          <a:effectRef idx="0">
+            <a:schemeClr val="accent1"/>
+          </a:effectRef>
+          <a:fontRef idx="minor">
+            <a:schemeClr val="lt1"/>
+          </a:fontRef>
+        </p:style>
+        <p:txBody>
+          <a:bodyPr rtlCol="0" anchor="ctr"/>
+          <a:lstStyle/>
+          <a:p>
+            <a:pPr algn="ctr"/>
+            <a:endParaRPr lang="zh-CN" altLang="en-US" sz="1050">
+              <a:latin typeface="微软雅黑" pitchFamily="34" charset="-122"/>
+              <a:ea typeface="微软雅黑" pitchFamily="34" charset="-122"/>
+            </a:endParaRPr>
+          </a:p>
+        </p:txBody>
+      </p:sp>
+      <p:sp>
+        <p:nvSpPr>
+          <p:cNvPr id="10" name="圆角矩形 9"/>
+          <p:cNvSpPr/>
+          <p:nvPr/>
+        </p:nvSpPr>
+        <p:spPr>
+          <a:xfrm>
+            <a:off x="1767707" y="3912896"/>
+            <a:ext cx="995517" cy="247713"/>
+          </a:xfrm>
+          <a:prstGeom prst="roundRect">
+            <a:avLst/>
+          </a:prstGeom>
+          <a:noFill/>
+          <a:ln w="12700">
+            <a:solidFill>
+              <a:schemeClr val="bg1">
+                <a:lumMod val="85000"/>
+              </a:schemeClr>
+            </a:solidFill>
+          </a:ln>
+        </p:spPr>
+        <p:style>
+          <a:lnRef idx="2">
+            <a:schemeClr val="accent1">
+              <a:shade val="50000"/>
+            </a:schemeClr>
+          </a:lnRef>
+          <a:fillRef idx="1">
+            <a:schemeClr val="accent1"/>
+          </a:fillRef>
+          <a:effectRef idx="0">
+            <a:schemeClr val="accent1"/>
+          </a:effectRef>
+          <a:fontRef idx="minor">
+            <a:schemeClr val="lt1"/>
+          </a:fontRef>
+        </p:style>
+        <p:txBody>
+          <a:bodyPr rtlCol="0" anchor="ctr"/>
+          <a:lstStyle/>
+          <a:p>
+            <a:pPr algn="ctr"/>
+            <a:r>
+              <a:rPr lang="zh-CN" altLang="en-US" sz="1050" dirty="0" smtClean="0">
+                <a:solidFill>
+                  <a:schemeClr val="tx1"/>
+                </a:solidFill>
+                <a:latin typeface="微软雅黑" pitchFamily="34" charset="-122"/>
+                <a:ea typeface="微软雅黑" pitchFamily="34" charset="-122"/>
+              </a:rPr>
+              <a:t>保存本地</a:t>
+            </a:r>
+            <a:endParaRPr lang="zh-CN" altLang="en-US" sz="1050" dirty="0">
+              <a:solidFill>
+                <a:schemeClr val="tx1"/>
+              </a:solidFill>
+              <a:latin typeface="微软雅黑" pitchFamily="34" charset="-122"/>
+              <a:ea typeface="微软雅黑" pitchFamily="34" charset="-122"/>
+            </a:endParaRPr>
+          </a:p>
+        </p:txBody>
+      </p:sp>
+      <p:sp>
+        <p:nvSpPr>
+          <p:cNvPr id="11" name="圆角矩形 10"/>
+          <p:cNvSpPr/>
+          <p:nvPr/>
+        </p:nvSpPr>
+        <p:spPr>
+          <a:xfrm>
+            <a:off x="1128330" y="4560968"/>
+            <a:ext cx="1884804" cy="864096"/>
+          </a:xfrm>
+          <a:prstGeom prst="roundRect">
+            <a:avLst>
+              <a:gd name="adj" fmla="val 2579"/>
+            </a:avLst>
+          </a:prstGeom>
+          <a:noFill/>
+          <a:ln w="12700">
+            <a:solidFill>
+              <a:schemeClr val="bg1">
+                <a:lumMod val="85000"/>
+              </a:schemeClr>
+            </a:solidFill>
+          </a:ln>
+        </p:spPr>
+        <p:style>
+          <a:lnRef idx="2">
+            <a:schemeClr val="accent1">
+              <a:shade val="50000"/>
+            </a:schemeClr>
+          </a:lnRef>
+          <a:fillRef idx="1">
+            <a:schemeClr val="accent1"/>
+          </a:fillRef>
+          <a:effectRef idx="0">
+            <a:schemeClr val="accent1"/>
+          </a:effectRef>
+          <a:fontRef idx="minor">
+            <a:schemeClr val="lt1"/>
+          </a:fontRef>
+        </p:style>
+        <p:txBody>
+          <a:bodyPr rtlCol="0" anchor="ctr"/>
+          <a:lstStyle/>
+          <a:p>
+            <a:pPr algn="ctr">
+              <a:lnSpc>
+                <a:spcPct val="150000"/>
+              </a:lnSpc>
+            </a:pPr>
+            <a:r>
+              <a:rPr lang="en-US" altLang="zh-CN" sz="1050" dirty="0" smtClean="0">
+                <a:solidFill>
+                  <a:schemeClr val="tx1"/>
+                </a:solidFill>
+                <a:latin typeface="微软雅黑" pitchFamily="34" charset="-122"/>
+                <a:ea typeface="微软雅黑" pitchFamily="34" charset="-122"/>
+              </a:rPr>
+              <a:t>GPU + </a:t>
+            </a:r>
+            <a:r>
+              <a:rPr lang="en-US" altLang="zh-CN" sz="1050" dirty="0" smtClean="0">
+                <a:solidFill>
+                  <a:schemeClr val="tx1"/>
+                </a:solidFill>
+                <a:latin typeface="微软雅黑" pitchFamily="34" charset="-122"/>
+                <a:ea typeface="微软雅黑" pitchFamily="34" charset="-122"/>
+              </a:rPr>
+              <a:t>TensorFlow.NET</a:t>
+            </a:r>
+            <a:endParaRPr lang="en-US" altLang="zh-CN" sz="1050" dirty="0" smtClean="0">
+              <a:solidFill>
+                <a:schemeClr val="tx1"/>
+              </a:solidFill>
+              <a:latin typeface="微软雅黑" pitchFamily="34" charset="-122"/>
+              <a:ea typeface="微软雅黑" pitchFamily="34" charset="-122"/>
+            </a:endParaRPr>
+          </a:p>
+          <a:p>
+            <a:pPr algn="ctr">
+              <a:lnSpc>
+                <a:spcPct val="150000"/>
+              </a:lnSpc>
+            </a:pPr>
+            <a:r>
+              <a:rPr lang="en-US" altLang="zh-CN" sz="1050" dirty="0" smtClean="0">
+                <a:solidFill>
+                  <a:schemeClr val="tx1"/>
+                </a:solidFill>
+                <a:latin typeface="微软雅黑" pitchFamily="34" charset="-122"/>
+                <a:ea typeface="微软雅黑" pitchFamily="34" charset="-122"/>
+              </a:rPr>
+              <a:t>[ </a:t>
+            </a:r>
+            <a:r>
+              <a:rPr lang="zh-CN" altLang="en-US" sz="1050" dirty="0" smtClean="0">
+                <a:solidFill>
+                  <a:schemeClr val="tx1"/>
+                </a:solidFill>
+                <a:latin typeface="微软雅黑" pitchFamily="34" charset="-122"/>
+                <a:ea typeface="微软雅黑" pitchFamily="34" charset="-122"/>
+              </a:rPr>
+              <a:t>训练 </a:t>
+            </a:r>
+            <a:r>
+              <a:rPr lang="en-US" altLang="zh-CN" sz="1050" dirty="0" smtClean="0">
+                <a:solidFill>
+                  <a:schemeClr val="tx1"/>
+                </a:solidFill>
+                <a:latin typeface="微软雅黑" pitchFamily="34" charset="-122"/>
+                <a:ea typeface="微软雅黑" pitchFamily="34" charset="-122"/>
+              </a:rPr>
+              <a:t>]</a:t>
+            </a:r>
+            <a:endParaRPr lang="zh-CN" altLang="en-US" sz="1050" dirty="0">
+              <a:solidFill>
+                <a:schemeClr val="tx1"/>
+              </a:solidFill>
+              <a:latin typeface="微软雅黑" pitchFamily="34" charset="-122"/>
+              <a:ea typeface="微软雅黑" pitchFamily="34" charset="-122"/>
+            </a:endParaRPr>
+          </a:p>
+        </p:txBody>
+      </p:sp>
+      <p:sp>
+        <p:nvSpPr>
+          <p:cNvPr id="12" name="下箭头 11"/>
+          <p:cNvSpPr/>
+          <p:nvPr/>
+        </p:nvSpPr>
+        <p:spPr>
+          <a:xfrm>
+            <a:off x="2070733" y="4293096"/>
+            <a:ext cx="137718" cy="144016"/>
+          </a:xfrm>
+          <a:prstGeom prst="downArrow">
+            <a:avLst/>
+          </a:prstGeom>
+          <a:noFill/>
+          <a:ln w="12700">
+            <a:solidFill>
+              <a:schemeClr val="bg1">
+                <a:lumMod val="50000"/>
+              </a:schemeClr>
+            </a:solidFill>
+          </a:ln>
+        </p:spPr>
+        <p:style>
+          <a:lnRef idx="2">
+            <a:schemeClr val="accent1">
+              <a:shade val="50000"/>
+            </a:schemeClr>
+          </a:lnRef>
+          <a:fillRef idx="1">
+            <a:schemeClr val="accent1"/>
+          </a:fillRef>
+          <a:effectRef idx="0">
+            <a:schemeClr val="accent1"/>
+          </a:effectRef>
+          <a:fontRef idx="minor">
+            <a:schemeClr val="lt1"/>
+          </a:fontRef>
+        </p:style>
+        <p:txBody>
+          <a:bodyPr rtlCol="0" anchor="ctr"/>
+          <a:lstStyle/>
+          <a:p>
+            <a:pPr algn="ctr"/>
+            <a:endParaRPr lang="zh-CN" altLang="en-US" sz="1050">
+              <a:latin typeface="微软雅黑" pitchFamily="34" charset="-122"/>
+              <a:ea typeface="微软雅黑" pitchFamily="34" charset="-122"/>
+            </a:endParaRPr>
+          </a:p>
+        </p:txBody>
+      </p:sp>
+      <p:sp>
+        <p:nvSpPr>
+          <p:cNvPr id="13" name="下箭头 12"/>
+          <p:cNvSpPr/>
+          <p:nvPr/>
+        </p:nvSpPr>
+        <p:spPr>
+          <a:xfrm rot="19433143" flipH="1">
+            <a:off x="3857467" y="3696872"/>
+            <a:ext cx="137718" cy="144016"/>
+          </a:xfrm>
+          <a:prstGeom prst="downArrow">
+            <a:avLst/>
+          </a:prstGeom>
+          <a:noFill/>
+          <a:ln w="12700">
+            <a:solidFill>
+              <a:schemeClr val="bg1">
+                <a:lumMod val="50000"/>
+              </a:schemeClr>
+            </a:solidFill>
+          </a:ln>
+        </p:spPr>
+        <p:style>
+          <a:lnRef idx="2">
+            <a:schemeClr val="accent1">
+              <a:shade val="50000"/>
+            </a:schemeClr>
+          </a:lnRef>
+          <a:fillRef idx="1">
+            <a:schemeClr val="accent1"/>
+          </a:fillRef>
+          <a:effectRef idx="0">
+            <a:schemeClr val="accent1"/>
+          </a:effectRef>
+          <a:fontRef idx="minor">
+            <a:schemeClr val="lt1"/>
+          </a:fontRef>
+        </p:style>
+        <p:txBody>
+          <a:bodyPr rtlCol="0" anchor="ctr"/>
+          <a:lstStyle/>
+          <a:p>
+            <a:pPr algn="ctr"/>
+            <a:endParaRPr lang="zh-CN" altLang="en-US" sz="1050">
+              <a:latin typeface="微软雅黑" pitchFamily="34" charset="-122"/>
+              <a:ea typeface="微软雅黑" pitchFamily="34" charset="-122"/>
+            </a:endParaRPr>
+          </a:p>
+        </p:txBody>
+      </p:sp>
+      <p:sp>
+        <p:nvSpPr>
+          <p:cNvPr id="14" name="下箭头 13"/>
+          <p:cNvSpPr/>
+          <p:nvPr/>
+        </p:nvSpPr>
+        <p:spPr>
+          <a:xfrm>
+            <a:off x="1904555" y="5517232"/>
+            <a:ext cx="137718" cy="144016"/>
+          </a:xfrm>
+          <a:prstGeom prst="downArrow">
+            <a:avLst/>
+          </a:prstGeom>
+          <a:noFill/>
+          <a:ln w="12700">
+            <a:solidFill>
+              <a:schemeClr val="bg1">
+                <a:lumMod val="50000"/>
+              </a:schemeClr>
+            </a:solidFill>
+          </a:ln>
+        </p:spPr>
+        <p:style>
+          <a:lnRef idx="2">
+            <a:schemeClr val="accent1">
+              <a:shade val="50000"/>
+            </a:schemeClr>
+          </a:lnRef>
+          <a:fillRef idx="1">
+            <a:schemeClr val="accent1"/>
+          </a:fillRef>
+          <a:effectRef idx="0">
+            <a:schemeClr val="accent1"/>
+          </a:effectRef>
+          <a:fontRef idx="minor">
+            <a:schemeClr val="lt1"/>
+          </a:fontRef>
+        </p:style>
+        <p:txBody>
+          <a:bodyPr rtlCol="0" anchor="ctr"/>
+          <a:lstStyle/>
+          <a:p>
+            <a:pPr algn="ctr"/>
+            <a:endParaRPr lang="zh-CN" altLang="en-US" sz="1050">
+              <a:latin typeface="微软雅黑" pitchFamily="34" charset="-122"/>
+              <a:ea typeface="微软雅黑" pitchFamily="34" charset="-122"/>
+            </a:endParaRPr>
+          </a:p>
+        </p:txBody>
+      </p:sp>
+      <p:sp>
+        <p:nvSpPr>
+          <p:cNvPr id="15" name="圆角矩形 14"/>
+          <p:cNvSpPr/>
+          <p:nvPr/>
+        </p:nvSpPr>
+        <p:spPr>
+          <a:xfrm>
+            <a:off x="3624172" y="3912896"/>
+            <a:ext cx="995517" cy="247713"/>
+          </a:xfrm>
+          <a:prstGeom prst="roundRect">
+            <a:avLst/>
+          </a:prstGeom>
+          <a:noFill/>
+          <a:ln w="12700">
+            <a:solidFill>
+              <a:schemeClr val="bg1">
+                <a:lumMod val="85000"/>
+              </a:schemeClr>
+            </a:solidFill>
+          </a:ln>
+        </p:spPr>
+        <p:style>
+          <a:lnRef idx="2">
+            <a:schemeClr val="accent1">
+              <a:shade val="50000"/>
+            </a:schemeClr>
+          </a:lnRef>
+          <a:fillRef idx="1">
+            <a:schemeClr val="accent1"/>
+          </a:fillRef>
+          <a:effectRef idx="0">
+            <a:schemeClr val="accent1"/>
+          </a:effectRef>
+          <a:fontRef idx="minor">
+            <a:schemeClr val="lt1"/>
+          </a:fontRef>
+        </p:style>
+        <p:txBody>
+          <a:bodyPr rtlCol="0" anchor="ctr"/>
+          <a:lstStyle/>
+          <a:p>
+            <a:pPr algn="ctr"/>
+            <a:r>
+              <a:rPr lang="zh-CN" altLang="en-US" sz="1050" dirty="0" smtClean="0">
+                <a:solidFill>
+                  <a:schemeClr val="tx1"/>
+                </a:solidFill>
+                <a:latin typeface="微软雅黑" pitchFamily="34" charset="-122"/>
+                <a:ea typeface="微软雅黑" pitchFamily="34" charset="-122"/>
+              </a:rPr>
+              <a:t>保存至变量</a:t>
+            </a:r>
+            <a:endParaRPr lang="zh-CN" altLang="en-US" sz="1050" dirty="0">
+              <a:solidFill>
+                <a:schemeClr val="tx1"/>
+              </a:solidFill>
+              <a:latin typeface="微软雅黑" pitchFamily="34" charset="-122"/>
+              <a:ea typeface="微软雅黑" pitchFamily="34" charset="-122"/>
+            </a:endParaRPr>
+          </a:p>
+        </p:txBody>
+      </p:sp>
+      <p:sp>
+        <p:nvSpPr>
+          <p:cNvPr id="16" name="圆角矩形 15"/>
+          <p:cNvSpPr/>
+          <p:nvPr/>
+        </p:nvSpPr>
+        <p:spPr>
+          <a:xfrm>
+            <a:off x="3347864" y="4560968"/>
+            <a:ext cx="2232248" cy="864096"/>
+          </a:xfrm>
+          <a:prstGeom prst="roundRect">
+            <a:avLst>
+              <a:gd name="adj" fmla="val 2579"/>
+            </a:avLst>
+          </a:prstGeom>
+          <a:noFill/>
+          <a:ln w="12700">
+            <a:solidFill>
+              <a:schemeClr val="bg1">
+                <a:lumMod val="85000"/>
+              </a:schemeClr>
+            </a:solidFill>
+          </a:ln>
+        </p:spPr>
+        <p:style>
+          <a:lnRef idx="2">
+            <a:schemeClr val="accent1">
+              <a:shade val="50000"/>
+            </a:schemeClr>
+          </a:lnRef>
+          <a:fillRef idx="1">
+            <a:schemeClr val="accent1"/>
+          </a:fillRef>
+          <a:effectRef idx="0">
+            <a:schemeClr val="accent1"/>
+          </a:effectRef>
+          <a:fontRef idx="minor">
+            <a:schemeClr val="lt1"/>
+          </a:fontRef>
+        </p:style>
+        <p:txBody>
+          <a:bodyPr rtlCol="0" anchor="ctr"/>
+          <a:lstStyle/>
+          <a:p>
+            <a:pPr algn="ctr">
+              <a:lnSpc>
+                <a:spcPct val="150000"/>
+              </a:lnSpc>
+            </a:pPr>
+            <a:r>
+              <a:rPr lang="en-US" altLang="zh-CN" sz="1050" dirty="0" smtClean="0">
+                <a:solidFill>
+                  <a:schemeClr val="tx1"/>
+                </a:solidFill>
+                <a:latin typeface="微软雅黑" pitchFamily="34" charset="-122"/>
+                <a:ea typeface="微软雅黑" pitchFamily="34" charset="-122"/>
+              </a:rPr>
+              <a:t>CPU or GPU + </a:t>
+            </a:r>
+            <a:r>
+              <a:rPr lang="en-US" altLang="zh-CN" sz="1050" dirty="0" smtClean="0">
+                <a:solidFill>
+                  <a:schemeClr val="tx1"/>
+                </a:solidFill>
+                <a:latin typeface="微软雅黑" pitchFamily="34" charset="-122"/>
+                <a:ea typeface="微软雅黑" pitchFamily="34" charset="-122"/>
+              </a:rPr>
+              <a:t>TensorFlow.NET</a:t>
+            </a:r>
+            <a:endParaRPr lang="en-US" altLang="zh-CN" sz="1050" dirty="0" smtClean="0">
+              <a:solidFill>
+                <a:schemeClr val="tx1"/>
+              </a:solidFill>
+              <a:latin typeface="微软雅黑" pitchFamily="34" charset="-122"/>
+              <a:ea typeface="微软雅黑" pitchFamily="34" charset="-122"/>
+            </a:endParaRPr>
+          </a:p>
+          <a:p>
+            <a:pPr algn="ctr">
+              <a:lnSpc>
+                <a:spcPct val="150000"/>
+              </a:lnSpc>
+            </a:pPr>
+            <a:r>
+              <a:rPr lang="en-US" altLang="zh-CN" sz="1050" dirty="0" smtClean="0">
+                <a:solidFill>
+                  <a:schemeClr val="tx1"/>
+                </a:solidFill>
+                <a:latin typeface="微软雅黑" pitchFamily="34" charset="-122"/>
+                <a:ea typeface="微软雅黑" pitchFamily="34" charset="-122"/>
+              </a:rPr>
+              <a:t>[ </a:t>
+            </a:r>
+            <a:r>
+              <a:rPr lang="zh-CN" altLang="en-US" sz="1050" dirty="0" smtClean="0">
+                <a:solidFill>
+                  <a:schemeClr val="tx1"/>
+                </a:solidFill>
+                <a:latin typeface="微软雅黑" pitchFamily="34" charset="-122"/>
+                <a:ea typeface="微软雅黑" pitchFamily="34" charset="-122"/>
+              </a:rPr>
+              <a:t>预测 </a:t>
+            </a:r>
+            <a:r>
+              <a:rPr lang="en-US" altLang="zh-CN" sz="1050" dirty="0" smtClean="0">
+                <a:solidFill>
+                  <a:schemeClr val="tx1"/>
+                </a:solidFill>
+                <a:latin typeface="微软雅黑" pitchFamily="34" charset="-122"/>
+                <a:ea typeface="微软雅黑" pitchFamily="34" charset="-122"/>
+              </a:rPr>
+              <a:t>]</a:t>
+            </a:r>
+            <a:endParaRPr lang="zh-CN" altLang="en-US" sz="1050" dirty="0">
+              <a:solidFill>
+                <a:schemeClr val="tx1"/>
+              </a:solidFill>
+              <a:latin typeface="微软雅黑" pitchFamily="34" charset="-122"/>
+              <a:ea typeface="微软雅黑" pitchFamily="34" charset="-122"/>
+            </a:endParaRPr>
+          </a:p>
+        </p:txBody>
+      </p:sp>
+      <p:sp>
+        <p:nvSpPr>
+          <p:cNvPr id="17" name="下箭头 16"/>
+          <p:cNvSpPr/>
+          <p:nvPr/>
+        </p:nvSpPr>
+        <p:spPr>
+          <a:xfrm>
+            <a:off x="4053071" y="4293096"/>
+            <a:ext cx="137718" cy="144016"/>
+          </a:xfrm>
+          <a:prstGeom prst="downArrow">
+            <a:avLst/>
+          </a:prstGeom>
+          <a:noFill/>
+          <a:ln w="12700">
+            <a:solidFill>
+              <a:schemeClr val="bg1">
+                <a:lumMod val="50000"/>
+              </a:schemeClr>
+            </a:solidFill>
+          </a:ln>
+        </p:spPr>
+        <p:style>
+          <a:lnRef idx="2">
+            <a:schemeClr val="accent1">
+              <a:shade val="50000"/>
+            </a:schemeClr>
+          </a:lnRef>
+          <a:fillRef idx="1">
+            <a:schemeClr val="accent1"/>
+          </a:fillRef>
+          <a:effectRef idx="0">
+            <a:schemeClr val="accent1"/>
+          </a:effectRef>
+          <a:fontRef idx="minor">
+            <a:schemeClr val="lt1"/>
+          </a:fontRef>
+        </p:style>
+        <p:txBody>
+          <a:bodyPr rtlCol="0" anchor="ctr"/>
+          <a:lstStyle/>
+          <a:p>
+            <a:pPr algn="ctr"/>
+            <a:endParaRPr lang="zh-CN" altLang="en-US" sz="1050">
+              <a:latin typeface="微软雅黑" pitchFamily="34" charset="-122"/>
+              <a:ea typeface="微软雅黑" pitchFamily="34" charset="-122"/>
+            </a:endParaRPr>
+          </a:p>
+        </p:txBody>
+      </p:sp>
+      <p:sp>
+        <p:nvSpPr>
+          <p:cNvPr id="18" name="下箭头 17"/>
+          <p:cNvSpPr/>
+          <p:nvPr/>
+        </p:nvSpPr>
+        <p:spPr>
+          <a:xfrm>
+            <a:off x="2694365" y="1340768"/>
+            <a:ext cx="137718" cy="144016"/>
+          </a:xfrm>
+          <a:prstGeom prst="downArrow">
+            <a:avLst/>
+          </a:prstGeom>
+          <a:noFill/>
+          <a:ln w="12700">
+            <a:solidFill>
+              <a:schemeClr val="bg1">
+                <a:lumMod val="50000"/>
+              </a:schemeClr>
+            </a:solidFill>
+          </a:ln>
+        </p:spPr>
+        <p:style>
+          <a:lnRef idx="2">
+            <a:schemeClr val="accent1">
+              <a:shade val="50000"/>
+            </a:schemeClr>
+          </a:lnRef>
+          <a:fillRef idx="1">
+            <a:schemeClr val="accent1"/>
+          </a:fillRef>
+          <a:effectRef idx="0">
+            <a:schemeClr val="accent1"/>
+          </a:effectRef>
+          <a:fontRef idx="minor">
+            <a:schemeClr val="lt1"/>
+          </a:fontRef>
+        </p:style>
+        <p:txBody>
+          <a:bodyPr rtlCol="0" anchor="ctr"/>
+          <a:lstStyle/>
+          <a:p>
+            <a:pPr algn="ctr"/>
+            <a:endParaRPr lang="zh-CN" altLang="en-US" sz="1050">
+              <a:latin typeface="微软雅黑" pitchFamily="34" charset="-122"/>
+              <a:ea typeface="微软雅黑" pitchFamily="34" charset="-122"/>
+            </a:endParaRPr>
+          </a:p>
+        </p:txBody>
+      </p:sp>
+      <p:sp>
+        <p:nvSpPr>
+          <p:cNvPr id="19" name="下箭头 18"/>
+          <p:cNvSpPr/>
+          <p:nvPr/>
+        </p:nvSpPr>
+        <p:spPr>
+          <a:xfrm>
+            <a:off x="3419872" y="1340768"/>
+            <a:ext cx="137718" cy="144016"/>
+          </a:xfrm>
+          <a:prstGeom prst="downArrow">
+            <a:avLst/>
+          </a:prstGeom>
+          <a:noFill/>
+          <a:ln w="12700">
+            <a:solidFill>
+              <a:schemeClr val="bg1">
+                <a:lumMod val="50000"/>
+              </a:schemeClr>
+            </a:solidFill>
+          </a:ln>
+        </p:spPr>
+        <p:style>
+          <a:lnRef idx="2">
+            <a:schemeClr val="accent1">
+              <a:shade val="50000"/>
+            </a:schemeClr>
+          </a:lnRef>
+          <a:fillRef idx="1">
+            <a:schemeClr val="accent1"/>
+          </a:fillRef>
+          <a:effectRef idx="0">
+            <a:schemeClr val="accent1"/>
+          </a:effectRef>
+          <a:fontRef idx="minor">
+            <a:schemeClr val="lt1"/>
+          </a:fontRef>
+        </p:style>
+        <p:txBody>
+          <a:bodyPr rtlCol="0" anchor="ctr"/>
+          <a:lstStyle/>
+          <a:p>
+            <a:pPr algn="ctr"/>
+            <a:endParaRPr lang="zh-CN" altLang="en-US" sz="1050">
+              <a:latin typeface="微软雅黑" pitchFamily="34" charset="-122"/>
+              <a:ea typeface="微软雅黑" pitchFamily="34" charset="-122"/>
+            </a:endParaRPr>
+          </a:p>
+        </p:txBody>
+      </p:sp>
+      <p:sp>
+        <p:nvSpPr>
+          <p:cNvPr id="20" name="TextBox 19"/>
+          <p:cNvSpPr txBox="1"/>
+          <p:nvPr/>
+        </p:nvSpPr>
+        <p:spPr>
+          <a:xfrm>
+            <a:off x="2388762" y="1039525"/>
+            <a:ext cx="646331" cy="230832"/>
+          </a:xfrm>
+          <a:prstGeom prst="rect">
+            <a:avLst/>
+          </a:prstGeom>
+          <a:noFill/>
+        </p:spPr>
+        <p:txBody>
+          <a:bodyPr wrap="none" rtlCol="0">
+            <a:spAutoFit/>
+          </a:bodyPr>
+          <a:lstStyle/>
+          <a:p>
+            <a:r>
+              <a:rPr lang="zh-CN" altLang="en-US" sz="900" dirty="0" smtClean="0">
+                <a:latin typeface="微软雅黑" pitchFamily="34" charset="-122"/>
+                <a:ea typeface="微软雅黑" pitchFamily="34" charset="-122"/>
+              </a:rPr>
+              <a:t>本地读取</a:t>
+            </a:r>
+            <a:endParaRPr lang="zh-CN" altLang="en-US" sz="900" dirty="0">
+              <a:latin typeface="微软雅黑" pitchFamily="34" charset="-122"/>
+              <a:ea typeface="微软雅黑" pitchFamily="34" charset="-122"/>
+            </a:endParaRPr>
+          </a:p>
+        </p:txBody>
+      </p:sp>
+      <p:sp>
+        <p:nvSpPr>
+          <p:cNvPr id="21" name="TextBox 20"/>
+          <p:cNvSpPr txBox="1"/>
+          <p:nvPr/>
+        </p:nvSpPr>
+        <p:spPr>
+          <a:xfrm>
+            <a:off x="3158347" y="1039525"/>
+            <a:ext cx="646331" cy="230832"/>
+          </a:xfrm>
+          <a:prstGeom prst="rect">
+            <a:avLst/>
+          </a:prstGeom>
+          <a:noFill/>
+        </p:spPr>
+        <p:txBody>
+          <a:bodyPr wrap="none" rtlCol="0">
+            <a:spAutoFit/>
+          </a:bodyPr>
+          <a:lstStyle/>
+          <a:p>
+            <a:r>
+              <a:rPr lang="zh-CN" altLang="en-US" sz="900" dirty="0" smtClean="0">
+                <a:latin typeface="微软雅黑" pitchFamily="34" charset="-122"/>
+                <a:ea typeface="微软雅黑" pitchFamily="34" charset="-122"/>
+              </a:rPr>
+              <a:t>变量传入</a:t>
+            </a:r>
+            <a:endParaRPr lang="zh-CN" altLang="en-US" sz="900" dirty="0">
+              <a:latin typeface="微软雅黑" pitchFamily="34" charset="-122"/>
+              <a:ea typeface="微软雅黑" pitchFamily="34" charset="-122"/>
+            </a:endParaRPr>
+          </a:p>
+        </p:txBody>
+      </p:sp>
+      <p:sp>
+        <p:nvSpPr>
+          <p:cNvPr id="23" name="TextBox 22"/>
+          <p:cNvSpPr txBox="1"/>
+          <p:nvPr/>
+        </p:nvSpPr>
+        <p:spPr>
+          <a:xfrm>
+            <a:off x="3595754" y="1572924"/>
+            <a:ext cx="543739" cy="200055"/>
+          </a:xfrm>
+          <a:prstGeom prst="rect">
+            <a:avLst/>
+          </a:prstGeom>
+          <a:noFill/>
+        </p:spPr>
+        <p:txBody>
+          <a:bodyPr wrap="none" rtlCol="0">
+            <a:spAutoFit/>
+          </a:bodyPr>
+          <a:lstStyle/>
+          <a:p>
+            <a:r>
+              <a:rPr lang="zh-CN" altLang="en-US" sz="700" dirty="0" smtClean="0">
+                <a:solidFill>
+                  <a:srgbClr val="0000FF"/>
+                </a:solidFill>
+                <a:latin typeface="微软雅黑" pitchFamily="34" charset="-122"/>
+                <a:ea typeface="微软雅黑" pitchFamily="34" charset="-122"/>
+              </a:rPr>
+              <a:t>原始图像</a:t>
+            </a:r>
+            <a:endParaRPr lang="zh-CN" altLang="en-US" sz="700" dirty="0">
+              <a:solidFill>
+                <a:srgbClr val="0000FF"/>
+              </a:solidFill>
+              <a:latin typeface="微软雅黑" pitchFamily="34" charset="-122"/>
+              <a:ea typeface="微软雅黑" pitchFamily="34" charset="-122"/>
+            </a:endParaRPr>
+          </a:p>
+        </p:txBody>
+      </p:sp>
+      <p:sp>
+        <p:nvSpPr>
+          <p:cNvPr id="24" name="TextBox 23"/>
+          <p:cNvSpPr txBox="1"/>
+          <p:nvPr/>
+        </p:nvSpPr>
+        <p:spPr>
+          <a:xfrm>
+            <a:off x="4024395" y="3325125"/>
+            <a:ext cx="838691" cy="200055"/>
+          </a:xfrm>
+          <a:prstGeom prst="rect">
+            <a:avLst/>
+          </a:prstGeom>
+          <a:noFill/>
+        </p:spPr>
+        <p:txBody>
+          <a:bodyPr wrap="none" rtlCol="0">
+            <a:spAutoFit/>
+          </a:bodyPr>
+          <a:lstStyle/>
+          <a:p>
+            <a:r>
+              <a:rPr lang="zh-CN" altLang="en-US" sz="700" dirty="0" smtClean="0">
+                <a:solidFill>
+                  <a:srgbClr val="0000FF"/>
+                </a:solidFill>
+                <a:latin typeface="微软雅黑" pitchFamily="34" charset="-122"/>
+                <a:ea typeface="微软雅黑" pitchFamily="34" charset="-122"/>
+              </a:rPr>
+              <a:t>待</a:t>
+            </a:r>
+            <a:r>
+              <a:rPr lang="en-US" altLang="zh-CN" sz="700" dirty="0" smtClean="0">
+                <a:solidFill>
+                  <a:srgbClr val="0000FF"/>
+                </a:solidFill>
+                <a:latin typeface="微软雅黑" pitchFamily="34" charset="-122"/>
+                <a:ea typeface="微软雅黑" pitchFamily="34" charset="-122"/>
+              </a:rPr>
+              <a:t>DL</a:t>
+            </a:r>
+            <a:r>
+              <a:rPr lang="zh-CN" altLang="en-US" sz="700" dirty="0" smtClean="0">
+                <a:solidFill>
+                  <a:srgbClr val="0000FF"/>
+                </a:solidFill>
+                <a:latin typeface="微软雅黑" pitchFamily="34" charset="-122"/>
+                <a:ea typeface="微软雅黑" pitchFamily="34" charset="-122"/>
+              </a:rPr>
+              <a:t>计算的图像</a:t>
+            </a:r>
+            <a:endParaRPr lang="zh-CN" altLang="en-US" sz="700" dirty="0">
+              <a:solidFill>
+                <a:srgbClr val="0000FF"/>
+              </a:solidFill>
+              <a:latin typeface="微软雅黑" pitchFamily="34" charset="-122"/>
+              <a:ea typeface="微软雅黑" pitchFamily="34" charset="-122"/>
+            </a:endParaRPr>
+          </a:p>
+        </p:txBody>
+      </p:sp>
+      <p:sp>
+        <p:nvSpPr>
+          <p:cNvPr id="25" name="TextBox 24"/>
+          <p:cNvSpPr txBox="1"/>
+          <p:nvPr/>
+        </p:nvSpPr>
+        <p:spPr>
+          <a:xfrm>
+            <a:off x="1601693" y="5731324"/>
+            <a:ext cx="663964" cy="200055"/>
+          </a:xfrm>
+          <a:prstGeom prst="rect">
+            <a:avLst/>
+          </a:prstGeom>
+          <a:noFill/>
+        </p:spPr>
+        <p:txBody>
+          <a:bodyPr wrap="none" rtlCol="0">
+            <a:spAutoFit/>
+          </a:bodyPr>
+          <a:lstStyle/>
+          <a:p>
+            <a:r>
+              <a:rPr lang="zh-CN" altLang="en-US" sz="700" b="1" dirty="0" smtClean="0">
+                <a:solidFill>
+                  <a:srgbClr val="0000FF"/>
+                </a:solidFill>
+                <a:latin typeface="微软雅黑" pitchFamily="34" charset="-122"/>
+                <a:ea typeface="微软雅黑" pitchFamily="34" charset="-122"/>
+              </a:rPr>
+              <a:t>生成</a:t>
+            </a:r>
+            <a:r>
+              <a:rPr lang="en-US" altLang="zh-CN" sz="700" b="1" dirty="0" smtClean="0">
+                <a:solidFill>
+                  <a:srgbClr val="0000FF"/>
+                </a:solidFill>
+                <a:latin typeface="微软雅黑" pitchFamily="34" charset="-122"/>
+                <a:ea typeface="微软雅黑" pitchFamily="34" charset="-122"/>
+              </a:rPr>
+              <a:t>DL</a:t>
+            </a:r>
+            <a:r>
+              <a:rPr lang="zh-CN" altLang="en-US" sz="700" b="1" dirty="0" smtClean="0">
+                <a:solidFill>
+                  <a:srgbClr val="0000FF"/>
+                </a:solidFill>
+                <a:latin typeface="微软雅黑" pitchFamily="34" charset="-122"/>
+                <a:ea typeface="微软雅黑" pitchFamily="34" charset="-122"/>
+              </a:rPr>
+              <a:t>模型</a:t>
+            </a:r>
+            <a:endParaRPr lang="zh-CN" altLang="en-US" sz="700" b="1" dirty="0">
+              <a:solidFill>
+                <a:srgbClr val="0000FF"/>
+              </a:solidFill>
+              <a:latin typeface="微软雅黑" pitchFamily="34" charset="-122"/>
+              <a:ea typeface="微软雅黑" pitchFamily="34" charset="-122"/>
+            </a:endParaRPr>
+          </a:p>
+        </p:txBody>
+      </p:sp>
+      <p:cxnSp>
+        <p:nvCxnSpPr>
+          <p:cNvPr id="27" name="肘形连接符 26"/>
+          <p:cNvCxnSpPr>
+            <a:stCxn id="25" idx="3"/>
+            <a:endCxn id="16" idx="1"/>
+          </p:cNvCxnSpPr>
+          <p:nvPr/>
+        </p:nvCxnSpPr>
+        <p:spPr>
+          <a:xfrm flipV="1">
+            <a:off x="2265657" y="4993016"/>
+            <a:ext cx="1082207" cy="838336"/>
+          </a:xfrm>
+          <a:prstGeom prst="bentConnector3">
+            <a:avLst>
+              <a:gd name="adj1" fmla="val 50000"/>
+            </a:avLst>
+          </a:prstGeom>
+          <a:ln>
+            <a:solidFill>
+              <a:srgbClr val="0000FF"/>
+            </a:solidFill>
+            <a:prstDash val="sysDash"/>
+            <a:tailEnd type="arrow"/>
+          </a:ln>
+        </p:spPr>
+        <p:style>
+          <a:lnRef idx="1">
+            <a:schemeClr val="accent1"/>
+          </a:lnRef>
+          <a:fillRef idx="0">
+            <a:schemeClr val="accent1"/>
+          </a:fillRef>
+          <a:effectRef idx="0">
+            <a:schemeClr val="accent1"/>
+          </a:effectRef>
+          <a:fontRef idx="minor">
+            <a:schemeClr val="tx1"/>
+          </a:fontRef>
+        </p:style>
+      </p:cxnSp>
+      <p:sp>
+        <p:nvSpPr>
+          <p:cNvPr id="29" name="下箭头 28"/>
+          <p:cNvSpPr/>
+          <p:nvPr/>
+        </p:nvSpPr>
+        <p:spPr>
+          <a:xfrm>
+            <a:off x="4079167" y="5517232"/>
+            <a:ext cx="137718" cy="144016"/>
+          </a:xfrm>
+          <a:prstGeom prst="downArrow">
+            <a:avLst/>
+          </a:prstGeom>
+          <a:noFill/>
+          <a:ln w="12700">
+            <a:solidFill>
+              <a:schemeClr val="bg1">
+                <a:lumMod val="50000"/>
+              </a:schemeClr>
+            </a:solidFill>
+          </a:ln>
+        </p:spPr>
+        <p:style>
+          <a:lnRef idx="2">
+            <a:schemeClr val="accent1">
+              <a:shade val="50000"/>
+            </a:schemeClr>
+          </a:lnRef>
+          <a:fillRef idx="1">
+            <a:schemeClr val="accent1"/>
+          </a:fillRef>
+          <a:effectRef idx="0">
+            <a:schemeClr val="accent1"/>
+          </a:effectRef>
+          <a:fontRef idx="minor">
+            <a:schemeClr val="lt1"/>
+          </a:fontRef>
+        </p:style>
+        <p:txBody>
+          <a:bodyPr rtlCol="0" anchor="ctr"/>
+          <a:lstStyle/>
+          <a:p>
+            <a:pPr algn="ctr"/>
+            <a:endParaRPr lang="zh-CN" altLang="en-US" sz="1050">
+              <a:latin typeface="微软雅黑" pitchFamily="34" charset="-122"/>
+              <a:ea typeface="微软雅黑" pitchFamily="34" charset="-122"/>
+            </a:endParaRPr>
+          </a:p>
+        </p:txBody>
+      </p:sp>
+      <p:sp>
+        <p:nvSpPr>
+          <p:cNvPr id="31" name="TextBox 30"/>
+          <p:cNvSpPr txBox="1"/>
+          <p:nvPr/>
+        </p:nvSpPr>
+        <p:spPr>
+          <a:xfrm>
+            <a:off x="3854322" y="5731324"/>
+            <a:ext cx="543739" cy="200055"/>
+          </a:xfrm>
+          <a:prstGeom prst="rect">
+            <a:avLst/>
+          </a:prstGeom>
+          <a:noFill/>
+        </p:spPr>
+        <p:txBody>
+          <a:bodyPr wrap="none" rtlCol="0">
+            <a:spAutoFit/>
+          </a:bodyPr>
+          <a:lstStyle/>
+          <a:p>
+            <a:r>
+              <a:rPr lang="zh-CN" altLang="en-US" sz="700" b="1" dirty="0" smtClean="0">
+                <a:solidFill>
+                  <a:srgbClr val="0000FF"/>
+                </a:solidFill>
+                <a:latin typeface="微软雅黑" pitchFamily="34" charset="-122"/>
+                <a:ea typeface="微软雅黑" pitchFamily="34" charset="-122"/>
+              </a:rPr>
+              <a:t>输出结果</a:t>
+            </a:r>
+            <a:endParaRPr lang="zh-CN" altLang="en-US" sz="700" b="1" dirty="0">
+              <a:solidFill>
+                <a:srgbClr val="0000FF"/>
+              </a:solidFill>
+              <a:latin typeface="微软雅黑" pitchFamily="34" charset="-122"/>
+              <a:ea typeface="微软雅黑" pitchFamily="34" charset="-122"/>
+            </a:endParaRPr>
+          </a:p>
+        </p:txBody>
+      </p:sp>
+      <p:sp>
+        <p:nvSpPr>
+          <p:cNvPr id="32" name="矩形 31"/>
+          <p:cNvSpPr/>
+          <p:nvPr/>
+        </p:nvSpPr>
+        <p:spPr>
+          <a:xfrm>
+            <a:off x="3218354" y="1903750"/>
+            <a:ext cx="619127" cy="142407"/>
+          </a:xfrm>
+          <a:prstGeom prst="rect">
+            <a:avLst/>
+          </a:prstGeom>
+          <a:solidFill>
+            <a:schemeClr val="accent5">
+              <a:lumMod val="40000"/>
+              <a:lumOff val="60000"/>
+            </a:schemeClr>
+          </a:solidFill>
+          <a:ln w="12700">
+            <a:solidFill>
+              <a:schemeClr val="accent5">
+                <a:lumMod val="75000"/>
+              </a:schemeClr>
+            </a:solidFill>
+          </a:ln>
+        </p:spPr>
+        <p:style>
+          <a:lnRef idx="2">
+            <a:schemeClr val="accent1">
+              <a:shade val="50000"/>
+            </a:schemeClr>
+          </a:lnRef>
+          <a:fillRef idx="1">
+            <a:schemeClr val="accent1"/>
+          </a:fillRef>
+          <a:effectRef idx="0">
+            <a:schemeClr val="accent1"/>
+          </a:effectRef>
+          <a:fontRef idx="minor">
+            <a:schemeClr val="lt1"/>
+          </a:fontRef>
+        </p:style>
+        <p:txBody>
+          <a:bodyPr rtlCol="0" anchor="ctr"/>
+          <a:lstStyle/>
+          <a:p>
+            <a:pPr algn="ctr"/>
+            <a:r>
+              <a:rPr lang="zh-CN" altLang="en-US" sz="700" dirty="0" smtClean="0">
+                <a:solidFill>
+                  <a:schemeClr val="tx1"/>
+                </a:solidFill>
+                <a:latin typeface="微软雅黑" pitchFamily="34" charset="-122"/>
+                <a:ea typeface="微软雅黑" pitchFamily="34" charset="-122"/>
+              </a:rPr>
+              <a:t>类型转换</a:t>
+            </a:r>
+            <a:endParaRPr lang="zh-CN" altLang="en-US" sz="700" dirty="0">
+              <a:solidFill>
+                <a:schemeClr val="tx1"/>
+              </a:solidFill>
+              <a:latin typeface="微软雅黑" pitchFamily="34" charset="-122"/>
+              <a:ea typeface="微软雅黑" pitchFamily="34" charset="-122"/>
+            </a:endParaRPr>
+          </a:p>
+        </p:txBody>
+      </p:sp>
+      <p:sp>
+        <p:nvSpPr>
+          <p:cNvPr id="33" name="矩形 32"/>
+          <p:cNvSpPr/>
+          <p:nvPr/>
+        </p:nvSpPr>
+        <p:spPr>
+          <a:xfrm>
+            <a:off x="3233345" y="3072983"/>
+            <a:ext cx="619127" cy="142407"/>
+          </a:xfrm>
+          <a:prstGeom prst="rect">
+            <a:avLst/>
+          </a:prstGeom>
+          <a:solidFill>
+            <a:schemeClr val="accent5">
+              <a:lumMod val="40000"/>
+              <a:lumOff val="60000"/>
+            </a:schemeClr>
+          </a:solidFill>
+          <a:ln w="12700">
+            <a:solidFill>
+              <a:schemeClr val="accent5">
+                <a:lumMod val="75000"/>
+              </a:schemeClr>
+            </a:solidFill>
+          </a:ln>
+        </p:spPr>
+        <p:style>
+          <a:lnRef idx="2">
+            <a:schemeClr val="accent1">
+              <a:shade val="50000"/>
+            </a:schemeClr>
+          </a:lnRef>
+          <a:fillRef idx="1">
+            <a:schemeClr val="accent1"/>
+          </a:fillRef>
+          <a:effectRef idx="0">
+            <a:schemeClr val="accent1"/>
+          </a:effectRef>
+          <a:fontRef idx="minor">
+            <a:schemeClr val="lt1"/>
+          </a:fontRef>
+        </p:style>
+        <p:txBody>
+          <a:bodyPr rtlCol="0" anchor="ctr"/>
+          <a:lstStyle/>
+          <a:p>
+            <a:pPr algn="ctr"/>
+            <a:r>
+              <a:rPr lang="zh-CN" altLang="en-US" sz="700" dirty="0" smtClean="0">
+                <a:solidFill>
+                  <a:schemeClr val="tx1"/>
+                </a:solidFill>
+                <a:latin typeface="微软雅黑" pitchFamily="34" charset="-122"/>
+                <a:ea typeface="微软雅黑" pitchFamily="34" charset="-122"/>
+              </a:rPr>
+              <a:t>类型转换</a:t>
+            </a:r>
+            <a:endParaRPr lang="zh-CN" altLang="en-US" sz="700" dirty="0">
+              <a:solidFill>
+                <a:schemeClr val="tx1"/>
+              </a:solidFill>
+              <a:latin typeface="微软雅黑" pitchFamily="34" charset="-122"/>
+              <a:ea typeface="微软雅黑" pitchFamily="34" charset="-122"/>
+            </a:endParaRPr>
+          </a:p>
+        </p:txBody>
+      </p:sp>
+      <p:sp>
+        <p:nvSpPr>
+          <p:cNvPr id="34" name="矩形 33"/>
+          <p:cNvSpPr/>
+          <p:nvPr/>
+        </p:nvSpPr>
+        <p:spPr>
+          <a:xfrm>
+            <a:off x="4312637" y="4294682"/>
+            <a:ext cx="619127" cy="142407"/>
+          </a:xfrm>
+          <a:prstGeom prst="rect">
+            <a:avLst/>
+          </a:prstGeom>
+          <a:solidFill>
+            <a:schemeClr val="accent5">
+              <a:lumMod val="40000"/>
+              <a:lumOff val="60000"/>
+            </a:schemeClr>
+          </a:solidFill>
+          <a:ln w="12700">
+            <a:solidFill>
+              <a:schemeClr val="accent5">
+                <a:lumMod val="75000"/>
+              </a:schemeClr>
+            </a:solidFill>
+          </a:ln>
+        </p:spPr>
+        <p:style>
+          <a:lnRef idx="2">
+            <a:schemeClr val="accent1">
+              <a:shade val="50000"/>
+            </a:schemeClr>
+          </a:lnRef>
+          <a:fillRef idx="1">
+            <a:schemeClr val="accent1"/>
+          </a:fillRef>
+          <a:effectRef idx="0">
+            <a:schemeClr val="accent1"/>
+          </a:effectRef>
+          <a:fontRef idx="minor">
+            <a:schemeClr val="lt1"/>
+          </a:fontRef>
+        </p:style>
+        <p:txBody>
+          <a:bodyPr rtlCol="0" anchor="ctr"/>
+          <a:lstStyle/>
+          <a:p>
+            <a:pPr algn="ctr"/>
+            <a:r>
+              <a:rPr lang="zh-CN" altLang="en-US" sz="700" dirty="0" smtClean="0">
+                <a:solidFill>
+                  <a:schemeClr val="tx1"/>
+                </a:solidFill>
+                <a:latin typeface="微软雅黑" pitchFamily="34" charset="-122"/>
+                <a:ea typeface="微软雅黑" pitchFamily="34" charset="-122"/>
+              </a:rPr>
+              <a:t>类型转换</a:t>
+            </a:r>
+            <a:endParaRPr lang="zh-CN" altLang="en-US" sz="700" dirty="0">
+              <a:solidFill>
+                <a:schemeClr val="tx1"/>
+              </a:solidFill>
+              <a:latin typeface="微软雅黑" pitchFamily="34" charset="-122"/>
+              <a:ea typeface="微软雅黑" pitchFamily="34" charset="-122"/>
+            </a:endParaRPr>
+          </a:p>
+        </p:txBody>
+      </p:sp>
+      <p:sp>
+        <p:nvSpPr>
+          <p:cNvPr id="36" name="矩形 35"/>
+          <p:cNvSpPr/>
+          <p:nvPr/>
+        </p:nvSpPr>
+        <p:spPr>
+          <a:xfrm>
+            <a:off x="2388762" y="5231567"/>
+            <a:ext cx="602328" cy="159424"/>
+          </a:xfrm>
+          <a:prstGeom prst="rect">
+            <a:avLst/>
+          </a:prstGeom>
+          <a:solidFill>
+            <a:schemeClr val="accent6">
+              <a:lumMod val="40000"/>
+              <a:lumOff val="60000"/>
+            </a:schemeClr>
+          </a:solidFill>
+          <a:ln w="12700">
+            <a:solidFill>
+              <a:schemeClr val="accent6">
+                <a:lumMod val="75000"/>
+              </a:schemeClr>
+            </a:solidFill>
+          </a:ln>
+        </p:spPr>
+        <p:style>
+          <a:lnRef idx="2">
+            <a:schemeClr val="accent1">
+              <a:shade val="50000"/>
+            </a:schemeClr>
+          </a:lnRef>
+          <a:fillRef idx="1">
+            <a:schemeClr val="accent1"/>
+          </a:fillRef>
+          <a:effectRef idx="0">
+            <a:schemeClr val="accent1"/>
+          </a:effectRef>
+          <a:fontRef idx="minor">
+            <a:schemeClr val="lt1"/>
+          </a:fontRef>
+        </p:style>
+        <p:txBody>
+          <a:bodyPr rtlCol="0" anchor="ctr"/>
+          <a:lstStyle/>
+          <a:p>
+            <a:pPr algn="ctr"/>
+            <a:r>
+              <a:rPr lang="zh-CN" altLang="en-US" sz="700" dirty="0" smtClean="0">
+                <a:solidFill>
+                  <a:schemeClr val="tx1"/>
+                </a:solidFill>
+                <a:latin typeface="微软雅黑" pitchFamily="34" charset="-122"/>
+                <a:ea typeface="微软雅黑" pitchFamily="34" charset="-122"/>
+              </a:rPr>
+              <a:t>类库封装</a:t>
+            </a:r>
+            <a:endParaRPr lang="zh-CN" altLang="en-US" sz="700" dirty="0">
+              <a:solidFill>
+                <a:schemeClr val="tx1"/>
+              </a:solidFill>
+              <a:latin typeface="微软雅黑" pitchFamily="34" charset="-122"/>
+              <a:ea typeface="微软雅黑" pitchFamily="34" charset="-122"/>
+            </a:endParaRPr>
+          </a:p>
+        </p:txBody>
+      </p:sp>
+      <p:sp>
+        <p:nvSpPr>
+          <p:cNvPr id="37" name="矩形 36"/>
+          <p:cNvSpPr/>
+          <p:nvPr/>
+        </p:nvSpPr>
+        <p:spPr>
+          <a:xfrm>
+            <a:off x="4719733" y="5231567"/>
+            <a:ext cx="602328" cy="159424"/>
+          </a:xfrm>
+          <a:prstGeom prst="rect">
+            <a:avLst/>
+          </a:prstGeom>
+          <a:solidFill>
+            <a:schemeClr val="accent6">
+              <a:lumMod val="40000"/>
+              <a:lumOff val="60000"/>
+            </a:schemeClr>
+          </a:solidFill>
+          <a:ln w="12700">
+            <a:solidFill>
+              <a:schemeClr val="accent6">
+                <a:lumMod val="75000"/>
+              </a:schemeClr>
+            </a:solidFill>
+          </a:ln>
+        </p:spPr>
+        <p:style>
+          <a:lnRef idx="2">
+            <a:schemeClr val="accent1">
+              <a:shade val="50000"/>
+            </a:schemeClr>
+          </a:lnRef>
+          <a:fillRef idx="1">
+            <a:schemeClr val="accent1"/>
+          </a:fillRef>
+          <a:effectRef idx="0">
+            <a:schemeClr val="accent1"/>
+          </a:effectRef>
+          <a:fontRef idx="minor">
+            <a:schemeClr val="lt1"/>
+          </a:fontRef>
+        </p:style>
+        <p:txBody>
+          <a:bodyPr rtlCol="0" anchor="ctr"/>
+          <a:lstStyle/>
+          <a:p>
+            <a:pPr algn="ctr"/>
+            <a:r>
+              <a:rPr lang="zh-CN" altLang="en-US" sz="700" dirty="0" smtClean="0">
+                <a:solidFill>
+                  <a:schemeClr val="tx1"/>
+                </a:solidFill>
+                <a:latin typeface="微软雅黑" pitchFamily="34" charset="-122"/>
+                <a:ea typeface="微软雅黑" pitchFamily="34" charset="-122"/>
+              </a:rPr>
+              <a:t>类库封装</a:t>
+            </a:r>
+            <a:endParaRPr lang="zh-CN" altLang="en-US" sz="700" dirty="0">
+              <a:solidFill>
+                <a:schemeClr val="tx1"/>
+              </a:solidFill>
+              <a:latin typeface="微软雅黑" pitchFamily="34" charset="-122"/>
+              <a:ea typeface="微软雅黑" pitchFamily="34" charset="-122"/>
+            </a:endParaRPr>
+          </a:p>
+        </p:txBody>
+      </p:sp>
+      <p:sp>
+        <p:nvSpPr>
+          <p:cNvPr id="38" name="矩形 37"/>
+          <p:cNvSpPr/>
+          <p:nvPr/>
+        </p:nvSpPr>
+        <p:spPr>
+          <a:xfrm>
+            <a:off x="3385608" y="2780674"/>
+            <a:ext cx="602328" cy="166919"/>
+          </a:xfrm>
+          <a:prstGeom prst="rect">
+            <a:avLst/>
+          </a:prstGeom>
+          <a:solidFill>
+            <a:schemeClr val="accent6">
+              <a:lumMod val="40000"/>
+              <a:lumOff val="60000"/>
+            </a:schemeClr>
+          </a:solidFill>
+          <a:ln w="12700">
+            <a:solidFill>
+              <a:schemeClr val="accent6">
+                <a:lumMod val="75000"/>
+              </a:schemeClr>
+            </a:solidFill>
+          </a:ln>
+        </p:spPr>
+        <p:style>
+          <a:lnRef idx="2">
+            <a:schemeClr val="accent1">
+              <a:shade val="50000"/>
+            </a:schemeClr>
+          </a:lnRef>
+          <a:fillRef idx="1">
+            <a:schemeClr val="accent1"/>
+          </a:fillRef>
+          <a:effectRef idx="0">
+            <a:schemeClr val="accent1"/>
+          </a:effectRef>
+          <a:fontRef idx="minor">
+            <a:schemeClr val="lt1"/>
+          </a:fontRef>
+        </p:style>
+        <p:txBody>
+          <a:bodyPr rtlCol="0" anchor="ctr"/>
+          <a:lstStyle/>
+          <a:p>
+            <a:pPr algn="ctr"/>
+            <a:r>
+              <a:rPr lang="zh-CN" altLang="en-US" sz="700" dirty="0" smtClean="0">
+                <a:solidFill>
+                  <a:schemeClr val="tx1"/>
+                </a:solidFill>
+                <a:latin typeface="微软雅黑" pitchFamily="34" charset="-122"/>
+                <a:ea typeface="微软雅黑" pitchFamily="34" charset="-122"/>
+              </a:rPr>
+              <a:t>类库封装</a:t>
+            </a:r>
+            <a:endParaRPr lang="zh-CN" altLang="en-US" sz="700" dirty="0">
+              <a:solidFill>
+                <a:schemeClr val="tx1"/>
+              </a:solidFill>
+              <a:latin typeface="微软雅黑" pitchFamily="34" charset="-122"/>
+              <a:ea typeface="微软雅黑" pitchFamily="34" charset="-122"/>
+            </a:endParaRPr>
+          </a:p>
+        </p:txBody>
+      </p:sp>
+      <p:sp>
+        <p:nvSpPr>
+          <p:cNvPr id="40" name="圆角矩形 39"/>
+          <p:cNvSpPr/>
+          <p:nvPr/>
+        </p:nvSpPr>
+        <p:spPr>
+          <a:xfrm>
+            <a:off x="395536" y="980728"/>
+            <a:ext cx="5544616" cy="4950651"/>
+          </a:xfrm>
+          <a:prstGeom prst="roundRect">
+            <a:avLst>
+              <a:gd name="adj" fmla="val 2662"/>
+            </a:avLst>
+          </a:prstGeom>
+          <a:noFill/>
+          <a:ln w="12700">
+            <a:solidFill>
+              <a:schemeClr val="accent6">
+                <a:lumMod val="75000"/>
+              </a:schemeClr>
+            </a:solidFill>
+            <a:prstDash val="dash"/>
+          </a:ln>
+        </p:spPr>
+        <p:style>
+          <a:lnRef idx="2">
+            <a:schemeClr val="accent1">
+              <a:shade val="50000"/>
+            </a:schemeClr>
+          </a:lnRef>
+          <a:fillRef idx="1">
+            <a:schemeClr val="accent1"/>
+          </a:fillRef>
+          <a:effectRef idx="0">
+            <a:schemeClr val="accent1"/>
+          </a:effectRef>
+          <a:fontRef idx="minor">
+            <a:schemeClr val="lt1"/>
+          </a:fontRef>
+        </p:style>
+        <p:txBody>
+          <a:bodyPr rtlCol="0" anchor="ctr"/>
+          <a:lstStyle/>
+          <a:p>
+            <a:pPr algn="ctr"/>
+            <a:endParaRPr lang="zh-CN" altLang="en-US"/>
+          </a:p>
+        </p:txBody>
+      </p:sp>
+      <p:sp>
+        <p:nvSpPr>
+          <p:cNvPr id="41" name="TextBox 40"/>
+          <p:cNvSpPr txBox="1"/>
+          <p:nvPr/>
+        </p:nvSpPr>
+        <p:spPr>
+          <a:xfrm>
+            <a:off x="779847" y="1381944"/>
+            <a:ext cx="1467068" cy="246221"/>
+          </a:xfrm>
+          <a:prstGeom prst="rect">
+            <a:avLst/>
+          </a:prstGeom>
+          <a:noFill/>
+        </p:spPr>
+        <p:txBody>
+          <a:bodyPr wrap="none" rtlCol="0">
+            <a:spAutoFit/>
+          </a:bodyPr>
+          <a:lstStyle/>
+          <a:p>
+            <a:r>
+              <a:rPr lang="zh-CN" altLang="en-US" sz="1000" b="1" dirty="0" smtClean="0">
+                <a:solidFill>
+                  <a:schemeClr val="accent6">
+                    <a:lumMod val="75000"/>
+                  </a:schemeClr>
+                </a:solidFill>
+                <a:latin typeface="微软雅黑" pitchFamily="34" charset="-122"/>
+                <a:ea typeface="微软雅黑" pitchFamily="34" charset="-122"/>
+              </a:rPr>
+              <a:t>主线流程：图像预处理</a:t>
+            </a:r>
+            <a:endParaRPr lang="zh-CN" altLang="en-US" sz="1000" b="1" dirty="0">
+              <a:solidFill>
+                <a:schemeClr val="accent6">
+                  <a:lumMod val="75000"/>
+                </a:schemeClr>
+              </a:solidFill>
+              <a:latin typeface="微软雅黑" pitchFamily="34" charset="-122"/>
+              <a:ea typeface="微软雅黑" pitchFamily="34" charset="-122"/>
+            </a:endParaRPr>
+          </a:p>
+        </p:txBody>
+      </p:sp>
+      <p:sp>
+        <p:nvSpPr>
+          <p:cNvPr id="42" name="任意多边形 41"/>
+          <p:cNvSpPr/>
+          <p:nvPr/>
+        </p:nvSpPr>
+        <p:spPr>
+          <a:xfrm>
+            <a:off x="969024" y="3650226"/>
+            <a:ext cx="1139995" cy="1526458"/>
+          </a:xfrm>
+          <a:custGeom>
+            <a:avLst/>
+            <a:gdLst>
+              <a:gd name="connsiteX0" fmla="*/ 1139995 w 1139995"/>
+              <a:gd name="connsiteY0" fmla="*/ 0 h 1526458"/>
+              <a:gd name="connsiteX1" fmla="*/ 1058879 w 1139995"/>
+              <a:gd name="connsiteY1" fmla="*/ 147484 h 1526458"/>
+              <a:gd name="connsiteX2" fmla="*/ 682795 w 1139995"/>
+              <a:gd name="connsiteY2" fmla="*/ 250722 h 1526458"/>
+              <a:gd name="connsiteX3" fmla="*/ 424699 w 1139995"/>
+              <a:gd name="connsiteY3" fmla="*/ 730045 h 1526458"/>
+              <a:gd name="connsiteX4" fmla="*/ 63363 w 1139995"/>
+              <a:gd name="connsiteY4" fmla="*/ 811161 h 1526458"/>
+              <a:gd name="connsiteX5" fmla="*/ 11744 w 1139995"/>
+              <a:gd name="connsiteY5" fmla="*/ 1526458 h 1526458"/>
+            </a:gdLst>
+            <a:ahLst/>
+            <a:cxnLst>
+              <a:cxn ang="0">
+                <a:pos x="connsiteX0" y="connsiteY0"/>
+              </a:cxn>
+              <a:cxn ang="0">
+                <a:pos x="connsiteX1" y="connsiteY1"/>
+              </a:cxn>
+              <a:cxn ang="0">
+                <a:pos x="connsiteX2" y="connsiteY2"/>
+              </a:cxn>
+              <a:cxn ang="0">
+                <a:pos x="connsiteX3" y="connsiteY3"/>
+              </a:cxn>
+              <a:cxn ang="0">
+                <a:pos x="connsiteX4" y="connsiteY4"/>
+              </a:cxn>
+              <a:cxn ang="0">
+                <a:pos x="connsiteX5" y="connsiteY5"/>
+              </a:cxn>
+            </a:cxnLst>
+            <a:rect l="l" t="t" r="r" b="b"/>
+            <a:pathLst>
+              <a:path w="1139995" h="1526458">
+                <a:moveTo>
+                  <a:pt x="1139995" y="0"/>
+                </a:moveTo>
+                <a:cubicBezTo>
+                  <a:pt x="1137537" y="52848"/>
+                  <a:pt x="1135079" y="105697"/>
+                  <a:pt x="1058879" y="147484"/>
+                </a:cubicBezTo>
+                <a:cubicBezTo>
+                  <a:pt x="982679" y="189271"/>
+                  <a:pt x="788492" y="153629"/>
+                  <a:pt x="682795" y="250722"/>
+                </a:cubicBezTo>
+                <a:cubicBezTo>
+                  <a:pt x="577098" y="347815"/>
+                  <a:pt x="527938" y="636639"/>
+                  <a:pt x="424699" y="730045"/>
+                </a:cubicBezTo>
+                <a:cubicBezTo>
+                  <a:pt x="321460" y="823451"/>
+                  <a:pt x="132189" y="678426"/>
+                  <a:pt x="63363" y="811161"/>
+                </a:cubicBezTo>
+                <a:cubicBezTo>
+                  <a:pt x="-5463" y="943896"/>
+                  <a:pt x="-10379" y="1426906"/>
+                  <a:pt x="11744" y="1526458"/>
+                </a:cubicBezTo>
+              </a:path>
+            </a:pathLst>
+          </a:custGeom>
+          <a:noFill/>
+          <a:ln w="12700">
+            <a:solidFill>
+              <a:schemeClr val="accent6">
+                <a:lumMod val="75000"/>
+              </a:schemeClr>
+            </a:solidFill>
+            <a:prstDash val="sysDash"/>
+            <a:headEnd type="none" w="med" len="med"/>
+            <a:tailEnd type="arrow" w="med" len="med"/>
+          </a:ln>
+        </p:spPr>
+        <p:style>
+          <a:lnRef idx="2">
+            <a:schemeClr val="accent1">
+              <a:shade val="50000"/>
+            </a:schemeClr>
+          </a:lnRef>
+          <a:fillRef idx="1">
+            <a:schemeClr val="accent1"/>
+          </a:fillRef>
+          <a:effectRef idx="0">
+            <a:schemeClr val="accent1"/>
+          </a:effectRef>
+          <a:fontRef idx="minor">
+            <a:schemeClr val="lt1"/>
+          </a:fontRef>
+        </p:style>
+        <p:txBody>
+          <a:bodyPr rtlCol="0" anchor="ctr"/>
+          <a:lstStyle/>
+          <a:p>
+            <a:pPr algn="ctr"/>
+            <a:endParaRPr lang="zh-CN" altLang="en-US" sz="1600"/>
+          </a:p>
+        </p:txBody>
+      </p:sp>
+      <p:sp>
+        <p:nvSpPr>
+          <p:cNvPr id="43" name="TextBox 42"/>
+          <p:cNvSpPr txBox="1"/>
+          <p:nvPr/>
+        </p:nvSpPr>
+        <p:spPr>
+          <a:xfrm>
+            <a:off x="395536" y="4070350"/>
+            <a:ext cx="1082348" cy="246221"/>
+          </a:xfrm>
+          <a:prstGeom prst="rect">
+            <a:avLst/>
+          </a:prstGeom>
+          <a:noFill/>
+        </p:spPr>
+        <p:txBody>
+          <a:bodyPr wrap="none" rtlCol="0">
+            <a:spAutoFit/>
+          </a:bodyPr>
+          <a:lstStyle/>
+          <a:p>
+            <a:r>
+              <a:rPr lang="zh-CN" altLang="en-US" sz="1000" b="1" dirty="0" smtClean="0">
+                <a:solidFill>
+                  <a:schemeClr val="accent6">
+                    <a:lumMod val="75000"/>
+                  </a:schemeClr>
+                </a:solidFill>
+                <a:latin typeface="微软雅黑" pitchFamily="34" charset="-122"/>
+                <a:ea typeface="微软雅黑" pitchFamily="34" charset="-122"/>
+              </a:rPr>
+              <a:t>分支流程：训练</a:t>
+            </a:r>
+            <a:endParaRPr lang="zh-CN" altLang="en-US" sz="1000" b="1" dirty="0">
+              <a:solidFill>
+                <a:schemeClr val="accent6">
+                  <a:lumMod val="75000"/>
+                </a:schemeClr>
+              </a:solidFill>
+              <a:latin typeface="微软雅黑" pitchFamily="34" charset="-122"/>
+              <a:ea typeface="微软雅黑" pitchFamily="34" charset="-122"/>
+            </a:endParaRPr>
+          </a:p>
+        </p:txBody>
+      </p:sp>
+      <p:sp>
+        <p:nvSpPr>
+          <p:cNvPr id="44" name="任意多边形 43"/>
+          <p:cNvSpPr/>
+          <p:nvPr/>
+        </p:nvSpPr>
+        <p:spPr>
+          <a:xfrm flipH="1">
+            <a:off x="4330872" y="3650226"/>
+            <a:ext cx="1331373" cy="1526458"/>
+          </a:xfrm>
+          <a:custGeom>
+            <a:avLst/>
+            <a:gdLst>
+              <a:gd name="connsiteX0" fmla="*/ 1139995 w 1139995"/>
+              <a:gd name="connsiteY0" fmla="*/ 0 h 1526458"/>
+              <a:gd name="connsiteX1" fmla="*/ 1058879 w 1139995"/>
+              <a:gd name="connsiteY1" fmla="*/ 147484 h 1526458"/>
+              <a:gd name="connsiteX2" fmla="*/ 682795 w 1139995"/>
+              <a:gd name="connsiteY2" fmla="*/ 250722 h 1526458"/>
+              <a:gd name="connsiteX3" fmla="*/ 424699 w 1139995"/>
+              <a:gd name="connsiteY3" fmla="*/ 730045 h 1526458"/>
+              <a:gd name="connsiteX4" fmla="*/ 63363 w 1139995"/>
+              <a:gd name="connsiteY4" fmla="*/ 811161 h 1526458"/>
+              <a:gd name="connsiteX5" fmla="*/ 11744 w 1139995"/>
+              <a:gd name="connsiteY5" fmla="*/ 1526458 h 1526458"/>
+            </a:gdLst>
+            <a:ahLst/>
+            <a:cxnLst>
+              <a:cxn ang="0">
+                <a:pos x="connsiteX0" y="connsiteY0"/>
+              </a:cxn>
+              <a:cxn ang="0">
+                <a:pos x="connsiteX1" y="connsiteY1"/>
+              </a:cxn>
+              <a:cxn ang="0">
+                <a:pos x="connsiteX2" y="connsiteY2"/>
+              </a:cxn>
+              <a:cxn ang="0">
+                <a:pos x="connsiteX3" y="connsiteY3"/>
+              </a:cxn>
+              <a:cxn ang="0">
+                <a:pos x="connsiteX4" y="connsiteY4"/>
+              </a:cxn>
+              <a:cxn ang="0">
+                <a:pos x="connsiteX5" y="connsiteY5"/>
+              </a:cxn>
+            </a:cxnLst>
+            <a:rect l="l" t="t" r="r" b="b"/>
+            <a:pathLst>
+              <a:path w="1139995" h="1526458">
+                <a:moveTo>
+                  <a:pt x="1139995" y="0"/>
+                </a:moveTo>
+                <a:cubicBezTo>
+                  <a:pt x="1137537" y="52848"/>
+                  <a:pt x="1135079" y="105697"/>
+                  <a:pt x="1058879" y="147484"/>
+                </a:cubicBezTo>
+                <a:cubicBezTo>
+                  <a:pt x="982679" y="189271"/>
+                  <a:pt x="788492" y="153629"/>
+                  <a:pt x="682795" y="250722"/>
+                </a:cubicBezTo>
+                <a:cubicBezTo>
+                  <a:pt x="577098" y="347815"/>
+                  <a:pt x="527938" y="636639"/>
+                  <a:pt x="424699" y="730045"/>
+                </a:cubicBezTo>
+                <a:cubicBezTo>
+                  <a:pt x="321460" y="823451"/>
+                  <a:pt x="132189" y="678426"/>
+                  <a:pt x="63363" y="811161"/>
+                </a:cubicBezTo>
+                <a:cubicBezTo>
+                  <a:pt x="-5463" y="943896"/>
+                  <a:pt x="-10379" y="1426906"/>
+                  <a:pt x="11744" y="1526458"/>
+                </a:cubicBezTo>
+              </a:path>
+            </a:pathLst>
+          </a:custGeom>
+          <a:noFill/>
+          <a:ln w="12700">
+            <a:solidFill>
+              <a:schemeClr val="accent5">
+                <a:lumMod val="75000"/>
+              </a:schemeClr>
+            </a:solidFill>
+            <a:prstDash val="sysDash"/>
+            <a:headEnd type="none" w="med" len="med"/>
+            <a:tailEnd type="arrow" w="med" len="med"/>
+          </a:ln>
+        </p:spPr>
+        <p:style>
+          <a:lnRef idx="2">
+            <a:schemeClr val="accent1">
+              <a:shade val="50000"/>
+            </a:schemeClr>
+          </a:lnRef>
+          <a:fillRef idx="1">
+            <a:schemeClr val="accent1"/>
+          </a:fillRef>
+          <a:effectRef idx="0">
+            <a:schemeClr val="accent1"/>
+          </a:effectRef>
+          <a:fontRef idx="minor">
+            <a:schemeClr val="lt1"/>
+          </a:fontRef>
+        </p:style>
+        <p:txBody>
+          <a:bodyPr rtlCol="0" anchor="ctr"/>
+          <a:lstStyle/>
+          <a:p>
+            <a:pPr algn="ctr"/>
+            <a:endParaRPr lang="zh-CN" altLang="en-US" sz="1600"/>
+          </a:p>
+        </p:txBody>
+      </p:sp>
+      <p:sp>
+        <p:nvSpPr>
+          <p:cNvPr id="45" name="TextBox 44"/>
+          <p:cNvSpPr txBox="1"/>
+          <p:nvPr/>
+        </p:nvSpPr>
+        <p:spPr>
+          <a:xfrm>
+            <a:off x="4936039" y="3938465"/>
+            <a:ext cx="1082348" cy="246221"/>
+          </a:xfrm>
+          <a:prstGeom prst="rect">
+            <a:avLst/>
+          </a:prstGeom>
+          <a:noFill/>
+        </p:spPr>
+        <p:txBody>
+          <a:bodyPr wrap="none" rtlCol="0">
+            <a:spAutoFit/>
+          </a:bodyPr>
+          <a:lstStyle/>
+          <a:p>
+            <a:r>
+              <a:rPr lang="zh-CN" altLang="en-US" sz="1000" b="1" dirty="0" smtClean="0">
+                <a:solidFill>
+                  <a:schemeClr val="accent5">
+                    <a:lumMod val="75000"/>
+                  </a:schemeClr>
+                </a:solidFill>
+                <a:latin typeface="微软雅黑" pitchFamily="34" charset="-122"/>
+                <a:ea typeface="微软雅黑" pitchFamily="34" charset="-122"/>
+              </a:rPr>
+              <a:t>分支流程：预测</a:t>
+            </a:r>
+            <a:endParaRPr lang="zh-CN" altLang="en-US" sz="1000" b="1" dirty="0">
+              <a:solidFill>
+                <a:schemeClr val="accent5">
+                  <a:lumMod val="75000"/>
+                </a:schemeClr>
+              </a:solidFill>
+              <a:latin typeface="微软雅黑" pitchFamily="34" charset="-122"/>
+              <a:ea typeface="微软雅黑" pitchFamily="34" charset="-122"/>
+            </a:endParaRPr>
+          </a:p>
+        </p:txBody>
+      </p:sp>
+      <p:sp>
+        <p:nvSpPr>
+          <p:cNvPr id="46" name="TextBox 45"/>
+          <p:cNvSpPr txBox="1"/>
+          <p:nvPr/>
+        </p:nvSpPr>
+        <p:spPr>
+          <a:xfrm>
+            <a:off x="5420031" y="734507"/>
+            <a:ext cx="484428" cy="246221"/>
+          </a:xfrm>
+          <a:prstGeom prst="rect">
+            <a:avLst/>
+          </a:prstGeom>
+          <a:noFill/>
+        </p:spPr>
+        <p:txBody>
+          <a:bodyPr wrap="none" rtlCol="0">
+            <a:spAutoFit/>
+          </a:bodyPr>
+          <a:lstStyle/>
+          <a:p>
+            <a:r>
+              <a:rPr lang="en-US" altLang="zh-CN" sz="1000" b="1" dirty="0" smtClean="0">
+                <a:solidFill>
+                  <a:schemeClr val="accent6">
+                    <a:lumMod val="75000"/>
+                  </a:schemeClr>
+                </a:solidFill>
+                <a:effectLst>
+                  <a:outerShdw blurRad="38100" dist="38100" dir="2700000" algn="tl">
+                    <a:srgbClr val="000000">
+                      <a:alpha val="43137"/>
+                    </a:srgbClr>
+                  </a:outerShdw>
+                </a:effectLst>
+                <a:latin typeface="微软雅黑" pitchFamily="34" charset="-122"/>
+                <a:ea typeface="微软雅黑" pitchFamily="34" charset="-122"/>
+              </a:rPr>
+              <a:t>.</a:t>
+            </a:r>
+            <a:r>
+              <a:rPr lang="en-US" altLang="zh-CN" sz="1000" b="1" dirty="0" smtClean="0">
+                <a:solidFill>
+                  <a:schemeClr val="accent6">
+                    <a:lumMod val="75000"/>
+                  </a:schemeClr>
+                </a:solidFill>
+                <a:effectLst>
+                  <a:outerShdw blurRad="38100" dist="38100" dir="2700000" algn="tl">
+                    <a:srgbClr val="000000">
+                      <a:alpha val="43137"/>
+                    </a:srgbClr>
+                  </a:outerShdw>
+                </a:effectLst>
+                <a:latin typeface="微软雅黑" pitchFamily="34" charset="-122"/>
+                <a:ea typeface="微软雅黑" pitchFamily="34" charset="-122"/>
+              </a:rPr>
+              <a:t>NET</a:t>
+            </a:r>
+            <a:endParaRPr lang="zh-CN" altLang="en-US" sz="1000" b="1" dirty="0">
+              <a:solidFill>
+                <a:schemeClr val="accent6">
+                  <a:lumMod val="75000"/>
+                </a:schemeClr>
+              </a:solidFill>
+              <a:effectLst>
+                <a:outerShdw blurRad="38100" dist="38100" dir="2700000" algn="tl">
+                  <a:srgbClr val="000000">
+                    <a:alpha val="43137"/>
+                  </a:srgbClr>
+                </a:outerShdw>
+              </a:effectLst>
+              <a:latin typeface="微软雅黑" pitchFamily="34" charset="-122"/>
+              <a:ea typeface="微软雅黑" pitchFamily="34" charset="-122"/>
+            </a:endParaRPr>
+          </a:p>
+        </p:txBody>
+      </p:sp>
+      <p:sp>
+        <p:nvSpPr>
+          <p:cNvPr id="9" name="任意多边形 8"/>
+          <p:cNvSpPr/>
+          <p:nvPr/>
+        </p:nvSpPr>
+        <p:spPr>
+          <a:xfrm>
+            <a:off x="1932545" y="1333628"/>
+            <a:ext cx="348061" cy="1281228"/>
+          </a:xfrm>
+          <a:custGeom>
+            <a:avLst/>
+            <a:gdLst>
+              <a:gd name="connsiteX0" fmla="*/ 348061 w 348061"/>
+              <a:gd name="connsiteY0" fmla="*/ 0 h 1855177"/>
+              <a:gd name="connsiteX1" fmla="*/ 268930 w 348061"/>
+              <a:gd name="connsiteY1" fmla="*/ 738554 h 1855177"/>
+              <a:gd name="connsiteX2" fmla="*/ 66707 w 348061"/>
+              <a:gd name="connsiteY2" fmla="*/ 1134208 h 1855177"/>
+              <a:gd name="connsiteX3" fmla="*/ 5161 w 348061"/>
+              <a:gd name="connsiteY3" fmla="*/ 1855177 h 1855177"/>
+            </a:gdLst>
+            <a:ahLst/>
+            <a:cxnLst>
+              <a:cxn ang="0">
+                <a:pos x="connsiteX0" y="connsiteY0"/>
+              </a:cxn>
+              <a:cxn ang="0">
+                <a:pos x="connsiteX1" y="connsiteY1"/>
+              </a:cxn>
+              <a:cxn ang="0">
+                <a:pos x="connsiteX2" y="connsiteY2"/>
+              </a:cxn>
+              <a:cxn ang="0">
+                <a:pos x="connsiteX3" y="connsiteY3"/>
+              </a:cxn>
+            </a:cxnLst>
+            <a:rect l="l" t="t" r="r" b="b"/>
+            <a:pathLst>
+              <a:path w="348061" h="1855177">
+                <a:moveTo>
+                  <a:pt x="348061" y="0"/>
+                </a:moveTo>
+                <a:cubicBezTo>
+                  <a:pt x="331941" y="274759"/>
+                  <a:pt x="315822" y="549519"/>
+                  <a:pt x="268930" y="738554"/>
+                </a:cubicBezTo>
+                <a:cubicBezTo>
+                  <a:pt x="222038" y="927589"/>
+                  <a:pt x="110669" y="948104"/>
+                  <a:pt x="66707" y="1134208"/>
+                </a:cubicBezTo>
+                <a:cubicBezTo>
+                  <a:pt x="22745" y="1320312"/>
+                  <a:pt x="-13889" y="1812681"/>
+                  <a:pt x="5161" y="1855177"/>
+                </a:cubicBezTo>
+              </a:path>
+            </a:pathLst>
+          </a:custGeom>
+          <a:noFill/>
+          <a:ln w="12700">
+            <a:solidFill>
+              <a:schemeClr val="accent6">
+                <a:lumMod val="75000"/>
+              </a:schemeClr>
+            </a:solidFill>
+            <a:prstDash val="sysDash"/>
+            <a:headEnd type="none" w="med" len="med"/>
+            <a:tailEnd type="arrow" w="med" len="med"/>
+          </a:ln>
+        </p:spPr>
+        <p:style>
+          <a:lnRef idx="2">
+            <a:schemeClr val="accent1">
+              <a:shade val="50000"/>
+            </a:schemeClr>
+          </a:lnRef>
+          <a:fillRef idx="1">
+            <a:schemeClr val="accent1"/>
+          </a:fillRef>
+          <a:effectRef idx="0">
+            <a:schemeClr val="accent1"/>
+          </a:effectRef>
+          <a:fontRef idx="minor">
+            <a:schemeClr val="lt1"/>
+          </a:fontRef>
+        </p:style>
+        <p:txBody>
+          <a:bodyPr rtlCol="0" anchor="ctr"/>
+          <a:lstStyle/>
+          <a:p>
+            <a:pPr algn="ctr"/>
+            <a:endParaRPr lang="zh-CN" altLang="en-US" sz="1600"/>
+          </a:p>
+        </p:txBody>
+      </p:sp>
+    </p:spTree>
+    <p:extLst>
+      <p:ext uri="{BB962C8B-B14F-4D97-AF65-F5344CB8AC3E}">
+        <p14:creationId xmlns:p14="http://schemas.microsoft.com/office/powerpoint/2010/main" val="2371792516"/>
+      </p:ext>
+    </p:extLst>
+  </p:cSld>
+  <p:clrMapOvr>
+    <a:masterClrMapping/>
+  </p:clrMapOvr>
+  <p:timing>
+    <p:tnLst>
+      <p:par>
+        <p:cTn id="1" dur="indefinite" restart="never" nodeType="tmRoot"/>
+      </p:par>
+    </p:tnLst>
+  </p:timing>
+</p:sld>
+</file>
+
+<file path=ppt/slides/slide19.xml><?xml version="1.0" encoding="utf-8"?>
+<p:sld xmlns:a="http://schemas.openxmlformats.org/drawingml/2006/main" xmlns:r="http://schemas.openxmlformats.org/officeDocument/2006/relationships" xmlns:p="http://schemas.openxmlformats.org/presentationml/2006/main">
+  <p:cSld>
+    <p:spTree>
+      <p:nvGrpSpPr>
+        <p:cNvPr id="1" name=""/>
+        <p:cNvGrpSpPr/>
+        <p:nvPr/>
+      </p:nvGrpSpPr>
+      <p:grpSpPr>
+        <a:xfrm>
+          <a:off x="0" y="0"/>
+          <a:ext cx="0" cy="0"/>
+          <a:chOff x="0" y="0"/>
+          <a:chExt cx="0" cy="0"/>
+        </a:xfrm>
+      </p:grpSpPr>
+    </p:spTree>
+    <p:extLst>
+      <p:ext uri="{BB962C8B-B14F-4D97-AF65-F5344CB8AC3E}">
+        <p14:creationId xmlns:p14="http://schemas.microsoft.com/office/powerpoint/2010/main" val="2738333281"/>
+      </p:ext>
+    </p:extLst>
+  </p:cSld>
+  <p:clrMapOvr>
+    <a:masterClrMapping/>
+  </p:clrMapOvr>
+  <p:timing>
+    <p:tnLst>
+      <p:par>
+        <p:cTn id="1" dur="indefinite" restart="never" nodeType="tmRoot"/>
+      </p:par>
+    </p:tnLst>
+  </p:timing>
 </p:sld>
 </file>
 
@@ -8766,6 +18156,156 @@
     <p:extLst>
       <p:ext uri="{BB962C8B-B14F-4D97-AF65-F5344CB8AC3E}">
         <p14:creationId xmlns:p14="http://schemas.microsoft.com/office/powerpoint/2010/main" val="1175479453"/>
+      </p:ext>
+    </p:extLst>
+  </p:cSld>
+  <p:clrMapOvr>
+    <a:masterClrMapping/>
+  </p:clrMapOvr>
+</p:sld>
+</file>
+
+<file path=ppt/slides/slide20.xml><?xml version="1.0" encoding="utf-8"?>
+<p:sld xmlns:a="http://schemas.openxmlformats.org/drawingml/2006/main" xmlns:r="http://schemas.openxmlformats.org/officeDocument/2006/relationships" xmlns:p="http://schemas.openxmlformats.org/presentationml/2006/main">
+  <p:cSld>
+    <p:spTree>
+      <p:nvGrpSpPr>
+        <p:cNvPr id="1" name=""/>
+        <p:cNvGrpSpPr/>
+        <p:nvPr/>
+      </p:nvGrpSpPr>
+      <p:grpSpPr>
+        <a:xfrm>
+          <a:off x="0" y="0"/>
+          <a:ext cx="0" cy="0"/>
+          <a:chOff x="0" y="0"/>
+          <a:chExt cx="0" cy="0"/>
+        </a:xfrm>
+      </p:grpSpPr>
+    </p:spTree>
+    <p:extLst>
+      <p:ext uri="{BB962C8B-B14F-4D97-AF65-F5344CB8AC3E}">
+        <p14:creationId xmlns:p14="http://schemas.microsoft.com/office/powerpoint/2010/main" val="1000893969"/>
+      </p:ext>
+    </p:extLst>
+  </p:cSld>
+  <p:clrMapOvr>
+    <a:masterClrMapping/>
+  </p:clrMapOvr>
+</p:sld>
+</file>
+
+<file path=ppt/slides/slide21.xml><?xml version="1.0" encoding="utf-8"?>
+<p:sld xmlns:a="http://schemas.openxmlformats.org/drawingml/2006/main" xmlns:r="http://schemas.openxmlformats.org/officeDocument/2006/relationships" xmlns:p="http://schemas.openxmlformats.org/presentationml/2006/main">
+  <p:cSld>
+    <p:spTree>
+      <p:nvGrpSpPr>
+        <p:cNvPr id="1" name=""/>
+        <p:cNvGrpSpPr/>
+        <p:nvPr/>
+      </p:nvGrpSpPr>
+      <p:grpSpPr>
+        <a:xfrm>
+          <a:off x="0" y="0"/>
+          <a:ext cx="0" cy="0"/>
+          <a:chOff x="0" y="0"/>
+          <a:chExt cx="0" cy="0"/>
+        </a:xfrm>
+      </p:grpSpPr>
+    </p:spTree>
+    <p:extLst>
+      <p:ext uri="{BB962C8B-B14F-4D97-AF65-F5344CB8AC3E}">
+        <p14:creationId xmlns:p14="http://schemas.microsoft.com/office/powerpoint/2010/main" val="2212202186"/>
+      </p:ext>
+    </p:extLst>
+  </p:cSld>
+  <p:clrMapOvr>
+    <a:masterClrMapping/>
+  </p:clrMapOvr>
+</p:sld>
+</file>
+
+<file path=ppt/slides/slide22.xml><?xml version="1.0" encoding="utf-8"?>
+<p:sld xmlns:a="http://schemas.openxmlformats.org/drawingml/2006/main" xmlns:r="http://schemas.openxmlformats.org/officeDocument/2006/relationships" xmlns:p="http://schemas.openxmlformats.org/presentationml/2006/main">
+  <p:cSld>
+    <p:spTree>
+      <p:nvGrpSpPr>
+        <p:cNvPr id="1" name=""/>
+        <p:cNvGrpSpPr/>
+        <p:nvPr/>
+      </p:nvGrpSpPr>
+      <p:grpSpPr>
+        <a:xfrm>
+          <a:off x="0" y="0"/>
+          <a:ext cx="0" cy="0"/>
+          <a:chOff x="0" y="0"/>
+          <a:chExt cx="0" cy="0"/>
+        </a:xfrm>
+      </p:grpSpPr>
+    </p:spTree>
+    <p:extLst>
+      <p:ext uri="{BB962C8B-B14F-4D97-AF65-F5344CB8AC3E}">
+        <p14:creationId xmlns:p14="http://schemas.microsoft.com/office/powerpoint/2010/main" val="1637890968"/>
+      </p:ext>
+    </p:extLst>
+  </p:cSld>
+  <p:clrMapOvr>
+    <a:masterClrMapping/>
+  </p:clrMapOvr>
+</p:sld>
+</file>
+
+<file path=ppt/slides/slide23.xml><?xml version="1.0" encoding="utf-8"?>
+<p:sld xmlns:a="http://schemas.openxmlformats.org/drawingml/2006/main" xmlns:r="http://schemas.openxmlformats.org/officeDocument/2006/relationships" xmlns:p="http://schemas.openxmlformats.org/presentationml/2006/main">
+  <p:cSld>
+    <p:spTree>
+      <p:nvGrpSpPr>
+        <p:cNvPr id="1" name=""/>
+        <p:cNvGrpSpPr/>
+        <p:nvPr/>
+      </p:nvGrpSpPr>
+      <p:grpSpPr>
+        <a:xfrm>
+          <a:off x="0" y="0"/>
+          <a:ext cx="0" cy="0"/>
+          <a:chOff x="0" y="0"/>
+          <a:chExt cx="0" cy="0"/>
+        </a:xfrm>
+      </p:grpSpPr>
+    </p:spTree>
+    <p:extLst>
+      <p:ext uri="{BB962C8B-B14F-4D97-AF65-F5344CB8AC3E}">
+        <p14:creationId xmlns:p14="http://schemas.microsoft.com/office/powerpoint/2010/main" val="1506444471"/>
+      </p:ext>
+    </p:extLst>
+  </p:cSld>
+  <p:clrMapOvr>
+    <a:masterClrMapping/>
+  </p:clrMapOvr>
+</p:sld>
+</file>
+
+<file path=ppt/slides/slide24.xml><?xml version="1.0" encoding="utf-8"?>
+<p:sld xmlns:a="http://schemas.openxmlformats.org/drawingml/2006/main" xmlns:r="http://schemas.openxmlformats.org/officeDocument/2006/relationships" xmlns:p="http://schemas.openxmlformats.org/presentationml/2006/main">
+  <p:cSld>
+    <p:spTree>
+      <p:nvGrpSpPr>
+        <p:cNvPr id="1" name=""/>
+        <p:cNvGrpSpPr/>
+        <p:nvPr/>
+      </p:nvGrpSpPr>
+      <p:grpSpPr>
+        <a:xfrm>
+          <a:off x="0" y="0"/>
+          <a:ext cx="0" cy="0"/>
+          <a:chOff x="0" y="0"/>
+          <a:chExt cx="0" cy="0"/>
+        </a:xfrm>
+      </p:grpSpPr>
+    </p:spTree>
+    <p:extLst>
+      <p:ext uri="{BB962C8B-B14F-4D97-AF65-F5344CB8AC3E}">
+        <p14:creationId xmlns:p14="http://schemas.microsoft.com/office/powerpoint/2010/main" val="2929489343"/>
       </p:ext>
     </p:extLst>
   </p:cSld>

--- a/ppt/tf.reduce_mean.pptx
+++ b/ppt/tf.reduce_mean.pptx
@@ -327,7 +327,7 @@
           <a:p>
             <a:fld id="{154D151C-2C25-4305-8E14-82B64FCC1564}" type="datetimeFigureOut">
               <a:rPr lang="zh-CN" altLang="en-US" smtClean="0"/>
-              <a:t>2020-07-18</a:t>
+              <a:t>2020-08-04</a:t>
             </a:fld>
             <a:endParaRPr lang="zh-CN" altLang="en-US"/>
           </a:p>
@@ -497,7 +497,7 @@
           <a:p>
             <a:fld id="{154D151C-2C25-4305-8E14-82B64FCC1564}" type="datetimeFigureOut">
               <a:rPr lang="zh-CN" altLang="en-US" smtClean="0"/>
-              <a:t>2020-07-18</a:t>
+              <a:t>2020-08-04</a:t>
             </a:fld>
             <a:endParaRPr lang="zh-CN" altLang="en-US"/>
           </a:p>
@@ -677,7 +677,7 @@
           <a:p>
             <a:fld id="{154D151C-2C25-4305-8E14-82B64FCC1564}" type="datetimeFigureOut">
               <a:rPr lang="zh-CN" altLang="en-US" smtClean="0"/>
-              <a:t>2020-07-18</a:t>
+              <a:t>2020-08-04</a:t>
             </a:fld>
             <a:endParaRPr lang="zh-CN" altLang="en-US"/>
           </a:p>
@@ -1107,7 +1107,7 @@
           <a:p>
             <a:fld id="{154D151C-2C25-4305-8E14-82B64FCC1564}" type="datetimeFigureOut">
               <a:rPr lang="zh-CN" altLang="en-US" smtClean="0"/>
-              <a:t>2020-07-18</a:t>
+              <a:t>2020-08-04</a:t>
             </a:fld>
             <a:endParaRPr lang="zh-CN" altLang="en-US"/>
           </a:p>
@@ -1353,7 +1353,7 @@
           <a:p>
             <a:fld id="{154D151C-2C25-4305-8E14-82B64FCC1564}" type="datetimeFigureOut">
               <a:rPr lang="zh-CN" altLang="en-US" smtClean="0"/>
-              <a:t>2020-07-18</a:t>
+              <a:t>2020-08-04</a:t>
             </a:fld>
             <a:endParaRPr lang="zh-CN" altLang="en-US"/>
           </a:p>
@@ -1641,7 +1641,7 @@
           <a:p>
             <a:fld id="{154D151C-2C25-4305-8E14-82B64FCC1564}" type="datetimeFigureOut">
               <a:rPr lang="zh-CN" altLang="en-US" smtClean="0"/>
-              <a:t>2020-07-18</a:t>
+              <a:t>2020-08-04</a:t>
             </a:fld>
             <a:endParaRPr lang="zh-CN" altLang="en-US"/>
           </a:p>
@@ -2063,7 +2063,7 @@
           <a:p>
             <a:fld id="{154D151C-2C25-4305-8E14-82B64FCC1564}" type="datetimeFigureOut">
               <a:rPr lang="zh-CN" altLang="en-US" smtClean="0"/>
-              <a:t>2020-07-18</a:t>
+              <a:t>2020-08-04</a:t>
             </a:fld>
             <a:endParaRPr lang="zh-CN" altLang="en-US"/>
           </a:p>
@@ -2181,7 +2181,7 @@
           <a:p>
             <a:fld id="{154D151C-2C25-4305-8E14-82B64FCC1564}" type="datetimeFigureOut">
               <a:rPr lang="zh-CN" altLang="en-US" smtClean="0"/>
-              <a:t>2020-07-18</a:t>
+              <a:t>2020-08-04</a:t>
             </a:fld>
             <a:endParaRPr lang="zh-CN" altLang="en-US"/>
           </a:p>
@@ -2276,7 +2276,7 @@
           <a:p>
             <a:fld id="{154D151C-2C25-4305-8E14-82B64FCC1564}" type="datetimeFigureOut">
               <a:rPr lang="zh-CN" altLang="en-US" smtClean="0"/>
-              <a:t>2020-07-18</a:t>
+              <a:t>2020-08-04</a:t>
             </a:fld>
             <a:endParaRPr lang="zh-CN" altLang="en-US"/>
           </a:p>
@@ -2553,7 +2553,7 @@
           <a:p>
             <a:fld id="{154D151C-2C25-4305-8E14-82B64FCC1564}" type="datetimeFigureOut">
               <a:rPr lang="zh-CN" altLang="en-US" smtClean="0"/>
-              <a:t>2020-07-18</a:t>
+              <a:t>2020-08-04</a:t>
             </a:fld>
             <a:endParaRPr lang="zh-CN" altLang="en-US"/>
           </a:p>
@@ -2806,7 +2806,7 @@
           <a:p>
             <a:fld id="{154D151C-2C25-4305-8E14-82B64FCC1564}" type="datetimeFigureOut">
               <a:rPr lang="zh-CN" altLang="en-US" smtClean="0"/>
-              <a:t>2020-07-18</a:t>
+              <a:t>2020-08-04</a:t>
             </a:fld>
             <a:endParaRPr lang="zh-CN" altLang="en-US"/>
           </a:p>
@@ -3019,7 +3019,7 @@
           <a:p>
             <a:fld id="{154D151C-2C25-4305-8E14-82B64FCC1564}" type="datetimeFigureOut">
               <a:rPr lang="zh-CN" altLang="en-US" smtClean="0"/>
-              <a:t>2020-07-18</a:t>
+              <a:t>2020-08-04</a:t>
             </a:fld>
             <a:endParaRPr lang="zh-CN" altLang="en-US"/>
           </a:p>
@@ -10171,17 +10171,7 @@
                 <a:latin typeface="微软雅黑" pitchFamily="34" charset="-122"/>
                 <a:ea typeface="微软雅黑" pitchFamily="34" charset="-122"/>
               </a:rPr>
-              <a:t>CPU </a:t>
-            </a:r>
-            <a:r>
-              <a:rPr lang="en-US" altLang="zh-CN" sz="1050" dirty="0" smtClean="0">
-                <a:solidFill>
-                  <a:schemeClr val="tx1"/>
-                </a:solidFill>
-                <a:latin typeface="微软雅黑" pitchFamily="34" charset="-122"/>
-                <a:ea typeface="微软雅黑" pitchFamily="34" charset="-122"/>
-              </a:rPr>
-              <a:t>+ </a:t>
+              <a:t>CPU + </a:t>
             </a:r>
             <a:r>
               <a:rPr lang="en-US" altLang="zh-CN" sz="1050" dirty="0" err="1" smtClean="0">
@@ -12472,25 +12462,8 @@
                 <a:latin typeface="微软雅黑" pitchFamily="34" charset="-122"/>
                 <a:ea typeface="微软雅黑" pitchFamily="34" charset="-122"/>
               </a:rPr>
-              <a:t>GPU + </a:t>
-            </a:r>
-            <a:r>
-              <a:rPr lang="en-US" altLang="zh-CN" sz="1050" dirty="0" smtClean="0">
-                <a:solidFill>
-                  <a:schemeClr val="tx1"/>
-                </a:solidFill>
-                <a:latin typeface="微软雅黑" pitchFamily="34" charset="-122"/>
-                <a:ea typeface="微软雅黑" pitchFamily="34" charset="-122"/>
-              </a:rPr>
-              <a:t>TensorFlow.NET</a:t>
-            </a:r>
-            <a:endParaRPr lang="en-US" altLang="zh-CN" sz="1050" dirty="0" smtClean="0">
-              <a:solidFill>
-                <a:schemeClr val="tx1"/>
-              </a:solidFill>
-              <a:latin typeface="微软雅黑" pitchFamily="34" charset="-122"/>
-              <a:ea typeface="微软雅黑" pitchFamily="34" charset="-122"/>
-            </a:endParaRPr>
+              <a:t>GPU + TensorFlow.NET</a:t>
+            </a:r>
           </a:p>
           <a:p>
             <a:pPr algn="ctr">
@@ -12813,25 +12786,8 @@
                 <a:latin typeface="微软雅黑" pitchFamily="34" charset="-122"/>
                 <a:ea typeface="微软雅黑" pitchFamily="34" charset="-122"/>
               </a:rPr>
-              <a:t>CPU or GPU + </a:t>
-            </a:r>
-            <a:r>
-              <a:rPr lang="en-US" altLang="zh-CN" sz="1050" dirty="0" smtClean="0">
-                <a:solidFill>
-                  <a:schemeClr val="tx1"/>
-                </a:solidFill>
-                <a:latin typeface="微软雅黑" pitchFamily="34" charset="-122"/>
-                <a:ea typeface="微软雅黑" pitchFamily="34" charset="-122"/>
-              </a:rPr>
-              <a:t>TensorFlow.NET</a:t>
-            </a:r>
-            <a:endParaRPr lang="en-US" altLang="zh-CN" sz="1050" dirty="0" smtClean="0">
-              <a:solidFill>
-                <a:schemeClr val="tx1"/>
-              </a:solidFill>
-              <a:latin typeface="微软雅黑" pitchFamily="34" charset="-122"/>
-              <a:ea typeface="微软雅黑" pitchFamily="34" charset="-122"/>
-            </a:endParaRPr>
+              <a:t>CPU or GPU + TensorFlow.NET</a:t>
+            </a:r>
           </a:p>
           <a:p>
             <a:pPr algn="ctr">
@@ -14285,26 +14241,7 @@
                 <a:latin typeface="微软雅黑" pitchFamily="34" charset="-122"/>
                 <a:ea typeface="微软雅黑" pitchFamily="34" charset="-122"/>
               </a:rPr>
-              <a:t>.</a:t>
-            </a:r>
-            <a:r>
-              <a:rPr lang="en-US" altLang="zh-CN" sz="1000" b="1" dirty="0" smtClean="0">
-                <a:solidFill>
-                  <a:schemeClr val="accent6">
-                    <a:lumMod val="75000"/>
-                  </a:schemeClr>
-                </a:solidFill>
-                <a:effectLst>
-                  <a:outerShdw blurRad="38100" dist="38100" dir="2700000" algn="tl">
-                    <a:srgbClr val="000000">
-                      <a:alpha val="43137"/>
-                    </a:srgbClr>
-                  </a:outerShdw>
-                </a:effectLst>
-                <a:latin typeface="微软雅黑" pitchFamily="34" charset="-122"/>
-                <a:ea typeface="微软雅黑" pitchFamily="34" charset="-122"/>
-              </a:rPr>
-              <a:t>NET</a:t>
+              <a:t>.NET</a:t>
             </a:r>
             <a:endParaRPr lang="zh-CN" altLang="en-US" sz="1000" b="1" dirty="0">
               <a:solidFill>
@@ -14461,6 +14398,686 @@
           <a:chExt cx="0" cy="0"/>
         </a:xfrm>
       </p:grpSpPr>
+      <p:sp>
+        <p:nvSpPr>
+          <p:cNvPr id="16" name="矩形 15"/>
+          <p:cNvSpPr/>
+          <p:nvPr/>
+        </p:nvSpPr>
+        <p:spPr>
+          <a:xfrm>
+            <a:off x="323528" y="0"/>
+            <a:ext cx="8064896" cy="12285984"/>
+          </a:xfrm>
+          <a:prstGeom prst="rect">
+            <a:avLst/>
+          </a:prstGeom>
+          <a:solidFill>
+            <a:schemeClr val="bg1"/>
+          </a:solidFill>
+          <a:ln w="6350">
+            <a:solidFill>
+              <a:schemeClr val="bg1">
+                <a:lumMod val="50000"/>
+              </a:schemeClr>
+            </a:solidFill>
+          </a:ln>
+        </p:spPr>
+        <p:style>
+          <a:lnRef idx="2">
+            <a:schemeClr val="accent1">
+              <a:shade val="50000"/>
+            </a:schemeClr>
+          </a:lnRef>
+          <a:fillRef idx="1">
+            <a:schemeClr val="accent1"/>
+          </a:fillRef>
+          <a:effectRef idx="0">
+            <a:schemeClr val="accent1"/>
+          </a:effectRef>
+          <a:fontRef idx="minor">
+            <a:schemeClr val="lt1"/>
+          </a:fontRef>
+        </p:style>
+        <p:txBody>
+          <a:bodyPr rtlCol="0" anchor="ctr"/>
+          <a:lstStyle/>
+          <a:p>
+            <a:pPr algn="ctr"/>
+            <a:endParaRPr lang="zh-CN" altLang="en-US"/>
+          </a:p>
+        </p:txBody>
+      </p:sp>
+      <p:sp>
+        <p:nvSpPr>
+          <p:cNvPr id="2" name="圆角矩形 1"/>
+          <p:cNvSpPr/>
+          <p:nvPr/>
+        </p:nvSpPr>
+        <p:spPr>
+          <a:xfrm>
+            <a:off x="2411760" y="476672"/>
+            <a:ext cx="1856629" cy="504056"/>
+          </a:xfrm>
+          <a:prstGeom prst="roundRect">
+            <a:avLst>
+              <a:gd name="adj" fmla="val 12088"/>
+            </a:avLst>
+          </a:prstGeom>
+        </p:spPr>
+        <p:style>
+          <a:lnRef idx="1">
+            <a:schemeClr val="accent5"/>
+          </a:lnRef>
+          <a:fillRef idx="2">
+            <a:schemeClr val="accent5"/>
+          </a:fillRef>
+          <a:effectRef idx="1">
+            <a:schemeClr val="accent5"/>
+          </a:effectRef>
+          <a:fontRef idx="minor">
+            <a:schemeClr val="dk1"/>
+          </a:fontRef>
+        </p:style>
+        <p:txBody>
+          <a:bodyPr rtlCol="0" anchor="ctr"/>
+          <a:lstStyle/>
+          <a:p>
+            <a:pPr algn="ctr"/>
+            <a:endParaRPr lang="zh-CN" altLang="en-US" sz="1600">
+              <a:solidFill>
+                <a:schemeClr val="tx1"/>
+              </a:solidFill>
+            </a:endParaRPr>
+          </a:p>
+        </p:txBody>
+      </p:sp>
+      <p:sp>
+        <p:nvSpPr>
+          <p:cNvPr id="3" name="文本框 2"/>
+          <p:cNvSpPr txBox="1"/>
+          <p:nvPr/>
+        </p:nvSpPr>
+        <p:spPr>
+          <a:xfrm>
+            <a:off x="2511729" y="546792"/>
+            <a:ext cx="1616725" cy="338554"/>
+          </a:xfrm>
+          <a:prstGeom prst="rect">
+            <a:avLst/>
+          </a:prstGeom>
+          <a:noFill/>
+        </p:spPr>
+        <p:txBody>
+          <a:bodyPr wrap="none" rtlCol="0">
+            <a:spAutoFit/>
+          </a:bodyPr>
+          <a:lstStyle/>
+          <a:p>
+            <a:r>
+              <a:rPr lang="en-US" altLang="zh-CN" sz="1600" dirty="0" smtClean="0"/>
+              <a:t>Load MNIST Data</a:t>
+            </a:r>
+            <a:endParaRPr lang="zh-CN" altLang="en-US" sz="1600" dirty="0"/>
+          </a:p>
+        </p:txBody>
+      </p:sp>
+      <p:sp>
+        <p:nvSpPr>
+          <p:cNvPr id="4" name="圆角矩形 3"/>
+          <p:cNvSpPr/>
+          <p:nvPr/>
+        </p:nvSpPr>
+        <p:spPr>
+          <a:xfrm>
+            <a:off x="2411760" y="1340768"/>
+            <a:ext cx="1856629" cy="504056"/>
+          </a:xfrm>
+          <a:prstGeom prst="roundRect">
+            <a:avLst>
+              <a:gd name="adj" fmla="val 12088"/>
+            </a:avLst>
+          </a:prstGeom>
+        </p:spPr>
+        <p:style>
+          <a:lnRef idx="1">
+            <a:schemeClr val="accent5"/>
+          </a:lnRef>
+          <a:fillRef idx="2">
+            <a:schemeClr val="accent5"/>
+          </a:fillRef>
+          <a:effectRef idx="1">
+            <a:schemeClr val="accent5"/>
+          </a:effectRef>
+          <a:fontRef idx="minor">
+            <a:schemeClr val="dk1"/>
+          </a:fontRef>
+        </p:style>
+        <p:txBody>
+          <a:bodyPr rtlCol="0" anchor="ctr"/>
+          <a:lstStyle/>
+          <a:p>
+            <a:pPr algn="ctr"/>
+            <a:endParaRPr lang="zh-CN" altLang="en-US" sz="1600">
+              <a:solidFill>
+                <a:schemeClr val="tx1"/>
+              </a:solidFill>
+            </a:endParaRPr>
+          </a:p>
+        </p:txBody>
+      </p:sp>
+      <p:sp>
+        <p:nvSpPr>
+          <p:cNvPr id="5" name="文本框 4"/>
+          <p:cNvSpPr txBox="1"/>
+          <p:nvPr/>
+        </p:nvSpPr>
+        <p:spPr>
+          <a:xfrm>
+            <a:off x="2721305" y="1423519"/>
+            <a:ext cx="1197572" cy="338554"/>
+          </a:xfrm>
+          <a:prstGeom prst="rect">
+            <a:avLst/>
+          </a:prstGeom>
+          <a:noFill/>
+        </p:spPr>
+        <p:txBody>
+          <a:bodyPr wrap="none" rtlCol="0">
+            <a:spAutoFit/>
+          </a:bodyPr>
+          <a:lstStyle/>
+          <a:p>
+            <a:r>
+              <a:rPr lang="en-US" altLang="zh-CN" sz="1600" dirty="0" smtClean="0"/>
+              <a:t>Flatten Data</a:t>
+            </a:r>
+            <a:endParaRPr lang="zh-CN" altLang="en-US" sz="1600" dirty="0"/>
+          </a:p>
+        </p:txBody>
+      </p:sp>
+      <p:sp>
+        <p:nvSpPr>
+          <p:cNvPr id="6" name="圆角矩形 5"/>
+          <p:cNvSpPr/>
+          <p:nvPr/>
+        </p:nvSpPr>
+        <p:spPr>
+          <a:xfrm>
+            <a:off x="2411760" y="2272753"/>
+            <a:ext cx="1856629" cy="504056"/>
+          </a:xfrm>
+          <a:prstGeom prst="roundRect">
+            <a:avLst>
+              <a:gd name="adj" fmla="val 12088"/>
+            </a:avLst>
+          </a:prstGeom>
+        </p:spPr>
+        <p:style>
+          <a:lnRef idx="1">
+            <a:schemeClr val="accent5"/>
+          </a:lnRef>
+          <a:fillRef idx="2">
+            <a:schemeClr val="accent5"/>
+          </a:fillRef>
+          <a:effectRef idx="1">
+            <a:schemeClr val="accent5"/>
+          </a:effectRef>
+          <a:fontRef idx="minor">
+            <a:schemeClr val="dk1"/>
+          </a:fontRef>
+        </p:style>
+        <p:txBody>
+          <a:bodyPr rtlCol="0" anchor="ctr"/>
+          <a:lstStyle/>
+          <a:p>
+            <a:pPr algn="ctr"/>
+            <a:endParaRPr lang="zh-CN" altLang="en-US" sz="1600">
+              <a:solidFill>
+                <a:schemeClr val="tx1"/>
+              </a:solidFill>
+            </a:endParaRPr>
+          </a:p>
+        </p:txBody>
+      </p:sp>
+      <p:sp>
+        <p:nvSpPr>
+          <p:cNvPr id="7" name="文本框 6"/>
+          <p:cNvSpPr txBox="1"/>
+          <p:nvPr/>
+        </p:nvSpPr>
+        <p:spPr>
+          <a:xfrm>
+            <a:off x="2545405" y="2355504"/>
+            <a:ext cx="1466042" cy="338554"/>
+          </a:xfrm>
+          <a:prstGeom prst="rect">
+            <a:avLst/>
+          </a:prstGeom>
+          <a:noFill/>
+        </p:spPr>
+        <p:txBody>
+          <a:bodyPr wrap="none" rtlCol="0">
+            <a:spAutoFit/>
+          </a:bodyPr>
+          <a:lstStyle/>
+          <a:p>
+            <a:r>
+              <a:rPr lang="en-US" altLang="zh-CN" sz="1600" dirty="0"/>
+              <a:t>Normalize </a:t>
+            </a:r>
+            <a:r>
+              <a:rPr lang="en-US" altLang="zh-CN" sz="1600" dirty="0" smtClean="0"/>
+              <a:t>Data</a:t>
+            </a:r>
+            <a:endParaRPr lang="zh-CN" altLang="en-US" sz="1600" dirty="0"/>
+          </a:p>
+        </p:txBody>
+      </p:sp>
+      <p:sp>
+        <p:nvSpPr>
+          <p:cNvPr id="8" name="圆角矩形 7"/>
+          <p:cNvSpPr/>
+          <p:nvPr/>
+        </p:nvSpPr>
+        <p:spPr>
+          <a:xfrm>
+            <a:off x="2411760" y="3207297"/>
+            <a:ext cx="1856629" cy="504056"/>
+          </a:xfrm>
+          <a:prstGeom prst="roundRect">
+            <a:avLst>
+              <a:gd name="adj" fmla="val 12088"/>
+            </a:avLst>
+          </a:prstGeom>
+        </p:spPr>
+        <p:style>
+          <a:lnRef idx="1">
+            <a:schemeClr val="accent5"/>
+          </a:lnRef>
+          <a:fillRef idx="2">
+            <a:schemeClr val="accent5"/>
+          </a:fillRef>
+          <a:effectRef idx="1">
+            <a:schemeClr val="accent5"/>
+          </a:effectRef>
+          <a:fontRef idx="minor">
+            <a:schemeClr val="dk1"/>
+          </a:fontRef>
+        </p:style>
+        <p:txBody>
+          <a:bodyPr rtlCol="0" anchor="ctr"/>
+          <a:lstStyle/>
+          <a:p>
+            <a:pPr algn="ctr"/>
+            <a:endParaRPr lang="zh-CN" altLang="en-US" sz="1600">
+              <a:solidFill>
+                <a:schemeClr val="tx1"/>
+              </a:solidFill>
+            </a:endParaRPr>
+          </a:p>
+        </p:txBody>
+      </p:sp>
+      <p:sp>
+        <p:nvSpPr>
+          <p:cNvPr id="9" name="文本框 8"/>
+          <p:cNvSpPr txBox="1"/>
+          <p:nvPr/>
+        </p:nvSpPr>
+        <p:spPr>
+          <a:xfrm>
+            <a:off x="2411760" y="3225877"/>
+            <a:ext cx="1868653" cy="523220"/>
+          </a:xfrm>
+          <a:prstGeom prst="rect">
+            <a:avLst/>
+          </a:prstGeom>
+          <a:noFill/>
+        </p:spPr>
+        <p:txBody>
+          <a:bodyPr wrap="none" rtlCol="0">
+            <a:spAutoFit/>
+          </a:bodyPr>
+          <a:lstStyle/>
+          <a:p>
+            <a:pPr algn="ctr"/>
+            <a:r>
+              <a:rPr lang="en-US" altLang="zh-CN" sz="1400" dirty="0" smtClean="0"/>
+              <a:t>Shuffle/Batch/One-Hot</a:t>
+            </a:r>
+          </a:p>
+          <a:p>
+            <a:pPr algn="ctr"/>
+            <a:r>
+              <a:rPr lang="en-US" altLang="zh-CN" sz="1400" dirty="0" smtClean="0"/>
+              <a:t>……</a:t>
+            </a:r>
+            <a:endParaRPr lang="zh-CN" altLang="en-US" sz="1400" dirty="0"/>
+          </a:p>
+        </p:txBody>
+      </p:sp>
+      <p:sp>
+        <p:nvSpPr>
+          <p:cNvPr id="10" name="圆角矩形 9"/>
+          <p:cNvSpPr/>
+          <p:nvPr/>
+        </p:nvSpPr>
+        <p:spPr>
+          <a:xfrm>
+            <a:off x="2411760" y="4141841"/>
+            <a:ext cx="1856629" cy="504056"/>
+          </a:xfrm>
+          <a:prstGeom prst="roundRect">
+            <a:avLst>
+              <a:gd name="adj" fmla="val 12088"/>
+            </a:avLst>
+          </a:prstGeom>
+        </p:spPr>
+        <p:style>
+          <a:lnRef idx="1">
+            <a:schemeClr val="accent5"/>
+          </a:lnRef>
+          <a:fillRef idx="2">
+            <a:schemeClr val="accent5"/>
+          </a:fillRef>
+          <a:effectRef idx="1">
+            <a:schemeClr val="accent5"/>
+          </a:effectRef>
+          <a:fontRef idx="minor">
+            <a:schemeClr val="dk1"/>
+          </a:fontRef>
+        </p:style>
+        <p:txBody>
+          <a:bodyPr rtlCol="0" anchor="ctr"/>
+          <a:lstStyle/>
+          <a:p>
+            <a:pPr algn="ctr"/>
+            <a:endParaRPr lang="zh-CN" altLang="en-US" sz="1600">
+              <a:solidFill>
+                <a:schemeClr val="tx1"/>
+              </a:solidFill>
+            </a:endParaRPr>
+          </a:p>
+        </p:txBody>
+      </p:sp>
+      <p:sp>
+        <p:nvSpPr>
+          <p:cNvPr id="11" name="文本框 10"/>
+          <p:cNvSpPr txBox="1"/>
+          <p:nvPr/>
+        </p:nvSpPr>
+        <p:spPr>
+          <a:xfrm>
+            <a:off x="2490518" y="4110194"/>
+            <a:ext cx="1796133" cy="584775"/>
+          </a:xfrm>
+          <a:prstGeom prst="rect">
+            <a:avLst/>
+          </a:prstGeom>
+          <a:noFill/>
+        </p:spPr>
+        <p:txBody>
+          <a:bodyPr wrap="none" rtlCol="0">
+            <a:spAutoFit/>
+          </a:bodyPr>
+          <a:lstStyle/>
+          <a:p>
+            <a:r>
+              <a:rPr lang="en-US" altLang="zh-CN" sz="1600" dirty="0" smtClean="0"/>
+              <a:t>Logistic Regression</a:t>
+            </a:r>
+          </a:p>
+          <a:p>
+            <a:r>
+              <a:rPr lang="en-US" altLang="zh-CN" sz="1600" dirty="0" err="1"/>
+              <a:t>tf.matmul</a:t>
+            </a:r>
+            <a:r>
+              <a:rPr lang="en-US" altLang="zh-CN" sz="1600" dirty="0"/>
+              <a:t>(x, W) + b</a:t>
+            </a:r>
+            <a:endParaRPr lang="zh-CN" altLang="en-US" sz="1600" dirty="0"/>
+          </a:p>
+        </p:txBody>
+      </p:sp>
+      <p:sp>
+        <p:nvSpPr>
+          <p:cNvPr id="12" name="圆角矩形 11"/>
+          <p:cNvSpPr/>
+          <p:nvPr/>
+        </p:nvSpPr>
+        <p:spPr>
+          <a:xfrm>
+            <a:off x="2411760" y="5042179"/>
+            <a:ext cx="1856629" cy="504056"/>
+          </a:xfrm>
+          <a:prstGeom prst="roundRect">
+            <a:avLst>
+              <a:gd name="adj" fmla="val 12088"/>
+            </a:avLst>
+          </a:prstGeom>
+        </p:spPr>
+        <p:style>
+          <a:lnRef idx="1">
+            <a:schemeClr val="accent5"/>
+          </a:lnRef>
+          <a:fillRef idx="2">
+            <a:schemeClr val="accent5"/>
+          </a:fillRef>
+          <a:effectRef idx="1">
+            <a:schemeClr val="accent5"/>
+          </a:effectRef>
+          <a:fontRef idx="minor">
+            <a:schemeClr val="dk1"/>
+          </a:fontRef>
+        </p:style>
+        <p:txBody>
+          <a:bodyPr rtlCol="0" anchor="ctr"/>
+          <a:lstStyle/>
+          <a:p>
+            <a:pPr algn="ctr"/>
+            <a:endParaRPr lang="zh-CN" altLang="en-US" sz="1600">
+              <a:solidFill>
+                <a:schemeClr val="tx1"/>
+              </a:solidFill>
+            </a:endParaRPr>
+          </a:p>
+        </p:txBody>
+      </p:sp>
+      <p:sp>
+        <p:nvSpPr>
+          <p:cNvPr id="13" name="文本框 12"/>
+          <p:cNvSpPr txBox="1"/>
+          <p:nvPr/>
+        </p:nvSpPr>
+        <p:spPr>
+          <a:xfrm>
+            <a:off x="2839203" y="5124930"/>
+            <a:ext cx="878446" cy="338554"/>
+          </a:xfrm>
+          <a:prstGeom prst="rect">
+            <a:avLst/>
+          </a:prstGeom>
+          <a:noFill/>
+        </p:spPr>
+        <p:txBody>
+          <a:bodyPr wrap="none" rtlCol="0">
+            <a:spAutoFit/>
+          </a:bodyPr>
+          <a:lstStyle/>
+          <a:p>
+            <a:r>
+              <a:rPr lang="en-US" altLang="zh-CN" sz="1600" dirty="0" err="1" smtClean="0"/>
+              <a:t>SoftMax</a:t>
+            </a:r>
+            <a:endParaRPr lang="zh-CN" altLang="en-US" sz="1600" dirty="0"/>
+          </a:p>
+        </p:txBody>
+      </p:sp>
+      <p:sp>
+        <p:nvSpPr>
+          <p:cNvPr id="14" name="文本框 13"/>
+          <p:cNvSpPr txBox="1"/>
+          <p:nvPr/>
+        </p:nvSpPr>
+        <p:spPr>
+          <a:xfrm>
+            <a:off x="4378569" y="4222758"/>
+            <a:ext cx="284052" cy="338554"/>
+          </a:xfrm>
+          <a:prstGeom prst="rect">
+            <a:avLst/>
+          </a:prstGeom>
+          <a:noFill/>
+        </p:spPr>
+        <p:txBody>
+          <a:bodyPr wrap="none" rtlCol="0">
+            <a:spAutoFit/>
+          </a:bodyPr>
+          <a:lstStyle/>
+          <a:p>
+            <a:r>
+              <a:rPr lang="en-US" altLang="zh-CN" sz="1600" dirty="0" smtClean="0"/>
+              <a:t>Y</a:t>
+            </a:r>
+            <a:endParaRPr lang="zh-CN" altLang="en-US" sz="1600" dirty="0"/>
+          </a:p>
+        </p:txBody>
+      </p:sp>
+      <p:sp>
+        <p:nvSpPr>
+          <p:cNvPr id="15" name="文本框 14"/>
+          <p:cNvSpPr txBox="1"/>
+          <p:nvPr/>
+        </p:nvSpPr>
+        <p:spPr>
+          <a:xfrm>
+            <a:off x="4378568" y="5110781"/>
+            <a:ext cx="1849615" cy="338554"/>
+          </a:xfrm>
+          <a:prstGeom prst="rect">
+            <a:avLst/>
+          </a:prstGeom>
+          <a:noFill/>
+        </p:spPr>
+        <p:txBody>
+          <a:bodyPr wrap="square" rtlCol="0">
+            <a:spAutoFit/>
+          </a:bodyPr>
+          <a:lstStyle/>
+          <a:p>
+            <a:r>
+              <a:rPr lang="en-US" altLang="zh-CN" sz="1600" dirty="0" smtClean="0"/>
+              <a:t>probability of Y</a:t>
+            </a:r>
+            <a:endParaRPr lang="zh-CN" altLang="en-US" sz="1600" dirty="0"/>
+          </a:p>
+        </p:txBody>
+      </p:sp>
+      <p:sp>
+        <p:nvSpPr>
+          <p:cNvPr id="17" name="圆角矩形 16"/>
+          <p:cNvSpPr/>
+          <p:nvPr/>
+        </p:nvSpPr>
+        <p:spPr>
+          <a:xfrm>
+            <a:off x="2423784" y="5994246"/>
+            <a:ext cx="1856629" cy="504056"/>
+          </a:xfrm>
+          <a:prstGeom prst="roundRect">
+            <a:avLst>
+              <a:gd name="adj" fmla="val 12088"/>
+            </a:avLst>
+          </a:prstGeom>
+        </p:spPr>
+        <p:style>
+          <a:lnRef idx="1">
+            <a:schemeClr val="accent5"/>
+          </a:lnRef>
+          <a:fillRef idx="2">
+            <a:schemeClr val="accent5"/>
+          </a:fillRef>
+          <a:effectRef idx="1">
+            <a:schemeClr val="accent5"/>
+          </a:effectRef>
+          <a:fontRef idx="minor">
+            <a:schemeClr val="dk1"/>
+          </a:fontRef>
+        </p:style>
+        <p:txBody>
+          <a:bodyPr rtlCol="0" anchor="ctr"/>
+          <a:lstStyle/>
+          <a:p>
+            <a:pPr algn="ctr"/>
+            <a:endParaRPr lang="zh-CN" altLang="en-US" sz="1600">
+              <a:solidFill>
+                <a:schemeClr val="tx1"/>
+              </a:solidFill>
+            </a:endParaRPr>
+          </a:p>
+        </p:txBody>
+      </p:sp>
+      <p:sp>
+        <p:nvSpPr>
+          <p:cNvPr id="18" name="文本框 17"/>
+          <p:cNvSpPr txBox="1"/>
+          <p:nvPr/>
+        </p:nvSpPr>
+        <p:spPr>
+          <a:xfrm>
+            <a:off x="2670939" y="6076997"/>
+            <a:ext cx="1332416" cy="338554"/>
+          </a:xfrm>
+          <a:prstGeom prst="rect">
+            <a:avLst/>
+          </a:prstGeom>
+          <a:noFill/>
+        </p:spPr>
+        <p:txBody>
+          <a:bodyPr wrap="none" rtlCol="0">
+            <a:spAutoFit/>
+          </a:bodyPr>
+          <a:lstStyle/>
+          <a:p>
+            <a:r>
+              <a:rPr lang="en-US" altLang="zh-CN" sz="1600" dirty="0" smtClean="0"/>
+              <a:t>Cross Entropy</a:t>
+            </a:r>
+            <a:endParaRPr lang="zh-CN" altLang="en-US" sz="1600" dirty="0"/>
+          </a:p>
+        </p:txBody>
+      </p:sp>
+      <p:sp>
+        <p:nvSpPr>
+          <p:cNvPr id="19" name="文本框 18"/>
+          <p:cNvSpPr txBox="1"/>
+          <p:nvPr/>
+        </p:nvSpPr>
+        <p:spPr>
+          <a:xfrm>
+            <a:off x="4398288" y="6083349"/>
+            <a:ext cx="789934" cy="338554"/>
+          </a:xfrm>
+          <a:prstGeom prst="rect">
+            <a:avLst/>
+          </a:prstGeom>
+          <a:noFill/>
+        </p:spPr>
+        <p:txBody>
+          <a:bodyPr wrap="square" rtlCol="0">
+            <a:spAutoFit/>
+          </a:bodyPr>
+          <a:lstStyle/>
+          <a:p>
+            <a:r>
+              <a:rPr lang="en-US" altLang="zh-CN" sz="1600" dirty="0" smtClean="0"/>
+              <a:t>Loss</a:t>
+            </a:r>
+            <a:endParaRPr lang="zh-CN" altLang="en-US" sz="1600" dirty="0"/>
+          </a:p>
+        </p:txBody>
+      </p:sp>
     </p:spTree>
     <p:extLst>
       <p:ext uri="{BB962C8B-B14F-4D97-AF65-F5344CB8AC3E}">

--- a/ppt/tf.reduce_mean.pptx
+++ b/ppt/tf.reduce_mean.pptx
@@ -14530,7 +14530,7 @@
         </p:nvSpPr>
         <p:spPr>
           <a:xfrm>
-            <a:off x="2411760" y="1340768"/>
+            <a:off x="2411760" y="1329720"/>
             <a:ext cx="1856629" cy="504056"/>
           </a:xfrm>
           <a:prstGeom prst="roundRect">
@@ -14574,7 +14574,7 @@
         </p:nvSpPr>
         <p:spPr>
           <a:xfrm>
-            <a:off x="2721305" y="1423519"/>
+            <a:off x="2721305" y="1412471"/>
             <a:ext cx="1197572" cy="338554"/>
           </a:xfrm>
           <a:prstGeom prst="rect">
@@ -14604,7 +14604,7 @@
         </p:nvSpPr>
         <p:spPr>
           <a:xfrm>
-            <a:off x="2411760" y="2272753"/>
+            <a:off x="2411760" y="2170265"/>
             <a:ext cx="1856629" cy="504056"/>
           </a:xfrm>
           <a:prstGeom prst="roundRect">
@@ -14648,7 +14648,7 @@
         </p:nvSpPr>
         <p:spPr>
           <a:xfrm>
-            <a:off x="2545405" y="2355504"/>
+            <a:off x="2545405" y="2253016"/>
             <a:ext cx="1466042" cy="338554"/>
           </a:xfrm>
           <a:prstGeom prst="rect">
@@ -14682,7 +14682,7 @@
         </p:nvSpPr>
         <p:spPr>
           <a:xfrm>
-            <a:off x="2411760" y="3207297"/>
+            <a:off x="2411760" y="3028609"/>
             <a:ext cx="1856629" cy="504056"/>
           </a:xfrm>
           <a:prstGeom prst="roundRect">
@@ -14726,7 +14726,7 @@
         </p:nvSpPr>
         <p:spPr>
           <a:xfrm>
-            <a:off x="2411760" y="3225877"/>
+            <a:off x="2411760" y="3047189"/>
             <a:ext cx="1868653" cy="523220"/>
           </a:xfrm>
           <a:prstGeom prst="rect">
@@ -14764,7 +14764,1203 @@
         </p:nvSpPr>
         <p:spPr>
           <a:xfrm>
-            <a:off x="2411760" y="4141841"/>
+            <a:off x="2411760" y="3917433"/>
+            <a:ext cx="1856629" cy="504056"/>
+          </a:xfrm>
+          <a:prstGeom prst="roundRect">
+            <a:avLst>
+              <a:gd name="adj" fmla="val 12088"/>
+            </a:avLst>
+          </a:prstGeom>
+        </p:spPr>
+        <p:style>
+          <a:lnRef idx="1">
+            <a:schemeClr val="accent6"/>
+          </a:lnRef>
+          <a:fillRef idx="2">
+            <a:schemeClr val="accent6"/>
+          </a:fillRef>
+          <a:effectRef idx="1">
+            <a:schemeClr val="accent6"/>
+          </a:effectRef>
+          <a:fontRef idx="minor">
+            <a:schemeClr val="dk1"/>
+          </a:fontRef>
+        </p:style>
+        <p:txBody>
+          <a:bodyPr rtlCol="0" anchor="ctr"/>
+          <a:lstStyle/>
+          <a:p>
+            <a:pPr algn="ctr"/>
+            <a:endParaRPr lang="zh-CN" altLang="en-US" sz="1600">
+              <a:solidFill>
+                <a:schemeClr val="tx1"/>
+              </a:solidFill>
+            </a:endParaRPr>
+          </a:p>
+        </p:txBody>
+      </p:sp>
+      <p:sp>
+        <p:nvSpPr>
+          <p:cNvPr id="11" name="文本框 10"/>
+          <p:cNvSpPr txBox="1"/>
+          <p:nvPr/>
+        </p:nvSpPr>
+        <p:spPr>
+          <a:xfrm>
+            <a:off x="2490518" y="3885786"/>
+            <a:ext cx="1796133" cy="584775"/>
+          </a:xfrm>
+          <a:prstGeom prst="rect">
+            <a:avLst/>
+          </a:prstGeom>
+          <a:noFill/>
+        </p:spPr>
+        <p:txBody>
+          <a:bodyPr wrap="none" rtlCol="0">
+            <a:spAutoFit/>
+          </a:bodyPr>
+          <a:lstStyle/>
+          <a:p>
+            <a:r>
+              <a:rPr lang="en-US" altLang="zh-CN" sz="1600" dirty="0" smtClean="0"/>
+              <a:t>Logistic Regression</a:t>
+            </a:r>
+          </a:p>
+          <a:p>
+            <a:r>
+              <a:rPr lang="en-US" altLang="zh-CN" sz="1600" dirty="0"/>
+              <a:t>tf.matmul(x, W) + b</a:t>
+            </a:r>
+            <a:endParaRPr lang="zh-CN" altLang="en-US" sz="1600" dirty="0"/>
+          </a:p>
+        </p:txBody>
+      </p:sp>
+      <p:sp>
+        <p:nvSpPr>
+          <p:cNvPr id="12" name="圆角矩形 11"/>
+          <p:cNvSpPr/>
+          <p:nvPr/>
+        </p:nvSpPr>
+        <p:spPr>
+          <a:xfrm>
+            <a:off x="2411760" y="4756811"/>
+            <a:ext cx="1856629" cy="504056"/>
+          </a:xfrm>
+          <a:prstGeom prst="roundRect">
+            <a:avLst>
+              <a:gd name="adj" fmla="val 12088"/>
+            </a:avLst>
+          </a:prstGeom>
+        </p:spPr>
+        <p:style>
+          <a:lnRef idx="1">
+            <a:schemeClr val="accent6"/>
+          </a:lnRef>
+          <a:fillRef idx="2">
+            <a:schemeClr val="accent6"/>
+          </a:fillRef>
+          <a:effectRef idx="1">
+            <a:schemeClr val="accent6"/>
+          </a:effectRef>
+          <a:fontRef idx="minor">
+            <a:schemeClr val="dk1"/>
+          </a:fontRef>
+        </p:style>
+        <p:txBody>
+          <a:bodyPr rtlCol="0" anchor="ctr"/>
+          <a:lstStyle/>
+          <a:p>
+            <a:pPr algn="ctr"/>
+            <a:endParaRPr lang="zh-CN" altLang="en-US" sz="1600">
+              <a:solidFill>
+                <a:schemeClr val="tx1"/>
+              </a:solidFill>
+            </a:endParaRPr>
+          </a:p>
+        </p:txBody>
+      </p:sp>
+      <p:sp>
+        <p:nvSpPr>
+          <p:cNvPr id="13" name="文本框 12"/>
+          <p:cNvSpPr txBox="1"/>
+          <p:nvPr/>
+        </p:nvSpPr>
+        <p:spPr>
+          <a:xfrm>
+            <a:off x="2901466" y="4839562"/>
+            <a:ext cx="878446" cy="338554"/>
+          </a:xfrm>
+          <a:prstGeom prst="rect">
+            <a:avLst/>
+          </a:prstGeom>
+          <a:noFill/>
+        </p:spPr>
+        <p:txBody>
+          <a:bodyPr wrap="none" rtlCol="0">
+            <a:spAutoFit/>
+          </a:bodyPr>
+          <a:lstStyle/>
+          <a:p>
+            <a:r>
+              <a:rPr lang="en-US" altLang="zh-CN" sz="1600" dirty="0" smtClean="0"/>
+              <a:t>SoftMax</a:t>
+            </a:r>
+            <a:endParaRPr lang="zh-CN" altLang="en-US" sz="1600" dirty="0"/>
+          </a:p>
+        </p:txBody>
+      </p:sp>
+      <p:sp>
+        <p:nvSpPr>
+          <p:cNvPr id="14" name="文本框 13"/>
+          <p:cNvSpPr txBox="1"/>
+          <p:nvPr/>
+        </p:nvSpPr>
+        <p:spPr>
+          <a:xfrm>
+            <a:off x="4378569" y="3998350"/>
+            <a:ext cx="292068" cy="338554"/>
+          </a:xfrm>
+          <a:prstGeom prst="rect">
+            <a:avLst/>
+          </a:prstGeom>
+          <a:noFill/>
+        </p:spPr>
+        <p:txBody>
+          <a:bodyPr wrap="none" rtlCol="0">
+            <a:spAutoFit/>
+          </a:bodyPr>
+          <a:lstStyle/>
+          <a:p>
+            <a:r>
+              <a:rPr lang="en-US" altLang="zh-CN" sz="1600" b="1" dirty="0" smtClean="0"/>
+              <a:t>Y</a:t>
+            </a:r>
+            <a:endParaRPr lang="zh-CN" altLang="en-US" sz="1600" b="1" dirty="0"/>
+          </a:p>
+        </p:txBody>
+      </p:sp>
+      <p:sp>
+        <p:nvSpPr>
+          <p:cNvPr id="15" name="文本框 14"/>
+          <p:cNvSpPr txBox="1"/>
+          <p:nvPr/>
+        </p:nvSpPr>
+        <p:spPr>
+          <a:xfrm>
+            <a:off x="4378568" y="4825413"/>
+            <a:ext cx="1849615" cy="338554"/>
+          </a:xfrm>
+          <a:prstGeom prst="rect">
+            <a:avLst/>
+          </a:prstGeom>
+          <a:noFill/>
+        </p:spPr>
+        <p:txBody>
+          <a:bodyPr wrap="square" rtlCol="0">
+            <a:spAutoFit/>
+          </a:bodyPr>
+          <a:lstStyle/>
+          <a:p>
+            <a:r>
+              <a:rPr lang="en-US" altLang="zh-CN" sz="1600" b="1" dirty="0" smtClean="0"/>
+              <a:t>probability of Y</a:t>
+            </a:r>
+            <a:endParaRPr lang="zh-CN" altLang="en-US" sz="1600" b="1" dirty="0"/>
+          </a:p>
+        </p:txBody>
+      </p:sp>
+      <p:sp>
+        <p:nvSpPr>
+          <p:cNvPr id="17" name="圆角矩形 16"/>
+          <p:cNvSpPr/>
+          <p:nvPr/>
+        </p:nvSpPr>
+        <p:spPr>
+          <a:xfrm>
+            <a:off x="2423784" y="5586958"/>
+            <a:ext cx="1856629" cy="504056"/>
+          </a:xfrm>
+          <a:prstGeom prst="roundRect">
+            <a:avLst>
+              <a:gd name="adj" fmla="val 12088"/>
+            </a:avLst>
+          </a:prstGeom>
+        </p:spPr>
+        <p:style>
+          <a:lnRef idx="1">
+            <a:schemeClr val="accent6"/>
+          </a:lnRef>
+          <a:fillRef idx="2">
+            <a:schemeClr val="accent6"/>
+          </a:fillRef>
+          <a:effectRef idx="1">
+            <a:schemeClr val="accent6"/>
+          </a:effectRef>
+          <a:fontRef idx="minor">
+            <a:schemeClr val="dk1"/>
+          </a:fontRef>
+        </p:style>
+        <p:txBody>
+          <a:bodyPr rtlCol="0" anchor="ctr"/>
+          <a:lstStyle/>
+          <a:p>
+            <a:pPr algn="ctr"/>
+            <a:endParaRPr lang="zh-CN" altLang="en-US" sz="1600">
+              <a:solidFill>
+                <a:schemeClr val="tx1"/>
+              </a:solidFill>
+            </a:endParaRPr>
+          </a:p>
+        </p:txBody>
+      </p:sp>
+      <p:sp>
+        <p:nvSpPr>
+          <p:cNvPr id="18" name="文本框 17"/>
+          <p:cNvSpPr txBox="1"/>
+          <p:nvPr/>
+        </p:nvSpPr>
+        <p:spPr>
+          <a:xfrm>
+            <a:off x="2670939" y="5669709"/>
+            <a:ext cx="1332416" cy="338554"/>
+          </a:xfrm>
+          <a:prstGeom prst="rect">
+            <a:avLst/>
+          </a:prstGeom>
+          <a:noFill/>
+        </p:spPr>
+        <p:txBody>
+          <a:bodyPr wrap="none" rtlCol="0">
+            <a:spAutoFit/>
+          </a:bodyPr>
+          <a:lstStyle/>
+          <a:p>
+            <a:r>
+              <a:rPr lang="en-US" altLang="zh-CN" sz="1600" dirty="0" smtClean="0"/>
+              <a:t>Cross Entropy</a:t>
+            </a:r>
+            <a:endParaRPr lang="zh-CN" altLang="en-US" sz="1600" dirty="0"/>
+          </a:p>
+        </p:txBody>
+      </p:sp>
+      <p:sp>
+        <p:nvSpPr>
+          <p:cNvPr id="19" name="文本框 18"/>
+          <p:cNvSpPr txBox="1"/>
+          <p:nvPr/>
+        </p:nvSpPr>
+        <p:spPr>
+          <a:xfrm>
+            <a:off x="4398288" y="5676061"/>
+            <a:ext cx="789934" cy="338554"/>
+          </a:xfrm>
+          <a:prstGeom prst="rect">
+            <a:avLst/>
+          </a:prstGeom>
+          <a:noFill/>
+        </p:spPr>
+        <p:txBody>
+          <a:bodyPr wrap="square" rtlCol="0">
+            <a:spAutoFit/>
+          </a:bodyPr>
+          <a:lstStyle/>
+          <a:p>
+            <a:r>
+              <a:rPr lang="en-US" altLang="zh-CN" sz="1600" b="1" dirty="0" smtClean="0"/>
+              <a:t>Loss</a:t>
+            </a:r>
+            <a:endParaRPr lang="zh-CN" altLang="en-US" sz="1600" b="1" dirty="0"/>
+          </a:p>
+        </p:txBody>
+      </p:sp>
+      <p:sp>
+        <p:nvSpPr>
+          <p:cNvPr id="20" name="圆角矩形 19"/>
+          <p:cNvSpPr/>
+          <p:nvPr/>
+        </p:nvSpPr>
+        <p:spPr>
+          <a:xfrm>
+            <a:off x="2423784" y="6427349"/>
+            <a:ext cx="1856629" cy="504056"/>
+          </a:xfrm>
+          <a:prstGeom prst="roundRect">
+            <a:avLst>
+              <a:gd name="adj" fmla="val 12088"/>
+            </a:avLst>
+          </a:prstGeom>
+        </p:spPr>
+        <p:style>
+          <a:lnRef idx="1">
+            <a:schemeClr val="accent6"/>
+          </a:lnRef>
+          <a:fillRef idx="2">
+            <a:schemeClr val="accent6"/>
+          </a:fillRef>
+          <a:effectRef idx="1">
+            <a:schemeClr val="accent6"/>
+          </a:effectRef>
+          <a:fontRef idx="minor">
+            <a:schemeClr val="dk1"/>
+          </a:fontRef>
+        </p:style>
+        <p:txBody>
+          <a:bodyPr rtlCol="0" anchor="ctr"/>
+          <a:lstStyle/>
+          <a:p>
+            <a:pPr algn="ctr"/>
+            <a:endParaRPr lang="zh-CN" altLang="en-US" sz="1600">
+              <a:solidFill>
+                <a:schemeClr val="tx1"/>
+              </a:solidFill>
+            </a:endParaRPr>
+          </a:p>
+        </p:txBody>
+      </p:sp>
+      <p:sp>
+        <p:nvSpPr>
+          <p:cNvPr id="21" name="文本框 20"/>
+          <p:cNvSpPr txBox="1"/>
+          <p:nvPr/>
+        </p:nvSpPr>
+        <p:spPr>
+          <a:xfrm>
+            <a:off x="2608507" y="6510100"/>
+            <a:ext cx="1531445" cy="338554"/>
+          </a:xfrm>
+          <a:prstGeom prst="rect">
+            <a:avLst/>
+          </a:prstGeom>
+          <a:noFill/>
+        </p:spPr>
+        <p:txBody>
+          <a:bodyPr wrap="none" rtlCol="0">
+            <a:spAutoFit/>
+          </a:bodyPr>
+          <a:lstStyle/>
+          <a:p>
+            <a:r>
+              <a:rPr lang="en-US" altLang="zh-CN" sz="1600" dirty="0" smtClean="0"/>
+              <a:t>Gradient of Loss</a:t>
+            </a:r>
+            <a:endParaRPr lang="zh-CN" altLang="en-US" sz="1600" dirty="0"/>
+          </a:p>
+        </p:txBody>
+      </p:sp>
+      <p:sp>
+        <p:nvSpPr>
+          <p:cNvPr id="22" name="圆角矩形 21"/>
+          <p:cNvSpPr/>
+          <p:nvPr/>
+        </p:nvSpPr>
+        <p:spPr>
+          <a:xfrm>
+            <a:off x="2423784" y="7269652"/>
+            <a:ext cx="1856629" cy="504056"/>
+          </a:xfrm>
+          <a:prstGeom prst="roundRect">
+            <a:avLst>
+              <a:gd name="adj" fmla="val 12088"/>
+            </a:avLst>
+          </a:prstGeom>
+        </p:spPr>
+        <p:style>
+          <a:lnRef idx="1">
+            <a:schemeClr val="accent6"/>
+          </a:lnRef>
+          <a:fillRef idx="2">
+            <a:schemeClr val="accent6"/>
+          </a:fillRef>
+          <a:effectRef idx="1">
+            <a:schemeClr val="accent6"/>
+          </a:effectRef>
+          <a:fontRef idx="minor">
+            <a:schemeClr val="dk1"/>
+          </a:fontRef>
+        </p:style>
+        <p:txBody>
+          <a:bodyPr rtlCol="0" anchor="ctr"/>
+          <a:lstStyle/>
+          <a:p>
+            <a:pPr algn="ctr"/>
+            <a:endParaRPr lang="zh-CN" altLang="en-US" sz="1600">
+              <a:solidFill>
+                <a:schemeClr val="tx1"/>
+              </a:solidFill>
+            </a:endParaRPr>
+          </a:p>
+        </p:txBody>
+      </p:sp>
+      <p:sp>
+        <p:nvSpPr>
+          <p:cNvPr id="23" name="文本框 22"/>
+          <p:cNvSpPr txBox="1"/>
+          <p:nvPr/>
+        </p:nvSpPr>
+        <p:spPr>
+          <a:xfrm>
+            <a:off x="2469020" y="7247496"/>
+            <a:ext cx="1846146" cy="584775"/>
+          </a:xfrm>
+          <a:prstGeom prst="rect">
+            <a:avLst/>
+          </a:prstGeom>
+          <a:noFill/>
+        </p:spPr>
+        <p:txBody>
+          <a:bodyPr wrap="none" rtlCol="0">
+            <a:spAutoFit/>
+          </a:bodyPr>
+          <a:lstStyle/>
+          <a:p>
+            <a:pPr algn="ctr"/>
+            <a:r>
+              <a:rPr lang="en-US" altLang="zh-CN" sz="1600" dirty="0" smtClean="0"/>
+              <a:t>Stochastic Gradient </a:t>
+            </a:r>
+          </a:p>
+          <a:p>
+            <a:pPr algn="ctr"/>
+            <a:r>
+              <a:rPr lang="en-US" altLang="zh-CN" sz="1600" dirty="0" smtClean="0"/>
+              <a:t>Descent (SDG)</a:t>
+            </a:r>
+            <a:endParaRPr lang="zh-CN" altLang="en-US" sz="1400" dirty="0"/>
+          </a:p>
+        </p:txBody>
+      </p:sp>
+      <p:sp>
+        <p:nvSpPr>
+          <p:cNvPr id="24" name="下箭头 23"/>
+          <p:cNvSpPr/>
+          <p:nvPr/>
+        </p:nvSpPr>
+        <p:spPr>
+          <a:xfrm>
+            <a:off x="3134410" y="1062066"/>
+            <a:ext cx="288032" cy="216024"/>
+          </a:xfrm>
+          <a:prstGeom prst="downArrow">
+            <a:avLst/>
+          </a:prstGeom>
+          <a:solidFill>
+            <a:schemeClr val="bg1">
+              <a:lumMod val="95000"/>
+            </a:schemeClr>
+          </a:solidFill>
+          <a:ln w="6350">
+            <a:solidFill>
+              <a:schemeClr val="bg1">
+                <a:lumMod val="65000"/>
+              </a:schemeClr>
+            </a:solidFill>
+          </a:ln>
+        </p:spPr>
+        <p:style>
+          <a:lnRef idx="2">
+            <a:schemeClr val="accent1">
+              <a:shade val="50000"/>
+            </a:schemeClr>
+          </a:lnRef>
+          <a:fillRef idx="1">
+            <a:schemeClr val="accent1"/>
+          </a:fillRef>
+          <a:effectRef idx="0">
+            <a:schemeClr val="accent1"/>
+          </a:effectRef>
+          <a:fontRef idx="minor">
+            <a:schemeClr val="lt1"/>
+          </a:fontRef>
+        </p:style>
+        <p:txBody>
+          <a:bodyPr rtlCol="0" anchor="ctr"/>
+          <a:lstStyle/>
+          <a:p>
+            <a:pPr algn="ctr"/>
+            <a:endParaRPr lang="zh-CN" altLang="en-US"/>
+          </a:p>
+        </p:txBody>
+      </p:sp>
+      <p:sp>
+        <p:nvSpPr>
+          <p:cNvPr id="25" name="下箭头 24"/>
+          <p:cNvSpPr/>
+          <p:nvPr/>
+        </p:nvSpPr>
+        <p:spPr>
+          <a:xfrm>
+            <a:off x="3134410" y="1903871"/>
+            <a:ext cx="288032" cy="216024"/>
+          </a:xfrm>
+          <a:prstGeom prst="downArrow">
+            <a:avLst/>
+          </a:prstGeom>
+          <a:solidFill>
+            <a:schemeClr val="bg1">
+              <a:lumMod val="95000"/>
+            </a:schemeClr>
+          </a:solidFill>
+          <a:ln w="6350">
+            <a:solidFill>
+              <a:schemeClr val="bg1">
+                <a:lumMod val="65000"/>
+              </a:schemeClr>
+            </a:solidFill>
+          </a:ln>
+        </p:spPr>
+        <p:style>
+          <a:lnRef idx="2">
+            <a:schemeClr val="accent1">
+              <a:shade val="50000"/>
+            </a:schemeClr>
+          </a:lnRef>
+          <a:fillRef idx="1">
+            <a:schemeClr val="accent1"/>
+          </a:fillRef>
+          <a:effectRef idx="0">
+            <a:schemeClr val="accent1"/>
+          </a:effectRef>
+          <a:fontRef idx="minor">
+            <a:schemeClr val="lt1"/>
+          </a:fontRef>
+        </p:style>
+        <p:txBody>
+          <a:bodyPr rtlCol="0" anchor="ctr"/>
+          <a:lstStyle/>
+          <a:p>
+            <a:pPr algn="ctr"/>
+            <a:endParaRPr lang="zh-CN" altLang="en-US"/>
+          </a:p>
+        </p:txBody>
+      </p:sp>
+      <p:sp>
+        <p:nvSpPr>
+          <p:cNvPr id="26" name="下箭头 25"/>
+          <p:cNvSpPr/>
+          <p:nvPr/>
+        </p:nvSpPr>
+        <p:spPr>
+          <a:xfrm>
+            <a:off x="3134410" y="2753208"/>
+            <a:ext cx="288032" cy="216024"/>
+          </a:xfrm>
+          <a:prstGeom prst="downArrow">
+            <a:avLst/>
+          </a:prstGeom>
+          <a:solidFill>
+            <a:schemeClr val="bg1">
+              <a:lumMod val="95000"/>
+            </a:schemeClr>
+          </a:solidFill>
+          <a:ln w="6350">
+            <a:solidFill>
+              <a:schemeClr val="bg1">
+                <a:lumMod val="65000"/>
+              </a:schemeClr>
+            </a:solidFill>
+          </a:ln>
+        </p:spPr>
+        <p:style>
+          <a:lnRef idx="2">
+            <a:schemeClr val="accent1">
+              <a:shade val="50000"/>
+            </a:schemeClr>
+          </a:lnRef>
+          <a:fillRef idx="1">
+            <a:schemeClr val="accent1"/>
+          </a:fillRef>
+          <a:effectRef idx="0">
+            <a:schemeClr val="accent1"/>
+          </a:effectRef>
+          <a:fontRef idx="minor">
+            <a:schemeClr val="lt1"/>
+          </a:fontRef>
+        </p:style>
+        <p:txBody>
+          <a:bodyPr rtlCol="0" anchor="ctr"/>
+          <a:lstStyle/>
+          <a:p>
+            <a:pPr algn="ctr"/>
+            <a:endParaRPr lang="zh-CN" altLang="en-US"/>
+          </a:p>
+        </p:txBody>
+      </p:sp>
+      <p:sp>
+        <p:nvSpPr>
+          <p:cNvPr id="27" name="下箭头 26"/>
+          <p:cNvSpPr/>
+          <p:nvPr/>
+        </p:nvSpPr>
+        <p:spPr>
+          <a:xfrm>
+            <a:off x="3134410" y="3608992"/>
+            <a:ext cx="288032" cy="216024"/>
+          </a:xfrm>
+          <a:prstGeom prst="downArrow">
+            <a:avLst/>
+          </a:prstGeom>
+          <a:solidFill>
+            <a:schemeClr val="bg1">
+              <a:lumMod val="95000"/>
+            </a:schemeClr>
+          </a:solidFill>
+          <a:ln w="6350">
+            <a:solidFill>
+              <a:schemeClr val="bg1">
+                <a:lumMod val="65000"/>
+              </a:schemeClr>
+            </a:solidFill>
+          </a:ln>
+        </p:spPr>
+        <p:style>
+          <a:lnRef idx="2">
+            <a:schemeClr val="accent1">
+              <a:shade val="50000"/>
+            </a:schemeClr>
+          </a:lnRef>
+          <a:fillRef idx="1">
+            <a:schemeClr val="accent1"/>
+          </a:fillRef>
+          <a:effectRef idx="0">
+            <a:schemeClr val="accent1"/>
+          </a:effectRef>
+          <a:fontRef idx="minor">
+            <a:schemeClr val="lt1"/>
+          </a:fontRef>
+        </p:style>
+        <p:txBody>
+          <a:bodyPr rtlCol="0" anchor="ctr"/>
+          <a:lstStyle/>
+          <a:p>
+            <a:pPr algn="ctr"/>
+            <a:endParaRPr lang="zh-CN" altLang="en-US"/>
+          </a:p>
+        </p:txBody>
+      </p:sp>
+      <p:sp>
+        <p:nvSpPr>
+          <p:cNvPr id="28" name="下箭头 27"/>
+          <p:cNvSpPr/>
+          <p:nvPr/>
+        </p:nvSpPr>
+        <p:spPr>
+          <a:xfrm>
+            <a:off x="3134410" y="4495257"/>
+            <a:ext cx="288032" cy="216024"/>
+          </a:xfrm>
+          <a:prstGeom prst="downArrow">
+            <a:avLst/>
+          </a:prstGeom>
+          <a:solidFill>
+            <a:schemeClr val="bg1">
+              <a:lumMod val="95000"/>
+            </a:schemeClr>
+          </a:solidFill>
+          <a:ln w="6350">
+            <a:solidFill>
+              <a:schemeClr val="bg1">
+                <a:lumMod val="65000"/>
+              </a:schemeClr>
+            </a:solidFill>
+          </a:ln>
+        </p:spPr>
+        <p:style>
+          <a:lnRef idx="2">
+            <a:schemeClr val="accent1">
+              <a:shade val="50000"/>
+            </a:schemeClr>
+          </a:lnRef>
+          <a:fillRef idx="1">
+            <a:schemeClr val="accent1"/>
+          </a:fillRef>
+          <a:effectRef idx="0">
+            <a:schemeClr val="accent1"/>
+          </a:effectRef>
+          <a:fontRef idx="minor">
+            <a:schemeClr val="lt1"/>
+          </a:fontRef>
+        </p:style>
+        <p:txBody>
+          <a:bodyPr rtlCol="0" anchor="ctr"/>
+          <a:lstStyle/>
+          <a:p>
+            <a:pPr algn="ctr"/>
+            <a:endParaRPr lang="zh-CN" altLang="en-US"/>
+          </a:p>
+        </p:txBody>
+      </p:sp>
+      <p:sp>
+        <p:nvSpPr>
+          <p:cNvPr id="29" name="下箭头 28"/>
+          <p:cNvSpPr/>
+          <p:nvPr/>
+        </p:nvSpPr>
+        <p:spPr>
+          <a:xfrm>
+            <a:off x="3134410" y="5322320"/>
+            <a:ext cx="288032" cy="216024"/>
+          </a:xfrm>
+          <a:prstGeom prst="downArrow">
+            <a:avLst/>
+          </a:prstGeom>
+          <a:solidFill>
+            <a:schemeClr val="bg1">
+              <a:lumMod val="95000"/>
+            </a:schemeClr>
+          </a:solidFill>
+          <a:ln w="6350">
+            <a:solidFill>
+              <a:schemeClr val="bg1">
+                <a:lumMod val="65000"/>
+              </a:schemeClr>
+            </a:solidFill>
+          </a:ln>
+        </p:spPr>
+        <p:style>
+          <a:lnRef idx="2">
+            <a:schemeClr val="accent1">
+              <a:shade val="50000"/>
+            </a:schemeClr>
+          </a:lnRef>
+          <a:fillRef idx="1">
+            <a:schemeClr val="accent1"/>
+          </a:fillRef>
+          <a:effectRef idx="0">
+            <a:schemeClr val="accent1"/>
+          </a:effectRef>
+          <a:fontRef idx="minor">
+            <a:schemeClr val="lt1"/>
+          </a:fontRef>
+        </p:style>
+        <p:txBody>
+          <a:bodyPr rtlCol="0" anchor="ctr"/>
+          <a:lstStyle/>
+          <a:p>
+            <a:pPr algn="ctr"/>
+            <a:endParaRPr lang="zh-CN" altLang="en-US"/>
+          </a:p>
+        </p:txBody>
+      </p:sp>
+      <p:sp>
+        <p:nvSpPr>
+          <p:cNvPr id="30" name="下箭头 29"/>
+          <p:cNvSpPr/>
+          <p:nvPr/>
+        </p:nvSpPr>
+        <p:spPr>
+          <a:xfrm>
+            <a:off x="3134410" y="6149969"/>
+            <a:ext cx="288032" cy="216024"/>
+          </a:xfrm>
+          <a:prstGeom prst="downArrow">
+            <a:avLst/>
+          </a:prstGeom>
+          <a:solidFill>
+            <a:schemeClr val="bg1">
+              <a:lumMod val="95000"/>
+            </a:schemeClr>
+          </a:solidFill>
+          <a:ln w="6350">
+            <a:solidFill>
+              <a:schemeClr val="bg1">
+                <a:lumMod val="65000"/>
+              </a:schemeClr>
+            </a:solidFill>
+          </a:ln>
+        </p:spPr>
+        <p:style>
+          <a:lnRef idx="2">
+            <a:schemeClr val="accent1">
+              <a:shade val="50000"/>
+            </a:schemeClr>
+          </a:lnRef>
+          <a:fillRef idx="1">
+            <a:schemeClr val="accent1"/>
+          </a:fillRef>
+          <a:effectRef idx="0">
+            <a:schemeClr val="accent1"/>
+          </a:effectRef>
+          <a:fontRef idx="minor">
+            <a:schemeClr val="lt1"/>
+          </a:fontRef>
+        </p:style>
+        <p:txBody>
+          <a:bodyPr rtlCol="0" anchor="ctr"/>
+          <a:lstStyle/>
+          <a:p>
+            <a:pPr algn="ctr"/>
+            <a:endParaRPr lang="zh-CN" altLang="en-US"/>
+          </a:p>
+        </p:txBody>
+      </p:sp>
+      <p:sp>
+        <p:nvSpPr>
+          <p:cNvPr id="31" name="下箭头 30"/>
+          <p:cNvSpPr/>
+          <p:nvPr/>
+        </p:nvSpPr>
+        <p:spPr>
+          <a:xfrm>
+            <a:off x="3134410" y="6995203"/>
+            <a:ext cx="288032" cy="216024"/>
+          </a:xfrm>
+          <a:prstGeom prst="downArrow">
+            <a:avLst/>
+          </a:prstGeom>
+          <a:solidFill>
+            <a:schemeClr val="bg1">
+              <a:lumMod val="95000"/>
+            </a:schemeClr>
+          </a:solidFill>
+          <a:ln w="6350">
+            <a:solidFill>
+              <a:schemeClr val="bg1">
+                <a:lumMod val="65000"/>
+              </a:schemeClr>
+            </a:solidFill>
+          </a:ln>
+        </p:spPr>
+        <p:style>
+          <a:lnRef idx="2">
+            <a:schemeClr val="accent1">
+              <a:shade val="50000"/>
+            </a:schemeClr>
+          </a:lnRef>
+          <a:fillRef idx="1">
+            <a:schemeClr val="accent1"/>
+          </a:fillRef>
+          <a:effectRef idx="0">
+            <a:schemeClr val="accent1"/>
+          </a:effectRef>
+          <a:fontRef idx="minor">
+            <a:schemeClr val="lt1"/>
+          </a:fontRef>
+        </p:style>
+        <p:txBody>
+          <a:bodyPr rtlCol="0" anchor="ctr"/>
+          <a:lstStyle/>
+          <a:p>
+            <a:pPr algn="ctr"/>
+            <a:endParaRPr lang="zh-CN" altLang="en-US"/>
+          </a:p>
+        </p:txBody>
+      </p:sp>
+      <p:cxnSp>
+        <p:nvCxnSpPr>
+          <p:cNvPr id="33" name="肘形连接符 32"/>
+          <p:cNvCxnSpPr>
+            <a:stCxn id="23" idx="3"/>
+            <a:endCxn id="14" idx="3"/>
+          </p:cNvCxnSpPr>
+          <p:nvPr/>
+        </p:nvCxnSpPr>
+        <p:spPr>
+          <a:xfrm flipV="1">
+            <a:off x="4315166" y="4167627"/>
+            <a:ext cx="355471" cy="3372257"/>
+          </a:xfrm>
+          <a:prstGeom prst="bentConnector3">
+            <a:avLst>
+              <a:gd name="adj1" fmla="val 568072"/>
+            </a:avLst>
+          </a:prstGeom>
+          <a:ln w="38100">
+            <a:solidFill>
+              <a:schemeClr val="bg1">
+                <a:lumMod val="65000"/>
+              </a:schemeClr>
+            </a:solidFill>
+            <a:tailEnd type="triangle"/>
+          </a:ln>
+        </p:spPr>
+        <p:style>
+          <a:lnRef idx="1">
+            <a:schemeClr val="accent1"/>
+          </a:lnRef>
+          <a:fillRef idx="0">
+            <a:schemeClr val="accent1"/>
+          </a:fillRef>
+          <a:effectRef idx="0">
+            <a:schemeClr val="accent1"/>
+          </a:effectRef>
+          <a:fontRef idx="minor">
+            <a:schemeClr val="tx1"/>
+          </a:fontRef>
+        </p:style>
+      </p:cxnSp>
+      <p:sp>
+        <p:nvSpPr>
+          <p:cNvPr id="35" name="文本框 34"/>
+          <p:cNvSpPr txBox="1"/>
+          <p:nvPr/>
+        </p:nvSpPr>
+        <p:spPr>
+          <a:xfrm>
+            <a:off x="6303875" y="5337707"/>
+            <a:ext cx="1020724" cy="338554"/>
+          </a:xfrm>
+          <a:prstGeom prst="rect">
+            <a:avLst/>
+          </a:prstGeom>
+          <a:noFill/>
+        </p:spPr>
+        <p:txBody>
+          <a:bodyPr wrap="square" rtlCol="0">
+            <a:spAutoFit/>
+          </a:bodyPr>
+          <a:lstStyle/>
+          <a:p>
+            <a:r>
+              <a:rPr lang="en-US" altLang="zh-CN" sz="1600" b="1" dirty="0"/>
+              <a:t>optimizer</a:t>
+            </a:r>
+            <a:endParaRPr lang="zh-CN" altLang="en-US" sz="1600" b="1" dirty="0"/>
+          </a:p>
+        </p:txBody>
+      </p:sp>
+      <p:sp>
+        <p:nvSpPr>
+          <p:cNvPr id="36" name="文本框 35"/>
+          <p:cNvSpPr txBox="1"/>
+          <p:nvPr/>
+        </p:nvSpPr>
+        <p:spPr>
+          <a:xfrm>
+            <a:off x="5876688" y="3502131"/>
+            <a:ext cx="1685973" cy="338554"/>
+          </a:xfrm>
+          <a:prstGeom prst="rect">
+            <a:avLst/>
+          </a:prstGeom>
+          <a:noFill/>
+        </p:spPr>
+        <p:txBody>
+          <a:bodyPr wrap="square" rtlCol="0">
+            <a:spAutoFit/>
+          </a:bodyPr>
+          <a:lstStyle/>
+          <a:p>
+            <a:r>
+              <a:rPr lang="en-US" altLang="zh-CN" sz="1600" b="1" dirty="0" smtClean="0">
+                <a:solidFill>
+                  <a:schemeClr val="accent6">
+                    <a:lumMod val="75000"/>
+                  </a:schemeClr>
+                </a:solidFill>
+              </a:rPr>
+              <a:t>Training Epochs</a:t>
+            </a:r>
+            <a:endParaRPr lang="zh-CN" altLang="en-US" sz="1600" b="1" dirty="0">
+              <a:solidFill>
+                <a:schemeClr val="accent6">
+                  <a:lumMod val="75000"/>
+                </a:schemeClr>
+              </a:solidFill>
+            </a:endParaRPr>
+          </a:p>
+        </p:txBody>
+      </p:sp>
+      <p:sp>
+        <p:nvSpPr>
+          <p:cNvPr id="37" name="矩形 36"/>
+          <p:cNvSpPr/>
+          <p:nvPr/>
+        </p:nvSpPr>
+        <p:spPr>
+          <a:xfrm>
+            <a:off x="2123728" y="3854370"/>
+            <a:ext cx="5260920" cy="4074288"/>
+          </a:xfrm>
+          <a:prstGeom prst="rect">
+            <a:avLst/>
+          </a:prstGeom>
+          <a:noFill/>
+          <a:ln w="12700">
+            <a:solidFill>
+              <a:schemeClr val="accent6">
+                <a:lumMod val="75000"/>
+              </a:schemeClr>
+            </a:solidFill>
+            <a:prstDash val="dash"/>
+          </a:ln>
+        </p:spPr>
+        <p:style>
+          <a:lnRef idx="2">
+            <a:schemeClr val="accent1">
+              <a:shade val="50000"/>
+            </a:schemeClr>
+          </a:lnRef>
+          <a:fillRef idx="1">
+            <a:schemeClr val="accent1"/>
+          </a:fillRef>
+          <a:effectRef idx="0">
+            <a:schemeClr val="accent1"/>
+          </a:effectRef>
+          <a:fontRef idx="minor">
+            <a:schemeClr val="lt1"/>
+          </a:fontRef>
+        </p:style>
+        <p:txBody>
+          <a:bodyPr rtlCol="0" anchor="ctr"/>
+          <a:lstStyle/>
+          <a:p>
+            <a:pPr algn="ctr"/>
+            <a:endParaRPr lang="zh-CN" altLang="en-US"/>
+          </a:p>
+        </p:txBody>
+      </p:sp>
+      <p:sp>
+        <p:nvSpPr>
+          <p:cNvPr id="39" name="右大括号 38"/>
+          <p:cNvSpPr/>
+          <p:nvPr/>
+        </p:nvSpPr>
+        <p:spPr>
+          <a:xfrm>
+            <a:off x="4503932" y="632816"/>
+            <a:ext cx="166706" cy="2709460"/>
+          </a:xfrm>
+          <a:prstGeom prst="rightBrace">
+            <a:avLst>
+              <a:gd name="adj1" fmla="val 60407"/>
+              <a:gd name="adj2" fmla="val 50000"/>
+            </a:avLst>
+          </a:prstGeom>
+          <a:ln>
+            <a:solidFill>
+              <a:schemeClr val="accent5">
+                <a:lumMod val="75000"/>
+              </a:schemeClr>
+            </a:solidFill>
+          </a:ln>
+        </p:spPr>
+        <p:style>
+          <a:lnRef idx="1">
+            <a:schemeClr val="accent1"/>
+          </a:lnRef>
+          <a:fillRef idx="0">
+            <a:schemeClr val="accent1"/>
+          </a:fillRef>
+          <a:effectRef idx="0">
+            <a:schemeClr val="accent1"/>
+          </a:effectRef>
+          <a:fontRef idx="minor">
+            <a:schemeClr val="tx1"/>
+          </a:fontRef>
+        </p:style>
+        <p:txBody>
+          <a:bodyPr rtlCol="0" anchor="ctr"/>
+          <a:lstStyle/>
+          <a:p>
+            <a:pPr algn="ctr"/>
+            <a:endParaRPr lang="zh-CN" altLang="en-US"/>
+          </a:p>
+        </p:txBody>
+      </p:sp>
+      <p:sp>
+        <p:nvSpPr>
+          <p:cNvPr id="40" name="文本框 39"/>
+          <p:cNvSpPr txBox="1"/>
+          <p:nvPr/>
+        </p:nvSpPr>
+        <p:spPr>
+          <a:xfrm>
+            <a:off x="4769665" y="1818269"/>
+            <a:ext cx="2682655" cy="338554"/>
+          </a:xfrm>
+          <a:prstGeom prst="rect">
+            <a:avLst/>
+          </a:prstGeom>
+          <a:noFill/>
+        </p:spPr>
+        <p:txBody>
+          <a:bodyPr wrap="square" rtlCol="0">
+            <a:spAutoFit/>
+          </a:bodyPr>
+          <a:lstStyle/>
+          <a:p>
+            <a:r>
+              <a:rPr lang="en-US" altLang="zh-CN" sz="1600" b="1" dirty="0" smtClean="0">
+                <a:solidFill>
+                  <a:schemeClr val="accent5">
+                    <a:lumMod val="75000"/>
+                  </a:schemeClr>
+                </a:solidFill>
+              </a:rPr>
+              <a:t>Data Reprocessing</a:t>
+            </a:r>
+            <a:endParaRPr lang="zh-CN" altLang="en-US" sz="1600" b="1" dirty="0">
+              <a:solidFill>
+                <a:schemeClr val="accent5">
+                  <a:lumMod val="75000"/>
+                </a:schemeClr>
+              </a:solidFill>
+            </a:endParaRPr>
+          </a:p>
+        </p:txBody>
+      </p:sp>
+      <p:sp>
+        <p:nvSpPr>
+          <p:cNvPr id="41" name="下箭头 40"/>
+          <p:cNvSpPr/>
+          <p:nvPr/>
+        </p:nvSpPr>
+        <p:spPr>
+          <a:xfrm>
+            <a:off x="3134410" y="8003943"/>
+            <a:ext cx="288032" cy="216024"/>
+          </a:xfrm>
+          <a:prstGeom prst="downArrow">
+            <a:avLst/>
+          </a:prstGeom>
+          <a:solidFill>
+            <a:schemeClr val="bg1">
+              <a:lumMod val="95000"/>
+            </a:schemeClr>
+          </a:solidFill>
+          <a:ln w="6350">
+            <a:solidFill>
+              <a:schemeClr val="bg1">
+                <a:lumMod val="65000"/>
+              </a:schemeClr>
+            </a:solidFill>
+          </a:ln>
+        </p:spPr>
+        <p:style>
+          <a:lnRef idx="2">
+            <a:schemeClr val="accent1">
+              <a:shade val="50000"/>
+            </a:schemeClr>
+          </a:lnRef>
+          <a:fillRef idx="1">
+            <a:schemeClr val="accent1"/>
+          </a:fillRef>
+          <a:effectRef idx="0">
+            <a:schemeClr val="accent1"/>
+          </a:effectRef>
+          <a:fontRef idx="minor">
+            <a:schemeClr val="lt1"/>
+          </a:fontRef>
+        </p:style>
+        <p:txBody>
+          <a:bodyPr rtlCol="0" anchor="ctr"/>
+          <a:lstStyle/>
+          <a:p>
+            <a:pPr algn="ctr"/>
+            <a:endParaRPr lang="zh-CN" altLang="en-US"/>
+          </a:p>
+        </p:txBody>
+      </p:sp>
+      <p:sp>
+        <p:nvSpPr>
+          <p:cNvPr id="42" name="圆角矩形 41"/>
+          <p:cNvSpPr/>
+          <p:nvPr/>
+        </p:nvSpPr>
+        <p:spPr>
+          <a:xfrm>
+            <a:off x="2423784" y="8250536"/>
             <a:ext cx="1856629" cy="504056"/>
           </a:xfrm>
           <a:prstGeom prst="roundRect">
@@ -14802,14 +15998,14 @@
       </p:sp>
       <p:sp>
         <p:nvSpPr>
-          <p:cNvPr id="11" name="文本框 10"/>
+          <p:cNvPr id="43" name="文本框 42"/>
           <p:cNvSpPr txBox="1"/>
           <p:nvPr/>
         </p:nvSpPr>
         <p:spPr>
           <a:xfrm>
-            <a:off x="2490518" y="4110194"/>
-            <a:ext cx="1796133" cy="584775"/>
+            <a:off x="2363435" y="8213004"/>
+            <a:ext cx="1849865" cy="584775"/>
           </a:xfrm>
           <a:prstGeom prst="rect">
             <a:avLst/>
@@ -14822,19 +16018,17 @@
           </a:bodyPr>
           <a:lstStyle/>
           <a:p>
+            <a:pPr algn="ctr"/>
             <a:r>
               <a:rPr lang="en-US" altLang="zh-CN" sz="1600" dirty="0" smtClean="0"/>
-              <a:t>Logistic Regression</a:t>
-            </a:r>
-          </a:p>
-          <a:p>
-            <a:r>
-              <a:rPr lang="en-US" altLang="zh-CN" sz="1600" dirty="0" err="1"/>
-              <a:t>tf.matmul</a:t>
-            </a:r>
-            <a:r>
-              <a:rPr lang="en-US" altLang="zh-CN" sz="1600" dirty="0"/>
-              <a:t>(x, W) + b</a:t>
+              <a:t>Accuracy of Training</a:t>
+            </a:r>
+          </a:p>
+          <a:p>
+            <a:pPr algn="ctr"/>
+            <a:r>
+              <a:rPr lang="en-US" altLang="zh-CN" sz="1600" dirty="0" smtClean="0"/>
+              <a:t>&amp; Test Data</a:t>
             </a:r>
             <a:endParaRPr lang="zh-CN" altLang="en-US" sz="1600" dirty="0"/>
           </a:p>
@@ -14842,118 +16036,14 @@
       </p:sp>
       <p:sp>
         <p:nvSpPr>
-          <p:cNvPr id="12" name="圆角矩形 11"/>
-          <p:cNvSpPr/>
-          <p:nvPr/>
-        </p:nvSpPr>
-        <p:spPr>
-          <a:xfrm>
-            <a:off x="2411760" y="5042179"/>
-            <a:ext cx="1856629" cy="504056"/>
-          </a:xfrm>
-          <a:prstGeom prst="roundRect">
-            <a:avLst>
-              <a:gd name="adj" fmla="val 12088"/>
-            </a:avLst>
-          </a:prstGeom>
-        </p:spPr>
-        <p:style>
-          <a:lnRef idx="1">
-            <a:schemeClr val="accent5"/>
-          </a:lnRef>
-          <a:fillRef idx="2">
-            <a:schemeClr val="accent5"/>
-          </a:fillRef>
-          <a:effectRef idx="1">
-            <a:schemeClr val="accent5"/>
-          </a:effectRef>
-          <a:fontRef idx="minor">
-            <a:schemeClr val="dk1"/>
-          </a:fontRef>
-        </p:style>
-        <p:txBody>
-          <a:bodyPr rtlCol="0" anchor="ctr"/>
-          <a:lstStyle/>
-          <a:p>
-            <a:pPr algn="ctr"/>
-            <a:endParaRPr lang="zh-CN" altLang="en-US" sz="1600">
-              <a:solidFill>
-                <a:schemeClr val="tx1"/>
-              </a:solidFill>
-            </a:endParaRPr>
-          </a:p>
-        </p:txBody>
-      </p:sp>
-      <p:sp>
-        <p:nvSpPr>
-          <p:cNvPr id="13" name="文本框 12"/>
+          <p:cNvPr id="45" name="文本框 44"/>
           <p:cNvSpPr txBox="1"/>
           <p:nvPr/>
         </p:nvSpPr>
         <p:spPr>
           <a:xfrm>
-            <a:off x="2839203" y="5124930"/>
-            <a:ext cx="878446" cy="338554"/>
-          </a:xfrm>
-          <a:prstGeom prst="rect">
-            <a:avLst/>
-          </a:prstGeom>
-          <a:noFill/>
-        </p:spPr>
-        <p:txBody>
-          <a:bodyPr wrap="none" rtlCol="0">
-            <a:spAutoFit/>
-          </a:bodyPr>
-          <a:lstStyle/>
-          <a:p>
-            <a:r>
-              <a:rPr lang="en-US" altLang="zh-CN" sz="1600" dirty="0" err="1" smtClean="0"/>
-              <a:t>SoftMax</a:t>
-            </a:r>
-            <a:endParaRPr lang="zh-CN" altLang="en-US" sz="1600" dirty="0"/>
-          </a:p>
-        </p:txBody>
-      </p:sp>
-      <p:sp>
-        <p:nvSpPr>
-          <p:cNvPr id="14" name="文本框 13"/>
-          <p:cNvSpPr txBox="1"/>
-          <p:nvPr/>
-        </p:nvSpPr>
-        <p:spPr>
-          <a:xfrm>
-            <a:off x="4378569" y="4222758"/>
-            <a:ext cx="284052" cy="338554"/>
-          </a:xfrm>
-          <a:prstGeom prst="rect">
-            <a:avLst/>
-          </a:prstGeom>
-          <a:noFill/>
-        </p:spPr>
-        <p:txBody>
-          <a:bodyPr wrap="none" rtlCol="0">
-            <a:spAutoFit/>
-          </a:bodyPr>
-          <a:lstStyle/>
-          <a:p>
-            <a:r>
-              <a:rPr lang="en-US" altLang="zh-CN" sz="1600" dirty="0" smtClean="0"/>
-              <a:t>Y</a:t>
-            </a:r>
-            <a:endParaRPr lang="zh-CN" altLang="en-US" sz="1600" dirty="0"/>
-          </a:p>
-        </p:txBody>
-      </p:sp>
-      <p:sp>
-        <p:nvSpPr>
-          <p:cNvPr id="15" name="文本框 14"/>
-          <p:cNvSpPr txBox="1"/>
-          <p:nvPr/>
-        </p:nvSpPr>
-        <p:spPr>
-          <a:xfrm>
-            <a:off x="4378568" y="5110781"/>
-            <a:ext cx="1849615" cy="338554"/>
+            <a:off x="4378568" y="8327628"/>
+            <a:ext cx="1685973" cy="338554"/>
           </a:xfrm>
           <a:prstGeom prst="rect">
             <a:avLst/>
@@ -14967,114 +16057,22 @@
           <a:lstStyle/>
           <a:p>
             <a:r>
-              <a:rPr lang="en-US" altLang="zh-CN" sz="1600" dirty="0" smtClean="0"/>
-              <a:t>probability of Y</a:t>
-            </a:r>
-            <a:endParaRPr lang="zh-CN" altLang="en-US" sz="1600" dirty="0"/>
-          </a:p>
-        </p:txBody>
-      </p:sp>
-      <p:sp>
-        <p:nvSpPr>
-          <p:cNvPr id="17" name="圆角矩形 16"/>
-          <p:cNvSpPr/>
-          <p:nvPr/>
-        </p:nvSpPr>
-        <p:spPr>
-          <a:xfrm>
-            <a:off x="2423784" y="5994246"/>
-            <a:ext cx="1856629" cy="504056"/>
-          </a:xfrm>
-          <a:prstGeom prst="roundRect">
-            <a:avLst>
-              <a:gd name="adj" fmla="val 12088"/>
-            </a:avLst>
-          </a:prstGeom>
-        </p:spPr>
-        <p:style>
-          <a:lnRef idx="1">
-            <a:schemeClr val="accent5"/>
-          </a:lnRef>
-          <a:fillRef idx="2">
-            <a:schemeClr val="accent5"/>
-          </a:fillRef>
-          <a:effectRef idx="1">
-            <a:schemeClr val="accent5"/>
-          </a:effectRef>
-          <a:fontRef idx="minor">
-            <a:schemeClr val="dk1"/>
-          </a:fontRef>
-        </p:style>
-        <p:txBody>
-          <a:bodyPr rtlCol="0" anchor="ctr"/>
-          <a:lstStyle/>
-          <a:p>
-            <a:pPr algn="ctr"/>
-            <a:endParaRPr lang="zh-CN" altLang="en-US" sz="1600">
+              <a:rPr lang="en-US" altLang="zh-CN" sz="1600" b="1" dirty="0" smtClean="0">
+                <a:solidFill>
+                  <a:schemeClr val="accent5">
+                    <a:lumMod val="75000"/>
+                  </a:schemeClr>
+                </a:solidFill>
+              </a:rPr>
+              <a:t>Evaluate</a:t>
+            </a:r>
+            <a:endParaRPr lang="zh-CN" altLang="en-US" sz="1600" b="1" dirty="0">
               <a:solidFill>
-                <a:schemeClr val="tx1"/>
+                <a:schemeClr val="accent5">
+                  <a:lumMod val="75000"/>
+                </a:schemeClr>
               </a:solidFill>
             </a:endParaRPr>
-          </a:p>
-        </p:txBody>
-      </p:sp>
-      <p:sp>
-        <p:nvSpPr>
-          <p:cNvPr id="18" name="文本框 17"/>
-          <p:cNvSpPr txBox="1"/>
-          <p:nvPr/>
-        </p:nvSpPr>
-        <p:spPr>
-          <a:xfrm>
-            <a:off x="2670939" y="6076997"/>
-            <a:ext cx="1332416" cy="338554"/>
-          </a:xfrm>
-          <a:prstGeom prst="rect">
-            <a:avLst/>
-          </a:prstGeom>
-          <a:noFill/>
-        </p:spPr>
-        <p:txBody>
-          <a:bodyPr wrap="none" rtlCol="0">
-            <a:spAutoFit/>
-          </a:bodyPr>
-          <a:lstStyle/>
-          <a:p>
-            <a:r>
-              <a:rPr lang="en-US" altLang="zh-CN" sz="1600" dirty="0" smtClean="0"/>
-              <a:t>Cross Entropy</a:t>
-            </a:r>
-            <a:endParaRPr lang="zh-CN" altLang="en-US" sz="1600" dirty="0"/>
-          </a:p>
-        </p:txBody>
-      </p:sp>
-      <p:sp>
-        <p:nvSpPr>
-          <p:cNvPr id="19" name="文本框 18"/>
-          <p:cNvSpPr txBox="1"/>
-          <p:nvPr/>
-        </p:nvSpPr>
-        <p:spPr>
-          <a:xfrm>
-            <a:off x="4398288" y="6083349"/>
-            <a:ext cx="789934" cy="338554"/>
-          </a:xfrm>
-          <a:prstGeom prst="rect">
-            <a:avLst/>
-          </a:prstGeom>
-          <a:noFill/>
-        </p:spPr>
-        <p:txBody>
-          <a:bodyPr wrap="square" rtlCol="0">
-            <a:spAutoFit/>
-          </a:bodyPr>
-          <a:lstStyle/>
-          <a:p>
-            <a:r>
-              <a:rPr lang="en-US" altLang="zh-CN" sz="1600" dirty="0" smtClean="0"/>
-              <a:t>Loss</a:t>
-            </a:r>
-            <a:endParaRPr lang="zh-CN" altLang="en-US" sz="1600" dirty="0"/>
           </a:p>
         </p:txBody>
       </p:sp>

--- a/ppt/tf.reduce_mean.pptx
+++ b/ppt/tf.reduce_mean.pptx
@@ -327,7 +327,7 @@
           <a:p>
             <a:fld id="{154D151C-2C25-4305-8E14-82B64FCC1564}" type="datetimeFigureOut">
               <a:rPr lang="zh-CN" altLang="en-US" smtClean="0"/>
-              <a:t>2020-08-04</a:t>
+              <a:t>2020-08-06</a:t>
             </a:fld>
             <a:endParaRPr lang="zh-CN" altLang="en-US"/>
           </a:p>
@@ -497,7 +497,7 @@
           <a:p>
             <a:fld id="{154D151C-2C25-4305-8E14-82B64FCC1564}" type="datetimeFigureOut">
               <a:rPr lang="zh-CN" altLang="en-US" smtClean="0"/>
-              <a:t>2020-08-04</a:t>
+              <a:t>2020-08-06</a:t>
             </a:fld>
             <a:endParaRPr lang="zh-CN" altLang="en-US"/>
           </a:p>
@@ -677,7 +677,7 @@
           <a:p>
             <a:fld id="{154D151C-2C25-4305-8E14-82B64FCC1564}" type="datetimeFigureOut">
               <a:rPr lang="zh-CN" altLang="en-US" smtClean="0"/>
-              <a:t>2020-08-04</a:t>
+              <a:t>2020-08-06</a:t>
             </a:fld>
             <a:endParaRPr lang="zh-CN" altLang="en-US"/>
           </a:p>
@@ -1107,7 +1107,7 @@
           <a:p>
             <a:fld id="{154D151C-2C25-4305-8E14-82B64FCC1564}" type="datetimeFigureOut">
               <a:rPr lang="zh-CN" altLang="en-US" smtClean="0"/>
-              <a:t>2020-08-04</a:t>
+              <a:t>2020-08-06</a:t>
             </a:fld>
             <a:endParaRPr lang="zh-CN" altLang="en-US"/>
           </a:p>
@@ -1353,7 +1353,7 @@
           <a:p>
             <a:fld id="{154D151C-2C25-4305-8E14-82B64FCC1564}" type="datetimeFigureOut">
               <a:rPr lang="zh-CN" altLang="en-US" smtClean="0"/>
-              <a:t>2020-08-04</a:t>
+              <a:t>2020-08-06</a:t>
             </a:fld>
             <a:endParaRPr lang="zh-CN" altLang="en-US"/>
           </a:p>
@@ -1641,7 +1641,7 @@
           <a:p>
             <a:fld id="{154D151C-2C25-4305-8E14-82B64FCC1564}" type="datetimeFigureOut">
               <a:rPr lang="zh-CN" altLang="en-US" smtClean="0"/>
-              <a:t>2020-08-04</a:t>
+              <a:t>2020-08-06</a:t>
             </a:fld>
             <a:endParaRPr lang="zh-CN" altLang="en-US"/>
           </a:p>
@@ -2063,7 +2063,7 @@
           <a:p>
             <a:fld id="{154D151C-2C25-4305-8E14-82B64FCC1564}" type="datetimeFigureOut">
               <a:rPr lang="zh-CN" altLang="en-US" smtClean="0"/>
-              <a:t>2020-08-04</a:t>
+              <a:t>2020-08-06</a:t>
             </a:fld>
             <a:endParaRPr lang="zh-CN" altLang="en-US"/>
           </a:p>
@@ -2181,7 +2181,7 @@
           <a:p>
             <a:fld id="{154D151C-2C25-4305-8E14-82B64FCC1564}" type="datetimeFigureOut">
               <a:rPr lang="zh-CN" altLang="en-US" smtClean="0"/>
-              <a:t>2020-08-04</a:t>
+              <a:t>2020-08-06</a:t>
             </a:fld>
             <a:endParaRPr lang="zh-CN" altLang="en-US"/>
           </a:p>
@@ -2276,7 +2276,7 @@
           <a:p>
             <a:fld id="{154D151C-2C25-4305-8E14-82B64FCC1564}" type="datetimeFigureOut">
               <a:rPr lang="zh-CN" altLang="en-US" smtClean="0"/>
-              <a:t>2020-08-04</a:t>
+              <a:t>2020-08-06</a:t>
             </a:fld>
             <a:endParaRPr lang="zh-CN" altLang="en-US"/>
           </a:p>
@@ -2553,7 +2553,7 @@
           <a:p>
             <a:fld id="{154D151C-2C25-4305-8E14-82B64FCC1564}" type="datetimeFigureOut">
               <a:rPr lang="zh-CN" altLang="en-US" smtClean="0"/>
-              <a:t>2020-08-04</a:t>
+              <a:t>2020-08-06</a:t>
             </a:fld>
             <a:endParaRPr lang="zh-CN" altLang="en-US"/>
           </a:p>
@@ -2806,7 +2806,7 @@
           <a:p>
             <a:fld id="{154D151C-2C25-4305-8E14-82B64FCC1564}" type="datetimeFigureOut">
               <a:rPr lang="zh-CN" altLang="en-US" smtClean="0"/>
-              <a:t>2020-08-04</a:t>
+              <a:t>2020-08-06</a:t>
             </a:fld>
             <a:endParaRPr lang="zh-CN" altLang="en-US"/>
           </a:p>
@@ -3019,7 +3019,7 @@
           <a:p>
             <a:fld id="{154D151C-2C25-4305-8E14-82B64FCC1564}" type="datetimeFigureOut">
               <a:rPr lang="zh-CN" altLang="en-US" smtClean="0"/>
-              <a:t>2020-08-04</a:t>
+              <a:t>2020-08-06</a:t>
             </a:fld>
             <a:endParaRPr lang="zh-CN" altLang="en-US"/>
           </a:p>
@@ -15818,7 +15818,7 @@
         </p:nvSpPr>
         <p:spPr>
           <a:xfrm>
-            <a:off x="4503932" y="632816"/>
+            <a:off x="6016100" y="632816"/>
             <a:ext cx="166706" cy="2709460"/>
           </a:xfrm>
           <a:prstGeom prst="rightBrace">
@@ -15866,7 +15866,7 @@
         </p:nvSpPr>
         <p:spPr>
           <a:xfrm>
-            <a:off x="4769665" y="1818269"/>
+            <a:off x="6281833" y="1818269"/>
             <a:ext cx="2682655" cy="338554"/>
           </a:xfrm>
           <a:prstGeom prst="rect">
@@ -16073,6 +16073,74 @@
                 </a:schemeClr>
               </a:solidFill>
             </a:endParaRPr>
+          </a:p>
+        </p:txBody>
+      </p:sp>
+      <p:sp>
+        <p:nvSpPr>
+          <p:cNvPr id="44" name="文本框 43"/>
+          <p:cNvSpPr txBox="1"/>
+          <p:nvPr/>
+        </p:nvSpPr>
+        <p:spPr>
+          <a:xfrm>
+            <a:off x="4378568" y="1407725"/>
+            <a:ext cx="1849615" cy="338554"/>
+          </a:xfrm>
+          <a:prstGeom prst="rect">
+            <a:avLst/>
+          </a:prstGeom>
+          <a:noFill/>
+        </p:spPr>
+        <p:txBody>
+          <a:bodyPr wrap="square" rtlCol="0">
+            <a:spAutoFit/>
+          </a:bodyPr>
+          <a:lstStyle/>
+          <a:p>
+            <a:r>
+              <a:rPr lang="en-US" altLang="zh-CN" sz="1600" b="1" dirty="0" smtClean="0"/>
+              <a:t>(?,28,28)</a:t>
+            </a:r>
+            <a:r>
+              <a:rPr lang="zh-CN" altLang="en-US" sz="1600" b="1" dirty="0" smtClean="0"/>
+              <a:t>→</a:t>
+            </a:r>
+            <a:r>
+              <a:rPr lang="en-US" altLang="zh-CN" sz="1600" b="1" dirty="0" smtClean="0"/>
+              <a:t>(?,784)</a:t>
+            </a:r>
+            <a:endParaRPr lang="zh-CN" altLang="en-US" sz="1600" b="1" dirty="0"/>
+          </a:p>
+        </p:txBody>
+      </p:sp>
+      <p:sp>
+        <p:nvSpPr>
+          <p:cNvPr id="47" name="文本框 46"/>
+          <p:cNvSpPr txBox="1"/>
+          <p:nvPr/>
+        </p:nvSpPr>
+        <p:spPr>
+          <a:xfrm>
+            <a:off x="4378568" y="2259936"/>
+            <a:ext cx="1849615" cy="338554"/>
+          </a:xfrm>
+          <a:prstGeom prst="rect">
+            <a:avLst/>
+          </a:prstGeom>
+          <a:noFill/>
+        </p:spPr>
+        <p:txBody>
+          <a:bodyPr wrap="square" rtlCol="0">
+            <a:spAutoFit/>
+          </a:bodyPr>
+          <a:lstStyle/>
+          <a:p>
+            <a:r>
+              <a:rPr lang="en-US" altLang="zh-CN" sz="1600" b="1" dirty="0" smtClean="0"/>
+              <a:t>Gray Scale 1/255</a:t>
+            </a:r>
+            <a:endParaRPr lang="zh-CN" altLang="en-US" sz="1600" b="1" dirty="0"/>
           </a:p>
         </p:txBody>
       </p:sp>

--- a/ppt/tf.reduce_mean.pptx
+++ b/ppt/tf.reduce_mean.pptx
@@ -29,6 +29,19 @@
     <p:sldId id="275" r:id="rId23"/>
     <p:sldId id="267" r:id="rId24"/>
     <p:sldId id="268" r:id="rId25"/>
+    <p:sldId id="280" r:id="rId26"/>
+    <p:sldId id="281" r:id="rId27"/>
+    <p:sldId id="282" r:id="rId28"/>
+    <p:sldId id="283" r:id="rId29"/>
+    <p:sldId id="284" r:id="rId30"/>
+    <p:sldId id="285" r:id="rId31"/>
+    <p:sldId id="286" r:id="rId32"/>
+    <p:sldId id="287" r:id="rId33"/>
+    <p:sldId id="288" r:id="rId34"/>
+    <p:sldId id="289" r:id="rId35"/>
+    <p:sldId id="290" r:id="rId36"/>
+    <p:sldId id="291" r:id="rId37"/>
+    <p:sldId id="292" r:id="rId38"/>
   </p:sldIdLst>
   <p:sldSz cx="9144000" cy="6858000" type="screen4x3"/>
   <p:notesSz cx="6858000" cy="9144000"/>
@@ -327,7 +340,7 @@
           <a:p>
             <a:fld id="{154D151C-2C25-4305-8E14-82B64FCC1564}" type="datetimeFigureOut">
               <a:rPr lang="zh-CN" altLang="en-US" smtClean="0"/>
-              <a:t>2020-08-06</a:t>
+              <a:t>2020-08-22</a:t>
             </a:fld>
             <a:endParaRPr lang="zh-CN" altLang="en-US"/>
           </a:p>
@@ -497,7 +510,7 @@
           <a:p>
             <a:fld id="{154D151C-2C25-4305-8E14-82B64FCC1564}" type="datetimeFigureOut">
               <a:rPr lang="zh-CN" altLang="en-US" smtClean="0"/>
-              <a:t>2020-08-06</a:t>
+              <a:t>2020-08-22</a:t>
             </a:fld>
             <a:endParaRPr lang="zh-CN" altLang="en-US"/>
           </a:p>
@@ -677,7 +690,7 @@
           <a:p>
             <a:fld id="{154D151C-2C25-4305-8E14-82B64FCC1564}" type="datetimeFigureOut">
               <a:rPr lang="zh-CN" altLang="en-US" smtClean="0"/>
-              <a:t>2020-08-06</a:t>
+              <a:t>2020-08-22</a:t>
             </a:fld>
             <a:endParaRPr lang="zh-CN" altLang="en-US"/>
           </a:p>
@@ -1107,7 +1120,7 @@
           <a:p>
             <a:fld id="{154D151C-2C25-4305-8E14-82B64FCC1564}" type="datetimeFigureOut">
               <a:rPr lang="zh-CN" altLang="en-US" smtClean="0"/>
-              <a:t>2020-08-06</a:t>
+              <a:t>2020-08-22</a:t>
             </a:fld>
             <a:endParaRPr lang="zh-CN" altLang="en-US"/>
           </a:p>
@@ -1353,7 +1366,7 @@
           <a:p>
             <a:fld id="{154D151C-2C25-4305-8E14-82B64FCC1564}" type="datetimeFigureOut">
               <a:rPr lang="zh-CN" altLang="en-US" smtClean="0"/>
-              <a:t>2020-08-06</a:t>
+              <a:t>2020-08-22</a:t>
             </a:fld>
             <a:endParaRPr lang="zh-CN" altLang="en-US"/>
           </a:p>
@@ -1641,7 +1654,7 @@
           <a:p>
             <a:fld id="{154D151C-2C25-4305-8E14-82B64FCC1564}" type="datetimeFigureOut">
               <a:rPr lang="zh-CN" altLang="en-US" smtClean="0"/>
-              <a:t>2020-08-06</a:t>
+              <a:t>2020-08-22</a:t>
             </a:fld>
             <a:endParaRPr lang="zh-CN" altLang="en-US"/>
           </a:p>
@@ -2063,7 +2076,7 @@
           <a:p>
             <a:fld id="{154D151C-2C25-4305-8E14-82B64FCC1564}" type="datetimeFigureOut">
               <a:rPr lang="zh-CN" altLang="en-US" smtClean="0"/>
-              <a:t>2020-08-06</a:t>
+              <a:t>2020-08-22</a:t>
             </a:fld>
             <a:endParaRPr lang="zh-CN" altLang="en-US"/>
           </a:p>
@@ -2181,7 +2194,7 @@
           <a:p>
             <a:fld id="{154D151C-2C25-4305-8E14-82B64FCC1564}" type="datetimeFigureOut">
               <a:rPr lang="zh-CN" altLang="en-US" smtClean="0"/>
-              <a:t>2020-08-06</a:t>
+              <a:t>2020-08-22</a:t>
             </a:fld>
             <a:endParaRPr lang="zh-CN" altLang="en-US"/>
           </a:p>
@@ -2276,7 +2289,7 @@
           <a:p>
             <a:fld id="{154D151C-2C25-4305-8E14-82B64FCC1564}" type="datetimeFigureOut">
               <a:rPr lang="zh-CN" altLang="en-US" smtClean="0"/>
-              <a:t>2020-08-06</a:t>
+              <a:t>2020-08-22</a:t>
             </a:fld>
             <a:endParaRPr lang="zh-CN" altLang="en-US"/>
           </a:p>
@@ -2553,7 +2566,7 @@
           <a:p>
             <a:fld id="{154D151C-2C25-4305-8E14-82B64FCC1564}" type="datetimeFigureOut">
               <a:rPr lang="zh-CN" altLang="en-US" smtClean="0"/>
-              <a:t>2020-08-06</a:t>
+              <a:t>2020-08-22</a:t>
             </a:fld>
             <a:endParaRPr lang="zh-CN" altLang="en-US"/>
           </a:p>
@@ -2806,7 +2819,7 @@
           <a:p>
             <a:fld id="{154D151C-2C25-4305-8E14-82B64FCC1564}" type="datetimeFigureOut">
               <a:rPr lang="zh-CN" altLang="en-US" smtClean="0"/>
-              <a:t>2020-08-06</a:t>
+              <a:t>2020-08-22</a:t>
             </a:fld>
             <a:endParaRPr lang="zh-CN" altLang="en-US"/>
           </a:p>
@@ -3019,7 +3032,7 @@
           <a:p>
             <a:fld id="{154D151C-2C25-4305-8E14-82B64FCC1564}" type="datetimeFigureOut">
               <a:rPr lang="zh-CN" altLang="en-US" smtClean="0"/>
-              <a:t>2020-08-06</a:t>
+              <a:t>2020-08-22</a:t>
             </a:fld>
             <a:endParaRPr lang="zh-CN" altLang="en-US"/>
           </a:p>
@@ -19845,6 +19858,13 @@
   <p:clrMapOvr>
     <a:masterClrMapping/>
   </p:clrMapOvr>
+  <p:timing>
+    <p:tnLst>
+      <p:par>
+        <p:cTn id="1" dur="indefinite" restart="never" nodeType="tmRoot"/>
+      </p:par>
+    </p:tnLst>
+  </p:timing>
 </p:sld>
 </file>
 
@@ -19865,6 +19885,628 @@
           <a:chExt cx="0" cy="0"/>
         </a:xfrm>
       </p:grpSpPr>
+      <p:pic>
+        <p:nvPicPr>
+          <p:cNvPr id="2" name="图片 1"/>
+          <p:cNvPicPr>
+            <a:picLocks noChangeAspect="1"/>
+          </p:cNvPicPr>
+          <p:nvPr/>
+        </p:nvPicPr>
+        <p:blipFill rotWithShape="1">
+          <a:blip r:embed="rId2"/>
+          <a:srcRect l="363" r="1"/>
+          <a:stretch/>
+        </p:blipFill>
+        <p:spPr>
+          <a:xfrm>
+            <a:off x="746675" y="866394"/>
+            <a:ext cx="1650168" cy="834414"/>
+          </a:xfrm>
+          <a:prstGeom prst="rect">
+            <a:avLst/>
+          </a:prstGeom>
+        </p:spPr>
+      </p:pic>
+      <p:cxnSp>
+        <p:nvCxnSpPr>
+          <p:cNvPr id="4" name="直接箭头连接符 3"/>
+          <p:cNvCxnSpPr/>
+          <p:nvPr/>
+        </p:nvCxnSpPr>
+        <p:spPr>
+          <a:xfrm flipV="1">
+            <a:off x="1244715" y="938402"/>
+            <a:ext cx="1440160" cy="504056"/>
+          </a:xfrm>
+          <a:prstGeom prst="straightConnector1">
+            <a:avLst/>
+          </a:prstGeom>
+          <a:ln>
+            <a:solidFill>
+              <a:srgbClr val="0000FF"/>
+            </a:solidFill>
+            <a:tailEnd type="triangle"/>
+          </a:ln>
+        </p:spPr>
+        <p:style>
+          <a:lnRef idx="1">
+            <a:schemeClr val="accent1"/>
+          </a:lnRef>
+          <a:fillRef idx="0">
+            <a:schemeClr val="accent1"/>
+          </a:fillRef>
+          <a:effectRef idx="0">
+            <a:schemeClr val="accent1"/>
+          </a:effectRef>
+          <a:fontRef idx="minor">
+            <a:schemeClr val="tx1"/>
+          </a:fontRef>
+        </p:style>
+      </p:cxnSp>
+      <p:sp>
+        <p:nvSpPr>
+          <p:cNvPr id="5" name="矩形 4"/>
+          <p:cNvSpPr/>
+          <p:nvPr/>
+        </p:nvSpPr>
+        <p:spPr>
+          <a:xfrm>
+            <a:off x="812667" y="1226434"/>
+            <a:ext cx="408792" cy="406560"/>
+          </a:xfrm>
+          <a:prstGeom prst="rect">
+            <a:avLst/>
+          </a:prstGeom>
+          <a:noFill/>
+          <a:ln>
+            <a:solidFill>
+              <a:srgbClr val="0000FF"/>
+            </a:solidFill>
+            <a:prstDash val="sysDash"/>
+          </a:ln>
+        </p:spPr>
+        <p:style>
+          <a:lnRef idx="2">
+            <a:schemeClr val="accent1">
+              <a:shade val="50000"/>
+            </a:schemeClr>
+          </a:lnRef>
+          <a:fillRef idx="1">
+            <a:schemeClr val="accent1"/>
+          </a:fillRef>
+          <a:effectRef idx="0">
+            <a:schemeClr val="accent1"/>
+          </a:effectRef>
+          <a:fontRef idx="minor">
+            <a:schemeClr val="lt1"/>
+          </a:fontRef>
+        </p:style>
+        <p:txBody>
+          <a:bodyPr rtlCol="0" anchor="ctr"/>
+          <a:lstStyle/>
+          <a:p>
+            <a:pPr algn="ctr"/>
+            <a:endParaRPr lang="zh-CN" altLang="en-US"/>
+          </a:p>
+        </p:txBody>
+      </p:sp>
+      <p:pic>
+        <p:nvPicPr>
+          <p:cNvPr id="6" name="图片 5"/>
+          <p:cNvPicPr>
+            <a:picLocks noChangeAspect="1"/>
+          </p:cNvPicPr>
+          <p:nvPr/>
+        </p:nvPicPr>
+        <p:blipFill>
+          <a:blip r:embed="rId3"/>
+          <a:stretch>
+            <a:fillRect/>
+          </a:stretch>
+        </p:blipFill>
+        <p:spPr>
+          <a:xfrm>
+            <a:off x="2708131" y="85228"/>
+            <a:ext cx="1600339" cy="1615580"/>
+          </a:xfrm>
+          <a:prstGeom prst="rect">
+            <a:avLst/>
+          </a:prstGeom>
+        </p:spPr>
+      </p:pic>
+      <p:pic>
+        <p:nvPicPr>
+          <p:cNvPr id="7" name="图片 6"/>
+          <p:cNvPicPr>
+            <a:picLocks noChangeAspect="1"/>
+          </p:cNvPicPr>
+          <p:nvPr/>
+        </p:nvPicPr>
+        <p:blipFill>
+          <a:blip r:embed="rId4">
+            <a:biLevel thresh="25000"/>
+          </a:blip>
+          <a:stretch>
+            <a:fillRect/>
+          </a:stretch>
+        </p:blipFill>
+        <p:spPr>
+          <a:xfrm>
+            <a:off x="827584" y="2060848"/>
+            <a:ext cx="6477775" cy="1944216"/>
+          </a:xfrm>
+          <a:prstGeom prst="rect">
+            <a:avLst/>
+          </a:prstGeom>
+        </p:spPr>
+      </p:pic>
+      <p:sp>
+        <p:nvSpPr>
+          <p:cNvPr id="8" name="矩形 7"/>
+          <p:cNvSpPr/>
+          <p:nvPr/>
+        </p:nvSpPr>
+        <p:spPr>
+          <a:xfrm>
+            <a:off x="2474977" y="2204864"/>
+            <a:ext cx="257762" cy="1787733"/>
+          </a:xfrm>
+          <a:prstGeom prst="rect">
+            <a:avLst/>
+          </a:prstGeom>
+          <a:solidFill>
+            <a:schemeClr val="bg1"/>
+          </a:solidFill>
+          <a:ln>
+            <a:noFill/>
+          </a:ln>
+        </p:spPr>
+        <p:style>
+          <a:lnRef idx="2">
+            <a:schemeClr val="accent1">
+              <a:shade val="50000"/>
+            </a:schemeClr>
+          </a:lnRef>
+          <a:fillRef idx="1">
+            <a:schemeClr val="accent1"/>
+          </a:fillRef>
+          <a:effectRef idx="0">
+            <a:schemeClr val="accent1"/>
+          </a:effectRef>
+          <a:fontRef idx="minor">
+            <a:schemeClr val="lt1"/>
+          </a:fontRef>
+        </p:style>
+        <p:txBody>
+          <a:bodyPr rtlCol="0" anchor="ctr"/>
+          <a:lstStyle/>
+          <a:p>
+            <a:pPr algn="ctr"/>
+            <a:endParaRPr lang="zh-CN" altLang="en-US"/>
+          </a:p>
+        </p:txBody>
+      </p:sp>
+      <p:sp>
+        <p:nvSpPr>
+          <p:cNvPr id="9" name="矩形 8"/>
+          <p:cNvSpPr/>
+          <p:nvPr/>
+        </p:nvSpPr>
+        <p:spPr>
+          <a:xfrm>
+            <a:off x="3934500" y="2204864"/>
+            <a:ext cx="257762" cy="1787733"/>
+          </a:xfrm>
+          <a:prstGeom prst="rect">
+            <a:avLst/>
+          </a:prstGeom>
+          <a:solidFill>
+            <a:schemeClr val="bg1"/>
+          </a:solidFill>
+          <a:ln>
+            <a:noFill/>
+          </a:ln>
+        </p:spPr>
+        <p:style>
+          <a:lnRef idx="2">
+            <a:schemeClr val="accent1">
+              <a:shade val="50000"/>
+            </a:schemeClr>
+          </a:lnRef>
+          <a:fillRef idx="1">
+            <a:schemeClr val="accent1"/>
+          </a:fillRef>
+          <a:effectRef idx="0">
+            <a:schemeClr val="accent1"/>
+          </a:effectRef>
+          <a:fontRef idx="minor">
+            <a:schemeClr val="lt1"/>
+          </a:fontRef>
+        </p:style>
+        <p:txBody>
+          <a:bodyPr rtlCol="0" anchor="ctr"/>
+          <a:lstStyle/>
+          <a:p>
+            <a:pPr algn="ctr"/>
+            <a:endParaRPr lang="zh-CN" altLang="en-US"/>
+          </a:p>
+        </p:txBody>
+      </p:sp>
+      <p:sp>
+        <p:nvSpPr>
+          <p:cNvPr id="10" name="矩形 9"/>
+          <p:cNvSpPr/>
+          <p:nvPr/>
+        </p:nvSpPr>
+        <p:spPr>
+          <a:xfrm>
+            <a:off x="5420400" y="2204864"/>
+            <a:ext cx="257762" cy="1787733"/>
+          </a:xfrm>
+          <a:prstGeom prst="rect">
+            <a:avLst/>
+          </a:prstGeom>
+          <a:solidFill>
+            <a:schemeClr val="bg1"/>
+          </a:solidFill>
+          <a:ln>
+            <a:noFill/>
+          </a:ln>
+        </p:spPr>
+        <p:style>
+          <a:lnRef idx="2">
+            <a:schemeClr val="accent1">
+              <a:shade val="50000"/>
+            </a:schemeClr>
+          </a:lnRef>
+          <a:fillRef idx="1">
+            <a:schemeClr val="accent1"/>
+          </a:fillRef>
+          <a:effectRef idx="0">
+            <a:schemeClr val="accent1"/>
+          </a:effectRef>
+          <a:fontRef idx="minor">
+            <a:schemeClr val="lt1"/>
+          </a:fontRef>
+        </p:style>
+        <p:txBody>
+          <a:bodyPr rtlCol="0" anchor="ctr"/>
+          <a:lstStyle/>
+          <a:p>
+            <a:pPr algn="ctr"/>
+            <a:endParaRPr lang="zh-CN" altLang="en-US"/>
+          </a:p>
+        </p:txBody>
+      </p:sp>
+      <p:pic>
+        <p:nvPicPr>
+          <p:cNvPr id="11" name="图片 10"/>
+          <p:cNvPicPr>
+            <a:picLocks noChangeAspect="1"/>
+          </p:cNvPicPr>
+          <p:nvPr/>
+        </p:nvPicPr>
+        <p:blipFill>
+          <a:blip r:embed="rId5">
+            <a:biLevel thresh="25000"/>
+          </a:blip>
+          <a:stretch>
+            <a:fillRect/>
+          </a:stretch>
+        </p:blipFill>
+        <p:spPr>
+          <a:xfrm>
+            <a:off x="1048004" y="3773750"/>
+            <a:ext cx="5281118" cy="1699407"/>
+          </a:xfrm>
+          <a:prstGeom prst="rect">
+            <a:avLst/>
+          </a:prstGeom>
+        </p:spPr>
+      </p:pic>
+      <p:sp>
+        <p:nvSpPr>
+          <p:cNvPr id="12" name="矩形 11"/>
+          <p:cNvSpPr/>
+          <p:nvPr/>
+        </p:nvSpPr>
+        <p:spPr>
+          <a:xfrm>
+            <a:off x="2429226" y="3573016"/>
+            <a:ext cx="207350" cy="1787733"/>
+          </a:xfrm>
+          <a:prstGeom prst="rect">
+            <a:avLst/>
+          </a:prstGeom>
+          <a:solidFill>
+            <a:schemeClr val="bg1"/>
+          </a:solidFill>
+          <a:ln>
+            <a:noFill/>
+          </a:ln>
+        </p:spPr>
+        <p:style>
+          <a:lnRef idx="2">
+            <a:schemeClr val="accent1">
+              <a:shade val="50000"/>
+            </a:schemeClr>
+          </a:lnRef>
+          <a:fillRef idx="1">
+            <a:schemeClr val="accent1"/>
+          </a:fillRef>
+          <a:effectRef idx="0">
+            <a:schemeClr val="accent1"/>
+          </a:effectRef>
+          <a:fontRef idx="minor">
+            <a:schemeClr val="lt1"/>
+          </a:fontRef>
+        </p:style>
+        <p:txBody>
+          <a:bodyPr rtlCol="0" anchor="ctr"/>
+          <a:lstStyle/>
+          <a:p>
+            <a:pPr algn="ctr"/>
+            <a:endParaRPr lang="zh-CN" altLang="en-US"/>
+          </a:p>
+        </p:txBody>
+      </p:sp>
+      <p:sp>
+        <p:nvSpPr>
+          <p:cNvPr id="13" name="矩形 12"/>
+          <p:cNvSpPr/>
+          <p:nvPr/>
+        </p:nvSpPr>
+        <p:spPr>
+          <a:xfrm>
+            <a:off x="3712903" y="3573016"/>
+            <a:ext cx="207350" cy="1787733"/>
+          </a:xfrm>
+          <a:prstGeom prst="rect">
+            <a:avLst/>
+          </a:prstGeom>
+          <a:solidFill>
+            <a:schemeClr val="bg1"/>
+          </a:solidFill>
+          <a:ln>
+            <a:noFill/>
+          </a:ln>
+        </p:spPr>
+        <p:style>
+          <a:lnRef idx="2">
+            <a:schemeClr val="accent1">
+              <a:shade val="50000"/>
+            </a:schemeClr>
+          </a:lnRef>
+          <a:fillRef idx="1">
+            <a:schemeClr val="accent1"/>
+          </a:fillRef>
+          <a:effectRef idx="0">
+            <a:schemeClr val="accent1"/>
+          </a:effectRef>
+          <a:fontRef idx="minor">
+            <a:schemeClr val="lt1"/>
+          </a:fontRef>
+        </p:style>
+        <p:txBody>
+          <a:bodyPr rtlCol="0" anchor="ctr"/>
+          <a:lstStyle/>
+          <a:p>
+            <a:pPr algn="ctr"/>
+            <a:endParaRPr lang="zh-CN" altLang="en-US"/>
+          </a:p>
+        </p:txBody>
+      </p:sp>
+      <p:sp>
+        <p:nvSpPr>
+          <p:cNvPr id="14" name="矩形 13"/>
+          <p:cNvSpPr/>
+          <p:nvPr/>
+        </p:nvSpPr>
+        <p:spPr>
+          <a:xfrm>
+            <a:off x="4978995" y="3573016"/>
+            <a:ext cx="207350" cy="1787733"/>
+          </a:xfrm>
+          <a:prstGeom prst="rect">
+            <a:avLst/>
+          </a:prstGeom>
+          <a:solidFill>
+            <a:schemeClr val="bg1"/>
+          </a:solidFill>
+          <a:ln>
+            <a:noFill/>
+          </a:ln>
+        </p:spPr>
+        <p:style>
+          <a:lnRef idx="2">
+            <a:schemeClr val="accent1">
+              <a:shade val="50000"/>
+            </a:schemeClr>
+          </a:lnRef>
+          <a:fillRef idx="1">
+            <a:schemeClr val="accent1"/>
+          </a:fillRef>
+          <a:effectRef idx="0">
+            <a:schemeClr val="accent1"/>
+          </a:effectRef>
+          <a:fontRef idx="minor">
+            <a:schemeClr val="lt1"/>
+          </a:fontRef>
+        </p:style>
+        <p:txBody>
+          <a:bodyPr rtlCol="0" anchor="ctr"/>
+          <a:lstStyle/>
+          <a:p>
+            <a:pPr algn="ctr"/>
+            <a:endParaRPr lang="zh-CN" altLang="en-US"/>
+          </a:p>
+        </p:txBody>
+      </p:sp>
+      <p:pic>
+        <p:nvPicPr>
+          <p:cNvPr id="15" name="图片 14"/>
+          <p:cNvPicPr>
+            <a:picLocks noChangeAspect="1"/>
+          </p:cNvPicPr>
+          <p:nvPr/>
+        </p:nvPicPr>
+        <p:blipFill>
+          <a:blip r:embed="rId6">
+            <a:biLevel thresh="25000"/>
+          </a:blip>
+          <a:stretch>
+            <a:fillRect/>
+          </a:stretch>
+        </p:blipFill>
+        <p:spPr>
+          <a:xfrm>
+            <a:off x="1221459" y="5280199"/>
+            <a:ext cx="5052498" cy="1592718"/>
+          </a:xfrm>
+          <a:prstGeom prst="rect">
+            <a:avLst/>
+          </a:prstGeom>
+        </p:spPr>
+      </p:pic>
+      <p:sp>
+        <p:nvSpPr>
+          <p:cNvPr id="16" name="矩形 15"/>
+          <p:cNvSpPr/>
+          <p:nvPr/>
+        </p:nvSpPr>
+        <p:spPr>
+          <a:xfrm>
+            <a:off x="2438018" y="5366646"/>
+            <a:ext cx="207350" cy="1787733"/>
+          </a:xfrm>
+          <a:prstGeom prst="rect">
+            <a:avLst/>
+          </a:prstGeom>
+          <a:solidFill>
+            <a:schemeClr val="bg1"/>
+          </a:solidFill>
+          <a:ln>
+            <a:noFill/>
+          </a:ln>
+        </p:spPr>
+        <p:style>
+          <a:lnRef idx="2">
+            <a:schemeClr val="accent1">
+              <a:shade val="50000"/>
+            </a:schemeClr>
+          </a:lnRef>
+          <a:fillRef idx="1">
+            <a:schemeClr val="accent1"/>
+          </a:fillRef>
+          <a:effectRef idx="0">
+            <a:schemeClr val="accent1"/>
+          </a:effectRef>
+          <a:fontRef idx="minor">
+            <a:schemeClr val="lt1"/>
+          </a:fontRef>
+        </p:style>
+        <p:txBody>
+          <a:bodyPr rtlCol="0" anchor="ctr"/>
+          <a:lstStyle/>
+          <a:p>
+            <a:pPr algn="ctr"/>
+            <a:endParaRPr lang="zh-CN" altLang="en-US"/>
+          </a:p>
+        </p:txBody>
+      </p:sp>
+      <p:sp>
+        <p:nvSpPr>
+          <p:cNvPr id="17" name="矩形 16"/>
+          <p:cNvSpPr/>
+          <p:nvPr/>
+        </p:nvSpPr>
+        <p:spPr>
+          <a:xfrm>
+            <a:off x="3721695" y="5366646"/>
+            <a:ext cx="207350" cy="1787733"/>
+          </a:xfrm>
+          <a:prstGeom prst="rect">
+            <a:avLst/>
+          </a:prstGeom>
+          <a:solidFill>
+            <a:schemeClr val="bg1"/>
+          </a:solidFill>
+          <a:ln>
+            <a:noFill/>
+          </a:ln>
+        </p:spPr>
+        <p:style>
+          <a:lnRef idx="2">
+            <a:schemeClr val="accent1">
+              <a:shade val="50000"/>
+            </a:schemeClr>
+          </a:lnRef>
+          <a:fillRef idx="1">
+            <a:schemeClr val="accent1"/>
+          </a:fillRef>
+          <a:effectRef idx="0">
+            <a:schemeClr val="accent1"/>
+          </a:effectRef>
+          <a:fontRef idx="minor">
+            <a:schemeClr val="lt1"/>
+          </a:fontRef>
+        </p:style>
+        <p:txBody>
+          <a:bodyPr rtlCol="0" anchor="ctr"/>
+          <a:lstStyle/>
+          <a:p>
+            <a:pPr algn="ctr"/>
+            <a:endParaRPr lang="zh-CN" altLang="en-US"/>
+          </a:p>
+        </p:txBody>
+      </p:sp>
+      <p:sp>
+        <p:nvSpPr>
+          <p:cNvPr id="18" name="矩形 17"/>
+          <p:cNvSpPr/>
+          <p:nvPr/>
+        </p:nvSpPr>
+        <p:spPr>
+          <a:xfrm>
+            <a:off x="4987787" y="5366646"/>
+            <a:ext cx="207350" cy="1787733"/>
+          </a:xfrm>
+          <a:prstGeom prst="rect">
+            <a:avLst/>
+          </a:prstGeom>
+          <a:solidFill>
+            <a:schemeClr val="bg1"/>
+          </a:solidFill>
+          <a:ln>
+            <a:noFill/>
+          </a:ln>
+        </p:spPr>
+        <p:style>
+          <a:lnRef idx="2">
+            <a:schemeClr val="accent1">
+              <a:shade val="50000"/>
+            </a:schemeClr>
+          </a:lnRef>
+          <a:fillRef idx="1">
+            <a:schemeClr val="accent1"/>
+          </a:fillRef>
+          <a:effectRef idx="0">
+            <a:schemeClr val="accent1"/>
+          </a:effectRef>
+          <a:fontRef idx="minor">
+            <a:schemeClr val="lt1"/>
+          </a:fontRef>
+        </p:style>
+        <p:txBody>
+          <a:bodyPr rtlCol="0" anchor="ctr"/>
+          <a:lstStyle/>
+          <a:p>
+            <a:pPr algn="ctr"/>
+            <a:endParaRPr lang="zh-CN" altLang="en-US"/>
+          </a:p>
+        </p:txBody>
+      </p:sp>
     </p:spTree>
     <p:extLst>
       <p:ext uri="{BB962C8B-B14F-4D97-AF65-F5344CB8AC3E}">
@@ -19875,6 +20517,13 @@
   <p:clrMapOvr>
     <a:masterClrMapping/>
   </p:clrMapOvr>
+  <p:timing>
+    <p:tnLst>
+      <p:par>
+        <p:cTn id="1" dur="indefinite" restart="never" nodeType="tmRoot"/>
+      </p:par>
+    </p:tnLst>
+  </p:timing>
 </p:sld>
 </file>
 
@@ -19895,6 +20544,4759 @@
           <a:chExt cx="0" cy="0"/>
         </a:xfrm>
       </p:grpSpPr>
+      <p:graphicFrame>
+        <p:nvGraphicFramePr>
+          <p:cNvPr id="2" name="表格 1"/>
+          <p:cNvGraphicFramePr>
+            <a:graphicFrameLocks noGrp="1"/>
+          </p:cNvGraphicFramePr>
+          <p:nvPr>
+            <p:extLst>
+              <p:ext uri="{D42A27DB-BD31-4B8C-83A1-F6EECF244321}">
+                <p14:modId xmlns:p14="http://schemas.microsoft.com/office/powerpoint/2010/main" val="971399480"/>
+              </p:ext>
+            </p:extLst>
+          </p:nvPr>
+        </p:nvGraphicFramePr>
+        <p:xfrm>
+          <a:off x="395536" y="476672"/>
+          <a:ext cx="1152128" cy="5562600"/>
+        </p:xfrm>
+        <a:graphic>
+          <a:graphicData uri="http://schemas.openxmlformats.org/drawingml/2006/table">
+            <a:tbl>
+              <a:tblPr firstRow="1" bandRow="1">
+                <a:tableStyleId>{5C22544A-7EE6-4342-B048-85BDC9FD1C3A}</a:tableStyleId>
+              </a:tblPr>
+              <a:tblGrid>
+                <a:gridCol w="1152128">
+                  <a:extLst>
+                    <a:ext uri="{9D8B030D-6E8A-4147-A177-3AD203B41FA5}">
+                      <a16:colId xmlns:a16="http://schemas.microsoft.com/office/drawing/2014/main" val="1214683687"/>
+                    </a:ext>
+                  </a:extLst>
+                </a:gridCol>
+              </a:tblGrid>
+              <a:tr h="370840">
+                <a:tc>
+                  <a:txBody>
+                    <a:bodyPr/>
+                    <a:lstStyle/>
+                    <a:p>
+                      <a:pPr algn="ctr"/>
+                      <a:r>
+                        <a:rPr lang="en-US" altLang="zh-CN" sz="1800" b="0" smtClean="0">
+                          <a:solidFill>
+                            <a:schemeClr val="bg1"/>
+                          </a:solidFill>
+                        </a:rPr>
+                        <a:t>item1</a:t>
+                      </a:r>
+                      <a:endParaRPr lang="zh-CN" altLang="en-US" sz="1800" b="0" dirty="0">
+                        <a:solidFill>
+                          <a:schemeClr val="bg1"/>
+                        </a:solidFill>
+                      </a:endParaRPr>
+                    </a:p>
+                  </a:txBody>
+                  <a:tcPr anchor="ctr">
+                    <a:lnL w="12700" cap="flat" cmpd="sng" algn="ctr">
+                      <a:solidFill>
+                        <a:schemeClr val="bg1"/>
+                      </a:solidFill>
+                      <a:prstDash val="solid"/>
+                      <a:round/>
+                      <a:headEnd type="none" w="med" len="med"/>
+                      <a:tailEnd type="none" w="med" len="med"/>
+                    </a:lnL>
+                    <a:lnR w="12700" cap="flat" cmpd="sng" algn="ctr">
+                      <a:solidFill>
+                        <a:schemeClr val="bg1"/>
+                      </a:solidFill>
+                      <a:prstDash val="solid"/>
+                      <a:round/>
+                      <a:headEnd type="none" w="med" len="med"/>
+                      <a:tailEnd type="none" w="med" len="med"/>
+                    </a:lnR>
+                    <a:lnT w="12700" cap="flat" cmpd="sng" algn="ctr">
+                      <a:solidFill>
+                        <a:schemeClr val="bg1"/>
+                      </a:solidFill>
+                      <a:prstDash val="solid"/>
+                      <a:round/>
+                      <a:headEnd type="none" w="med" len="med"/>
+                      <a:tailEnd type="none" w="med" len="med"/>
+                    </a:lnT>
+                    <a:lnB w="12700" cap="flat" cmpd="sng" algn="ctr">
+                      <a:solidFill>
+                        <a:schemeClr val="bg1"/>
+                      </a:solidFill>
+                      <a:prstDash val="solid"/>
+                      <a:round/>
+                      <a:headEnd type="none" w="med" len="med"/>
+                      <a:tailEnd type="none" w="med" len="med"/>
+                    </a:lnB>
+                    <a:solidFill>
+                      <a:schemeClr val="accent5">
+                        <a:lumMod val="75000"/>
+                      </a:schemeClr>
+                    </a:solidFill>
+                  </a:tcPr>
+                </a:tc>
+                <a:extLst>
+                  <a:ext uri="{0D108BD9-81ED-4DB2-BD59-A6C34878D82A}">
+                    <a16:rowId xmlns:a16="http://schemas.microsoft.com/office/drawing/2014/main" val="1006269131"/>
+                  </a:ext>
+                </a:extLst>
+              </a:tr>
+              <a:tr h="370840">
+                <a:tc>
+                  <a:txBody>
+                    <a:bodyPr/>
+                    <a:lstStyle/>
+                    <a:p>
+                      <a:pPr marL="0" marR="0" lvl="0" indent="0" algn="ctr" defTabSz="914400" rtl="0" eaLnBrk="1" fontAlgn="auto" latinLnBrk="0" hangingPunct="1">
+                        <a:lnSpc>
+                          <a:spcPct val="100000"/>
+                        </a:lnSpc>
+                        <a:spcBef>
+                          <a:spcPts val="0"/>
+                        </a:spcBef>
+                        <a:spcAft>
+                          <a:spcPts val="0"/>
+                        </a:spcAft>
+                        <a:buClrTx/>
+                        <a:buSzTx/>
+                        <a:buFontTx/>
+                        <a:buNone/>
+                        <a:tabLst/>
+                        <a:defRPr/>
+                      </a:pPr>
+                      <a:r>
+                        <a:rPr kumimoji="0" lang="en-US" altLang="zh-CN" sz="1800" b="0" i="0" u="none" strike="noStrike" kern="1200" cap="none" spc="0" normalizeH="0" baseline="0" noProof="0" smtClean="0">
+                          <a:ln>
+                            <a:noFill/>
+                          </a:ln>
+                          <a:solidFill>
+                            <a:prstClr val="white"/>
+                          </a:solidFill>
+                          <a:effectLst/>
+                          <a:uLnTx/>
+                          <a:uFillTx/>
+                          <a:latin typeface="Calibri"/>
+                          <a:ea typeface="宋体" panose="02010600030101010101" pitchFamily="2" charset="-122"/>
+                          <a:cs typeface="+mn-cs"/>
+                        </a:rPr>
+                        <a:t>item2</a:t>
+                      </a:r>
+                      <a:endParaRPr kumimoji="0" lang="zh-CN" altLang="en-US" sz="1800" b="0" i="0" u="none" strike="noStrike" kern="1200" cap="none" spc="0" normalizeH="0" baseline="0" noProof="0" dirty="0">
+                        <a:ln>
+                          <a:noFill/>
+                        </a:ln>
+                        <a:solidFill>
+                          <a:prstClr val="white"/>
+                        </a:solidFill>
+                        <a:effectLst/>
+                        <a:uLnTx/>
+                        <a:uFillTx/>
+                        <a:latin typeface="Calibri"/>
+                        <a:ea typeface="宋体" panose="02010600030101010101" pitchFamily="2" charset="-122"/>
+                        <a:cs typeface="+mn-cs"/>
+                      </a:endParaRPr>
+                    </a:p>
+                  </a:txBody>
+                  <a:tcPr anchor="ctr">
+                    <a:lnL w="12700" cap="flat" cmpd="sng" algn="ctr">
+                      <a:solidFill>
+                        <a:schemeClr val="bg1"/>
+                      </a:solidFill>
+                      <a:prstDash val="solid"/>
+                      <a:round/>
+                      <a:headEnd type="none" w="med" len="med"/>
+                      <a:tailEnd type="none" w="med" len="med"/>
+                    </a:lnL>
+                    <a:lnR w="12700" cap="flat" cmpd="sng" algn="ctr">
+                      <a:solidFill>
+                        <a:schemeClr val="bg1"/>
+                      </a:solidFill>
+                      <a:prstDash val="solid"/>
+                      <a:round/>
+                      <a:headEnd type="none" w="med" len="med"/>
+                      <a:tailEnd type="none" w="med" len="med"/>
+                    </a:lnR>
+                    <a:lnT w="12700" cap="flat" cmpd="sng" algn="ctr">
+                      <a:solidFill>
+                        <a:schemeClr val="bg1"/>
+                      </a:solidFill>
+                      <a:prstDash val="solid"/>
+                      <a:round/>
+                      <a:headEnd type="none" w="med" len="med"/>
+                      <a:tailEnd type="none" w="med" len="med"/>
+                    </a:lnT>
+                    <a:lnB w="12700" cap="flat" cmpd="sng" algn="ctr">
+                      <a:solidFill>
+                        <a:schemeClr val="bg1"/>
+                      </a:solidFill>
+                      <a:prstDash val="solid"/>
+                      <a:round/>
+                      <a:headEnd type="none" w="med" len="med"/>
+                      <a:tailEnd type="none" w="med" len="med"/>
+                    </a:lnB>
+                    <a:solidFill>
+                      <a:schemeClr val="accent5">
+                        <a:lumMod val="75000"/>
+                      </a:schemeClr>
+                    </a:solidFill>
+                  </a:tcPr>
+                </a:tc>
+                <a:extLst>
+                  <a:ext uri="{0D108BD9-81ED-4DB2-BD59-A6C34878D82A}">
+                    <a16:rowId xmlns:a16="http://schemas.microsoft.com/office/drawing/2014/main" val="194545254"/>
+                  </a:ext>
+                </a:extLst>
+              </a:tr>
+              <a:tr h="370840">
+                <a:tc>
+                  <a:txBody>
+                    <a:bodyPr/>
+                    <a:lstStyle/>
+                    <a:p>
+                      <a:pPr marL="0" marR="0" lvl="0" indent="0" algn="ctr" defTabSz="914400" rtl="0" eaLnBrk="1" fontAlgn="auto" latinLnBrk="0" hangingPunct="1">
+                        <a:lnSpc>
+                          <a:spcPct val="100000"/>
+                        </a:lnSpc>
+                        <a:spcBef>
+                          <a:spcPts val="0"/>
+                        </a:spcBef>
+                        <a:spcAft>
+                          <a:spcPts val="0"/>
+                        </a:spcAft>
+                        <a:buClrTx/>
+                        <a:buSzTx/>
+                        <a:buFontTx/>
+                        <a:buNone/>
+                        <a:tabLst/>
+                        <a:defRPr/>
+                      </a:pPr>
+                      <a:r>
+                        <a:rPr kumimoji="0" lang="en-US" altLang="zh-CN" sz="1800" b="0" i="0" u="none" strike="noStrike" kern="1200" cap="none" spc="0" normalizeH="0" baseline="0" noProof="0" smtClean="0">
+                          <a:ln>
+                            <a:noFill/>
+                          </a:ln>
+                          <a:solidFill>
+                            <a:prstClr val="white"/>
+                          </a:solidFill>
+                          <a:effectLst/>
+                          <a:uLnTx/>
+                          <a:uFillTx/>
+                          <a:latin typeface="Calibri"/>
+                          <a:ea typeface="宋体" panose="02010600030101010101" pitchFamily="2" charset="-122"/>
+                          <a:cs typeface="+mn-cs"/>
+                        </a:rPr>
+                        <a:t>item3</a:t>
+                      </a:r>
+                      <a:endParaRPr kumimoji="0" lang="zh-CN" altLang="en-US" sz="1800" b="0" i="0" u="none" strike="noStrike" kern="1200" cap="none" spc="0" normalizeH="0" baseline="0" noProof="0" dirty="0">
+                        <a:ln>
+                          <a:noFill/>
+                        </a:ln>
+                        <a:solidFill>
+                          <a:prstClr val="white"/>
+                        </a:solidFill>
+                        <a:effectLst/>
+                        <a:uLnTx/>
+                        <a:uFillTx/>
+                        <a:latin typeface="Calibri"/>
+                        <a:ea typeface="宋体" panose="02010600030101010101" pitchFamily="2" charset="-122"/>
+                        <a:cs typeface="+mn-cs"/>
+                      </a:endParaRPr>
+                    </a:p>
+                  </a:txBody>
+                  <a:tcPr anchor="ctr">
+                    <a:lnL w="12700" cap="flat" cmpd="sng" algn="ctr">
+                      <a:solidFill>
+                        <a:schemeClr val="bg1"/>
+                      </a:solidFill>
+                      <a:prstDash val="solid"/>
+                      <a:round/>
+                      <a:headEnd type="none" w="med" len="med"/>
+                      <a:tailEnd type="none" w="med" len="med"/>
+                    </a:lnL>
+                    <a:lnR w="12700" cap="flat" cmpd="sng" algn="ctr">
+                      <a:solidFill>
+                        <a:schemeClr val="bg1"/>
+                      </a:solidFill>
+                      <a:prstDash val="solid"/>
+                      <a:round/>
+                      <a:headEnd type="none" w="med" len="med"/>
+                      <a:tailEnd type="none" w="med" len="med"/>
+                    </a:lnR>
+                    <a:lnT w="12700" cap="flat" cmpd="sng" algn="ctr">
+                      <a:solidFill>
+                        <a:schemeClr val="bg1"/>
+                      </a:solidFill>
+                      <a:prstDash val="solid"/>
+                      <a:round/>
+                      <a:headEnd type="none" w="med" len="med"/>
+                      <a:tailEnd type="none" w="med" len="med"/>
+                    </a:lnT>
+                    <a:lnB w="12700" cap="flat" cmpd="sng" algn="ctr">
+                      <a:solidFill>
+                        <a:schemeClr val="bg1"/>
+                      </a:solidFill>
+                      <a:prstDash val="solid"/>
+                      <a:round/>
+                      <a:headEnd type="none" w="med" len="med"/>
+                      <a:tailEnd type="none" w="med" len="med"/>
+                    </a:lnB>
+                    <a:solidFill>
+                      <a:schemeClr val="accent5">
+                        <a:lumMod val="75000"/>
+                      </a:schemeClr>
+                    </a:solidFill>
+                  </a:tcPr>
+                </a:tc>
+                <a:extLst>
+                  <a:ext uri="{0D108BD9-81ED-4DB2-BD59-A6C34878D82A}">
+                    <a16:rowId xmlns:a16="http://schemas.microsoft.com/office/drawing/2014/main" val="44223002"/>
+                  </a:ext>
+                </a:extLst>
+              </a:tr>
+              <a:tr h="370840">
+                <a:tc>
+                  <a:txBody>
+                    <a:bodyPr/>
+                    <a:lstStyle/>
+                    <a:p>
+                      <a:pPr marL="0" marR="0" lvl="0" indent="0" algn="ctr" defTabSz="914400" rtl="0" eaLnBrk="1" fontAlgn="auto" latinLnBrk="0" hangingPunct="1">
+                        <a:lnSpc>
+                          <a:spcPct val="100000"/>
+                        </a:lnSpc>
+                        <a:spcBef>
+                          <a:spcPts val="0"/>
+                        </a:spcBef>
+                        <a:spcAft>
+                          <a:spcPts val="0"/>
+                        </a:spcAft>
+                        <a:buClrTx/>
+                        <a:buSzTx/>
+                        <a:buFontTx/>
+                        <a:buNone/>
+                        <a:tabLst/>
+                        <a:defRPr/>
+                      </a:pPr>
+                      <a:r>
+                        <a:rPr kumimoji="0" lang="en-US" altLang="zh-CN" sz="1800" b="0" i="0" u="none" strike="noStrike" kern="1200" cap="none" spc="0" normalizeH="0" baseline="0" noProof="0" smtClean="0">
+                          <a:ln>
+                            <a:noFill/>
+                          </a:ln>
+                          <a:solidFill>
+                            <a:prstClr val="white"/>
+                          </a:solidFill>
+                          <a:effectLst/>
+                          <a:uLnTx/>
+                          <a:uFillTx/>
+                          <a:latin typeface="Calibri"/>
+                          <a:ea typeface="宋体" panose="02010600030101010101" pitchFamily="2" charset="-122"/>
+                          <a:cs typeface="+mn-cs"/>
+                        </a:rPr>
+                        <a:t>item4</a:t>
+                      </a:r>
+                      <a:endParaRPr kumimoji="0" lang="zh-CN" altLang="en-US" sz="1800" b="0" i="0" u="none" strike="noStrike" kern="1200" cap="none" spc="0" normalizeH="0" baseline="0" noProof="0" dirty="0">
+                        <a:ln>
+                          <a:noFill/>
+                        </a:ln>
+                        <a:solidFill>
+                          <a:prstClr val="white"/>
+                        </a:solidFill>
+                        <a:effectLst/>
+                        <a:uLnTx/>
+                        <a:uFillTx/>
+                        <a:latin typeface="Calibri"/>
+                        <a:ea typeface="宋体" panose="02010600030101010101" pitchFamily="2" charset="-122"/>
+                        <a:cs typeface="+mn-cs"/>
+                      </a:endParaRPr>
+                    </a:p>
+                  </a:txBody>
+                  <a:tcPr anchor="ctr">
+                    <a:lnL w="12700" cap="flat" cmpd="sng" algn="ctr">
+                      <a:solidFill>
+                        <a:schemeClr val="bg1"/>
+                      </a:solidFill>
+                      <a:prstDash val="solid"/>
+                      <a:round/>
+                      <a:headEnd type="none" w="med" len="med"/>
+                      <a:tailEnd type="none" w="med" len="med"/>
+                    </a:lnL>
+                    <a:lnR w="12700" cap="flat" cmpd="sng" algn="ctr">
+                      <a:solidFill>
+                        <a:schemeClr val="bg1"/>
+                      </a:solidFill>
+                      <a:prstDash val="solid"/>
+                      <a:round/>
+                      <a:headEnd type="none" w="med" len="med"/>
+                      <a:tailEnd type="none" w="med" len="med"/>
+                    </a:lnR>
+                    <a:lnT w="12700" cap="flat" cmpd="sng" algn="ctr">
+                      <a:solidFill>
+                        <a:schemeClr val="bg1"/>
+                      </a:solidFill>
+                      <a:prstDash val="solid"/>
+                      <a:round/>
+                      <a:headEnd type="none" w="med" len="med"/>
+                      <a:tailEnd type="none" w="med" len="med"/>
+                    </a:lnT>
+                    <a:lnB w="12700" cap="flat" cmpd="sng" algn="ctr">
+                      <a:solidFill>
+                        <a:schemeClr val="bg1"/>
+                      </a:solidFill>
+                      <a:prstDash val="solid"/>
+                      <a:round/>
+                      <a:headEnd type="none" w="med" len="med"/>
+                      <a:tailEnd type="none" w="med" len="med"/>
+                    </a:lnB>
+                    <a:solidFill>
+                      <a:schemeClr val="accent5">
+                        <a:lumMod val="75000"/>
+                      </a:schemeClr>
+                    </a:solidFill>
+                  </a:tcPr>
+                </a:tc>
+                <a:extLst>
+                  <a:ext uri="{0D108BD9-81ED-4DB2-BD59-A6C34878D82A}">
+                    <a16:rowId xmlns:a16="http://schemas.microsoft.com/office/drawing/2014/main" val="4268083801"/>
+                  </a:ext>
+                </a:extLst>
+              </a:tr>
+              <a:tr h="370840">
+                <a:tc>
+                  <a:txBody>
+                    <a:bodyPr/>
+                    <a:lstStyle/>
+                    <a:p>
+                      <a:pPr marL="0" marR="0" lvl="0" indent="0" algn="ctr" defTabSz="914400" rtl="0" eaLnBrk="1" fontAlgn="auto" latinLnBrk="0" hangingPunct="1">
+                        <a:lnSpc>
+                          <a:spcPct val="100000"/>
+                        </a:lnSpc>
+                        <a:spcBef>
+                          <a:spcPts val="0"/>
+                        </a:spcBef>
+                        <a:spcAft>
+                          <a:spcPts val="0"/>
+                        </a:spcAft>
+                        <a:buClrTx/>
+                        <a:buSzTx/>
+                        <a:buFontTx/>
+                        <a:buNone/>
+                        <a:tabLst/>
+                        <a:defRPr/>
+                      </a:pPr>
+                      <a:r>
+                        <a:rPr kumimoji="0" lang="en-US" altLang="zh-CN" sz="1800" b="0" i="0" u="none" strike="noStrike" kern="1200" cap="none" spc="0" normalizeH="0" baseline="0" noProof="0" smtClean="0">
+                          <a:ln>
+                            <a:noFill/>
+                          </a:ln>
+                          <a:solidFill>
+                            <a:prstClr val="white"/>
+                          </a:solidFill>
+                          <a:effectLst/>
+                          <a:uLnTx/>
+                          <a:uFillTx/>
+                          <a:latin typeface="Calibri"/>
+                          <a:ea typeface="宋体" panose="02010600030101010101" pitchFamily="2" charset="-122"/>
+                          <a:cs typeface="+mn-cs"/>
+                        </a:rPr>
+                        <a:t>item5</a:t>
+                      </a:r>
+                      <a:endParaRPr kumimoji="0" lang="zh-CN" altLang="en-US" sz="1800" b="0" i="0" u="none" strike="noStrike" kern="1200" cap="none" spc="0" normalizeH="0" baseline="0" noProof="0" dirty="0">
+                        <a:ln>
+                          <a:noFill/>
+                        </a:ln>
+                        <a:solidFill>
+                          <a:prstClr val="white"/>
+                        </a:solidFill>
+                        <a:effectLst/>
+                        <a:uLnTx/>
+                        <a:uFillTx/>
+                        <a:latin typeface="Calibri"/>
+                        <a:ea typeface="宋体" panose="02010600030101010101" pitchFamily="2" charset="-122"/>
+                        <a:cs typeface="+mn-cs"/>
+                      </a:endParaRPr>
+                    </a:p>
+                  </a:txBody>
+                  <a:tcPr anchor="ctr">
+                    <a:lnL w="12700" cap="flat" cmpd="sng" algn="ctr">
+                      <a:solidFill>
+                        <a:schemeClr val="bg1"/>
+                      </a:solidFill>
+                      <a:prstDash val="solid"/>
+                      <a:round/>
+                      <a:headEnd type="none" w="med" len="med"/>
+                      <a:tailEnd type="none" w="med" len="med"/>
+                    </a:lnL>
+                    <a:lnR w="12700" cap="flat" cmpd="sng" algn="ctr">
+                      <a:solidFill>
+                        <a:schemeClr val="bg1"/>
+                      </a:solidFill>
+                      <a:prstDash val="solid"/>
+                      <a:round/>
+                      <a:headEnd type="none" w="med" len="med"/>
+                      <a:tailEnd type="none" w="med" len="med"/>
+                    </a:lnR>
+                    <a:lnT w="12700" cap="flat" cmpd="sng" algn="ctr">
+                      <a:solidFill>
+                        <a:schemeClr val="bg1"/>
+                      </a:solidFill>
+                      <a:prstDash val="solid"/>
+                      <a:round/>
+                      <a:headEnd type="none" w="med" len="med"/>
+                      <a:tailEnd type="none" w="med" len="med"/>
+                    </a:lnT>
+                    <a:lnB w="12700" cap="flat" cmpd="sng" algn="ctr">
+                      <a:solidFill>
+                        <a:schemeClr val="bg1"/>
+                      </a:solidFill>
+                      <a:prstDash val="solid"/>
+                      <a:round/>
+                      <a:headEnd type="none" w="med" len="med"/>
+                      <a:tailEnd type="none" w="med" len="med"/>
+                    </a:lnB>
+                    <a:solidFill>
+                      <a:schemeClr val="accent5">
+                        <a:lumMod val="75000"/>
+                      </a:schemeClr>
+                    </a:solidFill>
+                  </a:tcPr>
+                </a:tc>
+                <a:extLst>
+                  <a:ext uri="{0D108BD9-81ED-4DB2-BD59-A6C34878D82A}">
+                    <a16:rowId xmlns:a16="http://schemas.microsoft.com/office/drawing/2014/main" val="2987823741"/>
+                  </a:ext>
+                </a:extLst>
+              </a:tr>
+              <a:tr h="370840">
+                <a:tc>
+                  <a:txBody>
+                    <a:bodyPr/>
+                    <a:lstStyle/>
+                    <a:p>
+                      <a:pPr marL="0" marR="0" lvl="0" indent="0" algn="ctr" defTabSz="914400" rtl="0" eaLnBrk="1" fontAlgn="auto" latinLnBrk="0" hangingPunct="1">
+                        <a:lnSpc>
+                          <a:spcPct val="100000"/>
+                        </a:lnSpc>
+                        <a:spcBef>
+                          <a:spcPts val="0"/>
+                        </a:spcBef>
+                        <a:spcAft>
+                          <a:spcPts val="0"/>
+                        </a:spcAft>
+                        <a:buClrTx/>
+                        <a:buSzTx/>
+                        <a:buFontTx/>
+                        <a:buNone/>
+                        <a:tabLst/>
+                        <a:defRPr/>
+                      </a:pPr>
+                      <a:r>
+                        <a:rPr kumimoji="0" lang="en-US" altLang="zh-CN" sz="1800" b="0" i="0" u="none" strike="noStrike" kern="1200" cap="none" spc="0" normalizeH="0" baseline="0" noProof="0" smtClean="0">
+                          <a:ln>
+                            <a:noFill/>
+                          </a:ln>
+                          <a:solidFill>
+                            <a:prstClr val="white"/>
+                          </a:solidFill>
+                          <a:effectLst/>
+                          <a:uLnTx/>
+                          <a:uFillTx/>
+                          <a:latin typeface="Calibri"/>
+                          <a:ea typeface="宋体" panose="02010600030101010101" pitchFamily="2" charset="-122"/>
+                          <a:cs typeface="+mn-cs"/>
+                        </a:rPr>
+                        <a:t>item6</a:t>
+                      </a:r>
+                      <a:endParaRPr kumimoji="0" lang="zh-CN" altLang="en-US" sz="1800" b="0" i="0" u="none" strike="noStrike" kern="1200" cap="none" spc="0" normalizeH="0" baseline="0" noProof="0" dirty="0">
+                        <a:ln>
+                          <a:noFill/>
+                        </a:ln>
+                        <a:solidFill>
+                          <a:prstClr val="white"/>
+                        </a:solidFill>
+                        <a:effectLst/>
+                        <a:uLnTx/>
+                        <a:uFillTx/>
+                        <a:latin typeface="Calibri"/>
+                        <a:ea typeface="宋体" panose="02010600030101010101" pitchFamily="2" charset="-122"/>
+                        <a:cs typeface="+mn-cs"/>
+                      </a:endParaRPr>
+                    </a:p>
+                  </a:txBody>
+                  <a:tcPr anchor="ctr">
+                    <a:lnL w="12700" cap="flat" cmpd="sng" algn="ctr">
+                      <a:solidFill>
+                        <a:schemeClr val="bg1"/>
+                      </a:solidFill>
+                      <a:prstDash val="solid"/>
+                      <a:round/>
+                      <a:headEnd type="none" w="med" len="med"/>
+                      <a:tailEnd type="none" w="med" len="med"/>
+                    </a:lnL>
+                    <a:lnR w="12700" cap="flat" cmpd="sng" algn="ctr">
+                      <a:solidFill>
+                        <a:schemeClr val="bg1"/>
+                      </a:solidFill>
+                      <a:prstDash val="solid"/>
+                      <a:round/>
+                      <a:headEnd type="none" w="med" len="med"/>
+                      <a:tailEnd type="none" w="med" len="med"/>
+                    </a:lnR>
+                    <a:lnT w="12700" cap="flat" cmpd="sng" algn="ctr">
+                      <a:solidFill>
+                        <a:schemeClr val="bg1"/>
+                      </a:solidFill>
+                      <a:prstDash val="solid"/>
+                      <a:round/>
+                      <a:headEnd type="none" w="med" len="med"/>
+                      <a:tailEnd type="none" w="med" len="med"/>
+                    </a:lnT>
+                    <a:lnB w="12700" cap="flat" cmpd="sng" algn="ctr">
+                      <a:solidFill>
+                        <a:schemeClr val="bg1"/>
+                      </a:solidFill>
+                      <a:prstDash val="solid"/>
+                      <a:round/>
+                      <a:headEnd type="none" w="med" len="med"/>
+                      <a:tailEnd type="none" w="med" len="med"/>
+                    </a:lnB>
+                    <a:solidFill>
+                      <a:schemeClr val="accent5">
+                        <a:lumMod val="75000"/>
+                      </a:schemeClr>
+                    </a:solidFill>
+                  </a:tcPr>
+                </a:tc>
+                <a:extLst>
+                  <a:ext uri="{0D108BD9-81ED-4DB2-BD59-A6C34878D82A}">
+                    <a16:rowId xmlns:a16="http://schemas.microsoft.com/office/drawing/2014/main" val="193482310"/>
+                  </a:ext>
+                </a:extLst>
+              </a:tr>
+              <a:tr h="370840">
+                <a:tc>
+                  <a:txBody>
+                    <a:bodyPr/>
+                    <a:lstStyle/>
+                    <a:p>
+                      <a:pPr marL="0" marR="0" lvl="0" indent="0" algn="ctr" defTabSz="914400" rtl="0" eaLnBrk="1" fontAlgn="auto" latinLnBrk="0" hangingPunct="1">
+                        <a:lnSpc>
+                          <a:spcPct val="100000"/>
+                        </a:lnSpc>
+                        <a:spcBef>
+                          <a:spcPts val="0"/>
+                        </a:spcBef>
+                        <a:spcAft>
+                          <a:spcPts val="0"/>
+                        </a:spcAft>
+                        <a:buClrTx/>
+                        <a:buSzTx/>
+                        <a:buFontTx/>
+                        <a:buNone/>
+                        <a:tabLst/>
+                        <a:defRPr/>
+                      </a:pPr>
+                      <a:r>
+                        <a:rPr kumimoji="0" lang="en-US" altLang="zh-CN" sz="1800" b="0" i="0" u="none" strike="noStrike" kern="1200" cap="none" spc="0" normalizeH="0" baseline="0" noProof="0" smtClean="0">
+                          <a:ln>
+                            <a:noFill/>
+                          </a:ln>
+                          <a:solidFill>
+                            <a:prstClr val="white"/>
+                          </a:solidFill>
+                          <a:effectLst/>
+                          <a:uLnTx/>
+                          <a:uFillTx/>
+                          <a:latin typeface="Calibri"/>
+                          <a:ea typeface="宋体" panose="02010600030101010101" pitchFamily="2" charset="-122"/>
+                          <a:cs typeface="+mn-cs"/>
+                        </a:rPr>
+                        <a:t>item7</a:t>
+                      </a:r>
+                      <a:endParaRPr kumimoji="0" lang="zh-CN" altLang="en-US" sz="1800" b="0" i="0" u="none" strike="noStrike" kern="1200" cap="none" spc="0" normalizeH="0" baseline="0" noProof="0" dirty="0">
+                        <a:ln>
+                          <a:noFill/>
+                        </a:ln>
+                        <a:solidFill>
+                          <a:prstClr val="white"/>
+                        </a:solidFill>
+                        <a:effectLst/>
+                        <a:uLnTx/>
+                        <a:uFillTx/>
+                        <a:latin typeface="Calibri"/>
+                        <a:ea typeface="宋体" panose="02010600030101010101" pitchFamily="2" charset="-122"/>
+                        <a:cs typeface="+mn-cs"/>
+                      </a:endParaRPr>
+                    </a:p>
+                  </a:txBody>
+                  <a:tcPr anchor="ctr">
+                    <a:lnL w="12700" cap="flat" cmpd="sng" algn="ctr">
+                      <a:solidFill>
+                        <a:schemeClr val="bg1"/>
+                      </a:solidFill>
+                      <a:prstDash val="solid"/>
+                      <a:round/>
+                      <a:headEnd type="none" w="med" len="med"/>
+                      <a:tailEnd type="none" w="med" len="med"/>
+                    </a:lnL>
+                    <a:lnR w="12700" cap="flat" cmpd="sng" algn="ctr">
+                      <a:solidFill>
+                        <a:schemeClr val="bg1"/>
+                      </a:solidFill>
+                      <a:prstDash val="solid"/>
+                      <a:round/>
+                      <a:headEnd type="none" w="med" len="med"/>
+                      <a:tailEnd type="none" w="med" len="med"/>
+                    </a:lnR>
+                    <a:lnT w="12700" cap="flat" cmpd="sng" algn="ctr">
+                      <a:solidFill>
+                        <a:schemeClr val="bg1"/>
+                      </a:solidFill>
+                      <a:prstDash val="solid"/>
+                      <a:round/>
+                      <a:headEnd type="none" w="med" len="med"/>
+                      <a:tailEnd type="none" w="med" len="med"/>
+                    </a:lnT>
+                    <a:lnB w="12700" cap="flat" cmpd="sng" algn="ctr">
+                      <a:solidFill>
+                        <a:schemeClr val="bg1"/>
+                      </a:solidFill>
+                      <a:prstDash val="solid"/>
+                      <a:round/>
+                      <a:headEnd type="none" w="med" len="med"/>
+                      <a:tailEnd type="none" w="med" len="med"/>
+                    </a:lnB>
+                    <a:solidFill>
+                      <a:schemeClr val="accent5">
+                        <a:lumMod val="75000"/>
+                      </a:schemeClr>
+                    </a:solidFill>
+                  </a:tcPr>
+                </a:tc>
+                <a:extLst>
+                  <a:ext uri="{0D108BD9-81ED-4DB2-BD59-A6C34878D82A}">
+                    <a16:rowId xmlns:a16="http://schemas.microsoft.com/office/drawing/2014/main" val="589513760"/>
+                  </a:ext>
+                </a:extLst>
+              </a:tr>
+              <a:tr h="370840">
+                <a:tc>
+                  <a:txBody>
+                    <a:bodyPr/>
+                    <a:lstStyle/>
+                    <a:p>
+                      <a:pPr marL="0" marR="0" lvl="0" indent="0" algn="ctr" defTabSz="914400" rtl="0" eaLnBrk="1" fontAlgn="auto" latinLnBrk="0" hangingPunct="1">
+                        <a:lnSpc>
+                          <a:spcPct val="100000"/>
+                        </a:lnSpc>
+                        <a:spcBef>
+                          <a:spcPts val="0"/>
+                        </a:spcBef>
+                        <a:spcAft>
+                          <a:spcPts val="0"/>
+                        </a:spcAft>
+                        <a:buClrTx/>
+                        <a:buSzTx/>
+                        <a:buFontTx/>
+                        <a:buNone/>
+                        <a:tabLst/>
+                        <a:defRPr/>
+                      </a:pPr>
+                      <a:r>
+                        <a:rPr kumimoji="0" lang="en-US" altLang="zh-CN" sz="1800" b="0" i="0" u="none" strike="noStrike" kern="1200" cap="none" spc="0" normalizeH="0" baseline="0" noProof="0" smtClean="0">
+                          <a:ln>
+                            <a:noFill/>
+                          </a:ln>
+                          <a:solidFill>
+                            <a:prstClr val="white"/>
+                          </a:solidFill>
+                          <a:effectLst/>
+                          <a:uLnTx/>
+                          <a:uFillTx/>
+                          <a:latin typeface="Calibri"/>
+                          <a:ea typeface="宋体" panose="02010600030101010101" pitchFamily="2" charset="-122"/>
+                          <a:cs typeface="+mn-cs"/>
+                        </a:rPr>
+                        <a:t>item8</a:t>
+                      </a:r>
+                      <a:endParaRPr kumimoji="0" lang="zh-CN" altLang="en-US" sz="1800" b="0" i="0" u="none" strike="noStrike" kern="1200" cap="none" spc="0" normalizeH="0" baseline="0" noProof="0" dirty="0">
+                        <a:ln>
+                          <a:noFill/>
+                        </a:ln>
+                        <a:solidFill>
+                          <a:prstClr val="white"/>
+                        </a:solidFill>
+                        <a:effectLst/>
+                        <a:uLnTx/>
+                        <a:uFillTx/>
+                        <a:latin typeface="Calibri"/>
+                        <a:ea typeface="宋体" panose="02010600030101010101" pitchFamily="2" charset="-122"/>
+                        <a:cs typeface="+mn-cs"/>
+                      </a:endParaRPr>
+                    </a:p>
+                  </a:txBody>
+                  <a:tcPr anchor="ctr">
+                    <a:lnL w="12700" cap="flat" cmpd="sng" algn="ctr">
+                      <a:solidFill>
+                        <a:schemeClr val="bg1"/>
+                      </a:solidFill>
+                      <a:prstDash val="solid"/>
+                      <a:round/>
+                      <a:headEnd type="none" w="med" len="med"/>
+                      <a:tailEnd type="none" w="med" len="med"/>
+                    </a:lnL>
+                    <a:lnR w="12700" cap="flat" cmpd="sng" algn="ctr">
+                      <a:solidFill>
+                        <a:schemeClr val="bg1"/>
+                      </a:solidFill>
+                      <a:prstDash val="solid"/>
+                      <a:round/>
+                      <a:headEnd type="none" w="med" len="med"/>
+                      <a:tailEnd type="none" w="med" len="med"/>
+                    </a:lnR>
+                    <a:lnT w="12700" cap="flat" cmpd="sng" algn="ctr">
+                      <a:solidFill>
+                        <a:schemeClr val="bg1"/>
+                      </a:solidFill>
+                      <a:prstDash val="solid"/>
+                      <a:round/>
+                      <a:headEnd type="none" w="med" len="med"/>
+                      <a:tailEnd type="none" w="med" len="med"/>
+                    </a:lnT>
+                    <a:lnB w="12700" cap="flat" cmpd="sng" algn="ctr">
+                      <a:solidFill>
+                        <a:schemeClr val="bg1"/>
+                      </a:solidFill>
+                      <a:prstDash val="solid"/>
+                      <a:round/>
+                      <a:headEnd type="none" w="med" len="med"/>
+                      <a:tailEnd type="none" w="med" len="med"/>
+                    </a:lnB>
+                    <a:solidFill>
+                      <a:schemeClr val="accent5">
+                        <a:lumMod val="75000"/>
+                      </a:schemeClr>
+                    </a:solidFill>
+                  </a:tcPr>
+                </a:tc>
+                <a:extLst>
+                  <a:ext uri="{0D108BD9-81ED-4DB2-BD59-A6C34878D82A}">
+                    <a16:rowId xmlns:a16="http://schemas.microsoft.com/office/drawing/2014/main" val="3314464373"/>
+                  </a:ext>
+                </a:extLst>
+              </a:tr>
+              <a:tr h="370840">
+                <a:tc>
+                  <a:txBody>
+                    <a:bodyPr/>
+                    <a:lstStyle/>
+                    <a:p>
+                      <a:pPr marL="0" marR="0" lvl="0" indent="0" algn="ctr" defTabSz="914400" rtl="0" eaLnBrk="1" fontAlgn="auto" latinLnBrk="0" hangingPunct="1">
+                        <a:lnSpc>
+                          <a:spcPct val="100000"/>
+                        </a:lnSpc>
+                        <a:spcBef>
+                          <a:spcPts val="0"/>
+                        </a:spcBef>
+                        <a:spcAft>
+                          <a:spcPts val="0"/>
+                        </a:spcAft>
+                        <a:buClrTx/>
+                        <a:buSzTx/>
+                        <a:buFontTx/>
+                        <a:buNone/>
+                        <a:tabLst/>
+                        <a:defRPr/>
+                      </a:pPr>
+                      <a:r>
+                        <a:rPr kumimoji="0" lang="en-US" altLang="zh-CN" sz="1800" b="0" i="0" u="none" strike="noStrike" kern="1200" cap="none" spc="0" normalizeH="0" baseline="0" noProof="0" smtClean="0">
+                          <a:ln>
+                            <a:noFill/>
+                          </a:ln>
+                          <a:solidFill>
+                            <a:prstClr val="white"/>
+                          </a:solidFill>
+                          <a:effectLst/>
+                          <a:uLnTx/>
+                          <a:uFillTx/>
+                          <a:latin typeface="Calibri"/>
+                          <a:ea typeface="宋体" panose="02010600030101010101" pitchFamily="2" charset="-122"/>
+                          <a:cs typeface="+mn-cs"/>
+                        </a:rPr>
+                        <a:t>item9</a:t>
+                      </a:r>
+                      <a:endParaRPr kumimoji="0" lang="zh-CN" altLang="en-US" sz="1800" b="0" i="0" u="none" strike="noStrike" kern="1200" cap="none" spc="0" normalizeH="0" baseline="0" noProof="0" dirty="0">
+                        <a:ln>
+                          <a:noFill/>
+                        </a:ln>
+                        <a:solidFill>
+                          <a:prstClr val="white"/>
+                        </a:solidFill>
+                        <a:effectLst/>
+                        <a:uLnTx/>
+                        <a:uFillTx/>
+                        <a:latin typeface="Calibri"/>
+                        <a:ea typeface="宋体" panose="02010600030101010101" pitchFamily="2" charset="-122"/>
+                        <a:cs typeface="+mn-cs"/>
+                      </a:endParaRPr>
+                    </a:p>
+                  </a:txBody>
+                  <a:tcPr anchor="ctr">
+                    <a:lnL w="12700" cap="flat" cmpd="sng" algn="ctr">
+                      <a:solidFill>
+                        <a:schemeClr val="bg1"/>
+                      </a:solidFill>
+                      <a:prstDash val="solid"/>
+                      <a:round/>
+                      <a:headEnd type="none" w="med" len="med"/>
+                      <a:tailEnd type="none" w="med" len="med"/>
+                    </a:lnL>
+                    <a:lnR w="12700" cap="flat" cmpd="sng" algn="ctr">
+                      <a:solidFill>
+                        <a:schemeClr val="bg1"/>
+                      </a:solidFill>
+                      <a:prstDash val="solid"/>
+                      <a:round/>
+                      <a:headEnd type="none" w="med" len="med"/>
+                      <a:tailEnd type="none" w="med" len="med"/>
+                    </a:lnR>
+                    <a:lnT w="12700" cap="flat" cmpd="sng" algn="ctr">
+                      <a:solidFill>
+                        <a:schemeClr val="bg1"/>
+                      </a:solidFill>
+                      <a:prstDash val="solid"/>
+                      <a:round/>
+                      <a:headEnd type="none" w="med" len="med"/>
+                      <a:tailEnd type="none" w="med" len="med"/>
+                    </a:lnT>
+                    <a:lnB w="12700" cap="flat" cmpd="sng" algn="ctr">
+                      <a:solidFill>
+                        <a:schemeClr val="bg1"/>
+                      </a:solidFill>
+                      <a:prstDash val="solid"/>
+                      <a:round/>
+                      <a:headEnd type="none" w="med" len="med"/>
+                      <a:tailEnd type="none" w="med" len="med"/>
+                    </a:lnB>
+                    <a:solidFill>
+                      <a:schemeClr val="accent5">
+                        <a:lumMod val="75000"/>
+                      </a:schemeClr>
+                    </a:solidFill>
+                  </a:tcPr>
+                </a:tc>
+                <a:extLst>
+                  <a:ext uri="{0D108BD9-81ED-4DB2-BD59-A6C34878D82A}">
+                    <a16:rowId xmlns:a16="http://schemas.microsoft.com/office/drawing/2014/main" val="1811545710"/>
+                  </a:ext>
+                </a:extLst>
+              </a:tr>
+              <a:tr h="370840">
+                <a:tc>
+                  <a:txBody>
+                    <a:bodyPr/>
+                    <a:lstStyle/>
+                    <a:p>
+                      <a:pPr marL="0" marR="0" lvl="0" indent="0" algn="ctr" defTabSz="914400" rtl="0" eaLnBrk="1" fontAlgn="auto" latinLnBrk="0" hangingPunct="1">
+                        <a:lnSpc>
+                          <a:spcPct val="100000"/>
+                        </a:lnSpc>
+                        <a:spcBef>
+                          <a:spcPts val="0"/>
+                        </a:spcBef>
+                        <a:spcAft>
+                          <a:spcPts val="0"/>
+                        </a:spcAft>
+                        <a:buClrTx/>
+                        <a:buSzTx/>
+                        <a:buFontTx/>
+                        <a:buNone/>
+                        <a:tabLst/>
+                        <a:defRPr/>
+                      </a:pPr>
+                      <a:r>
+                        <a:rPr kumimoji="0" lang="en-US" altLang="zh-CN" sz="1800" b="0" i="0" u="none" strike="noStrike" kern="1200" cap="none" spc="0" normalizeH="0" baseline="0" noProof="0" smtClean="0">
+                          <a:ln>
+                            <a:noFill/>
+                          </a:ln>
+                          <a:solidFill>
+                            <a:prstClr val="white"/>
+                          </a:solidFill>
+                          <a:effectLst/>
+                          <a:uLnTx/>
+                          <a:uFillTx/>
+                          <a:latin typeface="Calibri"/>
+                          <a:ea typeface="宋体" panose="02010600030101010101" pitchFamily="2" charset="-122"/>
+                          <a:cs typeface="+mn-cs"/>
+                        </a:rPr>
+                        <a:t>item10</a:t>
+                      </a:r>
+                      <a:endParaRPr kumimoji="0" lang="zh-CN" altLang="en-US" sz="1800" b="0" i="0" u="none" strike="noStrike" kern="1200" cap="none" spc="0" normalizeH="0" baseline="0" noProof="0" dirty="0">
+                        <a:ln>
+                          <a:noFill/>
+                        </a:ln>
+                        <a:solidFill>
+                          <a:prstClr val="white"/>
+                        </a:solidFill>
+                        <a:effectLst/>
+                        <a:uLnTx/>
+                        <a:uFillTx/>
+                        <a:latin typeface="Calibri"/>
+                        <a:ea typeface="宋体" panose="02010600030101010101" pitchFamily="2" charset="-122"/>
+                        <a:cs typeface="+mn-cs"/>
+                      </a:endParaRPr>
+                    </a:p>
+                  </a:txBody>
+                  <a:tcPr anchor="ctr">
+                    <a:lnL w="12700" cap="flat" cmpd="sng" algn="ctr">
+                      <a:solidFill>
+                        <a:schemeClr val="bg1"/>
+                      </a:solidFill>
+                      <a:prstDash val="solid"/>
+                      <a:round/>
+                      <a:headEnd type="none" w="med" len="med"/>
+                      <a:tailEnd type="none" w="med" len="med"/>
+                    </a:lnL>
+                    <a:lnR w="12700" cap="flat" cmpd="sng" algn="ctr">
+                      <a:solidFill>
+                        <a:schemeClr val="bg1"/>
+                      </a:solidFill>
+                      <a:prstDash val="solid"/>
+                      <a:round/>
+                      <a:headEnd type="none" w="med" len="med"/>
+                      <a:tailEnd type="none" w="med" len="med"/>
+                    </a:lnR>
+                    <a:lnT w="12700" cap="flat" cmpd="sng" algn="ctr">
+                      <a:solidFill>
+                        <a:schemeClr val="bg1"/>
+                      </a:solidFill>
+                      <a:prstDash val="solid"/>
+                      <a:round/>
+                      <a:headEnd type="none" w="med" len="med"/>
+                      <a:tailEnd type="none" w="med" len="med"/>
+                    </a:lnT>
+                    <a:lnB w="12700" cap="flat" cmpd="sng" algn="ctr">
+                      <a:solidFill>
+                        <a:schemeClr val="bg1"/>
+                      </a:solidFill>
+                      <a:prstDash val="solid"/>
+                      <a:round/>
+                      <a:headEnd type="none" w="med" len="med"/>
+                      <a:tailEnd type="none" w="med" len="med"/>
+                    </a:lnB>
+                    <a:solidFill>
+                      <a:schemeClr val="accent5">
+                        <a:lumMod val="75000"/>
+                      </a:schemeClr>
+                    </a:solidFill>
+                  </a:tcPr>
+                </a:tc>
+                <a:extLst>
+                  <a:ext uri="{0D108BD9-81ED-4DB2-BD59-A6C34878D82A}">
+                    <a16:rowId xmlns:a16="http://schemas.microsoft.com/office/drawing/2014/main" val="2525566091"/>
+                  </a:ext>
+                </a:extLst>
+              </a:tr>
+              <a:tr h="370840">
+                <a:tc>
+                  <a:txBody>
+                    <a:bodyPr/>
+                    <a:lstStyle/>
+                    <a:p>
+                      <a:pPr marL="0" marR="0" lvl="0" indent="0" algn="ctr" defTabSz="914400" rtl="0" eaLnBrk="1" fontAlgn="auto" latinLnBrk="0" hangingPunct="1">
+                        <a:lnSpc>
+                          <a:spcPct val="100000"/>
+                        </a:lnSpc>
+                        <a:spcBef>
+                          <a:spcPts val="0"/>
+                        </a:spcBef>
+                        <a:spcAft>
+                          <a:spcPts val="0"/>
+                        </a:spcAft>
+                        <a:buClrTx/>
+                        <a:buSzTx/>
+                        <a:buFontTx/>
+                        <a:buNone/>
+                        <a:tabLst/>
+                        <a:defRPr/>
+                      </a:pPr>
+                      <a:r>
+                        <a:rPr kumimoji="0" lang="en-US" altLang="zh-CN" sz="1800" b="0" i="0" u="none" strike="noStrike" kern="1200" cap="none" spc="0" normalizeH="0" baseline="0" noProof="0" smtClean="0">
+                          <a:ln>
+                            <a:noFill/>
+                          </a:ln>
+                          <a:solidFill>
+                            <a:prstClr val="white"/>
+                          </a:solidFill>
+                          <a:effectLst/>
+                          <a:uLnTx/>
+                          <a:uFillTx/>
+                          <a:latin typeface="Calibri"/>
+                          <a:ea typeface="宋体" panose="02010600030101010101" pitchFamily="2" charset="-122"/>
+                          <a:cs typeface="+mn-cs"/>
+                        </a:rPr>
+                        <a:t>item11</a:t>
+                      </a:r>
+                      <a:endParaRPr kumimoji="0" lang="zh-CN" altLang="en-US" sz="1800" b="0" i="0" u="none" strike="noStrike" kern="1200" cap="none" spc="0" normalizeH="0" baseline="0" noProof="0" dirty="0">
+                        <a:ln>
+                          <a:noFill/>
+                        </a:ln>
+                        <a:solidFill>
+                          <a:prstClr val="white"/>
+                        </a:solidFill>
+                        <a:effectLst/>
+                        <a:uLnTx/>
+                        <a:uFillTx/>
+                        <a:latin typeface="Calibri"/>
+                        <a:ea typeface="宋体" panose="02010600030101010101" pitchFamily="2" charset="-122"/>
+                        <a:cs typeface="+mn-cs"/>
+                      </a:endParaRPr>
+                    </a:p>
+                  </a:txBody>
+                  <a:tcPr anchor="ctr">
+                    <a:lnL w="12700" cap="flat" cmpd="sng" algn="ctr">
+                      <a:solidFill>
+                        <a:schemeClr val="bg1"/>
+                      </a:solidFill>
+                      <a:prstDash val="solid"/>
+                      <a:round/>
+                      <a:headEnd type="none" w="med" len="med"/>
+                      <a:tailEnd type="none" w="med" len="med"/>
+                    </a:lnL>
+                    <a:lnR w="12700" cap="flat" cmpd="sng" algn="ctr">
+                      <a:solidFill>
+                        <a:schemeClr val="bg1"/>
+                      </a:solidFill>
+                      <a:prstDash val="solid"/>
+                      <a:round/>
+                      <a:headEnd type="none" w="med" len="med"/>
+                      <a:tailEnd type="none" w="med" len="med"/>
+                    </a:lnR>
+                    <a:lnT w="12700" cap="flat" cmpd="sng" algn="ctr">
+                      <a:solidFill>
+                        <a:schemeClr val="bg1"/>
+                      </a:solidFill>
+                      <a:prstDash val="solid"/>
+                      <a:round/>
+                      <a:headEnd type="none" w="med" len="med"/>
+                      <a:tailEnd type="none" w="med" len="med"/>
+                    </a:lnT>
+                    <a:lnB w="12700" cap="flat" cmpd="sng" algn="ctr">
+                      <a:solidFill>
+                        <a:schemeClr val="bg1"/>
+                      </a:solidFill>
+                      <a:prstDash val="solid"/>
+                      <a:round/>
+                      <a:headEnd type="none" w="med" len="med"/>
+                      <a:tailEnd type="none" w="med" len="med"/>
+                    </a:lnB>
+                    <a:solidFill>
+                      <a:schemeClr val="accent5">
+                        <a:lumMod val="75000"/>
+                      </a:schemeClr>
+                    </a:solidFill>
+                  </a:tcPr>
+                </a:tc>
+                <a:extLst>
+                  <a:ext uri="{0D108BD9-81ED-4DB2-BD59-A6C34878D82A}">
+                    <a16:rowId xmlns:a16="http://schemas.microsoft.com/office/drawing/2014/main" val="3360797041"/>
+                  </a:ext>
+                </a:extLst>
+              </a:tr>
+              <a:tr h="370840">
+                <a:tc>
+                  <a:txBody>
+                    <a:bodyPr/>
+                    <a:lstStyle/>
+                    <a:p>
+                      <a:pPr algn="ctr"/>
+                      <a:r>
+                        <a:rPr lang="en-US" altLang="zh-CN" sz="1800" b="0" smtClean="0">
+                          <a:solidFill>
+                            <a:schemeClr val="bg1"/>
+                          </a:solidFill>
+                        </a:rPr>
+                        <a:t>……</a:t>
+                      </a:r>
+                      <a:endParaRPr lang="zh-CN" altLang="en-US" sz="1800" b="0" dirty="0">
+                        <a:solidFill>
+                          <a:schemeClr val="bg1"/>
+                        </a:solidFill>
+                      </a:endParaRPr>
+                    </a:p>
+                  </a:txBody>
+                  <a:tcPr anchor="ctr">
+                    <a:lnL w="12700" cap="flat" cmpd="sng" algn="ctr">
+                      <a:solidFill>
+                        <a:schemeClr val="bg1"/>
+                      </a:solidFill>
+                      <a:prstDash val="solid"/>
+                      <a:round/>
+                      <a:headEnd type="none" w="med" len="med"/>
+                      <a:tailEnd type="none" w="med" len="med"/>
+                    </a:lnL>
+                    <a:lnR w="12700" cap="flat" cmpd="sng" algn="ctr">
+                      <a:solidFill>
+                        <a:schemeClr val="bg1"/>
+                      </a:solidFill>
+                      <a:prstDash val="solid"/>
+                      <a:round/>
+                      <a:headEnd type="none" w="med" len="med"/>
+                      <a:tailEnd type="none" w="med" len="med"/>
+                    </a:lnR>
+                    <a:lnT w="12700" cap="flat" cmpd="sng" algn="ctr">
+                      <a:solidFill>
+                        <a:schemeClr val="bg1"/>
+                      </a:solidFill>
+                      <a:prstDash val="solid"/>
+                      <a:round/>
+                      <a:headEnd type="none" w="med" len="med"/>
+                      <a:tailEnd type="none" w="med" len="med"/>
+                    </a:lnT>
+                    <a:lnB w="12700" cap="flat" cmpd="sng" algn="ctr">
+                      <a:solidFill>
+                        <a:schemeClr val="bg1"/>
+                      </a:solidFill>
+                      <a:prstDash val="solid"/>
+                      <a:round/>
+                      <a:headEnd type="none" w="med" len="med"/>
+                      <a:tailEnd type="none" w="med" len="med"/>
+                    </a:lnB>
+                    <a:solidFill>
+                      <a:schemeClr val="accent5">
+                        <a:lumMod val="75000"/>
+                      </a:schemeClr>
+                    </a:solidFill>
+                  </a:tcPr>
+                </a:tc>
+                <a:extLst>
+                  <a:ext uri="{0D108BD9-81ED-4DB2-BD59-A6C34878D82A}">
+                    <a16:rowId xmlns:a16="http://schemas.microsoft.com/office/drawing/2014/main" val="2873669025"/>
+                  </a:ext>
+                </a:extLst>
+              </a:tr>
+              <a:tr h="370840">
+                <a:tc>
+                  <a:txBody>
+                    <a:bodyPr/>
+                    <a:lstStyle/>
+                    <a:p>
+                      <a:pPr algn="ctr"/>
+                      <a:r>
+                        <a:rPr lang="en-US" altLang="zh-CN" sz="1800" b="0" smtClean="0">
+                          <a:solidFill>
+                            <a:schemeClr val="bg1"/>
+                          </a:solidFill>
+                        </a:rPr>
+                        <a:t>……</a:t>
+                      </a:r>
+                      <a:endParaRPr lang="zh-CN" altLang="en-US" sz="1800" b="0" dirty="0">
+                        <a:solidFill>
+                          <a:schemeClr val="bg1"/>
+                        </a:solidFill>
+                      </a:endParaRPr>
+                    </a:p>
+                  </a:txBody>
+                  <a:tcPr anchor="ctr">
+                    <a:lnL w="12700" cap="flat" cmpd="sng" algn="ctr">
+                      <a:solidFill>
+                        <a:schemeClr val="bg1"/>
+                      </a:solidFill>
+                      <a:prstDash val="solid"/>
+                      <a:round/>
+                      <a:headEnd type="none" w="med" len="med"/>
+                      <a:tailEnd type="none" w="med" len="med"/>
+                    </a:lnL>
+                    <a:lnR w="12700" cap="flat" cmpd="sng" algn="ctr">
+                      <a:solidFill>
+                        <a:schemeClr val="bg1"/>
+                      </a:solidFill>
+                      <a:prstDash val="solid"/>
+                      <a:round/>
+                      <a:headEnd type="none" w="med" len="med"/>
+                      <a:tailEnd type="none" w="med" len="med"/>
+                    </a:lnR>
+                    <a:lnT w="12700" cap="flat" cmpd="sng" algn="ctr">
+                      <a:solidFill>
+                        <a:schemeClr val="bg1"/>
+                      </a:solidFill>
+                      <a:prstDash val="solid"/>
+                      <a:round/>
+                      <a:headEnd type="none" w="med" len="med"/>
+                      <a:tailEnd type="none" w="med" len="med"/>
+                    </a:lnT>
+                    <a:lnB w="12700" cap="flat" cmpd="sng" algn="ctr">
+                      <a:solidFill>
+                        <a:schemeClr val="bg1"/>
+                      </a:solidFill>
+                      <a:prstDash val="solid"/>
+                      <a:round/>
+                      <a:headEnd type="none" w="med" len="med"/>
+                      <a:tailEnd type="none" w="med" len="med"/>
+                    </a:lnB>
+                    <a:solidFill>
+                      <a:schemeClr val="accent5">
+                        <a:lumMod val="75000"/>
+                      </a:schemeClr>
+                    </a:solidFill>
+                  </a:tcPr>
+                </a:tc>
+                <a:extLst>
+                  <a:ext uri="{0D108BD9-81ED-4DB2-BD59-A6C34878D82A}">
+                    <a16:rowId xmlns:a16="http://schemas.microsoft.com/office/drawing/2014/main" val="3732079516"/>
+                  </a:ext>
+                </a:extLst>
+              </a:tr>
+              <a:tr h="370840">
+                <a:tc>
+                  <a:txBody>
+                    <a:bodyPr/>
+                    <a:lstStyle/>
+                    <a:p>
+                      <a:pPr algn="ctr"/>
+                      <a:r>
+                        <a:rPr lang="en-US" altLang="zh-CN" sz="1800" b="0" smtClean="0">
+                          <a:solidFill>
+                            <a:schemeClr val="bg1"/>
+                          </a:solidFill>
+                        </a:rPr>
+                        <a:t>……</a:t>
+                      </a:r>
+                      <a:endParaRPr lang="zh-CN" altLang="en-US" sz="1800" b="0" dirty="0">
+                        <a:solidFill>
+                          <a:schemeClr val="bg1"/>
+                        </a:solidFill>
+                      </a:endParaRPr>
+                    </a:p>
+                  </a:txBody>
+                  <a:tcPr anchor="ctr">
+                    <a:lnL w="12700" cap="flat" cmpd="sng" algn="ctr">
+                      <a:solidFill>
+                        <a:schemeClr val="bg1"/>
+                      </a:solidFill>
+                      <a:prstDash val="solid"/>
+                      <a:round/>
+                      <a:headEnd type="none" w="med" len="med"/>
+                      <a:tailEnd type="none" w="med" len="med"/>
+                    </a:lnL>
+                    <a:lnR w="12700" cap="flat" cmpd="sng" algn="ctr">
+                      <a:solidFill>
+                        <a:schemeClr val="bg1"/>
+                      </a:solidFill>
+                      <a:prstDash val="solid"/>
+                      <a:round/>
+                      <a:headEnd type="none" w="med" len="med"/>
+                      <a:tailEnd type="none" w="med" len="med"/>
+                    </a:lnR>
+                    <a:lnT w="12700" cap="flat" cmpd="sng" algn="ctr">
+                      <a:solidFill>
+                        <a:schemeClr val="bg1"/>
+                      </a:solidFill>
+                      <a:prstDash val="solid"/>
+                      <a:round/>
+                      <a:headEnd type="none" w="med" len="med"/>
+                      <a:tailEnd type="none" w="med" len="med"/>
+                    </a:lnT>
+                    <a:lnB w="12700" cap="flat" cmpd="sng" algn="ctr">
+                      <a:solidFill>
+                        <a:schemeClr val="bg1"/>
+                      </a:solidFill>
+                      <a:prstDash val="solid"/>
+                      <a:round/>
+                      <a:headEnd type="none" w="med" len="med"/>
+                      <a:tailEnd type="none" w="med" len="med"/>
+                    </a:lnB>
+                    <a:solidFill>
+                      <a:schemeClr val="accent5">
+                        <a:lumMod val="75000"/>
+                      </a:schemeClr>
+                    </a:solidFill>
+                  </a:tcPr>
+                </a:tc>
+                <a:extLst>
+                  <a:ext uri="{0D108BD9-81ED-4DB2-BD59-A6C34878D82A}">
+                    <a16:rowId xmlns:a16="http://schemas.microsoft.com/office/drawing/2014/main" val="2966636214"/>
+                  </a:ext>
+                </a:extLst>
+              </a:tr>
+              <a:tr h="370840">
+                <a:tc>
+                  <a:txBody>
+                    <a:bodyPr/>
+                    <a:lstStyle/>
+                    <a:p>
+                      <a:pPr algn="ctr"/>
+                      <a:r>
+                        <a:rPr lang="en-US" altLang="zh-CN" sz="1800" b="0" dirty="0" smtClean="0">
+                          <a:solidFill>
+                            <a:schemeClr val="bg1"/>
+                          </a:solidFill>
+                        </a:rPr>
+                        <a:t>……</a:t>
+                      </a:r>
+                      <a:endParaRPr lang="zh-CN" altLang="en-US" sz="1800" b="0" dirty="0">
+                        <a:solidFill>
+                          <a:schemeClr val="bg1"/>
+                        </a:solidFill>
+                      </a:endParaRPr>
+                    </a:p>
+                  </a:txBody>
+                  <a:tcPr anchor="ctr">
+                    <a:lnL w="12700" cap="flat" cmpd="sng" algn="ctr">
+                      <a:solidFill>
+                        <a:schemeClr val="bg1"/>
+                      </a:solidFill>
+                      <a:prstDash val="solid"/>
+                      <a:round/>
+                      <a:headEnd type="none" w="med" len="med"/>
+                      <a:tailEnd type="none" w="med" len="med"/>
+                    </a:lnL>
+                    <a:lnR w="12700" cap="flat" cmpd="sng" algn="ctr">
+                      <a:solidFill>
+                        <a:schemeClr val="bg1"/>
+                      </a:solidFill>
+                      <a:prstDash val="solid"/>
+                      <a:round/>
+                      <a:headEnd type="none" w="med" len="med"/>
+                      <a:tailEnd type="none" w="med" len="med"/>
+                    </a:lnR>
+                    <a:lnT w="12700" cap="flat" cmpd="sng" algn="ctr">
+                      <a:solidFill>
+                        <a:schemeClr val="bg1"/>
+                      </a:solidFill>
+                      <a:prstDash val="solid"/>
+                      <a:round/>
+                      <a:headEnd type="none" w="med" len="med"/>
+                      <a:tailEnd type="none" w="med" len="med"/>
+                    </a:lnT>
+                    <a:lnB w="12700" cap="flat" cmpd="sng" algn="ctr">
+                      <a:solidFill>
+                        <a:schemeClr val="bg1"/>
+                      </a:solidFill>
+                      <a:prstDash val="solid"/>
+                      <a:round/>
+                      <a:headEnd type="none" w="med" len="med"/>
+                      <a:tailEnd type="none" w="med" len="med"/>
+                    </a:lnB>
+                    <a:solidFill>
+                      <a:schemeClr val="accent5">
+                        <a:lumMod val="75000"/>
+                      </a:schemeClr>
+                    </a:solidFill>
+                  </a:tcPr>
+                </a:tc>
+                <a:extLst>
+                  <a:ext uri="{0D108BD9-81ED-4DB2-BD59-A6C34878D82A}">
+                    <a16:rowId xmlns:a16="http://schemas.microsoft.com/office/drawing/2014/main" val="3891840487"/>
+                  </a:ext>
+                </a:extLst>
+              </a:tr>
+            </a:tbl>
+          </a:graphicData>
+        </a:graphic>
+      </p:graphicFrame>
+      <p:graphicFrame>
+        <p:nvGraphicFramePr>
+          <p:cNvPr id="3" name="表格 2"/>
+          <p:cNvGraphicFramePr>
+            <a:graphicFrameLocks noGrp="1"/>
+          </p:cNvGraphicFramePr>
+          <p:nvPr>
+            <p:extLst>
+              <p:ext uri="{D42A27DB-BD31-4B8C-83A1-F6EECF244321}">
+                <p14:modId xmlns:p14="http://schemas.microsoft.com/office/powerpoint/2010/main" val="2383393946"/>
+              </p:ext>
+            </p:extLst>
+          </p:nvPr>
+        </p:nvGraphicFramePr>
+        <p:xfrm>
+          <a:off x="2915816" y="836712"/>
+          <a:ext cx="1152128" cy="2225040"/>
+        </p:xfrm>
+        <a:graphic>
+          <a:graphicData uri="http://schemas.openxmlformats.org/drawingml/2006/table">
+            <a:tbl>
+              <a:tblPr firstRow="1" bandRow="1">
+                <a:tableStyleId>{5C22544A-7EE6-4342-B048-85BDC9FD1C3A}</a:tableStyleId>
+              </a:tblPr>
+              <a:tblGrid>
+                <a:gridCol w="1152128">
+                  <a:extLst>
+                    <a:ext uri="{9D8B030D-6E8A-4147-A177-3AD203B41FA5}">
+                      <a16:colId xmlns:a16="http://schemas.microsoft.com/office/drawing/2014/main" val="1214683687"/>
+                    </a:ext>
+                  </a:extLst>
+                </a:gridCol>
+              </a:tblGrid>
+              <a:tr h="370840">
+                <a:tc>
+                  <a:txBody>
+                    <a:bodyPr/>
+                    <a:lstStyle/>
+                    <a:p>
+                      <a:pPr algn="ctr"/>
+                      <a:r>
+                        <a:rPr lang="en-US" altLang="zh-CN" sz="1800" b="0" smtClean="0">
+                          <a:solidFill>
+                            <a:schemeClr val="bg1"/>
+                          </a:solidFill>
+                        </a:rPr>
+                        <a:t>item1</a:t>
+                      </a:r>
+                      <a:endParaRPr lang="zh-CN" altLang="en-US" sz="1800" b="0" dirty="0">
+                        <a:solidFill>
+                          <a:schemeClr val="bg1"/>
+                        </a:solidFill>
+                      </a:endParaRPr>
+                    </a:p>
+                  </a:txBody>
+                  <a:tcPr anchor="ctr">
+                    <a:lnL w="12700" cap="flat" cmpd="sng" algn="ctr">
+                      <a:solidFill>
+                        <a:schemeClr val="bg1"/>
+                      </a:solidFill>
+                      <a:prstDash val="solid"/>
+                      <a:round/>
+                      <a:headEnd type="none" w="med" len="med"/>
+                      <a:tailEnd type="none" w="med" len="med"/>
+                    </a:lnL>
+                    <a:lnR w="12700" cap="flat" cmpd="sng" algn="ctr">
+                      <a:solidFill>
+                        <a:schemeClr val="bg1"/>
+                      </a:solidFill>
+                      <a:prstDash val="solid"/>
+                      <a:round/>
+                      <a:headEnd type="none" w="med" len="med"/>
+                      <a:tailEnd type="none" w="med" len="med"/>
+                    </a:lnR>
+                    <a:lnT w="12700" cap="flat" cmpd="sng" algn="ctr">
+                      <a:solidFill>
+                        <a:schemeClr val="bg1"/>
+                      </a:solidFill>
+                      <a:prstDash val="solid"/>
+                      <a:round/>
+                      <a:headEnd type="none" w="med" len="med"/>
+                      <a:tailEnd type="none" w="med" len="med"/>
+                    </a:lnT>
+                    <a:lnB w="12700" cap="flat" cmpd="sng" algn="ctr">
+                      <a:solidFill>
+                        <a:schemeClr val="bg1"/>
+                      </a:solidFill>
+                      <a:prstDash val="solid"/>
+                      <a:round/>
+                      <a:headEnd type="none" w="med" len="med"/>
+                      <a:tailEnd type="none" w="med" len="med"/>
+                    </a:lnB>
+                    <a:solidFill>
+                      <a:schemeClr val="accent5">
+                        <a:lumMod val="75000"/>
+                      </a:schemeClr>
+                    </a:solidFill>
+                  </a:tcPr>
+                </a:tc>
+                <a:extLst>
+                  <a:ext uri="{0D108BD9-81ED-4DB2-BD59-A6C34878D82A}">
+                    <a16:rowId xmlns:a16="http://schemas.microsoft.com/office/drawing/2014/main" val="1006269131"/>
+                  </a:ext>
+                </a:extLst>
+              </a:tr>
+              <a:tr h="370840">
+                <a:tc>
+                  <a:txBody>
+                    <a:bodyPr/>
+                    <a:lstStyle/>
+                    <a:p>
+                      <a:pPr marL="0" marR="0" lvl="0" indent="0" algn="ctr" defTabSz="914400" rtl="0" eaLnBrk="1" fontAlgn="auto" latinLnBrk="0" hangingPunct="1">
+                        <a:lnSpc>
+                          <a:spcPct val="100000"/>
+                        </a:lnSpc>
+                        <a:spcBef>
+                          <a:spcPts val="0"/>
+                        </a:spcBef>
+                        <a:spcAft>
+                          <a:spcPts val="0"/>
+                        </a:spcAft>
+                        <a:buClrTx/>
+                        <a:buSzTx/>
+                        <a:buFontTx/>
+                        <a:buNone/>
+                        <a:tabLst/>
+                        <a:defRPr/>
+                      </a:pPr>
+                      <a:r>
+                        <a:rPr kumimoji="0" lang="en-US" altLang="zh-CN" sz="1800" b="0" i="0" u="none" strike="noStrike" kern="1200" cap="none" spc="0" normalizeH="0" baseline="0" noProof="0" smtClean="0">
+                          <a:ln>
+                            <a:noFill/>
+                          </a:ln>
+                          <a:solidFill>
+                            <a:prstClr val="white"/>
+                          </a:solidFill>
+                          <a:effectLst/>
+                          <a:uLnTx/>
+                          <a:uFillTx/>
+                          <a:latin typeface="Calibri"/>
+                          <a:ea typeface="宋体" panose="02010600030101010101" pitchFamily="2" charset="-122"/>
+                          <a:cs typeface="+mn-cs"/>
+                        </a:rPr>
+                        <a:t>item2</a:t>
+                      </a:r>
+                      <a:endParaRPr kumimoji="0" lang="zh-CN" altLang="en-US" sz="1800" b="0" i="0" u="none" strike="noStrike" kern="1200" cap="none" spc="0" normalizeH="0" baseline="0" noProof="0" dirty="0">
+                        <a:ln>
+                          <a:noFill/>
+                        </a:ln>
+                        <a:solidFill>
+                          <a:prstClr val="white"/>
+                        </a:solidFill>
+                        <a:effectLst/>
+                        <a:uLnTx/>
+                        <a:uFillTx/>
+                        <a:latin typeface="Calibri"/>
+                        <a:ea typeface="宋体" panose="02010600030101010101" pitchFamily="2" charset="-122"/>
+                        <a:cs typeface="+mn-cs"/>
+                      </a:endParaRPr>
+                    </a:p>
+                  </a:txBody>
+                  <a:tcPr anchor="ctr">
+                    <a:lnL w="12700" cap="flat" cmpd="sng" algn="ctr">
+                      <a:solidFill>
+                        <a:schemeClr val="bg1"/>
+                      </a:solidFill>
+                      <a:prstDash val="solid"/>
+                      <a:round/>
+                      <a:headEnd type="none" w="med" len="med"/>
+                      <a:tailEnd type="none" w="med" len="med"/>
+                    </a:lnL>
+                    <a:lnR w="12700" cap="flat" cmpd="sng" algn="ctr">
+                      <a:solidFill>
+                        <a:schemeClr val="bg1"/>
+                      </a:solidFill>
+                      <a:prstDash val="solid"/>
+                      <a:round/>
+                      <a:headEnd type="none" w="med" len="med"/>
+                      <a:tailEnd type="none" w="med" len="med"/>
+                    </a:lnR>
+                    <a:lnT w="12700" cap="flat" cmpd="sng" algn="ctr">
+                      <a:solidFill>
+                        <a:schemeClr val="bg1"/>
+                      </a:solidFill>
+                      <a:prstDash val="solid"/>
+                      <a:round/>
+                      <a:headEnd type="none" w="med" len="med"/>
+                      <a:tailEnd type="none" w="med" len="med"/>
+                    </a:lnT>
+                    <a:lnB w="12700" cap="flat" cmpd="sng" algn="ctr">
+                      <a:solidFill>
+                        <a:schemeClr val="bg1"/>
+                      </a:solidFill>
+                      <a:prstDash val="solid"/>
+                      <a:round/>
+                      <a:headEnd type="none" w="med" len="med"/>
+                      <a:tailEnd type="none" w="med" len="med"/>
+                    </a:lnB>
+                    <a:solidFill>
+                      <a:schemeClr val="accent5">
+                        <a:lumMod val="75000"/>
+                      </a:schemeClr>
+                    </a:solidFill>
+                  </a:tcPr>
+                </a:tc>
+                <a:extLst>
+                  <a:ext uri="{0D108BD9-81ED-4DB2-BD59-A6C34878D82A}">
+                    <a16:rowId xmlns:a16="http://schemas.microsoft.com/office/drawing/2014/main" val="194545254"/>
+                  </a:ext>
+                </a:extLst>
+              </a:tr>
+              <a:tr h="370840">
+                <a:tc>
+                  <a:txBody>
+                    <a:bodyPr/>
+                    <a:lstStyle/>
+                    <a:p>
+                      <a:pPr marL="0" marR="0" lvl="0" indent="0" algn="ctr" defTabSz="914400" rtl="0" eaLnBrk="1" fontAlgn="auto" latinLnBrk="0" hangingPunct="1">
+                        <a:lnSpc>
+                          <a:spcPct val="100000"/>
+                        </a:lnSpc>
+                        <a:spcBef>
+                          <a:spcPts val="0"/>
+                        </a:spcBef>
+                        <a:spcAft>
+                          <a:spcPts val="0"/>
+                        </a:spcAft>
+                        <a:buClrTx/>
+                        <a:buSzTx/>
+                        <a:buFontTx/>
+                        <a:buNone/>
+                        <a:tabLst/>
+                        <a:defRPr/>
+                      </a:pPr>
+                      <a:r>
+                        <a:rPr kumimoji="0" lang="en-US" altLang="zh-CN" sz="1800" b="0" i="0" u="none" strike="noStrike" kern="1200" cap="none" spc="0" normalizeH="0" baseline="0" noProof="0" smtClean="0">
+                          <a:ln>
+                            <a:noFill/>
+                          </a:ln>
+                          <a:solidFill>
+                            <a:prstClr val="white"/>
+                          </a:solidFill>
+                          <a:effectLst/>
+                          <a:uLnTx/>
+                          <a:uFillTx/>
+                          <a:latin typeface="Calibri"/>
+                          <a:ea typeface="宋体" panose="02010600030101010101" pitchFamily="2" charset="-122"/>
+                          <a:cs typeface="+mn-cs"/>
+                        </a:rPr>
+                        <a:t>item3</a:t>
+                      </a:r>
+                      <a:endParaRPr kumimoji="0" lang="zh-CN" altLang="en-US" sz="1800" b="0" i="0" u="none" strike="noStrike" kern="1200" cap="none" spc="0" normalizeH="0" baseline="0" noProof="0" dirty="0">
+                        <a:ln>
+                          <a:noFill/>
+                        </a:ln>
+                        <a:solidFill>
+                          <a:prstClr val="white"/>
+                        </a:solidFill>
+                        <a:effectLst/>
+                        <a:uLnTx/>
+                        <a:uFillTx/>
+                        <a:latin typeface="Calibri"/>
+                        <a:ea typeface="宋体" panose="02010600030101010101" pitchFamily="2" charset="-122"/>
+                        <a:cs typeface="+mn-cs"/>
+                      </a:endParaRPr>
+                    </a:p>
+                  </a:txBody>
+                  <a:tcPr anchor="ctr">
+                    <a:lnL w="12700" cap="flat" cmpd="sng" algn="ctr">
+                      <a:solidFill>
+                        <a:schemeClr val="bg1"/>
+                      </a:solidFill>
+                      <a:prstDash val="solid"/>
+                      <a:round/>
+                      <a:headEnd type="none" w="med" len="med"/>
+                      <a:tailEnd type="none" w="med" len="med"/>
+                    </a:lnL>
+                    <a:lnR w="12700" cap="flat" cmpd="sng" algn="ctr">
+                      <a:solidFill>
+                        <a:schemeClr val="bg1"/>
+                      </a:solidFill>
+                      <a:prstDash val="solid"/>
+                      <a:round/>
+                      <a:headEnd type="none" w="med" len="med"/>
+                      <a:tailEnd type="none" w="med" len="med"/>
+                    </a:lnR>
+                    <a:lnT w="12700" cap="flat" cmpd="sng" algn="ctr">
+                      <a:solidFill>
+                        <a:schemeClr val="bg1"/>
+                      </a:solidFill>
+                      <a:prstDash val="solid"/>
+                      <a:round/>
+                      <a:headEnd type="none" w="med" len="med"/>
+                      <a:tailEnd type="none" w="med" len="med"/>
+                    </a:lnT>
+                    <a:lnB w="12700" cap="flat" cmpd="sng" algn="ctr">
+                      <a:solidFill>
+                        <a:schemeClr val="bg1"/>
+                      </a:solidFill>
+                      <a:prstDash val="solid"/>
+                      <a:round/>
+                      <a:headEnd type="none" w="med" len="med"/>
+                      <a:tailEnd type="none" w="med" len="med"/>
+                    </a:lnB>
+                    <a:solidFill>
+                      <a:schemeClr val="accent5">
+                        <a:lumMod val="75000"/>
+                      </a:schemeClr>
+                    </a:solidFill>
+                  </a:tcPr>
+                </a:tc>
+                <a:extLst>
+                  <a:ext uri="{0D108BD9-81ED-4DB2-BD59-A6C34878D82A}">
+                    <a16:rowId xmlns:a16="http://schemas.microsoft.com/office/drawing/2014/main" val="44223002"/>
+                  </a:ext>
+                </a:extLst>
+              </a:tr>
+              <a:tr h="370840">
+                <a:tc>
+                  <a:txBody>
+                    <a:bodyPr/>
+                    <a:lstStyle/>
+                    <a:p>
+                      <a:pPr marL="0" marR="0" lvl="0" indent="0" algn="ctr" defTabSz="914400" rtl="0" eaLnBrk="1" fontAlgn="auto" latinLnBrk="0" hangingPunct="1">
+                        <a:lnSpc>
+                          <a:spcPct val="100000"/>
+                        </a:lnSpc>
+                        <a:spcBef>
+                          <a:spcPts val="0"/>
+                        </a:spcBef>
+                        <a:spcAft>
+                          <a:spcPts val="0"/>
+                        </a:spcAft>
+                        <a:buClrTx/>
+                        <a:buSzTx/>
+                        <a:buFontTx/>
+                        <a:buNone/>
+                        <a:tabLst/>
+                        <a:defRPr/>
+                      </a:pPr>
+                      <a:r>
+                        <a:rPr kumimoji="0" lang="en-US" altLang="zh-CN" sz="1800" b="0" i="0" u="none" strike="noStrike" kern="1200" cap="none" spc="0" normalizeH="0" baseline="0" noProof="0" smtClean="0">
+                          <a:ln>
+                            <a:noFill/>
+                          </a:ln>
+                          <a:solidFill>
+                            <a:prstClr val="white"/>
+                          </a:solidFill>
+                          <a:effectLst/>
+                          <a:uLnTx/>
+                          <a:uFillTx/>
+                          <a:latin typeface="Calibri"/>
+                          <a:ea typeface="宋体" panose="02010600030101010101" pitchFamily="2" charset="-122"/>
+                          <a:cs typeface="+mn-cs"/>
+                        </a:rPr>
+                        <a:t>item4</a:t>
+                      </a:r>
+                      <a:endParaRPr kumimoji="0" lang="zh-CN" altLang="en-US" sz="1800" b="0" i="0" u="none" strike="noStrike" kern="1200" cap="none" spc="0" normalizeH="0" baseline="0" noProof="0" dirty="0">
+                        <a:ln>
+                          <a:noFill/>
+                        </a:ln>
+                        <a:solidFill>
+                          <a:prstClr val="white"/>
+                        </a:solidFill>
+                        <a:effectLst/>
+                        <a:uLnTx/>
+                        <a:uFillTx/>
+                        <a:latin typeface="Calibri"/>
+                        <a:ea typeface="宋体" panose="02010600030101010101" pitchFamily="2" charset="-122"/>
+                        <a:cs typeface="+mn-cs"/>
+                      </a:endParaRPr>
+                    </a:p>
+                  </a:txBody>
+                  <a:tcPr anchor="ctr">
+                    <a:lnL w="12700" cap="flat" cmpd="sng" algn="ctr">
+                      <a:solidFill>
+                        <a:schemeClr val="bg1"/>
+                      </a:solidFill>
+                      <a:prstDash val="solid"/>
+                      <a:round/>
+                      <a:headEnd type="none" w="med" len="med"/>
+                      <a:tailEnd type="none" w="med" len="med"/>
+                    </a:lnL>
+                    <a:lnR w="12700" cap="flat" cmpd="sng" algn="ctr">
+                      <a:solidFill>
+                        <a:schemeClr val="bg1"/>
+                      </a:solidFill>
+                      <a:prstDash val="solid"/>
+                      <a:round/>
+                      <a:headEnd type="none" w="med" len="med"/>
+                      <a:tailEnd type="none" w="med" len="med"/>
+                    </a:lnR>
+                    <a:lnT w="12700" cap="flat" cmpd="sng" algn="ctr">
+                      <a:solidFill>
+                        <a:schemeClr val="bg1"/>
+                      </a:solidFill>
+                      <a:prstDash val="solid"/>
+                      <a:round/>
+                      <a:headEnd type="none" w="med" len="med"/>
+                      <a:tailEnd type="none" w="med" len="med"/>
+                    </a:lnT>
+                    <a:lnB w="12700" cap="flat" cmpd="sng" algn="ctr">
+                      <a:solidFill>
+                        <a:schemeClr val="bg1"/>
+                      </a:solidFill>
+                      <a:prstDash val="solid"/>
+                      <a:round/>
+                      <a:headEnd type="none" w="med" len="med"/>
+                      <a:tailEnd type="none" w="med" len="med"/>
+                    </a:lnB>
+                    <a:solidFill>
+                      <a:schemeClr val="accent5">
+                        <a:lumMod val="75000"/>
+                      </a:schemeClr>
+                    </a:solidFill>
+                  </a:tcPr>
+                </a:tc>
+                <a:extLst>
+                  <a:ext uri="{0D108BD9-81ED-4DB2-BD59-A6C34878D82A}">
+                    <a16:rowId xmlns:a16="http://schemas.microsoft.com/office/drawing/2014/main" val="4268083801"/>
+                  </a:ext>
+                </a:extLst>
+              </a:tr>
+              <a:tr h="370840">
+                <a:tc>
+                  <a:txBody>
+                    <a:bodyPr/>
+                    <a:lstStyle/>
+                    <a:p>
+                      <a:pPr marL="0" marR="0" lvl="0" indent="0" algn="ctr" defTabSz="914400" rtl="0" eaLnBrk="1" fontAlgn="auto" latinLnBrk="0" hangingPunct="1">
+                        <a:lnSpc>
+                          <a:spcPct val="100000"/>
+                        </a:lnSpc>
+                        <a:spcBef>
+                          <a:spcPts val="0"/>
+                        </a:spcBef>
+                        <a:spcAft>
+                          <a:spcPts val="0"/>
+                        </a:spcAft>
+                        <a:buClrTx/>
+                        <a:buSzTx/>
+                        <a:buFontTx/>
+                        <a:buNone/>
+                        <a:tabLst/>
+                        <a:defRPr/>
+                      </a:pPr>
+                      <a:r>
+                        <a:rPr kumimoji="0" lang="en-US" altLang="zh-CN" sz="1800" b="0" i="0" u="none" strike="noStrike" kern="1200" cap="none" spc="0" normalizeH="0" baseline="0" noProof="0" smtClean="0">
+                          <a:ln>
+                            <a:noFill/>
+                          </a:ln>
+                          <a:solidFill>
+                            <a:prstClr val="white"/>
+                          </a:solidFill>
+                          <a:effectLst/>
+                          <a:uLnTx/>
+                          <a:uFillTx/>
+                          <a:latin typeface="Calibri"/>
+                          <a:ea typeface="宋体" panose="02010600030101010101" pitchFamily="2" charset="-122"/>
+                          <a:cs typeface="+mn-cs"/>
+                        </a:rPr>
+                        <a:t>item5</a:t>
+                      </a:r>
+                      <a:endParaRPr kumimoji="0" lang="zh-CN" altLang="en-US" sz="1800" b="0" i="0" u="none" strike="noStrike" kern="1200" cap="none" spc="0" normalizeH="0" baseline="0" noProof="0" dirty="0">
+                        <a:ln>
+                          <a:noFill/>
+                        </a:ln>
+                        <a:solidFill>
+                          <a:prstClr val="white"/>
+                        </a:solidFill>
+                        <a:effectLst/>
+                        <a:uLnTx/>
+                        <a:uFillTx/>
+                        <a:latin typeface="Calibri"/>
+                        <a:ea typeface="宋体" panose="02010600030101010101" pitchFamily="2" charset="-122"/>
+                        <a:cs typeface="+mn-cs"/>
+                      </a:endParaRPr>
+                    </a:p>
+                  </a:txBody>
+                  <a:tcPr anchor="ctr">
+                    <a:lnL w="12700" cap="flat" cmpd="sng" algn="ctr">
+                      <a:solidFill>
+                        <a:schemeClr val="bg1"/>
+                      </a:solidFill>
+                      <a:prstDash val="solid"/>
+                      <a:round/>
+                      <a:headEnd type="none" w="med" len="med"/>
+                      <a:tailEnd type="none" w="med" len="med"/>
+                    </a:lnL>
+                    <a:lnR w="12700" cap="flat" cmpd="sng" algn="ctr">
+                      <a:solidFill>
+                        <a:schemeClr val="bg1"/>
+                      </a:solidFill>
+                      <a:prstDash val="solid"/>
+                      <a:round/>
+                      <a:headEnd type="none" w="med" len="med"/>
+                      <a:tailEnd type="none" w="med" len="med"/>
+                    </a:lnR>
+                    <a:lnT w="12700" cap="flat" cmpd="sng" algn="ctr">
+                      <a:solidFill>
+                        <a:schemeClr val="bg1"/>
+                      </a:solidFill>
+                      <a:prstDash val="solid"/>
+                      <a:round/>
+                      <a:headEnd type="none" w="med" len="med"/>
+                      <a:tailEnd type="none" w="med" len="med"/>
+                    </a:lnT>
+                    <a:lnB w="12700" cap="flat" cmpd="sng" algn="ctr">
+                      <a:solidFill>
+                        <a:schemeClr val="bg1"/>
+                      </a:solidFill>
+                      <a:prstDash val="solid"/>
+                      <a:round/>
+                      <a:headEnd type="none" w="med" len="med"/>
+                      <a:tailEnd type="none" w="med" len="med"/>
+                    </a:lnB>
+                    <a:solidFill>
+                      <a:schemeClr val="accent5">
+                        <a:lumMod val="75000"/>
+                      </a:schemeClr>
+                    </a:solidFill>
+                  </a:tcPr>
+                </a:tc>
+                <a:extLst>
+                  <a:ext uri="{0D108BD9-81ED-4DB2-BD59-A6C34878D82A}">
+                    <a16:rowId xmlns:a16="http://schemas.microsoft.com/office/drawing/2014/main" val="2987823741"/>
+                  </a:ext>
+                </a:extLst>
+              </a:tr>
+              <a:tr h="370840">
+                <a:tc>
+                  <a:txBody>
+                    <a:bodyPr/>
+                    <a:lstStyle/>
+                    <a:p>
+                      <a:pPr marL="0" marR="0" lvl="0" indent="0" algn="ctr" defTabSz="914400" rtl="0" eaLnBrk="1" fontAlgn="auto" latinLnBrk="0" hangingPunct="1">
+                        <a:lnSpc>
+                          <a:spcPct val="100000"/>
+                        </a:lnSpc>
+                        <a:spcBef>
+                          <a:spcPts val="0"/>
+                        </a:spcBef>
+                        <a:spcAft>
+                          <a:spcPts val="0"/>
+                        </a:spcAft>
+                        <a:buClrTx/>
+                        <a:buSzTx/>
+                        <a:buFontTx/>
+                        <a:buNone/>
+                        <a:tabLst/>
+                        <a:defRPr/>
+                      </a:pPr>
+                      <a:r>
+                        <a:rPr kumimoji="0" lang="en-US" altLang="zh-CN" sz="1800" b="0" i="0" u="none" strike="noStrike" kern="1200" cap="none" spc="0" normalizeH="0" baseline="0" noProof="0" dirty="0" smtClean="0">
+                          <a:ln>
+                            <a:noFill/>
+                          </a:ln>
+                          <a:solidFill>
+                            <a:prstClr val="white"/>
+                          </a:solidFill>
+                          <a:effectLst/>
+                          <a:uLnTx/>
+                          <a:uFillTx/>
+                          <a:latin typeface="Calibri"/>
+                          <a:ea typeface="宋体" panose="02010600030101010101" pitchFamily="2" charset="-122"/>
+                          <a:cs typeface="+mn-cs"/>
+                        </a:rPr>
+                        <a:t>item6</a:t>
+                      </a:r>
+                      <a:endParaRPr kumimoji="0" lang="zh-CN" altLang="en-US" sz="1800" b="0" i="0" u="none" strike="noStrike" kern="1200" cap="none" spc="0" normalizeH="0" baseline="0" noProof="0" dirty="0">
+                        <a:ln>
+                          <a:noFill/>
+                        </a:ln>
+                        <a:solidFill>
+                          <a:prstClr val="white"/>
+                        </a:solidFill>
+                        <a:effectLst/>
+                        <a:uLnTx/>
+                        <a:uFillTx/>
+                        <a:latin typeface="Calibri"/>
+                        <a:ea typeface="宋体" panose="02010600030101010101" pitchFamily="2" charset="-122"/>
+                        <a:cs typeface="+mn-cs"/>
+                      </a:endParaRPr>
+                    </a:p>
+                  </a:txBody>
+                  <a:tcPr anchor="ctr">
+                    <a:lnL w="12700" cap="flat" cmpd="sng" algn="ctr">
+                      <a:solidFill>
+                        <a:schemeClr val="bg1"/>
+                      </a:solidFill>
+                      <a:prstDash val="solid"/>
+                      <a:round/>
+                      <a:headEnd type="none" w="med" len="med"/>
+                      <a:tailEnd type="none" w="med" len="med"/>
+                    </a:lnL>
+                    <a:lnR w="12700" cap="flat" cmpd="sng" algn="ctr">
+                      <a:solidFill>
+                        <a:schemeClr val="bg1"/>
+                      </a:solidFill>
+                      <a:prstDash val="solid"/>
+                      <a:round/>
+                      <a:headEnd type="none" w="med" len="med"/>
+                      <a:tailEnd type="none" w="med" len="med"/>
+                    </a:lnR>
+                    <a:lnT w="12700" cap="flat" cmpd="sng" algn="ctr">
+                      <a:solidFill>
+                        <a:schemeClr val="bg1"/>
+                      </a:solidFill>
+                      <a:prstDash val="solid"/>
+                      <a:round/>
+                      <a:headEnd type="none" w="med" len="med"/>
+                      <a:tailEnd type="none" w="med" len="med"/>
+                    </a:lnT>
+                    <a:lnB w="12700" cap="flat" cmpd="sng" algn="ctr">
+                      <a:solidFill>
+                        <a:schemeClr val="bg1"/>
+                      </a:solidFill>
+                      <a:prstDash val="solid"/>
+                      <a:round/>
+                      <a:headEnd type="none" w="med" len="med"/>
+                      <a:tailEnd type="none" w="med" len="med"/>
+                    </a:lnB>
+                    <a:solidFill>
+                      <a:schemeClr val="accent5">
+                        <a:lumMod val="75000"/>
+                      </a:schemeClr>
+                    </a:solidFill>
+                  </a:tcPr>
+                </a:tc>
+                <a:extLst>
+                  <a:ext uri="{0D108BD9-81ED-4DB2-BD59-A6C34878D82A}">
+                    <a16:rowId xmlns:a16="http://schemas.microsoft.com/office/drawing/2014/main" val="193482310"/>
+                  </a:ext>
+                </a:extLst>
+              </a:tr>
+            </a:tbl>
+          </a:graphicData>
+        </a:graphic>
+      </p:graphicFrame>
+      <p:sp>
+        <p:nvSpPr>
+          <p:cNvPr id="4" name="右大括号 3"/>
+          <p:cNvSpPr/>
+          <p:nvPr/>
+        </p:nvSpPr>
+        <p:spPr>
+          <a:xfrm>
+            <a:off x="1603756" y="503049"/>
+            <a:ext cx="216024" cy="2187397"/>
+          </a:xfrm>
+          <a:prstGeom prst="rightBrace">
+            <a:avLst>
+              <a:gd name="adj1" fmla="val 65314"/>
+              <a:gd name="adj2" fmla="val 50000"/>
+            </a:avLst>
+          </a:prstGeom>
+          <a:ln w="28575"/>
+        </p:spPr>
+        <p:style>
+          <a:lnRef idx="1">
+            <a:schemeClr val="accent1"/>
+          </a:lnRef>
+          <a:fillRef idx="0">
+            <a:schemeClr val="accent1"/>
+          </a:fillRef>
+          <a:effectRef idx="0">
+            <a:schemeClr val="accent1"/>
+          </a:effectRef>
+          <a:fontRef idx="minor">
+            <a:schemeClr val="tx1"/>
+          </a:fontRef>
+        </p:style>
+        <p:txBody>
+          <a:bodyPr rtlCol="0" anchor="ctr"/>
+          <a:lstStyle/>
+          <a:p>
+            <a:pPr algn="ctr"/>
+            <a:endParaRPr lang="zh-CN" altLang="en-US"/>
+          </a:p>
+        </p:txBody>
+      </p:sp>
+      <p:sp>
+        <p:nvSpPr>
+          <p:cNvPr id="5" name="右箭头 4"/>
+          <p:cNvSpPr/>
+          <p:nvPr/>
+        </p:nvSpPr>
+        <p:spPr>
+          <a:xfrm rot="984060">
+            <a:off x="2018220" y="1562243"/>
+            <a:ext cx="360040" cy="288032"/>
+          </a:xfrm>
+          <a:prstGeom prst="rightArrow">
+            <a:avLst/>
+          </a:prstGeom>
+        </p:spPr>
+        <p:style>
+          <a:lnRef idx="2">
+            <a:schemeClr val="accent1">
+              <a:shade val="50000"/>
+            </a:schemeClr>
+          </a:lnRef>
+          <a:fillRef idx="1">
+            <a:schemeClr val="accent1"/>
+          </a:fillRef>
+          <a:effectRef idx="0">
+            <a:schemeClr val="accent1"/>
+          </a:effectRef>
+          <a:fontRef idx="minor">
+            <a:schemeClr val="lt1"/>
+          </a:fontRef>
+        </p:style>
+        <p:txBody>
+          <a:bodyPr rtlCol="0" anchor="ctr"/>
+          <a:lstStyle/>
+          <a:p>
+            <a:pPr algn="ctr"/>
+            <a:endParaRPr lang="zh-CN" altLang="en-US"/>
+          </a:p>
+        </p:txBody>
+      </p:sp>
+      <p:sp>
+        <p:nvSpPr>
+          <p:cNvPr id="6" name="文本框 5"/>
+          <p:cNvSpPr txBox="1"/>
+          <p:nvPr/>
+        </p:nvSpPr>
+        <p:spPr>
+          <a:xfrm>
+            <a:off x="504383" y="6163190"/>
+            <a:ext cx="938527" cy="369332"/>
+          </a:xfrm>
+          <a:prstGeom prst="rect">
+            <a:avLst/>
+          </a:prstGeom>
+          <a:noFill/>
+        </p:spPr>
+        <p:txBody>
+          <a:bodyPr wrap="none" rtlCol="0">
+            <a:spAutoFit/>
+          </a:bodyPr>
+          <a:lstStyle/>
+          <a:p>
+            <a:r>
+              <a:rPr lang="en-US" altLang="zh-CN" b="1" dirty="0" smtClean="0"/>
+              <a:t>All Data</a:t>
+            </a:r>
+            <a:endParaRPr lang="zh-CN" altLang="en-US" b="1" dirty="0"/>
+          </a:p>
+        </p:txBody>
+      </p:sp>
+      <p:sp>
+        <p:nvSpPr>
+          <p:cNvPr id="7" name="文本框 6"/>
+          <p:cNvSpPr txBox="1"/>
+          <p:nvPr/>
+        </p:nvSpPr>
+        <p:spPr>
+          <a:xfrm>
+            <a:off x="3089321" y="3543082"/>
+            <a:ext cx="778546" cy="369332"/>
+          </a:xfrm>
+          <a:prstGeom prst="rect">
+            <a:avLst/>
+          </a:prstGeom>
+          <a:noFill/>
+        </p:spPr>
+        <p:txBody>
+          <a:bodyPr wrap="none" rtlCol="0">
+            <a:spAutoFit/>
+          </a:bodyPr>
+          <a:lstStyle/>
+          <a:p>
+            <a:r>
+              <a:rPr lang="en-US" altLang="zh-CN" b="1" dirty="0" smtClean="0"/>
+              <a:t>Buffer</a:t>
+            </a:r>
+            <a:endParaRPr lang="zh-CN" altLang="en-US" b="1" dirty="0"/>
+          </a:p>
+        </p:txBody>
+      </p:sp>
+      <p:sp>
+        <p:nvSpPr>
+          <p:cNvPr id="8" name="文本框 7"/>
+          <p:cNvSpPr txBox="1"/>
+          <p:nvPr/>
+        </p:nvSpPr>
+        <p:spPr>
+          <a:xfrm>
+            <a:off x="2570575" y="3085882"/>
+            <a:ext cx="1582164" cy="369332"/>
+          </a:xfrm>
+          <a:prstGeom prst="rect">
+            <a:avLst/>
+          </a:prstGeom>
+          <a:noFill/>
+        </p:spPr>
+        <p:txBody>
+          <a:bodyPr wrap="none" rtlCol="0">
+            <a:spAutoFit/>
+          </a:bodyPr>
+          <a:lstStyle/>
+          <a:p>
+            <a:r>
+              <a:rPr lang="en-US" altLang="zh-CN" b="1" dirty="0" err="1" smtClean="0"/>
+              <a:t>Buffer_size</a:t>
+            </a:r>
+            <a:r>
+              <a:rPr lang="en-US" altLang="zh-CN" b="1" dirty="0" smtClean="0"/>
+              <a:t> = 6</a:t>
+            </a:r>
+            <a:endParaRPr lang="zh-CN" altLang="en-US" b="1" dirty="0"/>
+          </a:p>
+        </p:txBody>
+      </p:sp>
+      <p:graphicFrame>
+        <p:nvGraphicFramePr>
+          <p:cNvPr id="9" name="表格 8"/>
+          <p:cNvGraphicFramePr>
+            <a:graphicFrameLocks noGrp="1"/>
+          </p:cNvGraphicFramePr>
+          <p:nvPr>
+            <p:extLst>
+              <p:ext uri="{D42A27DB-BD31-4B8C-83A1-F6EECF244321}">
+                <p14:modId xmlns:p14="http://schemas.microsoft.com/office/powerpoint/2010/main" val="4255187227"/>
+              </p:ext>
+            </p:extLst>
+          </p:nvPr>
+        </p:nvGraphicFramePr>
+        <p:xfrm>
+          <a:off x="4590074" y="476672"/>
+          <a:ext cx="1152128" cy="5562600"/>
+        </p:xfrm>
+        <a:graphic>
+          <a:graphicData uri="http://schemas.openxmlformats.org/drawingml/2006/table">
+            <a:tbl>
+              <a:tblPr firstRow="1" bandRow="1">
+                <a:tableStyleId>{5C22544A-7EE6-4342-B048-85BDC9FD1C3A}</a:tableStyleId>
+              </a:tblPr>
+              <a:tblGrid>
+                <a:gridCol w="1152128">
+                  <a:extLst>
+                    <a:ext uri="{9D8B030D-6E8A-4147-A177-3AD203B41FA5}">
+                      <a16:colId xmlns:a16="http://schemas.microsoft.com/office/drawing/2014/main" val="1214683687"/>
+                    </a:ext>
+                  </a:extLst>
+                </a:gridCol>
+              </a:tblGrid>
+              <a:tr h="370840">
+                <a:tc>
+                  <a:txBody>
+                    <a:bodyPr/>
+                    <a:lstStyle/>
+                    <a:p>
+                      <a:pPr algn="ctr"/>
+                      <a:r>
+                        <a:rPr lang="en-US" altLang="zh-CN" sz="1800" b="0" smtClean="0">
+                          <a:solidFill>
+                            <a:schemeClr val="bg1"/>
+                          </a:solidFill>
+                        </a:rPr>
+                        <a:t>item1</a:t>
+                      </a:r>
+                      <a:endParaRPr lang="zh-CN" altLang="en-US" sz="1800" b="0" dirty="0">
+                        <a:solidFill>
+                          <a:schemeClr val="bg1"/>
+                        </a:solidFill>
+                      </a:endParaRPr>
+                    </a:p>
+                  </a:txBody>
+                  <a:tcPr anchor="ctr">
+                    <a:lnL w="12700" cap="flat" cmpd="sng" algn="ctr">
+                      <a:solidFill>
+                        <a:schemeClr val="bg1"/>
+                      </a:solidFill>
+                      <a:prstDash val="solid"/>
+                      <a:round/>
+                      <a:headEnd type="none" w="med" len="med"/>
+                      <a:tailEnd type="none" w="med" len="med"/>
+                    </a:lnL>
+                    <a:lnR w="12700" cap="flat" cmpd="sng" algn="ctr">
+                      <a:solidFill>
+                        <a:schemeClr val="bg1"/>
+                      </a:solidFill>
+                      <a:prstDash val="solid"/>
+                      <a:round/>
+                      <a:headEnd type="none" w="med" len="med"/>
+                      <a:tailEnd type="none" w="med" len="med"/>
+                    </a:lnR>
+                    <a:lnT w="12700" cap="flat" cmpd="sng" algn="ctr">
+                      <a:solidFill>
+                        <a:schemeClr val="bg1"/>
+                      </a:solidFill>
+                      <a:prstDash val="solid"/>
+                      <a:round/>
+                      <a:headEnd type="none" w="med" len="med"/>
+                      <a:tailEnd type="none" w="med" len="med"/>
+                    </a:lnT>
+                    <a:lnB w="12700" cap="flat" cmpd="sng" algn="ctr">
+                      <a:solidFill>
+                        <a:schemeClr val="bg1"/>
+                      </a:solidFill>
+                      <a:prstDash val="solid"/>
+                      <a:round/>
+                      <a:headEnd type="none" w="med" len="med"/>
+                      <a:tailEnd type="none" w="med" len="med"/>
+                    </a:lnB>
+                    <a:solidFill>
+                      <a:schemeClr val="accent5">
+                        <a:lumMod val="75000"/>
+                      </a:schemeClr>
+                    </a:solidFill>
+                  </a:tcPr>
+                </a:tc>
+                <a:extLst>
+                  <a:ext uri="{0D108BD9-81ED-4DB2-BD59-A6C34878D82A}">
+                    <a16:rowId xmlns:a16="http://schemas.microsoft.com/office/drawing/2014/main" val="1006269131"/>
+                  </a:ext>
+                </a:extLst>
+              </a:tr>
+              <a:tr h="370840">
+                <a:tc>
+                  <a:txBody>
+                    <a:bodyPr/>
+                    <a:lstStyle/>
+                    <a:p>
+                      <a:pPr marL="0" marR="0" lvl="0" indent="0" algn="ctr" defTabSz="914400" rtl="0" eaLnBrk="1" fontAlgn="auto" latinLnBrk="0" hangingPunct="1">
+                        <a:lnSpc>
+                          <a:spcPct val="100000"/>
+                        </a:lnSpc>
+                        <a:spcBef>
+                          <a:spcPts val="0"/>
+                        </a:spcBef>
+                        <a:spcAft>
+                          <a:spcPts val="0"/>
+                        </a:spcAft>
+                        <a:buClrTx/>
+                        <a:buSzTx/>
+                        <a:buFontTx/>
+                        <a:buNone/>
+                        <a:tabLst/>
+                        <a:defRPr/>
+                      </a:pPr>
+                      <a:r>
+                        <a:rPr kumimoji="0" lang="en-US" altLang="zh-CN" sz="1800" b="0" i="0" u="none" strike="noStrike" kern="1200" cap="none" spc="0" normalizeH="0" baseline="0" noProof="0" smtClean="0">
+                          <a:ln>
+                            <a:noFill/>
+                          </a:ln>
+                          <a:solidFill>
+                            <a:prstClr val="white"/>
+                          </a:solidFill>
+                          <a:effectLst/>
+                          <a:uLnTx/>
+                          <a:uFillTx/>
+                          <a:latin typeface="Calibri"/>
+                          <a:ea typeface="宋体" panose="02010600030101010101" pitchFamily="2" charset="-122"/>
+                          <a:cs typeface="+mn-cs"/>
+                        </a:rPr>
+                        <a:t>item2</a:t>
+                      </a:r>
+                      <a:endParaRPr kumimoji="0" lang="zh-CN" altLang="en-US" sz="1800" b="0" i="0" u="none" strike="noStrike" kern="1200" cap="none" spc="0" normalizeH="0" baseline="0" noProof="0" dirty="0">
+                        <a:ln>
+                          <a:noFill/>
+                        </a:ln>
+                        <a:solidFill>
+                          <a:prstClr val="white"/>
+                        </a:solidFill>
+                        <a:effectLst/>
+                        <a:uLnTx/>
+                        <a:uFillTx/>
+                        <a:latin typeface="Calibri"/>
+                        <a:ea typeface="宋体" panose="02010600030101010101" pitchFamily="2" charset="-122"/>
+                        <a:cs typeface="+mn-cs"/>
+                      </a:endParaRPr>
+                    </a:p>
+                  </a:txBody>
+                  <a:tcPr anchor="ctr">
+                    <a:lnL w="12700" cap="flat" cmpd="sng" algn="ctr">
+                      <a:solidFill>
+                        <a:schemeClr val="bg1"/>
+                      </a:solidFill>
+                      <a:prstDash val="solid"/>
+                      <a:round/>
+                      <a:headEnd type="none" w="med" len="med"/>
+                      <a:tailEnd type="none" w="med" len="med"/>
+                    </a:lnL>
+                    <a:lnR w="12700" cap="flat" cmpd="sng" algn="ctr">
+                      <a:solidFill>
+                        <a:schemeClr val="bg1"/>
+                      </a:solidFill>
+                      <a:prstDash val="solid"/>
+                      <a:round/>
+                      <a:headEnd type="none" w="med" len="med"/>
+                      <a:tailEnd type="none" w="med" len="med"/>
+                    </a:lnR>
+                    <a:lnT w="12700" cap="flat" cmpd="sng" algn="ctr">
+                      <a:solidFill>
+                        <a:schemeClr val="bg1"/>
+                      </a:solidFill>
+                      <a:prstDash val="solid"/>
+                      <a:round/>
+                      <a:headEnd type="none" w="med" len="med"/>
+                      <a:tailEnd type="none" w="med" len="med"/>
+                    </a:lnT>
+                    <a:lnB w="12700" cap="flat" cmpd="sng" algn="ctr">
+                      <a:solidFill>
+                        <a:schemeClr val="bg1"/>
+                      </a:solidFill>
+                      <a:prstDash val="solid"/>
+                      <a:round/>
+                      <a:headEnd type="none" w="med" len="med"/>
+                      <a:tailEnd type="none" w="med" len="med"/>
+                    </a:lnB>
+                    <a:solidFill>
+                      <a:schemeClr val="accent5">
+                        <a:lumMod val="75000"/>
+                      </a:schemeClr>
+                    </a:solidFill>
+                  </a:tcPr>
+                </a:tc>
+                <a:extLst>
+                  <a:ext uri="{0D108BD9-81ED-4DB2-BD59-A6C34878D82A}">
+                    <a16:rowId xmlns:a16="http://schemas.microsoft.com/office/drawing/2014/main" val="194545254"/>
+                  </a:ext>
+                </a:extLst>
+              </a:tr>
+              <a:tr h="370840">
+                <a:tc>
+                  <a:txBody>
+                    <a:bodyPr/>
+                    <a:lstStyle/>
+                    <a:p>
+                      <a:pPr marL="0" marR="0" lvl="0" indent="0" algn="ctr" defTabSz="914400" rtl="0" eaLnBrk="1" fontAlgn="auto" latinLnBrk="0" hangingPunct="1">
+                        <a:lnSpc>
+                          <a:spcPct val="100000"/>
+                        </a:lnSpc>
+                        <a:spcBef>
+                          <a:spcPts val="0"/>
+                        </a:spcBef>
+                        <a:spcAft>
+                          <a:spcPts val="0"/>
+                        </a:spcAft>
+                        <a:buClrTx/>
+                        <a:buSzTx/>
+                        <a:buFontTx/>
+                        <a:buNone/>
+                        <a:tabLst/>
+                        <a:defRPr/>
+                      </a:pPr>
+                      <a:r>
+                        <a:rPr kumimoji="0" lang="en-US" altLang="zh-CN" sz="1800" b="0" i="0" u="none" strike="noStrike" kern="1200" cap="none" spc="0" normalizeH="0" baseline="0" noProof="0" smtClean="0">
+                          <a:ln>
+                            <a:noFill/>
+                          </a:ln>
+                          <a:solidFill>
+                            <a:prstClr val="white"/>
+                          </a:solidFill>
+                          <a:effectLst/>
+                          <a:uLnTx/>
+                          <a:uFillTx/>
+                          <a:latin typeface="Calibri"/>
+                          <a:ea typeface="宋体" panose="02010600030101010101" pitchFamily="2" charset="-122"/>
+                          <a:cs typeface="+mn-cs"/>
+                        </a:rPr>
+                        <a:t>item3</a:t>
+                      </a:r>
+                      <a:endParaRPr kumimoji="0" lang="zh-CN" altLang="en-US" sz="1800" b="0" i="0" u="none" strike="noStrike" kern="1200" cap="none" spc="0" normalizeH="0" baseline="0" noProof="0" dirty="0">
+                        <a:ln>
+                          <a:noFill/>
+                        </a:ln>
+                        <a:solidFill>
+                          <a:prstClr val="white"/>
+                        </a:solidFill>
+                        <a:effectLst/>
+                        <a:uLnTx/>
+                        <a:uFillTx/>
+                        <a:latin typeface="Calibri"/>
+                        <a:ea typeface="宋体" panose="02010600030101010101" pitchFamily="2" charset="-122"/>
+                        <a:cs typeface="+mn-cs"/>
+                      </a:endParaRPr>
+                    </a:p>
+                  </a:txBody>
+                  <a:tcPr anchor="ctr">
+                    <a:lnL w="12700" cap="flat" cmpd="sng" algn="ctr">
+                      <a:solidFill>
+                        <a:schemeClr val="bg1"/>
+                      </a:solidFill>
+                      <a:prstDash val="solid"/>
+                      <a:round/>
+                      <a:headEnd type="none" w="med" len="med"/>
+                      <a:tailEnd type="none" w="med" len="med"/>
+                    </a:lnL>
+                    <a:lnR w="12700" cap="flat" cmpd="sng" algn="ctr">
+                      <a:solidFill>
+                        <a:schemeClr val="bg1"/>
+                      </a:solidFill>
+                      <a:prstDash val="solid"/>
+                      <a:round/>
+                      <a:headEnd type="none" w="med" len="med"/>
+                      <a:tailEnd type="none" w="med" len="med"/>
+                    </a:lnR>
+                    <a:lnT w="12700" cap="flat" cmpd="sng" algn="ctr">
+                      <a:solidFill>
+                        <a:schemeClr val="bg1"/>
+                      </a:solidFill>
+                      <a:prstDash val="solid"/>
+                      <a:round/>
+                      <a:headEnd type="none" w="med" len="med"/>
+                      <a:tailEnd type="none" w="med" len="med"/>
+                    </a:lnT>
+                    <a:lnB w="12700" cap="flat" cmpd="sng" algn="ctr">
+                      <a:solidFill>
+                        <a:schemeClr val="bg1"/>
+                      </a:solidFill>
+                      <a:prstDash val="solid"/>
+                      <a:round/>
+                      <a:headEnd type="none" w="med" len="med"/>
+                      <a:tailEnd type="none" w="med" len="med"/>
+                    </a:lnB>
+                    <a:solidFill>
+                      <a:schemeClr val="accent5">
+                        <a:lumMod val="75000"/>
+                      </a:schemeClr>
+                    </a:solidFill>
+                  </a:tcPr>
+                </a:tc>
+                <a:extLst>
+                  <a:ext uri="{0D108BD9-81ED-4DB2-BD59-A6C34878D82A}">
+                    <a16:rowId xmlns:a16="http://schemas.microsoft.com/office/drawing/2014/main" val="44223002"/>
+                  </a:ext>
+                </a:extLst>
+              </a:tr>
+              <a:tr h="370840">
+                <a:tc>
+                  <a:txBody>
+                    <a:bodyPr/>
+                    <a:lstStyle/>
+                    <a:p>
+                      <a:pPr marL="0" marR="0" lvl="0" indent="0" algn="ctr" defTabSz="914400" rtl="0" eaLnBrk="1" fontAlgn="auto" latinLnBrk="0" hangingPunct="1">
+                        <a:lnSpc>
+                          <a:spcPct val="100000"/>
+                        </a:lnSpc>
+                        <a:spcBef>
+                          <a:spcPts val="0"/>
+                        </a:spcBef>
+                        <a:spcAft>
+                          <a:spcPts val="0"/>
+                        </a:spcAft>
+                        <a:buClrTx/>
+                        <a:buSzTx/>
+                        <a:buFontTx/>
+                        <a:buNone/>
+                        <a:tabLst/>
+                        <a:defRPr/>
+                      </a:pPr>
+                      <a:r>
+                        <a:rPr kumimoji="0" lang="en-US" altLang="zh-CN" sz="1800" b="0" i="0" u="none" strike="noStrike" kern="1200" cap="none" spc="0" normalizeH="0" baseline="0" noProof="0" smtClean="0">
+                          <a:ln>
+                            <a:noFill/>
+                          </a:ln>
+                          <a:solidFill>
+                            <a:prstClr val="white"/>
+                          </a:solidFill>
+                          <a:effectLst/>
+                          <a:uLnTx/>
+                          <a:uFillTx/>
+                          <a:latin typeface="Calibri"/>
+                          <a:ea typeface="宋体" panose="02010600030101010101" pitchFamily="2" charset="-122"/>
+                          <a:cs typeface="+mn-cs"/>
+                        </a:rPr>
+                        <a:t>item4</a:t>
+                      </a:r>
+                      <a:endParaRPr kumimoji="0" lang="zh-CN" altLang="en-US" sz="1800" b="0" i="0" u="none" strike="noStrike" kern="1200" cap="none" spc="0" normalizeH="0" baseline="0" noProof="0" dirty="0">
+                        <a:ln>
+                          <a:noFill/>
+                        </a:ln>
+                        <a:solidFill>
+                          <a:prstClr val="white"/>
+                        </a:solidFill>
+                        <a:effectLst/>
+                        <a:uLnTx/>
+                        <a:uFillTx/>
+                        <a:latin typeface="Calibri"/>
+                        <a:ea typeface="宋体" panose="02010600030101010101" pitchFamily="2" charset="-122"/>
+                        <a:cs typeface="+mn-cs"/>
+                      </a:endParaRPr>
+                    </a:p>
+                  </a:txBody>
+                  <a:tcPr anchor="ctr">
+                    <a:lnL w="12700" cap="flat" cmpd="sng" algn="ctr">
+                      <a:solidFill>
+                        <a:schemeClr val="bg1"/>
+                      </a:solidFill>
+                      <a:prstDash val="solid"/>
+                      <a:round/>
+                      <a:headEnd type="none" w="med" len="med"/>
+                      <a:tailEnd type="none" w="med" len="med"/>
+                    </a:lnL>
+                    <a:lnR w="12700" cap="flat" cmpd="sng" algn="ctr">
+                      <a:solidFill>
+                        <a:schemeClr val="bg1"/>
+                      </a:solidFill>
+                      <a:prstDash val="solid"/>
+                      <a:round/>
+                      <a:headEnd type="none" w="med" len="med"/>
+                      <a:tailEnd type="none" w="med" len="med"/>
+                    </a:lnR>
+                    <a:lnT w="12700" cap="flat" cmpd="sng" algn="ctr">
+                      <a:solidFill>
+                        <a:schemeClr val="bg1"/>
+                      </a:solidFill>
+                      <a:prstDash val="solid"/>
+                      <a:round/>
+                      <a:headEnd type="none" w="med" len="med"/>
+                      <a:tailEnd type="none" w="med" len="med"/>
+                    </a:lnT>
+                    <a:lnB w="12700" cap="flat" cmpd="sng" algn="ctr">
+                      <a:solidFill>
+                        <a:schemeClr val="bg1"/>
+                      </a:solidFill>
+                      <a:prstDash val="solid"/>
+                      <a:round/>
+                      <a:headEnd type="none" w="med" len="med"/>
+                      <a:tailEnd type="none" w="med" len="med"/>
+                    </a:lnB>
+                    <a:solidFill>
+                      <a:schemeClr val="accent5">
+                        <a:lumMod val="75000"/>
+                      </a:schemeClr>
+                    </a:solidFill>
+                  </a:tcPr>
+                </a:tc>
+                <a:extLst>
+                  <a:ext uri="{0D108BD9-81ED-4DB2-BD59-A6C34878D82A}">
+                    <a16:rowId xmlns:a16="http://schemas.microsoft.com/office/drawing/2014/main" val="4268083801"/>
+                  </a:ext>
+                </a:extLst>
+              </a:tr>
+              <a:tr h="370840">
+                <a:tc>
+                  <a:txBody>
+                    <a:bodyPr/>
+                    <a:lstStyle/>
+                    <a:p>
+                      <a:pPr marL="0" marR="0" lvl="0" indent="0" algn="ctr" defTabSz="914400" rtl="0" eaLnBrk="1" fontAlgn="auto" latinLnBrk="0" hangingPunct="1">
+                        <a:lnSpc>
+                          <a:spcPct val="100000"/>
+                        </a:lnSpc>
+                        <a:spcBef>
+                          <a:spcPts val="0"/>
+                        </a:spcBef>
+                        <a:spcAft>
+                          <a:spcPts val="0"/>
+                        </a:spcAft>
+                        <a:buClrTx/>
+                        <a:buSzTx/>
+                        <a:buFontTx/>
+                        <a:buNone/>
+                        <a:tabLst/>
+                        <a:defRPr/>
+                      </a:pPr>
+                      <a:r>
+                        <a:rPr kumimoji="0" lang="en-US" altLang="zh-CN" sz="1800" b="0" i="0" u="none" strike="noStrike" kern="1200" cap="none" spc="0" normalizeH="0" baseline="0" noProof="0" smtClean="0">
+                          <a:ln>
+                            <a:noFill/>
+                          </a:ln>
+                          <a:solidFill>
+                            <a:prstClr val="white"/>
+                          </a:solidFill>
+                          <a:effectLst/>
+                          <a:uLnTx/>
+                          <a:uFillTx/>
+                          <a:latin typeface="Calibri"/>
+                          <a:ea typeface="宋体" panose="02010600030101010101" pitchFamily="2" charset="-122"/>
+                          <a:cs typeface="+mn-cs"/>
+                        </a:rPr>
+                        <a:t>item5</a:t>
+                      </a:r>
+                      <a:endParaRPr kumimoji="0" lang="zh-CN" altLang="en-US" sz="1800" b="0" i="0" u="none" strike="noStrike" kern="1200" cap="none" spc="0" normalizeH="0" baseline="0" noProof="0" dirty="0">
+                        <a:ln>
+                          <a:noFill/>
+                        </a:ln>
+                        <a:solidFill>
+                          <a:prstClr val="white"/>
+                        </a:solidFill>
+                        <a:effectLst/>
+                        <a:uLnTx/>
+                        <a:uFillTx/>
+                        <a:latin typeface="Calibri"/>
+                        <a:ea typeface="宋体" panose="02010600030101010101" pitchFamily="2" charset="-122"/>
+                        <a:cs typeface="+mn-cs"/>
+                      </a:endParaRPr>
+                    </a:p>
+                  </a:txBody>
+                  <a:tcPr anchor="ctr">
+                    <a:lnL w="12700" cap="flat" cmpd="sng" algn="ctr">
+                      <a:solidFill>
+                        <a:schemeClr val="bg1"/>
+                      </a:solidFill>
+                      <a:prstDash val="solid"/>
+                      <a:round/>
+                      <a:headEnd type="none" w="med" len="med"/>
+                      <a:tailEnd type="none" w="med" len="med"/>
+                    </a:lnL>
+                    <a:lnR w="12700" cap="flat" cmpd="sng" algn="ctr">
+                      <a:solidFill>
+                        <a:schemeClr val="bg1"/>
+                      </a:solidFill>
+                      <a:prstDash val="solid"/>
+                      <a:round/>
+                      <a:headEnd type="none" w="med" len="med"/>
+                      <a:tailEnd type="none" w="med" len="med"/>
+                    </a:lnR>
+                    <a:lnT w="12700" cap="flat" cmpd="sng" algn="ctr">
+                      <a:solidFill>
+                        <a:schemeClr val="bg1"/>
+                      </a:solidFill>
+                      <a:prstDash val="solid"/>
+                      <a:round/>
+                      <a:headEnd type="none" w="med" len="med"/>
+                      <a:tailEnd type="none" w="med" len="med"/>
+                    </a:lnT>
+                    <a:lnB w="12700" cap="flat" cmpd="sng" algn="ctr">
+                      <a:solidFill>
+                        <a:schemeClr val="bg1"/>
+                      </a:solidFill>
+                      <a:prstDash val="solid"/>
+                      <a:round/>
+                      <a:headEnd type="none" w="med" len="med"/>
+                      <a:tailEnd type="none" w="med" len="med"/>
+                    </a:lnB>
+                    <a:solidFill>
+                      <a:schemeClr val="accent5">
+                        <a:lumMod val="75000"/>
+                      </a:schemeClr>
+                    </a:solidFill>
+                  </a:tcPr>
+                </a:tc>
+                <a:extLst>
+                  <a:ext uri="{0D108BD9-81ED-4DB2-BD59-A6C34878D82A}">
+                    <a16:rowId xmlns:a16="http://schemas.microsoft.com/office/drawing/2014/main" val="2987823741"/>
+                  </a:ext>
+                </a:extLst>
+              </a:tr>
+              <a:tr h="370840">
+                <a:tc>
+                  <a:txBody>
+                    <a:bodyPr/>
+                    <a:lstStyle/>
+                    <a:p>
+                      <a:pPr marL="0" marR="0" lvl="0" indent="0" algn="ctr" defTabSz="914400" rtl="0" eaLnBrk="1" fontAlgn="auto" latinLnBrk="0" hangingPunct="1">
+                        <a:lnSpc>
+                          <a:spcPct val="100000"/>
+                        </a:lnSpc>
+                        <a:spcBef>
+                          <a:spcPts val="0"/>
+                        </a:spcBef>
+                        <a:spcAft>
+                          <a:spcPts val="0"/>
+                        </a:spcAft>
+                        <a:buClrTx/>
+                        <a:buSzTx/>
+                        <a:buFontTx/>
+                        <a:buNone/>
+                        <a:tabLst/>
+                        <a:defRPr/>
+                      </a:pPr>
+                      <a:r>
+                        <a:rPr kumimoji="0" lang="en-US" altLang="zh-CN" sz="1800" b="0" i="0" u="none" strike="noStrike" kern="1200" cap="none" spc="0" normalizeH="0" baseline="0" noProof="0" smtClean="0">
+                          <a:ln>
+                            <a:noFill/>
+                          </a:ln>
+                          <a:solidFill>
+                            <a:prstClr val="white"/>
+                          </a:solidFill>
+                          <a:effectLst/>
+                          <a:uLnTx/>
+                          <a:uFillTx/>
+                          <a:latin typeface="Calibri"/>
+                          <a:ea typeface="宋体" panose="02010600030101010101" pitchFamily="2" charset="-122"/>
+                          <a:cs typeface="+mn-cs"/>
+                        </a:rPr>
+                        <a:t>item6</a:t>
+                      </a:r>
+                      <a:endParaRPr kumimoji="0" lang="zh-CN" altLang="en-US" sz="1800" b="0" i="0" u="none" strike="noStrike" kern="1200" cap="none" spc="0" normalizeH="0" baseline="0" noProof="0" dirty="0">
+                        <a:ln>
+                          <a:noFill/>
+                        </a:ln>
+                        <a:solidFill>
+                          <a:prstClr val="white"/>
+                        </a:solidFill>
+                        <a:effectLst/>
+                        <a:uLnTx/>
+                        <a:uFillTx/>
+                        <a:latin typeface="Calibri"/>
+                        <a:ea typeface="宋体" panose="02010600030101010101" pitchFamily="2" charset="-122"/>
+                        <a:cs typeface="+mn-cs"/>
+                      </a:endParaRPr>
+                    </a:p>
+                  </a:txBody>
+                  <a:tcPr anchor="ctr">
+                    <a:lnL w="12700" cap="flat" cmpd="sng" algn="ctr">
+                      <a:solidFill>
+                        <a:schemeClr val="bg1"/>
+                      </a:solidFill>
+                      <a:prstDash val="solid"/>
+                      <a:round/>
+                      <a:headEnd type="none" w="med" len="med"/>
+                      <a:tailEnd type="none" w="med" len="med"/>
+                    </a:lnL>
+                    <a:lnR w="12700" cap="flat" cmpd="sng" algn="ctr">
+                      <a:solidFill>
+                        <a:schemeClr val="bg1"/>
+                      </a:solidFill>
+                      <a:prstDash val="solid"/>
+                      <a:round/>
+                      <a:headEnd type="none" w="med" len="med"/>
+                      <a:tailEnd type="none" w="med" len="med"/>
+                    </a:lnR>
+                    <a:lnT w="12700" cap="flat" cmpd="sng" algn="ctr">
+                      <a:solidFill>
+                        <a:schemeClr val="bg1"/>
+                      </a:solidFill>
+                      <a:prstDash val="solid"/>
+                      <a:round/>
+                      <a:headEnd type="none" w="med" len="med"/>
+                      <a:tailEnd type="none" w="med" len="med"/>
+                    </a:lnT>
+                    <a:lnB w="12700" cap="flat" cmpd="sng" algn="ctr">
+                      <a:solidFill>
+                        <a:schemeClr val="bg1"/>
+                      </a:solidFill>
+                      <a:prstDash val="solid"/>
+                      <a:round/>
+                      <a:headEnd type="none" w="med" len="med"/>
+                      <a:tailEnd type="none" w="med" len="med"/>
+                    </a:lnB>
+                    <a:solidFill>
+                      <a:schemeClr val="accent5">
+                        <a:lumMod val="75000"/>
+                      </a:schemeClr>
+                    </a:solidFill>
+                  </a:tcPr>
+                </a:tc>
+                <a:extLst>
+                  <a:ext uri="{0D108BD9-81ED-4DB2-BD59-A6C34878D82A}">
+                    <a16:rowId xmlns:a16="http://schemas.microsoft.com/office/drawing/2014/main" val="193482310"/>
+                  </a:ext>
+                </a:extLst>
+              </a:tr>
+              <a:tr h="370840">
+                <a:tc>
+                  <a:txBody>
+                    <a:bodyPr/>
+                    <a:lstStyle/>
+                    <a:p>
+                      <a:pPr marL="0" marR="0" lvl="0" indent="0" algn="ctr" defTabSz="914400" rtl="0" eaLnBrk="1" fontAlgn="auto" latinLnBrk="0" hangingPunct="1">
+                        <a:lnSpc>
+                          <a:spcPct val="100000"/>
+                        </a:lnSpc>
+                        <a:spcBef>
+                          <a:spcPts val="0"/>
+                        </a:spcBef>
+                        <a:spcAft>
+                          <a:spcPts val="0"/>
+                        </a:spcAft>
+                        <a:buClrTx/>
+                        <a:buSzTx/>
+                        <a:buFontTx/>
+                        <a:buNone/>
+                        <a:tabLst/>
+                        <a:defRPr/>
+                      </a:pPr>
+                      <a:r>
+                        <a:rPr kumimoji="0" lang="en-US" altLang="zh-CN" sz="1800" b="0" i="0" u="none" strike="noStrike" kern="1200" cap="none" spc="0" normalizeH="0" baseline="0" noProof="0" smtClean="0">
+                          <a:ln>
+                            <a:noFill/>
+                          </a:ln>
+                          <a:solidFill>
+                            <a:prstClr val="white"/>
+                          </a:solidFill>
+                          <a:effectLst/>
+                          <a:uLnTx/>
+                          <a:uFillTx/>
+                          <a:latin typeface="Calibri"/>
+                          <a:ea typeface="宋体" panose="02010600030101010101" pitchFamily="2" charset="-122"/>
+                          <a:cs typeface="+mn-cs"/>
+                        </a:rPr>
+                        <a:t>item7</a:t>
+                      </a:r>
+                      <a:endParaRPr kumimoji="0" lang="zh-CN" altLang="en-US" sz="1800" b="0" i="0" u="none" strike="noStrike" kern="1200" cap="none" spc="0" normalizeH="0" baseline="0" noProof="0" dirty="0">
+                        <a:ln>
+                          <a:noFill/>
+                        </a:ln>
+                        <a:solidFill>
+                          <a:prstClr val="white"/>
+                        </a:solidFill>
+                        <a:effectLst/>
+                        <a:uLnTx/>
+                        <a:uFillTx/>
+                        <a:latin typeface="Calibri"/>
+                        <a:ea typeface="宋体" panose="02010600030101010101" pitchFamily="2" charset="-122"/>
+                        <a:cs typeface="+mn-cs"/>
+                      </a:endParaRPr>
+                    </a:p>
+                  </a:txBody>
+                  <a:tcPr anchor="ctr">
+                    <a:lnL w="12700" cap="flat" cmpd="sng" algn="ctr">
+                      <a:solidFill>
+                        <a:schemeClr val="bg1"/>
+                      </a:solidFill>
+                      <a:prstDash val="solid"/>
+                      <a:round/>
+                      <a:headEnd type="none" w="med" len="med"/>
+                      <a:tailEnd type="none" w="med" len="med"/>
+                    </a:lnL>
+                    <a:lnR w="12700" cap="flat" cmpd="sng" algn="ctr">
+                      <a:solidFill>
+                        <a:schemeClr val="bg1"/>
+                      </a:solidFill>
+                      <a:prstDash val="solid"/>
+                      <a:round/>
+                      <a:headEnd type="none" w="med" len="med"/>
+                      <a:tailEnd type="none" w="med" len="med"/>
+                    </a:lnR>
+                    <a:lnT w="12700" cap="flat" cmpd="sng" algn="ctr">
+                      <a:solidFill>
+                        <a:schemeClr val="bg1"/>
+                      </a:solidFill>
+                      <a:prstDash val="solid"/>
+                      <a:round/>
+                      <a:headEnd type="none" w="med" len="med"/>
+                      <a:tailEnd type="none" w="med" len="med"/>
+                    </a:lnT>
+                    <a:lnB w="12700" cap="flat" cmpd="sng" algn="ctr">
+                      <a:solidFill>
+                        <a:schemeClr val="bg1"/>
+                      </a:solidFill>
+                      <a:prstDash val="solid"/>
+                      <a:round/>
+                      <a:headEnd type="none" w="med" len="med"/>
+                      <a:tailEnd type="none" w="med" len="med"/>
+                    </a:lnB>
+                    <a:solidFill>
+                      <a:schemeClr val="accent5">
+                        <a:lumMod val="75000"/>
+                      </a:schemeClr>
+                    </a:solidFill>
+                  </a:tcPr>
+                </a:tc>
+                <a:extLst>
+                  <a:ext uri="{0D108BD9-81ED-4DB2-BD59-A6C34878D82A}">
+                    <a16:rowId xmlns:a16="http://schemas.microsoft.com/office/drawing/2014/main" val="589513760"/>
+                  </a:ext>
+                </a:extLst>
+              </a:tr>
+              <a:tr h="370840">
+                <a:tc>
+                  <a:txBody>
+                    <a:bodyPr/>
+                    <a:lstStyle/>
+                    <a:p>
+                      <a:pPr marL="0" marR="0" lvl="0" indent="0" algn="ctr" defTabSz="914400" rtl="0" eaLnBrk="1" fontAlgn="auto" latinLnBrk="0" hangingPunct="1">
+                        <a:lnSpc>
+                          <a:spcPct val="100000"/>
+                        </a:lnSpc>
+                        <a:spcBef>
+                          <a:spcPts val="0"/>
+                        </a:spcBef>
+                        <a:spcAft>
+                          <a:spcPts val="0"/>
+                        </a:spcAft>
+                        <a:buClrTx/>
+                        <a:buSzTx/>
+                        <a:buFontTx/>
+                        <a:buNone/>
+                        <a:tabLst/>
+                        <a:defRPr/>
+                      </a:pPr>
+                      <a:r>
+                        <a:rPr kumimoji="0" lang="en-US" altLang="zh-CN" sz="1800" b="0" i="0" u="none" strike="noStrike" kern="1200" cap="none" spc="0" normalizeH="0" baseline="0" noProof="0" smtClean="0">
+                          <a:ln>
+                            <a:noFill/>
+                          </a:ln>
+                          <a:solidFill>
+                            <a:prstClr val="white"/>
+                          </a:solidFill>
+                          <a:effectLst/>
+                          <a:uLnTx/>
+                          <a:uFillTx/>
+                          <a:latin typeface="Calibri"/>
+                          <a:ea typeface="宋体" panose="02010600030101010101" pitchFamily="2" charset="-122"/>
+                          <a:cs typeface="+mn-cs"/>
+                        </a:rPr>
+                        <a:t>item8</a:t>
+                      </a:r>
+                      <a:endParaRPr kumimoji="0" lang="zh-CN" altLang="en-US" sz="1800" b="0" i="0" u="none" strike="noStrike" kern="1200" cap="none" spc="0" normalizeH="0" baseline="0" noProof="0" dirty="0">
+                        <a:ln>
+                          <a:noFill/>
+                        </a:ln>
+                        <a:solidFill>
+                          <a:prstClr val="white"/>
+                        </a:solidFill>
+                        <a:effectLst/>
+                        <a:uLnTx/>
+                        <a:uFillTx/>
+                        <a:latin typeface="Calibri"/>
+                        <a:ea typeface="宋体" panose="02010600030101010101" pitchFamily="2" charset="-122"/>
+                        <a:cs typeface="+mn-cs"/>
+                      </a:endParaRPr>
+                    </a:p>
+                  </a:txBody>
+                  <a:tcPr anchor="ctr">
+                    <a:lnL w="12700" cap="flat" cmpd="sng" algn="ctr">
+                      <a:solidFill>
+                        <a:schemeClr val="bg1"/>
+                      </a:solidFill>
+                      <a:prstDash val="solid"/>
+                      <a:round/>
+                      <a:headEnd type="none" w="med" len="med"/>
+                      <a:tailEnd type="none" w="med" len="med"/>
+                    </a:lnL>
+                    <a:lnR w="12700" cap="flat" cmpd="sng" algn="ctr">
+                      <a:solidFill>
+                        <a:schemeClr val="bg1"/>
+                      </a:solidFill>
+                      <a:prstDash val="solid"/>
+                      <a:round/>
+                      <a:headEnd type="none" w="med" len="med"/>
+                      <a:tailEnd type="none" w="med" len="med"/>
+                    </a:lnR>
+                    <a:lnT w="12700" cap="flat" cmpd="sng" algn="ctr">
+                      <a:solidFill>
+                        <a:schemeClr val="bg1"/>
+                      </a:solidFill>
+                      <a:prstDash val="solid"/>
+                      <a:round/>
+                      <a:headEnd type="none" w="med" len="med"/>
+                      <a:tailEnd type="none" w="med" len="med"/>
+                    </a:lnT>
+                    <a:lnB w="12700" cap="flat" cmpd="sng" algn="ctr">
+                      <a:solidFill>
+                        <a:schemeClr val="bg1"/>
+                      </a:solidFill>
+                      <a:prstDash val="solid"/>
+                      <a:round/>
+                      <a:headEnd type="none" w="med" len="med"/>
+                      <a:tailEnd type="none" w="med" len="med"/>
+                    </a:lnB>
+                    <a:solidFill>
+                      <a:schemeClr val="accent5">
+                        <a:lumMod val="75000"/>
+                      </a:schemeClr>
+                    </a:solidFill>
+                  </a:tcPr>
+                </a:tc>
+                <a:extLst>
+                  <a:ext uri="{0D108BD9-81ED-4DB2-BD59-A6C34878D82A}">
+                    <a16:rowId xmlns:a16="http://schemas.microsoft.com/office/drawing/2014/main" val="3314464373"/>
+                  </a:ext>
+                </a:extLst>
+              </a:tr>
+              <a:tr h="370840">
+                <a:tc>
+                  <a:txBody>
+                    <a:bodyPr/>
+                    <a:lstStyle/>
+                    <a:p>
+                      <a:pPr marL="0" marR="0" lvl="0" indent="0" algn="ctr" defTabSz="914400" rtl="0" eaLnBrk="1" fontAlgn="auto" latinLnBrk="0" hangingPunct="1">
+                        <a:lnSpc>
+                          <a:spcPct val="100000"/>
+                        </a:lnSpc>
+                        <a:spcBef>
+                          <a:spcPts val="0"/>
+                        </a:spcBef>
+                        <a:spcAft>
+                          <a:spcPts val="0"/>
+                        </a:spcAft>
+                        <a:buClrTx/>
+                        <a:buSzTx/>
+                        <a:buFontTx/>
+                        <a:buNone/>
+                        <a:tabLst/>
+                        <a:defRPr/>
+                      </a:pPr>
+                      <a:r>
+                        <a:rPr kumimoji="0" lang="en-US" altLang="zh-CN" sz="1800" b="0" i="0" u="none" strike="noStrike" kern="1200" cap="none" spc="0" normalizeH="0" baseline="0" noProof="0" smtClean="0">
+                          <a:ln>
+                            <a:noFill/>
+                          </a:ln>
+                          <a:solidFill>
+                            <a:prstClr val="white"/>
+                          </a:solidFill>
+                          <a:effectLst/>
+                          <a:uLnTx/>
+                          <a:uFillTx/>
+                          <a:latin typeface="Calibri"/>
+                          <a:ea typeface="宋体" panose="02010600030101010101" pitchFamily="2" charset="-122"/>
+                          <a:cs typeface="+mn-cs"/>
+                        </a:rPr>
+                        <a:t>item9</a:t>
+                      </a:r>
+                      <a:endParaRPr kumimoji="0" lang="zh-CN" altLang="en-US" sz="1800" b="0" i="0" u="none" strike="noStrike" kern="1200" cap="none" spc="0" normalizeH="0" baseline="0" noProof="0" dirty="0">
+                        <a:ln>
+                          <a:noFill/>
+                        </a:ln>
+                        <a:solidFill>
+                          <a:prstClr val="white"/>
+                        </a:solidFill>
+                        <a:effectLst/>
+                        <a:uLnTx/>
+                        <a:uFillTx/>
+                        <a:latin typeface="Calibri"/>
+                        <a:ea typeface="宋体" panose="02010600030101010101" pitchFamily="2" charset="-122"/>
+                        <a:cs typeface="+mn-cs"/>
+                      </a:endParaRPr>
+                    </a:p>
+                  </a:txBody>
+                  <a:tcPr anchor="ctr">
+                    <a:lnL w="12700" cap="flat" cmpd="sng" algn="ctr">
+                      <a:solidFill>
+                        <a:schemeClr val="bg1"/>
+                      </a:solidFill>
+                      <a:prstDash val="solid"/>
+                      <a:round/>
+                      <a:headEnd type="none" w="med" len="med"/>
+                      <a:tailEnd type="none" w="med" len="med"/>
+                    </a:lnL>
+                    <a:lnR w="12700" cap="flat" cmpd="sng" algn="ctr">
+                      <a:solidFill>
+                        <a:schemeClr val="bg1"/>
+                      </a:solidFill>
+                      <a:prstDash val="solid"/>
+                      <a:round/>
+                      <a:headEnd type="none" w="med" len="med"/>
+                      <a:tailEnd type="none" w="med" len="med"/>
+                    </a:lnR>
+                    <a:lnT w="12700" cap="flat" cmpd="sng" algn="ctr">
+                      <a:solidFill>
+                        <a:schemeClr val="bg1"/>
+                      </a:solidFill>
+                      <a:prstDash val="solid"/>
+                      <a:round/>
+                      <a:headEnd type="none" w="med" len="med"/>
+                      <a:tailEnd type="none" w="med" len="med"/>
+                    </a:lnT>
+                    <a:lnB w="12700" cap="flat" cmpd="sng" algn="ctr">
+                      <a:solidFill>
+                        <a:schemeClr val="bg1"/>
+                      </a:solidFill>
+                      <a:prstDash val="solid"/>
+                      <a:round/>
+                      <a:headEnd type="none" w="med" len="med"/>
+                      <a:tailEnd type="none" w="med" len="med"/>
+                    </a:lnB>
+                    <a:solidFill>
+                      <a:schemeClr val="accent5">
+                        <a:lumMod val="75000"/>
+                      </a:schemeClr>
+                    </a:solidFill>
+                  </a:tcPr>
+                </a:tc>
+                <a:extLst>
+                  <a:ext uri="{0D108BD9-81ED-4DB2-BD59-A6C34878D82A}">
+                    <a16:rowId xmlns:a16="http://schemas.microsoft.com/office/drawing/2014/main" val="1811545710"/>
+                  </a:ext>
+                </a:extLst>
+              </a:tr>
+              <a:tr h="370840">
+                <a:tc>
+                  <a:txBody>
+                    <a:bodyPr/>
+                    <a:lstStyle/>
+                    <a:p>
+                      <a:pPr marL="0" marR="0" lvl="0" indent="0" algn="ctr" defTabSz="914400" rtl="0" eaLnBrk="1" fontAlgn="auto" latinLnBrk="0" hangingPunct="1">
+                        <a:lnSpc>
+                          <a:spcPct val="100000"/>
+                        </a:lnSpc>
+                        <a:spcBef>
+                          <a:spcPts val="0"/>
+                        </a:spcBef>
+                        <a:spcAft>
+                          <a:spcPts val="0"/>
+                        </a:spcAft>
+                        <a:buClrTx/>
+                        <a:buSzTx/>
+                        <a:buFontTx/>
+                        <a:buNone/>
+                        <a:tabLst/>
+                        <a:defRPr/>
+                      </a:pPr>
+                      <a:r>
+                        <a:rPr kumimoji="0" lang="en-US" altLang="zh-CN" sz="1800" b="0" i="0" u="none" strike="noStrike" kern="1200" cap="none" spc="0" normalizeH="0" baseline="0" noProof="0" smtClean="0">
+                          <a:ln>
+                            <a:noFill/>
+                          </a:ln>
+                          <a:solidFill>
+                            <a:prstClr val="white"/>
+                          </a:solidFill>
+                          <a:effectLst/>
+                          <a:uLnTx/>
+                          <a:uFillTx/>
+                          <a:latin typeface="Calibri"/>
+                          <a:ea typeface="宋体" panose="02010600030101010101" pitchFamily="2" charset="-122"/>
+                          <a:cs typeface="+mn-cs"/>
+                        </a:rPr>
+                        <a:t>item10</a:t>
+                      </a:r>
+                      <a:endParaRPr kumimoji="0" lang="zh-CN" altLang="en-US" sz="1800" b="0" i="0" u="none" strike="noStrike" kern="1200" cap="none" spc="0" normalizeH="0" baseline="0" noProof="0" dirty="0">
+                        <a:ln>
+                          <a:noFill/>
+                        </a:ln>
+                        <a:solidFill>
+                          <a:prstClr val="white"/>
+                        </a:solidFill>
+                        <a:effectLst/>
+                        <a:uLnTx/>
+                        <a:uFillTx/>
+                        <a:latin typeface="Calibri"/>
+                        <a:ea typeface="宋体" panose="02010600030101010101" pitchFamily="2" charset="-122"/>
+                        <a:cs typeface="+mn-cs"/>
+                      </a:endParaRPr>
+                    </a:p>
+                  </a:txBody>
+                  <a:tcPr anchor="ctr">
+                    <a:lnL w="12700" cap="flat" cmpd="sng" algn="ctr">
+                      <a:solidFill>
+                        <a:schemeClr val="bg1"/>
+                      </a:solidFill>
+                      <a:prstDash val="solid"/>
+                      <a:round/>
+                      <a:headEnd type="none" w="med" len="med"/>
+                      <a:tailEnd type="none" w="med" len="med"/>
+                    </a:lnL>
+                    <a:lnR w="12700" cap="flat" cmpd="sng" algn="ctr">
+                      <a:solidFill>
+                        <a:schemeClr val="bg1"/>
+                      </a:solidFill>
+                      <a:prstDash val="solid"/>
+                      <a:round/>
+                      <a:headEnd type="none" w="med" len="med"/>
+                      <a:tailEnd type="none" w="med" len="med"/>
+                    </a:lnR>
+                    <a:lnT w="12700" cap="flat" cmpd="sng" algn="ctr">
+                      <a:solidFill>
+                        <a:schemeClr val="bg1"/>
+                      </a:solidFill>
+                      <a:prstDash val="solid"/>
+                      <a:round/>
+                      <a:headEnd type="none" w="med" len="med"/>
+                      <a:tailEnd type="none" w="med" len="med"/>
+                    </a:lnT>
+                    <a:lnB w="12700" cap="flat" cmpd="sng" algn="ctr">
+                      <a:solidFill>
+                        <a:schemeClr val="bg1"/>
+                      </a:solidFill>
+                      <a:prstDash val="solid"/>
+                      <a:round/>
+                      <a:headEnd type="none" w="med" len="med"/>
+                      <a:tailEnd type="none" w="med" len="med"/>
+                    </a:lnB>
+                    <a:solidFill>
+                      <a:schemeClr val="accent5">
+                        <a:lumMod val="75000"/>
+                      </a:schemeClr>
+                    </a:solidFill>
+                  </a:tcPr>
+                </a:tc>
+                <a:extLst>
+                  <a:ext uri="{0D108BD9-81ED-4DB2-BD59-A6C34878D82A}">
+                    <a16:rowId xmlns:a16="http://schemas.microsoft.com/office/drawing/2014/main" val="2525566091"/>
+                  </a:ext>
+                </a:extLst>
+              </a:tr>
+              <a:tr h="370840">
+                <a:tc>
+                  <a:txBody>
+                    <a:bodyPr/>
+                    <a:lstStyle/>
+                    <a:p>
+                      <a:pPr marL="0" marR="0" lvl="0" indent="0" algn="ctr" defTabSz="914400" rtl="0" eaLnBrk="1" fontAlgn="auto" latinLnBrk="0" hangingPunct="1">
+                        <a:lnSpc>
+                          <a:spcPct val="100000"/>
+                        </a:lnSpc>
+                        <a:spcBef>
+                          <a:spcPts val="0"/>
+                        </a:spcBef>
+                        <a:spcAft>
+                          <a:spcPts val="0"/>
+                        </a:spcAft>
+                        <a:buClrTx/>
+                        <a:buSzTx/>
+                        <a:buFontTx/>
+                        <a:buNone/>
+                        <a:tabLst/>
+                        <a:defRPr/>
+                      </a:pPr>
+                      <a:r>
+                        <a:rPr kumimoji="0" lang="en-US" altLang="zh-CN" sz="1800" b="0" i="0" u="none" strike="noStrike" kern="1200" cap="none" spc="0" normalizeH="0" baseline="0" noProof="0" smtClean="0">
+                          <a:ln>
+                            <a:noFill/>
+                          </a:ln>
+                          <a:solidFill>
+                            <a:prstClr val="white"/>
+                          </a:solidFill>
+                          <a:effectLst/>
+                          <a:uLnTx/>
+                          <a:uFillTx/>
+                          <a:latin typeface="Calibri"/>
+                          <a:ea typeface="宋体" panose="02010600030101010101" pitchFamily="2" charset="-122"/>
+                          <a:cs typeface="+mn-cs"/>
+                        </a:rPr>
+                        <a:t>item11</a:t>
+                      </a:r>
+                      <a:endParaRPr kumimoji="0" lang="zh-CN" altLang="en-US" sz="1800" b="0" i="0" u="none" strike="noStrike" kern="1200" cap="none" spc="0" normalizeH="0" baseline="0" noProof="0" dirty="0">
+                        <a:ln>
+                          <a:noFill/>
+                        </a:ln>
+                        <a:solidFill>
+                          <a:prstClr val="white"/>
+                        </a:solidFill>
+                        <a:effectLst/>
+                        <a:uLnTx/>
+                        <a:uFillTx/>
+                        <a:latin typeface="Calibri"/>
+                        <a:ea typeface="宋体" panose="02010600030101010101" pitchFamily="2" charset="-122"/>
+                        <a:cs typeface="+mn-cs"/>
+                      </a:endParaRPr>
+                    </a:p>
+                  </a:txBody>
+                  <a:tcPr anchor="ctr">
+                    <a:lnL w="12700" cap="flat" cmpd="sng" algn="ctr">
+                      <a:solidFill>
+                        <a:schemeClr val="bg1"/>
+                      </a:solidFill>
+                      <a:prstDash val="solid"/>
+                      <a:round/>
+                      <a:headEnd type="none" w="med" len="med"/>
+                      <a:tailEnd type="none" w="med" len="med"/>
+                    </a:lnL>
+                    <a:lnR w="12700" cap="flat" cmpd="sng" algn="ctr">
+                      <a:solidFill>
+                        <a:schemeClr val="bg1"/>
+                      </a:solidFill>
+                      <a:prstDash val="solid"/>
+                      <a:round/>
+                      <a:headEnd type="none" w="med" len="med"/>
+                      <a:tailEnd type="none" w="med" len="med"/>
+                    </a:lnR>
+                    <a:lnT w="12700" cap="flat" cmpd="sng" algn="ctr">
+                      <a:solidFill>
+                        <a:schemeClr val="bg1"/>
+                      </a:solidFill>
+                      <a:prstDash val="solid"/>
+                      <a:round/>
+                      <a:headEnd type="none" w="med" len="med"/>
+                      <a:tailEnd type="none" w="med" len="med"/>
+                    </a:lnT>
+                    <a:lnB w="12700" cap="flat" cmpd="sng" algn="ctr">
+                      <a:solidFill>
+                        <a:schemeClr val="bg1"/>
+                      </a:solidFill>
+                      <a:prstDash val="solid"/>
+                      <a:round/>
+                      <a:headEnd type="none" w="med" len="med"/>
+                      <a:tailEnd type="none" w="med" len="med"/>
+                    </a:lnB>
+                    <a:solidFill>
+                      <a:schemeClr val="accent5">
+                        <a:lumMod val="75000"/>
+                      </a:schemeClr>
+                    </a:solidFill>
+                  </a:tcPr>
+                </a:tc>
+                <a:extLst>
+                  <a:ext uri="{0D108BD9-81ED-4DB2-BD59-A6C34878D82A}">
+                    <a16:rowId xmlns:a16="http://schemas.microsoft.com/office/drawing/2014/main" val="3360797041"/>
+                  </a:ext>
+                </a:extLst>
+              </a:tr>
+              <a:tr h="370840">
+                <a:tc>
+                  <a:txBody>
+                    <a:bodyPr/>
+                    <a:lstStyle/>
+                    <a:p>
+                      <a:pPr algn="ctr"/>
+                      <a:r>
+                        <a:rPr lang="en-US" altLang="zh-CN" sz="1800" b="0" smtClean="0">
+                          <a:solidFill>
+                            <a:schemeClr val="bg1"/>
+                          </a:solidFill>
+                        </a:rPr>
+                        <a:t>……</a:t>
+                      </a:r>
+                      <a:endParaRPr lang="zh-CN" altLang="en-US" sz="1800" b="0" dirty="0">
+                        <a:solidFill>
+                          <a:schemeClr val="bg1"/>
+                        </a:solidFill>
+                      </a:endParaRPr>
+                    </a:p>
+                  </a:txBody>
+                  <a:tcPr anchor="ctr">
+                    <a:lnL w="12700" cap="flat" cmpd="sng" algn="ctr">
+                      <a:solidFill>
+                        <a:schemeClr val="bg1"/>
+                      </a:solidFill>
+                      <a:prstDash val="solid"/>
+                      <a:round/>
+                      <a:headEnd type="none" w="med" len="med"/>
+                      <a:tailEnd type="none" w="med" len="med"/>
+                    </a:lnL>
+                    <a:lnR w="12700" cap="flat" cmpd="sng" algn="ctr">
+                      <a:solidFill>
+                        <a:schemeClr val="bg1"/>
+                      </a:solidFill>
+                      <a:prstDash val="solid"/>
+                      <a:round/>
+                      <a:headEnd type="none" w="med" len="med"/>
+                      <a:tailEnd type="none" w="med" len="med"/>
+                    </a:lnR>
+                    <a:lnT w="12700" cap="flat" cmpd="sng" algn="ctr">
+                      <a:solidFill>
+                        <a:schemeClr val="bg1"/>
+                      </a:solidFill>
+                      <a:prstDash val="solid"/>
+                      <a:round/>
+                      <a:headEnd type="none" w="med" len="med"/>
+                      <a:tailEnd type="none" w="med" len="med"/>
+                    </a:lnT>
+                    <a:lnB w="12700" cap="flat" cmpd="sng" algn="ctr">
+                      <a:solidFill>
+                        <a:schemeClr val="bg1"/>
+                      </a:solidFill>
+                      <a:prstDash val="solid"/>
+                      <a:round/>
+                      <a:headEnd type="none" w="med" len="med"/>
+                      <a:tailEnd type="none" w="med" len="med"/>
+                    </a:lnB>
+                    <a:solidFill>
+                      <a:schemeClr val="accent5">
+                        <a:lumMod val="75000"/>
+                      </a:schemeClr>
+                    </a:solidFill>
+                  </a:tcPr>
+                </a:tc>
+                <a:extLst>
+                  <a:ext uri="{0D108BD9-81ED-4DB2-BD59-A6C34878D82A}">
+                    <a16:rowId xmlns:a16="http://schemas.microsoft.com/office/drawing/2014/main" val="2873669025"/>
+                  </a:ext>
+                </a:extLst>
+              </a:tr>
+              <a:tr h="370840">
+                <a:tc>
+                  <a:txBody>
+                    <a:bodyPr/>
+                    <a:lstStyle/>
+                    <a:p>
+                      <a:pPr algn="ctr"/>
+                      <a:r>
+                        <a:rPr lang="en-US" altLang="zh-CN" sz="1800" b="0" smtClean="0">
+                          <a:solidFill>
+                            <a:schemeClr val="bg1"/>
+                          </a:solidFill>
+                        </a:rPr>
+                        <a:t>……</a:t>
+                      </a:r>
+                      <a:endParaRPr lang="zh-CN" altLang="en-US" sz="1800" b="0" dirty="0">
+                        <a:solidFill>
+                          <a:schemeClr val="bg1"/>
+                        </a:solidFill>
+                      </a:endParaRPr>
+                    </a:p>
+                  </a:txBody>
+                  <a:tcPr anchor="ctr">
+                    <a:lnL w="12700" cap="flat" cmpd="sng" algn="ctr">
+                      <a:solidFill>
+                        <a:schemeClr val="bg1"/>
+                      </a:solidFill>
+                      <a:prstDash val="solid"/>
+                      <a:round/>
+                      <a:headEnd type="none" w="med" len="med"/>
+                      <a:tailEnd type="none" w="med" len="med"/>
+                    </a:lnL>
+                    <a:lnR w="12700" cap="flat" cmpd="sng" algn="ctr">
+                      <a:solidFill>
+                        <a:schemeClr val="bg1"/>
+                      </a:solidFill>
+                      <a:prstDash val="solid"/>
+                      <a:round/>
+                      <a:headEnd type="none" w="med" len="med"/>
+                      <a:tailEnd type="none" w="med" len="med"/>
+                    </a:lnR>
+                    <a:lnT w="12700" cap="flat" cmpd="sng" algn="ctr">
+                      <a:solidFill>
+                        <a:schemeClr val="bg1"/>
+                      </a:solidFill>
+                      <a:prstDash val="solid"/>
+                      <a:round/>
+                      <a:headEnd type="none" w="med" len="med"/>
+                      <a:tailEnd type="none" w="med" len="med"/>
+                    </a:lnT>
+                    <a:lnB w="12700" cap="flat" cmpd="sng" algn="ctr">
+                      <a:solidFill>
+                        <a:schemeClr val="bg1"/>
+                      </a:solidFill>
+                      <a:prstDash val="solid"/>
+                      <a:round/>
+                      <a:headEnd type="none" w="med" len="med"/>
+                      <a:tailEnd type="none" w="med" len="med"/>
+                    </a:lnB>
+                    <a:solidFill>
+                      <a:schemeClr val="accent5">
+                        <a:lumMod val="75000"/>
+                      </a:schemeClr>
+                    </a:solidFill>
+                  </a:tcPr>
+                </a:tc>
+                <a:extLst>
+                  <a:ext uri="{0D108BD9-81ED-4DB2-BD59-A6C34878D82A}">
+                    <a16:rowId xmlns:a16="http://schemas.microsoft.com/office/drawing/2014/main" val="3732079516"/>
+                  </a:ext>
+                </a:extLst>
+              </a:tr>
+              <a:tr h="370840">
+                <a:tc>
+                  <a:txBody>
+                    <a:bodyPr/>
+                    <a:lstStyle/>
+                    <a:p>
+                      <a:pPr algn="ctr"/>
+                      <a:r>
+                        <a:rPr lang="en-US" altLang="zh-CN" sz="1800" b="0" smtClean="0">
+                          <a:solidFill>
+                            <a:schemeClr val="bg1"/>
+                          </a:solidFill>
+                        </a:rPr>
+                        <a:t>……</a:t>
+                      </a:r>
+                      <a:endParaRPr lang="zh-CN" altLang="en-US" sz="1800" b="0" dirty="0">
+                        <a:solidFill>
+                          <a:schemeClr val="bg1"/>
+                        </a:solidFill>
+                      </a:endParaRPr>
+                    </a:p>
+                  </a:txBody>
+                  <a:tcPr anchor="ctr">
+                    <a:lnL w="12700" cap="flat" cmpd="sng" algn="ctr">
+                      <a:solidFill>
+                        <a:schemeClr val="bg1"/>
+                      </a:solidFill>
+                      <a:prstDash val="solid"/>
+                      <a:round/>
+                      <a:headEnd type="none" w="med" len="med"/>
+                      <a:tailEnd type="none" w="med" len="med"/>
+                    </a:lnL>
+                    <a:lnR w="12700" cap="flat" cmpd="sng" algn="ctr">
+                      <a:solidFill>
+                        <a:schemeClr val="bg1"/>
+                      </a:solidFill>
+                      <a:prstDash val="solid"/>
+                      <a:round/>
+                      <a:headEnd type="none" w="med" len="med"/>
+                      <a:tailEnd type="none" w="med" len="med"/>
+                    </a:lnR>
+                    <a:lnT w="12700" cap="flat" cmpd="sng" algn="ctr">
+                      <a:solidFill>
+                        <a:schemeClr val="bg1"/>
+                      </a:solidFill>
+                      <a:prstDash val="solid"/>
+                      <a:round/>
+                      <a:headEnd type="none" w="med" len="med"/>
+                      <a:tailEnd type="none" w="med" len="med"/>
+                    </a:lnT>
+                    <a:lnB w="12700" cap="flat" cmpd="sng" algn="ctr">
+                      <a:solidFill>
+                        <a:schemeClr val="bg1"/>
+                      </a:solidFill>
+                      <a:prstDash val="solid"/>
+                      <a:round/>
+                      <a:headEnd type="none" w="med" len="med"/>
+                      <a:tailEnd type="none" w="med" len="med"/>
+                    </a:lnB>
+                    <a:solidFill>
+                      <a:schemeClr val="accent5">
+                        <a:lumMod val="75000"/>
+                      </a:schemeClr>
+                    </a:solidFill>
+                  </a:tcPr>
+                </a:tc>
+                <a:extLst>
+                  <a:ext uri="{0D108BD9-81ED-4DB2-BD59-A6C34878D82A}">
+                    <a16:rowId xmlns:a16="http://schemas.microsoft.com/office/drawing/2014/main" val="2966636214"/>
+                  </a:ext>
+                </a:extLst>
+              </a:tr>
+              <a:tr h="370840">
+                <a:tc>
+                  <a:txBody>
+                    <a:bodyPr/>
+                    <a:lstStyle/>
+                    <a:p>
+                      <a:pPr algn="ctr"/>
+                      <a:r>
+                        <a:rPr lang="en-US" altLang="zh-CN" sz="1800" b="0" dirty="0" smtClean="0">
+                          <a:solidFill>
+                            <a:schemeClr val="bg1"/>
+                          </a:solidFill>
+                        </a:rPr>
+                        <a:t>……</a:t>
+                      </a:r>
+                      <a:endParaRPr lang="zh-CN" altLang="en-US" sz="1800" b="0" dirty="0">
+                        <a:solidFill>
+                          <a:schemeClr val="bg1"/>
+                        </a:solidFill>
+                      </a:endParaRPr>
+                    </a:p>
+                  </a:txBody>
+                  <a:tcPr anchor="ctr">
+                    <a:lnL w="12700" cap="flat" cmpd="sng" algn="ctr">
+                      <a:solidFill>
+                        <a:schemeClr val="bg1"/>
+                      </a:solidFill>
+                      <a:prstDash val="solid"/>
+                      <a:round/>
+                      <a:headEnd type="none" w="med" len="med"/>
+                      <a:tailEnd type="none" w="med" len="med"/>
+                    </a:lnL>
+                    <a:lnR w="12700" cap="flat" cmpd="sng" algn="ctr">
+                      <a:solidFill>
+                        <a:schemeClr val="bg1"/>
+                      </a:solidFill>
+                      <a:prstDash val="solid"/>
+                      <a:round/>
+                      <a:headEnd type="none" w="med" len="med"/>
+                      <a:tailEnd type="none" w="med" len="med"/>
+                    </a:lnR>
+                    <a:lnT w="12700" cap="flat" cmpd="sng" algn="ctr">
+                      <a:solidFill>
+                        <a:schemeClr val="bg1"/>
+                      </a:solidFill>
+                      <a:prstDash val="solid"/>
+                      <a:round/>
+                      <a:headEnd type="none" w="med" len="med"/>
+                      <a:tailEnd type="none" w="med" len="med"/>
+                    </a:lnT>
+                    <a:lnB w="12700" cap="flat" cmpd="sng" algn="ctr">
+                      <a:solidFill>
+                        <a:schemeClr val="bg1"/>
+                      </a:solidFill>
+                      <a:prstDash val="solid"/>
+                      <a:round/>
+                      <a:headEnd type="none" w="med" len="med"/>
+                      <a:tailEnd type="none" w="med" len="med"/>
+                    </a:lnB>
+                    <a:solidFill>
+                      <a:schemeClr val="accent5">
+                        <a:lumMod val="75000"/>
+                      </a:schemeClr>
+                    </a:solidFill>
+                  </a:tcPr>
+                </a:tc>
+                <a:extLst>
+                  <a:ext uri="{0D108BD9-81ED-4DB2-BD59-A6C34878D82A}">
+                    <a16:rowId xmlns:a16="http://schemas.microsoft.com/office/drawing/2014/main" val="3891840487"/>
+                  </a:ext>
+                </a:extLst>
+              </a:tr>
+            </a:tbl>
+          </a:graphicData>
+        </a:graphic>
+      </p:graphicFrame>
+      <p:graphicFrame>
+        <p:nvGraphicFramePr>
+          <p:cNvPr id="10" name="表格 9"/>
+          <p:cNvGraphicFramePr>
+            <a:graphicFrameLocks noGrp="1"/>
+          </p:cNvGraphicFramePr>
+          <p:nvPr>
+            <p:extLst>
+              <p:ext uri="{D42A27DB-BD31-4B8C-83A1-F6EECF244321}">
+                <p14:modId xmlns:p14="http://schemas.microsoft.com/office/powerpoint/2010/main" val="2063590263"/>
+              </p:ext>
+            </p:extLst>
+          </p:nvPr>
+        </p:nvGraphicFramePr>
+        <p:xfrm>
+          <a:off x="6321871" y="836712"/>
+          <a:ext cx="1152128" cy="2225040"/>
+        </p:xfrm>
+        <a:graphic>
+          <a:graphicData uri="http://schemas.openxmlformats.org/drawingml/2006/table">
+            <a:tbl>
+              <a:tblPr firstRow="1" bandRow="1">
+                <a:tableStyleId>{5C22544A-7EE6-4342-B048-85BDC9FD1C3A}</a:tableStyleId>
+              </a:tblPr>
+              <a:tblGrid>
+                <a:gridCol w="1152128">
+                  <a:extLst>
+                    <a:ext uri="{9D8B030D-6E8A-4147-A177-3AD203B41FA5}">
+                      <a16:colId xmlns:a16="http://schemas.microsoft.com/office/drawing/2014/main" val="1214683687"/>
+                    </a:ext>
+                  </a:extLst>
+                </a:gridCol>
+              </a:tblGrid>
+              <a:tr h="370840">
+                <a:tc>
+                  <a:txBody>
+                    <a:bodyPr/>
+                    <a:lstStyle/>
+                    <a:p>
+                      <a:pPr algn="ctr"/>
+                      <a:r>
+                        <a:rPr lang="en-US" altLang="zh-CN" sz="1800" b="0" smtClean="0">
+                          <a:solidFill>
+                            <a:schemeClr val="bg1"/>
+                          </a:solidFill>
+                        </a:rPr>
+                        <a:t>item1</a:t>
+                      </a:r>
+                      <a:endParaRPr lang="zh-CN" altLang="en-US" sz="1800" b="0" dirty="0">
+                        <a:solidFill>
+                          <a:schemeClr val="bg1"/>
+                        </a:solidFill>
+                      </a:endParaRPr>
+                    </a:p>
+                  </a:txBody>
+                  <a:tcPr anchor="ctr">
+                    <a:lnL w="12700" cap="flat" cmpd="sng" algn="ctr">
+                      <a:solidFill>
+                        <a:schemeClr val="bg1"/>
+                      </a:solidFill>
+                      <a:prstDash val="solid"/>
+                      <a:round/>
+                      <a:headEnd type="none" w="med" len="med"/>
+                      <a:tailEnd type="none" w="med" len="med"/>
+                    </a:lnL>
+                    <a:lnR w="12700" cap="flat" cmpd="sng" algn="ctr">
+                      <a:solidFill>
+                        <a:schemeClr val="bg1"/>
+                      </a:solidFill>
+                      <a:prstDash val="solid"/>
+                      <a:round/>
+                      <a:headEnd type="none" w="med" len="med"/>
+                      <a:tailEnd type="none" w="med" len="med"/>
+                    </a:lnR>
+                    <a:lnT w="12700" cap="flat" cmpd="sng" algn="ctr">
+                      <a:solidFill>
+                        <a:schemeClr val="bg1"/>
+                      </a:solidFill>
+                      <a:prstDash val="solid"/>
+                      <a:round/>
+                      <a:headEnd type="none" w="med" len="med"/>
+                      <a:tailEnd type="none" w="med" len="med"/>
+                    </a:lnT>
+                    <a:lnB w="12700" cap="flat" cmpd="sng" algn="ctr">
+                      <a:solidFill>
+                        <a:schemeClr val="bg1"/>
+                      </a:solidFill>
+                      <a:prstDash val="solid"/>
+                      <a:round/>
+                      <a:headEnd type="none" w="med" len="med"/>
+                      <a:tailEnd type="none" w="med" len="med"/>
+                    </a:lnB>
+                    <a:solidFill>
+                      <a:schemeClr val="accent5">
+                        <a:lumMod val="75000"/>
+                      </a:schemeClr>
+                    </a:solidFill>
+                  </a:tcPr>
+                </a:tc>
+                <a:extLst>
+                  <a:ext uri="{0D108BD9-81ED-4DB2-BD59-A6C34878D82A}">
+                    <a16:rowId xmlns:a16="http://schemas.microsoft.com/office/drawing/2014/main" val="1006269131"/>
+                  </a:ext>
+                </a:extLst>
+              </a:tr>
+              <a:tr h="370840">
+                <a:tc>
+                  <a:txBody>
+                    <a:bodyPr/>
+                    <a:lstStyle/>
+                    <a:p>
+                      <a:pPr marL="0" marR="0" lvl="0" indent="0" algn="ctr" defTabSz="914400" rtl="0" eaLnBrk="1" fontAlgn="auto" latinLnBrk="0" hangingPunct="1">
+                        <a:lnSpc>
+                          <a:spcPct val="100000"/>
+                        </a:lnSpc>
+                        <a:spcBef>
+                          <a:spcPts val="0"/>
+                        </a:spcBef>
+                        <a:spcAft>
+                          <a:spcPts val="0"/>
+                        </a:spcAft>
+                        <a:buClrTx/>
+                        <a:buSzTx/>
+                        <a:buFontTx/>
+                        <a:buNone/>
+                        <a:tabLst/>
+                        <a:defRPr/>
+                      </a:pPr>
+                      <a:r>
+                        <a:rPr kumimoji="0" lang="en-US" altLang="zh-CN" sz="1800" b="0" i="0" u="none" strike="noStrike" kern="1200" cap="none" spc="0" normalizeH="0" baseline="0" noProof="0" smtClean="0">
+                          <a:ln>
+                            <a:noFill/>
+                          </a:ln>
+                          <a:solidFill>
+                            <a:prstClr val="white"/>
+                          </a:solidFill>
+                          <a:effectLst/>
+                          <a:uLnTx/>
+                          <a:uFillTx/>
+                          <a:latin typeface="Calibri"/>
+                          <a:ea typeface="宋体" panose="02010600030101010101" pitchFamily="2" charset="-122"/>
+                          <a:cs typeface="+mn-cs"/>
+                        </a:rPr>
+                        <a:t>item2</a:t>
+                      </a:r>
+                      <a:endParaRPr kumimoji="0" lang="zh-CN" altLang="en-US" sz="1800" b="0" i="0" u="none" strike="noStrike" kern="1200" cap="none" spc="0" normalizeH="0" baseline="0" noProof="0" dirty="0">
+                        <a:ln>
+                          <a:noFill/>
+                        </a:ln>
+                        <a:solidFill>
+                          <a:prstClr val="white"/>
+                        </a:solidFill>
+                        <a:effectLst/>
+                        <a:uLnTx/>
+                        <a:uFillTx/>
+                        <a:latin typeface="Calibri"/>
+                        <a:ea typeface="宋体" panose="02010600030101010101" pitchFamily="2" charset="-122"/>
+                        <a:cs typeface="+mn-cs"/>
+                      </a:endParaRPr>
+                    </a:p>
+                  </a:txBody>
+                  <a:tcPr anchor="ctr">
+                    <a:lnL w="12700" cap="flat" cmpd="sng" algn="ctr">
+                      <a:solidFill>
+                        <a:schemeClr val="bg1"/>
+                      </a:solidFill>
+                      <a:prstDash val="solid"/>
+                      <a:round/>
+                      <a:headEnd type="none" w="med" len="med"/>
+                      <a:tailEnd type="none" w="med" len="med"/>
+                    </a:lnL>
+                    <a:lnR w="12700" cap="flat" cmpd="sng" algn="ctr">
+                      <a:solidFill>
+                        <a:schemeClr val="bg1"/>
+                      </a:solidFill>
+                      <a:prstDash val="solid"/>
+                      <a:round/>
+                      <a:headEnd type="none" w="med" len="med"/>
+                      <a:tailEnd type="none" w="med" len="med"/>
+                    </a:lnR>
+                    <a:lnT w="12700" cap="flat" cmpd="sng" algn="ctr">
+                      <a:solidFill>
+                        <a:schemeClr val="bg1"/>
+                      </a:solidFill>
+                      <a:prstDash val="solid"/>
+                      <a:round/>
+                      <a:headEnd type="none" w="med" len="med"/>
+                      <a:tailEnd type="none" w="med" len="med"/>
+                    </a:lnT>
+                    <a:lnB w="12700" cap="flat" cmpd="sng" algn="ctr">
+                      <a:solidFill>
+                        <a:schemeClr val="bg1"/>
+                      </a:solidFill>
+                      <a:prstDash val="solid"/>
+                      <a:round/>
+                      <a:headEnd type="none" w="med" len="med"/>
+                      <a:tailEnd type="none" w="med" len="med"/>
+                    </a:lnB>
+                    <a:solidFill>
+                      <a:schemeClr val="accent5">
+                        <a:lumMod val="75000"/>
+                      </a:schemeClr>
+                    </a:solidFill>
+                  </a:tcPr>
+                </a:tc>
+                <a:extLst>
+                  <a:ext uri="{0D108BD9-81ED-4DB2-BD59-A6C34878D82A}">
+                    <a16:rowId xmlns:a16="http://schemas.microsoft.com/office/drawing/2014/main" val="194545254"/>
+                  </a:ext>
+                </a:extLst>
+              </a:tr>
+              <a:tr h="370840">
+                <a:tc>
+                  <a:txBody>
+                    <a:bodyPr/>
+                    <a:lstStyle/>
+                    <a:p>
+                      <a:pPr marL="0" marR="0" lvl="0" indent="0" algn="ctr" defTabSz="914400" rtl="0" eaLnBrk="1" fontAlgn="auto" latinLnBrk="0" hangingPunct="1">
+                        <a:lnSpc>
+                          <a:spcPct val="100000"/>
+                        </a:lnSpc>
+                        <a:spcBef>
+                          <a:spcPts val="0"/>
+                        </a:spcBef>
+                        <a:spcAft>
+                          <a:spcPts val="0"/>
+                        </a:spcAft>
+                        <a:buClrTx/>
+                        <a:buSzTx/>
+                        <a:buFontTx/>
+                        <a:buNone/>
+                        <a:tabLst/>
+                        <a:defRPr/>
+                      </a:pPr>
+                      <a:r>
+                        <a:rPr kumimoji="0" lang="en-US" altLang="zh-CN" sz="1800" b="0" i="0" u="none" strike="noStrike" kern="1200" cap="none" spc="0" normalizeH="0" baseline="0" noProof="0" smtClean="0">
+                          <a:ln>
+                            <a:noFill/>
+                          </a:ln>
+                          <a:solidFill>
+                            <a:prstClr val="white"/>
+                          </a:solidFill>
+                          <a:effectLst/>
+                          <a:uLnTx/>
+                          <a:uFillTx/>
+                          <a:latin typeface="Calibri"/>
+                          <a:ea typeface="宋体" panose="02010600030101010101" pitchFamily="2" charset="-122"/>
+                          <a:cs typeface="+mn-cs"/>
+                        </a:rPr>
+                        <a:t>item3</a:t>
+                      </a:r>
+                      <a:endParaRPr kumimoji="0" lang="zh-CN" altLang="en-US" sz="1800" b="0" i="0" u="none" strike="noStrike" kern="1200" cap="none" spc="0" normalizeH="0" baseline="0" noProof="0" dirty="0">
+                        <a:ln>
+                          <a:noFill/>
+                        </a:ln>
+                        <a:solidFill>
+                          <a:prstClr val="white"/>
+                        </a:solidFill>
+                        <a:effectLst/>
+                        <a:uLnTx/>
+                        <a:uFillTx/>
+                        <a:latin typeface="Calibri"/>
+                        <a:ea typeface="宋体" panose="02010600030101010101" pitchFamily="2" charset="-122"/>
+                        <a:cs typeface="+mn-cs"/>
+                      </a:endParaRPr>
+                    </a:p>
+                  </a:txBody>
+                  <a:tcPr anchor="ctr">
+                    <a:lnL w="12700" cap="flat" cmpd="sng" algn="ctr">
+                      <a:solidFill>
+                        <a:schemeClr val="bg1"/>
+                      </a:solidFill>
+                      <a:prstDash val="solid"/>
+                      <a:round/>
+                      <a:headEnd type="none" w="med" len="med"/>
+                      <a:tailEnd type="none" w="med" len="med"/>
+                    </a:lnL>
+                    <a:lnR w="12700" cap="flat" cmpd="sng" algn="ctr">
+                      <a:solidFill>
+                        <a:schemeClr val="bg1"/>
+                      </a:solidFill>
+                      <a:prstDash val="solid"/>
+                      <a:round/>
+                      <a:headEnd type="none" w="med" len="med"/>
+                      <a:tailEnd type="none" w="med" len="med"/>
+                    </a:lnR>
+                    <a:lnT w="12700" cap="flat" cmpd="sng" algn="ctr">
+                      <a:solidFill>
+                        <a:schemeClr val="bg1"/>
+                      </a:solidFill>
+                      <a:prstDash val="solid"/>
+                      <a:round/>
+                      <a:headEnd type="none" w="med" len="med"/>
+                      <a:tailEnd type="none" w="med" len="med"/>
+                    </a:lnT>
+                    <a:lnB w="12700" cap="flat" cmpd="sng" algn="ctr">
+                      <a:solidFill>
+                        <a:schemeClr val="bg1"/>
+                      </a:solidFill>
+                      <a:prstDash val="solid"/>
+                      <a:round/>
+                      <a:headEnd type="none" w="med" len="med"/>
+                      <a:tailEnd type="none" w="med" len="med"/>
+                    </a:lnB>
+                    <a:solidFill>
+                      <a:schemeClr val="accent5">
+                        <a:lumMod val="75000"/>
+                      </a:schemeClr>
+                    </a:solidFill>
+                  </a:tcPr>
+                </a:tc>
+                <a:extLst>
+                  <a:ext uri="{0D108BD9-81ED-4DB2-BD59-A6C34878D82A}">
+                    <a16:rowId xmlns:a16="http://schemas.microsoft.com/office/drawing/2014/main" val="44223002"/>
+                  </a:ext>
+                </a:extLst>
+              </a:tr>
+              <a:tr h="370840">
+                <a:tc>
+                  <a:txBody>
+                    <a:bodyPr/>
+                    <a:lstStyle/>
+                    <a:p>
+                      <a:pPr marL="0" marR="0" lvl="0" indent="0" algn="ctr" defTabSz="914400" rtl="0" eaLnBrk="1" fontAlgn="auto" latinLnBrk="0" hangingPunct="1">
+                        <a:lnSpc>
+                          <a:spcPct val="100000"/>
+                        </a:lnSpc>
+                        <a:spcBef>
+                          <a:spcPts val="0"/>
+                        </a:spcBef>
+                        <a:spcAft>
+                          <a:spcPts val="0"/>
+                        </a:spcAft>
+                        <a:buClrTx/>
+                        <a:buSzTx/>
+                        <a:buFontTx/>
+                        <a:buNone/>
+                        <a:tabLst/>
+                        <a:defRPr/>
+                      </a:pPr>
+                      <a:endParaRPr kumimoji="0" lang="zh-CN" altLang="en-US" sz="1800" b="0" i="0" u="none" strike="noStrike" kern="1200" cap="none" spc="0" normalizeH="0" baseline="0" noProof="0" dirty="0">
+                        <a:ln>
+                          <a:noFill/>
+                        </a:ln>
+                        <a:solidFill>
+                          <a:prstClr val="white"/>
+                        </a:solidFill>
+                        <a:effectLst/>
+                        <a:uLnTx/>
+                        <a:uFillTx/>
+                        <a:latin typeface="Calibri"/>
+                        <a:ea typeface="宋体" panose="02010600030101010101" pitchFamily="2" charset="-122"/>
+                        <a:cs typeface="+mn-cs"/>
+                      </a:endParaRPr>
+                    </a:p>
+                  </a:txBody>
+                  <a:tcPr anchor="ctr">
+                    <a:lnL w="12700" cap="flat" cmpd="sng" algn="ctr">
+                      <a:solidFill>
+                        <a:schemeClr val="bg1"/>
+                      </a:solidFill>
+                      <a:prstDash val="solid"/>
+                      <a:round/>
+                      <a:headEnd type="none" w="med" len="med"/>
+                      <a:tailEnd type="none" w="med" len="med"/>
+                    </a:lnL>
+                    <a:lnR w="12700" cap="flat" cmpd="sng" algn="ctr">
+                      <a:solidFill>
+                        <a:schemeClr val="bg1"/>
+                      </a:solidFill>
+                      <a:prstDash val="solid"/>
+                      <a:round/>
+                      <a:headEnd type="none" w="med" len="med"/>
+                      <a:tailEnd type="none" w="med" len="med"/>
+                    </a:lnR>
+                    <a:lnT w="12700" cap="flat" cmpd="sng" algn="ctr">
+                      <a:solidFill>
+                        <a:schemeClr val="bg1"/>
+                      </a:solidFill>
+                      <a:prstDash val="solid"/>
+                      <a:round/>
+                      <a:headEnd type="none" w="med" len="med"/>
+                      <a:tailEnd type="none" w="med" len="med"/>
+                    </a:lnT>
+                    <a:lnB w="12700" cap="flat" cmpd="sng" algn="ctr">
+                      <a:solidFill>
+                        <a:schemeClr val="bg1"/>
+                      </a:solidFill>
+                      <a:prstDash val="solid"/>
+                      <a:round/>
+                      <a:headEnd type="none" w="med" len="med"/>
+                      <a:tailEnd type="none" w="med" len="med"/>
+                    </a:lnB>
+                    <a:solidFill>
+                      <a:schemeClr val="accent5">
+                        <a:lumMod val="75000"/>
+                      </a:schemeClr>
+                    </a:solidFill>
+                  </a:tcPr>
+                </a:tc>
+                <a:extLst>
+                  <a:ext uri="{0D108BD9-81ED-4DB2-BD59-A6C34878D82A}">
+                    <a16:rowId xmlns:a16="http://schemas.microsoft.com/office/drawing/2014/main" val="4268083801"/>
+                  </a:ext>
+                </a:extLst>
+              </a:tr>
+              <a:tr h="370840">
+                <a:tc>
+                  <a:txBody>
+                    <a:bodyPr/>
+                    <a:lstStyle/>
+                    <a:p>
+                      <a:pPr marL="0" marR="0" lvl="0" indent="0" algn="ctr" defTabSz="914400" rtl="0" eaLnBrk="1" fontAlgn="auto" latinLnBrk="0" hangingPunct="1">
+                        <a:lnSpc>
+                          <a:spcPct val="100000"/>
+                        </a:lnSpc>
+                        <a:spcBef>
+                          <a:spcPts val="0"/>
+                        </a:spcBef>
+                        <a:spcAft>
+                          <a:spcPts val="0"/>
+                        </a:spcAft>
+                        <a:buClrTx/>
+                        <a:buSzTx/>
+                        <a:buFontTx/>
+                        <a:buNone/>
+                        <a:tabLst/>
+                        <a:defRPr/>
+                      </a:pPr>
+                      <a:r>
+                        <a:rPr kumimoji="0" lang="en-US" altLang="zh-CN" sz="1800" b="0" i="0" u="none" strike="noStrike" kern="1200" cap="none" spc="0" normalizeH="0" baseline="0" noProof="0" smtClean="0">
+                          <a:ln>
+                            <a:noFill/>
+                          </a:ln>
+                          <a:solidFill>
+                            <a:prstClr val="white"/>
+                          </a:solidFill>
+                          <a:effectLst/>
+                          <a:uLnTx/>
+                          <a:uFillTx/>
+                          <a:latin typeface="Calibri"/>
+                          <a:ea typeface="宋体" panose="02010600030101010101" pitchFamily="2" charset="-122"/>
+                          <a:cs typeface="+mn-cs"/>
+                        </a:rPr>
+                        <a:t>item5</a:t>
+                      </a:r>
+                      <a:endParaRPr kumimoji="0" lang="zh-CN" altLang="en-US" sz="1800" b="0" i="0" u="none" strike="noStrike" kern="1200" cap="none" spc="0" normalizeH="0" baseline="0" noProof="0" dirty="0">
+                        <a:ln>
+                          <a:noFill/>
+                        </a:ln>
+                        <a:solidFill>
+                          <a:prstClr val="white"/>
+                        </a:solidFill>
+                        <a:effectLst/>
+                        <a:uLnTx/>
+                        <a:uFillTx/>
+                        <a:latin typeface="Calibri"/>
+                        <a:ea typeface="宋体" panose="02010600030101010101" pitchFamily="2" charset="-122"/>
+                        <a:cs typeface="+mn-cs"/>
+                      </a:endParaRPr>
+                    </a:p>
+                  </a:txBody>
+                  <a:tcPr anchor="ctr">
+                    <a:lnL w="12700" cap="flat" cmpd="sng" algn="ctr">
+                      <a:solidFill>
+                        <a:schemeClr val="bg1"/>
+                      </a:solidFill>
+                      <a:prstDash val="solid"/>
+                      <a:round/>
+                      <a:headEnd type="none" w="med" len="med"/>
+                      <a:tailEnd type="none" w="med" len="med"/>
+                    </a:lnL>
+                    <a:lnR w="12700" cap="flat" cmpd="sng" algn="ctr">
+                      <a:solidFill>
+                        <a:schemeClr val="bg1"/>
+                      </a:solidFill>
+                      <a:prstDash val="solid"/>
+                      <a:round/>
+                      <a:headEnd type="none" w="med" len="med"/>
+                      <a:tailEnd type="none" w="med" len="med"/>
+                    </a:lnR>
+                    <a:lnT w="12700" cap="flat" cmpd="sng" algn="ctr">
+                      <a:solidFill>
+                        <a:schemeClr val="bg1"/>
+                      </a:solidFill>
+                      <a:prstDash val="solid"/>
+                      <a:round/>
+                      <a:headEnd type="none" w="med" len="med"/>
+                      <a:tailEnd type="none" w="med" len="med"/>
+                    </a:lnT>
+                    <a:lnB w="12700" cap="flat" cmpd="sng" algn="ctr">
+                      <a:solidFill>
+                        <a:schemeClr val="bg1"/>
+                      </a:solidFill>
+                      <a:prstDash val="solid"/>
+                      <a:round/>
+                      <a:headEnd type="none" w="med" len="med"/>
+                      <a:tailEnd type="none" w="med" len="med"/>
+                    </a:lnB>
+                    <a:solidFill>
+                      <a:schemeClr val="accent5">
+                        <a:lumMod val="75000"/>
+                      </a:schemeClr>
+                    </a:solidFill>
+                  </a:tcPr>
+                </a:tc>
+                <a:extLst>
+                  <a:ext uri="{0D108BD9-81ED-4DB2-BD59-A6C34878D82A}">
+                    <a16:rowId xmlns:a16="http://schemas.microsoft.com/office/drawing/2014/main" val="2987823741"/>
+                  </a:ext>
+                </a:extLst>
+              </a:tr>
+              <a:tr h="370840">
+                <a:tc>
+                  <a:txBody>
+                    <a:bodyPr/>
+                    <a:lstStyle/>
+                    <a:p>
+                      <a:pPr marL="0" marR="0" lvl="0" indent="0" algn="ctr" defTabSz="914400" rtl="0" eaLnBrk="1" fontAlgn="auto" latinLnBrk="0" hangingPunct="1">
+                        <a:lnSpc>
+                          <a:spcPct val="100000"/>
+                        </a:lnSpc>
+                        <a:spcBef>
+                          <a:spcPts val="0"/>
+                        </a:spcBef>
+                        <a:spcAft>
+                          <a:spcPts val="0"/>
+                        </a:spcAft>
+                        <a:buClrTx/>
+                        <a:buSzTx/>
+                        <a:buFontTx/>
+                        <a:buNone/>
+                        <a:tabLst/>
+                        <a:defRPr/>
+                      </a:pPr>
+                      <a:r>
+                        <a:rPr kumimoji="0" lang="en-US" altLang="zh-CN" sz="1800" b="0" i="0" u="none" strike="noStrike" kern="1200" cap="none" spc="0" normalizeH="0" baseline="0" noProof="0" dirty="0" smtClean="0">
+                          <a:ln>
+                            <a:noFill/>
+                          </a:ln>
+                          <a:solidFill>
+                            <a:prstClr val="white"/>
+                          </a:solidFill>
+                          <a:effectLst/>
+                          <a:uLnTx/>
+                          <a:uFillTx/>
+                          <a:latin typeface="Calibri"/>
+                          <a:ea typeface="宋体" panose="02010600030101010101" pitchFamily="2" charset="-122"/>
+                          <a:cs typeface="+mn-cs"/>
+                        </a:rPr>
+                        <a:t>item6</a:t>
+                      </a:r>
+                      <a:endParaRPr kumimoji="0" lang="zh-CN" altLang="en-US" sz="1800" b="0" i="0" u="none" strike="noStrike" kern="1200" cap="none" spc="0" normalizeH="0" baseline="0" noProof="0" dirty="0">
+                        <a:ln>
+                          <a:noFill/>
+                        </a:ln>
+                        <a:solidFill>
+                          <a:prstClr val="white"/>
+                        </a:solidFill>
+                        <a:effectLst/>
+                        <a:uLnTx/>
+                        <a:uFillTx/>
+                        <a:latin typeface="Calibri"/>
+                        <a:ea typeface="宋体" panose="02010600030101010101" pitchFamily="2" charset="-122"/>
+                        <a:cs typeface="+mn-cs"/>
+                      </a:endParaRPr>
+                    </a:p>
+                  </a:txBody>
+                  <a:tcPr anchor="ctr">
+                    <a:lnL w="12700" cap="flat" cmpd="sng" algn="ctr">
+                      <a:solidFill>
+                        <a:schemeClr val="bg1"/>
+                      </a:solidFill>
+                      <a:prstDash val="solid"/>
+                      <a:round/>
+                      <a:headEnd type="none" w="med" len="med"/>
+                      <a:tailEnd type="none" w="med" len="med"/>
+                    </a:lnL>
+                    <a:lnR w="12700" cap="flat" cmpd="sng" algn="ctr">
+                      <a:solidFill>
+                        <a:schemeClr val="bg1"/>
+                      </a:solidFill>
+                      <a:prstDash val="solid"/>
+                      <a:round/>
+                      <a:headEnd type="none" w="med" len="med"/>
+                      <a:tailEnd type="none" w="med" len="med"/>
+                    </a:lnR>
+                    <a:lnT w="12700" cap="flat" cmpd="sng" algn="ctr">
+                      <a:solidFill>
+                        <a:schemeClr val="bg1"/>
+                      </a:solidFill>
+                      <a:prstDash val="solid"/>
+                      <a:round/>
+                      <a:headEnd type="none" w="med" len="med"/>
+                      <a:tailEnd type="none" w="med" len="med"/>
+                    </a:lnT>
+                    <a:lnB w="12700" cap="flat" cmpd="sng" algn="ctr">
+                      <a:solidFill>
+                        <a:schemeClr val="bg1"/>
+                      </a:solidFill>
+                      <a:prstDash val="solid"/>
+                      <a:round/>
+                      <a:headEnd type="none" w="med" len="med"/>
+                      <a:tailEnd type="none" w="med" len="med"/>
+                    </a:lnB>
+                    <a:solidFill>
+                      <a:schemeClr val="accent5">
+                        <a:lumMod val="75000"/>
+                      </a:schemeClr>
+                    </a:solidFill>
+                  </a:tcPr>
+                </a:tc>
+                <a:extLst>
+                  <a:ext uri="{0D108BD9-81ED-4DB2-BD59-A6C34878D82A}">
+                    <a16:rowId xmlns:a16="http://schemas.microsoft.com/office/drawing/2014/main" val="193482310"/>
+                  </a:ext>
+                </a:extLst>
+              </a:tr>
+            </a:tbl>
+          </a:graphicData>
+        </a:graphic>
+      </p:graphicFrame>
+      <p:sp>
+        <p:nvSpPr>
+          <p:cNvPr id="13" name="文本框 12"/>
+          <p:cNvSpPr txBox="1"/>
+          <p:nvPr/>
+        </p:nvSpPr>
+        <p:spPr>
+          <a:xfrm>
+            <a:off x="4698921" y="6163190"/>
+            <a:ext cx="938527" cy="369332"/>
+          </a:xfrm>
+          <a:prstGeom prst="rect">
+            <a:avLst/>
+          </a:prstGeom>
+          <a:noFill/>
+        </p:spPr>
+        <p:txBody>
+          <a:bodyPr wrap="none" rtlCol="0">
+            <a:spAutoFit/>
+          </a:bodyPr>
+          <a:lstStyle/>
+          <a:p>
+            <a:r>
+              <a:rPr lang="en-US" altLang="zh-CN" b="1" dirty="0" smtClean="0"/>
+              <a:t>All Data</a:t>
+            </a:r>
+            <a:endParaRPr lang="zh-CN" altLang="en-US" b="1" dirty="0"/>
+          </a:p>
+        </p:txBody>
+      </p:sp>
+      <p:sp>
+        <p:nvSpPr>
+          <p:cNvPr id="14" name="文本框 13"/>
+          <p:cNvSpPr txBox="1"/>
+          <p:nvPr/>
+        </p:nvSpPr>
+        <p:spPr>
+          <a:xfrm>
+            <a:off x="6495376" y="3543082"/>
+            <a:ext cx="778546" cy="369332"/>
+          </a:xfrm>
+          <a:prstGeom prst="rect">
+            <a:avLst/>
+          </a:prstGeom>
+          <a:noFill/>
+        </p:spPr>
+        <p:txBody>
+          <a:bodyPr wrap="none" rtlCol="0">
+            <a:spAutoFit/>
+          </a:bodyPr>
+          <a:lstStyle/>
+          <a:p>
+            <a:r>
+              <a:rPr lang="en-US" altLang="zh-CN" b="1" dirty="0" smtClean="0"/>
+              <a:t>Buffer</a:t>
+            </a:r>
+            <a:endParaRPr lang="zh-CN" altLang="en-US" b="1" dirty="0"/>
+          </a:p>
+        </p:txBody>
+      </p:sp>
+      <p:sp>
+        <p:nvSpPr>
+          <p:cNvPr id="16" name="矩形 15"/>
+          <p:cNvSpPr/>
+          <p:nvPr/>
+        </p:nvSpPr>
+        <p:spPr>
+          <a:xfrm>
+            <a:off x="4577732" y="457200"/>
+            <a:ext cx="1178169" cy="2277208"/>
+          </a:xfrm>
+          <a:prstGeom prst="rect">
+            <a:avLst/>
+          </a:prstGeom>
+          <a:solidFill>
+            <a:srgbClr val="4F81BD">
+              <a:alpha val="70980"/>
+            </a:srgbClr>
+          </a:solidFill>
+        </p:spPr>
+        <p:style>
+          <a:lnRef idx="2">
+            <a:schemeClr val="accent1">
+              <a:shade val="50000"/>
+            </a:schemeClr>
+          </a:lnRef>
+          <a:fillRef idx="1">
+            <a:schemeClr val="accent1"/>
+          </a:fillRef>
+          <a:effectRef idx="0">
+            <a:schemeClr val="accent1"/>
+          </a:effectRef>
+          <a:fontRef idx="minor">
+            <a:schemeClr val="lt1"/>
+          </a:fontRef>
+        </p:style>
+        <p:txBody>
+          <a:bodyPr rtlCol="0" anchor="ctr"/>
+          <a:lstStyle/>
+          <a:p>
+            <a:pPr algn="ctr"/>
+            <a:endParaRPr lang="zh-CN" altLang="en-US"/>
+          </a:p>
+        </p:txBody>
+      </p:sp>
+      <p:graphicFrame>
+        <p:nvGraphicFramePr>
+          <p:cNvPr id="17" name="表格 16"/>
+          <p:cNvGraphicFramePr>
+            <a:graphicFrameLocks noGrp="1"/>
+          </p:cNvGraphicFramePr>
+          <p:nvPr>
+            <p:extLst>
+              <p:ext uri="{D42A27DB-BD31-4B8C-83A1-F6EECF244321}">
+                <p14:modId xmlns:p14="http://schemas.microsoft.com/office/powerpoint/2010/main" val="1565234617"/>
+              </p:ext>
+            </p:extLst>
+          </p:nvPr>
+        </p:nvGraphicFramePr>
+        <p:xfrm>
+          <a:off x="7851732" y="1949232"/>
+          <a:ext cx="1152128" cy="370840"/>
+        </p:xfrm>
+        <a:graphic>
+          <a:graphicData uri="http://schemas.openxmlformats.org/drawingml/2006/table">
+            <a:tbl>
+              <a:tblPr firstRow="1" bandRow="1">
+                <a:tableStyleId>{5C22544A-7EE6-4342-B048-85BDC9FD1C3A}</a:tableStyleId>
+              </a:tblPr>
+              <a:tblGrid>
+                <a:gridCol w="1152128">
+                  <a:extLst>
+                    <a:ext uri="{9D8B030D-6E8A-4147-A177-3AD203B41FA5}">
+                      <a16:colId xmlns:a16="http://schemas.microsoft.com/office/drawing/2014/main" val="1214683687"/>
+                    </a:ext>
+                  </a:extLst>
+                </a:gridCol>
+              </a:tblGrid>
+              <a:tr h="370840">
+                <a:tc>
+                  <a:txBody>
+                    <a:bodyPr/>
+                    <a:lstStyle/>
+                    <a:p>
+                      <a:pPr marL="0" marR="0" lvl="0" indent="0" algn="ctr" defTabSz="914400" rtl="0" eaLnBrk="1" fontAlgn="auto" latinLnBrk="0" hangingPunct="1">
+                        <a:lnSpc>
+                          <a:spcPct val="100000"/>
+                        </a:lnSpc>
+                        <a:spcBef>
+                          <a:spcPts val="0"/>
+                        </a:spcBef>
+                        <a:spcAft>
+                          <a:spcPts val="0"/>
+                        </a:spcAft>
+                        <a:buClrTx/>
+                        <a:buSzTx/>
+                        <a:buFontTx/>
+                        <a:buNone/>
+                        <a:tabLst/>
+                        <a:defRPr/>
+                      </a:pPr>
+                      <a:r>
+                        <a:rPr kumimoji="0" lang="en-US" altLang="zh-CN" sz="1800" b="0" i="0" u="none" strike="noStrike" kern="1200" cap="none" spc="0" normalizeH="0" baseline="0" noProof="0" dirty="0" smtClean="0">
+                          <a:ln>
+                            <a:noFill/>
+                          </a:ln>
+                          <a:solidFill>
+                            <a:prstClr val="white"/>
+                          </a:solidFill>
+                          <a:effectLst/>
+                          <a:uLnTx/>
+                          <a:uFillTx/>
+                          <a:latin typeface="Calibri"/>
+                          <a:ea typeface="宋体" panose="02010600030101010101" pitchFamily="2" charset="-122"/>
+                          <a:cs typeface="+mn-cs"/>
+                        </a:rPr>
+                        <a:t>item4</a:t>
+                      </a:r>
+                      <a:endParaRPr kumimoji="0" lang="zh-CN" altLang="en-US" sz="1800" b="0" i="0" u="none" strike="noStrike" kern="1200" cap="none" spc="0" normalizeH="0" baseline="0" noProof="0" dirty="0">
+                        <a:ln>
+                          <a:noFill/>
+                        </a:ln>
+                        <a:solidFill>
+                          <a:prstClr val="white"/>
+                        </a:solidFill>
+                        <a:effectLst/>
+                        <a:uLnTx/>
+                        <a:uFillTx/>
+                        <a:latin typeface="Calibri"/>
+                        <a:ea typeface="宋体" panose="02010600030101010101" pitchFamily="2" charset="-122"/>
+                        <a:cs typeface="+mn-cs"/>
+                      </a:endParaRPr>
+                    </a:p>
+                  </a:txBody>
+                  <a:tcPr anchor="ctr">
+                    <a:lnL w="12700" cap="flat" cmpd="sng" algn="ctr">
+                      <a:solidFill>
+                        <a:schemeClr val="bg1"/>
+                      </a:solidFill>
+                      <a:prstDash val="solid"/>
+                      <a:round/>
+                      <a:headEnd type="none" w="med" len="med"/>
+                      <a:tailEnd type="none" w="med" len="med"/>
+                    </a:lnL>
+                    <a:lnR w="12700" cap="flat" cmpd="sng" algn="ctr">
+                      <a:solidFill>
+                        <a:schemeClr val="bg1"/>
+                      </a:solidFill>
+                      <a:prstDash val="solid"/>
+                      <a:round/>
+                      <a:headEnd type="none" w="med" len="med"/>
+                      <a:tailEnd type="none" w="med" len="med"/>
+                    </a:lnR>
+                    <a:lnT w="12700" cap="flat" cmpd="sng" algn="ctr">
+                      <a:solidFill>
+                        <a:schemeClr val="bg1"/>
+                      </a:solidFill>
+                      <a:prstDash val="solid"/>
+                      <a:round/>
+                      <a:headEnd type="none" w="med" len="med"/>
+                      <a:tailEnd type="none" w="med" len="med"/>
+                    </a:lnT>
+                    <a:lnB w="12700" cap="flat" cmpd="sng" algn="ctr">
+                      <a:solidFill>
+                        <a:schemeClr val="bg1"/>
+                      </a:solidFill>
+                      <a:prstDash val="solid"/>
+                      <a:round/>
+                      <a:headEnd type="none" w="med" len="med"/>
+                      <a:tailEnd type="none" w="med" len="med"/>
+                    </a:lnB>
+                    <a:solidFill>
+                      <a:schemeClr val="accent5">
+                        <a:lumMod val="75000"/>
+                      </a:schemeClr>
+                    </a:solidFill>
+                  </a:tcPr>
+                </a:tc>
+                <a:extLst>
+                  <a:ext uri="{0D108BD9-81ED-4DB2-BD59-A6C34878D82A}">
+                    <a16:rowId xmlns:a16="http://schemas.microsoft.com/office/drawing/2014/main" val="4268083801"/>
+                  </a:ext>
+                </a:extLst>
+              </a:tr>
+            </a:tbl>
+          </a:graphicData>
+        </a:graphic>
+      </p:graphicFrame>
+      <p:sp>
+        <p:nvSpPr>
+          <p:cNvPr id="18" name="右箭头 17"/>
+          <p:cNvSpPr/>
+          <p:nvPr/>
+        </p:nvSpPr>
+        <p:spPr>
+          <a:xfrm>
+            <a:off x="7523626" y="2025680"/>
+            <a:ext cx="292938" cy="216024"/>
+          </a:xfrm>
+          <a:prstGeom prst="rightArrow">
+            <a:avLst/>
+          </a:prstGeom>
+        </p:spPr>
+        <p:style>
+          <a:lnRef idx="2">
+            <a:schemeClr val="accent1">
+              <a:shade val="50000"/>
+            </a:schemeClr>
+          </a:lnRef>
+          <a:fillRef idx="1">
+            <a:schemeClr val="accent1"/>
+          </a:fillRef>
+          <a:effectRef idx="0">
+            <a:schemeClr val="accent1"/>
+          </a:effectRef>
+          <a:fontRef idx="minor">
+            <a:schemeClr val="lt1"/>
+          </a:fontRef>
+        </p:style>
+        <p:txBody>
+          <a:bodyPr rtlCol="0" anchor="ctr"/>
+          <a:lstStyle/>
+          <a:p>
+            <a:pPr algn="ctr"/>
+            <a:endParaRPr lang="zh-CN" altLang="en-US"/>
+          </a:p>
+        </p:txBody>
+      </p:sp>
+      <p:sp>
+        <p:nvSpPr>
+          <p:cNvPr id="19" name="文本框 18"/>
+          <p:cNvSpPr txBox="1"/>
+          <p:nvPr/>
+        </p:nvSpPr>
+        <p:spPr>
+          <a:xfrm>
+            <a:off x="5859886" y="384787"/>
+            <a:ext cx="3144322" cy="369332"/>
+          </a:xfrm>
+          <a:prstGeom prst="rect">
+            <a:avLst/>
+          </a:prstGeom>
+          <a:noFill/>
+        </p:spPr>
+        <p:txBody>
+          <a:bodyPr wrap="none" rtlCol="0">
+            <a:spAutoFit/>
+          </a:bodyPr>
+          <a:lstStyle/>
+          <a:p>
+            <a:r>
+              <a:rPr lang="en-US" altLang="zh-CN" b="1" dirty="0" smtClean="0"/>
+              <a:t>Step-2</a:t>
+            </a:r>
+            <a:r>
+              <a:rPr lang="zh-CN" altLang="en-US" b="1" dirty="0" smtClean="0"/>
+              <a:t>：</a:t>
+            </a:r>
+            <a:r>
+              <a:rPr lang="en-US" altLang="zh-CN" b="1" dirty="0" smtClean="0"/>
+              <a:t>random output item4 </a:t>
+            </a:r>
+            <a:endParaRPr lang="zh-CN" altLang="en-US" b="1" dirty="0"/>
+          </a:p>
+        </p:txBody>
+      </p:sp>
+      <p:sp>
+        <p:nvSpPr>
+          <p:cNvPr id="20" name="文本框 19"/>
+          <p:cNvSpPr txBox="1"/>
+          <p:nvPr/>
+        </p:nvSpPr>
+        <p:spPr>
+          <a:xfrm>
+            <a:off x="278659" y="89783"/>
+            <a:ext cx="3855286" cy="369332"/>
+          </a:xfrm>
+          <a:prstGeom prst="rect">
+            <a:avLst/>
+          </a:prstGeom>
+          <a:noFill/>
+        </p:spPr>
+        <p:txBody>
+          <a:bodyPr wrap="none" rtlCol="0">
+            <a:spAutoFit/>
+          </a:bodyPr>
+          <a:lstStyle/>
+          <a:p>
+            <a:r>
+              <a:rPr lang="en-US" altLang="zh-CN" b="1" dirty="0" smtClean="0"/>
+              <a:t>Step-1</a:t>
+            </a:r>
+            <a:r>
+              <a:rPr lang="zh-CN" altLang="en-US" b="1" dirty="0" smtClean="0"/>
+              <a:t>：</a:t>
+            </a:r>
+            <a:r>
+              <a:rPr lang="en-US" altLang="zh-CN" b="1" dirty="0" smtClean="0"/>
+              <a:t>create buffer with </a:t>
+            </a:r>
+            <a:r>
+              <a:rPr lang="en-US" altLang="zh-CN" b="1" dirty="0" err="1" smtClean="0"/>
+              <a:t>buffer_size</a:t>
+            </a:r>
+            <a:endParaRPr lang="zh-CN" altLang="en-US" b="1" dirty="0"/>
+          </a:p>
+        </p:txBody>
+      </p:sp>
+      <p:sp>
+        <p:nvSpPr>
+          <p:cNvPr id="21" name="文本框 20"/>
+          <p:cNvSpPr txBox="1"/>
+          <p:nvPr/>
+        </p:nvSpPr>
+        <p:spPr>
+          <a:xfrm>
+            <a:off x="6166628" y="3085882"/>
+            <a:ext cx="2187650" cy="369332"/>
+          </a:xfrm>
+          <a:prstGeom prst="rect">
+            <a:avLst/>
+          </a:prstGeom>
+          <a:noFill/>
+        </p:spPr>
+        <p:txBody>
+          <a:bodyPr wrap="none" rtlCol="0">
+            <a:spAutoFit/>
+          </a:bodyPr>
+          <a:lstStyle/>
+          <a:p>
+            <a:r>
+              <a:rPr lang="en-US" altLang="zh-CN" b="1" dirty="0" err="1" smtClean="0"/>
+              <a:t>Output_data</a:t>
+            </a:r>
+            <a:r>
+              <a:rPr lang="en-US" altLang="zh-CN" b="1" dirty="0" smtClean="0"/>
+              <a:t> = item4</a:t>
+            </a:r>
+            <a:endParaRPr lang="zh-CN" altLang="en-US" b="1" dirty="0"/>
+          </a:p>
+        </p:txBody>
+      </p:sp>
     </p:spTree>
     <p:extLst>
       <p:ext uri="{BB962C8B-B14F-4D97-AF65-F5344CB8AC3E}">
@@ -19905,6 +25307,13 @@
   <p:clrMapOvr>
     <a:masterClrMapping/>
   </p:clrMapOvr>
+  <p:timing>
+    <p:tnLst>
+      <p:par>
+        <p:cTn id="1" dur="indefinite" restart="never" nodeType="tmRoot"/>
+      </p:par>
+    </p:tnLst>
+  </p:timing>
 </p:sld>
 </file>
 
@@ -19925,6 +25334,2325 @@
           <a:chExt cx="0" cy="0"/>
         </a:xfrm>
       </p:grpSpPr>
+      <p:graphicFrame>
+        <p:nvGraphicFramePr>
+          <p:cNvPr id="2" name="表格 1"/>
+          <p:cNvGraphicFramePr>
+            <a:graphicFrameLocks noGrp="1"/>
+          </p:cNvGraphicFramePr>
+          <p:nvPr>
+            <p:extLst>
+              <p:ext uri="{D42A27DB-BD31-4B8C-83A1-F6EECF244321}">
+                <p14:modId xmlns:p14="http://schemas.microsoft.com/office/powerpoint/2010/main" val="3206556284"/>
+              </p:ext>
+            </p:extLst>
+          </p:nvPr>
+        </p:nvGraphicFramePr>
+        <p:xfrm>
+          <a:off x="4590074" y="476672"/>
+          <a:ext cx="1152128" cy="5562600"/>
+        </p:xfrm>
+        <a:graphic>
+          <a:graphicData uri="http://schemas.openxmlformats.org/drawingml/2006/table">
+            <a:tbl>
+              <a:tblPr firstRow="1" bandRow="1">
+                <a:tableStyleId>{5C22544A-7EE6-4342-B048-85BDC9FD1C3A}</a:tableStyleId>
+              </a:tblPr>
+              <a:tblGrid>
+                <a:gridCol w="1152128">
+                  <a:extLst>
+                    <a:ext uri="{9D8B030D-6E8A-4147-A177-3AD203B41FA5}">
+                      <a16:colId xmlns:a16="http://schemas.microsoft.com/office/drawing/2014/main" val="1214683687"/>
+                    </a:ext>
+                  </a:extLst>
+                </a:gridCol>
+              </a:tblGrid>
+              <a:tr h="370840">
+                <a:tc>
+                  <a:txBody>
+                    <a:bodyPr/>
+                    <a:lstStyle/>
+                    <a:p>
+                      <a:pPr algn="ctr"/>
+                      <a:r>
+                        <a:rPr lang="en-US" altLang="zh-CN" sz="1800" b="0" smtClean="0">
+                          <a:solidFill>
+                            <a:schemeClr val="bg1"/>
+                          </a:solidFill>
+                        </a:rPr>
+                        <a:t>item1</a:t>
+                      </a:r>
+                      <a:endParaRPr lang="zh-CN" altLang="en-US" sz="1800" b="0" dirty="0">
+                        <a:solidFill>
+                          <a:schemeClr val="bg1"/>
+                        </a:solidFill>
+                      </a:endParaRPr>
+                    </a:p>
+                  </a:txBody>
+                  <a:tcPr anchor="ctr">
+                    <a:lnL w="12700" cap="flat" cmpd="sng" algn="ctr">
+                      <a:solidFill>
+                        <a:schemeClr val="bg1"/>
+                      </a:solidFill>
+                      <a:prstDash val="solid"/>
+                      <a:round/>
+                      <a:headEnd type="none" w="med" len="med"/>
+                      <a:tailEnd type="none" w="med" len="med"/>
+                    </a:lnL>
+                    <a:lnR w="12700" cap="flat" cmpd="sng" algn="ctr">
+                      <a:solidFill>
+                        <a:schemeClr val="bg1"/>
+                      </a:solidFill>
+                      <a:prstDash val="solid"/>
+                      <a:round/>
+                      <a:headEnd type="none" w="med" len="med"/>
+                      <a:tailEnd type="none" w="med" len="med"/>
+                    </a:lnR>
+                    <a:lnT w="12700" cap="flat" cmpd="sng" algn="ctr">
+                      <a:solidFill>
+                        <a:schemeClr val="bg1"/>
+                      </a:solidFill>
+                      <a:prstDash val="solid"/>
+                      <a:round/>
+                      <a:headEnd type="none" w="med" len="med"/>
+                      <a:tailEnd type="none" w="med" len="med"/>
+                    </a:lnT>
+                    <a:lnB w="12700" cap="flat" cmpd="sng" algn="ctr">
+                      <a:solidFill>
+                        <a:schemeClr val="bg1"/>
+                      </a:solidFill>
+                      <a:prstDash val="solid"/>
+                      <a:round/>
+                      <a:headEnd type="none" w="med" len="med"/>
+                      <a:tailEnd type="none" w="med" len="med"/>
+                    </a:lnB>
+                    <a:solidFill>
+                      <a:schemeClr val="accent5">
+                        <a:lumMod val="75000"/>
+                      </a:schemeClr>
+                    </a:solidFill>
+                  </a:tcPr>
+                </a:tc>
+                <a:extLst>
+                  <a:ext uri="{0D108BD9-81ED-4DB2-BD59-A6C34878D82A}">
+                    <a16:rowId xmlns:a16="http://schemas.microsoft.com/office/drawing/2014/main" val="1006269131"/>
+                  </a:ext>
+                </a:extLst>
+              </a:tr>
+              <a:tr h="370840">
+                <a:tc>
+                  <a:txBody>
+                    <a:bodyPr/>
+                    <a:lstStyle/>
+                    <a:p>
+                      <a:pPr marL="0" marR="0" lvl="0" indent="0" algn="ctr" defTabSz="914400" rtl="0" eaLnBrk="1" fontAlgn="auto" latinLnBrk="0" hangingPunct="1">
+                        <a:lnSpc>
+                          <a:spcPct val="100000"/>
+                        </a:lnSpc>
+                        <a:spcBef>
+                          <a:spcPts val="0"/>
+                        </a:spcBef>
+                        <a:spcAft>
+                          <a:spcPts val="0"/>
+                        </a:spcAft>
+                        <a:buClrTx/>
+                        <a:buSzTx/>
+                        <a:buFontTx/>
+                        <a:buNone/>
+                        <a:tabLst/>
+                        <a:defRPr/>
+                      </a:pPr>
+                      <a:r>
+                        <a:rPr kumimoji="0" lang="en-US" altLang="zh-CN" sz="1800" b="0" i="0" u="none" strike="noStrike" kern="1200" cap="none" spc="0" normalizeH="0" baseline="0" noProof="0" smtClean="0">
+                          <a:ln>
+                            <a:noFill/>
+                          </a:ln>
+                          <a:solidFill>
+                            <a:prstClr val="white"/>
+                          </a:solidFill>
+                          <a:effectLst/>
+                          <a:uLnTx/>
+                          <a:uFillTx/>
+                          <a:latin typeface="Calibri"/>
+                          <a:ea typeface="宋体" panose="02010600030101010101" pitchFamily="2" charset="-122"/>
+                          <a:cs typeface="+mn-cs"/>
+                        </a:rPr>
+                        <a:t>item2</a:t>
+                      </a:r>
+                      <a:endParaRPr kumimoji="0" lang="zh-CN" altLang="en-US" sz="1800" b="0" i="0" u="none" strike="noStrike" kern="1200" cap="none" spc="0" normalizeH="0" baseline="0" noProof="0" dirty="0">
+                        <a:ln>
+                          <a:noFill/>
+                        </a:ln>
+                        <a:solidFill>
+                          <a:prstClr val="white"/>
+                        </a:solidFill>
+                        <a:effectLst/>
+                        <a:uLnTx/>
+                        <a:uFillTx/>
+                        <a:latin typeface="Calibri"/>
+                        <a:ea typeface="宋体" panose="02010600030101010101" pitchFamily="2" charset="-122"/>
+                        <a:cs typeface="+mn-cs"/>
+                      </a:endParaRPr>
+                    </a:p>
+                  </a:txBody>
+                  <a:tcPr anchor="ctr">
+                    <a:lnL w="12700" cap="flat" cmpd="sng" algn="ctr">
+                      <a:solidFill>
+                        <a:schemeClr val="bg1"/>
+                      </a:solidFill>
+                      <a:prstDash val="solid"/>
+                      <a:round/>
+                      <a:headEnd type="none" w="med" len="med"/>
+                      <a:tailEnd type="none" w="med" len="med"/>
+                    </a:lnL>
+                    <a:lnR w="12700" cap="flat" cmpd="sng" algn="ctr">
+                      <a:solidFill>
+                        <a:schemeClr val="bg1"/>
+                      </a:solidFill>
+                      <a:prstDash val="solid"/>
+                      <a:round/>
+                      <a:headEnd type="none" w="med" len="med"/>
+                      <a:tailEnd type="none" w="med" len="med"/>
+                    </a:lnR>
+                    <a:lnT w="12700" cap="flat" cmpd="sng" algn="ctr">
+                      <a:solidFill>
+                        <a:schemeClr val="bg1"/>
+                      </a:solidFill>
+                      <a:prstDash val="solid"/>
+                      <a:round/>
+                      <a:headEnd type="none" w="med" len="med"/>
+                      <a:tailEnd type="none" w="med" len="med"/>
+                    </a:lnT>
+                    <a:lnB w="12700" cap="flat" cmpd="sng" algn="ctr">
+                      <a:solidFill>
+                        <a:schemeClr val="bg1"/>
+                      </a:solidFill>
+                      <a:prstDash val="solid"/>
+                      <a:round/>
+                      <a:headEnd type="none" w="med" len="med"/>
+                      <a:tailEnd type="none" w="med" len="med"/>
+                    </a:lnB>
+                    <a:solidFill>
+                      <a:schemeClr val="accent5">
+                        <a:lumMod val="75000"/>
+                      </a:schemeClr>
+                    </a:solidFill>
+                  </a:tcPr>
+                </a:tc>
+                <a:extLst>
+                  <a:ext uri="{0D108BD9-81ED-4DB2-BD59-A6C34878D82A}">
+                    <a16:rowId xmlns:a16="http://schemas.microsoft.com/office/drawing/2014/main" val="194545254"/>
+                  </a:ext>
+                </a:extLst>
+              </a:tr>
+              <a:tr h="370840">
+                <a:tc>
+                  <a:txBody>
+                    <a:bodyPr/>
+                    <a:lstStyle/>
+                    <a:p>
+                      <a:pPr marL="0" marR="0" lvl="0" indent="0" algn="ctr" defTabSz="914400" rtl="0" eaLnBrk="1" fontAlgn="auto" latinLnBrk="0" hangingPunct="1">
+                        <a:lnSpc>
+                          <a:spcPct val="100000"/>
+                        </a:lnSpc>
+                        <a:spcBef>
+                          <a:spcPts val="0"/>
+                        </a:spcBef>
+                        <a:spcAft>
+                          <a:spcPts val="0"/>
+                        </a:spcAft>
+                        <a:buClrTx/>
+                        <a:buSzTx/>
+                        <a:buFontTx/>
+                        <a:buNone/>
+                        <a:tabLst/>
+                        <a:defRPr/>
+                      </a:pPr>
+                      <a:r>
+                        <a:rPr kumimoji="0" lang="en-US" altLang="zh-CN" sz="1800" b="0" i="0" u="none" strike="noStrike" kern="1200" cap="none" spc="0" normalizeH="0" baseline="0" noProof="0" smtClean="0">
+                          <a:ln>
+                            <a:noFill/>
+                          </a:ln>
+                          <a:solidFill>
+                            <a:prstClr val="white"/>
+                          </a:solidFill>
+                          <a:effectLst/>
+                          <a:uLnTx/>
+                          <a:uFillTx/>
+                          <a:latin typeface="Calibri"/>
+                          <a:ea typeface="宋体" panose="02010600030101010101" pitchFamily="2" charset="-122"/>
+                          <a:cs typeface="+mn-cs"/>
+                        </a:rPr>
+                        <a:t>item3</a:t>
+                      </a:r>
+                      <a:endParaRPr kumimoji="0" lang="zh-CN" altLang="en-US" sz="1800" b="0" i="0" u="none" strike="noStrike" kern="1200" cap="none" spc="0" normalizeH="0" baseline="0" noProof="0" dirty="0">
+                        <a:ln>
+                          <a:noFill/>
+                        </a:ln>
+                        <a:solidFill>
+                          <a:prstClr val="white"/>
+                        </a:solidFill>
+                        <a:effectLst/>
+                        <a:uLnTx/>
+                        <a:uFillTx/>
+                        <a:latin typeface="Calibri"/>
+                        <a:ea typeface="宋体" panose="02010600030101010101" pitchFamily="2" charset="-122"/>
+                        <a:cs typeface="+mn-cs"/>
+                      </a:endParaRPr>
+                    </a:p>
+                  </a:txBody>
+                  <a:tcPr anchor="ctr">
+                    <a:lnL w="12700" cap="flat" cmpd="sng" algn="ctr">
+                      <a:solidFill>
+                        <a:schemeClr val="bg1"/>
+                      </a:solidFill>
+                      <a:prstDash val="solid"/>
+                      <a:round/>
+                      <a:headEnd type="none" w="med" len="med"/>
+                      <a:tailEnd type="none" w="med" len="med"/>
+                    </a:lnL>
+                    <a:lnR w="12700" cap="flat" cmpd="sng" algn="ctr">
+                      <a:solidFill>
+                        <a:schemeClr val="bg1"/>
+                      </a:solidFill>
+                      <a:prstDash val="solid"/>
+                      <a:round/>
+                      <a:headEnd type="none" w="med" len="med"/>
+                      <a:tailEnd type="none" w="med" len="med"/>
+                    </a:lnR>
+                    <a:lnT w="12700" cap="flat" cmpd="sng" algn="ctr">
+                      <a:solidFill>
+                        <a:schemeClr val="bg1"/>
+                      </a:solidFill>
+                      <a:prstDash val="solid"/>
+                      <a:round/>
+                      <a:headEnd type="none" w="med" len="med"/>
+                      <a:tailEnd type="none" w="med" len="med"/>
+                    </a:lnT>
+                    <a:lnB w="12700" cap="flat" cmpd="sng" algn="ctr">
+                      <a:solidFill>
+                        <a:schemeClr val="bg1"/>
+                      </a:solidFill>
+                      <a:prstDash val="solid"/>
+                      <a:round/>
+                      <a:headEnd type="none" w="med" len="med"/>
+                      <a:tailEnd type="none" w="med" len="med"/>
+                    </a:lnB>
+                    <a:solidFill>
+                      <a:schemeClr val="accent5">
+                        <a:lumMod val="75000"/>
+                      </a:schemeClr>
+                    </a:solidFill>
+                  </a:tcPr>
+                </a:tc>
+                <a:extLst>
+                  <a:ext uri="{0D108BD9-81ED-4DB2-BD59-A6C34878D82A}">
+                    <a16:rowId xmlns:a16="http://schemas.microsoft.com/office/drawing/2014/main" val="44223002"/>
+                  </a:ext>
+                </a:extLst>
+              </a:tr>
+              <a:tr h="370840">
+                <a:tc>
+                  <a:txBody>
+                    <a:bodyPr/>
+                    <a:lstStyle/>
+                    <a:p>
+                      <a:pPr marL="0" marR="0" lvl="0" indent="0" algn="ctr" defTabSz="914400" rtl="0" eaLnBrk="1" fontAlgn="auto" latinLnBrk="0" hangingPunct="1">
+                        <a:lnSpc>
+                          <a:spcPct val="100000"/>
+                        </a:lnSpc>
+                        <a:spcBef>
+                          <a:spcPts val="0"/>
+                        </a:spcBef>
+                        <a:spcAft>
+                          <a:spcPts val="0"/>
+                        </a:spcAft>
+                        <a:buClrTx/>
+                        <a:buSzTx/>
+                        <a:buFontTx/>
+                        <a:buNone/>
+                        <a:tabLst/>
+                        <a:defRPr/>
+                      </a:pPr>
+                      <a:r>
+                        <a:rPr kumimoji="0" lang="en-US" altLang="zh-CN" sz="1800" b="0" i="0" u="none" strike="noStrike" kern="1200" cap="none" spc="0" normalizeH="0" baseline="0" noProof="0" smtClean="0">
+                          <a:ln>
+                            <a:noFill/>
+                          </a:ln>
+                          <a:solidFill>
+                            <a:prstClr val="white"/>
+                          </a:solidFill>
+                          <a:effectLst/>
+                          <a:uLnTx/>
+                          <a:uFillTx/>
+                          <a:latin typeface="Calibri"/>
+                          <a:ea typeface="宋体" panose="02010600030101010101" pitchFamily="2" charset="-122"/>
+                          <a:cs typeface="+mn-cs"/>
+                        </a:rPr>
+                        <a:t>item4</a:t>
+                      </a:r>
+                      <a:endParaRPr kumimoji="0" lang="zh-CN" altLang="en-US" sz="1800" b="0" i="0" u="none" strike="noStrike" kern="1200" cap="none" spc="0" normalizeH="0" baseline="0" noProof="0" dirty="0">
+                        <a:ln>
+                          <a:noFill/>
+                        </a:ln>
+                        <a:solidFill>
+                          <a:prstClr val="white"/>
+                        </a:solidFill>
+                        <a:effectLst/>
+                        <a:uLnTx/>
+                        <a:uFillTx/>
+                        <a:latin typeface="Calibri"/>
+                        <a:ea typeface="宋体" panose="02010600030101010101" pitchFamily="2" charset="-122"/>
+                        <a:cs typeface="+mn-cs"/>
+                      </a:endParaRPr>
+                    </a:p>
+                  </a:txBody>
+                  <a:tcPr anchor="ctr">
+                    <a:lnL w="12700" cap="flat" cmpd="sng" algn="ctr">
+                      <a:solidFill>
+                        <a:schemeClr val="bg1"/>
+                      </a:solidFill>
+                      <a:prstDash val="solid"/>
+                      <a:round/>
+                      <a:headEnd type="none" w="med" len="med"/>
+                      <a:tailEnd type="none" w="med" len="med"/>
+                    </a:lnL>
+                    <a:lnR w="12700" cap="flat" cmpd="sng" algn="ctr">
+                      <a:solidFill>
+                        <a:schemeClr val="bg1"/>
+                      </a:solidFill>
+                      <a:prstDash val="solid"/>
+                      <a:round/>
+                      <a:headEnd type="none" w="med" len="med"/>
+                      <a:tailEnd type="none" w="med" len="med"/>
+                    </a:lnR>
+                    <a:lnT w="12700" cap="flat" cmpd="sng" algn="ctr">
+                      <a:solidFill>
+                        <a:schemeClr val="bg1"/>
+                      </a:solidFill>
+                      <a:prstDash val="solid"/>
+                      <a:round/>
+                      <a:headEnd type="none" w="med" len="med"/>
+                      <a:tailEnd type="none" w="med" len="med"/>
+                    </a:lnT>
+                    <a:lnB w="12700" cap="flat" cmpd="sng" algn="ctr">
+                      <a:solidFill>
+                        <a:schemeClr val="bg1"/>
+                      </a:solidFill>
+                      <a:prstDash val="solid"/>
+                      <a:round/>
+                      <a:headEnd type="none" w="med" len="med"/>
+                      <a:tailEnd type="none" w="med" len="med"/>
+                    </a:lnB>
+                    <a:solidFill>
+                      <a:schemeClr val="accent5">
+                        <a:lumMod val="75000"/>
+                      </a:schemeClr>
+                    </a:solidFill>
+                  </a:tcPr>
+                </a:tc>
+                <a:extLst>
+                  <a:ext uri="{0D108BD9-81ED-4DB2-BD59-A6C34878D82A}">
+                    <a16:rowId xmlns:a16="http://schemas.microsoft.com/office/drawing/2014/main" val="4268083801"/>
+                  </a:ext>
+                </a:extLst>
+              </a:tr>
+              <a:tr h="370840">
+                <a:tc>
+                  <a:txBody>
+                    <a:bodyPr/>
+                    <a:lstStyle/>
+                    <a:p>
+                      <a:pPr marL="0" marR="0" lvl="0" indent="0" algn="ctr" defTabSz="914400" rtl="0" eaLnBrk="1" fontAlgn="auto" latinLnBrk="0" hangingPunct="1">
+                        <a:lnSpc>
+                          <a:spcPct val="100000"/>
+                        </a:lnSpc>
+                        <a:spcBef>
+                          <a:spcPts val="0"/>
+                        </a:spcBef>
+                        <a:spcAft>
+                          <a:spcPts val="0"/>
+                        </a:spcAft>
+                        <a:buClrTx/>
+                        <a:buSzTx/>
+                        <a:buFontTx/>
+                        <a:buNone/>
+                        <a:tabLst/>
+                        <a:defRPr/>
+                      </a:pPr>
+                      <a:r>
+                        <a:rPr kumimoji="0" lang="en-US" altLang="zh-CN" sz="1800" b="0" i="0" u="none" strike="noStrike" kern="1200" cap="none" spc="0" normalizeH="0" baseline="0" noProof="0" smtClean="0">
+                          <a:ln>
+                            <a:noFill/>
+                          </a:ln>
+                          <a:solidFill>
+                            <a:prstClr val="white"/>
+                          </a:solidFill>
+                          <a:effectLst/>
+                          <a:uLnTx/>
+                          <a:uFillTx/>
+                          <a:latin typeface="Calibri"/>
+                          <a:ea typeface="宋体" panose="02010600030101010101" pitchFamily="2" charset="-122"/>
+                          <a:cs typeface="+mn-cs"/>
+                        </a:rPr>
+                        <a:t>item5</a:t>
+                      </a:r>
+                      <a:endParaRPr kumimoji="0" lang="zh-CN" altLang="en-US" sz="1800" b="0" i="0" u="none" strike="noStrike" kern="1200" cap="none" spc="0" normalizeH="0" baseline="0" noProof="0" dirty="0">
+                        <a:ln>
+                          <a:noFill/>
+                        </a:ln>
+                        <a:solidFill>
+                          <a:prstClr val="white"/>
+                        </a:solidFill>
+                        <a:effectLst/>
+                        <a:uLnTx/>
+                        <a:uFillTx/>
+                        <a:latin typeface="Calibri"/>
+                        <a:ea typeface="宋体" panose="02010600030101010101" pitchFamily="2" charset="-122"/>
+                        <a:cs typeface="+mn-cs"/>
+                      </a:endParaRPr>
+                    </a:p>
+                  </a:txBody>
+                  <a:tcPr anchor="ctr">
+                    <a:lnL w="12700" cap="flat" cmpd="sng" algn="ctr">
+                      <a:solidFill>
+                        <a:schemeClr val="bg1"/>
+                      </a:solidFill>
+                      <a:prstDash val="solid"/>
+                      <a:round/>
+                      <a:headEnd type="none" w="med" len="med"/>
+                      <a:tailEnd type="none" w="med" len="med"/>
+                    </a:lnL>
+                    <a:lnR w="12700" cap="flat" cmpd="sng" algn="ctr">
+                      <a:solidFill>
+                        <a:schemeClr val="bg1"/>
+                      </a:solidFill>
+                      <a:prstDash val="solid"/>
+                      <a:round/>
+                      <a:headEnd type="none" w="med" len="med"/>
+                      <a:tailEnd type="none" w="med" len="med"/>
+                    </a:lnR>
+                    <a:lnT w="12700" cap="flat" cmpd="sng" algn="ctr">
+                      <a:solidFill>
+                        <a:schemeClr val="bg1"/>
+                      </a:solidFill>
+                      <a:prstDash val="solid"/>
+                      <a:round/>
+                      <a:headEnd type="none" w="med" len="med"/>
+                      <a:tailEnd type="none" w="med" len="med"/>
+                    </a:lnT>
+                    <a:lnB w="12700" cap="flat" cmpd="sng" algn="ctr">
+                      <a:solidFill>
+                        <a:schemeClr val="bg1"/>
+                      </a:solidFill>
+                      <a:prstDash val="solid"/>
+                      <a:round/>
+                      <a:headEnd type="none" w="med" len="med"/>
+                      <a:tailEnd type="none" w="med" len="med"/>
+                    </a:lnB>
+                    <a:solidFill>
+                      <a:schemeClr val="accent5">
+                        <a:lumMod val="75000"/>
+                      </a:schemeClr>
+                    </a:solidFill>
+                  </a:tcPr>
+                </a:tc>
+                <a:extLst>
+                  <a:ext uri="{0D108BD9-81ED-4DB2-BD59-A6C34878D82A}">
+                    <a16:rowId xmlns:a16="http://schemas.microsoft.com/office/drawing/2014/main" val="2987823741"/>
+                  </a:ext>
+                </a:extLst>
+              </a:tr>
+              <a:tr h="370840">
+                <a:tc>
+                  <a:txBody>
+                    <a:bodyPr/>
+                    <a:lstStyle/>
+                    <a:p>
+                      <a:pPr marL="0" marR="0" lvl="0" indent="0" algn="ctr" defTabSz="914400" rtl="0" eaLnBrk="1" fontAlgn="auto" latinLnBrk="0" hangingPunct="1">
+                        <a:lnSpc>
+                          <a:spcPct val="100000"/>
+                        </a:lnSpc>
+                        <a:spcBef>
+                          <a:spcPts val="0"/>
+                        </a:spcBef>
+                        <a:spcAft>
+                          <a:spcPts val="0"/>
+                        </a:spcAft>
+                        <a:buClrTx/>
+                        <a:buSzTx/>
+                        <a:buFontTx/>
+                        <a:buNone/>
+                        <a:tabLst/>
+                        <a:defRPr/>
+                      </a:pPr>
+                      <a:r>
+                        <a:rPr kumimoji="0" lang="en-US" altLang="zh-CN" sz="1800" b="0" i="0" u="none" strike="noStrike" kern="1200" cap="none" spc="0" normalizeH="0" baseline="0" noProof="0" smtClean="0">
+                          <a:ln>
+                            <a:noFill/>
+                          </a:ln>
+                          <a:solidFill>
+                            <a:prstClr val="white"/>
+                          </a:solidFill>
+                          <a:effectLst/>
+                          <a:uLnTx/>
+                          <a:uFillTx/>
+                          <a:latin typeface="Calibri"/>
+                          <a:ea typeface="宋体" panose="02010600030101010101" pitchFamily="2" charset="-122"/>
+                          <a:cs typeface="+mn-cs"/>
+                        </a:rPr>
+                        <a:t>item6</a:t>
+                      </a:r>
+                      <a:endParaRPr kumimoji="0" lang="zh-CN" altLang="en-US" sz="1800" b="0" i="0" u="none" strike="noStrike" kern="1200" cap="none" spc="0" normalizeH="0" baseline="0" noProof="0" dirty="0">
+                        <a:ln>
+                          <a:noFill/>
+                        </a:ln>
+                        <a:solidFill>
+                          <a:prstClr val="white"/>
+                        </a:solidFill>
+                        <a:effectLst/>
+                        <a:uLnTx/>
+                        <a:uFillTx/>
+                        <a:latin typeface="Calibri"/>
+                        <a:ea typeface="宋体" panose="02010600030101010101" pitchFamily="2" charset="-122"/>
+                        <a:cs typeface="+mn-cs"/>
+                      </a:endParaRPr>
+                    </a:p>
+                  </a:txBody>
+                  <a:tcPr anchor="ctr">
+                    <a:lnL w="12700" cap="flat" cmpd="sng" algn="ctr">
+                      <a:solidFill>
+                        <a:schemeClr val="bg1"/>
+                      </a:solidFill>
+                      <a:prstDash val="solid"/>
+                      <a:round/>
+                      <a:headEnd type="none" w="med" len="med"/>
+                      <a:tailEnd type="none" w="med" len="med"/>
+                    </a:lnL>
+                    <a:lnR w="12700" cap="flat" cmpd="sng" algn="ctr">
+                      <a:solidFill>
+                        <a:schemeClr val="bg1"/>
+                      </a:solidFill>
+                      <a:prstDash val="solid"/>
+                      <a:round/>
+                      <a:headEnd type="none" w="med" len="med"/>
+                      <a:tailEnd type="none" w="med" len="med"/>
+                    </a:lnR>
+                    <a:lnT w="12700" cap="flat" cmpd="sng" algn="ctr">
+                      <a:solidFill>
+                        <a:schemeClr val="bg1"/>
+                      </a:solidFill>
+                      <a:prstDash val="solid"/>
+                      <a:round/>
+                      <a:headEnd type="none" w="med" len="med"/>
+                      <a:tailEnd type="none" w="med" len="med"/>
+                    </a:lnT>
+                    <a:lnB w="12700" cap="flat" cmpd="sng" algn="ctr">
+                      <a:solidFill>
+                        <a:schemeClr val="bg1"/>
+                      </a:solidFill>
+                      <a:prstDash val="solid"/>
+                      <a:round/>
+                      <a:headEnd type="none" w="med" len="med"/>
+                      <a:tailEnd type="none" w="med" len="med"/>
+                    </a:lnB>
+                    <a:solidFill>
+                      <a:schemeClr val="accent5">
+                        <a:lumMod val="75000"/>
+                      </a:schemeClr>
+                    </a:solidFill>
+                  </a:tcPr>
+                </a:tc>
+                <a:extLst>
+                  <a:ext uri="{0D108BD9-81ED-4DB2-BD59-A6C34878D82A}">
+                    <a16:rowId xmlns:a16="http://schemas.microsoft.com/office/drawing/2014/main" val="193482310"/>
+                  </a:ext>
+                </a:extLst>
+              </a:tr>
+              <a:tr h="370840">
+                <a:tc>
+                  <a:txBody>
+                    <a:bodyPr/>
+                    <a:lstStyle/>
+                    <a:p>
+                      <a:pPr marL="0" marR="0" lvl="0" indent="0" algn="ctr" defTabSz="914400" rtl="0" eaLnBrk="1" fontAlgn="auto" latinLnBrk="0" hangingPunct="1">
+                        <a:lnSpc>
+                          <a:spcPct val="100000"/>
+                        </a:lnSpc>
+                        <a:spcBef>
+                          <a:spcPts val="0"/>
+                        </a:spcBef>
+                        <a:spcAft>
+                          <a:spcPts val="0"/>
+                        </a:spcAft>
+                        <a:buClrTx/>
+                        <a:buSzTx/>
+                        <a:buFontTx/>
+                        <a:buNone/>
+                        <a:tabLst/>
+                        <a:defRPr/>
+                      </a:pPr>
+                      <a:r>
+                        <a:rPr kumimoji="0" lang="en-US" altLang="zh-CN" sz="1800" b="0" i="0" u="none" strike="noStrike" kern="1200" cap="none" spc="0" normalizeH="0" baseline="0" noProof="0" dirty="0" smtClean="0">
+                          <a:ln>
+                            <a:noFill/>
+                          </a:ln>
+                          <a:solidFill>
+                            <a:schemeClr val="accent6">
+                              <a:lumMod val="40000"/>
+                              <a:lumOff val="60000"/>
+                            </a:schemeClr>
+                          </a:solidFill>
+                          <a:effectLst/>
+                          <a:uLnTx/>
+                          <a:uFillTx/>
+                          <a:latin typeface="Calibri"/>
+                          <a:ea typeface="宋体" panose="02010600030101010101" pitchFamily="2" charset="-122"/>
+                          <a:cs typeface="+mn-cs"/>
+                        </a:rPr>
+                        <a:t>item7</a:t>
+                      </a:r>
+                      <a:endParaRPr kumimoji="0" lang="zh-CN" altLang="en-US" sz="1800" b="0" i="0" u="none" strike="noStrike" kern="1200" cap="none" spc="0" normalizeH="0" baseline="0" noProof="0" dirty="0">
+                        <a:ln>
+                          <a:noFill/>
+                        </a:ln>
+                        <a:solidFill>
+                          <a:schemeClr val="accent6">
+                            <a:lumMod val="40000"/>
+                            <a:lumOff val="60000"/>
+                          </a:schemeClr>
+                        </a:solidFill>
+                        <a:effectLst/>
+                        <a:uLnTx/>
+                        <a:uFillTx/>
+                        <a:latin typeface="Calibri"/>
+                        <a:ea typeface="宋体" panose="02010600030101010101" pitchFamily="2" charset="-122"/>
+                        <a:cs typeface="+mn-cs"/>
+                      </a:endParaRPr>
+                    </a:p>
+                  </a:txBody>
+                  <a:tcPr anchor="ctr">
+                    <a:lnL w="12700" cap="flat" cmpd="sng" algn="ctr">
+                      <a:solidFill>
+                        <a:schemeClr val="bg1"/>
+                      </a:solidFill>
+                      <a:prstDash val="solid"/>
+                      <a:round/>
+                      <a:headEnd type="none" w="med" len="med"/>
+                      <a:tailEnd type="none" w="med" len="med"/>
+                    </a:lnL>
+                    <a:lnR w="12700" cap="flat" cmpd="sng" algn="ctr">
+                      <a:solidFill>
+                        <a:schemeClr val="bg1"/>
+                      </a:solidFill>
+                      <a:prstDash val="solid"/>
+                      <a:round/>
+                      <a:headEnd type="none" w="med" len="med"/>
+                      <a:tailEnd type="none" w="med" len="med"/>
+                    </a:lnR>
+                    <a:lnT w="12700" cap="flat" cmpd="sng" algn="ctr">
+                      <a:solidFill>
+                        <a:schemeClr val="bg1"/>
+                      </a:solidFill>
+                      <a:prstDash val="solid"/>
+                      <a:round/>
+                      <a:headEnd type="none" w="med" len="med"/>
+                      <a:tailEnd type="none" w="med" len="med"/>
+                    </a:lnT>
+                    <a:lnB w="12700" cap="flat" cmpd="sng" algn="ctr">
+                      <a:solidFill>
+                        <a:schemeClr val="bg1"/>
+                      </a:solidFill>
+                      <a:prstDash val="solid"/>
+                      <a:round/>
+                      <a:headEnd type="none" w="med" len="med"/>
+                      <a:tailEnd type="none" w="med" len="med"/>
+                    </a:lnB>
+                    <a:solidFill>
+                      <a:schemeClr val="accent5">
+                        <a:lumMod val="75000"/>
+                      </a:schemeClr>
+                    </a:solidFill>
+                  </a:tcPr>
+                </a:tc>
+                <a:extLst>
+                  <a:ext uri="{0D108BD9-81ED-4DB2-BD59-A6C34878D82A}">
+                    <a16:rowId xmlns:a16="http://schemas.microsoft.com/office/drawing/2014/main" val="589513760"/>
+                  </a:ext>
+                </a:extLst>
+              </a:tr>
+              <a:tr h="370840">
+                <a:tc>
+                  <a:txBody>
+                    <a:bodyPr/>
+                    <a:lstStyle/>
+                    <a:p>
+                      <a:pPr marL="0" marR="0" lvl="0" indent="0" algn="ctr" defTabSz="914400" rtl="0" eaLnBrk="1" fontAlgn="auto" latinLnBrk="0" hangingPunct="1">
+                        <a:lnSpc>
+                          <a:spcPct val="100000"/>
+                        </a:lnSpc>
+                        <a:spcBef>
+                          <a:spcPts val="0"/>
+                        </a:spcBef>
+                        <a:spcAft>
+                          <a:spcPts val="0"/>
+                        </a:spcAft>
+                        <a:buClrTx/>
+                        <a:buSzTx/>
+                        <a:buFontTx/>
+                        <a:buNone/>
+                        <a:tabLst/>
+                        <a:defRPr/>
+                      </a:pPr>
+                      <a:r>
+                        <a:rPr kumimoji="0" lang="en-US" altLang="zh-CN" sz="1800" b="0" i="0" u="none" strike="noStrike" kern="1200" cap="none" spc="0" normalizeH="0" baseline="0" noProof="0" smtClean="0">
+                          <a:ln>
+                            <a:noFill/>
+                          </a:ln>
+                          <a:solidFill>
+                            <a:prstClr val="white"/>
+                          </a:solidFill>
+                          <a:effectLst/>
+                          <a:uLnTx/>
+                          <a:uFillTx/>
+                          <a:latin typeface="Calibri"/>
+                          <a:ea typeface="宋体" panose="02010600030101010101" pitchFamily="2" charset="-122"/>
+                          <a:cs typeface="+mn-cs"/>
+                        </a:rPr>
+                        <a:t>item8</a:t>
+                      </a:r>
+                      <a:endParaRPr kumimoji="0" lang="zh-CN" altLang="en-US" sz="1800" b="0" i="0" u="none" strike="noStrike" kern="1200" cap="none" spc="0" normalizeH="0" baseline="0" noProof="0" dirty="0">
+                        <a:ln>
+                          <a:noFill/>
+                        </a:ln>
+                        <a:solidFill>
+                          <a:prstClr val="white"/>
+                        </a:solidFill>
+                        <a:effectLst/>
+                        <a:uLnTx/>
+                        <a:uFillTx/>
+                        <a:latin typeface="Calibri"/>
+                        <a:ea typeface="宋体" panose="02010600030101010101" pitchFamily="2" charset="-122"/>
+                        <a:cs typeface="+mn-cs"/>
+                      </a:endParaRPr>
+                    </a:p>
+                  </a:txBody>
+                  <a:tcPr anchor="ctr">
+                    <a:lnL w="12700" cap="flat" cmpd="sng" algn="ctr">
+                      <a:solidFill>
+                        <a:schemeClr val="bg1"/>
+                      </a:solidFill>
+                      <a:prstDash val="solid"/>
+                      <a:round/>
+                      <a:headEnd type="none" w="med" len="med"/>
+                      <a:tailEnd type="none" w="med" len="med"/>
+                    </a:lnL>
+                    <a:lnR w="12700" cap="flat" cmpd="sng" algn="ctr">
+                      <a:solidFill>
+                        <a:schemeClr val="bg1"/>
+                      </a:solidFill>
+                      <a:prstDash val="solid"/>
+                      <a:round/>
+                      <a:headEnd type="none" w="med" len="med"/>
+                      <a:tailEnd type="none" w="med" len="med"/>
+                    </a:lnR>
+                    <a:lnT w="12700" cap="flat" cmpd="sng" algn="ctr">
+                      <a:solidFill>
+                        <a:schemeClr val="bg1"/>
+                      </a:solidFill>
+                      <a:prstDash val="solid"/>
+                      <a:round/>
+                      <a:headEnd type="none" w="med" len="med"/>
+                      <a:tailEnd type="none" w="med" len="med"/>
+                    </a:lnT>
+                    <a:lnB w="12700" cap="flat" cmpd="sng" algn="ctr">
+                      <a:solidFill>
+                        <a:schemeClr val="bg1"/>
+                      </a:solidFill>
+                      <a:prstDash val="solid"/>
+                      <a:round/>
+                      <a:headEnd type="none" w="med" len="med"/>
+                      <a:tailEnd type="none" w="med" len="med"/>
+                    </a:lnB>
+                    <a:solidFill>
+                      <a:schemeClr val="accent5">
+                        <a:lumMod val="75000"/>
+                      </a:schemeClr>
+                    </a:solidFill>
+                  </a:tcPr>
+                </a:tc>
+                <a:extLst>
+                  <a:ext uri="{0D108BD9-81ED-4DB2-BD59-A6C34878D82A}">
+                    <a16:rowId xmlns:a16="http://schemas.microsoft.com/office/drawing/2014/main" val="3314464373"/>
+                  </a:ext>
+                </a:extLst>
+              </a:tr>
+              <a:tr h="370840">
+                <a:tc>
+                  <a:txBody>
+                    <a:bodyPr/>
+                    <a:lstStyle/>
+                    <a:p>
+                      <a:pPr marL="0" marR="0" lvl="0" indent="0" algn="ctr" defTabSz="914400" rtl="0" eaLnBrk="1" fontAlgn="auto" latinLnBrk="0" hangingPunct="1">
+                        <a:lnSpc>
+                          <a:spcPct val="100000"/>
+                        </a:lnSpc>
+                        <a:spcBef>
+                          <a:spcPts val="0"/>
+                        </a:spcBef>
+                        <a:spcAft>
+                          <a:spcPts val="0"/>
+                        </a:spcAft>
+                        <a:buClrTx/>
+                        <a:buSzTx/>
+                        <a:buFontTx/>
+                        <a:buNone/>
+                        <a:tabLst/>
+                        <a:defRPr/>
+                      </a:pPr>
+                      <a:r>
+                        <a:rPr kumimoji="0" lang="en-US" altLang="zh-CN" sz="1800" b="0" i="0" u="none" strike="noStrike" kern="1200" cap="none" spc="0" normalizeH="0" baseline="0" noProof="0" smtClean="0">
+                          <a:ln>
+                            <a:noFill/>
+                          </a:ln>
+                          <a:solidFill>
+                            <a:prstClr val="white"/>
+                          </a:solidFill>
+                          <a:effectLst/>
+                          <a:uLnTx/>
+                          <a:uFillTx/>
+                          <a:latin typeface="Calibri"/>
+                          <a:ea typeface="宋体" panose="02010600030101010101" pitchFamily="2" charset="-122"/>
+                          <a:cs typeface="+mn-cs"/>
+                        </a:rPr>
+                        <a:t>item9</a:t>
+                      </a:r>
+                      <a:endParaRPr kumimoji="0" lang="zh-CN" altLang="en-US" sz="1800" b="0" i="0" u="none" strike="noStrike" kern="1200" cap="none" spc="0" normalizeH="0" baseline="0" noProof="0" dirty="0">
+                        <a:ln>
+                          <a:noFill/>
+                        </a:ln>
+                        <a:solidFill>
+                          <a:prstClr val="white"/>
+                        </a:solidFill>
+                        <a:effectLst/>
+                        <a:uLnTx/>
+                        <a:uFillTx/>
+                        <a:latin typeface="Calibri"/>
+                        <a:ea typeface="宋体" panose="02010600030101010101" pitchFamily="2" charset="-122"/>
+                        <a:cs typeface="+mn-cs"/>
+                      </a:endParaRPr>
+                    </a:p>
+                  </a:txBody>
+                  <a:tcPr anchor="ctr">
+                    <a:lnL w="12700" cap="flat" cmpd="sng" algn="ctr">
+                      <a:solidFill>
+                        <a:schemeClr val="bg1"/>
+                      </a:solidFill>
+                      <a:prstDash val="solid"/>
+                      <a:round/>
+                      <a:headEnd type="none" w="med" len="med"/>
+                      <a:tailEnd type="none" w="med" len="med"/>
+                    </a:lnL>
+                    <a:lnR w="12700" cap="flat" cmpd="sng" algn="ctr">
+                      <a:solidFill>
+                        <a:schemeClr val="bg1"/>
+                      </a:solidFill>
+                      <a:prstDash val="solid"/>
+                      <a:round/>
+                      <a:headEnd type="none" w="med" len="med"/>
+                      <a:tailEnd type="none" w="med" len="med"/>
+                    </a:lnR>
+                    <a:lnT w="12700" cap="flat" cmpd="sng" algn="ctr">
+                      <a:solidFill>
+                        <a:schemeClr val="bg1"/>
+                      </a:solidFill>
+                      <a:prstDash val="solid"/>
+                      <a:round/>
+                      <a:headEnd type="none" w="med" len="med"/>
+                      <a:tailEnd type="none" w="med" len="med"/>
+                    </a:lnT>
+                    <a:lnB w="12700" cap="flat" cmpd="sng" algn="ctr">
+                      <a:solidFill>
+                        <a:schemeClr val="bg1"/>
+                      </a:solidFill>
+                      <a:prstDash val="solid"/>
+                      <a:round/>
+                      <a:headEnd type="none" w="med" len="med"/>
+                      <a:tailEnd type="none" w="med" len="med"/>
+                    </a:lnB>
+                    <a:solidFill>
+                      <a:schemeClr val="accent5">
+                        <a:lumMod val="75000"/>
+                      </a:schemeClr>
+                    </a:solidFill>
+                  </a:tcPr>
+                </a:tc>
+                <a:extLst>
+                  <a:ext uri="{0D108BD9-81ED-4DB2-BD59-A6C34878D82A}">
+                    <a16:rowId xmlns:a16="http://schemas.microsoft.com/office/drawing/2014/main" val="1811545710"/>
+                  </a:ext>
+                </a:extLst>
+              </a:tr>
+              <a:tr h="370840">
+                <a:tc>
+                  <a:txBody>
+                    <a:bodyPr/>
+                    <a:lstStyle/>
+                    <a:p>
+                      <a:pPr marL="0" marR="0" lvl="0" indent="0" algn="ctr" defTabSz="914400" rtl="0" eaLnBrk="1" fontAlgn="auto" latinLnBrk="0" hangingPunct="1">
+                        <a:lnSpc>
+                          <a:spcPct val="100000"/>
+                        </a:lnSpc>
+                        <a:spcBef>
+                          <a:spcPts val="0"/>
+                        </a:spcBef>
+                        <a:spcAft>
+                          <a:spcPts val="0"/>
+                        </a:spcAft>
+                        <a:buClrTx/>
+                        <a:buSzTx/>
+                        <a:buFontTx/>
+                        <a:buNone/>
+                        <a:tabLst/>
+                        <a:defRPr/>
+                      </a:pPr>
+                      <a:r>
+                        <a:rPr kumimoji="0" lang="en-US" altLang="zh-CN" sz="1800" b="0" i="0" u="none" strike="noStrike" kern="1200" cap="none" spc="0" normalizeH="0" baseline="0" noProof="0" smtClean="0">
+                          <a:ln>
+                            <a:noFill/>
+                          </a:ln>
+                          <a:solidFill>
+                            <a:prstClr val="white"/>
+                          </a:solidFill>
+                          <a:effectLst/>
+                          <a:uLnTx/>
+                          <a:uFillTx/>
+                          <a:latin typeface="Calibri"/>
+                          <a:ea typeface="宋体" panose="02010600030101010101" pitchFamily="2" charset="-122"/>
+                          <a:cs typeface="+mn-cs"/>
+                        </a:rPr>
+                        <a:t>item10</a:t>
+                      </a:r>
+                      <a:endParaRPr kumimoji="0" lang="zh-CN" altLang="en-US" sz="1800" b="0" i="0" u="none" strike="noStrike" kern="1200" cap="none" spc="0" normalizeH="0" baseline="0" noProof="0" dirty="0">
+                        <a:ln>
+                          <a:noFill/>
+                        </a:ln>
+                        <a:solidFill>
+                          <a:prstClr val="white"/>
+                        </a:solidFill>
+                        <a:effectLst/>
+                        <a:uLnTx/>
+                        <a:uFillTx/>
+                        <a:latin typeface="Calibri"/>
+                        <a:ea typeface="宋体" panose="02010600030101010101" pitchFamily="2" charset="-122"/>
+                        <a:cs typeface="+mn-cs"/>
+                      </a:endParaRPr>
+                    </a:p>
+                  </a:txBody>
+                  <a:tcPr anchor="ctr">
+                    <a:lnL w="12700" cap="flat" cmpd="sng" algn="ctr">
+                      <a:solidFill>
+                        <a:schemeClr val="bg1"/>
+                      </a:solidFill>
+                      <a:prstDash val="solid"/>
+                      <a:round/>
+                      <a:headEnd type="none" w="med" len="med"/>
+                      <a:tailEnd type="none" w="med" len="med"/>
+                    </a:lnL>
+                    <a:lnR w="12700" cap="flat" cmpd="sng" algn="ctr">
+                      <a:solidFill>
+                        <a:schemeClr val="bg1"/>
+                      </a:solidFill>
+                      <a:prstDash val="solid"/>
+                      <a:round/>
+                      <a:headEnd type="none" w="med" len="med"/>
+                      <a:tailEnd type="none" w="med" len="med"/>
+                    </a:lnR>
+                    <a:lnT w="12700" cap="flat" cmpd="sng" algn="ctr">
+                      <a:solidFill>
+                        <a:schemeClr val="bg1"/>
+                      </a:solidFill>
+                      <a:prstDash val="solid"/>
+                      <a:round/>
+                      <a:headEnd type="none" w="med" len="med"/>
+                      <a:tailEnd type="none" w="med" len="med"/>
+                    </a:lnT>
+                    <a:lnB w="12700" cap="flat" cmpd="sng" algn="ctr">
+                      <a:solidFill>
+                        <a:schemeClr val="bg1"/>
+                      </a:solidFill>
+                      <a:prstDash val="solid"/>
+                      <a:round/>
+                      <a:headEnd type="none" w="med" len="med"/>
+                      <a:tailEnd type="none" w="med" len="med"/>
+                    </a:lnB>
+                    <a:solidFill>
+                      <a:schemeClr val="accent5">
+                        <a:lumMod val="75000"/>
+                      </a:schemeClr>
+                    </a:solidFill>
+                  </a:tcPr>
+                </a:tc>
+                <a:extLst>
+                  <a:ext uri="{0D108BD9-81ED-4DB2-BD59-A6C34878D82A}">
+                    <a16:rowId xmlns:a16="http://schemas.microsoft.com/office/drawing/2014/main" val="2525566091"/>
+                  </a:ext>
+                </a:extLst>
+              </a:tr>
+              <a:tr h="370840">
+                <a:tc>
+                  <a:txBody>
+                    <a:bodyPr/>
+                    <a:lstStyle/>
+                    <a:p>
+                      <a:pPr marL="0" marR="0" lvl="0" indent="0" algn="ctr" defTabSz="914400" rtl="0" eaLnBrk="1" fontAlgn="auto" latinLnBrk="0" hangingPunct="1">
+                        <a:lnSpc>
+                          <a:spcPct val="100000"/>
+                        </a:lnSpc>
+                        <a:spcBef>
+                          <a:spcPts val="0"/>
+                        </a:spcBef>
+                        <a:spcAft>
+                          <a:spcPts val="0"/>
+                        </a:spcAft>
+                        <a:buClrTx/>
+                        <a:buSzTx/>
+                        <a:buFontTx/>
+                        <a:buNone/>
+                        <a:tabLst/>
+                        <a:defRPr/>
+                      </a:pPr>
+                      <a:r>
+                        <a:rPr kumimoji="0" lang="en-US" altLang="zh-CN" sz="1800" b="0" i="0" u="none" strike="noStrike" kern="1200" cap="none" spc="0" normalizeH="0" baseline="0" noProof="0" smtClean="0">
+                          <a:ln>
+                            <a:noFill/>
+                          </a:ln>
+                          <a:solidFill>
+                            <a:prstClr val="white"/>
+                          </a:solidFill>
+                          <a:effectLst/>
+                          <a:uLnTx/>
+                          <a:uFillTx/>
+                          <a:latin typeface="Calibri"/>
+                          <a:ea typeface="宋体" panose="02010600030101010101" pitchFamily="2" charset="-122"/>
+                          <a:cs typeface="+mn-cs"/>
+                        </a:rPr>
+                        <a:t>item11</a:t>
+                      </a:r>
+                      <a:endParaRPr kumimoji="0" lang="zh-CN" altLang="en-US" sz="1800" b="0" i="0" u="none" strike="noStrike" kern="1200" cap="none" spc="0" normalizeH="0" baseline="0" noProof="0" dirty="0">
+                        <a:ln>
+                          <a:noFill/>
+                        </a:ln>
+                        <a:solidFill>
+                          <a:prstClr val="white"/>
+                        </a:solidFill>
+                        <a:effectLst/>
+                        <a:uLnTx/>
+                        <a:uFillTx/>
+                        <a:latin typeface="Calibri"/>
+                        <a:ea typeface="宋体" panose="02010600030101010101" pitchFamily="2" charset="-122"/>
+                        <a:cs typeface="+mn-cs"/>
+                      </a:endParaRPr>
+                    </a:p>
+                  </a:txBody>
+                  <a:tcPr anchor="ctr">
+                    <a:lnL w="12700" cap="flat" cmpd="sng" algn="ctr">
+                      <a:solidFill>
+                        <a:schemeClr val="bg1"/>
+                      </a:solidFill>
+                      <a:prstDash val="solid"/>
+                      <a:round/>
+                      <a:headEnd type="none" w="med" len="med"/>
+                      <a:tailEnd type="none" w="med" len="med"/>
+                    </a:lnL>
+                    <a:lnR w="12700" cap="flat" cmpd="sng" algn="ctr">
+                      <a:solidFill>
+                        <a:schemeClr val="bg1"/>
+                      </a:solidFill>
+                      <a:prstDash val="solid"/>
+                      <a:round/>
+                      <a:headEnd type="none" w="med" len="med"/>
+                      <a:tailEnd type="none" w="med" len="med"/>
+                    </a:lnR>
+                    <a:lnT w="12700" cap="flat" cmpd="sng" algn="ctr">
+                      <a:solidFill>
+                        <a:schemeClr val="bg1"/>
+                      </a:solidFill>
+                      <a:prstDash val="solid"/>
+                      <a:round/>
+                      <a:headEnd type="none" w="med" len="med"/>
+                      <a:tailEnd type="none" w="med" len="med"/>
+                    </a:lnT>
+                    <a:lnB w="12700" cap="flat" cmpd="sng" algn="ctr">
+                      <a:solidFill>
+                        <a:schemeClr val="bg1"/>
+                      </a:solidFill>
+                      <a:prstDash val="solid"/>
+                      <a:round/>
+                      <a:headEnd type="none" w="med" len="med"/>
+                      <a:tailEnd type="none" w="med" len="med"/>
+                    </a:lnB>
+                    <a:solidFill>
+                      <a:schemeClr val="accent5">
+                        <a:lumMod val="75000"/>
+                      </a:schemeClr>
+                    </a:solidFill>
+                  </a:tcPr>
+                </a:tc>
+                <a:extLst>
+                  <a:ext uri="{0D108BD9-81ED-4DB2-BD59-A6C34878D82A}">
+                    <a16:rowId xmlns:a16="http://schemas.microsoft.com/office/drawing/2014/main" val="3360797041"/>
+                  </a:ext>
+                </a:extLst>
+              </a:tr>
+              <a:tr h="370840">
+                <a:tc>
+                  <a:txBody>
+                    <a:bodyPr/>
+                    <a:lstStyle/>
+                    <a:p>
+                      <a:pPr algn="ctr"/>
+                      <a:r>
+                        <a:rPr lang="en-US" altLang="zh-CN" sz="1800" b="0" smtClean="0">
+                          <a:solidFill>
+                            <a:schemeClr val="bg1"/>
+                          </a:solidFill>
+                        </a:rPr>
+                        <a:t>……</a:t>
+                      </a:r>
+                      <a:endParaRPr lang="zh-CN" altLang="en-US" sz="1800" b="0" dirty="0">
+                        <a:solidFill>
+                          <a:schemeClr val="bg1"/>
+                        </a:solidFill>
+                      </a:endParaRPr>
+                    </a:p>
+                  </a:txBody>
+                  <a:tcPr anchor="ctr">
+                    <a:lnL w="12700" cap="flat" cmpd="sng" algn="ctr">
+                      <a:solidFill>
+                        <a:schemeClr val="bg1"/>
+                      </a:solidFill>
+                      <a:prstDash val="solid"/>
+                      <a:round/>
+                      <a:headEnd type="none" w="med" len="med"/>
+                      <a:tailEnd type="none" w="med" len="med"/>
+                    </a:lnL>
+                    <a:lnR w="12700" cap="flat" cmpd="sng" algn="ctr">
+                      <a:solidFill>
+                        <a:schemeClr val="bg1"/>
+                      </a:solidFill>
+                      <a:prstDash val="solid"/>
+                      <a:round/>
+                      <a:headEnd type="none" w="med" len="med"/>
+                      <a:tailEnd type="none" w="med" len="med"/>
+                    </a:lnR>
+                    <a:lnT w="12700" cap="flat" cmpd="sng" algn="ctr">
+                      <a:solidFill>
+                        <a:schemeClr val="bg1"/>
+                      </a:solidFill>
+                      <a:prstDash val="solid"/>
+                      <a:round/>
+                      <a:headEnd type="none" w="med" len="med"/>
+                      <a:tailEnd type="none" w="med" len="med"/>
+                    </a:lnT>
+                    <a:lnB w="12700" cap="flat" cmpd="sng" algn="ctr">
+                      <a:solidFill>
+                        <a:schemeClr val="bg1"/>
+                      </a:solidFill>
+                      <a:prstDash val="solid"/>
+                      <a:round/>
+                      <a:headEnd type="none" w="med" len="med"/>
+                      <a:tailEnd type="none" w="med" len="med"/>
+                    </a:lnB>
+                    <a:solidFill>
+                      <a:schemeClr val="accent5">
+                        <a:lumMod val="75000"/>
+                      </a:schemeClr>
+                    </a:solidFill>
+                  </a:tcPr>
+                </a:tc>
+                <a:extLst>
+                  <a:ext uri="{0D108BD9-81ED-4DB2-BD59-A6C34878D82A}">
+                    <a16:rowId xmlns:a16="http://schemas.microsoft.com/office/drawing/2014/main" val="2873669025"/>
+                  </a:ext>
+                </a:extLst>
+              </a:tr>
+              <a:tr h="370840">
+                <a:tc>
+                  <a:txBody>
+                    <a:bodyPr/>
+                    <a:lstStyle/>
+                    <a:p>
+                      <a:pPr algn="ctr"/>
+                      <a:r>
+                        <a:rPr lang="en-US" altLang="zh-CN" sz="1800" b="0" smtClean="0">
+                          <a:solidFill>
+                            <a:schemeClr val="bg1"/>
+                          </a:solidFill>
+                        </a:rPr>
+                        <a:t>……</a:t>
+                      </a:r>
+                      <a:endParaRPr lang="zh-CN" altLang="en-US" sz="1800" b="0" dirty="0">
+                        <a:solidFill>
+                          <a:schemeClr val="bg1"/>
+                        </a:solidFill>
+                      </a:endParaRPr>
+                    </a:p>
+                  </a:txBody>
+                  <a:tcPr anchor="ctr">
+                    <a:lnL w="12700" cap="flat" cmpd="sng" algn="ctr">
+                      <a:solidFill>
+                        <a:schemeClr val="bg1"/>
+                      </a:solidFill>
+                      <a:prstDash val="solid"/>
+                      <a:round/>
+                      <a:headEnd type="none" w="med" len="med"/>
+                      <a:tailEnd type="none" w="med" len="med"/>
+                    </a:lnL>
+                    <a:lnR w="12700" cap="flat" cmpd="sng" algn="ctr">
+                      <a:solidFill>
+                        <a:schemeClr val="bg1"/>
+                      </a:solidFill>
+                      <a:prstDash val="solid"/>
+                      <a:round/>
+                      <a:headEnd type="none" w="med" len="med"/>
+                      <a:tailEnd type="none" w="med" len="med"/>
+                    </a:lnR>
+                    <a:lnT w="12700" cap="flat" cmpd="sng" algn="ctr">
+                      <a:solidFill>
+                        <a:schemeClr val="bg1"/>
+                      </a:solidFill>
+                      <a:prstDash val="solid"/>
+                      <a:round/>
+                      <a:headEnd type="none" w="med" len="med"/>
+                      <a:tailEnd type="none" w="med" len="med"/>
+                    </a:lnT>
+                    <a:lnB w="12700" cap="flat" cmpd="sng" algn="ctr">
+                      <a:solidFill>
+                        <a:schemeClr val="bg1"/>
+                      </a:solidFill>
+                      <a:prstDash val="solid"/>
+                      <a:round/>
+                      <a:headEnd type="none" w="med" len="med"/>
+                      <a:tailEnd type="none" w="med" len="med"/>
+                    </a:lnB>
+                    <a:solidFill>
+                      <a:schemeClr val="accent5">
+                        <a:lumMod val="75000"/>
+                      </a:schemeClr>
+                    </a:solidFill>
+                  </a:tcPr>
+                </a:tc>
+                <a:extLst>
+                  <a:ext uri="{0D108BD9-81ED-4DB2-BD59-A6C34878D82A}">
+                    <a16:rowId xmlns:a16="http://schemas.microsoft.com/office/drawing/2014/main" val="3732079516"/>
+                  </a:ext>
+                </a:extLst>
+              </a:tr>
+              <a:tr h="370840">
+                <a:tc>
+                  <a:txBody>
+                    <a:bodyPr/>
+                    <a:lstStyle/>
+                    <a:p>
+                      <a:pPr algn="ctr"/>
+                      <a:r>
+                        <a:rPr lang="en-US" altLang="zh-CN" sz="1800" b="0" smtClean="0">
+                          <a:solidFill>
+                            <a:schemeClr val="bg1"/>
+                          </a:solidFill>
+                        </a:rPr>
+                        <a:t>……</a:t>
+                      </a:r>
+                      <a:endParaRPr lang="zh-CN" altLang="en-US" sz="1800" b="0" dirty="0">
+                        <a:solidFill>
+                          <a:schemeClr val="bg1"/>
+                        </a:solidFill>
+                      </a:endParaRPr>
+                    </a:p>
+                  </a:txBody>
+                  <a:tcPr anchor="ctr">
+                    <a:lnL w="12700" cap="flat" cmpd="sng" algn="ctr">
+                      <a:solidFill>
+                        <a:schemeClr val="bg1"/>
+                      </a:solidFill>
+                      <a:prstDash val="solid"/>
+                      <a:round/>
+                      <a:headEnd type="none" w="med" len="med"/>
+                      <a:tailEnd type="none" w="med" len="med"/>
+                    </a:lnL>
+                    <a:lnR w="12700" cap="flat" cmpd="sng" algn="ctr">
+                      <a:solidFill>
+                        <a:schemeClr val="bg1"/>
+                      </a:solidFill>
+                      <a:prstDash val="solid"/>
+                      <a:round/>
+                      <a:headEnd type="none" w="med" len="med"/>
+                      <a:tailEnd type="none" w="med" len="med"/>
+                    </a:lnR>
+                    <a:lnT w="12700" cap="flat" cmpd="sng" algn="ctr">
+                      <a:solidFill>
+                        <a:schemeClr val="bg1"/>
+                      </a:solidFill>
+                      <a:prstDash val="solid"/>
+                      <a:round/>
+                      <a:headEnd type="none" w="med" len="med"/>
+                      <a:tailEnd type="none" w="med" len="med"/>
+                    </a:lnT>
+                    <a:lnB w="12700" cap="flat" cmpd="sng" algn="ctr">
+                      <a:solidFill>
+                        <a:schemeClr val="bg1"/>
+                      </a:solidFill>
+                      <a:prstDash val="solid"/>
+                      <a:round/>
+                      <a:headEnd type="none" w="med" len="med"/>
+                      <a:tailEnd type="none" w="med" len="med"/>
+                    </a:lnB>
+                    <a:solidFill>
+                      <a:schemeClr val="accent5">
+                        <a:lumMod val="75000"/>
+                      </a:schemeClr>
+                    </a:solidFill>
+                  </a:tcPr>
+                </a:tc>
+                <a:extLst>
+                  <a:ext uri="{0D108BD9-81ED-4DB2-BD59-A6C34878D82A}">
+                    <a16:rowId xmlns:a16="http://schemas.microsoft.com/office/drawing/2014/main" val="2966636214"/>
+                  </a:ext>
+                </a:extLst>
+              </a:tr>
+              <a:tr h="370840">
+                <a:tc>
+                  <a:txBody>
+                    <a:bodyPr/>
+                    <a:lstStyle/>
+                    <a:p>
+                      <a:pPr algn="ctr"/>
+                      <a:r>
+                        <a:rPr lang="en-US" altLang="zh-CN" sz="1800" b="0" dirty="0" smtClean="0">
+                          <a:solidFill>
+                            <a:schemeClr val="bg1"/>
+                          </a:solidFill>
+                        </a:rPr>
+                        <a:t>……</a:t>
+                      </a:r>
+                      <a:endParaRPr lang="zh-CN" altLang="en-US" sz="1800" b="0" dirty="0">
+                        <a:solidFill>
+                          <a:schemeClr val="bg1"/>
+                        </a:solidFill>
+                      </a:endParaRPr>
+                    </a:p>
+                  </a:txBody>
+                  <a:tcPr anchor="ctr">
+                    <a:lnL w="12700" cap="flat" cmpd="sng" algn="ctr">
+                      <a:solidFill>
+                        <a:schemeClr val="bg1"/>
+                      </a:solidFill>
+                      <a:prstDash val="solid"/>
+                      <a:round/>
+                      <a:headEnd type="none" w="med" len="med"/>
+                      <a:tailEnd type="none" w="med" len="med"/>
+                    </a:lnL>
+                    <a:lnR w="12700" cap="flat" cmpd="sng" algn="ctr">
+                      <a:solidFill>
+                        <a:schemeClr val="bg1"/>
+                      </a:solidFill>
+                      <a:prstDash val="solid"/>
+                      <a:round/>
+                      <a:headEnd type="none" w="med" len="med"/>
+                      <a:tailEnd type="none" w="med" len="med"/>
+                    </a:lnR>
+                    <a:lnT w="12700" cap="flat" cmpd="sng" algn="ctr">
+                      <a:solidFill>
+                        <a:schemeClr val="bg1"/>
+                      </a:solidFill>
+                      <a:prstDash val="solid"/>
+                      <a:round/>
+                      <a:headEnd type="none" w="med" len="med"/>
+                      <a:tailEnd type="none" w="med" len="med"/>
+                    </a:lnT>
+                    <a:lnB w="12700" cap="flat" cmpd="sng" algn="ctr">
+                      <a:solidFill>
+                        <a:schemeClr val="bg1"/>
+                      </a:solidFill>
+                      <a:prstDash val="solid"/>
+                      <a:round/>
+                      <a:headEnd type="none" w="med" len="med"/>
+                      <a:tailEnd type="none" w="med" len="med"/>
+                    </a:lnB>
+                    <a:solidFill>
+                      <a:schemeClr val="accent5">
+                        <a:lumMod val="75000"/>
+                      </a:schemeClr>
+                    </a:solidFill>
+                  </a:tcPr>
+                </a:tc>
+                <a:extLst>
+                  <a:ext uri="{0D108BD9-81ED-4DB2-BD59-A6C34878D82A}">
+                    <a16:rowId xmlns:a16="http://schemas.microsoft.com/office/drawing/2014/main" val="3891840487"/>
+                  </a:ext>
+                </a:extLst>
+              </a:tr>
+            </a:tbl>
+          </a:graphicData>
+        </a:graphic>
+      </p:graphicFrame>
+      <p:graphicFrame>
+        <p:nvGraphicFramePr>
+          <p:cNvPr id="3" name="表格 2"/>
+          <p:cNvGraphicFramePr>
+            <a:graphicFrameLocks noGrp="1"/>
+          </p:cNvGraphicFramePr>
+          <p:nvPr>
+            <p:extLst>
+              <p:ext uri="{D42A27DB-BD31-4B8C-83A1-F6EECF244321}">
+                <p14:modId xmlns:p14="http://schemas.microsoft.com/office/powerpoint/2010/main" val="876228810"/>
+              </p:ext>
+            </p:extLst>
+          </p:nvPr>
+        </p:nvGraphicFramePr>
+        <p:xfrm>
+          <a:off x="6321871" y="836712"/>
+          <a:ext cx="1152128" cy="2225040"/>
+        </p:xfrm>
+        <a:graphic>
+          <a:graphicData uri="http://schemas.openxmlformats.org/drawingml/2006/table">
+            <a:tbl>
+              <a:tblPr firstRow="1" bandRow="1">
+                <a:tableStyleId>{5C22544A-7EE6-4342-B048-85BDC9FD1C3A}</a:tableStyleId>
+              </a:tblPr>
+              <a:tblGrid>
+                <a:gridCol w="1152128">
+                  <a:extLst>
+                    <a:ext uri="{9D8B030D-6E8A-4147-A177-3AD203B41FA5}">
+                      <a16:colId xmlns:a16="http://schemas.microsoft.com/office/drawing/2014/main" val="1214683687"/>
+                    </a:ext>
+                  </a:extLst>
+                </a:gridCol>
+              </a:tblGrid>
+              <a:tr h="370840">
+                <a:tc>
+                  <a:txBody>
+                    <a:bodyPr/>
+                    <a:lstStyle/>
+                    <a:p>
+                      <a:pPr algn="ctr"/>
+                      <a:r>
+                        <a:rPr lang="en-US" altLang="zh-CN" sz="1800" b="0" smtClean="0">
+                          <a:solidFill>
+                            <a:schemeClr val="bg1"/>
+                          </a:solidFill>
+                        </a:rPr>
+                        <a:t>item1</a:t>
+                      </a:r>
+                      <a:endParaRPr lang="zh-CN" altLang="en-US" sz="1800" b="0" dirty="0">
+                        <a:solidFill>
+                          <a:schemeClr val="bg1"/>
+                        </a:solidFill>
+                      </a:endParaRPr>
+                    </a:p>
+                  </a:txBody>
+                  <a:tcPr anchor="ctr">
+                    <a:lnL w="12700" cap="flat" cmpd="sng" algn="ctr">
+                      <a:solidFill>
+                        <a:schemeClr val="bg1"/>
+                      </a:solidFill>
+                      <a:prstDash val="solid"/>
+                      <a:round/>
+                      <a:headEnd type="none" w="med" len="med"/>
+                      <a:tailEnd type="none" w="med" len="med"/>
+                    </a:lnL>
+                    <a:lnR w="12700" cap="flat" cmpd="sng" algn="ctr">
+                      <a:solidFill>
+                        <a:schemeClr val="bg1"/>
+                      </a:solidFill>
+                      <a:prstDash val="solid"/>
+                      <a:round/>
+                      <a:headEnd type="none" w="med" len="med"/>
+                      <a:tailEnd type="none" w="med" len="med"/>
+                    </a:lnR>
+                    <a:lnT w="12700" cap="flat" cmpd="sng" algn="ctr">
+                      <a:solidFill>
+                        <a:schemeClr val="bg1"/>
+                      </a:solidFill>
+                      <a:prstDash val="solid"/>
+                      <a:round/>
+                      <a:headEnd type="none" w="med" len="med"/>
+                      <a:tailEnd type="none" w="med" len="med"/>
+                    </a:lnT>
+                    <a:lnB w="12700" cap="flat" cmpd="sng" algn="ctr">
+                      <a:solidFill>
+                        <a:schemeClr val="bg1"/>
+                      </a:solidFill>
+                      <a:prstDash val="solid"/>
+                      <a:round/>
+                      <a:headEnd type="none" w="med" len="med"/>
+                      <a:tailEnd type="none" w="med" len="med"/>
+                    </a:lnB>
+                    <a:solidFill>
+                      <a:schemeClr val="accent5">
+                        <a:lumMod val="75000"/>
+                      </a:schemeClr>
+                    </a:solidFill>
+                  </a:tcPr>
+                </a:tc>
+                <a:extLst>
+                  <a:ext uri="{0D108BD9-81ED-4DB2-BD59-A6C34878D82A}">
+                    <a16:rowId xmlns:a16="http://schemas.microsoft.com/office/drawing/2014/main" val="1006269131"/>
+                  </a:ext>
+                </a:extLst>
+              </a:tr>
+              <a:tr h="370840">
+                <a:tc>
+                  <a:txBody>
+                    <a:bodyPr/>
+                    <a:lstStyle/>
+                    <a:p>
+                      <a:pPr marL="0" marR="0" lvl="0" indent="0" algn="ctr" defTabSz="914400" rtl="0" eaLnBrk="1" fontAlgn="auto" latinLnBrk="0" hangingPunct="1">
+                        <a:lnSpc>
+                          <a:spcPct val="100000"/>
+                        </a:lnSpc>
+                        <a:spcBef>
+                          <a:spcPts val="0"/>
+                        </a:spcBef>
+                        <a:spcAft>
+                          <a:spcPts val="0"/>
+                        </a:spcAft>
+                        <a:buClrTx/>
+                        <a:buSzTx/>
+                        <a:buFontTx/>
+                        <a:buNone/>
+                        <a:tabLst/>
+                        <a:defRPr/>
+                      </a:pPr>
+                      <a:r>
+                        <a:rPr kumimoji="0" lang="en-US" altLang="zh-CN" sz="1800" b="0" i="0" u="none" strike="noStrike" kern="1200" cap="none" spc="0" normalizeH="0" baseline="0" noProof="0" smtClean="0">
+                          <a:ln>
+                            <a:noFill/>
+                          </a:ln>
+                          <a:solidFill>
+                            <a:prstClr val="white"/>
+                          </a:solidFill>
+                          <a:effectLst/>
+                          <a:uLnTx/>
+                          <a:uFillTx/>
+                          <a:latin typeface="Calibri"/>
+                          <a:ea typeface="宋体" panose="02010600030101010101" pitchFamily="2" charset="-122"/>
+                          <a:cs typeface="+mn-cs"/>
+                        </a:rPr>
+                        <a:t>item2</a:t>
+                      </a:r>
+                      <a:endParaRPr kumimoji="0" lang="zh-CN" altLang="en-US" sz="1800" b="0" i="0" u="none" strike="noStrike" kern="1200" cap="none" spc="0" normalizeH="0" baseline="0" noProof="0" dirty="0">
+                        <a:ln>
+                          <a:noFill/>
+                        </a:ln>
+                        <a:solidFill>
+                          <a:prstClr val="white"/>
+                        </a:solidFill>
+                        <a:effectLst/>
+                        <a:uLnTx/>
+                        <a:uFillTx/>
+                        <a:latin typeface="Calibri"/>
+                        <a:ea typeface="宋体" panose="02010600030101010101" pitchFamily="2" charset="-122"/>
+                        <a:cs typeface="+mn-cs"/>
+                      </a:endParaRPr>
+                    </a:p>
+                  </a:txBody>
+                  <a:tcPr anchor="ctr">
+                    <a:lnL w="12700" cap="flat" cmpd="sng" algn="ctr">
+                      <a:solidFill>
+                        <a:schemeClr val="bg1"/>
+                      </a:solidFill>
+                      <a:prstDash val="solid"/>
+                      <a:round/>
+                      <a:headEnd type="none" w="med" len="med"/>
+                      <a:tailEnd type="none" w="med" len="med"/>
+                    </a:lnL>
+                    <a:lnR w="12700" cap="flat" cmpd="sng" algn="ctr">
+                      <a:solidFill>
+                        <a:schemeClr val="bg1"/>
+                      </a:solidFill>
+                      <a:prstDash val="solid"/>
+                      <a:round/>
+                      <a:headEnd type="none" w="med" len="med"/>
+                      <a:tailEnd type="none" w="med" len="med"/>
+                    </a:lnR>
+                    <a:lnT w="12700" cap="flat" cmpd="sng" algn="ctr">
+                      <a:solidFill>
+                        <a:schemeClr val="bg1"/>
+                      </a:solidFill>
+                      <a:prstDash val="solid"/>
+                      <a:round/>
+                      <a:headEnd type="none" w="med" len="med"/>
+                      <a:tailEnd type="none" w="med" len="med"/>
+                    </a:lnT>
+                    <a:lnB w="12700" cap="flat" cmpd="sng" algn="ctr">
+                      <a:solidFill>
+                        <a:schemeClr val="bg1"/>
+                      </a:solidFill>
+                      <a:prstDash val="solid"/>
+                      <a:round/>
+                      <a:headEnd type="none" w="med" len="med"/>
+                      <a:tailEnd type="none" w="med" len="med"/>
+                    </a:lnB>
+                    <a:solidFill>
+                      <a:schemeClr val="accent5">
+                        <a:lumMod val="75000"/>
+                      </a:schemeClr>
+                    </a:solidFill>
+                  </a:tcPr>
+                </a:tc>
+                <a:extLst>
+                  <a:ext uri="{0D108BD9-81ED-4DB2-BD59-A6C34878D82A}">
+                    <a16:rowId xmlns:a16="http://schemas.microsoft.com/office/drawing/2014/main" val="194545254"/>
+                  </a:ext>
+                </a:extLst>
+              </a:tr>
+              <a:tr h="370840">
+                <a:tc>
+                  <a:txBody>
+                    <a:bodyPr/>
+                    <a:lstStyle/>
+                    <a:p>
+                      <a:pPr marL="0" marR="0" lvl="0" indent="0" algn="ctr" defTabSz="914400" rtl="0" eaLnBrk="1" fontAlgn="auto" latinLnBrk="0" hangingPunct="1">
+                        <a:lnSpc>
+                          <a:spcPct val="100000"/>
+                        </a:lnSpc>
+                        <a:spcBef>
+                          <a:spcPts val="0"/>
+                        </a:spcBef>
+                        <a:spcAft>
+                          <a:spcPts val="0"/>
+                        </a:spcAft>
+                        <a:buClrTx/>
+                        <a:buSzTx/>
+                        <a:buFontTx/>
+                        <a:buNone/>
+                        <a:tabLst/>
+                        <a:defRPr/>
+                      </a:pPr>
+                      <a:r>
+                        <a:rPr kumimoji="0" lang="en-US" altLang="zh-CN" sz="1800" b="0" i="0" u="none" strike="noStrike" kern="1200" cap="none" spc="0" normalizeH="0" baseline="0" noProof="0" smtClean="0">
+                          <a:ln>
+                            <a:noFill/>
+                          </a:ln>
+                          <a:solidFill>
+                            <a:prstClr val="white"/>
+                          </a:solidFill>
+                          <a:effectLst/>
+                          <a:uLnTx/>
+                          <a:uFillTx/>
+                          <a:latin typeface="Calibri"/>
+                          <a:ea typeface="宋体" panose="02010600030101010101" pitchFamily="2" charset="-122"/>
+                          <a:cs typeface="+mn-cs"/>
+                        </a:rPr>
+                        <a:t>item3</a:t>
+                      </a:r>
+                      <a:endParaRPr kumimoji="0" lang="zh-CN" altLang="en-US" sz="1800" b="0" i="0" u="none" strike="noStrike" kern="1200" cap="none" spc="0" normalizeH="0" baseline="0" noProof="0" dirty="0">
+                        <a:ln>
+                          <a:noFill/>
+                        </a:ln>
+                        <a:solidFill>
+                          <a:prstClr val="white"/>
+                        </a:solidFill>
+                        <a:effectLst/>
+                        <a:uLnTx/>
+                        <a:uFillTx/>
+                        <a:latin typeface="Calibri"/>
+                        <a:ea typeface="宋体" panose="02010600030101010101" pitchFamily="2" charset="-122"/>
+                        <a:cs typeface="+mn-cs"/>
+                      </a:endParaRPr>
+                    </a:p>
+                  </a:txBody>
+                  <a:tcPr anchor="ctr">
+                    <a:lnL w="12700" cap="flat" cmpd="sng" algn="ctr">
+                      <a:solidFill>
+                        <a:schemeClr val="bg1"/>
+                      </a:solidFill>
+                      <a:prstDash val="solid"/>
+                      <a:round/>
+                      <a:headEnd type="none" w="med" len="med"/>
+                      <a:tailEnd type="none" w="med" len="med"/>
+                    </a:lnL>
+                    <a:lnR w="12700" cap="flat" cmpd="sng" algn="ctr">
+                      <a:solidFill>
+                        <a:schemeClr val="bg1"/>
+                      </a:solidFill>
+                      <a:prstDash val="solid"/>
+                      <a:round/>
+                      <a:headEnd type="none" w="med" len="med"/>
+                      <a:tailEnd type="none" w="med" len="med"/>
+                    </a:lnR>
+                    <a:lnT w="12700" cap="flat" cmpd="sng" algn="ctr">
+                      <a:solidFill>
+                        <a:schemeClr val="bg1"/>
+                      </a:solidFill>
+                      <a:prstDash val="solid"/>
+                      <a:round/>
+                      <a:headEnd type="none" w="med" len="med"/>
+                      <a:tailEnd type="none" w="med" len="med"/>
+                    </a:lnT>
+                    <a:lnB w="12700" cap="flat" cmpd="sng" algn="ctr">
+                      <a:solidFill>
+                        <a:schemeClr val="bg1"/>
+                      </a:solidFill>
+                      <a:prstDash val="solid"/>
+                      <a:round/>
+                      <a:headEnd type="none" w="med" len="med"/>
+                      <a:tailEnd type="none" w="med" len="med"/>
+                    </a:lnB>
+                    <a:solidFill>
+                      <a:schemeClr val="accent5">
+                        <a:lumMod val="75000"/>
+                      </a:schemeClr>
+                    </a:solidFill>
+                  </a:tcPr>
+                </a:tc>
+                <a:extLst>
+                  <a:ext uri="{0D108BD9-81ED-4DB2-BD59-A6C34878D82A}">
+                    <a16:rowId xmlns:a16="http://schemas.microsoft.com/office/drawing/2014/main" val="44223002"/>
+                  </a:ext>
+                </a:extLst>
+              </a:tr>
+              <a:tr h="370840">
+                <a:tc>
+                  <a:txBody>
+                    <a:bodyPr/>
+                    <a:lstStyle/>
+                    <a:p>
+                      <a:pPr marL="0" marR="0" lvl="0" indent="0" algn="ctr" defTabSz="914400" rtl="0" eaLnBrk="1" fontAlgn="auto" latinLnBrk="0" hangingPunct="1">
+                        <a:lnSpc>
+                          <a:spcPct val="100000"/>
+                        </a:lnSpc>
+                        <a:spcBef>
+                          <a:spcPts val="0"/>
+                        </a:spcBef>
+                        <a:spcAft>
+                          <a:spcPts val="0"/>
+                        </a:spcAft>
+                        <a:buClrTx/>
+                        <a:buSzTx/>
+                        <a:buFontTx/>
+                        <a:buNone/>
+                        <a:tabLst/>
+                        <a:defRPr/>
+                      </a:pPr>
+                      <a:r>
+                        <a:rPr kumimoji="0" lang="en-US" altLang="zh-CN" sz="1800" b="0" i="0" u="none" strike="noStrike" kern="1200" cap="none" spc="0" normalizeH="0" baseline="0" noProof="0" dirty="0" smtClean="0">
+                          <a:ln>
+                            <a:noFill/>
+                          </a:ln>
+                          <a:solidFill>
+                            <a:schemeClr val="accent6">
+                              <a:lumMod val="40000"/>
+                              <a:lumOff val="60000"/>
+                            </a:schemeClr>
+                          </a:solidFill>
+                          <a:effectLst/>
+                          <a:uLnTx/>
+                          <a:uFillTx/>
+                          <a:latin typeface="+mn-lt"/>
+                          <a:ea typeface="+mn-ea"/>
+                          <a:cs typeface="+mn-cs"/>
+                        </a:rPr>
+                        <a:t>item7</a:t>
+                      </a:r>
+                      <a:endParaRPr kumimoji="0" lang="zh-CN" altLang="en-US" sz="1800" b="0" i="0" u="none" strike="noStrike" kern="1200" cap="none" spc="0" normalizeH="0" baseline="0" noProof="0" dirty="0" smtClean="0">
+                        <a:ln>
+                          <a:noFill/>
+                        </a:ln>
+                        <a:solidFill>
+                          <a:schemeClr val="accent6">
+                            <a:lumMod val="40000"/>
+                            <a:lumOff val="60000"/>
+                          </a:schemeClr>
+                        </a:solidFill>
+                        <a:effectLst/>
+                        <a:uLnTx/>
+                        <a:uFillTx/>
+                        <a:latin typeface="+mn-lt"/>
+                        <a:ea typeface="+mn-ea"/>
+                        <a:cs typeface="+mn-cs"/>
+                      </a:endParaRPr>
+                    </a:p>
+                  </a:txBody>
+                  <a:tcPr anchor="ctr">
+                    <a:lnL w="12700" cap="flat" cmpd="sng" algn="ctr">
+                      <a:solidFill>
+                        <a:schemeClr val="bg1"/>
+                      </a:solidFill>
+                      <a:prstDash val="solid"/>
+                      <a:round/>
+                      <a:headEnd type="none" w="med" len="med"/>
+                      <a:tailEnd type="none" w="med" len="med"/>
+                    </a:lnL>
+                    <a:lnR w="12700" cap="flat" cmpd="sng" algn="ctr">
+                      <a:solidFill>
+                        <a:schemeClr val="bg1"/>
+                      </a:solidFill>
+                      <a:prstDash val="solid"/>
+                      <a:round/>
+                      <a:headEnd type="none" w="med" len="med"/>
+                      <a:tailEnd type="none" w="med" len="med"/>
+                    </a:lnR>
+                    <a:lnT w="12700" cap="flat" cmpd="sng" algn="ctr">
+                      <a:solidFill>
+                        <a:schemeClr val="bg1"/>
+                      </a:solidFill>
+                      <a:prstDash val="solid"/>
+                      <a:round/>
+                      <a:headEnd type="none" w="med" len="med"/>
+                      <a:tailEnd type="none" w="med" len="med"/>
+                    </a:lnT>
+                    <a:lnB w="12700" cap="flat" cmpd="sng" algn="ctr">
+                      <a:solidFill>
+                        <a:schemeClr val="bg1"/>
+                      </a:solidFill>
+                      <a:prstDash val="solid"/>
+                      <a:round/>
+                      <a:headEnd type="none" w="med" len="med"/>
+                      <a:tailEnd type="none" w="med" len="med"/>
+                    </a:lnB>
+                    <a:solidFill>
+                      <a:schemeClr val="accent5">
+                        <a:lumMod val="75000"/>
+                      </a:schemeClr>
+                    </a:solidFill>
+                  </a:tcPr>
+                </a:tc>
+                <a:extLst>
+                  <a:ext uri="{0D108BD9-81ED-4DB2-BD59-A6C34878D82A}">
+                    <a16:rowId xmlns:a16="http://schemas.microsoft.com/office/drawing/2014/main" val="4268083801"/>
+                  </a:ext>
+                </a:extLst>
+              </a:tr>
+              <a:tr h="370840">
+                <a:tc>
+                  <a:txBody>
+                    <a:bodyPr/>
+                    <a:lstStyle/>
+                    <a:p>
+                      <a:pPr marL="0" marR="0" lvl="0" indent="0" algn="ctr" defTabSz="914400" rtl="0" eaLnBrk="1" fontAlgn="auto" latinLnBrk="0" hangingPunct="1">
+                        <a:lnSpc>
+                          <a:spcPct val="100000"/>
+                        </a:lnSpc>
+                        <a:spcBef>
+                          <a:spcPts val="0"/>
+                        </a:spcBef>
+                        <a:spcAft>
+                          <a:spcPts val="0"/>
+                        </a:spcAft>
+                        <a:buClrTx/>
+                        <a:buSzTx/>
+                        <a:buFontTx/>
+                        <a:buNone/>
+                        <a:tabLst/>
+                        <a:defRPr/>
+                      </a:pPr>
+                      <a:r>
+                        <a:rPr kumimoji="0" lang="en-US" altLang="zh-CN" sz="1800" b="0" i="0" u="none" strike="noStrike" kern="1200" cap="none" spc="0" normalizeH="0" baseline="0" noProof="0" smtClean="0">
+                          <a:ln>
+                            <a:noFill/>
+                          </a:ln>
+                          <a:solidFill>
+                            <a:prstClr val="white"/>
+                          </a:solidFill>
+                          <a:effectLst/>
+                          <a:uLnTx/>
+                          <a:uFillTx/>
+                          <a:latin typeface="Calibri"/>
+                          <a:ea typeface="宋体" panose="02010600030101010101" pitchFamily="2" charset="-122"/>
+                          <a:cs typeface="+mn-cs"/>
+                        </a:rPr>
+                        <a:t>item5</a:t>
+                      </a:r>
+                      <a:endParaRPr kumimoji="0" lang="zh-CN" altLang="en-US" sz="1800" b="0" i="0" u="none" strike="noStrike" kern="1200" cap="none" spc="0" normalizeH="0" baseline="0" noProof="0" dirty="0">
+                        <a:ln>
+                          <a:noFill/>
+                        </a:ln>
+                        <a:solidFill>
+                          <a:prstClr val="white"/>
+                        </a:solidFill>
+                        <a:effectLst/>
+                        <a:uLnTx/>
+                        <a:uFillTx/>
+                        <a:latin typeface="Calibri"/>
+                        <a:ea typeface="宋体" panose="02010600030101010101" pitchFamily="2" charset="-122"/>
+                        <a:cs typeface="+mn-cs"/>
+                      </a:endParaRPr>
+                    </a:p>
+                  </a:txBody>
+                  <a:tcPr anchor="ctr">
+                    <a:lnL w="12700" cap="flat" cmpd="sng" algn="ctr">
+                      <a:solidFill>
+                        <a:schemeClr val="bg1"/>
+                      </a:solidFill>
+                      <a:prstDash val="solid"/>
+                      <a:round/>
+                      <a:headEnd type="none" w="med" len="med"/>
+                      <a:tailEnd type="none" w="med" len="med"/>
+                    </a:lnL>
+                    <a:lnR w="12700" cap="flat" cmpd="sng" algn="ctr">
+                      <a:solidFill>
+                        <a:schemeClr val="bg1"/>
+                      </a:solidFill>
+                      <a:prstDash val="solid"/>
+                      <a:round/>
+                      <a:headEnd type="none" w="med" len="med"/>
+                      <a:tailEnd type="none" w="med" len="med"/>
+                    </a:lnR>
+                    <a:lnT w="12700" cap="flat" cmpd="sng" algn="ctr">
+                      <a:solidFill>
+                        <a:schemeClr val="bg1"/>
+                      </a:solidFill>
+                      <a:prstDash val="solid"/>
+                      <a:round/>
+                      <a:headEnd type="none" w="med" len="med"/>
+                      <a:tailEnd type="none" w="med" len="med"/>
+                    </a:lnT>
+                    <a:lnB w="12700" cap="flat" cmpd="sng" algn="ctr">
+                      <a:solidFill>
+                        <a:schemeClr val="bg1"/>
+                      </a:solidFill>
+                      <a:prstDash val="solid"/>
+                      <a:round/>
+                      <a:headEnd type="none" w="med" len="med"/>
+                      <a:tailEnd type="none" w="med" len="med"/>
+                    </a:lnB>
+                    <a:solidFill>
+                      <a:schemeClr val="accent5">
+                        <a:lumMod val="75000"/>
+                      </a:schemeClr>
+                    </a:solidFill>
+                  </a:tcPr>
+                </a:tc>
+                <a:extLst>
+                  <a:ext uri="{0D108BD9-81ED-4DB2-BD59-A6C34878D82A}">
+                    <a16:rowId xmlns:a16="http://schemas.microsoft.com/office/drawing/2014/main" val="2987823741"/>
+                  </a:ext>
+                </a:extLst>
+              </a:tr>
+              <a:tr h="370840">
+                <a:tc>
+                  <a:txBody>
+                    <a:bodyPr/>
+                    <a:lstStyle/>
+                    <a:p>
+                      <a:pPr marL="0" marR="0" lvl="0" indent="0" algn="ctr" defTabSz="914400" rtl="0" eaLnBrk="1" fontAlgn="auto" latinLnBrk="0" hangingPunct="1">
+                        <a:lnSpc>
+                          <a:spcPct val="100000"/>
+                        </a:lnSpc>
+                        <a:spcBef>
+                          <a:spcPts val="0"/>
+                        </a:spcBef>
+                        <a:spcAft>
+                          <a:spcPts val="0"/>
+                        </a:spcAft>
+                        <a:buClrTx/>
+                        <a:buSzTx/>
+                        <a:buFontTx/>
+                        <a:buNone/>
+                        <a:tabLst/>
+                        <a:defRPr/>
+                      </a:pPr>
+                      <a:r>
+                        <a:rPr kumimoji="0" lang="en-US" altLang="zh-CN" sz="1800" b="0" i="0" u="none" strike="noStrike" kern="1200" cap="none" spc="0" normalizeH="0" baseline="0" noProof="0" dirty="0" smtClean="0">
+                          <a:ln>
+                            <a:noFill/>
+                          </a:ln>
+                          <a:solidFill>
+                            <a:prstClr val="white"/>
+                          </a:solidFill>
+                          <a:effectLst/>
+                          <a:uLnTx/>
+                          <a:uFillTx/>
+                          <a:latin typeface="Calibri"/>
+                          <a:ea typeface="宋体" panose="02010600030101010101" pitchFamily="2" charset="-122"/>
+                          <a:cs typeface="+mn-cs"/>
+                        </a:rPr>
+                        <a:t>item6</a:t>
+                      </a:r>
+                      <a:endParaRPr kumimoji="0" lang="zh-CN" altLang="en-US" sz="1800" b="0" i="0" u="none" strike="noStrike" kern="1200" cap="none" spc="0" normalizeH="0" baseline="0" noProof="0" dirty="0">
+                        <a:ln>
+                          <a:noFill/>
+                        </a:ln>
+                        <a:solidFill>
+                          <a:prstClr val="white"/>
+                        </a:solidFill>
+                        <a:effectLst/>
+                        <a:uLnTx/>
+                        <a:uFillTx/>
+                        <a:latin typeface="Calibri"/>
+                        <a:ea typeface="宋体" panose="02010600030101010101" pitchFamily="2" charset="-122"/>
+                        <a:cs typeface="+mn-cs"/>
+                      </a:endParaRPr>
+                    </a:p>
+                  </a:txBody>
+                  <a:tcPr anchor="ctr">
+                    <a:lnL w="12700" cap="flat" cmpd="sng" algn="ctr">
+                      <a:solidFill>
+                        <a:schemeClr val="bg1"/>
+                      </a:solidFill>
+                      <a:prstDash val="solid"/>
+                      <a:round/>
+                      <a:headEnd type="none" w="med" len="med"/>
+                      <a:tailEnd type="none" w="med" len="med"/>
+                    </a:lnL>
+                    <a:lnR w="12700" cap="flat" cmpd="sng" algn="ctr">
+                      <a:solidFill>
+                        <a:schemeClr val="bg1"/>
+                      </a:solidFill>
+                      <a:prstDash val="solid"/>
+                      <a:round/>
+                      <a:headEnd type="none" w="med" len="med"/>
+                      <a:tailEnd type="none" w="med" len="med"/>
+                    </a:lnR>
+                    <a:lnT w="12700" cap="flat" cmpd="sng" algn="ctr">
+                      <a:solidFill>
+                        <a:schemeClr val="bg1"/>
+                      </a:solidFill>
+                      <a:prstDash val="solid"/>
+                      <a:round/>
+                      <a:headEnd type="none" w="med" len="med"/>
+                      <a:tailEnd type="none" w="med" len="med"/>
+                    </a:lnT>
+                    <a:lnB w="12700" cap="flat" cmpd="sng" algn="ctr">
+                      <a:solidFill>
+                        <a:schemeClr val="bg1"/>
+                      </a:solidFill>
+                      <a:prstDash val="solid"/>
+                      <a:round/>
+                      <a:headEnd type="none" w="med" len="med"/>
+                      <a:tailEnd type="none" w="med" len="med"/>
+                    </a:lnB>
+                    <a:solidFill>
+                      <a:schemeClr val="accent5">
+                        <a:lumMod val="75000"/>
+                      </a:schemeClr>
+                    </a:solidFill>
+                  </a:tcPr>
+                </a:tc>
+                <a:extLst>
+                  <a:ext uri="{0D108BD9-81ED-4DB2-BD59-A6C34878D82A}">
+                    <a16:rowId xmlns:a16="http://schemas.microsoft.com/office/drawing/2014/main" val="193482310"/>
+                  </a:ext>
+                </a:extLst>
+              </a:tr>
+            </a:tbl>
+          </a:graphicData>
+        </a:graphic>
+      </p:graphicFrame>
+      <p:sp>
+        <p:nvSpPr>
+          <p:cNvPr id="4" name="文本框 3"/>
+          <p:cNvSpPr txBox="1"/>
+          <p:nvPr/>
+        </p:nvSpPr>
+        <p:spPr>
+          <a:xfrm>
+            <a:off x="4698921" y="6163190"/>
+            <a:ext cx="938527" cy="369332"/>
+          </a:xfrm>
+          <a:prstGeom prst="rect">
+            <a:avLst/>
+          </a:prstGeom>
+          <a:noFill/>
+        </p:spPr>
+        <p:txBody>
+          <a:bodyPr wrap="none" rtlCol="0">
+            <a:spAutoFit/>
+          </a:bodyPr>
+          <a:lstStyle/>
+          <a:p>
+            <a:r>
+              <a:rPr lang="en-US" altLang="zh-CN" b="1" dirty="0" smtClean="0"/>
+              <a:t>All Data</a:t>
+            </a:r>
+            <a:endParaRPr lang="zh-CN" altLang="en-US" b="1" dirty="0"/>
+          </a:p>
+        </p:txBody>
+      </p:sp>
+      <p:sp>
+        <p:nvSpPr>
+          <p:cNvPr id="5" name="文本框 4"/>
+          <p:cNvSpPr txBox="1"/>
+          <p:nvPr/>
+        </p:nvSpPr>
+        <p:spPr>
+          <a:xfrm>
+            <a:off x="6495376" y="3543082"/>
+            <a:ext cx="778546" cy="369332"/>
+          </a:xfrm>
+          <a:prstGeom prst="rect">
+            <a:avLst/>
+          </a:prstGeom>
+          <a:noFill/>
+        </p:spPr>
+        <p:txBody>
+          <a:bodyPr wrap="none" rtlCol="0">
+            <a:spAutoFit/>
+          </a:bodyPr>
+          <a:lstStyle/>
+          <a:p>
+            <a:r>
+              <a:rPr lang="en-US" altLang="zh-CN" b="1" dirty="0" smtClean="0"/>
+              <a:t>Buffer</a:t>
+            </a:r>
+            <a:endParaRPr lang="zh-CN" altLang="en-US" b="1" dirty="0"/>
+          </a:p>
+        </p:txBody>
+      </p:sp>
+      <p:sp>
+        <p:nvSpPr>
+          <p:cNvPr id="6" name="矩形 5"/>
+          <p:cNvSpPr/>
+          <p:nvPr/>
+        </p:nvSpPr>
+        <p:spPr>
+          <a:xfrm>
+            <a:off x="4577732" y="457200"/>
+            <a:ext cx="1178169" cy="2277208"/>
+          </a:xfrm>
+          <a:prstGeom prst="rect">
+            <a:avLst/>
+          </a:prstGeom>
+          <a:solidFill>
+            <a:srgbClr val="4F81BD">
+              <a:alpha val="70980"/>
+            </a:srgbClr>
+          </a:solidFill>
+        </p:spPr>
+        <p:style>
+          <a:lnRef idx="2">
+            <a:schemeClr val="accent1">
+              <a:shade val="50000"/>
+            </a:schemeClr>
+          </a:lnRef>
+          <a:fillRef idx="1">
+            <a:schemeClr val="accent1"/>
+          </a:fillRef>
+          <a:effectRef idx="0">
+            <a:schemeClr val="accent1"/>
+          </a:effectRef>
+          <a:fontRef idx="minor">
+            <a:schemeClr val="lt1"/>
+          </a:fontRef>
+        </p:style>
+        <p:txBody>
+          <a:bodyPr rtlCol="0" anchor="ctr"/>
+          <a:lstStyle/>
+          <a:p>
+            <a:pPr algn="ctr"/>
+            <a:endParaRPr lang="zh-CN" altLang="en-US"/>
+          </a:p>
+        </p:txBody>
+      </p:sp>
+      <p:sp>
+        <p:nvSpPr>
+          <p:cNvPr id="9" name="文本框 8"/>
+          <p:cNvSpPr txBox="1"/>
+          <p:nvPr/>
+        </p:nvSpPr>
+        <p:spPr>
+          <a:xfrm>
+            <a:off x="4483539" y="63406"/>
+            <a:ext cx="3366178" cy="369332"/>
+          </a:xfrm>
+          <a:prstGeom prst="rect">
+            <a:avLst/>
+          </a:prstGeom>
+          <a:noFill/>
+        </p:spPr>
+        <p:txBody>
+          <a:bodyPr wrap="none" rtlCol="0">
+            <a:spAutoFit/>
+          </a:bodyPr>
+          <a:lstStyle/>
+          <a:p>
+            <a:r>
+              <a:rPr lang="en-US" altLang="zh-CN" b="1" dirty="0" smtClean="0"/>
+              <a:t>Step-3</a:t>
+            </a:r>
+            <a:r>
+              <a:rPr lang="zh-CN" altLang="en-US" b="1" dirty="0" smtClean="0"/>
+              <a:t>：</a:t>
+            </a:r>
+            <a:r>
+              <a:rPr lang="en-US" altLang="zh-CN" b="1" dirty="0" smtClean="0"/>
+              <a:t>fill Buffer with next item</a:t>
+            </a:r>
+            <a:endParaRPr lang="zh-CN" altLang="en-US" b="1" dirty="0"/>
+          </a:p>
+        </p:txBody>
+      </p:sp>
+      <p:sp>
+        <p:nvSpPr>
+          <p:cNvPr id="10" name="文本框 9"/>
+          <p:cNvSpPr txBox="1"/>
+          <p:nvPr/>
+        </p:nvSpPr>
+        <p:spPr>
+          <a:xfrm>
+            <a:off x="6166628" y="3085882"/>
+            <a:ext cx="1775679" cy="369332"/>
+          </a:xfrm>
+          <a:prstGeom prst="rect">
+            <a:avLst/>
+          </a:prstGeom>
+          <a:noFill/>
+        </p:spPr>
+        <p:txBody>
+          <a:bodyPr wrap="none" rtlCol="0">
+            <a:spAutoFit/>
+          </a:bodyPr>
+          <a:lstStyle/>
+          <a:p>
+            <a:r>
+              <a:rPr lang="en-US" altLang="zh-CN" b="1" dirty="0" err="1" smtClean="0"/>
+              <a:t>Fill_data</a:t>
+            </a:r>
+            <a:r>
+              <a:rPr lang="en-US" altLang="zh-CN" b="1" dirty="0" smtClean="0"/>
+              <a:t> = item7</a:t>
+            </a:r>
+            <a:endParaRPr lang="zh-CN" altLang="en-US" b="1" dirty="0"/>
+          </a:p>
+        </p:txBody>
+      </p:sp>
+      <p:cxnSp>
+        <p:nvCxnSpPr>
+          <p:cNvPr id="12" name="肘形连接符 11"/>
+          <p:cNvCxnSpPr/>
+          <p:nvPr/>
+        </p:nvCxnSpPr>
+        <p:spPr>
+          <a:xfrm flipV="1">
+            <a:off x="5637448" y="2132856"/>
+            <a:ext cx="857928" cy="792088"/>
+          </a:xfrm>
+          <a:prstGeom prst="bentConnector3">
+            <a:avLst/>
+          </a:prstGeom>
+          <a:ln w="19050">
+            <a:headEnd type="oval" w="med" len="med"/>
+            <a:tailEnd type="triangle" w="med" len="med"/>
+          </a:ln>
+        </p:spPr>
+        <p:style>
+          <a:lnRef idx="1">
+            <a:schemeClr val="accent2"/>
+          </a:lnRef>
+          <a:fillRef idx="0">
+            <a:schemeClr val="accent2"/>
+          </a:fillRef>
+          <a:effectRef idx="0">
+            <a:schemeClr val="accent2"/>
+          </a:effectRef>
+          <a:fontRef idx="minor">
+            <a:schemeClr val="tx1"/>
+          </a:fontRef>
+        </p:style>
+      </p:cxnSp>
     </p:spTree>
     <p:extLst>
       <p:ext uri="{BB962C8B-B14F-4D97-AF65-F5344CB8AC3E}">
@@ -19935,6 +27663,13 @@
   <p:clrMapOvr>
     <a:masterClrMapping/>
   </p:clrMapOvr>
+  <p:timing>
+    <p:tnLst>
+      <p:par>
+        <p:cTn id="1" dur="indefinite" restart="never" nodeType="tmRoot"/>
+      </p:par>
+    </p:tnLst>
+  </p:timing>
 </p:sld>
 </file>
 
@@ -19955,6 +27690,770 @@
           <a:chExt cx="0" cy="0"/>
         </a:xfrm>
       </p:grpSpPr>
+      <p:sp>
+        <p:nvSpPr>
+          <p:cNvPr id="3" name="矩形 2"/>
+          <p:cNvSpPr/>
+          <p:nvPr/>
+        </p:nvSpPr>
+        <p:spPr>
+          <a:xfrm>
+            <a:off x="1835696" y="2996952"/>
+            <a:ext cx="1224136" cy="432048"/>
+          </a:xfrm>
+          <a:prstGeom prst="rect">
+            <a:avLst/>
+          </a:prstGeom>
+        </p:spPr>
+        <p:style>
+          <a:lnRef idx="1">
+            <a:schemeClr val="accent5"/>
+          </a:lnRef>
+          <a:fillRef idx="2">
+            <a:schemeClr val="accent5"/>
+          </a:fillRef>
+          <a:effectRef idx="1">
+            <a:schemeClr val="accent5"/>
+          </a:effectRef>
+          <a:fontRef idx="minor">
+            <a:schemeClr val="dk1"/>
+          </a:fontRef>
+        </p:style>
+        <p:txBody>
+          <a:bodyPr rtlCol="0" anchor="ctr"/>
+          <a:lstStyle/>
+          <a:p>
+            <a:pPr algn="ctr"/>
+            <a:r>
+              <a:rPr lang="en-US" altLang="zh-CN" sz="1600" dirty="0" smtClean="0"/>
+              <a:t>Load Data 1</a:t>
+            </a:r>
+            <a:endParaRPr lang="zh-CN" altLang="en-US" sz="1600" dirty="0"/>
+          </a:p>
+        </p:txBody>
+      </p:sp>
+      <p:sp>
+        <p:nvSpPr>
+          <p:cNvPr id="4" name="矩形 3"/>
+          <p:cNvSpPr/>
+          <p:nvPr/>
+        </p:nvSpPr>
+        <p:spPr>
+          <a:xfrm>
+            <a:off x="3059832" y="3429000"/>
+            <a:ext cx="1008112" cy="432048"/>
+          </a:xfrm>
+          <a:prstGeom prst="rect">
+            <a:avLst/>
+          </a:prstGeom>
+        </p:spPr>
+        <p:style>
+          <a:lnRef idx="1">
+            <a:schemeClr val="accent6"/>
+          </a:lnRef>
+          <a:fillRef idx="2">
+            <a:schemeClr val="accent6"/>
+          </a:fillRef>
+          <a:effectRef idx="1">
+            <a:schemeClr val="accent6"/>
+          </a:effectRef>
+          <a:fontRef idx="minor">
+            <a:schemeClr val="dk1"/>
+          </a:fontRef>
+        </p:style>
+        <p:txBody>
+          <a:bodyPr rtlCol="0" anchor="ctr"/>
+          <a:lstStyle/>
+          <a:p>
+            <a:pPr algn="ctr"/>
+            <a:r>
+              <a:rPr lang="en-US" altLang="zh-CN" sz="1600" dirty="0" smtClean="0"/>
+              <a:t>Train 1</a:t>
+            </a:r>
+            <a:endParaRPr lang="zh-CN" altLang="en-US" sz="1600" dirty="0"/>
+          </a:p>
+        </p:txBody>
+      </p:sp>
+      <p:sp>
+        <p:nvSpPr>
+          <p:cNvPr id="5" name="矩形 4"/>
+          <p:cNvSpPr/>
+          <p:nvPr/>
+        </p:nvSpPr>
+        <p:spPr>
+          <a:xfrm>
+            <a:off x="4067944" y="2996952"/>
+            <a:ext cx="1224136" cy="432048"/>
+          </a:xfrm>
+          <a:prstGeom prst="rect">
+            <a:avLst/>
+          </a:prstGeom>
+        </p:spPr>
+        <p:style>
+          <a:lnRef idx="1">
+            <a:schemeClr val="accent5"/>
+          </a:lnRef>
+          <a:fillRef idx="2">
+            <a:schemeClr val="accent5"/>
+          </a:fillRef>
+          <a:effectRef idx="1">
+            <a:schemeClr val="accent5"/>
+          </a:effectRef>
+          <a:fontRef idx="minor">
+            <a:schemeClr val="dk1"/>
+          </a:fontRef>
+        </p:style>
+        <p:txBody>
+          <a:bodyPr rtlCol="0" anchor="ctr"/>
+          <a:lstStyle/>
+          <a:p>
+            <a:pPr algn="ctr"/>
+            <a:r>
+              <a:rPr lang="en-US" altLang="zh-CN" sz="1600" dirty="0" smtClean="0"/>
+              <a:t>Load Data 2</a:t>
+            </a:r>
+            <a:endParaRPr lang="zh-CN" altLang="en-US" sz="1600" dirty="0"/>
+          </a:p>
+        </p:txBody>
+      </p:sp>
+      <p:sp>
+        <p:nvSpPr>
+          <p:cNvPr id="6" name="矩形 5"/>
+          <p:cNvSpPr/>
+          <p:nvPr/>
+        </p:nvSpPr>
+        <p:spPr>
+          <a:xfrm>
+            <a:off x="5292080" y="3429000"/>
+            <a:ext cx="1008112" cy="432048"/>
+          </a:xfrm>
+          <a:prstGeom prst="rect">
+            <a:avLst/>
+          </a:prstGeom>
+        </p:spPr>
+        <p:style>
+          <a:lnRef idx="1">
+            <a:schemeClr val="accent6"/>
+          </a:lnRef>
+          <a:fillRef idx="2">
+            <a:schemeClr val="accent6"/>
+          </a:fillRef>
+          <a:effectRef idx="1">
+            <a:schemeClr val="accent6"/>
+          </a:effectRef>
+          <a:fontRef idx="minor">
+            <a:schemeClr val="dk1"/>
+          </a:fontRef>
+        </p:style>
+        <p:txBody>
+          <a:bodyPr rtlCol="0" anchor="ctr"/>
+          <a:lstStyle/>
+          <a:p>
+            <a:pPr algn="ctr"/>
+            <a:r>
+              <a:rPr lang="en-US" altLang="zh-CN" sz="1600" dirty="0" smtClean="0"/>
+              <a:t>Train 2</a:t>
+            </a:r>
+            <a:endParaRPr lang="zh-CN" altLang="en-US" sz="1600" dirty="0"/>
+          </a:p>
+        </p:txBody>
+      </p:sp>
+      <p:sp>
+        <p:nvSpPr>
+          <p:cNvPr id="7" name="文本框 6"/>
+          <p:cNvSpPr txBox="1"/>
+          <p:nvPr/>
+        </p:nvSpPr>
+        <p:spPr>
+          <a:xfrm>
+            <a:off x="899592" y="3059668"/>
+            <a:ext cx="580608" cy="369332"/>
+          </a:xfrm>
+          <a:prstGeom prst="rect">
+            <a:avLst/>
+          </a:prstGeom>
+          <a:noFill/>
+        </p:spPr>
+        <p:txBody>
+          <a:bodyPr wrap="none" rtlCol="0">
+            <a:spAutoFit/>
+          </a:bodyPr>
+          <a:lstStyle/>
+          <a:p>
+            <a:r>
+              <a:rPr lang="en-US" altLang="zh-CN" b="1" dirty="0" smtClean="0"/>
+              <a:t>CPU</a:t>
+            </a:r>
+            <a:endParaRPr lang="zh-CN" altLang="en-US" b="1" dirty="0"/>
+          </a:p>
+        </p:txBody>
+      </p:sp>
+      <p:sp>
+        <p:nvSpPr>
+          <p:cNvPr id="8" name="文本框 7"/>
+          <p:cNvSpPr txBox="1"/>
+          <p:nvPr/>
+        </p:nvSpPr>
+        <p:spPr>
+          <a:xfrm>
+            <a:off x="899592" y="3491716"/>
+            <a:ext cx="606256" cy="369332"/>
+          </a:xfrm>
+          <a:prstGeom prst="rect">
+            <a:avLst/>
+          </a:prstGeom>
+          <a:noFill/>
+        </p:spPr>
+        <p:txBody>
+          <a:bodyPr wrap="none" rtlCol="0">
+            <a:spAutoFit/>
+          </a:bodyPr>
+          <a:lstStyle/>
+          <a:p>
+            <a:r>
+              <a:rPr lang="en-US" altLang="zh-CN" b="1" dirty="0" smtClean="0">
+                <a:solidFill>
+                  <a:schemeClr val="accent6">
+                    <a:lumMod val="75000"/>
+                  </a:schemeClr>
+                </a:solidFill>
+              </a:rPr>
+              <a:t>GPU</a:t>
+            </a:r>
+            <a:endParaRPr lang="zh-CN" altLang="en-US" b="1" dirty="0">
+              <a:solidFill>
+                <a:schemeClr val="accent6">
+                  <a:lumMod val="75000"/>
+                </a:schemeClr>
+              </a:solidFill>
+            </a:endParaRPr>
+          </a:p>
+        </p:txBody>
+      </p:sp>
+      <p:cxnSp>
+        <p:nvCxnSpPr>
+          <p:cNvPr id="10" name="直接箭头连接符 9"/>
+          <p:cNvCxnSpPr/>
+          <p:nvPr/>
+        </p:nvCxnSpPr>
+        <p:spPr>
+          <a:xfrm>
+            <a:off x="1727684" y="4077072"/>
+            <a:ext cx="5244616" cy="0"/>
+          </a:xfrm>
+          <a:prstGeom prst="straightConnector1">
+            <a:avLst/>
+          </a:prstGeom>
+          <a:ln w="19050">
+            <a:solidFill>
+              <a:schemeClr val="tx1"/>
+            </a:solidFill>
+            <a:tailEnd type="triangle"/>
+          </a:ln>
+        </p:spPr>
+        <p:style>
+          <a:lnRef idx="1">
+            <a:schemeClr val="accent1"/>
+          </a:lnRef>
+          <a:fillRef idx="0">
+            <a:schemeClr val="accent1"/>
+          </a:fillRef>
+          <a:effectRef idx="0">
+            <a:schemeClr val="accent1"/>
+          </a:effectRef>
+          <a:fontRef idx="minor">
+            <a:schemeClr val="tx1"/>
+          </a:fontRef>
+        </p:style>
+      </p:cxnSp>
+      <p:sp>
+        <p:nvSpPr>
+          <p:cNvPr id="12" name="文本框 11"/>
+          <p:cNvSpPr txBox="1"/>
+          <p:nvPr/>
+        </p:nvSpPr>
+        <p:spPr>
+          <a:xfrm>
+            <a:off x="3153652" y="4108458"/>
+            <a:ext cx="1942455" cy="369332"/>
+          </a:xfrm>
+          <a:prstGeom prst="rect">
+            <a:avLst/>
+          </a:prstGeom>
+          <a:noFill/>
+        </p:spPr>
+        <p:txBody>
+          <a:bodyPr wrap="none" rtlCol="0">
+            <a:spAutoFit/>
+          </a:bodyPr>
+          <a:lstStyle/>
+          <a:p>
+            <a:r>
+              <a:rPr lang="en-US" altLang="zh-CN" dirty="0" smtClean="0"/>
+              <a:t>Training Time Flow</a:t>
+            </a:r>
+            <a:endParaRPr lang="zh-CN" altLang="en-US" dirty="0"/>
+          </a:p>
+        </p:txBody>
+      </p:sp>
+      <p:sp>
+        <p:nvSpPr>
+          <p:cNvPr id="13" name="文本框 12"/>
+          <p:cNvSpPr txBox="1"/>
+          <p:nvPr/>
+        </p:nvSpPr>
+        <p:spPr>
+          <a:xfrm>
+            <a:off x="3030560" y="2490674"/>
+            <a:ext cx="1816523" cy="369332"/>
+          </a:xfrm>
+          <a:prstGeom prst="rect">
+            <a:avLst/>
+          </a:prstGeom>
+          <a:noFill/>
+        </p:spPr>
+        <p:txBody>
+          <a:bodyPr wrap="none" rtlCol="0">
+            <a:spAutoFit/>
+          </a:bodyPr>
+          <a:lstStyle/>
+          <a:p>
+            <a:r>
+              <a:rPr lang="en-US" altLang="zh-CN" b="1" dirty="0" smtClean="0"/>
+              <a:t> - Normal Mode -</a:t>
+            </a:r>
+            <a:endParaRPr lang="zh-CN" altLang="en-US" b="1" dirty="0"/>
+          </a:p>
+        </p:txBody>
+      </p:sp>
+      <p:sp>
+        <p:nvSpPr>
+          <p:cNvPr id="15" name="矩形 14"/>
+          <p:cNvSpPr/>
+          <p:nvPr/>
+        </p:nvSpPr>
+        <p:spPr>
+          <a:xfrm>
+            <a:off x="1835696" y="5186237"/>
+            <a:ext cx="1224136" cy="432048"/>
+          </a:xfrm>
+          <a:prstGeom prst="rect">
+            <a:avLst/>
+          </a:prstGeom>
+        </p:spPr>
+        <p:style>
+          <a:lnRef idx="1">
+            <a:schemeClr val="accent5"/>
+          </a:lnRef>
+          <a:fillRef idx="2">
+            <a:schemeClr val="accent5"/>
+          </a:fillRef>
+          <a:effectRef idx="1">
+            <a:schemeClr val="accent5"/>
+          </a:effectRef>
+          <a:fontRef idx="minor">
+            <a:schemeClr val="dk1"/>
+          </a:fontRef>
+        </p:style>
+        <p:txBody>
+          <a:bodyPr rtlCol="0" anchor="ctr"/>
+          <a:lstStyle/>
+          <a:p>
+            <a:pPr algn="ctr"/>
+            <a:r>
+              <a:rPr lang="en-US" altLang="zh-CN" sz="1600" dirty="0" smtClean="0"/>
+              <a:t>Load Data 1</a:t>
+            </a:r>
+            <a:endParaRPr lang="zh-CN" altLang="en-US" sz="1600" dirty="0"/>
+          </a:p>
+        </p:txBody>
+      </p:sp>
+      <p:sp>
+        <p:nvSpPr>
+          <p:cNvPr id="16" name="矩形 15"/>
+          <p:cNvSpPr/>
+          <p:nvPr/>
+        </p:nvSpPr>
+        <p:spPr>
+          <a:xfrm>
+            <a:off x="3059832" y="5618285"/>
+            <a:ext cx="1008112" cy="432048"/>
+          </a:xfrm>
+          <a:prstGeom prst="rect">
+            <a:avLst/>
+          </a:prstGeom>
+        </p:spPr>
+        <p:style>
+          <a:lnRef idx="1">
+            <a:schemeClr val="accent6"/>
+          </a:lnRef>
+          <a:fillRef idx="2">
+            <a:schemeClr val="accent6"/>
+          </a:fillRef>
+          <a:effectRef idx="1">
+            <a:schemeClr val="accent6"/>
+          </a:effectRef>
+          <a:fontRef idx="minor">
+            <a:schemeClr val="dk1"/>
+          </a:fontRef>
+        </p:style>
+        <p:txBody>
+          <a:bodyPr rtlCol="0" anchor="ctr"/>
+          <a:lstStyle/>
+          <a:p>
+            <a:pPr algn="ctr"/>
+            <a:r>
+              <a:rPr lang="en-US" altLang="zh-CN" sz="1600" dirty="0" smtClean="0"/>
+              <a:t>Train 1</a:t>
+            </a:r>
+            <a:endParaRPr lang="zh-CN" altLang="en-US" sz="1600" dirty="0"/>
+          </a:p>
+        </p:txBody>
+      </p:sp>
+      <p:sp>
+        <p:nvSpPr>
+          <p:cNvPr id="17" name="矩形 16"/>
+          <p:cNvSpPr/>
+          <p:nvPr/>
+        </p:nvSpPr>
+        <p:spPr>
+          <a:xfrm>
+            <a:off x="4283968" y="5186237"/>
+            <a:ext cx="1224136" cy="432048"/>
+          </a:xfrm>
+          <a:prstGeom prst="rect">
+            <a:avLst/>
+          </a:prstGeom>
+        </p:spPr>
+        <p:style>
+          <a:lnRef idx="1">
+            <a:schemeClr val="accent5"/>
+          </a:lnRef>
+          <a:fillRef idx="2">
+            <a:schemeClr val="accent5"/>
+          </a:fillRef>
+          <a:effectRef idx="1">
+            <a:schemeClr val="accent5"/>
+          </a:effectRef>
+          <a:fontRef idx="minor">
+            <a:schemeClr val="dk1"/>
+          </a:fontRef>
+        </p:style>
+        <p:txBody>
+          <a:bodyPr rtlCol="0" anchor="ctr"/>
+          <a:lstStyle/>
+          <a:p>
+            <a:pPr algn="ctr"/>
+            <a:r>
+              <a:rPr lang="en-US" altLang="zh-CN" sz="1600" dirty="0" smtClean="0"/>
+              <a:t>Load Data 3</a:t>
+            </a:r>
+            <a:endParaRPr lang="zh-CN" altLang="en-US" sz="1600" dirty="0"/>
+          </a:p>
+        </p:txBody>
+      </p:sp>
+      <p:sp>
+        <p:nvSpPr>
+          <p:cNvPr id="18" name="矩形 17"/>
+          <p:cNvSpPr/>
+          <p:nvPr/>
+        </p:nvSpPr>
+        <p:spPr>
+          <a:xfrm>
+            <a:off x="5508104" y="5618285"/>
+            <a:ext cx="1008112" cy="432048"/>
+          </a:xfrm>
+          <a:prstGeom prst="rect">
+            <a:avLst/>
+          </a:prstGeom>
+        </p:spPr>
+        <p:style>
+          <a:lnRef idx="1">
+            <a:schemeClr val="accent6"/>
+          </a:lnRef>
+          <a:fillRef idx="2">
+            <a:schemeClr val="accent6"/>
+          </a:fillRef>
+          <a:effectRef idx="1">
+            <a:schemeClr val="accent6"/>
+          </a:effectRef>
+          <a:fontRef idx="minor">
+            <a:schemeClr val="dk1"/>
+          </a:fontRef>
+        </p:style>
+        <p:txBody>
+          <a:bodyPr rtlCol="0" anchor="ctr"/>
+          <a:lstStyle/>
+          <a:p>
+            <a:pPr algn="ctr"/>
+            <a:r>
+              <a:rPr lang="en-US" altLang="zh-CN" sz="1600" dirty="0" smtClean="0"/>
+              <a:t>Train 2</a:t>
+            </a:r>
+            <a:endParaRPr lang="zh-CN" altLang="en-US" sz="1600" dirty="0"/>
+          </a:p>
+        </p:txBody>
+      </p:sp>
+      <p:sp>
+        <p:nvSpPr>
+          <p:cNvPr id="19" name="文本框 18"/>
+          <p:cNvSpPr txBox="1"/>
+          <p:nvPr/>
+        </p:nvSpPr>
+        <p:spPr>
+          <a:xfrm>
+            <a:off x="899592" y="5248953"/>
+            <a:ext cx="580608" cy="369332"/>
+          </a:xfrm>
+          <a:prstGeom prst="rect">
+            <a:avLst/>
+          </a:prstGeom>
+          <a:noFill/>
+        </p:spPr>
+        <p:txBody>
+          <a:bodyPr wrap="none" rtlCol="0">
+            <a:spAutoFit/>
+          </a:bodyPr>
+          <a:lstStyle/>
+          <a:p>
+            <a:r>
+              <a:rPr lang="en-US" altLang="zh-CN" b="1" dirty="0" smtClean="0"/>
+              <a:t>CPU</a:t>
+            </a:r>
+            <a:endParaRPr lang="zh-CN" altLang="en-US" b="1" dirty="0"/>
+          </a:p>
+        </p:txBody>
+      </p:sp>
+      <p:sp>
+        <p:nvSpPr>
+          <p:cNvPr id="20" name="文本框 19"/>
+          <p:cNvSpPr txBox="1"/>
+          <p:nvPr/>
+        </p:nvSpPr>
+        <p:spPr>
+          <a:xfrm>
+            <a:off x="899592" y="5681001"/>
+            <a:ext cx="606256" cy="369332"/>
+          </a:xfrm>
+          <a:prstGeom prst="rect">
+            <a:avLst/>
+          </a:prstGeom>
+          <a:noFill/>
+        </p:spPr>
+        <p:txBody>
+          <a:bodyPr wrap="none" rtlCol="0">
+            <a:spAutoFit/>
+          </a:bodyPr>
+          <a:lstStyle/>
+          <a:p>
+            <a:r>
+              <a:rPr lang="en-US" altLang="zh-CN" b="1" dirty="0" smtClean="0">
+                <a:solidFill>
+                  <a:schemeClr val="accent6">
+                    <a:lumMod val="75000"/>
+                  </a:schemeClr>
+                </a:solidFill>
+              </a:rPr>
+              <a:t>GPU</a:t>
+            </a:r>
+            <a:endParaRPr lang="zh-CN" altLang="en-US" b="1" dirty="0">
+              <a:solidFill>
+                <a:schemeClr val="accent6">
+                  <a:lumMod val="75000"/>
+                </a:schemeClr>
+              </a:solidFill>
+            </a:endParaRPr>
+          </a:p>
+        </p:txBody>
+      </p:sp>
+      <p:cxnSp>
+        <p:nvCxnSpPr>
+          <p:cNvPr id="21" name="直接箭头连接符 20"/>
+          <p:cNvCxnSpPr/>
+          <p:nvPr/>
+        </p:nvCxnSpPr>
+        <p:spPr>
+          <a:xfrm>
+            <a:off x="1727684" y="6266357"/>
+            <a:ext cx="5244616" cy="0"/>
+          </a:xfrm>
+          <a:prstGeom prst="straightConnector1">
+            <a:avLst/>
+          </a:prstGeom>
+          <a:ln w="19050">
+            <a:solidFill>
+              <a:schemeClr val="tx1"/>
+            </a:solidFill>
+            <a:tailEnd type="triangle"/>
+          </a:ln>
+        </p:spPr>
+        <p:style>
+          <a:lnRef idx="1">
+            <a:schemeClr val="accent1"/>
+          </a:lnRef>
+          <a:fillRef idx="0">
+            <a:schemeClr val="accent1"/>
+          </a:fillRef>
+          <a:effectRef idx="0">
+            <a:schemeClr val="accent1"/>
+          </a:effectRef>
+          <a:fontRef idx="minor">
+            <a:schemeClr val="tx1"/>
+          </a:fontRef>
+        </p:style>
+      </p:cxnSp>
+      <p:sp>
+        <p:nvSpPr>
+          <p:cNvPr id="22" name="文本框 21"/>
+          <p:cNvSpPr txBox="1"/>
+          <p:nvPr/>
+        </p:nvSpPr>
+        <p:spPr>
+          <a:xfrm>
+            <a:off x="3153652" y="6297743"/>
+            <a:ext cx="1942455" cy="369332"/>
+          </a:xfrm>
+          <a:prstGeom prst="rect">
+            <a:avLst/>
+          </a:prstGeom>
+          <a:noFill/>
+        </p:spPr>
+        <p:txBody>
+          <a:bodyPr wrap="none" rtlCol="0">
+            <a:spAutoFit/>
+          </a:bodyPr>
+          <a:lstStyle/>
+          <a:p>
+            <a:r>
+              <a:rPr lang="en-US" altLang="zh-CN" dirty="0" smtClean="0"/>
+              <a:t>Training Time Flow</a:t>
+            </a:r>
+            <a:endParaRPr lang="zh-CN" altLang="en-US" dirty="0"/>
+          </a:p>
+        </p:txBody>
+      </p:sp>
+      <p:sp>
+        <p:nvSpPr>
+          <p:cNvPr id="23" name="文本框 22"/>
+          <p:cNvSpPr txBox="1"/>
+          <p:nvPr/>
+        </p:nvSpPr>
+        <p:spPr>
+          <a:xfrm>
+            <a:off x="3030560" y="4679959"/>
+            <a:ext cx="1691425" cy="369332"/>
+          </a:xfrm>
+          <a:prstGeom prst="rect">
+            <a:avLst/>
+          </a:prstGeom>
+          <a:noFill/>
+        </p:spPr>
+        <p:txBody>
+          <a:bodyPr wrap="none" rtlCol="0">
+            <a:spAutoFit/>
+          </a:bodyPr>
+          <a:lstStyle/>
+          <a:p>
+            <a:r>
+              <a:rPr lang="en-US" altLang="zh-CN" b="1" dirty="0" smtClean="0"/>
+              <a:t> - </a:t>
+            </a:r>
+            <a:r>
+              <a:rPr lang="en-US" altLang="zh-CN" b="1" dirty="0" err="1" smtClean="0"/>
+              <a:t>Prefetch</a:t>
+            </a:r>
+            <a:r>
+              <a:rPr lang="en-US" altLang="zh-CN" b="1" dirty="0" smtClean="0"/>
+              <a:t> Use -</a:t>
+            </a:r>
+            <a:endParaRPr lang="zh-CN" altLang="en-US" b="1" dirty="0"/>
+          </a:p>
+        </p:txBody>
+      </p:sp>
+      <p:sp>
+        <p:nvSpPr>
+          <p:cNvPr id="25" name="矩形 24"/>
+          <p:cNvSpPr/>
+          <p:nvPr/>
+        </p:nvSpPr>
+        <p:spPr>
+          <a:xfrm>
+            <a:off x="3059832" y="5186237"/>
+            <a:ext cx="1224136" cy="432048"/>
+          </a:xfrm>
+          <a:prstGeom prst="rect">
+            <a:avLst/>
+          </a:prstGeom>
+        </p:spPr>
+        <p:style>
+          <a:lnRef idx="1">
+            <a:schemeClr val="accent5"/>
+          </a:lnRef>
+          <a:fillRef idx="2">
+            <a:schemeClr val="accent5"/>
+          </a:fillRef>
+          <a:effectRef idx="1">
+            <a:schemeClr val="accent5"/>
+          </a:effectRef>
+          <a:fontRef idx="minor">
+            <a:schemeClr val="dk1"/>
+          </a:fontRef>
+        </p:style>
+        <p:txBody>
+          <a:bodyPr rtlCol="0" anchor="ctr"/>
+          <a:lstStyle/>
+          <a:p>
+            <a:pPr algn="ctr"/>
+            <a:r>
+              <a:rPr lang="en-US" altLang="zh-CN" sz="1600" dirty="0" smtClean="0"/>
+              <a:t>Load Data 2</a:t>
+            </a:r>
+            <a:endParaRPr lang="zh-CN" altLang="en-US" sz="1600" dirty="0"/>
+          </a:p>
+        </p:txBody>
+      </p:sp>
+      <p:sp>
+        <p:nvSpPr>
+          <p:cNvPr id="26" name="矩形 25"/>
+          <p:cNvSpPr/>
+          <p:nvPr/>
+        </p:nvSpPr>
+        <p:spPr>
+          <a:xfrm>
+            <a:off x="5508104" y="5186237"/>
+            <a:ext cx="1224136" cy="432048"/>
+          </a:xfrm>
+          <a:prstGeom prst="rect">
+            <a:avLst/>
+          </a:prstGeom>
+        </p:spPr>
+        <p:style>
+          <a:lnRef idx="1">
+            <a:schemeClr val="accent5"/>
+          </a:lnRef>
+          <a:fillRef idx="2">
+            <a:schemeClr val="accent5"/>
+          </a:fillRef>
+          <a:effectRef idx="1">
+            <a:schemeClr val="accent5"/>
+          </a:effectRef>
+          <a:fontRef idx="minor">
+            <a:schemeClr val="dk1"/>
+          </a:fontRef>
+        </p:style>
+        <p:txBody>
+          <a:bodyPr rtlCol="0" anchor="ctr"/>
+          <a:lstStyle/>
+          <a:p>
+            <a:pPr algn="ctr"/>
+            <a:r>
+              <a:rPr lang="en-US" altLang="zh-CN" sz="1600" dirty="0" smtClean="0"/>
+              <a:t>Load Data 4</a:t>
+            </a:r>
+            <a:endParaRPr lang="zh-CN" altLang="en-US" sz="1600" dirty="0"/>
+          </a:p>
+        </p:txBody>
+      </p:sp>
     </p:spTree>
     <p:extLst>
       <p:ext uri="{BB962C8B-B14F-4D97-AF65-F5344CB8AC3E}">
@@ -19965,6 +28464,13 @@
   <p:clrMapOvr>
     <a:masterClrMapping/>
   </p:clrMapOvr>
+  <p:timing>
+    <p:tnLst>
+      <p:par>
+        <p:cTn id="1" dur="indefinite" restart="never" nodeType="tmRoot"/>
+      </p:par>
+    </p:tnLst>
+  </p:timing>
 </p:sld>
 </file>
 
@@ -19995,6 +28501,198 @@
   <p:clrMapOvr>
     <a:masterClrMapping/>
   </p:clrMapOvr>
+  <p:timing>
+    <p:tnLst>
+      <p:par>
+        <p:cTn id="1" dur="indefinite" restart="never" nodeType="tmRoot"/>
+      </p:par>
+    </p:tnLst>
+  </p:timing>
+</p:sld>
+</file>
+
+<file path=ppt/slides/slide25.xml><?xml version="1.0" encoding="utf-8"?>
+<p:sld xmlns:a="http://schemas.openxmlformats.org/drawingml/2006/main" xmlns:r="http://schemas.openxmlformats.org/officeDocument/2006/relationships" xmlns:p="http://schemas.openxmlformats.org/presentationml/2006/main">
+  <p:cSld>
+    <p:spTree>
+      <p:nvGrpSpPr>
+        <p:cNvPr id="1" name=""/>
+        <p:cNvGrpSpPr/>
+        <p:nvPr/>
+      </p:nvGrpSpPr>
+      <p:grpSpPr>
+        <a:xfrm>
+          <a:off x="0" y="0"/>
+          <a:ext cx="0" cy="0"/>
+          <a:chOff x="0" y="0"/>
+          <a:chExt cx="0" cy="0"/>
+        </a:xfrm>
+      </p:grpSpPr>
+    </p:spTree>
+    <p:extLst>
+      <p:ext uri="{BB962C8B-B14F-4D97-AF65-F5344CB8AC3E}">
+        <p14:creationId xmlns:p14="http://schemas.microsoft.com/office/powerpoint/2010/main" val="2945123656"/>
+      </p:ext>
+    </p:extLst>
+  </p:cSld>
+  <p:clrMapOvr>
+    <a:masterClrMapping/>
+  </p:clrMapOvr>
+  <p:timing>
+    <p:tnLst>
+      <p:par>
+        <p:cTn id="1" dur="indefinite" restart="never" nodeType="tmRoot"/>
+      </p:par>
+    </p:tnLst>
+  </p:timing>
+</p:sld>
+</file>
+
+<file path=ppt/slides/slide26.xml><?xml version="1.0" encoding="utf-8"?>
+<p:sld xmlns:a="http://schemas.openxmlformats.org/drawingml/2006/main" xmlns:r="http://schemas.openxmlformats.org/officeDocument/2006/relationships" xmlns:p="http://schemas.openxmlformats.org/presentationml/2006/main">
+  <p:cSld>
+    <p:spTree>
+      <p:nvGrpSpPr>
+        <p:cNvPr id="1" name=""/>
+        <p:cNvGrpSpPr/>
+        <p:nvPr/>
+      </p:nvGrpSpPr>
+      <p:grpSpPr>
+        <a:xfrm>
+          <a:off x="0" y="0"/>
+          <a:ext cx="0" cy="0"/>
+          <a:chOff x="0" y="0"/>
+          <a:chExt cx="0" cy="0"/>
+        </a:xfrm>
+      </p:grpSpPr>
+    </p:spTree>
+    <p:extLst>
+      <p:ext uri="{BB962C8B-B14F-4D97-AF65-F5344CB8AC3E}">
+        <p14:creationId xmlns:p14="http://schemas.microsoft.com/office/powerpoint/2010/main" val="2825459061"/>
+      </p:ext>
+    </p:extLst>
+  </p:cSld>
+  <p:clrMapOvr>
+    <a:masterClrMapping/>
+  </p:clrMapOvr>
+  <p:timing>
+    <p:tnLst>
+      <p:par>
+        <p:cTn id="1" dur="indefinite" restart="never" nodeType="tmRoot"/>
+      </p:par>
+    </p:tnLst>
+  </p:timing>
+</p:sld>
+</file>
+
+<file path=ppt/slides/slide27.xml><?xml version="1.0" encoding="utf-8"?>
+<p:sld xmlns:a="http://schemas.openxmlformats.org/drawingml/2006/main" xmlns:r="http://schemas.openxmlformats.org/officeDocument/2006/relationships" xmlns:p="http://schemas.openxmlformats.org/presentationml/2006/main">
+  <p:cSld>
+    <p:spTree>
+      <p:nvGrpSpPr>
+        <p:cNvPr id="1" name=""/>
+        <p:cNvGrpSpPr/>
+        <p:nvPr/>
+      </p:nvGrpSpPr>
+      <p:grpSpPr>
+        <a:xfrm>
+          <a:off x="0" y="0"/>
+          <a:ext cx="0" cy="0"/>
+          <a:chOff x="0" y="0"/>
+          <a:chExt cx="0" cy="0"/>
+        </a:xfrm>
+      </p:grpSpPr>
+    </p:spTree>
+    <p:extLst>
+      <p:ext uri="{BB962C8B-B14F-4D97-AF65-F5344CB8AC3E}">
+        <p14:creationId xmlns:p14="http://schemas.microsoft.com/office/powerpoint/2010/main" val="3049390712"/>
+      </p:ext>
+    </p:extLst>
+  </p:cSld>
+  <p:clrMapOvr>
+    <a:masterClrMapping/>
+  </p:clrMapOvr>
+  <p:timing>
+    <p:tnLst>
+      <p:par>
+        <p:cTn id="1" dur="indefinite" restart="never" nodeType="tmRoot"/>
+      </p:par>
+    </p:tnLst>
+  </p:timing>
+</p:sld>
+</file>
+
+<file path=ppt/slides/slide28.xml><?xml version="1.0" encoding="utf-8"?>
+<p:sld xmlns:a="http://schemas.openxmlformats.org/drawingml/2006/main" xmlns:r="http://schemas.openxmlformats.org/officeDocument/2006/relationships" xmlns:p="http://schemas.openxmlformats.org/presentationml/2006/main">
+  <p:cSld>
+    <p:spTree>
+      <p:nvGrpSpPr>
+        <p:cNvPr id="1" name=""/>
+        <p:cNvGrpSpPr/>
+        <p:nvPr/>
+      </p:nvGrpSpPr>
+      <p:grpSpPr>
+        <a:xfrm>
+          <a:off x="0" y="0"/>
+          <a:ext cx="0" cy="0"/>
+          <a:chOff x="0" y="0"/>
+          <a:chExt cx="0" cy="0"/>
+        </a:xfrm>
+      </p:grpSpPr>
+    </p:spTree>
+    <p:extLst>
+      <p:ext uri="{BB962C8B-B14F-4D97-AF65-F5344CB8AC3E}">
+        <p14:creationId xmlns:p14="http://schemas.microsoft.com/office/powerpoint/2010/main" val="4203247984"/>
+      </p:ext>
+    </p:extLst>
+  </p:cSld>
+  <p:clrMapOvr>
+    <a:masterClrMapping/>
+  </p:clrMapOvr>
+  <p:timing>
+    <p:tnLst>
+      <p:par>
+        <p:cTn id="1" dur="indefinite" restart="never" nodeType="tmRoot"/>
+      </p:par>
+    </p:tnLst>
+  </p:timing>
+</p:sld>
+</file>
+
+<file path=ppt/slides/slide29.xml><?xml version="1.0" encoding="utf-8"?>
+<p:sld xmlns:a="http://schemas.openxmlformats.org/drawingml/2006/main" xmlns:r="http://schemas.openxmlformats.org/officeDocument/2006/relationships" xmlns:p="http://schemas.openxmlformats.org/presentationml/2006/main">
+  <p:cSld>
+    <p:spTree>
+      <p:nvGrpSpPr>
+        <p:cNvPr id="1" name=""/>
+        <p:cNvGrpSpPr/>
+        <p:nvPr/>
+      </p:nvGrpSpPr>
+      <p:grpSpPr>
+        <a:xfrm>
+          <a:off x="0" y="0"/>
+          <a:ext cx="0" cy="0"/>
+          <a:chOff x="0" y="0"/>
+          <a:chExt cx="0" cy="0"/>
+        </a:xfrm>
+      </p:grpSpPr>
+    </p:spTree>
+    <p:extLst>
+      <p:ext uri="{BB962C8B-B14F-4D97-AF65-F5344CB8AC3E}">
+        <p14:creationId xmlns:p14="http://schemas.microsoft.com/office/powerpoint/2010/main" val="1681179195"/>
+      </p:ext>
+    </p:extLst>
+  </p:cSld>
+  <p:clrMapOvr>
+    <a:masterClrMapping/>
+  </p:clrMapOvr>
+  <p:timing>
+    <p:tnLst>
+      <p:par>
+        <p:cTn id="1" dur="indefinite" restart="never" nodeType="tmRoot"/>
+      </p:par>
+    </p:tnLst>
+  </p:timing>
 </p:sld>
 </file>
 
@@ -23793,6 +32491,302 @@
   <p:clrMapOvr>
     <a:masterClrMapping/>
   </p:clrMapOvr>
+</p:sld>
+</file>
+
+<file path=ppt/slides/slide30.xml><?xml version="1.0" encoding="utf-8"?>
+<p:sld xmlns:a="http://schemas.openxmlformats.org/drawingml/2006/main" xmlns:r="http://schemas.openxmlformats.org/officeDocument/2006/relationships" xmlns:p="http://schemas.openxmlformats.org/presentationml/2006/main">
+  <p:cSld>
+    <p:spTree>
+      <p:nvGrpSpPr>
+        <p:cNvPr id="1" name=""/>
+        <p:cNvGrpSpPr/>
+        <p:nvPr/>
+      </p:nvGrpSpPr>
+      <p:grpSpPr>
+        <a:xfrm>
+          <a:off x="0" y="0"/>
+          <a:ext cx="0" cy="0"/>
+          <a:chOff x="0" y="0"/>
+          <a:chExt cx="0" cy="0"/>
+        </a:xfrm>
+      </p:grpSpPr>
+    </p:spTree>
+    <p:extLst>
+      <p:ext uri="{BB962C8B-B14F-4D97-AF65-F5344CB8AC3E}">
+        <p14:creationId xmlns:p14="http://schemas.microsoft.com/office/powerpoint/2010/main" val="3621758866"/>
+      </p:ext>
+    </p:extLst>
+  </p:cSld>
+  <p:clrMapOvr>
+    <a:masterClrMapping/>
+  </p:clrMapOvr>
+  <p:timing>
+    <p:tnLst>
+      <p:par>
+        <p:cTn id="1" dur="indefinite" restart="never" nodeType="tmRoot"/>
+      </p:par>
+    </p:tnLst>
+  </p:timing>
+</p:sld>
+</file>
+
+<file path=ppt/slides/slide31.xml><?xml version="1.0" encoding="utf-8"?>
+<p:sld xmlns:a="http://schemas.openxmlformats.org/drawingml/2006/main" xmlns:r="http://schemas.openxmlformats.org/officeDocument/2006/relationships" xmlns:p="http://schemas.openxmlformats.org/presentationml/2006/main">
+  <p:cSld>
+    <p:spTree>
+      <p:nvGrpSpPr>
+        <p:cNvPr id="1" name=""/>
+        <p:cNvGrpSpPr/>
+        <p:nvPr/>
+      </p:nvGrpSpPr>
+      <p:grpSpPr>
+        <a:xfrm>
+          <a:off x="0" y="0"/>
+          <a:ext cx="0" cy="0"/>
+          <a:chOff x="0" y="0"/>
+          <a:chExt cx="0" cy="0"/>
+        </a:xfrm>
+      </p:grpSpPr>
+    </p:spTree>
+    <p:extLst>
+      <p:ext uri="{BB962C8B-B14F-4D97-AF65-F5344CB8AC3E}">
+        <p14:creationId xmlns:p14="http://schemas.microsoft.com/office/powerpoint/2010/main" val="3099357844"/>
+      </p:ext>
+    </p:extLst>
+  </p:cSld>
+  <p:clrMapOvr>
+    <a:masterClrMapping/>
+  </p:clrMapOvr>
+  <p:timing>
+    <p:tnLst>
+      <p:par>
+        <p:cTn id="1" dur="indefinite" restart="never" nodeType="tmRoot"/>
+      </p:par>
+    </p:tnLst>
+  </p:timing>
+</p:sld>
+</file>
+
+<file path=ppt/slides/slide32.xml><?xml version="1.0" encoding="utf-8"?>
+<p:sld xmlns:a="http://schemas.openxmlformats.org/drawingml/2006/main" xmlns:r="http://schemas.openxmlformats.org/officeDocument/2006/relationships" xmlns:p="http://schemas.openxmlformats.org/presentationml/2006/main">
+  <p:cSld>
+    <p:spTree>
+      <p:nvGrpSpPr>
+        <p:cNvPr id="1" name=""/>
+        <p:cNvGrpSpPr/>
+        <p:nvPr/>
+      </p:nvGrpSpPr>
+      <p:grpSpPr>
+        <a:xfrm>
+          <a:off x="0" y="0"/>
+          <a:ext cx="0" cy="0"/>
+          <a:chOff x="0" y="0"/>
+          <a:chExt cx="0" cy="0"/>
+        </a:xfrm>
+      </p:grpSpPr>
+    </p:spTree>
+    <p:extLst>
+      <p:ext uri="{BB962C8B-B14F-4D97-AF65-F5344CB8AC3E}">
+        <p14:creationId xmlns:p14="http://schemas.microsoft.com/office/powerpoint/2010/main" val="523606335"/>
+      </p:ext>
+    </p:extLst>
+  </p:cSld>
+  <p:clrMapOvr>
+    <a:masterClrMapping/>
+  </p:clrMapOvr>
+  <p:timing>
+    <p:tnLst>
+      <p:par>
+        <p:cTn id="1" dur="indefinite" restart="never" nodeType="tmRoot"/>
+      </p:par>
+    </p:tnLst>
+  </p:timing>
+</p:sld>
+</file>
+
+<file path=ppt/slides/slide33.xml><?xml version="1.0" encoding="utf-8"?>
+<p:sld xmlns:a="http://schemas.openxmlformats.org/drawingml/2006/main" xmlns:r="http://schemas.openxmlformats.org/officeDocument/2006/relationships" xmlns:p="http://schemas.openxmlformats.org/presentationml/2006/main">
+  <p:cSld>
+    <p:spTree>
+      <p:nvGrpSpPr>
+        <p:cNvPr id="1" name=""/>
+        <p:cNvGrpSpPr/>
+        <p:nvPr/>
+      </p:nvGrpSpPr>
+      <p:grpSpPr>
+        <a:xfrm>
+          <a:off x="0" y="0"/>
+          <a:ext cx="0" cy="0"/>
+          <a:chOff x="0" y="0"/>
+          <a:chExt cx="0" cy="0"/>
+        </a:xfrm>
+      </p:grpSpPr>
+    </p:spTree>
+    <p:extLst>
+      <p:ext uri="{BB962C8B-B14F-4D97-AF65-F5344CB8AC3E}">
+        <p14:creationId xmlns:p14="http://schemas.microsoft.com/office/powerpoint/2010/main" val="3863305938"/>
+      </p:ext>
+    </p:extLst>
+  </p:cSld>
+  <p:clrMapOvr>
+    <a:masterClrMapping/>
+  </p:clrMapOvr>
+  <p:timing>
+    <p:tnLst>
+      <p:par>
+        <p:cTn id="1" dur="indefinite" restart="never" nodeType="tmRoot"/>
+      </p:par>
+    </p:tnLst>
+  </p:timing>
+</p:sld>
+</file>
+
+<file path=ppt/slides/slide34.xml><?xml version="1.0" encoding="utf-8"?>
+<p:sld xmlns:a="http://schemas.openxmlformats.org/drawingml/2006/main" xmlns:r="http://schemas.openxmlformats.org/officeDocument/2006/relationships" xmlns:p="http://schemas.openxmlformats.org/presentationml/2006/main">
+  <p:cSld>
+    <p:spTree>
+      <p:nvGrpSpPr>
+        <p:cNvPr id="1" name=""/>
+        <p:cNvGrpSpPr/>
+        <p:nvPr/>
+      </p:nvGrpSpPr>
+      <p:grpSpPr>
+        <a:xfrm>
+          <a:off x="0" y="0"/>
+          <a:ext cx="0" cy="0"/>
+          <a:chOff x="0" y="0"/>
+          <a:chExt cx="0" cy="0"/>
+        </a:xfrm>
+      </p:grpSpPr>
+    </p:spTree>
+    <p:extLst>
+      <p:ext uri="{BB962C8B-B14F-4D97-AF65-F5344CB8AC3E}">
+        <p14:creationId xmlns:p14="http://schemas.microsoft.com/office/powerpoint/2010/main" val="1962381782"/>
+      </p:ext>
+    </p:extLst>
+  </p:cSld>
+  <p:clrMapOvr>
+    <a:masterClrMapping/>
+  </p:clrMapOvr>
+  <p:timing>
+    <p:tnLst>
+      <p:par>
+        <p:cTn id="1" dur="indefinite" restart="never" nodeType="tmRoot"/>
+      </p:par>
+    </p:tnLst>
+  </p:timing>
+</p:sld>
+</file>
+
+<file path=ppt/slides/slide35.xml><?xml version="1.0" encoding="utf-8"?>
+<p:sld xmlns:a="http://schemas.openxmlformats.org/drawingml/2006/main" xmlns:r="http://schemas.openxmlformats.org/officeDocument/2006/relationships" xmlns:p="http://schemas.openxmlformats.org/presentationml/2006/main">
+  <p:cSld>
+    <p:spTree>
+      <p:nvGrpSpPr>
+        <p:cNvPr id="1" name=""/>
+        <p:cNvGrpSpPr/>
+        <p:nvPr/>
+      </p:nvGrpSpPr>
+      <p:grpSpPr>
+        <a:xfrm>
+          <a:off x="0" y="0"/>
+          <a:ext cx="0" cy="0"/>
+          <a:chOff x="0" y="0"/>
+          <a:chExt cx="0" cy="0"/>
+        </a:xfrm>
+      </p:grpSpPr>
+    </p:spTree>
+    <p:extLst>
+      <p:ext uri="{BB962C8B-B14F-4D97-AF65-F5344CB8AC3E}">
+        <p14:creationId xmlns:p14="http://schemas.microsoft.com/office/powerpoint/2010/main" val="3113446310"/>
+      </p:ext>
+    </p:extLst>
+  </p:cSld>
+  <p:clrMapOvr>
+    <a:masterClrMapping/>
+  </p:clrMapOvr>
+  <p:timing>
+    <p:tnLst>
+      <p:par>
+        <p:cTn id="1" dur="indefinite" restart="never" nodeType="tmRoot"/>
+      </p:par>
+    </p:tnLst>
+  </p:timing>
+</p:sld>
+</file>
+
+<file path=ppt/slides/slide36.xml><?xml version="1.0" encoding="utf-8"?>
+<p:sld xmlns:a="http://schemas.openxmlformats.org/drawingml/2006/main" xmlns:r="http://schemas.openxmlformats.org/officeDocument/2006/relationships" xmlns:p="http://schemas.openxmlformats.org/presentationml/2006/main">
+  <p:cSld>
+    <p:spTree>
+      <p:nvGrpSpPr>
+        <p:cNvPr id="1" name=""/>
+        <p:cNvGrpSpPr/>
+        <p:nvPr/>
+      </p:nvGrpSpPr>
+      <p:grpSpPr>
+        <a:xfrm>
+          <a:off x="0" y="0"/>
+          <a:ext cx="0" cy="0"/>
+          <a:chOff x="0" y="0"/>
+          <a:chExt cx="0" cy="0"/>
+        </a:xfrm>
+      </p:grpSpPr>
+    </p:spTree>
+    <p:extLst>
+      <p:ext uri="{BB962C8B-B14F-4D97-AF65-F5344CB8AC3E}">
+        <p14:creationId xmlns:p14="http://schemas.microsoft.com/office/powerpoint/2010/main" val="1123862943"/>
+      </p:ext>
+    </p:extLst>
+  </p:cSld>
+  <p:clrMapOvr>
+    <a:masterClrMapping/>
+  </p:clrMapOvr>
+  <p:timing>
+    <p:tnLst>
+      <p:par>
+        <p:cTn id="1" dur="indefinite" restart="never" nodeType="tmRoot"/>
+      </p:par>
+    </p:tnLst>
+  </p:timing>
+</p:sld>
+</file>
+
+<file path=ppt/slides/slide37.xml><?xml version="1.0" encoding="utf-8"?>
+<p:sld xmlns:a="http://schemas.openxmlformats.org/drawingml/2006/main" xmlns:r="http://schemas.openxmlformats.org/officeDocument/2006/relationships" xmlns:p="http://schemas.openxmlformats.org/presentationml/2006/main">
+  <p:cSld>
+    <p:spTree>
+      <p:nvGrpSpPr>
+        <p:cNvPr id="1" name=""/>
+        <p:cNvGrpSpPr/>
+        <p:nvPr/>
+      </p:nvGrpSpPr>
+      <p:grpSpPr>
+        <a:xfrm>
+          <a:off x="0" y="0"/>
+          <a:ext cx="0" cy="0"/>
+          <a:chOff x="0" y="0"/>
+          <a:chExt cx="0" cy="0"/>
+        </a:xfrm>
+      </p:grpSpPr>
+    </p:spTree>
+    <p:extLst>
+      <p:ext uri="{BB962C8B-B14F-4D97-AF65-F5344CB8AC3E}">
+        <p14:creationId xmlns:p14="http://schemas.microsoft.com/office/powerpoint/2010/main" val="467205399"/>
+      </p:ext>
+    </p:extLst>
+  </p:cSld>
+  <p:clrMapOvr>
+    <a:masterClrMapping/>
+  </p:clrMapOvr>
+  <p:timing>
+    <p:tnLst>
+      <p:par>
+        <p:cTn id="1" dur="indefinite" restart="never" nodeType="tmRoot"/>
+      </p:par>
+    </p:tnLst>
+  </p:timing>
 </p:sld>
 </file>
 

--- a/ppt/tf.reduce_mean.pptx
+++ b/ppt/tf.reduce_mean.pptx
@@ -142,7 +142,7 @@
   </p:defaultTextStyle>
   <p:extLst>
     <p:ext uri="{EFAFB233-063F-42B5-8137-9DF3F51BA10A}">
-      <p15:sldGuideLst xmlns:p15="http://schemas.microsoft.com/office/powerpoint/2012/main">
+      <p15:sldGuideLst xmlns:p15="http://schemas.microsoft.com/office/powerpoint/2012/main" xmlns="">
         <p15:guide id="1" orient="horz" pos="2160">
           <p15:clr>
             <a:srgbClr val="A4A3A4"/>
@@ -340,7 +340,7 @@
           <a:p>
             <a:fld id="{154D151C-2C25-4305-8E14-82B64FCC1564}" type="datetimeFigureOut">
               <a:rPr lang="zh-CN" altLang="en-US" smtClean="0"/>
-              <a:t>2020-08-22</a:t>
+              <a:t>2020/9/3</a:t>
             </a:fld>
             <a:endParaRPr lang="zh-CN" altLang="en-US"/>
           </a:p>
@@ -510,7 +510,7 @@
           <a:p>
             <a:fld id="{154D151C-2C25-4305-8E14-82B64FCC1564}" type="datetimeFigureOut">
               <a:rPr lang="zh-CN" altLang="en-US" smtClean="0"/>
-              <a:t>2020-08-22</a:t>
+              <a:t>2020/9/3</a:t>
             </a:fld>
             <a:endParaRPr lang="zh-CN" altLang="en-US"/>
           </a:p>
@@ -690,7 +690,7 @@
           <a:p>
             <a:fld id="{154D151C-2C25-4305-8E14-82B64FCC1564}" type="datetimeFigureOut">
               <a:rPr lang="zh-CN" altLang="en-US" smtClean="0"/>
-              <a:t>2020-08-22</a:t>
+              <a:t>2020/9/3</a:t>
             </a:fld>
             <a:endParaRPr lang="zh-CN" altLang="en-US"/>
           </a:p>
@@ -1120,7 +1120,7 @@
           <a:p>
             <a:fld id="{154D151C-2C25-4305-8E14-82B64FCC1564}" type="datetimeFigureOut">
               <a:rPr lang="zh-CN" altLang="en-US" smtClean="0"/>
-              <a:t>2020-08-22</a:t>
+              <a:t>2020/9/3</a:t>
             </a:fld>
             <a:endParaRPr lang="zh-CN" altLang="en-US"/>
           </a:p>
@@ -1366,7 +1366,7 @@
           <a:p>
             <a:fld id="{154D151C-2C25-4305-8E14-82B64FCC1564}" type="datetimeFigureOut">
               <a:rPr lang="zh-CN" altLang="en-US" smtClean="0"/>
-              <a:t>2020-08-22</a:t>
+              <a:t>2020/9/3</a:t>
             </a:fld>
             <a:endParaRPr lang="zh-CN" altLang="en-US"/>
           </a:p>
@@ -1654,7 +1654,7 @@
           <a:p>
             <a:fld id="{154D151C-2C25-4305-8E14-82B64FCC1564}" type="datetimeFigureOut">
               <a:rPr lang="zh-CN" altLang="en-US" smtClean="0"/>
-              <a:t>2020-08-22</a:t>
+              <a:t>2020/9/3</a:t>
             </a:fld>
             <a:endParaRPr lang="zh-CN" altLang="en-US"/>
           </a:p>
@@ -2076,7 +2076,7 @@
           <a:p>
             <a:fld id="{154D151C-2C25-4305-8E14-82B64FCC1564}" type="datetimeFigureOut">
               <a:rPr lang="zh-CN" altLang="en-US" smtClean="0"/>
-              <a:t>2020-08-22</a:t>
+              <a:t>2020/9/3</a:t>
             </a:fld>
             <a:endParaRPr lang="zh-CN" altLang="en-US"/>
           </a:p>
@@ -2194,7 +2194,7 @@
           <a:p>
             <a:fld id="{154D151C-2C25-4305-8E14-82B64FCC1564}" type="datetimeFigureOut">
               <a:rPr lang="zh-CN" altLang="en-US" smtClean="0"/>
-              <a:t>2020-08-22</a:t>
+              <a:t>2020/9/3</a:t>
             </a:fld>
             <a:endParaRPr lang="zh-CN" altLang="en-US"/>
           </a:p>
@@ -2289,7 +2289,7 @@
           <a:p>
             <a:fld id="{154D151C-2C25-4305-8E14-82B64FCC1564}" type="datetimeFigureOut">
               <a:rPr lang="zh-CN" altLang="en-US" smtClean="0"/>
-              <a:t>2020-08-22</a:t>
+              <a:t>2020/9/3</a:t>
             </a:fld>
             <a:endParaRPr lang="zh-CN" altLang="en-US"/>
           </a:p>
@@ -2566,7 +2566,7 @@
           <a:p>
             <a:fld id="{154D151C-2C25-4305-8E14-82B64FCC1564}" type="datetimeFigureOut">
               <a:rPr lang="zh-CN" altLang="en-US" smtClean="0"/>
-              <a:t>2020-08-22</a:t>
+              <a:t>2020/9/3</a:t>
             </a:fld>
             <a:endParaRPr lang="zh-CN" altLang="en-US"/>
           </a:p>
@@ -2819,7 +2819,7 @@
           <a:p>
             <a:fld id="{154D151C-2C25-4305-8E14-82B64FCC1564}" type="datetimeFigureOut">
               <a:rPr lang="zh-CN" altLang="en-US" smtClean="0"/>
-              <a:t>2020-08-22</a:t>
+              <a:t>2020/9/3</a:t>
             </a:fld>
             <a:endParaRPr lang="zh-CN" altLang="en-US"/>
           </a:p>
@@ -3032,7 +3032,7 @@
           <a:p>
             <a:fld id="{154D151C-2C25-4305-8E14-82B64FCC1564}" type="datetimeFigureOut">
               <a:rPr lang="zh-CN" altLang="en-US" smtClean="0"/>
-              <a:t>2020-08-22</a:t>
+              <a:t>2020/9/3</a:t>
             </a:fld>
             <a:endParaRPr lang="zh-CN" altLang="en-US"/>
           </a:p>
@@ -16246,35 +16246,35 @@
                 <a:gridCol w="763270">
                   <a:extLst>
                     <a:ext uri="{9D8B030D-6E8A-4147-A177-3AD203B41FA5}">
-                      <a16:colId xmlns:a16="http://schemas.microsoft.com/office/drawing/2014/main" val="3326979791"/>
+                      <a16:colId xmlns:a16="http://schemas.microsoft.com/office/drawing/2014/main" xmlns="" val="3326979791"/>
                     </a:ext>
                   </a:extLst>
                 </a:gridCol>
                 <a:gridCol w="542325">
                   <a:extLst>
                     <a:ext uri="{9D8B030D-6E8A-4147-A177-3AD203B41FA5}">
-                      <a16:colId xmlns:a16="http://schemas.microsoft.com/office/drawing/2014/main" val="637607070"/>
+                      <a16:colId xmlns:a16="http://schemas.microsoft.com/office/drawing/2014/main" xmlns="" val="637607070"/>
                     </a:ext>
                   </a:extLst>
                 </a:gridCol>
                 <a:gridCol w="542325">
                   <a:extLst>
                     <a:ext uri="{9D8B030D-6E8A-4147-A177-3AD203B41FA5}">
-                      <a16:colId xmlns:a16="http://schemas.microsoft.com/office/drawing/2014/main" val="1695508235"/>
+                      <a16:colId xmlns:a16="http://schemas.microsoft.com/office/drawing/2014/main" xmlns="" val="1695508235"/>
                     </a:ext>
                   </a:extLst>
                 </a:gridCol>
                 <a:gridCol w="542325">
                   <a:extLst>
                     <a:ext uri="{9D8B030D-6E8A-4147-A177-3AD203B41FA5}">
-                      <a16:colId xmlns:a16="http://schemas.microsoft.com/office/drawing/2014/main" val="1870987448"/>
+                      <a16:colId xmlns:a16="http://schemas.microsoft.com/office/drawing/2014/main" xmlns="" val="1870987448"/>
                     </a:ext>
                   </a:extLst>
                 </a:gridCol>
                 <a:gridCol w="542325">
                   <a:extLst>
                     <a:ext uri="{9D8B030D-6E8A-4147-A177-3AD203B41FA5}">
-                      <a16:colId xmlns:a16="http://schemas.microsoft.com/office/drawing/2014/main" val="324699617"/>
+                      <a16:colId xmlns:a16="http://schemas.microsoft.com/office/drawing/2014/main" xmlns="" val="324699617"/>
                     </a:ext>
                   </a:extLst>
                 </a:gridCol>
@@ -16642,7 +16642,7 @@
                 </a:tc>
                 <a:extLst>
                   <a:ext uri="{0D108BD9-81ED-4DB2-BD59-A6C34878D82A}">
-                    <a16:rowId xmlns:a16="http://schemas.microsoft.com/office/drawing/2014/main" val="798814532"/>
+                    <a16:rowId xmlns:a16="http://schemas.microsoft.com/office/drawing/2014/main" xmlns="" val="798814532"/>
                   </a:ext>
                 </a:extLst>
               </a:tr>
@@ -16989,7 +16989,7 @@
                 </a:tc>
                 <a:extLst>
                   <a:ext uri="{0D108BD9-81ED-4DB2-BD59-A6C34878D82A}">
-                    <a16:rowId xmlns:a16="http://schemas.microsoft.com/office/drawing/2014/main" val="1491202224"/>
+                    <a16:rowId xmlns:a16="http://schemas.microsoft.com/office/drawing/2014/main" xmlns="" val="1491202224"/>
                   </a:ext>
                 </a:extLst>
               </a:tr>
@@ -17314,7 +17314,7 @@
                 </a:tc>
                 <a:extLst>
                   <a:ext uri="{0D108BD9-81ED-4DB2-BD59-A6C34878D82A}">
-                    <a16:rowId xmlns:a16="http://schemas.microsoft.com/office/drawing/2014/main" val="2457331936"/>
+                    <a16:rowId xmlns:a16="http://schemas.microsoft.com/office/drawing/2014/main" xmlns="" val="2457331936"/>
                   </a:ext>
                 </a:extLst>
               </a:tr>
@@ -17444,35 +17444,35 @@
                 <a:gridCol w="763270">
                   <a:extLst>
                     <a:ext uri="{9D8B030D-6E8A-4147-A177-3AD203B41FA5}">
-                      <a16:colId xmlns:a16="http://schemas.microsoft.com/office/drawing/2014/main" val="3326979791"/>
+                      <a16:colId xmlns:a16="http://schemas.microsoft.com/office/drawing/2014/main" xmlns="" val="3326979791"/>
                     </a:ext>
                   </a:extLst>
                 </a:gridCol>
                 <a:gridCol w="542325">
                   <a:extLst>
                     <a:ext uri="{9D8B030D-6E8A-4147-A177-3AD203B41FA5}">
-                      <a16:colId xmlns:a16="http://schemas.microsoft.com/office/drawing/2014/main" val="637607070"/>
+                      <a16:colId xmlns:a16="http://schemas.microsoft.com/office/drawing/2014/main" xmlns="" val="637607070"/>
                     </a:ext>
                   </a:extLst>
                 </a:gridCol>
                 <a:gridCol w="542325">
                   <a:extLst>
                     <a:ext uri="{9D8B030D-6E8A-4147-A177-3AD203B41FA5}">
-                      <a16:colId xmlns:a16="http://schemas.microsoft.com/office/drawing/2014/main" val="1695508235"/>
+                      <a16:colId xmlns:a16="http://schemas.microsoft.com/office/drawing/2014/main" xmlns="" val="1695508235"/>
                     </a:ext>
                   </a:extLst>
                 </a:gridCol>
                 <a:gridCol w="542325">
                   <a:extLst>
                     <a:ext uri="{9D8B030D-6E8A-4147-A177-3AD203B41FA5}">
-                      <a16:colId xmlns:a16="http://schemas.microsoft.com/office/drawing/2014/main" val="1870987448"/>
+                      <a16:colId xmlns:a16="http://schemas.microsoft.com/office/drawing/2014/main" xmlns="" val="1870987448"/>
                     </a:ext>
                   </a:extLst>
                 </a:gridCol>
                 <a:gridCol w="542325">
                   <a:extLst>
                     <a:ext uri="{9D8B030D-6E8A-4147-A177-3AD203B41FA5}">
-                      <a16:colId xmlns:a16="http://schemas.microsoft.com/office/drawing/2014/main" val="324699617"/>
+                      <a16:colId xmlns:a16="http://schemas.microsoft.com/office/drawing/2014/main" xmlns="" val="324699617"/>
                     </a:ext>
                   </a:extLst>
                 </a:gridCol>
@@ -17840,7 +17840,7 @@
                 </a:tc>
                 <a:extLst>
                   <a:ext uri="{0D108BD9-81ED-4DB2-BD59-A6C34878D82A}">
-                    <a16:rowId xmlns:a16="http://schemas.microsoft.com/office/drawing/2014/main" val="798814532"/>
+                    <a16:rowId xmlns:a16="http://schemas.microsoft.com/office/drawing/2014/main" xmlns="" val="798814532"/>
                   </a:ext>
                 </a:extLst>
               </a:tr>
@@ -18187,7 +18187,7 @@
                 </a:tc>
                 <a:extLst>
                   <a:ext uri="{0D108BD9-81ED-4DB2-BD59-A6C34878D82A}">
-                    <a16:rowId xmlns:a16="http://schemas.microsoft.com/office/drawing/2014/main" val="1491202224"/>
+                    <a16:rowId xmlns:a16="http://schemas.microsoft.com/office/drawing/2014/main" xmlns="" val="1491202224"/>
                   </a:ext>
                 </a:extLst>
               </a:tr>
@@ -18542,7 +18542,7 @@
                 </a:tc>
                 <a:extLst>
                   <a:ext uri="{0D108BD9-81ED-4DB2-BD59-A6C34878D82A}">
-                    <a16:rowId xmlns:a16="http://schemas.microsoft.com/office/drawing/2014/main" val="2457331936"/>
+                    <a16:rowId xmlns:a16="http://schemas.microsoft.com/office/drawing/2014/main" xmlns="" val="2457331936"/>
                   </a:ext>
                 </a:extLst>
               </a:tr>
@@ -18680,35 +18680,35 @@
                 <a:gridCol w="763270">
                   <a:extLst>
                     <a:ext uri="{9D8B030D-6E8A-4147-A177-3AD203B41FA5}">
-                      <a16:colId xmlns:a16="http://schemas.microsoft.com/office/drawing/2014/main" val="3326979791"/>
+                      <a16:colId xmlns:a16="http://schemas.microsoft.com/office/drawing/2014/main" xmlns="" val="3326979791"/>
                     </a:ext>
                   </a:extLst>
                 </a:gridCol>
                 <a:gridCol w="542325">
                   <a:extLst>
                     <a:ext uri="{9D8B030D-6E8A-4147-A177-3AD203B41FA5}">
-                      <a16:colId xmlns:a16="http://schemas.microsoft.com/office/drawing/2014/main" val="637607070"/>
+                      <a16:colId xmlns:a16="http://schemas.microsoft.com/office/drawing/2014/main" xmlns="" val="637607070"/>
                     </a:ext>
                   </a:extLst>
                 </a:gridCol>
                 <a:gridCol w="542325">
                   <a:extLst>
                     <a:ext uri="{9D8B030D-6E8A-4147-A177-3AD203B41FA5}">
-                      <a16:colId xmlns:a16="http://schemas.microsoft.com/office/drawing/2014/main" val="1695508235"/>
+                      <a16:colId xmlns:a16="http://schemas.microsoft.com/office/drawing/2014/main" xmlns="" val="1695508235"/>
                     </a:ext>
                   </a:extLst>
                 </a:gridCol>
                 <a:gridCol w="542325">
                   <a:extLst>
                     <a:ext uri="{9D8B030D-6E8A-4147-A177-3AD203B41FA5}">
-                      <a16:colId xmlns:a16="http://schemas.microsoft.com/office/drawing/2014/main" val="1870987448"/>
+                      <a16:colId xmlns:a16="http://schemas.microsoft.com/office/drawing/2014/main" xmlns="" val="1870987448"/>
                     </a:ext>
                   </a:extLst>
                 </a:gridCol>
                 <a:gridCol w="542325">
                   <a:extLst>
                     <a:ext uri="{9D8B030D-6E8A-4147-A177-3AD203B41FA5}">
-                      <a16:colId xmlns:a16="http://schemas.microsoft.com/office/drawing/2014/main" val="324699617"/>
+                      <a16:colId xmlns:a16="http://schemas.microsoft.com/office/drawing/2014/main" xmlns="" val="324699617"/>
                     </a:ext>
                   </a:extLst>
                 </a:gridCol>
@@ -19076,7 +19076,7 @@
                 </a:tc>
                 <a:extLst>
                   <a:ext uri="{0D108BD9-81ED-4DB2-BD59-A6C34878D82A}">
-                    <a16:rowId xmlns:a16="http://schemas.microsoft.com/office/drawing/2014/main" val="798814532"/>
+                    <a16:rowId xmlns:a16="http://schemas.microsoft.com/office/drawing/2014/main" xmlns="" val="798814532"/>
                   </a:ext>
                 </a:extLst>
               </a:tr>
@@ -19423,7 +19423,7 @@
                 </a:tc>
                 <a:extLst>
                   <a:ext uri="{0D108BD9-81ED-4DB2-BD59-A6C34878D82A}">
-                    <a16:rowId xmlns:a16="http://schemas.microsoft.com/office/drawing/2014/main" val="1491202224"/>
+                    <a16:rowId xmlns:a16="http://schemas.microsoft.com/office/drawing/2014/main" xmlns="" val="1491202224"/>
                   </a:ext>
                 </a:extLst>
               </a:tr>
@@ -19786,7 +19786,7 @@
                 </a:tc>
                 <a:extLst>
                   <a:ext uri="{0D108BD9-81ED-4DB2-BD59-A6C34878D82A}">
-                    <a16:rowId xmlns:a16="http://schemas.microsoft.com/office/drawing/2014/main" val="2457331936"/>
+                    <a16:rowId xmlns:a16="http://schemas.microsoft.com/office/drawing/2014/main" xmlns="" val="2457331936"/>
                   </a:ext>
                 </a:extLst>
               </a:tr>
@@ -20572,7 +20572,7 @@
                 <a:gridCol w="1152128">
                   <a:extLst>
                     <a:ext uri="{9D8B030D-6E8A-4147-A177-3AD203B41FA5}">
-                      <a16:colId xmlns:a16="http://schemas.microsoft.com/office/drawing/2014/main" val="1214683687"/>
+                      <a16:colId xmlns:a16="http://schemas.microsoft.com/office/drawing/2014/main" xmlns="" val="1214683687"/>
                     </a:ext>
                   </a:extLst>
                 </a:gridCol>
@@ -20645,7 +20645,7 @@
                 </a:tc>
                 <a:extLst>
                   <a:ext uri="{0D108BD9-81ED-4DB2-BD59-A6C34878D82A}">
-                    <a16:rowId xmlns:a16="http://schemas.microsoft.com/office/drawing/2014/main" val="1006269131"/>
+                    <a16:rowId xmlns:a16="http://schemas.microsoft.com/office/drawing/2014/main" xmlns="" val="1006269131"/>
                   </a:ext>
                 </a:extLst>
               </a:tr>
@@ -20751,7 +20751,7 @@
                 </a:tc>
                 <a:extLst>
                   <a:ext uri="{0D108BD9-81ED-4DB2-BD59-A6C34878D82A}">
-                    <a16:rowId xmlns:a16="http://schemas.microsoft.com/office/drawing/2014/main" val="194545254"/>
+                    <a16:rowId xmlns:a16="http://schemas.microsoft.com/office/drawing/2014/main" xmlns="" val="194545254"/>
                   </a:ext>
                 </a:extLst>
               </a:tr>
@@ -20857,7 +20857,7 @@
                 </a:tc>
                 <a:extLst>
                   <a:ext uri="{0D108BD9-81ED-4DB2-BD59-A6C34878D82A}">
-                    <a16:rowId xmlns:a16="http://schemas.microsoft.com/office/drawing/2014/main" val="44223002"/>
+                    <a16:rowId xmlns:a16="http://schemas.microsoft.com/office/drawing/2014/main" xmlns="" val="44223002"/>
                   </a:ext>
                 </a:extLst>
               </a:tr>
@@ -20963,7 +20963,7 @@
                 </a:tc>
                 <a:extLst>
                   <a:ext uri="{0D108BD9-81ED-4DB2-BD59-A6C34878D82A}">
-                    <a16:rowId xmlns:a16="http://schemas.microsoft.com/office/drawing/2014/main" val="4268083801"/>
+                    <a16:rowId xmlns:a16="http://schemas.microsoft.com/office/drawing/2014/main" xmlns="" val="4268083801"/>
                   </a:ext>
                 </a:extLst>
               </a:tr>
@@ -21069,7 +21069,7 @@
                 </a:tc>
                 <a:extLst>
                   <a:ext uri="{0D108BD9-81ED-4DB2-BD59-A6C34878D82A}">
-                    <a16:rowId xmlns:a16="http://schemas.microsoft.com/office/drawing/2014/main" val="2987823741"/>
+                    <a16:rowId xmlns:a16="http://schemas.microsoft.com/office/drawing/2014/main" xmlns="" val="2987823741"/>
                   </a:ext>
                 </a:extLst>
               </a:tr>
@@ -21175,7 +21175,7 @@
                 </a:tc>
                 <a:extLst>
                   <a:ext uri="{0D108BD9-81ED-4DB2-BD59-A6C34878D82A}">
-                    <a16:rowId xmlns:a16="http://schemas.microsoft.com/office/drawing/2014/main" val="193482310"/>
+                    <a16:rowId xmlns:a16="http://schemas.microsoft.com/office/drawing/2014/main" xmlns="" val="193482310"/>
                   </a:ext>
                 </a:extLst>
               </a:tr>
@@ -21281,7 +21281,7 @@
                 </a:tc>
                 <a:extLst>
                   <a:ext uri="{0D108BD9-81ED-4DB2-BD59-A6C34878D82A}">
-                    <a16:rowId xmlns:a16="http://schemas.microsoft.com/office/drawing/2014/main" val="589513760"/>
+                    <a16:rowId xmlns:a16="http://schemas.microsoft.com/office/drawing/2014/main" xmlns="" val="589513760"/>
                   </a:ext>
                 </a:extLst>
               </a:tr>
@@ -21387,7 +21387,7 @@
                 </a:tc>
                 <a:extLst>
                   <a:ext uri="{0D108BD9-81ED-4DB2-BD59-A6C34878D82A}">
-                    <a16:rowId xmlns:a16="http://schemas.microsoft.com/office/drawing/2014/main" val="3314464373"/>
+                    <a16:rowId xmlns:a16="http://schemas.microsoft.com/office/drawing/2014/main" xmlns="" val="3314464373"/>
                   </a:ext>
                 </a:extLst>
               </a:tr>
@@ -21493,7 +21493,7 @@
                 </a:tc>
                 <a:extLst>
                   <a:ext uri="{0D108BD9-81ED-4DB2-BD59-A6C34878D82A}">
-                    <a16:rowId xmlns:a16="http://schemas.microsoft.com/office/drawing/2014/main" val="1811545710"/>
+                    <a16:rowId xmlns:a16="http://schemas.microsoft.com/office/drawing/2014/main" xmlns="" val="1811545710"/>
                   </a:ext>
                 </a:extLst>
               </a:tr>
@@ -21599,7 +21599,7 @@
                 </a:tc>
                 <a:extLst>
                   <a:ext uri="{0D108BD9-81ED-4DB2-BD59-A6C34878D82A}">
-                    <a16:rowId xmlns:a16="http://schemas.microsoft.com/office/drawing/2014/main" val="2525566091"/>
+                    <a16:rowId xmlns:a16="http://schemas.microsoft.com/office/drawing/2014/main" xmlns="" val="2525566091"/>
                   </a:ext>
                 </a:extLst>
               </a:tr>
@@ -21705,7 +21705,7 @@
                 </a:tc>
                 <a:extLst>
                   <a:ext uri="{0D108BD9-81ED-4DB2-BD59-A6C34878D82A}">
-                    <a16:rowId xmlns:a16="http://schemas.microsoft.com/office/drawing/2014/main" val="3360797041"/>
+                    <a16:rowId xmlns:a16="http://schemas.microsoft.com/office/drawing/2014/main" xmlns="" val="3360797041"/>
                   </a:ext>
                 </a:extLst>
               </a:tr>
@@ -21777,7 +21777,7 @@
                 </a:tc>
                 <a:extLst>
                   <a:ext uri="{0D108BD9-81ED-4DB2-BD59-A6C34878D82A}">
-                    <a16:rowId xmlns:a16="http://schemas.microsoft.com/office/drawing/2014/main" val="2873669025"/>
+                    <a16:rowId xmlns:a16="http://schemas.microsoft.com/office/drawing/2014/main" xmlns="" val="2873669025"/>
                   </a:ext>
                 </a:extLst>
               </a:tr>
@@ -21849,7 +21849,7 @@
                 </a:tc>
                 <a:extLst>
                   <a:ext uri="{0D108BD9-81ED-4DB2-BD59-A6C34878D82A}">
-                    <a16:rowId xmlns:a16="http://schemas.microsoft.com/office/drawing/2014/main" val="3732079516"/>
+                    <a16:rowId xmlns:a16="http://schemas.microsoft.com/office/drawing/2014/main" xmlns="" val="3732079516"/>
                   </a:ext>
                 </a:extLst>
               </a:tr>
@@ -21921,7 +21921,7 @@
                 </a:tc>
                 <a:extLst>
                   <a:ext uri="{0D108BD9-81ED-4DB2-BD59-A6C34878D82A}">
-                    <a16:rowId xmlns:a16="http://schemas.microsoft.com/office/drawing/2014/main" val="2966636214"/>
+                    <a16:rowId xmlns:a16="http://schemas.microsoft.com/office/drawing/2014/main" xmlns="" val="2966636214"/>
                   </a:ext>
                 </a:extLst>
               </a:tr>
@@ -21993,7 +21993,7 @@
                 </a:tc>
                 <a:extLst>
                   <a:ext uri="{0D108BD9-81ED-4DB2-BD59-A6C34878D82A}">
-                    <a16:rowId xmlns:a16="http://schemas.microsoft.com/office/drawing/2014/main" val="3891840487"/>
+                    <a16:rowId xmlns:a16="http://schemas.microsoft.com/office/drawing/2014/main" xmlns="" val="3891840487"/>
                   </a:ext>
                 </a:extLst>
               </a:tr>
@@ -22029,7 +22029,7 @@
                 <a:gridCol w="1152128">
                   <a:extLst>
                     <a:ext uri="{9D8B030D-6E8A-4147-A177-3AD203B41FA5}">
-                      <a16:colId xmlns:a16="http://schemas.microsoft.com/office/drawing/2014/main" val="1214683687"/>
+                      <a16:colId xmlns:a16="http://schemas.microsoft.com/office/drawing/2014/main" xmlns="" val="1214683687"/>
                     </a:ext>
                   </a:extLst>
                 </a:gridCol>
@@ -22102,7 +22102,7 @@
                 </a:tc>
                 <a:extLst>
                   <a:ext uri="{0D108BD9-81ED-4DB2-BD59-A6C34878D82A}">
-                    <a16:rowId xmlns:a16="http://schemas.microsoft.com/office/drawing/2014/main" val="1006269131"/>
+                    <a16:rowId xmlns:a16="http://schemas.microsoft.com/office/drawing/2014/main" xmlns="" val="1006269131"/>
                   </a:ext>
                 </a:extLst>
               </a:tr>
@@ -22208,7 +22208,7 @@
                 </a:tc>
                 <a:extLst>
                   <a:ext uri="{0D108BD9-81ED-4DB2-BD59-A6C34878D82A}">
-                    <a16:rowId xmlns:a16="http://schemas.microsoft.com/office/drawing/2014/main" val="194545254"/>
+                    <a16:rowId xmlns:a16="http://schemas.microsoft.com/office/drawing/2014/main" xmlns="" val="194545254"/>
                   </a:ext>
                 </a:extLst>
               </a:tr>
@@ -22314,7 +22314,7 @@
                 </a:tc>
                 <a:extLst>
                   <a:ext uri="{0D108BD9-81ED-4DB2-BD59-A6C34878D82A}">
-                    <a16:rowId xmlns:a16="http://schemas.microsoft.com/office/drawing/2014/main" val="44223002"/>
+                    <a16:rowId xmlns:a16="http://schemas.microsoft.com/office/drawing/2014/main" xmlns="" val="44223002"/>
                   </a:ext>
                 </a:extLst>
               </a:tr>
@@ -22420,7 +22420,7 @@
                 </a:tc>
                 <a:extLst>
                   <a:ext uri="{0D108BD9-81ED-4DB2-BD59-A6C34878D82A}">
-                    <a16:rowId xmlns:a16="http://schemas.microsoft.com/office/drawing/2014/main" val="4268083801"/>
+                    <a16:rowId xmlns:a16="http://schemas.microsoft.com/office/drawing/2014/main" xmlns="" val="4268083801"/>
                   </a:ext>
                 </a:extLst>
               </a:tr>
@@ -22526,7 +22526,7 @@
                 </a:tc>
                 <a:extLst>
                   <a:ext uri="{0D108BD9-81ED-4DB2-BD59-A6C34878D82A}">
-                    <a16:rowId xmlns:a16="http://schemas.microsoft.com/office/drawing/2014/main" val="2987823741"/>
+                    <a16:rowId xmlns:a16="http://schemas.microsoft.com/office/drawing/2014/main" xmlns="" val="2987823741"/>
                   </a:ext>
                 </a:extLst>
               </a:tr>
@@ -22632,7 +22632,7 @@
                 </a:tc>
                 <a:extLst>
                   <a:ext uri="{0D108BD9-81ED-4DB2-BD59-A6C34878D82A}">
-                    <a16:rowId xmlns:a16="http://schemas.microsoft.com/office/drawing/2014/main" val="193482310"/>
+                    <a16:rowId xmlns:a16="http://schemas.microsoft.com/office/drawing/2014/main" xmlns="" val="193482310"/>
                   </a:ext>
                 </a:extLst>
               </a:tr>
@@ -22844,7 +22844,7 @@
                 <a:gridCol w="1152128">
                   <a:extLst>
                     <a:ext uri="{9D8B030D-6E8A-4147-A177-3AD203B41FA5}">
-                      <a16:colId xmlns:a16="http://schemas.microsoft.com/office/drawing/2014/main" val="1214683687"/>
+                      <a16:colId xmlns:a16="http://schemas.microsoft.com/office/drawing/2014/main" xmlns="" val="1214683687"/>
                     </a:ext>
                   </a:extLst>
                 </a:gridCol>
@@ -22917,7 +22917,7 @@
                 </a:tc>
                 <a:extLst>
                   <a:ext uri="{0D108BD9-81ED-4DB2-BD59-A6C34878D82A}">
-                    <a16:rowId xmlns:a16="http://schemas.microsoft.com/office/drawing/2014/main" val="1006269131"/>
+                    <a16:rowId xmlns:a16="http://schemas.microsoft.com/office/drawing/2014/main" xmlns="" val="1006269131"/>
                   </a:ext>
                 </a:extLst>
               </a:tr>
@@ -23023,7 +23023,7 @@
                 </a:tc>
                 <a:extLst>
                   <a:ext uri="{0D108BD9-81ED-4DB2-BD59-A6C34878D82A}">
-                    <a16:rowId xmlns:a16="http://schemas.microsoft.com/office/drawing/2014/main" val="194545254"/>
+                    <a16:rowId xmlns:a16="http://schemas.microsoft.com/office/drawing/2014/main" xmlns="" val="194545254"/>
                   </a:ext>
                 </a:extLst>
               </a:tr>
@@ -23129,7 +23129,7 @@
                 </a:tc>
                 <a:extLst>
                   <a:ext uri="{0D108BD9-81ED-4DB2-BD59-A6C34878D82A}">
-                    <a16:rowId xmlns:a16="http://schemas.microsoft.com/office/drawing/2014/main" val="44223002"/>
+                    <a16:rowId xmlns:a16="http://schemas.microsoft.com/office/drawing/2014/main" xmlns="" val="44223002"/>
                   </a:ext>
                 </a:extLst>
               </a:tr>
@@ -23235,7 +23235,7 @@
                 </a:tc>
                 <a:extLst>
                   <a:ext uri="{0D108BD9-81ED-4DB2-BD59-A6C34878D82A}">
-                    <a16:rowId xmlns:a16="http://schemas.microsoft.com/office/drawing/2014/main" val="4268083801"/>
+                    <a16:rowId xmlns:a16="http://schemas.microsoft.com/office/drawing/2014/main" xmlns="" val="4268083801"/>
                   </a:ext>
                 </a:extLst>
               </a:tr>
@@ -23341,7 +23341,7 @@
                 </a:tc>
                 <a:extLst>
                   <a:ext uri="{0D108BD9-81ED-4DB2-BD59-A6C34878D82A}">
-                    <a16:rowId xmlns:a16="http://schemas.microsoft.com/office/drawing/2014/main" val="2987823741"/>
+                    <a16:rowId xmlns:a16="http://schemas.microsoft.com/office/drawing/2014/main" xmlns="" val="2987823741"/>
                   </a:ext>
                 </a:extLst>
               </a:tr>
@@ -23447,7 +23447,7 @@
                 </a:tc>
                 <a:extLst>
                   <a:ext uri="{0D108BD9-81ED-4DB2-BD59-A6C34878D82A}">
-                    <a16:rowId xmlns:a16="http://schemas.microsoft.com/office/drawing/2014/main" val="193482310"/>
+                    <a16:rowId xmlns:a16="http://schemas.microsoft.com/office/drawing/2014/main" xmlns="" val="193482310"/>
                   </a:ext>
                 </a:extLst>
               </a:tr>
@@ -23553,7 +23553,7 @@
                 </a:tc>
                 <a:extLst>
                   <a:ext uri="{0D108BD9-81ED-4DB2-BD59-A6C34878D82A}">
-                    <a16:rowId xmlns:a16="http://schemas.microsoft.com/office/drawing/2014/main" val="589513760"/>
+                    <a16:rowId xmlns:a16="http://schemas.microsoft.com/office/drawing/2014/main" xmlns="" val="589513760"/>
                   </a:ext>
                 </a:extLst>
               </a:tr>
@@ -23659,7 +23659,7 @@
                 </a:tc>
                 <a:extLst>
                   <a:ext uri="{0D108BD9-81ED-4DB2-BD59-A6C34878D82A}">
-                    <a16:rowId xmlns:a16="http://schemas.microsoft.com/office/drawing/2014/main" val="3314464373"/>
+                    <a16:rowId xmlns:a16="http://schemas.microsoft.com/office/drawing/2014/main" xmlns="" val="3314464373"/>
                   </a:ext>
                 </a:extLst>
               </a:tr>
@@ -23765,7 +23765,7 @@
                 </a:tc>
                 <a:extLst>
                   <a:ext uri="{0D108BD9-81ED-4DB2-BD59-A6C34878D82A}">
-                    <a16:rowId xmlns:a16="http://schemas.microsoft.com/office/drawing/2014/main" val="1811545710"/>
+                    <a16:rowId xmlns:a16="http://schemas.microsoft.com/office/drawing/2014/main" xmlns="" val="1811545710"/>
                   </a:ext>
                 </a:extLst>
               </a:tr>
@@ -23871,7 +23871,7 @@
                 </a:tc>
                 <a:extLst>
                   <a:ext uri="{0D108BD9-81ED-4DB2-BD59-A6C34878D82A}">
-                    <a16:rowId xmlns:a16="http://schemas.microsoft.com/office/drawing/2014/main" val="2525566091"/>
+                    <a16:rowId xmlns:a16="http://schemas.microsoft.com/office/drawing/2014/main" xmlns="" val="2525566091"/>
                   </a:ext>
                 </a:extLst>
               </a:tr>
@@ -23977,7 +23977,7 @@
                 </a:tc>
                 <a:extLst>
                   <a:ext uri="{0D108BD9-81ED-4DB2-BD59-A6C34878D82A}">
-                    <a16:rowId xmlns:a16="http://schemas.microsoft.com/office/drawing/2014/main" val="3360797041"/>
+                    <a16:rowId xmlns:a16="http://schemas.microsoft.com/office/drawing/2014/main" xmlns="" val="3360797041"/>
                   </a:ext>
                 </a:extLst>
               </a:tr>
@@ -24049,7 +24049,7 @@
                 </a:tc>
                 <a:extLst>
                   <a:ext uri="{0D108BD9-81ED-4DB2-BD59-A6C34878D82A}">
-                    <a16:rowId xmlns:a16="http://schemas.microsoft.com/office/drawing/2014/main" val="2873669025"/>
+                    <a16:rowId xmlns:a16="http://schemas.microsoft.com/office/drawing/2014/main" xmlns="" val="2873669025"/>
                   </a:ext>
                 </a:extLst>
               </a:tr>
@@ -24121,7 +24121,7 @@
                 </a:tc>
                 <a:extLst>
                   <a:ext uri="{0D108BD9-81ED-4DB2-BD59-A6C34878D82A}">
-                    <a16:rowId xmlns:a16="http://schemas.microsoft.com/office/drawing/2014/main" val="3732079516"/>
+                    <a16:rowId xmlns:a16="http://schemas.microsoft.com/office/drawing/2014/main" xmlns="" val="3732079516"/>
                   </a:ext>
                 </a:extLst>
               </a:tr>
@@ -24193,7 +24193,7 @@
                 </a:tc>
                 <a:extLst>
                   <a:ext uri="{0D108BD9-81ED-4DB2-BD59-A6C34878D82A}">
-                    <a16:rowId xmlns:a16="http://schemas.microsoft.com/office/drawing/2014/main" val="2966636214"/>
+                    <a16:rowId xmlns:a16="http://schemas.microsoft.com/office/drawing/2014/main" xmlns="" val="2966636214"/>
                   </a:ext>
                 </a:extLst>
               </a:tr>
@@ -24265,7 +24265,7 @@
                 </a:tc>
                 <a:extLst>
                   <a:ext uri="{0D108BD9-81ED-4DB2-BD59-A6C34878D82A}">
-                    <a16:rowId xmlns:a16="http://schemas.microsoft.com/office/drawing/2014/main" val="3891840487"/>
+                    <a16:rowId xmlns:a16="http://schemas.microsoft.com/office/drawing/2014/main" xmlns="" val="3891840487"/>
                   </a:ext>
                 </a:extLst>
               </a:tr>
@@ -24301,7 +24301,7 @@
                 <a:gridCol w="1152128">
                   <a:extLst>
                     <a:ext uri="{9D8B030D-6E8A-4147-A177-3AD203B41FA5}">
-                      <a16:colId xmlns:a16="http://schemas.microsoft.com/office/drawing/2014/main" val="1214683687"/>
+                      <a16:colId xmlns:a16="http://schemas.microsoft.com/office/drawing/2014/main" xmlns="" val="1214683687"/>
                     </a:ext>
                   </a:extLst>
                 </a:gridCol>
@@ -24374,7 +24374,7 @@
                 </a:tc>
                 <a:extLst>
                   <a:ext uri="{0D108BD9-81ED-4DB2-BD59-A6C34878D82A}">
-                    <a16:rowId xmlns:a16="http://schemas.microsoft.com/office/drawing/2014/main" val="1006269131"/>
+                    <a16:rowId xmlns:a16="http://schemas.microsoft.com/office/drawing/2014/main" xmlns="" val="1006269131"/>
                   </a:ext>
                 </a:extLst>
               </a:tr>
@@ -24480,7 +24480,7 @@
                 </a:tc>
                 <a:extLst>
                   <a:ext uri="{0D108BD9-81ED-4DB2-BD59-A6C34878D82A}">
-                    <a16:rowId xmlns:a16="http://schemas.microsoft.com/office/drawing/2014/main" val="194545254"/>
+                    <a16:rowId xmlns:a16="http://schemas.microsoft.com/office/drawing/2014/main" xmlns="" val="194545254"/>
                   </a:ext>
                 </a:extLst>
               </a:tr>
@@ -24586,7 +24586,7 @@
                 </a:tc>
                 <a:extLst>
                   <a:ext uri="{0D108BD9-81ED-4DB2-BD59-A6C34878D82A}">
-                    <a16:rowId xmlns:a16="http://schemas.microsoft.com/office/drawing/2014/main" val="44223002"/>
+                    <a16:rowId xmlns:a16="http://schemas.microsoft.com/office/drawing/2014/main" xmlns="" val="44223002"/>
                   </a:ext>
                 </a:extLst>
               </a:tr>
@@ -24675,7 +24675,7 @@
                 </a:tc>
                 <a:extLst>
                   <a:ext uri="{0D108BD9-81ED-4DB2-BD59-A6C34878D82A}">
-                    <a16:rowId xmlns:a16="http://schemas.microsoft.com/office/drawing/2014/main" val="4268083801"/>
+                    <a16:rowId xmlns:a16="http://schemas.microsoft.com/office/drawing/2014/main" xmlns="" val="4268083801"/>
                   </a:ext>
                 </a:extLst>
               </a:tr>
@@ -24781,7 +24781,7 @@
                 </a:tc>
                 <a:extLst>
                   <a:ext uri="{0D108BD9-81ED-4DB2-BD59-A6C34878D82A}">
-                    <a16:rowId xmlns:a16="http://schemas.microsoft.com/office/drawing/2014/main" val="2987823741"/>
+                    <a16:rowId xmlns:a16="http://schemas.microsoft.com/office/drawing/2014/main" xmlns="" val="2987823741"/>
                   </a:ext>
                 </a:extLst>
               </a:tr>
@@ -24887,7 +24887,7 @@
                 </a:tc>
                 <a:extLst>
                   <a:ext uri="{0D108BD9-81ED-4DB2-BD59-A6C34878D82A}">
-                    <a16:rowId xmlns:a16="http://schemas.microsoft.com/office/drawing/2014/main" val="193482310"/>
+                    <a16:rowId xmlns:a16="http://schemas.microsoft.com/office/drawing/2014/main" xmlns="" val="193482310"/>
                   </a:ext>
                 </a:extLst>
               </a:tr>
@@ -25028,7 +25028,7 @@
                 <a:gridCol w="1152128">
                   <a:extLst>
                     <a:ext uri="{9D8B030D-6E8A-4147-A177-3AD203B41FA5}">
-                      <a16:colId xmlns:a16="http://schemas.microsoft.com/office/drawing/2014/main" val="1214683687"/>
+                      <a16:colId xmlns:a16="http://schemas.microsoft.com/office/drawing/2014/main" xmlns="" val="1214683687"/>
                     </a:ext>
                   </a:extLst>
                 </a:gridCol>
@@ -25135,7 +25135,7 @@
                 </a:tc>
                 <a:extLst>
                   <a:ext uri="{0D108BD9-81ED-4DB2-BD59-A6C34878D82A}">
-                    <a16:rowId xmlns:a16="http://schemas.microsoft.com/office/drawing/2014/main" val="4268083801"/>
+                    <a16:rowId xmlns:a16="http://schemas.microsoft.com/office/drawing/2014/main" xmlns="" val="4268083801"/>
                   </a:ext>
                 </a:extLst>
               </a:tr>
@@ -25362,7 +25362,7 @@
                 <a:gridCol w="1152128">
                   <a:extLst>
                     <a:ext uri="{9D8B030D-6E8A-4147-A177-3AD203B41FA5}">
-                      <a16:colId xmlns:a16="http://schemas.microsoft.com/office/drawing/2014/main" val="1214683687"/>
+                      <a16:colId xmlns:a16="http://schemas.microsoft.com/office/drawing/2014/main" xmlns="" val="1214683687"/>
                     </a:ext>
                   </a:extLst>
                 </a:gridCol>
@@ -25435,7 +25435,7 @@
                 </a:tc>
                 <a:extLst>
                   <a:ext uri="{0D108BD9-81ED-4DB2-BD59-A6C34878D82A}">
-                    <a16:rowId xmlns:a16="http://schemas.microsoft.com/office/drawing/2014/main" val="1006269131"/>
+                    <a16:rowId xmlns:a16="http://schemas.microsoft.com/office/drawing/2014/main" xmlns="" val="1006269131"/>
                   </a:ext>
                 </a:extLst>
               </a:tr>
@@ -25541,7 +25541,7 @@
                 </a:tc>
                 <a:extLst>
                   <a:ext uri="{0D108BD9-81ED-4DB2-BD59-A6C34878D82A}">
-                    <a16:rowId xmlns:a16="http://schemas.microsoft.com/office/drawing/2014/main" val="194545254"/>
+                    <a16:rowId xmlns:a16="http://schemas.microsoft.com/office/drawing/2014/main" xmlns="" val="194545254"/>
                   </a:ext>
                 </a:extLst>
               </a:tr>
@@ -25647,7 +25647,7 @@
                 </a:tc>
                 <a:extLst>
                   <a:ext uri="{0D108BD9-81ED-4DB2-BD59-A6C34878D82A}">
-                    <a16:rowId xmlns:a16="http://schemas.microsoft.com/office/drawing/2014/main" val="44223002"/>
+                    <a16:rowId xmlns:a16="http://schemas.microsoft.com/office/drawing/2014/main" xmlns="" val="44223002"/>
                   </a:ext>
                 </a:extLst>
               </a:tr>
@@ -25753,7 +25753,7 @@
                 </a:tc>
                 <a:extLst>
                   <a:ext uri="{0D108BD9-81ED-4DB2-BD59-A6C34878D82A}">
-                    <a16:rowId xmlns:a16="http://schemas.microsoft.com/office/drawing/2014/main" val="4268083801"/>
+                    <a16:rowId xmlns:a16="http://schemas.microsoft.com/office/drawing/2014/main" xmlns="" val="4268083801"/>
                   </a:ext>
                 </a:extLst>
               </a:tr>
@@ -25859,7 +25859,7 @@
                 </a:tc>
                 <a:extLst>
                   <a:ext uri="{0D108BD9-81ED-4DB2-BD59-A6C34878D82A}">
-                    <a16:rowId xmlns:a16="http://schemas.microsoft.com/office/drawing/2014/main" val="2987823741"/>
+                    <a16:rowId xmlns:a16="http://schemas.microsoft.com/office/drawing/2014/main" xmlns="" val="2987823741"/>
                   </a:ext>
                 </a:extLst>
               </a:tr>
@@ -25965,7 +25965,7 @@
                 </a:tc>
                 <a:extLst>
                   <a:ext uri="{0D108BD9-81ED-4DB2-BD59-A6C34878D82A}">
-                    <a16:rowId xmlns:a16="http://schemas.microsoft.com/office/drawing/2014/main" val="193482310"/>
+                    <a16:rowId xmlns:a16="http://schemas.microsoft.com/office/drawing/2014/main" xmlns="" val="193482310"/>
                   </a:ext>
                 </a:extLst>
               </a:tr>
@@ -26077,7 +26077,7 @@
                 </a:tc>
                 <a:extLst>
                   <a:ext uri="{0D108BD9-81ED-4DB2-BD59-A6C34878D82A}">
-                    <a16:rowId xmlns:a16="http://schemas.microsoft.com/office/drawing/2014/main" val="589513760"/>
+                    <a16:rowId xmlns:a16="http://schemas.microsoft.com/office/drawing/2014/main" xmlns="" val="589513760"/>
                   </a:ext>
                 </a:extLst>
               </a:tr>
@@ -26183,7 +26183,7 @@
                 </a:tc>
                 <a:extLst>
                   <a:ext uri="{0D108BD9-81ED-4DB2-BD59-A6C34878D82A}">
-                    <a16:rowId xmlns:a16="http://schemas.microsoft.com/office/drawing/2014/main" val="3314464373"/>
+                    <a16:rowId xmlns:a16="http://schemas.microsoft.com/office/drawing/2014/main" xmlns="" val="3314464373"/>
                   </a:ext>
                 </a:extLst>
               </a:tr>
@@ -26289,7 +26289,7 @@
                 </a:tc>
                 <a:extLst>
                   <a:ext uri="{0D108BD9-81ED-4DB2-BD59-A6C34878D82A}">
-                    <a16:rowId xmlns:a16="http://schemas.microsoft.com/office/drawing/2014/main" val="1811545710"/>
+                    <a16:rowId xmlns:a16="http://schemas.microsoft.com/office/drawing/2014/main" xmlns="" val="1811545710"/>
                   </a:ext>
                 </a:extLst>
               </a:tr>
@@ -26395,7 +26395,7 @@
                 </a:tc>
                 <a:extLst>
                   <a:ext uri="{0D108BD9-81ED-4DB2-BD59-A6C34878D82A}">
-                    <a16:rowId xmlns:a16="http://schemas.microsoft.com/office/drawing/2014/main" val="2525566091"/>
+                    <a16:rowId xmlns:a16="http://schemas.microsoft.com/office/drawing/2014/main" xmlns="" val="2525566091"/>
                   </a:ext>
                 </a:extLst>
               </a:tr>
@@ -26501,7 +26501,7 @@
                 </a:tc>
                 <a:extLst>
                   <a:ext uri="{0D108BD9-81ED-4DB2-BD59-A6C34878D82A}">
-                    <a16:rowId xmlns:a16="http://schemas.microsoft.com/office/drawing/2014/main" val="3360797041"/>
+                    <a16:rowId xmlns:a16="http://schemas.microsoft.com/office/drawing/2014/main" xmlns="" val="3360797041"/>
                   </a:ext>
                 </a:extLst>
               </a:tr>
@@ -26573,7 +26573,7 @@
                 </a:tc>
                 <a:extLst>
                   <a:ext uri="{0D108BD9-81ED-4DB2-BD59-A6C34878D82A}">
-                    <a16:rowId xmlns:a16="http://schemas.microsoft.com/office/drawing/2014/main" val="2873669025"/>
+                    <a16:rowId xmlns:a16="http://schemas.microsoft.com/office/drawing/2014/main" xmlns="" val="2873669025"/>
                   </a:ext>
                 </a:extLst>
               </a:tr>
@@ -26645,7 +26645,7 @@
                 </a:tc>
                 <a:extLst>
                   <a:ext uri="{0D108BD9-81ED-4DB2-BD59-A6C34878D82A}">
-                    <a16:rowId xmlns:a16="http://schemas.microsoft.com/office/drawing/2014/main" val="3732079516"/>
+                    <a16:rowId xmlns:a16="http://schemas.microsoft.com/office/drawing/2014/main" xmlns="" val="3732079516"/>
                   </a:ext>
                 </a:extLst>
               </a:tr>
@@ -26717,7 +26717,7 @@
                 </a:tc>
                 <a:extLst>
                   <a:ext uri="{0D108BD9-81ED-4DB2-BD59-A6C34878D82A}">
-                    <a16:rowId xmlns:a16="http://schemas.microsoft.com/office/drawing/2014/main" val="2966636214"/>
+                    <a16:rowId xmlns:a16="http://schemas.microsoft.com/office/drawing/2014/main" xmlns="" val="2966636214"/>
                   </a:ext>
                 </a:extLst>
               </a:tr>
@@ -26789,7 +26789,7 @@
                 </a:tc>
                 <a:extLst>
                   <a:ext uri="{0D108BD9-81ED-4DB2-BD59-A6C34878D82A}">
-                    <a16:rowId xmlns:a16="http://schemas.microsoft.com/office/drawing/2014/main" val="3891840487"/>
+                    <a16:rowId xmlns:a16="http://schemas.microsoft.com/office/drawing/2014/main" xmlns="" val="3891840487"/>
                   </a:ext>
                 </a:extLst>
               </a:tr>
@@ -26825,7 +26825,7 @@
                 <a:gridCol w="1152128">
                   <a:extLst>
                     <a:ext uri="{9D8B030D-6E8A-4147-A177-3AD203B41FA5}">
-                      <a16:colId xmlns:a16="http://schemas.microsoft.com/office/drawing/2014/main" val="1214683687"/>
+                      <a16:colId xmlns:a16="http://schemas.microsoft.com/office/drawing/2014/main" xmlns="" val="1214683687"/>
                     </a:ext>
                   </a:extLst>
                 </a:gridCol>
@@ -26898,7 +26898,7 @@
                 </a:tc>
                 <a:extLst>
                   <a:ext uri="{0D108BD9-81ED-4DB2-BD59-A6C34878D82A}">
-                    <a16:rowId xmlns:a16="http://schemas.microsoft.com/office/drawing/2014/main" val="1006269131"/>
+                    <a16:rowId xmlns:a16="http://schemas.microsoft.com/office/drawing/2014/main" xmlns="" val="1006269131"/>
                   </a:ext>
                 </a:extLst>
               </a:tr>
@@ -27004,7 +27004,7 @@
                 </a:tc>
                 <a:extLst>
                   <a:ext uri="{0D108BD9-81ED-4DB2-BD59-A6C34878D82A}">
-                    <a16:rowId xmlns:a16="http://schemas.microsoft.com/office/drawing/2014/main" val="194545254"/>
+                    <a16:rowId xmlns:a16="http://schemas.microsoft.com/office/drawing/2014/main" xmlns="" val="194545254"/>
                   </a:ext>
                 </a:extLst>
               </a:tr>
@@ -27110,7 +27110,7 @@
                 </a:tc>
                 <a:extLst>
                   <a:ext uri="{0D108BD9-81ED-4DB2-BD59-A6C34878D82A}">
-                    <a16:rowId xmlns:a16="http://schemas.microsoft.com/office/drawing/2014/main" val="44223002"/>
+                    <a16:rowId xmlns:a16="http://schemas.microsoft.com/office/drawing/2014/main" xmlns="" val="44223002"/>
                   </a:ext>
                 </a:extLst>
               </a:tr>
@@ -27222,7 +27222,7 @@
                 </a:tc>
                 <a:extLst>
                   <a:ext uri="{0D108BD9-81ED-4DB2-BD59-A6C34878D82A}">
-                    <a16:rowId xmlns:a16="http://schemas.microsoft.com/office/drawing/2014/main" val="4268083801"/>
+                    <a16:rowId xmlns:a16="http://schemas.microsoft.com/office/drawing/2014/main" xmlns="" val="4268083801"/>
                   </a:ext>
                 </a:extLst>
               </a:tr>
@@ -27328,7 +27328,7 @@
                 </a:tc>
                 <a:extLst>
                   <a:ext uri="{0D108BD9-81ED-4DB2-BD59-A6C34878D82A}">
-                    <a16:rowId xmlns:a16="http://schemas.microsoft.com/office/drawing/2014/main" val="2987823741"/>
+                    <a16:rowId xmlns:a16="http://schemas.microsoft.com/office/drawing/2014/main" xmlns="" val="2987823741"/>
                   </a:ext>
                 </a:extLst>
               </a:tr>
@@ -27434,7 +27434,7 @@
                 </a:tc>
                 <a:extLst>
                   <a:ext uri="{0D108BD9-81ED-4DB2-BD59-A6C34878D82A}">
-                    <a16:rowId xmlns:a16="http://schemas.microsoft.com/office/drawing/2014/main" val="193482310"/>
+                    <a16:rowId xmlns:a16="http://schemas.microsoft.com/office/drawing/2014/main" xmlns="" val="193482310"/>
                   </a:ext>
                 </a:extLst>
               </a:tr>
@@ -28491,6 +28491,656 @@
           <a:chExt cx="0" cy="0"/>
         </a:xfrm>
       </p:grpSpPr>
+      <p:sp>
+        <p:nvSpPr>
+          <p:cNvPr id="2" name="圆角矩形 1"/>
+          <p:cNvSpPr/>
+          <p:nvPr/>
+        </p:nvSpPr>
+        <p:spPr>
+          <a:xfrm>
+            <a:off x="655100" y="1067426"/>
+            <a:ext cx="1856629" cy="504056"/>
+          </a:xfrm>
+          <a:prstGeom prst="roundRect">
+            <a:avLst>
+              <a:gd name="adj" fmla="val 12088"/>
+            </a:avLst>
+          </a:prstGeom>
+        </p:spPr>
+        <p:style>
+          <a:lnRef idx="1">
+            <a:schemeClr val="accent5"/>
+          </a:lnRef>
+          <a:fillRef idx="2">
+            <a:schemeClr val="accent5"/>
+          </a:fillRef>
+          <a:effectRef idx="1">
+            <a:schemeClr val="accent5"/>
+          </a:effectRef>
+          <a:fontRef idx="minor">
+            <a:schemeClr val="dk1"/>
+          </a:fontRef>
+        </p:style>
+        <p:txBody>
+          <a:bodyPr rtlCol="0" anchor="ctr"/>
+          <a:lstStyle/>
+          <a:p>
+            <a:pPr algn="ctr"/>
+            <a:endParaRPr lang="zh-CN" altLang="en-US" sz="1600">
+              <a:solidFill>
+                <a:schemeClr val="tx1"/>
+              </a:solidFill>
+            </a:endParaRPr>
+          </a:p>
+        </p:txBody>
+      </p:sp>
+      <p:sp>
+        <p:nvSpPr>
+          <p:cNvPr id="3" name="文本框 2"/>
+          <p:cNvSpPr txBox="1"/>
+          <p:nvPr/>
+        </p:nvSpPr>
+        <p:spPr>
+          <a:xfrm>
+            <a:off x="765101" y="1158652"/>
+            <a:ext cx="1616725" cy="338554"/>
+          </a:xfrm>
+          <a:prstGeom prst="rect">
+            <a:avLst/>
+          </a:prstGeom>
+          <a:noFill/>
+        </p:spPr>
+        <p:txBody>
+          <a:bodyPr wrap="none" rtlCol="0">
+            <a:spAutoFit/>
+          </a:bodyPr>
+          <a:lstStyle/>
+          <a:p>
+            <a:r>
+              <a:rPr lang="en-US" altLang="zh-CN" sz="1600" dirty="0" smtClean="0"/>
+              <a:t>Load MNIST Data</a:t>
+            </a:r>
+            <a:endParaRPr lang="zh-CN" altLang="en-US" sz="1600" dirty="0"/>
+          </a:p>
+        </p:txBody>
+      </p:sp>
+      <p:sp>
+        <p:nvSpPr>
+          <p:cNvPr id="4" name="圆角矩形 3"/>
+          <p:cNvSpPr/>
+          <p:nvPr/>
+        </p:nvSpPr>
+        <p:spPr>
+          <a:xfrm>
+            <a:off x="655100" y="1920474"/>
+            <a:ext cx="1856629" cy="504056"/>
+          </a:xfrm>
+          <a:prstGeom prst="roundRect">
+            <a:avLst>
+              <a:gd name="adj" fmla="val 12088"/>
+            </a:avLst>
+          </a:prstGeom>
+        </p:spPr>
+        <p:style>
+          <a:lnRef idx="1">
+            <a:schemeClr val="accent5"/>
+          </a:lnRef>
+          <a:fillRef idx="2">
+            <a:schemeClr val="accent5"/>
+          </a:fillRef>
+          <a:effectRef idx="1">
+            <a:schemeClr val="accent5"/>
+          </a:effectRef>
+          <a:fontRef idx="minor">
+            <a:schemeClr val="dk1"/>
+          </a:fontRef>
+        </p:style>
+        <p:txBody>
+          <a:bodyPr rtlCol="0" anchor="ctr"/>
+          <a:lstStyle/>
+          <a:p>
+            <a:pPr algn="ctr"/>
+            <a:endParaRPr lang="zh-CN" altLang="en-US" sz="1600">
+              <a:solidFill>
+                <a:schemeClr val="tx1"/>
+              </a:solidFill>
+            </a:endParaRPr>
+          </a:p>
+        </p:txBody>
+      </p:sp>
+      <p:sp>
+        <p:nvSpPr>
+          <p:cNvPr id="5" name="文本框 4"/>
+          <p:cNvSpPr txBox="1"/>
+          <p:nvPr/>
+        </p:nvSpPr>
+        <p:spPr>
+          <a:xfrm>
+            <a:off x="749567" y="2003225"/>
+            <a:ext cx="1780424" cy="338554"/>
+          </a:xfrm>
+          <a:prstGeom prst="rect">
+            <a:avLst/>
+          </a:prstGeom>
+          <a:noFill/>
+        </p:spPr>
+        <p:txBody>
+          <a:bodyPr wrap="none" rtlCol="0">
+            <a:spAutoFit/>
+          </a:bodyPr>
+          <a:lstStyle/>
+          <a:p>
+            <a:r>
+              <a:rPr lang="en-US" altLang="zh-CN" sz="1600" dirty="0"/>
+              <a:t>Data </a:t>
+            </a:r>
+            <a:r>
+              <a:rPr lang="en-US" altLang="zh-CN" sz="1600" dirty="0" smtClean="0"/>
+              <a:t>Preprocessing</a:t>
+            </a:r>
+            <a:endParaRPr lang="zh-CN" altLang="en-US" sz="1600" dirty="0"/>
+          </a:p>
+        </p:txBody>
+      </p:sp>
+      <p:sp>
+        <p:nvSpPr>
+          <p:cNvPr id="6" name="圆角矩形 5"/>
+          <p:cNvSpPr/>
+          <p:nvPr/>
+        </p:nvSpPr>
+        <p:spPr>
+          <a:xfrm>
+            <a:off x="655100" y="2761019"/>
+            <a:ext cx="1856629" cy="504056"/>
+          </a:xfrm>
+          <a:prstGeom prst="roundRect">
+            <a:avLst>
+              <a:gd name="adj" fmla="val 12088"/>
+            </a:avLst>
+          </a:prstGeom>
+        </p:spPr>
+        <p:style>
+          <a:lnRef idx="1">
+            <a:schemeClr val="accent5"/>
+          </a:lnRef>
+          <a:fillRef idx="2">
+            <a:schemeClr val="accent5"/>
+          </a:fillRef>
+          <a:effectRef idx="1">
+            <a:schemeClr val="accent5"/>
+          </a:effectRef>
+          <a:fontRef idx="minor">
+            <a:schemeClr val="dk1"/>
+          </a:fontRef>
+        </p:style>
+        <p:txBody>
+          <a:bodyPr rtlCol="0" anchor="ctr"/>
+          <a:lstStyle/>
+          <a:p>
+            <a:pPr algn="ctr"/>
+            <a:endParaRPr lang="zh-CN" altLang="en-US" sz="1600">
+              <a:solidFill>
+                <a:schemeClr val="tx1"/>
+              </a:solidFill>
+            </a:endParaRPr>
+          </a:p>
+        </p:txBody>
+      </p:sp>
+      <p:sp>
+        <p:nvSpPr>
+          <p:cNvPr id="7" name="文本框 6"/>
+          <p:cNvSpPr txBox="1"/>
+          <p:nvPr/>
+        </p:nvSpPr>
+        <p:spPr>
+          <a:xfrm>
+            <a:off x="817320" y="2853295"/>
+            <a:ext cx="1556323" cy="338554"/>
+          </a:xfrm>
+          <a:prstGeom prst="rect">
+            <a:avLst/>
+          </a:prstGeom>
+          <a:noFill/>
+        </p:spPr>
+        <p:txBody>
+          <a:bodyPr wrap="none" rtlCol="0">
+            <a:spAutoFit/>
+          </a:bodyPr>
+          <a:lstStyle/>
+          <a:p>
+            <a:r>
+              <a:rPr lang="en-US" altLang="zh-CN" sz="1600" dirty="0"/>
+              <a:t>Build </a:t>
+            </a:r>
+            <a:r>
+              <a:rPr lang="en-US" altLang="zh-CN" sz="1600" dirty="0" smtClean="0"/>
+              <a:t>Neural Net</a:t>
+            </a:r>
+            <a:endParaRPr lang="zh-CN" altLang="en-US" sz="1600" dirty="0"/>
+          </a:p>
+        </p:txBody>
+      </p:sp>
+      <p:sp>
+        <p:nvSpPr>
+          <p:cNvPr id="10" name="圆角矩形 9"/>
+          <p:cNvSpPr/>
+          <p:nvPr/>
+        </p:nvSpPr>
+        <p:spPr>
+          <a:xfrm>
+            <a:off x="655100" y="3683255"/>
+            <a:ext cx="1856629" cy="504056"/>
+          </a:xfrm>
+          <a:prstGeom prst="roundRect">
+            <a:avLst>
+              <a:gd name="adj" fmla="val 12088"/>
+            </a:avLst>
+          </a:prstGeom>
+        </p:spPr>
+        <p:style>
+          <a:lnRef idx="1">
+            <a:schemeClr val="accent6"/>
+          </a:lnRef>
+          <a:fillRef idx="2">
+            <a:schemeClr val="accent6"/>
+          </a:fillRef>
+          <a:effectRef idx="1">
+            <a:schemeClr val="accent6"/>
+          </a:effectRef>
+          <a:fontRef idx="minor">
+            <a:schemeClr val="dk1"/>
+          </a:fontRef>
+        </p:style>
+        <p:txBody>
+          <a:bodyPr rtlCol="0" anchor="ctr"/>
+          <a:lstStyle/>
+          <a:p>
+            <a:pPr algn="ctr"/>
+            <a:endParaRPr lang="zh-CN" altLang="en-US" sz="1600">
+              <a:solidFill>
+                <a:schemeClr val="tx1"/>
+              </a:solidFill>
+            </a:endParaRPr>
+          </a:p>
+        </p:txBody>
+      </p:sp>
+      <p:sp>
+        <p:nvSpPr>
+          <p:cNvPr id="11" name="文本框 10"/>
+          <p:cNvSpPr txBox="1"/>
+          <p:nvPr/>
+        </p:nvSpPr>
+        <p:spPr>
+          <a:xfrm>
+            <a:off x="806883" y="3772258"/>
+            <a:ext cx="1542602" cy="338554"/>
+          </a:xfrm>
+          <a:prstGeom prst="rect">
+            <a:avLst/>
+          </a:prstGeom>
+          <a:noFill/>
+        </p:spPr>
+        <p:txBody>
+          <a:bodyPr wrap="none" rtlCol="0">
+            <a:spAutoFit/>
+          </a:bodyPr>
+          <a:lstStyle/>
+          <a:p>
+            <a:r>
+              <a:rPr lang="en-US" altLang="zh-CN" sz="1600" dirty="0" smtClean="0"/>
+              <a:t>Train Neural Net</a:t>
+            </a:r>
+            <a:endParaRPr lang="zh-CN" altLang="en-US" sz="1600" dirty="0"/>
+          </a:p>
+        </p:txBody>
+      </p:sp>
+      <p:sp>
+        <p:nvSpPr>
+          <p:cNvPr id="12" name="圆角矩形 11"/>
+          <p:cNvSpPr/>
+          <p:nvPr/>
+        </p:nvSpPr>
+        <p:spPr>
+          <a:xfrm>
+            <a:off x="655100" y="4522633"/>
+            <a:ext cx="1856629" cy="504056"/>
+          </a:xfrm>
+          <a:prstGeom prst="roundRect">
+            <a:avLst>
+              <a:gd name="adj" fmla="val 12088"/>
+            </a:avLst>
+          </a:prstGeom>
+        </p:spPr>
+        <p:style>
+          <a:lnRef idx="1">
+            <a:schemeClr val="accent5"/>
+          </a:lnRef>
+          <a:fillRef idx="2">
+            <a:schemeClr val="accent5"/>
+          </a:fillRef>
+          <a:effectRef idx="1">
+            <a:schemeClr val="accent5"/>
+          </a:effectRef>
+          <a:fontRef idx="minor">
+            <a:schemeClr val="dk1"/>
+          </a:fontRef>
+        </p:style>
+        <p:txBody>
+          <a:bodyPr rtlCol="0" anchor="ctr"/>
+          <a:lstStyle/>
+          <a:p>
+            <a:pPr algn="ctr"/>
+            <a:endParaRPr lang="zh-CN" altLang="en-US" sz="1600">
+              <a:solidFill>
+                <a:schemeClr val="tx1"/>
+              </a:solidFill>
+            </a:endParaRPr>
+          </a:p>
+        </p:txBody>
+      </p:sp>
+      <p:sp>
+        <p:nvSpPr>
+          <p:cNvPr id="13" name="文本框 12"/>
+          <p:cNvSpPr txBox="1"/>
+          <p:nvPr/>
+        </p:nvSpPr>
+        <p:spPr>
+          <a:xfrm>
+            <a:off x="1144806" y="4605384"/>
+            <a:ext cx="887679" cy="338554"/>
+          </a:xfrm>
+          <a:prstGeom prst="rect">
+            <a:avLst/>
+          </a:prstGeom>
+          <a:noFill/>
+        </p:spPr>
+        <p:txBody>
+          <a:bodyPr wrap="none" rtlCol="0">
+            <a:spAutoFit/>
+          </a:bodyPr>
+          <a:lstStyle/>
+          <a:p>
+            <a:r>
+              <a:rPr lang="en-US" altLang="zh-CN" sz="1600" dirty="0" smtClean="0"/>
+              <a:t>Evaluate</a:t>
+            </a:r>
+            <a:endParaRPr lang="zh-CN" altLang="en-US" sz="1600" dirty="0"/>
+          </a:p>
+        </p:txBody>
+      </p:sp>
+      <p:sp>
+        <p:nvSpPr>
+          <p:cNvPr id="23" name="下箭头 22"/>
+          <p:cNvSpPr/>
+          <p:nvPr/>
+        </p:nvSpPr>
+        <p:spPr>
+          <a:xfrm>
+            <a:off x="1377750" y="1652820"/>
+            <a:ext cx="288032" cy="216024"/>
+          </a:xfrm>
+          <a:prstGeom prst="downArrow">
+            <a:avLst/>
+          </a:prstGeom>
+          <a:solidFill>
+            <a:schemeClr val="bg1">
+              <a:lumMod val="95000"/>
+            </a:schemeClr>
+          </a:solidFill>
+          <a:ln w="6350">
+            <a:solidFill>
+              <a:schemeClr val="bg1">
+                <a:lumMod val="65000"/>
+              </a:schemeClr>
+            </a:solidFill>
+          </a:ln>
+        </p:spPr>
+        <p:style>
+          <a:lnRef idx="2">
+            <a:schemeClr val="accent1">
+              <a:shade val="50000"/>
+            </a:schemeClr>
+          </a:lnRef>
+          <a:fillRef idx="1">
+            <a:schemeClr val="accent1"/>
+          </a:fillRef>
+          <a:effectRef idx="0">
+            <a:schemeClr val="accent1"/>
+          </a:effectRef>
+          <a:fontRef idx="minor">
+            <a:schemeClr val="lt1"/>
+          </a:fontRef>
+        </p:style>
+        <p:txBody>
+          <a:bodyPr rtlCol="0" anchor="ctr"/>
+          <a:lstStyle/>
+          <a:p>
+            <a:pPr algn="ctr"/>
+            <a:endParaRPr lang="zh-CN" altLang="en-US"/>
+          </a:p>
+        </p:txBody>
+      </p:sp>
+      <p:sp>
+        <p:nvSpPr>
+          <p:cNvPr id="24" name="下箭头 23"/>
+          <p:cNvSpPr/>
+          <p:nvPr/>
+        </p:nvSpPr>
+        <p:spPr>
+          <a:xfrm>
+            <a:off x="1377750" y="2494625"/>
+            <a:ext cx="288032" cy="216024"/>
+          </a:xfrm>
+          <a:prstGeom prst="downArrow">
+            <a:avLst/>
+          </a:prstGeom>
+          <a:solidFill>
+            <a:schemeClr val="bg1">
+              <a:lumMod val="95000"/>
+            </a:schemeClr>
+          </a:solidFill>
+          <a:ln w="6350">
+            <a:solidFill>
+              <a:schemeClr val="bg1">
+                <a:lumMod val="65000"/>
+              </a:schemeClr>
+            </a:solidFill>
+          </a:ln>
+        </p:spPr>
+        <p:style>
+          <a:lnRef idx="2">
+            <a:schemeClr val="accent1">
+              <a:shade val="50000"/>
+            </a:schemeClr>
+          </a:lnRef>
+          <a:fillRef idx="1">
+            <a:schemeClr val="accent1"/>
+          </a:fillRef>
+          <a:effectRef idx="0">
+            <a:schemeClr val="accent1"/>
+          </a:effectRef>
+          <a:fontRef idx="minor">
+            <a:schemeClr val="lt1"/>
+          </a:fontRef>
+        </p:style>
+        <p:txBody>
+          <a:bodyPr rtlCol="0" anchor="ctr"/>
+          <a:lstStyle/>
+          <a:p>
+            <a:pPr algn="ctr"/>
+            <a:endParaRPr lang="zh-CN" altLang="en-US"/>
+          </a:p>
+        </p:txBody>
+      </p:sp>
+      <p:sp>
+        <p:nvSpPr>
+          <p:cNvPr id="26" name="下箭头 25"/>
+          <p:cNvSpPr/>
+          <p:nvPr/>
+        </p:nvSpPr>
+        <p:spPr>
+          <a:xfrm>
+            <a:off x="1377750" y="3374814"/>
+            <a:ext cx="288032" cy="216024"/>
+          </a:xfrm>
+          <a:prstGeom prst="downArrow">
+            <a:avLst/>
+          </a:prstGeom>
+          <a:solidFill>
+            <a:schemeClr val="bg1">
+              <a:lumMod val="95000"/>
+            </a:schemeClr>
+          </a:solidFill>
+          <a:ln w="6350">
+            <a:solidFill>
+              <a:schemeClr val="bg1">
+                <a:lumMod val="65000"/>
+              </a:schemeClr>
+            </a:solidFill>
+          </a:ln>
+        </p:spPr>
+        <p:style>
+          <a:lnRef idx="2">
+            <a:schemeClr val="accent1">
+              <a:shade val="50000"/>
+            </a:schemeClr>
+          </a:lnRef>
+          <a:fillRef idx="1">
+            <a:schemeClr val="accent1"/>
+          </a:fillRef>
+          <a:effectRef idx="0">
+            <a:schemeClr val="accent1"/>
+          </a:effectRef>
+          <a:fontRef idx="minor">
+            <a:schemeClr val="lt1"/>
+          </a:fontRef>
+        </p:style>
+        <p:txBody>
+          <a:bodyPr rtlCol="0" anchor="ctr"/>
+          <a:lstStyle/>
+          <a:p>
+            <a:pPr algn="ctr"/>
+            <a:endParaRPr lang="zh-CN" altLang="en-US"/>
+          </a:p>
+        </p:txBody>
+      </p:sp>
+      <p:sp>
+        <p:nvSpPr>
+          <p:cNvPr id="27" name="下箭头 26"/>
+          <p:cNvSpPr/>
+          <p:nvPr/>
+        </p:nvSpPr>
+        <p:spPr>
+          <a:xfrm>
+            <a:off x="1377750" y="4261079"/>
+            <a:ext cx="288032" cy="216024"/>
+          </a:xfrm>
+          <a:prstGeom prst="downArrow">
+            <a:avLst/>
+          </a:prstGeom>
+          <a:solidFill>
+            <a:schemeClr val="bg1">
+              <a:lumMod val="95000"/>
+            </a:schemeClr>
+          </a:solidFill>
+          <a:ln w="6350">
+            <a:solidFill>
+              <a:schemeClr val="bg1">
+                <a:lumMod val="65000"/>
+              </a:schemeClr>
+            </a:solidFill>
+          </a:ln>
+        </p:spPr>
+        <p:style>
+          <a:lnRef idx="2">
+            <a:schemeClr val="accent1">
+              <a:shade val="50000"/>
+            </a:schemeClr>
+          </a:lnRef>
+          <a:fillRef idx="1">
+            <a:schemeClr val="accent1"/>
+          </a:fillRef>
+          <a:effectRef idx="0">
+            <a:schemeClr val="accent1"/>
+          </a:effectRef>
+          <a:fontRef idx="minor">
+            <a:schemeClr val="lt1"/>
+          </a:fontRef>
+        </p:style>
+        <p:txBody>
+          <a:bodyPr rtlCol="0" anchor="ctr"/>
+          <a:lstStyle/>
+          <a:p>
+            <a:pPr algn="ctr"/>
+            <a:endParaRPr lang="zh-CN" altLang="en-US"/>
+          </a:p>
+        </p:txBody>
+      </p:sp>
+      <p:sp>
+        <p:nvSpPr>
+          <p:cNvPr id="42" name="文本框 14"/>
+          <p:cNvSpPr txBox="1"/>
+          <p:nvPr/>
+        </p:nvSpPr>
+        <p:spPr>
+          <a:xfrm>
+            <a:off x="2621908" y="2851537"/>
+            <a:ext cx="1849615" cy="338554"/>
+          </a:xfrm>
+          <a:prstGeom prst="rect">
+            <a:avLst/>
+          </a:prstGeom>
+          <a:noFill/>
+        </p:spPr>
+        <p:txBody>
+          <a:bodyPr wrap="square" rtlCol="0">
+            <a:spAutoFit/>
+          </a:bodyPr>
+          <a:lstStyle/>
+          <a:p>
+            <a:r>
+              <a:rPr lang="en-US" altLang="zh-CN" sz="1600" b="1" dirty="0" smtClean="0"/>
+              <a:t>DNN Model</a:t>
+            </a:r>
+            <a:endParaRPr lang="zh-CN" altLang="en-US" sz="1600" b="1" dirty="0"/>
+          </a:p>
+        </p:txBody>
+      </p:sp>
+      <p:sp>
+        <p:nvSpPr>
+          <p:cNvPr id="43" name="矩形 42"/>
+          <p:cNvSpPr/>
+          <p:nvPr/>
+        </p:nvSpPr>
+        <p:spPr>
+          <a:xfrm>
+            <a:off x="2657288" y="3768209"/>
+            <a:ext cx="1632563" cy="338554"/>
+          </a:xfrm>
+          <a:prstGeom prst="rect">
+            <a:avLst/>
+          </a:prstGeom>
+          <a:noFill/>
+        </p:spPr>
+        <p:txBody>
+          <a:bodyPr wrap="square" rtlCol="0">
+            <a:spAutoFit/>
+          </a:bodyPr>
+          <a:lstStyle/>
+          <a:p>
+            <a:r>
+              <a:rPr lang="en-US" altLang="zh-CN" sz="1600" b="1" dirty="0" err="1"/>
+              <a:t>tf.GradientTape</a:t>
+            </a:r>
+            <a:r>
+              <a:rPr lang="en-US" altLang="zh-CN" sz="1600" b="1" dirty="0"/>
+              <a:t>()</a:t>
+            </a:r>
+            <a:endParaRPr lang="zh-CN" altLang="en-US" sz="1600" b="1" dirty="0"/>
+          </a:p>
+        </p:txBody>
+      </p:sp>
     </p:spTree>
     <p:extLst>
       <p:ext uri="{BB962C8B-B14F-4D97-AF65-F5344CB8AC3E}">
@@ -28765,35 +29415,35 @@
                 <a:gridCol w="763270">
                   <a:extLst>
                     <a:ext uri="{9D8B030D-6E8A-4147-A177-3AD203B41FA5}">
-                      <a16:colId xmlns:a16="http://schemas.microsoft.com/office/drawing/2014/main" val="3326979791"/>
+                      <a16:colId xmlns:a16="http://schemas.microsoft.com/office/drawing/2014/main" xmlns="" val="3326979791"/>
                     </a:ext>
                   </a:extLst>
                 </a:gridCol>
                 <a:gridCol w="542325">
                   <a:extLst>
                     <a:ext uri="{9D8B030D-6E8A-4147-A177-3AD203B41FA5}">
-                      <a16:colId xmlns:a16="http://schemas.microsoft.com/office/drawing/2014/main" val="637607070"/>
+                      <a16:colId xmlns:a16="http://schemas.microsoft.com/office/drawing/2014/main" xmlns="" val="637607070"/>
                     </a:ext>
                   </a:extLst>
                 </a:gridCol>
                 <a:gridCol w="542325">
                   <a:extLst>
                     <a:ext uri="{9D8B030D-6E8A-4147-A177-3AD203B41FA5}">
-                      <a16:colId xmlns:a16="http://schemas.microsoft.com/office/drawing/2014/main" val="1695508235"/>
+                      <a16:colId xmlns:a16="http://schemas.microsoft.com/office/drawing/2014/main" xmlns="" val="1695508235"/>
                     </a:ext>
                   </a:extLst>
                 </a:gridCol>
                 <a:gridCol w="542325">
                   <a:extLst>
                     <a:ext uri="{9D8B030D-6E8A-4147-A177-3AD203B41FA5}">
-                      <a16:colId xmlns:a16="http://schemas.microsoft.com/office/drawing/2014/main" val="1870987448"/>
+                      <a16:colId xmlns:a16="http://schemas.microsoft.com/office/drawing/2014/main" xmlns="" val="1870987448"/>
                     </a:ext>
                   </a:extLst>
                 </a:gridCol>
                 <a:gridCol w="542325">
                   <a:extLst>
                     <a:ext uri="{9D8B030D-6E8A-4147-A177-3AD203B41FA5}">
-                      <a16:colId xmlns:a16="http://schemas.microsoft.com/office/drawing/2014/main" val="324699617"/>
+                      <a16:colId xmlns:a16="http://schemas.microsoft.com/office/drawing/2014/main" xmlns="" val="324699617"/>
                     </a:ext>
                   </a:extLst>
                 </a:gridCol>
@@ -29161,7 +29811,7 @@
                 </a:tc>
                 <a:extLst>
                   <a:ext uri="{0D108BD9-81ED-4DB2-BD59-A6C34878D82A}">
-                    <a16:rowId xmlns:a16="http://schemas.microsoft.com/office/drawing/2014/main" val="798814532"/>
+                    <a16:rowId xmlns:a16="http://schemas.microsoft.com/office/drawing/2014/main" xmlns="" val="798814532"/>
                   </a:ext>
                 </a:extLst>
               </a:tr>
@@ -29508,7 +30158,7 @@
                 </a:tc>
                 <a:extLst>
                   <a:ext uri="{0D108BD9-81ED-4DB2-BD59-A6C34878D82A}">
-                    <a16:rowId xmlns:a16="http://schemas.microsoft.com/office/drawing/2014/main" val="1491202224"/>
+                    <a16:rowId xmlns:a16="http://schemas.microsoft.com/office/drawing/2014/main" xmlns="" val="1491202224"/>
                   </a:ext>
                 </a:extLst>
               </a:tr>
@@ -29833,7 +30483,7 @@
                 </a:tc>
                 <a:extLst>
                   <a:ext uri="{0D108BD9-81ED-4DB2-BD59-A6C34878D82A}">
-                    <a16:rowId xmlns:a16="http://schemas.microsoft.com/office/drawing/2014/main" val="2457331936"/>
+                    <a16:rowId xmlns:a16="http://schemas.microsoft.com/office/drawing/2014/main" xmlns="" val="2457331936"/>
                   </a:ext>
                 </a:extLst>
               </a:tr>
@@ -29963,35 +30613,35 @@
                 <a:gridCol w="763270">
                   <a:extLst>
                     <a:ext uri="{9D8B030D-6E8A-4147-A177-3AD203B41FA5}">
-                      <a16:colId xmlns:a16="http://schemas.microsoft.com/office/drawing/2014/main" val="3326979791"/>
+                      <a16:colId xmlns:a16="http://schemas.microsoft.com/office/drawing/2014/main" xmlns="" val="3326979791"/>
                     </a:ext>
                   </a:extLst>
                 </a:gridCol>
                 <a:gridCol w="542325">
                   <a:extLst>
                     <a:ext uri="{9D8B030D-6E8A-4147-A177-3AD203B41FA5}">
-                      <a16:colId xmlns:a16="http://schemas.microsoft.com/office/drawing/2014/main" val="637607070"/>
+                      <a16:colId xmlns:a16="http://schemas.microsoft.com/office/drawing/2014/main" xmlns="" val="637607070"/>
                     </a:ext>
                   </a:extLst>
                 </a:gridCol>
                 <a:gridCol w="542325">
                   <a:extLst>
                     <a:ext uri="{9D8B030D-6E8A-4147-A177-3AD203B41FA5}">
-                      <a16:colId xmlns:a16="http://schemas.microsoft.com/office/drawing/2014/main" val="1695508235"/>
+                      <a16:colId xmlns:a16="http://schemas.microsoft.com/office/drawing/2014/main" xmlns="" val="1695508235"/>
                     </a:ext>
                   </a:extLst>
                 </a:gridCol>
                 <a:gridCol w="542325">
                   <a:extLst>
                     <a:ext uri="{9D8B030D-6E8A-4147-A177-3AD203B41FA5}">
-                      <a16:colId xmlns:a16="http://schemas.microsoft.com/office/drawing/2014/main" val="1870987448"/>
+                      <a16:colId xmlns:a16="http://schemas.microsoft.com/office/drawing/2014/main" xmlns="" val="1870987448"/>
                     </a:ext>
                   </a:extLst>
                 </a:gridCol>
                 <a:gridCol w="542325">
                   <a:extLst>
                     <a:ext uri="{9D8B030D-6E8A-4147-A177-3AD203B41FA5}">
-                      <a16:colId xmlns:a16="http://schemas.microsoft.com/office/drawing/2014/main" val="324699617"/>
+                      <a16:colId xmlns:a16="http://schemas.microsoft.com/office/drawing/2014/main" xmlns="" val="324699617"/>
                     </a:ext>
                   </a:extLst>
                 </a:gridCol>
@@ -30359,7 +31009,7 @@
                 </a:tc>
                 <a:extLst>
                   <a:ext uri="{0D108BD9-81ED-4DB2-BD59-A6C34878D82A}">
-                    <a16:rowId xmlns:a16="http://schemas.microsoft.com/office/drawing/2014/main" val="798814532"/>
+                    <a16:rowId xmlns:a16="http://schemas.microsoft.com/office/drawing/2014/main" xmlns="" val="798814532"/>
                   </a:ext>
                 </a:extLst>
               </a:tr>
@@ -30706,7 +31356,7 @@
                 </a:tc>
                 <a:extLst>
                   <a:ext uri="{0D108BD9-81ED-4DB2-BD59-A6C34878D82A}">
-                    <a16:rowId xmlns:a16="http://schemas.microsoft.com/office/drawing/2014/main" val="1491202224"/>
+                    <a16:rowId xmlns:a16="http://schemas.microsoft.com/office/drawing/2014/main" xmlns="" val="1491202224"/>
                   </a:ext>
                 </a:extLst>
               </a:tr>
@@ -31061,7 +31711,7 @@
                 </a:tc>
                 <a:extLst>
                   <a:ext uri="{0D108BD9-81ED-4DB2-BD59-A6C34878D82A}">
-                    <a16:rowId xmlns:a16="http://schemas.microsoft.com/office/drawing/2014/main" val="2457331936"/>
+                    <a16:rowId xmlns:a16="http://schemas.microsoft.com/office/drawing/2014/main" xmlns="" val="2457331936"/>
                   </a:ext>
                 </a:extLst>
               </a:tr>
@@ -31199,35 +31849,35 @@
                 <a:gridCol w="763270">
                   <a:extLst>
                     <a:ext uri="{9D8B030D-6E8A-4147-A177-3AD203B41FA5}">
-                      <a16:colId xmlns:a16="http://schemas.microsoft.com/office/drawing/2014/main" val="3326979791"/>
+                      <a16:colId xmlns:a16="http://schemas.microsoft.com/office/drawing/2014/main" xmlns="" val="3326979791"/>
                     </a:ext>
                   </a:extLst>
                 </a:gridCol>
                 <a:gridCol w="542325">
                   <a:extLst>
                     <a:ext uri="{9D8B030D-6E8A-4147-A177-3AD203B41FA5}">
-                      <a16:colId xmlns:a16="http://schemas.microsoft.com/office/drawing/2014/main" val="637607070"/>
+                      <a16:colId xmlns:a16="http://schemas.microsoft.com/office/drawing/2014/main" xmlns="" val="637607070"/>
                     </a:ext>
                   </a:extLst>
                 </a:gridCol>
                 <a:gridCol w="542325">
                   <a:extLst>
                     <a:ext uri="{9D8B030D-6E8A-4147-A177-3AD203B41FA5}">
-                      <a16:colId xmlns:a16="http://schemas.microsoft.com/office/drawing/2014/main" val="1695508235"/>
+                      <a16:colId xmlns:a16="http://schemas.microsoft.com/office/drawing/2014/main" xmlns="" val="1695508235"/>
                     </a:ext>
                   </a:extLst>
                 </a:gridCol>
                 <a:gridCol w="542325">
                   <a:extLst>
                     <a:ext uri="{9D8B030D-6E8A-4147-A177-3AD203B41FA5}">
-                      <a16:colId xmlns:a16="http://schemas.microsoft.com/office/drawing/2014/main" val="1870987448"/>
+                      <a16:colId xmlns:a16="http://schemas.microsoft.com/office/drawing/2014/main" xmlns="" val="1870987448"/>
                     </a:ext>
                   </a:extLst>
                 </a:gridCol>
                 <a:gridCol w="542325">
                   <a:extLst>
                     <a:ext uri="{9D8B030D-6E8A-4147-A177-3AD203B41FA5}">
-                      <a16:colId xmlns:a16="http://schemas.microsoft.com/office/drawing/2014/main" val="324699617"/>
+                      <a16:colId xmlns:a16="http://schemas.microsoft.com/office/drawing/2014/main" xmlns="" val="324699617"/>
                     </a:ext>
                   </a:extLst>
                 </a:gridCol>
@@ -31595,7 +32245,7 @@
                 </a:tc>
                 <a:extLst>
                   <a:ext uri="{0D108BD9-81ED-4DB2-BD59-A6C34878D82A}">
-                    <a16:rowId xmlns:a16="http://schemas.microsoft.com/office/drawing/2014/main" val="798814532"/>
+                    <a16:rowId xmlns:a16="http://schemas.microsoft.com/office/drawing/2014/main" xmlns="" val="798814532"/>
                   </a:ext>
                 </a:extLst>
               </a:tr>
@@ -31942,7 +32592,7 @@
                 </a:tc>
                 <a:extLst>
                   <a:ext uri="{0D108BD9-81ED-4DB2-BD59-A6C34878D82A}">
-                    <a16:rowId xmlns:a16="http://schemas.microsoft.com/office/drawing/2014/main" val="1491202224"/>
+                    <a16:rowId xmlns:a16="http://schemas.microsoft.com/office/drawing/2014/main" xmlns="" val="1491202224"/>
                   </a:ext>
                 </a:extLst>
               </a:tr>
@@ -32305,7 +32955,7 @@
                 </a:tc>
                 <a:extLst>
                   <a:ext uri="{0D108BD9-81ED-4DB2-BD59-A6C34878D82A}">
-                    <a16:rowId xmlns:a16="http://schemas.microsoft.com/office/drawing/2014/main" val="2457331936"/>
+                    <a16:rowId xmlns:a16="http://schemas.microsoft.com/office/drawing/2014/main" xmlns="" val="2457331936"/>
                   </a:ext>
                 </a:extLst>
               </a:tr>

--- a/ppt/tf.reduce_mean.pptx
+++ b/ppt/tf.reduce_mean.pptx
@@ -31,17 +31,16 @@
     <p:sldId id="268" r:id="rId25"/>
     <p:sldId id="280" r:id="rId26"/>
     <p:sldId id="281" r:id="rId27"/>
-    <p:sldId id="282" r:id="rId28"/>
-    <p:sldId id="283" r:id="rId29"/>
-    <p:sldId id="284" r:id="rId30"/>
-    <p:sldId id="285" r:id="rId31"/>
-    <p:sldId id="286" r:id="rId32"/>
-    <p:sldId id="287" r:id="rId33"/>
-    <p:sldId id="288" r:id="rId34"/>
-    <p:sldId id="289" r:id="rId35"/>
-    <p:sldId id="290" r:id="rId36"/>
-    <p:sldId id="291" r:id="rId37"/>
-    <p:sldId id="292" r:id="rId38"/>
+    <p:sldId id="283" r:id="rId28"/>
+    <p:sldId id="284" r:id="rId29"/>
+    <p:sldId id="285" r:id="rId30"/>
+    <p:sldId id="286" r:id="rId31"/>
+    <p:sldId id="287" r:id="rId32"/>
+    <p:sldId id="288" r:id="rId33"/>
+    <p:sldId id="289" r:id="rId34"/>
+    <p:sldId id="290" r:id="rId35"/>
+    <p:sldId id="291" r:id="rId36"/>
+    <p:sldId id="292" r:id="rId37"/>
   </p:sldIdLst>
   <p:sldSz cx="9144000" cy="6858000" type="screen4x3"/>
   <p:notesSz cx="6858000" cy="9144000"/>
@@ -340,7 +339,7 @@
           <a:p>
             <a:fld id="{154D151C-2C25-4305-8E14-82B64FCC1564}" type="datetimeFigureOut">
               <a:rPr lang="zh-CN" altLang="en-US" smtClean="0"/>
-              <a:t>2020/9/3</a:t>
+              <a:t>2020/9/10</a:t>
             </a:fld>
             <a:endParaRPr lang="zh-CN" altLang="en-US"/>
           </a:p>
@@ -510,7 +509,7 @@
           <a:p>
             <a:fld id="{154D151C-2C25-4305-8E14-82B64FCC1564}" type="datetimeFigureOut">
               <a:rPr lang="zh-CN" altLang="en-US" smtClean="0"/>
-              <a:t>2020/9/3</a:t>
+              <a:t>2020/9/10</a:t>
             </a:fld>
             <a:endParaRPr lang="zh-CN" altLang="en-US"/>
           </a:p>
@@ -690,7 +689,7 @@
           <a:p>
             <a:fld id="{154D151C-2C25-4305-8E14-82B64FCC1564}" type="datetimeFigureOut">
               <a:rPr lang="zh-CN" altLang="en-US" smtClean="0"/>
-              <a:t>2020/9/3</a:t>
+              <a:t>2020/9/10</a:t>
             </a:fld>
             <a:endParaRPr lang="zh-CN" altLang="en-US"/>
           </a:p>
@@ -1120,7 +1119,7 @@
           <a:p>
             <a:fld id="{154D151C-2C25-4305-8E14-82B64FCC1564}" type="datetimeFigureOut">
               <a:rPr lang="zh-CN" altLang="en-US" smtClean="0"/>
-              <a:t>2020/9/3</a:t>
+              <a:t>2020/9/10</a:t>
             </a:fld>
             <a:endParaRPr lang="zh-CN" altLang="en-US"/>
           </a:p>
@@ -1366,7 +1365,7 @@
           <a:p>
             <a:fld id="{154D151C-2C25-4305-8E14-82B64FCC1564}" type="datetimeFigureOut">
               <a:rPr lang="zh-CN" altLang="en-US" smtClean="0"/>
-              <a:t>2020/9/3</a:t>
+              <a:t>2020/9/10</a:t>
             </a:fld>
             <a:endParaRPr lang="zh-CN" altLang="en-US"/>
           </a:p>
@@ -1654,7 +1653,7 @@
           <a:p>
             <a:fld id="{154D151C-2C25-4305-8E14-82B64FCC1564}" type="datetimeFigureOut">
               <a:rPr lang="zh-CN" altLang="en-US" smtClean="0"/>
-              <a:t>2020/9/3</a:t>
+              <a:t>2020/9/10</a:t>
             </a:fld>
             <a:endParaRPr lang="zh-CN" altLang="en-US"/>
           </a:p>
@@ -2076,7 +2075,7 @@
           <a:p>
             <a:fld id="{154D151C-2C25-4305-8E14-82B64FCC1564}" type="datetimeFigureOut">
               <a:rPr lang="zh-CN" altLang="en-US" smtClean="0"/>
-              <a:t>2020/9/3</a:t>
+              <a:t>2020/9/10</a:t>
             </a:fld>
             <a:endParaRPr lang="zh-CN" altLang="en-US"/>
           </a:p>
@@ -2194,7 +2193,7 @@
           <a:p>
             <a:fld id="{154D151C-2C25-4305-8E14-82B64FCC1564}" type="datetimeFigureOut">
               <a:rPr lang="zh-CN" altLang="en-US" smtClean="0"/>
-              <a:t>2020/9/3</a:t>
+              <a:t>2020/9/10</a:t>
             </a:fld>
             <a:endParaRPr lang="zh-CN" altLang="en-US"/>
           </a:p>
@@ -2289,7 +2288,7 @@
           <a:p>
             <a:fld id="{154D151C-2C25-4305-8E14-82B64FCC1564}" type="datetimeFigureOut">
               <a:rPr lang="zh-CN" altLang="en-US" smtClean="0"/>
-              <a:t>2020/9/3</a:t>
+              <a:t>2020/9/10</a:t>
             </a:fld>
             <a:endParaRPr lang="zh-CN" altLang="en-US"/>
           </a:p>
@@ -2566,7 +2565,7 @@
           <a:p>
             <a:fld id="{154D151C-2C25-4305-8E14-82B64FCC1564}" type="datetimeFigureOut">
               <a:rPr lang="zh-CN" altLang="en-US" smtClean="0"/>
-              <a:t>2020/9/3</a:t>
+              <a:t>2020/9/10</a:t>
             </a:fld>
             <a:endParaRPr lang="zh-CN" altLang="en-US"/>
           </a:p>
@@ -2819,7 +2818,7 @@
           <a:p>
             <a:fld id="{154D151C-2C25-4305-8E14-82B64FCC1564}" type="datetimeFigureOut">
               <a:rPr lang="zh-CN" altLang="en-US" smtClean="0"/>
-              <a:t>2020/9/3</a:t>
+              <a:t>2020/9/10</a:t>
             </a:fld>
             <a:endParaRPr lang="zh-CN" altLang="en-US"/>
           </a:p>
@@ -3032,7 +3031,7 @@
           <a:p>
             <a:fld id="{154D151C-2C25-4305-8E14-82B64FCC1564}" type="datetimeFigureOut">
               <a:rPr lang="zh-CN" altLang="en-US" smtClean="0"/>
-              <a:t>2020/9/3</a:t>
+              <a:t>2020/9/10</a:t>
             </a:fld>
             <a:endParaRPr lang="zh-CN" altLang="en-US"/>
           </a:p>
@@ -29178,6 +29177,1053 @@
           <a:chExt cx="0" cy="0"/>
         </a:xfrm>
       </p:grpSpPr>
+      <p:sp>
+        <p:nvSpPr>
+          <p:cNvPr id="2" name="矩形 1"/>
+          <p:cNvSpPr/>
+          <p:nvPr/>
+        </p:nvSpPr>
+        <p:spPr>
+          <a:xfrm>
+            <a:off x="808903" y="332656"/>
+            <a:ext cx="1296144" cy="576064"/>
+          </a:xfrm>
+          <a:prstGeom prst="rect">
+            <a:avLst/>
+          </a:prstGeom>
+          <a:ln w="19050"/>
+        </p:spPr>
+        <p:style>
+          <a:lnRef idx="1">
+            <a:schemeClr val="accent1"/>
+          </a:lnRef>
+          <a:fillRef idx="2">
+            <a:schemeClr val="accent1"/>
+          </a:fillRef>
+          <a:effectRef idx="1">
+            <a:schemeClr val="accent1"/>
+          </a:effectRef>
+          <a:fontRef idx="minor">
+            <a:schemeClr val="dk1"/>
+          </a:fontRef>
+        </p:style>
+        <p:txBody>
+          <a:bodyPr rtlCol="0" anchor="ctr"/>
+          <a:lstStyle/>
+          <a:p>
+            <a:pPr algn="ctr"/>
+            <a:endParaRPr lang="zh-CN" altLang="en-US"/>
+          </a:p>
+        </p:txBody>
+      </p:sp>
+      <p:sp>
+        <p:nvSpPr>
+          <p:cNvPr id="3" name="TextBox 2"/>
+          <p:cNvSpPr txBox="1"/>
+          <p:nvPr/>
+        </p:nvSpPr>
+        <p:spPr>
+          <a:xfrm>
+            <a:off x="1087546" y="446162"/>
+            <a:ext cx="738857" cy="369332"/>
+          </a:xfrm>
+          <a:prstGeom prst="rect">
+            <a:avLst/>
+          </a:prstGeom>
+          <a:noFill/>
+        </p:spPr>
+        <p:txBody>
+          <a:bodyPr wrap="none" rtlCol="0">
+            <a:spAutoFit/>
+          </a:bodyPr>
+          <a:lstStyle/>
+          <a:p>
+            <a:r>
+              <a:rPr lang="en-US" altLang="zh-CN" dirty="0" smtClean="0"/>
+              <a:t>CONV</a:t>
+            </a:r>
+            <a:endParaRPr lang="zh-CN" altLang="en-US" dirty="0"/>
+          </a:p>
+        </p:txBody>
+      </p:sp>
+      <p:sp>
+        <p:nvSpPr>
+          <p:cNvPr id="5" name="矩形 4"/>
+          <p:cNvSpPr/>
+          <p:nvPr/>
+        </p:nvSpPr>
+        <p:spPr>
+          <a:xfrm>
+            <a:off x="2837728" y="332656"/>
+            <a:ext cx="1486064" cy="576064"/>
+          </a:xfrm>
+          <a:prstGeom prst="rect">
+            <a:avLst/>
+          </a:prstGeom>
+          <a:ln w="19050"/>
+        </p:spPr>
+        <p:style>
+          <a:lnRef idx="1">
+            <a:schemeClr val="accent1"/>
+          </a:lnRef>
+          <a:fillRef idx="2">
+            <a:schemeClr val="accent1"/>
+          </a:fillRef>
+          <a:effectRef idx="1">
+            <a:schemeClr val="accent1"/>
+          </a:effectRef>
+          <a:fontRef idx="minor">
+            <a:schemeClr val="dk1"/>
+          </a:fontRef>
+        </p:style>
+        <p:txBody>
+          <a:bodyPr rtlCol="0" anchor="ctr"/>
+          <a:lstStyle/>
+          <a:p>
+            <a:pPr algn="ctr"/>
+            <a:endParaRPr lang="zh-CN" altLang="en-US"/>
+          </a:p>
+        </p:txBody>
+      </p:sp>
+      <p:sp>
+        <p:nvSpPr>
+          <p:cNvPr id="6" name="TextBox 5"/>
+          <p:cNvSpPr txBox="1"/>
+          <p:nvPr/>
+        </p:nvSpPr>
+        <p:spPr>
+          <a:xfrm>
+            <a:off x="2849671" y="446162"/>
+            <a:ext cx="1474121" cy="369332"/>
+          </a:xfrm>
+          <a:prstGeom prst="rect">
+            <a:avLst/>
+          </a:prstGeom>
+          <a:noFill/>
+        </p:spPr>
+        <p:txBody>
+          <a:bodyPr wrap="none" rtlCol="0">
+            <a:spAutoFit/>
+          </a:bodyPr>
+          <a:lstStyle/>
+          <a:p>
+            <a:r>
+              <a:rPr lang="en-US" altLang="zh-CN" dirty="0" smtClean="0"/>
+              <a:t>BATCH NORM</a:t>
+            </a:r>
+            <a:endParaRPr lang="zh-CN" altLang="en-US" dirty="0"/>
+          </a:p>
+        </p:txBody>
+      </p:sp>
+      <p:sp>
+        <p:nvSpPr>
+          <p:cNvPr id="7" name="矩形 6"/>
+          <p:cNvSpPr/>
+          <p:nvPr/>
+        </p:nvSpPr>
+        <p:spPr>
+          <a:xfrm>
+            <a:off x="4995078" y="332656"/>
+            <a:ext cx="1296144" cy="576064"/>
+          </a:xfrm>
+          <a:prstGeom prst="rect">
+            <a:avLst/>
+          </a:prstGeom>
+          <a:ln w="19050"/>
+        </p:spPr>
+        <p:style>
+          <a:lnRef idx="1">
+            <a:schemeClr val="accent1"/>
+          </a:lnRef>
+          <a:fillRef idx="2">
+            <a:schemeClr val="accent1"/>
+          </a:fillRef>
+          <a:effectRef idx="1">
+            <a:schemeClr val="accent1"/>
+          </a:effectRef>
+          <a:fontRef idx="minor">
+            <a:schemeClr val="dk1"/>
+          </a:fontRef>
+        </p:style>
+        <p:txBody>
+          <a:bodyPr rtlCol="0" anchor="ctr"/>
+          <a:lstStyle/>
+          <a:p>
+            <a:pPr algn="ctr"/>
+            <a:endParaRPr lang="zh-CN" altLang="en-US"/>
+          </a:p>
+        </p:txBody>
+      </p:sp>
+      <p:sp>
+        <p:nvSpPr>
+          <p:cNvPr id="8" name="TextBox 7"/>
+          <p:cNvSpPr txBox="1"/>
+          <p:nvPr/>
+        </p:nvSpPr>
+        <p:spPr>
+          <a:xfrm>
+            <a:off x="5273721" y="446162"/>
+            <a:ext cx="662233" cy="369332"/>
+          </a:xfrm>
+          <a:prstGeom prst="rect">
+            <a:avLst/>
+          </a:prstGeom>
+          <a:noFill/>
+        </p:spPr>
+        <p:txBody>
+          <a:bodyPr wrap="none" rtlCol="0">
+            <a:spAutoFit/>
+          </a:bodyPr>
+          <a:lstStyle/>
+          <a:p>
+            <a:r>
+              <a:rPr lang="en-US" altLang="zh-CN" dirty="0" smtClean="0"/>
+              <a:t>RELU</a:t>
+            </a:r>
+            <a:endParaRPr lang="zh-CN" altLang="en-US" dirty="0"/>
+          </a:p>
+        </p:txBody>
+      </p:sp>
+      <p:cxnSp>
+        <p:nvCxnSpPr>
+          <p:cNvPr id="9" name="直接箭头连接符 8"/>
+          <p:cNvCxnSpPr>
+            <a:stCxn id="2" idx="3"/>
+            <a:endCxn id="5" idx="1"/>
+          </p:cNvCxnSpPr>
+          <p:nvPr/>
+        </p:nvCxnSpPr>
+        <p:spPr>
+          <a:xfrm>
+            <a:off x="2105047" y="620688"/>
+            <a:ext cx="732681" cy="0"/>
+          </a:xfrm>
+          <a:prstGeom prst="straightConnector1">
+            <a:avLst/>
+          </a:prstGeom>
+          <a:ln w="19050">
+            <a:tailEnd type="arrow"/>
+          </a:ln>
+        </p:spPr>
+        <p:style>
+          <a:lnRef idx="1">
+            <a:schemeClr val="accent1"/>
+          </a:lnRef>
+          <a:fillRef idx="0">
+            <a:schemeClr val="accent1"/>
+          </a:fillRef>
+          <a:effectRef idx="0">
+            <a:schemeClr val="accent1"/>
+          </a:effectRef>
+          <a:fontRef idx="minor">
+            <a:schemeClr val="tx1"/>
+          </a:fontRef>
+        </p:style>
+      </p:cxnSp>
+      <p:cxnSp>
+        <p:nvCxnSpPr>
+          <p:cNvPr id="11" name="直接箭头连接符 10"/>
+          <p:cNvCxnSpPr>
+            <a:stCxn id="5" idx="3"/>
+            <a:endCxn id="7" idx="1"/>
+          </p:cNvCxnSpPr>
+          <p:nvPr/>
+        </p:nvCxnSpPr>
+        <p:spPr>
+          <a:xfrm>
+            <a:off x="4323792" y="620688"/>
+            <a:ext cx="671286" cy="0"/>
+          </a:xfrm>
+          <a:prstGeom prst="straightConnector1">
+            <a:avLst/>
+          </a:prstGeom>
+          <a:ln w="19050">
+            <a:tailEnd type="arrow"/>
+          </a:ln>
+        </p:spPr>
+        <p:style>
+          <a:lnRef idx="1">
+            <a:schemeClr val="accent1"/>
+          </a:lnRef>
+          <a:fillRef idx="0">
+            <a:schemeClr val="accent1"/>
+          </a:fillRef>
+          <a:effectRef idx="0">
+            <a:schemeClr val="accent1"/>
+          </a:effectRef>
+          <a:fontRef idx="minor">
+            <a:schemeClr val="tx1"/>
+          </a:fontRef>
+        </p:style>
+      </p:cxnSp>
+      <p:sp>
+        <p:nvSpPr>
+          <p:cNvPr id="16" name="矩形 15"/>
+          <p:cNvSpPr/>
+          <p:nvPr/>
+        </p:nvSpPr>
+        <p:spPr>
+          <a:xfrm>
+            <a:off x="971600" y="1484784"/>
+            <a:ext cx="2376264" cy="505941"/>
+          </a:xfrm>
+          <a:prstGeom prst="rect">
+            <a:avLst/>
+          </a:prstGeom>
+          <a:noFill/>
+          <a:ln w="19050">
+            <a:solidFill>
+              <a:schemeClr val="tx1"/>
+            </a:solidFill>
+          </a:ln>
+        </p:spPr>
+        <p:style>
+          <a:lnRef idx="2">
+            <a:schemeClr val="accent1">
+              <a:shade val="50000"/>
+            </a:schemeClr>
+          </a:lnRef>
+          <a:fillRef idx="1">
+            <a:schemeClr val="accent1"/>
+          </a:fillRef>
+          <a:effectRef idx="0">
+            <a:schemeClr val="accent1"/>
+          </a:effectRef>
+          <a:fontRef idx="minor">
+            <a:schemeClr val="lt1"/>
+          </a:fontRef>
+        </p:style>
+        <p:txBody>
+          <a:bodyPr rtlCol="0" anchor="ctr"/>
+          <a:lstStyle/>
+          <a:p>
+            <a:pPr algn="ctr"/>
+            <a:endParaRPr lang="zh-CN" altLang="en-US"/>
+          </a:p>
+        </p:txBody>
+      </p:sp>
+      <p:sp>
+        <p:nvSpPr>
+          <p:cNvPr id="19" name="TextBox 18"/>
+          <p:cNvSpPr txBox="1"/>
+          <p:nvPr/>
+        </p:nvSpPr>
+        <p:spPr>
+          <a:xfrm>
+            <a:off x="1117898" y="1553344"/>
+            <a:ext cx="2062872" cy="369332"/>
+          </a:xfrm>
+          <a:prstGeom prst="rect">
+            <a:avLst/>
+          </a:prstGeom>
+          <a:noFill/>
+        </p:spPr>
+        <p:txBody>
+          <a:bodyPr wrap="none" rtlCol="0">
+            <a:spAutoFit/>
+          </a:bodyPr>
+          <a:lstStyle/>
+          <a:p>
+            <a:r>
+              <a:rPr lang="en-US" altLang="zh-CN" dirty="0" err="1" smtClean="0"/>
+              <a:t>models.Sequential</a:t>
+            </a:r>
+            <a:r>
+              <a:rPr lang="en-US" altLang="zh-CN" dirty="0" smtClean="0"/>
+              <a:t>()</a:t>
+            </a:r>
+            <a:endParaRPr lang="zh-CN" altLang="en-US" dirty="0"/>
+          </a:p>
+        </p:txBody>
+      </p:sp>
+      <p:sp>
+        <p:nvSpPr>
+          <p:cNvPr id="21" name="矩形 20"/>
+          <p:cNvSpPr/>
+          <p:nvPr/>
+        </p:nvSpPr>
+        <p:spPr>
+          <a:xfrm>
+            <a:off x="971600" y="2408709"/>
+            <a:ext cx="2376264" cy="505941"/>
+          </a:xfrm>
+          <a:prstGeom prst="rect">
+            <a:avLst/>
+          </a:prstGeom>
+          <a:noFill/>
+          <a:ln w="19050">
+            <a:solidFill>
+              <a:schemeClr val="tx1"/>
+            </a:solidFill>
+          </a:ln>
+        </p:spPr>
+        <p:style>
+          <a:lnRef idx="2">
+            <a:schemeClr val="accent1">
+              <a:shade val="50000"/>
+            </a:schemeClr>
+          </a:lnRef>
+          <a:fillRef idx="1">
+            <a:schemeClr val="accent1"/>
+          </a:fillRef>
+          <a:effectRef idx="0">
+            <a:schemeClr val="accent1"/>
+          </a:effectRef>
+          <a:fontRef idx="minor">
+            <a:schemeClr val="lt1"/>
+          </a:fontRef>
+        </p:style>
+        <p:txBody>
+          <a:bodyPr rtlCol="0" anchor="ctr"/>
+          <a:lstStyle/>
+          <a:p>
+            <a:pPr algn="ctr"/>
+            <a:endParaRPr lang="zh-CN" altLang="en-US"/>
+          </a:p>
+        </p:txBody>
+      </p:sp>
+      <p:sp>
+        <p:nvSpPr>
+          <p:cNvPr id="22" name="TextBox 21"/>
+          <p:cNvSpPr txBox="1"/>
+          <p:nvPr/>
+        </p:nvSpPr>
+        <p:spPr>
+          <a:xfrm>
+            <a:off x="1043608" y="2477269"/>
+            <a:ext cx="2231829" cy="369332"/>
+          </a:xfrm>
+          <a:prstGeom prst="rect">
+            <a:avLst/>
+          </a:prstGeom>
+          <a:noFill/>
+        </p:spPr>
+        <p:txBody>
+          <a:bodyPr wrap="none" rtlCol="0">
+            <a:spAutoFit/>
+          </a:bodyPr>
+          <a:lstStyle/>
+          <a:p>
+            <a:r>
+              <a:rPr lang="en-US" altLang="zh-CN" dirty="0" err="1"/>
+              <a:t>m</a:t>
+            </a:r>
+            <a:r>
+              <a:rPr lang="en-US" altLang="zh-CN" dirty="0" err="1" smtClean="0"/>
+              <a:t>odel.add</a:t>
+            </a:r>
+            <a:r>
+              <a:rPr lang="en-US" altLang="zh-CN" dirty="0" smtClean="0"/>
+              <a:t>(</a:t>
+            </a:r>
+            <a:r>
+              <a:rPr lang="en-US" altLang="zh-CN" dirty="0" err="1" smtClean="0"/>
+              <a:t>layers.xxx</a:t>
+            </a:r>
+            <a:r>
+              <a:rPr lang="en-US" altLang="zh-CN" dirty="0" smtClean="0"/>
+              <a:t>)</a:t>
+            </a:r>
+            <a:endParaRPr lang="zh-CN" altLang="en-US" dirty="0"/>
+          </a:p>
+        </p:txBody>
+      </p:sp>
+      <p:cxnSp>
+        <p:nvCxnSpPr>
+          <p:cNvPr id="23" name="直接箭头连接符 22"/>
+          <p:cNvCxnSpPr>
+            <a:stCxn id="16" idx="2"/>
+            <a:endCxn id="21" idx="0"/>
+          </p:cNvCxnSpPr>
+          <p:nvPr/>
+        </p:nvCxnSpPr>
+        <p:spPr>
+          <a:xfrm>
+            <a:off x="2159732" y="1990725"/>
+            <a:ext cx="0" cy="417984"/>
+          </a:xfrm>
+          <a:prstGeom prst="straightConnector1">
+            <a:avLst/>
+          </a:prstGeom>
+          <a:ln w="19050">
+            <a:solidFill>
+              <a:schemeClr val="tx1"/>
+            </a:solidFill>
+            <a:tailEnd type="arrow"/>
+          </a:ln>
+        </p:spPr>
+        <p:style>
+          <a:lnRef idx="1">
+            <a:schemeClr val="accent1"/>
+          </a:lnRef>
+          <a:fillRef idx="0">
+            <a:schemeClr val="accent1"/>
+          </a:fillRef>
+          <a:effectRef idx="0">
+            <a:schemeClr val="accent1"/>
+          </a:effectRef>
+          <a:fontRef idx="minor">
+            <a:schemeClr val="tx1"/>
+          </a:fontRef>
+        </p:style>
+      </p:cxnSp>
+      <p:sp>
+        <p:nvSpPr>
+          <p:cNvPr id="26" name="矩形 25"/>
+          <p:cNvSpPr/>
+          <p:nvPr/>
+        </p:nvSpPr>
+        <p:spPr>
+          <a:xfrm>
+            <a:off x="971600" y="3342159"/>
+            <a:ext cx="2376264" cy="505941"/>
+          </a:xfrm>
+          <a:prstGeom prst="rect">
+            <a:avLst/>
+          </a:prstGeom>
+          <a:noFill/>
+          <a:ln w="19050">
+            <a:solidFill>
+              <a:schemeClr val="tx1"/>
+            </a:solidFill>
+          </a:ln>
+        </p:spPr>
+        <p:style>
+          <a:lnRef idx="2">
+            <a:schemeClr val="accent1">
+              <a:shade val="50000"/>
+            </a:schemeClr>
+          </a:lnRef>
+          <a:fillRef idx="1">
+            <a:schemeClr val="accent1"/>
+          </a:fillRef>
+          <a:effectRef idx="0">
+            <a:schemeClr val="accent1"/>
+          </a:effectRef>
+          <a:fontRef idx="minor">
+            <a:schemeClr val="lt1"/>
+          </a:fontRef>
+        </p:style>
+        <p:txBody>
+          <a:bodyPr rtlCol="0" anchor="ctr"/>
+          <a:lstStyle/>
+          <a:p>
+            <a:pPr algn="ctr"/>
+            <a:endParaRPr lang="zh-CN" altLang="en-US"/>
+          </a:p>
+        </p:txBody>
+      </p:sp>
+      <p:sp>
+        <p:nvSpPr>
+          <p:cNvPr id="27" name="TextBox 26"/>
+          <p:cNvSpPr txBox="1"/>
+          <p:nvPr/>
+        </p:nvSpPr>
+        <p:spPr>
+          <a:xfrm>
+            <a:off x="1043608" y="3410719"/>
+            <a:ext cx="2231829" cy="369332"/>
+          </a:xfrm>
+          <a:prstGeom prst="rect">
+            <a:avLst/>
+          </a:prstGeom>
+          <a:noFill/>
+        </p:spPr>
+        <p:txBody>
+          <a:bodyPr wrap="none" rtlCol="0">
+            <a:spAutoFit/>
+          </a:bodyPr>
+          <a:lstStyle/>
+          <a:p>
+            <a:r>
+              <a:rPr lang="en-US" altLang="zh-CN" dirty="0" err="1"/>
+              <a:t>m</a:t>
+            </a:r>
+            <a:r>
+              <a:rPr lang="en-US" altLang="zh-CN" dirty="0" err="1" smtClean="0"/>
+              <a:t>odel.add</a:t>
+            </a:r>
+            <a:r>
+              <a:rPr lang="en-US" altLang="zh-CN" dirty="0" smtClean="0"/>
+              <a:t>(</a:t>
+            </a:r>
+            <a:r>
+              <a:rPr lang="en-US" altLang="zh-CN" dirty="0" err="1" smtClean="0"/>
+              <a:t>layers.xxx</a:t>
+            </a:r>
+            <a:r>
+              <a:rPr lang="en-US" altLang="zh-CN" dirty="0" smtClean="0"/>
+              <a:t>)</a:t>
+            </a:r>
+            <a:endParaRPr lang="zh-CN" altLang="en-US" dirty="0"/>
+          </a:p>
+        </p:txBody>
+      </p:sp>
+      <p:sp>
+        <p:nvSpPr>
+          <p:cNvPr id="28" name="矩形 27"/>
+          <p:cNvSpPr/>
+          <p:nvPr/>
+        </p:nvSpPr>
+        <p:spPr>
+          <a:xfrm>
+            <a:off x="971600" y="4221088"/>
+            <a:ext cx="2376264" cy="505941"/>
+          </a:xfrm>
+          <a:prstGeom prst="rect">
+            <a:avLst/>
+          </a:prstGeom>
+          <a:noFill/>
+          <a:ln w="19050">
+            <a:solidFill>
+              <a:schemeClr val="tx1"/>
+            </a:solidFill>
+          </a:ln>
+        </p:spPr>
+        <p:style>
+          <a:lnRef idx="2">
+            <a:schemeClr val="accent1">
+              <a:shade val="50000"/>
+            </a:schemeClr>
+          </a:lnRef>
+          <a:fillRef idx="1">
+            <a:schemeClr val="accent1"/>
+          </a:fillRef>
+          <a:effectRef idx="0">
+            <a:schemeClr val="accent1"/>
+          </a:effectRef>
+          <a:fontRef idx="minor">
+            <a:schemeClr val="lt1"/>
+          </a:fontRef>
+        </p:style>
+        <p:txBody>
+          <a:bodyPr rtlCol="0" anchor="ctr"/>
+          <a:lstStyle/>
+          <a:p>
+            <a:pPr algn="ctr"/>
+            <a:endParaRPr lang="zh-CN" altLang="en-US"/>
+          </a:p>
+        </p:txBody>
+      </p:sp>
+      <p:sp>
+        <p:nvSpPr>
+          <p:cNvPr id="29" name="TextBox 28"/>
+          <p:cNvSpPr txBox="1"/>
+          <p:nvPr/>
+        </p:nvSpPr>
+        <p:spPr>
+          <a:xfrm>
+            <a:off x="1322177" y="4289648"/>
+            <a:ext cx="1724831" cy="369332"/>
+          </a:xfrm>
+          <a:prstGeom prst="rect">
+            <a:avLst/>
+          </a:prstGeom>
+          <a:noFill/>
+        </p:spPr>
+        <p:txBody>
+          <a:bodyPr wrap="none" rtlCol="0">
+            <a:spAutoFit/>
+          </a:bodyPr>
+          <a:lstStyle/>
+          <a:p>
+            <a:r>
+              <a:rPr lang="en-US" altLang="zh-CN" dirty="0" err="1"/>
+              <a:t>m</a:t>
+            </a:r>
+            <a:r>
+              <a:rPr lang="en-US" altLang="zh-CN" dirty="0" err="1" smtClean="0"/>
+              <a:t>odel.compile</a:t>
+            </a:r>
+            <a:r>
+              <a:rPr lang="en-US" altLang="zh-CN" dirty="0" smtClean="0"/>
+              <a:t>()</a:t>
+            </a:r>
+            <a:endParaRPr lang="zh-CN" altLang="en-US" dirty="0"/>
+          </a:p>
+        </p:txBody>
+      </p:sp>
+      <p:cxnSp>
+        <p:nvCxnSpPr>
+          <p:cNvPr id="30" name="直接箭头连接符 29"/>
+          <p:cNvCxnSpPr>
+            <a:stCxn id="26" idx="2"/>
+            <a:endCxn id="28" idx="0"/>
+          </p:cNvCxnSpPr>
+          <p:nvPr/>
+        </p:nvCxnSpPr>
+        <p:spPr>
+          <a:xfrm>
+            <a:off x="2159732" y="3848100"/>
+            <a:ext cx="0" cy="372988"/>
+          </a:xfrm>
+          <a:prstGeom prst="straightConnector1">
+            <a:avLst/>
+          </a:prstGeom>
+          <a:ln w="19050">
+            <a:solidFill>
+              <a:schemeClr val="tx1"/>
+            </a:solidFill>
+            <a:tailEnd type="arrow"/>
+          </a:ln>
+        </p:spPr>
+        <p:style>
+          <a:lnRef idx="1">
+            <a:schemeClr val="accent1"/>
+          </a:lnRef>
+          <a:fillRef idx="0">
+            <a:schemeClr val="accent1"/>
+          </a:fillRef>
+          <a:effectRef idx="0">
+            <a:schemeClr val="accent1"/>
+          </a:effectRef>
+          <a:fontRef idx="minor">
+            <a:schemeClr val="tx1"/>
+          </a:fontRef>
+        </p:style>
+      </p:cxnSp>
+      <p:sp>
+        <p:nvSpPr>
+          <p:cNvPr id="32" name="TextBox 31"/>
+          <p:cNvSpPr txBox="1"/>
+          <p:nvPr/>
+        </p:nvSpPr>
+        <p:spPr>
+          <a:xfrm>
+            <a:off x="1977652" y="2924944"/>
+            <a:ext cx="343364" cy="369332"/>
+          </a:xfrm>
+          <a:prstGeom prst="rect">
+            <a:avLst/>
+          </a:prstGeom>
+          <a:noFill/>
+        </p:spPr>
+        <p:txBody>
+          <a:bodyPr wrap="none" rtlCol="0">
+            <a:spAutoFit/>
+          </a:bodyPr>
+          <a:lstStyle/>
+          <a:p>
+            <a:r>
+              <a:rPr lang="en-US" altLang="zh-CN" dirty="0" smtClean="0"/>
+              <a:t>…</a:t>
+            </a:r>
+            <a:endParaRPr lang="zh-CN" altLang="en-US" dirty="0"/>
+          </a:p>
+        </p:txBody>
+      </p:sp>
+      <p:sp>
+        <p:nvSpPr>
+          <p:cNvPr id="33" name="矩形 32"/>
+          <p:cNvSpPr/>
+          <p:nvPr/>
+        </p:nvSpPr>
+        <p:spPr>
+          <a:xfrm>
+            <a:off x="971600" y="5088632"/>
+            <a:ext cx="2376264" cy="505941"/>
+          </a:xfrm>
+          <a:prstGeom prst="rect">
+            <a:avLst/>
+          </a:prstGeom>
+          <a:noFill/>
+          <a:ln w="19050">
+            <a:solidFill>
+              <a:schemeClr val="tx1"/>
+            </a:solidFill>
+          </a:ln>
+        </p:spPr>
+        <p:style>
+          <a:lnRef idx="2">
+            <a:schemeClr val="accent1">
+              <a:shade val="50000"/>
+            </a:schemeClr>
+          </a:lnRef>
+          <a:fillRef idx="1">
+            <a:schemeClr val="accent1"/>
+          </a:fillRef>
+          <a:effectRef idx="0">
+            <a:schemeClr val="accent1"/>
+          </a:effectRef>
+          <a:fontRef idx="minor">
+            <a:schemeClr val="lt1"/>
+          </a:fontRef>
+        </p:style>
+        <p:txBody>
+          <a:bodyPr rtlCol="0" anchor="ctr"/>
+          <a:lstStyle/>
+          <a:p>
+            <a:pPr algn="ctr"/>
+            <a:endParaRPr lang="zh-CN" altLang="en-US"/>
+          </a:p>
+        </p:txBody>
+      </p:sp>
+      <p:sp>
+        <p:nvSpPr>
+          <p:cNvPr id="34" name="TextBox 33"/>
+          <p:cNvSpPr txBox="1"/>
+          <p:nvPr/>
+        </p:nvSpPr>
+        <p:spPr>
+          <a:xfrm>
+            <a:off x="1469576" y="5157192"/>
+            <a:ext cx="1175643" cy="369332"/>
+          </a:xfrm>
+          <a:prstGeom prst="rect">
+            <a:avLst/>
+          </a:prstGeom>
+          <a:noFill/>
+        </p:spPr>
+        <p:txBody>
+          <a:bodyPr wrap="none" rtlCol="0">
+            <a:spAutoFit/>
+          </a:bodyPr>
+          <a:lstStyle/>
+          <a:p>
+            <a:r>
+              <a:rPr lang="en-US" altLang="zh-CN" dirty="0" err="1"/>
+              <a:t>m</a:t>
+            </a:r>
+            <a:r>
+              <a:rPr lang="en-US" altLang="zh-CN" dirty="0" err="1" smtClean="0"/>
+              <a:t>odel.fit</a:t>
+            </a:r>
+            <a:r>
+              <a:rPr lang="en-US" altLang="zh-CN" dirty="0" smtClean="0"/>
+              <a:t>()</a:t>
+            </a:r>
+            <a:endParaRPr lang="zh-CN" altLang="en-US" dirty="0"/>
+          </a:p>
+        </p:txBody>
+      </p:sp>
+      <p:cxnSp>
+        <p:nvCxnSpPr>
+          <p:cNvPr id="35" name="直接箭头连接符 34"/>
+          <p:cNvCxnSpPr>
+            <a:endCxn id="33" idx="0"/>
+          </p:cNvCxnSpPr>
+          <p:nvPr/>
+        </p:nvCxnSpPr>
+        <p:spPr>
+          <a:xfrm>
+            <a:off x="2159732" y="4715644"/>
+            <a:ext cx="0" cy="372988"/>
+          </a:xfrm>
+          <a:prstGeom prst="straightConnector1">
+            <a:avLst/>
+          </a:prstGeom>
+          <a:ln w="19050">
+            <a:solidFill>
+              <a:schemeClr val="tx1"/>
+            </a:solidFill>
+            <a:tailEnd type="arrow"/>
+          </a:ln>
+        </p:spPr>
+        <p:style>
+          <a:lnRef idx="1">
+            <a:schemeClr val="accent1"/>
+          </a:lnRef>
+          <a:fillRef idx="0">
+            <a:schemeClr val="accent1"/>
+          </a:fillRef>
+          <a:effectRef idx="0">
+            <a:schemeClr val="accent1"/>
+          </a:effectRef>
+          <a:fontRef idx="minor">
+            <a:schemeClr val="tx1"/>
+          </a:fontRef>
+        </p:style>
+      </p:cxnSp>
+      <p:sp>
+        <p:nvSpPr>
+          <p:cNvPr id="31" name="TextBox 30"/>
+          <p:cNvSpPr txBox="1"/>
+          <p:nvPr/>
+        </p:nvSpPr>
+        <p:spPr>
+          <a:xfrm>
+            <a:off x="3346723" y="1584122"/>
+            <a:ext cx="1620957" cy="338554"/>
+          </a:xfrm>
+          <a:prstGeom prst="rect">
+            <a:avLst/>
+          </a:prstGeom>
+          <a:noFill/>
+        </p:spPr>
+        <p:txBody>
+          <a:bodyPr wrap="none" rtlCol="0">
+            <a:spAutoFit/>
+          </a:bodyPr>
+          <a:lstStyle/>
+          <a:p>
+            <a:r>
+              <a:rPr lang="zh-CN" altLang="en-US" sz="1600" dirty="0" smtClean="0">
+                <a:latin typeface="微软雅黑" pitchFamily="34" charset="-122"/>
+                <a:ea typeface="微软雅黑" pitchFamily="34" charset="-122"/>
+              </a:rPr>
+              <a:t>序列模型初始化</a:t>
+            </a:r>
+            <a:endParaRPr lang="zh-CN" altLang="en-US" sz="1600" dirty="0">
+              <a:latin typeface="微软雅黑" pitchFamily="34" charset="-122"/>
+              <a:ea typeface="微软雅黑" pitchFamily="34" charset="-122"/>
+            </a:endParaRPr>
+          </a:p>
+        </p:txBody>
+      </p:sp>
+      <p:sp>
+        <p:nvSpPr>
+          <p:cNvPr id="37" name="TextBox 36"/>
+          <p:cNvSpPr txBox="1"/>
+          <p:nvPr/>
+        </p:nvSpPr>
+        <p:spPr>
+          <a:xfrm>
+            <a:off x="3699148" y="2984297"/>
+            <a:ext cx="800219" cy="338554"/>
+          </a:xfrm>
+          <a:prstGeom prst="rect">
+            <a:avLst/>
+          </a:prstGeom>
+          <a:noFill/>
+        </p:spPr>
+        <p:txBody>
+          <a:bodyPr wrap="none" rtlCol="0">
+            <a:spAutoFit/>
+          </a:bodyPr>
+          <a:lstStyle/>
+          <a:p>
+            <a:r>
+              <a:rPr lang="zh-CN" altLang="en-US" sz="1600" dirty="0" smtClean="0">
+                <a:latin typeface="微软雅黑" pitchFamily="34" charset="-122"/>
+                <a:ea typeface="微软雅黑" pitchFamily="34" charset="-122"/>
+              </a:rPr>
+              <a:t>添加层</a:t>
+            </a:r>
+            <a:endParaRPr lang="zh-CN" altLang="en-US" sz="1600" dirty="0">
+              <a:latin typeface="微软雅黑" pitchFamily="34" charset="-122"/>
+              <a:ea typeface="微软雅黑" pitchFamily="34" charset="-122"/>
+            </a:endParaRPr>
+          </a:p>
+        </p:txBody>
+      </p:sp>
+      <p:sp>
+        <p:nvSpPr>
+          <p:cNvPr id="36" name="右大括号 35"/>
+          <p:cNvSpPr/>
+          <p:nvPr/>
+        </p:nvSpPr>
+        <p:spPr>
+          <a:xfrm>
+            <a:off x="3491880" y="2661679"/>
+            <a:ext cx="88880" cy="1118372"/>
+          </a:xfrm>
+          <a:prstGeom prst="rightBrace">
+            <a:avLst>
+              <a:gd name="adj1" fmla="val 140505"/>
+              <a:gd name="adj2" fmla="val 50000"/>
+            </a:avLst>
+          </a:prstGeom>
+          <a:ln w="19050">
+            <a:solidFill>
+              <a:schemeClr val="tx1"/>
+            </a:solidFill>
+          </a:ln>
+        </p:spPr>
+        <p:style>
+          <a:lnRef idx="1">
+            <a:schemeClr val="accent1"/>
+          </a:lnRef>
+          <a:fillRef idx="0">
+            <a:schemeClr val="accent1"/>
+          </a:fillRef>
+          <a:effectRef idx="0">
+            <a:schemeClr val="accent1"/>
+          </a:effectRef>
+          <a:fontRef idx="minor">
+            <a:schemeClr val="tx1"/>
+          </a:fontRef>
+        </p:style>
+        <p:txBody>
+          <a:bodyPr rtlCol="0" anchor="ctr"/>
+          <a:lstStyle/>
+          <a:p>
+            <a:pPr algn="ctr"/>
+            <a:endParaRPr lang="zh-CN" altLang="en-US"/>
+          </a:p>
+        </p:txBody>
+      </p:sp>
+      <p:sp>
+        <p:nvSpPr>
+          <p:cNvPr id="39" name="TextBox 38"/>
+          <p:cNvSpPr txBox="1"/>
+          <p:nvPr/>
+        </p:nvSpPr>
+        <p:spPr>
+          <a:xfrm>
+            <a:off x="3491880" y="4289648"/>
+            <a:ext cx="1005403" cy="338554"/>
+          </a:xfrm>
+          <a:prstGeom prst="rect">
+            <a:avLst/>
+          </a:prstGeom>
+          <a:noFill/>
+        </p:spPr>
+        <p:txBody>
+          <a:bodyPr wrap="none" rtlCol="0">
+            <a:spAutoFit/>
+          </a:bodyPr>
+          <a:lstStyle/>
+          <a:p>
+            <a:r>
+              <a:rPr lang="zh-CN" altLang="en-US" sz="1600" dirty="0" smtClean="0">
+                <a:latin typeface="微软雅黑" pitchFamily="34" charset="-122"/>
+                <a:ea typeface="微软雅黑" pitchFamily="34" charset="-122"/>
+              </a:rPr>
+              <a:t>模型编译</a:t>
+            </a:r>
+            <a:endParaRPr lang="zh-CN" altLang="en-US" sz="1600" dirty="0">
+              <a:latin typeface="微软雅黑" pitchFamily="34" charset="-122"/>
+              <a:ea typeface="微软雅黑" pitchFamily="34" charset="-122"/>
+            </a:endParaRPr>
+          </a:p>
+        </p:txBody>
+      </p:sp>
+      <p:sp>
+        <p:nvSpPr>
+          <p:cNvPr id="40" name="TextBox 39"/>
+          <p:cNvSpPr txBox="1"/>
+          <p:nvPr/>
+        </p:nvSpPr>
+        <p:spPr>
+          <a:xfrm>
+            <a:off x="3491880" y="5157192"/>
+            <a:ext cx="1005403" cy="338554"/>
+          </a:xfrm>
+          <a:prstGeom prst="rect">
+            <a:avLst/>
+          </a:prstGeom>
+          <a:noFill/>
+        </p:spPr>
+        <p:txBody>
+          <a:bodyPr wrap="none" rtlCol="0">
+            <a:spAutoFit/>
+          </a:bodyPr>
+          <a:lstStyle/>
+          <a:p>
+            <a:r>
+              <a:rPr lang="zh-CN" altLang="en-US" sz="1600" dirty="0" smtClean="0">
+                <a:latin typeface="微软雅黑" pitchFamily="34" charset="-122"/>
+                <a:ea typeface="微软雅黑" pitchFamily="34" charset="-122"/>
+              </a:rPr>
+              <a:t>训练模型</a:t>
+            </a:r>
+            <a:endParaRPr lang="zh-CN" altLang="en-US" sz="1600" dirty="0">
+              <a:latin typeface="微软雅黑" pitchFamily="34" charset="-122"/>
+              <a:ea typeface="微软雅黑" pitchFamily="34" charset="-122"/>
+            </a:endParaRPr>
+          </a:p>
+        </p:txBody>
+      </p:sp>
     </p:spTree>
     <p:extLst>
       <p:ext uri="{BB962C8B-B14F-4D97-AF65-F5344CB8AC3E}">
@@ -29215,6 +30261,1336 @@
           <a:chExt cx="0" cy="0"/>
         </a:xfrm>
       </p:grpSpPr>
+      <p:sp>
+        <p:nvSpPr>
+          <p:cNvPr id="3" name="矩形 2"/>
+          <p:cNvSpPr/>
+          <p:nvPr/>
+        </p:nvSpPr>
+        <p:spPr>
+          <a:xfrm>
+            <a:off x="215516" y="534957"/>
+            <a:ext cx="1296144" cy="576064"/>
+          </a:xfrm>
+          <a:prstGeom prst="rect">
+            <a:avLst/>
+          </a:prstGeom>
+          <a:ln w="19050"/>
+        </p:spPr>
+        <p:style>
+          <a:lnRef idx="1">
+            <a:schemeClr val="accent1"/>
+          </a:lnRef>
+          <a:fillRef idx="2">
+            <a:schemeClr val="accent1"/>
+          </a:fillRef>
+          <a:effectRef idx="1">
+            <a:schemeClr val="accent1"/>
+          </a:effectRef>
+          <a:fontRef idx="minor">
+            <a:schemeClr val="dk1"/>
+          </a:fontRef>
+        </p:style>
+        <p:txBody>
+          <a:bodyPr rtlCol="0" anchor="ctr"/>
+          <a:lstStyle/>
+          <a:p>
+            <a:pPr algn="ctr"/>
+            <a:endParaRPr lang="zh-CN" altLang="en-US"/>
+          </a:p>
+        </p:txBody>
+      </p:sp>
+      <p:sp>
+        <p:nvSpPr>
+          <p:cNvPr id="5" name="TextBox 4"/>
+          <p:cNvSpPr txBox="1"/>
+          <p:nvPr/>
+        </p:nvSpPr>
+        <p:spPr>
+          <a:xfrm>
+            <a:off x="494159" y="638323"/>
+            <a:ext cx="769763" cy="369332"/>
+          </a:xfrm>
+          <a:prstGeom prst="rect">
+            <a:avLst/>
+          </a:prstGeom>
+          <a:noFill/>
+        </p:spPr>
+        <p:txBody>
+          <a:bodyPr wrap="none" rtlCol="0">
+            <a:spAutoFit/>
+          </a:bodyPr>
+          <a:lstStyle/>
+          <a:p>
+            <a:r>
+              <a:rPr lang="en-US" altLang="zh-CN" dirty="0" smtClean="0"/>
+              <a:t>INPUT</a:t>
+            </a:r>
+            <a:endParaRPr lang="zh-CN" altLang="en-US" dirty="0"/>
+          </a:p>
+        </p:txBody>
+      </p:sp>
+      <p:sp>
+        <p:nvSpPr>
+          <p:cNvPr id="6" name="矩形 5"/>
+          <p:cNvSpPr/>
+          <p:nvPr/>
+        </p:nvSpPr>
+        <p:spPr>
+          <a:xfrm>
+            <a:off x="2159732" y="99986"/>
+            <a:ext cx="1512168" cy="576064"/>
+          </a:xfrm>
+          <a:prstGeom prst="rect">
+            <a:avLst/>
+          </a:prstGeom>
+          <a:ln w="19050"/>
+        </p:spPr>
+        <p:style>
+          <a:lnRef idx="1">
+            <a:schemeClr val="accent1"/>
+          </a:lnRef>
+          <a:fillRef idx="2">
+            <a:schemeClr val="accent1"/>
+          </a:fillRef>
+          <a:effectRef idx="1">
+            <a:schemeClr val="accent1"/>
+          </a:effectRef>
+          <a:fontRef idx="minor">
+            <a:schemeClr val="dk1"/>
+          </a:fontRef>
+        </p:style>
+        <p:txBody>
+          <a:bodyPr rtlCol="0" anchor="ctr"/>
+          <a:lstStyle/>
+          <a:p>
+            <a:pPr algn="ctr"/>
+            <a:endParaRPr lang="zh-CN" altLang="en-US"/>
+          </a:p>
+        </p:txBody>
+      </p:sp>
+      <p:sp>
+        <p:nvSpPr>
+          <p:cNvPr id="7" name="TextBox 6"/>
+          <p:cNvSpPr txBox="1"/>
+          <p:nvPr/>
+        </p:nvSpPr>
+        <p:spPr>
+          <a:xfrm>
+            <a:off x="2248421" y="137713"/>
+            <a:ext cx="1334789" cy="523220"/>
+          </a:xfrm>
+          <a:prstGeom prst="rect">
+            <a:avLst/>
+          </a:prstGeom>
+          <a:noFill/>
+        </p:spPr>
+        <p:txBody>
+          <a:bodyPr wrap="none" rtlCol="0">
+            <a:spAutoFit/>
+          </a:bodyPr>
+          <a:lstStyle/>
+          <a:p>
+            <a:r>
+              <a:rPr lang="en-US" altLang="zh-CN" sz="1400" dirty="0" smtClean="0"/>
+              <a:t>CONV(size=3x3,</a:t>
+            </a:r>
+          </a:p>
+          <a:p>
+            <a:r>
+              <a:rPr lang="en-US" altLang="zh-CN" sz="1400" dirty="0" smtClean="0"/>
+              <a:t>      stride=2x2)</a:t>
+            </a:r>
+            <a:endParaRPr lang="zh-CN" altLang="en-US" sz="1400" dirty="0"/>
+          </a:p>
+        </p:txBody>
+      </p:sp>
+      <p:sp>
+        <p:nvSpPr>
+          <p:cNvPr id="8" name="矩形 7"/>
+          <p:cNvSpPr/>
+          <p:nvPr/>
+        </p:nvSpPr>
+        <p:spPr>
+          <a:xfrm>
+            <a:off x="2159732" y="980728"/>
+            <a:ext cx="1512168" cy="576064"/>
+          </a:xfrm>
+          <a:prstGeom prst="rect">
+            <a:avLst/>
+          </a:prstGeom>
+          <a:ln w="19050"/>
+        </p:spPr>
+        <p:style>
+          <a:lnRef idx="1">
+            <a:schemeClr val="accent1"/>
+          </a:lnRef>
+          <a:fillRef idx="2">
+            <a:schemeClr val="accent1"/>
+          </a:fillRef>
+          <a:effectRef idx="1">
+            <a:schemeClr val="accent1"/>
+          </a:effectRef>
+          <a:fontRef idx="minor">
+            <a:schemeClr val="dk1"/>
+          </a:fontRef>
+        </p:style>
+        <p:txBody>
+          <a:bodyPr rtlCol="0" anchor="ctr"/>
+          <a:lstStyle/>
+          <a:p>
+            <a:pPr algn="ctr"/>
+            <a:endParaRPr lang="zh-CN" altLang="en-US"/>
+          </a:p>
+        </p:txBody>
+      </p:sp>
+      <p:sp>
+        <p:nvSpPr>
+          <p:cNvPr id="9" name="TextBox 8"/>
+          <p:cNvSpPr txBox="1"/>
+          <p:nvPr/>
+        </p:nvSpPr>
+        <p:spPr>
+          <a:xfrm>
+            <a:off x="2248421" y="1018455"/>
+            <a:ext cx="1309141" cy="523220"/>
+          </a:xfrm>
+          <a:prstGeom prst="rect">
+            <a:avLst/>
+          </a:prstGeom>
+          <a:noFill/>
+        </p:spPr>
+        <p:txBody>
+          <a:bodyPr wrap="none" rtlCol="0">
+            <a:spAutoFit/>
+          </a:bodyPr>
+          <a:lstStyle/>
+          <a:p>
+            <a:r>
+              <a:rPr lang="en-US" altLang="zh-CN" sz="1400" dirty="0" smtClean="0"/>
+              <a:t>POOL(size=3x3,</a:t>
+            </a:r>
+          </a:p>
+          <a:p>
+            <a:r>
+              <a:rPr lang="en-US" altLang="zh-CN" sz="1400" dirty="0" smtClean="0"/>
+              <a:t>      stride=2x2)</a:t>
+            </a:r>
+            <a:endParaRPr lang="zh-CN" altLang="en-US" sz="1400" dirty="0"/>
+          </a:p>
+        </p:txBody>
+      </p:sp>
+      <p:sp>
+        <p:nvSpPr>
+          <p:cNvPr id="10" name="矩形 9"/>
+          <p:cNvSpPr/>
+          <p:nvPr/>
+        </p:nvSpPr>
+        <p:spPr>
+          <a:xfrm>
+            <a:off x="4463987" y="534957"/>
+            <a:ext cx="1558825" cy="576064"/>
+          </a:xfrm>
+          <a:prstGeom prst="rect">
+            <a:avLst/>
+          </a:prstGeom>
+          <a:ln w="19050"/>
+        </p:spPr>
+        <p:style>
+          <a:lnRef idx="1">
+            <a:schemeClr val="accent1"/>
+          </a:lnRef>
+          <a:fillRef idx="2">
+            <a:schemeClr val="accent1"/>
+          </a:fillRef>
+          <a:effectRef idx="1">
+            <a:schemeClr val="accent1"/>
+          </a:effectRef>
+          <a:fontRef idx="minor">
+            <a:schemeClr val="dk1"/>
+          </a:fontRef>
+        </p:style>
+        <p:txBody>
+          <a:bodyPr rtlCol="0" anchor="ctr"/>
+          <a:lstStyle/>
+          <a:p>
+            <a:pPr algn="ctr"/>
+            <a:endParaRPr lang="zh-CN" altLang="en-US"/>
+          </a:p>
+        </p:txBody>
+      </p:sp>
+      <p:sp>
+        <p:nvSpPr>
+          <p:cNvPr id="11" name="TextBox 10"/>
+          <p:cNvSpPr txBox="1"/>
+          <p:nvPr/>
+        </p:nvSpPr>
+        <p:spPr>
+          <a:xfrm>
+            <a:off x="4463988" y="638323"/>
+            <a:ext cx="1558825" cy="369332"/>
+          </a:xfrm>
+          <a:prstGeom prst="rect">
+            <a:avLst/>
+          </a:prstGeom>
+          <a:noFill/>
+        </p:spPr>
+        <p:txBody>
+          <a:bodyPr wrap="none" rtlCol="0">
+            <a:spAutoFit/>
+          </a:bodyPr>
+          <a:lstStyle/>
+          <a:p>
+            <a:r>
+              <a:rPr lang="en-US" altLang="zh-CN" dirty="0" smtClean="0"/>
+              <a:t>CONCATENATE</a:t>
+            </a:r>
+            <a:endParaRPr lang="zh-CN" altLang="en-US" dirty="0"/>
+          </a:p>
+        </p:txBody>
+      </p:sp>
+      <p:cxnSp>
+        <p:nvCxnSpPr>
+          <p:cNvPr id="12" name="肘形连接符 11"/>
+          <p:cNvCxnSpPr>
+            <a:stCxn id="3" idx="3"/>
+            <a:endCxn id="6" idx="1"/>
+          </p:cNvCxnSpPr>
+          <p:nvPr/>
+        </p:nvCxnSpPr>
+        <p:spPr>
+          <a:xfrm flipV="1">
+            <a:off x="1511660" y="388018"/>
+            <a:ext cx="648072" cy="434971"/>
+          </a:xfrm>
+          <a:prstGeom prst="bentConnector3">
+            <a:avLst/>
+          </a:prstGeom>
+          <a:ln w="19050">
+            <a:tailEnd type="arrow"/>
+          </a:ln>
+        </p:spPr>
+        <p:style>
+          <a:lnRef idx="1">
+            <a:schemeClr val="accent1"/>
+          </a:lnRef>
+          <a:fillRef idx="0">
+            <a:schemeClr val="accent1"/>
+          </a:fillRef>
+          <a:effectRef idx="0">
+            <a:schemeClr val="accent1"/>
+          </a:effectRef>
+          <a:fontRef idx="minor">
+            <a:schemeClr val="tx1"/>
+          </a:fontRef>
+        </p:style>
+      </p:cxnSp>
+      <p:cxnSp>
+        <p:nvCxnSpPr>
+          <p:cNvPr id="14" name="肘形连接符 13"/>
+          <p:cNvCxnSpPr>
+            <a:stCxn id="3" idx="3"/>
+            <a:endCxn id="8" idx="1"/>
+          </p:cNvCxnSpPr>
+          <p:nvPr/>
+        </p:nvCxnSpPr>
+        <p:spPr>
+          <a:xfrm>
+            <a:off x="1511660" y="822989"/>
+            <a:ext cx="648072" cy="445771"/>
+          </a:xfrm>
+          <a:prstGeom prst="bentConnector3">
+            <a:avLst/>
+          </a:prstGeom>
+          <a:ln w="19050">
+            <a:tailEnd type="arrow"/>
+          </a:ln>
+        </p:spPr>
+        <p:style>
+          <a:lnRef idx="1">
+            <a:schemeClr val="accent1"/>
+          </a:lnRef>
+          <a:fillRef idx="0">
+            <a:schemeClr val="accent1"/>
+          </a:fillRef>
+          <a:effectRef idx="0">
+            <a:schemeClr val="accent1"/>
+          </a:effectRef>
+          <a:fontRef idx="minor">
+            <a:schemeClr val="tx1"/>
+          </a:fontRef>
+        </p:style>
+      </p:cxnSp>
+      <p:cxnSp>
+        <p:nvCxnSpPr>
+          <p:cNvPr id="16" name="肘形连接符 15"/>
+          <p:cNvCxnSpPr>
+            <a:stCxn id="6" idx="3"/>
+            <a:endCxn id="11" idx="1"/>
+          </p:cNvCxnSpPr>
+          <p:nvPr/>
+        </p:nvCxnSpPr>
+        <p:spPr>
+          <a:xfrm>
+            <a:off x="3671900" y="388018"/>
+            <a:ext cx="792088" cy="434971"/>
+          </a:xfrm>
+          <a:prstGeom prst="bentConnector3">
+            <a:avLst/>
+          </a:prstGeom>
+          <a:ln w="19050">
+            <a:tailEnd type="arrow"/>
+          </a:ln>
+        </p:spPr>
+        <p:style>
+          <a:lnRef idx="1">
+            <a:schemeClr val="accent1"/>
+          </a:lnRef>
+          <a:fillRef idx="0">
+            <a:schemeClr val="accent1"/>
+          </a:fillRef>
+          <a:effectRef idx="0">
+            <a:schemeClr val="accent1"/>
+          </a:effectRef>
+          <a:fontRef idx="minor">
+            <a:schemeClr val="tx1"/>
+          </a:fontRef>
+        </p:style>
+      </p:cxnSp>
+      <p:cxnSp>
+        <p:nvCxnSpPr>
+          <p:cNvPr id="18" name="肘形连接符 17"/>
+          <p:cNvCxnSpPr>
+            <a:stCxn id="8" idx="3"/>
+            <a:endCxn id="10" idx="1"/>
+          </p:cNvCxnSpPr>
+          <p:nvPr/>
+        </p:nvCxnSpPr>
+        <p:spPr>
+          <a:xfrm flipV="1">
+            <a:off x="3671900" y="822989"/>
+            <a:ext cx="792087" cy="445771"/>
+          </a:xfrm>
+          <a:prstGeom prst="bentConnector3">
+            <a:avLst/>
+          </a:prstGeom>
+          <a:ln w="19050">
+            <a:tailEnd type="arrow"/>
+          </a:ln>
+        </p:spPr>
+        <p:style>
+          <a:lnRef idx="1">
+            <a:schemeClr val="accent1"/>
+          </a:lnRef>
+          <a:fillRef idx="0">
+            <a:schemeClr val="accent1"/>
+          </a:fillRef>
+          <a:effectRef idx="0">
+            <a:schemeClr val="accent1"/>
+          </a:effectRef>
+          <a:fontRef idx="minor">
+            <a:schemeClr val="tx1"/>
+          </a:fontRef>
+        </p:style>
+      </p:cxnSp>
+      <p:sp>
+        <p:nvSpPr>
+          <p:cNvPr id="20" name="矩形 19"/>
+          <p:cNvSpPr/>
+          <p:nvPr/>
+        </p:nvSpPr>
+        <p:spPr>
+          <a:xfrm>
+            <a:off x="961202" y="1700808"/>
+            <a:ext cx="2376264" cy="505941"/>
+          </a:xfrm>
+          <a:prstGeom prst="rect">
+            <a:avLst/>
+          </a:prstGeom>
+          <a:noFill/>
+          <a:ln w="19050">
+            <a:solidFill>
+              <a:schemeClr val="tx1"/>
+            </a:solidFill>
+          </a:ln>
+        </p:spPr>
+        <p:style>
+          <a:lnRef idx="2">
+            <a:schemeClr val="accent1">
+              <a:shade val="50000"/>
+            </a:schemeClr>
+          </a:lnRef>
+          <a:fillRef idx="1">
+            <a:schemeClr val="accent1"/>
+          </a:fillRef>
+          <a:effectRef idx="0">
+            <a:schemeClr val="accent1"/>
+          </a:effectRef>
+          <a:fontRef idx="minor">
+            <a:schemeClr val="lt1"/>
+          </a:fontRef>
+        </p:style>
+        <p:txBody>
+          <a:bodyPr rtlCol="0" anchor="ctr"/>
+          <a:lstStyle/>
+          <a:p>
+            <a:pPr algn="ctr"/>
+            <a:endParaRPr lang="zh-CN" altLang="en-US"/>
+          </a:p>
+        </p:txBody>
+      </p:sp>
+      <p:sp>
+        <p:nvSpPr>
+          <p:cNvPr id="21" name="TextBox 20"/>
+          <p:cNvSpPr txBox="1"/>
+          <p:nvPr/>
+        </p:nvSpPr>
+        <p:spPr>
+          <a:xfrm>
+            <a:off x="1754054" y="1769368"/>
+            <a:ext cx="769763" cy="369332"/>
+          </a:xfrm>
+          <a:prstGeom prst="rect">
+            <a:avLst/>
+          </a:prstGeom>
+          <a:noFill/>
+        </p:spPr>
+        <p:txBody>
+          <a:bodyPr wrap="none" rtlCol="0">
+            <a:spAutoFit/>
+          </a:bodyPr>
+          <a:lstStyle/>
+          <a:p>
+            <a:r>
+              <a:rPr lang="en-US" altLang="zh-CN" dirty="0" smtClean="0"/>
+              <a:t>inputs</a:t>
+            </a:r>
+            <a:endParaRPr lang="zh-CN" altLang="en-US" dirty="0"/>
+          </a:p>
+        </p:txBody>
+      </p:sp>
+      <p:sp>
+        <p:nvSpPr>
+          <p:cNvPr id="22" name="矩形 21"/>
+          <p:cNvSpPr/>
+          <p:nvPr/>
+        </p:nvSpPr>
+        <p:spPr>
+          <a:xfrm>
+            <a:off x="961202" y="2624733"/>
+            <a:ext cx="2376264" cy="505941"/>
+          </a:xfrm>
+          <a:prstGeom prst="rect">
+            <a:avLst/>
+          </a:prstGeom>
+          <a:noFill/>
+          <a:ln w="19050">
+            <a:solidFill>
+              <a:schemeClr val="tx1"/>
+            </a:solidFill>
+          </a:ln>
+        </p:spPr>
+        <p:style>
+          <a:lnRef idx="2">
+            <a:schemeClr val="accent1">
+              <a:shade val="50000"/>
+            </a:schemeClr>
+          </a:lnRef>
+          <a:fillRef idx="1">
+            <a:schemeClr val="accent1"/>
+          </a:fillRef>
+          <a:effectRef idx="0">
+            <a:schemeClr val="accent1"/>
+          </a:effectRef>
+          <a:fontRef idx="minor">
+            <a:schemeClr val="lt1"/>
+          </a:fontRef>
+        </p:style>
+        <p:txBody>
+          <a:bodyPr rtlCol="0" anchor="ctr"/>
+          <a:lstStyle/>
+          <a:p>
+            <a:pPr algn="ctr"/>
+            <a:endParaRPr lang="zh-CN" altLang="en-US"/>
+          </a:p>
+        </p:txBody>
+      </p:sp>
+      <p:sp>
+        <p:nvSpPr>
+          <p:cNvPr id="23" name="TextBox 22"/>
+          <p:cNvSpPr txBox="1"/>
+          <p:nvPr/>
+        </p:nvSpPr>
+        <p:spPr>
+          <a:xfrm>
+            <a:off x="1027854" y="3169543"/>
+            <a:ext cx="2356735" cy="369332"/>
+          </a:xfrm>
+          <a:prstGeom prst="rect">
+            <a:avLst/>
+          </a:prstGeom>
+          <a:noFill/>
+        </p:spPr>
+        <p:txBody>
+          <a:bodyPr wrap="none" rtlCol="0">
+            <a:spAutoFit/>
+          </a:bodyPr>
+          <a:lstStyle/>
+          <a:p>
+            <a:r>
+              <a:rPr lang="en-US" altLang="zh-CN" dirty="0" smtClean="0"/>
+              <a:t>Function1 … </a:t>
+            </a:r>
+            <a:r>
+              <a:rPr lang="en-US" altLang="zh-CN" dirty="0" err="1" smtClean="0"/>
+              <a:t>FunctionN</a:t>
+            </a:r>
+            <a:endParaRPr lang="zh-CN" altLang="en-US" dirty="0"/>
+          </a:p>
+        </p:txBody>
+      </p:sp>
+      <p:cxnSp>
+        <p:nvCxnSpPr>
+          <p:cNvPr id="24" name="直接箭头连接符 23"/>
+          <p:cNvCxnSpPr>
+            <a:stCxn id="20" idx="2"/>
+            <a:endCxn id="22" idx="0"/>
+          </p:cNvCxnSpPr>
+          <p:nvPr/>
+        </p:nvCxnSpPr>
+        <p:spPr>
+          <a:xfrm>
+            <a:off x="2149334" y="2206749"/>
+            <a:ext cx="0" cy="417984"/>
+          </a:xfrm>
+          <a:prstGeom prst="straightConnector1">
+            <a:avLst/>
+          </a:prstGeom>
+          <a:ln w="19050">
+            <a:solidFill>
+              <a:schemeClr val="tx1"/>
+            </a:solidFill>
+            <a:tailEnd type="arrow"/>
+          </a:ln>
+        </p:spPr>
+        <p:style>
+          <a:lnRef idx="1">
+            <a:schemeClr val="accent1"/>
+          </a:lnRef>
+          <a:fillRef idx="0">
+            <a:schemeClr val="accent1"/>
+          </a:fillRef>
+          <a:effectRef idx="0">
+            <a:schemeClr val="accent1"/>
+          </a:effectRef>
+          <a:fontRef idx="minor">
+            <a:schemeClr val="tx1"/>
+          </a:fontRef>
+        </p:style>
+      </p:cxnSp>
+      <p:sp>
+        <p:nvSpPr>
+          <p:cNvPr id="25" name="矩形 24"/>
+          <p:cNvSpPr/>
+          <p:nvPr/>
+        </p:nvSpPr>
+        <p:spPr>
+          <a:xfrm>
+            <a:off x="961202" y="3558183"/>
+            <a:ext cx="2376264" cy="505941"/>
+          </a:xfrm>
+          <a:prstGeom prst="rect">
+            <a:avLst/>
+          </a:prstGeom>
+          <a:noFill/>
+          <a:ln w="19050">
+            <a:solidFill>
+              <a:schemeClr val="tx1"/>
+            </a:solidFill>
+          </a:ln>
+        </p:spPr>
+        <p:style>
+          <a:lnRef idx="2">
+            <a:schemeClr val="accent1">
+              <a:shade val="50000"/>
+            </a:schemeClr>
+          </a:lnRef>
+          <a:fillRef idx="1">
+            <a:schemeClr val="accent1"/>
+          </a:fillRef>
+          <a:effectRef idx="0">
+            <a:schemeClr val="accent1"/>
+          </a:effectRef>
+          <a:fontRef idx="minor">
+            <a:schemeClr val="lt1"/>
+          </a:fontRef>
+        </p:style>
+        <p:txBody>
+          <a:bodyPr rtlCol="0" anchor="ctr"/>
+          <a:lstStyle/>
+          <a:p>
+            <a:pPr algn="ctr"/>
+            <a:endParaRPr lang="zh-CN" altLang="en-US"/>
+          </a:p>
+        </p:txBody>
+      </p:sp>
+      <p:sp>
+        <p:nvSpPr>
+          <p:cNvPr id="26" name="TextBox 25"/>
+          <p:cNvSpPr txBox="1"/>
+          <p:nvPr/>
+        </p:nvSpPr>
+        <p:spPr>
+          <a:xfrm>
+            <a:off x="1701914" y="3626743"/>
+            <a:ext cx="915635" cy="369332"/>
+          </a:xfrm>
+          <a:prstGeom prst="rect">
+            <a:avLst/>
+          </a:prstGeom>
+          <a:noFill/>
+        </p:spPr>
+        <p:txBody>
+          <a:bodyPr wrap="none" rtlCol="0">
+            <a:spAutoFit/>
+          </a:bodyPr>
+          <a:lstStyle/>
+          <a:p>
+            <a:r>
+              <a:rPr lang="en-US" altLang="zh-CN" dirty="0" smtClean="0"/>
+              <a:t>outputs</a:t>
+            </a:r>
+            <a:endParaRPr lang="zh-CN" altLang="en-US" dirty="0"/>
+          </a:p>
+        </p:txBody>
+      </p:sp>
+      <p:sp>
+        <p:nvSpPr>
+          <p:cNvPr id="27" name="矩形 26"/>
+          <p:cNvSpPr/>
+          <p:nvPr/>
+        </p:nvSpPr>
+        <p:spPr>
+          <a:xfrm>
+            <a:off x="961202" y="5374037"/>
+            <a:ext cx="2376264" cy="505941"/>
+          </a:xfrm>
+          <a:prstGeom prst="rect">
+            <a:avLst/>
+          </a:prstGeom>
+          <a:noFill/>
+          <a:ln w="19050">
+            <a:solidFill>
+              <a:schemeClr val="tx1"/>
+            </a:solidFill>
+          </a:ln>
+        </p:spPr>
+        <p:style>
+          <a:lnRef idx="2">
+            <a:schemeClr val="accent1">
+              <a:shade val="50000"/>
+            </a:schemeClr>
+          </a:lnRef>
+          <a:fillRef idx="1">
+            <a:schemeClr val="accent1"/>
+          </a:fillRef>
+          <a:effectRef idx="0">
+            <a:schemeClr val="accent1"/>
+          </a:effectRef>
+          <a:fontRef idx="minor">
+            <a:schemeClr val="lt1"/>
+          </a:fontRef>
+        </p:style>
+        <p:txBody>
+          <a:bodyPr rtlCol="0" anchor="ctr"/>
+          <a:lstStyle/>
+          <a:p>
+            <a:pPr algn="ctr"/>
+            <a:endParaRPr lang="zh-CN" altLang="en-US"/>
+          </a:p>
+        </p:txBody>
+      </p:sp>
+      <p:sp>
+        <p:nvSpPr>
+          <p:cNvPr id="28" name="TextBox 27"/>
+          <p:cNvSpPr txBox="1"/>
+          <p:nvPr/>
+        </p:nvSpPr>
+        <p:spPr>
+          <a:xfrm>
+            <a:off x="1311779" y="5442597"/>
+            <a:ext cx="1724831" cy="369332"/>
+          </a:xfrm>
+          <a:prstGeom prst="rect">
+            <a:avLst/>
+          </a:prstGeom>
+          <a:noFill/>
+        </p:spPr>
+        <p:txBody>
+          <a:bodyPr wrap="none" rtlCol="0">
+            <a:spAutoFit/>
+          </a:bodyPr>
+          <a:lstStyle/>
+          <a:p>
+            <a:r>
+              <a:rPr lang="en-US" altLang="zh-CN" dirty="0" err="1"/>
+              <a:t>m</a:t>
+            </a:r>
+            <a:r>
+              <a:rPr lang="en-US" altLang="zh-CN" dirty="0" err="1" smtClean="0"/>
+              <a:t>odel.compile</a:t>
+            </a:r>
+            <a:r>
+              <a:rPr lang="en-US" altLang="zh-CN" dirty="0" smtClean="0"/>
+              <a:t>()</a:t>
+            </a:r>
+            <a:endParaRPr lang="zh-CN" altLang="en-US" dirty="0"/>
+          </a:p>
+        </p:txBody>
+      </p:sp>
+      <p:cxnSp>
+        <p:nvCxnSpPr>
+          <p:cNvPr id="29" name="直接箭头连接符 28"/>
+          <p:cNvCxnSpPr>
+            <a:stCxn id="42" idx="2"/>
+            <a:endCxn id="27" idx="0"/>
+          </p:cNvCxnSpPr>
+          <p:nvPr/>
+        </p:nvCxnSpPr>
+        <p:spPr>
+          <a:xfrm>
+            <a:off x="2149334" y="4946501"/>
+            <a:ext cx="0" cy="427536"/>
+          </a:xfrm>
+          <a:prstGeom prst="straightConnector1">
+            <a:avLst/>
+          </a:prstGeom>
+          <a:ln w="19050">
+            <a:solidFill>
+              <a:schemeClr val="tx1"/>
+            </a:solidFill>
+            <a:tailEnd type="arrow"/>
+          </a:ln>
+        </p:spPr>
+        <p:style>
+          <a:lnRef idx="1">
+            <a:schemeClr val="accent1"/>
+          </a:lnRef>
+          <a:fillRef idx="0">
+            <a:schemeClr val="accent1"/>
+          </a:fillRef>
+          <a:effectRef idx="0">
+            <a:schemeClr val="accent1"/>
+          </a:effectRef>
+          <a:fontRef idx="minor">
+            <a:schemeClr val="tx1"/>
+          </a:fontRef>
+        </p:style>
+      </p:cxnSp>
+      <p:sp>
+        <p:nvSpPr>
+          <p:cNvPr id="31" name="矩形 30"/>
+          <p:cNvSpPr/>
+          <p:nvPr/>
+        </p:nvSpPr>
+        <p:spPr>
+          <a:xfrm>
+            <a:off x="961202" y="6241581"/>
+            <a:ext cx="2376264" cy="505941"/>
+          </a:xfrm>
+          <a:prstGeom prst="rect">
+            <a:avLst/>
+          </a:prstGeom>
+          <a:noFill/>
+          <a:ln w="19050">
+            <a:solidFill>
+              <a:schemeClr val="tx1"/>
+            </a:solidFill>
+          </a:ln>
+        </p:spPr>
+        <p:style>
+          <a:lnRef idx="2">
+            <a:schemeClr val="accent1">
+              <a:shade val="50000"/>
+            </a:schemeClr>
+          </a:lnRef>
+          <a:fillRef idx="1">
+            <a:schemeClr val="accent1"/>
+          </a:fillRef>
+          <a:effectRef idx="0">
+            <a:schemeClr val="accent1"/>
+          </a:effectRef>
+          <a:fontRef idx="minor">
+            <a:schemeClr val="lt1"/>
+          </a:fontRef>
+        </p:style>
+        <p:txBody>
+          <a:bodyPr rtlCol="0" anchor="ctr"/>
+          <a:lstStyle/>
+          <a:p>
+            <a:pPr algn="ctr"/>
+            <a:endParaRPr lang="zh-CN" altLang="en-US"/>
+          </a:p>
+        </p:txBody>
+      </p:sp>
+      <p:sp>
+        <p:nvSpPr>
+          <p:cNvPr id="32" name="TextBox 31"/>
+          <p:cNvSpPr txBox="1"/>
+          <p:nvPr/>
+        </p:nvSpPr>
+        <p:spPr>
+          <a:xfrm>
+            <a:off x="1459178" y="6310141"/>
+            <a:ext cx="1175643" cy="369332"/>
+          </a:xfrm>
+          <a:prstGeom prst="rect">
+            <a:avLst/>
+          </a:prstGeom>
+          <a:noFill/>
+        </p:spPr>
+        <p:txBody>
+          <a:bodyPr wrap="none" rtlCol="0">
+            <a:spAutoFit/>
+          </a:bodyPr>
+          <a:lstStyle/>
+          <a:p>
+            <a:r>
+              <a:rPr lang="en-US" altLang="zh-CN" dirty="0" err="1"/>
+              <a:t>m</a:t>
+            </a:r>
+            <a:r>
+              <a:rPr lang="en-US" altLang="zh-CN" dirty="0" err="1" smtClean="0"/>
+              <a:t>odel.fit</a:t>
+            </a:r>
+            <a:r>
+              <a:rPr lang="en-US" altLang="zh-CN" dirty="0" smtClean="0"/>
+              <a:t>()</a:t>
+            </a:r>
+            <a:endParaRPr lang="zh-CN" altLang="en-US" dirty="0"/>
+          </a:p>
+        </p:txBody>
+      </p:sp>
+      <p:cxnSp>
+        <p:nvCxnSpPr>
+          <p:cNvPr id="33" name="直接箭头连接符 32"/>
+          <p:cNvCxnSpPr>
+            <a:stCxn id="27" idx="2"/>
+            <a:endCxn id="31" idx="0"/>
+          </p:cNvCxnSpPr>
+          <p:nvPr/>
+        </p:nvCxnSpPr>
+        <p:spPr>
+          <a:xfrm>
+            <a:off x="2149334" y="5879978"/>
+            <a:ext cx="0" cy="361603"/>
+          </a:xfrm>
+          <a:prstGeom prst="straightConnector1">
+            <a:avLst/>
+          </a:prstGeom>
+          <a:ln w="19050">
+            <a:solidFill>
+              <a:schemeClr val="tx1"/>
+            </a:solidFill>
+            <a:tailEnd type="arrow"/>
+          </a:ln>
+        </p:spPr>
+        <p:style>
+          <a:lnRef idx="1">
+            <a:schemeClr val="accent1"/>
+          </a:lnRef>
+          <a:fillRef idx="0">
+            <a:schemeClr val="accent1"/>
+          </a:fillRef>
+          <a:effectRef idx="0">
+            <a:schemeClr val="accent1"/>
+          </a:effectRef>
+          <a:fontRef idx="minor">
+            <a:schemeClr val="tx1"/>
+          </a:fontRef>
+        </p:style>
+      </p:cxnSp>
+      <p:sp>
+        <p:nvSpPr>
+          <p:cNvPr id="34" name="TextBox 33"/>
+          <p:cNvSpPr txBox="1"/>
+          <p:nvPr/>
+        </p:nvSpPr>
+        <p:spPr>
+          <a:xfrm>
+            <a:off x="3397768" y="1800146"/>
+            <a:ext cx="1005403" cy="338554"/>
+          </a:xfrm>
+          <a:prstGeom prst="rect">
+            <a:avLst/>
+          </a:prstGeom>
+          <a:noFill/>
+        </p:spPr>
+        <p:txBody>
+          <a:bodyPr wrap="none" rtlCol="0">
+            <a:spAutoFit/>
+          </a:bodyPr>
+          <a:lstStyle/>
+          <a:p>
+            <a:r>
+              <a:rPr lang="zh-CN" altLang="en-US" sz="1600" dirty="0" smtClean="0">
+                <a:latin typeface="微软雅黑" pitchFamily="34" charset="-122"/>
+                <a:ea typeface="微软雅黑" pitchFamily="34" charset="-122"/>
+              </a:rPr>
+              <a:t>创建输入</a:t>
+            </a:r>
+            <a:endParaRPr lang="zh-CN" altLang="en-US" sz="1600" dirty="0">
+              <a:latin typeface="微软雅黑" pitchFamily="34" charset="-122"/>
+              <a:ea typeface="微软雅黑" pitchFamily="34" charset="-122"/>
+            </a:endParaRPr>
+          </a:p>
+        </p:txBody>
+      </p:sp>
+      <p:sp>
+        <p:nvSpPr>
+          <p:cNvPr id="35" name="TextBox 34"/>
+          <p:cNvSpPr txBox="1"/>
+          <p:nvPr/>
+        </p:nvSpPr>
+        <p:spPr>
+          <a:xfrm>
+            <a:off x="3688750" y="3200321"/>
+            <a:ext cx="1620957" cy="338554"/>
+          </a:xfrm>
+          <a:prstGeom prst="rect">
+            <a:avLst/>
+          </a:prstGeom>
+          <a:noFill/>
+        </p:spPr>
+        <p:txBody>
+          <a:bodyPr wrap="none" rtlCol="0">
+            <a:spAutoFit/>
+          </a:bodyPr>
+          <a:lstStyle/>
+          <a:p>
+            <a:r>
+              <a:rPr lang="zh-CN" altLang="en-US" sz="1600" dirty="0" smtClean="0">
+                <a:latin typeface="微软雅黑" pitchFamily="34" charset="-122"/>
+                <a:ea typeface="微软雅黑" pitchFamily="34" charset="-122"/>
+              </a:rPr>
+              <a:t>添加自定义函数</a:t>
+            </a:r>
+            <a:endParaRPr lang="zh-CN" altLang="en-US" sz="1600" dirty="0">
+              <a:latin typeface="微软雅黑" pitchFamily="34" charset="-122"/>
+              <a:ea typeface="微软雅黑" pitchFamily="34" charset="-122"/>
+            </a:endParaRPr>
+          </a:p>
+        </p:txBody>
+      </p:sp>
+      <p:sp>
+        <p:nvSpPr>
+          <p:cNvPr id="36" name="右大括号 35"/>
+          <p:cNvSpPr/>
+          <p:nvPr/>
+        </p:nvSpPr>
+        <p:spPr>
+          <a:xfrm>
+            <a:off x="3481482" y="2877703"/>
+            <a:ext cx="88880" cy="1118372"/>
+          </a:xfrm>
+          <a:prstGeom prst="rightBrace">
+            <a:avLst>
+              <a:gd name="adj1" fmla="val 140505"/>
+              <a:gd name="adj2" fmla="val 50000"/>
+            </a:avLst>
+          </a:prstGeom>
+          <a:ln w="19050">
+            <a:solidFill>
+              <a:schemeClr val="tx1"/>
+            </a:solidFill>
+          </a:ln>
+        </p:spPr>
+        <p:style>
+          <a:lnRef idx="1">
+            <a:schemeClr val="accent1"/>
+          </a:lnRef>
+          <a:fillRef idx="0">
+            <a:schemeClr val="accent1"/>
+          </a:fillRef>
+          <a:effectRef idx="0">
+            <a:schemeClr val="accent1"/>
+          </a:effectRef>
+          <a:fontRef idx="minor">
+            <a:schemeClr val="tx1"/>
+          </a:fontRef>
+        </p:style>
+        <p:txBody>
+          <a:bodyPr rtlCol="0" anchor="ctr"/>
+          <a:lstStyle/>
+          <a:p>
+            <a:pPr algn="ctr"/>
+            <a:endParaRPr lang="zh-CN" altLang="en-US"/>
+          </a:p>
+        </p:txBody>
+      </p:sp>
+      <p:sp>
+        <p:nvSpPr>
+          <p:cNvPr id="37" name="TextBox 36"/>
+          <p:cNvSpPr txBox="1"/>
+          <p:nvPr/>
+        </p:nvSpPr>
+        <p:spPr>
+          <a:xfrm>
+            <a:off x="3481482" y="5442597"/>
+            <a:ext cx="1005403" cy="338554"/>
+          </a:xfrm>
+          <a:prstGeom prst="rect">
+            <a:avLst/>
+          </a:prstGeom>
+          <a:noFill/>
+        </p:spPr>
+        <p:txBody>
+          <a:bodyPr wrap="none" rtlCol="0">
+            <a:spAutoFit/>
+          </a:bodyPr>
+          <a:lstStyle/>
+          <a:p>
+            <a:r>
+              <a:rPr lang="zh-CN" altLang="en-US" sz="1600" dirty="0" smtClean="0">
+                <a:latin typeface="微软雅黑" pitchFamily="34" charset="-122"/>
+                <a:ea typeface="微软雅黑" pitchFamily="34" charset="-122"/>
+              </a:rPr>
+              <a:t>模型编译</a:t>
+            </a:r>
+            <a:endParaRPr lang="zh-CN" altLang="en-US" sz="1600" dirty="0">
+              <a:latin typeface="微软雅黑" pitchFamily="34" charset="-122"/>
+              <a:ea typeface="微软雅黑" pitchFamily="34" charset="-122"/>
+            </a:endParaRPr>
+          </a:p>
+        </p:txBody>
+      </p:sp>
+      <p:sp>
+        <p:nvSpPr>
+          <p:cNvPr id="38" name="TextBox 37"/>
+          <p:cNvSpPr txBox="1"/>
+          <p:nvPr/>
+        </p:nvSpPr>
+        <p:spPr>
+          <a:xfrm>
+            <a:off x="3481482" y="6310141"/>
+            <a:ext cx="1005403" cy="338554"/>
+          </a:xfrm>
+          <a:prstGeom prst="rect">
+            <a:avLst/>
+          </a:prstGeom>
+          <a:noFill/>
+        </p:spPr>
+        <p:txBody>
+          <a:bodyPr wrap="none" rtlCol="0">
+            <a:spAutoFit/>
+          </a:bodyPr>
+          <a:lstStyle/>
+          <a:p>
+            <a:r>
+              <a:rPr lang="zh-CN" altLang="en-US" sz="1600" dirty="0" smtClean="0">
+                <a:latin typeface="微软雅黑" pitchFamily="34" charset="-122"/>
+                <a:ea typeface="微软雅黑" pitchFamily="34" charset="-122"/>
+              </a:rPr>
+              <a:t>训练模型</a:t>
+            </a:r>
+            <a:endParaRPr lang="zh-CN" altLang="en-US" sz="1600" dirty="0">
+              <a:latin typeface="微软雅黑" pitchFamily="34" charset="-122"/>
+              <a:ea typeface="微软雅黑" pitchFamily="34" charset="-122"/>
+            </a:endParaRPr>
+          </a:p>
+        </p:txBody>
+      </p:sp>
+      <p:sp>
+        <p:nvSpPr>
+          <p:cNvPr id="39" name="TextBox 38"/>
+          <p:cNvSpPr txBox="1"/>
+          <p:nvPr/>
+        </p:nvSpPr>
+        <p:spPr>
+          <a:xfrm>
+            <a:off x="1996909" y="2693037"/>
+            <a:ext cx="284052" cy="369332"/>
+          </a:xfrm>
+          <a:prstGeom prst="rect">
+            <a:avLst/>
+          </a:prstGeom>
+          <a:noFill/>
+        </p:spPr>
+        <p:txBody>
+          <a:bodyPr wrap="none" rtlCol="0">
+            <a:spAutoFit/>
+          </a:bodyPr>
+          <a:lstStyle/>
+          <a:p>
+            <a:r>
+              <a:rPr lang="en-US" altLang="zh-CN" dirty="0" smtClean="0"/>
+              <a:t>x</a:t>
+            </a:r>
+            <a:endParaRPr lang="zh-CN" altLang="en-US" dirty="0"/>
+          </a:p>
+        </p:txBody>
+      </p:sp>
+      <p:sp>
+        <p:nvSpPr>
+          <p:cNvPr id="42" name="矩形 41"/>
+          <p:cNvSpPr/>
+          <p:nvPr/>
+        </p:nvSpPr>
+        <p:spPr>
+          <a:xfrm>
+            <a:off x="961202" y="4440560"/>
+            <a:ext cx="2376264" cy="505941"/>
+          </a:xfrm>
+          <a:prstGeom prst="rect">
+            <a:avLst/>
+          </a:prstGeom>
+          <a:noFill/>
+          <a:ln w="19050">
+            <a:solidFill>
+              <a:schemeClr val="tx1"/>
+            </a:solidFill>
+          </a:ln>
+        </p:spPr>
+        <p:style>
+          <a:lnRef idx="2">
+            <a:schemeClr val="accent1">
+              <a:shade val="50000"/>
+            </a:schemeClr>
+          </a:lnRef>
+          <a:fillRef idx="1">
+            <a:schemeClr val="accent1"/>
+          </a:fillRef>
+          <a:effectRef idx="0">
+            <a:schemeClr val="accent1"/>
+          </a:effectRef>
+          <a:fontRef idx="minor">
+            <a:schemeClr val="lt1"/>
+          </a:fontRef>
+        </p:style>
+        <p:txBody>
+          <a:bodyPr rtlCol="0" anchor="ctr"/>
+          <a:lstStyle/>
+          <a:p>
+            <a:pPr algn="ctr"/>
+            <a:endParaRPr lang="zh-CN" altLang="en-US"/>
+          </a:p>
+        </p:txBody>
+      </p:sp>
+      <p:sp>
+        <p:nvSpPr>
+          <p:cNvPr id="43" name="TextBox 42"/>
+          <p:cNvSpPr txBox="1"/>
+          <p:nvPr/>
+        </p:nvSpPr>
+        <p:spPr>
+          <a:xfrm>
+            <a:off x="1043608" y="4509120"/>
+            <a:ext cx="2361544" cy="369332"/>
+          </a:xfrm>
+          <a:prstGeom prst="rect">
+            <a:avLst/>
+          </a:prstGeom>
+          <a:noFill/>
+        </p:spPr>
+        <p:txBody>
+          <a:bodyPr wrap="none" rtlCol="0">
+            <a:spAutoFit/>
+          </a:bodyPr>
+          <a:lstStyle/>
+          <a:p>
+            <a:r>
+              <a:rPr lang="en-US" altLang="zh-CN" dirty="0" smtClean="0"/>
+              <a:t>Model(inputs</a:t>
+            </a:r>
+            <a:r>
+              <a:rPr lang="en-US" altLang="zh-CN" dirty="0"/>
+              <a:t>, </a:t>
+            </a:r>
+            <a:r>
+              <a:rPr lang="en-US" altLang="zh-CN" dirty="0" smtClean="0"/>
+              <a:t>outputs)</a:t>
+            </a:r>
+            <a:endParaRPr lang="zh-CN" altLang="en-US" dirty="0"/>
+          </a:p>
+        </p:txBody>
+      </p:sp>
+      <p:cxnSp>
+        <p:nvCxnSpPr>
+          <p:cNvPr id="44" name="直接箭头连接符 43"/>
+          <p:cNvCxnSpPr>
+            <a:endCxn id="42" idx="0"/>
+          </p:cNvCxnSpPr>
+          <p:nvPr/>
+        </p:nvCxnSpPr>
+        <p:spPr>
+          <a:xfrm>
+            <a:off x="2149334" y="4067572"/>
+            <a:ext cx="0" cy="372988"/>
+          </a:xfrm>
+          <a:prstGeom prst="straightConnector1">
+            <a:avLst/>
+          </a:prstGeom>
+          <a:ln w="19050">
+            <a:solidFill>
+              <a:schemeClr val="tx1"/>
+            </a:solidFill>
+            <a:tailEnd type="arrow"/>
+          </a:ln>
+        </p:spPr>
+        <p:style>
+          <a:lnRef idx="1">
+            <a:schemeClr val="accent1"/>
+          </a:lnRef>
+          <a:fillRef idx="0">
+            <a:schemeClr val="accent1"/>
+          </a:fillRef>
+          <a:effectRef idx="0">
+            <a:schemeClr val="accent1"/>
+          </a:effectRef>
+          <a:fontRef idx="minor">
+            <a:schemeClr val="tx1"/>
+          </a:fontRef>
+        </p:style>
+      </p:cxnSp>
+      <p:sp>
+        <p:nvSpPr>
+          <p:cNvPr id="45" name="TextBox 44"/>
+          <p:cNvSpPr txBox="1"/>
+          <p:nvPr/>
+        </p:nvSpPr>
+        <p:spPr>
+          <a:xfrm>
+            <a:off x="3491880" y="4509120"/>
+            <a:ext cx="1005403" cy="338554"/>
+          </a:xfrm>
+          <a:prstGeom prst="rect">
+            <a:avLst/>
+          </a:prstGeom>
+          <a:noFill/>
+        </p:spPr>
+        <p:txBody>
+          <a:bodyPr wrap="none" rtlCol="0">
+            <a:spAutoFit/>
+          </a:bodyPr>
+          <a:lstStyle/>
+          <a:p>
+            <a:r>
+              <a:rPr lang="zh-CN" altLang="en-US" sz="1600" dirty="0" smtClean="0">
+                <a:latin typeface="微软雅黑" pitchFamily="34" charset="-122"/>
+                <a:ea typeface="微软雅黑" pitchFamily="34" charset="-122"/>
+              </a:rPr>
+              <a:t>模型</a:t>
+            </a:r>
+            <a:r>
+              <a:rPr lang="zh-CN" altLang="en-US" sz="1600" dirty="0">
+                <a:latin typeface="微软雅黑" pitchFamily="34" charset="-122"/>
+                <a:ea typeface="微软雅黑" pitchFamily="34" charset="-122"/>
+              </a:rPr>
+              <a:t>创建</a:t>
+            </a:r>
+          </a:p>
+        </p:txBody>
+      </p:sp>
     </p:spTree>
     <p:extLst>
       <p:ext uri="{BB962C8B-B14F-4D97-AF65-F5344CB8AC3E}">
@@ -29252,10 +31628,1321 @@
           <a:chExt cx="0" cy="0"/>
         </a:xfrm>
       </p:grpSpPr>
+      <p:sp>
+        <p:nvSpPr>
+          <p:cNvPr id="3" name="流程图: 卡片 2"/>
+          <p:cNvSpPr/>
+          <p:nvPr/>
+        </p:nvSpPr>
+        <p:spPr>
+          <a:xfrm flipH="1">
+            <a:off x="1187624" y="478236"/>
+            <a:ext cx="4740168" cy="5759076"/>
+          </a:xfrm>
+          <a:prstGeom prst="flowChartPunchedCard">
+            <a:avLst/>
+          </a:prstGeom>
+          <a:noFill/>
+          <a:ln>
+            <a:solidFill>
+              <a:schemeClr val="tx1">
+                <a:lumMod val="50000"/>
+                <a:lumOff val="50000"/>
+              </a:schemeClr>
+            </a:solidFill>
+          </a:ln>
+        </p:spPr>
+        <p:style>
+          <a:lnRef idx="2">
+            <a:schemeClr val="accent1">
+              <a:shade val="50000"/>
+            </a:schemeClr>
+          </a:lnRef>
+          <a:fillRef idx="1">
+            <a:schemeClr val="accent1"/>
+          </a:fillRef>
+          <a:effectRef idx="0">
+            <a:schemeClr val="accent1"/>
+          </a:effectRef>
+          <a:fontRef idx="minor">
+            <a:schemeClr val="lt1"/>
+          </a:fontRef>
+        </p:style>
+        <p:txBody>
+          <a:bodyPr rtlCol="0" anchor="ctr"/>
+          <a:lstStyle/>
+          <a:p>
+            <a:pPr algn="ctr"/>
+            <a:endParaRPr lang="zh-CN" altLang="en-US"/>
+          </a:p>
+        </p:txBody>
+      </p:sp>
+      <p:sp>
+        <p:nvSpPr>
+          <p:cNvPr id="4" name="圆角矩形 3"/>
+          <p:cNvSpPr/>
+          <p:nvPr/>
+        </p:nvSpPr>
+        <p:spPr>
+          <a:xfrm>
+            <a:off x="1258906" y="1760132"/>
+            <a:ext cx="4553272" cy="1205864"/>
+          </a:xfrm>
+          <a:prstGeom prst="roundRect">
+            <a:avLst>
+              <a:gd name="adj" fmla="val 6854"/>
+            </a:avLst>
+          </a:prstGeom>
+          <a:noFill/>
+          <a:ln>
+            <a:solidFill>
+              <a:schemeClr val="tx1">
+                <a:lumMod val="50000"/>
+                <a:lumOff val="50000"/>
+              </a:schemeClr>
+            </a:solidFill>
+          </a:ln>
+        </p:spPr>
+        <p:style>
+          <a:lnRef idx="2">
+            <a:schemeClr val="accent1">
+              <a:shade val="50000"/>
+            </a:schemeClr>
+          </a:lnRef>
+          <a:fillRef idx="1">
+            <a:schemeClr val="accent1"/>
+          </a:fillRef>
+          <a:effectRef idx="0">
+            <a:schemeClr val="accent1"/>
+          </a:effectRef>
+          <a:fontRef idx="minor">
+            <a:schemeClr val="lt1"/>
+          </a:fontRef>
+        </p:style>
+        <p:txBody>
+          <a:bodyPr rtlCol="0" anchor="ctr"/>
+          <a:lstStyle/>
+          <a:p>
+            <a:pPr algn="ctr"/>
+            <a:endParaRPr lang="zh-CN" altLang="en-US"/>
+          </a:p>
+        </p:txBody>
+      </p:sp>
+      <p:sp>
+        <p:nvSpPr>
+          <p:cNvPr id="6" name="圆角矩形 5"/>
+          <p:cNvSpPr/>
+          <p:nvPr/>
+        </p:nvSpPr>
+        <p:spPr>
+          <a:xfrm>
+            <a:off x="1258906" y="3112186"/>
+            <a:ext cx="4553272" cy="2240545"/>
+          </a:xfrm>
+          <a:prstGeom prst="roundRect">
+            <a:avLst>
+              <a:gd name="adj" fmla="val 6854"/>
+            </a:avLst>
+          </a:prstGeom>
+          <a:noFill/>
+          <a:ln>
+            <a:solidFill>
+              <a:schemeClr val="tx1">
+                <a:lumMod val="50000"/>
+                <a:lumOff val="50000"/>
+              </a:schemeClr>
+            </a:solidFill>
+          </a:ln>
+        </p:spPr>
+        <p:style>
+          <a:lnRef idx="2">
+            <a:schemeClr val="accent1">
+              <a:shade val="50000"/>
+            </a:schemeClr>
+          </a:lnRef>
+          <a:fillRef idx="1">
+            <a:schemeClr val="accent1"/>
+          </a:fillRef>
+          <a:effectRef idx="0">
+            <a:schemeClr val="accent1"/>
+          </a:effectRef>
+          <a:fontRef idx="minor">
+            <a:schemeClr val="lt1"/>
+          </a:fontRef>
+        </p:style>
+        <p:txBody>
+          <a:bodyPr rtlCol="0" anchor="ctr"/>
+          <a:lstStyle/>
+          <a:p>
+            <a:pPr algn="ctr"/>
+            <a:endParaRPr lang="zh-CN" altLang="en-US"/>
+          </a:p>
+        </p:txBody>
+      </p:sp>
+      <p:sp>
+        <p:nvSpPr>
+          <p:cNvPr id="7" name="圆角矩形 6"/>
+          <p:cNvSpPr/>
+          <p:nvPr/>
+        </p:nvSpPr>
+        <p:spPr>
+          <a:xfrm>
+            <a:off x="1258906" y="5497158"/>
+            <a:ext cx="4553272" cy="576337"/>
+          </a:xfrm>
+          <a:prstGeom prst="roundRect">
+            <a:avLst>
+              <a:gd name="adj" fmla="val 6854"/>
+            </a:avLst>
+          </a:prstGeom>
+          <a:noFill/>
+          <a:ln>
+            <a:solidFill>
+              <a:schemeClr val="tx1">
+                <a:lumMod val="50000"/>
+                <a:lumOff val="50000"/>
+              </a:schemeClr>
+            </a:solidFill>
+            <a:prstDash val="dash"/>
+          </a:ln>
+        </p:spPr>
+        <p:style>
+          <a:lnRef idx="2">
+            <a:schemeClr val="accent1">
+              <a:shade val="50000"/>
+            </a:schemeClr>
+          </a:lnRef>
+          <a:fillRef idx="1">
+            <a:schemeClr val="accent1"/>
+          </a:fillRef>
+          <a:effectRef idx="0">
+            <a:schemeClr val="accent1"/>
+          </a:effectRef>
+          <a:fontRef idx="minor">
+            <a:schemeClr val="lt1"/>
+          </a:fontRef>
+        </p:style>
+        <p:txBody>
+          <a:bodyPr rtlCol="0" anchor="ctr"/>
+          <a:lstStyle/>
+          <a:p>
+            <a:pPr algn="ctr"/>
+            <a:endParaRPr lang="zh-CN" altLang="en-US"/>
+          </a:p>
+        </p:txBody>
+      </p:sp>
+      <p:sp>
+        <p:nvSpPr>
+          <p:cNvPr id="5" name="TextBox 4"/>
+          <p:cNvSpPr txBox="1"/>
+          <p:nvPr/>
+        </p:nvSpPr>
+        <p:spPr>
+          <a:xfrm>
+            <a:off x="1258906" y="554580"/>
+            <a:ext cx="1467068" cy="400110"/>
+          </a:xfrm>
+          <a:prstGeom prst="rect">
+            <a:avLst/>
+          </a:prstGeom>
+          <a:noFill/>
+        </p:spPr>
+        <p:txBody>
+          <a:bodyPr wrap="none" rtlCol="0">
+            <a:spAutoFit/>
+          </a:bodyPr>
+          <a:lstStyle/>
+          <a:p>
+            <a:r>
+              <a:rPr lang="zh-CN" altLang="en-US" sz="2000" dirty="0" smtClean="0">
+                <a:latin typeface="微软雅黑" pitchFamily="34" charset="-122"/>
+                <a:ea typeface="微软雅黑" pitchFamily="34" charset="-122"/>
+              </a:rPr>
+              <a:t>模型类定义</a:t>
+            </a:r>
+            <a:endParaRPr lang="zh-CN" altLang="en-US" sz="2000" dirty="0">
+              <a:latin typeface="微软雅黑" pitchFamily="34" charset="-122"/>
+              <a:ea typeface="微软雅黑" pitchFamily="34" charset="-122"/>
+            </a:endParaRPr>
+          </a:p>
+        </p:txBody>
+      </p:sp>
+      <p:sp>
+        <p:nvSpPr>
+          <p:cNvPr id="9" name="TextBox 8"/>
+          <p:cNvSpPr txBox="1"/>
+          <p:nvPr/>
+        </p:nvSpPr>
+        <p:spPr>
+          <a:xfrm>
+            <a:off x="1187624" y="1124744"/>
+            <a:ext cx="4098751" cy="338554"/>
+          </a:xfrm>
+          <a:prstGeom prst="rect">
+            <a:avLst/>
+          </a:prstGeom>
+          <a:noFill/>
+        </p:spPr>
+        <p:txBody>
+          <a:bodyPr wrap="none" rtlCol="0">
+            <a:spAutoFit/>
+          </a:bodyPr>
+          <a:lstStyle/>
+          <a:p>
+            <a:r>
+              <a:rPr lang="zh-CN" altLang="en-US" sz="1600" dirty="0" smtClean="0">
+                <a:latin typeface="微软雅黑" pitchFamily="34" charset="-122"/>
+                <a:ea typeface="微软雅黑" pitchFamily="34" charset="-122"/>
+              </a:rPr>
+              <a:t>（继承 </a:t>
+            </a:r>
+            <a:r>
+              <a:rPr lang="en-US" altLang="zh-CN" sz="1600" dirty="0" err="1" smtClean="0">
+                <a:latin typeface="微软雅黑" pitchFamily="34" charset="-122"/>
+                <a:ea typeface="微软雅黑" pitchFamily="34" charset="-122"/>
+              </a:rPr>
+              <a:t>Tensorflow.Keras.Engine.Model</a:t>
+            </a:r>
+            <a:r>
+              <a:rPr lang="zh-CN" altLang="en-US" sz="1600" dirty="0" smtClean="0">
+                <a:latin typeface="微软雅黑" pitchFamily="34" charset="-122"/>
+                <a:ea typeface="微软雅黑" pitchFamily="34" charset="-122"/>
+              </a:rPr>
+              <a:t>）</a:t>
+            </a:r>
+            <a:endParaRPr lang="zh-CN" altLang="en-US" sz="1600" dirty="0">
+              <a:latin typeface="微软雅黑" pitchFamily="34" charset="-122"/>
+              <a:ea typeface="微软雅黑" pitchFamily="34" charset="-122"/>
+            </a:endParaRPr>
+          </a:p>
+        </p:txBody>
+      </p:sp>
+      <p:sp>
+        <p:nvSpPr>
+          <p:cNvPr id="10" name="TextBox 9"/>
+          <p:cNvSpPr txBox="1"/>
+          <p:nvPr/>
+        </p:nvSpPr>
+        <p:spPr>
+          <a:xfrm>
+            <a:off x="1281597" y="1842905"/>
+            <a:ext cx="3262432" cy="338554"/>
+          </a:xfrm>
+          <a:prstGeom prst="rect">
+            <a:avLst/>
+          </a:prstGeom>
+          <a:noFill/>
+        </p:spPr>
+        <p:txBody>
+          <a:bodyPr wrap="none" rtlCol="0">
+            <a:spAutoFit/>
+          </a:bodyPr>
+          <a:lstStyle/>
+          <a:p>
+            <a:r>
+              <a:rPr lang="zh-CN" altLang="en-US" sz="1600" dirty="0" smtClean="0">
+                <a:latin typeface="微软雅黑" pitchFamily="34" charset="-122"/>
+                <a:ea typeface="微软雅黑" pitchFamily="34" charset="-122"/>
+              </a:rPr>
+              <a:t>构造函数（初始化模型所需的层）</a:t>
+            </a:r>
+            <a:endParaRPr lang="zh-CN" altLang="en-US" sz="1600" dirty="0">
+              <a:latin typeface="微软雅黑" pitchFamily="34" charset="-122"/>
+              <a:ea typeface="微软雅黑" pitchFamily="34" charset="-122"/>
+            </a:endParaRPr>
+          </a:p>
+        </p:txBody>
+      </p:sp>
+      <p:sp>
+        <p:nvSpPr>
+          <p:cNvPr id="8" name="矩形 7"/>
+          <p:cNvSpPr/>
+          <p:nvPr/>
+        </p:nvSpPr>
+        <p:spPr>
+          <a:xfrm>
+            <a:off x="1434672" y="2363064"/>
+            <a:ext cx="1322326" cy="407318"/>
+          </a:xfrm>
+          <a:prstGeom prst="rect">
+            <a:avLst/>
+          </a:prstGeom>
+          <a:solidFill>
+            <a:schemeClr val="bg1">
+              <a:lumMod val="95000"/>
+            </a:schemeClr>
+          </a:solidFill>
+          <a:ln>
+            <a:solidFill>
+              <a:schemeClr val="tx1">
+                <a:lumMod val="50000"/>
+                <a:lumOff val="50000"/>
+              </a:schemeClr>
+            </a:solidFill>
+          </a:ln>
+        </p:spPr>
+        <p:style>
+          <a:lnRef idx="2">
+            <a:schemeClr val="accent1">
+              <a:shade val="50000"/>
+            </a:schemeClr>
+          </a:lnRef>
+          <a:fillRef idx="1">
+            <a:schemeClr val="accent1"/>
+          </a:fillRef>
+          <a:effectRef idx="0">
+            <a:schemeClr val="accent1"/>
+          </a:effectRef>
+          <a:fontRef idx="minor">
+            <a:schemeClr val="lt1"/>
+          </a:fontRef>
+        </p:style>
+        <p:txBody>
+          <a:bodyPr rtlCol="0" anchor="ctr"/>
+          <a:lstStyle/>
+          <a:p>
+            <a:pPr algn="ctr"/>
+            <a:r>
+              <a:rPr lang="zh-CN" altLang="en-US" sz="1600" dirty="0" smtClean="0">
+                <a:solidFill>
+                  <a:schemeClr val="tx1"/>
+                </a:solidFill>
+                <a:latin typeface="微软雅黑" pitchFamily="34" charset="-122"/>
+                <a:ea typeface="微软雅黑" pitchFamily="34" charset="-122"/>
+              </a:rPr>
+              <a:t>层 </a:t>
+            </a:r>
+            <a:r>
+              <a:rPr lang="en-US" altLang="zh-CN" sz="1600" dirty="0" smtClean="0">
+                <a:solidFill>
+                  <a:schemeClr val="tx1"/>
+                </a:solidFill>
+                <a:latin typeface="微软雅黑" pitchFamily="34" charset="-122"/>
+                <a:ea typeface="微软雅黑" pitchFamily="34" charset="-122"/>
+              </a:rPr>
+              <a:t>1</a:t>
+            </a:r>
+            <a:endParaRPr lang="zh-CN" altLang="en-US" sz="1600" dirty="0">
+              <a:solidFill>
+                <a:schemeClr val="tx1"/>
+              </a:solidFill>
+              <a:latin typeface="微软雅黑" pitchFamily="34" charset="-122"/>
+              <a:ea typeface="微软雅黑" pitchFamily="34" charset="-122"/>
+            </a:endParaRPr>
+          </a:p>
+        </p:txBody>
+      </p:sp>
+      <p:sp>
+        <p:nvSpPr>
+          <p:cNvPr id="12" name="矩形 11"/>
+          <p:cNvSpPr/>
+          <p:nvPr/>
+        </p:nvSpPr>
+        <p:spPr>
+          <a:xfrm>
+            <a:off x="2896545" y="2363064"/>
+            <a:ext cx="1322326" cy="407318"/>
+          </a:xfrm>
+          <a:prstGeom prst="rect">
+            <a:avLst/>
+          </a:prstGeom>
+          <a:solidFill>
+            <a:schemeClr val="bg1">
+              <a:lumMod val="95000"/>
+            </a:schemeClr>
+          </a:solidFill>
+          <a:ln>
+            <a:solidFill>
+              <a:schemeClr val="tx1">
+                <a:lumMod val="50000"/>
+                <a:lumOff val="50000"/>
+              </a:schemeClr>
+            </a:solidFill>
+          </a:ln>
+        </p:spPr>
+        <p:style>
+          <a:lnRef idx="2">
+            <a:schemeClr val="accent1">
+              <a:shade val="50000"/>
+            </a:schemeClr>
+          </a:lnRef>
+          <a:fillRef idx="1">
+            <a:schemeClr val="accent1"/>
+          </a:fillRef>
+          <a:effectRef idx="0">
+            <a:schemeClr val="accent1"/>
+          </a:effectRef>
+          <a:fontRef idx="minor">
+            <a:schemeClr val="lt1"/>
+          </a:fontRef>
+        </p:style>
+        <p:txBody>
+          <a:bodyPr rtlCol="0" anchor="ctr"/>
+          <a:lstStyle/>
+          <a:p>
+            <a:pPr algn="ctr"/>
+            <a:r>
+              <a:rPr lang="zh-CN" altLang="en-US" sz="1600" dirty="0" smtClean="0">
+                <a:solidFill>
+                  <a:schemeClr val="tx1"/>
+                </a:solidFill>
+                <a:latin typeface="微软雅黑" pitchFamily="34" charset="-122"/>
+                <a:ea typeface="微软雅黑" pitchFamily="34" charset="-122"/>
+              </a:rPr>
+              <a:t>层 </a:t>
+            </a:r>
+            <a:r>
+              <a:rPr lang="en-US" altLang="zh-CN" sz="1600" dirty="0" smtClean="0">
+                <a:solidFill>
+                  <a:schemeClr val="tx1"/>
+                </a:solidFill>
+                <a:latin typeface="微软雅黑" pitchFamily="34" charset="-122"/>
+                <a:ea typeface="微软雅黑" pitchFamily="34" charset="-122"/>
+              </a:rPr>
+              <a:t>2</a:t>
+            </a:r>
+            <a:endParaRPr lang="zh-CN" altLang="en-US" sz="1600" dirty="0">
+              <a:solidFill>
+                <a:schemeClr val="tx1"/>
+              </a:solidFill>
+              <a:latin typeface="微软雅黑" pitchFamily="34" charset="-122"/>
+              <a:ea typeface="微软雅黑" pitchFamily="34" charset="-122"/>
+            </a:endParaRPr>
+          </a:p>
+        </p:txBody>
+      </p:sp>
+      <p:sp>
+        <p:nvSpPr>
+          <p:cNvPr id="13" name="矩形 12"/>
+          <p:cNvSpPr/>
+          <p:nvPr/>
+        </p:nvSpPr>
+        <p:spPr>
+          <a:xfrm>
+            <a:off x="4355976" y="2363064"/>
+            <a:ext cx="1322326" cy="407318"/>
+          </a:xfrm>
+          <a:prstGeom prst="rect">
+            <a:avLst/>
+          </a:prstGeom>
+          <a:solidFill>
+            <a:schemeClr val="bg1">
+              <a:lumMod val="95000"/>
+            </a:schemeClr>
+          </a:solidFill>
+          <a:ln>
+            <a:solidFill>
+              <a:schemeClr val="tx1">
+                <a:lumMod val="50000"/>
+                <a:lumOff val="50000"/>
+              </a:schemeClr>
+            </a:solidFill>
+          </a:ln>
+        </p:spPr>
+        <p:style>
+          <a:lnRef idx="2">
+            <a:schemeClr val="accent1">
+              <a:shade val="50000"/>
+            </a:schemeClr>
+          </a:lnRef>
+          <a:fillRef idx="1">
+            <a:schemeClr val="accent1"/>
+          </a:fillRef>
+          <a:effectRef idx="0">
+            <a:schemeClr val="accent1"/>
+          </a:effectRef>
+          <a:fontRef idx="minor">
+            <a:schemeClr val="lt1"/>
+          </a:fontRef>
+        </p:style>
+        <p:txBody>
+          <a:bodyPr rtlCol="0" anchor="ctr"/>
+          <a:lstStyle/>
+          <a:p>
+            <a:pPr algn="ctr"/>
+            <a:r>
+              <a:rPr lang="zh-CN" altLang="en-US" sz="1600" dirty="0" smtClean="0">
+                <a:solidFill>
+                  <a:schemeClr val="tx1"/>
+                </a:solidFill>
+                <a:latin typeface="微软雅黑" pitchFamily="34" charset="-122"/>
+                <a:ea typeface="微软雅黑" pitchFamily="34" charset="-122"/>
+              </a:rPr>
+              <a:t>层 </a:t>
+            </a:r>
+            <a:r>
+              <a:rPr lang="en-US" altLang="zh-CN" sz="1600" dirty="0" smtClean="0">
+                <a:solidFill>
+                  <a:schemeClr val="tx1"/>
+                </a:solidFill>
+                <a:latin typeface="微软雅黑" pitchFamily="34" charset="-122"/>
+                <a:ea typeface="微软雅黑" pitchFamily="34" charset="-122"/>
+              </a:rPr>
+              <a:t>3</a:t>
+            </a:r>
+            <a:endParaRPr lang="zh-CN" altLang="en-US" sz="1600" dirty="0">
+              <a:solidFill>
+                <a:schemeClr val="tx1"/>
+              </a:solidFill>
+              <a:latin typeface="微软雅黑" pitchFamily="34" charset="-122"/>
+              <a:ea typeface="微软雅黑" pitchFamily="34" charset="-122"/>
+            </a:endParaRPr>
+          </a:p>
+        </p:txBody>
+      </p:sp>
+      <p:sp>
+        <p:nvSpPr>
+          <p:cNvPr id="14" name="TextBox 13"/>
+          <p:cNvSpPr txBox="1"/>
+          <p:nvPr/>
+        </p:nvSpPr>
+        <p:spPr>
+          <a:xfrm>
+            <a:off x="1281597" y="3219884"/>
+            <a:ext cx="4530581" cy="584775"/>
+          </a:xfrm>
+          <a:prstGeom prst="rect">
+            <a:avLst/>
+          </a:prstGeom>
+          <a:noFill/>
+        </p:spPr>
+        <p:txBody>
+          <a:bodyPr wrap="square" rtlCol="0">
+            <a:spAutoFit/>
+          </a:bodyPr>
+          <a:lstStyle/>
+          <a:p>
+            <a:r>
+              <a:rPr lang="zh-CN" altLang="en-US" sz="1600" dirty="0" smtClean="0">
+                <a:latin typeface="微软雅黑" pitchFamily="34" charset="-122"/>
+                <a:ea typeface="微软雅黑" pitchFamily="34" charset="-122"/>
+              </a:rPr>
+              <a:t>模型调用（重载 </a:t>
+            </a:r>
+            <a:r>
+              <a:rPr lang="en-US" altLang="zh-CN" sz="1600" dirty="0" smtClean="0">
+                <a:latin typeface="微软雅黑" pitchFamily="34" charset="-122"/>
+                <a:ea typeface="微软雅黑" pitchFamily="34" charset="-122"/>
+              </a:rPr>
+              <a:t>call( ) </a:t>
+            </a:r>
+            <a:r>
+              <a:rPr lang="zh-CN" altLang="en-US" sz="1600" dirty="0" smtClean="0">
+                <a:latin typeface="微软雅黑" pitchFamily="34" charset="-122"/>
+                <a:ea typeface="微软雅黑" pitchFamily="34" charset="-122"/>
+              </a:rPr>
+              <a:t>方法，描述输入数据如何通过各种层而得到输出）</a:t>
+            </a:r>
+            <a:endParaRPr lang="zh-CN" altLang="en-US" sz="1600" dirty="0">
+              <a:latin typeface="微软雅黑" pitchFamily="34" charset="-122"/>
+              <a:ea typeface="微软雅黑" pitchFamily="34" charset="-122"/>
+            </a:endParaRPr>
+          </a:p>
+        </p:txBody>
+      </p:sp>
+      <p:sp>
+        <p:nvSpPr>
+          <p:cNvPr id="11" name="圆角矩形 10"/>
+          <p:cNvSpPr/>
+          <p:nvPr/>
+        </p:nvSpPr>
+        <p:spPr>
+          <a:xfrm>
+            <a:off x="1434672" y="4005064"/>
+            <a:ext cx="833072" cy="432048"/>
+          </a:xfrm>
+          <a:prstGeom prst="roundRect">
+            <a:avLst>
+              <a:gd name="adj" fmla="val 50000"/>
+            </a:avLst>
+          </a:prstGeom>
+          <a:solidFill>
+            <a:schemeClr val="accent5">
+              <a:lumMod val="40000"/>
+              <a:lumOff val="60000"/>
+            </a:schemeClr>
+          </a:solidFill>
+        </p:spPr>
+        <p:style>
+          <a:lnRef idx="2">
+            <a:schemeClr val="accent1">
+              <a:shade val="50000"/>
+            </a:schemeClr>
+          </a:lnRef>
+          <a:fillRef idx="1">
+            <a:schemeClr val="accent1"/>
+          </a:fillRef>
+          <a:effectRef idx="0">
+            <a:schemeClr val="accent1"/>
+          </a:effectRef>
+          <a:fontRef idx="minor">
+            <a:schemeClr val="lt1"/>
+          </a:fontRef>
+        </p:style>
+        <p:txBody>
+          <a:bodyPr rtlCol="0" anchor="ctr"/>
+          <a:lstStyle/>
+          <a:p>
+            <a:pPr algn="ctr"/>
+            <a:r>
+              <a:rPr lang="zh-CN" altLang="en-US" sz="1400" dirty="0" smtClean="0">
+                <a:solidFill>
+                  <a:schemeClr val="tx1"/>
+                </a:solidFill>
+                <a:latin typeface="微软雅黑" pitchFamily="34" charset="-122"/>
+                <a:ea typeface="微软雅黑" pitchFamily="34" charset="-122"/>
+              </a:rPr>
+              <a:t>输入 </a:t>
+            </a:r>
+            <a:r>
+              <a:rPr lang="en-US" altLang="zh-CN" sz="1400" dirty="0" smtClean="0">
+                <a:solidFill>
+                  <a:schemeClr val="tx1"/>
+                </a:solidFill>
+                <a:latin typeface="微软雅黑" pitchFamily="34" charset="-122"/>
+                <a:ea typeface="微软雅黑" pitchFamily="34" charset="-122"/>
+              </a:rPr>
+              <a:t>1</a:t>
+            </a:r>
+            <a:endParaRPr lang="zh-CN" altLang="en-US" sz="1400" dirty="0">
+              <a:solidFill>
+                <a:schemeClr val="tx1"/>
+              </a:solidFill>
+              <a:latin typeface="微软雅黑" pitchFamily="34" charset="-122"/>
+              <a:ea typeface="微软雅黑" pitchFamily="34" charset="-122"/>
+            </a:endParaRPr>
+          </a:p>
+        </p:txBody>
+      </p:sp>
+      <p:sp>
+        <p:nvSpPr>
+          <p:cNvPr id="17" name="圆角矩形 16"/>
+          <p:cNvSpPr/>
+          <p:nvPr/>
+        </p:nvSpPr>
+        <p:spPr>
+          <a:xfrm>
+            <a:off x="2686980" y="4005064"/>
+            <a:ext cx="833072" cy="432048"/>
+          </a:xfrm>
+          <a:prstGeom prst="roundRect">
+            <a:avLst>
+              <a:gd name="adj" fmla="val 0"/>
+            </a:avLst>
+          </a:prstGeom>
+          <a:solidFill>
+            <a:schemeClr val="bg1">
+              <a:lumMod val="85000"/>
+            </a:schemeClr>
+          </a:solidFill>
+          <a:ln>
+            <a:solidFill>
+              <a:schemeClr val="tx1">
+                <a:lumMod val="50000"/>
+                <a:lumOff val="50000"/>
+              </a:schemeClr>
+            </a:solidFill>
+          </a:ln>
+        </p:spPr>
+        <p:style>
+          <a:lnRef idx="2">
+            <a:schemeClr val="accent1">
+              <a:shade val="50000"/>
+            </a:schemeClr>
+          </a:lnRef>
+          <a:fillRef idx="1">
+            <a:schemeClr val="accent1"/>
+          </a:fillRef>
+          <a:effectRef idx="0">
+            <a:schemeClr val="accent1"/>
+          </a:effectRef>
+          <a:fontRef idx="minor">
+            <a:schemeClr val="lt1"/>
+          </a:fontRef>
+        </p:style>
+        <p:txBody>
+          <a:bodyPr rtlCol="0" anchor="ctr"/>
+          <a:lstStyle/>
+          <a:p>
+            <a:pPr algn="ctr"/>
+            <a:r>
+              <a:rPr lang="zh-CN" altLang="en-US" sz="1400" dirty="0" smtClean="0">
+                <a:solidFill>
+                  <a:schemeClr val="tx1"/>
+                </a:solidFill>
+                <a:latin typeface="微软雅黑" pitchFamily="34" charset="-122"/>
+                <a:ea typeface="微软雅黑" pitchFamily="34" charset="-122"/>
+              </a:rPr>
+              <a:t>层 </a:t>
+            </a:r>
+            <a:r>
+              <a:rPr lang="en-US" altLang="zh-CN" sz="1400" dirty="0" smtClean="0">
+                <a:solidFill>
+                  <a:schemeClr val="tx1"/>
+                </a:solidFill>
+                <a:latin typeface="微软雅黑" pitchFamily="34" charset="-122"/>
+                <a:ea typeface="微软雅黑" pitchFamily="34" charset="-122"/>
+              </a:rPr>
+              <a:t>1</a:t>
+            </a:r>
+            <a:endParaRPr lang="zh-CN" altLang="en-US" sz="1400" dirty="0">
+              <a:solidFill>
+                <a:schemeClr val="tx1"/>
+              </a:solidFill>
+              <a:latin typeface="微软雅黑" pitchFamily="34" charset="-122"/>
+              <a:ea typeface="微软雅黑" pitchFamily="34" charset="-122"/>
+            </a:endParaRPr>
+          </a:p>
+        </p:txBody>
+      </p:sp>
+      <p:cxnSp>
+        <p:nvCxnSpPr>
+          <p:cNvPr id="18" name="直接箭头连接符 17"/>
+          <p:cNvCxnSpPr>
+            <a:stCxn id="11" idx="3"/>
+            <a:endCxn id="17" idx="1"/>
+          </p:cNvCxnSpPr>
+          <p:nvPr/>
+        </p:nvCxnSpPr>
+        <p:spPr>
+          <a:xfrm>
+            <a:off x="2267744" y="4221088"/>
+            <a:ext cx="419236" cy="0"/>
+          </a:xfrm>
+          <a:prstGeom prst="straightConnector1">
+            <a:avLst/>
+          </a:prstGeom>
+          <a:ln w="19050">
+            <a:solidFill>
+              <a:schemeClr val="tx1">
+                <a:lumMod val="50000"/>
+                <a:lumOff val="50000"/>
+              </a:schemeClr>
+            </a:solidFill>
+            <a:tailEnd type="arrow"/>
+          </a:ln>
+        </p:spPr>
+        <p:style>
+          <a:lnRef idx="1">
+            <a:schemeClr val="accent1"/>
+          </a:lnRef>
+          <a:fillRef idx="0">
+            <a:schemeClr val="accent1"/>
+          </a:fillRef>
+          <a:effectRef idx="0">
+            <a:schemeClr val="accent1"/>
+          </a:effectRef>
+          <a:fontRef idx="minor">
+            <a:schemeClr val="tx1"/>
+          </a:fontRef>
+        </p:style>
+      </p:cxnSp>
+      <p:sp>
+        <p:nvSpPr>
+          <p:cNvPr id="21" name="圆角矩形 20"/>
+          <p:cNvSpPr/>
+          <p:nvPr/>
+        </p:nvSpPr>
+        <p:spPr>
+          <a:xfrm>
+            <a:off x="3939440" y="4005064"/>
+            <a:ext cx="604589" cy="1152128"/>
+          </a:xfrm>
+          <a:prstGeom prst="roundRect">
+            <a:avLst>
+              <a:gd name="adj" fmla="val 0"/>
+            </a:avLst>
+          </a:prstGeom>
+          <a:solidFill>
+            <a:schemeClr val="bg1">
+              <a:lumMod val="85000"/>
+            </a:schemeClr>
+          </a:solidFill>
+          <a:ln>
+            <a:solidFill>
+              <a:schemeClr val="tx1">
+                <a:lumMod val="50000"/>
+                <a:lumOff val="50000"/>
+              </a:schemeClr>
+            </a:solidFill>
+          </a:ln>
+        </p:spPr>
+        <p:style>
+          <a:lnRef idx="2">
+            <a:schemeClr val="accent1">
+              <a:shade val="50000"/>
+            </a:schemeClr>
+          </a:lnRef>
+          <a:fillRef idx="1">
+            <a:schemeClr val="accent1"/>
+          </a:fillRef>
+          <a:effectRef idx="0">
+            <a:schemeClr val="accent1"/>
+          </a:effectRef>
+          <a:fontRef idx="minor">
+            <a:schemeClr val="lt1"/>
+          </a:fontRef>
+        </p:style>
+        <p:txBody>
+          <a:bodyPr rtlCol="0" anchor="ctr"/>
+          <a:lstStyle/>
+          <a:p>
+            <a:pPr algn="ctr"/>
+            <a:r>
+              <a:rPr lang="zh-CN" altLang="en-US" sz="1400" dirty="0" smtClean="0">
+                <a:solidFill>
+                  <a:schemeClr val="tx1"/>
+                </a:solidFill>
+                <a:latin typeface="微软雅黑" pitchFamily="34" charset="-122"/>
+                <a:ea typeface="微软雅黑" pitchFamily="34" charset="-122"/>
+              </a:rPr>
+              <a:t>层 </a:t>
+            </a:r>
+            <a:r>
+              <a:rPr lang="en-US" altLang="zh-CN" sz="1400" dirty="0" smtClean="0">
+                <a:solidFill>
+                  <a:schemeClr val="tx1"/>
+                </a:solidFill>
+                <a:latin typeface="微软雅黑" pitchFamily="34" charset="-122"/>
+                <a:ea typeface="微软雅黑" pitchFamily="34" charset="-122"/>
+              </a:rPr>
+              <a:t>3</a:t>
+            </a:r>
+            <a:endParaRPr lang="zh-CN" altLang="en-US" sz="1400" dirty="0">
+              <a:solidFill>
+                <a:schemeClr val="tx1"/>
+              </a:solidFill>
+              <a:latin typeface="微软雅黑" pitchFamily="34" charset="-122"/>
+              <a:ea typeface="微软雅黑" pitchFamily="34" charset="-122"/>
+            </a:endParaRPr>
+          </a:p>
+        </p:txBody>
+      </p:sp>
+      <p:cxnSp>
+        <p:nvCxnSpPr>
+          <p:cNvPr id="22" name="直接箭头连接符 21"/>
+          <p:cNvCxnSpPr/>
+          <p:nvPr/>
+        </p:nvCxnSpPr>
+        <p:spPr>
+          <a:xfrm>
+            <a:off x="3520052" y="4221088"/>
+            <a:ext cx="419236" cy="0"/>
+          </a:xfrm>
+          <a:prstGeom prst="straightConnector1">
+            <a:avLst/>
+          </a:prstGeom>
+          <a:ln w="19050">
+            <a:solidFill>
+              <a:schemeClr val="tx1">
+                <a:lumMod val="50000"/>
+                <a:lumOff val="50000"/>
+              </a:schemeClr>
+            </a:solidFill>
+            <a:tailEnd type="arrow"/>
+          </a:ln>
+        </p:spPr>
+        <p:style>
+          <a:lnRef idx="1">
+            <a:schemeClr val="accent1"/>
+          </a:lnRef>
+          <a:fillRef idx="0">
+            <a:schemeClr val="accent1"/>
+          </a:fillRef>
+          <a:effectRef idx="0">
+            <a:schemeClr val="accent1"/>
+          </a:effectRef>
+          <a:fontRef idx="minor">
+            <a:schemeClr val="tx1"/>
+          </a:fontRef>
+        </p:style>
+      </p:cxnSp>
+      <p:sp>
+        <p:nvSpPr>
+          <p:cNvPr id="23" name="圆角矩形 22"/>
+          <p:cNvSpPr/>
+          <p:nvPr/>
+        </p:nvSpPr>
+        <p:spPr>
+          <a:xfrm>
+            <a:off x="1434672" y="4719348"/>
+            <a:ext cx="833072" cy="432048"/>
+          </a:xfrm>
+          <a:prstGeom prst="roundRect">
+            <a:avLst>
+              <a:gd name="adj" fmla="val 50000"/>
+            </a:avLst>
+          </a:prstGeom>
+          <a:solidFill>
+            <a:schemeClr val="accent5">
+              <a:lumMod val="40000"/>
+              <a:lumOff val="60000"/>
+            </a:schemeClr>
+          </a:solidFill>
+        </p:spPr>
+        <p:style>
+          <a:lnRef idx="2">
+            <a:schemeClr val="accent1">
+              <a:shade val="50000"/>
+            </a:schemeClr>
+          </a:lnRef>
+          <a:fillRef idx="1">
+            <a:schemeClr val="accent1"/>
+          </a:fillRef>
+          <a:effectRef idx="0">
+            <a:schemeClr val="accent1"/>
+          </a:effectRef>
+          <a:fontRef idx="minor">
+            <a:schemeClr val="lt1"/>
+          </a:fontRef>
+        </p:style>
+        <p:txBody>
+          <a:bodyPr rtlCol="0" anchor="ctr"/>
+          <a:lstStyle/>
+          <a:p>
+            <a:pPr algn="ctr"/>
+            <a:r>
+              <a:rPr lang="zh-CN" altLang="en-US" sz="1400" dirty="0" smtClean="0">
+                <a:solidFill>
+                  <a:schemeClr val="tx1"/>
+                </a:solidFill>
+                <a:latin typeface="微软雅黑" pitchFamily="34" charset="-122"/>
+                <a:ea typeface="微软雅黑" pitchFamily="34" charset="-122"/>
+              </a:rPr>
+              <a:t>输入 </a:t>
+            </a:r>
+            <a:r>
+              <a:rPr lang="en-US" altLang="zh-CN" sz="1400" dirty="0" smtClean="0">
+                <a:solidFill>
+                  <a:schemeClr val="tx1"/>
+                </a:solidFill>
+                <a:latin typeface="微软雅黑" pitchFamily="34" charset="-122"/>
+                <a:ea typeface="微软雅黑" pitchFamily="34" charset="-122"/>
+              </a:rPr>
+              <a:t>2</a:t>
+            </a:r>
+            <a:endParaRPr lang="zh-CN" altLang="en-US" sz="1400" dirty="0">
+              <a:solidFill>
+                <a:schemeClr val="tx1"/>
+              </a:solidFill>
+              <a:latin typeface="微软雅黑" pitchFamily="34" charset="-122"/>
+              <a:ea typeface="微软雅黑" pitchFamily="34" charset="-122"/>
+            </a:endParaRPr>
+          </a:p>
+        </p:txBody>
+      </p:sp>
+      <p:sp>
+        <p:nvSpPr>
+          <p:cNvPr id="24" name="圆角矩形 23"/>
+          <p:cNvSpPr/>
+          <p:nvPr/>
+        </p:nvSpPr>
+        <p:spPr>
+          <a:xfrm>
+            <a:off x="2686980" y="4719348"/>
+            <a:ext cx="833072" cy="432048"/>
+          </a:xfrm>
+          <a:prstGeom prst="roundRect">
+            <a:avLst>
+              <a:gd name="adj" fmla="val 0"/>
+            </a:avLst>
+          </a:prstGeom>
+          <a:solidFill>
+            <a:schemeClr val="bg1">
+              <a:lumMod val="85000"/>
+            </a:schemeClr>
+          </a:solidFill>
+          <a:ln>
+            <a:solidFill>
+              <a:schemeClr val="tx1">
+                <a:lumMod val="50000"/>
+                <a:lumOff val="50000"/>
+              </a:schemeClr>
+            </a:solidFill>
+          </a:ln>
+        </p:spPr>
+        <p:style>
+          <a:lnRef idx="2">
+            <a:schemeClr val="accent1">
+              <a:shade val="50000"/>
+            </a:schemeClr>
+          </a:lnRef>
+          <a:fillRef idx="1">
+            <a:schemeClr val="accent1"/>
+          </a:fillRef>
+          <a:effectRef idx="0">
+            <a:schemeClr val="accent1"/>
+          </a:effectRef>
+          <a:fontRef idx="minor">
+            <a:schemeClr val="lt1"/>
+          </a:fontRef>
+        </p:style>
+        <p:txBody>
+          <a:bodyPr rtlCol="0" anchor="ctr"/>
+          <a:lstStyle/>
+          <a:p>
+            <a:pPr algn="ctr"/>
+            <a:r>
+              <a:rPr lang="zh-CN" altLang="en-US" sz="1400" dirty="0" smtClean="0">
+                <a:solidFill>
+                  <a:schemeClr val="tx1"/>
+                </a:solidFill>
+                <a:latin typeface="微软雅黑" pitchFamily="34" charset="-122"/>
+                <a:ea typeface="微软雅黑" pitchFamily="34" charset="-122"/>
+              </a:rPr>
+              <a:t>层 </a:t>
+            </a:r>
+            <a:r>
+              <a:rPr lang="en-US" altLang="zh-CN" sz="1400" dirty="0" smtClean="0">
+                <a:solidFill>
+                  <a:schemeClr val="tx1"/>
+                </a:solidFill>
+                <a:latin typeface="微软雅黑" pitchFamily="34" charset="-122"/>
+                <a:ea typeface="微软雅黑" pitchFamily="34" charset="-122"/>
+              </a:rPr>
+              <a:t>2</a:t>
+            </a:r>
+            <a:endParaRPr lang="zh-CN" altLang="en-US" sz="1400" dirty="0">
+              <a:solidFill>
+                <a:schemeClr val="tx1"/>
+              </a:solidFill>
+              <a:latin typeface="微软雅黑" pitchFamily="34" charset="-122"/>
+              <a:ea typeface="微软雅黑" pitchFamily="34" charset="-122"/>
+            </a:endParaRPr>
+          </a:p>
+        </p:txBody>
+      </p:sp>
+      <p:cxnSp>
+        <p:nvCxnSpPr>
+          <p:cNvPr id="25" name="直接箭头连接符 24"/>
+          <p:cNvCxnSpPr>
+            <a:stCxn id="23" idx="3"/>
+            <a:endCxn id="24" idx="1"/>
+          </p:cNvCxnSpPr>
+          <p:nvPr/>
+        </p:nvCxnSpPr>
+        <p:spPr>
+          <a:xfrm>
+            <a:off x="2267744" y="4935372"/>
+            <a:ext cx="419236" cy="0"/>
+          </a:xfrm>
+          <a:prstGeom prst="straightConnector1">
+            <a:avLst/>
+          </a:prstGeom>
+          <a:ln w="19050">
+            <a:solidFill>
+              <a:schemeClr val="tx1">
+                <a:lumMod val="50000"/>
+                <a:lumOff val="50000"/>
+              </a:schemeClr>
+            </a:solidFill>
+            <a:tailEnd type="arrow"/>
+          </a:ln>
+        </p:spPr>
+        <p:style>
+          <a:lnRef idx="1">
+            <a:schemeClr val="accent1"/>
+          </a:lnRef>
+          <a:fillRef idx="0">
+            <a:schemeClr val="accent1"/>
+          </a:fillRef>
+          <a:effectRef idx="0">
+            <a:schemeClr val="accent1"/>
+          </a:effectRef>
+          <a:fontRef idx="minor">
+            <a:schemeClr val="tx1"/>
+          </a:fontRef>
+        </p:style>
+      </p:cxnSp>
+      <p:cxnSp>
+        <p:nvCxnSpPr>
+          <p:cNvPr id="26" name="直接箭头连接符 25"/>
+          <p:cNvCxnSpPr/>
+          <p:nvPr/>
+        </p:nvCxnSpPr>
+        <p:spPr>
+          <a:xfrm>
+            <a:off x="3520052" y="4935372"/>
+            <a:ext cx="419236" cy="0"/>
+          </a:xfrm>
+          <a:prstGeom prst="straightConnector1">
+            <a:avLst/>
+          </a:prstGeom>
+          <a:ln w="19050">
+            <a:solidFill>
+              <a:schemeClr val="tx1">
+                <a:lumMod val="50000"/>
+                <a:lumOff val="50000"/>
+              </a:schemeClr>
+            </a:solidFill>
+            <a:tailEnd type="arrow"/>
+          </a:ln>
+        </p:spPr>
+        <p:style>
+          <a:lnRef idx="1">
+            <a:schemeClr val="accent1"/>
+          </a:lnRef>
+          <a:fillRef idx="0">
+            <a:schemeClr val="accent1"/>
+          </a:fillRef>
+          <a:effectRef idx="0">
+            <a:schemeClr val="accent1"/>
+          </a:effectRef>
+          <a:fontRef idx="minor">
+            <a:schemeClr val="tx1"/>
+          </a:fontRef>
+        </p:style>
+      </p:cxnSp>
+      <p:sp>
+        <p:nvSpPr>
+          <p:cNvPr id="28" name="圆角矩形 27"/>
+          <p:cNvSpPr/>
+          <p:nvPr/>
+        </p:nvSpPr>
+        <p:spPr>
+          <a:xfrm>
+            <a:off x="4952591" y="4365104"/>
+            <a:ext cx="795039" cy="432048"/>
+          </a:xfrm>
+          <a:prstGeom prst="roundRect">
+            <a:avLst>
+              <a:gd name="adj" fmla="val 50000"/>
+            </a:avLst>
+          </a:prstGeom>
+          <a:solidFill>
+            <a:schemeClr val="accent2">
+              <a:lumMod val="40000"/>
+              <a:lumOff val="60000"/>
+            </a:schemeClr>
+          </a:solidFill>
+          <a:ln>
+            <a:solidFill>
+              <a:schemeClr val="accent2">
+                <a:lumMod val="75000"/>
+              </a:schemeClr>
+            </a:solidFill>
+          </a:ln>
+        </p:spPr>
+        <p:style>
+          <a:lnRef idx="2">
+            <a:schemeClr val="accent1">
+              <a:shade val="50000"/>
+            </a:schemeClr>
+          </a:lnRef>
+          <a:fillRef idx="1">
+            <a:schemeClr val="accent1"/>
+          </a:fillRef>
+          <a:effectRef idx="0">
+            <a:schemeClr val="accent1"/>
+          </a:effectRef>
+          <a:fontRef idx="minor">
+            <a:schemeClr val="lt1"/>
+          </a:fontRef>
+        </p:style>
+        <p:txBody>
+          <a:bodyPr rtlCol="0" anchor="ctr"/>
+          <a:lstStyle/>
+          <a:p>
+            <a:pPr algn="ctr"/>
+            <a:r>
+              <a:rPr lang="zh-CN" altLang="en-US" sz="1400" dirty="0" smtClean="0">
+                <a:solidFill>
+                  <a:schemeClr val="tx1"/>
+                </a:solidFill>
+                <a:latin typeface="微软雅黑" pitchFamily="34" charset="-122"/>
+                <a:ea typeface="微软雅黑" pitchFamily="34" charset="-122"/>
+              </a:rPr>
+              <a:t>输出</a:t>
+            </a:r>
+            <a:endParaRPr lang="zh-CN" altLang="en-US" sz="1400" dirty="0">
+              <a:solidFill>
+                <a:schemeClr val="tx1"/>
+              </a:solidFill>
+              <a:latin typeface="微软雅黑" pitchFamily="34" charset="-122"/>
+              <a:ea typeface="微软雅黑" pitchFamily="34" charset="-122"/>
+            </a:endParaRPr>
+          </a:p>
+        </p:txBody>
+      </p:sp>
+      <p:cxnSp>
+        <p:nvCxnSpPr>
+          <p:cNvPr id="29" name="直接箭头连接符 28"/>
+          <p:cNvCxnSpPr/>
+          <p:nvPr/>
+        </p:nvCxnSpPr>
+        <p:spPr>
+          <a:xfrm>
+            <a:off x="4533355" y="4585218"/>
+            <a:ext cx="419236" cy="0"/>
+          </a:xfrm>
+          <a:prstGeom prst="straightConnector1">
+            <a:avLst/>
+          </a:prstGeom>
+          <a:ln w="19050">
+            <a:solidFill>
+              <a:schemeClr val="tx1">
+                <a:lumMod val="50000"/>
+                <a:lumOff val="50000"/>
+              </a:schemeClr>
+            </a:solidFill>
+            <a:tailEnd type="arrow"/>
+          </a:ln>
+        </p:spPr>
+        <p:style>
+          <a:lnRef idx="1">
+            <a:schemeClr val="accent1"/>
+          </a:lnRef>
+          <a:fillRef idx="0">
+            <a:schemeClr val="accent1"/>
+          </a:fillRef>
+          <a:effectRef idx="0">
+            <a:schemeClr val="accent1"/>
+          </a:effectRef>
+          <a:fontRef idx="minor">
+            <a:schemeClr val="tx1"/>
+          </a:fontRef>
+        </p:style>
+      </p:cxnSp>
+      <p:sp>
+        <p:nvSpPr>
+          <p:cNvPr id="30" name="TextBox 29"/>
+          <p:cNvSpPr txBox="1"/>
+          <p:nvPr/>
+        </p:nvSpPr>
+        <p:spPr>
+          <a:xfrm>
+            <a:off x="1281597" y="5616049"/>
+            <a:ext cx="4530581" cy="338554"/>
+          </a:xfrm>
+          <a:prstGeom prst="rect">
+            <a:avLst/>
+          </a:prstGeom>
+          <a:noFill/>
+        </p:spPr>
+        <p:txBody>
+          <a:bodyPr wrap="square" rtlCol="0">
+            <a:spAutoFit/>
+          </a:bodyPr>
+          <a:lstStyle/>
+          <a:p>
+            <a:r>
+              <a:rPr lang="zh-CN" altLang="en-US" sz="1600" dirty="0" smtClean="0">
+                <a:latin typeface="微软雅黑" pitchFamily="34" charset="-122"/>
+                <a:ea typeface="微软雅黑" pitchFamily="34" charset="-122"/>
+              </a:rPr>
+              <a:t>其它 自定义方法</a:t>
+            </a:r>
+            <a:endParaRPr lang="zh-CN" altLang="en-US" sz="1600" dirty="0">
+              <a:latin typeface="微软雅黑" pitchFamily="34" charset="-122"/>
+              <a:ea typeface="微软雅黑" pitchFamily="34" charset="-122"/>
+            </a:endParaRPr>
+          </a:p>
+        </p:txBody>
+      </p:sp>
     </p:spTree>
     <p:extLst>
       <p:ext uri="{BB962C8B-B14F-4D97-AF65-F5344CB8AC3E}">
-        <p14:creationId xmlns:p14="http://schemas.microsoft.com/office/powerpoint/2010/main" val="3049390712"/>
+        <p14:creationId xmlns:p14="http://schemas.microsoft.com/office/powerpoint/2010/main" val="4203247984"/>
       </p:ext>
     </p:extLst>
   </p:cSld>
@@ -29292,7 +32979,7 @@
     </p:spTree>
     <p:extLst>
       <p:ext uri="{BB962C8B-B14F-4D97-AF65-F5344CB8AC3E}">
-        <p14:creationId xmlns:p14="http://schemas.microsoft.com/office/powerpoint/2010/main" val="4203247984"/>
+        <p14:creationId xmlns:p14="http://schemas.microsoft.com/office/powerpoint/2010/main" val="1681179195"/>
       </p:ext>
     </p:extLst>
   </p:cSld>
@@ -29329,7 +33016,7 @@
     </p:spTree>
     <p:extLst>
       <p:ext uri="{BB962C8B-B14F-4D97-AF65-F5344CB8AC3E}">
-        <p14:creationId xmlns:p14="http://schemas.microsoft.com/office/powerpoint/2010/main" val="1681179195"/>
+        <p14:creationId xmlns:p14="http://schemas.microsoft.com/office/powerpoint/2010/main" val="3621758866"/>
       </p:ext>
     </p:extLst>
   </p:cSld>
@@ -33164,7 +36851,7 @@
     </p:spTree>
     <p:extLst>
       <p:ext uri="{BB962C8B-B14F-4D97-AF65-F5344CB8AC3E}">
-        <p14:creationId xmlns:p14="http://schemas.microsoft.com/office/powerpoint/2010/main" val="3621758866"/>
+        <p14:creationId xmlns:p14="http://schemas.microsoft.com/office/powerpoint/2010/main" val="3099357844"/>
       </p:ext>
     </p:extLst>
   </p:cSld>
@@ -33201,7 +36888,7 @@
     </p:spTree>
     <p:extLst>
       <p:ext uri="{BB962C8B-B14F-4D97-AF65-F5344CB8AC3E}">
-        <p14:creationId xmlns:p14="http://schemas.microsoft.com/office/powerpoint/2010/main" val="3099357844"/>
+        <p14:creationId xmlns:p14="http://schemas.microsoft.com/office/powerpoint/2010/main" val="523606335"/>
       </p:ext>
     </p:extLst>
   </p:cSld>
@@ -33238,7 +36925,7 @@
     </p:spTree>
     <p:extLst>
       <p:ext uri="{BB962C8B-B14F-4D97-AF65-F5344CB8AC3E}">
-        <p14:creationId xmlns:p14="http://schemas.microsoft.com/office/powerpoint/2010/main" val="523606335"/>
+        <p14:creationId xmlns:p14="http://schemas.microsoft.com/office/powerpoint/2010/main" val="3863305938"/>
       </p:ext>
     </p:extLst>
   </p:cSld>
@@ -33275,7 +36962,7 @@
     </p:spTree>
     <p:extLst>
       <p:ext uri="{BB962C8B-B14F-4D97-AF65-F5344CB8AC3E}">
-        <p14:creationId xmlns:p14="http://schemas.microsoft.com/office/powerpoint/2010/main" val="3863305938"/>
+        <p14:creationId xmlns:p14="http://schemas.microsoft.com/office/powerpoint/2010/main" val="1962381782"/>
       </p:ext>
     </p:extLst>
   </p:cSld>
@@ -33312,7 +36999,7 @@
     </p:spTree>
     <p:extLst>
       <p:ext uri="{BB962C8B-B14F-4D97-AF65-F5344CB8AC3E}">
-        <p14:creationId xmlns:p14="http://schemas.microsoft.com/office/powerpoint/2010/main" val="1962381782"/>
+        <p14:creationId xmlns:p14="http://schemas.microsoft.com/office/powerpoint/2010/main" val="3113446310"/>
       </p:ext>
     </p:extLst>
   </p:cSld>
@@ -33349,7 +37036,7 @@
     </p:spTree>
     <p:extLst>
       <p:ext uri="{BB962C8B-B14F-4D97-AF65-F5344CB8AC3E}">
-        <p14:creationId xmlns:p14="http://schemas.microsoft.com/office/powerpoint/2010/main" val="3113446310"/>
+        <p14:creationId xmlns:p14="http://schemas.microsoft.com/office/powerpoint/2010/main" val="1123862943"/>
       </p:ext>
     </p:extLst>
   </p:cSld>
@@ -33367,43 +37054,6 @@
 </file>
 
 <file path=ppt/slides/slide36.xml><?xml version="1.0" encoding="utf-8"?>
-<p:sld xmlns:a="http://schemas.openxmlformats.org/drawingml/2006/main" xmlns:r="http://schemas.openxmlformats.org/officeDocument/2006/relationships" xmlns:p="http://schemas.openxmlformats.org/presentationml/2006/main">
-  <p:cSld>
-    <p:spTree>
-      <p:nvGrpSpPr>
-        <p:cNvPr id="1" name=""/>
-        <p:cNvGrpSpPr/>
-        <p:nvPr/>
-      </p:nvGrpSpPr>
-      <p:grpSpPr>
-        <a:xfrm>
-          <a:off x="0" y="0"/>
-          <a:ext cx="0" cy="0"/>
-          <a:chOff x="0" y="0"/>
-          <a:chExt cx="0" cy="0"/>
-        </a:xfrm>
-      </p:grpSpPr>
-    </p:spTree>
-    <p:extLst>
-      <p:ext uri="{BB962C8B-B14F-4D97-AF65-F5344CB8AC3E}">
-        <p14:creationId xmlns:p14="http://schemas.microsoft.com/office/powerpoint/2010/main" val="1123862943"/>
-      </p:ext>
-    </p:extLst>
-  </p:cSld>
-  <p:clrMapOvr>
-    <a:masterClrMapping/>
-  </p:clrMapOvr>
-  <p:timing>
-    <p:tnLst>
-      <p:par>
-        <p:cTn id="1" dur="indefinite" restart="never" nodeType="tmRoot"/>
-      </p:par>
-    </p:tnLst>
-  </p:timing>
-</p:sld>
-</file>
-
-<file path=ppt/slides/slide37.xml><?xml version="1.0" encoding="utf-8"?>
 <p:sld xmlns:a="http://schemas.openxmlformats.org/drawingml/2006/main" xmlns:r="http://schemas.openxmlformats.org/officeDocument/2006/relationships" xmlns:p="http://schemas.openxmlformats.org/presentationml/2006/main">
   <p:cSld>
     <p:spTree>

--- a/ppt/tf.reduce_mean.pptx
+++ b/ppt/tf.reduce_mean.pptx
@@ -141,7 +141,7 @@
   </p:defaultTextStyle>
   <p:extLst>
     <p:ext uri="{EFAFB233-063F-42B5-8137-9DF3F51BA10A}">
-      <p15:sldGuideLst xmlns:p15="http://schemas.microsoft.com/office/powerpoint/2012/main" xmlns="">
+      <p15:sldGuideLst xmlns="" xmlns:p15="http://schemas.microsoft.com/office/powerpoint/2012/main">
         <p15:guide id="1" orient="horz" pos="2160">
           <p15:clr>
             <a:srgbClr val="A4A3A4"/>
@@ -339,7 +339,7 @@
           <a:p>
             <a:fld id="{154D151C-2C25-4305-8E14-82B64FCC1564}" type="datetimeFigureOut">
               <a:rPr lang="zh-CN" altLang="en-US" smtClean="0"/>
-              <a:t>2020/9/10</a:t>
+              <a:t>2020/9/12</a:t>
             </a:fld>
             <a:endParaRPr lang="zh-CN" altLang="en-US"/>
           </a:p>
@@ -509,7 +509,7 @@
           <a:p>
             <a:fld id="{154D151C-2C25-4305-8E14-82B64FCC1564}" type="datetimeFigureOut">
               <a:rPr lang="zh-CN" altLang="en-US" smtClean="0"/>
-              <a:t>2020/9/10</a:t>
+              <a:t>2020/9/12</a:t>
             </a:fld>
             <a:endParaRPr lang="zh-CN" altLang="en-US"/>
           </a:p>
@@ -689,7 +689,7 @@
           <a:p>
             <a:fld id="{154D151C-2C25-4305-8E14-82B64FCC1564}" type="datetimeFigureOut">
               <a:rPr lang="zh-CN" altLang="en-US" smtClean="0"/>
-              <a:t>2020/9/10</a:t>
+              <a:t>2020/9/12</a:t>
             </a:fld>
             <a:endParaRPr lang="zh-CN" altLang="en-US"/>
           </a:p>
@@ -1119,7 +1119,7 @@
           <a:p>
             <a:fld id="{154D151C-2C25-4305-8E14-82B64FCC1564}" type="datetimeFigureOut">
               <a:rPr lang="zh-CN" altLang="en-US" smtClean="0"/>
-              <a:t>2020/9/10</a:t>
+              <a:t>2020/9/12</a:t>
             </a:fld>
             <a:endParaRPr lang="zh-CN" altLang="en-US"/>
           </a:p>
@@ -1365,7 +1365,7 @@
           <a:p>
             <a:fld id="{154D151C-2C25-4305-8E14-82B64FCC1564}" type="datetimeFigureOut">
               <a:rPr lang="zh-CN" altLang="en-US" smtClean="0"/>
-              <a:t>2020/9/10</a:t>
+              <a:t>2020/9/12</a:t>
             </a:fld>
             <a:endParaRPr lang="zh-CN" altLang="en-US"/>
           </a:p>
@@ -1653,7 +1653,7 @@
           <a:p>
             <a:fld id="{154D151C-2C25-4305-8E14-82B64FCC1564}" type="datetimeFigureOut">
               <a:rPr lang="zh-CN" altLang="en-US" smtClean="0"/>
-              <a:t>2020/9/10</a:t>
+              <a:t>2020/9/12</a:t>
             </a:fld>
             <a:endParaRPr lang="zh-CN" altLang="en-US"/>
           </a:p>
@@ -2075,7 +2075,7 @@
           <a:p>
             <a:fld id="{154D151C-2C25-4305-8E14-82B64FCC1564}" type="datetimeFigureOut">
               <a:rPr lang="zh-CN" altLang="en-US" smtClean="0"/>
-              <a:t>2020/9/10</a:t>
+              <a:t>2020/9/12</a:t>
             </a:fld>
             <a:endParaRPr lang="zh-CN" altLang="en-US"/>
           </a:p>
@@ -2193,7 +2193,7 @@
           <a:p>
             <a:fld id="{154D151C-2C25-4305-8E14-82B64FCC1564}" type="datetimeFigureOut">
               <a:rPr lang="zh-CN" altLang="en-US" smtClean="0"/>
-              <a:t>2020/9/10</a:t>
+              <a:t>2020/9/12</a:t>
             </a:fld>
             <a:endParaRPr lang="zh-CN" altLang="en-US"/>
           </a:p>
@@ -2288,7 +2288,7 @@
           <a:p>
             <a:fld id="{154D151C-2C25-4305-8E14-82B64FCC1564}" type="datetimeFigureOut">
               <a:rPr lang="zh-CN" altLang="en-US" smtClean="0"/>
-              <a:t>2020/9/10</a:t>
+              <a:t>2020/9/12</a:t>
             </a:fld>
             <a:endParaRPr lang="zh-CN" altLang="en-US"/>
           </a:p>
@@ -2565,7 +2565,7 @@
           <a:p>
             <a:fld id="{154D151C-2C25-4305-8E14-82B64FCC1564}" type="datetimeFigureOut">
               <a:rPr lang="zh-CN" altLang="en-US" smtClean="0"/>
-              <a:t>2020/9/10</a:t>
+              <a:t>2020/9/12</a:t>
             </a:fld>
             <a:endParaRPr lang="zh-CN" altLang="en-US"/>
           </a:p>
@@ -2818,7 +2818,7 @@
           <a:p>
             <a:fld id="{154D151C-2C25-4305-8E14-82B64FCC1564}" type="datetimeFigureOut">
               <a:rPr lang="zh-CN" altLang="en-US" smtClean="0"/>
-              <a:t>2020/9/10</a:t>
+              <a:t>2020/9/12</a:t>
             </a:fld>
             <a:endParaRPr lang="zh-CN" altLang="en-US"/>
           </a:p>
@@ -3031,7 +3031,7 @@
           <a:p>
             <a:fld id="{154D151C-2C25-4305-8E14-82B64FCC1564}" type="datetimeFigureOut">
               <a:rPr lang="zh-CN" altLang="en-US" smtClean="0"/>
-              <a:t>2020/9/10</a:t>
+              <a:t>2020/9/12</a:t>
             </a:fld>
             <a:endParaRPr lang="zh-CN" altLang="en-US"/>
           </a:p>
@@ -16245,35 +16245,35 @@
                 <a:gridCol w="763270">
                   <a:extLst>
                     <a:ext uri="{9D8B030D-6E8A-4147-A177-3AD203B41FA5}">
-                      <a16:colId xmlns:a16="http://schemas.microsoft.com/office/drawing/2014/main" xmlns="" val="3326979791"/>
+                      <a16:colId xmlns="" xmlns:a16="http://schemas.microsoft.com/office/drawing/2014/main" val="3326979791"/>
                     </a:ext>
                   </a:extLst>
                 </a:gridCol>
                 <a:gridCol w="542325">
                   <a:extLst>
                     <a:ext uri="{9D8B030D-6E8A-4147-A177-3AD203B41FA5}">
-                      <a16:colId xmlns:a16="http://schemas.microsoft.com/office/drawing/2014/main" xmlns="" val="637607070"/>
+                      <a16:colId xmlns="" xmlns:a16="http://schemas.microsoft.com/office/drawing/2014/main" val="637607070"/>
                     </a:ext>
                   </a:extLst>
                 </a:gridCol>
                 <a:gridCol w="542325">
                   <a:extLst>
                     <a:ext uri="{9D8B030D-6E8A-4147-A177-3AD203B41FA5}">
-                      <a16:colId xmlns:a16="http://schemas.microsoft.com/office/drawing/2014/main" xmlns="" val="1695508235"/>
+                      <a16:colId xmlns="" xmlns:a16="http://schemas.microsoft.com/office/drawing/2014/main" val="1695508235"/>
                     </a:ext>
                   </a:extLst>
                 </a:gridCol>
                 <a:gridCol w="542325">
                   <a:extLst>
                     <a:ext uri="{9D8B030D-6E8A-4147-A177-3AD203B41FA5}">
-                      <a16:colId xmlns:a16="http://schemas.microsoft.com/office/drawing/2014/main" xmlns="" val="1870987448"/>
+                      <a16:colId xmlns="" xmlns:a16="http://schemas.microsoft.com/office/drawing/2014/main" val="1870987448"/>
                     </a:ext>
                   </a:extLst>
                 </a:gridCol>
                 <a:gridCol w="542325">
                   <a:extLst>
                     <a:ext uri="{9D8B030D-6E8A-4147-A177-3AD203B41FA5}">
-                      <a16:colId xmlns:a16="http://schemas.microsoft.com/office/drawing/2014/main" xmlns="" val="324699617"/>
+                      <a16:colId xmlns="" xmlns:a16="http://schemas.microsoft.com/office/drawing/2014/main" val="324699617"/>
                     </a:ext>
                   </a:extLst>
                 </a:gridCol>
@@ -16641,7 +16641,7 @@
                 </a:tc>
                 <a:extLst>
                   <a:ext uri="{0D108BD9-81ED-4DB2-BD59-A6C34878D82A}">
-                    <a16:rowId xmlns:a16="http://schemas.microsoft.com/office/drawing/2014/main" xmlns="" val="798814532"/>
+                    <a16:rowId xmlns="" xmlns:a16="http://schemas.microsoft.com/office/drawing/2014/main" val="798814532"/>
                   </a:ext>
                 </a:extLst>
               </a:tr>
@@ -16988,7 +16988,7 @@
                 </a:tc>
                 <a:extLst>
                   <a:ext uri="{0D108BD9-81ED-4DB2-BD59-A6C34878D82A}">
-                    <a16:rowId xmlns:a16="http://schemas.microsoft.com/office/drawing/2014/main" xmlns="" val="1491202224"/>
+                    <a16:rowId xmlns="" xmlns:a16="http://schemas.microsoft.com/office/drawing/2014/main" val="1491202224"/>
                   </a:ext>
                 </a:extLst>
               </a:tr>
@@ -17313,7 +17313,7 @@
                 </a:tc>
                 <a:extLst>
                   <a:ext uri="{0D108BD9-81ED-4DB2-BD59-A6C34878D82A}">
-                    <a16:rowId xmlns:a16="http://schemas.microsoft.com/office/drawing/2014/main" xmlns="" val="2457331936"/>
+                    <a16:rowId xmlns="" xmlns:a16="http://schemas.microsoft.com/office/drawing/2014/main" val="2457331936"/>
                   </a:ext>
                 </a:extLst>
               </a:tr>
@@ -17443,35 +17443,35 @@
                 <a:gridCol w="763270">
                   <a:extLst>
                     <a:ext uri="{9D8B030D-6E8A-4147-A177-3AD203B41FA5}">
-                      <a16:colId xmlns:a16="http://schemas.microsoft.com/office/drawing/2014/main" xmlns="" val="3326979791"/>
+                      <a16:colId xmlns="" xmlns:a16="http://schemas.microsoft.com/office/drawing/2014/main" val="3326979791"/>
                     </a:ext>
                   </a:extLst>
                 </a:gridCol>
                 <a:gridCol w="542325">
                   <a:extLst>
                     <a:ext uri="{9D8B030D-6E8A-4147-A177-3AD203B41FA5}">
-                      <a16:colId xmlns:a16="http://schemas.microsoft.com/office/drawing/2014/main" xmlns="" val="637607070"/>
+                      <a16:colId xmlns="" xmlns:a16="http://schemas.microsoft.com/office/drawing/2014/main" val="637607070"/>
                     </a:ext>
                   </a:extLst>
                 </a:gridCol>
                 <a:gridCol w="542325">
                   <a:extLst>
                     <a:ext uri="{9D8B030D-6E8A-4147-A177-3AD203B41FA5}">
-                      <a16:colId xmlns:a16="http://schemas.microsoft.com/office/drawing/2014/main" xmlns="" val="1695508235"/>
+                      <a16:colId xmlns="" xmlns:a16="http://schemas.microsoft.com/office/drawing/2014/main" val="1695508235"/>
                     </a:ext>
                   </a:extLst>
                 </a:gridCol>
                 <a:gridCol w="542325">
                   <a:extLst>
                     <a:ext uri="{9D8B030D-6E8A-4147-A177-3AD203B41FA5}">
-                      <a16:colId xmlns:a16="http://schemas.microsoft.com/office/drawing/2014/main" xmlns="" val="1870987448"/>
+                      <a16:colId xmlns="" xmlns:a16="http://schemas.microsoft.com/office/drawing/2014/main" val="1870987448"/>
                     </a:ext>
                   </a:extLst>
                 </a:gridCol>
                 <a:gridCol w="542325">
                   <a:extLst>
                     <a:ext uri="{9D8B030D-6E8A-4147-A177-3AD203B41FA5}">
-                      <a16:colId xmlns:a16="http://schemas.microsoft.com/office/drawing/2014/main" xmlns="" val="324699617"/>
+                      <a16:colId xmlns="" xmlns:a16="http://schemas.microsoft.com/office/drawing/2014/main" val="324699617"/>
                     </a:ext>
                   </a:extLst>
                 </a:gridCol>
@@ -17839,7 +17839,7 @@
                 </a:tc>
                 <a:extLst>
                   <a:ext uri="{0D108BD9-81ED-4DB2-BD59-A6C34878D82A}">
-                    <a16:rowId xmlns:a16="http://schemas.microsoft.com/office/drawing/2014/main" xmlns="" val="798814532"/>
+                    <a16:rowId xmlns="" xmlns:a16="http://schemas.microsoft.com/office/drawing/2014/main" val="798814532"/>
                   </a:ext>
                 </a:extLst>
               </a:tr>
@@ -18186,7 +18186,7 @@
                 </a:tc>
                 <a:extLst>
                   <a:ext uri="{0D108BD9-81ED-4DB2-BD59-A6C34878D82A}">
-                    <a16:rowId xmlns:a16="http://schemas.microsoft.com/office/drawing/2014/main" xmlns="" val="1491202224"/>
+                    <a16:rowId xmlns="" xmlns:a16="http://schemas.microsoft.com/office/drawing/2014/main" val="1491202224"/>
                   </a:ext>
                 </a:extLst>
               </a:tr>
@@ -18541,7 +18541,7 @@
                 </a:tc>
                 <a:extLst>
                   <a:ext uri="{0D108BD9-81ED-4DB2-BD59-A6C34878D82A}">
-                    <a16:rowId xmlns:a16="http://schemas.microsoft.com/office/drawing/2014/main" xmlns="" val="2457331936"/>
+                    <a16:rowId xmlns="" xmlns:a16="http://schemas.microsoft.com/office/drawing/2014/main" val="2457331936"/>
                   </a:ext>
                 </a:extLst>
               </a:tr>
@@ -18679,35 +18679,35 @@
                 <a:gridCol w="763270">
                   <a:extLst>
                     <a:ext uri="{9D8B030D-6E8A-4147-A177-3AD203B41FA5}">
-                      <a16:colId xmlns:a16="http://schemas.microsoft.com/office/drawing/2014/main" xmlns="" val="3326979791"/>
+                      <a16:colId xmlns="" xmlns:a16="http://schemas.microsoft.com/office/drawing/2014/main" val="3326979791"/>
                     </a:ext>
                   </a:extLst>
                 </a:gridCol>
                 <a:gridCol w="542325">
                   <a:extLst>
                     <a:ext uri="{9D8B030D-6E8A-4147-A177-3AD203B41FA5}">
-                      <a16:colId xmlns:a16="http://schemas.microsoft.com/office/drawing/2014/main" xmlns="" val="637607070"/>
+                      <a16:colId xmlns="" xmlns:a16="http://schemas.microsoft.com/office/drawing/2014/main" val="637607070"/>
                     </a:ext>
                   </a:extLst>
                 </a:gridCol>
                 <a:gridCol w="542325">
                   <a:extLst>
                     <a:ext uri="{9D8B030D-6E8A-4147-A177-3AD203B41FA5}">
-                      <a16:colId xmlns:a16="http://schemas.microsoft.com/office/drawing/2014/main" xmlns="" val="1695508235"/>
+                      <a16:colId xmlns="" xmlns:a16="http://schemas.microsoft.com/office/drawing/2014/main" val="1695508235"/>
                     </a:ext>
                   </a:extLst>
                 </a:gridCol>
                 <a:gridCol w="542325">
                   <a:extLst>
                     <a:ext uri="{9D8B030D-6E8A-4147-A177-3AD203B41FA5}">
-                      <a16:colId xmlns:a16="http://schemas.microsoft.com/office/drawing/2014/main" xmlns="" val="1870987448"/>
+                      <a16:colId xmlns="" xmlns:a16="http://schemas.microsoft.com/office/drawing/2014/main" val="1870987448"/>
                     </a:ext>
                   </a:extLst>
                 </a:gridCol>
                 <a:gridCol w="542325">
                   <a:extLst>
                     <a:ext uri="{9D8B030D-6E8A-4147-A177-3AD203B41FA5}">
-                      <a16:colId xmlns:a16="http://schemas.microsoft.com/office/drawing/2014/main" xmlns="" val="324699617"/>
+                      <a16:colId xmlns="" xmlns:a16="http://schemas.microsoft.com/office/drawing/2014/main" val="324699617"/>
                     </a:ext>
                   </a:extLst>
                 </a:gridCol>
@@ -19075,7 +19075,7 @@
                 </a:tc>
                 <a:extLst>
                   <a:ext uri="{0D108BD9-81ED-4DB2-BD59-A6C34878D82A}">
-                    <a16:rowId xmlns:a16="http://schemas.microsoft.com/office/drawing/2014/main" xmlns="" val="798814532"/>
+                    <a16:rowId xmlns="" xmlns:a16="http://schemas.microsoft.com/office/drawing/2014/main" val="798814532"/>
                   </a:ext>
                 </a:extLst>
               </a:tr>
@@ -19422,7 +19422,7 @@
                 </a:tc>
                 <a:extLst>
                   <a:ext uri="{0D108BD9-81ED-4DB2-BD59-A6C34878D82A}">
-                    <a16:rowId xmlns:a16="http://schemas.microsoft.com/office/drawing/2014/main" xmlns="" val="1491202224"/>
+                    <a16:rowId xmlns="" xmlns:a16="http://schemas.microsoft.com/office/drawing/2014/main" val="1491202224"/>
                   </a:ext>
                 </a:extLst>
               </a:tr>
@@ -19785,7 +19785,7 @@
                 </a:tc>
                 <a:extLst>
                   <a:ext uri="{0D108BD9-81ED-4DB2-BD59-A6C34878D82A}">
-                    <a16:rowId xmlns:a16="http://schemas.microsoft.com/office/drawing/2014/main" xmlns="" val="2457331936"/>
+                    <a16:rowId xmlns="" xmlns:a16="http://schemas.microsoft.com/office/drawing/2014/main" val="2457331936"/>
                   </a:ext>
                 </a:extLst>
               </a:tr>
@@ -20571,7 +20571,7 @@
                 <a:gridCol w="1152128">
                   <a:extLst>
                     <a:ext uri="{9D8B030D-6E8A-4147-A177-3AD203B41FA5}">
-                      <a16:colId xmlns:a16="http://schemas.microsoft.com/office/drawing/2014/main" xmlns="" val="1214683687"/>
+                      <a16:colId xmlns="" xmlns:a16="http://schemas.microsoft.com/office/drawing/2014/main" val="1214683687"/>
                     </a:ext>
                   </a:extLst>
                 </a:gridCol>
@@ -20644,7 +20644,7 @@
                 </a:tc>
                 <a:extLst>
                   <a:ext uri="{0D108BD9-81ED-4DB2-BD59-A6C34878D82A}">
-                    <a16:rowId xmlns:a16="http://schemas.microsoft.com/office/drawing/2014/main" xmlns="" val="1006269131"/>
+                    <a16:rowId xmlns="" xmlns:a16="http://schemas.microsoft.com/office/drawing/2014/main" val="1006269131"/>
                   </a:ext>
                 </a:extLst>
               </a:tr>
@@ -20750,7 +20750,7 @@
                 </a:tc>
                 <a:extLst>
                   <a:ext uri="{0D108BD9-81ED-4DB2-BD59-A6C34878D82A}">
-                    <a16:rowId xmlns:a16="http://schemas.microsoft.com/office/drawing/2014/main" xmlns="" val="194545254"/>
+                    <a16:rowId xmlns="" xmlns:a16="http://schemas.microsoft.com/office/drawing/2014/main" val="194545254"/>
                   </a:ext>
                 </a:extLst>
               </a:tr>
@@ -20856,7 +20856,7 @@
                 </a:tc>
                 <a:extLst>
                   <a:ext uri="{0D108BD9-81ED-4DB2-BD59-A6C34878D82A}">
-                    <a16:rowId xmlns:a16="http://schemas.microsoft.com/office/drawing/2014/main" xmlns="" val="44223002"/>
+                    <a16:rowId xmlns="" xmlns:a16="http://schemas.microsoft.com/office/drawing/2014/main" val="44223002"/>
                   </a:ext>
                 </a:extLst>
               </a:tr>
@@ -20962,7 +20962,7 @@
                 </a:tc>
                 <a:extLst>
                   <a:ext uri="{0D108BD9-81ED-4DB2-BD59-A6C34878D82A}">
-                    <a16:rowId xmlns:a16="http://schemas.microsoft.com/office/drawing/2014/main" xmlns="" val="4268083801"/>
+                    <a16:rowId xmlns="" xmlns:a16="http://schemas.microsoft.com/office/drawing/2014/main" val="4268083801"/>
                   </a:ext>
                 </a:extLst>
               </a:tr>
@@ -21068,7 +21068,7 @@
                 </a:tc>
                 <a:extLst>
                   <a:ext uri="{0D108BD9-81ED-4DB2-BD59-A6C34878D82A}">
-                    <a16:rowId xmlns:a16="http://schemas.microsoft.com/office/drawing/2014/main" xmlns="" val="2987823741"/>
+                    <a16:rowId xmlns="" xmlns:a16="http://schemas.microsoft.com/office/drawing/2014/main" val="2987823741"/>
                   </a:ext>
                 </a:extLst>
               </a:tr>
@@ -21174,7 +21174,7 @@
                 </a:tc>
                 <a:extLst>
                   <a:ext uri="{0D108BD9-81ED-4DB2-BD59-A6C34878D82A}">
-                    <a16:rowId xmlns:a16="http://schemas.microsoft.com/office/drawing/2014/main" xmlns="" val="193482310"/>
+                    <a16:rowId xmlns="" xmlns:a16="http://schemas.microsoft.com/office/drawing/2014/main" val="193482310"/>
                   </a:ext>
                 </a:extLst>
               </a:tr>
@@ -21280,7 +21280,7 @@
                 </a:tc>
                 <a:extLst>
                   <a:ext uri="{0D108BD9-81ED-4DB2-BD59-A6C34878D82A}">
-                    <a16:rowId xmlns:a16="http://schemas.microsoft.com/office/drawing/2014/main" xmlns="" val="589513760"/>
+                    <a16:rowId xmlns="" xmlns:a16="http://schemas.microsoft.com/office/drawing/2014/main" val="589513760"/>
                   </a:ext>
                 </a:extLst>
               </a:tr>
@@ -21386,7 +21386,7 @@
                 </a:tc>
                 <a:extLst>
                   <a:ext uri="{0D108BD9-81ED-4DB2-BD59-A6C34878D82A}">
-                    <a16:rowId xmlns:a16="http://schemas.microsoft.com/office/drawing/2014/main" xmlns="" val="3314464373"/>
+                    <a16:rowId xmlns="" xmlns:a16="http://schemas.microsoft.com/office/drawing/2014/main" val="3314464373"/>
                   </a:ext>
                 </a:extLst>
               </a:tr>
@@ -21492,7 +21492,7 @@
                 </a:tc>
                 <a:extLst>
                   <a:ext uri="{0D108BD9-81ED-4DB2-BD59-A6C34878D82A}">
-                    <a16:rowId xmlns:a16="http://schemas.microsoft.com/office/drawing/2014/main" xmlns="" val="1811545710"/>
+                    <a16:rowId xmlns="" xmlns:a16="http://schemas.microsoft.com/office/drawing/2014/main" val="1811545710"/>
                   </a:ext>
                 </a:extLst>
               </a:tr>
@@ -21598,7 +21598,7 @@
                 </a:tc>
                 <a:extLst>
                   <a:ext uri="{0D108BD9-81ED-4DB2-BD59-A6C34878D82A}">
-                    <a16:rowId xmlns:a16="http://schemas.microsoft.com/office/drawing/2014/main" xmlns="" val="2525566091"/>
+                    <a16:rowId xmlns="" xmlns:a16="http://schemas.microsoft.com/office/drawing/2014/main" val="2525566091"/>
                   </a:ext>
                 </a:extLst>
               </a:tr>
@@ -21704,7 +21704,7 @@
                 </a:tc>
                 <a:extLst>
                   <a:ext uri="{0D108BD9-81ED-4DB2-BD59-A6C34878D82A}">
-                    <a16:rowId xmlns:a16="http://schemas.microsoft.com/office/drawing/2014/main" xmlns="" val="3360797041"/>
+                    <a16:rowId xmlns="" xmlns:a16="http://schemas.microsoft.com/office/drawing/2014/main" val="3360797041"/>
                   </a:ext>
                 </a:extLst>
               </a:tr>
@@ -21776,7 +21776,7 @@
                 </a:tc>
                 <a:extLst>
                   <a:ext uri="{0D108BD9-81ED-4DB2-BD59-A6C34878D82A}">
-                    <a16:rowId xmlns:a16="http://schemas.microsoft.com/office/drawing/2014/main" xmlns="" val="2873669025"/>
+                    <a16:rowId xmlns="" xmlns:a16="http://schemas.microsoft.com/office/drawing/2014/main" val="2873669025"/>
                   </a:ext>
                 </a:extLst>
               </a:tr>
@@ -21848,7 +21848,7 @@
                 </a:tc>
                 <a:extLst>
                   <a:ext uri="{0D108BD9-81ED-4DB2-BD59-A6C34878D82A}">
-                    <a16:rowId xmlns:a16="http://schemas.microsoft.com/office/drawing/2014/main" xmlns="" val="3732079516"/>
+                    <a16:rowId xmlns="" xmlns:a16="http://schemas.microsoft.com/office/drawing/2014/main" val="3732079516"/>
                   </a:ext>
                 </a:extLst>
               </a:tr>
@@ -21920,7 +21920,7 @@
                 </a:tc>
                 <a:extLst>
                   <a:ext uri="{0D108BD9-81ED-4DB2-BD59-A6C34878D82A}">
-                    <a16:rowId xmlns:a16="http://schemas.microsoft.com/office/drawing/2014/main" xmlns="" val="2966636214"/>
+                    <a16:rowId xmlns="" xmlns:a16="http://schemas.microsoft.com/office/drawing/2014/main" val="2966636214"/>
                   </a:ext>
                 </a:extLst>
               </a:tr>
@@ -21992,7 +21992,7 @@
                 </a:tc>
                 <a:extLst>
                   <a:ext uri="{0D108BD9-81ED-4DB2-BD59-A6C34878D82A}">
-                    <a16:rowId xmlns:a16="http://schemas.microsoft.com/office/drawing/2014/main" xmlns="" val="3891840487"/>
+                    <a16:rowId xmlns="" xmlns:a16="http://schemas.microsoft.com/office/drawing/2014/main" val="3891840487"/>
                   </a:ext>
                 </a:extLst>
               </a:tr>
@@ -22028,7 +22028,7 @@
                 <a:gridCol w="1152128">
                   <a:extLst>
                     <a:ext uri="{9D8B030D-6E8A-4147-A177-3AD203B41FA5}">
-                      <a16:colId xmlns:a16="http://schemas.microsoft.com/office/drawing/2014/main" xmlns="" val="1214683687"/>
+                      <a16:colId xmlns="" xmlns:a16="http://schemas.microsoft.com/office/drawing/2014/main" val="1214683687"/>
                     </a:ext>
                   </a:extLst>
                 </a:gridCol>
@@ -22101,7 +22101,7 @@
                 </a:tc>
                 <a:extLst>
                   <a:ext uri="{0D108BD9-81ED-4DB2-BD59-A6C34878D82A}">
-                    <a16:rowId xmlns:a16="http://schemas.microsoft.com/office/drawing/2014/main" xmlns="" val="1006269131"/>
+                    <a16:rowId xmlns="" xmlns:a16="http://schemas.microsoft.com/office/drawing/2014/main" val="1006269131"/>
                   </a:ext>
                 </a:extLst>
               </a:tr>
@@ -22207,7 +22207,7 @@
                 </a:tc>
                 <a:extLst>
                   <a:ext uri="{0D108BD9-81ED-4DB2-BD59-A6C34878D82A}">
-                    <a16:rowId xmlns:a16="http://schemas.microsoft.com/office/drawing/2014/main" xmlns="" val="194545254"/>
+                    <a16:rowId xmlns="" xmlns:a16="http://schemas.microsoft.com/office/drawing/2014/main" val="194545254"/>
                   </a:ext>
                 </a:extLst>
               </a:tr>
@@ -22313,7 +22313,7 @@
                 </a:tc>
                 <a:extLst>
                   <a:ext uri="{0D108BD9-81ED-4DB2-BD59-A6C34878D82A}">
-                    <a16:rowId xmlns:a16="http://schemas.microsoft.com/office/drawing/2014/main" xmlns="" val="44223002"/>
+                    <a16:rowId xmlns="" xmlns:a16="http://schemas.microsoft.com/office/drawing/2014/main" val="44223002"/>
                   </a:ext>
                 </a:extLst>
               </a:tr>
@@ -22419,7 +22419,7 @@
                 </a:tc>
                 <a:extLst>
                   <a:ext uri="{0D108BD9-81ED-4DB2-BD59-A6C34878D82A}">
-                    <a16:rowId xmlns:a16="http://schemas.microsoft.com/office/drawing/2014/main" xmlns="" val="4268083801"/>
+                    <a16:rowId xmlns="" xmlns:a16="http://schemas.microsoft.com/office/drawing/2014/main" val="4268083801"/>
                   </a:ext>
                 </a:extLst>
               </a:tr>
@@ -22525,7 +22525,7 @@
                 </a:tc>
                 <a:extLst>
                   <a:ext uri="{0D108BD9-81ED-4DB2-BD59-A6C34878D82A}">
-                    <a16:rowId xmlns:a16="http://schemas.microsoft.com/office/drawing/2014/main" xmlns="" val="2987823741"/>
+                    <a16:rowId xmlns="" xmlns:a16="http://schemas.microsoft.com/office/drawing/2014/main" val="2987823741"/>
                   </a:ext>
                 </a:extLst>
               </a:tr>
@@ -22631,7 +22631,7 @@
                 </a:tc>
                 <a:extLst>
                   <a:ext uri="{0D108BD9-81ED-4DB2-BD59-A6C34878D82A}">
-                    <a16:rowId xmlns:a16="http://schemas.microsoft.com/office/drawing/2014/main" xmlns="" val="193482310"/>
+                    <a16:rowId xmlns="" xmlns:a16="http://schemas.microsoft.com/office/drawing/2014/main" val="193482310"/>
                   </a:ext>
                 </a:extLst>
               </a:tr>
@@ -22843,7 +22843,7 @@
                 <a:gridCol w="1152128">
                   <a:extLst>
                     <a:ext uri="{9D8B030D-6E8A-4147-A177-3AD203B41FA5}">
-                      <a16:colId xmlns:a16="http://schemas.microsoft.com/office/drawing/2014/main" xmlns="" val="1214683687"/>
+                      <a16:colId xmlns="" xmlns:a16="http://schemas.microsoft.com/office/drawing/2014/main" val="1214683687"/>
                     </a:ext>
                   </a:extLst>
                 </a:gridCol>
@@ -22916,7 +22916,7 @@
                 </a:tc>
                 <a:extLst>
                   <a:ext uri="{0D108BD9-81ED-4DB2-BD59-A6C34878D82A}">
-                    <a16:rowId xmlns:a16="http://schemas.microsoft.com/office/drawing/2014/main" xmlns="" val="1006269131"/>
+                    <a16:rowId xmlns="" xmlns:a16="http://schemas.microsoft.com/office/drawing/2014/main" val="1006269131"/>
                   </a:ext>
                 </a:extLst>
               </a:tr>
@@ -23022,7 +23022,7 @@
                 </a:tc>
                 <a:extLst>
                   <a:ext uri="{0D108BD9-81ED-4DB2-BD59-A6C34878D82A}">
-                    <a16:rowId xmlns:a16="http://schemas.microsoft.com/office/drawing/2014/main" xmlns="" val="194545254"/>
+                    <a16:rowId xmlns="" xmlns:a16="http://schemas.microsoft.com/office/drawing/2014/main" val="194545254"/>
                   </a:ext>
                 </a:extLst>
               </a:tr>
@@ -23128,7 +23128,7 @@
                 </a:tc>
                 <a:extLst>
                   <a:ext uri="{0D108BD9-81ED-4DB2-BD59-A6C34878D82A}">
-                    <a16:rowId xmlns:a16="http://schemas.microsoft.com/office/drawing/2014/main" xmlns="" val="44223002"/>
+                    <a16:rowId xmlns="" xmlns:a16="http://schemas.microsoft.com/office/drawing/2014/main" val="44223002"/>
                   </a:ext>
                 </a:extLst>
               </a:tr>
@@ -23234,7 +23234,7 @@
                 </a:tc>
                 <a:extLst>
                   <a:ext uri="{0D108BD9-81ED-4DB2-BD59-A6C34878D82A}">
-                    <a16:rowId xmlns:a16="http://schemas.microsoft.com/office/drawing/2014/main" xmlns="" val="4268083801"/>
+                    <a16:rowId xmlns="" xmlns:a16="http://schemas.microsoft.com/office/drawing/2014/main" val="4268083801"/>
                   </a:ext>
                 </a:extLst>
               </a:tr>
@@ -23340,7 +23340,7 @@
                 </a:tc>
                 <a:extLst>
                   <a:ext uri="{0D108BD9-81ED-4DB2-BD59-A6C34878D82A}">
-                    <a16:rowId xmlns:a16="http://schemas.microsoft.com/office/drawing/2014/main" xmlns="" val="2987823741"/>
+                    <a16:rowId xmlns="" xmlns:a16="http://schemas.microsoft.com/office/drawing/2014/main" val="2987823741"/>
                   </a:ext>
                 </a:extLst>
               </a:tr>
@@ -23446,7 +23446,7 @@
                 </a:tc>
                 <a:extLst>
                   <a:ext uri="{0D108BD9-81ED-4DB2-BD59-A6C34878D82A}">
-                    <a16:rowId xmlns:a16="http://schemas.microsoft.com/office/drawing/2014/main" xmlns="" val="193482310"/>
+                    <a16:rowId xmlns="" xmlns:a16="http://schemas.microsoft.com/office/drawing/2014/main" val="193482310"/>
                   </a:ext>
                 </a:extLst>
               </a:tr>
@@ -23552,7 +23552,7 @@
                 </a:tc>
                 <a:extLst>
                   <a:ext uri="{0D108BD9-81ED-4DB2-BD59-A6C34878D82A}">
-                    <a16:rowId xmlns:a16="http://schemas.microsoft.com/office/drawing/2014/main" xmlns="" val="589513760"/>
+                    <a16:rowId xmlns="" xmlns:a16="http://schemas.microsoft.com/office/drawing/2014/main" val="589513760"/>
                   </a:ext>
                 </a:extLst>
               </a:tr>
@@ -23658,7 +23658,7 @@
                 </a:tc>
                 <a:extLst>
                   <a:ext uri="{0D108BD9-81ED-4DB2-BD59-A6C34878D82A}">
-                    <a16:rowId xmlns:a16="http://schemas.microsoft.com/office/drawing/2014/main" xmlns="" val="3314464373"/>
+                    <a16:rowId xmlns="" xmlns:a16="http://schemas.microsoft.com/office/drawing/2014/main" val="3314464373"/>
                   </a:ext>
                 </a:extLst>
               </a:tr>
@@ -23764,7 +23764,7 @@
                 </a:tc>
                 <a:extLst>
                   <a:ext uri="{0D108BD9-81ED-4DB2-BD59-A6C34878D82A}">
-                    <a16:rowId xmlns:a16="http://schemas.microsoft.com/office/drawing/2014/main" xmlns="" val="1811545710"/>
+                    <a16:rowId xmlns="" xmlns:a16="http://schemas.microsoft.com/office/drawing/2014/main" val="1811545710"/>
                   </a:ext>
                 </a:extLst>
               </a:tr>
@@ -23870,7 +23870,7 @@
                 </a:tc>
                 <a:extLst>
                   <a:ext uri="{0D108BD9-81ED-4DB2-BD59-A6C34878D82A}">
-                    <a16:rowId xmlns:a16="http://schemas.microsoft.com/office/drawing/2014/main" xmlns="" val="2525566091"/>
+                    <a16:rowId xmlns="" xmlns:a16="http://schemas.microsoft.com/office/drawing/2014/main" val="2525566091"/>
                   </a:ext>
                 </a:extLst>
               </a:tr>
@@ -23976,7 +23976,7 @@
                 </a:tc>
                 <a:extLst>
                   <a:ext uri="{0D108BD9-81ED-4DB2-BD59-A6C34878D82A}">
-                    <a16:rowId xmlns:a16="http://schemas.microsoft.com/office/drawing/2014/main" xmlns="" val="3360797041"/>
+                    <a16:rowId xmlns="" xmlns:a16="http://schemas.microsoft.com/office/drawing/2014/main" val="3360797041"/>
                   </a:ext>
                 </a:extLst>
               </a:tr>
@@ -24048,7 +24048,7 @@
                 </a:tc>
                 <a:extLst>
                   <a:ext uri="{0D108BD9-81ED-4DB2-BD59-A6C34878D82A}">
-                    <a16:rowId xmlns:a16="http://schemas.microsoft.com/office/drawing/2014/main" xmlns="" val="2873669025"/>
+                    <a16:rowId xmlns="" xmlns:a16="http://schemas.microsoft.com/office/drawing/2014/main" val="2873669025"/>
                   </a:ext>
                 </a:extLst>
               </a:tr>
@@ -24120,7 +24120,7 @@
                 </a:tc>
                 <a:extLst>
                   <a:ext uri="{0D108BD9-81ED-4DB2-BD59-A6C34878D82A}">
-                    <a16:rowId xmlns:a16="http://schemas.microsoft.com/office/drawing/2014/main" xmlns="" val="3732079516"/>
+                    <a16:rowId xmlns="" xmlns:a16="http://schemas.microsoft.com/office/drawing/2014/main" val="3732079516"/>
                   </a:ext>
                 </a:extLst>
               </a:tr>
@@ -24192,7 +24192,7 @@
                 </a:tc>
                 <a:extLst>
                   <a:ext uri="{0D108BD9-81ED-4DB2-BD59-A6C34878D82A}">
-                    <a16:rowId xmlns:a16="http://schemas.microsoft.com/office/drawing/2014/main" xmlns="" val="2966636214"/>
+                    <a16:rowId xmlns="" xmlns:a16="http://schemas.microsoft.com/office/drawing/2014/main" val="2966636214"/>
                   </a:ext>
                 </a:extLst>
               </a:tr>
@@ -24264,7 +24264,7 @@
                 </a:tc>
                 <a:extLst>
                   <a:ext uri="{0D108BD9-81ED-4DB2-BD59-A6C34878D82A}">
-                    <a16:rowId xmlns:a16="http://schemas.microsoft.com/office/drawing/2014/main" xmlns="" val="3891840487"/>
+                    <a16:rowId xmlns="" xmlns:a16="http://schemas.microsoft.com/office/drawing/2014/main" val="3891840487"/>
                   </a:ext>
                 </a:extLst>
               </a:tr>
@@ -24300,7 +24300,7 @@
                 <a:gridCol w="1152128">
                   <a:extLst>
                     <a:ext uri="{9D8B030D-6E8A-4147-A177-3AD203B41FA5}">
-                      <a16:colId xmlns:a16="http://schemas.microsoft.com/office/drawing/2014/main" xmlns="" val="1214683687"/>
+                      <a16:colId xmlns="" xmlns:a16="http://schemas.microsoft.com/office/drawing/2014/main" val="1214683687"/>
                     </a:ext>
                   </a:extLst>
                 </a:gridCol>
@@ -24373,7 +24373,7 @@
                 </a:tc>
                 <a:extLst>
                   <a:ext uri="{0D108BD9-81ED-4DB2-BD59-A6C34878D82A}">
-                    <a16:rowId xmlns:a16="http://schemas.microsoft.com/office/drawing/2014/main" xmlns="" val="1006269131"/>
+                    <a16:rowId xmlns="" xmlns:a16="http://schemas.microsoft.com/office/drawing/2014/main" val="1006269131"/>
                   </a:ext>
                 </a:extLst>
               </a:tr>
@@ -24479,7 +24479,7 @@
                 </a:tc>
                 <a:extLst>
                   <a:ext uri="{0D108BD9-81ED-4DB2-BD59-A6C34878D82A}">
-                    <a16:rowId xmlns:a16="http://schemas.microsoft.com/office/drawing/2014/main" xmlns="" val="194545254"/>
+                    <a16:rowId xmlns="" xmlns:a16="http://schemas.microsoft.com/office/drawing/2014/main" val="194545254"/>
                   </a:ext>
                 </a:extLst>
               </a:tr>
@@ -24585,7 +24585,7 @@
                 </a:tc>
                 <a:extLst>
                   <a:ext uri="{0D108BD9-81ED-4DB2-BD59-A6C34878D82A}">
-                    <a16:rowId xmlns:a16="http://schemas.microsoft.com/office/drawing/2014/main" xmlns="" val="44223002"/>
+                    <a16:rowId xmlns="" xmlns:a16="http://schemas.microsoft.com/office/drawing/2014/main" val="44223002"/>
                   </a:ext>
                 </a:extLst>
               </a:tr>
@@ -24674,7 +24674,7 @@
                 </a:tc>
                 <a:extLst>
                   <a:ext uri="{0D108BD9-81ED-4DB2-BD59-A6C34878D82A}">
-                    <a16:rowId xmlns:a16="http://schemas.microsoft.com/office/drawing/2014/main" xmlns="" val="4268083801"/>
+                    <a16:rowId xmlns="" xmlns:a16="http://schemas.microsoft.com/office/drawing/2014/main" val="4268083801"/>
                   </a:ext>
                 </a:extLst>
               </a:tr>
@@ -24780,7 +24780,7 @@
                 </a:tc>
                 <a:extLst>
                   <a:ext uri="{0D108BD9-81ED-4DB2-BD59-A6C34878D82A}">
-                    <a16:rowId xmlns:a16="http://schemas.microsoft.com/office/drawing/2014/main" xmlns="" val="2987823741"/>
+                    <a16:rowId xmlns="" xmlns:a16="http://schemas.microsoft.com/office/drawing/2014/main" val="2987823741"/>
                   </a:ext>
                 </a:extLst>
               </a:tr>
@@ -24886,7 +24886,7 @@
                 </a:tc>
                 <a:extLst>
                   <a:ext uri="{0D108BD9-81ED-4DB2-BD59-A6C34878D82A}">
-                    <a16:rowId xmlns:a16="http://schemas.microsoft.com/office/drawing/2014/main" xmlns="" val="193482310"/>
+                    <a16:rowId xmlns="" xmlns:a16="http://schemas.microsoft.com/office/drawing/2014/main" val="193482310"/>
                   </a:ext>
                 </a:extLst>
               </a:tr>
@@ -25027,7 +25027,7 @@
                 <a:gridCol w="1152128">
                   <a:extLst>
                     <a:ext uri="{9D8B030D-6E8A-4147-A177-3AD203B41FA5}">
-                      <a16:colId xmlns:a16="http://schemas.microsoft.com/office/drawing/2014/main" xmlns="" val="1214683687"/>
+                      <a16:colId xmlns="" xmlns:a16="http://schemas.microsoft.com/office/drawing/2014/main" val="1214683687"/>
                     </a:ext>
                   </a:extLst>
                 </a:gridCol>
@@ -25134,7 +25134,7 @@
                 </a:tc>
                 <a:extLst>
                   <a:ext uri="{0D108BD9-81ED-4DB2-BD59-A6C34878D82A}">
-                    <a16:rowId xmlns:a16="http://schemas.microsoft.com/office/drawing/2014/main" xmlns="" val="4268083801"/>
+                    <a16:rowId xmlns="" xmlns:a16="http://schemas.microsoft.com/office/drawing/2014/main" val="4268083801"/>
                   </a:ext>
                 </a:extLst>
               </a:tr>
@@ -25361,7 +25361,7 @@
                 <a:gridCol w="1152128">
                   <a:extLst>
                     <a:ext uri="{9D8B030D-6E8A-4147-A177-3AD203B41FA5}">
-                      <a16:colId xmlns:a16="http://schemas.microsoft.com/office/drawing/2014/main" xmlns="" val="1214683687"/>
+                      <a16:colId xmlns="" xmlns:a16="http://schemas.microsoft.com/office/drawing/2014/main" val="1214683687"/>
                     </a:ext>
                   </a:extLst>
                 </a:gridCol>
@@ -25434,7 +25434,7 @@
                 </a:tc>
                 <a:extLst>
                   <a:ext uri="{0D108BD9-81ED-4DB2-BD59-A6C34878D82A}">
-                    <a16:rowId xmlns:a16="http://schemas.microsoft.com/office/drawing/2014/main" xmlns="" val="1006269131"/>
+                    <a16:rowId xmlns="" xmlns:a16="http://schemas.microsoft.com/office/drawing/2014/main" val="1006269131"/>
                   </a:ext>
                 </a:extLst>
               </a:tr>
@@ -25540,7 +25540,7 @@
                 </a:tc>
                 <a:extLst>
                   <a:ext uri="{0D108BD9-81ED-4DB2-BD59-A6C34878D82A}">
-                    <a16:rowId xmlns:a16="http://schemas.microsoft.com/office/drawing/2014/main" xmlns="" val="194545254"/>
+                    <a16:rowId xmlns="" xmlns:a16="http://schemas.microsoft.com/office/drawing/2014/main" val="194545254"/>
                   </a:ext>
                 </a:extLst>
               </a:tr>
@@ -25646,7 +25646,7 @@
                 </a:tc>
                 <a:extLst>
                   <a:ext uri="{0D108BD9-81ED-4DB2-BD59-A6C34878D82A}">
-                    <a16:rowId xmlns:a16="http://schemas.microsoft.com/office/drawing/2014/main" xmlns="" val="44223002"/>
+                    <a16:rowId xmlns="" xmlns:a16="http://schemas.microsoft.com/office/drawing/2014/main" val="44223002"/>
                   </a:ext>
                 </a:extLst>
               </a:tr>
@@ -25752,7 +25752,7 @@
                 </a:tc>
                 <a:extLst>
                   <a:ext uri="{0D108BD9-81ED-4DB2-BD59-A6C34878D82A}">
-                    <a16:rowId xmlns:a16="http://schemas.microsoft.com/office/drawing/2014/main" xmlns="" val="4268083801"/>
+                    <a16:rowId xmlns="" xmlns:a16="http://schemas.microsoft.com/office/drawing/2014/main" val="4268083801"/>
                   </a:ext>
                 </a:extLst>
               </a:tr>
@@ -25858,7 +25858,7 @@
                 </a:tc>
                 <a:extLst>
                   <a:ext uri="{0D108BD9-81ED-4DB2-BD59-A6C34878D82A}">
-                    <a16:rowId xmlns:a16="http://schemas.microsoft.com/office/drawing/2014/main" xmlns="" val="2987823741"/>
+                    <a16:rowId xmlns="" xmlns:a16="http://schemas.microsoft.com/office/drawing/2014/main" val="2987823741"/>
                   </a:ext>
                 </a:extLst>
               </a:tr>
@@ -25964,7 +25964,7 @@
                 </a:tc>
                 <a:extLst>
                   <a:ext uri="{0D108BD9-81ED-4DB2-BD59-A6C34878D82A}">
-                    <a16:rowId xmlns:a16="http://schemas.microsoft.com/office/drawing/2014/main" xmlns="" val="193482310"/>
+                    <a16:rowId xmlns="" xmlns:a16="http://schemas.microsoft.com/office/drawing/2014/main" val="193482310"/>
                   </a:ext>
                 </a:extLst>
               </a:tr>
@@ -26076,7 +26076,7 @@
                 </a:tc>
                 <a:extLst>
                   <a:ext uri="{0D108BD9-81ED-4DB2-BD59-A6C34878D82A}">
-                    <a16:rowId xmlns:a16="http://schemas.microsoft.com/office/drawing/2014/main" xmlns="" val="589513760"/>
+                    <a16:rowId xmlns="" xmlns:a16="http://schemas.microsoft.com/office/drawing/2014/main" val="589513760"/>
                   </a:ext>
                 </a:extLst>
               </a:tr>
@@ -26182,7 +26182,7 @@
                 </a:tc>
                 <a:extLst>
                   <a:ext uri="{0D108BD9-81ED-4DB2-BD59-A6C34878D82A}">
-                    <a16:rowId xmlns:a16="http://schemas.microsoft.com/office/drawing/2014/main" xmlns="" val="3314464373"/>
+                    <a16:rowId xmlns="" xmlns:a16="http://schemas.microsoft.com/office/drawing/2014/main" val="3314464373"/>
                   </a:ext>
                 </a:extLst>
               </a:tr>
@@ -26288,7 +26288,7 @@
                 </a:tc>
                 <a:extLst>
                   <a:ext uri="{0D108BD9-81ED-4DB2-BD59-A6C34878D82A}">
-                    <a16:rowId xmlns:a16="http://schemas.microsoft.com/office/drawing/2014/main" xmlns="" val="1811545710"/>
+                    <a16:rowId xmlns="" xmlns:a16="http://schemas.microsoft.com/office/drawing/2014/main" val="1811545710"/>
                   </a:ext>
                 </a:extLst>
               </a:tr>
@@ -26394,7 +26394,7 @@
                 </a:tc>
                 <a:extLst>
                   <a:ext uri="{0D108BD9-81ED-4DB2-BD59-A6C34878D82A}">
-                    <a16:rowId xmlns:a16="http://schemas.microsoft.com/office/drawing/2014/main" xmlns="" val="2525566091"/>
+                    <a16:rowId xmlns="" xmlns:a16="http://schemas.microsoft.com/office/drawing/2014/main" val="2525566091"/>
                   </a:ext>
                 </a:extLst>
               </a:tr>
@@ -26500,7 +26500,7 @@
                 </a:tc>
                 <a:extLst>
                   <a:ext uri="{0D108BD9-81ED-4DB2-BD59-A6C34878D82A}">
-                    <a16:rowId xmlns:a16="http://schemas.microsoft.com/office/drawing/2014/main" xmlns="" val="3360797041"/>
+                    <a16:rowId xmlns="" xmlns:a16="http://schemas.microsoft.com/office/drawing/2014/main" val="3360797041"/>
                   </a:ext>
                 </a:extLst>
               </a:tr>
@@ -26572,7 +26572,7 @@
                 </a:tc>
                 <a:extLst>
                   <a:ext uri="{0D108BD9-81ED-4DB2-BD59-A6C34878D82A}">
-                    <a16:rowId xmlns:a16="http://schemas.microsoft.com/office/drawing/2014/main" xmlns="" val="2873669025"/>
+                    <a16:rowId xmlns="" xmlns:a16="http://schemas.microsoft.com/office/drawing/2014/main" val="2873669025"/>
                   </a:ext>
                 </a:extLst>
               </a:tr>
@@ -26644,7 +26644,7 @@
                 </a:tc>
                 <a:extLst>
                   <a:ext uri="{0D108BD9-81ED-4DB2-BD59-A6C34878D82A}">
-                    <a16:rowId xmlns:a16="http://schemas.microsoft.com/office/drawing/2014/main" xmlns="" val="3732079516"/>
+                    <a16:rowId xmlns="" xmlns:a16="http://schemas.microsoft.com/office/drawing/2014/main" val="3732079516"/>
                   </a:ext>
                 </a:extLst>
               </a:tr>
@@ -26716,7 +26716,7 @@
                 </a:tc>
                 <a:extLst>
                   <a:ext uri="{0D108BD9-81ED-4DB2-BD59-A6C34878D82A}">
-                    <a16:rowId xmlns:a16="http://schemas.microsoft.com/office/drawing/2014/main" xmlns="" val="2966636214"/>
+                    <a16:rowId xmlns="" xmlns:a16="http://schemas.microsoft.com/office/drawing/2014/main" val="2966636214"/>
                   </a:ext>
                 </a:extLst>
               </a:tr>
@@ -26788,7 +26788,7 @@
                 </a:tc>
                 <a:extLst>
                   <a:ext uri="{0D108BD9-81ED-4DB2-BD59-A6C34878D82A}">
-                    <a16:rowId xmlns:a16="http://schemas.microsoft.com/office/drawing/2014/main" xmlns="" val="3891840487"/>
+                    <a16:rowId xmlns="" xmlns:a16="http://schemas.microsoft.com/office/drawing/2014/main" val="3891840487"/>
                   </a:ext>
                 </a:extLst>
               </a:tr>
@@ -26824,7 +26824,7 @@
                 <a:gridCol w="1152128">
                   <a:extLst>
                     <a:ext uri="{9D8B030D-6E8A-4147-A177-3AD203B41FA5}">
-                      <a16:colId xmlns:a16="http://schemas.microsoft.com/office/drawing/2014/main" xmlns="" val="1214683687"/>
+                      <a16:colId xmlns="" xmlns:a16="http://schemas.microsoft.com/office/drawing/2014/main" val="1214683687"/>
                     </a:ext>
                   </a:extLst>
                 </a:gridCol>
@@ -26897,7 +26897,7 @@
                 </a:tc>
                 <a:extLst>
                   <a:ext uri="{0D108BD9-81ED-4DB2-BD59-A6C34878D82A}">
-                    <a16:rowId xmlns:a16="http://schemas.microsoft.com/office/drawing/2014/main" xmlns="" val="1006269131"/>
+                    <a16:rowId xmlns="" xmlns:a16="http://schemas.microsoft.com/office/drawing/2014/main" val="1006269131"/>
                   </a:ext>
                 </a:extLst>
               </a:tr>
@@ -27003,7 +27003,7 @@
                 </a:tc>
                 <a:extLst>
                   <a:ext uri="{0D108BD9-81ED-4DB2-BD59-A6C34878D82A}">
-                    <a16:rowId xmlns:a16="http://schemas.microsoft.com/office/drawing/2014/main" xmlns="" val="194545254"/>
+                    <a16:rowId xmlns="" xmlns:a16="http://schemas.microsoft.com/office/drawing/2014/main" val="194545254"/>
                   </a:ext>
                 </a:extLst>
               </a:tr>
@@ -27109,7 +27109,7 @@
                 </a:tc>
                 <a:extLst>
                   <a:ext uri="{0D108BD9-81ED-4DB2-BD59-A6C34878D82A}">
-                    <a16:rowId xmlns:a16="http://schemas.microsoft.com/office/drawing/2014/main" xmlns="" val="44223002"/>
+                    <a16:rowId xmlns="" xmlns:a16="http://schemas.microsoft.com/office/drawing/2014/main" val="44223002"/>
                   </a:ext>
                 </a:extLst>
               </a:tr>
@@ -27221,7 +27221,7 @@
                 </a:tc>
                 <a:extLst>
                   <a:ext uri="{0D108BD9-81ED-4DB2-BD59-A6C34878D82A}">
-                    <a16:rowId xmlns:a16="http://schemas.microsoft.com/office/drawing/2014/main" xmlns="" val="4268083801"/>
+                    <a16:rowId xmlns="" xmlns:a16="http://schemas.microsoft.com/office/drawing/2014/main" val="4268083801"/>
                   </a:ext>
                 </a:extLst>
               </a:tr>
@@ -27327,7 +27327,7 @@
                 </a:tc>
                 <a:extLst>
                   <a:ext uri="{0D108BD9-81ED-4DB2-BD59-A6C34878D82A}">
-                    <a16:rowId xmlns:a16="http://schemas.microsoft.com/office/drawing/2014/main" xmlns="" val="2987823741"/>
+                    <a16:rowId xmlns="" xmlns:a16="http://schemas.microsoft.com/office/drawing/2014/main" val="2987823741"/>
                   </a:ext>
                 </a:extLst>
               </a:tr>
@@ -27433,7 +27433,7 @@
                 </a:tc>
                 <a:extLst>
                   <a:ext uri="{0D108BD9-81ED-4DB2-BD59-A6C34878D82A}">
-                    <a16:rowId xmlns:a16="http://schemas.microsoft.com/office/drawing/2014/main" xmlns="" val="193482310"/>
+                    <a16:rowId xmlns="" xmlns:a16="http://schemas.microsoft.com/office/drawing/2014/main" val="193482310"/>
                   </a:ext>
                 </a:extLst>
               </a:tr>
@@ -32976,6 +32976,586 @@
           <a:chExt cx="0" cy="0"/>
         </a:xfrm>
       </p:grpSpPr>
+      <p:sp>
+        <p:nvSpPr>
+          <p:cNvPr id="2" name="TextBox 1"/>
+          <p:cNvSpPr txBox="1"/>
+          <p:nvPr/>
+        </p:nvSpPr>
+        <p:spPr>
+          <a:xfrm>
+            <a:off x="467544" y="1052736"/>
+            <a:ext cx="6865982" cy="584775"/>
+          </a:xfrm>
+          <a:prstGeom prst="rect">
+            <a:avLst/>
+          </a:prstGeom>
+          <a:noFill/>
+        </p:spPr>
+        <p:txBody>
+          <a:bodyPr wrap="none" rtlCol="0">
+            <a:spAutoFit/>
+          </a:bodyPr>
+          <a:lstStyle/>
+          <a:p>
+            <a:r>
+              <a:rPr lang="en-US" altLang="zh-CN" sz="3200" dirty="0" smtClean="0"/>
+              <a:t>f (                         ×               +                ) = </a:t>
+            </a:r>
+            <a:endParaRPr lang="zh-CN" altLang="en-US" sz="3200" dirty="0"/>
+          </a:p>
+        </p:txBody>
+      </p:sp>
+      <p:sp>
+        <p:nvSpPr>
+          <p:cNvPr id="3" name="圆角矩形 2"/>
+          <p:cNvSpPr/>
+          <p:nvPr/>
+        </p:nvSpPr>
+        <p:spPr>
+          <a:xfrm>
+            <a:off x="1547664" y="991486"/>
+            <a:ext cx="1368152" cy="760652"/>
+          </a:xfrm>
+          <a:prstGeom prst="roundRect">
+            <a:avLst/>
+          </a:prstGeom>
+          <a:solidFill>
+            <a:schemeClr val="accent6">
+              <a:lumMod val="20000"/>
+              <a:lumOff val="80000"/>
+            </a:schemeClr>
+          </a:solidFill>
+          <a:ln>
+            <a:solidFill>
+              <a:schemeClr val="accent6">
+                <a:lumMod val="60000"/>
+                <a:lumOff val="40000"/>
+              </a:schemeClr>
+            </a:solidFill>
+          </a:ln>
+        </p:spPr>
+        <p:style>
+          <a:lnRef idx="2">
+            <a:schemeClr val="accent1">
+              <a:shade val="50000"/>
+            </a:schemeClr>
+          </a:lnRef>
+          <a:fillRef idx="1">
+            <a:schemeClr val="accent1"/>
+          </a:fillRef>
+          <a:effectRef idx="0">
+            <a:schemeClr val="accent1"/>
+          </a:effectRef>
+          <a:fontRef idx="minor">
+            <a:schemeClr val="lt1"/>
+          </a:fontRef>
+        </p:style>
+        <p:txBody>
+          <a:bodyPr rtlCol="0" anchor="ctr"/>
+          <a:lstStyle/>
+          <a:p>
+            <a:pPr algn="ctr"/>
+            <a:endParaRPr lang="zh-CN" altLang="en-US"/>
+          </a:p>
+        </p:txBody>
+      </p:sp>
+      <p:sp>
+        <p:nvSpPr>
+          <p:cNvPr id="5" name="圆角矩形 4"/>
+          <p:cNvSpPr/>
+          <p:nvPr/>
+        </p:nvSpPr>
+        <p:spPr>
+          <a:xfrm>
+            <a:off x="4066035" y="631446"/>
+            <a:ext cx="648072" cy="1480732"/>
+          </a:xfrm>
+          <a:prstGeom prst="roundRect">
+            <a:avLst/>
+          </a:prstGeom>
+          <a:solidFill>
+            <a:schemeClr val="accent2">
+              <a:lumMod val="20000"/>
+              <a:lumOff val="80000"/>
+            </a:schemeClr>
+          </a:solidFill>
+          <a:ln>
+            <a:solidFill>
+              <a:schemeClr val="accent2">
+                <a:lumMod val="60000"/>
+                <a:lumOff val="40000"/>
+              </a:schemeClr>
+            </a:solidFill>
+          </a:ln>
+        </p:spPr>
+        <p:style>
+          <a:lnRef idx="2">
+            <a:schemeClr val="accent1">
+              <a:shade val="50000"/>
+            </a:schemeClr>
+          </a:lnRef>
+          <a:fillRef idx="1">
+            <a:schemeClr val="accent1"/>
+          </a:fillRef>
+          <a:effectRef idx="0">
+            <a:schemeClr val="accent1"/>
+          </a:effectRef>
+          <a:fontRef idx="minor">
+            <a:schemeClr val="lt1"/>
+          </a:fontRef>
+        </p:style>
+        <p:txBody>
+          <a:bodyPr rtlCol="0" anchor="ctr"/>
+          <a:lstStyle/>
+          <a:p>
+            <a:pPr algn="ctr"/>
+            <a:endParaRPr lang="zh-CN" altLang="en-US"/>
+          </a:p>
+        </p:txBody>
+      </p:sp>
+      <p:sp>
+        <p:nvSpPr>
+          <p:cNvPr id="6" name="圆角矩形 5"/>
+          <p:cNvSpPr/>
+          <p:nvPr/>
+        </p:nvSpPr>
+        <p:spPr>
+          <a:xfrm>
+            <a:off x="5508104" y="1151623"/>
+            <a:ext cx="792088" cy="440378"/>
+          </a:xfrm>
+          <a:prstGeom prst="roundRect">
+            <a:avLst/>
+          </a:prstGeom>
+          <a:solidFill>
+            <a:schemeClr val="tx2">
+              <a:lumMod val="20000"/>
+              <a:lumOff val="80000"/>
+            </a:schemeClr>
+          </a:solidFill>
+          <a:ln>
+            <a:solidFill>
+              <a:schemeClr val="tx2">
+                <a:lumMod val="60000"/>
+                <a:lumOff val="40000"/>
+              </a:schemeClr>
+            </a:solidFill>
+          </a:ln>
+        </p:spPr>
+        <p:style>
+          <a:lnRef idx="2">
+            <a:schemeClr val="accent1">
+              <a:shade val="50000"/>
+            </a:schemeClr>
+          </a:lnRef>
+          <a:fillRef idx="1">
+            <a:schemeClr val="accent1"/>
+          </a:fillRef>
+          <a:effectRef idx="0">
+            <a:schemeClr val="accent1"/>
+          </a:effectRef>
+          <a:fontRef idx="minor">
+            <a:schemeClr val="lt1"/>
+          </a:fontRef>
+        </p:style>
+        <p:txBody>
+          <a:bodyPr rtlCol="0" anchor="ctr"/>
+          <a:lstStyle/>
+          <a:p>
+            <a:pPr algn="ctr"/>
+            <a:endParaRPr lang="zh-CN" altLang="en-US"/>
+          </a:p>
+        </p:txBody>
+      </p:sp>
+      <p:sp>
+        <p:nvSpPr>
+          <p:cNvPr id="7" name="圆角矩形 6"/>
+          <p:cNvSpPr/>
+          <p:nvPr/>
+        </p:nvSpPr>
+        <p:spPr>
+          <a:xfrm>
+            <a:off x="7596336" y="826792"/>
+            <a:ext cx="648072" cy="1090040"/>
+          </a:xfrm>
+          <a:prstGeom prst="roundRect">
+            <a:avLst/>
+          </a:prstGeom>
+          <a:solidFill>
+            <a:schemeClr val="accent6">
+              <a:lumMod val="20000"/>
+              <a:lumOff val="80000"/>
+            </a:schemeClr>
+          </a:solidFill>
+          <a:ln>
+            <a:solidFill>
+              <a:schemeClr val="accent6">
+                <a:lumMod val="60000"/>
+                <a:lumOff val="40000"/>
+              </a:schemeClr>
+            </a:solidFill>
+          </a:ln>
+        </p:spPr>
+        <p:style>
+          <a:lnRef idx="2">
+            <a:schemeClr val="accent1">
+              <a:shade val="50000"/>
+            </a:schemeClr>
+          </a:lnRef>
+          <a:fillRef idx="1">
+            <a:schemeClr val="accent1"/>
+          </a:fillRef>
+          <a:effectRef idx="0">
+            <a:schemeClr val="accent1"/>
+          </a:effectRef>
+          <a:fontRef idx="minor">
+            <a:schemeClr val="lt1"/>
+          </a:fontRef>
+        </p:style>
+        <p:txBody>
+          <a:bodyPr rtlCol="0" anchor="ctr"/>
+          <a:lstStyle/>
+          <a:p>
+            <a:pPr algn="ctr"/>
+            <a:endParaRPr lang="zh-CN" altLang="en-US"/>
+          </a:p>
+        </p:txBody>
+      </p:sp>
+      <p:sp>
+        <p:nvSpPr>
+          <p:cNvPr id="4" name="TextBox 3"/>
+          <p:cNvSpPr txBox="1"/>
+          <p:nvPr/>
+        </p:nvSpPr>
+        <p:spPr>
+          <a:xfrm>
+            <a:off x="1824939" y="1152356"/>
+            <a:ext cx="843501" cy="461665"/>
+          </a:xfrm>
+          <a:prstGeom prst="rect">
+            <a:avLst/>
+          </a:prstGeom>
+          <a:noFill/>
+        </p:spPr>
+        <p:txBody>
+          <a:bodyPr wrap="none" rtlCol="0">
+            <a:spAutoFit/>
+          </a:bodyPr>
+          <a:lstStyle/>
+          <a:p>
+            <a:r>
+              <a:rPr lang="en-US" altLang="zh-CN" sz="2400" dirty="0" smtClean="0"/>
+              <a:t>input</a:t>
+            </a:r>
+            <a:endParaRPr lang="zh-CN" altLang="en-US" sz="2400" dirty="0"/>
+          </a:p>
+        </p:txBody>
+      </p:sp>
+      <p:sp>
+        <p:nvSpPr>
+          <p:cNvPr id="9" name="TextBox 8"/>
+          <p:cNvSpPr txBox="1"/>
+          <p:nvPr/>
+        </p:nvSpPr>
+        <p:spPr>
+          <a:xfrm rot="16200000">
+            <a:off x="3906719" y="1120082"/>
+            <a:ext cx="961802" cy="461665"/>
+          </a:xfrm>
+          <a:prstGeom prst="rect">
+            <a:avLst/>
+          </a:prstGeom>
+          <a:noFill/>
+        </p:spPr>
+        <p:txBody>
+          <a:bodyPr wrap="none" rtlCol="0">
+            <a:spAutoFit/>
+          </a:bodyPr>
+          <a:lstStyle/>
+          <a:p>
+            <a:r>
+              <a:rPr lang="en-US" altLang="zh-CN" sz="2400" dirty="0" smtClean="0"/>
+              <a:t>kernel</a:t>
+            </a:r>
+            <a:endParaRPr lang="zh-CN" altLang="en-US" sz="2400" dirty="0"/>
+          </a:p>
+        </p:txBody>
+      </p:sp>
+      <p:sp>
+        <p:nvSpPr>
+          <p:cNvPr id="10" name="TextBox 9"/>
+          <p:cNvSpPr txBox="1"/>
+          <p:nvPr/>
+        </p:nvSpPr>
+        <p:spPr>
+          <a:xfrm>
+            <a:off x="5543381" y="1141598"/>
+            <a:ext cx="684803" cy="461665"/>
+          </a:xfrm>
+          <a:prstGeom prst="rect">
+            <a:avLst/>
+          </a:prstGeom>
+          <a:noFill/>
+        </p:spPr>
+        <p:txBody>
+          <a:bodyPr wrap="none" rtlCol="0">
+            <a:spAutoFit/>
+          </a:bodyPr>
+          <a:lstStyle/>
+          <a:p>
+            <a:r>
+              <a:rPr lang="en-US" altLang="zh-CN" sz="2400" dirty="0" smtClean="0"/>
+              <a:t>bias</a:t>
+            </a:r>
+            <a:endParaRPr lang="zh-CN" altLang="en-US" sz="2400" dirty="0"/>
+          </a:p>
+        </p:txBody>
+      </p:sp>
+      <p:sp>
+        <p:nvSpPr>
+          <p:cNvPr id="11" name="TextBox 10"/>
+          <p:cNvSpPr txBox="1"/>
+          <p:nvPr/>
+        </p:nvSpPr>
+        <p:spPr>
+          <a:xfrm>
+            <a:off x="1631301" y="592959"/>
+            <a:ext cx="1154483" cy="369332"/>
+          </a:xfrm>
+          <a:prstGeom prst="rect">
+            <a:avLst/>
+          </a:prstGeom>
+          <a:noFill/>
+        </p:spPr>
+        <p:txBody>
+          <a:bodyPr wrap="none" rtlCol="0">
+            <a:spAutoFit/>
+          </a:bodyPr>
+          <a:lstStyle/>
+          <a:p>
+            <a:r>
+              <a:rPr lang="en-US" altLang="zh-CN" dirty="0" err="1" smtClean="0"/>
+              <a:t>input_dim</a:t>
+            </a:r>
+            <a:endParaRPr lang="zh-CN" altLang="en-US" dirty="0"/>
+          </a:p>
+        </p:txBody>
+      </p:sp>
+      <p:sp>
+        <p:nvSpPr>
+          <p:cNvPr id="12" name="TextBox 11"/>
+          <p:cNvSpPr txBox="1"/>
+          <p:nvPr/>
+        </p:nvSpPr>
+        <p:spPr>
+          <a:xfrm rot="16200000">
+            <a:off x="7391845" y="1130841"/>
+            <a:ext cx="1037463" cy="461665"/>
+          </a:xfrm>
+          <a:prstGeom prst="rect">
+            <a:avLst/>
+          </a:prstGeom>
+          <a:noFill/>
+        </p:spPr>
+        <p:txBody>
+          <a:bodyPr wrap="none" rtlCol="0">
+            <a:spAutoFit/>
+          </a:bodyPr>
+          <a:lstStyle/>
+          <a:p>
+            <a:r>
+              <a:rPr lang="en-US" altLang="zh-CN" sz="2400" dirty="0" smtClean="0"/>
+              <a:t>output</a:t>
+            </a:r>
+            <a:endParaRPr lang="zh-CN" altLang="en-US" sz="2400" dirty="0"/>
+          </a:p>
+        </p:txBody>
+      </p:sp>
+      <p:sp>
+        <p:nvSpPr>
+          <p:cNvPr id="13" name="TextBox 12"/>
+          <p:cNvSpPr txBox="1"/>
+          <p:nvPr/>
+        </p:nvSpPr>
+        <p:spPr>
+          <a:xfrm>
+            <a:off x="4068082" y="302502"/>
+            <a:ext cx="647934" cy="369332"/>
+          </a:xfrm>
+          <a:prstGeom prst="rect">
+            <a:avLst/>
+          </a:prstGeom>
+          <a:noFill/>
+        </p:spPr>
+        <p:txBody>
+          <a:bodyPr wrap="none" rtlCol="0">
+            <a:spAutoFit/>
+          </a:bodyPr>
+          <a:lstStyle/>
+          <a:p>
+            <a:r>
+              <a:rPr lang="en-US" altLang="zh-CN" dirty="0" smtClean="0"/>
+              <a:t>units</a:t>
+            </a:r>
+            <a:endParaRPr lang="zh-CN" altLang="en-US" dirty="0"/>
+          </a:p>
+        </p:txBody>
+      </p:sp>
+      <p:sp>
+        <p:nvSpPr>
+          <p:cNvPr id="14" name="TextBox 13"/>
+          <p:cNvSpPr txBox="1"/>
+          <p:nvPr/>
+        </p:nvSpPr>
+        <p:spPr>
+          <a:xfrm>
+            <a:off x="5538751" y="775839"/>
+            <a:ext cx="647934" cy="369332"/>
+          </a:xfrm>
+          <a:prstGeom prst="rect">
+            <a:avLst/>
+          </a:prstGeom>
+          <a:noFill/>
+        </p:spPr>
+        <p:txBody>
+          <a:bodyPr wrap="none" rtlCol="0">
+            <a:spAutoFit/>
+          </a:bodyPr>
+          <a:lstStyle/>
+          <a:p>
+            <a:r>
+              <a:rPr lang="en-US" altLang="zh-CN" dirty="0" smtClean="0"/>
+              <a:t>units</a:t>
+            </a:r>
+            <a:endParaRPr lang="zh-CN" altLang="en-US" dirty="0"/>
+          </a:p>
+        </p:txBody>
+      </p:sp>
+      <p:sp>
+        <p:nvSpPr>
+          <p:cNvPr id="15" name="TextBox 14"/>
+          <p:cNvSpPr txBox="1"/>
+          <p:nvPr/>
+        </p:nvSpPr>
+        <p:spPr>
+          <a:xfrm>
+            <a:off x="7601795" y="463867"/>
+            <a:ext cx="647934" cy="369332"/>
+          </a:xfrm>
+          <a:prstGeom prst="rect">
+            <a:avLst/>
+          </a:prstGeom>
+          <a:noFill/>
+        </p:spPr>
+        <p:txBody>
+          <a:bodyPr wrap="none" rtlCol="0">
+            <a:spAutoFit/>
+          </a:bodyPr>
+          <a:lstStyle/>
+          <a:p>
+            <a:r>
+              <a:rPr lang="en-US" altLang="zh-CN" dirty="0" smtClean="0"/>
+              <a:t>units</a:t>
+            </a:r>
+            <a:endParaRPr lang="zh-CN" altLang="en-US" dirty="0"/>
+          </a:p>
+        </p:txBody>
+      </p:sp>
+      <p:sp>
+        <p:nvSpPr>
+          <p:cNvPr id="16" name="TextBox 15"/>
+          <p:cNvSpPr txBox="1"/>
+          <p:nvPr/>
+        </p:nvSpPr>
+        <p:spPr>
+          <a:xfrm rot="16200000">
+            <a:off x="706142" y="1173871"/>
+            <a:ext cx="1171603" cy="369332"/>
+          </a:xfrm>
+          <a:prstGeom prst="rect">
+            <a:avLst/>
+          </a:prstGeom>
+          <a:noFill/>
+        </p:spPr>
+        <p:txBody>
+          <a:bodyPr wrap="none" rtlCol="0">
+            <a:spAutoFit/>
+          </a:bodyPr>
+          <a:lstStyle/>
+          <a:p>
+            <a:r>
+              <a:rPr lang="en-US" altLang="zh-CN" dirty="0" err="1" smtClean="0"/>
+              <a:t>batch_size</a:t>
+            </a:r>
+            <a:endParaRPr lang="zh-CN" altLang="en-US" dirty="0"/>
+          </a:p>
+        </p:txBody>
+      </p:sp>
+      <p:sp>
+        <p:nvSpPr>
+          <p:cNvPr id="17" name="TextBox 16"/>
+          <p:cNvSpPr txBox="1"/>
+          <p:nvPr/>
+        </p:nvSpPr>
+        <p:spPr>
+          <a:xfrm rot="16200000">
+            <a:off x="6859517" y="1163114"/>
+            <a:ext cx="1171603" cy="369332"/>
+          </a:xfrm>
+          <a:prstGeom prst="rect">
+            <a:avLst/>
+          </a:prstGeom>
+          <a:noFill/>
+        </p:spPr>
+        <p:txBody>
+          <a:bodyPr wrap="none" rtlCol="0">
+            <a:spAutoFit/>
+          </a:bodyPr>
+          <a:lstStyle/>
+          <a:p>
+            <a:r>
+              <a:rPr lang="en-US" altLang="zh-CN" dirty="0" err="1" smtClean="0"/>
+              <a:t>batch_size</a:t>
+            </a:r>
+            <a:endParaRPr lang="zh-CN" altLang="en-US" dirty="0"/>
+          </a:p>
+        </p:txBody>
+      </p:sp>
+      <p:sp>
+        <p:nvSpPr>
+          <p:cNvPr id="18" name="TextBox 17"/>
+          <p:cNvSpPr txBox="1"/>
+          <p:nvPr/>
+        </p:nvSpPr>
+        <p:spPr>
+          <a:xfrm rot="16200000">
+            <a:off x="3312849" y="1120084"/>
+            <a:ext cx="1154483" cy="369332"/>
+          </a:xfrm>
+          <a:prstGeom prst="rect">
+            <a:avLst/>
+          </a:prstGeom>
+          <a:noFill/>
+        </p:spPr>
+        <p:txBody>
+          <a:bodyPr wrap="none" rtlCol="0">
+            <a:spAutoFit/>
+          </a:bodyPr>
+          <a:lstStyle/>
+          <a:p>
+            <a:r>
+              <a:rPr lang="en-US" altLang="zh-CN" dirty="0" err="1"/>
+              <a:t>i</a:t>
+            </a:r>
+            <a:r>
+              <a:rPr lang="en-US" altLang="zh-CN" dirty="0" err="1" smtClean="0"/>
+              <a:t>nput_dim</a:t>
+            </a:r>
+            <a:endParaRPr lang="zh-CN" altLang="en-US" dirty="0"/>
+          </a:p>
+        </p:txBody>
+      </p:sp>
     </p:spTree>
     <p:extLst>
       <p:ext uri="{BB962C8B-B14F-4D97-AF65-F5344CB8AC3E}">
@@ -33102,35 +33682,35 @@
                 <a:gridCol w="763270">
                   <a:extLst>
                     <a:ext uri="{9D8B030D-6E8A-4147-A177-3AD203B41FA5}">
-                      <a16:colId xmlns:a16="http://schemas.microsoft.com/office/drawing/2014/main" xmlns="" val="3326979791"/>
+                      <a16:colId xmlns="" xmlns:a16="http://schemas.microsoft.com/office/drawing/2014/main" val="3326979791"/>
                     </a:ext>
                   </a:extLst>
                 </a:gridCol>
                 <a:gridCol w="542325">
                   <a:extLst>
                     <a:ext uri="{9D8B030D-6E8A-4147-A177-3AD203B41FA5}">
-                      <a16:colId xmlns:a16="http://schemas.microsoft.com/office/drawing/2014/main" xmlns="" val="637607070"/>
+                      <a16:colId xmlns="" xmlns:a16="http://schemas.microsoft.com/office/drawing/2014/main" val="637607070"/>
                     </a:ext>
                   </a:extLst>
                 </a:gridCol>
                 <a:gridCol w="542325">
                   <a:extLst>
                     <a:ext uri="{9D8B030D-6E8A-4147-A177-3AD203B41FA5}">
-                      <a16:colId xmlns:a16="http://schemas.microsoft.com/office/drawing/2014/main" xmlns="" val="1695508235"/>
+                      <a16:colId xmlns="" xmlns:a16="http://schemas.microsoft.com/office/drawing/2014/main" val="1695508235"/>
                     </a:ext>
                   </a:extLst>
                 </a:gridCol>
                 <a:gridCol w="542325">
                   <a:extLst>
                     <a:ext uri="{9D8B030D-6E8A-4147-A177-3AD203B41FA5}">
-                      <a16:colId xmlns:a16="http://schemas.microsoft.com/office/drawing/2014/main" xmlns="" val="1870987448"/>
+                      <a16:colId xmlns="" xmlns:a16="http://schemas.microsoft.com/office/drawing/2014/main" val="1870987448"/>
                     </a:ext>
                   </a:extLst>
                 </a:gridCol>
                 <a:gridCol w="542325">
                   <a:extLst>
                     <a:ext uri="{9D8B030D-6E8A-4147-A177-3AD203B41FA5}">
-                      <a16:colId xmlns:a16="http://schemas.microsoft.com/office/drawing/2014/main" xmlns="" val="324699617"/>
+                      <a16:colId xmlns="" xmlns:a16="http://schemas.microsoft.com/office/drawing/2014/main" val="324699617"/>
                     </a:ext>
                   </a:extLst>
                 </a:gridCol>
@@ -33498,7 +34078,7 @@
                 </a:tc>
                 <a:extLst>
                   <a:ext uri="{0D108BD9-81ED-4DB2-BD59-A6C34878D82A}">
-                    <a16:rowId xmlns:a16="http://schemas.microsoft.com/office/drawing/2014/main" xmlns="" val="798814532"/>
+                    <a16:rowId xmlns="" xmlns:a16="http://schemas.microsoft.com/office/drawing/2014/main" val="798814532"/>
                   </a:ext>
                 </a:extLst>
               </a:tr>
@@ -33845,7 +34425,7 @@
                 </a:tc>
                 <a:extLst>
                   <a:ext uri="{0D108BD9-81ED-4DB2-BD59-A6C34878D82A}">
-                    <a16:rowId xmlns:a16="http://schemas.microsoft.com/office/drawing/2014/main" xmlns="" val="1491202224"/>
+                    <a16:rowId xmlns="" xmlns:a16="http://schemas.microsoft.com/office/drawing/2014/main" val="1491202224"/>
                   </a:ext>
                 </a:extLst>
               </a:tr>
@@ -34170,7 +34750,7 @@
                 </a:tc>
                 <a:extLst>
                   <a:ext uri="{0D108BD9-81ED-4DB2-BD59-A6C34878D82A}">
-                    <a16:rowId xmlns:a16="http://schemas.microsoft.com/office/drawing/2014/main" xmlns="" val="2457331936"/>
+                    <a16:rowId xmlns="" xmlns:a16="http://schemas.microsoft.com/office/drawing/2014/main" val="2457331936"/>
                   </a:ext>
                 </a:extLst>
               </a:tr>
@@ -34300,35 +34880,35 @@
                 <a:gridCol w="763270">
                   <a:extLst>
                     <a:ext uri="{9D8B030D-6E8A-4147-A177-3AD203B41FA5}">
-                      <a16:colId xmlns:a16="http://schemas.microsoft.com/office/drawing/2014/main" xmlns="" val="3326979791"/>
+                      <a16:colId xmlns="" xmlns:a16="http://schemas.microsoft.com/office/drawing/2014/main" val="3326979791"/>
                     </a:ext>
                   </a:extLst>
                 </a:gridCol>
                 <a:gridCol w="542325">
                   <a:extLst>
                     <a:ext uri="{9D8B030D-6E8A-4147-A177-3AD203B41FA5}">
-                      <a16:colId xmlns:a16="http://schemas.microsoft.com/office/drawing/2014/main" xmlns="" val="637607070"/>
+                      <a16:colId xmlns="" xmlns:a16="http://schemas.microsoft.com/office/drawing/2014/main" val="637607070"/>
                     </a:ext>
                   </a:extLst>
                 </a:gridCol>
                 <a:gridCol w="542325">
                   <a:extLst>
                     <a:ext uri="{9D8B030D-6E8A-4147-A177-3AD203B41FA5}">
-                      <a16:colId xmlns:a16="http://schemas.microsoft.com/office/drawing/2014/main" xmlns="" val="1695508235"/>
+                      <a16:colId xmlns="" xmlns:a16="http://schemas.microsoft.com/office/drawing/2014/main" val="1695508235"/>
                     </a:ext>
                   </a:extLst>
                 </a:gridCol>
                 <a:gridCol w="542325">
                   <a:extLst>
                     <a:ext uri="{9D8B030D-6E8A-4147-A177-3AD203B41FA5}">
-                      <a16:colId xmlns:a16="http://schemas.microsoft.com/office/drawing/2014/main" xmlns="" val="1870987448"/>
+                      <a16:colId xmlns="" xmlns:a16="http://schemas.microsoft.com/office/drawing/2014/main" val="1870987448"/>
                     </a:ext>
                   </a:extLst>
                 </a:gridCol>
                 <a:gridCol w="542325">
                   <a:extLst>
                     <a:ext uri="{9D8B030D-6E8A-4147-A177-3AD203B41FA5}">
-                      <a16:colId xmlns:a16="http://schemas.microsoft.com/office/drawing/2014/main" xmlns="" val="324699617"/>
+                      <a16:colId xmlns="" xmlns:a16="http://schemas.microsoft.com/office/drawing/2014/main" val="324699617"/>
                     </a:ext>
                   </a:extLst>
                 </a:gridCol>
@@ -34696,7 +35276,7 @@
                 </a:tc>
                 <a:extLst>
                   <a:ext uri="{0D108BD9-81ED-4DB2-BD59-A6C34878D82A}">
-                    <a16:rowId xmlns:a16="http://schemas.microsoft.com/office/drawing/2014/main" xmlns="" val="798814532"/>
+                    <a16:rowId xmlns="" xmlns:a16="http://schemas.microsoft.com/office/drawing/2014/main" val="798814532"/>
                   </a:ext>
                 </a:extLst>
               </a:tr>
@@ -35043,7 +35623,7 @@
                 </a:tc>
                 <a:extLst>
                   <a:ext uri="{0D108BD9-81ED-4DB2-BD59-A6C34878D82A}">
-                    <a16:rowId xmlns:a16="http://schemas.microsoft.com/office/drawing/2014/main" xmlns="" val="1491202224"/>
+                    <a16:rowId xmlns="" xmlns:a16="http://schemas.microsoft.com/office/drawing/2014/main" val="1491202224"/>
                   </a:ext>
                 </a:extLst>
               </a:tr>
@@ -35398,7 +35978,7 @@
                 </a:tc>
                 <a:extLst>
                   <a:ext uri="{0D108BD9-81ED-4DB2-BD59-A6C34878D82A}">
-                    <a16:rowId xmlns:a16="http://schemas.microsoft.com/office/drawing/2014/main" xmlns="" val="2457331936"/>
+                    <a16:rowId xmlns="" xmlns:a16="http://schemas.microsoft.com/office/drawing/2014/main" val="2457331936"/>
                   </a:ext>
                 </a:extLst>
               </a:tr>
@@ -35536,35 +36116,35 @@
                 <a:gridCol w="763270">
                   <a:extLst>
                     <a:ext uri="{9D8B030D-6E8A-4147-A177-3AD203B41FA5}">
-                      <a16:colId xmlns:a16="http://schemas.microsoft.com/office/drawing/2014/main" xmlns="" val="3326979791"/>
+                      <a16:colId xmlns="" xmlns:a16="http://schemas.microsoft.com/office/drawing/2014/main" val="3326979791"/>
                     </a:ext>
                   </a:extLst>
                 </a:gridCol>
                 <a:gridCol w="542325">
                   <a:extLst>
                     <a:ext uri="{9D8B030D-6E8A-4147-A177-3AD203B41FA5}">
-                      <a16:colId xmlns:a16="http://schemas.microsoft.com/office/drawing/2014/main" xmlns="" val="637607070"/>
+                      <a16:colId xmlns="" xmlns:a16="http://schemas.microsoft.com/office/drawing/2014/main" val="637607070"/>
                     </a:ext>
                   </a:extLst>
                 </a:gridCol>
                 <a:gridCol w="542325">
                   <a:extLst>
                     <a:ext uri="{9D8B030D-6E8A-4147-A177-3AD203B41FA5}">
-                      <a16:colId xmlns:a16="http://schemas.microsoft.com/office/drawing/2014/main" xmlns="" val="1695508235"/>
+                      <a16:colId xmlns="" xmlns:a16="http://schemas.microsoft.com/office/drawing/2014/main" val="1695508235"/>
                     </a:ext>
                   </a:extLst>
                 </a:gridCol>
                 <a:gridCol w="542325">
                   <a:extLst>
                     <a:ext uri="{9D8B030D-6E8A-4147-A177-3AD203B41FA5}">
-                      <a16:colId xmlns:a16="http://schemas.microsoft.com/office/drawing/2014/main" xmlns="" val="1870987448"/>
+                      <a16:colId xmlns="" xmlns:a16="http://schemas.microsoft.com/office/drawing/2014/main" val="1870987448"/>
                     </a:ext>
                   </a:extLst>
                 </a:gridCol>
                 <a:gridCol w="542325">
                   <a:extLst>
                     <a:ext uri="{9D8B030D-6E8A-4147-A177-3AD203B41FA5}">
-                      <a16:colId xmlns:a16="http://schemas.microsoft.com/office/drawing/2014/main" xmlns="" val="324699617"/>
+                      <a16:colId xmlns="" xmlns:a16="http://schemas.microsoft.com/office/drawing/2014/main" val="324699617"/>
                     </a:ext>
                   </a:extLst>
                 </a:gridCol>
@@ -35932,7 +36512,7 @@
                 </a:tc>
                 <a:extLst>
                   <a:ext uri="{0D108BD9-81ED-4DB2-BD59-A6C34878D82A}">
-                    <a16:rowId xmlns:a16="http://schemas.microsoft.com/office/drawing/2014/main" xmlns="" val="798814532"/>
+                    <a16:rowId xmlns="" xmlns:a16="http://schemas.microsoft.com/office/drawing/2014/main" val="798814532"/>
                   </a:ext>
                 </a:extLst>
               </a:tr>
@@ -36279,7 +36859,7 @@
                 </a:tc>
                 <a:extLst>
                   <a:ext uri="{0D108BD9-81ED-4DB2-BD59-A6C34878D82A}">
-                    <a16:rowId xmlns:a16="http://schemas.microsoft.com/office/drawing/2014/main" xmlns="" val="1491202224"/>
+                    <a16:rowId xmlns="" xmlns:a16="http://schemas.microsoft.com/office/drawing/2014/main" val="1491202224"/>
                   </a:ext>
                 </a:extLst>
               </a:tr>
@@ -36642,7 +37222,7 @@
                 </a:tc>
                 <a:extLst>
                   <a:ext uri="{0D108BD9-81ED-4DB2-BD59-A6C34878D82A}">
-                    <a16:rowId xmlns:a16="http://schemas.microsoft.com/office/drawing/2014/main" xmlns="" val="2457331936"/>
+                    <a16:rowId xmlns="" xmlns:a16="http://schemas.microsoft.com/office/drawing/2014/main" val="2457331936"/>
                   </a:ext>
                 </a:extLst>
               </a:tr>

--- a/ppt/tf.reduce_mean.pptx
+++ b/ppt/tf.reduce_mean.pptx
@@ -141,7 +141,7 @@
   </p:defaultTextStyle>
   <p:extLst>
     <p:ext uri="{EFAFB233-063F-42B5-8137-9DF3F51BA10A}">
-      <p15:sldGuideLst xmlns="" xmlns:p15="http://schemas.microsoft.com/office/powerpoint/2012/main">
+      <p15:sldGuideLst xmlns:p15="http://schemas.microsoft.com/office/powerpoint/2012/main" xmlns="">
         <p15:guide id="1" orient="horz" pos="2160">
           <p15:clr>
             <a:srgbClr val="A4A3A4"/>
@@ -339,7 +339,7 @@
           <a:p>
             <a:fld id="{154D151C-2C25-4305-8E14-82B64FCC1564}" type="datetimeFigureOut">
               <a:rPr lang="zh-CN" altLang="en-US" smtClean="0"/>
-              <a:t>2020/9/12</a:t>
+              <a:t>2020/9/28</a:t>
             </a:fld>
             <a:endParaRPr lang="zh-CN" altLang="en-US"/>
           </a:p>
@@ -509,7 +509,7 @@
           <a:p>
             <a:fld id="{154D151C-2C25-4305-8E14-82B64FCC1564}" type="datetimeFigureOut">
               <a:rPr lang="zh-CN" altLang="en-US" smtClean="0"/>
-              <a:t>2020/9/12</a:t>
+              <a:t>2020/9/28</a:t>
             </a:fld>
             <a:endParaRPr lang="zh-CN" altLang="en-US"/>
           </a:p>
@@ -689,7 +689,7 @@
           <a:p>
             <a:fld id="{154D151C-2C25-4305-8E14-82B64FCC1564}" type="datetimeFigureOut">
               <a:rPr lang="zh-CN" altLang="en-US" smtClean="0"/>
-              <a:t>2020/9/12</a:t>
+              <a:t>2020/9/28</a:t>
             </a:fld>
             <a:endParaRPr lang="zh-CN" altLang="en-US"/>
           </a:p>
@@ -1119,7 +1119,7 @@
           <a:p>
             <a:fld id="{154D151C-2C25-4305-8E14-82B64FCC1564}" type="datetimeFigureOut">
               <a:rPr lang="zh-CN" altLang="en-US" smtClean="0"/>
-              <a:t>2020/9/12</a:t>
+              <a:t>2020/9/28</a:t>
             </a:fld>
             <a:endParaRPr lang="zh-CN" altLang="en-US"/>
           </a:p>
@@ -1365,7 +1365,7 @@
           <a:p>
             <a:fld id="{154D151C-2C25-4305-8E14-82B64FCC1564}" type="datetimeFigureOut">
               <a:rPr lang="zh-CN" altLang="en-US" smtClean="0"/>
-              <a:t>2020/9/12</a:t>
+              <a:t>2020/9/28</a:t>
             </a:fld>
             <a:endParaRPr lang="zh-CN" altLang="en-US"/>
           </a:p>
@@ -1653,7 +1653,7 @@
           <a:p>
             <a:fld id="{154D151C-2C25-4305-8E14-82B64FCC1564}" type="datetimeFigureOut">
               <a:rPr lang="zh-CN" altLang="en-US" smtClean="0"/>
-              <a:t>2020/9/12</a:t>
+              <a:t>2020/9/28</a:t>
             </a:fld>
             <a:endParaRPr lang="zh-CN" altLang="en-US"/>
           </a:p>
@@ -2075,7 +2075,7 @@
           <a:p>
             <a:fld id="{154D151C-2C25-4305-8E14-82B64FCC1564}" type="datetimeFigureOut">
               <a:rPr lang="zh-CN" altLang="en-US" smtClean="0"/>
-              <a:t>2020/9/12</a:t>
+              <a:t>2020/9/28</a:t>
             </a:fld>
             <a:endParaRPr lang="zh-CN" altLang="en-US"/>
           </a:p>
@@ -2193,7 +2193,7 @@
           <a:p>
             <a:fld id="{154D151C-2C25-4305-8E14-82B64FCC1564}" type="datetimeFigureOut">
               <a:rPr lang="zh-CN" altLang="en-US" smtClean="0"/>
-              <a:t>2020/9/12</a:t>
+              <a:t>2020/9/28</a:t>
             </a:fld>
             <a:endParaRPr lang="zh-CN" altLang="en-US"/>
           </a:p>
@@ -2288,7 +2288,7 @@
           <a:p>
             <a:fld id="{154D151C-2C25-4305-8E14-82B64FCC1564}" type="datetimeFigureOut">
               <a:rPr lang="zh-CN" altLang="en-US" smtClean="0"/>
-              <a:t>2020/9/12</a:t>
+              <a:t>2020/9/28</a:t>
             </a:fld>
             <a:endParaRPr lang="zh-CN" altLang="en-US"/>
           </a:p>
@@ -2565,7 +2565,7 @@
           <a:p>
             <a:fld id="{154D151C-2C25-4305-8E14-82B64FCC1564}" type="datetimeFigureOut">
               <a:rPr lang="zh-CN" altLang="en-US" smtClean="0"/>
-              <a:t>2020/9/12</a:t>
+              <a:t>2020/9/28</a:t>
             </a:fld>
             <a:endParaRPr lang="zh-CN" altLang="en-US"/>
           </a:p>
@@ -2818,7 +2818,7 @@
           <a:p>
             <a:fld id="{154D151C-2C25-4305-8E14-82B64FCC1564}" type="datetimeFigureOut">
               <a:rPr lang="zh-CN" altLang="en-US" smtClean="0"/>
-              <a:t>2020/9/12</a:t>
+              <a:t>2020/9/28</a:t>
             </a:fld>
             <a:endParaRPr lang="zh-CN" altLang="en-US"/>
           </a:p>
@@ -3031,7 +3031,7 @@
           <a:p>
             <a:fld id="{154D151C-2C25-4305-8E14-82B64FCC1564}" type="datetimeFigureOut">
               <a:rPr lang="zh-CN" altLang="en-US" smtClean="0"/>
-              <a:t>2020/9/12</a:t>
+              <a:t>2020/9/28</a:t>
             </a:fld>
             <a:endParaRPr lang="zh-CN" altLang="en-US"/>
           </a:p>
@@ -16245,35 +16245,35 @@
                 <a:gridCol w="763270">
                   <a:extLst>
                     <a:ext uri="{9D8B030D-6E8A-4147-A177-3AD203B41FA5}">
-                      <a16:colId xmlns="" xmlns:a16="http://schemas.microsoft.com/office/drawing/2014/main" val="3326979791"/>
+                      <a16:colId xmlns:a16="http://schemas.microsoft.com/office/drawing/2014/main" xmlns="" val="3326979791"/>
                     </a:ext>
                   </a:extLst>
                 </a:gridCol>
                 <a:gridCol w="542325">
                   <a:extLst>
                     <a:ext uri="{9D8B030D-6E8A-4147-A177-3AD203B41FA5}">
-                      <a16:colId xmlns="" xmlns:a16="http://schemas.microsoft.com/office/drawing/2014/main" val="637607070"/>
+                      <a16:colId xmlns:a16="http://schemas.microsoft.com/office/drawing/2014/main" xmlns="" val="637607070"/>
                     </a:ext>
                   </a:extLst>
                 </a:gridCol>
                 <a:gridCol w="542325">
                   <a:extLst>
                     <a:ext uri="{9D8B030D-6E8A-4147-A177-3AD203B41FA5}">
-                      <a16:colId xmlns="" xmlns:a16="http://schemas.microsoft.com/office/drawing/2014/main" val="1695508235"/>
+                      <a16:colId xmlns:a16="http://schemas.microsoft.com/office/drawing/2014/main" xmlns="" val="1695508235"/>
                     </a:ext>
                   </a:extLst>
                 </a:gridCol>
                 <a:gridCol w="542325">
                   <a:extLst>
                     <a:ext uri="{9D8B030D-6E8A-4147-A177-3AD203B41FA5}">
-                      <a16:colId xmlns="" xmlns:a16="http://schemas.microsoft.com/office/drawing/2014/main" val="1870987448"/>
+                      <a16:colId xmlns:a16="http://schemas.microsoft.com/office/drawing/2014/main" xmlns="" val="1870987448"/>
                     </a:ext>
                   </a:extLst>
                 </a:gridCol>
                 <a:gridCol w="542325">
                   <a:extLst>
                     <a:ext uri="{9D8B030D-6E8A-4147-A177-3AD203B41FA5}">
-                      <a16:colId xmlns="" xmlns:a16="http://schemas.microsoft.com/office/drawing/2014/main" val="324699617"/>
+                      <a16:colId xmlns:a16="http://schemas.microsoft.com/office/drawing/2014/main" xmlns="" val="324699617"/>
                     </a:ext>
                   </a:extLst>
                 </a:gridCol>
@@ -16641,7 +16641,7 @@
                 </a:tc>
                 <a:extLst>
                   <a:ext uri="{0D108BD9-81ED-4DB2-BD59-A6C34878D82A}">
-                    <a16:rowId xmlns="" xmlns:a16="http://schemas.microsoft.com/office/drawing/2014/main" val="798814532"/>
+                    <a16:rowId xmlns:a16="http://schemas.microsoft.com/office/drawing/2014/main" xmlns="" val="798814532"/>
                   </a:ext>
                 </a:extLst>
               </a:tr>
@@ -16988,7 +16988,7 @@
                 </a:tc>
                 <a:extLst>
                   <a:ext uri="{0D108BD9-81ED-4DB2-BD59-A6C34878D82A}">
-                    <a16:rowId xmlns="" xmlns:a16="http://schemas.microsoft.com/office/drawing/2014/main" val="1491202224"/>
+                    <a16:rowId xmlns:a16="http://schemas.microsoft.com/office/drawing/2014/main" xmlns="" val="1491202224"/>
                   </a:ext>
                 </a:extLst>
               </a:tr>
@@ -17313,7 +17313,7 @@
                 </a:tc>
                 <a:extLst>
                   <a:ext uri="{0D108BD9-81ED-4DB2-BD59-A6C34878D82A}">
-                    <a16:rowId xmlns="" xmlns:a16="http://schemas.microsoft.com/office/drawing/2014/main" val="2457331936"/>
+                    <a16:rowId xmlns:a16="http://schemas.microsoft.com/office/drawing/2014/main" xmlns="" val="2457331936"/>
                   </a:ext>
                 </a:extLst>
               </a:tr>
@@ -17443,35 +17443,35 @@
                 <a:gridCol w="763270">
                   <a:extLst>
                     <a:ext uri="{9D8B030D-6E8A-4147-A177-3AD203B41FA5}">
-                      <a16:colId xmlns="" xmlns:a16="http://schemas.microsoft.com/office/drawing/2014/main" val="3326979791"/>
+                      <a16:colId xmlns:a16="http://schemas.microsoft.com/office/drawing/2014/main" xmlns="" val="3326979791"/>
                     </a:ext>
                   </a:extLst>
                 </a:gridCol>
                 <a:gridCol w="542325">
                   <a:extLst>
                     <a:ext uri="{9D8B030D-6E8A-4147-A177-3AD203B41FA5}">
-                      <a16:colId xmlns="" xmlns:a16="http://schemas.microsoft.com/office/drawing/2014/main" val="637607070"/>
+                      <a16:colId xmlns:a16="http://schemas.microsoft.com/office/drawing/2014/main" xmlns="" val="637607070"/>
                     </a:ext>
                   </a:extLst>
                 </a:gridCol>
                 <a:gridCol w="542325">
                   <a:extLst>
                     <a:ext uri="{9D8B030D-6E8A-4147-A177-3AD203B41FA5}">
-                      <a16:colId xmlns="" xmlns:a16="http://schemas.microsoft.com/office/drawing/2014/main" val="1695508235"/>
+                      <a16:colId xmlns:a16="http://schemas.microsoft.com/office/drawing/2014/main" xmlns="" val="1695508235"/>
                     </a:ext>
                   </a:extLst>
                 </a:gridCol>
                 <a:gridCol w="542325">
                   <a:extLst>
                     <a:ext uri="{9D8B030D-6E8A-4147-A177-3AD203B41FA5}">
-                      <a16:colId xmlns="" xmlns:a16="http://schemas.microsoft.com/office/drawing/2014/main" val="1870987448"/>
+                      <a16:colId xmlns:a16="http://schemas.microsoft.com/office/drawing/2014/main" xmlns="" val="1870987448"/>
                     </a:ext>
                   </a:extLst>
                 </a:gridCol>
                 <a:gridCol w="542325">
                   <a:extLst>
                     <a:ext uri="{9D8B030D-6E8A-4147-A177-3AD203B41FA5}">
-                      <a16:colId xmlns="" xmlns:a16="http://schemas.microsoft.com/office/drawing/2014/main" val="324699617"/>
+                      <a16:colId xmlns:a16="http://schemas.microsoft.com/office/drawing/2014/main" xmlns="" val="324699617"/>
                     </a:ext>
                   </a:extLst>
                 </a:gridCol>
@@ -17839,7 +17839,7 @@
                 </a:tc>
                 <a:extLst>
                   <a:ext uri="{0D108BD9-81ED-4DB2-BD59-A6C34878D82A}">
-                    <a16:rowId xmlns="" xmlns:a16="http://schemas.microsoft.com/office/drawing/2014/main" val="798814532"/>
+                    <a16:rowId xmlns:a16="http://schemas.microsoft.com/office/drawing/2014/main" xmlns="" val="798814532"/>
                   </a:ext>
                 </a:extLst>
               </a:tr>
@@ -18186,7 +18186,7 @@
                 </a:tc>
                 <a:extLst>
                   <a:ext uri="{0D108BD9-81ED-4DB2-BD59-A6C34878D82A}">
-                    <a16:rowId xmlns="" xmlns:a16="http://schemas.microsoft.com/office/drawing/2014/main" val="1491202224"/>
+                    <a16:rowId xmlns:a16="http://schemas.microsoft.com/office/drawing/2014/main" xmlns="" val="1491202224"/>
                   </a:ext>
                 </a:extLst>
               </a:tr>
@@ -18541,7 +18541,7 @@
                 </a:tc>
                 <a:extLst>
                   <a:ext uri="{0D108BD9-81ED-4DB2-BD59-A6C34878D82A}">
-                    <a16:rowId xmlns="" xmlns:a16="http://schemas.microsoft.com/office/drawing/2014/main" val="2457331936"/>
+                    <a16:rowId xmlns:a16="http://schemas.microsoft.com/office/drawing/2014/main" xmlns="" val="2457331936"/>
                   </a:ext>
                 </a:extLst>
               </a:tr>
@@ -18679,35 +18679,35 @@
                 <a:gridCol w="763270">
                   <a:extLst>
                     <a:ext uri="{9D8B030D-6E8A-4147-A177-3AD203B41FA5}">
-                      <a16:colId xmlns="" xmlns:a16="http://schemas.microsoft.com/office/drawing/2014/main" val="3326979791"/>
+                      <a16:colId xmlns:a16="http://schemas.microsoft.com/office/drawing/2014/main" xmlns="" val="3326979791"/>
                     </a:ext>
                   </a:extLst>
                 </a:gridCol>
                 <a:gridCol w="542325">
                   <a:extLst>
                     <a:ext uri="{9D8B030D-6E8A-4147-A177-3AD203B41FA5}">
-                      <a16:colId xmlns="" xmlns:a16="http://schemas.microsoft.com/office/drawing/2014/main" val="637607070"/>
+                      <a16:colId xmlns:a16="http://schemas.microsoft.com/office/drawing/2014/main" xmlns="" val="637607070"/>
                     </a:ext>
                   </a:extLst>
                 </a:gridCol>
                 <a:gridCol w="542325">
                   <a:extLst>
                     <a:ext uri="{9D8B030D-6E8A-4147-A177-3AD203B41FA5}">
-                      <a16:colId xmlns="" xmlns:a16="http://schemas.microsoft.com/office/drawing/2014/main" val="1695508235"/>
+                      <a16:colId xmlns:a16="http://schemas.microsoft.com/office/drawing/2014/main" xmlns="" val="1695508235"/>
                     </a:ext>
                   </a:extLst>
                 </a:gridCol>
                 <a:gridCol w="542325">
                   <a:extLst>
                     <a:ext uri="{9D8B030D-6E8A-4147-A177-3AD203B41FA5}">
-                      <a16:colId xmlns="" xmlns:a16="http://schemas.microsoft.com/office/drawing/2014/main" val="1870987448"/>
+                      <a16:colId xmlns:a16="http://schemas.microsoft.com/office/drawing/2014/main" xmlns="" val="1870987448"/>
                     </a:ext>
                   </a:extLst>
                 </a:gridCol>
                 <a:gridCol w="542325">
                   <a:extLst>
                     <a:ext uri="{9D8B030D-6E8A-4147-A177-3AD203B41FA5}">
-                      <a16:colId xmlns="" xmlns:a16="http://schemas.microsoft.com/office/drawing/2014/main" val="324699617"/>
+                      <a16:colId xmlns:a16="http://schemas.microsoft.com/office/drawing/2014/main" xmlns="" val="324699617"/>
                     </a:ext>
                   </a:extLst>
                 </a:gridCol>
@@ -19075,7 +19075,7 @@
                 </a:tc>
                 <a:extLst>
                   <a:ext uri="{0D108BD9-81ED-4DB2-BD59-A6C34878D82A}">
-                    <a16:rowId xmlns="" xmlns:a16="http://schemas.microsoft.com/office/drawing/2014/main" val="798814532"/>
+                    <a16:rowId xmlns:a16="http://schemas.microsoft.com/office/drawing/2014/main" xmlns="" val="798814532"/>
                   </a:ext>
                 </a:extLst>
               </a:tr>
@@ -19422,7 +19422,7 @@
                 </a:tc>
                 <a:extLst>
                   <a:ext uri="{0D108BD9-81ED-4DB2-BD59-A6C34878D82A}">
-                    <a16:rowId xmlns="" xmlns:a16="http://schemas.microsoft.com/office/drawing/2014/main" val="1491202224"/>
+                    <a16:rowId xmlns:a16="http://schemas.microsoft.com/office/drawing/2014/main" xmlns="" val="1491202224"/>
                   </a:ext>
                 </a:extLst>
               </a:tr>
@@ -19785,7 +19785,7 @@
                 </a:tc>
                 <a:extLst>
                   <a:ext uri="{0D108BD9-81ED-4DB2-BD59-A6C34878D82A}">
-                    <a16:rowId xmlns="" xmlns:a16="http://schemas.microsoft.com/office/drawing/2014/main" val="2457331936"/>
+                    <a16:rowId xmlns:a16="http://schemas.microsoft.com/office/drawing/2014/main" xmlns="" val="2457331936"/>
                   </a:ext>
                 </a:extLst>
               </a:tr>
@@ -20571,7 +20571,7 @@
                 <a:gridCol w="1152128">
                   <a:extLst>
                     <a:ext uri="{9D8B030D-6E8A-4147-A177-3AD203B41FA5}">
-                      <a16:colId xmlns="" xmlns:a16="http://schemas.microsoft.com/office/drawing/2014/main" val="1214683687"/>
+                      <a16:colId xmlns:a16="http://schemas.microsoft.com/office/drawing/2014/main" xmlns="" val="1214683687"/>
                     </a:ext>
                   </a:extLst>
                 </a:gridCol>
@@ -20644,7 +20644,7 @@
                 </a:tc>
                 <a:extLst>
                   <a:ext uri="{0D108BD9-81ED-4DB2-BD59-A6C34878D82A}">
-                    <a16:rowId xmlns="" xmlns:a16="http://schemas.microsoft.com/office/drawing/2014/main" val="1006269131"/>
+                    <a16:rowId xmlns:a16="http://schemas.microsoft.com/office/drawing/2014/main" xmlns="" val="1006269131"/>
                   </a:ext>
                 </a:extLst>
               </a:tr>
@@ -20750,7 +20750,7 @@
                 </a:tc>
                 <a:extLst>
                   <a:ext uri="{0D108BD9-81ED-4DB2-BD59-A6C34878D82A}">
-                    <a16:rowId xmlns="" xmlns:a16="http://schemas.microsoft.com/office/drawing/2014/main" val="194545254"/>
+                    <a16:rowId xmlns:a16="http://schemas.microsoft.com/office/drawing/2014/main" xmlns="" val="194545254"/>
                   </a:ext>
                 </a:extLst>
               </a:tr>
@@ -20856,7 +20856,7 @@
                 </a:tc>
                 <a:extLst>
                   <a:ext uri="{0D108BD9-81ED-4DB2-BD59-A6C34878D82A}">
-                    <a16:rowId xmlns="" xmlns:a16="http://schemas.microsoft.com/office/drawing/2014/main" val="44223002"/>
+                    <a16:rowId xmlns:a16="http://schemas.microsoft.com/office/drawing/2014/main" xmlns="" val="44223002"/>
                   </a:ext>
                 </a:extLst>
               </a:tr>
@@ -20962,7 +20962,7 @@
                 </a:tc>
                 <a:extLst>
                   <a:ext uri="{0D108BD9-81ED-4DB2-BD59-A6C34878D82A}">
-                    <a16:rowId xmlns="" xmlns:a16="http://schemas.microsoft.com/office/drawing/2014/main" val="4268083801"/>
+                    <a16:rowId xmlns:a16="http://schemas.microsoft.com/office/drawing/2014/main" xmlns="" val="4268083801"/>
                   </a:ext>
                 </a:extLst>
               </a:tr>
@@ -21068,7 +21068,7 @@
                 </a:tc>
                 <a:extLst>
                   <a:ext uri="{0D108BD9-81ED-4DB2-BD59-A6C34878D82A}">
-                    <a16:rowId xmlns="" xmlns:a16="http://schemas.microsoft.com/office/drawing/2014/main" val="2987823741"/>
+                    <a16:rowId xmlns:a16="http://schemas.microsoft.com/office/drawing/2014/main" xmlns="" val="2987823741"/>
                   </a:ext>
                 </a:extLst>
               </a:tr>
@@ -21174,7 +21174,7 @@
                 </a:tc>
                 <a:extLst>
                   <a:ext uri="{0D108BD9-81ED-4DB2-BD59-A6C34878D82A}">
-                    <a16:rowId xmlns="" xmlns:a16="http://schemas.microsoft.com/office/drawing/2014/main" val="193482310"/>
+                    <a16:rowId xmlns:a16="http://schemas.microsoft.com/office/drawing/2014/main" xmlns="" val="193482310"/>
                   </a:ext>
                 </a:extLst>
               </a:tr>
@@ -21280,7 +21280,7 @@
                 </a:tc>
                 <a:extLst>
                   <a:ext uri="{0D108BD9-81ED-4DB2-BD59-A6C34878D82A}">
-                    <a16:rowId xmlns="" xmlns:a16="http://schemas.microsoft.com/office/drawing/2014/main" val="589513760"/>
+                    <a16:rowId xmlns:a16="http://schemas.microsoft.com/office/drawing/2014/main" xmlns="" val="589513760"/>
                   </a:ext>
                 </a:extLst>
               </a:tr>
@@ -21386,7 +21386,7 @@
                 </a:tc>
                 <a:extLst>
                   <a:ext uri="{0D108BD9-81ED-4DB2-BD59-A6C34878D82A}">
-                    <a16:rowId xmlns="" xmlns:a16="http://schemas.microsoft.com/office/drawing/2014/main" val="3314464373"/>
+                    <a16:rowId xmlns:a16="http://schemas.microsoft.com/office/drawing/2014/main" xmlns="" val="3314464373"/>
                   </a:ext>
                 </a:extLst>
               </a:tr>
@@ -21492,7 +21492,7 @@
                 </a:tc>
                 <a:extLst>
                   <a:ext uri="{0D108BD9-81ED-4DB2-BD59-A6C34878D82A}">
-                    <a16:rowId xmlns="" xmlns:a16="http://schemas.microsoft.com/office/drawing/2014/main" val="1811545710"/>
+                    <a16:rowId xmlns:a16="http://schemas.microsoft.com/office/drawing/2014/main" xmlns="" val="1811545710"/>
                   </a:ext>
                 </a:extLst>
               </a:tr>
@@ -21598,7 +21598,7 @@
                 </a:tc>
                 <a:extLst>
                   <a:ext uri="{0D108BD9-81ED-4DB2-BD59-A6C34878D82A}">
-                    <a16:rowId xmlns="" xmlns:a16="http://schemas.microsoft.com/office/drawing/2014/main" val="2525566091"/>
+                    <a16:rowId xmlns:a16="http://schemas.microsoft.com/office/drawing/2014/main" xmlns="" val="2525566091"/>
                   </a:ext>
                 </a:extLst>
               </a:tr>
@@ -21704,7 +21704,7 @@
                 </a:tc>
                 <a:extLst>
                   <a:ext uri="{0D108BD9-81ED-4DB2-BD59-A6C34878D82A}">
-                    <a16:rowId xmlns="" xmlns:a16="http://schemas.microsoft.com/office/drawing/2014/main" val="3360797041"/>
+                    <a16:rowId xmlns:a16="http://schemas.microsoft.com/office/drawing/2014/main" xmlns="" val="3360797041"/>
                   </a:ext>
                 </a:extLst>
               </a:tr>
@@ -21776,7 +21776,7 @@
                 </a:tc>
                 <a:extLst>
                   <a:ext uri="{0D108BD9-81ED-4DB2-BD59-A6C34878D82A}">
-                    <a16:rowId xmlns="" xmlns:a16="http://schemas.microsoft.com/office/drawing/2014/main" val="2873669025"/>
+                    <a16:rowId xmlns:a16="http://schemas.microsoft.com/office/drawing/2014/main" xmlns="" val="2873669025"/>
                   </a:ext>
                 </a:extLst>
               </a:tr>
@@ -21848,7 +21848,7 @@
                 </a:tc>
                 <a:extLst>
                   <a:ext uri="{0D108BD9-81ED-4DB2-BD59-A6C34878D82A}">
-                    <a16:rowId xmlns="" xmlns:a16="http://schemas.microsoft.com/office/drawing/2014/main" val="3732079516"/>
+                    <a16:rowId xmlns:a16="http://schemas.microsoft.com/office/drawing/2014/main" xmlns="" val="3732079516"/>
                   </a:ext>
                 </a:extLst>
               </a:tr>
@@ -21920,7 +21920,7 @@
                 </a:tc>
                 <a:extLst>
                   <a:ext uri="{0D108BD9-81ED-4DB2-BD59-A6C34878D82A}">
-                    <a16:rowId xmlns="" xmlns:a16="http://schemas.microsoft.com/office/drawing/2014/main" val="2966636214"/>
+                    <a16:rowId xmlns:a16="http://schemas.microsoft.com/office/drawing/2014/main" xmlns="" val="2966636214"/>
                   </a:ext>
                 </a:extLst>
               </a:tr>
@@ -21992,7 +21992,7 @@
                 </a:tc>
                 <a:extLst>
                   <a:ext uri="{0D108BD9-81ED-4DB2-BD59-A6C34878D82A}">
-                    <a16:rowId xmlns="" xmlns:a16="http://schemas.microsoft.com/office/drawing/2014/main" val="3891840487"/>
+                    <a16:rowId xmlns:a16="http://schemas.microsoft.com/office/drawing/2014/main" xmlns="" val="3891840487"/>
                   </a:ext>
                 </a:extLst>
               </a:tr>
@@ -22028,7 +22028,7 @@
                 <a:gridCol w="1152128">
                   <a:extLst>
                     <a:ext uri="{9D8B030D-6E8A-4147-A177-3AD203B41FA5}">
-                      <a16:colId xmlns="" xmlns:a16="http://schemas.microsoft.com/office/drawing/2014/main" val="1214683687"/>
+                      <a16:colId xmlns:a16="http://schemas.microsoft.com/office/drawing/2014/main" xmlns="" val="1214683687"/>
                     </a:ext>
                   </a:extLst>
                 </a:gridCol>
@@ -22101,7 +22101,7 @@
                 </a:tc>
                 <a:extLst>
                   <a:ext uri="{0D108BD9-81ED-4DB2-BD59-A6C34878D82A}">
-                    <a16:rowId xmlns="" xmlns:a16="http://schemas.microsoft.com/office/drawing/2014/main" val="1006269131"/>
+                    <a16:rowId xmlns:a16="http://schemas.microsoft.com/office/drawing/2014/main" xmlns="" val="1006269131"/>
                   </a:ext>
                 </a:extLst>
               </a:tr>
@@ -22207,7 +22207,7 @@
                 </a:tc>
                 <a:extLst>
                   <a:ext uri="{0D108BD9-81ED-4DB2-BD59-A6C34878D82A}">
-                    <a16:rowId xmlns="" xmlns:a16="http://schemas.microsoft.com/office/drawing/2014/main" val="194545254"/>
+                    <a16:rowId xmlns:a16="http://schemas.microsoft.com/office/drawing/2014/main" xmlns="" val="194545254"/>
                   </a:ext>
                 </a:extLst>
               </a:tr>
@@ -22313,7 +22313,7 @@
                 </a:tc>
                 <a:extLst>
                   <a:ext uri="{0D108BD9-81ED-4DB2-BD59-A6C34878D82A}">
-                    <a16:rowId xmlns="" xmlns:a16="http://schemas.microsoft.com/office/drawing/2014/main" val="44223002"/>
+                    <a16:rowId xmlns:a16="http://schemas.microsoft.com/office/drawing/2014/main" xmlns="" val="44223002"/>
                   </a:ext>
                 </a:extLst>
               </a:tr>
@@ -22419,7 +22419,7 @@
                 </a:tc>
                 <a:extLst>
                   <a:ext uri="{0D108BD9-81ED-4DB2-BD59-A6C34878D82A}">
-                    <a16:rowId xmlns="" xmlns:a16="http://schemas.microsoft.com/office/drawing/2014/main" val="4268083801"/>
+                    <a16:rowId xmlns:a16="http://schemas.microsoft.com/office/drawing/2014/main" xmlns="" val="4268083801"/>
                   </a:ext>
                 </a:extLst>
               </a:tr>
@@ -22525,7 +22525,7 @@
                 </a:tc>
                 <a:extLst>
                   <a:ext uri="{0D108BD9-81ED-4DB2-BD59-A6C34878D82A}">
-                    <a16:rowId xmlns="" xmlns:a16="http://schemas.microsoft.com/office/drawing/2014/main" val="2987823741"/>
+                    <a16:rowId xmlns:a16="http://schemas.microsoft.com/office/drawing/2014/main" xmlns="" val="2987823741"/>
                   </a:ext>
                 </a:extLst>
               </a:tr>
@@ -22631,7 +22631,7 @@
                 </a:tc>
                 <a:extLst>
                   <a:ext uri="{0D108BD9-81ED-4DB2-BD59-A6C34878D82A}">
-                    <a16:rowId xmlns="" xmlns:a16="http://schemas.microsoft.com/office/drawing/2014/main" val="193482310"/>
+                    <a16:rowId xmlns:a16="http://schemas.microsoft.com/office/drawing/2014/main" xmlns="" val="193482310"/>
                   </a:ext>
                 </a:extLst>
               </a:tr>
@@ -22843,7 +22843,7 @@
                 <a:gridCol w="1152128">
                   <a:extLst>
                     <a:ext uri="{9D8B030D-6E8A-4147-A177-3AD203B41FA5}">
-                      <a16:colId xmlns="" xmlns:a16="http://schemas.microsoft.com/office/drawing/2014/main" val="1214683687"/>
+                      <a16:colId xmlns:a16="http://schemas.microsoft.com/office/drawing/2014/main" xmlns="" val="1214683687"/>
                     </a:ext>
                   </a:extLst>
                 </a:gridCol>
@@ -22916,7 +22916,7 @@
                 </a:tc>
                 <a:extLst>
                   <a:ext uri="{0D108BD9-81ED-4DB2-BD59-A6C34878D82A}">
-                    <a16:rowId xmlns="" xmlns:a16="http://schemas.microsoft.com/office/drawing/2014/main" val="1006269131"/>
+                    <a16:rowId xmlns:a16="http://schemas.microsoft.com/office/drawing/2014/main" xmlns="" val="1006269131"/>
                   </a:ext>
                 </a:extLst>
               </a:tr>
@@ -23022,7 +23022,7 @@
                 </a:tc>
                 <a:extLst>
                   <a:ext uri="{0D108BD9-81ED-4DB2-BD59-A6C34878D82A}">
-                    <a16:rowId xmlns="" xmlns:a16="http://schemas.microsoft.com/office/drawing/2014/main" val="194545254"/>
+                    <a16:rowId xmlns:a16="http://schemas.microsoft.com/office/drawing/2014/main" xmlns="" val="194545254"/>
                   </a:ext>
                 </a:extLst>
               </a:tr>
@@ -23128,7 +23128,7 @@
                 </a:tc>
                 <a:extLst>
                   <a:ext uri="{0D108BD9-81ED-4DB2-BD59-A6C34878D82A}">
-                    <a16:rowId xmlns="" xmlns:a16="http://schemas.microsoft.com/office/drawing/2014/main" val="44223002"/>
+                    <a16:rowId xmlns:a16="http://schemas.microsoft.com/office/drawing/2014/main" xmlns="" val="44223002"/>
                   </a:ext>
                 </a:extLst>
               </a:tr>
@@ -23234,7 +23234,7 @@
                 </a:tc>
                 <a:extLst>
                   <a:ext uri="{0D108BD9-81ED-4DB2-BD59-A6C34878D82A}">
-                    <a16:rowId xmlns="" xmlns:a16="http://schemas.microsoft.com/office/drawing/2014/main" val="4268083801"/>
+                    <a16:rowId xmlns:a16="http://schemas.microsoft.com/office/drawing/2014/main" xmlns="" val="4268083801"/>
                   </a:ext>
                 </a:extLst>
               </a:tr>
@@ -23340,7 +23340,7 @@
                 </a:tc>
                 <a:extLst>
                   <a:ext uri="{0D108BD9-81ED-4DB2-BD59-A6C34878D82A}">
-                    <a16:rowId xmlns="" xmlns:a16="http://schemas.microsoft.com/office/drawing/2014/main" val="2987823741"/>
+                    <a16:rowId xmlns:a16="http://schemas.microsoft.com/office/drawing/2014/main" xmlns="" val="2987823741"/>
                   </a:ext>
                 </a:extLst>
               </a:tr>
@@ -23446,7 +23446,7 @@
                 </a:tc>
                 <a:extLst>
                   <a:ext uri="{0D108BD9-81ED-4DB2-BD59-A6C34878D82A}">
-                    <a16:rowId xmlns="" xmlns:a16="http://schemas.microsoft.com/office/drawing/2014/main" val="193482310"/>
+                    <a16:rowId xmlns:a16="http://schemas.microsoft.com/office/drawing/2014/main" xmlns="" val="193482310"/>
                   </a:ext>
                 </a:extLst>
               </a:tr>
@@ -23552,7 +23552,7 @@
                 </a:tc>
                 <a:extLst>
                   <a:ext uri="{0D108BD9-81ED-4DB2-BD59-A6C34878D82A}">
-                    <a16:rowId xmlns="" xmlns:a16="http://schemas.microsoft.com/office/drawing/2014/main" val="589513760"/>
+                    <a16:rowId xmlns:a16="http://schemas.microsoft.com/office/drawing/2014/main" xmlns="" val="589513760"/>
                   </a:ext>
                 </a:extLst>
               </a:tr>
@@ -23658,7 +23658,7 @@
                 </a:tc>
                 <a:extLst>
                   <a:ext uri="{0D108BD9-81ED-4DB2-BD59-A6C34878D82A}">
-                    <a16:rowId xmlns="" xmlns:a16="http://schemas.microsoft.com/office/drawing/2014/main" val="3314464373"/>
+                    <a16:rowId xmlns:a16="http://schemas.microsoft.com/office/drawing/2014/main" xmlns="" val="3314464373"/>
                   </a:ext>
                 </a:extLst>
               </a:tr>
@@ -23764,7 +23764,7 @@
                 </a:tc>
                 <a:extLst>
                   <a:ext uri="{0D108BD9-81ED-4DB2-BD59-A6C34878D82A}">
-                    <a16:rowId xmlns="" xmlns:a16="http://schemas.microsoft.com/office/drawing/2014/main" val="1811545710"/>
+                    <a16:rowId xmlns:a16="http://schemas.microsoft.com/office/drawing/2014/main" xmlns="" val="1811545710"/>
                   </a:ext>
                 </a:extLst>
               </a:tr>
@@ -23870,7 +23870,7 @@
                 </a:tc>
                 <a:extLst>
                   <a:ext uri="{0D108BD9-81ED-4DB2-BD59-A6C34878D82A}">
-                    <a16:rowId xmlns="" xmlns:a16="http://schemas.microsoft.com/office/drawing/2014/main" val="2525566091"/>
+                    <a16:rowId xmlns:a16="http://schemas.microsoft.com/office/drawing/2014/main" xmlns="" val="2525566091"/>
                   </a:ext>
                 </a:extLst>
               </a:tr>
@@ -23976,7 +23976,7 @@
                 </a:tc>
                 <a:extLst>
                   <a:ext uri="{0D108BD9-81ED-4DB2-BD59-A6C34878D82A}">
-                    <a16:rowId xmlns="" xmlns:a16="http://schemas.microsoft.com/office/drawing/2014/main" val="3360797041"/>
+                    <a16:rowId xmlns:a16="http://schemas.microsoft.com/office/drawing/2014/main" xmlns="" val="3360797041"/>
                   </a:ext>
                 </a:extLst>
               </a:tr>
@@ -24048,7 +24048,7 @@
                 </a:tc>
                 <a:extLst>
                   <a:ext uri="{0D108BD9-81ED-4DB2-BD59-A6C34878D82A}">
-                    <a16:rowId xmlns="" xmlns:a16="http://schemas.microsoft.com/office/drawing/2014/main" val="2873669025"/>
+                    <a16:rowId xmlns:a16="http://schemas.microsoft.com/office/drawing/2014/main" xmlns="" val="2873669025"/>
                   </a:ext>
                 </a:extLst>
               </a:tr>
@@ -24120,7 +24120,7 @@
                 </a:tc>
                 <a:extLst>
                   <a:ext uri="{0D108BD9-81ED-4DB2-BD59-A6C34878D82A}">
-                    <a16:rowId xmlns="" xmlns:a16="http://schemas.microsoft.com/office/drawing/2014/main" val="3732079516"/>
+                    <a16:rowId xmlns:a16="http://schemas.microsoft.com/office/drawing/2014/main" xmlns="" val="3732079516"/>
                   </a:ext>
                 </a:extLst>
               </a:tr>
@@ -24192,7 +24192,7 @@
                 </a:tc>
                 <a:extLst>
                   <a:ext uri="{0D108BD9-81ED-4DB2-BD59-A6C34878D82A}">
-                    <a16:rowId xmlns="" xmlns:a16="http://schemas.microsoft.com/office/drawing/2014/main" val="2966636214"/>
+                    <a16:rowId xmlns:a16="http://schemas.microsoft.com/office/drawing/2014/main" xmlns="" val="2966636214"/>
                   </a:ext>
                 </a:extLst>
               </a:tr>
@@ -24264,7 +24264,7 @@
                 </a:tc>
                 <a:extLst>
                   <a:ext uri="{0D108BD9-81ED-4DB2-BD59-A6C34878D82A}">
-                    <a16:rowId xmlns="" xmlns:a16="http://schemas.microsoft.com/office/drawing/2014/main" val="3891840487"/>
+                    <a16:rowId xmlns:a16="http://schemas.microsoft.com/office/drawing/2014/main" xmlns="" val="3891840487"/>
                   </a:ext>
                 </a:extLst>
               </a:tr>
@@ -24300,7 +24300,7 @@
                 <a:gridCol w="1152128">
                   <a:extLst>
                     <a:ext uri="{9D8B030D-6E8A-4147-A177-3AD203B41FA5}">
-                      <a16:colId xmlns="" xmlns:a16="http://schemas.microsoft.com/office/drawing/2014/main" val="1214683687"/>
+                      <a16:colId xmlns:a16="http://schemas.microsoft.com/office/drawing/2014/main" xmlns="" val="1214683687"/>
                     </a:ext>
                   </a:extLst>
                 </a:gridCol>
@@ -24373,7 +24373,7 @@
                 </a:tc>
                 <a:extLst>
                   <a:ext uri="{0D108BD9-81ED-4DB2-BD59-A6C34878D82A}">
-                    <a16:rowId xmlns="" xmlns:a16="http://schemas.microsoft.com/office/drawing/2014/main" val="1006269131"/>
+                    <a16:rowId xmlns:a16="http://schemas.microsoft.com/office/drawing/2014/main" xmlns="" val="1006269131"/>
                   </a:ext>
                 </a:extLst>
               </a:tr>
@@ -24479,7 +24479,7 @@
                 </a:tc>
                 <a:extLst>
                   <a:ext uri="{0D108BD9-81ED-4DB2-BD59-A6C34878D82A}">
-                    <a16:rowId xmlns="" xmlns:a16="http://schemas.microsoft.com/office/drawing/2014/main" val="194545254"/>
+                    <a16:rowId xmlns:a16="http://schemas.microsoft.com/office/drawing/2014/main" xmlns="" val="194545254"/>
                   </a:ext>
                 </a:extLst>
               </a:tr>
@@ -24585,7 +24585,7 @@
                 </a:tc>
                 <a:extLst>
                   <a:ext uri="{0D108BD9-81ED-4DB2-BD59-A6C34878D82A}">
-                    <a16:rowId xmlns="" xmlns:a16="http://schemas.microsoft.com/office/drawing/2014/main" val="44223002"/>
+                    <a16:rowId xmlns:a16="http://schemas.microsoft.com/office/drawing/2014/main" xmlns="" val="44223002"/>
                   </a:ext>
                 </a:extLst>
               </a:tr>
@@ -24674,7 +24674,7 @@
                 </a:tc>
                 <a:extLst>
                   <a:ext uri="{0D108BD9-81ED-4DB2-BD59-A6C34878D82A}">
-                    <a16:rowId xmlns="" xmlns:a16="http://schemas.microsoft.com/office/drawing/2014/main" val="4268083801"/>
+                    <a16:rowId xmlns:a16="http://schemas.microsoft.com/office/drawing/2014/main" xmlns="" val="4268083801"/>
                   </a:ext>
                 </a:extLst>
               </a:tr>
@@ -24780,7 +24780,7 @@
                 </a:tc>
                 <a:extLst>
                   <a:ext uri="{0D108BD9-81ED-4DB2-BD59-A6C34878D82A}">
-                    <a16:rowId xmlns="" xmlns:a16="http://schemas.microsoft.com/office/drawing/2014/main" val="2987823741"/>
+                    <a16:rowId xmlns:a16="http://schemas.microsoft.com/office/drawing/2014/main" xmlns="" val="2987823741"/>
                   </a:ext>
                 </a:extLst>
               </a:tr>
@@ -24886,7 +24886,7 @@
                 </a:tc>
                 <a:extLst>
                   <a:ext uri="{0D108BD9-81ED-4DB2-BD59-A6C34878D82A}">
-                    <a16:rowId xmlns="" xmlns:a16="http://schemas.microsoft.com/office/drawing/2014/main" val="193482310"/>
+                    <a16:rowId xmlns:a16="http://schemas.microsoft.com/office/drawing/2014/main" xmlns="" val="193482310"/>
                   </a:ext>
                 </a:extLst>
               </a:tr>
@@ -25027,7 +25027,7 @@
                 <a:gridCol w="1152128">
                   <a:extLst>
                     <a:ext uri="{9D8B030D-6E8A-4147-A177-3AD203B41FA5}">
-                      <a16:colId xmlns="" xmlns:a16="http://schemas.microsoft.com/office/drawing/2014/main" val="1214683687"/>
+                      <a16:colId xmlns:a16="http://schemas.microsoft.com/office/drawing/2014/main" xmlns="" val="1214683687"/>
                     </a:ext>
                   </a:extLst>
                 </a:gridCol>
@@ -25134,7 +25134,7 @@
                 </a:tc>
                 <a:extLst>
                   <a:ext uri="{0D108BD9-81ED-4DB2-BD59-A6C34878D82A}">
-                    <a16:rowId xmlns="" xmlns:a16="http://schemas.microsoft.com/office/drawing/2014/main" val="4268083801"/>
+                    <a16:rowId xmlns:a16="http://schemas.microsoft.com/office/drawing/2014/main" xmlns="" val="4268083801"/>
                   </a:ext>
                 </a:extLst>
               </a:tr>
@@ -25361,7 +25361,7 @@
                 <a:gridCol w="1152128">
                   <a:extLst>
                     <a:ext uri="{9D8B030D-6E8A-4147-A177-3AD203B41FA5}">
-                      <a16:colId xmlns="" xmlns:a16="http://schemas.microsoft.com/office/drawing/2014/main" val="1214683687"/>
+                      <a16:colId xmlns:a16="http://schemas.microsoft.com/office/drawing/2014/main" xmlns="" val="1214683687"/>
                     </a:ext>
                   </a:extLst>
                 </a:gridCol>
@@ -25434,7 +25434,7 @@
                 </a:tc>
                 <a:extLst>
                   <a:ext uri="{0D108BD9-81ED-4DB2-BD59-A6C34878D82A}">
-                    <a16:rowId xmlns="" xmlns:a16="http://schemas.microsoft.com/office/drawing/2014/main" val="1006269131"/>
+                    <a16:rowId xmlns:a16="http://schemas.microsoft.com/office/drawing/2014/main" xmlns="" val="1006269131"/>
                   </a:ext>
                 </a:extLst>
               </a:tr>
@@ -25540,7 +25540,7 @@
                 </a:tc>
                 <a:extLst>
                   <a:ext uri="{0D108BD9-81ED-4DB2-BD59-A6C34878D82A}">
-                    <a16:rowId xmlns="" xmlns:a16="http://schemas.microsoft.com/office/drawing/2014/main" val="194545254"/>
+                    <a16:rowId xmlns:a16="http://schemas.microsoft.com/office/drawing/2014/main" xmlns="" val="194545254"/>
                   </a:ext>
                 </a:extLst>
               </a:tr>
@@ -25646,7 +25646,7 @@
                 </a:tc>
                 <a:extLst>
                   <a:ext uri="{0D108BD9-81ED-4DB2-BD59-A6C34878D82A}">
-                    <a16:rowId xmlns="" xmlns:a16="http://schemas.microsoft.com/office/drawing/2014/main" val="44223002"/>
+                    <a16:rowId xmlns:a16="http://schemas.microsoft.com/office/drawing/2014/main" xmlns="" val="44223002"/>
                   </a:ext>
                 </a:extLst>
               </a:tr>
@@ -25752,7 +25752,7 @@
                 </a:tc>
                 <a:extLst>
                   <a:ext uri="{0D108BD9-81ED-4DB2-BD59-A6C34878D82A}">
-                    <a16:rowId xmlns="" xmlns:a16="http://schemas.microsoft.com/office/drawing/2014/main" val="4268083801"/>
+                    <a16:rowId xmlns:a16="http://schemas.microsoft.com/office/drawing/2014/main" xmlns="" val="4268083801"/>
                   </a:ext>
                 </a:extLst>
               </a:tr>
@@ -25858,7 +25858,7 @@
                 </a:tc>
                 <a:extLst>
                   <a:ext uri="{0D108BD9-81ED-4DB2-BD59-A6C34878D82A}">
-                    <a16:rowId xmlns="" xmlns:a16="http://schemas.microsoft.com/office/drawing/2014/main" val="2987823741"/>
+                    <a16:rowId xmlns:a16="http://schemas.microsoft.com/office/drawing/2014/main" xmlns="" val="2987823741"/>
                   </a:ext>
                 </a:extLst>
               </a:tr>
@@ -25964,7 +25964,7 @@
                 </a:tc>
                 <a:extLst>
                   <a:ext uri="{0D108BD9-81ED-4DB2-BD59-A6C34878D82A}">
-                    <a16:rowId xmlns="" xmlns:a16="http://schemas.microsoft.com/office/drawing/2014/main" val="193482310"/>
+                    <a16:rowId xmlns:a16="http://schemas.microsoft.com/office/drawing/2014/main" xmlns="" val="193482310"/>
                   </a:ext>
                 </a:extLst>
               </a:tr>
@@ -26076,7 +26076,7 @@
                 </a:tc>
                 <a:extLst>
                   <a:ext uri="{0D108BD9-81ED-4DB2-BD59-A6C34878D82A}">
-                    <a16:rowId xmlns="" xmlns:a16="http://schemas.microsoft.com/office/drawing/2014/main" val="589513760"/>
+                    <a16:rowId xmlns:a16="http://schemas.microsoft.com/office/drawing/2014/main" xmlns="" val="589513760"/>
                   </a:ext>
                 </a:extLst>
               </a:tr>
@@ -26182,7 +26182,7 @@
                 </a:tc>
                 <a:extLst>
                   <a:ext uri="{0D108BD9-81ED-4DB2-BD59-A6C34878D82A}">
-                    <a16:rowId xmlns="" xmlns:a16="http://schemas.microsoft.com/office/drawing/2014/main" val="3314464373"/>
+                    <a16:rowId xmlns:a16="http://schemas.microsoft.com/office/drawing/2014/main" xmlns="" val="3314464373"/>
                   </a:ext>
                 </a:extLst>
               </a:tr>
@@ -26288,7 +26288,7 @@
                 </a:tc>
                 <a:extLst>
                   <a:ext uri="{0D108BD9-81ED-4DB2-BD59-A6C34878D82A}">
-                    <a16:rowId xmlns="" xmlns:a16="http://schemas.microsoft.com/office/drawing/2014/main" val="1811545710"/>
+                    <a16:rowId xmlns:a16="http://schemas.microsoft.com/office/drawing/2014/main" xmlns="" val="1811545710"/>
                   </a:ext>
                 </a:extLst>
               </a:tr>
@@ -26394,7 +26394,7 @@
                 </a:tc>
                 <a:extLst>
                   <a:ext uri="{0D108BD9-81ED-4DB2-BD59-A6C34878D82A}">
-                    <a16:rowId xmlns="" xmlns:a16="http://schemas.microsoft.com/office/drawing/2014/main" val="2525566091"/>
+                    <a16:rowId xmlns:a16="http://schemas.microsoft.com/office/drawing/2014/main" xmlns="" val="2525566091"/>
                   </a:ext>
                 </a:extLst>
               </a:tr>
@@ -26500,7 +26500,7 @@
                 </a:tc>
                 <a:extLst>
                   <a:ext uri="{0D108BD9-81ED-4DB2-BD59-A6C34878D82A}">
-                    <a16:rowId xmlns="" xmlns:a16="http://schemas.microsoft.com/office/drawing/2014/main" val="3360797041"/>
+                    <a16:rowId xmlns:a16="http://schemas.microsoft.com/office/drawing/2014/main" xmlns="" val="3360797041"/>
                   </a:ext>
                 </a:extLst>
               </a:tr>
@@ -26572,7 +26572,7 @@
                 </a:tc>
                 <a:extLst>
                   <a:ext uri="{0D108BD9-81ED-4DB2-BD59-A6C34878D82A}">
-                    <a16:rowId xmlns="" xmlns:a16="http://schemas.microsoft.com/office/drawing/2014/main" val="2873669025"/>
+                    <a16:rowId xmlns:a16="http://schemas.microsoft.com/office/drawing/2014/main" xmlns="" val="2873669025"/>
                   </a:ext>
                 </a:extLst>
               </a:tr>
@@ -26644,7 +26644,7 @@
                 </a:tc>
                 <a:extLst>
                   <a:ext uri="{0D108BD9-81ED-4DB2-BD59-A6C34878D82A}">
-                    <a16:rowId xmlns="" xmlns:a16="http://schemas.microsoft.com/office/drawing/2014/main" val="3732079516"/>
+                    <a16:rowId xmlns:a16="http://schemas.microsoft.com/office/drawing/2014/main" xmlns="" val="3732079516"/>
                   </a:ext>
                 </a:extLst>
               </a:tr>
@@ -26716,7 +26716,7 @@
                 </a:tc>
                 <a:extLst>
                   <a:ext uri="{0D108BD9-81ED-4DB2-BD59-A6C34878D82A}">
-                    <a16:rowId xmlns="" xmlns:a16="http://schemas.microsoft.com/office/drawing/2014/main" val="2966636214"/>
+                    <a16:rowId xmlns:a16="http://schemas.microsoft.com/office/drawing/2014/main" xmlns="" val="2966636214"/>
                   </a:ext>
                 </a:extLst>
               </a:tr>
@@ -26788,7 +26788,7 @@
                 </a:tc>
                 <a:extLst>
                   <a:ext uri="{0D108BD9-81ED-4DB2-BD59-A6C34878D82A}">
-                    <a16:rowId xmlns="" xmlns:a16="http://schemas.microsoft.com/office/drawing/2014/main" val="3891840487"/>
+                    <a16:rowId xmlns:a16="http://schemas.microsoft.com/office/drawing/2014/main" xmlns="" val="3891840487"/>
                   </a:ext>
                 </a:extLst>
               </a:tr>
@@ -26824,7 +26824,7 @@
                 <a:gridCol w="1152128">
                   <a:extLst>
                     <a:ext uri="{9D8B030D-6E8A-4147-A177-3AD203B41FA5}">
-                      <a16:colId xmlns="" xmlns:a16="http://schemas.microsoft.com/office/drawing/2014/main" val="1214683687"/>
+                      <a16:colId xmlns:a16="http://schemas.microsoft.com/office/drawing/2014/main" xmlns="" val="1214683687"/>
                     </a:ext>
                   </a:extLst>
                 </a:gridCol>
@@ -26897,7 +26897,7 @@
                 </a:tc>
                 <a:extLst>
                   <a:ext uri="{0D108BD9-81ED-4DB2-BD59-A6C34878D82A}">
-                    <a16:rowId xmlns="" xmlns:a16="http://schemas.microsoft.com/office/drawing/2014/main" val="1006269131"/>
+                    <a16:rowId xmlns:a16="http://schemas.microsoft.com/office/drawing/2014/main" xmlns="" val="1006269131"/>
                   </a:ext>
                 </a:extLst>
               </a:tr>
@@ -27003,7 +27003,7 @@
                 </a:tc>
                 <a:extLst>
                   <a:ext uri="{0D108BD9-81ED-4DB2-BD59-A6C34878D82A}">
-                    <a16:rowId xmlns="" xmlns:a16="http://schemas.microsoft.com/office/drawing/2014/main" val="194545254"/>
+                    <a16:rowId xmlns:a16="http://schemas.microsoft.com/office/drawing/2014/main" xmlns="" val="194545254"/>
                   </a:ext>
                 </a:extLst>
               </a:tr>
@@ -27109,7 +27109,7 @@
                 </a:tc>
                 <a:extLst>
                   <a:ext uri="{0D108BD9-81ED-4DB2-BD59-A6C34878D82A}">
-                    <a16:rowId xmlns="" xmlns:a16="http://schemas.microsoft.com/office/drawing/2014/main" val="44223002"/>
+                    <a16:rowId xmlns:a16="http://schemas.microsoft.com/office/drawing/2014/main" xmlns="" val="44223002"/>
                   </a:ext>
                 </a:extLst>
               </a:tr>
@@ -27221,7 +27221,7 @@
                 </a:tc>
                 <a:extLst>
                   <a:ext uri="{0D108BD9-81ED-4DB2-BD59-A6C34878D82A}">
-                    <a16:rowId xmlns="" xmlns:a16="http://schemas.microsoft.com/office/drawing/2014/main" val="4268083801"/>
+                    <a16:rowId xmlns:a16="http://schemas.microsoft.com/office/drawing/2014/main" xmlns="" val="4268083801"/>
                   </a:ext>
                 </a:extLst>
               </a:tr>
@@ -27327,7 +27327,7 @@
                 </a:tc>
                 <a:extLst>
                   <a:ext uri="{0D108BD9-81ED-4DB2-BD59-A6C34878D82A}">
-                    <a16:rowId xmlns="" xmlns:a16="http://schemas.microsoft.com/office/drawing/2014/main" val="2987823741"/>
+                    <a16:rowId xmlns:a16="http://schemas.microsoft.com/office/drawing/2014/main" xmlns="" val="2987823741"/>
                   </a:ext>
                 </a:extLst>
               </a:tr>
@@ -27433,7 +27433,7 @@
                 </a:tc>
                 <a:extLst>
                   <a:ext uri="{0D108BD9-81ED-4DB2-BD59-A6C34878D82A}">
-                    <a16:rowId xmlns="" xmlns:a16="http://schemas.microsoft.com/office/drawing/2014/main" val="193482310"/>
+                    <a16:rowId xmlns:a16="http://schemas.microsoft.com/office/drawing/2014/main" xmlns="" val="193482310"/>
                   </a:ext>
                 </a:extLst>
               </a:tr>
@@ -33593,6 +33593,1602 @@
           <a:chExt cx="0" cy="0"/>
         </a:xfrm>
       </p:grpSpPr>
+      <p:sp>
+        <p:nvSpPr>
+          <p:cNvPr id="3" name="矩形 2"/>
+          <p:cNvSpPr/>
+          <p:nvPr/>
+        </p:nvSpPr>
+        <p:spPr>
+          <a:xfrm>
+            <a:off x="1282233" y="1484784"/>
+            <a:ext cx="841495" cy="432048"/>
+          </a:xfrm>
+          <a:prstGeom prst="rect">
+            <a:avLst/>
+          </a:prstGeom>
+          <a:solidFill>
+            <a:schemeClr val="accent6">
+              <a:lumMod val="20000"/>
+              <a:lumOff val="80000"/>
+            </a:schemeClr>
+          </a:solidFill>
+          <a:ln w="12700">
+            <a:solidFill>
+              <a:schemeClr val="bg1">
+                <a:lumMod val="50000"/>
+              </a:schemeClr>
+            </a:solidFill>
+          </a:ln>
+        </p:spPr>
+        <p:style>
+          <a:lnRef idx="2">
+            <a:schemeClr val="accent1">
+              <a:shade val="50000"/>
+            </a:schemeClr>
+          </a:lnRef>
+          <a:fillRef idx="1">
+            <a:schemeClr val="accent1"/>
+          </a:fillRef>
+          <a:effectRef idx="0">
+            <a:schemeClr val="accent1"/>
+          </a:effectRef>
+          <a:fontRef idx="minor">
+            <a:schemeClr val="lt1"/>
+          </a:fontRef>
+        </p:style>
+        <p:txBody>
+          <a:bodyPr rtlCol="0" anchor="ctr"/>
+          <a:lstStyle/>
+          <a:p>
+            <a:pPr algn="ctr"/>
+            <a:r>
+              <a:rPr lang="en-US" altLang="zh-CN" sz="1200" b="1" dirty="0">
+                <a:solidFill>
+                  <a:schemeClr val="tx1"/>
+                </a:solidFill>
+              </a:rPr>
+              <a:t>r</a:t>
+            </a:r>
+            <a:r>
+              <a:rPr lang="en-US" altLang="zh-CN" sz="1200" b="1" dirty="0" smtClean="0">
+                <a:solidFill>
+                  <a:schemeClr val="tx1"/>
+                </a:solidFill>
+              </a:rPr>
+              <a:t>ead data 1#</a:t>
+            </a:r>
+            <a:endParaRPr lang="zh-CN" altLang="en-US" sz="1200" b="1" dirty="0">
+              <a:solidFill>
+                <a:schemeClr val="tx1"/>
+              </a:solidFill>
+            </a:endParaRPr>
+          </a:p>
+        </p:txBody>
+      </p:sp>
+      <p:sp>
+        <p:nvSpPr>
+          <p:cNvPr id="5" name="矩形 4"/>
+          <p:cNvSpPr/>
+          <p:nvPr/>
+        </p:nvSpPr>
+        <p:spPr>
+          <a:xfrm>
+            <a:off x="2123728" y="1916832"/>
+            <a:ext cx="1030713" cy="432048"/>
+          </a:xfrm>
+          <a:prstGeom prst="rect">
+            <a:avLst/>
+          </a:prstGeom>
+          <a:solidFill>
+            <a:schemeClr val="accent5">
+              <a:lumMod val="20000"/>
+              <a:lumOff val="80000"/>
+            </a:schemeClr>
+          </a:solidFill>
+          <a:ln w="12700">
+            <a:solidFill>
+              <a:schemeClr val="bg1">
+                <a:lumMod val="50000"/>
+              </a:schemeClr>
+            </a:solidFill>
+          </a:ln>
+        </p:spPr>
+        <p:style>
+          <a:lnRef idx="2">
+            <a:schemeClr val="accent1">
+              <a:shade val="50000"/>
+            </a:schemeClr>
+          </a:lnRef>
+          <a:fillRef idx="1">
+            <a:schemeClr val="accent1"/>
+          </a:fillRef>
+          <a:effectRef idx="0">
+            <a:schemeClr val="accent1"/>
+          </a:effectRef>
+          <a:fontRef idx="minor">
+            <a:schemeClr val="lt1"/>
+          </a:fontRef>
+        </p:style>
+        <p:txBody>
+          <a:bodyPr rtlCol="0" anchor="ctr"/>
+          <a:lstStyle/>
+          <a:p>
+            <a:pPr algn="ctr"/>
+            <a:r>
+              <a:rPr lang="en-US" altLang="zh-CN" sz="1200" b="1" dirty="0">
+                <a:solidFill>
+                  <a:schemeClr val="tx1"/>
+                </a:solidFill>
+              </a:rPr>
+              <a:t>m</a:t>
+            </a:r>
+            <a:r>
+              <a:rPr lang="en-US" altLang="zh-CN" sz="1200" b="1" dirty="0" smtClean="0">
+                <a:solidFill>
+                  <a:schemeClr val="tx1"/>
+                </a:solidFill>
+              </a:rPr>
+              <a:t>ap 1#</a:t>
+            </a:r>
+            <a:endParaRPr lang="zh-CN" altLang="en-US" sz="1200" b="1" dirty="0">
+              <a:solidFill>
+                <a:schemeClr val="tx1"/>
+              </a:solidFill>
+            </a:endParaRPr>
+          </a:p>
+        </p:txBody>
+      </p:sp>
+      <p:sp>
+        <p:nvSpPr>
+          <p:cNvPr id="4" name="TextBox 3"/>
+          <p:cNvSpPr txBox="1"/>
+          <p:nvPr/>
+        </p:nvSpPr>
+        <p:spPr>
+          <a:xfrm>
+            <a:off x="3154441" y="1008491"/>
+            <a:ext cx="2986843" cy="369332"/>
+          </a:xfrm>
+          <a:prstGeom prst="rect">
+            <a:avLst/>
+          </a:prstGeom>
+          <a:noFill/>
+        </p:spPr>
+        <p:txBody>
+          <a:bodyPr wrap="none" rtlCol="0">
+            <a:spAutoFit/>
+          </a:bodyPr>
+          <a:lstStyle/>
+          <a:p>
+            <a:r>
+              <a:rPr lang="en-US" altLang="zh-CN" b="1" dirty="0" smtClean="0">
+                <a:solidFill>
+                  <a:schemeClr val="accent5">
+                    <a:lumMod val="75000"/>
+                  </a:schemeClr>
+                </a:solidFill>
+              </a:rPr>
+              <a:t>Prepare Data</a:t>
+            </a:r>
+            <a:r>
+              <a:rPr lang="zh-CN" altLang="en-US" b="1" dirty="0" smtClean="0">
+                <a:solidFill>
+                  <a:schemeClr val="accent5">
+                    <a:lumMod val="75000"/>
+                  </a:schemeClr>
+                </a:solidFill>
+              </a:rPr>
+              <a:t>：</a:t>
+            </a:r>
+            <a:r>
+              <a:rPr lang="en-US" altLang="zh-CN" b="1" dirty="0" smtClean="0">
+                <a:solidFill>
+                  <a:schemeClr val="accent5">
+                    <a:lumMod val="75000"/>
+                  </a:schemeClr>
+                </a:solidFill>
+              </a:rPr>
+              <a:t>Normal Mode</a:t>
+            </a:r>
+            <a:endParaRPr lang="zh-CN" altLang="en-US" b="1" dirty="0">
+              <a:solidFill>
+                <a:schemeClr val="accent5">
+                  <a:lumMod val="75000"/>
+                </a:schemeClr>
+              </a:solidFill>
+            </a:endParaRPr>
+          </a:p>
+        </p:txBody>
+      </p:sp>
+      <p:sp>
+        <p:nvSpPr>
+          <p:cNvPr id="11" name="TextBox 10"/>
+          <p:cNvSpPr txBox="1"/>
+          <p:nvPr/>
+        </p:nvSpPr>
+        <p:spPr>
+          <a:xfrm>
+            <a:off x="-36512" y="1547041"/>
+            <a:ext cx="1126014" cy="307777"/>
+          </a:xfrm>
+          <a:prstGeom prst="rect">
+            <a:avLst/>
+          </a:prstGeom>
+          <a:noFill/>
+        </p:spPr>
+        <p:txBody>
+          <a:bodyPr wrap="none" rtlCol="0">
+            <a:spAutoFit/>
+          </a:bodyPr>
+          <a:lstStyle/>
+          <a:p>
+            <a:r>
+              <a:rPr lang="en-US" altLang="zh-CN" sz="1400" b="1" dirty="0" smtClean="0"/>
+              <a:t>Read Data</a:t>
+            </a:r>
+            <a:r>
+              <a:rPr lang="zh-CN" altLang="en-US" sz="1400" b="1" dirty="0" smtClean="0"/>
+              <a:t>：</a:t>
+            </a:r>
+            <a:endParaRPr lang="zh-CN" altLang="en-US" sz="1400" b="1" dirty="0"/>
+          </a:p>
+        </p:txBody>
+      </p:sp>
+      <p:sp>
+        <p:nvSpPr>
+          <p:cNvPr id="12" name="TextBox 11"/>
+          <p:cNvSpPr txBox="1"/>
+          <p:nvPr/>
+        </p:nvSpPr>
+        <p:spPr>
+          <a:xfrm>
+            <a:off x="173674" y="1978967"/>
+            <a:ext cx="705642" cy="307777"/>
+          </a:xfrm>
+          <a:prstGeom prst="rect">
+            <a:avLst/>
+          </a:prstGeom>
+          <a:noFill/>
+        </p:spPr>
+        <p:txBody>
+          <a:bodyPr wrap="none" rtlCol="0">
+            <a:spAutoFit/>
+          </a:bodyPr>
+          <a:lstStyle/>
+          <a:p>
+            <a:r>
+              <a:rPr lang="en-US" altLang="zh-CN" sz="1400" b="1" dirty="0" smtClean="0"/>
+              <a:t>Map</a:t>
+            </a:r>
+            <a:r>
+              <a:rPr lang="zh-CN" altLang="en-US" sz="1400" b="1" dirty="0" smtClean="0"/>
+              <a:t>：</a:t>
+            </a:r>
+            <a:endParaRPr lang="zh-CN" altLang="en-US" sz="1400" b="1" dirty="0"/>
+          </a:p>
+        </p:txBody>
+      </p:sp>
+      <p:cxnSp>
+        <p:nvCxnSpPr>
+          <p:cNvPr id="13" name="直接箭头连接符 12"/>
+          <p:cNvCxnSpPr/>
+          <p:nvPr/>
+        </p:nvCxnSpPr>
+        <p:spPr>
+          <a:xfrm>
+            <a:off x="1115616" y="2564904"/>
+            <a:ext cx="7704856" cy="0"/>
+          </a:xfrm>
+          <a:prstGeom prst="straightConnector1">
+            <a:avLst/>
+          </a:prstGeom>
+          <a:ln>
+            <a:solidFill>
+              <a:schemeClr val="tx1"/>
+            </a:solidFill>
+            <a:headEnd type="none" w="med" len="med"/>
+            <a:tailEnd type="triangle" w="med" len="med"/>
+          </a:ln>
+        </p:spPr>
+        <p:style>
+          <a:lnRef idx="1">
+            <a:schemeClr val="accent1"/>
+          </a:lnRef>
+          <a:fillRef idx="0">
+            <a:schemeClr val="accent1"/>
+          </a:fillRef>
+          <a:effectRef idx="0">
+            <a:schemeClr val="accent1"/>
+          </a:effectRef>
+          <a:fontRef idx="minor">
+            <a:schemeClr val="tx1"/>
+          </a:fontRef>
+        </p:style>
+      </p:cxnSp>
+      <p:sp>
+        <p:nvSpPr>
+          <p:cNvPr id="15" name="TextBox 14"/>
+          <p:cNvSpPr txBox="1"/>
+          <p:nvPr/>
+        </p:nvSpPr>
+        <p:spPr>
+          <a:xfrm>
+            <a:off x="3851920" y="2492896"/>
+            <a:ext cx="1157112" cy="307777"/>
+          </a:xfrm>
+          <a:prstGeom prst="rect">
+            <a:avLst/>
+          </a:prstGeom>
+          <a:noFill/>
+        </p:spPr>
+        <p:txBody>
+          <a:bodyPr wrap="none" rtlCol="0">
+            <a:spAutoFit/>
+          </a:bodyPr>
+          <a:lstStyle/>
+          <a:p>
+            <a:r>
+              <a:rPr lang="en-US" altLang="zh-CN" sz="1400" b="1" dirty="0" smtClean="0"/>
+              <a:t>Process Time</a:t>
+            </a:r>
+            <a:endParaRPr lang="zh-CN" altLang="en-US" sz="1400" b="1" dirty="0"/>
+          </a:p>
+        </p:txBody>
+      </p:sp>
+      <p:sp>
+        <p:nvSpPr>
+          <p:cNvPr id="22" name="TextBox 21"/>
+          <p:cNvSpPr txBox="1"/>
+          <p:nvPr/>
+        </p:nvSpPr>
+        <p:spPr>
+          <a:xfrm>
+            <a:off x="3154441" y="3240739"/>
+            <a:ext cx="2986843" cy="369332"/>
+          </a:xfrm>
+          <a:prstGeom prst="rect">
+            <a:avLst/>
+          </a:prstGeom>
+          <a:noFill/>
+        </p:spPr>
+        <p:txBody>
+          <a:bodyPr wrap="none" rtlCol="0">
+            <a:spAutoFit/>
+          </a:bodyPr>
+          <a:lstStyle/>
+          <a:p>
+            <a:r>
+              <a:rPr lang="en-US" altLang="zh-CN" b="1" dirty="0" smtClean="0">
+                <a:solidFill>
+                  <a:schemeClr val="accent5">
+                    <a:lumMod val="75000"/>
+                  </a:schemeClr>
+                </a:solidFill>
+              </a:rPr>
+              <a:t>Prepare Data</a:t>
+            </a:r>
+            <a:r>
+              <a:rPr lang="zh-CN" altLang="en-US" b="1" dirty="0" smtClean="0">
+                <a:solidFill>
+                  <a:schemeClr val="accent5">
+                    <a:lumMod val="75000"/>
+                  </a:schemeClr>
+                </a:solidFill>
+              </a:rPr>
+              <a:t>：</a:t>
+            </a:r>
+            <a:r>
+              <a:rPr lang="en-US" altLang="zh-CN" b="1" dirty="0" smtClean="0">
+                <a:solidFill>
+                  <a:schemeClr val="accent5">
+                    <a:lumMod val="75000"/>
+                  </a:schemeClr>
+                </a:solidFill>
+              </a:rPr>
+              <a:t>Parallel Mode</a:t>
+            </a:r>
+            <a:endParaRPr lang="zh-CN" altLang="en-US" b="1" dirty="0">
+              <a:solidFill>
+                <a:schemeClr val="accent5">
+                  <a:lumMod val="75000"/>
+                </a:schemeClr>
+              </a:solidFill>
+            </a:endParaRPr>
+          </a:p>
+        </p:txBody>
+      </p:sp>
+      <p:sp>
+        <p:nvSpPr>
+          <p:cNvPr id="23" name="TextBox 22"/>
+          <p:cNvSpPr txBox="1"/>
+          <p:nvPr/>
+        </p:nvSpPr>
+        <p:spPr>
+          <a:xfrm>
+            <a:off x="107504" y="3779289"/>
+            <a:ext cx="1126014" cy="307777"/>
+          </a:xfrm>
+          <a:prstGeom prst="rect">
+            <a:avLst/>
+          </a:prstGeom>
+          <a:noFill/>
+        </p:spPr>
+        <p:txBody>
+          <a:bodyPr wrap="none" rtlCol="0">
+            <a:spAutoFit/>
+          </a:bodyPr>
+          <a:lstStyle/>
+          <a:p>
+            <a:r>
+              <a:rPr lang="en-US" altLang="zh-CN" sz="1400" b="1" dirty="0" smtClean="0"/>
+              <a:t>Read Data</a:t>
+            </a:r>
+            <a:r>
+              <a:rPr lang="zh-CN" altLang="en-US" sz="1400" b="1" dirty="0" smtClean="0"/>
+              <a:t>：</a:t>
+            </a:r>
+            <a:endParaRPr lang="zh-CN" altLang="en-US" sz="1400" b="1" dirty="0"/>
+          </a:p>
+        </p:txBody>
+      </p:sp>
+      <p:sp>
+        <p:nvSpPr>
+          <p:cNvPr id="24" name="TextBox 23"/>
+          <p:cNvSpPr txBox="1"/>
+          <p:nvPr/>
+        </p:nvSpPr>
+        <p:spPr>
+          <a:xfrm>
+            <a:off x="0" y="4211215"/>
+            <a:ext cx="1356397" cy="307777"/>
+          </a:xfrm>
+          <a:prstGeom prst="rect">
+            <a:avLst/>
+          </a:prstGeom>
+          <a:noFill/>
+        </p:spPr>
+        <p:txBody>
+          <a:bodyPr wrap="none" rtlCol="0">
+            <a:spAutoFit/>
+          </a:bodyPr>
+          <a:lstStyle/>
+          <a:p>
+            <a:r>
+              <a:rPr lang="en-US" altLang="zh-CN" sz="1400" b="1" dirty="0" smtClean="0"/>
+              <a:t>Map Kernel 1</a:t>
+            </a:r>
+            <a:r>
+              <a:rPr lang="zh-CN" altLang="en-US" sz="1400" b="1" dirty="0" smtClean="0"/>
+              <a:t>：</a:t>
+            </a:r>
+            <a:endParaRPr lang="zh-CN" altLang="en-US" sz="1400" b="1" dirty="0"/>
+          </a:p>
+        </p:txBody>
+      </p:sp>
+      <p:sp>
+        <p:nvSpPr>
+          <p:cNvPr id="31" name="矩形 30"/>
+          <p:cNvSpPr/>
+          <p:nvPr/>
+        </p:nvSpPr>
+        <p:spPr>
+          <a:xfrm>
+            <a:off x="3154441" y="1484784"/>
+            <a:ext cx="841495" cy="432048"/>
+          </a:xfrm>
+          <a:prstGeom prst="rect">
+            <a:avLst/>
+          </a:prstGeom>
+          <a:solidFill>
+            <a:schemeClr val="accent6">
+              <a:lumMod val="20000"/>
+              <a:lumOff val="80000"/>
+            </a:schemeClr>
+          </a:solidFill>
+          <a:ln w="12700">
+            <a:solidFill>
+              <a:schemeClr val="bg1">
+                <a:lumMod val="50000"/>
+              </a:schemeClr>
+            </a:solidFill>
+          </a:ln>
+        </p:spPr>
+        <p:style>
+          <a:lnRef idx="2">
+            <a:schemeClr val="accent1">
+              <a:shade val="50000"/>
+            </a:schemeClr>
+          </a:lnRef>
+          <a:fillRef idx="1">
+            <a:schemeClr val="accent1"/>
+          </a:fillRef>
+          <a:effectRef idx="0">
+            <a:schemeClr val="accent1"/>
+          </a:effectRef>
+          <a:fontRef idx="minor">
+            <a:schemeClr val="lt1"/>
+          </a:fontRef>
+        </p:style>
+        <p:txBody>
+          <a:bodyPr rtlCol="0" anchor="ctr"/>
+          <a:lstStyle/>
+          <a:p>
+            <a:pPr algn="ctr"/>
+            <a:r>
+              <a:rPr lang="en-US" altLang="zh-CN" sz="1200" b="1" dirty="0">
+                <a:solidFill>
+                  <a:schemeClr val="tx1"/>
+                </a:solidFill>
+              </a:rPr>
+              <a:t>r</a:t>
+            </a:r>
+            <a:r>
+              <a:rPr lang="en-US" altLang="zh-CN" sz="1200" b="1" dirty="0" smtClean="0">
+                <a:solidFill>
+                  <a:schemeClr val="tx1"/>
+                </a:solidFill>
+              </a:rPr>
+              <a:t>ead data 2#</a:t>
+            </a:r>
+            <a:endParaRPr lang="zh-CN" altLang="en-US" sz="1200" b="1" dirty="0">
+              <a:solidFill>
+                <a:schemeClr val="tx1"/>
+              </a:solidFill>
+            </a:endParaRPr>
+          </a:p>
+        </p:txBody>
+      </p:sp>
+      <p:sp>
+        <p:nvSpPr>
+          <p:cNvPr id="32" name="矩形 31"/>
+          <p:cNvSpPr/>
+          <p:nvPr/>
+        </p:nvSpPr>
+        <p:spPr>
+          <a:xfrm>
+            <a:off x="3995936" y="1916832"/>
+            <a:ext cx="1030713" cy="432048"/>
+          </a:xfrm>
+          <a:prstGeom prst="rect">
+            <a:avLst/>
+          </a:prstGeom>
+          <a:solidFill>
+            <a:schemeClr val="accent5">
+              <a:lumMod val="20000"/>
+              <a:lumOff val="80000"/>
+            </a:schemeClr>
+          </a:solidFill>
+          <a:ln w="12700">
+            <a:solidFill>
+              <a:schemeClr val="bg1">
+                <a:lumMod val="50000"/>
+              </a:schemeClr>
+            </a:solidFill>
+          </a:ln>
+        </p:spPr>
+        <p:style>
+          <a:lnRef idx="2">
+            <a:schemeClr val="accent1">
+              <a:shade val="50000"/>
+            </a:schemeClr>
+          </a:lnRef>
+          <a:fillRef idx="1">
+            <a:schemeClr val="accent1"/>
+          </a:fillRef>
+          <a:effectRef idx="0">
+            <a:schemeClr val="accent1"/>
+          </a:effectRef>
+          <a:fontRef idx="minor">
+            <a:schemeClr val="lt1"/>
+          </a:fontRef>
+        </p:style>
+        <p:txBody>
+          <a:bodyPr rtlCol="0" anchor="ctr"/>
+          <a:lstStyle/>
+          <a:p>
+            <a:pPr algn="ctr"/>
+            <a:r>
+              <a:rPr lang="en-US" altLang="zh-CN" sz="1200" b="1" dirty="0">
+                <a:solidFill>
+                  <a:schemeClr val="tx1"/>
+                </a:solidFill>
+              </a:rPr>
+              <a:t>m</a:t>
+            </a:r>
+            <a:r>
+              <a:rPr lang="en-US" altLang="zh-CN" sz="1200" b="1" dirty="0" smtClean="0">
+                <a:solidFill>
+                  <a:schemeClr val="tx1"/>
+                </a:solidFill>
+              </a:rPr>
+              <a:t>ap 2#</a:t>
+            </a:r>
+            <a:endParaRPr lang="zh-CN" altLang="en-US" sz="1200" b="1" dirty="0">
+              <a:solidFill>
+                <a:schemeClr val="tx1"/>
+              </a:solidFill>
+            </a:endParaRPr>
+          </a:p>
+        </p:txBody>
+      </p:sp>
+      <p:sp>
+        <p:nvSpPr>
+          <p:cNvPr id="33" name="矩形 32"/>
+          <p:cNvSpPr/>
+          <p:nvPr/>
+        </p:nvSpPr>
+        <p:spPr>
+          <a:xfrm>
+            <a:off x="5019038" y="1484784"/>
+            <a:ext cx="841495" cy="432048"/>
+          </a:xfrm>
+          <a:prstGeom prst="rect">
+            <a:avLst/>
+          </a:prstGeom>
+          <a:solidFill>
+            <a:schemeClr val="accent6">
+              <a:lumMod val="20000"/>
+              <a:lumOff val="80000"/>
+            </a:schemeClr>
+          </a:solidFill>
+          <a:ln w="12700">
+            <a:solidFill>
+              <a:schemeClr val="bg1">
+                <a:lumMod val="50000"/>
+              </a:schemeClr>
+            </a:solidFill>
+          </a:ln>
+        </p:spPr>
+        <p:style>
+          <a:lnRef idx="2">
+            <a:schemeClr val="accent1">
+              <a:shade val="50000"/>
+            </a:schemeClr>
+          </a:lnRef>
+          <a:fillRef idx="1">
+            <a:schemeClr val="accent1"/>
+          </a:fillRef>
+          <a:effectRef idx="0">
+            <a:schemeClr val="accent1"/>
+          </a:effectRef>
+          <a:fontRef idx="minor">
+            <a:schemeClr val="lt1"/>
+          </a:fontRef>
+        </p:style>
+        <p:txBody>
+          <a:bodyPr rtlCol="0" anchor="ctr"/>
+          <a:lstStyle/>
+          <a:p>
+            <a:pPr algn="ctr"/>
+            <a:r>
+              <a:rPr lang="en-US" altLang="zh-CN" sz="1200" b="1" dirty="0">
+                <a:solidFill>
+                  <a:schemeClr val="tx1"/>
+                </a:solidFill>
+              </a:rPr>
+              <a:t>r</a:t>
+            </a:r>
+            <a:r>
+              <a:rPr lang="en-US" altLang="zh-CN" sz="1200" b="1" dirty="0" smtClean="0">
+                <a:solidFill>
+                  <a:schemeClr val="tx1"/>
+                </a:solidFill>
+              </a:rPr>
+              <a:t>ead data 3#</a:t>
+            </a:r>
+            <a:endParaRPr lang="zh-CN" altLang="en-US" sz="1200" b="1" dirty="0">
+              <a:solidFill>
+                <a:schemeClr val="tx1"/>
+              </a:solidFill>
+            </a:endParaRPr>
+          </a:p>
+        </p:txBody>
+      </p:sp>
+      <p:sp>
+        <p:nvSpPr>
+          <p:cNvPr id="34" name="矩形 33"/>
+          <p:cNvSpPr/>
+          <p:nvPr/>
+        </p:nvSpPr>
+        <p:spPr>
+          <a:xfrm>
+            <a:off x="5860533" y="1916832"/>
+            <a:ext cx="1030713" cy="432048"/>
+          </a:xfrm>
+          <a:prstGeom prst="rect">
+            <a:avLst/>
+          </a:prstGeom>
+          <a:solidFill>
+            <a:schemeClr val="accent5">
+              <a:lumMod val="20000"/>
+              <a:lumOff val="80000"/>
+            </a:schemeClr>
+          </a:solidFill>
+          <a:ln w="12700">
+            <a:solidFill>
+              <a:schemeClr val="bg1">
+                <a:lumMod val="50000"/>
+              </a:schemeClr>
+            </a:solidFill>
+          </a:ln>
+        </p:spPr>
+        <p:style>
+          <a:lnRef idx="2">
+            <a:schemeClr val="accent1">
+              <a:shade val="50000"/>
+            </a:schemeClr>
+          </a:lnRef>
+          <a:fillRef idx="1">
+            <a:schemeClr val="accent1"/>
+          </a:fillRef>
+          <a:effectRef idx="0">
+            <a:schemeClr val="accent1"/>
+          </a:effectRef>
+          <a:fontRef idx="minor">
+            <a:schemeClr val="lt1"/>
+          </a:fontRef>
+        </p:style>
+        <p:txBody>
+          <a:bodyPr rtlCol="0" anchor="ctr"/>
+          <a:lstStyle/>
+          <a:p>
+            <a:pPr algn="ctr"/>
+            <a:r>
+              <a:rPr lang="en-US" altLang="zh-CN" sz="1200" b="1" dirty="0">
+                <a:solidFill>
+                  <a:schemeClr val="tx1"/>
+                </a:solidFill>
+              </a:rPr>
+              <a:t>m</a:t>
+            </a:r>
+            <a:r>
+              <a:rPr lang="en-US" altLang="zh-CN" sz="1200" b="1" dirty="0" smtClean="0">
+                <a:solidFill>
+                  <a:schemeClr val="tx1"/>
+                </a:solidFill>
+              </a:rPr>
+              <a:t>ap 3#</a:t>
+            </a:r>
+            <a:endParaRPr lang="zh-CN" altLang="en-US" sz="1200" b="1" dirty="0">
+              <a:solidFill>
+                <a:schemeClr val="tx1"/>
+              </a:solidFill>
+            </a:endParaRPr>
+          </a:p>
+        </p:txBody>
+      </p:sp>
+      <p:sp>
+        <p:nvSpPr>
+          <p:cNvPr id="35" name="矩形 34"/>
+          <p:cNvSpPr/>
+          <p:nvPr/>
+        </p:nvSpPr>
+        <p:spPr>
+          <a:xfrm>
+            <a:off x="6887522" y="1484784"/>
+            <a:ext cx="841495" cy="432048"/>
+          </a:xfrm>
+          <a:prstGeom prst="rect">
+            <a:avLst/>
+          </a:prstGeom>
+          <a:solidFill>
+            <a:schemeClr val="accent6">
+              <a:lumMod val="20000"/>
+              <a:lumOff val="80000"/>
+            </a:schemeClr>
+          </a:solidFill>
+          <a:ln w="12700">
+            <a:solidFill>
+              <a:schemeClr val="bg1">
+                <a:lumMod val="50000"/>
+              </a:schemeClr>
+            </a:solidFill>
+          </a:ln>
+        </p:spPr>
+        <p:style>
+          <a:lnRef idx="2">
+            <a:schemeClr val="accent1">
+              <a:shade val="50000"/>
+            </a:schemeClr>
+          </a:lnRef>
+          <a:fillRef idx="1">
+            <a:schemeClr val="accent1"/>
+          </a:fillRef>
+          <a:effectRef idx="0">
+            <a:schemeClr val="accent1"/>
+          </a:effectRef>
+          <a:fontRef idx="minor">
+            <a:schemeClr val="lt1"/>
+          </a:fontRef>
+        </p:style>
+        <p:txBody>
+          <a:bodyPr rtlCol="0" anchor="ctr"/>
+          <a:lstStyle/>
+          <a:p>
+            <a:pPr algn="ctr"/>
+            <a:r>
+              <a:rPr lang="en-US" altLang="zh-CN" sz="1200" b="1" dirty="0">
+                <a:solidFill>
+                  <a:schemeClr val="tx1"/>
+                </a:solidFill>
+              </a:rPr>
+              <a:t>r</a:t>
+            </a:r>
+            <a:r>
+              <a:rPr lang="en-US" altLang="zh-CN" sz="1200" b="1" dirty="0" smtClean="0">
+                <a:solidFill>
+                  <a:schemeClr val="tx1"/>
+                </a:solidFill>
+              </a:rPr>
+              <a:t>ead data 4#</a:t>
+            </a:r>
+            <a:endParaRPr lang="zh-CN" altLang="en-US" sz="1200" b="1" dirty="0">
+              <a:solidFill>
+                <a:schemeClr val="tx1"/>
+              </a:solidFill>
+            </a:endParaRPr>
+          </a:p>
+        </p:txBody>
+      </p:sp>
+      <p:sp>
+        <p:nvSpPr>
+          <p:cNvPr id="36" name="矩形 35"/>
+          <p:cNvSpPr/>
+          <p:nvPr/>
+        </p:nvSpPr>
+        <p:spPr>
+          <a:xfrm>
+            <a:off x="7729017" y="1916832"/>
+            <a:ext cx="1030713" cy="432048"/>
+          </a:xfrm>
+          <a:prstGeom prst="rect">
+            <a:avLst/>
+          </a:prstGeom>
+          <a:solidFill>
+            <a:schemeClr val="accent5">
+              <a:lumMod val="20000"/>
+              <a:lumOff val="80000"/>
+            </a:schemeClr>
+          </a:solidFill>
+          <a:ln w="12700">
+            <a:solidFill>
+              <a:schemeClr val="bg1">
+                <a:lumMod val="50000"/>
+              </a:schemeClr>
+            </a:solidFill>
+          </a:ln>
+        </p:spPr>
+        <p:style>
+          <a:lnRef idx="2">
+            <a:schemeClr val="accent1">
+              <a:shade val="50000"/>
+            </a:schemeClr>
+          </a:lnRef>
+          <a:fillRef idx="1">
+            <a:schemeClr val="accent1"/>
+          </a:fillRef>
+          <a:effectRef idx="0">
+            <a:schemeClr val="accent1"/>
+          </a:effectRef>
+          <a:fontRef idx="minor">
+            <a:schemeClr val="lt1"/>
+          </a:fontRef>
+        </p:style>
+        <p:txBody>
+          <a:bodyPr rtlCol="0" anchor="ctr"/>
+          <a:lstStyle/>
+          <a:p>
+            <a:pPr algn="ctr"/>
+            <a:r>
+              <a:rPr lang="en-US" altLang="zh-CN" sz="1200" b="1" dirty="0">
+                <a:solidFill>
+                  <a:schemeClr val="tx1"/>
+                </a:solidFill>
+              </a:rPr>
+              <a:t>m</a:t>
+            </a:r>
+            <a:r>
+              <a:rPr lang="en-US" altLang="zh-CN" sz="1200" b="1" dirty="0" smtClean="0">
+                <a:solidFill>
+                  <a:schemeClr val="tx1"/>
+                </a:solidFill>
+              </a:rPr>
+              <a:t>ap 1#</a:t>
+            </a:r>
+            <a:endParaRPr lang="zh-CN" altLang="en-US" sz="1200" b="1" dirty="0">
+              <a:solidFill>
+                <a:schemeClr val="tx1"/>
+              </a:solidFill>
+            </a:endParaRPr>
+          </a:p>
+        </p:txBody>
+      </p:sp>
+      <p:sp>
+        <p:nvSpPr>
+          <p:cNvPr id="38" name="矩形 37"/>
+          <p:cNvSpPr/>
+          <p:nvPr/>
+        </p:nvSpPr>
+        <p:spPr>
+          <a:xfrm>
+            <a:off x="1282233" y="3680301"/>
+            <a:ext cx="841495" cy="432048"/>
+          </a:xfrm>
+          <a:prstGeom prst="rect">
+            <a:avLst/>
+          </a:prstGeom>
+          <a:solidFill>
+            <a:schemeClr val="accent6">
+              <a:lumMod val="20000"/>
+              <a:lumOff val="80000"/>
+            </a:schemeClr>
+          </a:solidFill>
+          <a:ln w="12700">
+            <a:solidFill>
+              <a:schemeClr val="bg1">
+                <a:lumMod val="50000"/>
+              </a:schemeClr>
+            </a:solidFill>
+          </a:ln>
+        </p:spPr>
+        <p:style>
+          <a:lnRef idx="2">
+            <a:schemeClr val="accent1">
+              <a:shade val="50000"/>
+            </a:schemeClr>
+          </a:lnRef>
+          <a:fillRef idx="1">
+            <a:schemeClr val="accent1"/>
+          </a:fillRef>
+          <a:effectRef idx="0">
+            <a:schemeClr val="accent1"/>
+          </a:effectRef>
+          <a:fontRef idx="minor">
+            <a:schemeClr val="lt1"/>
+          </a:fontRef>
+        </p:style>
+        <p:txBody>
+          <a:bodyPr rtlCol="0" anchor="ctr"/>
+          <a:lstStyle/>
+          <a:p>
+            <a:pPr algn="ctr"/>
+            <a:r>
+              <a:rPr lang="en-US" altLang="zh-CN" sz="1200" b="1" dirty="0">
+                <a:solidFill>
+                  <a:schemeClr val="tx1"/>
+                </a:solidFill>
+              </a:rPr>
+              <a:t>r</a:t>
+            </a:r>
+            <a:r>
+              <a:rPr lang="en-US" altLang="zh-CN" sz="1200" b="1" dirty="0" smtClean="0">
+                <a:solidFill>
+                  <a:schemeClr val="tx1"/>
+                </a:solidFill>
+              </a:rPr>
+              <a:t>ead data 1#</a:t>
+            </a:r>
+            <a:endParaRPr lang="zh-CN" altLang="en-US" sz="1200" b="1" dirty="0">
+              <a:solidFill>
+                <a:schemeClr val="tx1"/>
+              </a:solidFill>
+            </a:endParaRPr>
+          </a:p>
+        </p:txBody>
+      </p:sp>
+      <p:sp>
+        <p:nvSpPr>
+          <p:cNvPr id="39" name="矩形 38"/>
+          <p:cNvSpPr/>
+          <p:nvPr/>
+        </p:nvSpPr>
+        <p:spPr>
+          <a:xfrm>
+            <a:off x="2123728" y="4112349"/>
+            <a:ext cx="1030713" cy="432048"/>
+          </a:xfrm>
+          <a:prstGeom prst="rect">
+            <a:avLst/>
+          </a:prstGeom>
+          <a:solidFill>
+            <a:schemeClr val="accent5">
+              <a:lumMod val="20000"/>
+              <a:lumOff val="80000"/>
+            </a:schemeClr>
+          </a:solidFill>
+          <a:ln w="12700">
+            <a:solidFill>
+              <a:schemeClr val="bg1">
+                <a:lumMod val="50000"/>
+              </a:schemeClr>
+            </a:solidFill>
+          </a:ln>
+        </p:spPr>
+        <p:style>
+          <a:lnRef idx="2">
+            <a:schemeClr val="accent1">
+              <a:shade val="50000"/>
+            </a:schemeClr>
+          </a:lnRef>
+          <a:fillRef idx="1">
+            <a:schemeClr val="accent1"/>
+          </a:fillRef>
+          <a:effectRef idx="0">
+            <a:schemeClr val="accent1"/>
+          </a:effectRef>
+          <a:fontRef idx="minor">
+            <a:schemeClr val="lt1"/>
+          </a:fontRef>
+        </p:style>
+        <p:txBody>
+          <a:bodyPr rtlCol="0" anchor="ctr"/>
+          <a:lstStyle/>
+          <a:p>
+            <a:pPr algn="ctr"/>
+            <a:r>
+              <a:rPr lang="en-US" altLang="zh-CN" sz="1200" b="1" dirty="0">
+                <a:solidFill>
+                  <a:schemeClr val="tx1"/>
+                </a:solidFill>
+              </a:rPr>
+              <a:t>m</a:t>
+            </a:r>
+            <a:r>
+              <a:rPr lang="en-US" altLang="zh-CN" sz="1200" b="1" dirty="0" smtClean="0">
+                <a:solidFill>
+                  <a:schemeClr val="tx1"/>
+                </a:solidFill>
+              </a:rPr>
+              <a:t>ap 1#</a:t>
+            </a:r>
+            <a:endParaRPr lang="zh-CN" altLang="en-US" sz="1200" b="1" dirty="0">
+              <a:solidFill>
+                <a:schemeClr val="tx1"/>
+              </a:solidFill>
+            </a:endParaRPr>
+          </a:p>
+        </p:txBody>
+      </p:sp>
+      <p:sp>
+        <p:nvSpPr>
+          <p:cNvPr id="40" name="矩形 39"/>
+          <p:cNvSpPr/>
+          <p:nvPr/>
+        </p:nvSpPr>
+        <p:spPr>
+          <a:xfrm>
+            <a:off x="2112691" y="3680301"/>
+            <a:ext cx="841495" cy="432048"/>
+          </a:xfrm>
+          <a:prstGeom prst="rect">
+            <a:avLst/>
+          </a:prstGeom>
+          <a:solidFill>
+            <a:schemeClr val="accent6">
+              <a:lumMod val="20000"/>
+              <a:lumOff val="80000"/>
+            </a:schemeClr>
+          </a:solidFill>
+          <a:ln w="12700">
+            <a:solidFill>
+              <a:schemeClr val="bg1">
+                <a:lumMod val="50000"/>
+              </a:schemeClr>
+            </a:solidFill>
+          </a:ln>
+        </p:spPr>
+        <p:style>
+          <a:lnRef idx="2">
+            <a:schemeClr val="accent1">
+              <a:shade val="50000"/>
+            </a:schemeClr>
+          </a:lnRef>
+          <a:fillRef idx="1">
+            <a:schemeClr val="accent1"/>
+          </a:fillRef>
+          <a:effectRef idx="0">
+            <a:schemeClr val="accent1"/>
+          </a:effectRef>
+          <a:fontRef idx="minor">
+            <a:schemeClr val="lt1"/>
+          </a:fontRef>
+        </p:style>
+        <p:txBody>
+          <a:bodyPr rtlCol="0" anchor="ctr"/>
+          <a:lstStyle/>
+          <a:p>
+            <a:pPr algn="ctr"/>
+            <a:r>
+              <a:rPr lang="en-US" altLang="zh-CN" sz="1200" b="1" dirty="0">
+                <a:solidFill>
+                  <a:schemeClr val="tx1"/>
+                </a:solidFill>
+              </a:rPr>
+              <a:t>r</a:t>
+            </a:r>
+            <a:r>
+              <a:rPr lang="en-US" altLang="zh-CN" sz="1200" b="1" dirty="0" smtClean="0">
+                <a:solidFill>
+                  <a:schemeClr val="tx1"/>
+                </a:solidFill>
+              </a:rPr>
+              <a:t>ead data 2#</a:t>
+            </a:r>
+            <a:endParaRPr lang="zh-CN" altLang="en-US" sz="1200" b="1" dirty="0">
+              <a:solidFill>
+                <a:schemeClr val="tx1"/>
+              </a:solidFill>
+            </a:endParaRPr>
+          </a:p>
+        </p:txBody>
+      </p:sp>
+      <p:sp>
+        <p:nvSpPr>
+          <p:cNvPr id="41" name="矩形 40"/>
+          <p:cNvSpPr/>
+          <p:nvPr/>
+        </p:nvSpPr>
+        <p:spPr>
+          <a:xfrm>
+            <a:off x="2954186" y="3680301"/>
+            <a:ext cx="841495" cy="432048"/>
+          </a:xfrm>
+          <a:prstGeom prst="rect">
+            <a:avLst/>
+          </a:prstGeom>
+          <a:solidFill>
+            <a:schemeClr val="accent6">
+              <a:lumMod val="20000"/>
+              <a:lumOff val="80000"/>
+            </a:schemeClr>
+          </a:solidFill>
+          <a:ln w="12700">
+            <a:solidFill>
+              <a:schemeClr val="bg1">
+                <a:lumMod val="50000"/>
+              </a:schemeClr>
+            </a:solidFill>
+          </a:ln>
+        </p:spPr>
+        <p:style>
+          <a:lnRef idx="2">
+            <a:schemeClr val="accent1">
+              <a:shade val="50000"/>
+            </a:schemeClr>
+          </a:lnRef>
+          <a:fillRef idx="1">
+            <a:schemeClr val="accent1"/>
+          </a:fillRef>
+          <a:effectRef idx="0">
+            <a:schemeClr val="accent1"/>
+          </a:effectRef>
+          <a:fontRef idx="minor">
+            <a:schemeClr val="lt1"/>
+          </a:fontRef>
+        </p:style>
+        <p:txBody>
+          <a:bodyPr rtlCol="0" anchor="ctr"/>
+          <a:lstStyle/>
+          <a:p>
+            <a:pPr algn="ctr"/>
+            <a:r>
+              <a:rPr lang="en-US" altLang="zh-CN" sz="1200" b="1" dirty="0">
+                <a:solidFill>
+                  <a:schemeClr val="tx1"/>
+                </a:solidFill>
+              </a:rPr>
+              <a:t>r</a:t>
+            </a:r>
+            <a:r>
+              <a:rPr lang="en-US" altLang="zh-CN" sz="1200" b="1" dirty="0" smtClean="0">
+                <a:solidFill>
+                  <a:schemeClr val="tx1"/>
+                </a:solidFill>
+              </a:rPr>
+              <a:t>ead data 3#</a:t>
+            </a:r>
+            <a:endParaRPr lang="zh-CN" altLang="en-US" sz="1200" b="1" dirty="0">
+              <a:solidFill>
+                <a:schemeClr val="tx1"/>
+              </a:solidFill>
+            </a:endParaRPr>
+          </a:p>
+        </p:txBody>
+      </p:sp>
+      <p:sp>
+        <p:nvSpPr>
+          <p:cNvPr id="42" name="矩形 41"/>
+          <p:cNvSpPr/>
+          <p:nvPr/>
+        </p:nvSpPr>
+        <p:spPr>
+          <a:xfrm>
+            <a:off x="3787358" y="3680301"/>
+            <a:ext cx="841495" cy="432048"/>
+          </a:xfrm>
+          <a:prstGeom prst="rect">
+            <a:avLst/>
+          </a:prstGeom>
+          <a:solidFill>
+            <a:schemeClr val="accent6">
+              <a:lumMod val="20000"/>
+              <a:lumOff val="80000"/>
+            </a:schemeClr>
+          </a:solidFill>
+          <a:ln w="12700">
+            <a:solidFill>
+              <a:schemeClr val="bg1">
+                <a:lumMod val="50000"/>
+              </a:schemeClr>
+            </a:solidFill>
+          </a:ln>
+        </p:spPr>
+        <p:style>
+          <a:lnRef idx="2">
+            <a:schemeClr val="accent1">
+              <a:shade val="50000"/>
+            </a:schemeClr>
+          </a:lnRef>
+          <a:fillRef idx="1">
+            <a:schemeClr val="accent1"/>
+          </a:fillRef>
+          <a:effectRef idx="0">
+            <a:schemeClr val="accent1"/>
+          </a:effectRef>
+          <a:fontRef idx="minor">
+            <a:schemeClr val="lt1"/>
+          </a:fontRef>
+        </p:style>
+        <p:txBody>
+          <a:bodyPr rtlCol="0" anchor="ctr"/>
+          <a:lstStyle/>
+          <a:p>
+            <a:pPr algn="ctr"/>
+            <a:r>
+              <a:rPr lang="en-US" altLang="zh-CN" sz="1200" b="1" dirty="0">
+                <a:solidFill>
+                  <a:schemeClr val="tx1"/>
+                </a:solidFill>
+              </a:rPr>
+              <a:t>r</a:t>
+            </a:r>
+            <a:r>
+              <a:rPr lang="en-US" altLang="zh-CN" sz="1200" b="1" dirty="0" smtClean="0">
+                <a:solidFill>
+                  <a:schemeClr val="tx1"/>
+                </a:solidFill>
+              </a:rPr>
+              <a:t>ead data 4#</a:t>
+            </a:r>
+            <a:endParaRPr lang="zh-CN" altLang="en-US" sz="1200" b="1" dirty="0">
+              <a:solidFill>
+                <a:schemeClr val="tx1"/>
+              </a:solidFill>
+            </a:endParaRPr>
+          </a:p>
+        </p:txBody>
+      </p:sp>
+      <p:sp>
+        <p:nvSpPr>
+          <p:cNvPr id="43" name="矩形 42"/>
+          <p:cNvSpPr/>
+          <p:nvPr/>
+        </p:nvSpPr>
+        <p:spPr>
+          <a:xfrm>
+            <a:off x="2954186" y="4546774"/>
+            <a:ext cx="1030713" cy="432048"/>
+          </a:xfrm>
+          <a:prstGeom prst="rect">
+            <a:avLst/>
+          </a:prstGeom>
+          <a:solidFill>
+            <a:schemeClr val="accent5">
+              <a:lumMod val="20000"/>
+              <a:lumOff val="80000"/>
+            </a:schemeClr>
+          </a:solidFill>
+          <a:ln w="12700">
+            <a:solidFill>
+              <a:schemeClr val="bg1">
+                <a:lumMod val="50000"/>
+              </a:schemeClr>
+            </a:solidFill>
+          </a:ln>
+        </p:spPr>
+        <p:style>
+          <a:lnRef idx="2">
+            <a:schemeClr val="accent1">
+              <a:shade val="50000"/>
+            </a:schemeClr>
+          </a:lnRef>
+          <a:fillRef idx="1">
+            <a:schemeClr val="accent1"/>
+          </a:fillRef>
+          <a:effectRef idx="0">
+            <a:schemeClr val="accent1"/>
+          </a:effectRef>
+          <a:fontRef idx="minor">
+            <a:schemeClr val="lt1"/>
+          </a:fontRef>
+        </p:style>
+        <p:txBody>
+          <a:bodyPr rtlCol="0" anchor="ctr"/>
+          <a:lstStyle/>
+          <a:p>
+            <a:pPr algn="ctr"/>
+            <a:r>
+              <a:rPr lang="en-US" altLang="zh-CN" sz="1200" b="1" dirty="0">
+                <a:solidFill>
+                  <a:schemeClr val="tx1"/>
+                </a:solidFill>
+              </a:rPr>
+              <a:t>m</a:t>
+            </a:r>
+            <a:r>
+              <a:rPr lang="en-US" altLang="zh-CN" sz="1200" b="1" dirty="0" smtClean="0">
+                <a:solidFill>
+                  <a:schemeClr val="tx1"/>
+                </a:solidFill>
+              </a:rPr>
+              <a:t>ap 2#</a:t>
+            </a:r>
+            <a:endParaRPr lang="zh-CN" altLang="en-US" sz="1200" b="1" dirty="0">
+              <a:solidFill>
+                <a:schemeClr val="tx1"/>
+              </a:solidFill>
+            </a:endParaRPr>
+          </a:p>
+        </p:txBody>
+      </p:sp>
+      <p:sp>
+        <p:nvSpPr>
+          <p:cNvPr id="44" name="TextBox 43"/>
+          <p:cNvSpPr txBox="1"/>
+          <p:nvPr/>
+        </p:nvSpPr>
+        <p:spPr>
+          <a:xfrm>
+            <a:off x="0" y="4608909"/>
+            <a:ext cx="1356397" cy="307777"/>
+          </a:xfrm>
+          <a:prstGeom prst="rect">
+            <a:avLst/>
+          </a:prstGeom>
+          <a:noFill/>
+        </p:spPr>
+        <p:txBody>
+          <a:bodyPr wrap="none" rtlCol="0">
+            <a:spAutoFit/>
+          </a:bodyPr>
+          <a:lstStyle/>
+          <a:p>
+            <a:r>
+              <a:rPr lang="en-US" altLang="zh-CN" sz="1400" b="1" dirty="0" smtClean="0"/>
+              <a:t>Map Kernel 2</a:t>
+            </a:r>
+            <a:r>
+              <a:rPr lang="zh-CN" altLang="en-US" sz="1400" b="1" dirty="0" smtClean="0"/>
+              <a:t>：</a:t>
+            </a:r>
+            <a:endParaRPr lang="zh-CN" altLang="en-US" sz="1400" b="1" dirty="0"/>
+          </a:p>
+        </p:txBody>
+      </p:sp>
+      <p:sp>
+        <p:nvSpPr>
+          <p:cNvPr id="45" name="矩形 44"/>
+          <p:cNvSpPr/>
+          <p:nvPr/>
+        </p:nvSpPr>
+        <p:spPr>
+          <a:xfrm>
+            <a:off x="3787358" y="4112349"/>
+            <a:ext cx="1030713" cy="432048"/>
+          </a:xfrm>
+          <a:prstGeom prst="rect">
+            <a:avLst/>
+          </a:prstGeom>
+          <a:solidFill>
+            <a:schemeClr val="accent5">
+              <a:lumMod val="20000"/>
+              <a:lumOff val="80000"/>
+            </a:schemeClr>
+          </a:solidFill>
+          <a:ln w="12700">
+            <a:solidFill>
+              <a:schemeClr val="bg1">
+                <a:lumMod val="50000"/>
+              </a:schemeClr>
+            </a:solidFill>
+          </a:ln>
+        </p:spPr>
+        <p:style>
+          <a:lnRef idx="2">
+            <a:schemeClr val="accent1">
+              <a:shade val="50000"/>
+            </a:schemeClr>
+          </a:lnRef>
+          <a:fillRef idx="1">
+            <a:schemeClr val="accent1"/>
+          </a:fillRef>
+          <a:effectRef idx="0">
+            <a:schemeClr val="accent1"/>
+          </a:effectRef>
+          <a:fontRef idx="minor">
+            <a:schemeClr val="lt1"/>
+          </a:fontRef>
+        </p:style>
+        <p:txBody>
+          <a:bodyPr rtlCol="0" anchor="ctr"/>
+          <a:lstStyle/>
+          <a:p>
+            <a:pPr algn="ctr"/>
+            <a:r>
+              <a:rPr lang="en-US" altLang="zh-CN" sz="1200" b="1" dirty="0">
+                <a:solidFill>
+                  <a:schemeClr val="tx1"/>
+                </a:solidFill>
+              </a:rPr>
+              <a:t>m</a:t>
+            </a:r>
+            <a:r>
+              <a:rPr lang="en-US" altLang="zh-CN" sz="1200" b="1" dirty="0" smtClean="0">
+                <a:solidFill>
+                  <a:schemeClr val="tx1"/>
+                </a:solidFill>
+              </a:rPr>
+              <a:t>ap 3#</a:t>
+            </a:r>
+            <a:endParaRPr lang="zh-CN" altLang="en-US" sz="1200" b="1" dirty="0">
+              <a:solidFill>
+                <a:schemeClr val="tx1"/>
+              </a:solidFill>
+            </a:endParaRPr>
+          </a:p>
+        </p:txBody>
+      </p:sp>
+      <p:sp>
+        <p:nvSpPr>
+          <p:cNvPr id="46" name="矩形 45"/>
+          <p:cNvSpPr/>
+          <p:nvPr/>
+        </p:nvSpPr>
+        <p:spPr>
+          <a:xfrm>
+            <a:off x="4647862" y="4546774"/>
+            <a:ext cx="1030713" cy="432048"/>
+          </a:xfrm>
+          <a:prstGeom prst="rect">
+            <a:avLst/>
+          </a:prstGeom>
+          <a:solidFill>
+            <a:schemeClr val="accent5">
+              <a:lumMod val="20000"/>
+              <a:lumOff val="80000"/>
+            </a:schemeClr>
+          </a:solidFill>
+          <a:ln w="12700">
+            <a:solidFill>
+              <a:schemeClr val="bg1">
+                <a:lumMod val="50000"/>
+              </a:schemeClr>
+            </a:solidFill>
+          </a:ln>
+        </p:spPr>
+        <p:style>
+          <a:lnRef idx="2">
+            <a:schemeClr val="accent1">
+              <a:shade val="50000"/>
+            </a:schemeClr>
+          </a:lnRef>
+          <a:fillRef idx="1">
+            <a:schemeClr val="accent1"/>
+          </a:fillRef>
+          <a:effectRef idx="0">
+            <a:schemeClr val="accent1"/>
+          </a:effectRef>
+          <a:fontRef idx="minor">
+            <a:schemeClr val="lt1"/>
+          </a:fontRef>
+        </p:style>
+        <p:txBody>
+          <a:bodyPr rtlCol="0" anchor="ctr"/>
+          <a:lstStyle/>
+          <a:p>
+            <a:pPr algn="ctr"/>
+            <a:r>
+              <a:rPr lang="en-US" altLang="zh-CN" sz="1200" b="1" dirty="0">
+                <a:solidFill>
+                  <a:schemeClr val="tx1"/>
+                </a:solidFill>
+              </a:rPr>
+              <a:t>m</a:t>
+            </a:r>
+            <a:r>
+              <a:rPr lang="en-US" altLang="zh-CN" sz="1200" b="1" dirty="0" smtClean="0">
+                <a:solidFill>
+                  <a:schemeClr val="tx1"/>
+                </a:solidFill>
+              </a:rPr>
+              <a:t>ap 4#</a:t>
+            </a:r>
+            <a:endParaRPr lang="zh-CN" altLang="en-US" sz="1200" b="1" dirty="0">
+              <a:solidFill>
+                <a:schemeClr val="tx1"/>
+              </a:solidFill>
+            </a:endParaRPr>
+          </a:p>
+        </p:txBody>
+      </p:sp>
+      <p:cxnSp>
+        <p:nvCxnSpPr>
+          <p:cNvPr id="47" name="直接箭头连接符 46"/>
+          <p:cNvCxnSpPr/>
+          <p:nvPr/>
+        </p:nvCxnSpPr>
+        <p:spPr>
+          <a:xfrm>
+            <a:off x="1115616" y="5157192"/>
+            <a:ext cx="7704856" cy="0"/>
+          </a:xfrm>
+          <a:prstGeom prst="straightConnector1">
+            <a:avLst/>
+          </a:prstGeom>
+          <a:ln>
+            <a:solidFill>
+              <a:schemeClr val="tx1"/>
+            </a:solidFill>
+            <a:headEnd type="none" w="med" len="med"/>
+            <a:tailEnd type="triangle" w="med" len="med"/>
+          </a:ln>
+        </p:spPr>
+        <p:style>
+          <a:lnRef idx="1">
+            <a:schemeClr val="accent1"/>
+          </a:lnRef>
+          <a:fillRef idx="0">
+            <a:schemeClr val="accent1"/>
+          </a:fillRef>
+          <a:effectRef idx="0">
+            <a:schemeClr val="accent1"/>
+          </a:effectRef>
+          <a:fontRef idx="minor">
+            <a:schemeClr val="tx1"/>
+          </a:fontRef>
+        </p:style>
+      </p:cxnSp>
+      <p:sp>
+        <p:nvSpPr>
+          <p:cNvPr id="48" name="TextBox 47"/>
+          <p:cNvSpPr txBox="1"/>
+          <p:nvPr/>
+        </p:nvSpPr>
+        <p:spPr>
+          <a:xfrm>
+            <a:off x="3851920" y="5085184"/>
+            <a:ext cx="1157112" cy="307777"/>
+          </a:xfrm>
+          <a:prstGeom prst="rect">
+            <a:avLst/>
+          </a:prstGeom>
+          <a:noFill/>
+        </p:spPr>
+        <p:txBody>
+          <a:bodyPr wrap="none" rtlCol="0">
+            <a:spAutoFit/>
+          </a:bodyPr>
+          <a:lstStyle/>
+          <a:p>
+            <a:r>
+              <a:rPr lang="en-US" altLang="zh-CN" sz="1400" b="1" dirty="0" smtClean="0"/>
+              <a:t>Process Time</a:t>
+            </a:r>
+            <a:endParaRPr lang="zh-CN" altLang="en-US" sz="1400" b="1" dirty="0"/>
+          </a:p>
+        </p:txBody>
+      </p:sp>
     </p:spTree>
     <p:extLst>
       <p:ext uri="{BB962C8B-B14F-4D97-AF65-F5344CB8AC3E}">
@@ -33682,35 +35278,35 @@
                 <a:gridCol w="763270">
                   <a:extLst>
                     <a:ext uri="{9D8B030D-6E8A-4147-A177-3AD203B41FA5}">
-                      <a16:colId xmlns="" xmlns:a16="http://schemas.microsoft.com/office/drawing/2014/main" val="3326979791"/>
+                      <a16:colId xmlns:a16="http://schemas.microsoft.com/office/drawing/2014/main" xmlns="" val="3326979791"/>
                     </a:ext>
                   </a:extLst>
                 </a:gridCol>
                 <a:gridCol w="542325">
                   <a:extLst>
                     <a:ext uri="{9D8B030D-6E8A-4147-A177-3AD203B41FA5}">
-                      <a16:colId xmlns="" xmlns:a16="http://schemas.microsoft.com/office/drawing/2014/main" val="637607070"/>
+                      <a16:colId xmlns:a16="http://schemas.microsoft.com/office/drawing/2014/main" xmlns="" val="637607070"/>
                     </a:ext>
                   </a:extLst>
                 </a:gridCol>
                 <a:gridCol w="542325">
                   <a:extLst>
                     <a:ext uri="{9D8B030D-6E8A-4147-A177-3AD203B41FA5}">
-                      <a16:colId xmlns="" xmlns:a16="http://schemas.microsoft.com/office/drawing/2014/main" val="1695508235"/>
+                      <a16:colId xmlns:a16="http://schemas.microsoft.com/office/drawing/2014/main" xmlns="" val="1695508235"/>
                     </a:ext>
                   </a:extLst>
                 </a:gridCol>
                 <a:gridCol w="542325">
                   <a:extLst>
                     <a:ext uri="{9D8B030D-6E8A-4147-A177-3AD203B41FA5}">
-                      <a16:colId xmlns="" xmlns:a16="http://schemas.microsoft.com/office/drawing/2014/main" val="1870987448"/>
+                      <a16:colId xmlns:a16="http://schemas.microsoft.com/office/drawing/2014/main" xmlns="" val="1870987448"/>
                     </a:ext>
                   </a:extLst>
                 </a:gridCol>
                 <a:gridCol w="542325">
                   <a:extLst>
                     <a:ext uri="{9D8B030D-6E8A-4147-A177-3AD203B41FA5}">
-                      <a16:colId xmlns="" xmlns:a16="http://schemas.microsoft.com/office/drawing/2014/main" val="324699617"/>
+                      <a16:colId xmlns:a16="http://schemas.microsoft.com/office/drawing/2014/main" xmlns="" val="324699617"/>
                     </a:ext>
                   </a:extLst>
                 </a:gridCol>
@@ -34078,7 +35674,7 @@
                 </a:tc>
                 <a:extLst>
                   <a:ext uri="{0D108BD9-81ED-4DB2-BD59-A6C34878D82A}">
-                    <a16:rowId xmlns="" xmlns:a16="http://schemas.microsoft.com/office/drawing/2014/main" val="798814532"/>
+                    <a16:rowId xmlns:a16="http://schemas.microsoft.com/office/drawing/2014/main" xmlns="" val="798814532"/>
                   </a:ext>
                 </a:extLst>
               </a:tr>
@@ -34425,7 +36021,7 @@
                 </a:tc>
                 <a:extLst>
                   <a:ext uri="{0D108BD9-81ED-4DB2-BD59-A6C34878D82A}">
-                    <a16:rowId xmlns="" xmlns:a16="http://schemas.microsoft.com/office/drawing/2014/main" val="1491202224"/>
+                    <a16:rowId xmlns:a16="http://schemas.microsoft.com/office/drawing/2014/main" xmlns="" val="1491202224"/>
                   </a:ext>
                 </a:extLst>
               </a:tr>
@@ -34750,7 +36346,7 @@
                 </a:tc>
                 <a:extLst>
                   <a:ext uri="{0D108BD9-81ED-4DB2-BD59-A6C34878D82A}">
-                    <a16:rowId xmlns="" xmlns:a16="http://schemas.microsoft.com/office/drawing/2014/main" val="2457331936"/>
+                    <a16:rowId xmlns:a16="http://schemas.microsoft.com/office/drawing/2014/main" xmlns="" val="2457331936"/>
                   </a:ext>
                 </a:extLst>
               </a:tr>
@@ -34880,35 +36476,35 @@
                 <a:gridCol w="763270">
                   <a:extLst>
                     <a:ext uri="{9D8B030D-6E8A-4147-A177-3AD203B41FA5}">
-                      <a16:colId xmlns="" xmlns:a16="http://schemas.microsoft.com/office/drawing/2014/main" val="3326979791"/>
+                      <a16:colId xmlns:a16="http://schemas.microsoft.com/office/drawing/2014/main" xmlns="" val="3326979791"/>
                     </a:ext>
                   </a:extLst>
                 </a:gridCol>
                 <a:gridCol w="542325">
                   <a:extLst>
                     <a:ext uri="{9D8B030D-6E8A-4147-A177-3AD203B41FA5}">
-                      <a16:colId xmlns="" xmlns:a16="http://schemas.microsoft.com/office/drawing/2014/main" val="637607070"/>
+                      <a16:colId xmlns:a16="http://schemas.microsoft.com/office/drawing/2014/main" xmlns="" val="637607070"/>
                     </a:ext>
                   </a:extLst>
                 </a:gridCol>
                 <a:gridCol w="542325">
                   <a:extLst>
                     <a:ext uri="{9D8B030D-6E8A-4147-A177-3AD203B41FA5}">
-                      <a16:colId xmlns="" xmlns:a16="http://schemas.microsoft.com/office/drawing/2014/main" val="1695508235"/>
+                      <a16:colId xmlns:a16="http://schemas.microsoft.com/office/drawing/2014/main" xmlns="" val="1695508235"/>
                     </a:ext>
                   </a:extLst>
                 </a:gridCol>
                 <a:gridCol w="542325">
                   <a:extLst>
                     <a:ext uri="{9D8B030D-6E8A-4147-A177-3AD203B41FA5}">
-                      <a16:colId xmlns="" xmlns:a16="http://schemas.microsoft.com/office/drawing/2014/main" val="1870987448"/>
+                      <a16:colId xmlns:a16="http://schemas.microsoft.com/office/drawing/2014/main" xmlns="" val="1870987448"/>
                     </a:ext>
                   </a:extLst>
                 </a:gridCol>
                 <a:gridCol w="542325">
                   <a:extLst>
                     <a:ext uri="{9D8B030D-6E8A-4147-A177-3AD203B41FA5}">
-                      <a16:colId xmlns="" xmlns:a16="http://schemas.microsoft.com/office/drawing/2014/main" val="324699617"/>
+                      <a16:colId xmlns:a16="http://schemas.microsoft.com/office/drawing/2014/main" xmlns="" val="324699617"/>
                     </a:ext>
                   </a:extLst>
                 </a:gridCol>
@@ -35276,7 +36872,7 @@
                 </a:tc>
                 <a:extLst>
                   <a:ext uri="{0D108BD9-81ED-4DB2-BD59-A6C34878D82A}">
-                    <a16:rowId xmlns="" xmlns:a16="http://schemas.microsoft.com/office/drawing/2014/main" val="798814532"/>
+                    <a16:rowId xmlns:a16="http://schemas.microsoft.com/office/drawing/2014/main" xmlns="" val="798814532"/>
                   </a:ext>
                 </a:extLst>
               </a:tr>
@@ -35623,7 +37219,7 @@
                 </a:tc>
                 <a:extLst>
                   <a:ext uri="{0D108BD9-81ED-4DB2-BD59-A6C34878D82A}">
-                    <a16:rowId xmlns="" xmlns:a16="http://schemas.microsoft.com/office/drawing/2014/main" val="1491202224"/>
+                    <a16:rowId xmlns:a16="http://schemas.microsoft.com/office/drawing/2014/main" xmlns="" val="1491202224"/>
                   </a:ext>
                 </a:extLst>
               </a:tr>
@@ -35978,7 +37574,7 @@
                 </a:tc>
                 <a:extLst>
                   <a:ext uri="{0D108BD9-81ED-4DB2-BD59-A6C34878D82A}">
-                    <a16:rowId xmlns="" xmlns:a16="http://schemas.microsoft.com/office/drawing/2014/main" val="2457331936"/>
+                    <a16:rowId xmlns:a16="http://schemas.microsoft.com/office/drawing/2014/main" xmlns="" val="2457331936"/>
                   </a:ext>
                 </a:extLst>
               </a:tr>
@@ -36116,35 +37712,35 @@
                 <a:gridCol w="763270">
                   <a:extLst>
                     <a:ext uri="{9D8B030D-6E8A-4147-A177-3AD203B41FA5}">
-                      <a16:colId xmlns="" xmlns:a16="http://schemas.microsoft.com/office/drawing/2014/main" val="3326979791"/>
+                      <a16:colId xmlns:a16="http://schemas.microsoft.com/office/drawing/2014/main" xmlns="" val="3326979791"/>
                     </a:ext>
                   </a:extLst>
                 </a:gridCol>
                 <a:gridCol w="542325">
                   <a:extLst>
                     <a:ext uri="{9D8B030D-6E8A-4147-A177-3AD203B41FA5}">
-                      <a16:colId xmlns="" xmlns:a16="http://schemas.microsoft.com/office/drawing/2014/main" val="637607070"/>
+                      <a16:colId xmlns:a16="http://schemas.microsoft.com/office/drawing/2014/main" xmlns="" val="637607070"/>
                     </a:ext>
                   </a:extLst>
                 </a:gridCol>
                 <a:gridCol w="542325">
                   <a:extLst>
                     <a:ext uri="{9D8B030D-6E8A-4147-A177-3AD203B41FA5}">
-                      <a16:colId xmlns="" xmlns:a16="http://schemas.microsoft.com/office/drawing/2014/main" val="1695508235"/>
+                      <a16:colId xmlns:a16="http://schemas.microsoft.com/office/drawing/2014/main" xmlns="" val="1695508235"/>
                     </a:ext>
                   </a:extLst>
                 </a:gridCol>
                 <a:gridCol w="542325">
                   <a:extLst>
                     <a:ext uri="{9D8B030D-6E8A-4147-A177-3AD203B41FA5}">
-                      <a16:colId xmlns="" xmlns:a16="http://schemas.microsoft.com/office/drawing/2014/main" val="1870987448"/>
+                      <a16:colId xmlns:a16="http://schemas.microsoft.com/office/drawing/2014/main" xmlns="" val="1870987448"/>
                     </a:ext>
                   </a:extLst>
                 </a:gridCol>
                 <a:gridCol w="542325">
                   <a:extLst>
                     <a:ext uri="{9D8B030D-6E8A-4147-A177-3AD203B41FA5}">
-                      <a16:colId xmlns="" xmlns:a16="http://schemas.microsoft.com/office/drawing/2014/main" val="324699617"/>
+                      <a16:colId xmlns:a16="http://schemas.microsoft.com/office/drawing/2014/main" xmlns="" val="324699617"/>
                     </a:ext>
                   </a:extLst>
                 </a:gridCol>
@@ -36512,7 +38108,7 @@
                 </a:tc>
                 <a:extLst>
                   <a:ext uri="{0D108BD9-81ED-4DB2-BD59-A6C34878D82A}">
-                    <a16:rowId xmlns="" xmlns:a16="http://schemas.microsoft.com/office/drawing/2014/main" val="798814532"/>
+                    <a16:rowId xmlns:a16="http://schemas.microsoft.com/office/drawing/2014/main" xmlns="" val="798814532"/>
                   </a:ext>
                 </a:extLst>
               </a:tr>
@@ -36859,7 +38455,7 @@
                 </a:tc>
                 <a:extLst>
                   <a:ext uri="{0D108BD9-81ED-4DB2-BD59-A6C34878D82A}">
-                    <a16:rowId xmlns="" xmlns:a16="http://schemas.microsoft.com/office/drawing/2014/main" val="1491202224"/>
+                    <a16:rowId xmlns:a16="http://schemas.microsoft.com/office/drawing/2014/main" xmlns="" val="1491202224"/>
                   </a:ext>
                 </a:extLst>
               </a:tr>
@@ -37222,7 +38818,7 @@
                 </a:tc>
                 <a:extLst>
                   <a:ext uri="{0D108BD9-81ED-4DB2-BD59-A6C34878D82A}">
-                    <a16:rowId xmlns="" xmlns:a16="http://schemas.microsoft.com/office/drawing/2014/main" val="2457331936"/>
+                    <a16:rowId xmlns:a16="http://schemas.microsoft.com/office/drawing/2014/main" xmlns="" val="2457331936"/>
                   </a:ext>
                 </a:extLst>
               </a:tr>

--- a/ppt/tf.reduce_mean.pptx
+++ b/ppt/tf.reduce_mean.pptx
@@ -141,7 +141,7 @@
   </p:defaultTextStyle>
   <p:extLst>
     <p:ext uri="{EFAFB233-063F-42B5-8137-9DF3F51BA10A}">
-      <p15:sldGuideLst xmlns:p15="http://schemas.microsoft.com/office/powerpoint/2012/main" xmlns="">
+      <p15:sldGuideLst xmlns="" xmlns:p15="http://schemas.microsoft.com/office/powerpoint/2012/main">
         <p15:guide id="1" orient="horz" pos="2160">
           <p15:clr>
             <a:srgbClr val="A4A3A4"/>
@@ -339,7 +339,7 @@
           <a:p>
             <a:fld id="{154D151C-2C25-4305-8E14-82B64FCC1564}" type="datetimeFigureOut">
               <a:rPr lang="zh-CN" altLang="en-US" smtClean="0"/>
-              <a:t>2020/9/28</a:t>
+              <a:t>2020/11/28</a:t>
             </a:fld>
             <a:endParaRPr lang="zh-CN" altLang="en-US"/>
           </a:p>
@@ -509,7 +509,7 @@
           <a:p>
             <a:fld id="{154D151C-2C25-4305-8E14-82B64FCC1564}" type="datetimeFigureOut">
               <a:rPr lang="zh-CN" altLang="en-US" smtClean="0"/>
-              <a:t>2020/9/28</a:t>
+              <a:t>2020/11/28</a:t>
             </a:fld>
             <a:endParaRPr lang="zh-CN" altLang="en-US"/>
           </a:p>
@@ -689,7 +689,7 @@
           <a:p>
             <a:fld id="{154D151C-2C25-4305-8E14-82B64FCC1564}" type="datetimeFigureOut">
               <a:rPr lang="zh-CN" altLang="en-US" smtClean="0"/>
-              <a:t>2020/9/28</a:t>
+              <a:t>2020/11/28</a:t>
             </a:fld>
             <a:endParaRPr lang="zh-CN" altLang="en-US"/>
           </a:p>
@@ -1119,7 +1119,7 @@
           <a:p>
             <a:fld id="{154D151C-2C25-4305-8E14-82B64FCC1564}" type="datetimeFigureOut">
               <a:rPr lang="zh-CN" altLang="en-US" smtClean="0"/>
-              <a:t>2020/9/28</a:t>
+              <a:t>2020/11/28</a:t>
             </a:fld>
             <a:endParaRPr lang="zh-CN" altLang="en-US"/>
           </a:p>
@@ -1365,7 +1365,7 @@
           <a:p>
             <a:fld id="{154D151C-2C25-4305-8E14-82B64FCC1564}" type="datetimeFigureOut">
               <a:rPr lang="zh-CN" altLang="en-US" smtClean="0"/>
-              <a:t>2020/9/28</a:t>
+              <a:t>2020/11/28</a:t>
             </a:fld>
             <a:endParaRPr lang="zh-CN" altLang="en-US"/>
           </a:p>
@@ -1653,7 +1653,7 @@
           <a:p>
             <a:fld id="{154D151C-2C25-4305-8E14-82B64FCC1564}" type="datetimeFigureOut">
               <a:rPr lang="zh-CN" altLang="en-US" smtClean="0"/>
-              <a:t>2020/9/28</a:t>
+              <a:t>2020/11/28</a:t>
             </a:fld>
             <a:endParaRPr lang="zh-CN" altLang="en-US"/>
           </a:p>
@@ -2075,7 +2075,7 @@
           <a:p>
             <a:fld id="{154D151C-2C25-4305-8E14-82B64FCC1564}" type="datetimeFigureOut">
               <a:rPr lang="zh-CN" altLang="en-US" smtClean="0"/>
-              <a:t>2020/9/28</a:t>
+              <a:t>2020/11/28</a:t>
             </a:fld>
             <a:endParaRPr lang="zh-CN" altLang="en-US"/>
           </a:p>
@@ -2193,7 +2193,7 @@
           <a:p>
             <a:fld id="{154D151C-2C25-4305-8E14-82B64FCC1564}" type="datetimeFigureOut">
               <a:rPr lang="zh-CN" altLang="en-US" smtClean="0"/>
-              <a:t>2020/9/28</a:t>
+              <a:t>2020/11/28</a:t>
             </a:fld>
             <a:endParaRPr lang="zh-CN" altLang="en-US"/>
           </a:p>
@@ -2288,7 +2288,7 @@
           <a:p>
             <a:fld id="{154D151C-2C25-4305-8E14-82B64FCC1564}" type="datetimeFigureOut">
               <a:rPr lang="zh-CN" altLang="en-US" smtClean="0"/>
-              <a:t>2020/9/28</a:t>
+              <a:t>2020/11/28</a:t>
             </a:fld>
             <a:endParaRPr lang="zh-CN" altLang="en-US"/>
           </a:p>
@@ -2565,7 +2565,7 @@
           <a:p>
             <a:fld id="{154D151C-2C25-4305-8E14-82B64FCC1564}" type="datetimeFigureOut">
               <a:rPr lang="zh-CN" altLang="en-US" smtClean="0"/>
-              <a:t>2020/9/28</a:t>
+              <a:t>2020/11/28</a:t>
             </a:fld>
             <a:endParaRPr lang="zh-CN" altLang="en-US"/>
           </a:p>
@@ -2818,7 +2818,7 @@
           <a:p>
             <a:fld id="{154D151C-2C25-4305-8E14-82B64FCC1564}" type="datetimeFigureOut">
               <a:rPr lang="zh-CN" altLang="en-US" smtClean="0"/>
-              <a:t>2020/9/28</a:t>
+              <a:t>2020/11/28</a:t>
             </a:fld>
             <a:endParaRPr lang="zh-CN" altLang="en-US"/>
           </a:p>
@@ -3031,7 +3031,7 @@
           <a:p>
             <a:fld id="{154D151C-2C25-4305-8E14-82B64FCC1564}" type="datetimeFigureOut">
               <a:rPr lang="zh-CN" altLang="en-US" smtClean="0"/>
-              <a:t>2020/9/28</a:t>
+              <a:t>2020/11/28</a:t>
             </a:fld>
             <a:endParaRPr lang="zh-CN" altLang="en-US"/>
           </a:p>
@@ -16245,35 +16245,35 @@
                 <a:gridCol w="763270">
                   <a:extLst>
                     <a:ext uri="{9D8B030D-6E8A-4147-A177-3AD203B41FA5}">
-                      <a16:colId xmlns:a16="http://schemas.microsoft.com/office/drawing/2014/main" xmlns="" val="3326979791"/>
+                      <a16:colId xmlns="" xmlns:a16="http://schemas.microsoft.com/office/drawing/2014/main" val="3326979791"/>
                     </a:ext>
                   </a:extLst>
                 </a:gridCol>
                 <a:gridCol w="542325">
                   <a:extLst>
                     <a:ext uri="{9D8B030D-6E8A-4147-A177-3AD203B41FA5}">
-                      <a16:colId xmlns:a16="http://schemas.microsoft.com/office/drawing/2014/main" xmlns="" val="637607070"/>
+                      <a16:colId xmlns="" xmlns:a16="http://schemas.microsoft.com/office/drawing/2014/main" val="637607070"/>
                     </a:ext>
                   </a:extLst>
                 </a:gridCol>
                 <a:gridCol w="542325">
                   <a:extLst>
                     <a:ext uri="{9D8B030D-6E8A-4147-A177-3AD203B41FA5}">
-                      <a16:colId xmlns:a16="http://schemas.microsoft.com/office/drawing/2014/main" xmlns="" val="1695508235"/>
+                      <a16:colId xmlns="" xmlns:a16="http://schemas.microsoft.com/office/drawing/2014/main" val="1695508235"/>
                     </a:ext>
                   </a:extLst>
                 </a:gridCol>
                 <a:gridCol w="542325">
                   <a:extLst>
                     <a:ext uri="{9D8B030D-6E8A-4147-A177-3AD203B41FA5}">
-                      <a16:colId xmlns:a16="http://schemas.microsoft.com/office/drawing/2014/main" xmlns="" val="1870987448"/>
+                      <a16:colId xmlns="" xmlns:a16="http://schemas.microsoft.com/office/drawing/2014/main" val="1870987448"/>
                     </a:ext>
                   </a:extLst>
                 </a:gridCol>
                 <a:gridCol w="542325">
                   <a:extLst>
                     <a:ext uri="{9D8B030D-6E8A-4147-A177-3AD203B41FA5}">
-                      <a16:colId xmlns:a16="http://schemas.microsoft.com/office/drawing/2014/main" xmlns="" val="324699617"/>
+                      <a16:colId xmlns="" xmlns:a16="http://schemas.microsoft.com/office/drawing/2014/main" val="324699617"/>
                     </a:ext>
                   </a:extLst>
                 </a:gridCol>
@@ -16641,7 +16641,7 @@
                 </a:tc>
                 <a:extLst>
                   <a:ext uri="{0D108BD9-81ED-4DB2-BD59-A6C34878D82A}">
-                    <a16:rowId xmlns:a16="http://schemas.microsoft.com/office/drawing/2014/main" xmlns="" val="798814532"/>
+                    <a16:rowId xmlns="" xmlns:a16="http://schemas.microsoft.com/office/drawing/2014/main" val="798814532"/>
                   </a:ext>
                 </a:extLst>
               </a:tr>
@@ -16988,7 +16988,7 @@
                 </a:tc>
                 <a:extLst>
                   <a:ext uri="{0D108BD9-81ED-4DB2-BD59-A6C34878D82A}">
-                    <a16:rowId xmlns:a16="http://schemas.microsoft.com/office/drawing/2014/main" xmlns="" val="1491202224"/>
+                    <a16:rowId xmlns="" xmlns:a16="http://schemas.microsoft.com/office/drawing/2014/main" val="1491202224"/>
                   </a:ext>
                 </a:extLst>
               </a:tr>
@@ -17313,7 +17313,7 @@
                 </a:tc>
                 <a:extLst>
                   <a:ext uri="{0D108BD9-81ED-4DB2-BD59-A6C34878D82A}">
-                    <a16:rowId xmlns:a16="http://schemas.microsoft.com/office/drawing/2014/main" xmlns="" val="2457331936"/>
+                    <a16:rowId xmlns="" xmlns:a16="http://schemas.microsoft.com/office/drawing/2014/main" val="2457331936"/>
                   </a:ext>
                 </a:extLst>
               </a:tr>
@@ -17443,35 +17443,35 @@
                 <a:gridCol w="763270">
                   <a:extLst>
                     <a:ext uri="{9D8B030D-6E8A-4147-A177-3AD203B41FA5}">
-                      <a16:colId xmlns:a16="http://schemas.microsoft.com/office/drawing/2014/main" xmlns="" val="3326979791"/>
+                      <a16:colId xmlns="" xmlns:a16="http://schemas.microsoft.com/office/drawing/2014/main" val="3326979791"/>
                     </a:ext>
                   </a:extLst>
                 </a:gridCol>
                 <a:gridCol w="542325">
                   <a:extLst>
                     <a:ext uri="{9D8B030D-6E8A-4147-A177-3AD203B41FA5}">
-                      <a16:colId xmlns:a16="http://schemas.microsoft.com/office/drawing/2014/main" xmlns="" val="637607070"/>
+                      <a16:colId xmlns="" xmlns:a16="http://schemas.microsoft.com/office/drawing/2014/main" val="637607070"/>
                     </a:ext>
                   </a:extLst>
                 </a:gridCol>
                 <a:gridCol w="542325">
                   <a:extLst>
                     <a:ext uri="{9D8B030D-6E8A-4147-A177-3AD203B41FA5}">
-                      <a16:colId xmlns:a16="http://schemas.microsoft.com/office/drawing/2014/main" xmlns="" val="1695508235"/>
+                      <a16:colId xmlns="" xmlns:a16="http://schemas.microsoft.com/office/drawing/2014/main" val="1695508235"/>
                     </a:ext>
                   </a:extLst>
                 </a:gridCol>
                 <a:gridCol w="542325">
                   <a:extLst>
                     <a:ext uri="{9D8B030D-6E8A-4147-A177-3AD203B41FA5}">
-                      <a16:colId xmlns:a16="http://schemas.microsoft.com/office/drawing/2014/main" xmlns="" val="1870987448"/>
+                      <a16:colId xmlns="" xmlns:a16="http://schemas.microsoft.com/office/drawing/2014/main" val="1870987448"/>
                     </a:ext>
                   </a:extLst>
                 </a:gridCol>
                 <a:gridCol w="542325">
                   <a:extLst>
                     <a:ext uri="{9D8B030D-6E8A-4147-A177-3AD203B41FA5}">
-                      <a16:colId xmlns:a16="http://schemas.microsoft.com/office/drawing/2014/main" xmlns="" val="324699617"/>
+                      <a16:colId xmlns="" xmlns:a16="http://schemas.microsoft.com/office/drawing/2014/main" val="324699617"/>
                     </a:ext>
                   </a:extLst>
                 </a:gridCol>
@@ -17839,7 +17839,7 @@
                 </a:tc>
                 <a:extLst>
                   <a:ext uri="{0D108BD9-81ED-4DB2-BD59-A6C34878D82A}">
-                    <a16:rowId xmlns:a16="http://schemas.microsoft.com/office/drawing/2014/main" xmlns="" val="798814532"/>
+                    <a16:rowId xmlns="" xmlns:a16="http://schemas.microsoft.com/office/drawing/2014/main" val="798814532"/>
                   </a:ext>
                 </a:extLst>
               </a:tr>
@@ -18186,7 +18186,7 @@
                 </a:tc>
                 <a:extLst>
                   <a:ext uri="{0D108BD9-81ED-4DB2-BD59-A6C34878D82A}">
-                    <a16:rowId xmlns:a16="http://schemas.microsoft.com/office/drawing/2014/main" xmlns="" val="1491202224"/>
+                    <a16:rowId xmlns="" xmlns:a16="http://schemas.microsoft.com/office/drawing/2014/main" val="1491202224"/>
                   </a:ext>
                 </a:extLst>
               </a:tr>
@@ -18541,7 +18541,7 @@
                 </a:tc>
                 <a:extLst>
                   <a:ext uri="{0D108BD9-81ED-4DB2-BD59-A6C34878D82A}">
-                    <a16:rowId xmlns:a16="http://schemas.microsoft.com/office/drawing/2014/main" xmlns="" val="2457331936"/>
+                    <a16:rowId xmlns="" xmlns:a16="http://schemas.microsoft.com/office/drawing/2014/main" val="2457331936"/>
                   </a:ext>
                 </a:extLst>
               </a:tr>
@@ -18679,35 +18679,35 @@
                 <a:gridCol w="763270">
                   <a:extLst>
                     <a:ext uri="{9D8B030D-6E8A-4147-A177-3AD203B41FA5}">
-                      <a16:colId xmlns:a16="http://schemas.microsoft.com/office/drawing/2014/main" xmlns="" val="3326979791"/>
+                      <a16:colId xmlns="" xmlns:a16="http://schemas.microsoft.com/office/drawing/2014/main" val="3326979791"/>
                     </a:ext>
                   </a:extLst>
                 </a:gridCol>
                 <a:gridCol w="542325">
                   <a:extLst>
                     <a:ext uri="{9D8B030D-6E8A-4147-A177-3AD203B41FA5}">
-                      <a16:colId xmlns:a16="http://schemas.microsoft.com/office/drawing/2014/main" xmlns="" val="637607070"/>
+                      <a16:colId xmlns="" xmlns:a16="http://schemas.microsoft.com/office/drawing/2014/main" val="637607070"/>
                     </a:ext>
                   </a:extLst>
                 </a:gridCol>
                 <a:gridCol w="542325">
                   <a:extLst>
                     <a:ext uri="{9D8B030D-6E8A-4147-A177-3AD203B41FA5}">
-                      <a16:colId xmlns:a16="http://schemas.microsoft.com/office/drawing/2014/main" xmlns="" val="1695508235"/>
+                      <a16:colId xmlns="" xmlns:a16="http://schemas.microsoft.com/office/drawing/2014/main" val="1695508235"/>
                     </a:ext>
                   </a:extLst>
                 </a:gridCol>
                 <a:gridCol w="542325">
                   <a:extLst>
                     <a:ext uri="{9D8B030D-6E8A-4147-A177-3AD203B41FA5}">
-                      <a16:colId xmlns:a16="http://schemas.microsoft.com/office/drawing/2014/main" xmlns="" val="1870987448"/>
+                      <a16:colId xmlns="" xmlns:a16="http://schemas.microsoft.com/office/drawing/2014/main" val="1870987448"/>
                     </a:ext>
                   </a:extLst>
                 </a:gridCol>
                 <a:gridCol w="542325">
                   <a:extLst>
                     <a:ext uri="{9D8B030D-6E8A-4147-A177-3AD203B41FA5}">
-                      <a16:colId xmlns:a16="http://schemas.microsoft.com/office/drawing/2014/main" xmlns="" val="324699617"/>
+                      <a16:colId xmlns="" xmlns:a16="http://schemas.microsoft.com/office/drawing/2014/main" val="324699617"/>
                     </a:ext>
                   </a:extLst>
                 </a:gridCol>
@@ -19075,7 +19075,7 @@
                 </a:tc>
                 <a:extLst>
                   <a:ext uri="{0D108BD9-81ED-4DB2-BD59-A6C34878D82A}">
-                    <a16:rowId xmlns:a16="http://schemas.microsoft.com/office/drawing/2014/main" xmlns="" val="798814532"/>
+                    <a16:rowId xmlns="" xmlns:a16="http://schemas.microsoft.com/office/drawing/2014/main" val="798814532"/>
                   </a:ext>
                 </a:extLst>
               </a:tr>
@@ -19422,7 +19422,7 @@
                 </a:tc>
                 <a:extLst>
                   <a:ext uri="{0D108BD9-81ED-4DB2-BD59-A6C34878D82A}">
-                    <a16:rowId xmlns:a16="http://schemas.microsoft.com/office/drawing/2014/main" xmlns="" val="1491202224"/>
+                    <a16:rowId xmlns="" xmlns:a16="http://schemas.microsoft.com/office/drawing/2014/main" val="1491202224"/>
                   </a:ext>
                 </a:extLst>
               </a:tr>
@@ -19785,7 +19785,7 @@
                 </a:tc>
                 <a:extLst>
                   <a:ext uri="{0D108BD9-81ED-4DB2-BD59-A6C34878D82A}">
-                    <a16:rowId xmlns:a16="http://schemas.microsoft.com/office/drawing/2014/main" xmlns="" val="2457331936"/>
+                    <a16:rowId xmlns="" xmlns:a16="http://schemas.microsoft.com/office/drawing/2014/main" val="2457331936"/>
                   </a:ext>
                 </a:extLst>
               </a:tr>
@@ -20571,7 +20571,7 @@
                 <a:gridCol w="1152128">
                   <a:extLst>
                     <a:ext uri="{9D8B030D-6E8A-4147-A177-3AD203B41FA5}">
-                      <a16:colId xmlns:a16="http://schemas.microsoft.com/office/drawing/2014/main" xmlns="" val="1214683687"/>
+                      <a16:colId xmlns="" xmlns:a16="http://schemas.microsoft.com/office/drawing/2014/main" val="1214683687"/>
                     </a:ext>
                   </a:extLst>
                 </a:gridCol>
@@ -20644,7 +20644,7 @@
                 </a:tc>
                 <a:extLst>
                   <a:ext uri="{0D108BD9-81ED-4DB2-BD59-A6C34878D82A}">
-                    <a16:rowId xmlns:a16="http://schemas.microsoft.com/office/drawing/2014/main" xmlns="" val="1006269131"/>
+                    <a16:rowId xmlns="" xmlns:a16="http://schemas.microsoft.com/office/drawing/2014/main" val="1006269131"/>
                   </a:ext>
                 </a:extLst>
               </a:tr>
@@ -20750,7 +20750,7 @@
                 </a:tc>
                 <a:extLst>
                   <a:ext uri="{0D108BD9-81ED-4DB2-BD59-A6C34878D82A}">
-                    <a16:rowId xmlns:a16="http://schemas.microsoft.com/office/drawing/2014/main" xmlns="" val="194545254"/>
+                    <a16:rowId xmlns="" xmlns:a16="http://schemas.microsoft.com/office/drawing/2014/main" val="194545254"/>
                   </a:ext>
                 </a:extLst>
               </a:tr>
@@ -20856,7 +20856,7 @@
                 </a:tc>
                 <a:extLst>
                   <a:ext uri="{0D108BD9-81ED-4DB2-BD59-A6C34878D82A}">
-                    <a16:rowId xmlns:a16="http://schemas.microsoft.com/office/drawing/2014/main" xmlns="" val="44223002"/>
+                    <a16:rowId xmlns="" xmlns:a16="http://schemas.microsoft.com/office/drawing/2014/main" val="44223002"/>
                   </a:ext>
                 </a:extLst>
               </a:tr>
@@ -20962,7 +20962,7 @@
                 </a:tc>
                 <a:extLst>
                   <a:ext uri="{0D108BD9-81ED-4DB2-BD59-A6C34878D82A}">
-                    <a16:rowId xmlns:a16="http://schemas.microsoft.com/office/drawing/2014/main" xmlns="" val="4268083801"/>
+                    <a16:rowId xmlns="" xmlns:a16="http://schemas.microsoft.com/office/drawing/2014/main" val="4268083801"/>
                   </a:ext>
                 </a:extLst>
               </a:tr>
@@ -21068,7 +21068,7 @@
                 </a:tc>
                 <a:extLst>
                   <a:ext uri="{0D108BD9-81ED-4DB2-BD59-A6C34878D82A}">
-                    <a16:rowId xmlns:a16="http://schemas.microsoft.com/office/drawing/2014/main" xmlns="" val="2987823741"/>
+                    <a16:rowId xmlns="" xmlns:a16="http://schemas.microsoft.com/office/drawing/2014/main" val="2987823741"/>
                   </a:ext>
                 </a:extLst>
               </a:tr>
@@ -21174,7 +21174,7 @@
                 </a:tc>
                 <a:extLst>
                   <a:ext uri="{0D108BD9-81ED-4DB2-BD59-A6C34878D82A}">
-                    <a16:rowId xmlns:a16="http://schemas.microsoft.com/office/drawing/2014/main" xmlns="" val="193482310"/>
+                    <a16:rowId xmlns="" xmlns:a16="http://schemas.microsoft.com/office/drawing/2014/main" val="193482310"/>
                   </a:ext>
                 </a:extLst>
               </a:tr>
@@ -21280,7 +21280,7 @@
                 </a:tc>
                 <a:extLst>
                   <a:ext uri="{0D108BD9-81ED-4DB2-BD59-A6C34878D82A}">
-                    <a16:rowId xmlns:a16="http://schemas.microsoft.com/office/drawing/2014/main" xmlns="" val="589513760"/>
+                    <a16:rowId xmlns="" xmlns:a16="http://schemas.microsoft.com/office/drawing/2014/main" val="589513760"/>
                   </a:ext>
                 </a:extLst>
               </a:tr>
@@ -21386,7 +21386,7 @@
                 </a:tc>
                 <a:extLst>
                   <a:ext uri="{0D108BD9-81ED-4DB2-BD59-A6C34878D82A}">
-                    <a16:rowId xmlns:a16="http://schemas.microsoft.com/office/drawing/2014/main" xmlns="" val="3314464373"/>
+                    <a16:rowId xmlns="" xmlns:a16="http://schemas.microsoft.com/office/drawing/2014/main" val="3314464373"/>
                   </a:ext>
                 </a:extLst>
               </a:tr>
@@ -21492,7 +21492,7 @@
                 </a:tc>
                 <a:extLst>
                   <a:ext uri="{0D108BD9-81ED-4DB2-BD59-A6C34878D82A}">
-                    <a16:rowId xmlns:a16="http://schemas.microsoft.com/office/drawing/2014/main" xmlns="" val="1811545710"/>
+                    <a16:rowId xmlns="" xmlns:a16="http://schemas.microsoft.com/office/drawing/2014/main" val="1811545710"/>
                   </a:ext>
                 </a:extLst>
               </a:tr>
@@ -21598,7 +21598,7 @@
                 </a:tc>
                 <a:extLst>
                   <a:ext uri="{0D108BD9-81ED-4DB2-BD59-A6C34878D82A}">
-                    <a16:rowId xmlns:a16="http://schemas.microsoft.com/office/drawing/2014/main" xmlns="" val="2525566091"/>
+                    <a16:rowId xmlns="" xmlns:a16="http://schemas.microsoft.com/office/drawing/2014/main" val="2525566091"/>
                   </a:ext>
                 </a:extLst>
               </a:tr>
@@ -21704,7 +21704,7 @@
                 </a:tc>
                 <a:extLst>
                   <a:ext uri="{0D108BD9-81ED-4DB2-BD59-A6C34878D82A}">
-                    <a16:rowId xmlns:a16="http://schemas.microsoft.com/office/drawing/2014/main" xmlns="" val="3360797041"/>
+                    <a16:rowId xmlns="" xmlns:a16="http://schemas.microsoft.com/office/drawing/2014/main" val="3360797041"/>
                   </a:ext>
                 </a:extLst>
               </a:tr>
@@ -21776,7 +21776,7 @@
                 </a:tc>
                 <a:extLst>
                   <a:ext uri="{0D108BD9-81ED-4DB2-BD59-A6C34878D82A}">
-                    <a16:rowId xmlns:a16="http://schemas.microsoft.com/office/drawing/2014/main" xmlns="" val="2873669025"/>
+                    <a16:rowId xmlns="" xmlns:a16="http://schemas.microsoft.com/office/drawing/2014/main" val="2873669025"/>
                   </a:ext>
                 </a:extLst>
               </a:tr>
@@ -21848,7 +21848,7 @@
                 </a:tc>
                 <a:extLst>
                   <a:ext uri="{0D108BD9-81ED-4DB2-BD59-A6C34878D82A}">
-                    <a16:rowId xmlns:a16="http://schemas.microsoft.com/office/drawing/2014/main" xmlns="" val="3732079516"/>
+                    <a16:rowId xmlns="" xmlns:a16="http://schemas.microsoft.com/office/drawing/2014/main" val="3732079516"/>
                   </a:ext>
                 </a:extLst>
               </a:tr>
@@ -21920,7 +21920,7 @@
                 </a:tc>
                 <a:extLst>
                   <a:ext uri="{0D108BD9-81ED-4DB2-BD59-A6C34878D82A}">
-                    <a16:rowId xmlns:a16="http://schemas.microsoft.com/office/drawing/2014/main" xmlns="" val="2966636214"/>
+                    <a16:rowId xmlns="" xmlns:a16="http://schemas.microsoft.com/office/drawing/2014/main" val="2966636214"/>
                   </a:ext>
                 </a:extLst>
               </a:tr>
@@ -21992,7 +21992,7 @@
                 </a:tc>
                 <a:extLst>
                   <a:ext uri="{0D108BD9-81ED-4DB2-BD59-A6C34878D82A}">
-                    <a16:rowId xmlns:a16="http://schemas.microsoft.com/office/drawing/2014/main" xmlns="" val="3891840487"/>
+                    <a16:rowId xmlns="" xmlns:a16="http://schemas.microsoft.com/office/drawing/2014/main" val="3891840487"/>
                   </a:ext>
                 </a:extLst>
               </a:tr>
@@ -22028,7 +22028,7 @@
                 <a:gridCol w="1152128">
                   <a:extLst>
                     <a:ext uri="{9D8B030D-6E8A-4147-A177-3AD203B41FA5}">
-                      <a16:colId xmlns:a16="http://schemas.microsoft.com/office/drawing/2014/main" xmlns="" val="1214683687"/>
+                      <a16:colId xmlns="" xmlns:a16="http://schemas.microsoft.com/office/drawing/2014/main" val="1214683687"/>
                     </a:ext>
                   </a:extLst>
                 </a:gridCol>
@@ -22101,7 +22101,7 @@
                 </a:tc>
                 <a:extLst>
                   <a:ext uri="{0D108BD9-81ED-4DB2-BD59-A6C34878D82A}">
-                    <a16:rowId xmlns:a16="http://schemas.microsoft.com/office/drawing/2014/main" xmlns="" val="1006269131"/>
+                    <a16:rowId xmlns="" xmlns:a16="http://schemas.microsoft.com/office/drawing/2014/main" val="1006269131"/>
                   </a:ext>
                 </a:extLst>
               </a:tr>
@@ -22207,7 +22207,7 @@
                 </a:tc>
                 <a:extLst>
                   <a:ext uri="{0D108BD9-81ED-4DB2-BD59-A6C34878D82A}">
-                    <a16:rowId xmlns:a16="http://schemas.microsoft.com/office/drawing/2014/main" xmlns="" val="194545254"/>
+                    <a16:rowId xmlns="" xmlns:a16="http://schemas.microsoft.com/office/drawing/2014/main" val="194545254"/>
                   </a:ext>
                 </a:extLst>
               </a:tr>
@@ -22313,7 +22313,7 @@
                 </a:tc>
                 <a:extLst>
                   <a:ext uri="{0D108BD9-81ED-4DB2-BD59-A6C34878D82A}">
-                    <a16:rowId xmlns:a16="http://schemas.microsoft.com/office/drawing/2014/main" xmlns="" val="44223002"/>
+                    <a16:rowId xmlns="" xmlns:a16="http://schemas.microsoft.com/office/drawing/2014/main" val="44223002"/>
                   </a:ext>
                 </a:extLst>
               </a:tr>
@@ -22419,7 +22419,7 @@
                 </a:tc>
                 <a:extLst>
                   <a:ext uri="{0D108BD9-81ED-4DB2-BD59-A6C34878D82A}">
-                    <a16:rowId xmlns:a16="http://schemas.microsoft.com/office/drawing/2014/main" xmlns="" val="4268083801"/>
+                    <a16:rowId xmlns="" xmlns:a16="http://schemas.microsoft.com/office/drawing/2014/main" val="4268083801"/>
                   </a:ext>
                 </a:extLst>
               </a:tr>
@@ -22525,7 +22525,7 @@
                 </a:tc>
                 <a:extLst>
                   <a:ext uri="{0D108BD9-81ED-4DB2-BD59-A6C34878D82A}">
-                    <a16:rowId xmlns:a16="http://schemas.microsoft.com/office/drawing/2014/main" xmlns="" val="2987823741"/>
+                    <a16:rowId xmlns="" xmlns:a16="http://schemas.microsoft.com/office/drawing/2014/main" val="2987823741"/>
                   </a:ext>
                 </a:extLst>
               </a:tr>
@@ -22631,7 +22631,7 @@
                 </a:tc>
                 <a:extLst>
                   <a:ext uri="{0D108BD9-81ED-4DB2-BD59-A6C34878D82A}">
-                    <a16:rowId xmlns:a16="http://schemas.microsoft.com/office/drawing/2014/main" xmlns="" val="193482310"/>
+                    <a16:rowId xmlns="" xmlns:a16="http://schemas.microsoft.com/office/drawing/2014/main" val="193482310"/>
                   </a:ext>
                 </a:extLst>
               </a:tr>
@@ -22843,7 +22843,7 @@
                 <a:gridCol w="1152128">
                   <a:extLst>
                     <a:ext uri="{9D8B030D-6E8A-4147-A177-3AD203B41FA5}">
-                      <a16:colId xmlns:a16="http://schemas.microsoft.com/office/drawing/2014/main" xmlns="" val="1214683687"/>
+                      <a16:colId xmlns="" xmlns:a16="http://schemas.microsoft.com/office/drawing/2014/main" val="1214683687"/>
                     </a:ext>
                   </a:extLst>
                 </a:gridCol>
@@ -22916,7 +22916,7 @@
                 </a:tc>
                 <a:extLst>
                   <a:ext uri="{0D108BD9-81ED-4DB2-BD59-A6C34878D82A}">
-                    <a16:rowId xmlns:a16="http://schemas.microsoft.com/office/drawing/2014/main" xmlns="" val="1006269131"/>
+                    <a16:rowId xmlns="" xmlns:a16="http://schemas.microsoft.com/office/drawing/2014/main" val="1006269131"/>
                   </a:ext>
                 </a:extLst>
               </a:tr>
@@ -23022,7 +23022,7 @@
                 </a:tc>
                 <a:extLst>
                   <a:ext uri="{0D108BD9-81ED-4DB2-BD59-A6C34878D82A}">
-                    <a16:rowId xmlns:a16="http://schemas.microsoft.com/office/drawing/2014/main" xmlns="" val="194545254"/>
+                    <a16:rowId xmlns="" xmlns:a16="http://schemas.microsoft.com/office/drawing/2014/main" val="194545254"/>
                   </a:ext>
                 </a:extLst>
               </a:tr>
@@ -23128,7 +23128,7 @@
                 </a:tc>
                 <a:extLst>
                   <a:ext uri="{0D108BD9-81ED-4DB2-BD59-A6C34878D82A}">
-                    <a16:rowId xmlns:a16="http://schemas.microsoft.com/office/drawing/2014/main" xmlns="" val="44223002"/>
+                    <a16:rowId xmlns="" xmlns:a16="http://schemas.microsoft.com/office/drawing/2014/main" val="44223002"/>
                   </a:ext>
                 </a:extLst>
               </a:tr>
@@ -23234,7 +23234,7 @@
                 </a:tc>
                 <a:extLst>
                   <a:ext uri="{0D108BD9-81ED-4DB2-BD59-A6C34878D82A}">
-                    <a16:rowId xmlns:a16="http://schemas.microsoft.com/office/drawing/2014/main" xmlns="" val="4268083801"/>
+                    <a16:rowId xmlns="" xmlns:a16="http://schemas.microsoft.com/office/drawing/2014/main" val="4268083801"/>
                   </a:ext>
                 </a:extLst>
               </a:tr>
@@ -23340,7 +23340,7 @@
                 </a:tc>
                 <a:extLst>
                   <a:ext uri="{0D108BD9-81ED-4DB2-BD59-A6C34878D82A}">
-                    <a16:rowId xmlns:a16="http://schemas.microsoft.com/office/drawing/2014/main" xmlns="" val="2987823741"/>
+                    <a16:rowId xmlns="" xmlns:a16="http://schemas.microsoft.com/office/drawing/2014/main" val="2987823741"/>
                   </a:ext>
                 </a:extLst>
               </a:tr>
@@ -23446,7 +23446,7 @@
                 </a:tc>
                 <a:extLst>
                   <a:ext uri="{0D108BD9-81ED-4DB2-BD59-A6C34878D82A}">
-                    <a16:rowId xmlns:a16="http://schemas.microsoft.com/office/drawing/2014/main" xmlns="" val="193482310"/>
+                    <a16:rowId xmlns="" xmlns:a16="http://schemas.microsoft.com/office/drawing/2014/main" val="193482310"/>
                   </a:ext>
                 </a:extLst>
               </a:tr>
@@ -23552,7 +23552,7 @@
                 </a:tc>
                 <a:extLst>
                   <a:ext uri="{0D108BD9-81ED-4DB2-BD59-A6C34878D82A}">
-                    <a16:rowId xmlns:a16="http://schemas.microsoft.com/office/drawing/2014/main" xmlns="" val="589513760"/>
+                    <a16:rowId xmlns="" xmlns:a16="http://schemas.microsoft.com/office/drawing/2014/main" val="589513760"/>
                   </a:ext>
                 </a:extLst>
               </a:tr>
@@ -23658,7 +23658,7 @@
                 </a:tc>
                 <a:extLst>
                   <a:ext uri="{0D108BD9-81ED-4DB2-BD59-A6C34878D82A}">
-                    <a16:rowId xmlns:a16="http://schemas.microsoft.com/office/drawing/2014/main" xmlns="" val="3314464373"/>
+                    <a16:rowId xmlns="" xmlns:a16="http://schemas.microsoft.com/office/drawing/2014/main" val="3314464373"/>
                   </a:ext>
                 </a:extLst>
               </a:tr>
@@ -23764,7 +23764,7 @@
                 </a:tc>
                 <a:extLst>
                   <a:ext uri="{0D108BD9-81ED-4DB2-BD59-A6C34878D82A}">
-                    <a16:rowId xmlns:a16="http://schemas.microsoft.com/office/drawing/2014/main" xmlns="" val="1811545710"/>
+                    <a16:rowId xmlns="" xmlns:a16="http://schemas.microsoft.com/office/drawing/2014/main" val="1811545710"/>
                   </a:ext>
                 </a:extLst>
               </a:tr>
@@ -23870,7 +23870,7 @@
                 </a:tc>
                 <a:extLst>
                   <a:ext uri="{0D108BD9-81ED-4DB2-BD59-A6C34878D82A}">
-                    <a16:rowId xmlns:a16="http://schemas.microsoft.com/office/drawing/2014/main" xmlns="" val="2525566091"/>
+                    <a16:rowId xmlns="" xmlns:a16="http://schemas.microsoft.com/office/drawing/2014/main" val="2525566091"/>
                   </a:ext>
                 </a:extLst>
               </a:tr>
@@ -23976,7 +23976,7 @@
                 </a:tc>
                 <a:extLst>
                   <a:ext uri="{0D108BD9-81ED-4DB2-BD59-A6C34878D82A}">
-                    <a16:rowId xmlns:a16="http://schemas.microsoft.com/office/drawing/2014/main" xmlns="" val="3360797041"/>
+                    <a16:rowId xmlns="" xmlns:a16="http://schemas.microsoft.com/office/drawing/2014/main" val="3360797041"/>
                   </a:ext>
                 </a:extLst>
               </a:tr>
@@ -24048,7 +24048,7 @@
                 </a:tc>
                 <a:extLst>
                   <a:ext uri="{0D108BD9-81ED-4DB2-BD59-A6C34878D82A}">
-                    <a16:rowId xmlns:a16="http://schemas.microsoft.com/office/drawing/2014/main" xmlns="" val="2873669025"/>
+                    <a16:rowId xmlns="" xmlns:a16="http://schemas.microsoft.com/office/drawing/2014/main" val="2873669025"/>
                   </a:ext>
                 </a:extLst>
               </a:tr>
@@ -24120,7 +24120,7 @@
                 </a:tc>
                 <a:extLst>
                   <a:ext uri="{0D108BD9-81ED-4DB2-BD59-A6C34878D82A}">
-                    <a16:rowId xmlns:a16="http://schemas.microsoft.com/office/drawing/2014/main" xmlns="" val="3732079516"/>
+                    <a16:rowId xmlns="" xmlns:a16="http://schemas.microsoft.com/office/drawing/2014/main" val="3732079516"/>
                   </a:ext>
                 </a:extLst>
               </a:tr>
@@ -24192,7 +24192,7 @@
                 </a:tc>
                 <a:extLst>
                   <a:ext uri="{0D108BD9-81ED-4DB2-BD59-A6C34878D82A}">
-                    <a16:rowId xmlns:a16="http://schemas.microsoft.com/office/drawing/2014/main" xmlns="" val="2966636214"/>
+                    <a16:rowId xmlns="" xmlns:a16="http://schemas.microsoft.com/office/drawing/2014/main" val="2966636214"/>
                   </a:ext>
                 </a:extLst>
               </a:tr>
@@ -24264,7 +24264,7 @@
                 </a:tc>
                 <a:extLst>
                   <a:ext uri="{0D108BD9-81ED-4DB2-BD59-A6C34878D82A}">
-                    <a16:rowId xmlns:a16="http://schemas.microsoft.com/office/drawing/2014/main" xmlns="" val="3891840487"/>
+                    <a16:rowId xmlns="" xmlns:a16="http://schemas.microsoft.com/office/drawing/2014/main" val="3891840487"/>
                   </a:ext>
                 </a:extLst>
               </a:tr>
@@ -24300,7 +24300,7 @@
                 <a:gridCol w="1152128">
                   <a:extLst>
                     <a:ext uri="{9D8B030D-6E8A-4147-A177-3AD203B41FA5}">
-                      <a16:colId xmlns:a16="http://schemas.microsoft.com/office/drawing/2014/main" xmlns="" val="1214683687"/>
+                      <a16:colId xmlns="" xmlns:a16="http://schemas.microsoft.com/office/drawing/2014/main" val="1214683687"/>
                     </a:ext>
                   </a:extLst>
                 </a:gridCol>
@@ -24373,7 +24373,7 @@
                 </a:tc>
                 <a:extLst>
                   <a:ext uri="{0D108BD9-81ED-4DB2-BD59-A6C34878D82A}">
-                    <a16:rowId xmlns:a16="http://schemas.microsoft.com/office/drawing/2014/main" xmlns="" val="1006269131"/>
+                    <a16:rowId xmlns="" xmlns:a16="http://schemas.microsoft.com/office/drawing/2014/main" val="1006269131"/>
                   </a:ext>
                 </a:extLst>
               </a:tr>
@@ -24479,7 +24479,7 @@
                 </a:tc>
                 <a:extLst>
                   <a:ext uri="{0D108BD9-81ED-4DB2-BD59-A6C34878D82A}">
-                    <a16:rowId xmlns:a16="http://schemas.microsoft.com/office/drawing/2014/main" xmlns="" val="194545254"/>
+                    <a16:rowId xmlns="" xmlns:a16="http://schemas.microsoft.com/office/drawing/2014/main" val="194545254"/>
                   </a:ext>
                 </a:extLst>
               </a:tr>
@@ -24585,7 +24585,7 @@
                 </a:tc>
                 <a:extLst>
                   <a:ext uri="{0D108BD9-81ED-4DB2-BD59-A6C34878D82A}">
-                    <a16:rowId xmlns:a16="http://schemas.microsoft.com/office/drawing/2014/main" xmlns="" val="44223002"/>
+                    <a16:rowId xmlns="" xmlns:a16="http://schemas.microsoft.com/office/drawing/2014/main" val="44223002"/>
                   </a:ext>
                 </a:extLst>
               </a:tr>
@@ -24674,7 +24674,7 @@
                 </a:tc>
                 <a:extLst>
                   <a:ext uri="{0D108BD9-81ED-4DB2-BD59-A6C34878D82A}">
-                    <a16:rowId xmlns:a16="http://schemas.microsoft.com/office/drawing/2014/main" xmlns="" val="4268083801"/>
+                    <a16:rowId xmlns="" xmlns:a16="http://schemas.microsoft.com/office/drawing/2014/main" val="4268083801"/>
                   </a:ext>
                 </a:extLst>
               </a:tr>
@@ -24780,7 +24780,7 @@
                 </a:tc>
                 <a:extLst>
                   <a:ext uri="{0D108BD9-81ED-4DB2-BD59-A6C34878D82A}">
-                    <a16:rowId xmlns:a16="http://schemas.microsoft.com/office/drawing/2014/main" xmlns="" val="2987823741"/>
+                    <a16:rowId xmlns="" xmlns:a16="http://schemas.microsoft.com/office/drawing/2014/main" val="2987823741"/>
                   </a:ext>
                 </a:extLst>
               </a:tr>
@@ -24886,7 +24886,7 @@
                 </a:tc>
                 <a:extLst>
                   <a:ext uri="{0D108BD9-81ED-4DB2-BD59-A6C34878D82A}">
-                    <a16:rowId xmlns:a16="http://schemas.microsoft.com/office/drawing/2014/main" xmlns="" val="193482310"/>
+                    <a16:rowId xmlns="" xmlns:a16="http://schemas.microsoft.com/office/drawing/2014/main" val="193482310"/>
                   </a:ext>
                 </a:extLst>
               </a:tr>
@@ -25027,7 +25027,7 @@
                 <a:gridCol w="1152128">
                   <a:extLst>
                     <a:ext uri="{9D8B030D-6E8A-4147-A177-3AD203B41FA5}">
-                      <a16:colId xmlns:a16="http://schemas.microsoft.com/office/drawing/2014/main" xmlns="" val="1214683687"/>
+                      <a16:colId xmlns="" xmlns:a16="http://schemas.microsoft.com/office/drawing/2014/main" val="1214683687"/>
                     </a:ext>
                   </a:extLst>
                 </a:gridCol>
@@ -25134,7 +25134,7 @@
                 </a:tc>
                 <a:extLst>
                   <a:ext uri="{0D108BD9-81ED-4DB2-BD59-A6C34878D82A}">
-                    <a16:rowId xmlns:a16="http://schemas.microsoft.com/office/drawing/2014/main" xmlns="" val="4268083801"/>
+                    <a16:rowId xmlns="" xmlns:a16="http://schemas.microsoft.com/office/drawing/2014/main" val="4268083801"/>
                   </a:ext>
                 </a:extLst>
               </a:tr>
@@ -25361,7 +25361,7 @@
                 <a:gridCol w="1152128">
                   <a:extLst>
                     <a:ext uri="{9D8B030D-6E8A-4147-A177-3AD203B41FA5}">
-                      <a16:colId xmlns:a16="http://schemas.microsoft.com/office/drawing/2014/main" xmlns="" val="1214683687"/>
+                      <a16:colId xmlns="" xmlns:a16="http://schemas.microsoft.com/office/drawing/2014/main" val="1214683687"/>
                     </a:ext>
                   </a:extLst>
                 </a:gridCol>
@@ -25434,7 +25434,7 @@
                 </a:tc>
                 <a:extLst>
                   <a:ext uri="{0D108BD9-81ED-4DB2-BD59-A6C34878D82A}">
-                    <a16:rowId xmlns:a16="http://schemas.microsoft.com/office/drawing/2014/main" xmlns="" val="1006269131"/>
+                    <a16:rowId xmlns="" xmlns:a16="http://schemas.microsoft.com/office/drawing/2014/main" val="1006269131"/>
                   </a:ext>
                 </a:extLst>
               </a:tr>
@@ -25540,7 +25540,7 @@
                 </a:tc>
                 <a:extLst>
                   <a:ext uri="{0D108BD9-81ED-4DB2-BD59-A6C34878D82A}">
-                    <a16:rowId xmlns:a16="http://schemas.microsoft.com/office/drawing/2014/main" xmlns="" val="194545254"/>
+                    <a16:rowId xmlns="" xmlns:a16="http://schemas.microsoft.com/office/drawing/2014/main" val="194545254"/>
                   </a:ext>
                 </a:extLst>
               </a:tr>
@@ -25646,7 +25646,7 @@
                 </a:tc>
                 <a:extLst>
                   <a:ext uri="{0D108BD9-81ED-4DB2-BD59-A6C34878D82A}">
-                    <a16:rowId xmlns:a16="http://schemas.microsoft.com/office/drawing/2014/main" xmlns="" val="44223002"/>
+                    <a16:rowId xmlns="" xmlns:a16="http://schemas.microsoft.com/office/drawing/2014/main" val="44223002"/>
                   </a:ext>
                 </a:extLst>
               </a:tr>
@@ -25752,7 +25752,7 @@
                 </a:tc>
                 <a:extLst>
                   <a:ext uri="{0D108BD9-81ED-4DB2-BD59-A6C34878D82A}">
-                    <a16:rowId xmlns:a16="http://schemas.microsoft.com/office/drawing/2014/main" xmlns="" val="4268083801"/>
+                    <a16:rowId xmlns="" xmlns:a16="http://schemas.microsoft.com/office/drawing/2014/main" val="4268083801"/>
                   </a:ext>
                 </a:extLst>
               </a:tr>
@@ -25858,7 +25858,7 @@
                 </a:tc>
                 <a:extLst>
                   <a:ext uri="{0D108BD9-81ED-4DB2-BD59-A6C34878D82A}">
-                    <a16:rowId xmlns:a16="http://schemas.microsoft.com/office/drawing/2014/main" xmlns="" val="2987823741"/>
+                    <a16:rowId xmlns="" xmlns:a16="http://schemas.microsoft.com/office/drawing/2014/main" val="2987823741"/>
                   </a:ext>
                 </a:extLst>
               </a:tr>
@@ -25964,7 +25964,7 @@
                 </a:tc>
                 <a:extLst>
                   <a:ext uri="{0D108BD9-81ED-4DB2-BD59-A6C34878D82A}">
-                    <a16:rowId xmlns:a16="http://schemas.microsoft.com/office/drawing/2014/main" xmlns="" val="193482310"/>
+                    <a16:rowId xmlns="" xmlns:a16="http://schemas.microsoft.com/office/drawing/2014/main" val="193482310"/>
                   </a:ext>
                 </a:extLst>
               </a:tr>
@@ -26076,7 +26076,7 @@
                 </a:tc>
                 <a:extLst>
                   <a:ext uri="{0D108BD9-81ED-4DB2-BD59-A6C34878D82A}">
-                    <a16:rowId xmlns:a16="http://schemas.microsoft.com/office/drawing/2014/main" xmlns="" val="589513760"/>
+                    <a16:rowId xmlns="" xmlns:a16="http://schemas.microsoft.com/office/drawing/2014/main" val="589513760"/>
                   </a:ext>
                 </a:extLst>
               </a:tr>
@@ -26182,7 +26182,7 @@
                 </a:tc>
                 <a:extLst>
                   <a:ext uri="{0D108BD9-81ED-4DB2-BD59-A6C34878D82A}">
-                    <a16:rowId xmlns:a16="http://schemas.microsoft.com/office/drawing/2014/main" xmlns="" val="3314464373"/>
+                    <a16:rowId xmlns="" xmlns:a16="http://schemas.microsoft.com/office/drawing/2014/main" val="3314464373"/>
                   </a:ext>
                 </a:extLst>
               </a:tr>
@@ -26288,7 +26288,7 @@
                 </a:tc>
                 <a:extLst>
                   <a:ext uri="{0D108BD9-81ED-4DB2-BD59-A6C34878D82A}">
-                    <a16:rowId xmlns:a16="http://schemas.microsoft.com/office/drawing/2014/main" xmlns="" val="1811545710"/>
+                    <a16:rowId xmlns="" xmlns:a16="http://schemas.microsoft.com/office/drawing/2014/main" val="1811545710"/>
                   </a:ext>
                 </a:extLst>
               </a:tr>
@@ -26394,7 +26394,7 @@
                 </a:tc>
                 <a:extLst>
                   <a:ext uri="{0D108BD9-81ED-4DB2-BD59-A6C34878D82A}">
-                    <a16:rowId xmlns:a16="http://schemas.microsoft.com/office/drawing/2014/main" xmlns="" val="2525566091"/>
+                    <a16:rowId xmlns="" xmlns:a16="http://schemas.microsoft.com/office/drawing/2014/main" val="2525566091"/>
                   </a:ext>
                 </a:extLst>
               </a:tr>
@@ -26500,7 +26500,7 @@
                 </a:tc>
                 <a:extLst>
                   <a:ext uri="{0D108BD9-81ED-4DB2-BD59-A6C34878D82A}">
-                    <a16:rowId xmlns:a16="http://schemas.microsoft.com/office/drawing/2014/main" xmlns="" val="3360797041"/>
+                    <a16:rowId xmlns="" xmlns:a16="http://schemas.microsoft.com/office/drawing/2014/main" val="3360797041"/>
                   </a:ext>
                 </a:extLst>
               </a:tr>
@@ -26572,7 +26572,7 @@
                 </a:tc>
                 <a:extLst>
                   <a:ext uri="{0D108BD9-81ED-4DB2-BD59-A6C34878D82A}">
-                    <a16:rowId xmlns:a16="http://schemas.microsoft.com/office/drawing/2014/main" xmlns="" val="2873669025"/>
+                    <a16:rowId xmlns="" xmlns:a16="http://schemas.microsoft.com/office/drawing/2014/main" val="2873669025"/>
                   </a:ext>
                 </a:extLst>
               </a:tr>
@@ -26644,7 +26644,7 @@
                 </a:tc>
                 <a:extLst>
                   <a:ext uri="{0D108BD9-81ED-4DB2-BD59-A6C34878D82A}">
-                    <a16:rowId xmlns:a16="http://schemas.microsoft.com/office/drawing/2014/main" xmlns="" val="3732079516"/>
+                    <a16:rowId xmlns="" xmlns:a16="http://schemas.microsoft.com/office/drawing/2014/main" val="3732079516"/>
                   </a:ext>
                 </a:extLst>
               </a:tr>
@@ -26716,7 +26716,7 @@
                 </a:tc>
                 <a:extLst>
                   <a:ext uri="{0D108BD9-81ED-4DB2-BD59-A6C34878D82A}">
-                    <a16:rowId xmlns:a16="http://schemas.microsoft.com/office/drawing/2014/main" xmlns="" val="2966636214"/>
+                    <a16:rowId xmlns="" xmlns:a16="http://schemas.microsoft.com/office/drawing/2014/main" val="2966636214"/>
                   </a:ext>
                 </a:extLst>
               </a:tr>
@@ -26788,7 +26788,7 @@
                 </a:tc>
                 <a:extLst>
                   <a:ext uri="{0D108BD9-81ED-4DB2-BD59-A6C34878D82A}">
-                    <a16:rowId xmlns:a16="http://schemas.microsoft.com/office/drawing/2014/main" xmlns="" val="3891840487"/>
+                    <a16:rowId xmlns="" xmlns:a16="http://schemas.microsoft.com/office/drawing/2014/main" val="3891840487"/>
                   </a:ext>
                 </a:extLst>
               </a:tr>
@@ -26824,7 +26824,7 @@
                 <a:gridCol w="1152128">
                   <a:extLst>
                     <a:ext uri="{9D8B030D-6E8A-4147-A177-3AD203B41FA5}">
-                      <a16:colId xmlns:a16="http://schemas.microsoft.com/office/drawing/2014/main" xmlns="" val="1214683687"/>
+                      <a16:colId xmlns="" xmlns:a16="http://schemas.microsoft.com/office/drawing/2014/main" val="1214683687"/>
                     </a:ext>
                   </a:extLst>
                 </a:gridCol>
@@ -26897,7 +26897,7 @@
                 </a:tc>
                 <a:extLst>
                   <a:ext uri="{0D108BD9-81ED-4DB2-BD59-A6C34878D82A}">
-                    <a16:rowId xmlns:a16="http://schemas.microsoft.com/office/drawing/2014/main" xmlns="" val="1006269131"/>
+                    <a16:rowId xmlns="" xmlns:a16="http://schemas.microsoft.com/office/drawing/2014/main" val="1006269131"/>
                   </a:ext>
                 </a:extLst>
               </a:tr>
@@ -27003,7 +27003,7 @@
                 </a:tc>
                 <a:extLst>
                   <a:ext uri="{0D108BD9-81ED-4DB2-BD59-A6C34878D82A}">
-                    <a16:rowId xmlns:a16="http://schemas.microsoft.com/office/drawing/2014/main" xmlns="" val="194545254"/>
+                    <a16:rowId xmlns="" xmlns:a16="http://schemas.microsoft.com/office/drawing/2014/main" val="194545254"/>
                   </a:ext>
                 </a:extLst>
               </a:tr>
@@ -27109,7 +27109,7 @@
                 </a:tc>
                 <a:extLst>
                   <a:ext uri="{0D108BD9-81ED-4DB2-BD59-A6C34878D82A}">
-                    <a16:rowId xmlns:a16="http://schemas.microsoft.com/office/drawing/2014/main" xmlns="" val="44223002"/>
+                    <a16:rowId xmlns="" xmlns:a16="http://schemas.microsoft.com/office/drawing/2014/main" val="44223002"/>
                   </a:ext>
                 </a:extLst>
               </a:tr>
@@ -27221,7 +27221,7 @@
                 </a:tc>
                 <a:extLst>
                   <a:ext uri="{0D108BD9-81ED-4DB2-BD59-A6C34878D82A}">
-                    <a16:rowId xmlns:a16="http://schemas.microsoft.com/office/drawing/2014/main" xmlns="" val="4268083801"/>
+                    <a16:rowId xmlns="" xmlns:a16="http://schemas.microsoft.com/office/drawing/2014/main" val="4268083801"/>
                   </a:ext>
                 </a:extLst>
               </a:tr>
@@ -27327,7 +27327,7 @@
                 </a:tc>
                 <a:extLst>
                   <a:ext uri="{0D108BD9-81ED-4DB2-BD59-A6C34878D82A}">
-                    <a16:rowId xmlns:a16="http://schemas.microsoft.com/office/drawing/2014/main" xmlns="" val="2987823741"/>
+                    <a16:rowId xmlns="" xmlns:a16="http://schemas.microsoft.com/office/drawing/2014/main" val="2987823741"/>
                   </a:ext>
                 </a:extLst>
               </a:tr>
@@ -27433,7 +27433,7 @@
                 </a:tc>
                 <a:extLst>
                   <a:ext uri="{0D108BD9-81ED-4DB2-BD59-A6C34878D82A}">
-                    <a16:rowId xmlns:a16="http://schemas.microsoft.com/office/drawing/2014/main" xmlns="" val="193482310"/>
+                    <a16:rowId xmlns="" xmlns:a16="http://schemas.microsoft.com/office/drawing/2014/main" val="193482310"/>
                   </a:ext>
                 </a:extLst>
               </a:tr>
@@ -35278,35 +35278,35 @@
                 <a:gridCol w="763270">
                   <a:extLst>
                     <a:ext uri="{9D8B030D-6E8A-4147-A177-3AD203B41FA5}">
-                      <a16:colId xmlns:a16="http://schemas.microsoft.com/office/drawing/2014/main" xmlns="" val="3326979791"/>
+                      <a16:colId xmlns="" xmlns:a16="http://schemas.microsoft.com/office/drawing/2014/main" val="3326979791"/>
                     </a:ext>
                   </a:extLst>
                 </a:gridCol>
                 <a:gridCol w="542325">
                   <a:extLst>
                     <a:ext uri="{9D8B030D-6E8A-4147-A177-3AD203B41FA5}">
-                      <a16:colId xmlns:a16="http://schemas.microsoft.com/office/drawing/2014/main" xmlns="" val="637607070"/>
+                      <a16:colId xmlns="" xmlns:a16="http://schemas.microsoft.com/office/drawing/2014/main" val="637607070"/>
                     </a:ext>
                   </a:extLst>
                 </a:gridCol>
                 <a:gridCol w="542325">
                   <a:extLst>
                     <a:ext uri="{9D8B030D-6E8A-4147-A177-3AD203B41FA5}">
-                      <a16:colId xmlns:a16="http://schemas.microsoft.com/office/drawing/2014/main" xmlns="" val="1695508235"/>
+                      <a16:colId xmlns="" xmlns:a16="http://schemas.microsoft.com/office/drawing/2014/main" val="1695508235"/>
                     </a:ext>
                   </a:extLst>
                 </a:gridCol>
                 <a:gridCol w="542325">
                   <a:extLst>
                     <a:ext uri="{9D8B030D-6E8A-4147-A177-3AD203B41FA5}">
-                      <a16:colId xmlns:a16="http://schemas.microsoft.com/office/drawing/2014/main" xmlns="" val="1870987448"/>
+                      <a16:colId xmlns="" xmlns:a16="http://schemas.microsoft.com/office/drawing/2014/main" val="1870987448"/>
                     </a:ext>
                   </a:extLst>
                 </a:gridCol>
                 <a:gridCol w="542325">
                   <a:extLst>
                     <a:ext uri="{9D8B030D-6E8A-4147-A177-3AD203B41FA5}">
-                      <a16:colId xmlns:a16="http://schemas.microsoft.com/office/drawing/2014/main" xmlns="" val="324699617"/>
+                      <a16:colId xmlns="" xmlns:a16="http://schemas.microsoft.com/office/drawing/2014/main" val="324699617"/>
                     </a:ext>
                   </a:extLst>
                 </a:gridCol>
@@ -35674,7 +35674,7 @@
                 </a:tc>
                 <a:extLst>
                   <a:ext uri="{0D108BD9-81ED-4DB2-BD59-A6C34878D82A}">
-                    <a16:rowId xmlns:a16="http://schemas.microsoft.com/office/drawing/2014/main" xmlns="" val="798814532"/>
+                    <a16:rowId xmlns="" xmlns:a16="http://schemas.microsoft.com/office/drawing/2014/main" val="798814532"/>
                   </a:ext>
                 </a:extLst>
               </a:tr>
@@ -36021,7 +36021,7 @@
                 </a:tc>
                 <a:extLst>
                   <a:ext uri="{0D108BD9-81ED-4DB2-BD59-A6C34878D82A}">
-                    <a16:rowId xmlns:a16="http://schemas.microsoft.com/office/drawing/2014/main" xmlns="" val="1491202224"/>
+                    <a16:rowId xmlns="" xmlns:a16="http://schemas.microsoft.com/office/drawing/2014/main" val="1491202224"/>
                   </a:ext>
                 </a:extLst>
               </a:tr>
@@ -36346,7 +36346,7 @@
                 </a:tc>
                 <a:extLst>
                   <a:ext uri="{0D108BD9-81ED-4DB2-BD59-A6C34878D82A}">
-                    <a16:rowId xmlns:a16="http://schemas.microsoft.com/office/drawing/2014/main" xmlns="" val="2457331936"/>
+                    <a16:rowId xmlns="" xmlns:a16="http://schemas.microsoft.com/office/drawing/2014/main" val="2457331936"/>
                   </a:ext>
                 </a:extLst>
               </a:tr>
@@ -36476,35 +36476,35 @@
                 <a:gridCol w="763270">
                   <a:extLst>
                     <a:ext uri="{9D8B030D-6E8A-4147-A177-3AD203B41FA5}">
-                      <a16:colId xmlns:a16="http://schemas.microsoft.com/office/drawing/2014/main" xmlns="" val="3326979791"/>
+                      <a16:colId xmlns="" xmlns:a16="http://schemas.microsoft.com/office/drawing/2014/main" val="3326979791"/>
                     </a:ext>
                   </a:extLst>
                 </a:gridCol>
                 <a:gridCol w="542325">
                   <a:extLst>
                     <a:ext uri="{9D8B030D-6E8A-4147-A177-3AD203B41FA5}">
-                      <a16:colId xmlns:a16="http://schemas.microsoft.com/office/drawing/2014/main" xmlns="" val="637607070"/>
+                      <a16:colId xmlns="" xmlns:a16="http://schemas.microsoft.com/office/drawing/2014/main" val="637607070"/>
                     </a:ext>
                   </a:extLst>
                 </a:gridCol>
                 <a:gridCol w="542325">
                   <a:extLst>
                     <a:ext uri="{9D8B030D-6E8A-4147-A177-3AD203B41FA5}">
-                      <a16:colId xmlns:a16="http://schemas.microsoft.com/office/drawing/2014/main" xmlns="" val="1695508235"/>
+                      <a16:colId xmlns="" xmlns:a16="http://schemas.microsoft.com/office/drawing/2014/main" val="1695508235"/>
                     </a:ext>
                   </a:extLst>
                 </a:gridCol>
                 <a:gridCol w="542325">
                   <a:extLst>
                     <a:ext uri="{9D8B030D-6E8A-4147-A177-3AD203B41FA5}">
-                      <a16:colId xmlns:a16="http://schemas.microsoft.com/office/drawing/2014/main" xmlns="" val="1870987448"/>
+                      <a16:colId xmlns="" xmlns:a16="http://schemas.microsoft.com/office/drawing/2014/main" val="1870987448"/>
                     </a:ext>
                   </a:extLst>
                 </a:gridCol>
                 <a:gridCol w="542325">
                   <a:extLst>
                     <a:ext uri="{9D8B030D-6E8A-4147-A177-3AD203B41FA5}">
-                      <a16:colId xmlns:a16="http://schemas.microsoft.com/office/drawing/2014/main" xmlns="" val="324699617"/>
+                      <a16:colId xmlns="" xmlns:a16="http://schemas.microsoft.com/office/drawing/2014/main" val="324699617"/>
                     </a:ext>
                   </a:extLst>
                 </a:gridCol>
@@ -36872,7 +36872,7 @@
                 </a:tc>
                 <a:extLst>
                   <a:ext uri="{0D108BD9-81ED-4DB2-BD59-A6C34878D82A}">
-                    <a16:rowId xmlns:a16="http://schemas.microsoft.com/office/drawing/2014/main" xmlns="" val="798814532"/>
+                    <a16:rowId xmlns="" xmlns:a16="http://schemas.microsoft.com/office/drawing/2014/main" val="798814532"/>
                   </a:ext>
                 </a:extLst>
               </a:tr>
@@ -37219,7 +37219,7 @@
                 </a:tc>
                 <a:extLst>
                   <a:ext uri="{0D108BD9-81ED-4DB2-BD59-A6C34878D82A}">
-                    <a16:rowId xmlns:a16="http://schemas.microsoft.com/office/drawing/2014/main" xmlns="" val="1491202224"/>
+                    <a16:rowId xmlns="" xmlns:a16="http://schemas.microsoft.com/office/drawing/2014/main" val="1491202224"/>
                   </a:ext>
                 </a:extLst>
               </a:tr>
@@ -37574,7 +37574,7 @@
                 </a:tc>
                 <a:extLst>
                   <a:ext uri="{0D108BD9-81ED-4DB2-BD59-A6C34878D82A}">
-                    <a16:rowId xmlns:a16="http://schemas.microsoft.com/office/drawing/2014/main" xmlns="" val="2457331936"/>
+                    <a16:rowId xmlns="" xmlns:a16="http://schemas.microsoft.com/office/drawing/2014/main" val="2457331936"/>
                   </a:ext>
                 </a:extLst>
               </a:tr>
@@ -37712,35 +37712,35 @@
                 <a:gridCol w="763270">
                   <a:extLst>
                     <a:ext uri="{9D8B030D-6E8A-4147-A177-3AD203B41FA5}">
-                      <a16:colId xmlns:a16="http://schemas.microsoft.com/office/drawing/2014/main" xmlns="" val="3326979791"/>
+                      <a16:colId xmlns="" xmlns:a16="http://schemas.microsoft.com/office/drawing/2014/main" val="3326979791"/>
                     </a:ext>
                   </a:extLst>
                 </a:gridCol>
                 <a:gridCol w="542325">
                   <a:extLst>
                     <a:ext uri="{9D8B030D-6E8A-4147-A177-3AD203B41FA5}">
-                      <a16:colId xmlns:a16="http://schemas.microsoft.com/office/drawing/2014/main" xmlns="" val="637607070"/>
+                      <a16:colId xmlns="" xmlns:a16="http://schemas.microsoft.com/office/drawing/2014/main" val="637607070"/>
                     </a:ext>
                   </a:extLst>
                 </a:gridCol>
                 <a:gridCol w="542325">
                   <a:extLst>
                     <a:ext uri="{9D8B030D-6E8A-4147-A177-3AD203B41FA5}">
-                      <a16:colId xmlns:a16="http://schemas.microsoft.com/office/drawing/2014/main" xmlns="" val="1695508235"/>
+                      <a16:colId xmlns="" xmlns:a16="http://schemas.microsoft.com/office/drawing/2014/main" val="1695508235"/>
                     </a:ext>
                   </a:extLst>
                 </a:gridCol>
                 <a:gridCol w="542325">
                   <a:extLst>
                     <a:ext uri="{9D8B030D-6E8A-4147-A177-3AD203B41FA5}">
-                      <a16:colId xmlns:a16="http://schemas.microsoft.com/office/drawing/2014/main" xmlns="" val="1870987448"/>
+                      <a16:colId xmlns="" xmlns:a16="http://schemas.microsoft.com/office/drawing/2014/main" val="1870987448"/>
                     </a:ext>
                   </a:extLst>
                 </a:gridCol>
                 <a:gridCol w="542325">
                   <a:extLst>
                     <a:ext uri="{9D8B030D-6E8A-4147-A177-3AD203B41FA5}">
-                      <a16:colId xmlns:a16="http://schemas.microsoft.com/office/drawing/2014/main" xmlns="" val="324699617"/>
+                      <a16:colId xmlns="" xmlns:a16="http://schemas.microsoft.com/office/drawing/2014/main" val="324699617"/>
                     </a:ext>
                   </a:extLst>
                 </a:gridCol>
@@ -38108,7 +38108,7 @@
                 </a:tc>
                 <a:extLst>
                   <a:ext uri="{0D108BD9-81ED-4DB2-BD59-A6C34878D82A}">
-                    <a16:rowId xmlns:a16="http://schemas.microsoft.com/office/drawing/2014/main" xmlns="" val="798814532"/>
+                    <a16:rowId xmlns="" xmlns:a16="http://schemas.microsoft.com/office/drawing/2014/main" val="798814532"/>
                   </a:ext>
                 </a:extLst>
               </a:tr>
@@ -38455,7 +38455,7 @@
                 </a:tc>
                 <a:extLst>
                   <a:ext uri="{0D108BD9-81ED-4DB2-BD59-A6C34878D82A}">
-                    <a16:rowId xmlns:a16="http://schemas.microsoft.com/office/drawing/2014/main" xmlns="" val="1491202224"/>
+                    <a16:rowId xmlns="" xmlns:a16="http://schemas.microsoft.com/office/drawing/2014/main" val="1491202224"/>
                   </a:ext>
                 </a:extLst>
               </a:tr>
@@ -38818,7 +38818,7 @@
                 </a:tc>
                 <a:extLst>
                   <a:ext uri="{0D108BD9-81ED-4DB2-BD59-A6C34878D82A}">
-                    <a16:rowId xmlns:a16="http://schemas.microsoft.com/office/drawing/2014/main" xmlns="" val="2457331936"/>
+                    <a16:rowId xmlns="" xmlns:a16="http://schemas.microsoft.com/office/drawing/2014/main" val="2457331936"/>
                   </a:ext>
                 </a:extLst>
               </a:tr>
@@ -39024,6 +39024,940 @@
           <a:chExt cx="0" cy="0"/>
         </a:xfrm>
       </p:grpSpPr>
+      <p:sp>
+        <p:nvSpPr>
+          <p:cNvPr id="2" name="矩形 1"/>
+          <p:cNvSpPr/>
+          <p:nvPr/>
+        </p:nvSpPr>
+        <p:spPr>
+          <a:xfrm>
+            <a:off x="94520" y="1297400"/>
+            <a:ext cx="2160240" cy="432048"/>
+          </a:xfrm>
+          <a:prstGeom prst="rect">
+            <a:avLst/>
+          </a:prstGeom>
+        </p:spPr>
+        <p:style>
+          <a:lnRef idx="1">
+            <a:schemeClr val="accent5"/>
+          </a:lnRef>
+          <a:fillRef idx="2">
+            <a:schemeClr val="accent5"/>
+          </a:fillRef>
+          <a:effectRef idx="1">
+            <a:schemeClr val="accent5"/>
+          </a:effectRef>
+          <a:fontRef idx="minor">
+            <a:schemeClr val="dk1"/>
+          </a:fontRef>
+        </p:style>
+        <p:txBody>
+          <a:bodyPr rtlCol="0" anchor="ctr"/>
+          <a:lstStyle/>
+          <a:p>
+            <a:pPr algn="ctr"/>
+            <a:r>
+              <a:rPr lang="en-US" altLang="zh-CN" sz="1600" dirty="0" smtClean="0"/>
+              <a:t>C# Code 1#</a:t>
+            </a:r>
+            <a:endParaRPr lang="zh-CN" altLang="en-US" sz="1600" dirty="0"/>
+          </a:p>
+        </p:txBody>
+      </p:sp>
+      <p:sp>
+        <p:nvSpPr>
+          <p:cNvPr id="3" name="矩形 2"/>
+          <p:cNvSpPr/>
+          <p:nvPr/>
+        </p:nvSpPr>
+        <p:spPr>
+          <a:xfrm>
+            <a:off x="94520" y="1873464"/>
+            <a:ext cx="2160240" cy="432048"/>
+          </a:xfrm>
+          <a:prstGeom prst="rect">
+            <a:avLst/>
+          </a:prstGeom>
+        </p:spPr>
+        <p:style>
+          <a:lnRef idx="1">
+            <a:schemeClr val="accent6"/>
+          </a:lnRef>
+          <a:fillRef idx="2">
+            <a:schemeClr val="accent6"/>
+          </a:fillRef>
+          <a:effectRef idx="1">
+            <a:schemeClr val="accent6"/>
+          </a:effectRef>
+          <a:fontRef idx="minor">
+            <a:schemeClr val="dk1"/>
+          </a:fontRef>
+        </p:style>
+        <p:txBody>
+          <a:bodyPr rtlCol="0" anchor="ctr"/>
+          <a:lstStyle/>
+          <a:p>
+            <a:pPr algn="ctr"/>
+            <a:r>
+              <a:rPr lang="en-US" altLang="zh-CN" sz="1600" dirty="0" err="1" smtClean="0"/>
+              <a:t>TensorFlow</a:t>
+            </a:r>
+            <a:r>
+              <a:rPr lang="en-US" altLang="zh-CN" sz="1600" dirty="0" smtClean="0"/>
+              <a:t> Code 1#</a:t>
+            </a:r>
+            <a:endParaRPr lang="zh-CN" altLang="en-US" sz="1600" dirty="0"/>
+          </a:p>
+        </p:txBody>
+      </p:sp>
+      <p:sp>
+        <p:nvSpPr>
+          <p:cNvPr id="4" name="矩形 3"/>
+          <p:cNvSpPr/>
+          <p:nvPr/>
+        </p:nvSpPr>
+        <p:spPr>
+          <a:xfrm>
+            <a:off x="94520" y="2449528"/>
+            <a:ext cx="2160240" cy="432048"/>
+          </a:xfrm>
+          <a:prstGeom prst="rect">
+            <a:avLst/>
+          </a:prstGeom>
+        </p:spPr>
+        <p:style>
+          <a:lnRef idx="1">
+            <a:schemeClr val="accent5"/>
+          </a:lnRef>
+          <a:fillRef idx="2">
+            <a:schemeClr val="accent5"/>
+          </a:fillRef>
+          <a:effectRef idx="1">
+            <a:schemeClr val="accent5"/>
+          </a:effectRef>
+          <a:fontRef idx="minor">
+            <a:schemeClr val="dk1"/>
+          </a:fontRef>
+        </p:style>
+        <p:txBody>
+          <a:bodyPr rtlCol="0" anchor="ctr"/>
+          <a:lstStyle/>
+          <a:p>
+            <a:pPr algn="ctr"/>
+            <a:r>
+              <a:rPr lang="en-US" altLang="zh-CN" sz="1600" dirty="0"/>
+              <a:t>C# Code </a:t>
+            </a:r>
+            <a:r>
+              <a:rPr lang="en-US" altLang="zh-CN" sz="1600" dirty="0" smtClean="0"/>
+              <a:t>2#</a:t>
+            </a:r>
+            <a:endParaRPr lang="zh-CN" altLang="en-US" sz="1600" dirty="0"/>
+          </a:p>
+        </p:txBody>
+      </p:sp>
+      <p:sp>
+        <p:nvSpPr>
+          <p:cNvPr id="5" name="矩形 4"/>
+          <p:cNvSpPr/>
+          <p:nvPr/>
+        </p:nvSpPr>
+        <p:spPr>
+          <a:xfrm>
+            <a:off x="94520" y="3025592"/>
+            <a:ext cx="2160240" cy="432048"/>
+          </a:xfrm>
+          <a:prstGeom prst="rect">
+            <a:avLst/>
+          </a:prstGeom>
+        </p:spPr>
+        <p:style>
+          <a:lnRef idx="1">
+            <a:schemeClr val="accent6"/>
+          </a:lnRef>
+          <a:fillRef idx="2">
+            <a:schemeClr val="accent6"/>
+          </a:fillRef>
+          <a:effectRef idx="1">
+            <a:schemeClr val="accent6"/>
+          </a:effectRef>
+          <a:fontRef idx="minor">
+            <a:schemeClr val="dk1"/>
+          </a:fontRef>
+        </p:style>
+        <p:txBody>
+          <a:bodyPr rtlCol="0" anchor="ctr"/>
+          <a:lstStyle/>
+          <a:p>
+            <a:pPr algn="ctr"/>
+            <a:r>
+              <a:rPr lang="en-US" altLang="zh-CN" sz="1600" dirty="0" err="1"/>
+              <a:t>TensorFlow</a:t>
+            </a:r>
+            <a:r>
+              <a:rPr lang="en-US" altLang="zh-CN" sz="1600" dirty="0"/>
+              <a:t> Code </a:t>
+            </a:r>
+            <a:r>
+              <a:rPr lang="en-US" altLang="zh-CN" sz="1600" dirty="0" smtClean="0"/>
+              <a:t>2#</a:t>
+            </a:r>
+            <a:endParaRPr lang="zh-CN" altLang="en-US" sz="1600" dirty="0"/>
+          </a:p>
+        </p:txBody>
+      </p:sp>
+      <p:sp>
+        <p:nvSpPr>
+          <p:cNvPr id="7" name="矩形 6"/>
+          <p:cNvSpPr/>
+          <p:nvPr/>
+        </p:nvSpPr>
+        <p:spPr>
+          <a:xfrm>
+            <a:off x="94520" y="4465752"/>
+            <a:ext cx="2160240" cy="432048"/>
+          </a:xfrm>
+          <a:prstGeom prst="rect">
+            <a:avLst/>
+          </a:prstGeom>
+        </p:spPr>
+        <p:style>
+          <a:lnRef idx="1">
+            <a:schemeClr val="accent5"/>
+          </a:lnRef>
+          <a:fillRef idx="2">
+            <a:schemeClr val="accent5"/>
+          </a:fillRef>
+          <a:effectRef idx="1">
+            <a:schemeClr val="accent5"/>
+          </a:effectRef>
+          <a:fontRef idx="minor">
+            <a:schemeClr val="dk1"/>
+          </a:fontRef>
+        </p:style>
+        <p:txBody>
+          <a:bodyPr rtlCol="0" anchor="ctr"/>
+          <a:lstStyle/>
+          <a:p>
+            <a:pPr algn="ctr"/>
+            <a:r>
+              <a:rPr lang="en-US" altLang="zh-CN" sz="1600" dirty="0"/>
+              <a:t>C# Code </a:t>
+            </a:r>
+            <a:r>
+              <a:rPr lang="en-US" altLang="zh-CN" sz="1600" dirty="0" smtClean="0"/>
+              <a:t>N#</a:t>
+            </a:r>
+            <a:endParaRPr lang="zh-CN" altLang="en-US" sz="1600" dirty="0"/>
+          </a:p>
+        </p:txBody>
+      </p:sp>
+      <p:sp>
+        <p:nvSpPr>
+          <p:cNvPr id="8" name="矩形 7"/>
+          <p:cNvSpPr/>
+          <p:nvPr/>
+        </p:nvSpPr>
+        <p:spPr>
+          <a:xfrm>
+            <a:off x="94520" y="5041816"/>
+            <a:ext cx="2160240" cy="432048"/>
+          </a:xfrm>
+          <a:prstGeom prst="rect">
+            <a:avLst/>
+          </a:prstGeom>
+        </p:spPr>
+        <p:style>
+          <a:lnRef idx="1">
+            <a:schemeClr val="accent6"/>
+          </a:lnRef>
+          <a:fillRef idx="2">
+            <a:schemeClr val="accent6"/>
+          </a:fillRef>
+          <a:effectRef idx="1">
+            <a:schemeClr val="accent6"/>
+          </a:effectRef>
+          <a:fontRef idx="minor">
+            <a:schemeClr val="dk1"/>
+          </a:fontRef>
+        </p:style>
+        <p:txBody>
+          <a:bodyPr rtlCol="0" anchor="ctr"/>
+          <a:lstStyle/>
+          <a:p>
+            <a:pPr algn="ctr"/>
+            <a:r>
+              <a:rPr lang="en-US" altLang="zh-CN" sz="1600" dirty="0" err="1"/>
+              <a:t>TensorFlow</a:t>
+            </a:r>
+            <a:r>
+              <a:rPr lang="en-US" altLang="zh-CN" sz="1600" dirty="0"/>
+              <a:t> Code </a:t>
+            </a:r>
+            <a:r>
+              <a:rPr lang="en-US" altLang="zh-CN" sz="1600" dirty="0" smtClean="0"/>
+              <a:t>N#</a:t>
+            </a:r>
+            <a:endParaRPr lang="zh-CN" altLang="en-US" sz="1600" dirty="0"/>
+          </a:p>
+        </p:txBody>
+      </p:sp>
+      <p:sp>
+        <p:nvSpPr>
+          <p:cNvPr id="9" name="TextBox 8"/>
+          <p:cNvSpPr txBox="1"/>
+          <p:nvPr/>
+        </p:nvSpPr>
+        <p:spPr>
+          <a:xfrm>
+            <a:off x="1956560" y="505312"/>
+            <a:ext cx="1024063" cy="369332"/>
+          </a:xfrm>
+          <a:prstGeom prst="rect">
+            <a:avLst/>
+          </a:prstGeom>
+          <a:noFill/>
+        </p:spPr>
+        <p:txBody>
+          <a:bodyPr wrap="none" rtlCol="0">
+            <a:spAutoFit/>
+          </a:bodyPr>
+          <a:lstStyle/>
+          <a:p>
+            <a:r>
+              <a:rPr lang="en-US" altLang="zh-CN" b="1" dirty="0" smtClean="0"/>
+              <a:t>First Run</a:t>
+            </a:r>
+            <a:endParaRPr lang="zh-CN" altLang="en-US" b="1" dirty="0"/>
+          </a:p>
+        </p:txBody>
+      </p:sp>
+      <p:sp>
+        <p:nvSpPr>
+          <p:cNvPr id="10" name="下箭头 9"/>
+          <p:cNvSpPr/>
+          <p:nvPr/>
+        </p:nvSpPr>
+        <p:spPr>
+          <a:xfrm>
+            <a:off x="2360580" y="1153384"/>
+            <a:ext cx="216024" cy="4464496"/>
+          </a:xfrm>
+          <a:prstGeom prst="downArrow">
+            <a:avLst/>
+          </a:prstGeom>
+          <a:solidFill>
+            <a:schemeClr val="bg1">
+              <a:lumMod val="65000"/>
+            </a:schemeClr>
+          </a:solidFill>
+          <a:ln w="12700">
+            <a:solidFill>
+              <a:schemeClr val="bg1">
+                <a:lumMod val="50000"/>
+              </a:schemeClr>
+            </a:solidFill>
+          </a:ln>
+        </p:spPr>
+        <p:style>
+          <a:lnRef idx="2">
+            <a:schemeClr val="accent1">
+              <a:shade val="50000"/>
+            </a:schemeClr>
+          </a:lnRef>
+          <a:fillRef idx="1">
+            <a:schemeClr val="accent1"/>
+          </a:fillRef>
+          <a:effectRef idx="0">
+            <a:schemeClr val="accent1"/>
+          </a:effectRef>
+          <a:fontRef idx="minor">
+            <a:schemeClr val="lt1"/>
+          </a:fontRef>
+        </p:style>
+        <p:txBody>
+          <a:bodyPr rtlCol="0" anchor="ctr"/>
+          <a:lstStyle/>
+          <a:p>
+            <a:pPr algn="ctr"/>
+            <a:endParaRPr lang="zh-CN" altLang="en-US"/>
+          </a:p>
+        </p:txBody>
+      </p:sp>
+      <p:sp>
+        <p:nvSpPr>
+          <p:cNvPr id="11" name="环形箭头 10"/>
+          <p:cNvSpPr/>
+          <p:nvPr/>
+        </p:nvSpPr>
+        <p:spPr>
+          <a:xfrm rot="19901838">
+            <a:off x="2426257" y="2367954"/>
+            <a:ext cx="864096" cy="648072"/>
+          </a:xfrm>
+          <a:prstGeom prst="circularArrow">
+            <a:avLst>
+              <a:gd name="adj1" fmla="val 12500"/>
+              <a:gd name="adj2" fmla="val 1142319"/>
+              <a:gd name="adj3" fmla="val 20457681"/>
+              <a:gd name="adj4" fmla="val 13721053"/>
+              <a:gd name="adj5" fmla="val 12500"/>
+            </a:avLst>
+          </a:prstGeom>
+        </p:spPr>
+        <p:style>
+          <a:lnRef idx="2">
+            <a:schemeClr val="accent1">
+              <a:shade val="50000"/>
+            </a:schemeClr>
+          </a:lnRef>
+          <a:fillRef idx="1">
+            <a:schemeClr val="accent1"/>
+          </a:fillRef>
+          <a:effectRef idx="0">
+            <a:schemeClr val="accent1"/>
+          </a:effectRef>
+          <a:fontRef idx="minor">
+            <a:schemeClr val="lt1"/>
+          </a:fontRef>
+        </p:style>
+        <p:txBody>
+          <a:bodyPr rtlCol="0" anchor="ctr"/>
+          <a:lstStyle/>
+          <a:p>
+            <a:pPr algn="ctr"/>
+            <a:endParaRPr lang="zh-CN" altLang="en-US">
+              <a:solidFill>
+                <a:schemeClr val="tx1"/>
+              </a:solidFill>
+            </a:endParaRPr>
+          </a:p>
+        </p:txBody>
+      </p:sp>
+      <p:sp>
+        <p:nvSpPr>
+          <p:cNvPr id="13" name="矩形 12"/>
+          <p:cNvSpPr/>
+          <p:nvPr/>
+        </p:nvSpPr>
+        <p:spPr>
+          <a:xfrm>
+            <a:off x="3262872" y="1873464"/>
+            <a:ext cx="2160240" cy="432048"/>
+          </a:xfrm>
+          <a:prstGeom prst="rect">
+            <a:avLst/>
+          </a:prstGeom>
+        </p:spPr>
+        <p:style>
+          <a:lnRef idx="1">
+            <a:schemeClr val="accent6"/>
+          </a:lnRef>
+          <a:fillRef idx="2">
+            <a:schemeClr val="accent6"/>
+          </a:fillRef>
+          <a:effectRef idx="1">
+            <a:schemeClr val="accent6"/>
+          </a:effectRef>
+          <a:fontRef idx="minor">
+            <a:schemeClr val="dk1"/>
+          </a:fontRef>
+        </p:style>
+        <p:txBody>
+          <a:bodyPr rtlCol="0" anchor="ctr"/>
+          <a:lstStyle/>
+          <a:p>
+            <a:pPr algn="ctr"/>
+            <a:r>
+              <a:rPr lang="en-US" altLang="zh-CN" sz="1600" dirty="0" err="1" smtClean="0"/>
+              <a:t>TensorFlow</a:t>
+            </a:r>
+            <a:r>
+              <a:rPr lang="en-US" altLang="zh-CN" sz="1600" dirty="0" smtClean="0"/>
+              <a:t> Code 1#</a:t>
+            </a:r>
+            <a:endParaRPr lang="zh-CN" altLang="en-US" sz="1600" dirty="0"/>
+          </a:p>
+        </p:txBody>
+      </p:sp>
+      <p:sp>
+        <p:nvSpPr>
+          <p:cNvPr id="14" name="矩形 13"/>
+          <p:cNvSpPr/>
+          <p:nvPr/>
+        </p:nvSpPr>
+        <p:spPr>
+          <a:xfrm>
+            <a:off x="3262872" y="2483340"/>
+            <a:ext cx="2160240" cy="432048"/>
+          </a:xfrm>
+          <a:prstGeom prst="rect">
+            <a:avLst/>
+          </a:prstGeom>
+        </p:spPr>
+        <p:style>
+          <a:lnRef idx="1">
+            <a:schemeClr val="accent6"/>
+          </a:lnRef>
+          <a:fillRef idx="2">
+            <a:schemeClr val="accent6"/>
+          </a:fillRef>
+          <a:effectRef idx="1">
+            <a:schemeClr val="accent6"/>
+          </a:effectRef>
+          <a:fontRef idx="minor">
+            <a:schemeClr val="dk1"/>
+          </a:fontRef>
+        </p:style>
+        <p:txBody>
+          <a:bodyPr rtlCol="0" anchor="ctr"/>
+          <a:lstStyle/>
+          <a:p>
+            <a:pPr algn="ctr"/>
+            <a:r>
+              <a:rPr lang="en-US" altLang="zh-CN" sz="1600" dirty="0" err="1"/>
+              <a:t>TensorFlow</a:t>
+            </a:r>
+            <a:r>
+              <a:rPr lang="en-US" altLang="zh-CN" sz="1600" dirty="0"/>
+              <a:t> Code </a:t>
+            </a:r>
+            <a:r>
+              <a:rPr lang="en-US" altLang="zh-CN" sz="1600" dirty="0" smtClean="0"/>
+              <a:t>2#</a:t>
+            </a:r>
+            <a:endParaRPr lang="zh-CN" altLang="en-US" sz="1600" dirty="0"/>
+          </a:p>
+        </p:txBody>
+      </p:sp>
+      <p:sp>
+        <p:nvSpPr>
+          <p:cNvPr id="15" name="矩形 14"/>
+          <p:cNvSpPr/>
+          <p:nvPr/>
+        </p:nvSpPr>
+        <p:spPr>
+          <a:xfrm>
+            <a:off x="3262872" y="3529648"/>
+            <a:ext cx="2160240" cy="432048"/>
+          </a:xfrm>
+          <a:prstGeom prst="rect">
+            <a:avLst/>
+          </a:prstGeom>
+        </p:spPr>
+        <p:style>
+          <a:lnRef idx="1">
+            <a:schemeClr val="accent6"/>
+          </a:lnRef>
+          <a:fillRef idx="2">
+            <a:schemeClr val="accent6"/>
+          </a:fillRef>
+          <a:effectRef idx="1">
+            <a:schemeClr val="accent6"/>
+          </a:effectRef>
+          <a:fontRef idx="minor">
+            <a:schemeClr val="dk1"/>
+          </a:fontRef>
+        </p:style>
+        <p:txBody>
+          <a:bodyPr rtlCol="0" anchor="ctr"/>
+          <a:lstStyle/>
+          <a:p>
+            <a:pPr algn="ctr"/>
+            <a:r>
+              <a:rPr lang="en-US" altLang="zh-CN" sz="1600" dirty="0" err="1"/>
+              <a:t>TensorFlow</a:t>
+            </a:r>
+            <a:r>
+              <a:rPr lang="en-US" altLang="zh-CN" sz="1600" dirty="0"/>
+              <a:t> Code </a:t>
+            </a:r>
+            <a:r>
+              <a:rPr lang="en-US" altLang="zh-CN" sz="1600" dirty="0" smtClean="0"/>
+              <a:t>N#</a:t>
+            </a:r>
+            <a:endParaRPr lang="zh-CN" altLang="en-US" sz="1600" dirty="0"/>
+          </a:p>
+        </p:txBody>
+      </p:sp>
+      <p:sp>
+        <p:nvSpPr>
+          <p:cNvPr id="16" name="TextBox 15"/>
+          <p:cNvSpPr txBox="1"/>
+          <p:nvPr/>
+        </p:nvSpPr>
+        <p:spPr>
+          <a:xfrm>
+            <a:off x="886608" y="3777030"/>
+            <a:ext cx="343364" cy="369332"/>
+          </a:xfrm>
+          <a:prstGeom prst="rect">
+            <a:avLst/>
+          </a:prstGeom>
+          <a:noFill/>
+        </p:spPr>
+        <p:txBody>
+          <a:bodyPr wrap="none" rtlCol="0">
+            <a:spAutoFit/>
+          </a:bodyPr>
+          <a:lstStyle/>
+          <a:p>
+            <a:r>
+              <a:rPr lang="en-US" altLang="zh-CN" dirty="0" smtClean="0"/>
+              <a:t>…</a:t>
+            </a:r>
+            <a:endParaRPr lang="zh-CN" altLang="en-US" dirty="0"/>
+          </a:p>
+        </p:txBody>
+      </p:sp>
+      <p:sp>
+        <p:nvSpPr>
+          <p:cNvPr id="17" name="TextBox 16"/>
+          <p:cNvSpPr txBox="1"/>
+          <p:nvPr/>
+        </p:nvSpPr>
+        <p:spPr>
+          <a:xfrm>
+            <a:off x="4126968" y="3056950"/>
+            <a:ext cx="343364" cy="369332"/>
+          </a:xfrm>
+          <a:prstGeom prst="rect">
+            <a:avLst/>
+          </a:prstGeom>
+          <a:noFill/>
+        </p:spPr>
+        <p:txBody>
+          <a:bodyPr wrap="none" rtlCol="0">
+            <a:spAutoFit/>
+          </a:bodyPr>
+          <a:lstStyle/>
+          <a:p>
+            <a:r>
+              <a:rPr lang="en-US" altLang="zh-CN" dirty="0" smtClean="0"/>
+              <a:t>…</a:t>
+            </a:r>
+            <a:endParaRPr lang="zh-CN" altLang="en-US" dirty="0"/>
+          </a:p>
+        </p:txBody>
+      </p:sp>
+      <p:sp>
+        <p:nvSpPr>
+          <p:cNvPr id="18" name="环形箭头 17"/>
+          <p:cNvSpPr/>
+          <p:nvPr/>
+        </p:nvSpPr>
+        <p:spPr>
+          <a:xfrm rot="19901838">
+            <a:off x="5453090" y="2375328"/>
+            <a:ext cx="864096" cy="648072"/>
+          </a:xfrm>
+          <a:prstGeom prst="circularArrow">
+            <a:avLst>
+              <a:gd name="adj1" fmla="val 12500"/>
+              <a:gd name="adj2" fmla="val 1142319"/>
+              <a:gd name="adj3" fmla="val 20457681"/>
+              <a:gd name="adj4" fmla="val 13721053"/>
+              <a:gd name="adj5" fmla="val 12500"/>
+            </a:avLst>
+          </a:prstGeom>
+        </p:spPr>
+        <p:style>
+          <a:lnRef idx="2">
+            <a:schemeClr val="accent1">
+              <a:shade val="50000"/>
+            </a:schemeClr>
+          </a:lnRef>
+          <a:fillRef idx="1">
+            <a:schemeClr val="accent1"/>
+          </a:fillRef>
+          <a:effectRef idx="0">
+            <a:schemeClr val="accent1"/>
+          </a:effectRef>
+          <a:fontRef idx="minor">
+            <a:schemeClr val="lt1"/>
+          </a:fontRef>
+        </p:style>
+        <p:txBody>
+          <a:bodyPr rtlCol="0" anchor="ctr"/>
+          <a:lstStyle/>
+          <a:p>
+            <a:pPr algn="ctr"/>
+            <a:endParaRPr lang="zh-CN" altLang="en-US">
+              <a:solidFill>
+                <a:schemeClr val="tx1"/>
+              </a:solidFill>
+            </a:endParaRPr>
+          </a:p>
+        </p:txBody>
+      </p:sp>
+      <p:sp>
+        <p:nvSpPr>
+          <p:cNvPr id="19" name="TextBox 18"/>
+          <p:cNvSpPr txBox="1"/>
+          <p:nvPr/>
+        </p:nvSpPr>
+        <p:spPr>
+          <a:xfrm rot="5400000">
+            <a:off x="1565636" y="3661082"/>
+            <a:ext cx="2216376" cy="369332"/>
+          </a:xfrm>
+          <a:prstGeom prst="rect">
+            <a:avLst/>
+          </a:prstGeom>
+          <a:noFill/>
+        </p:spPr>
+        <p:txBody>
+          <a:bodyPr wrap="none" rtlCol="0">
+            <a:spAutoFit/>
+          </a:bodyPr>
+          <a:lstStyle/>
+          <a:p>
+            <a:r>
+              <a:rPr lang="en-US" altLang="zh-CN" b="1" dirty="0" smtClean="0"/>
+              <a:t>ALL Code Tracing Run</a:t>
+            </a:r>
+            <a:endParaRPr lang="zh-CN" altLang="en-US" b="1" dirty="0"/>
+          </a:p>
+        </p:txBody>
+      </p:sp>
+      <p:sp>
+        <p:nvSpPr>
+          <p:cNvPr id="20" name="矩形 19"/>
+          <p:cNvSpPr/>
+          <p:nvPr/>
+        </p:nvSpPr>
+        <p:spPr>
+          <a:xfrm>
+            <a:off x="6300192" y="1873464"/>
+            <a:ext cx="2160240" cy="2160542"/>
+          </a:xfrm>
+          <a:prstGeom prst="rect">
+            <a:avLst/>
+          </a:prstGeom>
+        </p:spPr>
+        <p:style>
+          <a:lnRef idx="1">
+            <a:schemeClr val="accent6"/>
+          </a:lnRef>
+          <a:fillRef idx="2">
+            <a:schemeClr val="accent6"/>
+          </a:fillRef>
+          <a:effectRef idx="1">
+            <a:schemeClr val="accent6"/>
+          </a:effectRef>
+          <a:fontRef idx="minor">
+            <a:schemeClr val="dk1"/>
+          </a:fontRef>
+        </p:style>
+        <p:txBody>
+          <a:bodyPr rtlCol="0" anchor="ctr"/>
+          <a:lstStyle/>
+          <a:p>
+            <a:pPr algn="ctr"/>
+            <a:r>
+              <a:rPr lang="en-US" altLang="zh-CN" sz="1600" dirty="0" err="1" smtClean="0"/>
+              <a:t>TensorFlow</a:t>
+            </a:r>
+            <a:r>
+              <a:rPr lang="en-US" altLang="zh-CN" sz="1600" dirty="0" smtClean="0"/>
+              <a:t> Graph</a:t>
+            </a:r>
+          </a:p>
+          <a:p>
+            <a:pPr algn="ctr"/>
+            <a:endParaRPr lang="en-US" altLang="zh-CN" sz="1600" dirty="0" smtClean="0"/>
+          </a:p>
+          <a:p>
+            <a:pPr algn="ctr"/>
+            <a:endParaRPr lang="en-US" altLang="zh-CN" sz="1600" dirty="0"/>
+          </a:p>
+          <a:p>
+            <a:pPr algn="ctr"/>
+            <a:endParaRPr lang="en-US" altLang="zh-CN" sz="1600" dirty="0" smtClean="0"/>
+          </a:p>
+          <a:p>
+            <a:pPr algn="ctr"/>
+            <a:endParaRPr lang="en-US" altLang="zh-CN" sz="1600" dirty="0"/>
+          </a:p>
+          <a:p>
+            <a:pPr algn="ctr"/>
+            <a:endParaRPr lang="en-US" altLang="zh-CN" sz="1600" dirty="0" smtClean="0"/>
+          </a:p>
+          <a:p>
+            <a:pPr algn="ctr"/>
+            <a:endParaRPr lang="zh-CN" altLang="en-US" sz="1600" dirty="0"/>
+          </a:p>
+        </p:txBody>
+      </p:sp>
+      <p:sp>
+        <p:nvSpPr>
+          <p:cNvPr id="21" name="TextBox 20"/>
+          <p:cNvSpPr txBox="1"/>
+          <p:nvPr/>
+        </p:nvSpPr>
+        <p:spPr>
+          <a:xfrm>
+            <a:off x="8069493" y="505312"/>
+            <a:ext cx="1064330" cy="369332"/>
+          </a:xfrm>
+          <a:prstGeom prst="rect">
+            <a:avLst/>
+          </a:prstGeom>
+          <a:noFill/>
+        </p:spPr>
+        <p:txBody>
+          <a:bodyPr wrap="none" rtlCol="0">
+            <a:spAutoFit/>
+          </a:bodyPr>
+          <a:lstStyle/>
+          <a:p>
+            <a:r>
+              <a:rPr lang="en-US" altLang="zh-CN" b="1" dirty="0" smtClean="0"/>
+              <a:t>Next Run</a:t>
+            </a:r>
+            <a:endParaRPr lang="zh-CN" altLang="en-US" b="1" dirty="0"/>
+          </a:p>
+        </p:txBody>
+      </p:sp>
+      <p:sp>
+        <p:nvSpPr>
+          <p:cNvPr id="22" name="下箭头 21"/>
+          <p:cNvSpPr/>
+          <p:nvPr/>
+        </p:nvSpPr>
+        <p:spPr>
+          <a:xfrm>
+            <a:off x="8460432" y="1153384"/>
+            <a:ext cx="216024" cy="4464496"/>
+          </a:xfrm>
+          <a:prstGeom prst="downArrow">
+            <a:avLst/>
+          </a:prstGeom>
+          <a:solidFill>
+            <a:schemeClr val="bg1">
+              <a:lumMod val="65000"/>
+            </a:schemeClr>
+          </a:solidFill>
+          <a:ln w="12700">
+            <a:solidFill>
+              <a:schemeClr val="bg1">
+                <a:lumMod val="50000"/>
+              </a:schemeClr>
+            </a:solidFill>
+          </a:ln>
+        </p:spPr>
+        <p:style>
+          <a:lnRef idx="2">
+            <a:schemeClr val="accent1">
+              <a:shade val="50000"/>
+            </a:schemeClr>
+          </a:lnRef>
+          <a:fillRef idx="1">
+            <a:schemeClr val="accent1"/>
+          </a:fillRef>
+          <a:effectRef idx="0">
+            <a:schemeClr val="accent1"/>
+          </a:effectRef>
+          <a:fontRef idx="minor">
+            <a:schemeClr val="lt1"/>
+          </a:fontRef>
+        </p:style>
+        <p:txBody>
+          <a:bodyPr rtlCol="0" anchor="ctr"/>
+          <a:lstStyle/>
+          <a:p>
+            <a:pPr algn="ctr"/>
+            <a:endParaRPr lang="zh-CN" altLang="en-US"/>
+          </a:p>
+        </p:txBody>
+      </p:sp>
+      <p:sp>
+        <p:nvSpPr>
+          <p:cNvPr id="23" name="TextBox 22"/>
+          <p:cNvSpPr txBox="1"/>
+          <p:nvPr/>
+        </p:nvSpPr>
+        <p:spPr>
+          <a:xfrm rot="5400000">
+            <a:off x="8174122" y="2898230"/>
+            <a:ext cx="1199111" cy="369332"/>
+          </a:xfrm>
+          <a:prstGeom prst="rect">
+            <a:avLst/>
+          </a:prstGeom>
+          <a:noFill/>
+        </p:spPr>
+        <p:txBody>
+          <a:bodyPr wrap="none" rtlCol="0">
+            <a:spAutoFit/>
+          </a:bodyPr>
+          <a:lstStyle/>
+          <a:p>
+            <a:r>
+              <a:rPr lang="en-US" altLang="zh-CN" b="1" dirty="0" smtClean="0"/>
+              <a:t>Graph </a:t>
+            </a:r>
+            <a:r>
+              <a:rPr lang="en-US" altLang="zh-CN" b="1" dirty="0"/>
+              <a:t>Run</a:t>
+            </a:r>
+            <a:endParaRPr lang="zh-CN" altLang="en-US" b="1" dirty="0"/>
+          </a:p>
+        </p:txBody>
+      </p:sp>
+      <p:pic>
+        <p:nvPicPr>
+          <p:cNvPr id="1026" name="Picture 2" descr="https://timgsa.baidu.com/timg?image&amp;quality=80&amp;size=b9999_10000&amp;sec=1606562072209&amp;di=4c10a7bea08c6eb8eed8da1993ac38f3&amp;imgtype=0&amp;src=http%3A%2F%2Fstatic.open-open.com%2Flib%2FuploadImg%2F20171208%2F20171208205010_614.jpg"/>
+          <p:cNvPicPr>
+            <a:picLocks noChangeAspect="1" noChangeArrowheads="1"/>
+          </p:cNvPicPr>
+          <p:nvPr/>
+        </p:nvPicPr>
+        <p:blipFill>
+          <a:blip r:embed="rId2" cstate="print">
+            <a:clrChange>
+              <a:clrFrom>
+                <a:srgbClr val="FFFFFF"/>
+              </a:clrFrom>
+              <a:clrTo>
+                <a:srgbClr val="FFFFFF">
+                  <a:alpha val="0"/>
+                </a:srgbClr>
+              </a:clrTo>
+            </a:clrChange>
+            <a:extLst>
+              <a:ext uri="{28A0092B-C50C-407E-A947-70E740481C1C}">
+                <a14:useLocalDpi xmlns:a14="http://schemas.microsoft.com/office/drawing/2010/main" val="0"/>
+              </a:ext>
+            </a:extLst>
+          </a:blip>
+          <a:srcRect/>
+          <a:stretch>
+            <a:fillRect/>
+          </a:stretch>
+        </p:blipFill>
+        <p:spPr bwMode="auto">
+          <a:xfrm>
+            <a:off x="6718975" y="2244636"/>
+            <a:ext cx="1465654" cy="1836953"/>
+          </a:xfrm>
+          <a:prstGeom prst="rect">
+            <a:avLst/>
+          </a:prstGeom>
+          <a:noFill/>
+          <a:extLst>
+            <a:ext uri="{909E8E84-426E-40DD-AFC4-6F175D3DCCD1}">
+              <a14:hiddenFill xmlns:a14="http://schemas.microsoft.com/office/drawing/2010/main">
+                <a:solidFill>
+                  <a:srgbClr val="FFFFFF"/>
+                </a:solidFill>
+              </a14:hiddenFill>
+            </a:ext>
+          </a:extLst>
+        </p:spPr>
+      </p:pic>
     </p:spTree>
     <p:extLst>
       <p:ext uri="{BB962C8B-B14F-4D97-AF65-F5344CB8AC3E}">

--- a/ppt/tf.reduce_mean.pptx
+++ b/ppt/tf.reduce_mean.pptx
@@ -141,7 +141,7 @@
   </p:defaultTextStyle>
   <p:extLst>
     <p:ext uri="{EFAFB233-063F-42B5-8137-9DF3F51BA10A}">
-      <p15:sldGuideLst xmlns="" xmlns:p15="http://schemas.microsoft.com/office/powerpoint/2012/main">
+      <p15:sldGuideLst xmlns:p15="http://schemas.microsoft.com/office/powerpoint/2012/main" xmlns="">
         <p15:guide id="1" orient="horz" pos="2160">
           <p15:clr>
             <a:srgbClr val="A4A3A4"/>
@@ -339,7 +339,7 @@
           <a:p>
             <a:fld id="{154D151C-2C25-4305-8E14-82B64FCC1564}" type="datetimeFigureOut">
               <a:rPr lang="zh-CN" altLang="en-US" smtClean="0"/>
-              <a:t>2020/11/28</a:t>
+              <a:t>2021/1/13</a:t>
             </a:fld>
             <a:endParaRPr lang="zh-CN" altLang="en-US"/>
           </a:p>
@@ -509,7 +509,7 @@
           <a:p>
             <a:fld id="{154D151C-2C25-4305-8E14-82B64FCC1564}" type="datetimeFigureOut">
               <a:rPr lang="zh-CN" altLang="en-US" smtClean="0"/>
-              <a:t>2020/11/28</a:t>
+              <a:t>2021/1/13</a:t>
             </a:fld>
             <a:endParaRPr lang="zh-CN" altLang="en-US"/>
           </a:p>
@@ -689,7 +689,7 @@
           <a:p>
             <a:fld id="{154D151C-2C25-4305-8E14-82B64FCC1564}" type="datetimeFigureOut">
               <a:rPr lang="zh-CN" altLang="en-US" smtClean="0"/>
-              <a:t>2020/11/28</a:t>
+              <a:t>2021/1/13</a:t>
             </a:fld>
             <a:endParaRPr lang="zh-CN" altLang="en-US"/>
           </a:p>
@@ -1119,7 +1119,7 @@
           <a:p>
             <a:fld id="{154D151C-2C25-4305-8E14-82B64FCC1564}" type="datetimeFigureOut">
               <a:rPr lang="zh-CN" altLang="en-US" smtClean="0"/>
-              <a:t>2020/11/28</a:t>
+              <a:t>2021/1/13</a:t>
             </a:fld>
             <a:endParaRPr lang="zh-CN" altLang="en-US"/>
           </a:p>
@@ -1365,7 +1365,7 @@
           <a:p>
             <a:fld id="{154D151C-2C25-4305-8E14-82B64FCC1564}" type="datetimeFigureOut">
               <a:rPr lang="zh-CN" altLang="en-US" smtClean="0"/>
-              <a:t>2020/11/28</a:t>
+              <a:t>2021/1/13</a:t>
             </a:fld>
             <a:endParaRPr lang="zh-CN" altLang="en-US"/>
           </a:p>
@@ -1653,7 +1653,7 @@
           <a:p>
             <a:fld id="{154D151C-2C25-4305-8E14-82B64FCC1564}" type="datetimeFigureOut">
               <a:rPr lang="zh-CN" altLang="en-US" smtClean="0"/>
-              <a:t>2020/11/28</a:t>
+              <a:t>2021/1/13</a:t>
             </a:fld>
             <a:endParaRPr lang="zh-CN" altLang="en-US"/>
           </a:p>
@@ -2075,7 +2075,7 @@
           <a:p>
             <a:fld id="{154D151C-2C25-4305-8E14-82B64FCC1564}" type="datetimeFigureOut">
               <a:rPr lang="zh-CN" altLang="en-US" smtClean="0"/>
-              <a:t>2020/11/28</a:t>
+              <a:t>2021/1/13</a:t>
             </a:fld>
             <a:endParaRPr lang="zh-CN" altLang="en-US"/>
           </a:p>
@@ -2193,7 +2193,7 @@
           <a:p>
             <a:fld id="{154D151C-2C25-4305-8E14-82B64FCC1564}" type="datetimeFigureOut">
               <a:rPr lang="zh-CN" altLang="en-US" smtClean="0"/>
-              <a:t>2020/11/28</a:t>
+              <a:t>2021/1/13</a:t>
             </a:fld>
             <a:endParaRPr lang="zh-CN" altLang="en-US"/>
           </a:p>
@@ -2288,7 +2288,7 @@
           <a:p>
             <a:fld id="{154D151C-2C25-4305-8E14-82B64FCC1564}" type="datetimeFigureOut">
               <a:rPr lang="zh-CN" altLang="en-US" smtClean="0"/>
-              <a:t>2020/11/28</a:t>
+              <a:t>2021/1/13</a:t>
             </a:fld>
             <a:endParaRPr lang="zh-CN" altLang="en-US"/>
           </a:p>
@@ -2565,7 +2565,7 @@
           <a:p>
             <a:fld id="{154D151C-2C25-4305-8E14-82B64FCC1564}" type="datetimeFigureOut">
               <a:rPr lang="zh-CN" altLang="en-US" smtClean="0"/>
-              <a:t>2020/11/28</a:t>
+              <a:t>2021/1/13</a:t>
             </a:fld>
             <a:endParaRPr lang="zh-CN" altLang="en-US"/>
           </a:p>
@@ -2818,7 +2818,7 @@
           <a:p>
             <a:fld id="{154D151C-2C25-4305-8E14-82B64FCC1564}" type="datetimeFigureOut">
               <a:rPr lang="zh-CN" altLang="en-US" smtClean="0"/>
-              <a:t>2020/11/28</a:t>
+              <a:t>2021/1/13</a:t>
             </a:fld>
             <a:endParaRPr lang="zh-CN" altLang="en-US"/>
           </a:p>
@@ -3031,7 +3031,7 @@
           <a:p>
             <a:fld id="{154D151C-2C25-4305-8E14-82B64FCC1564}" type="datetimeFigureOut">
               <a:rPr lang="zh-CN" altLang="en-US" smtClean="0"/>
-              <a:t>2020/11/28</a:t>
+              <a:t>2021/1/13</a:t>
             </a:fld>
             <a:endParaRPr lang="zh-CN" altLang="en-US"/>
           </a:p>
@@ -16245,35 +16245,35 @@
                 <a:gridCol w="763270">
                   <a:extLst>
                     <a:ext uri="{9D8B030D-6E8A-4147-A177-3AD203B41FA5}">
-                      <a16:colId xmlns="" xmlns:a16="http://schemas.microsoft.com/office/drawing/2014/main" val="3326979791"/>
+                      <a16:colId xmlns:a16="http://schemas.microsoft.com/office/drawing/2014/main" xmlns="" val="3326979791"/>
                     </a:ext>
                   </a:extLst>
                 </a:gridCol>
                 <a:gridCol w="542325">
                   <a:extLst>
                     <a:ext uri="{9D8B030D-6E8A-4147-A177-3AD203B41FA5}">
-                      <a16:colId xmlns="" xmlns:a16="http://schemas.microsoft.com/office/drawing/2014/main" val="637607070"/>
+                      <a16:colId xmlns:a16="http://schemas.microsoft.com/office/drawing/2014/main" xmlns="" val="637607070"/>
                     </a:ext>
                   </a:extLst>
                 </a:gridCol>
                 <a:gridCol w="542325">
                   <a:extLst>
                     <a:ext uri="{9D8B030D-6E8A-4147-A177-3AD203B41FA5}">
-                      <a16:colId xmlns="" xmlns:a16="http://schemas.microsoft.com/office/drawing/2014/main" val="1695508235"/>
+                      <a16:colId xmlns:a16="http://schemas.microsoft.com/office/drawing/2014/main" xmlns="" val="1695508235"/>
                     </a:ext>
                   </a:extLst>
                 </a:gridCol>
                 <a:gridCol w="542325">
                   <a:extLst>
                     <a:ext uri="{9D8B030D-6E8A-4147-A177-3AD203B41FA5}">
-                      <a16:colId xmlns="" xmlns:a16="http://schemas.microsoft.com/office/drawing/2014/main" val="1870987448"/>
+                      <a16:colId xmlns:a16="http://schemas.microsoft.com/office/drawing/2014/main" xmlns="" val="1870987448"/>
                     </a:ext>
                   </a:extLst>
                 </a:gridCol>
                 <a:gridCol w="542325">
                   <a:extLst>
                     <a:ext uri="{9D8B030D-6E8A-4147-A177-3AD203B41FA5}">
-                      <a16:colId xmlns="" xmlns:a16="http://schemas.microsoft.com/office/drawing/2014/main" val="324699617"/>
+                      <a16:colId xmlns:a16="http://schemas.microsoft.com/office/drawing/2014/main" xmlns="" val="324699617"/>
                     </a:ext>
                   </a:extLst>
                 </a:gridCol>
@@ -16641,7 +16641,7 @@
                 </a:tc>
                 <a:extLst>
                   <a:ext uri="{0D108BD9-81ED-4DB2-BD59-A6C34878D82A}">
-                    <a16:rowId xmlns="" xmlns:a16="http://schemas.microsoft.com/office/drawing/2014/main" val="798814532"/>
+                    <a16:rowId xmlns:a16="http://schemas.microsoft.com/office/drawing/2014/main" xmlns="" val="798814532"/>
                   </a:ext>
                 </a:extLst>
               </a:tr>
@@ -16988,7 +16988,7 @@
                 </a:tc>
                 <a:extLst>
                   <a:ext uri="{0D108BD9-81ED-4DB2-BD59-A6C34878D82A}">
-                    <a16:rowId xmlns="" xmlns:a16="http://schemas.microsoft.com/office/drawing/2014/main" val="1491202224"/>
+                    <a16:rowId xmlns:a16="http://schemas.microsoft.com/office/drawing/2014/main" xmlns="" val="1491202224"/>
                   </a:ext>
                 </a:extLst>
               </a:tr>
@@ -17313,7 +17313,7 @@
                 </a:tc>
                 <a:extLst>
                   <a:ext uri="{0D108BD9-81ED-4DB2-BD59-A6C34878D82A}">
-                    <a16:rowId xmlns="" xmlns:a16="http://schemas.microsoft.com/office/drawing/2014/main" val="2457331936"/>
+                    <a16:rowId xmlns:a16="http://schemas.microsoft.com/office/drawing/2014/main" xmlns="" val="2457331936"/>
                   </a:ext>
                 </a:extLst>
               </a:tr>
@@ -17443,35 +17443,35 @@
                 <a:gridCol w="763270">
                   <a:extLst>
                     <a:ext uri="{9D8B030D-6E8A-4147-A177-3AD203B41FA5}">
-                      <a16:colId xmlns="" xmlns:a16="http://schemas.microsoft.com/office/drawing/2014/main" val="3326979791"/>
+                      <a16:colId xmlns:a16="http://schemas.microsoft.com/office/drawing/2014/main" xmlns="" val="3326979791"/>
                     </a:ext>
                   </a:extLst>
                 </a:gridCol>
                 <a:gridCol w="542325">
                   <a:extLst>
                     <a:ext uri="{9D8B030D-6E8A-4147-A177-3AD203B41FA5}">
-                      <a16:colId xmlns="" xmlns:a16="http://schemas.microsoft.com/office/drawing/2014/main" val="637607070"/>
+                      <a16:colId xmlns:a16="http://schemas.microsoft.com/office/drawing/2014/main" xmlns="" val="637607070"/>
                     </a:ext>
                   </a:extLst>
                 </a:gridCol>
                 <a:gridCol w="542325">
                   <a:extLst>
                     <a:ext uri="{9D8B030D-6E8A-4147-A177-3AD203B41FA5}">
-                      <a16:colId xmlns="" xmlns:a16="http://schemas.microsoft.com/office/drawing/2014/main" val="1695508235"/>
+                      <a16:colId xmlns:a16="http://schemas.microsoft.com/office/drawing/2014/main" xmlns="" val="1695508235"/>
                     </a:ext>
                   </a:extLst>
                 </a:gridCol>
                 <a:gridCol w="542325">
                   <a:extLst>
                     <a:ext uri="{9D8B030D-6E8A-4147-A177-3AD203B41FA5}">
-                      <a16:colId xmlns="" xmlns:a16="http://schemas.microsoft.com/office/drawing/2014/main" val="1870987448"/>
+                      <a16:colId xmlns:a16="http://schemas.microsoft.com/office/drawing/2014/main" xmlns="" val="1870987448"/>
                     </a:ext>
                   </a:extLst>
                 </a:gridCol>
                 <a:gridCol w="542325">
                   <a:extLst>
                     <a:ext uri="{9D8B030D-6E8A-4147-A177-3AD203B41FA5}">
-                      <a16:colId xmlns="" xmlns:a16="http://schemas.microsoft.com/office/drawing/2014/main" val="324699617"/>
+                      <a16:colId xmlns:a16="http://schemas.microsoft.com/office/drawing/2014/main" xmlns="" val="324699617"/>
                     </a:ext>
                   </a:extLst>
                 </a:gridCol>
@@ -17839,7 +17839,7 @@
                 </a:tc>
                 <a:extLst>
                   <a:ext uri="{0D108BD9-81ED-4DB2-BD59-A6C34878D82A}">
-                    <a16:rowId xmlns="" xmlns:a16="http://schemas.microsoft.com/office/drawing/2014/main" val="798814532"/>
+                    <a16:rowId xmlns:a16="http://schemas.microsoft.com/office/drawing/2014/main" xmlns="" val="798814532"/>
                   </a:ext>
                 </a:extLst>
               </a:tr>
@@ -18186,7 +18186,7 @@
                 </a:tc>
                 <a:extLst>
                   <a:ext uri="{0D108BD9-81ED-4DB2-BD59-A6C34878D82A}">
-                    <a16:rowId xmlns="" xmlns:a16="http://schemas.microsoft.com/office/drawing/2014/main" val="1491202224"/>
+                    <a16:rowId xmlns:a16="http://schemas.microsoft.com/office/drawing/2014/main" xmlns="" val="1491202224"/>
                   </a:ext>
                 </a:extLst>
               </a:tr>
@@ -18541,7 +18541,7 @@
                 </a:tc>
                 <a:extLst>
                   <a:ext uri="{0D108BD9-81ED-4DB2-BD59-A6C34878D82A}">
-                    <a16:rowId xmlns="" xmlns:a16="http://schemas.microsoft.com/office/drawing/2014/main" val="2457331936"/>
+                    <a16:rowId xmlns:a16="http://schemas.microsoft.com/office/drawing/2014/main" xmlns="" val="2457331936"/>
                   </a:ext>
                 </a:extLst>
               </a:tr>
@@ -18679,35 +18679,35 @@
                 <a:gridCol w="763270">
                   <a:extLst>
                     <a:ext uri="{9D8B030D-6E8A-4147-A177-3AD203B41FA5}">
-                      <a16:colId xmlns="" xmlns:a16="http://schemas.microsoft.com/office/drawing/2014/main" val="3326979791"/>
+                      <a16:colId xmlns:a16="http://schemas.microsoft.com/office/drawing/2014/main" xmlns="" val="3326979791"/>
                     </a:ext>
                   </a:extLst>
                 </a:gridCol>
                 <a:gridCol w="542325">
                   <a:extLst>
                     <a:ext uri="{9D8B030D-6E8A-4147-A177-3AD203B41FA5}">
-                      <a16:colId xmlns="" xmlns:a16="http://schemas.microsoft.com/office/drawing/2014/main" val="637607070"/>
+                      <a16:colId xmlns:a16="http://schemas.microsoft.com/office/drawing/2014/main" xmlns="" val="637607070"/>
                     </a:ext>
                   </a:extLst>
                 </a:gridCol>
                 <a:gridCol w="542325">
                   <a:extLst>
                     <a:ext uri="{9D8B030D-6E8A-4147-A177-3AD203B41FA5}">
-                      <a16:colId xmlns="" xmlns:a16="http://schemas.microsoft.com/office/drawing/2014/main" val="1695508235"/>
+                      <a16:colId xmlns:a16="http://schemas.microsoft.com/office/drawing/2014/main" xmlns="" val="1695508235"/>
                     </a:ext>
                   </a:extLst>
                 </a:gridCol>
                 <a:gridCol w="542325">
                   <a:extLst>
                     <a:ext uri="{9D8B030D-6E8A-4147-A177-3AD203B41FA5}">
-                      <a16:colId xmlns="" xmlns:a16="http://schemas.microsoft.com/office/drawing/2014/main" val="1870987448"/>
+                      <a16:colId xmlns:a16="http://schemas.microsoft.com/office/drawing/2014/main" xmlns="" val="1870987448"/>
                     </a:ext>
                   </a:extLst>
                 </a:gridCol>
                 <a:gridCol w="542325">
                   <a:extLst>
                     <a:ext uri="{9D8B030D-6E8A-4147-A177-3AD203B41FA5}">
-                      <a16:colId xmlns="" xmlns:a16="http://schemas.microsoft.com/office/drawing/2014/main" val="324699617"/>
+                      <a16:colId xmlns:a16="http://schemas.microsoft.com/office/drawing/2014/main" xmlns="" val="324699617"/>
                     </a:ext>
                   </a:extLst>
                 </a:gridCol>
@@ -19075,7 +19075,7 @@
                 </a:tc>
                 <a:extLst>
                   <a:ext uri="{0D108BD9-81ED-4DB2-BD59-A6C34878D82A}">
-                    <a16:rowId xmlns="" xmlns:a16="http://schemas.microsoft.com/office/drawing/2014/main" val="798814532"/>
+                    <a16:rowId xmlns:a16="http://schemas.microsoft.com/office/drawing/2014/main" xmlns="" val="798814532"/>
                   </a:ext>
                 </a:extLst>
               </a:tr>
@@ -19422,7 +19422,7 @@
                 </a:tc>
                 <a:extLst>
                   <a:ext uri="{0D108BD9-81ED-4DB2-BD59-A6C34878D82A}">
-                    <a16:rowId xmlns="" xmlns:a16="http://schemas.microsoft.com/office/drawing/2014/main" val="1491202224"/>
+                    <a16:rowId xmlns:a16="http://schemas.microsoft.com/office/drawing/2014/main" xmlns="" val="1491202224"/>
                   </a:ext>
                 </a:extLst>
               </a:tr>
@@ -19785,7 +19785,7 @@
                 </a:tc>
                 <a:extLst>
                   <a:ext uri="{0D108BD9-81ED-4DB2-BD59-A6C34878D82A}">
-                    <a16:rowId xmlns="" xmlns:a16="http://schemas.microsoft.com/office/drawing/2014/main" val="2457331936"/>
+                    <a16:rowId xmlns:a16="http://schemas.microsoft.com/office/drawing/2014/main" xmlns="" val="2457331936"/>
                   </a:ext>
                 </a:extLst>
               </a:tr>
@@ -20571,7 +20571,7 @@
                 <a:gridCol w="1152128">
                   <a:extLst>
                     <a:ext uri="{9D8B030D-6E8A-4147-A177-3AD203B41FA5}">
-                      <a16:colId xmlns="" xmlns:a16="http://schemas.microsoft.com/office/drawing/2014/main" val="1214683687"/>
+                      <a16:colId xmlns:a16="http://schemas.microsoft.com/office/drawing/2014/main" xmlns="" val="1214683687"/>
                     </a:ext>
                   </a:extLst>
                 </a:gridCol>
@@ -20644,7 +20644,7 @@
                 </a:tc>
                 <a:extLst>
                   <a:ext uri="{0D108BD9-81ED-4DB2-BD59-A6C34878D82A}">
-                    <a16:rowId xmlns="" xmlns:a16="http://schemas.microsoft.com/office/drawing/2014/main" val="1006269131"/>
+                    <a16:rowId xmlns:a16="http://schemas.microsoft.com/office/drawing/2014/main" xmlns="" val="1006269131"/>
                   </a:ext>
                 </a:extLst>
               </a:tr>
@@ -20750,7 +20750,7 @@
                 </a:tc>
                 <a:extLst>
                   <a:ext uri="{0D108BD9-81ED-4DB2-BD59-A6C34878D82A}">
-                    <a16:rowId xmlns="" xmlns:a16="http://schemas.microsoft.com/office/drawing/2014/main" val="194545254"/>
+                    <a16:rowId xmlns:a16="http://schemas.microsoft.com/office/drawing/2014/main" xmlns="" val="194545254"/>
                   </a:ext>
                 </a:extLst>
               </a:tr>
@@ -20856,7 +20856,7 @@
                 </a:tc>
                 <a:extLst>
                   <a:ext uri="{0D108BD9-81ED-4DB2-BD59-A6C34878D82A}">
-                    <a16:rowId xmlns="" xmlns:a16="http://schemas.microsoft.com/office/drawing/2014/main" val="44223002"/>
+                    <a16:rowId xmlns:a16="http://schemas.microsoft.com/office/drawing/2014/main" xmlns="" val="44223002"/>
                   </a:ext>
                 </a:extLst>
               </a:tr>
@@ -20962,7 +20962,7 @@
                 </a:tc>
                 <a:extLst>
                   <a:ext uri="{0D108BD9-81ED-4DB2-BD59-A6C34878D82A}">
-                    <a16:rowId xmlns="" xmlns:a16="http://schemas.microsoft.com/office/drawing/2014/main" val="4268083801"/>
+                    <a16:rowId xmlns:a16="http://schemas.microsoft.com/office/drawing/2014/main" xmlns="" val="4268083801"/>
                   </a:ext>
                 </a:extLst>
               </a:tr>
@@ -21068,7 +21068,7 @@
                 </a:tc>
                 <a:extLst>
                   <a:ext uri="{0D108BD9-81ED-4DB2-BD59-A6C34878D82A}">
-                    <a16:rowId xmlns="" xmlns:a16="http://schemas.microsoft.com/office/drawing/2014/main" val="2987823741"/>
+                    <a16:rowId xmlns:a16="http://schemas.microsoft.com/office/drawing/2014/main" xmlns="" val="2987823741"/>
                   </a:ext>
                 </a:extLst>
               </a:tr>
@@ -21174,7 +21174,7 @@
                 </a:tc>
                 <a:extLst>
                   <a:ext uri="{0D108BD9-81ED-4DB2-BD59-A6C34878D82A}">
-                    <a16:rowId xmlns="" xmlns:a16="http://schemas.microsoft.com/office/drawing/2014/main" val="193482310"/>
+                    <a16:rowId xmlns:a16="http://schemas.microsoft.com/office/drawing/2014/main" xmlns="" val="193482310"/>
                   </a:ext>
                 </a:extLst>
               </a:tr>
@@ -21280,7 +21280,7 @@
                 </a:tc>
                 <a:extLst>
                   <a:ext uri="{0D108BD9-81ED-4DB2-BD59-A6C34878D82A}">
-                    <a16:rowId xmlns="" xmlns:a16="http://schemas.microsoft.com/office/drawing/2014/main" val="589513760"/>
+                    <a16:rowId xmlns:a16="http://schemas.microsoft.com/office/drawing/2014/main" xmlns="" val="589513760"/>
                   </a:ext>
                 </a:extLst>
               </a:tr>
@@ -21386,7 +21386,7 @@
                 </a:tc>
                 <a:extLst>
                   <a:ext uri="{0D108BD9-81ED-4DB2-BD59-A6C34878D82A}">
-                    <a16:rowId xmlns="" xmlns:a16="http://schemas.microsoft.com/office/drawing/2014/main" val="3314464373"/>
+                    <a16:rowId xmlns:a16="http://schemas.microsoft.com/office/drawing/2014/main" xmlns="" val="3314464373"/>
                   </a:ext>
                 </a:extLst>
               </a:tr>
@@ -21492,7 +21492,7 @@
                 </a:tc>
                 <a:extLst>
                   <a:ext uri="{0D108BD9-81ED-4DB2-BD59-A6C34878D82A}">
-                    <a16:rowId xmlns="" xmlns:a16="http://schemas.microsoft.com/office/drawing/2014/main" val="1811545710"/>
+                    <a16:rowId xmlns:a16="http://schemas.microsoft.com/office/drawing/2014/main" xmlns="" val="1811545710"/>
                   </a:ext>
                 </a:extLst>
               </a:tr>
@@ -21598,7 +21598,7 @@
                 </a:tc>
                 <a:extLst>
                   <a:ext uri="{0D108BD9-81ED-4DB2-BD59-A6C34878D82A}">
-                    <a16:rowId xmlns="" xmlns:a16="http://schemas.microsoft.com/office/drawing/2014/main" val="2525566091"/>
+                    <a16:rowId xmlns:a16="http://schemas.microsoft.com/office/drawing/2014/main" xmlns="" val="2525566091"/>
                   </a:ext>
                 </a:extLst>
               </a:tr>
@@ -21704,7 +21704,7 @@
                 </a:tc>
                 <a:extLst>
                   <a:ext uri="{0D108BD9-81ED-4DB2-BD59-A6C34878D82A}">
-                    <a16:rowId xmlns="" xmlns:a16="http://schemas.microsoft.com/office/drawing/2014/main" val="3360797041"/>
+                    <a16:rowId xmlns:a16="http://schemas.microsoft.com/office/drawing/2014/main" xmlns="" val="3360797041"/>
                   </a:ext>
                 </a:extLst>
               </a:tr>
@@ -21776,7 +21776,7 @@
                 </a:tc>
                 <a:extLst>
                   <a:ext uri="{0D108BD9-81ED-4DB2-BD59-A6C34878D82A}">
-                    <a16:rowId xmlns="" xmlns:a16="http://schemas.microsoft.com/office/drawing/2014/main" val="2873669025"/>
+                    <a16:rowId xmlns:a16="http://schemas.microsoft.com/office/drawing/2014/main" xmlns="" val="2873669025"/>
                   </a:ext>
                 </a:extLst>
               </a:tr>
@@ -21848,7 +21848,7 @@
                 </a:tc>
                 <a:extLst>
                   <a:ext uri="{0D108BD9-81ED-4DB2-BD59-A6C34878D82A}">
-                    <a16:rowId xmlns="" xmlns:a16="http://schemas.microsoft.com/office/drawing/2014/main" val="3732079516"/>
+                    <a16:rowId xmlns:a16="http://schemas.microsoft.com/office/drawing/2014/main" xmlns="" val="3732079516"/>
                   </a:ext>
                 </a:extLst>
               </a:tr>
@@ -21920,7 +21920,7 @@
                 </a:tc>
                 <a:extLst>
                   <a:ext uri="{0D108BD9-81ED-4DB2-BD59-A6C34878D82A}">
-                    <a16:rowId xmlns="" xmlns:a16="http://schemas.microsoft.com/office/drawing/2014/main" val="2966636214"/>
+                    <a16:rowId xmlns:a16="http://schemas.microsoft.com/office/drawing/2014/main" xmlns="" val="2966636214"/>
                   </a:ext>
                 </a:extLst>
               </a:tr>
@@ -21992,7 +21992,7 @@
                 </a:tc>
                 <a:extLst>
                   <a:ext uri="{0D108BD9-81ED-4DB2-BD59-A6C34878D82A}">
-                    <a16:rowId xmlns="" xmlns:a16="http://schemas.microsoft.com/office/drawing/2014/main" val="3891840487"/>
+                    <a16:rowId xmlns:a16="http://schemas.microsoft.com/office/drawing/2014/main" xmlns="" val="3891840487"/>
                   </a:ext>
                 </a:extLst>
               </a:tr>
@@ -22028,7 +22028,7 @@
                 <a:gridCol w="1152128">
                   <a:extLst>
                     <a:ext uri="{9D8B030D-6E8A-4147-A177-3AD203B41FA5}">
-                      <a16:colId xmlns="" xmlns:a16="http://schemas.microsoft.com/office/drawing/2014/main" val="1214683687"/>
+                      <a16:colId xmlns:a16="http://schemas.microsoft.com/office/drawing/2014/main" xmlns="" val="1214683687"/>
                     </a:ext>
                   </a:extLst>
                 </a:gridCol>
@@ -22101,7 +22101,7 @@
                 </a:tc>
                 <a:extLst>
                   <a:ext uri="{0D108BD9-81ED-4DB2-BD59-A6C34878D82A}">
-                    <a16:rowId xmlns="" xmlns:a16="http://schemas.microsoft.com/office/drawing/2014/main" val="1006269131"/>
+                    <a16:rowId xmlns:a16="http://schemas.microsoft.com/office/drawing/2014/main" xmlns="" val="1006269131"/>
                   </a:ext>
                 </a:extLst>
               </a:tr>
@@ -22207,7 +22207,7 @@
                 </a:tc>
                 <a:extLst>
                   <a:ext uri="{0D108BD9-81ED-4DB2-BD59-A6C34878D82A}">
-                    <a16:rowId xmlns="" xmlns:a16="http://schemas.microsoft.com/office/drawing/2014/main" val="194545254"/>
+                    <a16:rowId xmlns:a16="http://schemas.microsoft.com/office/drawing/2014/main" xmlns="" val="194545254"/>
                   </a:ext>
                 </a:extLst>
               </a:tr>
@@ -22313,7 +22313,7 @@
                 </a:tc>
                 <a:extLst>
                   <a:ext uri="{0D108BD9-81ED-4DB2-BD59-A6C34878D82A}">
-                    <a16:rowId xmlns="" xmlns:a16="http://schemas.microsoft.com/office/drawing/2014/main" val="44223002"/>
+                    <a16:rowId xmlns:a16="http://schemas.microsoft.com/office/drawing/2014/main" xmlns="" val="44223002"/>
                   </a:ext>
                 </a:extLst>
               </a:tr>
@@ -22419,7 +22419,7 @@
                 </a:tc>
                 <a:extLst>
                   <a:ext uri="{0D108BD9-81ED-4DB2-BD59-A6C34878D82A}">
-                    <a16:rowId xmlns="" xmlns:a16="http://schemas.microsoft.com/office/drawing/2014/main" val="4268083801"/>
+                    <a16:rowId xmlns:a16="http://schemas.microsoft.com/office/drawing/2014/main" xmlns="" val="4268083801"/>
                   </a:ext>
                 </a:extLst>
               </a:tr>
@@ -22525,7 +22525,7 @@
                 </a:tc>
                 <a:extLst>
                   <a:ext uri="{0D108BD9-81ED-4DB2-BD59-A6C34878D82A}">
-                    <a16:rowId xmlns="" xmlns:a16="http://schemas.microsoft.com/office/drawing/2014/main" val="2987823741"/>
+                    <a16:rowId xmlns:a16="http://schemas.microsoft.com/office/drawing/2014/main" xmlns="" val="2987823741"/>
                   </a:ext>
                 </a:extLst>
               </a:tr>
@@ -22631,7 +22631,7 @@
                 </a:tc>
                 <a:extLst>
                   <a:ext uri="{0D108BD9-81ED-4DB2-BD59-A6C34878D82A}">
-                    <a16:rowId xmlns="" xmlns:a16="http://schemas.microsoft.com/office/drawing/2014/main" val="193482310"/>
+                    <a16:rowId xmlns:a16="http://schemas.microsoft.com/office/drawing/2014/main" xmlns="" val="193482310"/>
                   </a:ext>
                 </a:extLst>
               </a:tr>
@@ -22843,7 +22843,7 @@
                 <a:gridCol w="1152128">
                   <a:extLst>
                     <a:ext uri="{9D8B030D-6E8A-4147-A177-3AD203B41FA5}">
-                      <a16:colId xmlns="" xmlns:a16="http://schemas.microsoft.com/office/drawing/2014/main" val="1214683687"/>
+                      <a16:colId xmlns:a16="http://schemas.microsoft.com/office/drawing/2014/main" xmlns="" val="1214683687"/>
                     </a:ext>
                   </a:extLst>
                 </a:gridCol>
@@ -22916,7 +22916,7 @@
                 </a:tc>
                 <a:extLst>
                   <a:ext uri="{0D108BD9-81ED-4DB2-BD59-A6C34878D82A}">
-                    <a16:rowId xmlns="" xmlns:a16="http://schemas.microsoft.com/office/drawing/2014/main" val="1006269131"/>
+                    <a16:rowId xmlns:a16="http://schemas.microsoft.com/office/drawing/2014/main" xmlns="" val="1006269131"/>
                   </a:ext>
                 </a:extLst>
               </a:tr>
@@ -23022,7 +23022,7 @@
                 </a:tc>
                 <a:extLst>
                   <a:ext uri="{0D108BD9-81ED-4DB2-BD59-A6C34878D82A}">
-                    <a16:rowId xmlns="" xmlns:a16="http://schemas.microsoft.com/office/drawing/2014/main" val="194545254"/>
+                    <a16:rowId xmlns:a16="http://schemas.microsoft.com/office/drawing/2014/main" xmlns="" val="194545254"/>
                   </a:ext>
                 </a:extLst>
               </a:tr>
@@ -23128,7 +23128,7 @@
                 </a:tc>
                 <a:extLst>
                   <a:ext uri="{0D108BD9-81ED-4DB2-BD59-A6C34878D82A}">
-                    <a16:rowId xmlns="" xmlns:a16="http://schemas.microsoft.com/office/drawing/2014/main" val="44223002"/>
+                    <a16:rowId xmlns:a16="http://schemas.microsoft.com/office/drawing/2014/main" xmlns="" val="44223002"/>
                   </a:ext>
                 </a:extLst>
               </a:tr>
@@ -23234,7 +23234,7 @@
                 </a:tc>
                 <a:extLst>
                   <a:ext uri="{0D108BD9-81ED-4DB2-BD59-A6C34878D82A}">
-                    <a16:rowId xmlns="" xmlns:a16="http://schemas.microsoft.com/office/drawing/2014/main" val="4268083801"/>
+                    <a16:rowId xmlns:a16="http://schemas.microsoft.com/office/drawing/2014/main" xmlns="" val="4268083801"/>
                   </a:ext>
                 </a:extLst>
               </a:tr>
@@ -23340,7 +23340,7 @@
                 </a:tc>
                 <a:extLst>
                   <a:ext uri="{0D108BD9-81ED-4DB2-BD59-A6C34878D82A}">
-                    <a16:rowId xmlns="" xmlns:a16="http://schemas.microsoft.com/office/drawing/2014/main" val="2987823741"/>
+                    <a16:rowId xmlns:a16="http://schemas.microsoft.com/office/drawing/2014/main" xmlns="" val="2987823741"/>
                   </a:ext>
                 </a:extLst>
               </a:tr>
@@ -23446,7 +23446,7 @@
                 </a:tc>
                 <a:extLst>
                   <a:ext uri="{0D108BD9-81ED-4DB2-BD59-A6C34878D82A}">
-                    <a16:rowId xmlns="" xmlns:a16="http://schemas.microsoft.com/office/drawing/2014/main" val="193482310"/>
+                    <a16:rowId xmlns:a16="http://schemas.microsoft.com/office/drawing/2014/main" xmlns="" val="193482310"/>
                   </a:ext>
                 </a:extLst>
               </a:tr>
@@ -23552,7 +23552,7 @@
                 </a:tc>
                 <a:extLst>
                   <a:ext uri="{0D108BD9-81ED-4DB2-BD59-A6C34878D82A}">
-                    <a16:rowId xmlns="" xmlns:a16="http://schemas.microsoft.com/office/drawing/2014/main" val="589513760"/>
+                    <a16:rowId xmlns:a16="http://schemas.microsoft.com/office/drawing/2014/main" xmlns="" val="589513760"/>
                   </a:ext>
                 </a:extLst>
               </a:tr>
@@ -23658,7 +23658,7 @@
                 </a:tc>
                 <a:extLst>
                   <a:ext uri="{0D108BD9-81ED-4DB2-BD59-A6C34878D82A}">
-                    <a16:rowId xmlns="" xmlns:a16="http://schemas.microsoft.com/office/drawing/2014/main" val="3314464373"/>
+                    <a16:rowId xmlns:a16="http://schemas.microsoft.com/office/drawing/2014/main" xmlns="" val="3314464373"/>
                   </a:ext>
                 </a:extLst>
               </a:tr>
@@ -23764,7 +23764,7 @@
                 </a:tc>
                 <a:extLst>
                   <a:ext uri="{0D108BD9-81ED-4DB2-BD59-A6C34878D82A}">
-                    <a16:rowId xmlns="" xmlns:a16="http://schemas.microsoft.com/office/drawing/2014/main" val="1811545710"/>
+                    <a16:rowId xmlns:a16="http://schemas.microsoft.com/office/drawing/2014/main" xmlns="" val="1811545710"/>
                   </a:ext>
                 </a:extLst>
               </a:tr>
@@ -23870,7 +23870,7 @@
                 </a:tc>
                 <a:extLst>
                   <a:ext uri="{0D108BD9-81ED-4DB2-BD59-A6C34878D82A}">
-                    <a16:rowId xmlns="" xmlns:a16="http://schemas.microsoft.com/office/drawing/2014/main" val="2525566091"/>
+                    <a16:rowId xmlns:a16="http://schemas.microsoft.com/office/drawing/2014/main" xmlns="" val="2525566091"/>
                   </a:ext>
                 </a:extLst>
               </a:tr>
@@ -23976,7 +23976,7 @@
                 </a:tc>
                 <a:extLst>
                   <a:ext uri="{0D108BD9-81ED-4DB2-BD59-A6C34878D82A}">
-                    <a16:rowId xmlns="" xmlns:a16="http://schemas.microsoft.com/office/drawing/2014/main" val="3360797041"/>
+                    <a16:rowId xmlns:a16="http://schemas.microsoft.com/office/drawing/2014/main" xmlns="" val="3360797041"/>
                   </a:ext>
                 </a:extLst>
               </a:tr>
@@ -24048,7 +24048,7 @@
                 </a:tc>
                 <a:extLst>
                   <a:ext uri="{0D108BD9-81ED-4DB2-BD59-A6C34878D82A}">
-                    <a16:rowId xmlns="" xmlns:a16="http://schemas.microsoft.com/office/drawing/2014/main" val="2873669025"/>
+                    <a16:rowId xmlns:a16="http://schemas.microsoft.com/office/drawing/2014/main" xmlns="" val="2873669025"/>
                   </a:ext>
                 </a:extLst>
               </a:tr>
@@ -24120,7 +24120,7 @@
                 </a:tc>
                 <a:extLst>
                   <a:ext uri="{0D108BD9-81ED-4DB2-BD59-A6C34878D82A}">
-                    <a16:rowId xmlns="" xmlns:a16="http://schemas.microsoft.com/office/drawing/2014/main" val="3732079516"/>
+                    <a16:rowId xmlns:a16="http://schemas.microsoft.com/office/drawing/2014/main" xmlns="" val="3732079516"/>
                   </a:ext>
                 </a:extLst>
               </a:tr>
@@ -24192,7 +24192,7 @@
                 </a:tc>
                 <a:extLst>
                   <a:ext uri="{0D108BD9-81ED-4DB2-BD59-A6C34878D82A}">
-                    <a16:rowId xmlns="" xmlns:a16="http://schemas.microsoft.com/office/drawing/2014/main" val="2966636214"/>
+                    <a16:rowId xmlns:a16="http://schemas.microsoft.com/office/drawing/2014/main" xmlns="" val="2966636214"/>
                   </a:ext>
                 </a:extLst>
               </a:tr>
@@ -24264,7 +24264,7 @@
                 </a:tc>
                 <a:extLst>
                   <a:ext uri="{0D108BD9-81ED-4DB2-BD59-A6C34878D82A}">
-                    <a16:rowId xmlns="" xmlns:a16="http://schemas.microsoft.com/office/drawing/2014/main" val="3891840487"/>
+                    <a16:rowId xmlns:a16="http://schemas.microsoft.com/office/drawing/2014/main" xmlns="" val="3891840487"/>
                   </a:ext>
                 </a:extLst>
               </a:tr>
@@ -24300,7 +24300,7 @@
                 <a:gridCol w="1152128">
                   <a:extLst>
                     <a:ext uri="{9D8B030D-6E8A-4147-A177-3AD203B41FA5}">
-                      <a16:colId xmlns="" xmlns:a16="http://schemas.microsoft.com/office/drawing/2014/main" val="1214683687"/>
+                      <a16:colId xmlns:a16="http://schemas.microsoft.com/office/drawing/2014/main" xmlns="" val="1214683687"/>
                     </a:ext>
                   </a:extLst>
                 </a:gridCol>
@@ -24373,7 +24373,7 @@
                 </a:tc>
                 <a:extLst>
                   <a:ext uri="{0D108BD9-81ED-4DB2-BD59-A6C34878D82A}">
-                    <a16:rowId xmlns="" xmlns:a16="http://schemas.microsoft.com/office/drawing/2014/main" val="1006269131"/>
+                    <a16:rowId xmlns:a16="http://schemas.microsoft.com/office/drawing/2014/main" xmlns="" val="1006269131"/>
                   </a:ext>
                 </a:extLst>
               </a:tr>
@@ -24479,7 +24479,7 @@
                 </a:tc>
                 <a:extLst>
                   <a:ext uri="{0D108BD9-81ED-4DB2-BD59-A6C34878D82A}">
-                    <a16:rowId xmlns="" xmlns:a16="http://schemas.microsoft.com/office/drawing/2014/main" val="194545254"/>
+                    <a16:rowId xmlns:a16="http://schemas.microsoft.com/office/drawing/2014/main" xmlns="" val="194545254"/>
                   </a:ext>
                 </a:extLst>
               </a:tr>
@@ -24585,7 +24585,7 @@
                 </a:tc>
                 <a:extLst>
                   <a:ext uri="{0D108BD9-81ED-4DB2-BD59-A6C34878D82A}">
-                    <a16:rowId xmlns="" xmlns:a16="http://schemas.microsoft.com/office/drawing/2014/main" val="44223002"/>
+                    <a16:rowId xmlns:a16="http://schemas.microsoft.com/office/drawing/2014/main" xmlns="" val="44223002"/>
                   </a:ext>
                 </a:extLst>
               </a:tr>
@@ -24674,7 +24674,7 @@
                 </a:tc>
                 <a:extLst>
                   <a:ext uri="{0D108BD9-81ED-4DB2-BD59-A6C34878D82A}">
-                    <a16:rowId xmlns="" xmlns:a16="http://schemas.microsoft.com/office/drawing/2014/main" val="4268083801"/>
+                    <a16:rowId xmlns:a16="http://schemas.microsoft.com/office/drawing/2014/main" xmlns="" val="4268083801"/>
                   </a:ext>
                 </a:extLst>
               </a:tr>
@@ -24780,7 +24780,7 @@
                 </a:tc>
                 <a:extLst>
                   <a:ext uri="{0D108BD9-81ED-4DB2-BD59-A6C34878D82A}">
-                    <a16:rowId xmlns="" xmlns:a16="http://schemas.microsoft.com/office/drawing/2014/main" val="2987823741"/>
+                    <a16:rowId xmlns:a16="http://schemas.microsoft.com/office/drawing/2014/main" xmlns="" val="2987823741"/>
                   </a:ext>
                 </a:extLst>
               </a:tr>
@@ -24886,7 +24886,7 @@
                 </a:tc>
                 <a:extLst>
                   <a:ext uri="{0D108BD9-81ED-4DB2-BD59-A6C34878D82A}">
-                    <a16:rowId xmlns="" xmlns:a16="http://schemas.microsoft.com/office/drawing/2014/main" val="193482310"/>
+                    <a16:rowId xmlns:a16="http://schemas.microsoft.com/office/drawing/2014/main" xmlns="" val="193482310"/>
                   </a:ext>
                 </a:extLst>
               </a:tr>
@@ -25027,7 +25027,7 @@
                 <a:gridCol w="1152128">
                   <a:extLst>
                     <a:ext uri="{9D8B030D-6E8A-4147-A177-3AD203B41FA5}">
-                      <a16:colId xmlns="" xmlns:a16="http://schemas.microsoft.com/office/drawing/2014/main" val="1214683687"/>
+                      <a16:colId xmlns:a16="http://schemas.microsoft.com/office/drawing/2014/main" xmlns="" val="1214683687"/>
                     </a:ext>
                   </a:extLst>
                 </a:gridCol>
@@ -25134,7 +25134,7 @@
                 </a:tc>
                 <a:extLst>
                   <a:ext uri="{0D108BD9-81ED-4DB2-BD59-A6C34878D82A}">
-                    <a16:rowId xmlns="" xmlns:a16="http://schemas.microsoft.com/office/drawing/2014/main" val="4268083801"/>
+                    <a16:rowId xmlns:a16="http://schemas.microsoft.com/office/drawing/2014/main" xmlns="" val="4268083801"/>
                   </a:ext>
                 </a:extLst>
               </a:tr>
@@ -25361,7 +25361,7 @@
                 <a:gridCol w="1152128">
                   <a:extLst>
                     <a:ext uri="{9D8B030D-6E8A-4147-A177-3AD203B41FA5}">
-                      <a16:colId xmlns="" xmlns:a16="http://schemas.microsoft.com/office/drawing/2014/main" val="1214683687"/>
+                      <a16:colId xmlns:a16="http://schemas.microsoft.com/office/drawing/2014/main" xmlns="" val="1214683687"/>
                     </a:ext>
                   </a:extLst>
                 </a:gridCol>
@@ -25434,7 +25434,7 @@
                 </a:tc>
                 <a:extLst>
                   <a:ext uri="{0D108BD9-81ED-4DB2-BD59-A6C34878D82A}">
-                    <a16:rowId xmlns="" xmlns:a16="http://schemas.microsoft.com/office/drawing/2014/main" val="1006269131"/>
+                    <a16:rowId xmlns:a16="http://schemas.microsoft.com/office/drawing/2014/main" xmlns="" val="1006269131"/>
                   </a:ext>
                 </a:extLst>
               </a:tr>
@@ -25540,7 +25540,7 @@
                 </a:tc>
                 <a:extLst>
                   <a:ext uri="{0D108BD9-81ED-4DB2-BD59-A6C34878D82A}">
-                    <a16:rowId xmlns="" xmlns:a16="http://schemas.microsoft.com/office/drawing/2014/main" val="194545254"/>
+                    <a16:rowId xmlns:a16="http://schemas.microsoft.com/office/drawing/2014/main" xmlns="" val="194545254"/>
                   </a:ext>
                 </a:extLst>
               </a:tr>
@@ -25646,7 +25646,7 @@
                 </a:tc>
                 <a:extLst>
                   <a:ext uri="{0D108BD9-81ED-4DB2-BD59-A6C34878D82A}">
-                    <a16:rowId xmlns="" xmlns:a16="http://schemas.microsoft.com/office/drawing/2014/main" val="44223002"/>
+                    <a16:rowId xmlns:a16="http://schemas.microsoft.com/office/drawing/2014/main" xmlns="" val="44223002"/>
                   </a:ext>
                 </a:extLst>
               </a:tr>
@@ -25752,7 +25752,7 @@
                 </a:tc>
                 <a:extLst>
                   <a:ext uri="{0D108BD9-81ED-4DB2-BD59-A6C34878D82A}">
-                    <a16:rowId xmlns="" xmlns:a16="http://schemas.microsoft.com/office/drawing/2014/main" val="4268083801"/>
+                    <a16:rowId xmlns:a16="http://schemas.microsoft.com/office/drawing/2014/main" xmlns="" val="4268083801"/>
                   </a:ext>
                 </a:extLst>
               </a:tr>
@@ -25858,7 +25858,7 @@
                 </a:tc>
                 <a:extLst>
                   <a:ext uri="{0D108BD9-81ED-4DB2-BD59-A6C34878D82A}">
-                    <a16:rowId xmlns="" xmlns:a16="http://schemas.microsoft.com/office/drawing/2014/main" val="2987823741"/>
+                    <a16:rowId xmlns:a16="http://schemas.microsoft.com/office/drawing/2014/main" xmlns="" val="2987823741"/>
                   </a:ext>
                 </a:extLst>
               </a:tr>
@@ -25964,7 +25964,7 @@
                 </a:tc>
                 <a:extLst>
                   <a:ext uri="{0D108BD9-81ED-4DB2-BD59-A6C34878D82A}">
-                    <a16:rowId xmlns="" xmlns:a16="http://schemas.microsoft.com/office/drawing/2014/main" val="193482310"/>
+                    <a16:rowId xmlns:a16="http://schemas.microsoft.com/office/drawing/2014/main" xmlns="" val="193482310"/>
                   </a:ext>
                 </a:extLst>
               </a:tr>
@@ -26076,7 +26076,7 @@
                 </a:tc>
                 <a:extLst>
                   <a:ext uri="{0D108BD9-81ED-4DB2-BD59-A6C34878D82A}">
-                    <a16:rowId xmlns="" xmlns:a16="http://schemas.microsoft.com/office/drawing/2014/main" val="589513760"/>
+                    <a16:rowId xmlns:a16="http://schemas.microsoft.com/office/drawing/2014/main" xmlns="" val="589513760"/>
                   </a:ext>
                 </a:extLst>
               </a:tr>
@@ -26182,7 +26182,7 @@
                 </a:tc>
                 <a:extLst>
                   <a:ext uri="{0D108BD9-81ED-4DB2-BD59-A6C34878D82A}">
-                    <a16:rowId xmlns="" xmlns:a16="http://schemas.microsoft.com/office/drawing/2014/main" val="3314464373"/>
+                    <a16:rowId xmlns:a16="http://schemas.microsoft.com/office/drawing/2014/main" xmlns="" val="3314464373"/>
                   </a:ext>
                 </a:extLst>
               </a:tr>
@@ -26288,7 +26288,7 @@
                 </a:tc>
                 <a:extLst>
                   <a:ext uri="{0D108BD9-81ED-4DB2-BD59-A6C34878D82A}">
-                    <a16:rowId xmlns="" xmlns:a16="http://schemas.microsoft.com/office/drawing/2014/main" val="1811545710"/>
+                    <a16:rowId xmlns:a16="http://schemas.microsoft.com/office/drawing/2014/main" xmlns="" val="1811545710"/>
                   </a:ext>
                 </a:extLst>
               </a:tr>
@@ -26394,7 +26394,7 @@
                 </a:tc>
                 <a:extLst>
                   <a:ext uri="{0D108BD9-81ED-4DB2-BD59-A6C34878D82A}">
-                    <a16:rowId xmlns="" xmlns:a16="http://schemas.microsoft.com/office/drawing/2014/main" val="2525566091"/>
+                    <a16:rowId xmlns:a16="http://schemas.microsoft.com/office/drawing/2014/main" xmlns="" val="2525566091"/>
                   </a:ext>
                 </a:extLst>
               </a:tr>
@@ -26500,7 +26500,7 @@
                 </a:tc>
                 <a:extLst>
                   <a:ext uri="{0D108BD9-81ED-4DB2-BD59-A6C34878D82A}">
-                    <a16:rowId xmlns="" xmlns:a16="http://schemas.microsoft.com/office/drawing/2014/main" val="3360797041"/>
+                    <a16:rowId xmlns:a16="http://schemas.microsoft.com/office/drawing/2014/main" xmlns="" val="3360797041"/>
                   </a:ext>
                 </a:extLst>
               </a:tr>
@@ -26572,7 +26572,7 @@
                 </a:tc>
                 <a:extLst>
                   <a:ext uri="{0D108BD9-81ED-4DB2-BD59-A6C34878D82A}">
-                    <a16:rowId xmlns="" xmlns:a16="http://schemas.microsoft.com/office/drawing/2014/main" val="2873669025"/>
+                    <a16:rowId xmlns:a16="http://schemas.microsoft.com/office/drawing/2014/main" xmlns="" val="2873669025"/>
                   </a:ext>
                 </a:extLst>
               </a:tr>
@@ -26644,7 +26644,7 @@
                 </a:tc>
                 <a:extLst>
                   <a:ext uri="{0D108BD9-81ED-4DB2-BD59-A6C34878D82A}">
-                    <a16:rowId xmlns="" xmlns:a16="http://schemas.microsoft.com/office/drawing/2014/main" val="3732079516"/>
+                    <a16:rowId xmlns:a16="http://schemas.microsoft.com/office/drawing/2014/main" xmlns="" val="3732079516"/>
                   </a:ext>
                 </a:extLst>
               </a:tr>
@@ -26716,7 +26716,7 @@
                 </a:tc>
                 <a:extLst>
                   <a:ext uri="{0D108BD9-81ED-4DB2-BD59-A6C34878D82A}">
-                    <a16:rowId xmlns="" xmlns:a16="http://schemas.microsoft.com/office/drawing/2014/main" val="2966636214"/>
+                    <a16:rowId xmlns:a16="http://schemas.microsoft.com/office/drawing/2014/main" xmlns="" val="2966636214"/>
                   </a:ext>
                 </a:extLst>
               </a:tr>
@@ -26788,7 +26788,7 @@
                 </a:tc>
                 <a:extLst>
                   <a:ext uri="{0D108BD9-81ED-4DB2-BD59-A6C34878D82A}">
-                    <a16:rowId xmlns="" xmlns:a16="http://schemas.microsoft.com/office/drawing/2014/main" val="3891840487"/>
+                    <a16:rowId xmlns:a16="http://schemas.microsoft.com/office/drawing/2014/main" xmlns="" val="3891840487"/>
                   </a:ext>
                 </a:extLst>
               </a:tr>
@@ -26824,7 +26824,7 @@
                 <a:gridCol w="1152128">
                   <a:extLst>
                     <a:ext uri="{9D8B030D-6E8A-4147-A177-3AD203B41FA5}">
-                      <a16:colId xmlns="" xmlns:a16="http://schemas.microsoft.com/office/drawing/2014/main" val="1214683687"/>
+                      <a16:colId xmlns:a16="http://schemas.microsoft.com/office/drawing/2014/main" xmlns="" val="1214683687"/>
                     </a:ext>
                   </a:extLst>
                 </a:gridCol>
@@ -26897,7 +26897,7 @@
                 </a:tc>
                 <a:extLst>
                   <a:ext uri="{0D108BD9-81ED-4DB2-BD59-A6C34878D82A}">
-                    <a16:rowId xmlns="" xmlns:a16="http://schemas.microsoft.com/office/drawing/2014/main" val="1006269131"/>
+                    <a16:rowId xmlns:a16="http://schemas.microsoft.com/office/drawing/2014/main" xmlns="" val="1006269131"/>
                   </a:ext>
                 </a:extLst>
               </a:tr>
@@ -27003,7 +27003,7 @@
                 </a:tc>
                 <a:extLst>
                   <a:ext uri="{0D108BD9-81ED-4DB2-BD59-A6C34878D82A}">
-                    <a16:rowId xmlns="" xmlns:a16="http://schemas.microsoft.com/office/drawing/2014/main" val="194545254"/>
+                    <a16:rowId xmlns:a16="http://schemas.microsoft.com/office/drawing/2014/main" xmlns="" val="194545254"/>
                   </a:ext>
                 </a:extLst>
               </a:tr>
@@ -27109,7 +27109,7 @@
                 </a:tc>
                 <a:extLst>
                   <a:ext uri="{0D108BD9-81ED-4DB2-BD59-A6C34878D82A}">
-                    <a16:rowId xmlns="" xmlns:a16="http://schemas.microsoft.com/office/drawing/2014/main" val="44223002"/>
+                    <a16:rowId xmlns:a16="http://schemas.microsoft.com/office/drawing/2014/main" xmlns="" val="44223002"/>
                   </a:ext>
                 </a:extLst>
               </a:tr>
@@ -27221,7 +27221,7 @@
                 </a:tc>
                 <a:extLst>
                   <a:ext uri="{0D108BD9-81ED-4DB2-BD59-A6C34878D82A}">
-                    <a16:rowId xmlns="" xmlns:a16="http://schemas.microsoft.com/office/drawing/2014/main" val="4268083801"/>
+                    <a16:rowId xmlns:a16="http://schemas.microsoft.com/office/drawing/2014/main" xmlns="" val="4268083801"/>
                   </a:ext>
                 </a:extLst>
               </a:tr>
@@ -27327,7 +27327,7 @@
                 </a:tc>
                 <a:extLst>
                   <a:ext uri="{0D108BD9-81ED-4DB2-BD59-A6C34878D82A}">
-                    <a16:rowId xmlns="" xmlns:a16="http://schemas.microsoft.com/office/drawing/2014/main" val="2987823741"/>
+                    <a16:rowId xmlns:a16="http://schemas.microsoft.com/office/drawing/2014/main" xmlns="" val="2987823741"/>
                   </a:ext>
                 </a:extLst>
               </a:tr>
@@ -27433,7 +27433,7 @@
                 </a:tc>
                 <a:extLst>
                   <a:ext uri="{0D108BD9-81ED-4DB2-BD59-A6C34878D82A}">
-                    <a16:rowId xmlns="" xmlns:a16="http://schemas.microsoft.com/office/drawing/2014/main" val="193482310"/>
+                    <a16:rowId xmlns:a16="http://schemas.microsoft.com/office/drawing/2014/main" xmlns="" val="193482310"/>
                   </a:ext>
                 </a:extLst>
               </a:tr>
@@ -35278,35 +35278,35 @@
                 <a:gridCol w="763270">
                   <a:extLst>
                     <a:ext uri="{9D8B030D-6E8A-4147-A177-3AD203B41FA5}">
-                      <a16:colId xmlns="" xmlns:a16="http://schemas.microsoft.com/office/drawing/2014/main" val="3326979791"/>
+                      <a16:colId xmlns:a16="http://schemas.microsoft.com/office/drawing/2014/main" xmlns="" val="3326979791"/>
                     </a:ext>
                   </a:extLst>
                 </a:gridCol>
                 <a:gridCol w="542325">
                   <a:extLst>
                     <a:ext uri="{9D8B030D-6E8A-4147-A177-3AD203B41FA5}">
-                      <a16:colId xmlns="" xmlns:a16="http://schemas.microsoft.com/office/drawing/2014/main" val="637607070"/>
+                      <a16:colId xmlns:a16="http://schemas.microsoft.com/office/drawing/2014/main" xmlns="" val="637607070"/>
                     </a:ext>
                   </a:extLst>
                 </a:gridCol>
                 <a:gridCol w="542325">
                   <a:extLst>
                     <a:ext uri="{9D8B030D-6E8A-4147-A177-3AD203B41FA5}">
-                      <a16:colId xmlns="" xmlns:a16="http://schemas.microsoft.com/office/drawing/2014/main" val="1695508235"/>
+                      <a16:colId xmlns:a16="http://schemas.microsoft.com/office/drawing/2014/main" xmlns="" val="1695508235"/>
                     </a:ext>
                   </a:extLst>
                 </a:gridCol>
                 <a:gridCol w="542325">
                   <a:extLst>
                     <a:ext uri="{9D8B030D-6E8A-4147-A177-3AD203B41FA5}">
-                      <a16:colId xmlns="" xmlns:a16="http://schemas.microsoft.com/office/drawing/2014/main" val="1870987448"/>
+                      <a16:colId xmlns:a16="http://schemas.microsoft.com/office/drawing/2014/main" xmlns="" val="1870987448"/>
                     </a:ext>
                   </a:extLst>
                 </a:gridCol>
                 <a:gridCol w="542325">
                   <a:extLst>
                     <a:ext uri="{9D8B030D-6E8A-4147-A177-3AD203B41FA5}">
-                      <a16:colId xmlns="" xmlns:a16="http://schemas.microsoft.com/office/drawing/2014/main" val="324699617"/>
+                      <a16:colId xmlns:a16="http://schemas.microsoft.com/office/drawing/2014/main" xmlns="" val="324699617"/>
                     </a:ext>
                   </a:extLst>
                 </a:gridCol>
@@ -35674,7 +35674,7 @@
                 </a:tc>
                 <a:extLst>
                   <a:ext uri="{0D108BD9-81ED-4DB2-BD59-A6C34878D82A}">
-                    <a16:rowId xmlns="" xmlns:a16="http://schemas.microsoft.com/office/drawing/2014/main" val="798814532"/>
+                    <a16:rowId xmlns:a16="http://schemas.microsoft.com/office/drawing/2014/main" xmlns="" val="798814532"/>
                   </a:ext>
                 </a:extLst>
               </a:tr>
@@ -36021,7 +36021,7 @@
                 </a:tc>
                 <a:extLst>
                   <a:ext uri="{0D108BD9-81ED-4DB2-BD59-A6C34878D82A}">
-                    <a16:rowId xmlns="" xmlns:a16="http://schemas.microsoft.com/office/drawing/2014/main" val="1491202224"/>
+                    <a16:rowId xmlns:a16="http://schemas.microsoft.com/office/drawing/2014/main" xmlns="" val="1491202224"/>
                   </a:ext>
                 </a:extLst>
               </a:tr>
@@ -36346,7 +36346,7 @@
                 </a:tc>
                 <a:extLst>
                   <a:ext uri="{0D108BD9-81ED-4DB2-BD59-A6C34878D82A}">
-                    <a16:rowId xmlns="" xmlns:a16="http://schemas.microsoft.com/office/drawing/2014/main" val="2457331936"/>
+                    <a16:rowId xmlns:a16="http://schemas.microsoft.com/office/drawing/2014/main" xmlns="" val="2457331936"/>
                   </a:ext>
                 </a:extLst>
               </a:tr>
@@ -36476,35 +36476,35 @@
                 <a:gridCol w="763270">
                   <a:extLst>
                     <a:ext uri="{9D8B030D-6E8A-4147-A177-3AD203B41FA5}">
-                      <a16:colId xmlns="" xmlns:a16="http://schemas.microsoft.com/office/drawing/2014/main" val="3326979791"/>
+                      <a16:colId xmlns:a16="http://schemas.microsoft.com/office/drawing/2014/main" xmlns="" val="3326979791"/>
                     </a:ext>
                   </a:extLst>
                 </a:gridCol>
                 <a:gridCol w="542325">
                   <a:extLst>
                     <a:ext uri="{9D8B030D-6E8A-4147-A177-3AD203B41FA5}">
-                      <a16:colId xmlns="" xmlns:a16="http://schemas.microsoft.com/office/drawing/2014/main" val="637607070"/>
+                      <a16:colId xmlns:a16="http://schemas.microsoft.com/office/drawing/2014/main" xmlns="" val="637607070"/>
                     </a:ext>
                   </a:extLst>
                 </a:gridCol>
                 <a:gridCol w="542325">
                   <a:extLst>
                     <a:ext uri="{9D8B030D-6E8A-4147-A177-3AD203B41FA5}">
-                      <a16:colId xmlns="" xmlns:a16="http://schemas.microsoft.com/office/drawing/2014/main" val="1695508235"/>
+                      <a16:colId xmlns:a16="http://schemas.microsoft.com/office/drawing/2014/main" xmlns="" val="1695508235"/>
                     </a:ext>
                   </a:extLst>
                 </a:gridCol>
                 <a:gridCol w="542325">
                   <a:extLst>
                     <a:ext uri="{9D8B030D-6E8A-4147-A177-3AD203B41FA5}">
-                      <a16:colId xmlns="" xmlns:a16="http://schemas.microsoft.com/office/drawing/2014/main" val="1870987448"/>
+                      <a16:colId xmlns:a16="http://schemas.microsoft.com/office/drawing/2014/main" xmlns="" val="1870987448"/>
                     </a:ext>
                   </a:extLst>
                 </a:gridCol>
                 <a:gridCol w="542325">
                   <a:extLst>
                     <a:ext uri="{9D8B030D-6E8A-4147-A177-3AD203B41FA5}">
-                      <a16:colId xmlns="" xmlns:a16="http://schemas.microsoft.com/office/drawing/2014/main" val="324699617"/>
+                      <a16:colId xmlns:a16="http://schemas.microsoft.com/office/drawing/2014/main" xmlns="" val="324699617"/>
                     </a:ext>
                   </a:extLst>
                 </a:gridCol>
@@ -36872,7 +36872,7 @@
                 </a:tc>
                 <a:extLst>
                   <a:ext uri="{0D108BD9-81ED-4DB2-BD59-A6C34878D82A}">
-                    <a16:rowId xmlns="" xmlns:a16="http://schemas.microsoft.com/office/drawing/2014/main" val="798814532"/>
+                    <a16:rowId xmlns:a16="http://schemas.microsoft.com/office/drawing/2014/main" xmlns="" val="798814532"/>
                   </a:ext>
                 </a:extLst>
               </a:tr>
@@ -37219,7 +37219,7 @@
                 </a:tc>
                 <a:extLst>
                   <a:ext uri="{0D108BD9-81ED-4DB2-BD59-A6C34878D82A}">
-                    <a16:rowId xmlns="" xmlns:a16="http://schemas.microsoft.com/office/drawing/2014/main" val="1491202224"/>
+                    <a16:rowId xmlns:a16="http://schemas.microsoft.com/office/drawing/2014/main" xmlns="" val="1491202224"/>
                   </a:ext>
                 </a:extLst>
               </a:tr>
@@ -37574,7 +37574,7 @@
                 </a:tc>
                 <a:extLst>
                   <a:ext uri="{0D108BD9-81ED-4DB2-BD59-A6C34878D82A}">
-                    <a16:rowId xmlns="" xmlns:a16="http://schemas.microsoft.com/office/drawing/2014/main" val="2457331936"/>
+                    <a16:rowId xmlns:a16="http://schemas.microsoft.com/office/drawing/2014/main" xmlns="" val="2457331936"/>
                   </a:ext>
                 </a:extLst>
               </a:tr>
@@ -37712,35 +37712,35 @@
                 <a:gridCol w="763270">
                   <a:extLst>
                     <a:ext uri="{9D8B030D-6E8A-4147-A177-3AD203B41FA5}">
-                      <a16:colId xmlns="" xmlns:a16="http://schemas.microsoft.com/office/drawing/2014/main" val="3326979791"/>
+                      <a16:colId xmlns:a16="http://schemas.microsoft.com/office/drawing/2014/main" xmlns="" val="3326979791"/>
                     </a:ext>
                   </a:extLst>
                 </a:gridCol>
                 <a:gridCol w="542325">
                   <a:extLst>
                     <a:ext uri="{9D8B030D-6E8A-4147-A177-3AD203B41FA5}">
-                      <a16:colId xmlns="" xmlns:a16="http://schemas.microsoft.com/office/drawing/2014/main" val="637607070"/>
+                      <a16:colId xmlns:a16="http://schemas.microsoft.com/office/drawing/2014/main" xmlns="" val="637607070"/>
                     </a:ext>
                   </a:extLst>
                 </a:gridCol>
                 <a:gridCol w="542325">
                   <a:extLst>
                     <a:ext uri="{9D8B030D-6E8A-4147-A177-3AD203B41FA5}">
-                      <a16:colId xmlns="" xmlns:a16="http://schemas.microsoft.com/office/drawing/2014/main" val="1695508235"/>
+                      <a16:colId xmlns:a16="http://schemas.microsoft.com/office/drawing/2014/main" xmlns="" val="1695508235"/>
                     </a:ext>
                   </a:extLst>
                 </a:gridCol>
                 <a:gridCol w="542325">
                   <a:extLst>
                     <a:ext uri="{9D8B030D-6E8A-4147-A177-3AD203B41FA5}">
-                      <a16:colId xmlns="" xmlns:a16="http://schemas.microsoft.com/office/drawing/2014/main" val="1870987448"/>
+                      <a16:colId xmlns:a16="http://schemas.microsoft.com/office/drawing/2014/main" xmlns="" val="1870987448"/>
                     </a:ext>
                   </a:extLst>
                 </a:gridCol>
                 <a:gridCol w="542325">
                   <a:extLst>
                     <a:ext uri="{9D8B030D-6E8A-4147-A177-3AD203B41FA5}">
-                      <a16:colId xmlns="" xmlns:a16="http://schemas.microsoft.com/office/drawing/2014/main" val="324699617"/>
+                      <a16:colId xmlns:a16="http://schemas.microsoft.com/office/drawing/2014/main" xmlns="" val="324699617"/>
                     </a:ext>
                   </a:extLst>
                 </a:gridCol>
@@ -38108,7 +38108,7 @@
                 </a:tc>
                 <a:extLst>
                   <a:ext uri="{0D108BD9-81ED-4DB2-BD59-A6C34878D82A}">
-                    <a16:rowId xmlns="" xmlns:a16="http://schemas.microsoft.com/office/drawing/2014/main" val="798814532"/>
+                    <a16:rowId xmlns:a16="http://schemas.microsoft.com/office/drawing/2014/main" xmlns="" val="798814532"/>
                   </a:ext>
                 </a:extLst>
               </a:tr>
@@ -38455,7 +38455,7 @@
                 </a:tc>
                 <a:extLst>
                   <a:ext uri="{0D108BD9-81ED-4DB2-BD59-A6C34878D82A}">
-                    <a16:rowId xmlns="" xmlns:a16="http://schemas.microsoft.com/office/drawing/2014/main" val="1491202224"/>
+                    <a16:rowI